--- a/help/data-sheets/assets/BusinessSupportDatasheet.pptx
+++ b/help/data-sheets/assets/BusinessSupportDatasheet.pptx
@@ -2,15 +2,15 @@
 <file path=ppt/presentation.xml><?xml version="1.0" encoding="utf-8"?>
 <p:presentation xmlns:a="http://schemas.openxmlformats.org/drawingml/2006/main" xmlns:r="http://schemas.openxmlformats.org/officeDocument/2006/relationships" xmlns:p="http://schemas.openxmlformats.org/presentationml/2006/main">
   <p:sldMasterIdLst>
-    <p:sldMasterId id="2147483648" r:id="rId4"/>
+    <p:sldMasterId id="2147483648" r:id="rId1"/>
   </p:sldMasterIdLst>
   <p:notesMasterIdLst>
-    <p:notesMasterId r:id="rId8"/>
+    <p:notesMasterId r:id="rId5"/>
   </p:notesMasterIdLst>
   <p:sldIdLst>
-    <p:sldId id="256" r:id="rId5"/>
-    <p:sldId id="257" r:id="rId6"/>
-    <p:sldId id="261" r:id="rId7"/>
+    <p:sldId id="256" r:id="rId2"/>
+    <p:sldId id="257" r:id="rId3"/>
+    <p:sldId id="261" r:id="rId4"/>
   </p:sldIdLst>
   <p:sldSz cx="7772400" cy="10058400"/>
   <p:notesSz cx="7772400" cy="10058400"/>
@@ -117,7 +117,7 @@
             <a:srgbClr val="A4A3A4"/>
           </p15:clr>
         </p15:guide>
-        <p15:guide id="2" pos="2160">
+        <p15:guide id="2" pos="2147">
           <p15:clr>
             <a:srgbClr val="A4A3A4"/>
           </p15:clr>
@@ -130,160 +130,8 @@
 
 <file path=ppt/commentAuthors.xml><?xml version="1.0" encoding="utf-8"?>
 <p:cmAuthorLst xmlns:a="http://schemas.openxmlformats.org/drawingml/2006/main" xmlns:r="http://schemas.openxmlformats.org/officeDocument/2006/relationships" xmlns:p="http://schemas.openxmlformats.org/presentationml/2006/main">
-  <p:cmAuthor id="1" name="Ankita Sood" initials="AS" lastIdx="2" clrIdx="0">
-    <p:extLst>
-      <p:ext uri="{19B8F6BF-5375-455C-9EA6-DF929625EA0E}">
-        <p15:presenceInfo xmlns:p15="http://schemas.microsoft.com/office/powerpoint/2012/main" userId="S::asood@adobe.com::c93a62e3-2a47-429d-82c6-c2a8fd110ae7" providerId="AD"/>
-      </p:ext>
-    </p:extLst>
-  </p:cmAuthor>
+  <p:cmAuthor id="1" name="Ankita Sood" initials="AS" lastIdx="2" clrIdx="0"/>
 </p:cmAuthorLst>
-</file>
-
-<file path=ppt/revisionInfo.xml><?xml version="1.0" encoding="utf-8"?>
-<p1510:revInfo xmlns:a="http://schemas.openxmlformats.org/drawingml/2006/main" xmlns:r="http://schemas.openxmlformats.org/officeDocument/2006/relationships" xmlns:p1510="http://schemas.microsoft.com/office/powerpoint/2015/10/main">
-  <p1510:revLst>
-    <p1510:client id="{06B13378-B080-7F0F-51A5-F9203CEE57ED}" v="370" dt="2021-08-25T22:26:24.850"/>
-    <p1510:client id="{4D8E0410-E0CE-85E2-0F84-C1BF4F647622}" v="27" dt="2021-09-22T22:57:14.395"/>
-    <p1510:client id="{71D6CFBF-0EA2-99B0-93F4-22F19EF0AE4E}" v="2" dt="2021-09-22T19:06:58.732"/>
-    <p1510:client id="{9E385600-BF81-FC49-9ED0-E33BC37F7908}" v="55" dt="2021-08-04T08:16:13.478"/>
-    <p1510:client id="{AFB92C2B-405E-C597-0988-18F97C53104C}" v="37" dt="2021-09-22T18:53:28.028"/>
-    <p1510:client id="{CA5D33DF-AE75-BCA1-B9BC-A7CD44D2F3C7}" v="2" dt="2021-08-25T22:38:18.624"/>
-  </p1510:revLst>
-</p1510:revInfo>
-</file>
-
-<file path=ppt/changesInfos/changesInfo1.xml><?xml version="1.0" encoding="utf-8"?>
-<pc:chgInfo xmlns:a="http://schemas.openxmlformats.org/drawingml/2006/main" xmlns:r="http://schemas.openxmlformats.org/officeDocument/2006/relationships" xmlns:ac="http://schemas.microsoft.com/office/drawing/2013/main/command" xmlns:pc="http://schemas.microsoft.com/office/powerpoint/2013/main/command">
-  <pc:docChgLst>
-    <pc:chgData name="Akilah Johnson" userId="S::akjohnso@adobe.com::2fa3aa60-0c9c-4d06-bae2-795983241227" providerId="AD" clId="Web-{4D8E0410-E0CE-85E2-0F84-C1BF4F647622}"/>
-    <pc:docChg chg="modSld">
-      <pc:chgData name="Akilah Johnson" userId="S::akjohnso@adobe.com::2fa3aa60-0c9c-4d06-bae2-795983241227" providerId="AD" clId="Web-{4D8E0410-E0CE-85E2-0F84-C1BF4F647622}" dt="2021-09-22T22:57:04.802" v="5"/>
-      <pc:docMkLst>
-        <pc:docMk/>
-      </pc:docMkLst>
-      <pc:sldChg chg="modSp">
-        <pc:chgData name="Akilah Johnson" userId="S::akjohnso@adobe.com::2fa3aa60-0c9c-4d06-bae2-795983241227" providerId="AD" clId="Web-{4D8E0410-E0CE-85E2-0F84-C1BF4F647622}" dt="2021-09-22T22:57:04.802" v="5"/>
-        <pc:sldMkLst>
-          <pc:docMk/>
-          <pc:sldMk cId="1050037809" sldId="261"/>
-        </pc:sldMkLst>
-        <pc:graphicFrameChg chg="mod modGraphic">
-          <ac:chgData name="Akilah Johnson" userId="S::akjohnso@adobe.com::2fa3aa60-0c9c-4d06-bae2-795983241227" providerId="AD" clId="Web-{4D8E0410-E0CE-85E2-0F84-C1BF4F647622}" dt="2021-09-22T22:57:04.802" v="5"/>
-          <ac:graphicFrameMkLst>
-            <pc:docMk/>
-            <pc:sldMk cId="1050037809" sldId="261"/>
-            <ac:graphicFrameMk id="25" creationId="{3A91F5B0-3974-A14D-A146-FB590F2AAD18}"/>
-          </ac:graphicFrameMkLst>
-        </pc:graphicFrameChg>
-      </pc:sldChg>
-    </pc:docChg>
-  </pc:docChgLst>
-  <pc:docChgLst>
-    <pc:chgData name="Akilah Johnson" userId="S::akjohnso@adobe.com::2fa3aa60-0c9c-4d06-bae2-795983241227" providerId="AD" clId="Web-{71D6CFBF-0EA2-99B0-93F4-22F19EF0AE4E}"/>
-    <pc:docChg chg="modSld">
-      <pc:chgData name="Akilah Johnson" userId="S::akjohnso@adobe.com::2fa3aa60-0c9c-4d06-bae2-795983241227" providerId="AD" clId="Web-{71D6CFBF-0EA2-99B0-93F4-22F19EF0AE4E}" dt="2021-09-22T19:06:58.732" v="1" actId="1076"/>
-      <pc:docMkLst>
-        <pc:docMk/>
-      </pc:docMkLst>
-      <pc:sldChg chg="modSp">
-        <pc:chgData name="Akilah Johnson" userId="S::akjohnso@adobe.com::2fa3aa60-0c9c-4d06-bae2-795983241227" providerId="AD" clId="Web-{71D6CFBF-0EA2-99B0-93F4-22F19EF0AE4E}" dt="2021-09-22T19:06:58.732" v="1" actId="1076"/>
-        <pc:sldMkLst>
-          <pc:docMk/>
-          <pc:sldMk cId="1050037809" sldId="261"/>
-        </pc:sldMkLst>
-        <pc:spChg chg="mod">
-          <ac:chgData name="Akilah Johnson" userId="S::akjohnso@adobe.com::2fa3aa60-0c9c-4d06-bae2-795983241227" providerId="AD" clId="Web-{71D6CFBF-0EA2-99B0-93F4-22F19EF0AE4E}" dt="2021-09-22T19:06:58.732" v="1" actId="1076"/>
-          <ac:spMkLst>
-            <pc:docMk/>
-            <pc:sldMk cId="1050037809" sldId="261"/>
-            <ac:spMk id="64" creationId="{41467BDC-3D83-D844-B922-CD07E94E5AAB}"/>
-          </ac:spMkLst>
-        </pc:spChg>
-      </pc:sldChg>
-    </pc:docChg>
-  </pc:docChgLst>
-  <pc:docChgLst>
-    <pc:chgData name="Andy Witt" userId="S::awitt@adobe.com::e9157bdf-53b2-40e4-9459-936793d75696" providerId="AD" clId="Web-{06B13378-B080-7F0F-51A5-F9203CEE57ED}"/>
-    <pc:docChg chg="modSld">
-      <pc:chgData name="Andy Witt" userId="S::awitt@adobe.com::e9157bdf-53b2-40e4-9459-936793d75696" providerId="AD" clId="Web-{06B13378-B080-7F0F-51A5-F9203CEE57ED}" dt="2021-08-25T22:25:13.647" v="363"/>
-      <pc:docMkLst>
-        <pc:docMk/>
-      </pc:docMkLst>
-      <pc:sldChg chg="modSp">
-        <pc:chgData name="Andy Witt" userId="S::awitt@adobe.com::e9157bdf-53b2-40e4-9459-936793d75696" providerId="AD" clId="Web-{06B13378-B080-7F0F-51A5-F9203CEE57ED}" dt="2021-08-25T22:25:13.647" v="363"/>
-        <pc:sldMkLst>
-          <pc:docMk/>
-          <pc:sldMk cId="1050037809" sldId="261"/>
-        </pc:sldMkLst>
-        <pc:graphicFrameChg chg="mod modGraphic">
-          <ac:chgData name="Andy Witt" userId="S::awitt@adobe.com::e9157bdf-53b2-40e4-9459-936793d75696" providerId="AD" clId="Web-{06B13378-B080-7F0F-51A5-F9203CEE57ED}" dt="2021-08-25T22:25:13.647" v="363"/>
-          <ac:graphicFrameMkLst>
-            <pc:docMk/>
-            <pc:sldMk cId="1050037809" sldId="261"/>
-            <ac:graphicFrameMk id="25" creationId="{3A91F5B0-3974-A14D-A146-FB590F2AAD18}"/>
-          </ac:graphicFrameMkLst>
-        </pc:graphicFrameChg>
-      </pc:sldChg>
-    </pc:docChg>
-  </pc:docChgLst>
-  <pc:docChgLst>
-    <pc:chgData name="Akilah Johnson" userId="S::akjohnso@adobe.com::2fa3aa60-0c9c-4d06-bae2-795983241227" providerId="AD" clId="Web-{AFB92C2B-405E-C597-0988-18F97C53104C}"/>
-    <pc:docChg chg="modSld">
-      <pc:chgData name="Akilah Johnson" userId="S::akjohnso@adobe.com::2fa3aa60-0c9c-4d06-bae2-795983241227" providerId="AD" clId="Web-{AFB92C2B-405E-C597-0988-18F97C53104C}" dt="2021-09-22T18:53:26.184" v="29"/>
-      <pc:docMkLst>
-        <pc:docMk/>
-      </pc:docMkLst>
-      <pc:sldChg chg="modSp">
-        <pc:chgData name="Akilah Johnson" userId="S::akjohnso@adobe.com::2fa3aa60-0c9c-4d06-bae2-795983241227" providerId="AD" clId="Web-{AFB92C2B-405E-C597-0988-18F97C53104C}" dt="2021-09-22T18:53:26.184" v="29"/>
-        <pc:sldMkLst>
-          <pc:docMk/>
-          <pc:sldMk cId="1050037809" sldId="261"/>
-        </pc:sldMkLst>
-        <pc:spChg chg="mod">
-          <ac:chgData name="Akilah Johnson" userId="S::akjohnso@adobe.com::2fa3aa60-0c9c-4d06-bae2-795983241227" providerId="AD" clId="Web-{AFB92C2B-405E-C597-0988-18F97C53104C}" dt="2021-09-22T18:53:05.841" v="5" actId="20577"/>
-          <ac:spMkLst>
-            <pc:docMk/>
-            <pc:sldMk cId="1050037809" sldId="261"/>
-            <ac:spMk id="64" creationId="{41467BDC-3D83-D844-B922-CD07E94E5AAB}"/>
-          </ac:spMkLst>
-        </pc:spChg>
-        <pc:graphicFrameChg chg="mod modGraphic">
-          <ac:chgData name="Akilah Johnson" userId="S::akjohnso@adobe.com::2fa3aa60-0c9c-4d06-bae2-795983241227" providerId="AD" clId="Web-{AFB92C2B-405E-C597-0988-18F97C53104C}" dt="2021-09-22T18:53:26.184" v="29"/>
-          <ac:graphicFrameMkLst>
-            <pc:docMk/>
-            <pc:sldMk cId="1050037809" sldId="261"/>
-            <ac:graphicFrameMk id="25" creationId="{3A91F5B0-3974-A14D-A146-FB590F2AAD18}"/>
-          </ac:graphicFrameMkLst>
-        </pc:graphicFrameChg>
-      </pc:sldChg>
-    </pc:docChg>
-  </pc:docChgLst>
-  <pc:docChgLst>
-    <pc:chgData name="Andy Witt" userId="S::awitt@adobe.com::e9157bdf-53b2-40e4-9459-936793d75696" providerId="AD" clId="Web-{CA5D33DF-AE75-BCA1-B9BC-A7CD44D2F3C7}"/>
-    <pc:docChg chg="modSld">
-      <pc:chgData name="Andy Witt" userId="S::awitt@adobe.com::e9157bdf-53b2-40e4-9459-936793d75696" providerId="AD" clId="Web-{CA5D33DF-AE75-BCA1-B9BC-A7CD44D2F3C7}" dt="2021-08-25T22:38:18.624" v="1" actId="1076"/>
-      <pc:docMkLst>
-        <pc:docMk/>
-      </pc:docMkLst>
-      <pc:sldChg chg="modSp">
-        <pc:chgData name="Andy Witt" userId="S::awitt@adobe.com::e9157bdf-53b2-40e4-9459-936793d75696" providerId="AD" clId="Web-{CA5D33DF-AE75-BCA1-B9BC-A7CD44D2F3C7}" dt="2021-08-25T22:38:18.624" v="1" actId="1076"/>
-        <pc:sldMkLst>
-          <pc:docMk/>
-          <pc:sldMk cId="1050037809" sldId="261"/>
-        </pc:sldMkLst>
-        <pc:spChg chg="mod">
-          <ac:chgData name="Andy Witt" userId="S::awitt@adobe.com::e9157bdf-53b2-40e4-9459-936793d75696" providerId="AD" clId="Web-{CA5D33DF-AE75-BCA1-B9BC-A7CD44D2F3C7}" dt="2021-08-25T22:38:18.624" v="1" actId="1076"/>
-          <ac:spMkLst>
-            <pc:docMk/>
-            <pc:sldMk cId="1050037809" sldId="261"/>
-            <ac:spMk id="50" creationId="{043050D0-21FC-0C42-8484-7FE7C0DB771F}"/>
-          </ac:spMkLst>
-        </pc:spChg>
-      </pc:sldChg>
-    </pc:docChg>
-  </pc:docChgLst>
-</pc:chgInfo>
 </file>
 
 <file path=ppt/notesMasters/notesMaster1.xml><?xml version="1.0" encoding="utf-8"?>
@@ -368,7 +216,7 @@
           <a:p>
             <a:fld id="{FB81873C-0B24-F04A-98A1-90E0A78F7E8A}" type="datetimeFigureOut">
               <a:rPr lang="en-US" smtClean="0"/>
-              <a:t>9/22/2021</a:t>
+              <a:t>10/11/21</a:t>
             </a:fld>
             <a:endParaRPr lang="en-US"/>
           </a:p>
@@ -533,11 +381,6 @@
         </p:txBody>
       </p:sp>
     </p:spTree>
-    <p:extLst>
-      <p:ext uri="{BB962C8B-B14F-4D97-AF65-F5344CB8AC3E}">
-        <p14:creationId xmlns:p14="http://schemas.microsoft.com/office/powerpoint/2010/main" val="4053790623"/>
-      </p:ext>
-    </p:extLst>
   </p:cSld>
   <p:clrMap bg1="lt1" tx1="dk1" bg2="lt2" tx2="dk2" accent1="accent1" accent2="accent2" accent3="accent3" accent4="accent4" accent5="accent5" accent6="accent6" hlink="hlink" folHlink="folHlink"/>
   <p:notesStyle>
@@ -679,7 +522,7 @@
           <a:bodyPr/>
           <a:lstStyle/>
           <a:p>
-            <a:endParaRPr lang="en-US"/>
+            <a:endParaRPr lang="en-US" dirty="0"/>
           </a:p>
         </p:txBody>
       </p:sp>
@@ -707,11 +550,6 @@
         </p:txBody>
       </p:sp>
     </p:spTree>
-    <p:extLst>
-      <p:ext uri="{BB962C8B-B14F-4D97-AF65-F5344CB8AC3E}">
-        <p14:creationId xmlns:p14="http://schemas.microsoft.com/office/powerpoint/2010/main" val="100507355"/>
-      </p:ext>
-    </p:extLst>
   </p:cSld>
   <p:clrMapOvr>
     <a:masterClrMapping/>
@@ -763,7 +601,7 @@
           <a:bodyPr/>
           <a:lstStyle/>
           <a:p>
-            <a:endParaRPr lang="en-US"/>
+            <a:endParaRPr lang="en-US" dirty="0"/>
           </a:p>
         </p:txBody>
       </p:sp>
@@ -791,11 +629,6 @@
         </p:txBody>
       </p:sp>
     </p:spTree>
-    <p:extLst>
-      <p:ext uri="{BB962C8B-B14F-4D97-AF65-F5344CB8AC3E}">
-        <p14:creationId xmlns:p14="http://schemas.microsoft.com/office/powerpoint/2010/main" val="4294358143"/>
-      </p:ext>
-    </p:extLst>
   </p:cSld>
   <p:clrMapOvr>
     <a:masterClrMapping/>
@@ -847,7 +680,7 @@
           <a:bodyPr/>
           <a:lstStyle/>
           <a:p>
-            <a:endParaRPr lang="en-US"/>
+            <a:endParaRPr lang="en-US" dirty="0"/>
           </a:p>
         </p:txBody>
       </p:sp>
@@ -875,11 +708,6 @@
         </p:txBody>
       </p:sp>
     </p:spTree>
-    <p:extLst>
-      <p:ext uri="{BB962C8B-B14F-4D97-AF65-F5344CB8AC3E}">
-        <p14:creationId xmlns:p14="http://schemas.microsoft.com/office/powerpoint/2010/main" val="3435290369"/>
-      </p:ext>
-    </p:extLst>
   </p:cSld>
   <p:clrMapOvr>
     <a:masterClrMapping/>
@@ -931,8 +759,8 @@
                 <a:solidFill>
                   <a:schemeClr val="bg1"/>
                 </a:solidFill>
-                <a:latin typeface="Arial"/>
-                <a:cs typeface="Arial"/>
+                <a:latin typeface="Arial" panose="020B0604020202020204"/>
+                <a:cs typeface="Arial" panose="020B0604020202020204"/>
               </a:defRPr>
             </a:lvl1pPr>
           </a:lstStyle>
@@ -991,7 +819,7 @@
           <a:p>
             <a:fld id="{1D8BD707-D9CF-40AE-B4C6-C98DA3205C09}" type="datetimeFigureOut">
               <a:rPr lang="en-US"/>
-              <a:t>9/22/2021</a:t>
+              <a:t>10/11/21</a:t>
             </a:fld>
             <a:endParaRPr lang="en-US"/>
           </a:p>
@@ -1023,6 +851,7 @@
           </a:lstStyle>
           <a:p>
             <a:fld id="{B6F15528-21DE-4FAA-801E-634DDDAF4B2B}" type="slidenum">
+              <a:rPr/>
               <a:t>‹#›</a:t>
             </a:fld>
             <a:endParaRPr/>
@@ -1031,13 +860,7 @@
       </p:sp>
       <p:sp>
         <p:nvSpPr>
-          <p:cNvPr id="11" name="Holder 4">
-            <a:extLst>
-              <a:ext uri="{FF2B5EF4-FFF2-40B4-BE49-F238E27FC236}">
-                <a16:creationId xmlns:a16="http://schemas.microsoft.com/office/drawing/2014/main" id="{F336C0EC-C908-0A4C-AD0F-1418E778FC60}"/>
-              </a:ext>
-            </a:extLst>
-          </p:cNvPr>
+          <p:cNvPr id="11" name="Holder 4"/>
           <p:cNvSpPr>
             <a:spLocks noGrp="1"/>
           </p:cNvSpPr>
@@ -1079,23 +902,23 @@
               </a:spcBef>
             </a:pPr>
             <a:r>
-              <a:rPr spc="-5"/>
+              <a:rPr spc="-5" dirty="0"/>
               <a:t>©202</a:t>
             </a:r>
             <a:r>
-              <a:rPr lang="en-US" spc="-5"/>
+              <a:rPr lang="en-US" spc="-5" dirty="0"/>
               <a:t>1 </a:t>
             </a:r>
             <a:r>
-              <a:rPr spc="-5"/>
+              <a:rPr spc="-5" dirty="0"/>
               <a:t>Adobe. All Rights Reserved. Adobe</a:t>
             </a:r>
             <a:r>
-              <a:rPr spc="60"/>
+              <a:rPr spc="60" dirty="0"/>
               <a:t> </a:t>
             </a:r>
             <a:r>
-              <a:rPr spc="-5"/>
+              <a:rPr spc="-5" dirty="0"/>
               <a:t>Confidential.</a:t>
             </a:r>
           </a:p>
@@ -1103,13 +926,7 @@
       </p:sp>
       <p:pic>
         <p:nvPicPr>
-          <p:cNvPr id="12" name="Picture 11">
-            <a:extLst>
-              <a:ext uri="{FF2B5EF4-FFF2-40B4-BE49-F238E27FC236}">
-                <a16:creationId xmlns:a16="http://schemas.microsoft.com/office/drawing/2014/main" id="{4388883E-79D4-2047-8C5E-37999ED2475C}"/>
-              </a:ext>
-            </a:extLst>
-          </p:cNvPr>
+          <p:cNvPr id="12" name="Picture 11"/>
           <p:cNvPicPr>
             <a:picLocks noChangeAspect="1"/>
           </p:cNvPicPr>
@@ -1183,7 +1000,7 @@
           <a:p>
             <a:fld id="{1D8BD707-D9CF-40AE-B4C6-C98DA3205C09}" type="datetimeFigureOut">
               <a:rPr lang="en-US"/>
-              <a:t>9/22/2021</a:t>
+              <a:t>10/11/21</a:t>
             </a:fld>
             <a:endParaRPr lang="en-US"/>
           </a:p>
@@ -1215,6 +1032,7 @@
           </a:lstStyle>
           <a:p>
             <a:fld id="{B6F15528-21DE-4FAA-801E-634DDDAF4B2B}" type="slidenum">
+              <a:rPr/>
               <a:t>‹#›</a:t>
             </a:fld>
             <a:endParaRPr/>
@@ -1223,13 +1041,7 @@
       </p:sp>
       <p:sp>
         <p:nvSpPr>
-          <p:cNvPr id="7" name="Holder 4">
-            <a:extLst>
-              <a:ext uri="{FF2B5EF4-FFF2-40B4-BE49-F238E27FC236}">
-                <a16:creationId xmlns:a16="http://schemas.microsoft.com/office/drawing/2014/main" id="{004A8D36-CC65-B341-9E43-4A47F88C0D96}"/>
-              </a:ext>
-            </a:extLst>
-          </p:cNvPr>
+          <p:cNvPr id="7" name="Holder 4"/>
           <p:cNvSpPr>
             <a:spLocks noGrp="1"/>
           </p:cNvSpPr>
@@ -1271,23 +1083,23 @@
               </a:spcBef>
             </a:pPr>
             <a:r>
-              <a:rPr spc="-5"/>
+              <a:rPr spc="-5" dirty="0"/>
               <a:t>©202</a:t>
             </a:r>
             <a:r>
-              <a:rPr lang="en-US" spc="-5"/>
+              <a:rPr lang="en-US" spc="-5" dirty="0"/>
               <a:t>1</a:t>
             </a:r>
             <a:r>
-              <a:rPr spc="-5"/>
+              <a:rPr spc="-5" dirty="0"/>
               <a:t> Adobe. All Rights Reserved. Adobe</a:t>
             </a:r>
             <a:r>
-              <a:rPr spc="60"/>
+              <a:rPr spc="60" dirty="0"/>
               <a:t> </a:t>
             </a:r>
             <a:r>
-              <a:rPr spc="-5"/>
+              <a:rPr spc="-5" dirty="0"/>
               <a:t>Confidential.</a:t>
             </a:r>
           </a:p>
@@ -1355,8 +1167,8 @@
                 <a:solidFill>
                   <a:schemeClr val="bg1"/>
                 </a:solidFill>
-                <a:latin typeface="Arial"/>
-                <a:cs typeface="Arial"/>
+                <a:latin typeface="Arial" panose="020B0604020202020204"/>
+                <a:cs typeface="Arial" panose="020B0604020202020204"/>
               </a:defRPr>
             </a:lvl1pPr>
           </a:lstStyle>
@@ -1442,23 +1254,23 @@
               </a:spcBef>
             </a:pPr>
             <a:r>
-              <a:rPr spc="-5"/>
+              <a:rPr spc="-5" dirty="0"/>
               <a:t>©202</a:t>
             </a:r>
             <a:r>
-              <a:rPr lang="en-US" spc="-5"/>
+              <a:rPr lang="en-US" spc="-5" dirty="0"/>
               <a:t>1</a:t>
             </a:r>
             <a:r>
-              <a:rPr spc="-5"/>
+              <a:rPr spc="-5" dirty="0"/>
               <a:t> Adobe. All Rights Reserved. Adobe</a:t>
             </a:r>
             <a:r>
-              <a:rPr spc="60"/>
+              <a:rPr spc="60" dirty="0"/>
               <a:t> </a:t>
             </a:r>
             <a:r>
-              <a:rPr spc="-5"/>
+              <a:rPr spc="-5" dirty="0"/>
               <a:t>Confidential.</a:t>
             </a:r>
           </a:p>
@@ -1501,7 +1313,7 @@
           <a:p>
             <a:fld id="{1D8BD707-D9CF-40AE-B4C6-C98DA3205C09}" type="datetimeFigureOut">
               <a:rPr lang="en-US"/>
-              <a:t>9/22/2021</a:t>
+              <a:t>10/11/21</a:t>
             </a:fld>
             <a:endParaRPr lang="en-US"/>
           </a:p>
@@ -1543,6 +1355,7 @@
           </a:lstStyle>
           <a:p>
             <a:fld id="{B6F15528-21DE-4FAA-801E-634DDDAF4B2B}" type="slidenum">
+              <a:rPr/>
               <a:t>‹#›</a:t>
             </a:fld>
             <a:endParaRPr/>
@@ -1551,13 +1364,7 @@
       </p:sp>
       <p:pic>
         <p:nvPicPr>
-          <p:cNvPr id="9" name="Picture 8">
-            <a:extLst>
-              <a:ext uri="{FF2B5EF4-FFF2-40B4-BE49-F238E27FC236}">
-                <a16:creationId xmlns:a16="http://schemas.microsoft.com/office/drawing/2014/main" id="{40B595D3-F8FC-DA44-B170-015BD0590CFB}"/>
-              </a:ext>
-            </a:extLst>
-          </p:cNvPr>
+          <p:cNvPr id="9" name="Picture 8"/>
           <p:cNvPicPr>
             <a:picLocks noChangeAspect="1"/>
           </p:cNvPicPr>
@@ -1583,8 +1390,8 @@
   </p:cSld>
   <p:clrMap bg1="lt1" tx1="dk1" bg2="lt2" tx2="dk2" accent1="accent1" accent2="accent2" accent3="accent3" accent4="accent4" accent5="accent5" accent6="accent6" hlink="hlink" folHlink="folHlink"/>
   <p:sldLayoutIdLst>
-    <p:sldLayoutId id="2147483662" r:id="rId1"/>
-    <p:sldLayoutId id="2147483665" r:id="rId2"/>
+    <p:sldLayoutId id="2147483649" r:id="rId1"/>
+    <p:sldLayoutId id="2147483650" r:id="rId2"/>
   </p:sldLayoutIdLst>
   <p:txStyles>
     <p:titleStyle>
@@ -1755,8 +1562,8 @@
         </p:nvSpPr>
         <p:spPr>
           <a:xfrm>
-            <a:off x="168565" y="7162363"/>
-            <a:ext cx="2800350" cy="238760"/>
+            <a:off x="168564" y="7162363"/>
+            <a:ext cx="3870035" cy="229037"/>
           </a:xfrm>
           <a:prstGeom prst="rect">
             <a:avLst/>
@@ -1777,7 +1584,7 @@
               </a:spcBef>
             </a:pPr>
             <a:r>
-              <a:rPr sz="1400" b="1" u="heavy" spc="10">
+              <a:rPr lang="en-US" sz="1400" b="1" u="heavy" spc="10" dirty="0">
                 <a:solidFill>
                   <a:srgbClr val="020302"/>
                 </a:solidFill>
@@ -1789,10 +1596,10 @@
                 <a:latin typeface="Adobe Clean"/>
                 <a:cs typeface="Adobe Clean"/>
               </a:rPr>
-              <a:t>Service </a:t>
-            </a:r>
-            <a:r>
-              <a:rPr sz="1400" b="1" u="heavy" spc="-10">
+              <a:t>服务</a:t>
+            </a:r>
+            <a:r>
+              <a:rPr lang="en-US" sz="1400" b="1" u="heavy" spc="-10" dirty="0">
                 <a:solidFill>
                   <a:srgbClr val="020302"/>
                 </a:solidFill>
@@ -1804,10 +1611,10 @@
                 <a:latin typeface="Adobe Clean"/>
                 <a:cs typeface="Adobe Clean"/>
               </a:rPr>
-              <a:t>Level </a:t>
-            </a:r>
-            <a:r>
-              <a:rPr sz="1400" b="1" u="heavy" spc="-45">
+              <a:t>水平</a:t>
+            </a:r>
+            <a:r>
+              <a:rPr lang="en-US" sz="1400" b="1" u="heavy" spc="-45" dirty="0">
                 <a:solidFill>
                   <a:srgbClr val="020302"/>
                 </a:solidFill>
@@ -1819,10 +1626,10 @@
                 <a:latin typeface="Adobe Clean"/>
                 <a:cs typeface="Adobe Clean"/>
               </a:rPr>
-              <a:t>Targets: </a:t>
-            </a:r>
-            <a:r>
-              <a:rPr sz="1400" b="1" u="heavy" spc="-10">
+              <a:t>目标：</a:t>
+            </a:r>
+            <a:r>
+              <a:rPr lang="en-US" sz="1400" b="1" u="heavy" spc="-10" dirty="0">
                 <a:solidFill>
                   <a:srgbClr val="020302"/>
                 </a:solidFill>
@@ -1834,10 +1641,10 @@
                 <a:latin typeface="Adobe Clean"/>
                 <a:cs typeface="Adobe Clean"/>
               </a:rPr>
-              <a:t>Initial</a:t>
-            </a:r>
-            <a:r>
-              <a:rPr sz="1400" b="1" u="heavy" spc="-140">
+              <a:t>初始</a:t>
+            </a:r>
+            <a:r>
+              <a:rPr lang="en-US" sz="1400" b="1" u="heavy" spc="-15" dirty="0">
                 <a:solidFill>
                   <a:srgbClr val="020302"/>
                 </a:solidFill>
@@ -1849,24 +1656,9 @@
                 <a:latin typeface="Adobe Clean"/>
                 <a:cs typeface="Adobe Clean"/>
               </a:rPr>
-              <a:t> </a:t>
-            </a:r>
-            <a:r>
-              <a:rPr sz="1400" b="1" u="heavy" spc="-15">
-                <a:solidFill>
-                  <a:srgbClr val="020302"/>
-                </a:solidFill>
-                <a:uFill>
-                  <a:solidFill>
-                    <a:srgbClr val="020302"/>
-                  </a:solidFill>
-                </a:uFill>
-                <a:latin typeface="Adobe Clean"/>
-                <a:cs typeface="Adobe Clean"/>
-              </a:rPr>
-              <a:t>Response</a:t>
-            </a:r>
-            <a:endParaRPr sz="1400">
+              <a:t>响应</a:t>
+            </a:r>
+            <a:endParaRPr sz="1400" dirty="0">
               <a:latin typeface="Adobe Clean"/>
               <a:cs typeface="Adobe Clean"/>
             </a:endParaRPr>
@@ -1888,7 +1680,7 @@
             <a:avLst/>
           </a:prstGeom>
           <a:blipFill>
-            <a:blip r:embed="rId3" cstate="print"/>
+            <a:blip r:embed="rId5" cstate="print"/>
             <a:stretch>
               <a:fillRect/>
             </a:stretch>
@@ -1914,8 +1706,8 @@
         </p:nvSpPr>
         <p:spPr>
           <a:xfrm>
-            <a:off x="439022" y="54646"/>
-            <a:ext cx="5229466" cy="366767"/>
+            <a:off x="438785" y="52705"/>
+            <a:ext cx="5278120" cy="366395"/>
           </a:xfrm>
           <a:prstGeom prst="rect">
             <a:avLst/>
@@ -1936,18 +1728,12 @@
               </a:spcBef>
             </a:pPr>
             <a:r>
-              <a:rPr sz="2300">
+              <a:rPr lang="en-US" sz="2300" dirty="0">
                 <a:latin typeface="Adobe Clean" panose="020B0503020404020204" pitchFamily="34" charset="0"/>
               </a:rPr>
-              <a:t>ADOBE </a:t>
-            </a:r>
-            <a:r>
-              <a:rPr lang="en-US" sz="2300">
-                <a:latin typeface="Adobe Clean" panose="020B0503020404020204" pitchFamily="34" charset="0"/>
-              </a:rPr>
-              <a:t>SUPPORT OFFERINGS</a:t>
-            </a:r>
-            <a:endParaRPr sz="2300">
+              <a:t>Adobe 支持产品/服务</a:t>
+            </a:r>
+            <a:endParaRPr sz="2300" dirty="0">
               <a:latin typeface="Adobe Clean" panose="020B0503020404020204" pitchFamily="34" charset="0"/>
             </a:endParaRPr>
           </a:p>
@@ -1983,31 +1769,31 @@
               </a:spcBef>
             </a:pPr>
             <a:r>
-              <a:rPr lang="en-US" sz="900">
+              <a:rPr lang="en-US" sz="900" dirty="0">
                 <a:solidFill>
                   <a:schemeClr val="bg1"/>
                 </a:solidFill>
                 <a:latin typeface="Adobe Clean Light" panose="020B0303020404020204" pitchFamily="34" charset="0"/>
               </a:rPr>
-              <a:t>Online | </a:t>
-            </a:r>
-            <a:r>
-              <a:rPr lang="en-US" sz="900" b="1">
+              <a:t>在线 | </a:t>
+            </a:r>
+            <a:r>
+              <a:rPr lang="en-US" sz="900" b="1" dirty="0">
                 <a:solidFill>
                   <a:schemeClr val="bg1"/>
                 </a:solidFill>
                 <a:latin typeface="Adobe Clean" panose="020B0503020404020204" pitchFamily="34" charset="0"/>
               </a:rPr>
-              <a:t>Business</a:t>
-            </a:r>
-            <a:r>
-              <a:rPr lang="en-US" sz="900">
+              <a:t>商业</a:t>
+            </a:r>
+            <a:r>
+              <a:rPr lang="en-US" sz="900" dirty="0">
                 <a:solidFill>
                   <a:schemeClr val="bg1"/>
                 </a:solidFill>
                 <a:latin typeface="Adobe Clean Light" panose="020B0303020404020204" pitchFamily="34" charset="0"/>
               </a:rPr>
-              <a:t> | Enterprise | Elite</a:t>
+              <a:t> | 企业 | 高级</a:t>
             </a:r>
           </a:p>
           <a:p>
@@ -2020,15 +1806,15 @@
               </a:spcBef>
             </a:pPr>
             <a:r>
-              <a:rPr lang="en-US" sz="900">
+              <a:rPr lang="en-US" sz="900" dirty="0">
                 <a:solidFill>
                   <a:schemeClr val="bg1"/>
                 </a:solidFill>
                 <a:latin typeface="Adobe Clean SemiLight" panose="020B0403020404020204" pitchFamily="34" charset="0"/>
               </a:rPr>
-              <a:t>Adobe provides a comprehensive range of technical resources to help support your business, included as part of your Experience Cloud license subscription and enhanced in the BUSINESS support package. BUSINESS support includes access to personalized learning paths and monitored community forums via the Adobe Experience League. You can also take advantage of our detailed and in-depth technical product documentation and current release notes. BUSINESS customers also benefit from access to our technical support teams for any product query via either the telephone or the support web portal, to help protect your business at the most critical times. BUSINESS customers will receive regular communications and updates from their Account Support Lead in addition to support case escalation management for your most critical of support requests. </a:t>
-            </a:r>
-            <a:endParaRPr lang="en-US" sz="900">
+              <a:t>Adobe 提供了全面的技术资源来帮助支持您的业务，这些资源包含在您的 Experience Cloud 许可订阅中，并在商业支持包中得到了增强。商业支持包括通过 Adobe Experience League 访问个性化的学习路径和受监控的社区论坛。此外，您可以使用我们详细而深入的技术产品文档和最新发行说明。商业客户还可以通过电话或支持门户网站联系我们的技术支持团队以进行任何产品查询，以便在最关键的时刻帮助保护您的业务。除了针对支持请求的最关键部分的支持案例上报管理之外，商业客户还会收到来自其帐户支持主管的定期通信和更新。</a:t>
+            </a:r>
+            <a:endParaRPr lang="en-US" sz="900" dirty="0">
               <a:solidFill>
                 <a:schemeClr val="bg1"/>
               </a:solidFill>
@@ -2053,7 +1839,7 @@
             <a:avLst/>
           </a:prstGeom>
           <a:blipFill>
-            <a:blip r:embed="rId4" cstate="print"/>
+            <a:blip r:embed="rId6" cstate="print"/>
             <a:stretch>
               <a:fillRect/>
             </a:stretch>
@@ -2101,23 +1887,15 @@
               </a:spcBef>
             </a:pPr>
             <a:r>
-              <a:rPr spc="-5"/>
-              <a:t>©202</a:t>
-            </a:r>
-            <a:r>
-              <a:rPr lang="en-US" spc="-5"/>
-              <a:t>1</a:t>
-            </a:r>
-            <a:r>
-              <a:rPr spc="-5"/>
-              <a:t> Adobe. All Rights Reserved. Adobe</a:t>
-            </a:r>
-            <a:r>
-              <a:rPr spc="60"/>
+              <a:rPr lang="en-US" spc="-5" dirty="0"/>
+              <a:t>©2021 Adobe.All Rights Reserved.Adobe</a:t>
+            </a:r>
+            <a:r>
+              <a:rPr lang="en-US" spc="60" dirty="0"/>
               <a:t> </a:t>
             </a:r>
             <a:r>
-              <a:rPr spc="-5"/>
+              <a:rPr lang="en-US" spc="-5" dirty="0"/>
               <a:t>Confidential.</a:t>
             </a:r>
           </a:p>
@@ -2130,16 +1908,19 @@
             <a:graphicFrameLocks noGrp="1"/>
           </p:cNvGraphicFramePr>
           <p:nvPr>
+            <p:custDataLst>
+              <p:tags r:id="rId1"/>
+            </p:custDataLst>
             <p:extLst>
               <p:ext uri="{D42A27DB-BD31-4B8C-83A1-F6EECF244321}">
-                <p14:modId xmlns:p14="http://schemas.microsoft.com/office/powerpoint/2010/main" val="2501956132"/>
+                <p14:modId xmlns:p14="http://schemas.microsoft.com/office/powerpoint/2010/main" val="127036200"/>
               </p:ext>
             </p:extLst>
           </p:nvPr>
         </p:nvGraphicFramePr>
         <p:xfrm>
           <a:off x="121146" y="7475985"/>
-          <a:ext cx="7498852" cy="2207759"/>
+          <a:ext cx="7498852" cy="2119744"/>
         </p:xfrm>
         <a:graphic>
           <a:graphicData uri="http://schemas.openxmlformats.org/drawingml/2006/table">
@@ -2185,16 +1966,16 @@
                         </a:spcBef>
                       </a:pPr>
                       <a:r>
-                        <a:rPr sz="900" spc="0">
+                        <a:rPr lang="en-US" sz="900" spc="0" dirty="0">
                           <a:solidFill>
                             <a:srgbClr val="020302"/>
                           </a:solidFill>
                           <a:latin typeface="Adobe Clean"/>
                           <a:cs typeface="Adobe Clean"/>
                         </a:rPr>
-                        <a:t>Priority</a:t>
+                        <a:t>优先级</a:t>
                       </a:r>
-                      <a:endParaRPr sz="900" spc="0">
+                      <a:endParaRPr sz="900" spc="0" dirty="0">
                         <a:latin typeface="Adobe Clean"/>
                         <a:cs typeface="Adobe Clean"/>
                       </a:endParaRPr>
@@ -2244,16 +2025,16 @@
                         </a:spcBef>
                       </a:pPr>
                       <a:r>
-                        <a:rPr sz="900" spc="0">
+                        <a:rPr lang="en-US" sz="900" spc="0" dirty="0">
                           <a:solidFill>
                             <a:srgbClr val="020302"/>
                           </a:solidFill>
                           <a:latin typeface="Adobe Clean"/>
                           <a:cs typeface="Adobe Clean"/>
                         </a:rPr>
-                        <a:t>Online Support</a:t>
+                        <a:t>在线支持</a:t>
                       </a:r>
-                      <a:endParaRPr sz="900" spc="0">
+                      <a:endParaRPr sz="900" spc="0" dirty="0">
                         <a:latin typeface="Adobe Clean"/>
                         <a:cs typeface="Adobe Clean"/>
                       </a:endParaRPr>
@@ -2294,7 +2075,7 @@
                     <a:bodyPr/>
                     <a:lstStyle/>
                     <a:p>
-                      <a:pPr marL="92710">
+                      <a:pPr marL="92710" algn="ctr">
                         <a:lnSpc>
                           <a:spcPct val="100000"/>
                         </a:lnSpc>
@@ -2303,36 +2084,16 @@
                         </a:spcBef>
                       </a:pPr>
                       <a:r>
-                        <a:rPr sz="900" spc="0">
+                        <a:rPr lang="en-US" sz="900" spc="0" dirty="0">
                           <a:solidFill>
                             <a:srgbClr val="FFFFFF"/>
                           </a:solidFill>
                           <a:latin typeface="Adobe Clean"/>
                           <a:cs typeface="Adobe Clean"/>
                         </a:rPr>
-                        <a:t>Business</a:t>
+                        <a:t>商业支持</a:t>
                       </a:r>
-                      <a:r>
-                        <a:rPr lang="en-US" sz="900" spc="0">
-                          <a:solidFill>
-                            <a:srgbClr val="FFFFFF"/>
-                          </a:solidFill>
-                          <a:latin typeface="Adobe Clean"/>
-                          <a:cs typeface="Adobe Clean"/>
-                        </a:rPr>
-                        <a:t> </a:t>
-                      </a:r>
-                      <a:r>
-                        <a:rPr sz="900" spc="0">
-                          <a:solidFill>
-                            <a:srgbClr val="FFFFFF"/>
-                          </a:solidFill>
-                          <a:latin typeface="Adobe Clean"/>
-                          <a:cs typeface="Adobe Clean"/>
-                        </a:rPr>
-                        <a:t>Support</a:t>
-                      </a:r>
-                      <a:endParaRPr sz="900" spc="0">
+                      <a:endParaRPr sz="900" spc="0" dirty="0">
                         <a:latin typeface="Adobe Clean"/>
                         <a:cs typeface="Adobe Clean"/>
                       </a:endParaRPr>
@@ -2389,16 +2150,16 @@
                         </a:spcBef>
                       </a:pPr>
                       <a:r>
-                        <a:rPr sz="900" b="1" spc="0">
+                        <a:rPr lang="en-US" sz="900" b="1" spc="0" dirty="0">
                           <a:solidFill>
                             <a:srgbClr val="020302"/>
                           </a:solidFill>
                           <a:latin typeface="Adobe Clean"/>
                           <a:cs typeface="Adobe Clean"/>
                         </a:rPr>
-                        <a:t>PRIORITY 1</a:t>
+                        <a:t>优先级 1</a:t>
                       </a:r>
-                      <a:endParaRPr sz="900" spc="0">
+                      <a:endParaRPr sz="900" spc="0" dirty="0">
                         <a:latin typeface="Adobe Clean"/>
                         <a:cs typeface="Adobe Clean"/>
                       </a:endParaRPr>
@@ -2418,20 +2179,33 @@
                         <a:buSzTx/>
                         <a:buFontTx/>
                         <a:buNone/>
-                        <a:tabLst/>
                         <a:defRPr/>
                       </a:pPr>
                       <a:r>
-                        <a:rPr lang="en-US" sz="900" b="0" i="0" spc="0">
+                        <a:rPr lang="en-US" sz="900" b="0" i="0" spc="0" dirty="0">
                           <a:solidFill>
                             <a:srgbClr val="000000"/>
                           </a:solidFill>
                           <a:effectLst/>
                           <a:latin typeface="Adobe Clean Light" panose="020B0303020404020204" pitchFamily="34" charset="0"/>
                         </a:rPr>
-                        <a:t>Customer's production business functions are down or have significant data loss or service degradation and immediate attention is required to restore functionality and usability</a:t>
+                        <a:t>客户的生产业务功能中断或发生重大数据丢失或服务降级，需要立即关注以恢复功能和可用性</a:t>
                       </a:r>
-                      <a:endParaRPr lang="en-US" sz="900" b="0" i="0" spc="0">
+                      <a:r>
+                        <a:rPr lang="zh-CN" sz="900" b="0" i="0" spc="0" dirty="0">
+                          <a:solidFill>
+                            <a:srgbClr val="000000"/>
+                          </a:solidFill>
+                          <a:effectLst/>
+                          <a:latin typeface="Adobe Clean Light" panose="020B0303020404020204" pitchFamily="34" charset="0"/>
+                        </a:rPr>
+                        <a:t>。</a:t>
+                      </a:r>
+                      <a:endParaRPr lang="zh-CN" sz="900" b="0" i="0" spc="0" dirty="0">
+                        <a:solidFill>
+                          <a:srgbClr val="000000"/>
+                        </a:solidFill>
+                        <a:effectLst/>
                         <a:latin typeface="Adobe Clean Light" panose="020B0303020404020204" pitchFamily="34" charset="0"/>
                         <a:cs typeface="AdobeClean-Light"/>
                       </a:endParaRPr>
@@ -2478,56 +2252,16 @@
                         </a:spcBef>
                       </a:pPr>
                       <a:r>
-                        <a:rPr sz="900" spc="0">
+                        <a:rPr lang="en-US" sz="900" spc="0" dirty="0">
                           <a:solidFill>
                             <a:srgbClr val="020302"/>
                           </a:solidFill>
                           <a:latin typeface="AdobeClean-Light"/>
                           <a:cs typeface="AdobeClean-Light"/>
                         </a:rPr>
-                        <a:t>24x7</a:t>
+                        <a:t>全天候/1 小时</a:t>
                       </a:r>
-                      <a:r>
-                        <a:rPr lang="en-US" sz="900" spc="0">
-                          <a:solidFill>
-                            <a:srgbClr val="020302"/>
-                          </a:solidFill>
-                          <a:latin typeface="AdobeClean-Light"/>
-                          <a:cs typeface="AdobeClean-Light"/>
-                        </a:rPr>
-                        <a:t> </a:t>
-                      </a:r>
-                      <a:r>
-                        <a:rPr sz="900" spc="0">
-                          <a:solidFill>
-                            <a:srgbClr val="020302"/>
-                          </a:solidFill>
-                          <a:latin typeface="AdobeClean-Light"/>
-                          <a:cs typeface="AdobeClean-Light"/>
-                        </a:rPr>
-                        <a:t>/  </a:t>
-                      </a:r>
-                      <a:r>
-                        <a:rPr lang="en-US" sz="900" spc="0">
-                          <a:solidFill>
-                            <a:srgbClr val="020302"/>
-                          </a:solidFill>
-                          <a:latin typeface="AdobeClean-Light"/>
-                          <a:cs typeface="AdobeClean-Light"/>
-                        </a:rPr>
-                        <a:t>         </a:t>
-                      </a:r>
-                      <a:r>
-                        <a:rPr sz="900" spc="0">
-                          <a:solidFill>
-                            <a:srgbClr val="020302"/>
-                          </a:solidFill>
-                          <a:latin typeface="AdobeClean-Light"/>
-                          <a:cs typeface="AdobeClean-Light"/>
-                        </a:rPr>
-                        <a:t>1 hour</a:t>
-                      </a:r>
-                      <a:endParaRPr sz="900" spc="0">
+                      <a:endParaRPr sz="900" spc="0" dirty="0">
                         <a:latin typeface="AdobeClean-Light"/>
                         <a:cs typeface="AdobeClean-Light"/>
                       </a:endParaRPr>
@@ -2574,56 +2308,16 @@
                         </a:spcBef>
                       </a:pPr>
                       <a:r>
-                        <a:rPr sz="900" spc="0">
+                        <a:rPr lang="en-US" sz="900" spc="0" dirty="0">
                           <a:solidFill>
                             <a:srgbClr val="020302"/>
                           </a:solidFill>
                           <a:latin typeface="AdobeClean-Light"/>
                           <a:cs typeface="AdobeClean-Light"/>
                         </a:rPr>
-                        <a:t>24x7</a:t>
+                        <a:t>全天候/1 小时</a:t>
                       </a:r>
-                      <a:r>
-                        <a:rPr lang="en-US" sz="900" spc="0">
-                          <a:solidFill>
-                            <a:srgbClr val="020302"/>
-                          </a:solidFill>
-                          <a:latin typeface="AdobeClean-Light"/>
-                          <a:cs typeface="AdobeClean-Light"/>
-                        </a:rPr>
-                        <a:t> </a:t>
-                      </a:r>
-                      <a:r>
-                        <a:rPr sz="900" spc="0">
-                          <a:solidFill>
-                            <a:srgbClr val="020302"/>
-                          </a:solidFill>
-                          <a:latin typeface="AdobeClean-Light"/>
-                          <a:cs typeface="AdobeClean-Light"/>
-                        </a:rPr>
-                        <a:t>/ </a:t>
-                      </a:r>
-                      <a:r>
-                        <a:rPr lang="en-US" sz="900" spc="0">
-                          <a:solidFill>
-                            <a:srgbClr val="020302"/>
-                          </a:solidFill>
-                          <a:latin typeface="AdobeClean-Light"/>
-                          <a:cs typeface="AdobeClean-Light"/>
-                        </a:rPr>
-                        <a:t>        </a:t>
-                      </a:r>
-                      <a:r>
-                        <a:rPr sz="900" spc="0">
-                          <a:solidFill>
-                            <a:srgbClr val="020302"/>
-                          </a:solidFill>
-                          <a:latin typeface="AdobeClean-Light"/>
-                          <a:cs typeface="AdobeClean-Light"/>
-                        </a:rPr>
-                        <a:t> 1 hour</a:t>
-                      </a:r>
-                      <a:endParaRPr sz="900" spc="0">
+                      <a:endParaRPr sz="900" spc="0" dirty="0">
                         <a:latin typeface="AdobeClean-Light"/>
                         <a:cs typeface="AdobeClean-Light"/>
                       </a:endParaRPr>
@@ -2682,16 +2376,16 @@
                         </a:spcBef>
                       </a:pPr>
                       <a:r>
-                        <a:rPr sz="900" b="1" spc="0">
+                        <a:rPr lang="en-US" sz="900" b="1" spc="0" dirty="0">
                           <a:solidFill>
                             <a:srgbClr val="020302"/>
                           </a:solidFill>
                           <a:latin typeface="Adobe Clean"/>
                           <a:cs typeface="Adobe Clean"/>
                         </a:rPr>
-                        <a:t>PRIORITY 2</a:t>
+                        <a:t>优先级 2</a:t>
                       </a:r>
-                      <a:endParaRPr sz="900" spc="0">
+                      <a:endParaRPr sz="900" spc="0" dirty="0">
                         <a:latin typeface="Adobe Clean"/>
                         <a:cs typeface="Adobe Clean"/>
                       </a:endParaRPr>
@@ -2706,16 +2400,30 @@
                         </a:spcBef>
                       </a:pPr>
                       <a:r>
-                        <a:rPr lang="en-US" sz="900" b="0" i="0" spc="0">
+                        <a:rPr lang="en-US" sz="900" b="0" i="0" spc="0" dirty="0">
                           <a:solidFill>
                             <a:srgbClr val="000000"/>
                           </a:solidFill>
                           <a:effectLst/>
                           <a:latin typeface="Adobe Clean Light" panose="020B0303020404020204" pitchFamily="34" charset="0"/>
                         </a:rPr>
-                        <a:t>Customer's business functions have major service degradation or potential data loss, or a major feature is impacted </a:t>
+                        <a:t>客户的业务功能发生重大服务降级或潜在数据丢失，或主要功能受到影响</a:t>
                       </a:r>
-                      <a:endParaRPr lang="en-US" sz="900" b="0" i="0" spc="0">
+                      <a:r>
+                        <a:rPr lang="zh-CN" altLang="en-US" sz="900" b="0" i="0" spc="0" dirty="0">
+                          <a:solidFill>
+                            <a:srgbClr val="000000"/>
+                          </a:solidFill>
+                          <a:effectLst/>
+                          <a:latin typeface="Adobe Clean Light" panose="020B0303020404020204" pitchFamily="34" charset="0"/>
+                        </a:rPr>
+                        <a:t>。</a:t>
+                      </a:r>
+                      <a:endParaRPr lang="zh-CN" altLang="en-US" sz="900" b="0" i="0" spc="0" dirty="0">
+                        <a:solidFill>
+                          <a:srgbClr val="000000"/>
+                        </a:solidFill>
+                        <a:effectLst/>
                         <a:latin typeface="Adobe Clean Light" panose="020B0303020404020204" pitchFamily="34" charset="0"/>
                         <a:cs typeface="AdobeClean-Light"/>
                       </a:endParaRPr>
@@ -2762,76 +2470,16 @@
                         </a:spcBef>
                       </a:pPr>
                       <a:r>
-                        <a:rPr sz="900" spc="0">
+                        <a:rPr lang="en-US" sz="900" spc="0" dirty="0">
                           <a:solidFill>
                             <a:srgbClr val="020302"/>
                           </a:solidFill>
                           <a:latin typeface="AdobeClean-Light"/>
                           <a:cs typeface="AdobeClean-Light"/>
                         </a:rPr>
-                        <a:t>Business</a:t>
+                        <a:t>营业时间/4 小时</a:t>
                       </a:r>
-                      <a:r>
-                        <a:rPr lang="en-US" sz="900" spc="0">
-                          <a:solidFill>
-                            <a:srgbClr val="020302"/>
-                          </a:solidFill>
-                          <a:latin typeface="AdobeClean-Light"/>
-                          <a:cs typeface="AdobeClean-Light"/>
-                        </a:rPr>
-                        <a:t> </a:t>
-                      </a:r>
-                      <a:r>
-                        <a:rPr sz="900" spc="0">
-                          <a:solidFill>
-                            <a:srgbClr val="020302"/>
-                          </a:solidFill>
-                          <a:latin typeface="AdobeClean-Light"/>
-                          <a:cs typeface="AdobeClean-Light"/>
-                        </a:rPr>
-                        <a:t>hours</a:t>
-                      </a:r>
-                      <a:r>
-                        <a:rPr lang="en-US" sz="900" spc="0">
-                          <a:solidFill>
-                            <a:srgbClr val="020302"/>
-                          </a:solidFill>
-                          <a:latin typeface="AdobeClean-Light"/>
-                          <a:cs typeface="AdobeClean-Light"/>
-                        </a:rPr>
-                        <a:t> </a:t>
-                      </a:r>
-                      <a:r>
-                        <a:rPr sz="900" spc="0">
-                          <a:solidFill>
-                            <a:srgbClr val="020302"/>
-                          </a:solidFill>
-                          <a:latin typeface="AdobeClean-Light"/>
-                          <a:cs typeface="AdobeClean-Light"/>
-                        </a:rPr>
-                        <a:t>/  </a:t>
-                      </a:r>
-                      <a:r>
-                        <a:rPr lang="en-US" sz="900" spc="0">
-                          <a:solidFill>
-                            <a:srgbClr val="020302"/>
-                          </a:solidFill>
-                          <a:latin typeface="AdobeClean-Light"/>
-                          <a:cs typeface="AdobeClean-Light"/>
-                        </a:rPr>
-                        <a:t>   </a:t>
-                      </a:r>
-                      <a:r>
-                        <a:rPr sz="900" spc="0">
-                          <a:solidFill>
-                            <a:srgbClr val="020302"/>
-                          </a:solidFill>
-                          <a:latin typeface="AdobeClean-Light"/>
-                          <a:cs typeface="AdobeClean-Light"/>
-                        </a:rPr>
-                        <a:t>4 hours</a:t>
-                      </a:r>
-                      <a:endParaRPr sz="900" spc="0">
+                      <a:endParaRPr sz="900" spc="0" dirty="0">
                         <a:latin typeface="AdobeClean-Light"/>
                         <a:cs typeface="AdobeClean-Light"/>
                       </a:endParaRPr>
@@ -2878,76 +2526,16 @@
                         </a:spcBef>
                       </a:pPr>
                       <a:r>
-                        <a:rPr sz="900" spc="0">
+                        <a:rPr lang="en-US" sz="900" spc="0" dirty="0">
                           <a:solidFill>
                             <a:srgbClr val="020302"/>
                           </a:solidFill>
                           <a:latin typeface="AdobeClean-Light"/>
                           <a:cs typeface="AdobeClean-Light"/>
                         </a:rPr>
-                        <a:t>Business</a:t>
+                        <a:t>营业时间/2 小时</a:t>
                       </a:r>
-                      <a:r>
-                        <a:rPr lang="en-US" sz="900" spc="0">
-                          <a:solidFill>
-                            <a:srgbClr val="020302"/>
-                          </a:solidFill>
-                          <a:latin typeface="AdobeClean-Light"/>
-                          <a:cs typeface="AdobeClean-Light"/>
-                        </a:rPr>
-                        <a:t> </a:t>
-                      </a:r>
-                      <a:r>
-                        <a:rPr sz="900" spc="0">
-                          <a:solidFill>
-                            <a:srgbClr val="020302"/>
-                          </a:solidFill>
-                          <a:latin typeface="AdobeClean-Light"/>
-                          <a:cs typeface="AdobeClean-Light"/>
-                        </a:rPr>
-                        <a:t>hours</a:t>
-                      </a:r>
-                      <a:r>
-                        <a:rPr lang="en-US" sz="900" spc="0">
-                          <a:solidFill>
-                            <a:srgbClr val="020302"/>
-                          </a:solidFill>
-                          <a:latin typeface="AdobeClean-Light"/>
-                          <a:cs typeface="AdobeClean-Light"/>
-                        </a:rPr>
-                        <a:t> </a:t>
-                      </a:r>
-                      <a:r>
-                        <a:rPr sz="900" spc="0">
-                          <a:solidFill>
-                            <a:srgbClr val="020302"/>
-                          </a:solidFill>
-                          <a:latin typeface="AdobeClean-Light"/>
-                          <a:cs typeface="AdobeClean-Light"/>
-                        </a:rPr>
-                        <a:t>/  </a:t>
-                      </a:r>
-                      <a:r>
-                        <a:rPr lang="en-US" sz="900" spc="0">
-                          <a:solidFill>
-                            <a:srgbClr val="020302"/>
-                          </a:solidFill>
-                          <a:latin typeface="AdobeClean-Light"/>
-                          <a:cs typeface="AdobeClean-Light"/>
-                        </a:rPr>
-                        <a:t>    </a:t>
-                      </a:r>
-                      <a:r>
-                        <a:rPr sz="900" spc="0">
-                          <a:solidFill>
-                            <a:srgbClr val="020302"/>
-                          </a:solidFill>
-                          <a:latin typeface="AdobeClean-Light"/>
-                          <a:cs typeface="AdobeClean-Light"/>
-                        </a:rPr>
-                        <a:t>2 hours</a:t>
-                      </a:r>
-                      <a:endParaRPr sz="900" spc="0">
+                      <a:endParaRPr sz="900" spc="0" dirty="0">
                         <a:latin typeface="AdobeClean-Light"/>
                         <a:cs typeface="AdobeClean-Light"/>
                       </a:endParaRPr>
@@ -3006,16 +2594,16 @@
                         </a:spcBef>
                       </a:pPr>
                       <a:r>
-                        <a:rPr sz="900" b="1" spc="0">
+                        <a:rPr lang="en-US" sz="900" b="1" spc="0" dirty="0">
                           <a:solidFill>
                             <a:srgbClr val="020302"/>
                           </a:solidFill>
                           <a:latin typeface="Adobe Clean"/>
                           <a:cs typeface="Adobe Clean"/>
                         </a:rPr>
-                        <a:t>PRIORITY 3</a:t>
+                        <a:t>优先级 3</a:t>
                       </a:r>
-                      <a:endParaRPr sz="900" spc="0">
+                      <a:endParaRPr sz="900" spc="0" dirty="0">
                         <a:latin typeface="Adobe Clean"/>
                         <a:cs typeface="Adobe Clean"/>
                       </a:endParaRPr>
@@ -3030,7 +2618,7 @@
                         </a:spcBef>
                       </a:pPr>
                       <a:r>
-                        <a:rPr kumimoji="0" lang="en-US" sz="900" b="0" i="0" u="none" strike="noStrike" kern="1200" cap="none" spc="0" normalizeH="0" baseline="0" noProof="0">
+                        <a:rPr kumimoji="0" lang="en-US" sz="900" b="0" i="0" u="none" strike="noStrike" kern="1200" cap="none" spc="0" normalizeH="0" baseline="0" noProof="0" dirty="0">
                           <a:ln>
                             <a:noFill/>
                           </a:ln>
@@ -3044,12 +2632,25 @@
                           <a:ea typeface="+mn-ea"/>
                           <a:cs typeface="+mn-cs"/>
                         </a:rPr>
-                        <a:t>Customer's business functions have minor service degradation but there exists a solution/workaround allowing business functions to continue </a:t>
+                        <a:t>客户的业务功能发生轻微的服务降级，但有解决方案/解决方法可让业务功能继续正常工作</a:t>
                       </a:r>
-                      <a:endParaRPr lang="en-US" sz="900" b="0" i="0" spc="0">
-                        <a:latin typeface="Adobe Clean Light" panose="020B0303020404020204" pitchFamily="34" charset="0"/>
-                        <a:cs typeface="AdobeClean-Light"/>
-                      </a:endParaRPr>
+                      <a:r>
+                        <a:rPr kumimoji="0" lang="zh-CN" altLang="en-US" sz="900" b="0" i="0" u="none" strike="noStrike" kern="1200" cap="none" spc="0" normalizeH="0" baseline="0" noProof="0" dirty="0">
+                          <a:ln>
+                            <a:noFill/>
+                          </a:ln>
+                          <a:solidFill>
+                            <a:srgbClr val="000000"/>
+                          </a:solidFill>
+                          <a:effectLst/>
+                          <a:uLnTx/>
+                          <a:uFillTx/>
+                          <a:latin typeface="Adobe Clean Light" panose="020B0303020404020204" pitchFamily="34" charset="0"/>
+                          <a:ea typeface="+mn-ea"/>
+                          <a:cs typeface="+mn-cs"/>
+                        </a:rPr>
+                        <a:t>。</a:t>
+                      </a:r>
                     </a:p>
                   </a:txBody>
                   <a:tcPr marL="0" marR="0" marT="3810" marB="0">
@@ -3093,96 +2694,16 @@
                         </a:spcBef>
                       </a:pPr>
                       <a:r>
-                        <a:rPr sz="900" spc="0">
+                        <a:rPr lang="en-US" sz="900" spc="0" dirty="0">
                           <a:solidFill>
                             <a:srgbClr val="020302"/>
                           </a:solidFill>
                           <a:latin typeface="AdobeClean-Light"/>
                           <a:cs typeface="AdobeClean-Light"/>
                         </a:rPr>
-                        <a:t>Business</a:t>
+                        <a:t>营业时间/6 小时</a:t>
                       </a:r>
-                      <a:r>
-                        <a:rPr lang="en-US" sz="900" spc="0">
-                          <a:solidFill>
-                            <a:srgbClr val="020302"/>
-                          </a:solidFill>
-                          <a:latin typeface="AdobeClean-Light"/>
-                          <a:cs typeface="AdobeClean-Light"/>
-                        </a:rPr>
-                        <a:t> </a:t>
-                      </a:r>
-                      <a:r>
-                        <a:rPr sz="900" spc="0">
-                          <a:solidFill>
-                            <a:srgbClr val="020302"/>
-                          </a:solidFill>
-                          <a:latin typeface="AdobeClean-Light"/>
-                          <a:cs typeface="AdobeClean-Light"/>
-                        </a:rPr>
-                        <a:t>hours</a:t>
-                      </a:r>
-                      <a:r>
-                        <a:rPr lang="en-US" sz="900" spc="0">
-                          <a:solidFill>
-                            <a:srgbClr val="020302"/>
-                          </a:solidFill>
-                          <a:latin typeface="AdobeClean-Light"/>
-                          <a:cs typeface="AdobeClean-Light"/>
-                        </a:rPr>
-                        <a:t> </a:t>
-                      </a:r>
-                      <a:r>
-                        <a:rPr sz="900" spc="0">
-                          <a:solidFill>
-                            <a:srgbClr val="020302"/>
-                          </a:solidFill>
-                          <a:latin typeface="AdobeClean-Light"/>
-                          <a:cs typeface="AdobeClean-Light"/>
-                        </a:rPr>
-                        <a:t>/  </a:t>
-                      </a:r>
-                      <a:r>
-                        <a:rPr lang="en-US" sz="900" spc="0">
-                          <a:solidFill>
-                            <a:srgbClr val="020302"/>
-                          </a:solidFill>
-                          <a:latin typeface="AdobeClean-Light"/>
-                          <a:cs typeface="AdobeClean-Light"/>
-                        </a:rPr>
-                        <a:t>   </a:t>
-                      </a:r>
-                      <a:r>
-                        <a:rPr sz="900" spc="0">
-                          <a:solidFill>
-                            <a:srgbClr val="020302"/>
-                          </a:solidFill>
-                          <a:latin typeface="AdobeClean-Light"/>
-                          <a:cs typeface="AdobeClean-Light"/>
-                        </a:rPr>
-                        <a:t>6</a:t>
-                      </a:r>
-                      <a:r>
-                        <a:rPr lang="en-US" sz="900" spc="0">
-                          <a:solidFill>
-                            <a:srgbClr val="020302"/>
-                          </a:solidFill>
-                          <a:latin typeface="AdobeClean-Light"/>
-                          <a:cs typeface="AdobeClean-Light"/>
-                        </a:rPr>
-                        <a:t> </a:t>
-                      </a:r>
-                      <a:r>
-                        <a:rPr sz="900" spc="0">
-                          <a:solidFill>
-                            <a:srgbClr val="020302"/>
-                          </a:solidFill>
-                          <a:latin typeface="AdobeClean-Light"/>
-                          <a:cs typeface="AdobeClean-Light"/>
-                        </a:rPr>
-                        <a:t>hours</a:t>
-                      </a:r>
-                      <a:endParaRPr sz="900" spc="0">
+                      <a:endParaRPr sz="900" spc="0" dirty="0">
                         <a:latin typeface="AdobeClean-Light"/>
                         <a:cs typeface="AdobeClean-Light"/>
                       </a:endParaRPr>
@@ -3229,96 +2750,16 @@
                         </a:spcBef>
                       </a:pPr>
                       <a:r>
-                        <a:rPr sz="900" spc="0">
+                        <a:rPr lang="en-US" sz="900" spc="0" dirty="0">
                           <a:solidFill>
                             <a:srgbClr val="020302"/>
                           </a:solidFill>
                           <a:latin typeface="AdobeClean-Light"/>
                           <a:cs typeface="AdobeClean-Light"/>
                         </a:rPr>
-                        <a:t>Business</a:t>
+                        <a:t>营业时间/4 小时</a:t>
                       </a:r>
-                      <a:r>
-                        <a:rPr lang="en-US" sz="900" spc="0">
-                          <a:solidFill>
-                            <a:srgbClr val="020302"/>
-                          </a:solidFill>
-                          <a:latin typeface="AdobeClean-Light"/>
-                          <a:cs typeface="AdobeClean-Light"/>
-                        </a:rPr>
-                        <a:t> </a:t>
-                      </a:r>
-                      <a:r>
-                        <a:rPr sz="900" spc="0">
-                          <a:solidFill>
-                            <a:srgbClr val="020302"/>
-                          </a:solidFill>
-                          <a:latin typeface="AdobeClean-Light"/>
-                          <a:cs typeface="AdobeClean-Light"/>
-                        </a:rPr>
-                        <a:t>hours</a:t>
-                      </a:r>
-                      <a:r>
-                        <a:rPr lang="en-US" sz="900" spc="0">
-                          <a:solidFill>
-                            <a:srgbClr val="020302"/>
-                          </a:solidFill>
-                          <a:latin typeface="AdobeClean-Light"/>
-                          <a:cs typeface="AdobeClean-Light"/>
-                        </a:rPr>
-                        <a:t> </a:t>
-                      </a:r>
-                      <a:r>
-                        <a:rPr sz="900" spc="0">
-                          <a:solidFill>
-                            <a:srgbClr val="020302"/>
-                          </a:solidFill>
-                          <a:latin typeface="AdobeClean-Light"/>
-                          <a:cs typeface="AdobeClean-Light"/>
-                        </a:rPr>
-                        <a:t>/  </a:t>
-                      </a:r>
-                      <a:r>
-                        <a:rPr lang="en-US" sz="900" spc="0">
-                          <a:solidFill>
-                            <a:srgbClr val="020302"/>
-                          </a:solidFill>
-                          <a:latin typeface="AdobeClean-Light"/>
-                          <a:cs typeface="AdobeClean-Light"/>
-                        </a:rPr>
-                        <a:t>   </a:t>
-                      </a:r>
-                      <a:r>
-                        <a:rPr sz="900" spc="0">
-                          <a:solidFill>
-                            <a:srgbClr val="020302"/>
-                          </a:solidFill>
-                          <a:latin typeface="AdobeClean-Light"/>
-                          <a:cs typeface="AdobeClean-Light"/>
-                        </a:rPr>
-                        <a:t>4</a:t>
-                      </a:r>
-                      <a:r>
-                        <a:rPr lang="en-US" sz="900" spc="0">
-                          <a:solidFill>
-                            <a:srgbClr val="020302"/>
-                          </a:solidFill>
-                          <a:latin typeface="AdobeClean-Light"/>
-                          <a:cs typeface="AdobeClean-Light"/>
-                        </a:rPr>
-                        <a:t> </a:t>
-                      </a:r>
-                      <a:r>
-                        <a:rPr sz="900" spc="0">
-                          <a:solidFill>
-                            <a:srgbClr val="020302"/>
-                          </a:solidFill>
-                          <a:latin typeface="AdobeClean-Light"/>
-                          <a:cs typeface="AdobeClean-Light"/>
-                        </a:rPr>
-                        <a:t>hours</a:t>
-                      </a:r>
-                      <a:endParaRPr sz="900" spc="0">
+                      <a:endParaRPr sz="900" spc="0" dirty="0">
                         <a:latin typeface="AdobeClean-Light"/>
                         <a:cs typeface="AdobeClean-Light"/>
                       </a:endParaRPr>
@@ -3377,16 +2818,16 @@
                         </a:spcBef>
                       </a:pPr>
                       <a:r>
-                        <a:rPr sz="900" b="1" spc="0">
+                        <a:rPr lang="en-US" sz="900" b="1" spc="0" dirty="0">
                           <a:solidFill>
                             <a:srgbClr val="020302"/>
                           </a:solidFill>
                           <a:latin typeface="Adobe Clean"/>
                           <a:cs typeface="Adobe Clean"/>
                         </a:rPr>
-                        <a:t>PRIORITY 4</a:t>
+                        <a:t>优先级 4</a:t>
                       </a:r>
-                      <a:endParaRPr sz="900" spc="0">
+                      <a:endParaRPr sz="900" spc="0" dirty="0">
                         <a:latin typeface="Adobe Clean"/>
                         <a:cs typeface="Adobe Clean"/>
                       </a:endParaRPr>
@@ -3406,20 +2847,33 @@
                         <a:buSzTx/>
                         <a:buFontTx/>
                         <a:buNone/>
-                        <a:tabLst/>
                         <a:defRPr/>
                       </a:pPr>
                       <a:r>
-                        <a:rPr lang="en-US" sz="900" b="0" i="0" spc="0">
+                        <a:rPr lang="en-US" sz="900" b="0" i="0" spc="0" dirty="0">
                           <a:solidFill>
                             <a:srgbClr val="000000"/>
                           </a:solidFill>
                           <a:effectLst/>
                           <a:latin typeface="Adobe Clean Light" panose="020B0303020404020204" pitchFamily="34" charset="0"/>
                         </a:rPr>
-                        <a:t>General question regarding current product functionality or an enhancement request</a:t>
+                        <a:t>有关当前产品功能或增强功能请求的常见问题</a:t>
                       </a:r>
-                      <a:endParaRPr lang="en-US" sz="900" b="0" i="0" spc="0">
+                      <a:r>
+                        <a:rPr lang="zh-CN" altLang="en-US" sz="900" b="0" i="0" spc="0" dirty="0">
+                          <a:solidFill>
+                            <a:srgbClr val="000000"/>
+                          </a:solidFill>
+                          <a:effectLst/>
+                          <a:latin typeface="Adobe Clean Light" panose="020B0303020404020204" pitchFamily="34" charset="0"/>
+                        </a:rPr>
+                        <a:t>。</a:t>
+                      </a:r>
+                      <a:endParaRPr lang="zh-CN" altLang="en-US" sz="900" b="0" i="0" spc="0" dirty="0">
+                        <a:solidFill>
+                          <a:srgbClr val="000000"/>
+                        </a:solidFill>
+                        <a:effectLst/>
                         <a:latin typeface="Adobe Clean Light" panose="020B0303020404020204" pitchFamily="34" charset="0"/>
                         <a:cs typeface="AdobeClean-Light"/>
                       </a:endParaRPr>
@@ -3466,76 +2920,16 @@
                         </a:spcBef>
                       </a:pPr>
                       <a:r>
-                        <a:rPr sz="900" spc="0">
+                        <a:rPr lang="en-US" sz="900" spc="0" dirty="0">
                           <a:solidFill>
                             <a:srgbClr val="020302"/>
                           </a:solidFill>
                           <a:latin typeface="AdobeClean-Light"/>
                           <a:cs typeface="AdobeClean-Light"/>
                         </a:rPr>
-                        <a:t>Business</a:t>
+                        <a:t>工作日/3 天</a:t>
                       </a:r>
-                      <a:r>
-                        <a:rPr lang="en-US" sz="900" spc="0">
-                          <a:solidFill>
-                            <a:srgbClr val="020302"/>
-                          </a:solidFill>
-                          <a:latin typeface="AdobeClean-Light"/>
-                          <a:cs typeface="AdobeClean-Light"/>
-                        </a:rPr>
-                        <a:t> </a:t>
-                      </a:r>
-                      <a:r>
-                        <a:rPr sz="900" spc="0">
-                          <a:solidFill>
-                            <a:srgbClr val="020302"/>
-                          </a:solidFill>
-                          <a:latin typeface="AdobeClean-Light"/>
-                          <a:cs typeface="AdobeClean-Light"/>
-                        </a:rPr>
-                        <a:t>days</a:t>
-                      </a:r>
-                      <a:r>
-                        <a:rPr lang="en-US" sz="900" spc="0">
-                          <a:solidFill>
-                            <a:srgbClr val="020302"/>
-                          </a:solidFill>
-                          <a:latin typeface="AdobeClean-Light"/>
-                          <a:cs typeface="AdobeClean-Light"/>
-                        </a:rPr>
-                        <a:t> </a:t>
-                      </a:r>
-                      <a:r>
-                        <a:rPr sz="900" spc="0">
-                          <a:solidFill>
-                            <a:srgbClr val="020302"/>
-                          </a:solidFill>
-                          <a:latin typeface="AdobeClean-Light"/>
-                          <a:cs typeface="AdobeClean-Light"/>
-                        </a:rPr>
-                        <a:t>/  </a:t>
-                      </a:r>
-                      <a:r>
-                        <a:rPr lang="en-US" sz="900" spc="0">
-                          <a:solidFill>
-                            <a:srgbClr val="020302"/>
-                          </a:solidFill>
-                          <a:latin typeface="AdobeClean-Light"/>
-                          <a:cs typeface="AdobeClean-Light"/>
-                        </a:rPr>
-                        <a:t>    </a:t>
-                      </a:r>
-                      <a:r>
-                        <a:rPr sz="900" spc="0">
-                          <a:solidFill>
-                            <a:srgbClr val="020302"/>
-                          </a:solidFill>
-                          <a:latin typeface="AdobeClean-Light"/>
-                          <a:cs typeface="AdobeClean-Light"/>
-                        </a:rPr>
-                        <a:t>3 days</a:t>
-                      </a:r>
-                      <a:endParaRPr sz="900" spc="0">
+                      <a:endParaRPr sz="900" spc="0" dirty="0">
                         <a:latin typeface="AdobeClean-Light"/>
                         <a:cs typeface="AdobeClean-Light"/>
                       </a:endParaRPr>
@@ -3582,62 +2976,15 @@
                         </a:spcBef>
                       </a:pPr>
                       <a:r>
-                        <a:rPr sz="900" spc="0">
+                        <a:rPr lang="en-US" sz="900" spc="0" dirty="0">
                           <a:solidFill>
                             <a:srgbClr val="020302"/>
                           </a:solidFill>
                           <a:latin typeface="AdobeClean-Light"/>
                           <a:cs typeface="AdobeClean-Light"/>
                         </a:rPr>
-                        <a:t>Business</a:t>
+                        <a:t>工作日/</a:t>
                       </a:r>
-                      <a:r>
-                        <a:rPr lang="en-US" sz="900" spc="0">
-                          <a:solidFill>
-                            <a:srgbClr val="020302"/>
-                          </a:solidFill>
-                          <a:latin typeface="AdobeClean-Light"/>
-                          <a:cs typeface="AdobeClean-Light"/>
-                        </a:rPr>
-                        <a:t> </a:t>
-                      </a:r>
-                      <a:r>
-                        <a:rPr sz="900" spc="0">
-                          <a:solidFill>
-                            <a:srgbClr val="020302"/>
-                          </a:solidFill>
-                          <a:latin typeface="AdobeClean-Light"/>
-                          <a:cs typeface="AdobeClean-Light"/>
-                        </a:rPr>
-                        <a:t>day</a:t>
-                      </a:r>
-                      <a:r>
-                        <a:rPr lang="en-US" sz="900" spc="0">
-                          <a:solidFill>
-                            <a:srgbClr val="020302"/>
-                          </a:solidFill>
-                          <a:latin typeface="AdobeClean-Light"/>
-                          <a:cs typeface="AdobeClean-Light"/>
-                        </a:rPr>
-                        <a:t>s </a:t>
-                      </a:r>
-                      <a:r>
-                        <a:rPr sz="900" spc="0">
-                          <a:solidFill>
-                            <a:srgbClr val="020302"/>
-                          </a:solidFill>
-                          <a:latin typeface="AdobeClean-Light"/>
-                          <a:cs typeface="AdobeClean-Light"/>
-                        </a:rPr>
-                        <a:t>/ </a:t>
-                      </a:r>
-                      <a:endParaRPr lang="en-US" sz="900" spc="0">
-                        <a:solidFill>
-                          <a:srgbClr val="020302"/>
-                        </a:solidFill>
-                        <a:latin typeface="AdobeClean-Light"/>
-                        <a:cs typeface="AdobeClean-Light"/>
-                      </a:endParaRPr>
                     </a:p>
                     <a:p>
                       <a:pPr marL="370840" marR="223520" indent="-202565" algn="ctr">
@@ -3649,36 +2996,16 @@
                         </a:spcBef>
                       </a:pPr>
                       <a:r>
-                        <a:rPr sz="900" spc="0">
+                        <a:rPr lang="en-US" sz="900" spc="0" dirty="0">
                           <a:solidFill>
                             <a:srgbClr val="020302"/>
                           </a:solidFill>
                           <a:latin typeface="AdobeClean-Light"/>
                           <a:cs typeface="AdobeClean-Light"/>
                         </a:rPr>
-                        <a:t> </a:t>
+                        <a:t> 1 天</a:t>
                       </a:r>
-                      <a:r>
-                        <a:rPr lang="en-US" sz="900" spc="0">
-                          <a:solidFill>
-                            <a:srgbClr val="020302"/>
-                          </a:solidFill>
-                          <a:latin typeface="AdobeClean-Light"/>
-                          <a:cs typeface="AdobeClean-Light"/>
-                        </a:rPr>
-                        <a:t> </a:t>
-                      </a:r>
-                      <a:r>
-                        <a:rPr sz="900" spc="0">
-                          <a:solidFill>
-                            <a:srgbClr val="020302"/>
-                          </a:solidFill>
-                          <a:latin typeface="AdobeClean-Light"/>
-                          <a:cs typeface="AdobeClean-Light"/>
-                        </a:rPr>
-                        <a:t>1 day</a:t>
-                      </a:r>
-                      <a:endParaRPr sz="900" spc="0">
+                      <a:endParaRPr sz="900" spc="0" dirty="0">
                         <a:latin typeface="AdobeClean-Light"/>
                         <a:cs typeface="AdobeClean-Light"/>
                       </a:endParaRPr>
@@ -3728,22 +3055,14 @@
       </p:graphicFrame>
       <p:graphicFrame>
         <p:nvGraphicFramePr>
-          <p:cNvPr id="11" name="object 8">
-            <a:extLst>
-              <a:ext uri="{FF2B5EF4-FFF2-40B4-BE49-F238E27FC236}">
-                <a16:creationId xmlns:a16="http://schemas.microsoft.com/office/drawing/2014/main" id="{3AC7AEA2-E7A4-BD48-80EA-856168E207F6}"/>
-              </a:ext>
-            </a:extLst>
-          </p:cNvPr>
+          <p:cNvPr id="11" name="object 8"/>
           <p:cNvGraphicFramePr>
             <a:graphicFrameLocks noGrp="1"/>
           </p:cNvGraphicFramePr>
           <p:nvPr>
-            <p:extLst>
-              <p:ext uri="{D42A27DB-BD31-4B8C-83A1-F6EECF244321}">
-                <p14:modId xmlns:p14="http://schemas.microsoft.com/office/powerpoint/2010/main" val="116851390"/>
-              </p:ext>
-            </p:extLst>
+            <p:custDataLst>
+              <p:tags r:id="rId2"/>
+            </p:custDataLst>
           </p:nvPr>
         </p:nvGraphicFramePr>
         <p:xfrm>
@@ -3760,7 +3079,7 @@
                 <a:gridCol w="1513599">
                   <a:extLst>
                     <a:ext uri="{9D8B030D-6E8A-4147-A177-3AD203B41FA5}">
-                      <a16:colId xmlns:a16="http://schemas.microsoft.com/office/drawing/2014/main" val="1674920574"/>
+                      <a16:colId xmlns:a16="http://schemas.microsoft.com/office/drawing/2014/main" val="20000"/>
                     </a:ext>
                   </a:extLst>
                 </a:gridCol>
@@ -3774,7 +3093,7 @@
                 <a:gridCol w="1425889">
                   <a:extLst>
                     <a:ext uri="{9D8B030D-6E8A-4147-A177-3AD203B41FA5}">
-                      <a16:colId xmlns:a16="http://schemas.microsoft.com/office/drawing/2014/main" val="2563521174"/>
+                      <a16:colId xmlns:a16="http://schemas.microsoft.com/office/drawing/2014/main" val="20002"/>
                     </a:ext>
                   </a:extLst>
                 </a:gridCol>
@@ -3792,7 +3111,7 @@
                     <a:bodyPr/>
                     <a:lstStyle/>
                     <a:p>
-                      <a:endParaRPr lang="en-US"/>
+                      <a:endParaRPr lang="en-US" dirty="0"/>
                     </a:p>
                   </a:txBody>
                   <a:tcPr/>
@@ -3802,7 +3121,7 @@
                     <a:bodyPr/>
                     <a:lstStyle/>
                     <a:p>
-                      <a:endParaRPr/>
+                      <a:endParaRPr lang="en-US"/>
                     </a:p>
                   </a:txBody>
                   <a:tcPr marL="0" marR="0" marT="0" marB="0"/>
@@ -3826,40 +3145,19 @@
                         <a:buSzTx/>
                         <a:buFontTx/>
                         <a:buNone/>
-                        <a:tabLst/>
                         <a:defRPr/>
                       </a:pPr>
                       <a:r>
-                        <a:rPr lang="en-US" sz="900" spc="-20">
+                        <a:rPr lang="en-US" sz="900" spc="-20" dirty="0">
                           <a:solidFill>
                             <a:srgbClr val="404040"/>
                           </a:solidFill>
                           <a:latin typeface="Adobe Clean"/>
                           <a:cs typeface="Adobe Clean"/>
                         </a:rPr>
-                        <a:t>Online </a:t>
+                        <a:t>在线支持</a:t>
                       </a:r>
-                      <a:r>
-                        <a:rPr lang="en-US" sz="900" spc="-135">
-                          <a:solidFill>
-                            <a:srgbClr val="404040"/>
-                          </a:solidFill>
-                          <a:latin typeface="Adobe Clean"/>
-                          <a:cs typeface="Adobe Clean"/>
-                        </a:rPr>
-                        <a:t> </a:t>
-                      </a:r>
-                      <a:r>
-                        <a:rPr lang="en-US" sz="900" spc="-20">
-                          <a:solidFill>
-                            <a:srgbClr val="404040"/>
-                          </a:solidFill>
-                          <a:latin typeface="Adobe Clean"/>
-                          <a:cs typeface="Adobe Clean"/>
-                        </a:rPr>
-                        <a:t>Support</a:t>
-                      </a:r>
-                      <a:endParaRPr lang="en-US" sz="900">
+                      <a:endParaRPr lang="en-US" sz="900" dirty="0">
                         <a:latin typeface="Adobe Clean"/>
                         <a:cs typeface="Adobe Clean"/>
                       </a:endParaRPr>
@@ -3903,36 +3201,16 @@
                         </a:spcBef>
                       </a:pPr>
                       <a:r>
-                        <a:rPr sz="900" spc="-20">
+                        <a:rPr lang="en-US" sz="900" spc="-20" dirty="0">
                           <a:solidFill>
                             <a:srgbClr val="FFFFFF"/>
                           </a:solidFill>
                           <a:latin typeface="Adobe Clean"/>
                           <a:cs typeface="Adobe Clean"/>
                         </a:rPr>
-                        <a:t>Business</a:t>
+                        <a:t>商业支持</a:t>
                       </a:r>
-                      <a:r>
-                        <a:rPr lang="en-US" sz="900" spc="-20">
-                          <a:solidFill>
-                            <a:srgbClr val="FFFFFF"/>
-                          </a:solidFill>
-                          <a:latin typeface="Adobe Clean"/>
-                          <a:cs typeface="Adobe Clean"/>
-                        </a:rPr>
-                        <a:t> </a:t>
-                      </a:r>
-                      <a:r>
-                        <a:rPr sz="900" spc="-20">
-                          <a:solidFill>
-                            <a:srgbClr val="FFFFFF"/>
-                          </a:solidFill>
-                          <a:latin typeface="Adobe Clean"/>
-                          <a:cs typeface="Adobe Clean"/>
-                        </a:rPr>
-                        <a:t>Support</a:t>
-                      </a:r>
-                      <a:endParaRPr sz="900">
+                      <a:endParaRPr sz="900" dirty="0">
                         <a:latin typeface="Adobe Clean"/>
                         <a:cs typeface="Adobe Clean"/>
                       </a:endParaRPr>
@@ -3980,7 +3258,7 @@
                     <a:bodyPr/>
                     <a:lstStyle/>
                     <a:p>
-                      <a:endParaRPr lang="en-US"/>
+                      <a:endParaRPr lang="en-US" dirty="0"/>
                     </a:p>
                   </a:txBody>
                   <a:tcPr/>
@@ -3990,7 +3268,7 @@
                     <a:bodyPr/>
                     <a:lstStyle/>
                     <a:p>
-                      <a:endParaRPr/>
+                      <a:endParaRPr lang="en-US"/>
                     </a:p>
                   </a:txBody>
                   <a:tcPr marL="0" marR="0" marT="0" marB="0"/>
@@ -4014,10 +3292,9 @@
                         <a:buSzTx/>
                         <a:buFontTx/>
                         <a:buNone/>
-                        <a:tabLst/>
                         <a:defRPr/>
                       </a:pPr>
-                      <a:endParaRPr lang="en-US" sz="800" i="1">
+                      <a:endParaRPr lang="en-US" sz="800" i="1" dirty="0">
                         <a:solidFill>
                           <a:sysClr val="windowText" lastClr="000000"/>
                         </a:solidFill>
@@ -4077,17 +3354,16 @@
                         <a:buSzTx/>
                         <a:buFontTx/>
                         <a:buNone/>
-                        <a:tabLst/>
                         <a:defRPr/>
                       </a:pPr>
                       <a:r>
-                        <a:rPr lang="en-US" sz="800" i="1">
+                        <a:rPr lang="en-US" sz="800" i="1" dirty="0">
                           <a:solidFill>
                             <a:schemeClr val="bg1"/>
                           </a:solidFill>
                           <a:latin typeface="Adobe Clean Light" panose="020B0303020404020204" pitchFamily="34" charset="0"/>
                         </a:rPr>
-                        <a:t>Paid Support ($)</a:t>
+                        <a:t>Adobe 支持 ($)</a:t>
                       </a:r>
                     </a:p>
                   </a:txBody>
@@ -4151,16 +3427,16 @@
                         </a:spcBef>
                       </a:pPr>
                       <a:r>
-                        <a:rPr lang="en-US" sz="1000" b="1" i="0" spc="0">
+                        <a:rPr lang="en-US" sz="1000" b="1" i="0" spc="0" dirty="0">
                           <a:solidFill>
                             <a:schemeClr val="bg1"/>
                           </a:solidFill>
                           <a:latin typeface="Adobe Clean" panose="020B0503020404020204" pitchFamily="34" charset="0"/>
                           <a:cs typeface="AdobeClean-Light"/>
                         </a:rPr>
-                        <a:t>Assigned Experts</a:t>
+                        <a:t>分配的专家</a:t>
                       </a:r>
-                      <a:endParaRPr sz="1000" b="1" i="0" spc="0">
+                      <a:endParaRPr sz="1000" b="1" i="0" spc="0" dirty="0">
                         <a:solidFill>
                           <a:schemeClr val="bg1"/>
                         </a:solidFill>
@@ -4209,20 +3485,20 @@
                           <a:spcPct val="100000"/>
                         </a:lnSpc>
                         <a:spcBef>
-                          <a:spcPts val="459"/>
+                          <a:spcPts val="460"/>
                         </a:spcBef>
                       </a:pPr>
                       <a:r>
-                        <a:rPr sz="900" spc="0">
+                        <a:rPr lang="en-US" sz="900" spc="0" dirty="0">
                           <a:solidFill>
                             <a:srgbClr val="020302"/>
                           </a:solidFill>
                           <a:latin typeface="AdobeClean-Light"/>
                           <a:cs typeface="AdobeClean-Light"/>
                         </a:rPr>
-                        <a:t>Account Support Lead</a:t>
+                        <a:t>帐户支持主管</a:t>
                       </a:r>
-                      <a:endParaRPr sz="900" spc="0">
+                      <a:endParaRPr sz="900" spc="0" dirty="0">
                         <a:latin typeface="AdobeClean-Light"/>
                         <a:cs typeface="AdobeClean-Light"/>
                       </a:endParaRPr>
@@ -4268,9 +3544,9 @@
                           <a:spcPts val="470"/>
                         </a:spcBef>
                       </a:pPr>
-                      <a:endParaRPr sz="900">
-                        <a:latin typeface="Wingdings"/>
-                        <a:cs typeface="Wingdings"/>
+                      <a:endParaRPr sz="900" dirty="0">
+                        <a:latin typeface="Wingdings" panose="05000000000000000000"/>
+                        <a:cs typeface="Wingdings" panose="05000000000000000000"/>
                       </a:endParaRPr>
                     </a:p>
                   </a:txBody>
@@ -4310,18 +3586,18 @@
                         </a:spcBef>
                       </a:pPr>
                       <a:r>
-                        <a:rPr sz="900">
+                        <a:rPr lang="en-US" sz="900" dirty="0">
                           <a:solidFill>
                             <a:srgbClr val="020302"/>
                           </a:solidFill>
-                          <a:latin typeface="Wingdings"/>
-                          <a:cs typeface="Wingdings"/>
+                          <a:latin typeface="Wingdings" panose="05000000000000000000"/>
+                          <a:cs typeface="Wingdings" panose="05000000000000000000"/>
                         </a:rPr>
                         <a:t></a:t>
                       </a:r>
-                      <a:endParaRPr sz="900">
-                        <a:latin typeface="Wingdings"/>
-                        <a:cs typeface="Wingdings"/>
+                      <a:endParaRPr sz="900" dirty="0">
+                        <a:latin typeface="Wingdings" panose="05000000000000000000"/>
+                        <a:cs typeface="Wingdings" panose="05000000000000000000"/>
                       </a:endParaRPr>
                     </a:p>
                   </a:txBody>
@@ -4354,18 +3630,7 @@
                     <a:bodyPr/>
                     <a:lstStyle/>
                     <a:p>
-                      <a:pPr marL="50800">
-                        <a:lnSpc>
-                          <a:spcPct val="100000"/>
-                        </a:lnSpc>
-                        <a:spcBef>
-                          <a:spcPts val="459"/>
-                        </a:spcBef>
-                      </a:pPr>
-                      <a:endParaRPr sz="900">
-                        <a:latin typeface="AdobeClean-Light"/>
-                        <a:cs typeface="AdobeClean-Light"/>
-                      </a:endParaRPr>
+                      <a:endParaRPr lang="en-US"/>
                     </a:p>
                   </a:txBody>
                   <a:tcPr marL="0" marR="0" marT="58419" marB="0">
@@ -4396,20 +3661,20 @@
                           <a:spcPct val="100000"/>
                         </a:lnSpc>
                         <a:spcBef>
-                          <a:spcPts val="459"/>
+                          <a:spcPts val="460"/>
                         </a:spcBef>
                       </a:pPr>
                       <a:r>
-                        <a:rPr sz="900" spc="0">
+                        <a:rPr lang="en-US" sz="900" spc="0" dirty="0">
                           <a:solidFill>
                             <a:srgbClr val="020302"/>
                           </a:solidFill>
                           <a:latin typeface="AdobeClean-Light"/>
                           <a:cs typeface="AdobeClean-Light"/>
                         </a:rPr>
-                        <a:t>Named Support Engineer</a:t>
+                        <a:t>指定的支持工程师</a:t>
                       </a:r>
-                      <a:endParaRPr sz="900" spc="0">
+                      <a:endParaRPr sz="900" spc="0" dirty="0">
                         <a:latin typeface="AdobeClean-Light"/>
                         <a:cs typeface="AdobeClean-Light"/>
                       </a:endParaRPr>
@@ -4440,9 +3705,9 @@
                           <a:spcPct val="100000"/>
                         </a:lnSpc>
                       </a:pPr>
-                      <a:endParaRPr sz="900">
-                        <a:latin typeface="Times New Roman"/>
-                        <a:cs typeface="Times New Roman"/>
+                      <a:endParaRPr sz="900" dirty="0">
+                        <a:latin typeface="Times New Roman" panose="02020603050405020304"/>
+                        <a:cs typeface="Times New Roman" panose="02020603050405020304"/>
                       </a:endParaRPr>
                     </a:p>
                   </a:txBody>
@@ -4469,9 +3734,9 @@
                           <a:spcPct val="100000"/>
                         </a:lnSpc>
                       </a:pPr>
-                      <a:endParaRPr sz="900">
-                        <a:latin typeface="Times New Roman"/>
-                        <a:cs typeface="Times New Roman"/>
+                      <a:endParaRPr sz="900" dirty="0">
+                        <a:latin typeface="Times New Roman" panose="02020603050405020304"/>
+                        <a:cs typeface="Times New Roman" panose="02020603050405020304"/>
                       </a:endParaRPr>
                     </a:p>
                   </a:txBody>
@@ -4495,18 +3760,7 @@
                     <a:bodyPr/>
                     <a:lstStyle/>
                     <a:p>
-                      <a:pPr marL="50800">
-                        <a:lnSpc>
-                          <a:spcPct val="100000"/>
-                        </a:lnSpc>
-                        <a:spcBef>
-                          <a:spcPts val="500"/>
-                        </a:spcBef>
-                      </a:pPr>
-                      <a:endParaRPr sz="900">
-                        <a:latin typeface="AdobeClean-Light"/>
-                        <a:cs typeface="AdobeClean-Light"/>
-                      </a:endParaRPr>
+                      <a:endParaRPr lang="en-US"/>
                     </a:p>
                   </a:txBody>
                   <a:tcPr marL="0" marR="0" marT="63500" marB="0">
@@ -4553,16 +3807,16 @@
                         </a:spcBef>
                       </a:pPr>
                       <a:r>
-                        <a:rPr sz="900" spc="0">
+                        <a:rPr lang="en-US" sz="900" spc="0" dirty="0">
                           <a:solidFill>
                             <a:srgbClr val="020302"/>
                           </a:solidFill>
                           <a:latin typeface="AdobeClean-Light"/>
                           <a:cs typeface="AdobeClean-Light"/>
                         </a:rPr>
-                        <a:t>Technical Account Manager</a:t>
+                        <a:t>技术客户经理</a:t>
                       </a:r>
-                      <a:endParaRPr sz="900" spc="0">
+                      <a:endParaRPr sz="900" spc="0" dirty="0">
                         <a:latin typeface="AdobeClean-Light"/>
                         <a:cs typeface="AdobeClean-Light"/>
                       </a:endParaRPr>
@@ -4599,9 +3853,9 @@
                           <a:spcPct val="100000"/>
                         </a:lnSpc>
                       </a:pPr>
-                      <a:endParaRPr sz="900">
-                        <a:latin typeface="Times New Roman"/>
-                        <a:cs typeface="Times New Roman"/>
+                      <a:endParaRPr sz="900" dirty="0">
+                        <a:latin typeface="Times New Roman" panose="02020603050405020304"/>
+                        <a:cs typeface="Times New Roman" panose="02020603050405020304"/>
                       </a:endParaRPr>
                     </a:p>
                   </a:txBody>
@@ -4637,9 +3891,9 @@
                           <a:spcPct val="100000"/>
                         </a:lnSpc>
                       </a:pPr>
-                      <a:endParaRPr sz="900">
-                        <a:latin typeface="Times New Roman"/>
-                        <a:cs typeface="Times New Roman"/>
+                      <a:endParaRPr sz="900" dirty="0">
+                        <a:latin typeface="Times New Roman" panose="02020603050405020304"/>
+                        <a:cs typeface="Times New Roman" panose="02020603050405020304"/>
                       </a:endParaRPr>
                     </a:p>
                   </a:txBody>
@@ -4677,20 +3931,20 @@
                           <a:spcPct val="100000"/>
                         </a:lnSpc>
                         <a:spcBef>
-                          <a:spcPts val="459"/>
+                          <a:spcPts val="460"/>
                         </a:spcBef>
                       </a:pPr>
                       <a:r>
-                        <a:rPr lang="en-US" sz="1000" b="1" i="0" spc="0">
+                        <a:rPr lang="en-US" sz="1000" b="1" i="0" spc="0" dirty="0">
                           <a:solidFill>
                             <a:schemeClr val="bg1"/>
                           </a:solidFill>
                           <a:latin typeface="Adobe Clean" panose="020B0503020404020204" pitchFamily="34" charset="0"/>
                           <a:cs typeface="AdobeClean-Light"/>
                         </a:rPr>
-                        <a:t>Support Services</a:t>
+                        <a:t>支持服务</a:t>
                       </a:r>
-                      <a:endParaRPr sz="1000" b="1" i="0" spc="0">
+                      <a:endParaRPr sz="1000" b="1" i="0" spc="0" dirty="0">
                         <a:solidFill>
                           <a:schemeClr val="bg1"/>
                         </a:solidFill>
@@ -4752,26 +4006,16 @@
                         </a:spcBef>
                       </a:pPr>
                       <a:r>
-                        <a:rPr lang="en-US" sz="900" spc="0">
+                        <a:rPr lang="en-US" sz="900" spc="0" dirty="0">
                           <a:solidFill>
                             <a:srgbClr val="020302"/>
                           </a:solidFill>
                           <a:latin typeface="AdobeClean-Light"/>
                           <a:cs typeface="AdobeClean-Light"/>
                         </a:rPr>
-                        <a:t>Online</a:t>
+                        <a:t>在线支持</a:t>
                       </a:r>
-                      <a:r>
-                        <a:rPr sz="900" spc="0">
-                          <a:solidFill>
-                            <a:srgbClr val="020302"/>
-                          </a:solidFill>
-                          <a:latin typeface="AdobeClean-Light"/>
-                          <a:cs typeface="AdobeClean-Light"/>
-                        </a:rPr>
-                        <a:t> Support</a:t>
-                      </a:r>
-                      <a:endParaRPr sz="900" spc="0">
+                      <a:endParaRPr sz="900" spc="0" dirty="0">
                         <a:latin typeface="AdobeClean-Light"/>
                         <a:cs typeface="AdobeClean-Light"/>
                       </a:endParaRPr>
@@ -4812,36 +4056,26 @@
                         </a:spcBef>
                       </a:pPr>
                       <a:r>
-                        <a:rPr sz="900" spc="-25">
+                        <a:rPr lang="en-US" sz="900" spc="-25" dirty="0">
                           <a:solidFill>
                             <a:srgbClr val="020302"/>
                           </a:solidFill>
                           <a:latin typeface="AdobeClean-Light"/>
                           <a:cs typeface="AdobeClean-Light"/>
                         </a:rPr>
-                        <a:t>Business</a:t>
+                        <a:t>营业</a:t>
                       </a:r>
                       <a:r>
-                        <a:rPr sz="900" spc="-15">
+                        <a:rPr lang="en-US" sz="900" spc="-30" dirty="0">
                           <a:solidFill>
                             <a:srgbClr val="020302"/>
                           </a:solidFill>
                           <a:latin typeface="AdobeClean-Light"/>
                           <a:cs typeface="AdobeClean-Light"/>
                         </a:rPr>
-                        <a:t> </a:t>
+                        <a:t>时间</a:t>
                       </a:r>
-                      <a:r>
-                        <a:rPr sz="900" spc="-30">
-                          <a:solidFill>
-                            <a:srgbClr val="020302"/>
-                          </a:solidFill>
-                          <a:latin typeface="AdobeClean-Light"/>
-                          <a:cs typeface="AdobeClean-Light"/>
-                        </a:rPr>
-                        <a:t>hours</a:t>
-                      </a:r>
-                      <a:endParaRPr sz="900">
+                      <a:endParaRPr sz="900" dirty="0">
                         <a:latin typeface="AdobeClean-Light"/>
                         <a:cs typeface="AdobeClean-Light"/>
                       </a:endParaRPr>
@@ -4883,36 +4117,26 @@
                         </a:spcBef>
                       </a:pPr>
                       <a:r>
-                        <a:rPr sz="900" spc="-25">
+                        <a:rPr lang="en-US" sz="900" spc="-25" dirty="0">
                           <a:solidFill>
                             <a:srgbClr val="020302"/>
                           </a:solidFill>
                           <a:latin typeface="AdobeClean-Light"/>
                           <a:cs typeface="AdobeClean-Light"/>
                         </a:rPr>
-                        <a:t>Business</a:t>
+                        <a:t>营业</a:t>
                       </a:r>
                       <a:r>
-                        <a:rPr sz="900" spc="-15">
+                        <a:rPr lang="en-US" sz="900" spc="-30" dirty="0">
                           <a:solidFill>
                             <a:srgbClr val="020302"/>
                           </a:solidFill>
                           <a:latin typeface="AdobeClean-Light"/>
                           <a:cs typeface="AdobeClean-Light"/>
                         </a:rPr>
-                        <a:t> </a:t>
+                        <a:t>时间</a:t>
                       </a:r>
-                      <a:r>
-                        <a:rPr sz="900" spc="-30">
-                          <a:solidFill>
-                            <a:srgbClr val="020302"/>
-                          </a:solidFill>
-                          <a:latin typeface="AdobeClean-Light"/>
-                          <a:cs typeface="AdobeClean-Light"/>
-                        </a:rPr>
-                        <a:t>hours</a:t>
-                      </a:r>
-                      <a:endParaRPr sz="900">
+                      <a:endParaRPr sz="900" dirty="0">
                         <a:latin typeface="AdobeClean-Light"/>
                         <a:cs typeface="AdobeClean-Light"/>
                       </a:endParaRPr>
@@ -4947,18 +4171,7 @@
                     <a:bodyPr/>
                     <a:lstStyle/>
                     <a:p>
-                      <a:pPr marL="50800">
-                        <a:lnSpc>
-                          <a:spcPct val="100000"/>
-                        </a:lnSpc>
-                        <a:spcBef>
-                          <a:spcPts val="455"/>
-                        </a:spcBef>
-                      </a:pPr>
-                      <a:endParaRPr sz="900">
-                        <a:latin typeface="AdobeClean-Light"/>
-                        <a:cs typeface="AdobeClean-Light"/>
-                      </a:endParaRPr>
+                      <a:endParaRPr lang="en-US"/>
                     </a:p>
                   </a:txBody>
                   <a:tcPr marL="0" marR="0" marT="57785" marB="0">
@@ -4996,36 +4209,16 @@
                         </a:spcBef>
                       </a:pPr>
                       <a:r>
-                        <a:rPr sz="900" spc="0">
+                        <a:rPr lang="en-US" sz="900" spc="0" dirty="0">
                           <a:solidFill>
                             <a:srgbClr val="020302"/>
                           </a:solidFill>
                           <a:latin typeface="AdobeClean-Light"/>
                           <a:cs typeface="AdobeClean-Light"/>
                         </a:rPr>
-                        <a:t>24x7</a:t>
+                        <a:t>全天候 P1 问题支持</a:t>
                       </a:r>
-                      <a:r>
-                        <a:rPr lang="en-US" sz="900" spc="0">
-                          <a:solidFill>
-                            <a:srgbClr val="020302"/>
-                          </a:solidFill>
-                          <a:latin typeface="AdobeClean-Light"/>
-                          <a:cs typeface="AdobeClean-Light"/>
-                        </a:rPr>
-                        <a:t>x365</a:t>
-                      </a:r>
-                      <a:r>
-                        <a:rPr sz="900" spc="0">
-                          <a:solidFill>
-                            <a:srgbClr val="020302"/>
-                          </a:solidFill>
-                          <a:latin typeface="AdobeClean-Light"/>
-                          <a:cs typeface="AdobeClean-Light"/>
-                        </a:rPr>
-                        <a:t> P1 Issue Support</a:t>
-                      </a:r>
-                      <a:endParaRPr sz="900" spc="0">
+                      <a:endParaRPr sz="900" spc="0" dirty="0">
                         <a:latin typeface="AdobeClean-Light"/>
                         <a:cs typeface="AdobeClean-Light"/>
                       </a:endParaRPr>
@@ -5056,22 +4249,22 @@
                           <a:spcPct val="100000"/>
                         </a:lnSpc>
                         <a:spcBef>
-                          <a:spcPts val="459"/>
+                          <a:spcPts val="460"/>
                         </a:spcBef>
                       </a:pPr>
                       <a:r>
-                        <a:rPr sz="900">
+                        <a:rPr lang="en-US" sz="900" dirty="0">
                           <a:solidFill>
                             <a:srgbClr val="020302"/>
                           </a:solidFill>
-                          <a:latin typeface="Wingdings"/>
-                          <a:cs typeface="Wingdings"/>
+                          <a:latin typeface="Wingdings" panose="05000000000000000000"/>
+                          <a:cs typeface="Wingdings" panose="05000000000000000000"/>
                         </a:rPr>
                         <a:t></a:t>
                       </a:r>
-                      <a:endParaRPr sz="900">
-                        <a:latin typeface="Wingdings"/>
-                        <a:cs typeface="Wingdings"/>
+                      <a:endParaRPr sz="900" dirty="0">
+                        <a:latin typeface="Wingdings" panose="05000000000000000000"/>
+                        <a:cs typeface="Wingdings" panose="05000000000000000000"/>
                       </a:endParaRPr>
                     </a:p>
                   </a:txBody>
@@ -5098,22 +4291,22 @@
                           <a:spcPct val="100000"/>
                         </a:lnSpc>
                         <a:spcBef>
-                          <a:spcPts val="459"/>
+                          <a:spcPts val="460"/>
                         </a:spcBef>
                       </a:pPr>
                       <a:r>
-                        <a:rPr sz="900">
+                        <a:rPr lang="en-US" sz="900" dirty="0">
                           <a:solidFill>
                             <a:srgbClr val="020302"/>
                           </a:solidFill>
-                          <a:latin typeface="Wingdings"/>
-                          <a:cs typeface="Wingdings"/>
+                          <a:latin typeface="Wingdings" panose="05000000000000000000"/>
+                          <a:cs typeface="Wingdings" panose="05000000000000000000"/>
                         </a:rPr>
                         <a:t></a:t>
                       </a:r>
-                      <a:endParaRPr sz="900">
-                        <a:latin typeface="Wingdings"/>
-                        <a:cs typeface="Wingdings"/>
+                      <a:endParaRPr sz="900" dirty="0">
+                        <a:latin typeface="Wingdings" panose="05000000000000000000"/>
+                        <a:cs typeface="Wingdings" panose="05000000000000000000"/>
                       </a:endParaRPr>
                     </a:p>
                   </a:txBody>
@@ -5137,18 +4330,7 @@
                     <a:bodyPr/>
                     <a:lstStyle/>
                     <a:p>
-                      <a:pPr marL="50800">
-                        <a:lnSpc>
-                          <a:spcPct val="100000"/>
-                        </a:lnSpc>
-                        <a:spcBef>
-                          <a:spcPts val="455"/>
-                        </a:spcBef>
-                      </a:pPr>
-                      <a:endParaRPr sz="900">
-                        <a:latin typeface="AdobeClean-Light"/>
-                        <a:cs typeface="AdobeClean-Light"/>
-                      </a:endParaRPr>
+                      <a:endParaRPr lang="en-US"/>
                     </a:p>
                   </a:txBody>
                   <a:tcPr marL="0" marR="0" marT="57785" marB="0">
@@ -5195,16 +4377,16 @@
                         </a:spcBef>
                       </a:pPr>
                       <a:r>
-                        <a:rPr lang="en-US" sz="900" spc="0">
+                        <a:rPr lang="en-US" sz="900" spc="0" dirty="0">
                           <a:solidFill>
                             <a:srgbClr val="020302"/>
                           </a:solidFill>
                           <a:latin typeface="AdobeClean-Light"/>
                           <a:cs typeface="AdobeClean-Light"/>
                         </a:rPr>
-                        <a:t>Named Support Contacts (per product)</a:t>
+                        <a:t>指定的支持联系人（按产品）</a:t>
                       </a:r>
-                      <a:endParaRPr sz="900" spc="0">
+                      <a:endParaRPr sz="900" spc="0" dirty="0">
                         <a:latin typeface="AdobeClean-Light"/>
                         <a:cs typeface="AdobeClean-Light"/>
                       </a:endParaRPr>
@@ -5245,7 +4427,7 @@
                         </a:spcBef>
                       </a:pPr>
                       <a:r>
-                        <a:rPr sz="900">
+                        <a:rPr lang="en-US" sz="900" dirty="0">
                           <a:solidFill>
                             <a:srgbClr val="020302"/>
                           </a:solidFill>
@@ -5254,7 +4436,7 @@
                         </a:rPr>
                         <a:t>4</a:t>
                       </a:r>
-                      <a:endParaRPr sz="900">
+                      <a:endParaRPr sz="900" dirty="0">
                         <a:latin typeface="AdobeClean-Light"/>
                         <a:cs typeface="AdobeClean-Light"/>
                       </a:endParaRPr>
@@ -5287,7 +4469,7 @@
                         </a:spcBef>
                       </a:pPr>
                       <a:r>
-                        <a:rPr sz="900">
+                        <a:rPr lang="en-US" sz="900" dirty="0">
                           <a:solidFill>
                             <a:srgbClr val="020302"/>
                           </a:solidFill>
@@ -5296,7 +4478,7 @@
                         </a:rPr>
                         <a:t>6</a:t>
                       </a:r>
-                      <a:endParaRPr sz="900">
+                      <a:endParaRPr sz="900" dirty="0">
                         <a:latin typeface="AdobeClean-Light"/>
                         <a:cs typeface="AdobeClean-Light"/>
                       </a:endParaRPr>
@@ -5322,18 +4504,7 @@
                     <a:bodyPr/>
                     <a:lstStyle/>
                     <a:p>
-                      <a:pPr marL="50800">
-                        <a:lnSpc>
-                          <a:spcPct val="100000"/>
-                        </a:lnSpc>
-                        <a:spcBef>
-                          <a:spcPts val="455"/>
-                        </a:spcBef>
-                      </a:pPr>
-                      <a:endParaRPr sz="900">
-                        <a:latin typeface="AdobeClean-Light"/>
-                        <a:cs typeface="AdobeClean-Light"/>
-                      </a:endParaRPr>
+                      <a:endParaRPr lang="en-US"/>
                     </a:p>
                   </a:txBody>
                   <a:tcPr marL="0" marR="0" marT="57785" marB="0">
@@ -5371,16 +4542,16 @@
                         </a:spcBef>
                       </a:pPr>
                       <a:r>
-                        <a:rPr lang="en-US" sz="900" spc="0">
+                        <a:rPr lang="en-US" sz="900" spc="0" dirty="0">
                           <a:solidFill>
                             <a:srgbClr val="020302"/>
                           </a:solidFill>
                           <a:latin typeface="AdobeClean-Light"/>
                           <a:cs typeface="AdobeClean-Light"/>
                         </a:rPr>
-                        <a:t>Live Telephone Support</a:t>
+                        <a:t>实时电话支持</a:t>
                       </a:r>
-                      <a:endParaRPr sz="900" spc="0">
+                      <a:endParaRPr sz="900" spc="0" dirty="0">
                         <a:latin typeface="AdobeClean-Light"/>
                         <a:cs typeface="AdobeClean-Light"/>
                       </a:endParaRPr>
@@ -5411,12 +4582,12 @@
                           <a:spcPct val="100000"/>
                         </a:lnSpc>
                         <a:spcBef>
-                          <a:spcPts val="464"/>
+                          <a:spcPts val="465"/>
                         </a:spcBef>
                       </a:pPr>
-                      <a:endParaRPr sz="900">
-                        <a:latin typeface="Wingdings"/>
-                        <a:cs typeface="Wingdings"/>
+                      <a:endParaRPr sz="900" dirty="0">
+                        <a:latin typeface="Wingdings" panose="05000000000000000000"/>
+                        <a:cs typeface="Wingdings" panose="05000000000000000000"/>
                       </a:endParaRPr>
                     </a:p>
                   </a:txBody>
@@ -5443,22 +4614,22 @@
                           <a:spcPct val="100000"/>
                         </a:lnSpc>
                         <a:spcBef>
-                          <a:spcPts val="464"/>
+                          <a:spcPts val="465"/>
                         </a:spcBef>
                       </a:pPr>
                       <a:r>
-                        <a:rPr sz="900">
+                        <a:rPr lang="en-US" sz="900" dirty="0">
                           <a:solidFill>
                             <a:srgbClr val="020302"/>
                           </a:solidFill>
-                          <a:latin typeface="Wingdings"/>
-                          <a:cs typeface="Wingdings"/>
+                          <a:latin typeface="Wingdings" panose="05000000000000000000"/>
+                          <a:cs typeface="Wingdings" panose="05000000000000000000"/>
                         </a:rPr>
                         <a:t></a:t>
                       </a:r>
-                      <a:endParaRPr sz="900">
-                        <a:latin typeface="Wingdings"/>
-                        <a:cs typeface="Wingdings"/>
+                      <a:endParaRPr sz="900" dirty="0">
+                        <a:latin typeface="Wingdings" panose="05000000000000000000"/>
+                        <a:cs typeface="Wingdings" panose="05000000000000000000"/>
                       </a:endParaRPr>
                     </a:p>
                   </a:txBody>
@@ -5482,18 +4653,7 @@
                     <a:bodyPr/>
                     <a:lstStyle/>
                     <a:p>
-                      <a:pPr marL="50800">
-                        <a:lnSpc>
-                          <a:spcPct val="100000"/>
-                        </a:lnSpc>
-                        <a:spcBef>
-                          <a:spcPts val="459"/>
-                        </a:spcBef>
-                      </a:pPr>
-                      <a:endParaRPr sz="900">
-                        <a:latin typeface="AdobeClean-Light"/>
-                        <a:cs typeface="AdobeClean-Light"/>
-                      </a:endParaRPr>
+                      <a:endParaRPr lang="en-US"/>
                     </a:p>
                   </a:txBody>
                   <a:tcPr marL="0" marR="0" marT="58419" marB="0">
@@ -5527,20 +4687,20 @@
                           <a:spcPct val="100000"/>
                         </a:lnSpc>
                         <a:spcBef>
-                          <a:spcPts val="459"/>
+                          <a:spcPts val="460"/>
                         </a:spcBef>
                       </a:pPr>
                       <a:r>
-                        <a:rPr sz="900" spc="0">
+                        <a:rPr lang="en-US" sz="900" spc="0" dirty="0">
                           <a:solidFill>
                             <a:srgbClr val="020302"/>
                           </a:solidFill>
                           <a:latin typeface="AdobeClean-Light"/>
                           <a:cs typeface="AdobeClean-Light"/>
                         </a:rPr>
-                        <a:t>Escalation Management</a:t>
+                        <a:t>上报管理</a:t>
                       </a:r>
-                      <a:endParaRPr sz="900" spc="0">
+                      <a:endParaRPr sz="900" spc="0" dirty="0">
                         <a:latin typeface="AdobeClean-Light"/>
                         <a:cs typeface="AdobeClean-Light"/>
                       </a:endParaRPr>
@@ -5574,9 +4734,9 @@
                           <a:spcPts val="470"/>
                         </a:spcBef>
                       </a:pPr>
-                      <a:endParaRPr sz="900">
-                        <a:latin typeface="Wingdings"/>
-                        <a:cs typeface="Wingdings"/>
+                      <a:endParaRPr sz="900" dirty="0">
+                        <a:latin typeface="Wingdings" panose="05000000000000000000"/>
+                        <a:cs typeface="Wingdings" panose="05000000000000000000"/>
                       </a:endParaRPr>
                     </a:p>
                   </a:txBody>
@@ -5607,18 +4767,18 @@
                         </a:spcBef>
                       </a:pPr>
                       <a:r>
-                        <a:rPr sz="900">
+                        <a:rPr lang="en-US" sz="900" dirty="0">
                           <a:solidFill>
                             <a:srgbClr val="020302"/>
                           </a:solidFill>
-                          <a:latin typeface="Wingdings"/>
-                          <a:cs typeface="Wingdings"/>
+                          <a:latin typeface="Wingdings" panose="05000000000000000000"/>
+                          <a:cs typeface="Wingdings" panose="05000000000000000000"/>
                         </a:rPr>
                         <a:t></a:t>
                       </a:r>
-                      <a:endParaRPr sz="900">
-                        <a:latin typeface="Wingdings"/>
-                        <a:cs typeface="Wingdings"/>
+                      <a:endParaRPr sz="900" dirty="0">
+                        <a:latin typeface="Wingdings" panose="05000000000000000000"/>
+                        <a:cs typeface="Wingdings" panose="05000000000000000000"/>
                       </a:endParaRPr>
                     </a:p>
                   </a:txBody>
@@ -5642,18 +4802,7 @@
                     <a:bodyPr/>
                     <a:lstStyle/>
                     <a:p>
-                      <a:pPr marL="50800">
-                        <a:lnSpc>
-                          <a:spcPct val="100000"/>
-                        </a:lnSpc>
-                        <a:spcBef>
-                          <a:spcPts val="450"/>
-                        </a:spcBef>
-                      </a:pPr>
-                      <a:endParaRPr sz="900">
-                        <a:latin typeface="AdobeClean-Light"/>
-                        <a:cs typeface="AdobeClean-Light"/>
-                      </a:endParaRPr>
+                      <a:endParaRPr lang="en-US"/>
                     </a:p>
                   </a:txBody>
                   <a:tcPr marL="0" marR="0" marT="57150" marB="0">
@@ -5691,26 +4840,16 @@
                         </a:spcBef>
                       </a:pPr>
                       <a:r>
-                        <a:rPr sz="900" spc="0">
+                        <a:rPr lang="en-US" sz="900" spc="0" dirty="0">
                           <a:solidFill>
                             <a:srgbClr val="020302"/>
                           </a:solidFill>
                           <a:latin typeface="AdobeClean-Light"/>
                           <a:cs typeface="AdobeClean-Light"/>
                         </a:rPr>
-                        <a:t>Service Reviews </a:t>
+                        <a:t>每年服务审查次数</a:t>
                       </a:r>
-                      <a:r>
-                        <a:rPr lang="en-US" sz="900" spc="0">
-                          <a:solidFill>
-                            <a:srgbClr val="020302"/>
-                          </a:solidFill>
-                          <a:latin typeface="AdobeClean-Light"/>
-                          <a:cs typeface="AdobeClean-Light"/>
-                        </a:rPr>
-                        <a:t>per Year</a:t>
-                      </a:r>
-                      <a:endParaRPr sz="900" spc="0">
+                      <a:endParaRPr sz="900" spc="0" dirty="0">
                         <a:latin typeface="AdobeClean-Light"/>
                         <a:cs typeface="AdobeClean-Light"/>
                       </a:endParaRPr>
@@ -5741,9 +4880,9 @@
                           <a:spcPct val="100000"/>
                         </a:lnSpc>
                       </a:pPr>
-                      <a:endParaRPr sz="900">
-                        <a:latin typeface="Times New Roman"/>
-                        <a:cs typeface="Times New Roman"/>
+                      <a:endParaRPr sz="900" dirty="0">
+                        <a:latin typeface="Times New Roman" panose="02020603050405020304"/>
+                        <a:cs typeface="Times New Roman" panose="02020603050405020304"/>
                       </a:endParaRPr>
                     </a:p>
                   </a:txBody>
@@ -5770,9 +4909,9 @@
                           <a:spcPct val="100000"/>
                         </a:lnSpc>
                       </a:pPr>
-                      <a:endParaRPr sz="900">
-                        <a:latin typeface="Times New Roman"/>
-                        <a:cs typeface="Times New Roman"/>
+                      <a:endParaRPr sz="900" dirty="0">
+                        <a:latin typeface="Times New Roman" panose="02020603050405020304"/>
+                        <a:cs typeface="Times New Roman" panose="02020603050405020304"/>
                       </a:endParaRPr>
                     </a:p>
                   </a:txBody>
@@ -5815,13 +4954,13 @@
                         </a:spcBef>
                       </a:pPr>
                       <a:r>
-                        <a:rPr lang="en-US" sz="900" spc="0">
+                        <a:rPr lang="en-US" sz="900" spc="0" dirty="0">
                           <a:latin typeface="AdobeClean-Light"/>
                           <a:cs typeface="AdobeClean-Light"/>
                         </a:rPr>
-                        <a:t>Expert Sessions per Year</a:t>
+                        <a:t>每年专家讲座数</a:t>
                       </a:r>
-                      <a:endParaRPr sz="900" spc="0">
+                      <a:endParaRPr sz="900" spc="0" dirty="0">
                         <a:latin typeface="AdobeClean-Light"/>
                         <a:cs typeface="AdobeClean-Light"/>
                       </a:endParaRPr>
@@ -5858,9 +4997,9 @@
                           <a:spcPct val="100000"/>
                         </a:lnSpc>
                       </a:pPr>
-                      <a:endParaRPr sz="900">
-                        <a:latin typeface="Times New Roman"/>
-                        <a:cs typeface="Times New Roman"/>
+                      <a:endParaRPr sz="900" dirty="0">
+                        <a:latin typeface="Times New Roman" panose="02020603050405020304"/>
+                        <a:cs typeface="Times New Roman" panose="02020603050405020304"/>
                       </a:endParaRPr>
                     </a:p>
                   </a:txBody>
@@ -5887,295 +5026,9 @@
                           <a:spcPct val="100000"/>
                         </a:lnSpc>
                       </a:pPr>
-                      <a:endParaRPr sz="900">
-                        <a:latin typeface="Times New Roman"/>
-                        <a:cs typeface="Times New Roman"/>
-                      </a:endParaRPr>
-                    </a:p>
-                  </a:txBody>
-                  <a:tcPr marL="0" marR="0" marT="0" marB="0">
-                    <a:solidFill>
-                      <a:schemeClr val="bg1">
-                        <a:lumMod val="95000"/>
-                      </a:schemeClr>
-                    </a:solidFill>
-                  </a:tcPr>
-                </a:tc>
-                <a:extLst>
-                  <a:ext uri="{0D108BD9-81ED-4DB2-BD59-A6C34878D82A}">
-                    <a16:rowId xmlns:a16="http://schemas.microsoft.com/office/drawing/2014/main" val="225399098"/>
-                  </a:ext>
-                </a:extLst>
-              </a:tr>
-              <a:tr h="229317">
-                <a:tc vMerge="1">
-                  <a:txBody>
-                    <a:bodyPr/>
-                    <a:lstStyle/>
-                    <a:p>
-                      <a:endParaRPr lang="en-US"/>
-                    </a:p>
-                  </a:txBody>
-                  <a:tcPr/>
-                </a:tc>
-                <a:tc>
-                  <a:txBody>
-                    <a:bodyPr/>
-                    <a:lstStyle/>
-                    <a:p>
-                      <a:pPr marL="50800" hangingPunct="0">
-                        <a:lnSpc>
-                          <a:spcPct val="100000"/>
-                        </a:lnSpc>
-                        <a:spcBef>
-                          <a:spcPts val="450"/>
-                        </a:spcBef>
-                      </a:pPr>
-                      <a:r>
-                        <a:rPr lang="en-US" sz="900" spc="0">
-                          <a:latin typeface="AdobeClean-Light"/>
-                          <a:cs typeface="AdobeClean-Light"/>
-                        </a:rPr>
-                        <a:t>Case Reviews</a:t>
-                      </a:r>
-                      <a:endParaRPr sz="900" spc="0">
-                        <a:latin typeface="AdobeClean-Light"/>
-                        <a:cs typeface="AdobeClean-Light"/>
-                      </a:endParaRPr>
-                    </a:p>
-                  </a:txBody>
-                  <a:tcPr marL="0" marR="0" marT="57150" marB="0">
-                    <a:lnL w="12700" cap="flat" cmpd="sng" algn="ctr">
-                      <a:solidFill>
-                        <a:srgbClr val="F0F0F0"/>
-                      </a:solidFill>
-                      <a:prstDash val="solid"/>
-                      <a:round/>
-                      <a:headEnd type="none" w="med" len="med"/>
-                      <a:tailEnd type="none" w="med" len="med"/>
-                    </a:lnL>
-                    <a:lnR w="12700" cap="flat" cmpd="sng" algn="ctr">
-                      <a:solidFill>
-                        <a:srgbClr val="F0F0F0"/>
-                      </a:solidFill>
-                      <a:prstDash val="solid"/>
-                      <a:round/>
-                      <a:headEnd type="none" w="med" len="med"/>
-                      <a:tailEnd type="none" w="med" len="med"/>
-                    </a:lnR>
-                  </a:tcPr>
-                </a:tc>
-                <a:tc>
-                  <a:txBody>
-                    <a:bodyPr/>
-                    <a:lstStyle/>
-                    <a:p>
-                      <a:pPr>
-                        <a:lnSpc>
-                          <a:spcPct val="100000"/>
-                        </a:lnSpc>
-                      </a:pPr>
-                      <a:endParaRPr sz="900">
-                        <a:latin typeface="Times New Roman"/>
-                        <a:cs typeface="Times New Roman"/>
-                      </a:endParaRPr>
-                    </a:p>
-                  </a:txBody>
-                  <a:tcPr marL="0" marR="0" marT="0" marB="0">
-                    <a:lnL w="12700" cap="flat" cmpd="sng" algn="ctr">
-                      <a:solidFill>
-                        <a:srgbClr val="F0F0F0"/>
-                      </a:solidFill>
-                      <a:prstDash val="solid"/>
-                      <a:round/>
-                      <a:headEnd type="none" w="med" len="med"/>
-                      <a:tailEnd type="none" w="med" len="med"/>
-                    </a:lnL>
-                    <a:noFill/>
-                  </a:tcPr>
-                </a:tc>
-                <a:tc>
-                  <a:txBody>
-                    <a:bodyPr/>
-                    <a:lstStyle/>
-                    <a:p>
-                      <a:pPr>
-                        <a:lnSpc>
-                          <a:spcPct val="100000"/>
-                        </a:lnSpc>
-                      </a:pPr>
-                      <a:endParaRPr sz="900">
-                        <a:latin typeface="Times New Roman"/>
-                        <a:cs typeface="Times New Roman"/>
-                      </a:endParaRPr>
-                    </a:p>
-                  </a:txBody>
-                  <a:tcPr marL="0" marR="0" marT="0" marB="0">
-                    <a:solidFill>
-                      <a:schemeClr val="bg1">
-                        <a:lumMod val="95000"/>
-                      </a:schemeClr>
-                    </a:solidFill>
-                  </a:tcPr>
-                </a:tc>
-                <a:extLst>
-                  <a:ext uri="{0D108BD9-81ED-4DB2-BD59-A6C34878D82A}">
-                    <a16:rowId xmlns:a16="http://schemas.microsoft.com/office/drawing/2014/main" val="1164642039"/>
-                  </a:ext>
-                </a:extLst>
-              </a:tr>
-              <a:tr h="230812">
-                <a:tc vMerge="1">
-                  <a:txBody>
-                    <a:bodyPr/>
-                    <a:lstStyle/>
-                    <a:p>
-                      <a:pPr marL="48895">
-                        <a:lnSpc>
-                          <a:spcPct val="100000"/>
-                        </a:lnSpc>
-                        <a:spcBef>
-                          <a:spcPts val="459"/>
-                        </a:spcBef>
-                      </a:pPr>
-                      <a:endParaRPr sz="900">
-                        <a:latin typeface="AdobeClean-Light"/>
-                        <a:cs typeface="AdobeClean-Light"/>
-                      </a:endParaRPr>
-                    </a:p>
-                  </a:txBody>
-                  <a:tcPr marL="0" marR="0" marT="58419" marB="0">
-                    <a:lnL w="12700">
-                      <a:solidFill>
-                        <a:srgbClr val="F0F0F0"/>
-                      </a:solidFill>
-                      <a:prstDash val="solid"/>
-                    </a:lnL>
-                    <a:lnR w="12700" cap="flat" cmpd="sng" algn="ctr">
-                      <a:solidFill>
-                        <a:srgbClr val="F0F0F0"/>
-                      </a:solidFill>
-                      <a:prstDash val="solid"/>
-                      <a:round/>
-                      <a:headEnd type="none" w="med" len="med"/>
-                      <a:tailEnd type="none" w="med" len="med"/>
-                    </a:lnR>
-                    <a:lnT w="12700" cap="flat" cmpd="sng" algn="ctr">
-                      <a:solidFill>
-                        <a:srgbClr val="F0F0F0"/>
-                      </a:solidFill>
-                      <a:prstDash val="solid"/>
-                      <a:round/>
-                      <a:headEnd type="none" w="med" len="med"/>
-                      <a:tailEnd type="none" w="med" len="med"/>
-                    </a:lnT>
-                    <a:solidFill>
-                      <a:srgbClr val="7D7D7D"/>
-                    </a:solidFill>
-                  </a:tcPr>
-                </a:tc>
-                <a:tc>
-                  <a:txBody>
-                    <a:bodyPr/>
-                    <a:lstStyle/>
-                    <a:p>
-                      <a:pPr marL="48895" hangingPunct="0">
-                        <a:lnSpc>
-                          <a:spcPct val="100000"/>
-                        </a:lnSpc>
-                        <a:spcBef>
-                          <a:spcPts val="459"/>
-                        </a:spcBef>
-                      </a:pPr>
-                      <a:r>
-                        <a:rPr sz="900" spc="0">
-                          <a:solidFill>
-                            <a:srgbClr val="020302"/>
-                          </a:solidFill>
-                          <a:latin typeface="AdobeClean-Light"/>
-                          <a:cs typeface="AdobeClean-Light"/>
-                        </a:rPr>
-                        <a:t>Event </a:t>
-                      </a:r>
-                      <a:r>
-                        <a:rPr lang="en-US" sz="900" spc="0">
-                          <a:solidFill>
-                            <a:srgbClr val="020302"/>
-                          </a:solidFill>
-                          <a:latin typeface="AdobeClean-Light"/>
-                          <a:cs typeface="AdobeClean-Light"/>
-                        </a:rPr>
-                        <a:t>Management</a:t>
-                      </a:r>
-                      <a:endParaRPr sz="900" spc="0">
-                        <a:latin typeface="AdobeClean-Light"/>
-                        <a:cs typeface="AdobeClean-Light"/>
-                      </a:endParaRPr>
-                    </a:p>
-                  </a:txBody>
-                  <a:tcPr marL="0" marR="0" marT="58419" marB="0">
-                    <a:lnL w="12700" cap="flat" cmpd="sng" algn="ctr">
-                      <a:solidFill>
-                        <a:srgbClr val="F0F0F0"/>
-                      </a:solidFill>
-                      <a:prstDash val="solid"/>
-                      <a:round/>
-                      <a:headEnd type="none" w="med" len="med"/>
-                      <a:tailEnd type="none" w="med" len="med"/>
-                    </a:lnL>
-                    <a:lnR w="12700" cap="flat" cmpd="sng" algn="ctr">
-                      <a:solidFill>
-                        <a:srgbClr val="F0F0F0"/>
-                      </a:solidFill>
-                      <a:prstDash val="solid"/>
-                      <a:round/>
-                      <a:headEnd type="none" w="med" len="med"/>
-                      <a:tailEnd type="none" w="med" len="med"/>
-                    </a:lnR>
-                  </a:tcPr>
-                </a:tc>
-                <a:tc>
-                  <a:txBody>
-                    <a:bodyPr/>
-                    <a:lstStyle/>
-                    <a:p>
-                      <a:pPr>
-                        <a:lnSpc>
-                          <a:spcPct val="100000"/>
-                        </a:lnSpc>
-                      </a:pPr>
-                      <a:endParaRPr sz="900">
-                        <a:latin typeface="Times New Roman"/>
-                        <a:cs typeface="Times New Roman"/>
-                      </a:endParaRPr>
-                    </a:p>
-                  </a:txBody>
-                  <a:tcPr marL="0" marR="0" marT="0" marB="0">
-                    <a:lnL w="12700" cap="flat" cmpd="sng" algn="ctr">
-                      <a:solidFill>
-                        <a:srgbClr val="F0F0F0"/>
-                      </a:solidFill>
-                      <a:prstDash val="solid"/>
-                      <a:round/>
-                      <a:headEnd type="none" w="med" len="med"/>
-                      <a:tailEnd type="none" w="med" len="med"/>
-                    </a:lnL>
-                    <a:noFill/>
-                  </a:tcPr>
-                </a:tc>
-                <a:tc>
-                  <a:txBody>
-                    <a:bodyPr/>
-                    <a:lstStyle/>
-                    <a:p>
-                      <a:pPr>
-                        <a:lnSpc>
-                          <a:spcPct val="100000"/>
-                        </a:lnSpc>
-                      </a:pPr>
-                      <a:endParaRPr sz="900">
-                        <a:latin typeface="Times New Roman"/>
-                        <a:cs typeface="Times New Roman"/>
+                      <a:endParaRPr sz="900" dirty="0">
+                        <a:latin typeface="Times New Roman" panose="02020603050405020304"/>
+                        <a:cs typeface="Times New Roman" panose="02020603050405020304"/>
                       </a:endParaRPr>
                     </a:p>
                   </a:txBody>
@@ -6193,108 +5046,61 @@
                   </a:ext>
                 </a:extLst>
               </a:tr>
-              <a:tr h="231562">
+              <a:tr h="229317">
                 <a:tc vMerge="1">
                   <a:txBody>
                     <a:bodyPr/>
                     <a:lstStyle/>
                     <a:p>
-                      <a:pPr marL="48895">
-                        <a:lnSpc>
-                          <a:spcPct val="100000"/>
-                        </a:lnSpc>
-                        <a:spcBef>
-                          <a:spcPts val="465"/>
-                        </a:spcBef>
-                      </a:pPr>
-                      <a:endParaRPr sz="900">
-                        <a:latin typeface="AdobeClean-Light"/>
-                        <a:cs typeface="AdobeClean-Light"/>
-                      </a:endParaRPr>
+                      <a:endParaRPr lang="en-US"/>
                     </a:p>
                   </a:txBody>
-                  <a:tcPr marL="0" marR="0" marT="59055" marB="0">
-                    <a:lnL w="12700">
-                      <a:solidFill>
-                        <a:srgbClr val="F0F0F0"/>
-                      </a:solidFill>
-                      <a:prstDash val="solid"/>
-                    </a:lnL>
-                    <a:lnR w="12700" cap="flat" cmpd="sng" algn="ctr">
-                      <a:solidFill>
-                        <a:srgbClr val="F0F0F0"/>
-                      </a:solidFill>
-                      <a:prstDash val="solid"/>
-                      <a:round/>
-                      <a:headEnd type="none" w="med" len="med"/>
-                      <a:tailEnd type="none" w="med" len="med"/>
-                    </a:lnR>
-                    <a:solidFill>
-                      <a:srgbClr val="7D7D7D"/>
-                    </a:solidFill>
-                  </a:tcPr>
+                  <a:tcPr/>
                 </a:tc>
                 <a:tc>
                   <a:txBody>
                     <a:bodyPr/>
                     <a:lstStyle/>
                     <a:p>
-                      <a:pPr marL="48895" hangingPunct="0">
+                      <a:pPr marL="50800" hangingPunct="0">
                         <a:lnSpc>
                           <a:spcPct val="100000"/>
                         </a:lnSpc>
                         <a:spcBef>
-                          <a:spcPts val="465"/>
+                          <a:spcPts val="450"/>
                         </a:spcBef>
                       </a:pPr>
                       <a:r>
-                        <a:rPr sz="900" spc="0">
-                          <a:solidFill>
-                            <a:srgbClr val="020302"/>
-                          </a:solidFill>
+                        <a:rPr lang="en-US" sz="900" spc="0" dirty="0">
                           <a:latin typeface="AdobeClean-Light"/>
                           <a:cs typeface="AdobeClean-Light"/>
                         </a:rPr>
-                        <a:t>Environment</a:t>
+                        <a:t>案例审查</a:t>
                       </a:r>
-                      <a:r>
-                        <a:rPr lang="en-US" sz="900" spc="0">
-                          <a:solidFill>
-                            <a:srgbClr val="020302"/>
-                          </a:solidFill>
-                          <a:latin typeface="AdobeClean-Light"/>
-                          <a:cs typeface="AdobeClean-Light"/>
-                        </a:rPr>
-                        <a:t> </a:t>
-                      </a:r>
-                      <a:r>
-                        <a:rPr sz="900" spc="0">
-                          <a:solidFill>
-                            <a:srgbClr val="020302"/>
-                          </a:solidFill>
-                          <a:latin typeface="AdobeClean-Light"/>
-                          <a:cs typeface="AdobeClean-Light"/>
-                        </a:rPr>
-                        <a:t>Review, Maintenance &amp; Monitoring</a:t>
-                      </a:r>
-                      <a:endParaRPr sz="900" spc="0">
+                      <a:endParaRPr sz="900" spc="0" dirty="0">
                         <a:latin typeface="AdobeClean-Light"/>
                         <a:cs typeface="AdobeClean-Light"/>
                       </a:endParaRPr>
                     </a:p>
                   </a:txBody>
-                  <a:tcPr marL="0" marR="0" marT="59055" marB="0">
-                    <a:lnL w="12700">
+                  <a:tcPr marL="0" marR="0" marT="57150" marB="0">
+                    <a:lnL w="12700" cap="flat" cmpd="sng" algn="ctr">
                       <a:solidFill>
                         <a:srgbClr val="F0F0F0"/>
                       </a:solidFill>
                       <a:prstDash val="solid"/>
+                      <a:round/>
+                      <a:headEnd type="none" w="med" len="med"/>
+                      <a:tailEnd type="none" w="med" len="med"/>
                     </a:lnL>
-                    <a:lnR w="12700">
+                    <a:lnR w="12700" cap="flat" cmpd="sng" algn="ctr">
                       <a:solidFill>
                         <a:srgbClr val="F0F0F0"/>
                       </a:solidFill>
                       <a:prstDash val="solid"/>
+                      <a:round/>
+                      <a:headEnd type="none" w="med" len="med"/>
+                      <a:tailEnd type="none" w="med" len="med"/>
                     </a:lnR>
                   </a:tcPr>
                 </a:tc>
@@ -6308,9 +5114,9 @@
                           <a:spcPct val="100000"/>
                         </a:lnSpc>
                       </a:pPr>
-                      <a:endParaRPr sz="900">
-                        <a:latin typeface="Times New Roman"/>
-                        <a:cs typeface="Times New Roman"/>
+                      <a:endParaRPr sz="900" dirty="0">
+                        <a:latin typeface="Times New Roman" panose="02020603050405020304"/>
+                        <a:cs typeface="Times New Roman" panose="02020603050405020304"/>
                       </a:endParaRPr>
                     </a:p>
                   </a:txBody>
@@ -6337,9 +5143,9 @@
                           <a:spcPct val="100000"/>
                         </a:lnSpc>
                       </a:pPr>
-                      <a:endParaRPr sz="900">
-                        <a:latin typeface="Times New Roman"/>
-                        <a:cs typeface="Times New Roman"/>
+                      <a:endParaRPr sz="900" dirty="0">
+                        <a:latin typeface="Times New Roman" panose="02020603050405020304"/>
+                        <a:cs typeface="Times New Roman" panose="02020603050405020304"/>
                       </a:endParaRPr>
                     </a:p>
                   </a:txBody>
@@ -6357,27 +5163,16 @@
                   </a:ext>
                 </a:extLst>
               </a:tr>
-              <a:tr h="236808">
+              <a:tr h="230812">
                 <a:tc vMerge="1">
                   <a:txBody>
                     <a:bodyPr/>
                     <a:lstStyle/>
                     <a:p>
-                      <a:pPr marL="49530">
-                        <a:lnSpc>
-                          <a:spcPct val="100000"/>
-                        </a:lnSpc>
-                        <a:spcBef>
-                          <a:spcPts val="500"/>
-                        </a:spcBef>
-                      </a:pPr>
-                      <a:endParaRPr sz="900">
-                        <a:latin typeface="AdobeClean-Light"/>
-                        <a:cs typeface="AdobeClean-Light"/>
-                      </a:endParaRPr>
+                      <a:endParaRPr lang="en-US"/>
                     </a:p>
                   </a:txBody>
-                  <a:tcPr marL="0" marR="0" marT="63500" marB="0">
+                  <a:tcPr marL="0" marR="0" marT="58419" marB="0">
                     <a:lnL w="12700">
                       <a:solidFill>
                         <a:srgbClr val="F0F0F0"/>
@@ -6393,6 +5188,15 @@
                       <a:headEnd type="none" w="med" len="med"/>
                       <a:tailEnd type="none" w="med" len="med"/>
                     </a:lnR>
+                    <a:lnT w="12700" cap="flat" cmpd="sng" algn="ctr">
+                      <a:solidFill>
+                        <a:srgbClr val="F0F0F0"/>
+                      </a:solidFill>
+                      <a:prstDash val="solid"/>
+                      <a:round/>
+                      <a:headEnd type="none" w="med" len="med"/>
+                      <a:tailEnd type="none" w="med" len="med"/>
+                    </a:lnT>
                     <a:solidFill>
                       <a:srgbClr val="7D7D7D"/>
                     </a:solidFill>
@@ -6403,42 +5207,48 @@
                     <a:bodyPr/>
                     <a:lstStyle/>
                     <a:p>
-                      <a:pPr marL="49530" hangingPunct="0">
+                      <a:pPr marL="48895" hangingPunct="0">
                         <a:lnSpc>
                           <a:spcPct val="100000"/>
                         </a:lnSpc>
                         <a:spcBef>
-                          <a:spcPts val="500"/>
+                          <a:spcPts val="460"/>
                         </a:spcBef>
                       </a:pPr>
                       <a:r>
-                        <a:rPr sz="900" spc="0">
+                        <a:rPr lang="en-US" sz="900" spc="0" dirty="0">
                           <a:solidFill>
                             <a:srgbClr val="020302"/>
                           </a:solidFill>
                           <a:latin typeface="AdobeClean-Light"/>
                           <a:cs typeface="AdobeClean-Light"/>
                         </a:rPr>
-                        <a:t>Release, Migration, Upgrade &amp; Product Roadmap Review</a:t>
+                        <a:t>事件管理</a:t>
                       </a:r>
-                      <a:endParaRPr sz="900" spc="0">
+                      <a:endParaRPr sz="900" spc="0" dirty="0">
                         <a:latin typeface="AdobeClean-Light"/>
                         <a:cs typeface="AdobeClean-Light"/>
                       </a:endParaRPr>
                     </a:p>
                   </a:txBody>
-                  <a:tcPr marL="0" marR="0" marT="63500" marB="0">
-                    <a:lnL w="12700">
+                  <a:tcPr marL="0" marR="0" marT="58419" marB="0">
+                    <a:lnL w="12700" cap="flat" cmpd="sng" algn="ctr">
                       <a:solidFill>
                         <a:srgbClr val="F0F0F0"/>
                       </a:solidFill>
                       <a:prstDash val="solid"/>
+                      <a:round/>
+                      <a:headEnd type="none" w="med" len="med"/>
+                      <a:tailEnd type="none" w="med" len="med"/>
                     </a:lnL>
-                    <a:lnR w="12700">
+                    <a:lnR w="12700" cap="flat" cmpd="sng" algn="ctr">
                       <a:solidFill>
                         <a:srgbClr val="F0F0F0"/>
                       </a:solidFill>
                       <a:prstDash val="solid"/>
+                      <a:round/>
+                      <a:headEnd type="none" w="med" len="med"/>
+                      <a:tailEnd type="none" w="med" len="med"/>
                     </a:lnR>
                   </a:tcPr>
                 </a:tc>
@@ -6452,9 +5262,9 @@
                           <a:spcPct val="100000"/>
                         </a:lnSpc>
                       </a:pPr>
-                      <a:endParaRPr sz="900">
-                        <a:latin typeface="Times New Roman"/>
-                        <a:cs typeface="Times New Roman"/>
+                      <a:endParaRPr sz="900" dirty="0">
+                        <a:latin typeface="Times New Roman" panose="02020603050405020304"/>
+                        <a:cs typeface="Times New Roman" panose="02020603050405020304"/>
                       </a:endParaRPr>
                     </a:p>
                   </a:txBody>
@@ -6481,9 +5291,9 @@
                           <a:spcPct val="100000"/>
                         </a:lnSpc>
                       </a:pPr>
-                      <a:endParaRPr sz="900">
-                        <a:latin typeface="Times New Roman"/>
-                        <a:cs typeface="Times New Roman"/>
+                      <a:endParaRPr sz="900" dirty="0">
+                        <a:latin typeface="Times New Roman" panose="02020603050405020304"/>
+                        <a:cs typeface="Times New Roman" panose="02020603050405020304"/>
                       </a:endParaRPr>
                     </a:p>
                   </a:txBody>
@@ -6501,27 +5311,16 @@
                   </a:ext>
                 </a:extLst>
               </a:tr>
-              <a:tr h="241305">
+              <a:tr h="231562">
                 <a:tc vMerge="1">
                   <a:txBody>
                     <a:bodyPr/>
                     <a:lstStyle/>
                     <a:p>
-                      <a:pPr marL="49530">
-                        <a:lnSpc>
-                          <a:spcPct val="100000"/>
-                        </a:lnSpc>
-                        <a:spcBef>
-                          <a:spcPts val="530"/>
-                        </a:spcBef>
-                      </a:pPr>
-                      <a:endParaRPr sz="900">
-                        <a:latin typeface="AdobeClean-Light"/>
-                        <a:cs typeface="AdobeClean-Light"/>
-                      </a:endParaRPr>
+                      <a:endParaRPr lang="en-US"/>
                     </a:p>
                   </a:txBody>
-                  <a:tcPr marL="0" marR="0" marT="67310" marB="0">
+                  <a:tcPr marL="0" marR="0" marT="59055" marB="0">
                     <a:lnL w="12700">
                       <a:solidFill>
                         <a:srgbClr val="F0F0F0"/>
@@ -6537,15 +5336,6 @@
                       <a:headEnd type="none" w="med" len="med"/>
                       <a:tailEnd type="none" w="med" len="med"/>
                     </a:lnR>
-                    <a:lnB w="12700" cap="flat" cmpd="sng" algn="ctr">
-                      <a:solidFill>
-                        <a:srgbClr val="F0F0F0"/>
-                      </a:solidFill>
-                      <a:prstDash val="solid"/>
-                      <a:round/>
-                      <a:headEnd type="none" w="med" len="med"/>
-                      <a:tailEnd type="none" w="med" len="med"/>
-                    </a:lnB>
                     <a:solidFill>
                       <a:srgbClr val="7D7D7D"/>
                     </a:solidFill>
@@ -6556,24 +5346,31 @@
                     <a:bodyPr/>
                     <a:lstStyle/>
                     <a:p>
-                      <a:pPr marL="49530" hangingPunct="0">
+                      <a:pPr marL="48895" hangingPunct="0">
                         <a:lnSpc>
                           <a:spcPct val="100000"/>
                         </a:lnSpc>
                         <a:spcBef>
-                          <a:spcPts val="530"/>
+                          <a:spcPts val="465"/>
                         </a:spcBef>
                       </a:pPr>
                       <a:r>
-                        <a:rPr sz="900" spc="0">
+                        <a:rPr lang="en-US" sz="900" spc="0" dirty="0">
+                          <a:solidFill>
+                            <a:srgbClr val="020302"/>
+                          </a:solidFill>
                           <a:latin typeface="AdobeClean-Light"/>
                           <a:cs typeface="AdobeClean-Light"/>
                         </a:rPr>
-                        <a:t>Cloud Support Activities – Experience Manager as Cloud</a:t>
+                        <a:t>环境审查、维护和监控</a:t>
                       </a:r>
+                      <a:endParaRPr sz="900" spc="0" dirty="0">
+                        <a:latin typeface="AdobeClean-Light"/>
+                        <a:cs typeface="AdobeClean-Light"/>
+                      </a:endParaRPr>
                     </a:p>
                   </a:txBody>
-                  <a:tcPr marL="0" marR="0" marT="67310" marB="0">
+                  <a:tcPr marL="0" marR="0" marT="59055" marB="0">
                     <a:lnL w="12700">
                       <a:solidFill>
                         <a:srgbClr val="F0F0F0"/>
@@ -6586,12 +5383,6 @@
                       </a:solidFill>
                       <a:prstDash val="solid"/>
                     </a:lnR>
-                    <a:lnB w="12700">
-                      <a:solidFill>
-                        <a:srgbClr val="F0F0F0"/>
-                      </a:solidFill>
-                      <a:prstDash val="solid"/>
-                    </a:lnB>
                   </a:tcPr>
                 </a:tc>
                 <a:tc>
@@ -6604,9 +5395,9 @@
                           <a:spcPct val="100000"/>
                         </a:lnSpc>
                       </a:pPr>
-                      <a:endParaRPr sz="900">
-                        <a:latin typeface="Times New Roman"/>
-                        <a:cs typeface="Times New Roman"/>
+                      <a:endParaRPr sz="900" dirty="0">
+                        <a:latin typeface="Times New Roman" panose="02020603050405020304"/>
+                        <a:cs typeface="Times New Roman" panose="02020603050405020304"/>
                       </a:endParaRPr>
                     </a:p>
                   </a:txBody>
@@ -6620,15 +5411,6 @@
                       <a:headEnd type="none" w="med" len="med"/>
                       <a:tailEnd type="none" w="med" len="med"/>
                     </a:lnL>
-                    <a:lnB w="12700" cap="flat" cmpd="sng" algn="ctr">
-                      <a:solidFill>
-                        <a:srgbClr val="F0F0F0"/>
-                      </a:solidFill>
-                      <a:prstDash val="solid"/>
-                      <a:round/>
-                      <a:headEnd type="none" w="med" len="med"/>
-                      <a:tailEnd type="none" w="med" len="med"/>
-                    </a:lnB>
                     <a:noFill/>
                   </a:tcPr>
                 </a:tc>
@@ -6642,22 +5424,13 @@
                           <a:spcPct val="100000"/>
                         </a:lnSpc>
                       </a:pPr>
-                      <a:endParaRPr sz="900">
-                        <a:latin typeface="Times New Roman"/>
-                        <a:cs typeface="Times New Roman"/>
+                      <a:endParaRPr sz="900" dirty="0">
+                        <a:latin typeface="Times New Roman" panose="02020603050405020304"/>
+                        <a:cs typeface="Times New Roman" panose="02020603050405020304"/>
                       </a:endParaRPr>
                     </a:p>
                   </a:txBody>
                   <a:tcPr marL="0" marR="0" marT="0" marB="0">
-                    <a:lnB w="12700" cap="flat" cmpd="sng" algn="ctr">
-                      <a:solidFill>
-                        <a:srgbClr val="F0F0F0"/>
-                      </a:solidFill>
-                      <a:prstDash val="solid"/>
-                      <a:round/>
-                      <a:headEnd type="none" w="med" len="med"/>
-                      <a:tailEnd type="none" w="med" len="med"/>
-                    </a:lnB>
                     <a:solidFill>
                       <a:schemeClr val="bg1">
                         <a:lumMod val="95000"/>
@@ -6671,40 +5444,16 @@
                   </a:ext>
                 </a:extLst>
               </a:tr>
-              <a:tr h="161868">
-                <a:tc rowSpan="2">
+              <a:tr h="236808">
+                <a:tc vMerge="1">
                   <a:txBody>
                     <a:bodyPr/>
                     <a:lstStyle/>
                     <a:p>
-                      <a:pPr marL="48260">
-                        <a:lnSpc>
-                          <a:spcPct val="100000"/>
-                        </a:lnSpc>
-                        <a:spcBef>
-                          <a:spcPts val="830"/>
-                        </a:spcBef>
-                      </a:pPr>
-                      <a:r>
-                        <a:rPr lang="en-US" sz="1000" b="1" i="0" spc="0">
-                          <a:solidFill>
-                            <a:schemeClr val="bg1"/>
-                          </a:solidFill>
-                          <a:latin typeface="Adobe Clean" panose="020B0503020404020204" pitchFamily="34" charset="0"/>
-                          <a:cs typeface="AdobeClean-Light"/>
-                        </a:rPr>
-                        <a:t>Field Services</a:t>
-                      </a:r>
-                      <a:endParaRPr sz="1000" b="1" i="0" spc="0">
-                        <a:solidFill>
-                          <a:schemeClr val="bg1"/>
-                        </a:solidFill>
-                        <a:latin typeface="Adobe Clean" panose="020B0503020404020204" pitchFamily="34" charset="0"/>
-                        <a:cs typeface="AdobeClean-Light"/>
-                      </a:endParaRPr>
+                      <a:endParaRPr lang="en-US"/>
                     </a:p>
                   </a:txBody>
-                  <a:tcPr marL="0" marR="0" marT="48260" marB="0" anchor="ctr">
+                  <a:tcPr marL="0" marR="0" marT="63500" marB="0">
                     <a:lnL w="12700">
                       <a:solidFill>
                         <a:srgbClr val="F0F0F0"/>
@@ -6720,73 +5469,41 @@
                       <a:headEnd type="none" w="med" len="med"/>
                       <a:tailEnd type="none" w="med" len="med"/>
                     </a:lnR>
-                    <a:lnT w="12700" cap="flat" cmpd="sng" algn="ctr">
-                      <a:solidFill>
-                        <a:srgbClr val="F0F0F0"/>
-                      </a:solidFill>
-                      <a:prstDash val="solid"/>
-                      <a:round/>
-                      <a:headEnd type="none" w="med" len="med"/>
-                      <a:tailEnd type="none" w="med" len="med"/>
-                    </a:lnT>
-                    <a:lnB w="12700">
-                      <a:solidFill>
-                        <a:srgbClr val="F1F1F1"/>
-                      </a:solidFill>
-                      <a:prstDash val="solid"/>
-                    </a:lnB>
                     <a:solidFill>
                       <a:srgbClr val="7D7D7D"/>
                     </a:solidFill>
                   </a:tcPr>
                 </a:tc>
-                <a:tc rowSpan="2">
+                <a:tc>
                   <a:txBody>
                     <a:bodyPr/>
                     <a:lstStyle/>
                     <a:p>
-                      <a:pPr marL="48260" hangingPunct="0">
+                      <a:pPr marL="49530" hangingPunct="0">
                         <a:lnSpc>
                           <a:spcPct val="100000"/>
                         </a:lnSpc>
                         <a:spcBef>
-                          <a:spcPts val="380"/>
+                          <a:spcPts val="500"/>
                         </a:spcBef>
                       </a:pPr>
                       <a:r>
-                        <a:rPr sz="900" spc="0">
+                        <a:rPr lang="en-US" sz="900" spc="0" dirty="0">
                           <a:solidFill>
                             <a:srgbClr val="020302"/>
                           </a:solidFill>
                           <a:latin typeface="AdobeClean-Light"/>
                           <a:cs typeface="AdobeClean-Light"/>
                         </a:rPr>
-                        <a:t>Launch Advisory Services – First Year of new solution</a:t>
+                        <a:t>发布、迁移、升级和产品路线图审查</a:t>
                       </a:r>
-                      <a:endParaRPr sz="900" spc="0">
+                      <a:endParaRPr sz="900" spc="0" dirty="0">
                         <a:latin typeface="AdobeClean-Light"/>
                         <a:cs typeface="AdobeClean-Light"/>
                       </a:endParaRPr>
                     </a:p>
-                    <a:p>
-                      <a:pPr marL="48260" hangingPunct="0">
-                        <a:lnSpc>
-                          <a:spcPct val="100000"/>
-                        </a:lnSpc>
-                        <a:spcBef>
-                          <a:spcPts val="830"/>
-                        </a:spcBef>
-                      </a:pPr>
-                      <a:r>
-                        <a:rPr sz="900" spc="0">
-                          <a:latin typeface="AdobeClean-Light"/>
-                          <a:cs typeface="AdobeClean-Light"/>
-                        </a:rPr>
-                        <a:t>Field Service Activities </a:t>
-                      </a:r>
-                    </a:p>
                   </a:txBody>
-                  <a:tcPr marL="0" marR="0" marT="48260" marB="0">
+                  <a:tcPr marL="0" marR="0" marT="63500" marB="0">
                     <a:lnL w="12700">
                       <a:solidFill>
                         <a:srgbClr val="F0F0F0"/>
@@ -6799,18 +5516,6 @@
                       </a:solidFill>
                       <a:prstDash val="solid"/>
                     </a:lnR>
-                    <a:lnT w="12700">
-                      <a:solidFill>
-                        <a:srgbClr val="F0F0F0"/>
-                      </a:solidFill>
-                      <a:prstDash val="solid"/>
-                    </a:lnT>
-                    <a:lnB w="12700">
-                      <a:solidFill>
-                        <a:srgbClr val="F1F1F1"/>
-                      </a:solidFill>
-                      <a:prstDash val="solid"/>
-                    </a:lnB>
                   </a:tcPr>
                 </a:tc>
                 <a:tc>
@@ -6823,9 +5528,9 @@
                           <a:spcPct val="100000"/>
                         </a:lnSpc>
                       </a:pPr>
-                      <a:endParaRPr sz="900">
-                        <a:latin typeface="Times New Roman"/>
-                        <a:cs typeface="Times New Roman"/>
+                      <a:endParaRPr sz="900" dirty="0">
+                        <a:latin typeface="Times New Roman" panose="02020603050405020304"/>
+                        <a:cs typeface="Times New Roman" panose="02020603050405020304"/>
                       </a:endParaRPr>
                     </a:p>
                   </a:txBody>
@@ -6839,15 +5544,6 @@
                       <a:headEnd type="none" w="med" len="med"/>
                       <a:tailEnd type="none" w="med" len="med"/>
                     </a:lnL>
-                    <a:lnT w="12700" cap="flat" cmpd="sng" algn="ctr">
-                      <a:solidFill>
-                        <a:srgbClr val="F0F0F0"/>
-                      </a:solidFill>
-                      <a:prstDash val="solid"/>
-                      <a:round/>
-                      <a:headEnd type="none" w="med" len="med"/>
-                      <a:tailEnd type="none" w="med" len="med"/>
-                    </a:lnT>
                     <a:noFill/>
                   </a:tcPr>
                 </a:tc>
@@ -6861,22 +5557,13 @@
                           <a:spcPct val="100000"/>
                         </a:lnSpc>
                       </a:pPr>
-                      <a:endParaRPr sz="900">
-                        <a:latin typeface="Times New Roman"/>
-                        <a:cs typeface="Times New Roman"/>
+                      <a:endParaRPr sz="900" dirty="0">
+                        <a:latin typeface="Times New Roman" panose="02020603050405020304"/>
+                        <a:cs typeface="Times New Roman" panose="02020603050405020304"/>
                       </a:endParaRPr>
                     </a:p>
                   </a:txBody>
                   <a:tcPr marL="0" marR="0" marT="0" marB="0">
-                    <a:lnT w="12700" cap="flat" cmpd="sng" algn="ctr">
-                      <a:solidFill>
-                        <a:srgbClr val="F0F0F0"/>
-                      </a:solidFill>
-                      <a:prstDash val="solid"/>
-                      <a:round/>
-                      <a:headEnd type="none" w="med" len="med"/>
-                      <a:tailEnd type="none" w="med" len="med"/>
-                    </a:lnT>
                     <a:solidFill>
                       <a:schemeClr val="bg1">
                         <a:lumMod val="95000"/>
@@ -6890,7 +5577,7 @@
                   </a:ext>
                 </a:extLst>
               </a:tr>
-              <a:tr h="338725">
+              <a:tr h="241305">
                 <a:tc vMerge="1">
                   <a:txBody>
                     <a:bodyPr/>
@@ -6899,17 +5586,59 @@
                       <a:endParaRPr lang="en-US"/>
                     </a:p>
                   </a:txBody>
-                  <a:tcPr/>
+                  <a:tcPr marL="0" marR="0" marT="67310" marB="0">
+                    <a:lnL w="12700">
+                      <a:solidFill>
+                        <a:srgbClr val="F0F0F0"/>
+                      </a:solidFill>
+                      <a:prstDash val="solid"/>
+                    </a:lnL>
+                    <a:lnR w="12700" cap="flat" cmpd="sng" algn="ctr">
+                      <a:solidFill>
+                        <a:srgbClr val="F0F0F0"/>
+                      </a:solidFill>
+                      <a:prstDash val="solid"/>
+                      <a:round/>
+                      <a:headEnd type="none" w="med" len="med"/>
+                      <a:tailEnd type="none" w="med" len="med"/>
+                    </a:lnR>
+                    <a:lnB w="12700" cap="flat" cmpd="sng" algn="ctr">
+                      <a:solidFill>
+                        <a:srgbClr val="F0F0F0"/>
+                      </a:solidFill>
+                      <a:prstDash val="solid"/>
+                      <a:round/>
+                      <a:headEnd type="none" w="med" len="med"/>
+                      <a:tailEnd type="none" w="med" len="med"/>
+                    </a:lnB>
+                    <a:solidFill>
+                      <a:srgbClr val="7D7D7D"/>
+                    </a:solidFill>
+                  </a:tcPr>
                 </a:tc>
-                <a:tc vMerge="1">
+                <a:tc>
                   <a:txBody>
                     <a:bodyPr/>
                     <a:lstStyle/>
                     <a:p>
-                      <a:endParaRPr/>
+                      <a:pPr marL="49530" hangingPunct="0">
+                        <a:lnSpc>
+                          <a:spcPct val="100000"/>
+                        </a:lnSpc>
+                        <a:spcBef>
+                          <a:spcPts val="530"/>
+                        </a:spcBef>
+                      </a:pPr>
+                      <a:r>
+                        <a:rPr lang="en-US" sz="900" spc="0" dirty="0">
+                          <a:latin typeface="AdobeClean-Light"/>
+                          <a:cs typeface="AdobeClean-Light"/>
+                        </a:rPr>
+                        <a:t>云支持活动 - Experience Manager as Cloud</a:t>
+                      </a:r>
                     </a:p>
                   </a:txBody>
-                  <a:tcPr marL="0" marR="0" marT="48260" marB="0">
+                  <a:tcPr marL="0" marR="0" marT="67310" marB="0">
                     <a:lnL w="12700">
                       <a:solidFill>
                         <a:srgbClr val="F0F0F0"/>
@@ -6922,15 +5651,9 @@
                       </a:solidFill>
                       <a:prstDash val="solid"/>
                     </a:lnR>
-                    <a:lnT w="12700">
+                    <a:lnB w="12700">
                       <a:solidFill>
                         <a:srgbClr val="F0F0F0"/>
-                      </a:solidFill>
-                      <a:prstDash val="solid"/>
-                    </a:lnT>
-                    <a:lnB w="12700">
-                      <a:solidFill>
-                        <a:srgbClr val="F1F1F1"/>
                       </a:solidFill>
                       <a:prstDash val="solid"/>
                     </a:lnB>
@@ -6946,18 +5669,30 @@
                           <a:spcPct val="100000"/>
                         </a:lnSpc>
                       </a:pPr>
-                      <a:endParaRPr sz="900">
-                        <a:latin typeface="Times New Roman"/>
-                        <a:cs typeface="Times New Roman"/>
+                      <a:endParaRPr sz="900" dirty="0">
+                        <a:latin typeface="Times New Roman" panose="02020603050405020304"/>
+                        <a:cs typeface="Times New Roman" panose="02020603050405020304"/>
                       </a:endParaRPr>
                     </a:p>
                   </a:txBody>
                   <a:tcPr marL="0" marR="0" marT="0" marB="0">
-                    <a:lnB w="12700">
-                      <a:solidFill>
-                        <a:srgbClr val="F1F1F1"/>
-                      </a:solidFill>
-                      <a:prstDash val="solid"/>
+                    <a:lnL w="12700" cap="flat" cmpd="sng" algn="ctr">
+                      <a:solidFill>
+                        <a:srgbClr val="F0F0F0"/>
+                      </a:solidFill>
+                      <a:prstDash val="solid"/>
+                      <a:round/>
+                      <a:headEnd type="none" w="med" len="med"/>
+                      <a:tailEnd type="none" w="med" len="med"/>
+                    </a:lnL>
+                    <a:lnB w="12700" cap="flat" cmpd="sng" algn="ctr">
+                      <a:solidFill>
+                        <a:srgbClr val="F0F0F0"/>
+                      </a:solidFill>
+                      <a:prstDash val="solid"/>
+                      <a:round/>
+                      <a:headEnd type="none" w="med" len="med"/>
+                      <a:tailEnd type="none" w="med" len="med"/>
                     </a:lnB>
                     <a:noFill/>
                   </a:tcPr>
@@ -6972,18 +5707,21 @@
                           <a:spcPct val="100000"/>
                         </a:lnSpc>
                       </a:pPr>
-                      <a:endParaRPr sz="900">
-                        <a:latin typeface="Times New Roman"/>
-                        <a:cs typeface="Times New Roman"/>
+                      <a:endParaRPr sz="900" dirty="0">
+                        <a:latin typeface="Times New Roman" panose="02020603050405020304"/>
+                        <a:cs typeface="Times New Roman" panose="02020603050405020304"/>
                       </a:endParaRPr>
                     </a:p>
                   </a:txBody>
                   <a:tcPr marL="0" marR="0" marT="0" marB="0">
-                    <a:lnB w="12700">
-                      <a:solidFill>
-                        <a:srgbClr val="F1F1F1"/>
-                      </a:solidFill>
-                      <a:prstDash val="solid"/>
+                    <a:lnB w="12700" cap="flat" cmpd="sng" algn="ctr">
+                      <a:solidFill>
+                        <a:srgbClr val="F0F0F0"/>
+                      </a:solidFill>
+                      <a:prstDash val="solid"/>
+                      <a:round/>
+                      <a:headEnd type="none" w="med" len="med"/>
+                      <a:tailEnd type="none" w="med" len="med"/>
                     </a:lnB>
                     <a:solidFill>
                       <a:schemeClr val="bg1">
@@ -6998,19 +5736,340 @@
                   </a:ext>
                 </a:extLst>
               </a:tr>
+              <a:tr h="161868">
+                <a:tc rowSpan="2">
+                  <a:txBody>
+                    <a:bodyPr/>
+                    <a:lstStyle/>
+                    <a:p>
+                      <a:pPr marL="48260">
+                        <a:lnSpc>
+                          <a:spcPct val="100000"/>
+                        </a:lnSpc>
+                        <a:spcBef>
+                          <a:spcPts val="830"/>
+                        </a:spcBef>
+                      </a:pPr>
+                      <a:r>
+                        <a:rPr lang="en-US" sz="1000" b="1" i="0" spc="0" dirty="0">
+                          <a:solidFill>
+                            <a:schemeClr val="bg1"/>
+                          </a:solidFill>
+                          <a:latin typeface="Adobe Clean" panose="020B0503020404020204" pitchFamily="34" charset="0"/>
+                          <a:cs typeface="AdobeClean-Light"/>
+                        </a:rPr>
+                        <a:t>现场服务</a:t>
+                      </a:r>
+                      <a:endParaRPr sz="1000" b="1" i="0" spc="0" dirty="0">
+                        <a:solidFill>
+                          <a:schemeClr val="bg1"/>
+                        </a:solidFill>
+                        <a:latin typeface="Adobe Clean" panose="020B0503020404020204" pitchFamily="34" charset="0"/>
+                        <a:cs typeface="AdobeClean-Light"/>
+                      </a:endParaRPr>
+                    </a:p>
+                  </a:txBody>
+                  <a:tcPr marL="0" marR="0" marT="48260" marB="0" anchor="ctr">
+                    <a:lnL w="12700">
+                      <a:solidFill>
+                        <a:srgbClr val="F0F0F0"/>
+                      </a:solidFill>
+                      <a:prstDash val="solid"/>
+                    </a:lnL>
+                    <a:lnR w="12700" cap="flat" cmpd="sng" algn="ctr">
+                      <a:solidFill>
+                        <a:srgbClr val="F0F0F0"/>
+                      </a:solidFill>
+                      <a:prstDash val="solid"/>
+                      <a:round/>
+                      <a:headEnd type="none" w="med" len="med"/>
+                      <a:tailEnd type="none" w="med" len="med"/>
+                    </a:lnR>
+                    <a:lnT w="12700" cap="flat" cmpd="sng" algn="ctr">
+                      <a:solidFill>
+                        <a:srgbClr val="F0F0F0"/>
+                      </a:solidFill>
+                      <a:prstDash val="solid"/>
+                      <a:round/>
+                      <a:headEnd type="none" w="med" len="med"/>
+                      <a:tailEnd type="none" w="med" len="med"/>
+                    </a:lnT>
+                    <a:lnB w="12700">
+                      <a:solidFill>
+                        <a:srgbClr val="F1F1F1"/>
+                      </a:solidFill>
+                      <a:prstDash val="solid"/>
+                    </a:lnB>
+                    <a:solidFill>
+                      <a:srgbClr val="7D7D7D"/>
+                    </a:solidFill>
+                  </a:tcPr>
+                </a:tc>
+                <a:tc rowSpan="2">
+                  <a:txBody>
+                    <a:bodyPr/>
+                    <a:lstStyle/>
+                    <a:p>
+                      <a:pPr marL="48260" hangingPunct="0">
+                        <a:lnSpc>
+                          <a:spcPct val="100000"/>
+                        </a:lnSpc>
+                        <a:spcBef>
+                          <a:spcPts val="380"/>
+                        </a:spcBef>
+                      </a:pPr>
+                      <a:r>
+                        <a:rPr lang="en-US" sz="900" spc="0" dirty="0">
+                          <a:solidFill>
+                            <a:srgbClr val="020302"/>
+                          </a:solidFill>
+                          <a:latin typeface="AdobeClean-Light"/>
+                          <a:cs typeface="AdobeClean-Light"/>
+                        </a:rPr>
+                        <a:t>Launch Advisory Services - 新解决方案的第一年</a:t>
+                      </a:r>
+                      <a:endParaRPr sz="900" spc="0" dirty="0">
+                        <a:latin typeface="AdobeClean-Light"/>
+                        <a:cs typeface="AdobeClean-Light"/>
+                      </a:endParaRPr>
+                    </a:p>
+                    <a:p>
+                      <a:pPr marL="48260" hangingPunct="0">
+                        <a:lnSpc>
+                          <a:spcPct val="100000"/>
+                        </a:lnSpc>
+                        <a:spcBef>
+                          <a:spcPts val="830"/>
+                        </a:spcBef>
+                      </a:pPr>
+                      <a:r>
+                        <a:rPr lang="en-US" sz="900" spc="0" dirty="0">
+                          <a:latin typeface="AdobeClean-Light"/>
+                          <a:cs typeface="AdobeClean-Light"/>
+                        </a:rPr>
+                        <a:t>现场服务活动</a:t>
+                      </a:r>
+                    </a:p>
+                  </a:txBody>
+                  <a:tcPr marL="0" marR="0" marT="48260" marB="0">
+                    <a:lnL w="12700">
+                      <a:solidFill>
+                        <a:srgbClr val="F0F0F0"/>
+                      </a:solidFill>
+                      <a:prstDash val="solid"/>
+                    </a:lnL>
+                    <a:lnR w="12700">
+                      <a:solidFill>
+                        <a:srgbClr val="F0F0F0"/>
+                      </a:solidFill>
+                      <a:prstDash val="solid"/>
+                    </a:lnR>
+                    <a:lnT w="12700">
+                      <a:solidFill>
+                        <a:srgbClr val="F0F0F0"/>
+                      </a:solidFill>
+                      <a:prstDash val="solid"/>
+                    </a:lnT>
+                    <a:lnB w="12700">
+                      <a:solidFill>
+                        <a:srgbClr val="F1F1F1"/>
+                      </a:solidFill>
+                      <a:prstDash val="solid"/>
+                    </a:lnB>
+                  </a:tcPr>
+                </a:tc>
+                <a:tc>
+                  <a:txBody>
+                    <a:bodyPr/>
+                    <a:lstStyle/>
+                    <a:p>
+                      <a:pPr>
+                        <a:lnSpc>
+                          <a:spcPct val="100000"/>
+                        </a:lnSpc>
+                      </a:pPr>
+                      <a:endParaRPr sz="900" dirty="0">
+                        <a:latin typeface="Times New Roman" panose="02020603050405020304"/>
+                        <a:cs typeface="Times New Roman" panose="02020603050405020304"/>
+                      </a:endParaRPr>
+                    </a:p>
+                  </a:txBody>
+                  <a:tcPr marL="0" marR="0" marT="0" marB="0">
+                    <a:lnL w="12700" cap="flat" cmpd="sng" algn="ctr">
+                      <a:solidFill>
+                        <a:srgbClr val="F0F0F0"/>
+                      </a:solidFill>
+                      <a:prstDash val="solid"/>
+                      <a:round/>
+                      <a:headEnd type="none" w="med" len="med"/>
+                      <a:tailEnd type="none" w="med" len="med"/>
+                    </a:lnL>
+                    <a:lnT w="12700" cap="flat" cmpd="sng" algn="ctr">
+                      <a:solidFill>
+                        <a:srgbClr val="F0F0F0"/>
+                      </a:solidFill>
+                      <a:prstDash val="solid"/>
+                      <a:round/>
+                      <a:headEnd type="none" w="med" len="med"/>
+                      <a:tailEnd type="none" w="med" len="med"/>
+                    </a:lnT>
+                    <a:noFill/>
+                  </a:tcPr>
+                </a:tc>
+                <a:tc>
+                  <a:txBody>
+                    <a:bodyPr/>
+                    <a:lstStyle/>
+                    <a:p>
+                      <a:pPr>
+                        <a:lnSpc>
+                          <a:spcPct val="100000"/>
+                        </a:lnSpc>
+                      </a:pPr>
+                      <a:endParaRPr sz="900" dirty="0">
+                        <a:latin typeface="Times New Roman" panose="02020603050405020304"/>
+                        <a:cs typeface="Times New Roman" panose="02020603050405020304"/>
+                      </a:endParaRPr>
+                    </a:p>
+                  </a:txBody>
+                  <a:tcPr marL="0" marR="0" marT="0" marB="0">
+                    <a:lnT w="12700" cap="flat" cmpd="sng" algn="ctr">
+                      <a:solidFill>
+                        <a:srgbClr val="F0F0F0"/>
+                      </a:solidFill>
+                      <a:prstDash val="solid"/>
+                      <a:round/>
+                      <a:headEnd type="none" w="med" len="med"/>
+                      <a:tailEnd type="none" w="med" len="med"/>
+                    </a:lnT>
+                    <a:solidFill>
+                      <a:schemeClr val="bg1">
+                        <a:lumMod val="95000"/>
+                      </a:schemeClr>
+                    </a:solidFill>
+                  </a:tcPr>
+                </a:tc>
+                <a:extLst>
+                  <a:ext uri="{0D108BD9-81ED-4DB2-BD59-A6C34878D82A}">
+                    <a16:rowId xmlns:a16="http://schemas.microsoft.com/office/drawing/2014/main" val="10017"/>
+                  </a:ext>
+                </a:extLst>
+              </a:tr>
+              <a:tr h="338725">
+                <a:tc vMerge="1">
+                  <a:txBody>
+                    <a:bodyPr/>
+                    <a:lstStyle/>
+                    <a:p>
+                      <a:endParaRPr lang="en-US"/>
+                    </a:p>
+                  </a:txBody>
+                  <a:tcPr/>
+                </a:tc>
+                <a:tc vMerge="1">
+                  <a:txBody>
+                    <a:bodyPr/>
+                    <a:lstStyle/>
+                    <a:p>
+                      <a:endParaRPr lang="en-US"/>
+                    </a:p>
+                  </a:txBody>
+                  <a:tcPr marL="0" marR="0" marT="48260" marB="0">
+                    <a:lnL w="12700">
+                      <a:solidFill>
+                        <a:srgbClr val="F0F0F0"/>
+                      </a:solidFill>
+                      <a:prstDash val="solid"/>
+                    </a:lnL>
+                    <a:lnR w="12700">
+                      <a:solidFill>
+                        <a:srgbClr val="F0F0F0"/>
+                      </a:solidFill>
+                      <a:prstDash val="solid"/>
+                    </a:lnR>
+                    <a:lnT w="12700">
+                      <a:solidFill>
+                        <a:srgbClr val="F0F0F0"/>
+                      </a:solidFill>
+                      <a:prstDash val="solid"/>
+                    </a:lnT>
+                    <a:lnB w="12700">
+                      <a:solidFill>
+                        <a:srgbClr val="F1F1F1"/>
+                      </a:solidFill>
+                      <a:prstDash val="solid"/>
+                    </a:lnB>
+                  </a:tcPr>
+                </a:tc>
+                <a:tc>
+                  <a:txBody>
+                    <a:bodyPr/>
+                    <a:lstStyle/>
+                    <a:p>
+                      <a:pPr>
+                        <a:lnSpc>
+                          <a:spcPct val="100000"/>
+                        </a:lnSpc>
+                      </a:pPr>
+                      <a:endParaRPr sz="900" dirty="0">
+                        <a:latin typeface="Times New Roman" panose="02020603050405020304"/>
+                        <a:cs typeface="Times New Roman" panose="02020603050405020304"/>
+                      </a:endParaRPr>
+                    </a:p>
+                  </a:txBody>
+                  <a:tcPr marL="0" marR="0" marT="0" marB="0">
+                    <a:lnB w="12700">
+                      <a:solidFill>
+                        <a:srgbClr val="F1F1F1"/>
+                      </a:solidFill>
+                      <a:prstDash val="solid"/>
+                    </a:lnB>
+                    <a:noFill/>
+                  </a:tcPr>
+                </a:tc>
+                <a:tc>
+                  <a:txBody>
+                    <a:bodyPr/>
+                    <a:lstStyle/>
+                    <a:p>
+                      <a:pPr marL="0" algn="l" rtl="0">
+                        <a:lnSpc>
+                          <a:spcPct val="100000"/>
+                        </a:lnSpc>
+                      </a:pPr>
+                      <a:endParaRPr sz="900" dirty="0">
+                        <a:latin typeface="Times New Roman" panose="02020603050405020304"/>
+                        <a:cs typeface="Times New Roman" panose="02020603050405020304"/>
+                      </a:endParaRPr>
+                    </a:p>
+                  </a:txBody>
+                  <a:tcPr marL="0" marR="0" marT="0" marB="0">
+                    <a:lnB w="12700">
+                      <a:solidFill>
+                        <a:srgbClr val="F1F1F1"/>
+                      </a:solidFill>
+                      <a:prstDash val="solid"/>
+                    </a:lnB>
+                    <a:solidFill>
+                      <a:schemeClr val="bg1">
+                        <a:lumMod val="95000"/>
+                      </a:schemeClr>
+                    </a:solidFill>
+                  </a:tcPr>
+                </a:tc>
+                <a:extLst>
+                  <a:ext uri="{0D108BD9-81ED-4DB2-BD59-A6C34878D82A}">
+                    <a16:rowId xmlns:a16="http://schemas.microsoft.com/office/drawing/2014/main" val="10018"/>
+                  </a:ext>
+                </a:extLst>
+              </a:tr>
             </a:tbl>
           </a:graphicData>
         </a:graphic>
       </p:graphicFrame>
       <p:sp>
         <p:nvSpPr>
-          <p:cNvPr id="6" name="TextBox 5">
-            <a:extLst>
-              <a:ext uri="{FF2B5EF4-FFF2-40B4-BE49-F238E27FC236}">
-                <a16:creationId xmlns:a16="http://schemas.microsoft.com/office/drawing/2014/main" id="{669E35DE-6A5F-5549-904F-459C7D857BB2}"/>
-              </a:ext>
-            </a:extLst>
-          </p:cNvPr>
+          <p:cNvPr id="6" name="TextBox 5"/>
           <p:cNvSpPr txBox="1"/>
           <p:nvPr/>
         </p:nvSpPr>
@@ -7031,7 +6090,7 @@
           <a:lstStyle/>
           <a:p>
             <a:r>
-              <a:rPr lang="en-US" sz="700" i="1">
+              <a:rPr lang="en-US" sz="700" i="1" dirty="0">
                 <a:solidFill>
                   <a:schemeClr val="bg1"/>
                 </a:solidFill>
@@ -7234,15 +6293,15 @@
               </a:spcBef>
             </a:pPr>
             <a:r>
-              <a:rPr lang="en-US" sz="1000">
+              <a:rPr lang="en-US" sz="1000" dirty="0">
                 <a:solidFill>
                   <a:srgbClr val="000000"/>
                 </a:solidFill>
                 <a:latin typeface="Adobe Clean Light" panose="020B0303020404020204" pitchFamily="34" charset="0"/>
               </a:rPr>
-              <a:t>A designated Account Support Lead to proactively monitor cases, drive cross-team collaboration, deliver onboarding webinars, run service reports, provide non-technical support assistance, and function as your escalation point and internal advocate within Adobe Support.</a:t>
-            </a:r>
-            <a:endParaRPr lang="en-US" sz="1000">
+              <a:t>指定的帐户支持主管会主动监控案例、推动跨团队协作、举行新用户入门网络研讨会、运行服务报告、提供非技术支持帮助，并在 Adobe 支持部门中充当上报联系人和内部布道师。</a:t>
+            </a:r>
+            <a:endParaRPr lang="en-US" sz="1000" dirty="0">
               <a:latin typeface="Adobe Clean Light" panose="020B0303020404020204" pitchFamily="34" charset="0"/>
               <a:cs typeface="AdobeClean-Light"/>
             </a:endParaRPr>
@@ -7278,46 +6337,19 @@
                 <a:spcPts val="100"/>
               </a:spcBef>
               <a:tabLst>
-                <a:tab pos="1786889" algn="l"/>
+                <a:tab pos="1786255" algn="l"/>
               </a:tabLst>
             </a:pPr>
             <a:r>
-              <a:rPr sz="1000">
+              <a:rPr lang="en-US" sz="1000" dirty="0">
                 <a:solidFill>
                   <a:srgbClr val="020302"/>
                 </a:solidFill>
                 <a:latin typeface="AdobeClean-Light"/>
                 <a:cs typeface="AdobeClean-Light"/>
               </a:rPr>
-              <a:t>Start a chat session to get answers</a:t>
-            </a:r>
-            <a:r>
-              <a:rPr lang="en-US" sz="1000">
-                <a:solidFill>
-                  <a:srgbClr val="020302"/>
-                </a:solidFill>
-                <a:latin typeface="AdobeClean-Light"/>
-                <a:cs typeface="AdobeClean-Light"/>
-              </a:rPr>
-              <a:t> &amp; </a:t>
-            </a:r>
-            <a:r>
-              <a:rPr sz="1000">
-                <a:solidFill>
-                  <a:srgbClr val="020302"/>
-                </a:solidFill>
-                <a:latin typeface="AdobeClean-Light"/>
-                <a:cs typeface="AdobeClean-Light"/>
-              </a:rPr>
-              <a:t>help with case submission</a:t>
-            </a:r>
-            <a:endParaRPr lang="en-US" sz="1000">
-              <a:solidFill>
-                <a:srgbClr val="020302"/>
-              </a:solidFill>
-              <a:latin typeface="AdobeClean-Light"/>
-              <a:cs typeface="AdobeClean-Light"/>
-            </a:endParaRPr>
+              <a:t>开始聊天会话以获取答案并帮助提交案例</a:t>
+            </a:r>
           </a:p>
           <a:p>
             <a:pPr marL="33020" marR="159385">
@@ -7328,30 +6360,30 @@
                 <a:spcPts val="100"/>
               </a:spcBef>
               <a:tabLst>
-                <a:tab pos="1786889" algn="l"/>
+                <a:tab pos="1786255" algn="l"/>
               </a:tabLst>
             </a:pPr>
             <a:r>
-              <a:rPr sz="1000" i="1">
+              <a:rPr lang="en-US" sz="1000" i="1" dirty="0">
                 <a:solidFill>
                   <a:srgbClr val="7A7A7A"/>
                 </a:solidFill>
                 <a:latin typeface="AdobeClean-LightIt"/>
                 <a:cs typeface="AdobeClean-LightIt"/>
               </a:rPr>
-              <a:t>*Not all products have live chat support</a:t>
-            </a:r>
-            <a:r>
-              <a:rPr sz="900" i="1">
+              <a:t>*并非所有产品都提供实时聊天支持</a:t>
+            </a:r>
+            <a:r>
+              <a:rPr lang="en-US" sz="900" i="1" dirty="0">
                 <a:solidFill>
                   <a:srgbClr val="7A7A7A"/>
                 </a:solidFill>
                 <a:latin typeface="AdobeClean-LightIt"/>
                 <a:cs typeface="AdobeClean-LightIt"/>
               </a:rPr>
-              <a:t>.  </a:t>
-            </a:r>
-            <a:endParaRPr sz="900">
+              <a:t>。</a:t>
+            </a:r>
+            <a:endParaRPr sz="900" dirty="0">
               <a:latin typeface="AdobeClean-Light"/>
               <a:cs typeface="AdobeClean-Light"/>
             </a:endParaRPr>
@@ -7389,16 +6421,8 @@
       </p:sp>
       <p:sp>
         <p:nvSpPr>
-          <p:cNvPr id="60" name="TextBox 59">
-            <a:extLst>
-              <a:ext uri="{FF2B5EF4-FFF2-40B4-BE49-F238E27FC236}">
-                <a16:creationId xmlns:a16="http://schemas.microsoft.com/office/drawing/2014/main" id="{294BFC9C-CB48-FE4C-887D-D38E0BAE6627}"/>
-              </a:ext>
-            </a:extLst>
-          </p:cNvPr>
-          <p:cNvSpPr txBox="1">
-            <a:spLocks/>
-          </p:cNvSpPr>
+          <p:cNvPr id="60" name="TextBox 59"/>
+          <p:cNvSpPr txBox="1"/>
           <p:nvPr/>
         </p:nvSpPr>
         <p:spPr>
@@ -7430,28 +6454,20 @@
               <a:defRPr/>
             </a:pPr>
             <a:r>
-              <a:rPr lang="en-US" sz="1200">
+              <a:rPr lang="en-US" sz="1200" dirty="0">
                 <a:solidFill>
                   <a:srgbClr val="000000"/>
                 </a:solidFill>
               </a:rPr>
-              <a:t>Community Forums</a:t>
+              <a:t>社区论坛</a:t>
             </a:r>
           </a:p>
         </p:txBody>
       </p:sp>
       <p:sp>
         <p:nvSpPr>
-          <p:cNvPr id="61" name="Rectangle 60">
-            <a:extLst>
-              <a:ext uri="{FF2B5EF4-FFF2-40B4-BE49-F238E27FC236}">
-                <a16:creationId xmlns:a16="http://schemas.microsoft.com/office/drawing/2014/main" id="{8F4C73CC-314D-8744-A9C8-6CE3C69810AD}"/>
-              </a:ext>
-            </a:extLst>
-          </p:cNvPr>
-          <p:cNvSpPr>
-            <a:spLocks/>
-          </p:cNvSpPr>
+          <p:cNvPr id="61" name="Rectangle 60"/>
+          <p:cNvSpPr/>
           <p:nvPr/>
         </p:nvSpPr>
         <p:spPr>
@@ -7478,25 +6494,19 @@
               </a:spcAft>
             </a:pPr>
             <a:r>
-              <a:rPr lang="en-US" sz="1200" b="1">
+              <a:rPr lang="en-US" sz="1200" b="1" dirty="0">
                 <a:latin typeface="+mj-lt"/>
                 <a:ea typeface="Open Sans" pitchFamily="34" charset="0"/>
                 <a:cs typeface="Open Sans" pitchFamily="34" charset="0"/>
               </a:rPr>
-              <a:t>Online Forums</a:t>
+              <a:t>在线论坛</a:t>
             </a:r>
           </a:p>
         </p:txBody>
       </p:sp>
       <p:sp>
         <p:nvSpPr>
-          <p:cNvPr id="63" name="object 39">
-            <a:extLst>
-              <a:ext uri="{FF2B5EF4-FFF2-40B4-BE49-F238E27FC236}">
-                <a16:creationId xmlns:a16="http://schemas.microsoft.com/office/drawing/2014/main" id="{5FDB276C-3505-C748-B612-64E8B08A71CB}"/>
-              </a:ext>
-            </a:extLst>
-          </p:cNvPr>
+          <p:cNvPr id="63" name="object 39"/>
           <p:cNvSpPr txBox="1"/>
           <p:nvPr/>
         </p:nvSpPr>
@@ -7516,29 +6526,21 @@
           <a:lstStyle/>
           <a:p>
             <a:r>
-              <a:rPr lang="en-US" sz="1000">
+              <a:rPr lang="en-US" sz="1000" dirty="0">
                 <a:solidFill>
                   <a:srgbClr val="000000"/>
                 </a:solidFill>
                 <a:latin typeface="Adobe Clean Light" panose="020B0303020404020204" pitchFamily="34" charset="0"/>
               </a:rPr>
-              <a:t>Continuous online access to a growing database of technical solutions, product documentation, FAQs and more. Thousands of customers can connect to share best practices and lessons learned.</a:t>
+              <a:t>持续在线访问包括技术解决方案、产品文档、常见问题解答等的不断增长的数据库。数千名客户可以相互交流，分享最佳实践和经验教训。</a:t>
             </a:r>
           </a:p>
         </p:txBody>
       </p:sp>
       <p:sp>
         <p:nvSpPr>
-          <p:cNvPr id="65" name="Rectangle 64">
-            <a:extLst>
-              <a:ext uri="{FF2B5EF4-FFF2-40B4-BE49-F238E27FC236}">
-                <a16:creationId xmlns:a16="http://schemas.microsoft.com/office/drawing/2014/main" id="{6E1B1B00-5842-3A4E-A250-97EC5CF16C89}"/>
-              </a:ext>
-            </a:extLst>
-          </p:cNvPr>
-          <p:cNvSpPr>
-            <a:spLocks/>
-          </p:cNvSpPr>
+          <p:cNvPr id="65" name="Rectangle 64"/>
+          <p:cNvSpPr/>
           <p:nvPr/>
         </p:nvSpPr>
         <p:spPr>
@@ -7565,25 +6567,19 @@
               </a:spcAft>
             </a:pPr>
             <a:r>
-              <a:rPr lang="en-US" sz="1200" b="1">
+              <a:rPr lang="en-US" sz="1200" b="1" dirty="0">
                 <a:latin typeface="+mj-lt"/>
                 <a:ea typeface="Open Sans" pitchFamily="34" charset="0"/>
                 <a:cs typeface="Open Sans" pitchFamily="34" charset="0"/>
               </a:rPr>
-              <a:t>Self-guided Journeys</a:t>
+              <a:t>自助式历程</a:t>
             </a:r>
           </a:p>
         </p:txBody>
       </p:sp>
       <p:sp>
         <p:nvSpPr>
-          <p:cNvPr id="67" name="object 39">
-            <a:extLst>
-              <a:ext uri="{FF2B5EF4-FFF2-40B4-BE49-F238E27FC236}">
-                <a16:creationId xmlns:a16="http://schemas.microsoft.com/office/drawing/2014/main" id="{22816550-445E-B945-8FBC-36EF6779CB5A}"/>
-              </a:ext>
-            </a:extLst>
-          </p:cNvPr>
+          <p:cNvPr id="67" name="object 39"/>
           <p:cNvSpPr txBox="1"/>
           <p:nvPr/>
         </p:nvSpPr>
@@ -7603,29 +6599,21 @@
           <a:lstStyle/>
           <a:p>
             <a:r>
-              <a:rPr lang="en-US" sz="1000">
+              <a:rPr lang="en-US" sz="1000" dirty="0">
                 <a:solidFill>
                   <a:srgbClr val="000000"/>
                 </a:solidFill>
                 <a:latin typeface="Adobe Clean Light" panose="020B0303020404020204" pitchFamily="34" charset="0"/>
               </a:rPr>
-              <a:t>Experience Makers are made with Experience League. Customers can kickstart their Customer Experience Management abilities with personalized learning to develop skills, engage with a global community of peers, and earn career advancing recognition.</a:t>
+              <a:t>Experience Makers 是使用 Experience League 创建的。客户可以通过个性化学习来获得客户体验管理能力，从而培养技能、与全球同行社区互动并获得职业发展的认可。</a:t>
             </a:r>
           </a:p>
         </p:txBody>
       </p:sp>
       <p:sp>
         <p:nvSpPr>
-          <p:cNvPr id="77" name="TextBox 76">
-            <a:extLst>
-              <a:ext uri="{FF2B5EF4-FFF2-40B4-BE49-F238E27FC236}">
-                <a16:creationId xmlns:a16="http://schemas.microsoft.com/office/drawing/2014/main" id="{3C8012AA-ACFC-F14A-9871-8C8BC94B3109}"/>
-              </a:ext>
-            </a:extLst>
-          </p:cNvPr>
-          <p:cNvSpPr txBox="1">
-            <a:spLocks/>
-          </p:cNvSpPr>
+          <p:cNvPr id="77" name="TextBox 76"/>
+          <p:cNvSpPr txBox="1"/>
           <p:nvPr/>
         </p:nvSpPr>
         <p:spPr>
@@ -7657,28 +6645,20 @@
               <a:defRPr/>
             </a:pPr>
             <a:r>
-              <a:rPr lang="en-US" sz="1200">
+              <a:rPr lang="en-US" sz="1200" dirty="0">
                 <a:solidFill>
                   <a:srgbClr val="000000"/>
                 </a:solidFill>
               </a:rPr>
-              <a:t>Live Chat  Support*</a:t>
+              <a:t>实时聊天支持*</a:t>
             </a:r>
           </a:p>
         </p:txBody>
       </p:sp>
       <p:sp>
         <p:nvSpPr>
-          <p:cNvPr id="78" name="Rectangle 77">
-            <a:extLst>
-              <a:ext uri="{FF2B5EF4-FFF2-40B4-BE49-F238E27FC236}">
-                <a16:creationId xmlns:a16="http://schemas.microsoft.com/office/drawing/2014/main" id="{3FD5E5E8-A228-E646-A72D-9542B6773A8E}"/>
-              </a:ext>
-            </a:extLst>
-          </p:cNvPr>
-          <p:cNvSpPr>
-            <a:spLocks/>
-          </p:cNvSpPr>
+          <p:cNvPr id="78" name="Rectangle 77"/>
+          <p:cNvSpPr/>
           <p:nvPr/>
         </p:nvSpPr>
         <p:spPr>
@@ -7705,28 +6685,20 @@
               </a:spcAft>
             </a:pPr>
             <a:r>
-              <a:rPr lang="en-US" sz="1200" b="1">
+              <a:rPr lang="en-US" sz="1200" b="1" dirty="0">
                 <a:latin typeface="+mj-lt"/>
                 <a:ea typeface="Open Sans" pitchFamily="34" charset="0"/>
                 <a:cs typeface="Open Sans" pitchFamily="34" charset="0"/>
               </a:rPr>
-              <a:t>Chat Support</a:t>
+              <a:t>聊天支持</a:t>
             </a:r>
           </a:p>
         </p:txBody>
       </p:sp>
       <p:sp>
         <p:nvSpPr>
-          <p:cNvPr id="80" name="TextBox 79">
-            <a:extLst>
-              <a:ext uri="{FF2B5EF4-FFF2-40B4-BE49-F238E27FC236}">
-                <a16:creationId xmlns:a16="http://schemas.microsoft.com/office/drawing/2014/main" id="{DAF3EBEF-0B3F-B542-A30E-3B7228432027}"/>
-              </a:ext>
-            </a:extLst>
-          </p:cNvPr>
-          <p:cNvSpPr txBox="1">
-            <a:spLocks/>
-          </p:cNvSpPr>
+          <p:cNvPr id="80" name="TextBox 79"/>
+          <p:cNvSpPr txBox="1"/>
           <p:nvPr/>
         </p:nvSpPr>
         <p:spPr>
@@ -7758,28 +6730,20 @@
               <a:defRPr/>
             </a:pPr>
             <a:r>
-              <a:rPr lang="en-US" sz="1200">
+              <a:rPr lang="en-US" sz="1200" dirty="0">
                 <a:solidFill>
                   <a:srgbClr val="000000"/>
                 </a:solidFill>
               </a:rPr>
-              <a:t>24X7 P1 </a:t>
+              <a:t>全天候 P1 </a:t>
             </a:r>
           </a:p>
         </p:txBody>
       </p:sp>
       <p:sp>
         <p:nvSpPr>
-          <p:cNvPr id="81" name="Rectangle 80">
-            <a:extLst>
-              <a:ext uri="{FF2B5EF4-FFF2-40B4-BE49-F238E27FC236}">
-                <a16:creationId xmlns:a16="http://schemas.microsoft.com/office/drawing/2014/main" id="{075E4356-C31F-674D-B927-91CC2C099FA3}"/>
-              </a:ext>
-            </a:extLst>
-          </p:cNvPr>
-          <p:cNvSpPr>
-            <a:spLocks/>
-          </p:cNvSpPr>
+          <p:cNvPr id="81" name="Rectangle 80"/>
+          <p:cNvSpPr/>
           <p:nvPr/>
         </p:nvSpPr>
         <p:spPr>
@@ -7806,32 +6770,26 @@
               </a:spcAft>
             </a:pPr>
             <a:r>
-              <a:rPr lang="en-US" sz="1200" b="1">
+              <a:rPr lang="en-US" sz="1200" b="1" dirty="0">
                 <a:latin typeface="+mj-lt"/>
                 <a:ea typeface="Open Sans" pitchFamily="34" charset="0"/>
                 <a:cs typeface="Open Sans" pitchFamily="34" charset="0"/>
               </a:rPr>
-              <a:t>Phone Support</a:t>
+              <a:t>电话支持</a:t>
             </a:r>
           </a:p>
         </p:txBody>
       </p:sp>
       <p:sp>
         <p:nvSpPr>
-          <p:cNvPr id="82" name="object 39">
-            <a:extLst>
-              <a:ext uri="{FF2B5EF4-FFF2-40B4-BE49-F238E27FC236}">
-                <a16:creationId xmlns:a16="http://schemas.microsoft.com/office/drawing/2014/main" id="{95A83EB9-E8E1-7547-BBE3-E1F42C56BF6A}"/>
-              </a:ext>
-            </a:extLst>
-          </p:cNvPr>
+          <p:cNvPr id="82" name="object 39"/>
           <p:cNvSpPr txBox="1"/>
           <p:nvPr/>
         </p:nvSpPr>
         <p:spPr>
           <a:xfrm>
             <a:off x="2836967" y="6529249"/>
-            <a:ext cx="2286000" cy="805349"/>
+            <a:ext cx="2286000" cy="650875"/>
           </a:xfrm>
           <a:prstGeom prst="rect">
             <a:avLst/>
@@ -7844,21 +6802,32 @@
           <a:lstStyle/>
           <a:p>
             <a:r>
-              <a:rPr lang="en-US" sz="1000">
+              <a:rPr lang="en-US" sz="1000" dirty="0">
                 <a:solidFill>
                   <a:srgbClr val="020302"/>
                 </a:solidFill>
                 <a:latin typeface="AdobeClean-Light"/>
               </a:rPr>
-              <a:t>Authorized users or Named Support Contacts </a:t>
-            </a:r>
-            <a:r>
-              <a:rPr lang="en-US" sz="1000">
+              <a:t>授权用户或指定的支持联系人</a:t>
+            </a:r>
+            <a:r>
+              <a:rPr lang="en-US" sz="1000" dirty="0">
                 <a:latin typeface="Adobe Clean Light" panose="020B0303020404020204" pitchFamily="34" charset="0"/>
               </a:rPr>
-              <a:t>can submit issues through all available  channels (including phone for P1) and interact with our technical support team on behalf of your company. </a:t>
-            </a:r>
-            <a:endParaRPr lang="en-US" sz="1000">
+              <a:t>可以通过所有可用渠道（包括 P1 的电话）提交问题，并代表您的公司与我们的技术支持团队</a:t>
+            </a:r>
+            <a:br>
+              <a:rPr lang="en-US" sz="1000" dirty="0">
+                <a:latin typeface="Adobe Clean Light" panose="020B0303020404020204" pitchFamily="34" charset="0"/>
+              </a:rPr>
+            </a:br>
+            <a:r>
+              <a:rPr lang="en-US" sz="1000" dirty="0">
+                <a:latin typeface="Adobe Clean Light" panose="020B0303020404020204" pitchFamily="34" charset="0"/>
+              </a:rPr>
+              <a:t>互动。</a:t>
+            </a:r>
+            <a:endParaRPr lang="en-US" sz="1000" dirty="0">
               <a:solidFill>
                 <a:srgbClr val="000000"/>
               </a:solidFill>
@@ -7869,13 +6838,7 @@
       </p:sp>
       <p:sp>
         <p:nvSpPr>
-          <p:cNvPr id="84" name="object 10">
-            <a:extLst>
-              <a:ext uri="{FF2B5EF4-FFF2-40B4-BE49-F238E27FC236}">
-                <a16:creationId xmlns:a16="http://schemas.microsoft.com/office/drawing/2014/main" id="{CBCF4964-CAC8-F146-B2E2-51ED8B3DC99A}"/>
-              </a:ext>
-            </a:extLst>
-          </p:cNvPr>
+          <p:cNvPr id="84" name="object 10"/>
           <p:cNvSpPr txBox="1">
             <a:spLocks noGrp="1"/>
           </p:cNvSpPr>
@@ -7886,7 +6849,7 @@
         <p:spPr>
           <a:xfrm>
             <a:off x="5253416" y="9862966"/>
-            <a:ext cx="2270125" cy="132729"/>
+            <a:ext cx="2518984" cy="132729"/>
           </a:xfrm>
           <a:prstGeom prst="rect">
             <a:avLst/>
@@ -7907,23 +6870,15 @@
               </a:spcBef>
             </a:pPr>
             <a:r>
-              <a:rPr spc="-5"/>
-              <a:t>©202</a:t>
-            </a:r>
-            <a:r>
-              <a:rPr lang="en-US" spc="-5"/>
-              <a:t>1</a:t>
-            </a:r>
-            <a:r>
-              <a:rPr spc="-5"/>
-              <a:t> Adobe. All Rights Reserved. Adobe</a:t>
-            </a:r>
-            <a:r>
-              <a:rPr spc="60"/>
+              <a:rPr lang="en-US" spc="-5" dirty="0"/>
+              <a:t>©2021 Adobe.All Rights Reserved.Adobe</a:t>
+            </a:r>
+            <a:r>
+              <a:rPr lang="en-US" spc="60" dirty="0"/>
               <a:t> </a:t>
             </a:r>
             <a:r>
-              <a:rPr spc="-5"/>
+              <a:rPr lang="en-US" spc="-5" dirty="0"/>
               <a:t>Confidential.</a:t>
             </a:r>
           </a:p>
@@ -7931,16 +6886,8 @@
       </p:sp>
       <p:sp>
         <p:nvSpPr>
-          <p:cNvPr id="41" name="Rectangle 40">
-            <a:extLst>
-              <a:ext uri="{FF2B5EF4-FFF2-40B4-BE49-F238E27FC236}">
-                <a16:creationId xmlns:a16="http://schemas.microsoft.com/office/drawing/2014/main" id="{6BF87FDD-9EA3-6946-897D-7CB38BCFBCA5}"/>
-              </a:ext>
-            </a:extLst>
-          </p:cNvPr>
-          <p:cNvSpPr>
-            <a:spLocks/>
-          </p:cNvSpPr>
+          <p:cNvPr id="41" name="Rectangle 40"/>
+          <p:cNvSpPr/>
           <p:nvPr/>
         </p:nvSpPr>
         <p:spPr>
@@ -7967,26 +6914,20 @@
               </a:spcAft>
             </a:pPr>
             <a:r>
-              <a:rPr lang="en-US" sz="1200" b="1" spc="-10">
+              <a:rPr lang="en-US" sz="1200" b="1" spc="-10" dirty="0">
                 <a:solidFill>
                   <a:srgbClr val="020302"/>
                 </a:solidFill>
                 <a:latin typeface="+mj-lt"/>
               </a:rPr>
-              <a:t>Account Support Lead</a:t>
+              <a:t>帐户支持主管</a:t>
             </a:r>
           </a:p>
         </p:txBody>
       </p:sp>
       <p:sp>
         <p:nvSpPr>
-          <p:cNvPr id="42" name="object 26">
-            <a:extLst>
-              <a:ext uri="{FF2B5EF4-FFF2-40B4-BE49-F238E27FC236}">
-                <a16:creationId xmlns:a16="http://schemas.microsoft.com/office/drawing/2014/main" id="{44EDA522-BD84-1947-A820-5069D704753E}"/>
-              </a:ext>
-            </a:extLst>
-          </p:cNvPr>
+          <p:cNvPr id="42" name="object 26"/>
           <p:cNvSpPr/>
           <p:nvPr/>
         </p:nvSpPr>
@@ -8028,13 +6969,7 @@
       </p:sp>
       <p:sp>
         <p:nvSpPr>
-          <p:cNvPr id="44" name="Rectangle 43">
-            <a:extLst>
-              <a:ext uri="{FF2B5EF4-FFF2-40B4-BE49-F238E27FC236}">
-                <a16:creationId xmlns:a16="http://schemas.microsoft.com/office/drawing/2014/main" id="{147009FB-1B8D-6D4F-87DF-41B5DE49EFE5}"/>
-              </a:ext>
-            </a:extLst>
-          </p:cNvPr>
+          <p:cNvPr id="44" name="Rectangle 43"/>
           <p:cNvSpPr/>
           <p:nvPr/>
         </p:nvSpPr>
@@ -8062,16 +6997,16 @@
               </a:spcBef>
             </a:pPr>
             <a:r>
-              <a:rPr lang="en-US" sz="1400" b="1" spc="-10">
+              <a:rPr lang="en-US" sz="1400" b="1" spc="-10" dirty="0">
                 <a:solidFill>
                   <a:srgbClr val="020302"/>
                 </a:solidFill>
                 <a:latin typeface="Adobe Clean"/>
                 <a:cs typeface="Adobe Clean"/>
               </a:rPr>
-              <a:t>Online Support Features</a:t>
-            </a:r>
-            <a:endParaRPr lang="en-US" sz="1400">
+              <a:t>在线支持功能</a:t>
+            </a:r>
+            <a:endParaRPr lang="en-US" sz="1400" dirty="0">
               <a:latin typeface="Adobe Clean"/>
               <a:cs typeface="Adobe Clean"/>
             </a:endParaRPr>
@@ -8080,13 +7015,7 @@
       </p:sp>
       <p:sp>
         <p:nvSpPr>
-          <p:cNvPr id="87" name="object 26">
-            <a:extLst>
-              <a:ext uri="{FF2B5EF4-FFF2-40B4-BE49-F238E27FC236}">
-                <a16:creationId xmlns:a16="http://schemas.microsoft.com/office/drawing/2014/main" id="{ED3EAB14-8A43-9244-93BB-BE321FE4250C}"/>
-              </a:ext>
-            </a:extLst>
-          </p:cNvPr>
+          <p:cNvPr id="87" name="object 26"/>
           <p:cNvSpPr/>
           <p:nvPr/>
         </p:nvSpPr>
@@ -8128,13 +7057,7 @@
       </p:sp>
       <p:sp>
         <p:nvSpPr>
-          <p:cNvPr id="88" name="Rectangle 87">
-            <a:extLst>
-              <a:ext uri="{FF2B5EF4-FFF2-40B4-BE49-F238E27FC236}">
-                <a16:creationId xmlns:a16="http://schemas.microsoft.com/office/drawing/2014/main" id="{BDC8935C-27E9-A94B-ABF1-EFA84FB3D2BE}"/>
-              </a:ext>
-            </a:extLst>
-          </p:cNvPr>
+          <p:cNvPr id="88" name="Rectangle 87"/>
           <p:cNvSpPr/>
           <p:nvPr/>
         </p:nvSpPr>
@@ -8162,16 +7085,16 @@
               </a:spcBef>
             </a:pPr>
             <a:r>
-              <a:rPr lang="en-US" sz="1400" b="1" spc="-10">
+              <a:rPr lang="en-US" sz="1400" b="1" spc="-10" dirty="0">
                 <a:solidFill>
                   <a:srgbClr val="020302"/>
                 </a:solidFill>
                 <a:latin typeface="Adobe Clean"/>
                 <a:cs typeface="Adobe Clean"/>
               </a:rPr>
-              <a:t>Business  Support Features</a:t>
-            </a:r>
-            <a:endParaRPr lang="en-US" sz="1400">
+              <a:t>商业支持功能</a:t>
+            </a:r>
+            <a:endParaRPr lang="en-US" sz="1400" dirty="0">
               <a:latin typeface="Adobe Clean"/>
               <a:cs typeface="Adobe Clean"/>
             </a:endParaRPr>
@@ -8180,13 +7103,7 @@
       </p:sp>
       <p:sp>
         <p:nvSpPr>
-          <p:cNvPr id="94" name="object 39">
-            <a:extLst>
-              <a:ext uri="{FF2B5EF4-FFF2-40B4-BE49-F238E27FC236}">
-                <a16:creationId xmlns:a16="http://schemas.microsoft.com/office/drawing/2014/main" id="{56FA5DB6-2107-7245-9FC4-96BFB9E344C1}"/>
-              </a:ext>
-            </a:extLst>
-          </p:cNvPr>
+          <p:cNvPr id="94" name="object 39"/>
           <p:cNvSpPr txBox="1"/>
           <p:nvPr/>
         </p:nvSpPr>
@@ -8214,12 +7131,12 @@
               </a:spcBef>
             </a:pPr>
             <a:r>
-              <a:rPr lang="en-US" sz="1000">
+              <a:rPr lang="en-US" sz="1000" dirty="0">
                 <a:latin typeface="Adobe Clean Light" panose="020B0303020404020204" pitchFamily="34" charset="0"/>
               </a:rPr>
-              <a:t>Customers can submit support cases via Phone for all P2, P3, P4 issues during regional support hours. There are no upper limits on the number of times you can call into support. Customers can also request a call back from support or request a meeting to demonstrate or work through an issue using a shared remote desktop session.</a:t>
-            </a:r>
-            <a:endParaRPr lang="en-US" sz="1000">
+              <a:t>客户可以在区域支持时间内通过电话提交所有 P2、P3、P4 问题的支持案例。您拨打电话来获取支持的次数没有上限。客户还可以请求支持部门回电，或要求召开会议以使用共享远程桌面会话演示或解决问题。</a:t>
+            </a:r>
+            <a:endParaRPr lang="en-US" sz="1000" dirty="0">
               <a:latin typeface="Adobe Clean Light" panose="020B0303020404020204" pitchFamily="34" charset="0"/>
               <a:cs typeface="AdobeClean-Light"/>
             </a:endParaRPr>
@@ -8228,16 +7145,8 @@
       </p:sp>
       <p:sp>
         <p:nvSpPr>
-          <p:cNvPr id="95" name="Rectangle 94">
-            <a:extLst>
-              <a:ext uri="{FF2B5EF4-FFF2-40B4-BE49-F238E27FC236}">
-                <a16:creationId xmlns:a16="http://schemas.microsoft.com/office/drawing/2014/main" id="{06E9F521-1218-D44D-8A7A-CA9808D1171B}"/>
-              </a:ext>
-            </a:extLst>
-          </p:cNvPr>
-          <p:cNvSpPr>
-            <a:spLocks/>
-          </p:cNvSpPr>
+          <p:cNvPr id="95" name="Rectangle 94"/>
+          <p:cNvSpPr/>
           <p:nvPr/>
         </p:nvSpPr>
         <p:spPr>
@@ -8264,26 +7173,20 @@
               </a:spcAft>
             </a:pPr>
             <a:r>
-              <a:rPr lang="en-US" sz="1200" b="1" spc="-10">
+              <a:rPr lang="en-US" sz="1200" b="1" spc="-10" dirty="0">
                 <a:solidFill>
                   <a:srgbClr val="020302"/>
                 </a:solidFill>
                 <a:latin typeface="+mj-lt"/>
               </a:rPr>
-              <a:t>Live Telephone Support</a:t>
+              <a:t>实时电话支持</a:t>
             </a:r>
           </a:p>
         </p:txBody>
       </p:sp>
       <p:sp>
         <p:nvSpPr>
-          <p:cNvPr id="96" name="object 39">
-            <a:extLst>
-              <a:ext uri="{FF2B5EF4-FFF2-40B4-BE49-F238E27FC236}">
-                <a16:creationId xmlns:a16="http://schemas.microsoft.com/office/drawing/2014/main" id="{61C3FC5E-C90C-3046-9504-57A1CE7913F9}"/>
-              </a:ext>
-            </a:extLst>
-          </p:cNvPr>
+          <p:cNvPr id="96" name="object 39"/>
           <p:cNvSpPr txBox="1"/>
           <p:nvPr/>
         </p:nvSpPr>
@@ -8311,15 +7214,15 @@
               </a:spcBef>
             </a:pPr>
             <a:r>
-              <a:rPr lang="en-US" sz="1000">
+              <a:rPr lang="en-US" sz="1000" dirty="0">
                 <a:solidFill>
                   <a:srgbClr val="4B4B4B"/>
                 </a:solidFill>
                 <a:latin typeface="Adobe Clean Light" panose="020B0303020404020204" pitchFamily="34" charset="0"/>
               </a:rPr>
-              <a:t>A designated point of contact within Adobe who can provide escalation assistance, regular updates and ensure priority is given to your most critical open support requests.</a:t>
-            </a:r>
-            <a:endParaRPr lang="en-US" sz="1000">
+              <a:t>Adobe 内部的指定联系人，可以提供上报协助和定期更新，确保优先处理最重要的未完成支持请求。</a:t>
+            </a:r>
+            <a:endParaRPr lang="en-US" sz="1000" dirty="0">
               <a:latin typeface="Adobe Clean Light" panose="020B0303020404020204" pitchFamily="34" charset="0"/>
               <a:cs typeface="AdobeClean-Light"/>
             </a:endParaRPr>
@@ -8328,16 +7231,8 @@
       </p:sp>
       <p:sp>
         <p:nvSpPr>
-          <p:cNvPr id="97" name="Rectangle 96">
-            <a:extLst>
-              <a:ext uri="{FF2B5EF4-FFF2-40B4-BE49-F238E27FC236}">
-                <a16:creationId xmlns:a16="http://schemas.microsoft.com/office/drawing/2014/main" id="{1F390430-3ED2-1F47-8897-19279095D4E1}"/>
-              </a:ext>
-            </a:extLst>
-          </p:cNvPr>
-          <p:cNvSpPr>
-            <a:spLocks/>
-          </p:cNvSpPr>
+          <p:cNvPr id="97" name="Rectangle 96"/>
+          <p:cNvSpPr/>
           <p:nvPr/>
         </p:nvSpPr>
         <p:spPr>
@@ -8364,29 +7259,21 @@
               </a:spcAft>
             </a:pPr>
             <a:r>
-              <a:rPr lang="en-US" sz="1200" b="1" spc="-10">
+              <a:rPr lang="en-US" sz="1200" b="1" spc="-10" dirty="0">
                 <a:solidFill>
                   <a:srgbClr val="020302"/>
                 </a:solidFill>
                 <a:latin typeface="+mj-lt"/>
               </a:rPr>
-              <a:t>Escalation Management</a:t>
+              <a:t>上报管理</a:t>
             </a:r>
           </a:p>
         </p:txBody>
       </p:sp>
       <p:sp>
         <p:nvSpPr>
-          <p:cNvPr id="57" name="TextBox 56">
-            <a:extLst>
-              <a:ext uri="{FF2B5EF4-FFF2-40B4-BE49-F238E27FC236}">
-                <a16:creationId xmlns:a16="http://schemas.microsoft.com/office/drawing/2014/main" id="{D014F946-0545-5C4A-A033-E0A3D7D3B994}"/>
-              </a:ext>
-            </a:extLst>
-          </p:cNvPr>
-          <p:cNvSpPr txBox="1">
-            <a:spLocks/>
-          </p:cNvSpPr>
+          <p:cNvPr id="57" name="TextBox 56"/>
+          <p:cNvSpPr txBox="1"/>
           <p:nvPr/>
         </p:nvSpPr>
         <p:spPr>
@@ -8418,28 +7305,20 @@
               <a:defRPr/>
             </a:pPr>
             <a:r>
-              <a:rPr lang="en-US" sz="1200">
+              <a:rPr lang="en-US" sz="1200" dirty="0">
                 <a:solidFill>
                   <a:srgbClr val="000000"/>
                 </a:solidFill>
               </a:rPr>
-              <a:t>Office Hours</a:t>
+              <a:t>办公室会议</a:t>
             </a:r>
           </a:p>
         </p:txBody>
       </p:sp>
       <p:sp>
         <p:nvSpPr>
-          <p:cNvPr id="68" name="Rectangle 67">
-            <a:extLst>
-              <a:ext uri="{FF2B5EF4-FFF2-40B4-BE49-F238E27FC236}">
-                <a16:creationId xmlns:a16="http://schemas.microsoft.com/office/drawing/2014/main" id="{E00D47C7-6887-144B-AC6C-98B0C06A66C3}"/>
-              </a:ext>
-            </a:extLst>
-          </p:cNvPr>
-          <p:cNvSpPr>
-            <a:spLocks/>
-          </p:cNvSpPr>
+          <p:cNvPr id="68" name="Rectangle 67"/>
+          <p:cNvSpPr/>
           <p:nvPr/>
         </p:nvSpPr>
         <p:spPr>
@@ -8466,32 +7345,26 @@
               </a:spcAft>
             </a:pPr>
             <a:r>
-              <a:rPr lang="en-US" sz="1200" b="1">
+              <a:rPr lang="en-US" sz="1200" b="1" dirty="0">
                 <a:latin typeface="+mj-lt"/>
                 <a:ea typeface="Open Sans" pitchFamily="34" charset="0"/>
                 <a:cs typeface="Open Sans" pitchFamily="34" charset="0"/>
               </a:rPr>
-              <a:t>Webinars</a:t>
+              <a:t>网络研讨会</a:t>
             </a:r>
           </a:p>
         </p:txBody>
       </p:sp>
       <p:sp>
         <p:nvSpPr>
-          <p:cNvPr id="70" name="object 39">
-            <a:extLst>
-              <a:ext uri="{FF2B5EF4-FFF2-40B4-BE49-F238E27FC236}">
-                <a16:creationId xmlns:a16="http://schemas.microsoft.com/office/drawing/2014/main" id="{A3968CBF-60CB-D743-9C93-31831CF4AC99}"/>
-              </a:ext>
-            </a:extLst>
-          </p:cNvPr>
+          <p:cNvPr id="70" name="object 39"/>
           <p:cNvSpPr txBox="1"/>
           <p:nvPr/>
         </p:nvSpPr>
         <p:spPr>
           <a:xfrm>
             <a:off x="370040" y="8618616"/>
-            <a:ext cx="2286000" cy="1113125"/>
+            <a:ext cx="2373160" cy="651460"/>
           </a:xfrm>
           <a:prstGeom prst="rect">
             <a:avLst/>
@@ -8504,29 +7377,21 @@
           <a:lstStyle/>
           <a:p>
             <a:r>
-              <a:rPr lang="en-US" sz="1000">
+              <a:rPr lang="en-US" sz="1000" dirty="0">
                 <a:solidFill>
                   <a:srgbClr val="000000"/>
                 </a:solidFill>
                 <a:latin typeface="Adobe Clean Light" panose="020B0303020404020204" pitchFamily="34" charset="0"/>
               </a:rPr>
-              <a:t>Office Hours is an initiative led by the Adobe Customer Support team. These sessions are designed to inform as well as help participants troubleshoot problems and provide tips and tricks to be successful with Adobe Experience Cloud.</a:t>
+              <a:t>“办公室会议”是 Adobe 客户支持团队发起的一项计划。这些讲座旨在指导并帮助参与者排除问题，并提供有助于 Adobe Experience Cloud 发挥成效的提示和技巧。</a:t>
             </a:r>
           </a:p>
         </p:txBody>
       </p:sp>
       <p:sp>
         <p:nvSpPr>
-          <p:cNvPr id="73" name="Rectangle 72">
-            <a:extLst>
-              <a:ext uri="{FF2B5EF4-FFF2-40B4-BE49-F238E27FC236}">
-                <a16:creationId xmlns:a16="http://schemas.microsoft.com/office/drawing/2014/main" id="{07CC29C8-EC02-804B-805C-15E7100BFE98}"/>
-              </a:ext>
-            </a:extLst>
-          </p:cNvPr>
-          <p:cNvSpPr>
-            <a:spLocks/>
-          </p:cNvSpPr>
+          <p:cNvPr id="73" name="Rectangle 72"/>
+          <p:cNvSpPr/>
           <p:nvPr/>
         </p:nvSpPr>
         <p:spPr>
@@ -8553,32 +7418,26 @@
               </a:spcAft>
             </a:pPr>
             <a:r>
-              <a:rPr lang="en-US" sz="1200" b="1">
+              <a:rPr lang="en-US" sz="1200" b="1" dirty="0">
                 <a:latin typeface="+mj-lt"/>
                 <a:ea typeface="Open Sans" pitchFamily="34" charset="0"/>
                 <a:cs typeface="Open Sans" pitchFamily="34" charset="0"/>
               </a:rPr>
-              <a:t>24/7 Support Portal</a:t>
+              <a:t>全天候支持门户</a:t>
             </a:r>
           </a:p>
         </p:txBody>
       </p:sp>
       <p:sp>
         <p:nvSpPr>
-          <p:cNvPr id="74" name="object 39">
-            <a:extLst>
-              <a:ext uri="{FF2B5EF4-FFF2-40B4-BE49-F238E27FC236}">
-                <a16:creationId xmlns:a16="http://schemas.microsoft.com/office/drawing/2014/main" id="{02FB7DE8-001A-7E4A-8191-AA46458FFED8}"/>
-              </a:ext>
-            </a:extLst>
-          </p:cNvPr>
+          <p:cNvPr id="74" name="object 39"/>
           <p:cNvSpPr txBox="1"/>
           <p:nvPr/>
         </p:nvSpPr>
         <p:spPr>
           <a:xfrm>
             <a:off x="5376301" y="8618616"/>
-            <a:ext cx="2286000" cy="805349"/>
+            <a:ext cx="2286000" cy="650875"/>
           </a:xfrm>
           <a:prstGeom prst="rect">
             <a:avLst/>
@@ -8591,43 +7450,20 @@
           <a:lstStyle/>
           <a:p>
             <a:r>
-              <a:rPr lang="en-US" sz="1000">
+              <a:rPr lang="en-US" sz="1000" dirty="0">
                 <a:solidFill>
                   <a:srgbClr val="000000"/>
                 </a:solidFill>
                 <a:latin typeface="Adobe Clean Light" panose="020B0303020404020204" pitchFamily="34" charset="0"/>
               </a:rPr>
-              <a:t>On-demand access to the online </a:t>
-            </a:r>
-            <a:br>
-              <a:rPr lang="en-US" sz="1000">
-                <a:solidFill>
-                  <a:srgbClr val="000000"/>
-                </a:solidFill>
-                <a:latin typeface="Adobe Clean Light" panose="020B0303020404020204" pitchFamily="34" charset="0"/>
-              </a:rPr>
-            </a:br>
-            <a:r>
-              <a:rPr lang="en-US" sz="1000">
-                <a:solidFill>
-                  <a:srgbClr val="000000"/>
-                </a:solidFill>
-                <a:latin typeface="Adobe Clean Light" panose="020B0303020404020204" pitchFamily="34" charset="0"/>
-              </a:rPr>
-              <a:t>Self-help Support Portal to submit support requests, review case status, and browse other resources, like our knowledgebase, news and alerts, featured tips, and more.</a:t>
+              <a:t>按需访问在线自助支持门户以提交支持请求、查看案例状态并浏览其他资源，例如我们的知识库、新闻和通知、特色小贴士等。</a:t>
             </a:r>
           </a:p>
         </p:txBody>
       </p:sp>
       <p:pic>
         <p:nvPicPr>
-          <p:cNvPr id="13" name="Graphic 12" descr="Playbook outline">
-            <a:extLst>
-              <a:ext uri="{FF2B5EF4-FFF2-40B4-BE49-F238E27FC236}">
-                <a16:creationId xmlns:a16="http://schemas.microsoft.com/office/drawing/2014/main" id="{EA91EF06-4BFE-9B42-9A4B-1146BB3FDFD3}"/>
-              </a:ext>
-            </a:extLst>
-          </p:cNvPr>
+          <p:cNvPr id="13" name="Graphic 12" descr="操作说明轮廓图"/>
           <p:cNvPicPr>
             <a:picLocks noChangeAspect="1"/>
           </p:cNvPicPr>
@@ -8660,13 +7496,7 @@
       </p:pic>
       <p:pic>
         <p:nvPicPr>
-          <p:cNvPr id="15" name="Graphic 14" descr="User outline">
-            <a:extLst>
-              <a:ext uri="{FF2B5EF4-FFF2-40B4-BE49-F238E27FC236}">
-                <a16:creationId xmlns:a16="http://schemas.microsoft.com/office/drawing/2014/main" id="{432C176A-FCAC-A645-A2E4-E6AD4A602868}"/>
-              </a:ext>
-            </a:extLst>
-          </p:cNvPr>
+          <p:cNvPr id="15" name="Graphic 14" descr="用户轮廓图"/>
           <p:cNvPicPr>
             <a:picLocks noChangeAspect="1"/>
           </p:cNvPicPr>
@@ -8699,13 +7529,7 @@
       </p:pic>
       <p:sp>
         <p:nvSpPr>
-          <p:cNvPr id="6" name="TextBox 5">
-            <a:extLst>
-              <a:ext uri="{FF2B5EF4-FFF2-40B4-BE49-F238E27FC236}">
-                <a16:creationId xmlns:a16="http://schemas.microsoft.com/office/drawing/2014/main" id="{3A360C4F-3C10-B641-8B6D-C8AF4943F81E}"/>
-              </a:ext>
-            </a:extLst>
-          </p:cNvPr>
+          <p:cNvPr id="6" name="TextBox 5"/>
           <p:cNvSpPr txBox="1"/>
           <p:nvPr/>
         </p:nvSpPr>
@@ -8726,23 +7550,17 @@
           <a:lstStyle/>
           <a:p>
             <a:r>
-              <a:rPr lang="en-US" sz="1200" b="1">
+              <a:rPr lang="en-US" sz="1200" b="1" dirty="0">
                 <a:latin typeface="+mj-lt"/>
               </a:rPr>
-              <a:t>Business Services</a:t>
+              <a:t>商业服务</a:t>
             </a:r>
           </a:p>
         </p:txBody>
       </p:sp>
       <p:sp>
         <p:nvSpPr>
-          <p:cNvPr id="86" name="object 39">
-            <a:extLst>
-              <a:ext uri="{FF2B5EF4-FFF2-40B4-BE49-F238E27FC236}">
-                <a16:creationId xmlns:a16="http://schemas.microsoft.com/office/drawing/2014/main" id="{3003AB67-9A7C-614D-8006-83CEA36B6A65}"/>
-              </a:ext>
-            </a:extLst>
-          </p:cNvPr>
+          <p:cNvPr id="86" name="object 39"/>
           <p:cNvSpPr txBox="1"/>
           <p:nvPr/>
         </p:nvSpPr>
@@ -8770,12 +7588,12 @@
               </a:spcBef>
             </a:pPr>
             <a:r>
-              <a:rPr lang="en-US" sz="1000">
+              <a:rPr lang="en-US" sz="1000" dirty="0">
                 <a:latin typeface="Adobe Clean Light" panose="020B0303020404020204" pitchFamily="34" charset="0"/>
               </a:rPr>
-              <a:t>An Account Support Lead will host webinars covering an overview of business support services.  </a:t>
-            </a:r>
-            <a:endParaRPr lang="en-US" sz="1000">
+              <a:t>帐户支持主管将主持旨在从总体上介绍商业支持服务的网络研讨会。</a:t>
+            </a:r>
+            <a:endParaRPr lang="en-US" sz="1000" dirty="0">
               <a:latin typeface="Adobe Clean Light" panose="020B0303020404020204" pitchFamily="34" charset="0"/>
               <a:cs typeface="AdobeClean-Light"/>
             </a:endParaRPr>
@@ -8784,13 +7602,7 @@
       </p:sp>
       <p:sp>
         <p:nvSpPr>
-          <p:cNvPr id="90" name="object 38">
-            <a:extLst>
-              <a:ext uri="{FF2B5EF4-FFF2-40B4-BE49-F238E27FC236}">
-                <a16:creationId xmlns:a16="http://schemas.microsoft.com/office/drawing/2014/main" id="{365702EE-FA18-9544-B462-9958849596A3}"/>
-              </a:ext>
-            </a:extLst>
-          </p:cNvPr>
+          <p:cNvPr id="90" name="object 38"/>
           <p:cNvSpPr/>
           <p:nvPr/>
         </p:nvSpPr>
@@ -8839,13 +7651,7 @@
       </p:sp>
       <p:pic>
         <p:nvPicPr>
-          <p:cNvPr id="8" name="Graphic 7" descr="Call center outline">
-            <a:extLst>
-              <a:ext uri="{FF2B5EF4-FFF2-40B4-BE49-F238E27FC236}">
-                <a16:creationId xmlns:a16="http://schemas.microsoft.com/office/drawing/2014/main" id="{76C5F4CC-9EB1-9A40-B7CD-9238D7CBD210}"/>
-              </a:ext>
-            </a:extLst>
-          </p:cNvPr>
+          <p:cNvPr id="8" name="Graphic 7" descr="呼叫中心轮廓图"/>
           <p:cNvPicPr>
             <a:picLocks noChangeAspect="1"/>
           </p:cNvPicPr>
@@ -8878,13 +7684,7 @@
       </p:pic>
       <p:pic>
         <p:nvPicPr>
-          <p:cNvPr id="12" name="Graphic 11" descr="Chat bubble outline">
-            <a:extLst>
-              <a:ext uri="{FF2B5EF4-FFF2-40B4-BE49-F238E27FC236}">
-                <a16:creationId xmlns:a16="http://schemas.microsoft.com/office/drawing/2014/main" id="{622BBF30-302E-BB48-9742-E046EB16E213}"/>
-              </a:ext>
-            </a:extLst>
-          </p:cNvPr>
+          <p:cNvPr id="12" name="Graphic 11" descr="聊天气泡轮廓图"/>
           <p:cNvPicPr>
             <a:picLocks noChangeAspect="1"/>
           </p:cNvPicPr>
@@ -8917,13 +7717,7 @@
       </p:pic>
       <p:pic>
         <p:nvPicPr>
-          <p:cNvPr id="16" name="Graphic 15" descr="Compass outline">
-            <a:extLst>
-              <a:ext uri="{FF2B5EF4-FFF2-40B4-BE49-F238E27FC236}">
-                <a16:creationId xmlns:a16="http://schemas.microsoft.com/office/drawing/2014/main" id="{8D3635BD-68A2-174E-92F8-1EE608E3F409}"/>
-              </a:ext>
-            </a:extLst>
-          </p:cNvPr>
+          <p:cNvPr id="16" name="Graphic 15" descr="指南针轮廓图"/>
           <p:cNvPicPr>
             <a:picLocks noChangeAspect="1"/>
           </p:cNvPicPr>
@@ -8956,13 +7750,7 @@
       </p:pic>
       <p:pic>
         <p:nvPicPr>
-          <p:cNvPr id="18" name="Graphic 17" descr="Speaker phone outline">
-            <a:extLst>
-              <a:ext uri="{FF2B5EF4-FFF2-40B4-BE49-F238E27FC236}">
-                <a16:creationId xmlns:a16="http://schemas.microsoft.com/office/drawing/2014/main" id="{CD7C3546-DF6C-1748-9DE2-3DE0B393FD70}"/>
-              </a:ext>
-            </a:extLst>
-          </p:cNvPr>
+          <p:cNvPr id="18" name="Graphic 17" descr="免提电话轮廓图"/>
           <p:cNvPicPr>
             <a:picLocks noChangeAspect="1"/>
           </p:cNvPicPr>
@@ -8995,13 +7783,7 @@
       </p:pic>
       <p:pic>
         <p:nvPicPr>
-          <p:cNvPr id="20" name="Graphic 19" descr="Customer review outline">
-            <a:extLst>
-              <a:ext uri="{FF2B5EF4-FFF2-40B4-BE49-F238E27FC236}">
-                <a16:creationId xmlns:a16="http://schemas.microsoft.com/office/drawing/2014/main" id="{88BA5AB9-C7BF-714C-B301-F3911BFCE82B}"/>
-              </a:ext>
-            </a:extLst>
-          </p:cNvPr>
+          <p:cNvPr id="20" name="Graphic 19" descr="客户审查轮廓图"/>
           <p:cNvPicPr>
             <a:picLocks noChangeAspect="1"/>
           </p:cNvPicPr>
@@ -9034,13 +7816,7 @@
       </p:pic>
       <p:pic>
         <p:nvPicPr>
-          <p:cNvPr id="24" name="Graphic 23" descr="Signpost outline">
-            <a:extLst>
-              <a:ext uri="{FF2B5EF4-FFF2-40B4-BE49-F238E27FC236}">
-                <a16:creationId xmlns:a16="http://schemas.microsoft.com/office/drawing/2014/main" id="{98A2CDD0-0973-5C41-9864-EAF96E20A224}"/>
-              </a:ext>
-            </a:extLst>
-          </p:cNvPr>
+          <p:cNvPr id="24" name="Graphic 23" descr="路标轮廓图"/>
           <p:cNvPicPr>
             <a:picLocks noChangeAspect="1"/>
           </p:cNvPicPr>
@@ -9073,13 +7849,7 @@
       </p:pic>
       <p:pic>
         <p:nvPicPr>
-          <p:cNvPr id="26" name="Graphic 25" descr="Internet outline">
-            <a:extLst>
-              <a:ext uri="{FF2B5EF4-FFF2-40B4-BE49-F238E27FC236}">
-                <a16:creationId xmlns:a16="http://schemas.microsoft.com/office/drawing/2014/main" id="{D97D0963-4E70-534E-A452-83995F1FACDE}"/>
-              </a:ext>
-            </a:extLst>
-          </p:cNvPr>
+          <p:cNvPr id="26" name="Graphic 25" descr="Internet 轮廓图"/>
           <p:cNvPicPr>
             <a:picLocks noChangeAspect="1"/>
           </p:cNvPicPr>
@@ -9112,13 +7882,7 @@
       </p:pic>
       <p:pic>
         <p:nvPicPr>
-          <p:cNvPr id="28" name="Graphic 27" descr="Remote learning language outline">
-            <a:extLst>
-              <a:ext uri="{FF2B5EF4-FFF2-40B4-BE49-F238E27FC236}">
-                <a16:creationId xmlns:a16="http://schemas.microsoft.com/office/drawing/2014/main" id="{5F425BA3-573C-1A4A-9418-FC3AB02B28C2}"/>
-              </a:ext>
-            </a:extLst>
-          </p:cNvPr>
+          <p:cNvPr id="28" name="Graphic 27" descr="远程学习语言轮廓图"/>
           <p:cNvPicPr>
             <a:picLocks noChangeAspect="1"/>
           </p:cNvPicPr>
@@ -9151,13 +7915,7 @@
       </p:pic>
       <p:sp>
         <p:nvSpPr>
-          <p:cNvPr id="75" name="object 38">
-            <a:extLst>
-              <a:ext uri="{FF2B5EF4-FFF2-40B4-BE49-F238E27FC236}">
-                <a16:creationId xmlns:a16="http://schemas.microsoft.com/office/drawing/2014/main" id="{7721F89F-362E-2149-8232-23A77C21A87D}"/>
-              </a:ext>
-            </a:extLst>
-          </p:cNvPr>
+          <p:cNvPr id="75" name="object 38"/>
           <p:cNvSpPr/>
           <p:nvPr/>
         </p:nvSpPr>
@@ -9206,16 +7964,8 @@
       </p:sp>
       <p:sp>
         <p:nvSpPr>
-          <p:cNvPr id="79" name="TextBox 78">
-            <a:extLst>
-              <a:ext uri="{FF2B5EF4-FFF2-40B4-BE49-F238E27FC236}">
-                <a16:creationId xmlns:a16="http://schemas.microsoft.com/office/drawing/2014/main" id="{BD8D3B50-8896-BD46-87FD-5A7F5FB02DD5}"/>
-              </a:ext>
-            </a:extLst>
-          </p:cNvPr>
-          <p:cNvSpPr txBox="1">
-            <a:spLocks/>
-          </p:cNvSpPr>
+          <p:cNvPr id="79" name="TextBox 78"/>
+          <p:cNvSpPr txBox="1"/>
           <p:nvPr/>
         </p:nvSpPr>
         <p:spPr>
@@ -9247,28 +7997,20 @@
               <a:defRPr/>
             </a:pPr>
             <a:r>
-              <a:rPr lang="en-US" sz="1200">
+              <a:rPr lang="en-US" sz="1200" dirty="0">
                 <a:solidFill>
                   <a:srgbClr val="000000"/>
                 </a:solidFill>
               </a:rPr>
-              <a:t>Self– Help Portal</a:t>
+              <a:t>自助门户</a:t>
             </a:r>
           </a:p>
         </p:txBody>
       </p:sp>
       <p:sp>
         <p:nvSpPr>
-          <p:cNvPr id="83" name="TextBox 82">
-            <a:extLst>
-              <a:ext uri="{FF2B5EF4-FFF2-40B4-BE49-F238E27FC236}">
-                <a16:creationId xmlns:a16="http://schemas.microsoft.com/office/drawing/2014/main" id="{AF154937-CC7F-194F-914A-583BEF4B46DE}"/>
-              </a:ext>
-            </a:extLst>
-          </p:cNvPr>
-          <p:cNvSpPr txBox="1">
-            <a:spLocks/>
-          </p:cNvSpPr>
+          <p:cNvPr id="83" name="TextBox 82"/>
+          <p:cNvSpPr txBox="1"/>
           <p:nvPr/>
         </p:nvSpPr>
         <p:spPr>
@@ -9300,7 +8042,7 @@
               <a:defRPr/>
             </a:pPr>
             <a:r>
-              <a:rPr lang="en-US" sz="1200">
+              <a:rPr lang="en-US" sz="1200" dirty="0">
                 <a:solidFill>
                   <a:srgbClr val="000000"/>
                 </a:solidFill>
@@ -9362,17 +8104,17 @@
               </a:lnSpc>
             </a:pPr>
             <a:r>
-              <a:rPr sz="500" spc="-5">
+              <a:rPr lang="en-US" sz="500" spc="-5" dirty="0">
                 <a:solidFill>
                   <a:srgbClr val="6C6C6C"/>
                 </a:solidFill>
                 <a:latin typeface="Adobe Clean"/>
                 <a:cs typeface="Adobe Clean"/>
               </a:rPr>
-              <a:t>©2020 Adobe. All Rights Reserved. </a:t>
-            </a:r>
-            <a:r>
-              <a:rPr sz="500">
+              <a:t>© 2020 Adobe. All Rights Reserved.</a:t>
+            </a:r>
+            <a:r>
+              <a:rPr lang="en-US" sz="500" dirty="0">
                 <a:solidFill>
                   <a:srgbClr val="6C6C6C"/>
                 </a:solidFill>
@@ -9382,7 +8124,7 @@
               <a:t>Adobe</a:t>
             </a:r>
             <a:r>
-              <a:rPr sz="500" spc="5">
+              <a:rPr lang="en-US" sz="500" spc="5" dirty="0">
                 <a:solidFill>
                   <a:srgbClr val="6C6C6C"/>
                 </a:solidFill>
@@ -9392,7 +8134,7 @@
               <a:t> </a:t>
             </a:r>
             <a:r>
-              <a:rPr sz="500" spc="-5">
+              <a:rPr lang="en-US" sz="500" spc="-5" dirty="0">
                 <a:solidFill>
                   <a:srgbClr val="6C6C6C"/>
                 </a:solidFill>
@@ -9430,17 +8172,17 @@
               </a:spcBef>
             </a:pPr>
             <a:r>
-              <a:rPr sz="800" spc="-5">
+              <a:rPr lang="en-US" sz="800" spc="-5" dirty="0">
                 <a:solidFill>
                   <a:srgbClr val="6D6D6D"/>
                 </a:solidFill>
                 <a:latin typeface="Adobe Clean"/>
                 <a:cs typeface="Adobe Clean"/>
               </a:rPr>
-              <a:t>©2020 Adobe. All Rights Reserved. Adobe</a:t>
-            </a:r>
-            <a:r>
-              <a:rPr sz="800" spc="75">
+              <a:t>© 2020 Adobe. All Rights Reserved.Adobe</a:t>
+            </a:r>
+            <a:r>
+              <a:rPr lang="en-US" sz="800" spc="75" dirty="0">
                 <a:solidFill>
                   <a:srgbClr val="6D6D6D"/>
                 </a:solidFill>
@@ -9450,7 +8192,7 @@
               <a:t> </a:t>
             </a:r>
             <a:r>
-              <a:rPr sz="800" spc="-5">
+              <a:rPr lang="en-US" sz="800" spc="-5" dirty="0">
                 <a:solidFill>
                   <a:srgbClr val="6D6D6D"/>
                 </a:solidFill>
@@ -9546,16 +8288,16 @@
               </a:spcBef>
             </a:pPr>
             <a:r>
-              <a:rPr lang="en-US" sz="1400" b="1" spc="-15">
+              <a:rPr lang="en-US" sz="1400" b="1" spc="-15" dirty="0">
                 <a:solidFill>
                   <a:srgbClr val="020302"/>
                 </a:solidFill>
                 <a:latin typeface="Adobe Clean"/>
                 <a:cs typeface="Adobe Clean"/>
               </a:rPr>
-              <a:t>Resources</a:t>
-            </a:r>
-            <a:endParaRPr sz="1400">
+              <a:t>资源</a:t>
+            </a:r>
+            <a:endParaRPr sz="1400" dirty="0">
               <a:latin typeface="Adobe Clean"/>
               <a:cs typeface="Adobe Clean"/>
             </a:endParaRPr>
@@ -9592,7 +8334,7 @@
               </a:spcBef>
             </a:pPr>
             <a:r>
-              <a:rPr sz="800" spc="-15">
+              <a:rPr lang="en-US" sz="800" spc="-15" dirty="0">
                 <a:solidFill>
                   <a:srgbClr val="777879"/>
                 </a:solidFill>
@@ -9613,7 +8355,7 @@
               </a:lnSpc>
             </a:pPr>
             <a:r>
-              <a:rPr sz="800" spc="-15">
+              <a:rPr lang="en-US" sz="800" spc="-15" dirty="0">
                 <a:solidFill>
                   <a:srgbClr val="777879"/>
                 </a:solidFill>
@@ -9623,7 +8365,7 @@
               <a:t>345 Park</a:t>
             </a:r>
             <a:r>
-              <a:rPr sz="800" spc="-100">
+              <a:rPr lang="en-US" sz="800" spc="-100" dirty="0">
                 <a:solidFill>
                   <a:srgbClr val="777879"/>
                 </a:solidFill>
@@ -9633,7 +8375,7 @@
               <a:t> </a:t>
             </a:r>
             <a:r>
-              <a:rPr sz="800" spc="-15">
+              <a:rPr lang="en-US" sz="800" spc="-15" dirty="0">
                 <a:solidFill>
                   <a:srgbClr val="777879"/>
                 </a:solidFill>
@@ -9650,11 +8392,11 @@
           <a:p>
             <a:pPr marL="12700">
               <a:lnSpc>
-                <a:spcPts val="944"/>
+                <a:spcPts val="945"/>
               </a:lnSpc>
             </a:pPr>
             <a:r>
-              <a:rPr sz="800" spc="-10">
+              <a:rPr lang="en-US" sz="800" spc="-10" dirty="0">
                 <a:solidFill>
                   <a:srgbClr val="777879"/>
                 </a:solidFill>
@@ -9664,7 +8406,7 @@
               <a:t>San </a:t>
             </a:r>
             <a:r>
-              <a:rPr sz="800" spc="-15">
+              <a:rPr lang="en-US" sz="800" spc="-15" dirty="0">
                 <a:solidFill>
                   <a:srgbClr val="777879"/>
                 </a:solidFill>
@@ -9674,7 +8416,7 @@
               <a:t>Jose,</a:t>
             </a:r>
             <a:r>
-              <a:rPr sz="800" spc="-140">
+              <a:rPr lang="en-US" sz="800" spc="-140" dirty="0">
                 <a:solidFill>
                   <a:srgbClr val="777879"/>
                 </a:solidFill>
@@ -9684,7 +8426,7 @@
               <a:t> </a:t>
             </a:r>
             <a:r>
-              <a:rPr sz="800" spc="-20">
+              <a:rPr lang="en-US" sz="800" spc="-20" dirty="0">
                 <a:solidFill>
                   <a:srgbClr val="777879"/>
                 </a:solidFill>
@@ -9708,7 +8450,7 @@
               </a:spcBef>
             </a:pPr>
             <a:r>
-              <a:rPr sz="800" spc="-10">
+              <a:rPr lang="en-US" sz="800" spc="-10" dirty="0">
                 <a:solidFill>
                   <a:srgbClr val="777879"/>
                 </a:solidFill>
@@ -9732,7 +8474,7 @@
               </a:spcBef>
             </a:pPr>
             <a:r>
-              <a:rPr sz="800" u="sng" spc="-25">
+              <a:rPr lang="en-US" sz="800" u="sng" spc="-25" dirty="0">
                 <a:solidFill>
                   <a:srgbClr val="5F5F5F"/>
                 </a:solidFill>
@@ -9743,9 +8485,9 @@
                 </a:uFill>
                 <a:latin typeface="Adobe Clean"/>
                 <a:cs typeface="Adobe Clean"/>
-                <a:hlinkClick r:id="rId3"/>
+                <a:hlinkClick r:id="rId4"/>
               </a:rPr>
-              <a:t>www.adobe.com</a:t>
+              <a:t>www.adobe.com/cn/</a:t>
             </a:r>
             <a:endParaRPr sz="800">
               <a:latin typeface="Adobe Clean"/>
@@ -9769,7 +8511,7 @@
             <a:avLst/>
           </a:prstGeom>
           <a:blipFill>
-            <a:blip r:embed="rId4" cstate="print"/>
+            <a:blip r:embed="rId5" cstate="print"/>
             <a:stretch>
               <a:fillRect/>
             </a:stretch>
@@ -9881,7 +8623,7 @@
             <a:avLst/>
           </a:prstGeom>
           <a:blipFill>
-            <a:blip r:embed="rId5" cstate="print"/>
+            <a:blip r:embed="rId6" cstate="print"/>
             <a:stretch>
               <a:fillRect/>
             </a:stretch>
@@ -9925,17 +8667,27 @@
               </a:spcBef>
             </a:pPr>
             <a:r>
-              <a:rPr sz="1100" i="1" spc="-10">
+              <a:rPr lang="en-US" sz="1100" i="1" spc="-10" dirty="0">
                 <a:solidFill>
                   <a:srgbClr val="777879"/>
                 </a:solidFill>
                 <a:latin typeface="AdobeClean-LightIt"/>
                 <a:cs typeface="AdobeClean-LightIt"/>
               </a:rPr>
-              <a:t>To</a:t>
-            </a:r>
-            <a:r>
-              <a:rPr sz="1100" i="1" spc="-50">
+              <a:t>要</a:t>
+            </a:r>
+            <a:r>
+              <a:rPr lang="en-US" sz="1100" i="1" spc="-15" dirty="0">
+                <a:solidFill>
+                  <a:srgbClr val="777879"/>
+                </a:solidFill>
+                <a:latin typeface="AdobeClean-LightIt"/>
+                <a:cs typeface="AdobeClean-LightIt"/>
+              </a:rPr>
+              <a:t>详细了解</a:t>
+            </a:r>
+            <a:r>
+              <a:rPr lang="en-US" sz="1100" i="1" spc="-45" dirty="0">
                 <a:solidFill>
                   <a:srgbClr val="777879"/>
                 </a:solidFill>
@@ -9945,17 +8697,17 @@
               <a:t> </a:t>
             </a:r>
             <a:r>
-              <a:rPr sz="1100" i="1" spc="-15">
+              <a:rPr lang="en-US" sz="1100" i="1" spc="-15" dirty="0">
                 <a:solidFill>
                   <a:srgbClr val="777879"/>
                 </a:solidFill>
                 <a:latin typeface="AdobeClean-LightIt"/>
                 <a:cs typeface="AdobeClean-LightIt"/>
               </a:rPr>
-              <a:t>learn</a:t>
-            </a:r>
-            <a:r>
-              <a:rPr sz="1100" i="1" spc="-40">
+              <a:t>Adobe</a:t>
+            </a:r>
+            <a:r>
+              <a:rPr lang="en-US" sz="1100" i="1" spc="-50" dirty="0">
                 <a:solidFill>
                   <a:srgbClr val="777879"/>
                 </a:solidFill>
@@ -9965,307 +8717,37 @@
               <a:t> </a:t>
             </a:r>
             <a:r>
-              <a:rPr sz="1100" i="1" spc="-15">
+              <a:rPr lang="en-US" sz="1100" i="1" spc="-15" dirty="0">
                 <a:solidFill>
                   <a:srgbClr val="777879"/>
                 </a:solidFill>
                 <a:latin typeface="AdobeClean-LightIt"/>
                 <a:cs typeface="AdobeClean-LightIt"/>
               </a:rPr>
-              <a:t>more</a:t>
-            </a:r>
-            <a:r>
-              <a:rPr sz="1100" i="1" spc="-45">
+              <a:t>支持产品/服务和您的适当级别，请联系指定</a:t>
+            </a:r>
+            <a:r>
+              <a:rPr lang="en-US" sz="1100" i="1" spc="-25" dirty="0">
                 <a:solidFill>
                   <a:srgbClr val="777879"/>
                 </a:solidFill>
                 <a:latin typeface="AdobeClean-LightIt"/>
                 <a:cs typeface="AdobeClean-LightIt"/>
               </a:rPr>
-              <a:t> </a:t>
-            </a:r>
-            <a:r>
-              <a:rPr sz="1100" i="1" spc="-15">
+              <a:t>客户</a:t>
+            </a:r>
+            <a:r>
+              <a:rPr lang="en-US" sz="1100" i="1" spc="-20" dirty="0">
                 <a:solidFill>
                   <a:srgbClr val="777879"/>
                 </a:solidFill>
                 <a:latin typeface="AdobeClean-LightIt"/>
                 <a:cs typeface="AdobeClean-LightIt"/>
               </a:rPr>
-              <a:t>about</a:t>
-            </a:r>
-            <a:r>
-              <a:rPr sz="1100" i="1" spc="-45">
-                <a:solidFill>
-                  <a:srgbClr val="777879"/>
-                </a:solidFill>
-                <a:latin typeface="AdobeClean-LightIt"/>
-                <a:cs typeface="AdobeClean-LightIt"/>
-              </a:rPr>
-              <a:t> </a:t>
-            </a:r>
-            <a:r>
-              <a:rPr sz="1100" i="1" spc="-15">
-                <a:solidFill>
-                  <a:srgbClr val="777879"/>
-                </a:solidFill>
-                <a:latin typeface="AdobeClean-LightIt"/>
-                <a:cs typeface="AdobeClean-LightIt"/>
-              </a:rPr>
-              <a:t>Adobe</a:t>
-            </a:r>
-            <a:r>
-              <a:rPr sz="1100" i="1" spc="-50">
-                <a:solidFill>
-                  <a:srgbClr val="777879"/>
-                </a:solidFill>
-                <a:latin typeface="AdobeClean-LightIt"/>
-                <a:cs typeface="AdobeClean-LightIt"/>
-              </a:rPr>
-              <a:t> </a:t>
-            </a:r>
-            <a:r>
-              <a:rPr sz="1100" i="1" spc="-15">
-                <a:solidFill>
-                  <a:srgbClr val="777879"/>
-                </a:solidFill>
-                <a:latin typeface="AdobeClean-LightIt"/>
-                <a:cs typeface="AdobeClean-LightIt"/>
-              </a:rPr>
-              <a:t>Support</a:t>
-            </a:r>
-            <a:r>
-              <a:rPr lang="en-US" sz="1100" i="1" spc="-15">
-                <a:solidFill>
-                  <a:srgbClr val="777879"/>
-                </a:solidFill>
-                <a:latin typeface="AdobeClean-LightIt"/>
-                <a:cs typeface="AdobeClean-LightIt"/>
-              </a:rPr>
-              <a:t> Offerings</a:t>
-            </a:r>
-            <a:r>
-              <a:rPr sz="1100" i="1" spc="-75">
-                <a:solidFill>
-                  <a:srgbClr val="777879"/>
-                </a:solidFill>
-                <a:latin typeface="AdobeClean-LightIt"/>
-                <a:cs typeface="AdobeClean-LightIt"/>
-              </a:rPr>
-              <a:t> </a:t>
-            </a:r>
-            <a:r>
-              <a:rPr sz="1100" i="1" spc="-15">
-                <a:solidFill>
-                  <a:srgbClr val="777879"/>
-                </a:solidFill>
-                <a:latin typeface="AdobeClean-LightIt"/>
-                <a:cs typeface="AdobeClean-LightIt"/>
-              </a:rPr>
-              <a:t>and</a:t>
-            </a:r>
-            <a:r>
-              <a:rPr sz="1100" i="1" spc="-50">
-                <a:solidFill>
-                  <a:srgbClr val="777879"/>
-                </a:solidFill>
-                <a:latin typeface="AdobeClean-LightIt"/>
-                <a:cs typeface="AdobeClean-LightIt"/>
-              </a:rPr>
-              <a:t> </a:t>
-            </a:r>
-            <a:r>
-              <a:rPr sz="1100" i="1" spc="-15">
-                <a:solidFill>
-                  <a:srgbClr val="777879"/>
-                </a:solidFill>
-                <a:latin typeface="AdobeClean-LightIt"/>
-                <a:cs typeface="AdobeClean-LightIt"/>
-              </a:rPr>
-              <a:t>the</a:t>
-            </a:r>
-            <a:r>
-              <a:rPr sz="1100" i="1" spc="-55">
-                <a:solidFill>
-                  <a:srgbClr val="777879"/>
-                </a:solidFill>
-                <a:latin typeface="AdobeClean-LightIt"/>
-                <a:cs typeface="AdobeClean-LightIt"/>
-              </a:rPr>
-              <a:t> </a:t>
-            </a:r>
-            <a:r>
-              <a:rPr sz="1100" i="1" spc="-15">
-                <a:solidFill>
-                  <a:srgbClr val="777879"/>
-                </a:solidFill>
-                <a:latin typeface="AdobeClean-LightIt"/>
-                <a:cs typeface="AdobeClean-LightIt"/>
-              </a:rPr>
-              <a:t>right</a:t>
-            </a:r>
-            <a:r>
-              <a:rPr sz="1100" i="1" spc="-95">
-                <a:solidFill>
-                  <a:srgbClr val="777879"/>
-                </a:solidFill>
-                <a:latin typeface="AdobeClean-LightIt"/>
-                <a:cs typeface="AdobeClean-LightIt"/>
-              </a:rPr>
-              <a:t> </a:t>
-            </a:r>
-            <a:r>
-              <a:rPr sz="1100" i="1" spc="-15">
-                <a:solidFill>
-                  <a:srgbClr val="777879"/>
-                </a:solidFill>
-                <a:latin typeface="AdobeClean-LightIt"/>
-                <a:cs typeface="AdobeClean-LightIt"/>
-              </a:rPr>
-              <a:t>level</a:t>
-            </a:r>
-            <a:r>
-              <a:rPr sz="1100" i="1" spc="-55">
-                <a:solidFill>
-                  <a:srgbClr val="777879"/>
-                </a:solidFill>
-                <a:latin typeface="AdobeClean-LightIt"/>
-                <a:cs typeface="AdobeClean-LightIt"/>
-              </a:rPr>
-              <a:t> </a:t>
-            </a:r>
-            <a:r>
-              <a:rPr sz="1100" i="1" spc="-15">
-                <a:solidFill>
-                  <a:srgbClr val="777879"/>
-                </a:solidFill>
-                <a:latin typeface="AdobeClean-LightIt"/>
-                <a:cs typeface="AdobeClean-LightIt"/>
-              </a:rPr>
-              <a:t>for</a:t>
-            </a:r>
-            <a:r>
-              <a:rPr sz="1100" i="1" spc="-85">
-                <a:solidFill>
-                  <a:srgbClr val="777879"/>
-                </a:solidFill>
-                <a:latin typeface="AdobeClean-LightIt"/>
-                <a:cs typeface="AdobeClean-LightIt"/>
-              </a:rPr>
-              <a:t> </a:t>
-            </a:r>
-            <a:r>
-              <a:rPr sz="1100" i="1" spc="-15">
-                <a:solidFill>
-                  <a:srgbClr val="777879"/>
-                </a:solidFill>
-                <a:latin typeface="AdobeClean-LightIt"/>
-                <a:cs typeface="AdobeClean-LightIt"/>
-              </a:rPr>
-              <a:t>you,</a:t>
-            </a:r>
-            <a:r>
-              <a:rPr sz="1100" i="1" spc="-65">
-                <a:solidFill>
-                  <a:srgbClr val="777879"/>
-                </a:solidFill>
-                <a:latin typeface="AdobeClean-LightIt"/>
-                <a:cs typeface="AdobeClean-LightIt"/>
-              </a:rPr>
-              <a:t> </a:t>
-            </a:r>
-            <a:r>
-              <a:rPr sz="1100" i="1" spc="-15">
-                <a:solidFill>
-                  <a:srgbClr val="777879"/>
-                </a:solidFill>
-                <a:latin typeface="AdobeClean-LightIt"/>
-                <a:cs typeface="AdobeClean-LightIt"/>
-              </a:rPr>
-              <a:t>contact</a:t>
-            </a:r>
-            <a:r>
-              <a:rPr sz="1100" i="1" spc="-85">
-                <a:solidFill>
-                  <a:srgbClr val="777879"/>
-                </a:solidFill>
-                <a:latin typeface="AdobeClean-LightIt"/>
-                <a:cs typeface="AdobeClean-LightIt"/>
-              </a:rPr>
-              <a:t> </a:t>
-            </a:r>
-            <a:r>
-              <a:rPr sz="1100" i="1" spc="-15">
-                <a:solidFill>
-                  <a:srgbClr val="777879"/>
-                </a:solidFill>
-                <a:latin typeface="AdobeClean-LightIt"/>
-                <a:cs typeface="AdobeClean-LightIt"/>
-              </a:rPr>
-              <a:t>your</a:t>
-            </a:r>
-            <a:r>
-              <a:rPr sz="1100" i="1" spc="-70">
-                <a:solidFill>
-                  <a:srgbClr val="777879"/>
-                </a:solidFill>
-                <a:latin typeface="AdobeClean-LightIt"/>
-                <a:cs typeface="AdobeClean-LightIt"/>
-              </a:rPr>
-              <a:t> </a:t>
-            </a:r>
-            <a:r>
-              <a:rPr sz="1100" i="1" spc="-15">
-                <a:solidFill>
-                  <a:srgbClr val="777879"/>
-                </a:solidFill>
-                <a:latin typeface="AdobeClean-LightIt"/>
-                <a:cs typeface="AdobeClean-LightIt"/>
-              </a:rPr>
-              <a:t>Named</a:t>
-            </a:r>
-            <a:r>
-              <a:rPr sz="1100" i="1" spc="-55">
-                <a:solidFill>
-                  <a:srgbClr val="777879"/>
-                </a:solidFill>
-                <a:latin typeface="AdobeClean-LightIt"/>
-                <a:cs typeface="AdobeClean-LightIt"/>
-              </a:rPr>
-              <a:t> </a:t>
-            </a:r>
-            <a:r>
-              <a:rPr sz="1100" i="1" spc="-25">
-                <a:solidFill>
-                  <a:srgbClr val="777879"/>
-                </a:solidFill>
-                <a:latin typeface="AdobeClean-LightIt"/>
-                <a:cs typeface="AdobeClean-LightIt"/>
-              </a:rPr>
-              <a:t>Account</a:t>
-            </a:r>
-            <a:r>
-              <a:rPr sz="1100" i="1" spc="-120">
-                <a:solidFill>
-                  <a:srgbClr val="777879"/>
-                </a:solidFill>
-                <a:latin typeface="AdobeClean-LightIt"/>
-                <a:cs typeface="AdobeClean-LightIt"/>
-              </a:rPr>
-              <a:t> </a:t>
-            </a:r>
-            <a:r>
-              <a:rPr sz="1100" i="1" spc="-20">
-                <a:solidFill>
-                  <a:srgbClr val="777879"/>
-                </a:solidFill>
-                <a:latin typeface="AdobeClean-LightIt"/>
-                <a:cs typeface="AdobeClean-LightIt"/>
-              </a:rPr>
-              <a:t>Manager  </a:t>
-            </a:r>
-            <a:r>
-              <a:rPr sz="1100" i="1" spc="-15">
+              <a:t>经理 </a:t>
+            </a:r>
+            <a:r>
+              <a:rPr lang="en-US" sz="1100" i="1" spc="-15" dirty="0">
                 <a:solidFill>
                   <a:srgbClr val="777879"/>
                 </a:solidFill>
@@ -10275,56 +8757,46 @@
               <a:t>(NAM) </a:t>
             </a:r>
             <a:r>
-              <a:rPr sz="1100" i="1" spc="-10">
+              <a:rPr lang="en-US" sz="1100" i="1" spc="-10" dirty="0">
                 <a:solidFill>
                   <a:srgbClr val="777879"/>
                 </a:solidFill>
                 <a:latin typeface="AdobeClean-LightIt"/>
                 <a:cs typeface="AdobeClean-LightIt"/>
               </a:rPr>
-              <a:t>or </a:t>
-            </a:r>
-            <a:r>
-              <a:rPr sz="1100" i="1" spc="-15">
+              <a:t>或</a:t>
+            </a:r>
+            <a:r>
+              <a:rPr lang="en-US" sz="1100" i="1" spc="-15" dirty="0">
                 <a:solidFill>
                   <a:srgbClr val="777879"/>
                 </a:solidFill>
                 <a:latin typeface="AdobeClean-LightIt"/>
                 <a:cs typeface="AdobeClean-LightIt"/>
               </a:rPr>
-              <a:t>Customer </a:t>
-            </a:r>
-            <a:r>
-              <a:rPr sz="1100" i="1" spc="-20">
+              <a:t>客户</a:t>
+            </a:r>
+            <a:r>
+              <a:rPr lang="en-US" sz="1100" i="1" spc="-20" dirty="0">
                 <a:solidFill>
                   <a:srgbClr val="777879"/>
                 </a:solidFill>
                 <a:latin typeface="AdobeClean-LightIt"/>
                 <a:cs typeface="AdobeClean-LightIt"/>
               </a:rPr>
-              <a:t>Success</a:t>
-            </a:r>
-            <a:r>
-              <a:rPr sz="1100" i="1" spc="-180">
+              <a:t>成功</a:t>
+            </a:r>
+            <a:r>
+              <a:rPr lang="en-US" sz="1100" i="1" spc="-15" dirty="0">
                 <a:solidFill>
                   <a:srgbClr val="777879"/>
                 </a:solidFill>
                 <a:latin typeface="AdobeClean-LightIt"/>
                 <a:cs typeface="AdobeClean-LightIt"/>
               </a:rPr>
-              <a:t> </a:t>
-            </a:r>
-            <a:r>
-              <a:rPr sz="1100" i="1" spc="-15">
-                <a:solidFill>
-                  <a:srgbClr val="777879"/>
-                </a:solidFill>
-                <a:latin typeface="AdobeClean-LightIt"/>
-                <a:cs typeface="AdobeClean-LightIt"/>
-              </a:rPr>
-              <a:t>Manager(CSM)</a:t>
-            </a:r>
-            <a:endParaRPr sz="1100">
+              <a:t>经理 (CSM)</a:t>
+            </a:r>
+            <a:endParaRPr sz="1100" dirty="0">
               <a:latin typeface="AdobeClean-LightIt"/>
               <a:cs typeface="AdobeClean-LightIt"/>
             </a:endParaRPr>
@@ -10339,37 +8811,17 @@
               </a:spcBef>
             </a:pPr>
             <a:r>
-              <a:rPr sz="800" spc="-5">
+              <a:rPr lang="en-US" sz="800" spc="-5" dirty="0">
                 <a:solidFill>
                   <a:srgbClr val="6D6D6D"/>
                 </a:solidFill>
                 <a:latin typeface="Adobe Clean"/>
                 <a:cs typeface="Adobe Clean"/>
               </a:rPr>
-              <a:t>©202</a:t>
-            </a:r>
-            <a:r>
-              <a:rPr lang="en-US" sz="800" spc="-5">
-                <a:solidFill>
-                  <a:srgbClr val="6D6D6D"/>
-                </a:solidFill>
-                <a:latin typeface="Adobe Clean"/>
-                <a:cs typeface="Adobe Clean"/>
-              </a:rPr>
-              <a:t>1</a:t>
-            </a:r>
-            <a:r>
-              <a:rPr sz="800" spc="-5">
-                <a:solidFill>
-                  <a:srgbClr val="6D6D6D"/>
-                </a:solidFill>
-                <a:latin typeface="Adobe Clean"/>
-                <a:cs typeface="Adobe Clean"/>
-              </a:rPr>
-              <a:t> Adobe. All Rights Reserved. Adobe</a:t>
-            </a:r>
-            <a:r>
-              <a:rPr sz="800" spc="75">
+              <a:t>©2021 Adobe.All Rights Reserved.Adobe</a:t>
+            </a:r>
+            <a:r>
+              <a:rPr lang="en-US" sz="800" spc="75" dirty="0">
                 <a:solidFill>
                   <a:srgbClr val="6D6D6D"/>
                 </a:solidFill>
@@ -10379,7 +8831,7 @@
               <a:t> </a:t>
             </a:r>
             <a:r>
-              <a:rPr sz="800" spc="-5">
+              <a:rPr lang="en-US" sz="800" spc="-5" dirty="0">
                 <a:solidFill>
                   <a:srgbClr val="6D6D6D"/>
                 </a:solidFill>
@@ -10388,7 +8840,7 @@
               </a:rPr>
               <a:t>Confidential.</a:t>
             </a:r>
-            <a:endParaRPr sz="800">
+            <a:endParaRPr sz="800" dirty="0">
               <a:latin typeface="Adobe Clean"/>
               <a:cs typeface="Adobe Clean"/>
             </a:endParaRPr>
@@ -10397,19 +8849,13 @@
       </p:sp>
       <p:sp>
         <p:nvSpPr>
-          <p:cNvPr id="64" name="object 23">
-            <a:extLst>
-              <a:ext uri="{FF2B5EF4-FFF2-40B4-BE49-F238E27FC236}">
-                <a16:creationId xmlns:a16="http://schemas.microsoft.com/office/drawing/2014/main" id="{41467BDC-3D83-D844-B922-CD07E94E5AAB}"/>
-              </a:ext>
-            </a:extLst>
-          </p:cNvPr>
+          <p:cNvPr id="64" name="object 23"/>
           <p:cNvSpPr txBox="1"/>
           <p:nvPr/>
         </p:nvSpPr>
         <p:spPr>
           <a:xfrm>
-            <a:off x="197233" y="5031270"/>
+            <a:off x="171129" y="5057379"/>
             <a:ext cx="6476646" cy="755976"/>
           </a:xfrm>
           <a:prstGeom prst="rect">
@@ -10417,73 +8863,119 @@
           </a:prstGeom>
         </p:spPr>
         <p:txBody>
-          <a:bodyPr vert="horz" wrap="square" lIns="0" tIns="116205" rIns="0" bIns="0" rtlCol="0" anchor="t">
+          <a:bodyPr vert="horz" wrap="square" lIns="0" tIns="116205" rIns="0" bIns="0" rtlCol="0">
             <a:spAutoFit/>
           </a:bodyPr>
           <a:lstStyle/>
           <a:p>
-            <a:pPr>
+            <a:pPr lvl="0">
               <a:spcBef>
                 <a:spcPts val="915"/>
               </a:spcBef>
             </a:pPr>
             <a:r>
-              <a:rPr lang="en-US" sz="1400" b="1" spc="-15">
+              <a:rPr lang="en-US" altLang="zh-CN" sz="1400" b="1" spc="-15" dirty="0">
                 <a:solidFill>
                   <a:srgbClr val="020302"/>
                 </a:solidFill>
                 <a:latin typeface="Adobe Clean"/>
                 <a:cs typeface="Adobe Clean"/>
               </a:rPr>
-              <a:t>Regional scope of Adobe Support, Local Hours Of Operation And Language Support</a:t>
-            </a:r>
-            <a:endParaRPr lang="en-US" sz="1400" spc="-15">
-              <a:ea typeface="+mn-lt"/>
-              <a:cs typeface="+mn-lt"/>
+              <a:t>Adobe </a:t>
+            </a:r>
+            <a:r>
+              <a:rPr lang="zh-CN" altLang="en-US" sz="1400" b="1" spc="-15" dirty="0">
+                <a:solidFill>
+                  <a:srgbClr val="020302"/>
+                </a:solidFill>
+                <a:latin typeface="Adobe Clean"/>
+                <a:cs typeface="Adobe Clean"/>
+              </a:rPr>
+              <a:t>支持的区域范围、当地营业时间和语言支持</a:t>
+            </a:r>
+            <a:endParaRPr lang="pl-PL" altLang="zh-CN" sz="1400" b="1" spc="-15" dirty="0">
+              <a:solidFill>
+                <a:srgbClr val="020302"/>
+              </a:solidFill>
+              <a:latin typeface="Adobe Clean"/>
+              <a:cs typeface="Adobe Clean"/>
             </a:endParaRPr>
           </a:p>
           <a:p>
-            <a:pPr>
+            <a:pPr lvl="0">
               <a:spcBef>
                 <a:spcPts val="915"/>
               </a:spcBef>
             </a:pPr>
             <a:r>
-              <a:rPr lang="en-US" sz="1000" spc="-15">
+              <a:rPr lang="zh-CN" altLang="en-US" sz="1000" spc="-15" dirty="0">
                 <a:solidFill>
                   <a:srgbClr val="1F1F1F"/>
                 </a:solidFill>
                 <a:latin typeface="AdobeClean-Light"/>
               </a:rPr>
-              <a:t>The Regional scope of Adobe Support is established by aligning the customer's billing address (via the Sales Order or other Adobe Support purchasing document) to one of the following regions:</a:t>
-            </a:r>
-            <a:endParaRPr lang="en-US"/>
+              <a:t>要建立 </a:t>
+            </a:r>
+            <a:r>
+              <a:rPr lang="en-US" altLang="zh-CN" sz="1000" spc="-15" dirty="0">
+                <a:solidFill>
+                  <a:srgbClr val="1F1F1F"/>
+                </a:solidFill>
+                <a:latin typeface="AdobeClean-Light"/>
+              </a:rPr>
+              <a:t>Adobe </a:t>
+            </a:r>
+            <a:r>
+              <a:rPr lang="zh-CN" altLang="en-US" sz="1000" spc="-15" dirty="0">
+                <a:solidFill>
+                  <a:srgbClr val="1F1F1F"/>
+                </a:solidFill>
+                <a:latin typeface="AdobeClean-Light"/>
+              </a:rPr>
+              <a:t>支持的区域范围，需要将客户的账单地址（通过销售订单或其他 </a:t>
+            </a:r>
+            <a:r>
+              <a:rPr lang="en-US" altLang="zh-CN" sz="1000" spc="-15" dirty="0">
+                <a:solidFill>
+                  <a:srgbClr val="1F1F1F"/>
+                </a:solidFill>
+                <a:latin typeface="AdobeClean-Light"/>
+              </a:rPr>
+              <a:t>Adobe </a:t>
+            </a:r>
+            <a:r>
+              <a:rPr lang="zh-CN" altLang="en-US" sz="1000" spc="-15" dirty="0">
+                <a:solidFill>
+                  <a:srgbClr val="1F1F1F"/>
+                </a:solidFill>
+                <a:latin typeface="AdobeClean-Light"/>
+              </a:rPr>
+              <a:t>支持采购文档）与以下区域之一相对应：</a:t>
+            </a:r>
+            <a:endParaRPr lang="en-US" sz="1000" spc="-15" dirty="0">
+              <a:solidFill>
+                <a:srgbClr val="1F1F1F"/>
+              </a:solidFill>
+              <a:latin typeface="AdobeClean-Light"/>
+            </a:endParaRPr>
           </a:p>
         </p:txBody>
       </p:sp>
       <p:graphicFrame>
         <p:nvGraphicFramePr>
-          <p:cNvPr id="25" name="Table 6">
-            <a:extLst>
-              <a:ext uri="{FF2B5EF4-FFF2-40B4-BE49-F238E27FC236}">
-                <a16:creationId xmlns:a16="http://schemas.microsoft.com/office/drawing/2014/main" id="{3A91F5B0-3974-A14D-A146-FB590F2AAD18}"/>
-              </a:ext>
-            </a:extLst>
-          </p:cNvPr>
+          <p:cNvPr id="25" name="Table 6"/>
           <p:cNvGraphicFramePr>
             <a:graphicFrameLocks noGrp="1"/>
           </p:cNvGraphicFramePr>
           <p:nvPr>
-            <p:extLst>
-              <p:ext uri="{D42A27DB-BD31-4B8C-83A1-F6EECF244321}">
-                <p14:modId xmlns:p14="http://schemas.microsoft.com/office/powerpoint/2010/main" val="2969235217"/>
-              </p:ext>
-            </p:extLst>
+            <p:custDataLst>
+              <p:tags r:id="rId1"/>
+            </p:custDataLst>
           </p:nvPr>
         </p:nvGraphicFramePr>
         <p:xfrm>
           <a:off x="171128" y="5907213"/>
-          <a:ext cx="7391400" cy="1503680"/>
+          <a:ext cx="7391400" cy="1447800"/>
         </p:xfrm>
         <a:graphic>
           <a:graphicData uri="http://schemas.openxmlformats.org/drawingml/2006/table">
@@ -10495,28 +8987,28 @@
                 <a:gridCol w="1847850">
                   <a:extLst>
                     <a:ext uri="{9D8B030D-6E8A-4147-A177-3AD203B41FA5}">
-                      <a16:colId xmlns:a16="http://schemas.microsoft.com/office/drawing/2014/main" val="2364693614"/>
+                      <a16:colId xmlns:a16="http://schemas.microsoft.com/office/drawing/2014/main" val="20000"/>
                     </a:ext>
                   </a:extLst>
                 </a:gridCol>
                 <a:gridCol w="1847850">
                   <a:extLst>
                     <a:ext uri="{9D8B030D-6E8A-4147-A177-3AD203B41FA5}">
-                      <a16:colId xmlns:a16="http://schemas.microsoft.com/office/drawing/2014/main" val="1545335406"/>
+                      <a16:colId xmlns:a16="http://schemas.microsoft.com/office/drawing/2014/main" val="20001"/>
                     </a:ext>
                   </a:extLst>
                 </a:gridCol>
                 <a:gridCol w="1847850">
                   <a:extLst>
                     <a:ext uri="{9D8B030D-6E8A-4147-A177-3AD203B41FA5}">
-                      <a16:colId xmlns:a16="http://schemas.microsoft.com/office/drawing/2014/main" val="4165218250"/>
+                      <a16:colId xmlns:a16="http://schemas.microsoft.com/office/drawing/2014/main" val="20002"/>
                     </a:ext>
                   </a:extLst>
                 </a:gridCol>
                 <a:gridCol w="1847850">
                   <a:extLst>
                     <a:ext uri="{9D8B030D-6E8A-4147-A177-3AD203B41FA5}">
-                      <a16:colId xmlns:a16="http://schemas.microsoft.com/office/drawing/2014/main" val="215044337"/>
+                      <a16:colId xmlns:a16="http://schemas.microsoft.com/office/drawing/2014/main" val="20003"/>
                     </a:ext>
                   </a:extLst>
                 </a:gridCol>
@@ -10533,9 +9025,9 @@
                           <a:solidFill>
                             <a:schemeClr val="tx1"/>
                           </a:solidFill>
-                          <a:latin typeface="Adobe Clean"/>
+                          <a:latin typeface="Adobe Clean" panose="020B0503020404020204" pitchFamily="34" charset="0"/>
                         </a:rPr>
-                        <a:t>Americas</a:t>
+                        <a:t>美洲</a:t>
                       </a:r>
                     </a:p>
                   </a:txBody>
@@ -10598,9 +9090,9 @@
                           <a:solidFill>
                             <a:schemeClr val="tx1"/>
                           </a:solidFill>
-                          <a:latin typeface="Adobe Clean"/>
+                          <a:latin typeface="Adobe Clean" panose="020B0503020404020204" pitchFamily="34" charset="0"/>
                         </a:rPr>
-                        <a:t>Europe, Middle East &amp; Africa</a:t>
+                        <a:t>欧洲、中东和非洲</a:t>
                       </a:r>
                     </a:p>
                   </a:txBody>
@@ -10663,9 +9155,9 @@
                           <a:solidFill>
                             <a:schemeClr val="tx1"/>
                           </a:solidFill>
-                          <a:latin typeface="Adobe Clean"/>
+                          <a:latin typeface="Adobe Clean" panose="020B0503020404020204" pitchFamily="34" charset="0"/>
                         </a:rPr>
-                        <a:t>Asia Pacific</a:t>
+                        <a:t>亚太地区</a:t>
                       </a:r>
                     </a:p>
                   </a:txBody>
@@ -10728,20 +9220,20 @@
                           <a:solidFill>
                             <a:schemeClr val="tx1"/>
                           </a:solidFill>
-                          <a:latin typeface="Adobe Clean"/>
+                          <a:latin typeface="Adobe Clean" panose="020B0503020404020204" pitchFamily="34" charset="0"/>
                         </a:rPr>
-                        <a:t>Japan </a:t>
+                        <a:t>日本 </a:t>
                       </a:r>
                       <a:r>
                         <a:rPr lang="en-US" sz="1100" baseline="30000" dirty="0">
                           <a:solidFill>
                             <a:schemeClr val="tx1"/>
                           </a:solidFill>
-                          <a:latin typeface="Adobe Clean"/>
+                          <a:latin typeface="Adobe Clean" panose="020B0503020404020204" pitchFamily="34" charset="0"/>
                         </a:rPr>
-                        <a:t>1 </a:t>
+                        <a:t>1 </a:t>
                       </a:r>
-                      <a:endParaRPr lang="en-US" sz="1100">
+                      <a:endParaRPr lang="en-US" sz="1100" dirty="0">
                         <a:solidFill>
                           <a:schemeClr val="tx1"/>
                         </a:solidFill>
@@ -10799,7 +9291,7 @@
                 </a:tc>
                 <a:extLst>
                   <a:ext uri="{0D108BD9-81ED-4DB2-BD59-A6C34878D82A}">
-                    <a16:rowId xmlns:a16="http://schemas.microsoft.com/office/drawing/2014/main" val="4251285128"/>
+                    <a16:rowId xmlns:a16="http://schemas.microsoft.com/office/drawing/2014/main" val="10000"/>
                   </a:ext>
                 </a:extLst>
               </a:tr>
@@ -10815,9 +9307,9 @@
                           <a:solidFill>
                             <a:schemeClr val="tx1"/>
                           </a:solidFill>
-                          <a:latin typeface="Adobe Clean"/>
+                          <a:latin typeface="Adobe Clean" panose="020B0503020404020204" pitchFamily="34" charset="0"/>
                         </a:rPr>
-                        <a:t>6 am – 5:30 pm</a:t>
+                        <a:t>上午 6:00 – 下午 5:30</a:t>
                       </a:r>
                     </a:p>
                   </a:txBody>
@@ -10880,9 +9372,9 @@
                           <a:solidFill>
                             <a:schemeClr val="tx1"/>
                           </a:solidFill>
-                          <a:latin typeface="Adobe Clean"/>
+                          <a:latin typeface="Adobe Clean" panose="020B0503020404020204" pitchFamily="34" charset="0"/>
                         </a:rPr>
-                        <a:t>9 am – 5 pm</a:t>
+                        <a:t>上午 9:00 – 下午 5:00</a:t>
                       </a:r>
                     </a:p>
                   </a:txBody>
@@ -10945,9 +9437,9 @@
                           <a:solidFill>
                             <a:schemeClr val="tx1"/>
                           </a:solidFill>
-                          <a:latin typeface="Adobe Clean"/>
+                          <a:latin typeface="Adobe Clean" panose="020B0503020404020204" pitchFamily="34" charset="0"/>
                         </a:rPr>
-                        <a:t>9 am – 5 pm</a:t>
+                        <a:t>上午 9:00 – 下午 5:00</a:t>
                       </a:r>
                     </a:p>
                   </a:txBody>
@@ -11010,9 +9502,9 @@
                           <a:solidFill>
                             <a:schemeClr val="tx1"/>
                           </a:solidFill>
-                          <a:latin typeface="Adobe Clean"/>
+                          <a:latin typeface="Adobe Clean" panose="020B0503020404020204" pitchFamily="34" charset="0"/>
                         </a:rPr>
-                        <a:t>9 am – 5:30 pm</a:t>
+                        <a:t>上午 9:00 – 下午 5:30</a:t>
                       </a:r>
                     </a:p>
                   </a:txBody>
@@ -11066,7 +9558,7 @@
                 </a:tc>
                 <a:extLst>
                   <a:ext uri="{0D108BD9-81ED-4DB2-BD59-A6C34878D82A}">
-                    <a16:rowId xmlns:a16="http://schemas.microsoft.com/office/drawing/2014/main" val="1574796478"/>
+                    <a16:rowId xmlns:a16="http://schemas.microsoft.com/office/drawing/2014/main" val="10001"/>
                   </a:ext>
                 </a:extLst>
               </a:tr>
@@ -11112,7 +9604,7 @@
                           </a:solidFill>
                           <a:latin typeface="Adobe Clean"/>
                         </a:rPr>
-                        <a:t>Language support is only available in English and Japanese.</a:t>
+                        <a:t>语言支持只有英语和日语版本</a:t>
                       </a:r>
                       <a:endParaRPr lang="en-US" dirty="0">
                         <a:latin typeface="Adobe Clean"/>
@@ -11141,12 +9633,12 @@
                           </a:solidFill>
                           <a:latin typeface="Adobe Clean"/>
                         </a:rPr>
-                        <a:t>*Adobe Commerce excludes Japanese languages support.</a:t>
+                        <a:t>*Adobe Commerce 不包括日语支持</a:t>
                       </a:r>
                     </a:p>
                     <a:p>
                       <a:pPr algn="ctr"/>
-                      <a:endParaRPr kumimoji="0" lang="en-US" sz="1100" b="1" i="0" u="none" strike="noStrike" kern="0" cap="none" spc="0" normalizeH="0" baseline="30000" noProof="0">
+                      <a:endParaRPr kumimoji="0" lang="en-US" sz="1100" b="1" i="0" u="none" strike="noStrike" kern="0" cap="none" spc="0" normalizeH="0" baseline="30000" noProof="0" dirty="0">
                         <a:ln>
                           <a:noFill/>
                         </a:ln>
@@ -11168,33 +9660,78 @@
                           <a:solidFill>
                             <a:schemeClr val="tx1"/>
                           </a:solidFill>
-                          <a:latin typeface="Adobe Clean"/>
+                          <a:latin typeface="Adobe Clean" panose="020B0503020404020204" pitchFamily="34" charset="0"/>
                         </a:rPr>
-                        <a:t> </a:t>
+                        <a:t> </a:t>
                       </a:r>
                       <a:r>
-                        <a:rPr lang="en-US" sz="1100" i="0" baseline="30000" dirty="0">
+                        <a:rPr lang="en-US" sz="1100" i="0" baseline="30000">
                           <a:solidFill>
                             <a:schemeClr val="tx1"/>
                           </a:solidFill>
-                          <a:latin typeface="Adobe Clean"/>
+                          <a:latin typeface="Adobe Clean" panose="020B0503020404020204" pitchFamily="34" charset="0"/>
                         </a:rPr>
                         <a:t>1 </a:t>
                       </a:r>
                       <a:r>
-                        <a:rPr lang="en-US" sz="1100" i="0" dirty="0">
+                        <a:rPr lang="en-US" altLang="zh-CN" sz="1100" i="0">
                           <a:solidFill>
                             <a:schemeClr val="tx1"/>
                           </a:solidFill>
-                          <a:latin typeface="Adobe Clean"/>
+                          <a:latin typeface="Adobe Clean" panose="020B0503020404020204" pitchFamily="34" charset="0"/>
                         </a:rPr>
-                        <a:t>P2, P3, P4 cases are limited to business hours only in Japan.</a:t>
+                        <a:t>P2</a:t>
                       </a:r>
-                      <a:endParaRPr lang="en-US" sz="1100" b="1" i="0">
+                      <a:r>
+                        <a:rPr lang="zh-CN" altLang="en-US" sz="1100" i="0" dirty="0">
+                          <a:solidFill>
+                            <a:schemeClr val="tx1"/>
+                          </a:solidFill>
+                          <a:latin typeface="Adobe Clean" panose="020B0503020404020204" pitchFamily="34" charset="0"/>
+                        </a:rPr>
+                        <a:t>、</a:t>
+                      </a:r>
+                      <a:r>
+                        <a:rPr lang="en-US" altLang="zh-CN" sz="1100" i="0" dirty="0">
+                          <a:solidFill>
+                            <a:schemeClr val="tx1"/>
+                          </a:solidFill>
+                          <a:latin typeface="Adobe Clean" panose="020B0503020404020204" pitchFamily="34" charset="0"/>
+                        </a:rPr>
+                        <a:t>P3</a:t>
+                      </a:r>
+                      <a:r>
+                        <a:rPr lang="zh-CN" altLang="en-US" sz="1100" i="0" dirty="0">
+                          <a:solidFill>
+                            <a:schemeClr val="tx1"/>
+                          </a:solidFill>
+                          <a:latin typeface="Adobe Clean" panose="020B0503020404020204" pitchFamily="34" charset="0"/>
+                        </a:rPr>
+                        <a:t>、</a:t>
+                      </a:r>
+                      <a:r>
+                        <a:rPr lang="en-US" altLang="zh-CN" sz="1100" i="0" dirty="0">
+                          <a:solidFill>
+                            <a:schemeClr val="tx1"/>
+                          </a:solidFill>
+                          <a:latin typeface="Adobe Clean" panose="020B0503020404020204" pitchFamily="34" charset="0"/>
+                        </a:rPr>
+                        <a:t>P4 </a:t>
+                      </a:r>
+                      <a:r>
+                        <a:rPr lang="zh-CN" altLang="en-US" sz="1100" i="0" dirty="0">
+                          <a:solidFill>
+                            <a:schemeClr val="tx1"/>
+                          </a:solidFill>
+                          <a:latin typeface="Adobe Clean" panose="020B0503020404020204" pitchFamily="34" charset="0"/>
+                        </a:rPr>
+                        <a:t>案例仅限于日本的营业时间。</a:t>
+                      </a:r>
+                      <a:endParaRPr lang="en-US" sz="1100" b="1" i="0" dirty="0">
                         <a:solidFill>
                           <a:schemeClr val="tx1"/>
                         </a:solidFill>
-                        <a:latin typeface="Adobe Clean"/>
+                        <a:latin typeface="Adobe Clean" panose="020B0503020404020204" pitchFamily="34" charset="0"/>
                       </a:endParaRPr>
                     </a:p>
                   </a:txBody>
@@ -11251,12 +9788,7 @@
                     <a:bodyPr/>
                     <a:lstStyle/>
                     <a:p>
-                      <a:endParaRPr lang="en-US" sz="1100">
-                        <a:solidFill>
-                          <a:schemeClr val="tx1"/>
-                        </a:solidFill>
-                        <a:latin typeface="Adobe Clean" panose="020B0503020404020204" pitchFamily="34" charset="0"/>
-                      </a:endParaRPr>
+                      <a:endParaRPr lang="en-US"/>
                     </a:p>
                   </a:txBody>
                   <a:tcPr anchor="ctr">
@@ -11312,12 +9844,7 @@
                     <a:bodyPr/>
                     <a:lstStyle/>
                     <a:p>
-                      <a:endParaRPr lang="en-US" sz="1100">
-                        <a:solidFill>
-                          <a:schemeClr val="tx1"/>
-                        </a:solidFill>
-                        <a:latin typeface="Adobe Clean" panose="020B0503020404020204" pitchFamily="34" charset="0"/>
-                      </a:endParaRPr>
+                      <a:endParaRPr lang="en-US"/>
                     </a:p>
                   </a:txBody>
                   <a:tcPr anchor="ctr">
@@ -11373,12 +9900,7 @@
                     <a:bodyPr/>
                     <a:lstStyle/>
                     <a:p>
-                      <a:endParaRPr lang="en-US" sz="1100">
-                        <a:solidFill>
-                          <a:schemeClr val="tx1"/>
-                        </a:solidFill>
-                        <a:latin typeface="Adobe Clean" panose="020B0503020404020204" pitchFamily="34" charset="0"/>
-                      </a:endParaRPr>
+                      <a:endParaRPr lang="en-US"/>
                     </a:p>
                   </a:txBody>
                   <a:tcPr anchor="ctr">
@@ -11431,7 +9953,7 @@
                 </a:tc>
                 <a:extLst>
                   <a:ext uri="{0D108BD9-81ED-4DB2-BD59-A6C34878D82A}">
-                    <a16:rowId xmlns:a16="http://schemas.microsoft.com/office/drawing/2014/main" val="2086762220"/>
+                    <a16:rowId xmlns:a16="http://schemas.microsoft.com/office/drawing/2014/main" val="10002"/>
                   </a:ext>
                 </a:extLst>
               </a:tr>
@@ -11441,13 +9963,7 @@
       </p:graphicFrame>
       <p:sp>
         <p:nvSpPr>
-          <p:cNvPr id="50" name="object 30">
-            <a:extLst>
-              <a:ext uri="{FF2B5EF4-FFF2-40B4-BE49-F238E27FC236}">
-                <a16:creationId xmlns:a16="http://schemas.microsoft.com/office/drawing/2014/main" id="{043050D0-21FC-0C42-8484-7FE7C0DB771F}"/>
-              </a:ext>
-            </a:extLst>
-          </p:cNvPr>
+          <p:cNvPr id="50" name="object 30"/>
           <p:cNvSpPr/>
           <p:nvPr/>
         </p:nvSpPr>
@@ -11497,18 +10013,12 @@
       </p:sp>
       <p:pic>
         <p:nvPicPr>
-          <p:cNvPr id="83" name="object 56">
-            <a:extLst>
-              <a:ext uri="{FF2B5EF4-FFF2-40B4-BE49-F238E27FC236}">
-                <a16:creationId xmlns:a16="http://schemas.microsoft.com/office/drawing/2014/main" id="{488FF0A5-3931-B14A-A256-9BD5C4AB39DA}"/>
-              </a:ext>
-            </a:extLst>
-          </p:cNvPr>
+          <p:cNvPr id="83" name="object 56"/>
           <p:cNvPicPr/>
           <p:nvPr/>
         </p:nvPicPr>
         <p:blipFill>
-          <a:blip r:embed="rId6" cstate="print"/>
+          <a:blip r:embed="rId7" cstate="print"/>
           <a:stretch>
             <a:fillRect/>
           </a:stretch>
@@ -11525,20 +10035,14 @@
       </p:pic>
       <p:sp>
         <p:nvSpPr>
-          <p:cNvPr id="84" name="object 64">
-            <a:extLst>
-              <a:ext uri="{FF2B5EF4-FFF2-40B4-BE49-F238E27FC236}">
-                <a16:creationId xmlns:a16="http://schemas.microsoft.com/office/drawing/2014/main" id="{21E0A3A6-11B9-E44E-A4F0-18AED6E614AE}"/>
-              </a:ext>
-            </a:extLst>
-          </p:cNvPr>
+          <p:cNvPr id="84" name="object 64"/>
           <p:cNvSpPr txBox="1"/>
           <p:nvPr/>
         </p:nvSpPr>
         <p:spPr>
           <a:xfrm>
-            <a:off x="2840871" y="8528519"/>
-            <a:ext cx="810895" cy="385445"/>
+            <a:off x="2743200" y="8528519"/>
+            <a:ext cx="1045329" cy="385445"/>
           </a:xfrm>
           <a:prstGeom prst="rect">
             <a:avLst/>
@@ -11550,7 +10054,7 @@
           </a:bodyPr>
           <a:lstStyle/>
           <a:p>
-            <a:pPr marL="139065" marR="5080" indent="-139065">
+            <a:pPr marL="14605" marR="5080" indent="-14605" algn="ctr">
               <a:lnSpc>
                 <a:spcPts val="1390"/>
               </a:lnSpc>
@@ -11559,126 +10063,56 @@
               </a:spcBef>
             </a:pPr>
             <a:r>
-              <a:rPr sz="1200" b="1" spc="-15">
+              <a:rPr lang="en-US" sz="1200" b="1" spc="-15" dirty="0">
                 <a:solidFill>
                   <a:srgbClr val="FFFFFF"/>
                 </a:solidFill>
                 <a:latin typeface="Adobe Clean"/>
                 <a:cs typeface="Adobe Clean"/>
               </a:rPr>
-              <a:t>U</a:t>
-            </a:r>
-            <a:r>
-              <a:rPr sz="1200" b="1" spc="-20">
+              <a:t>无</a:t>
+            </a:r>
+            <a:r>
+              <a:rPr lang="en-US" sz="1200" b="1" spc="-20" dirty="0">
                 <a:solidFill>
                   <a:srgbClr val="FFFFFF"/>
                 </a:solidFill>
                 <a:latin typeface="Adobe Clean"/>
                 <a:cs typeface="Adobe Clean"/>
               </a:rPr>
-              <a:t>n</a:t>
-            </a:r>
-            <a:r>
-              <a:rPr sz="1200" b="1" spc="-25">
+              <a:t>与</a:t>
+            </a:r>
+            <a:r>
+              <a:rPr lang="en-US" sz="1200" b="1" spc="-25" dirty="0">
                 <a:solidFill>
                   <a:srgbClr val="FFFFFF"/>
                 </a:solidFill>
                 <a:latin typeface="Adobe Clean"/>
                 <a:cs typeface="Adobe Clean"/>
               </a:rPr>
-              <a:t>p</a:t>
-            </a:r>
-            <a:r>
-              <a:rPr sz="1200" b="1" spc="-15">
+              <a:t>伦</a:t>
+            </a:r>
+            <a:r>
+              <a:rPr lang="en-US" sz="1200" b="1" spc="-15" dirty="0">
                 <a:solidFill>
                   <a:srgbClr val="FFFFFF"/>
                 </a:solidFill>
                 <a:latin typeface="Adobe Clean"/>
                 <a:cs typeface="Adobe Clean"/>
               </a:rPr>
-              <a:t>a</a:t>
-            </a:r>
-            <a:r>
-              <a:rPr sz="1200" b="1" spc="-25">
+              <a:t>比</a:t>
+            </a:r>
+            <a:r>
+              <a:rPr lang="en-US" sz="1200" b="1" spc="-25" dirty="0">
                 <a:solidFill>
                   <a:srgbClr val="FFFFFF"/>
                 </a:solidFill>
                 <a:latin typeface="Adobe Clean"/>
                 <a:cs typeface="Adobe Clean"/>
               </a:rPr>
-              <a:t>r</a:t>
-            </a:r>
-            <a:r>
-              <a:rPr sz="1200" b="1" spc="-15">
-                <a:solidFill>
-                  <a:srgbClr val="FFFFFF"/>
-                </a:solidFill>
-                <a:latin typeface="Adobe Clean"/>
-                <a:cs typeface="Adobe Clean"/>
-              </a:rPr>
-              <a:t>a</a:t>
-            </a:r>
-            <a:r>
-              <a:rPr sz="1200" b="1" spc="-30">
-                <a:solidFill>
-                  <a:srgbClr val="FFFFFF"/>
-                </a:solidFill>
-                <a:latin typeface="Adobe Clean"/>
-                <a:cs typeface="Adobe Clean"/>
-              </a:rPr>
-              <a:t>ll</a:t>
-            </a:r>
-            <a:r>
-              <a:rPr sz="1200" b="1" spc="-25">
-                <a:solidFill>
-                  <a:srgbClr val="FFFFFF"/>
-                </a:solidFill>
-                <a:latin typeface="Adobe Clean"/>
-                <a:cs typeface="Adobe Clean"/>
-              </a:rPr>
-              <a:t>e</a:t>
-            </a:r>
-            <a:r>
-              <a:rPr sz="1200" b="1" spc="-30">
-                <a:solidFill>
-                  <a:srgbClr val="FFFFFF"/>
-                </a:solidFill>
-                <a:latin typeface="Adobe Clean"/>
-                <a:cs typeface="Adobe Clean"/>
-              </a:rPr>
-              <a:t>l</a:t>
-            </a:r>
-            <a:r>
-              <a:rPr sz="1200" b="1" spc="-25">
-                <a:solidFill>
-                  <a:srgbClr val="FFFFFF"/>
-                </a:solidFill>
-                <a:latin typeface="Adobe Clean"/>
-                <a:cs typeface="Adobe Clean"/>
-              </a:rPr>
-              <a:t>e</a:t>
-            </a:r>
-            <a:r>
-              <a:rPr sz="1200" b="1">
-                <a:solidFill>
-                  <a:srgbClr val="FFFFFF"/>
-                </a:solidFill>
-                <a:latin typeface="Adobe Clean"/>
-                <a:cs typeface="Adobe Clean"/>
-              </a:rPr>
-              <a:t>d  </a:t>
-            </a:r>
-            <a:r>
-              <a:rPr sz="1200" b="1" spc="-25">
-                <a:solidFill>
-                  <a:srgbClr val="FFFFFF"/>
-                </a:solidFill>
-                <a:latin typeface="Adobe Clean"/>
-                <a:cs typeface="Adobe Clean"/>
-              </a:rPr>
-              <a:t>Expertise</a:t>
-            </a:r>
-            <a:endParaRPr sz="1200">
+              <a:t>的专业知识</a:t>
+            </a:r>
+            <a:endParaRPr sz="1200" dirty="0">
               <a:latin typeface="Adobe Clean"/>
               <a:cs typeface="Adobe Clean"/>
             </a:endParaRPr>
@@ -11687,13 +10121,7 @@
       </p:sp>
       <p:sp>
         <p:nvSpPr>
-          <p:cNvPr id="85" name="object 64">
-            <a:extLst>
-              <a:ext uri="{FF2B5EF4-FFF2-40B4-BE49-F238E27FC236}">
-                <a16:creationId xmlns:a16="http://schemas.microsoft.com/office/drawing/2014/main" id="{3921F04C-B61B-A948-947F-C33BBFF39A32}"/>
-              </a:ext>
-            </a:extLst>
-          </p:cNvPr>
+          <p:cNvPr id="85" name="object 64"/>
           <p:cNvSpPr txBox="1"/>
           <p:nvPr/>
         </p:nvSpPr>
@@ -11712,7 +10140,7 @@
           </a:bodyPr>
           <a:lstStyle/>
           <a:p>
-            <a:pPr marL="139065" marR="5080" indent="-139065">
+            <a:pPr marL="14605" marR="5080" indent="-14605" algn="ctr">
               <a:lnSpc>
                 <a:spcPts val="1390"/>
               </a:lnSpc>
@@ -11721,16 +10149,16 @@
               </a:spcBef>
             </a:pPr>
             <a:r>
-              <a:rPr lang="en-US" sz="1200" b="1" spc="-15">
+              <a:rPr lang="en-US" sz="1200" b="1" spc="-15" dirty="0">
                 <a:solidFill>
                   <a:srgbClr val="FFFFFF"/>
                 </a:solidFill>
                 <a:latin typeface="Adobe Clean"/>
                 <a:cs typeface="Adobe Clean"/>
               </a:rPr>
-              <a:t>Accelerated Support</a:t>
-            </a:r>
-            <a:endParaRPr sz="1200">
+              <a:t>加速支持</a:t>
+            </a:r>
+            <a:endParaRPr sz="1200" dirty="0">
               <a:latin typeface="Adobe Clean"/>
               <a:cs typeface="Adobe Clean"/>
             </a:endParaRPr>
@@ -11739,20 +10167,14 @@
       </p:sp>
       <p:sp>
         <p:nvSpPr>
-          <p:cNvPr id="86" name="object 32">
-            <a:extLst>
-              <a:ext uri="{FF2B5EF4-FFF2-40B4-BE49-F238E27FC236}">
-                <a16:creationId xmlns:a16="http://schemas.microsoft.com/office/drawing/2014/main" id="{73055FA1-8180-F44A-A86E-2B1D4C7C6B5E}"/>
-              </a:ext>
-            </a:extLst>
-          </p:cNvPr>
+          <p:cNvPr id="86" name="object 32"/>
           <p:cNvSpPr txBox="1"/>
           <p:nvPr/>
         </p:nvSpPr>
         <p:spPr>
           <a:xfrm>
-            <a:off x="6624119" y="8543943"/>
-            <a:ext cx="510540" cy="385445"/>
+            <a:off x="6517939" y="8543943"/>
+            <a:ext cx="721061" cy="384080"/>
           </a:xfrm>
           <a:prstGeom prst="rect">
             <a:avLst/>
@@ -11764,7 +10186,7 @@
           </a:bodyPr>
           <a:lstStyle/>
           <a:p>
-            <a:pPr marL="50800" marR="5080" indent="-51435">
+            <a:pPr marL="14605" marR="5080" indent="-14605" algn="ctr">
               <a:lnSpc>
                 <a:spcPts val="1390"/>
               </a:lnSpc>
@@ -11773,106 +10195,46 @@
               </a:spcBef>
             </a:pPr>
             <a:r>
-              <a:rPr sz="1200" b="1" spc="-50">
+              <a:rPr lang="en-US" sz="1200" b="1" spc="-50" dirty="0">
                 <a:solidFill>
                   <a:srgbClr val="FFFFFF"/>
                 </a:solidFill>
                 <a:latin typeface="Adobe Clean"/>
                 <a:cs typeface="Adobe Clean"/>
               </a:rPr>
-              <a:t>S</a:t>
-            </a:r>
-            <a:r>
-              <a:rPr sz="1200" b="1" spc="-20">
+              <a:t>战</a:t>
+            </a:r>
+            <a:r>
+              <a:rPr lang="en-US" sz="1200" b="1" spc="-20" dirty="0">
                 <a:solidFill>
                   <a:srgbClr val="FFFFFF"/>
                 </a:solidFill>
                 <a:latin typeface="Adobe Clean"/>
                 <a:cs typeface="Adobe Clean"/>
               </a:rPr>
-              <a:t>t</a:t>
-            </a:r>
-            <a:r>
-              <a:rPr sz="1200" b="1" spc="-75">
+              <a:t>略</a:t>
+            </a:r>
+            <a:r>
+              <a:rPr lang="en-US" sz="1200" b="1" spc="-75" dirty="0">
                 <a:solidFill>
                   <a:srgbClr val="FFFFFF"/>
                 </a:solidFill>
                 <a:latin typeface="Adobe Clean"/>
                 <a:cs typeface="Adobe Clean"/>
               </a:rPr>
-              <a:t>r</a:t>
-            </a:r>
-            <a:r>
-              <a:rPr sz="1200" b="1" spc="-90">
+              <a:t>性</a:t>
+            </a:r>
+            <a:r>
+              <a:rPr lang="en-US" sz="1200" b="1" spc="-45" dirty="0">
                 <a:solidFill>
                   <a:srgbClr val="FFFFFF"/>
                 </a:solidFill>
                 <a:latin typeface="Adobe Clean"/>
                 <a:cs typeface="Adobe Clean"/>
               </a:rPr>
-              <a:t>a</a:t>
-            </a:r>
-            <a:r>
-              <a:rPr sz="1200" b="1" spc="-55">
-                <a:solidFill>
-                  <a:srgbClr val="FFFFFF"/>
-                </a:solidFill>
-                <a:latin typeface="Adobe Clean"/>
-                <a:cs typeface="Adobe Clean"/>
-              </a:rPr>
-              <a:t>t</a:t>
-            </a:r>
-            <a:r>
-              <a:rPr sz="1200" b="1" spc="-100">
-                <a:solidFill>
-                  <a:srgbClr val="FFFFFF"/>
-                </a:solidFill>
-                <a:latin typeface="Adobe Clean"/>
-                <a:cs typeface="Adobe Clean"/>
-              </a:rPr>
-              <a:t>e</a:t>
-            </a:r>
-            <a:r>
-              <a:rPr sz="1200" b="1" spc="-80">
-                <a:solidFill>
-                  <a:srgbClr val="FFFFFF"/>
-                </a:solidFill>
-                <a:latin typeface="Adobe Clean"/>
-                <a:cs typeface="Adobe Clean"/>
-              </a:rPr>
-              <a:t>g</a:t>
-            </a:r>
-            <a:r>
-              <a:rPr sz="1200" b="1" spc="-35">
-                <a:solidFill>
-                  <a:srgbClr val="FFFFFF"/>
-                </a:solidFill>
-                <a:latin typeface="Adobe Clean"/>
-                <a:cs typeface="Adobe Clean"/>
-              </a:rPr>
-              <a:t>i</a:t>
-            </a:r>
-            <a:r>
-              <a:rPr sz="1200" b="1">
-                <a:solidFill>
-                  <a:srgbClr val="FFFFFF"/>
-                </a:solidFill>
-                <a:latin typeface="Adobe Clean"/>
-                <a:cs typeface="Adobe Clean"/>
-              </a:rPr>
-              <a:t>c  </a:t>
-            </a:r>
-            <a:r>
-              <a:rPr sz="1200" b="1" spc="-45">
-                <a:solidFill>
-                  <a:srgbClr val="FFFFFF"/>
-                </a:solidFill>
-                <a:latin typeface="Adobe Clean"/>
-                <a:cs typeface="Adobe Clean"/>
-              </a:rPr>
-              <a:t>Advice</a:t>
-            </a:r>
-            <a:endParaRPr sz="1200">
+              <a:t>建议</a:t>
+            </a:r>
+            <a:endParaRPr sz="1200" dirty="0">
               <a:latin typeface="Adobe Clean"/>
               <a:cs typeface="Adobe Clean"/>
             </a:endParaRPr>
@@ -11881,13 +10243,7 @@
       </p:sp>
       <p:graphicFrame>
         <p:nvGraphicFramePr>
-          <p:cNvPr id="111" name="Table 6">
-            <a:extLst>
-              <a:ext uri="{FF2B5EF4-FFF2-40B4-BE49-F238E27FC236}">
-                <a16:creationId xmlns:a16="http://schemas.microsoft.com/office/drawing/2014/main" id="{D8653CEC-4213-DE40-9BAF-D1E3318FF89C}"/>
-              </a:ext>
-            </a:extLst>
-          </p:cNvPr>
+          <p:cNvPr id="111" name="Table 6"/>
           <p:cNvGraphicFramePr>
             <a:graphicFrameLocks noGrp="1"/>
           </p:cNvGraphicFramePr>
@@ -11895,7 +10251,7 @@
         </p:nvGraphicFramePr>
         <p:xfrm>
           <a:off x="194236" y="1059345"/>
-          <a:ext cx="7368291" cy="3606800"/>
+          <a:ext cx="7368291" cy="2844800"/>
         </p:xfrm>
         <a:graphic>
           <a:graphicData uri="http://schemas.openxmlformats.org/drawingml/2006/table">
@@ -11907,14 +10263,14 @@
                 <a:gridCol w="3691964">
                   <a:extLst>
                     <a:ext uri="{9D8B030D-6E8A-4147-A177-3AD203B41FA5}">
-                      <a16:colId xmlns:a16="http://schemas.microsoft.com/office/drawing/2014/main" val="2364693614"/>
+                      <a16:colId xmlns:a16="http://schemas.microsoft.com/office/drawing/2014/main" val="20000"/>
                     </a:ext>
                   </a:extLst>
                 </a:gridCol>
                 <a:gridCol w="3676327">
                   <a:extLst>
                     <a:ext uri="{9D8B030D-6E8A-4147-A177-3AD203B41FA5}">
-                      <a16:colId xmlns:a16="http://schemas.microsoft.com/office/drawing/2014/main" val="1545335406"/>
+                      <a16:colId xmlns:a16="http://schemas.microsoft.com/office/drawing/2014/main" val="20001"/>
                     </a:ext>
                   </a:extLst>
                 </a:gridCol>
@@ -11926,18 +10282,18 @@
                     <a:lstStyle/>
                     <a:p>
                       <a:r>
-                        <a:rPr lang="en-US" sz="1100" b="0">
+                        <a:rPr lang="en-US" sz="1100" b="0" dirty="0">
                           <a:solidFill>
                             <a:schemeClr val="tx1"/>
                           </a:solidFill>
                           <a:latin typeface="Adobe Clean" panose="020B0503020404020204" pitchFamily="34" charset="0"/>
                           <a:ea typeface="+mn-ea"/>
                           <a:cs typeface="+mn-cs"/>
-                          <a:hlinkClick r:id="rId7"/>
+                          <a:hlinkClick r:id="rId8"/>
                         </a:rPr>
                         <a:t>Experience League</a:t>
                       </a:r>
-                      <a:endParaRPr lang="en-US" sz="1100" b="0">
+                      <a:endParaRPr lang="en-US" sz="1100" b="0" dirty="0">
                         <a:solidFill>
                           <a:schemeClr val="tx1"/>
                         </a:solidFill>
@@ -12014,11 +10370,10 @@
                         <a:buSzTx/>
                         <a:buFontTx/>
                         <a:buNone/>
-                        <a:tabLst/>
                         <a:defRPr/>
                       </a:pPr>
                       <a:r>
-                        <a:rPr lang="en-US" sz="1000" b="0" kern="1200">
+                        <a:rPr lang="en-US" sz="1000" b="0" kern="1200" dirty="0">
                           <a:solidFill>
                             <a:srgbClr val="000000"/>
                           </a:solidFill>
@@ -12026,7 +10381,7 @@
                           <a:ea typeface="+mn-ea"/>
                           <a:cs typeface="+mn-cs"/>
                         </a:rPr>
-                        <a:t>Experience League is how Adobe helps businesses achieve the value they expect from their Adobe investment. It’s the unified place where customers can learn, connect, and grow along a personalized path to success that includes self-help tutorials, product documentation, instructor-led training, community and technical support. </a:t>
+                        <a:t>Experience League 是 Adobe 帮助企业实现预期的 Adobe 投资回报的方式。这是一个集中式位置，提供自助教程、产品文档、讲师指导的培训、社区和技术支持，客户可以在这里学习、建立联系和取得进步，并沿着个性化的路径迈向成功。</a:t>
                       </a:r>
                     </a:p>
                   </a:txBody>
@@ -12080,7 +10435,7 @@
                 </a:tc>
                 <a:extLst>
                   <a:ext uri="{0D108BD9-81ED-4DB2-BD59-A6C34878D82A}">
-                    <a16:rowId xmlns:a16="http://schemas.microsoft.com/office/drawing/2014/main" val="4251285128"/>
+                    <a16:rowId xmlns:a16="http://schemas.microsoft.com/office/drawing/2014/main" val="10000"/>
                   </a:ext>
                 </a:extLst>
               </a:tr>
@@ -12104,11 +10459,10 @@
                         <a:buSzTx/>
                         <a:buFontTx/>
                         <a:buNone/>
-                        <a:tabLst/>
                         <a:defRPr/>
                       </a:pPr>
                       <a:r>
-                        <a:rPr lang="en-US" sz="1100">
+                        <a:rPr lang="en-US" sz="1100" dirty="0">
                           <a:solidFill>
                             <a:schemeClr val="dk1"/>
                           </a:solidFill>
@@ -12116,12 +10470,12 @@
                           <a:latin typeface="Adobe Clean" panose="020B0503020404020204" pitchFamily="34" charset="0"/>
                           <a:ea typeface="+mn-ea"/>
                           <a:cs typeface="+mn-cs"/>
-                          <a:hlinkClick r:id="rId8"/>
+                          <a:hlinkClick r:id="rId9"/>
                         </a:rPr>
-                        <a:t>Training</a:t>
+                        <a:t>培训</a:t>
                       </a:r>
                       <a:r>
-                        <a:rPr lang="en-US" sz="1100">
+                        <a:rPr lang="en-US" sz="1100" dirty="0">
                           <a:solidFill>
                             <a:schemeClr val="dk1"/>
                           </a:solidFill>
@@ -12132,7 +10486,7 @@
                         </a:rPr>
                         <a:t> </a:t>
                       </a:r>
-                      <a:endParaRPr lang="en-US" sz="1100">
+                      <a:endParaRPr lang="en-US" sz="1100" dirty="0">
                         <a:solidFill>
                           <a:schemeClr val="tx1"/>
                         </a:solidFill>
@@ -12210,11 +10564,10 @@
                         <a:buSzTx/>
                         <a:buFontTx/>
                         <a:buNone/>
-                        <a:tabLst/>
                         <a:defRPr/>
                       </a:pPr>
                       <a:r>
-                        <a:rPr lang="en-US" sz="1000" kern="1200">
+                        <a:rPr lang="en-US" sz="1000" kern="1200" dirty="0">
                           <a:solidFill>
                             <a:srgbClr val="000000"/>
                           </a:solidFill>
@@ -12222,7 +10575,7 @@
                           <a:ea typeface="+mn-ea"/>
                           <a:cs typeface="+mn-cs"/>
                         </a:rPr>
-                        <a:t>Adobe Digital Learning Services courses are accessible from Experience League. Learning courses integrate both on-demand and instructor-led lessons.  Here you can accrue skills that have recognized market value and position them to drive success in your organizations.</a:t>
+                        <a:t>可以从 Experience League 访问 Adobe Digital Learning Services 课程。学习课程整合了按需课程和讲师指导的课程。在这里，您可以掌握具有公认市场价值的技能，并在组织中利用这些技能获得成功。</a:t>
                       </a:r>
                     </a:p>
                   </a:txBody>
@@ -12276,7 +10629,7 @@
                 </a:tc>
                 <a:extLst>
                   <a:ext uri="{0D108BD9-81ED-4DB2-BD59-A6C34878D82A}">
-                    <a16:rowId xmlns:a16="http://schemas.microsoft.com/office/drawing/2014/main" val="3127522179"/>
+                    <a16:rowId xmlns:a16="http://schemas.microsoft.com/office/drawing/2014/main" val="10001"/>
                   </a:ext>
                 </a:extLst>
               </a:tr>
@@ -12300,11 +10653,10 @@
                         <a:buSzTx/>
                         <a:buFontTx/>
                         <a:buNone/>
-                        <a:tabLst/>
                         <a:defRPr/>
                       </a:pPr>
                       <a:r>
-                        <a:rPr lang="en-US" sz="1100">
+                        <a:rPr lang="en-US" sz="1100" dirty="0">
                           <a:solidFill>
                             <a:schemeClr val="tx1"/>
                           </a:solidFill>
@@ -12312,11 +10664,11 @@
                           <a:latin typeface="Adobe Clean" panose="020B0503020404020204" pitchFamily="34" charset="0"/>
                           <a:ea typeface="+mn-ea"/>
                           <a:cs typeface="+mn-cs"/>
-                          <a:hlinkClick r:id="rId9"/>
+                          <a:hlinkClick r:id="rId10"/>
                         </a:rPr>
-                        <a:t>Production Issues &amp; System Outages</a:t>
+                        <a:t>生产问题和系统中断</a:t>
                       </a:r>
-                      <a:endParaRPr lang="en-US" sz="1100">
+                      <a:endParaRPr lang="en-US" sz="1100" dirty="0">
                         <a:solidFill>
                           <a:schemeClr val="tx1"/>
                         </a:solidFill>
@@ -12394,11 +10746,10 @@
                         <a:buSzTx/>
                         <a:buFontTx/>
                         <a:buNone/>
-                        <a:tabLst/>
                         <a:defRPr/>
                       </a:pPr>
                       <a:r>
-                        <a:rPr lang="en-US" sz="1000" kern="1200">
+                        <a:rPr lang="en-US" sz="1000" kern="1200" dirty="0">
                           <a:solidFill>
                             <a:srgbClr val="000000"/>
                           </a:solidFill>
@@ -12406,7 +10757,7 @@
                           <a:ea typeface="+mn-ea"/>
                           <a:cs typeface="+mn-cs"/>
                         </a:rPr>
-                        <a:t>Status.adobe.com conveys the health information of all Adobe products and services that are deployed in multi-tenant environments. Customers can choose their subscription preferences to get email notifications whenever Adobe creates, updates or resolves a product event. This can include scheduled maintenance or service issues of varying levels of severity. </a:t>
+                        <a:t>Status.adobe.com 传达在多租户环境中部署的所有 Adobe 产品和服务的运行状况信息。客户可以选择他们的订阅偏好设置，以便在 Adobe 创建、更新或处理产品事件时收到电子邮件通知。这可能包括严重性不同的定期维护或服务问题。</a:t>
                       </a:r>
                     </a:p>
                   </a:txBody>
@@ -12460,7 +10811,7 @@
                 </a:tc>
                 <a:extLst>
                   <a:ext uri="{0D108BD9-81ED-4DB2-BD59-A6C34878D82A}">
-                    <a16:rowId xmlns:a16="http://schemas.microsoft.com/office/drawing/2014/main" val="2696233489"/>
+                    <a16:rowId xmlns:a16="http://schemas.microsoft.com/office/drawing/2014/main" val="10002"/>
                   </a:ext>
                 </a:extLst>
               </a:tr>
@@ -12484,11 +10835,10 @@
                         <a:buSzTx/>
                         <a:buFontTx/>
                         <a:buNone/>
-                        <a:tabLst/>
                         <a:defRPr/>
                       </a:pPr>
                       <a:r>
-                        <a:rPr lang="en-US" sz="1100" b="0" i="0">
+                        <a:rPr lang="en-US" sz="1100" b="0" i="0" dirty="0">
                           <a:solidFill>
                             <a:schemeClr val="dk1"/>
                           </a:solidFill>
@@ -12496,11 +10846,11 @@
                           <a:latin typeface="Adobe Clean" panose="020B0503020404020204" pitchFamily="34" charset="0"/>
                           <a:ea typeface="+mn-ea"/>
                           <a:cs typeface="+mn-cs"/>
-                          <a:hlinkClick r:id="rId10" tooltip="https://helpx.adobe.com/support/programs/enterprise-support-programs/premier-support-business.html"/>
+                          <a:hlinkClick r:id="rId11" tooltip="https://helpx.adobe.com/cn/support/programs/enterprise-support-programs/premier-support-business.html"/>
                         </a:rPr>
-                        <a:t>Business Support Website</a:t>
+                        <a:t>商业支持网站</a:t>
                       </a:r>
-                      <a:endParaRPr lang="en-US" sz="1100" b="0" i="0">
+                      <a:endParaRPr lang="en-US" sz="1100" b="0" i="0" dirty="0">
                         <a:solidFill>
                           <a:schemeClr val="dk1"/>
                         </a:solidFill>
@@ -12565,7 +10915,7 @@
                     <a:lstStyle/>
                     <a:p>
                       <a:r>
-                        <a:rPr lang="en-US" sz="1000" kern="1200">
+                        <a:rPr lang="en-US" sz="1000" kern="1200" dirty="0">
                           <a:solidFill>
                             <a:srgbClr val="000000"/>
                           </a:solidFill>
@@ -12573,7 +10923,7 @@
                           <a:ea typeface="+mn-ea"/>
                           <a:cs typeface="+mn-cs"/>
                         </a:rPr>
-                        <a:t>Adobe Business Support website</a:t>
+                        <a:t>Adobe 商业支持网站</a:t>
                       </a:r>
                     </a:p>
                   </a:txBody>
@@ -12627,7 +10977,7 @@
                 </a:tc>
                 <a:extLst>
                   <a:ext uri="{0D108BD9-81ED-4DB2-BD59-A6C34878D82A}">
-                    <a16:rowId xmlns:a16="http://schemas.microsoft.com/office/drawing/2014/main" val="3772135568"/>
+                    <a16:rowId xmlns:a16="http://schemas.microsoft.com/office/drawing/2014/main" val="10003"/>
                   </a:ext>
                 </a:extLst>
               </a:tr>
@@ -12651,11 +11001,10 @@
                         <a:buSzTx/>
                         <a:buFontTx/>
                         <a:buNone/>
-                        <a:tabLst/>
                         <a:defRPr/>
                       </a:pPr>
                       <a:r>
-                        <a:rPr lang="en-US" sz="1100">
+                        <a:rPr lang="en-US" sz="1100" dirty="0">
                           <a:solidFill>
                             <a:schemeClr val="tx1"/>
                           </a:solidFill>
@@ -12663,11 +11012,11 @@
                           <a:latin typeface="Adobe Clean" panose="020B0503020404020204" pitchFamily="34" charset="0"/>
                           <a:ea typeface="+mn-ea"/>
                           <a:cs typeface="+mn-cs"/>
-                          <a:hlinkClick r:id="rId11"/>
+                          <a:hlinkClick r:id="rId12"/>
                         </a:rPr>
-                        <a:t>Terms and Conditions</a:t>
+                        <a:t>条款和条件</a:t>
                       </a:r>
-                      <a:endParaRPr lang="en-US" sz="1100">
+                      <a:endParaRPr lang="en-US" sz="1100" dirty="0">
                         <a:solidFill>
                           <a:schemeClr val="tx1"/>
                         </a:solidFill>
@@ -12732,7 +11081,7 @@
                     <a:lstStyle/>
                     <a:p>
                       <a:r>
-                        <a:rPr lang="en-US" sz="1000" kern="1200">
+                        <a:rPr lang="en-US" sz="1000" kern="1200" dirty="0">
                           <a:solidFill>
                             <a:srgbClr val="000000"/>
                           </a:solidFill>
@@ -12740,7 +11089,7 @@
                           <a:ea typeface="+mn-ea"/>
                           <a:cs typeface="+mn-cs"/>
                         </a:rPr>
-                        <a:t>Terms and conditions detailing Support Services offerings</a:t>
+                        <a:t>详细说明支持服务产品的条款和条件</a:t>
                       </a:r>
                     </a:p>
                   </a:txBody>
@@ -12794,7 +11143,7 @@
                 </a:tc>
                 <a:extLst>
                   <a:ext uri="{0D108BD9-81ED-4DB2-BD59-A6C34878D82A}">
-                    <a16:rowId xmlns:a16="http://schemas.microsoft.com/office/drawing/2014/main" val="2083862379"/>
+                    <a16:rowId xmlns:a16="http://schemas.microsoft.com/office/drawing/2014/main" val="10004"/>
                   </a:ext>
                 </a:extLst>
               </a:tr>
@@ -12804,26 +11153,20 @@
       </p:graphicFrame>
       <p:pic>
         <p:nvPicPr>
-          <p:cNvPr id="8" name="Graphic 7" descr="Target outline">
-            <a:extLst>
-              <a:ext uri="{FF2B5EF4-FFF2-40B4-BE49-F238E27FC236}">
-                <a16:creationId xmlns:a16="http://schemas.microsoft.com/office/drawing/2014/main" id="{1EAA263E-04A7-0D46-952E-EA3033B45116}"/>
-              </a:ext>
-            </a:extLst>
-          </p:cNvPr>
+          <p:cNvPr id="8" name="Graphic 7" descr="目标轮廓图"/>
           <p:cNvPicPr>
             <a:picLocks noChangeAspect="1"/>
           </p:cNvPicPr>
           <p:nvPr/>
         </p:nvPicPr>
         <p:blipFill>
-          <a:blip r:embed="rId12">
+          <a:blip r:embed="rId13">
             <a:extLst>
               <a:ext uri="{28A0092B-C50C-407E-A947-70E740481C1C}">
                 <a14:useLocalDpi xmlns:a14="http://schemas.microsoft.com/office/drawing/2010/main" val="0"/>
               </a:ext>
               <a:ext uri="{96DAC541-7B7A-43D3-8B79-37D633B846F1}">
-                <asvg:svgBlip xmlns:asvg="http://schemas.microsoft.com/office/drawing/2016/SVG/main" r:embed="rId13"/>
+                <asvg:svgBlip xmlns:asvg="http://schemas.microsoft.com/office/drawing/2016/SVG/main" r:embed="rId14"/>
               </a:ext>
             </a:extLst>
           </a:blip>
@@ -12843,26 +11186,20 @@
       </p:pic>
       <p:pic>
         <p:nvPicPr>
-          <p:cNvPr id="10" name="Graphic 9" descr="Rocket outline">
-            <a:extLst>
-              <a:ext uri="{FF2B5EF4-FFF2-40B4-BE49-F238E27FC236}">
-                <a16:creationId xmlns:a16="http://schemas.microsoft.com/office/drawing/2014/main" id="{A068EBC3-B418-4E4A-A520-101CA4B39F23}"/>
-              </a:ext>
-            </a:extLst>
-          </p:cNvPr>
+          <p:cNvPr id="10" name="Graphic 9" descr="火箭轮廓图"/>
           <p:cNvPicPr>
             <a:picLocks noChangeAspect="1"/>
           </p:cNvPicPr>
           <p:nvPr/>
         </p:nvPicPr>
         <p:blipFill>
-          <a:blip r:embed="rId14">
+          <a:blip r:embed="rId15">
             <a:extLst>
               <a:ext uri="{28A0092B-C50C-407E-A947-70E740481C1C}">
                 <a14:useLocalDpi xmlns:a14="http://schemas.microsoft.com/office/drawing/2010/main" val="0"/>
               </a:ext>
               <a:ext uri="{96DAC541-7B7A-43D3-8B79-37D633B846F1}">
-                <asvg:svgBlip xmlns:asvg="http://schemas.microsoft.com/office/drawing/2016/SVG/main" r:embed="rId15"/>
+                <asvg:svgBlip xmlns:asvg="http://schemas.microsoft.com/office/drawing/2016/SVG/main" r:embed="rId16"/>
               </a:ext>
             </a:extLst>
           </a:blip>
@@ -12882,26 +11219,20 @@
       </p:pic>
       <p:pic>
         <p:nvPicPr>
-          <p:cNvPr id="12" name="Graphic 11" descr="Medal outline">
-            <a:extLst>
-              <a:ext uri="{FF2B5EF4-FFF2-40B4-BE49-F238E27FC236}">
-                <a16:creationId xmlns:a16="http://schemas.microsoft.com/office/drawing/2014/main" id="{C7BEFC2D-0CA6-0448-B9FA-6E1581CA6D36}"/>
-              </a:ext>
-            </a:extLst>
-          </p:cNvPr>
+          <p:cNvPr id="12" name="Graphic 11" descr="勋章轮廓图"/>
           <p:cNvPicPr>
             <a:picLocks noChangeAspect="1"/>
           </p:cNvPicPr>
           <p:nvPr/>
         </p:nvPicPr>
         <p:blipFill>
-          <a:blip r:embed="rId16">
+          <a:blip r:embed="rId17">
             <a:extLst>
               <a:ext uri="{28A0092B-C50C-407E-A947-70E740481C1C}">
                 <a14:useLocalDpi xmlns:a14="http://schemas.microsoft.com/office/drawing/2010/main" val="0"/>
               </a:ext>
               <a:ext uri="{96DAC541-7B7A-43D3-8B79-37D633B846F1}">
-                <asvg:svgBlip xmlns:asvg="http://schemas.microsoft.com/office/drawing/2016/SVG/main" r:embed="rId17"/>
+                <asvg:svgBlip xmlns:asvg="http://schemas.microsoft.com/office/drawing/2016/SVG/main" r:embed="rId18"/>
               </a:ext>
             </a:extLst>
           </a:blip>
@@ -12920,16 +11251,29 @@
         </p:spPr>
       </p:pic>
     </p:spTree>
-    <p:extLst>
-      <p:ext uri="{BB962C8B-B14F-4D97-AF65-F5344CB8AC3E}">
-        <p14:creationId xmlns:p14="http://schemas.microsoft.com/office/powerpoint/2010/main" val="1050037809"/>
-      </p:ext>
-    </p:extLst>
   </p:cSld>
   <p:clrMapOvr>
     <a:masterClrMapping/>
   </p:clrMapOvr>
 </p:sld>
+</file>
+
+<file path=ppt/tags/tag1.xml><?xml version="1.0" encoding="utf-8"?>
+<p:tagLst xmlns:a="http://schemas.openxmlformats.org/drawingml/2006/main" xmlns:r="http://schemas.openxmlformats.org/officeDocument/2006/relationships" xmlns:p="http://schemas.openxmlformats.org/presentationml/2006/main">
+  <p:tag name="KSO_WM_UNIT_TABLE_BEAUTIFY" val="smartTable{90f03565-0d74-4b8b-9226-740e34f0c564}"/>
+</p:tagLst>
+</file>
+
+<file path=ppt/tags/tag2.xml><?xml version="1.0" encoding="utf-8"?>
+<p:tagLst xmlns:a="http://schemas.openxmlformats.org/drawingml/2006/main" xmlns:r="http://schemas.openxmlformats.org/officeDocument/2006/relationships" xmlns:p="http://schemas.openxmlformats.org/presentationml/2006/main">
+  <p:tag name="KSO_WM_UNIT_TABLE_BEAUTIFY" val="smartTable{85e89148-258b-42fe-a353-2caaf47f8212}"/>
+</p:tagLst>
+</file>
+
+<file path=ppt/tags/tag3.xml><?xml version="1.0" encoding="utf-8"?>
+<p:tagLst xmlns:a="http://schemas.openxmlformats.org/drawingml/2006/main" xmlns:r="http://schemas.openxmlformats.org/officeDocument/2006/relationships" xmlns:p="http://schemas.openxmlformats.org/presentationml/2006/main">
+  <p:tag name="KSO_WM_UNIT_TABLE_BEAUTIFY" val="smartTable{269922ac-f9a6-4919-96e2-a196576fed7c}"/>
+</p:tagLst>
 </file>
 
 <file path=ppt/theme/theme1.xml><?xml version="1.0" encoding="utf-8"?>
@@ -13212,6 +11556,11 @@
   </a:themeElements>
   <a:objectDefaults/>
   <a:extraClrSchemeLst/>
+  <a:extLst>
+    <a:ext uri="{05A4C25C-085E-4340-85A3-A5531E510DB2}">
+      <thm15:themeFamily xmlns:thm15="http://schemas.microsoft.com/office/thememl/2012/main" name="Office Theme" id="{62F939B6-93AF-4DB8-9C6B-D6C7DFDC589F}" vid="{4A3C46E8-61CC-4603-A589-7422A47A8E4A}"/>
+    </a:ext>
+  </a:extLst>
 </a:theme>
 </file>
 
@@ -13258,7 +11607,7 @@
     </a:clrScheme>
     <a:fontScheme name="Office">
       <a:majorFont>
-        <a:latin typeface="Calibri Light" panose="020F0302020204030204"/>
+        <a:latin typeface="Calibri Light"/>
         <a:ea typeface=""/>
         <a:cs typeface=""/>
         <a:font script="Jpan" typeface="游ゴシック Light"/>
@@ -13291,26 +11640,9 @@
         <a:font script="Viet" typeface="Times New Roman"/>
         <a:font script="Uigh" typeface="Microsoft Uighur"/>
         <a:font script="Geor" typeface="Sylfaen"/>
-        <a:font script="Armn" typeface="Arial"/>
-        <a:font script="Bugi" typeface="Leelawadee UI"/>
-        <a:font script="Bopo" typeface="Microsoft JhengHei"/>
-        <a:font script="Java" typeface="Javanese Text"/>
-        <a:font script="Lisu" typeface="Segoe UI"/>
-        <a:font script="Mymr" typeface="Myanmar Text"/>
-        <a:font script="Nkoo" typeface="Ebrima"/>
-        <a:font script="Olck" typeface="Nirmala UI"/>
-        <a:font script="Osma" typeface="Ebrima"/>
-        <a:font script="Phag" typeface="Phagspa"/>
-        <a:font script="Syrn" typeface="Estrangelo Edessa"/>
-        <a:font script="Syrj" typeface="Estrangelo Edessa"/>
-        <a:font script="Syre" typeface="Estrangelo Edessa"/>
-        <a:font script="Sora" typeface="Nirmala UI"/>
-        <a:font script="Tale" typeface="Microsoft Tai Le"/>
-        <a:font script="Talu" typeface="Microsoft New Tai Lue"/>
-        <a:font script="Tfng" typeface="Ebrima"/>
       </a:majorFont>
       <a:minorFont>
-        <a:latin typeface="Calibri" panose="020F0502020204030204"/>
+        <a:latin typeface="Calibri"/>
         <a:ea typeface=""/>
         <a:cs typeface=""/>
         <a:font script="Jpan" typeface="游ゴシック"/>
@@ -13343,23 +11675,6 @@
         <a:font script="Viet" typeface="Arial"/>
         <a:font script="Uigh" typeface="Microsoft Uighur"/>
         <a:font script="Geor" typeface="Sylfaen"/>
-        <a:font script="Armn" typeface="Arial"/>
-        <a:font script="Bugi" typeface="Leelawadee UI"/>
-        <a:font script="Bopo" typeface="Microsoft JhengHei"/>
-        <a:font script="Java" typeface="Javanese Text"/>
-        <a:font script="Lisu" typeface="Segoe UI"/>
-        <a:font script="Mymr" typeface="Myanmar Text"/>
-        <a:font script="Nkoo" typeface="Ebrima"/>
-        <a:font script="Olck" typeface="Nirmala UI"/>
-        <a:font script="Osma" typeface="Ebrima"/>
-        <a:font script="Phag" typeface="Phagspa"/>
-        <a:font script="Syrn" typeface="Estrangelo Edessa"/>
-        <a:font script="Syrj" typeface="Estrangelo Edessa"/>
-        <a:font script="Syre" typeface="Estrangelo Edessa"/>
-        <a:font script="Sora" typeface="Nirmala UI"/>
-        <a:font script="Tale" typeface="Microsoft Tai Le"/>
-        <a:font script="Talu" typeface="Microsoft New Tai Lue"/>
-        <a:font script="Tfng" typeface="Ebrima"/>
       </a:minorFont>
     </a:fontScheme>
     <a:fmtScheme name="Office">
@@ -13508,260 +11823,4 @@
     </a:ext>
   </a:extLst>
 </a:theme>
-</file>
-
-<file path=customXml/item1.xml><?xml version="1.0" encoding="utf-8"?>
-<ct:contentTypeSchema xmlns:ct="http://schemas.microsoft.com/office/2006/metadata/contentType" xmlns:ma="http://schemas.microsoft.com/office/2006/metadata/properties/metaAttributes" ct:_="" ma:_="" ma:contentTypeName="Document" ma:contentTypeID="0x010100E783BF6876BCC646A459363AF21A7736" ma:contentTypeVersion="10" ma:contentTypeDescription="Create a new document." ma:contentTypeScope="" ma:versionID="c4ffda7f4f415767600769e454c2ea87">
-  <xsd:schema xmlns:xsd="http://www.w3.org/2001/XMLSchema" xmlns:xs="http://www.w3.org/2001/XMLSchema" xmlns:p="http://schemas.microsoft.com/office/2006/metadata/properties" xmlns:ns2="8a053bff-88be-49e4-9a87-e748e18b8b62" xmlns:ns3="6c8368ec-3776-49b5-a5bb-90648cf9530f" targetNamespace="http://schemas.microsoft.com/office/2006/metadata/properties" ma:root="true" ma:fieldsID="df3ec33bccc23e23bce7bc897fad43d1" ns2:_="" ns3:_="">
-    <xsd:import namespace="8a053bff-88be-49e4-9a87-e748e18b8b62"/>
-    <xsd:import namespace="6c8368ec-3776-49b5-a5bb-90648cf9530f"/>
-    <xsd:element name="properties">
-      <xsd:complexType>
-        <xsd:sequence>
-          <xsd:element name="documentManagement">
-            <xsd:complexType>
-              <xsd:all>
-                <xsd:element ref="ns2:MediaServiceMetadata" minOccurs="0"/>
-                <xsd:element ref="ns2:MediaServiceFastMetadata" minOccurs="0"/>
-                <xsd:element ref="ns2:MediaServiceAutoKeyPoints" minOccurs="0"/>
-                <xsd:element ref="ns2:MediaServiceKeyPoints" minOccurs="0"/>
-                <xsd:element ref="ns3:SharedWithUsers" minOccurs="0"/>
-                <xsd:element ref="ns3:SharedWithDetails" minOccurs="0"/>
-                <xsd:element ref="ns2:MediaServiceAutoTags" minOccurs="0"/>
-                <xsd:element ref="ns2:MediaServiceOCR" minOccurs="0"/>
-                <xsd:element ref="ns2:MediaServiceGenerationTime" minOccurs="0"/>
-                <xsd:element ref="ns2:MediaServiceEventHashCode" minOccurs="0"/>
-              </xsd:all>
-            </xsd:complexType>
-          </xsd:element>
-        </xsd:sequence>
-      </xsd:complexType>
-    </xsd:element>
-  </xsd:schema>
-  <xsd:schema xmlns:xsd="http://www.w3.org/2001/XMLSchema" xmlns:xs="http://www.w3.org/2001/XMLSchema" xmlns:dms="http://schemas.microsoft.com/office/2006/documentManagement/types" xmlns:pc="http://schemas.microsoft.com/office/infopath/2007/PartnerControls" targetNamespace="8a053bff-88be-49e4-9a87-e748e18b8b62" elementFormDefault="qualified">
-    <xsd:import namespace="http://schemas.microsoft.com/office/2006/documentManagement/types"/>
-    <xsd:import namespace="http://schemas.microsoft.com/office/infopath/2007/PartnerControls"/>
-    <xsd:element name="MediaServiceMetadata" ma:index="8" nillable="true" ma:displayName="MediaServiceMetadata" ma:hidden="true" ma:internalName="MediaServiceMetadata" ma:readOnly="true">
-      <xsd:simpleType>
-        <xsd:restriction base="dms:Note"/>
-      </xsd:simpleType>
-    </xsd:element>
-    <xsd:element name="MediaServiceFastMetadata" ma:index="9" nillable="true" ma:displayName="MediaServiceFastMetadata" ma:hidden="true" ma:internalName="MediaServiceFastMetadata" ma:readOnly="true">
-      <xsd:simpleType>
-        <xsd:restriction base="dms:Note"/>
-      </xsd:simpleType>
-    </xsd:element>
-    <xsd:element name="MediaServiceAutoKeyPoints" ma:index="10" nillable="true" ma:displayName="MediaServiceAutoKeyPoints" ma:hidden="true" ma:internalName="MediaServiceAutoKeyPoints" ma:readOnly="true">
-      <xsd:simpleType>
-        <xsd:restriction base="dms:Note"/>
-      </xsd:simpleType>
-    </xsd:element>
-    <xsd:element name="MediaServiceKeyPoints" ma:index="11" nillable="true" ma:displayName="KeyPoints" ma:internalName="MediaServiceKeyPoints" ma:readOnly="true">
-      <xsd:simpleType>
-        <xsd:restriction base="dms:Note">
-          <xsd:maxLength value="255"/>
-        </xsd:restriction>
-      </xsd:simpleType>
-    </xsd:element>
-    <xsd:element name="MediaServiceAutoTags" ma:index="14" nillable="true" ma:displayName="Tags" ma:internalName="MediaServiceAutoTags" ma:readOnly="true">
-      <xsd:simpleType>
-        <xsd:restriction base="dms:Text"/>
-      </xsd:simpleType>
-    </xsd:element>
-    <xsd:element name="MediaServiceOCR" ma:index="15" nillable="true" ma:displayName="Extracted Text" ma:internalName="MediaServiceOCR" ma:readOnly="true">
-      <xsd:simpleType>
-        <xsd:restriction base="dms:Note">
-          <xsd:maxLength value="255"/>
-        </xsd:restriction>
-      </xsd:simpleType>
-    </xsd:element>
-    <xsd:element name="MediaServiceGenerationTime" ma:index="16" nillable="true" ma:displayName="MediaServiceGenerationTime" ma:hidden="true" ma:internalName="MediaServiceGenerationTime" ma:readOnly="true">
-      <xsd:simpleType>
-        <xsd:restriction base="dms:Text"/>
-      </xsd:simpleType>
-    </xsd:element>
-    <xsd:element name="MediaServiceEventHashCode" ma:index="17" nillable="true" ma:displayName="MediaServiceEventHashCode" ma:hidden="true" ma:internalName="MediaServiceEventHashCode" ma:readOnly="true">
-      <xsd:simpleType>
-        <xsd:restriction base="dms:Text"/>
-      </xsd:simpleType>
-    </xsd:element>
-  </xsd:schema>
-  <xsd:schema xmlns:xsd="http://www.w3.org/2001/XMLSchema" xmlns:xs="http://www.w3.org/2001/XMLSchema" xmlns:dms="http://schemas.microsoft.com/office/2006/documentManagement/types" xmlns:pc="http://schemas.microsoft.com/office/infopath/2007/PartnerControls" targetNamespace="6c8368ec-3776-49b5-a5bb-90648cf9530f" elementFormDefault="qualified">
-    <xsd:import namespace="http://schemas.microsoft.com/office/2006/documentManagement/types"/>
-    <xsd:import namespace="http://schemas.microsoft.com/office/infopath/2007/PartnerControls"/>
-    <xsd:element name="SharedWithUsers" ma:index="12" nillable="true" ma:displayName="Shared With" ma:internalName="SharedWithUsers" ma:readOnly="true">
-      <xsd:complexType>
-        <xsd:complexContent>
-          <xsd:extension base="dms:UserMulti">
-            <xsd:sequence>
-              <xsd:element name="UserInfo" minOccurs="0" maxOccurs="unbounded">
-                <xsd:complexType>
-                  <xsd:sequence>
-                    <xsd:element name="DisplayName" type="xsd:string" minOccurs="0"/>
-                    <xsd:element name="AccountId" type="dms:UserId" minOccurs="0" nillable="true"/>
-                    <xsd:element name="AccountType" type="xsd:string" minOccurs="0"/>
-                  </xsd:sequence>
-                </xsd:complexType>
-              </xsd:element>
-            </xsd:sequence>
-          </xsd:extension>
-        </xsd:complexContent>
-      </xsd:complexType>
-    </xsd:element>
-    <xsd:element name="SharedWithDetails" ma:index="13" nillable="true" ma:displayName="Shared With Details" ma:internalName="SharedWithDetails" ma:readOnly="true">
-      <xsd:simpleType>
-        <xsd:restriction base="dms:Note">
-          <xsd:maxLength value="255"/>
-        </xsd:restriction>
-      </xsd:simpleType>
-    </xsd:element>
-  </xsd:schema>
-  <xsd:schema xmlns="http://schemas.openxmlformats.org/package/2006/metadata/core-properties" xmlns:xsd="http://www.w3.org/2001/XMLSchema" xmlns:xsi="http://www.w3.org/2001/XMLSchema-instance" xmlns:dc="http://purl.org/dc/elements/1.1/" xmlns:dcterms="http://purl.org/dc/terms/" xmlns:odoc="http://schemas.microsoft.com/internal/obd" targetNamespace="http://schemas.openxmlformats.org/package/2006/metadata/core-properties" elementFormDefault="qualified" attributeFormDefault="unqualified" blockDefault="#all">
-    <xsd:import namespace="http://purl.org/dc/elements/1.1/" schemaLocation="http://dublincore.org/schemas/xmls/qdc/2003/04/02/dc.xsd"/>
-    <xsd:import namespace="http://purl.org/dc/terms/" schemaLocation="http://dublincore.org/schemas/xmls/qdc/2003/04/02/dcterms.xsd"/>
-    <xsd:element name="coreProperties" type="CT_coreProperties"/>
-    <xsd:complexType name="CT_coreProperties">
-      <xsd:all>
-        <xsd:element ref="dc:creator" minOccurs="0" maxOccurs="1"/>
-        <xsd:element ref="dcterms:created" minOccurs="0" maxOccurs="1"/>
-        <xsd:element ref="dc:identifier" minOccurs="0" maxOccurs="1"/>
-        <xsd:element name="contentType" minOccurs="0" maxOccurs="1" type="xsd:string" ma:index="0" ma:displayName="Content Type"/>
-        <xsd:element ref="dc:title" minOccurs="0" maxOccurs="1" ma:index="4" ma:displayName="Title"/>
-        <xsd:element ref="dc:subject" minOccurs="0" maxOccurs="1"/>
-        <xsd:element ref="dc:description" minOccurs="0" maxOccurs="1"/>
-        <xsd:element name="keywords" minOccurs="0" maxOccurs="1" type="xsd:string"/>
-        <xsd:element ref="dc:language" minOccurs="0" maxOccurs="1"/>
-        <xsd:element name="category" minOccurs="0" maxOccurs="1" type="xsd:string"/>
-        <xsd:element name="version" minOccurs="0" maxOccurs="1" type="xsd:string"/>
-        <xsd:element name="revision" minOccurs="0" maxOccurs="1" type="xsd:string">
-          <xsd:annotation>
-            <xsd:documentation>
-                        This value indicates the number of saves or revisions. The application is responsible for updating this value after each revision.
-                    </xsd:documentation>
-          </xsd:annotation>
-        </xsd:element>
-        <xsd:element name="lastModifiedBy" minOccurs="0" maxOccurs="1" type="xsd:string"/>
-        <xsd:element ref="dcterms:modified" minOccurs="0" maxOccurs="1"/>
-        <xsd:element name="contentStatus" minOccurs="0" maxOccurs="1" type="xsd:string"/>
-      </xsd:all>
-    </xsd:complexType>
-  </xsd:schema>
-  <xs:schema xmlns:pc="http://schemas.microsoft.com/office/infopath/2007/PartnerControls" xmlns:xs="http://www.w3.org/2001/XMLSchema" targetNamespace="http://schemas.microsoft.com/office/infopath/2007/PartnerControls" elementFormDefault="qualified" attributeFormDefault="unqualified">
-    <xs:element name="Person">
-      <xs:complexType>
-        <xs:sequence>
-          <xs:element ref="pc:DisplayName" minOccurs="0"/>
-          <xs:element ref="pc:AccountId" minOccurs="0"/>
-          <xs:element ref="pc:AccountType" minOccurs="0"/>
-        </xs:sequence>
-      </xs:complexType>
-    </xs:element>
-    <xs:element name="DisplayName" type="xs:string"/>
-    <xs:element name="AccountId" type="xs:string"/>
-    <xs:element name="AccountType" type="xs:string"/>
-    <xs:element name="BDCAssociatedEntity">
-      <xs:complexType>
-        <xs:sequence>
-          <xs:element ref="pc:BDCEntity" minOccurs="0" maxOccurs="unbounded"/>
-        </xs:sequence>
-        <xs:attribute ref="pc:EntityNamespace"/>
-        <xs:attribute ref="pc:EntityName"/>
-        <xs:attribute ref="pc:SystemInstanceName"/>
-        <xs:attribute ref="pc:AssociationName"/>
-      </xs:complexType>
-    </xs:element>
-    <xs:attribute name="EntityNamespace" type="xs:string"/>
-    <xs:attribute name="EntityName" type="xs:string"/>
-    <xs:attribute name="SystemInstanceName" type="xs:string"/>
-    <xs:attribute name="AssociationName" type="xs:string"/>
-    <xs:element name="BDCEntity">
-      <xs:complexType>
-        <xs:sequence>
-          <xs:element ref="pc:EntityDisplayName" minOccurs="0"/>
-          <xs:element ref="pc:EntityInstanceReference" minOccurs="0"/>
-          <xs:element ref="pc:EntityId1" minOccurs="0"/>
-          <xs:element ref="pc:EntityId2" minOccurs="0"/>
-          <xs:element ref="pc:EntityId3" minOccurs="0"/>
-          <xs:element ref="pc:EntityId4" minOccurs="0"/>
-          <xs:element ref="pc:EntityId5" minOccurs="0"/>
-        </xs:sequence>
-      </xs:complexType>
-    </xs:element>
-    <xs:element name="EntityDisplayName" type="xs:string"/>
-    <xs:element name="EntityInstanceReference" type="xs:string"/>
-    <xs:element name="EntityId1" type="xs:string"/>
-    <xs:element name="EntityId2" type="xs:string"/>
-    <xs:element name="EntityId3" type="xs:string"/>
-    <xs:element name="EntityId4" type="xs:string"/>
-    <xs:element name="EntityId5" type="xs:string"/>
-    <xs:element name="Terms">
-      <xs:complexType>
-        <xs:sequence>
-          <xs:element ref="pc:TermInfo" minOccurs="0" maxOccurs="unbounded"/>
-        </xs:sequence>
-      </xs:complexType>
-    </xs:element>
-    <xs:element name="TermInfo">
-      <xs:complexType>
-        <xs:sequence>
-          <xs:element ref="pc:TermName" minOccurs="0"/>
-          <xs:element ref="pc:TermId" minOccurs="0"/>
-        </xs:sequence>
-      </xs:complexType>
-    </xs:element>
-    <xs:element name="TermName" type="xs:string"/>
-    <xs:element name="TermId" type="xs:string"/>
-  </xs:schema>
-</ct:contentTypeSchema>
-</file>
-
-<file path=customXml/item2.xml><?xml version="1.0" encoding="utf-8"?>
-<p:properties xmlns:p="http://schemas.microsoft.com/office/2006/metadata/properties" xmlns:xsi="http://www.w3.org/2001/XMLSchema-instance" xmlns:pc="http://schemas.microsoft.com/office/infopath/2007/PartnerControls">
-  <documentManagement/>
-</p:properties>
-</file>
-
-<file path=customXml/item3.xml><?xml version="1.0" encoding="utf-8"?>
-<?mso-contentType ?>
-<FormTemplates xmlns="http://schemas.microsoft.com/sharepoint/v3/contenttype/forms">
-  <Display>DocumentLibraryForm</Display>
-  <Edit>DocumentLibraryForm</Edit>
-  <New>DocumentLibraryForm</New>
-</FormTemplates>
-</file>
-
-<file path=customXml/itemProps1.xml><?xml version="1.0" encoding="utf-8"?>
-<ds:datastoreItem xmlns:ds="http://schemas.openxmlformats.org/officeDocument/2006/customXml" ds:itemID="{E0DB8BDF-6DA8-4ABC-A3CA-043AFD674CFC}">
-  <ds:schemaRefs>
-    <ds:schemaRef ds:uri="6c8368ec-3776-49b5-a5bb-90648cf9530f"/>
-    <ds:schemaRef ds:uri="8a053bff-88be-49e4-9a87-e748e18b8b62"/>
-    <ds:schemaRef ds:uri="http://purl.org/dc/elements/1.1/"/>
-    <ds:schemaRef ds:uri="http://purl.org/dc/terms/"/>
-    <ds:schemaRef ds:uri="http://schemas.microsoft.com/internal/obd"/>
-    <ds:schemaRef ds:uri="http://schemas.microsoft.com/office/2006/documentManagement/types"/>
-    <ds:schemaRef ds:uri="http://schemas.microsoft.com/office/2006/metadata/contentType"/>
-    <ds:schemaRef ds:uri="http://schemas.microsoft.com/office/2006/metadata/properties"/>
-    <ds:schemaRef ds:uri="http://schemas.microsoft.com/office/2006/metadata/properties/metaAttributes"/>
-    <ds:schemaRef ds:uri="http://schemas.microsoft.com/office/infopath/2007/PartnerControls"/>
-    <ds:schemaRef ds:uri="http://schemas.openxmlformats.org/package/2006/metadata/core-properties"/>
-    <ds:schemaRef ds:uri="http://www.w3.org/2001/XMLSchema"/>
-  </ds:schemaRefs>
-</ds:datastoreItem>
-</file>
-
-<file path=customXml/itemProps2.xml><?xml version="1.0" encoding="utf-8"?>
-<ds:datastoreItem xmlns:ds="http://schemas.openxmlformats.org/officeDocument/2006/customXml" ds:itemID="{10FC3CAF-E6F1-40E3-87D4-6B781C97D6B4}">
-  <ds:schemaRefs>
-    <ds:schemaRef ds:uri="http://schemas.microsoft.com/office/2006/metadata/properties"/>
-    <ds:schemaRef ds:uri="http://schemas.microsoft.com/office/infopath/2007/PartnerControls"/>
-  </ds:schemaRefs>
-</ds:datastoreItem>
-</file>
-
-<file path=customXml/itemProps3.xml><?xml version="1.0" encoding="utf-8"?>
-<ds:datastoreItem xmlns:ds="http://schemas.openxmlformats.org/officeDocument/2006/customXml" ds:itemID="{95AE3B0B-E909-400C-B0B3-909FB50E07DE}">
-  <ds:schemaRefs>
-    <ds:schemaRef ds:uri="http://schemas.microsoft.com/sharepoint/v3/contenttype/forms"/>
-  </ds:schemaRefs>
-</ds:datastoreItem>
 </file>
--- a/help/data-sheets/assets/BusinessSupportDatasheet.pptx
+++ b/help/data-sheets/assets/BusinessSupportDatasheet.pptx
@@ -2,15 +2,15 @@
 <file path=ppt/presentation.xml><?xml version="1.0" encoding="utf-8"?>
 <p:presentation xmlns:a="http://schemas.openxmlformats.org/drawingml/2006/main" xmlns:r="http://schemas.openxmlformats.org/officeDocument/2006/relationships" xmlns:p="http://schemas.openxmlformats.org/presentationml/2006/main">
   <p:sldMasterIdLst>
-    <p:sldMasterId id="2147483648" r:id="rId1"/>
+    <p:sldMasterId id="2147483648" r:id="rId4"/>
   </p:sldMasterIdLst>
   <p:notesMasterIdLst>
-    <p:notesMasterId r:id="rId5"/>
+    <p:notesMasterId r:id="rId8"/>
   </p:notesMasterIdLst>
   <p:sldIdLst>
-    <p:sldId id="256" r:id="rId2"/>
-    <p:sldId id="257" r:id="rId3"/>
-    <p:sldId id="261" r:id="rId4"/>
+    <p:sldId id="256" r:id="rId5"/>
+    <p:sldId id="257" r:id="rId6"/>
+    <p:sldId id="261" r:id="rId7"/>
   </p:sldIdLst>
   <p:sldSz cx="7772400" cy="10058400"/>
   <p:notesSz cx="7772400" cy="10058400"/>
@@ -117,7 +117,7 @@
             <a:srgbClr val="A4A3A4"/>
           </p15:clr>
         </p15:guide>
-        <p15:guide id="2" pos="2147">
+        <p15:guide id="2" pos="2160">
           <p15:clr>
             <a:srgbClr val="A4A3A4"/>
           </p15:clr>
@@ -130,8 +130,291 @@
 
 <file path=ppt/commentAuthors.xml><?xml version="1.0" encoding="utf-8"?>
 <p:cmAuthorLst xmlns:a="http://schemas.openxmlformats.org/drawingml/2006/main" xmlns:r="http://schemas.openxmlformats.org/officeDocument/2006/relationships" xmlns:p="http://schemas.openxmlformats.org/presentationml/2006/main">
-  <p:cmAuthor id="1" name="Ankita Sood" initials="AS" lastIdx="2" clrIdx="0"/>
+  <p:cmAuthor id="1" name="Ankita Sood" initials="AS" lastIdx="2" clrIdx="0">
+    <p:extLst>
+      <p:ext uri="{19B8F6BF-5375-455C-9EA6-DF929625EA0E}">
+        <p15:presenceInfo xmlns:p15="http://schemas.microsoft.com/office/powerpoint/2012/main" userId="S::asood@adobe.com::c93a62e3-2a47-429d-82c6-c2a8fd110ae7" providerId="AD"/>
+      </p:ext>
+    </p:extLst>
+  </p:cmAuthor>
 </p:cmAuthorLst>
+</file>
+
+<file path=ppt/revisionInfo.xml><?xml version="1.0" encoding="utf-8"?>
+<p1510:revInfo xmlns:a="http://schemas.openxmlformats.org/drawingml/2006/main" xmlns:r="http://schemas.openxmlformats.org/officeDocument/2006/relationships" xmlns:p1510="http://schemas.microsoft.com/office/powerpoint/2015/10/main">
+  <p1510:revLst>
+    <p1510:client id="{61630BD6-9AE9-064C-B39F-AFA945B82B3E}" v="202" dt="2021-10-13T19:21:08.267"/>
+    <p1510:client id="{AC30C20D-1316-8ECC-DADD-39CCEC6A7FCF}" v="9" dt="2021-10-13T19:03:35.035"/>
+  </p1510:revLst>
+</p1510:revInfo>
+</file>
+
+<file path=ppt/changesInfos/changesInfo1.xml><?xml version="1.0" encoding="utf-8"?>
+<pc:chgInfo xmlns:a="http://schemas.openxmlformats.org/drawingml/2006/main" xmlns:r="http://schemas.openxmlformats.org/officeDocument/2006/relationships" xmlns:ac="http://schemas.microsoft.com/office/drawing/2013/main/command" xmlns:pc="http://schemas.microsoft.com/office/powerpoint/2013/main/command">
+  <pc:docChgLst>
+    <pc:chgData name="Akilah Johnson" userId="S::akjohnso@adobe.com::2fa3aa60-0c9c-4d06-bae2-795983241227" providerId="AD" clId="Web-{4D8E0410-E0CE-85E2-0F84-C1BF4F647622}"/>
+    <pc:docChg chg="modSld">
+      <pc:chgData name="Akilah Johnson" userId="S::akjohnso@adobe.com::2fa3aa60-0c9c-4d06-bae2-795983241227" providerId="AD" clId="Web-{4D8E0410-E0CE-85E2-0F84-C1BF4F647622}" dt="2021-09-22T22:57:04.802" v="5"/>
+      <pc:docMkLst>
+        <pc:docMk/>
+      </pc:docMkLst>
+      <pc:sldChg chg="modSp">
+        <pc:chgData name="Akilah Johnson" userId="S::akjohnso@adobe.com::2fa3aa60-0c9c-4d06-bae2-795983241227" providerId="AD" clId="Web-{4D8E0410-E0CE-85E2-0F84-C1BF4F647622}" dt="2021-09-22T22:57:04.802" v="5"/>
+        <pc:sldMkLst>
+          <pc:docMk/>
+          <pc:sldMk cId="1050037809" sldId="261"/>
+        </pc:sldMkLst>
+        <pc:graphicFrameChg chg="mod modGraphic">
+          <ac:chgData name="Akilah Johnson" userId="S::akjohnso@adobe.com::2fa3aa60-0c9c-4d06-bae2-795983241227" providerId="AD" clId="Web-{4D8E0410-E0CE-85E2-0F84-C1BF4F647622}" dt="2021-09-22T22:57:04.802" v="5"/>
+          <ac:graphicFrameMkLst>
+            <pc:docMk/>
+            <pc:sldMk cId="1050037809" sldId="261"/>
+            <ac:graphicFrameMk id="25" creationId="{3A91F5B0-3974-A14D-A146-FB590F2AAD18}"/>
+          </ac:graphicFrameMkLst>
+        </pc:graphicFrameChg>
+      </pc:sldChg>
+    </pc:docChg>
+  </pc:docChgLst>
+  <pc:docChgLst>
+    <pc:chgData name="Akilah Johnson" userId="S::akjohnso@adobe.com::2fa3aa60-0c9c-4d06-bae2-795983241227" providerId="AD" clId="Web-{019F6A09-DCDA-BB53-9E3C-5BA3B13E26BB}"/>
+    <pc:docChg chg="modSld">
+      <pc:chgData name="Akilah Johnson" userId="S::akjohnso@adobe.com::2fa3aa60-0c9c-4d06-bae2-795983241227" providerId="AD" clId="Web-{019F6A09-DCDA-BB53-9E3C-5BA3B13E26BB}" dt="2021-10-12T17:10:36.752" v="17" actId="20577"/>
+      <pc:docMkLst>
+        <pc:docMk/>
+      </pc:docMkLst>
+      <pc:sldChg chg="modSp">
+        <pc:chgData name="Akilah Johnson" userId="S::akjohnso@adobe.com::2fa3aa60-0c9c-4d06-bae2-795983241227" providerId="AD" clId="Web-{019F6A09-DCDA-BB53-9E3C-5BA3B13E26BB}" dt="2021-10-12T17:09:32.112" v="2" actId="20577"/>
+        <pc:sldMkLst>
+          <pc:docMk/>
+          <pc:sldMk cId="0" sldId="257"/>
+        </pc:sldMkLst>
+        <pc:spChg chg="mod">
+          <ac:chgData name="Akilah Johnson" userId="S::akjohnso@adobe.com::2fa3aa60-0c9c-4d06-bae2-795983241227" providerId="AD" clId="Web-{019F6A09-DCDA-BB53-9E3C-5BA3B13E26BB}" dt="2021-10-12T17:09:32.112" v="2" actId="20577"/>
+          <ac:spMkLst>
+            <pc:docMk/>
+            <pc:sldMk cId="0" sldId="257"/>
+            <ac:spMk id="46" creationId="{00000000-0000-0000-0000-000000000000}"/>
+          </ac:spMkLst>
+        </pc:spChg>
+      </pc:sldChg>
+      <pc:sldChg chg="modSp">
+        <pc:chgData name="Akilah Johnson" userId="S::akjohnso@adobe.com::2fa3aa60-0c9c-4d06-bae2-795983241227" providerId="AD" clId="Web-{019F6A09-DCDA-BB53-9E3C-5BA3B13E26BB}" dt="2021-10-12T17:10:36.752" v="17" actId="20577"/>
+        <pc:sldMkLst>
+          <pc:docMk/>
+          <pc:sldMk cId="1050037809" sldId="261"/>
+        </pc:sldMkLst>
+        <pc:spChg chg="mod">
+          <ac:chgData name="Akilah Johnson" userId="S::akjohnso@adobe.com::2fa3aa60-0c9c-4d06-bae2-795983241227" providerId="AD" clId="Web-{019F6A09-DCDA-BB53-9E3C-5BA3B13E26BB}" dt="2021-10-12T17:10:36.752" v="17" actId="20577"/>
+          <ac:spMkLst>
+            <pc:docMk/>
+            <pc:sldMk cId="1050037809" sldId="261"/>
+            <ac:spMk id="56" creationId="{00000000-0000-0000-0000-000000000000}"/>
+          </ac:spMkLst>
+        </pc:spChg>
+        <pc:graphicFrameChg chg="mod modGraphic">
+          <ac:chgData name="Akilah Johnson" userId="S::akjohnso@adobe.com::2fa3aa60-0c9c-4d06-bae2-795983241227" providerId="AD" clId="Web-{019F6A09-DCDA-BB53-9E3C-5BA3B13E26BB}" dt="2021-10-12T17:09:41.471" v="6"/>
+          <ac:graphicFrameMkLst>
+            <pc:docMk/>
+            <pc:sldMk cId="1050037809" sldId="261"/>
+            <ac:graphicFrameMk id="111" creationId="{D8653CEC-4213-DE40-9BAF-D1E3318FF89C}"/>
+          </ac:graphicFrameMkLst>
+        </pc:graphicFrameChg>
+      </pc:sldChg>
+    </pc:docChg>
+  </pc:docChgLst>
+  <pc:docChgLst>
+    <pc:chgData name="Andy Witt" userId="S::awitt@adobe.com::e9157bdf-53b2-40e4-9459-936793d75696" providerId="AD" clId="Web-{06B13378-B080-7F0F-51A5-F9203CEE57ED}"/>
+    <pc:docChg chg="modSld">
+      <pc:chgData name="Andy Witt" userId="S::awitt@adobe.com::e9157bdf-53b2-40e4-9459-936793d75696" providerId="AD" clId="Web-{06B13378-B080-7F0F-51A5-F9203CEE57ED}" dt="2021-08-25T22:25:13.647" v="363"/>
+      <pc:docMkLst>
+        <pc:docMk/>
+      </pc:docMkLst>
+      <pc:sldChg chg="modSp">
+        <pc:chgData name="Andy Witt" userId="S::awitt@adobe.com::e9157bdf-53b2-40e4-9459-936793d75696" providerId="AD" clId="Web-{06B13378-B080-7F0F-51A5-F9203CEE57ED}" dt="2021-08-25T22:25:13.647" v="363"/>
+        <pc:sldMkLst>
+          <pc:docMk/>
+          <pc:sldMk cId="1050037809" sldId="261"/>
+        </pc:sldMkLst>
+        <pc:graphicFrameChg chg="mod modGraphic">
+          <ac:chgData name="Andy Witt" userId="S::awitt@adobe.com::e9157bdf-53b2-40e4-9459-936793d75696" providerId="AD" clId="Web-{06B13378-B080-7F0F-51A5-F9203CEE57ED}" dt="2021-08-25T22:25:13.647" v="363"/>
+          <ac:graphicFrameMkLst>
+            <pc:docMk/>
+            <pc:sldMk cId="1050037809" sldId="261"/>
+            <ac:graphicFrameMk id="25" creationId="{3A91F5B0-3974-A14D-A146-FB590F2AAD18}"/>
+          </ac:graphicFrameMkLst>
+        </pc:graphicFrameChg>
+      </pc:sldChg>
+    </pc:docChg>
+  </pc:docChgLst>
+  <pc:docChgLst>
+    <pc:chgData name="Akilah Johnson" userId="S::akjohnso@adobe.com::2fa3aa60-0c9c-4d06-bae2-795983241227" providerId="AD" clId="Web-{71D6CFBF-0EA2-99B0-93F4-22F19EF0AE4E}"/>
+    <pc:docChg chg="modSld">
+      <pc:chgData name="Akilah Johnson" userId="S::akjohnso@adobe.com::2fa3aa60-0c9c-4d06-bae2-795983241227" providerId="AD" clId="Web-{71D6CFBF-0EA2-99B0-93F4-22F19EF0AE4E}" dt="2021-09-22T19:06:58.732" v="1" actId="1076"/>
+      <pc:docMkLst>
+        <pc:docMk/>
+      </pc:docMkLst>
+      <pc:sldChg chg="modSp">
+        <pc:chgData name="Akilah Johnson" userId="S::akjohnso@adobe.com::2fa3aa60-0c9c-4d06-bae2-795983241227" providerId="AD" clId="Web-{71D6CFBF-0EA2-99B0-93F4-22F19EF0AE4E}" dt="2021-09-22T19:06:58.732" v="1" actId="1076"/>
+        <pc:sldMkLst>
+          <pc:docMk/>
+          <pc:sldMk cId="1050037809" sldId="261"/>
+        </pc:sldMkLst>
+        <pc:spChg chg="mod">
+          <ac:chgData name="Akilah Johnson" userId="S::akjohnso@adobe.com::2fa3aa60-0c9c-4d06-bae2-795983241227" providerId="AD" clId="Web-{71D6CFBF-0EA2-99B0-93F4-22F19EF0AE4E}" dt="2021-09-22T19:06:58.732" v="1" actId="1076"/>
+          <ac:spMkLst>
+            <pc:docMk/>
+            <pc:sldMk cId="1050037809" sldId="261"/>
+            <ac:spMk id="64" creationId="{41467BDC-3D83-D844-B922-CD07E94E5AAB}"/>
+          </ac:spMkLst>
+        </pc:spChg>
+      </pc:sldChg>
+    </pc:docChg>
+  </pc:docChgLst>
+  <pc:docChgLst>
+    <pc:chgData name="Akilah Johnson" userId="S::akjohnso@adobe.com::2fa3aa60-0c9c-4d06-bae2-795983241227" providerId="AD" clId="Web-{D428A0AE-54E2-30D2-C574-7A0742876CCF}"/>
+    <pc:docChg chg="modSld">
+      <pc:chgData name="Akilah Johnson" userId="S::akjohnso@adobe.com::2fa3aa60-0c9c-4d06-bae2-795983241227" providerId="AD" clId="Web-{D428A0AE-54E2-30D2-C574-7A0742876CCF}" dt="2021-10-12T19:11:25.330" v="0" actId="20577"/>
+      <pc:docMkLst>
+        <pc:docMk/>
+      </pc:docMkLst>
+      <pc:sldChg chg="modSp">
+        <pc:chgData name="Akilah Johnson" userId="S::akjohnso@adobe.com::2fa3aa60-0c9c-4d06-bae2-795983241227" providerId="AD" clId="Web-{D428A0AE-54E2-30D2-C574-7A0742876CCF}" dt="2021-10-12T19:11:25.330" v="0" actId="20577"/>
+        <pc:sldMkLst>
+          <pc:docMk/>
+          <pc:sldMk cId="0" sldId="256"/>
+        </pc:sldMkLst>
+        <pc:spChg chg="mod">
+          <ac:chgData name="Akilah Johnson" userId="S::akjohnso@adobe.com::2fa3aa60-0c9c-4d06-bae2-795983241227" providerId="AD" clId="Web-{D428A0AE-54E2-30D2-C574-7A0742876CCF}" dt="2021-10-12T19:11:25.330" v="0" actId="20577"/>
+          <ac:spMkLst>
+            <pc:docMk/>
+            <pc:sldMk cId="0" sldId="256"/>
+            <ac:spMk id="4" creationId="{00000000-0000-0000-0000-000000000000}"/>
+          </ac:spMkLst>
+        </pc:spChg>
+      </pc:sldChg>
+    </pc:docChg>
+  </pc:docChgLst>
+  <pc:docChgLst>
+    <pc:chgData name="Lauren Schutte" userId="S::schutte@adobe.com::6e08b2d3-447a-4d66-86be-444d50df187f" providerId="AD" clId="Web-{AC30C20D-1316-8ECC-DADD-39CCEC6A7FCF}"/>
+    <pc:docChg chg="modSld">
+      <pc:chgData name="Lauren Schutte" userId="S::schutte@adobe.com::6e08b2d3-447a-4d66-86be-444d50df187f" providerId="AD" clId="Web-{AC30C20D-1316-8ECC-DADD-39CCEC6A7FCF}" dt="2021-10-13T19:03:35.035" v="8" actId="1076"/>
+      <pc:docMkLst>
+        <pc:docMk/>
+      </pc:docMkLst>
+      <pc:sldChg chg="modSp">
+        <pc:chgData name="Lauren Schutte" userId="S::schutte@adobe.com::6e08b2d3-447a-4d66-86be-444d50df187f" providerId="AD" clId="Web-{AC30C20D-1316-8ECC-DADD-39CCEC6A7FCF}" dt="2021-10-13T19:03:35.035" v="8" actId="1076"/>
+        <pc:sldMkLst>
+          <pc:docMk/>
+          <pc:sldMk cId="0" sldId="256"/>
+        </pc:sldMkLst>
+        <pc:spChg chg="mod">
+          <ac:chgData name="Lauren Schutte" userId="S::schutte@adobe.com::6e08b2d3-447a-4d66-86be-444d50df187f" providerId="AD" clId="Web-{AC30C20D-1316-8ECC-DADD-39CCEC6A7FCF}" dt="2021-10-13T19:03:27.878" v="7" actId="14100"/>
+          <ac:spMkLst>
+            <pc:docMk/>
+            <pc:sldMk cId="0" sldId="256"/>
+            <ac:spMk id="3" creationId="{00000000-0000-0000-0000-000000000000}"/>
+          </ac:spMkLst>
+        </pc:spChg>
+        <pc:spChg chg="mod">
+          <ac:chgData name="Lauren Schutte" userId="S::schutte@adobe.com::6e08b2d3-447a-4d66-86be-444d50df187f" providerId="AD" clId="Web-{AC30C20D-1316-8ECC-DADD-39CCEC6A7FCF}" dt="2021-10-13T19:03:35.035" v="8" actId="1076"/>
+          <ac:spMkLst>
+            <pc:docMk/>
+            <pc:sldMk cId="0" sldId="256"/>
+            <ac:spMk id="5" creationId="{00000000-0000-0000-0000-000000000000}"/>
+          </ac:spMkLst>
+        </pc:spChg>
+      </pc:sldChg>
+    </pc:docChg>
+  </pc:docChgLst>
+  <pc:docChgLst>
+    <pc:chgData name="Akilah Johnson" userId="S::akjohnso@adobe.com::2fa3aa60-0c9c-4d06-bae2-795983241227" providerId="AD" clId="Web-{AFB92C2B-405E-C597-0988-18F97C53104C}"/>
+    <pc:docChg chg="modSld">
+      <pc:chgData name="Akilah Johnson" userId="S::akjohnso@adobe.com::2fa3aa60-0c9c-4d06-bae2-795983241227" providerId="AD" clId="Web-{AFB92C2B-405E-C597-0988-18F97C53104C}" dt="2021-09-22T18:53:26.184" v="29"/>
+      <pc:docMkLst>
+        <pc:docMk/>
+      </pc:docMkLst>
+      <pc:sldChg chg="modSp">
+        <pc:chgData name="Akilah Johnson" userId="S::akjohnso@adobe.com::2fa3aa60-0c9c-4d06-bae2-795983241227" providerId="AD" clId="Web-{AFB92C2B-405E-C597-0988-18F97C53104C}" dt="2021-09-22T18:53:26.184" v="29"/>
+        <pc:sldMkLst>
+          <pc:docMk/>
+          <pc:sldMk cId="1050037809" sldId="261"/>
+        </pc:sldMkLst>
+        <pc:spChg chg="mod">
+          <ac:chgData name="Akilah Johnson" userId="S::akjohnso@adobe.com::2fa3aa60-0c9c-4d06-bae2-795983241227" providerId="AD" clId="Web-{AFB92C2B-405E-C597-0988-18F97C53104C}" dt="2021-09-22T18:53:05.841" v="5" actId="20577"/>
+          <ac:spMkLst>
+            <pc:docMk/>
+            <pc:sldMk cId="1050037809" sldId="261"/>
+            <ac:spMk id="64" creationId="{41467BDC-3D83-D844-B922-CD07E94E5AAB}"/>
+          </ac:spMkLst>
+        </pc:spChg>
+        <pc:graphicFrameChg chg="mod modGraphic">
+          <ac:chgData name="Akilah Johnson" userId="S::akjohnso@adobe.com::2fa3aa60-0c9c-4d06-bae2-795983241227" providerId="AD" clId="Web-{AFB92C2B-405E-C597-0988-18F97C53104C}" dt="2021-09-22T18:53:26.184" v="29"/>
+          <ac:graphicFrameMkLst>
+            <pc:docMk/>
+            <pc:sldMk cId="1050037809" sldId="261"/>
+            <ac:graphicFrameMk id="25" creationId="{3A91F5B0-3974-A14D-A146-FB590F2AAD18}"/>
+          </ac:graphicFrameMkLst>
+        </pc:graphicFrameChg>
+      </pc:sldChg>
+    </pc:docChg>
+  </pc:docChgLst>
+  <pc:docChgLst>
+    <pc:chgData name="Lauren Schutte" userId="6e08b2d3-447a-4d66-86be-444d50df187f" providerId="ADAL" clId="{61630BD6-9AE9-064C-B39F-AFA945B82B3E}"/>
+    <pc:docChg chg="undo custSel modSld">
+      <pc:chgData name="Lauren Schutte" userId="6e08b2d3-447a-4d66-86be-444d50df187f" providerId="ADAL" clId="{61630BD6-9AE9-064C-B39F-AFA945B82B3E}" dt="2021-10-13T19:21:08.267" v="201" actId="20577"/>
+      <pc:docMkLst>
+        <pc:docMk/>
+      </pc:docMkLst>
+      <pc:sldChg chg="modSp mod">
+        <pc:chgData name="Lauren Schutte" userId="6e08b2d3-447a-4d66-86be-444d50df187f" providerId="ADAL" clId="{61630BD6-9AE9-064C-B39F-AFA945B82B3E}" dt="2021-10-13T19:21:08.267" v="201" actId="20577"/>
+        <pc:sldMkLst>
+          <pc:docMk/>
+          <pc:sldMk cId="0" sldId="256"/>
+        </pc:sldMkLst>
+        <pc:spChg chg="mod">
+          <ac:chgData name="Lauren Schutte" userId="6e08b2d3-447a-4d66-86be-444d50df187f" providerId="ADAL" clId="{61630BD6-9AE9-064C-B39F-AFA945B82B3E}" dt="2021-10-13T19:03:44.344" v="3" actId="1076"/>
+          <ac:spMkLst>
+            <pc:docMk/>
+            <pc:sldMk cId="0" sldId="256"/>
+            <ac:spMk id="3" creationId="{00000000-0000-0000-0000-000000000000}"/>
+          </ac:spMkLst>
+        </pc:spChg>
+        <pc:graphicFrameChg chg="mod modGraphic">
+          <ac:chgData name="Lauren Schutte" userId="6e08b2d3-447a-4d66-86be-444d50df187f" providerId="ADAL" clId="{61630BD6-9AE9-064C-B39F-AFA945B82B3E}" dt="2021-10-13T19:21:08.267" v="201" actId="20577"/>
+          <ac:graphicFrameMkLst>
+            <pc:docMk/>
+            <pc:sldMk cId="0" sldId="256"/>
+            <ac:graphicFrameMk id="9" creationId="{00000000-0000-0000-0000-000000000000}"/>
+          </ac:graphicFrameMkLst>
+        </pc:graphicFrameChg>
+      </pc:sldChg>
+    </pc:docChg>
+  </pc:docChgLst>
+  <pc:docChgLst>
+    <pc:chgData name="Andy Witt" userId="S::awitt@adobe.com::e9157bdf-53b2-40e4-9459-936793d75696" providerId="AD" clId="Web-{CA5D33DF-AE75-BCA1-B9BC-A7CD44D2F3C7}"/>
+    <pc:docChg chg="modSld">
+      <pc:chgData name="Andy Witt" userId="S::awitt@adobe.com::e9157bdf-53b2-40e4-9459-936793d75696" providerId="AD" clId="Web-{CA5D33DF-AE75-BCA1-B9BC-A7CD44D2F3C7}" dt="2021-08-25T22:38:18.624" v="1" actId="1076"/>
+      <pc:docMkLst>
+        <pc:docMk/>
+      </pc:docMkLst>
+      <pc:sldChg chg="modSp">
+        <pc:chgData name="Andy Witt" userId="S::awitt@adobe.com::e9157bdf-53b2-40e4-9459-936793d75696" providerId="AD" clId="Web-{CA5D33DF-AE75-BCA1-B9BC-A7CD44D2F3C7}" dt="2021-08-25T22:38:18.624" v="1" actId="1076"/>
+        <pc:sldMkLst>
+          <pc:docMk/>
+          <pc:sldMk cId="1050037809" sldId="261"/>
+        </pc:sldMkLst>
+        <pc:spChg chg="mod">
+          <ac:chgData name="Andy Witt" userId="S::awitt@adobe.com::e9157bdf-53b2-40e4-9459-936793d75696" providerId="AD" clId="Web-{CA5D33DF-AE75-BCA1-B9BC-A7CD44D2F3C7}" dt="2021-08-25T22:38:18.624" v="1" actId="1076"/>
+          <ac:spMkLst>
+            <pc:docMk/>
+            <pc:sldMk cId="1050037809" sldId="261"/>
+            <ac:spMk id="50" creationId="{043050D0-21FC-0C42-8484-7FE7C0DB771F}"/>
+          </ac:spMkLst>
+        </pc:spChg>
+      </pc:sldChg>
+    </pc:docChg>
+  </pc:docChgLst>
+</pc:chgInfo>
 </file>
 
 <file path=ppt/notesMasters/notesMaster1.xml><?xml version="1.0" encoding="utf-8"?>
@@ -216,7 +499,7 @@
           <a:p>
             <a:fld id="{FB81873C-0B24-F04A-98A1-90E0A78F7E8A}" type="datetimeFigureOut">
               <a:rPr lang="en-US" smtClean="0"/>
-              <a:t>10/11/21</a:t>
+              <a:t>10/13/2021</a:t>
             </a:fld>
             <a:endParaRPr lang="en-US"/>
           </a:p>
@@ -381,6 +664,11 @@
         </p:txBody>
       </p:sp>
     </p:spTree>
+    <p:extLst>
+      <p:ext uri="{BB962C8B-B14F-4D97-AF65-F5344CB8AC3E}">
+        <p14:creationId xmlns:p14="http://schemas.microsoft.com/office/powerpoint/2010/main" val="4053790623"/>
+      </p:ext>
+    </p:extLst>
   </p:cSld>
   <p:clrMap bg1="lt1" tx1="dk1" bg2="lt2" tx2="dk2" accent1="accent1" accent2="accent2" accent3="accent3" accent4="accent4" accent5="accent5" accent6="accent6" hlink="hlink" folHlink="folHlink"/>
   <p:notesStyle>
@@ -522,7 +810,7 @@
           <a:bodyPr/>
           <a:lstStyle/>
           <a:p>
-            <a:endParaRPr lang="en-US" dirty="0"/>
+            <a:endParaRPr lang="en-US"/>
           </a:p>
         </p:txBody>
       </p:sp>
@@ -550,6 +838,11 @@
         </p:txBody>
       </p:sp>
     </p:spTree>
+    <p:extLst>
+      <p:ext uri="{BB962C8B-B14F-4D97-AF65-F5344CB8AC3E}">
+        <p14:creationId xmlns:p14="http://schemas.microsoft.com/office/powerpoint/2010/main" val="100507355"/>
+      </p:ext>
+    </p:extLst>
   </p:cSld>
   <p:clrMapOvr>
     <a:masterClrMapping/>
@@ -601,7 +894,7 @@
           <a:bodyPr/>
           <a:lstStyle/>
           <a:p>
-            <a:endParaRPr lang="en-US" dirty="0"/>
+            <a:endParaRPr lang="en-US"/>
           </a:p>
         </p:txBody>
       </p:sp>
@@ -629,6 +922,11 @@
         </p:txBody>
       </p:sp>
     </p:spTree>
+    <p:extLst>
+      <p:ext uri="{BB962C8B-B14F-4D97-AF65-F5344CB8AC3E}">
+        <p14:creationId xmlns:p14="http://schemas.microsoft.com/office/powerpoint/2010/main" val="4294358143"/>
+      </p:ext>
+    </p:extLst>
   </p:cSld>
   <p:clrMapOvr>
     <a:masterClrMapping/>
@@ -680,7 +978,7 @@
           <a:bodyPr/>
           <a:lstStyle/>
           <a:p>
-            <a:endParaRPr lang="en-US" dirty="0"/>
+            <a:endParaRPr lang="en-US"/>
           </a:p>
         </p:txBody>
       </p:sp>
@@ -708,6 +1006,11 @@
         </p:txBody>
       </p:sp>
     </p:spTree>
+    <p:extLst>
+      <p:ext uri="{BB962C8B-B14F-4D97-AF65-F5344CB8AC3E}">
+        <p14:creationId xmlns:p14="http://schemas.microsoft.com/office/powerpoint/2010/main" val="3435290369"/>
+      </p:ext>
+    </p:extLst>
   </p:cSld>
   <p:clrMapOvr>
     <a:masterClrMapping/>
@@ -759,8 +1062,8 @@
                 <a:solidFill>
                   <a:schemeClr val="bg1"/>
                 </a:solidFill>
-                <a:latin typeface="Arial" panose="020B0604020202020204"/>
-                <a:cs typeface="Arial" panose="020B0604020202020204"/>
+                <a:latin typeface="Arial"/>
+                <a:cs typeface="Arial"/>
               </a:defRPr>
             </a:lvl1pPr>
           </a:lstStyle>
@@ -819,7 +1122,7 @@
           <a:p>
             <a:fld id="{1D8BD707-D9CF-40AE-B4C6-C98DA3205C09}" type="datetimeFigureOut">
               <a:rPr lang="en-US"/>
-              <a:t>10/11/21</a:t>
+              <a:t>10/13/2021</a:t>
             </a:fld>
             <a:endParaRPr lang="en-US"/>
           </a:p>
@@ -851,7 +1154,6 @@
           </a:lstStyle>
           <a:p>
             <a:fld id="{B6F15528-21DE-4FAA-801E-634DDDAF4B2B}" type="slidenum">
-              <a:rPr/>
               <a:t>‹#›</a:t>
             </a:fld>
             <a:endParaRPr/>
@@ -860,7 +1162,13 @@
       </p:sp>
       <p:sp>
         <p:nvSpPr>
-          <p:cNvPr id="11" name="Holder 4"/>
+          <p:cNvPr id="11" name="Holder 4">
+            <a:extLst>
+              <a:ext uri="{FF2B5EF4-FFF2-40B4-BE49-F238E27FC236}">
+                <a16:creationId xmlns:a16="http://schemas.microsoft.com/office/drawing/2014/main" id="{F336C0EC-C908-0A4C-AD0F-1418E778FC60}"/>
+              </a:ext>
+            </a:extLst>
+          </p:cNvPr>
           <p:cNvSpPr>
             <a:spLocks noGrp="1"/>
           </p:cNvSpPr>
@@ -902,23 +1210,23 @@
               </a:spcBef>
             </a:pPr>
             <a:r>
-              <a:rPr spc="-5" dirty="0"/>
+              <a:rPr spc="-5"/>
               <a:t>©202</a:t>
             </a:r>
             <a:r>
-              <a:rPr lang="en-US" spc="-5" dirty="0"/>
+              <a:rPr lang="en-US" spc="-5"/>
               <a:t>1 </a:t>
             </a:r>
             <a:r>
-              <a:rPr spc="-5" dirty="0"/>
+              <a:rPr spc="-5"/>
               <a:t>Adobe. All Rights Reserved. Adobe</a:t>
             </a:r>
             <a:r>
-              <a:rPr spc="60" dirty="0"/>
+              <a:rPr spc="60"/>
               <a:t> </a:t>
             </a:r>
             <a:r>
-              <a:rPr spc="-5" dirty="0"/>
+              <a:rPr spc="-5"/>
               <a:t>Confidential.</a:t>
             </a:r>
           </a:p>
@@ -926,7 +1234,13 @@
       </p:sp>
       <p:pic>
         <p:nvPicPr>
-          <p:cNvPr id="12" name="Picture 11"/>
+          <p:cNvPr id="12" name="Picture 11">
+            <a:extLst>
+              <a:ext uri="{FF2B5EF4-FFF2-40B4-BE49-F238E27FC236}">
+                <a16:creationId xmlns:a16="http://schemas.microsoft.com/office/drawing/2014/main" id="{4388883E-79D4-2047-8C5E-37999ED2475C}"/>
+              </a:ext>
+            </a:extLst>
+          </p:cNvPr>
           <p:cNvPicPr>
             <a:picLocks noChangeAspect="1"/>
           </p:cNvPicPr>
@@ -1000,7 +1314,7 @@
           <a:p>
             <a:fld id="{1D8BD707-D9CF-40AE-B4C6-C98DA3205C09}" type="datetimeFigureOut">
               <a:rPr lang="en-US"/>
-              <a:t>10/11/21</a:t>
+              <a:t>10/13/2021</a:t>
             </a:fld>
             <a:endParaRPr lang="en-US"/>
           </a:p>
@@ -1032,7 +1346,6 @@
           </a:lstStyle>
           <a:p>
             <a:fld id="{B6F15528-21DE-4FAA-801E-634DDDAF4B2B}" type="slidenum">
-              <a:rPr/>
               <a:t>‹#›</a:t>
             </a:fld>
             <a:endParaRPr/>
@@ -1041,7 +1354,13 @@
       </p:sp>
       <p:sp>
         <p:nvSpPr>
-          <p:cNvPr id="7" name="Holder 4"/>
+          <p:cNvPr id="7" name="Holder 4">
+            <a:extLst>
+              <a:ext uri="{FF2B5EF4-FFF2-40B4-BE49-F238E27FC236}">
+                <a16:creationId xmlns:a16="http://schemas.microsoft.com/office/drawing/2014/main" id="{004A8D36-CC65-B341-9E43-4A47F88C0D96}"/>
+              </a:ext>
+            </a:extLst>
+          </p:cNvPr>
           <p:cNvSpPr>
             <a:spLocks noGrp="1"/>
           </p:cNvSpPr>
@@ -1083,23 +1402,23 @@
               </a:spcBef>
             </a:pPr>
             <a:r>
-              <a:rPr spc="-5" dirty="0"/>
+              <a:rPr spc="-5"/>
               <a:t>©202</a:t>
             </a:r>
             <a:r>
-              <a:rPr lang="en-US" spc="-5" dirty="0"/>
+              <a:rPr lang="en-US" spc="-5"/>
               <a:t>1</a:t>
             </a:r>
             <a:r>
-              <a:rPr spc="-5" dirty="0"/>
+              <a:rPr spc="-5"/>
               <a:t> Adobe. All Rights Reserved. Adobe</a:t>
             </a:r>
             <a:r>
-              <a:rPr spc="60" dirty="0"/>
+              <a:rPr spc="60"/>
               <a:t> </a:t>
             </a:r>
             <a:r>
-              <a:rPr spc="-5" dirty="0"/>
+              <a:rPr spc="-5"/>
               <a:t>Confidential.</a:t>
             </a:r>
           </a:p>
@@ -1167,8 +1486,8 @@
                 <a:solidFill>
                   <a:schemeClr val="bg1"/>
                 </a:solidFill>
-                <a:latin typeface="Arial" panose="020B0604020202020204"/>
-                <a:cs typeface="Arial" panose="020B0604020202020204"/>
+                <a:latin typeface="Arial"/>
+                <a:cs typeface="Arial"/>
               </a:defRPr>
             </a:lvl1pPr>
           </a:lstStyle>
@@ -1254,23 +1573,23 @@
               </a:spcBef>
             </a:pPr>
             <a:r>
-              <a:rPr spc="-5" dirty="0"/>
+              <a:rPr spc="-5"/>
               <a:t>©202</a:t>
             </a:r>
             <a:r>
-              <a:rPr lang="en-US" spc="-5" dirty="0"/>
+              <a:rPr lang="en-US" spc="-5"/>
               <a:t>1</a:t>
             </a:r>
             <a:r>
-              <a:rPr spc="-5" dirty="0"/>
+              <a:rPr spc="-5"/>
               <a:t> Adobe. All Rights Reserved. Adobe</a:t>
             </a:r>
             <a:r>
-              <a:rPr spc="60" dirty="0"/>
+              <a:rPr spc="60"/>
               <a:t> </a:t>
             </a:r>
             <a:r>
-              <a:rPr spc="-5" dirty="0"/>
+              <a:rPr spc="-5"/>
               <a:t>Confidential.</a:t>
             </a:r>
           </a:p>
@@ -1313,7 +1632,7 @@
           <a:p>
             <a:fld id="{1D8BD707-D9CF-40AE-B4C6-C98DA3205C09}" type="datetimeFigureOut">
               <a:rPr lang="en-US"/>
-              <a:t>10/11/21</a:t>
+              <a:t>10/13/2021</a:t>
             </a:fld>
             <a:endParaRPr lang="en-US"/>
           </a:p>
@@ -1355,7 +1674,6 @@
           </a:lstStyle>
           <a:p>
             <a:fld id="{B6F15528-21DE-4FAA-801E-634DDDAF4B2B}" type="slidenum">
-              <a:rPr/>
               <a:t>‹#›</a:t>
             </a:fld>
             <a:endParaRPr/>
@@ -1364,7 +1682,13 @@
       </p:sp>
       <p:pic>
         <p:nvPicPr>
-          <p:cNvPr id="9" name="Picture 8"/>
+          <p:cNvPr id="9" name="Picture 8">
+            <a:extLst>
+              <a:ext uri="{FF2B5EF4-FFF2-40B4-BE49-F238E27FC236}">
+                <a16:creationId xmlns:a16="http://schemas.microsoft.com/office/drawing/2014/main" id="{40B595D3-F8FC-DA44-B170-015BD0590CFB}"/>
+              </a:ext>
+            </a:extLst>
+          </p:cNvPr>
           <p:cNvPicPr>
             <a:picLocks noChangeAspect="1"/>
           </p:cNvPicPr>
@@ -1390,8 +1714,8 @@
   </p:cSld>
   <p:clrMap bg1="lt1" tx1="dk1" bg2="lt2" tx2="dk2" accent1="accent1" accent2="accent2" accent3="accent3" accent4="accent4" accent5="accent5" accent6="accent6" hlink="hlink" folHlink="folHlink"/>
   <p:sldLayoutIdLst>
-    <p:sldLayoutId id="2147483649" r:id="rId1"/>
-    <p:sldLayoutId id="2147483650" r:id="rId2"/>
+    <p:sldLayoutId id="2147483662" r:id="rId1"/>
+    <p:sldLayoutId id="2147483665" r:id="rId2"/>
   </p:sldLayoutIdLst>
   <p:txStyles>
     <p:titleStyle>
@@ -1562,8 +1886,8 @@
         </p:nvSpPr>
         <p:spPr>
           <a:xfrm>
-            <a:off x="168564" y="7162363"/>
-            <a:ext cx="3870035" cy="229037"/>
+            <a:off x="168565" y="7162363"/>
+            <a:ext cx="2800350" cy="238760"/>
           </a:xfrm>
           <a:prstGeom prst="rect">
             <a:avLst/>
@@ -1584,7 +1908,7 @@
               </a:spcBef>
             </a:pPr>
             <a:r>
-              <a:rPr lang="en-US" sz="1400" b="1" u="heavy" spc="10" dirty="0">
+              <a:rPr sz="1400" b="1" u="heavy" spc="10">
                 <a:solidFill>
                   <a:srgbClr val="020302"/>
                 </a:solidFill>
@@ -1596,10 +1920,10 @@
                 <a:latin typeface="Adobe Clean"/>
                 <a:cs typeface="Adobe Clean"/>
               </a:rPr>
-              <a:t>服务</a:t>
-            </a:r>
-            <a:r>
-              <a:rPr lang="en-US" sz="1400" b="1" u="heavy" spc="-10" dirty="0">
+              <a:t>Service </a:t>
+            </a:r>
+            <a:r>
+              <a:rPr sz="1400" b="1" u="heavy" spc="-10">
                 <a:solidFill>
                   <a:srgbClr val="020302"/>
                 </a:solidFill>
@@ -1611,10 +1935,10 @@
                 <a:latin typeface="Adobe Clean"/>
                 <a:cs typeface="Adobe Clean"/>
               </a:rPr>
-              <a:t>水平</a:t>
-            </a:r>
-            <a:r>
-              <a:rPr lang="en-US" sz="1400" b="1" u="heavy" spc="-45" dirty="0">
+              <a:t>Level </a:t>
+            </a:r>
+            <a:r>
+              <a:rPr sz="1400" b="1" u="heavy" spc="-45">
                 <a:solidFill>
                   <a:srgbClr val="020302"/>
                 </a:solidFill>
@@ -1626,10 +1950,10 @@
                 <a:latin typeface="Adobe Clean"/>
                 <a:cs typeface="Adobe Clean"/>
               </a:rPr>
-              <a:t>目标：</a:t>
-            </a:r>
-            <a:r>
-              <a:rPr lang="en-US" sz="1400" b="1" u="heavy" spc="-10" dirty="0">
+              <a:t>Targets: </a:t>
+            </a:r>
+            <a:r>
+              <a:rPr sz="1400" b="1" u="heavy" spc="-10">
                 <a:solidFill>
                   <a:srgbClr val="020302"/>
                 </a:solidFill>
@@ -1641,10 +1965,10 @@
                 <a:latin typeface="Adobe Clean"/>
                 <a:cs typeface="Adobe Clean"/>
               </a:rPr>
-              <a:t>初始</a:t>
-            </a:r>
-            <a:r>
-              <a:rPr lang="en-US" sz="1400" b="1" u="heavy" spc="-15" dirty="0">
+              <a:t>Initial</a:t>
+            </a:r>
+            <a:r>
+              <a:rPr sz="1400" b="1" u="heavy" spc="-140">
                 <a:solidFill>
                   <a:srgbClr val="020302"/>
                 </a:solidFill>
@@ -1656,9 +1980,24 @@
                 <a:latin typeface="Adobe Clean"/>
                 <a:cs typeface="Adobe Clean"/>
               </a:rPr>
-              <a:t>响应</a:t>
-            </a:r>
-            <a:endParaRPr sz="1400" dirty="0">
+              <a:t> </a:t>
+            </a:r>
+            <a:r>
+              <a:rPr sz="1400" b="1" u="heavy" spc="-15">
+                <a:solidFill>
+                  <a:srgbClr val="020302"/>
+                </a:solidFill>
+                <a:uFill>
+                  <a:solidFill>
+                    <a:srgbClr val="020302"/>
+                  </a:solidFill>
+                </a:uFill>
+                <a:latin typeface="Adobe Clean"/>
+                <a:cs typeface="Adobe Clean"/>
+              </a:rPr>
+              <a:t>Response</a:t>
+            </a:r>
+            <a:endParaRPr sz="1400">
               <a:latin typeface="Adobe Clean"/>
               <a:cs typeface="Adobe Clean"/>
             </a:endParaRPr>
@@ -1680,7 +2019,7 @@
             <a:avLst/>
           </a:prstGeom>
           <a:blipFill>
-            <a:blip r:embed="rId5" cstate="print"/>
+            <a:blip r:embed="rId3" cstate="print"/>
             <a:stretch>
               <a:fillRect/>
             </a:stretch>
@@ -1706,15 +2045,15 @@
         </p:nvSpPr>
         <p:spPr>
           <a:xfrm>
-            <a:off x="438785" y="52705"/>
-            <a:ext cx="5278120" cy="366395"/>
+            <a:off x="439022" y="54646"/>
+            <a:ext cx="5229466" cy="366767"/>
           </a:xfrm>
           <a:prstGeom prst="rect">
             <a:avLst/>
           </a:prstGeom>
         </p:spPr>
         <p:txBody>
-          <a:bodyPr vert="horz" wrap="square" lIns="0" tIns="12700" rIns="0" bIns="0" rtlCol="0">
+          <a:bodyPr vert="horz" wrap="square" lIns="0" tIns="12700" rIns="0" bIns="0" rtlCol="0" anchor="t">
             <a:spAutoFit/>
           </a:bodyPr>
           <a:lstStyle/>
@@ -1728,12 +2067,18 @@
               </a:spcBef>
             </a:pPr>
             <a:r>
-              <a:rPr lang="en-US" sz="2300" dirty="0">
-                <a:latin typeface="Adobe Clean" panose="020B0503020404020204" pitchFamily="34" charset="0"/>
-              </a:rPr>
-              <a:t>Adobe 支持产品/服务</a:t>
-            </a:r>
-            <a:endParaRPr sz="2300" dirty="0">
+              <a:rPr sz="2300">
+                <a:latin typeface="Adobe Clean"/>
+              </a:rPr>
+              <a:t>ADOBE </a:t>
+            </a:r>
+            <a:r>
+              <a:rPr lang="en-US" sz="2300">
+                <a:latin typeface="Adobe Clean"/>
+              </a:rPr>
+              <a:t>SUPPORT PLANS</a:t>
+            </a:r>
+            <a:endParaRPr sz="2300">
               <a:latin typeface="Adobe Clean" panose="020B0503020404020204" pitchFamily="34" charset="0"/>
             </a:endParaRPr>
           </a:p>
@@ -1747,7 +2092,7 @@
         </p:nvSpPr>
         <p:spPr>
           <a:xfrm>
-            <a:off x="121147" y="635935"/>
+            <a:off x="121147" y="531160"/>
             <a:ext cx="5865216" cy="1269065"/>
           </a:xfrm>
           <a:prstGeom prst="rect">
@@ -1769,31 +2114,31 @@
               </a:spcBef>
             </a:pPr>
             <a:r>
-              <a:rPr lang="en-US" sz="900" dirty="0">
+              <a:rPr lang="en-US" sz="900">
                 <a:solidFill>
                   <a:schemeClr val="bg1"/>
                 </a:solidFill>
                 <a:latin typeface="Adobe Clean Light" panose="020B0303020404020204" pitchFamily="34" charset="0"/>
               </a:rPr>
-              <a:t>在线 | </a:t>
-            </a:r>
-            <a:r>
-              <a:rPr lang="en-US" sz="900" b="1" dirty="0">
+              <a:t>Online | </a:t>
+            </a:r>
+            <a:r>
+              <a:rPr lang="en-US" sz="900" b="1">
                 <a:solidFill>
                   <a:schemeClr val="bg1"/>
                 </a:solidFill>
                 <a:latin typeface="Adobe Clean" panose="020B0503020404020204" pitchFamily="34" charset="0"/>
               </a:rPr>
-              <a:t>商业</a:t>
-            </a:r>
-            <a:r>
-              <a:rPr lang="en-US" sz="900" dirty="0">
+              <a:t>Business</a:t>
+            </a:r>
+            <a:r>
+              <a:rPr lang="en-US" sz="900">
                 <a:solidFill>
                   <a:schemeClr val="bg1"/>
                 </a:solidFill>
                 <a:latin typeface="Adobe Clean Light" panose="020B0303020404020204" pitchFamily="34" charset="0"/>
               </a:rPr>
-              <a:t> | 企业 | 高级</a:t>
+              <a:t> | Enterprise | Elite</a:t>
             </a:r>
           </a:p>
           <a:p>
@@ -1806,15 +2151,15 @@
               </a:spcBef>
             </a:pPr>
             <a:r>
-              <a:rPr lang="en-US" sz="900" dirty="0">
+              <a:rPr lang="en-US" sz="900">
                 <a:solidFill>
                   <a:schemeClr val="bg1"/>
                 </a:solidFill>
                 <a:latin typeface="Adobe Clean SemiLight" panose="020B0403020404020204" pitchFamily="34" charset="0"/>
               </a:rPr>
-              <a:t>Adobe 提供了全面的技术资源来帮助支持您的业务，这些资源包含在您的 Experience Cloud 许可订阅中，并在商业支持包中得到了增强。商业支持包括通过 Adobe Experience League 访问个性化的学习路径和受监控的社区论坛。此外，您可以使用我们详细而深入的技术产品文档和最新发行说明。商业客户还可以通过电话或支持门户网站联系我们的技术支持团队以进行任何产品查询，以便在最关键的时刻帮助保护您的业务。除了针对支持请求的最关键部分的支持案例上报管理之外，商业客户还会收到来自其帐户支持主管的定期通信和更新。</a:t>
-            </a:r>
-            <a:endParaRPr lang="en-US" sz="900" dirty="0">
+              <a:t>Adobe provides a comprehensive range of technical resources to help support your business, included as part of your Experience Cloud license subscription and enhanced in the BUSINESS support package. BUSINESS support includes access to personalized learning paths and monitored community forums via the Adobe Experience League. You can also take advantage of our detailed and in-depth technical product documentation and current release notes. BUSINESS customers also benefit from access to our technical support teams for any product query via either the telephone or the support web portal, to help protect your business at the most critical times. BUSINESS customers will receive regular communications and updates from their Account Support Lead in addition to support case escalation management for your most critical of support requests. </a:t>
+            </a:r>
+            <a:endParaRPr lang="en-US" sz="900">
               <a:solidFill>
                 <a:schemeClr val="bg1"/>
               </a:solidFill>
@@ -1839,7 +2184,7 @@
             <a:avLst/>
           </a:prstGeom>
           <a:blipFill>
-            <a:blip r:embed="rId6" cstate="print"/>
+            <a:blip r:embed="rId4" cstate="print"/>
             <a:stretch>
               <a:fillRect/>
             </a:stretch>
@@ -1887,15 +2232,23 @@
               </a:spcBef>
             </a:pPr>
             <a:r>
-              <a:rPr lang="en-US" spc="-5" dirty="0"/>
-              <a:t>©2021 Adobe.All Rights Reserved.Adobe</a:t>
-            </a:r>
-            <a:r>
-              <a:rPr lang="en-US" spc="60" dirty="0"/>
+              <a:rPr spc="-5"/>
+              <a:t>©202</a:t>
+            </a:r>
+            <a:r>
+              <a:rPr lang="en-US" spc="-5"/>
+              <a:t>1</a:t>
+            </a:r>
+            <a:r>
+              <a:rPr spc="-5"/>
+              <a:t> Adobe. All Rights Reserved. Adobe</a:t>
+            </a:r>
+            <a:r>
+              <a:rPr spc="60"/>
               <a:t> </a:t>
             </a:r>
             <a:r>
-              <a:rPr lang="en-US" spc="-5" dirty="0"/>
+              <a:rPr spc="-5"/>
               <a:t>Confidential.</a:t>
             </a:r>
           </a:p>
@@ -1908,19 +2261,16 @@
             <a:graphicFrameLocks noGrp="1"/>
           </p:cNvGraphicFramePr>
           <p:nvPr>
-            <p:custDataLst>
-              <p:tags r:id="rId1"/>
-            </p:custDataLst>
             <p:extLst>
               <p:ext uri="{D42A27DB-BD31-4B8C-83A1-F6EECF244321}">
-                <p14:modId xmlns:p14="http://schemas.microsoft.com/office/powerpoint/2010/main" val="127036200"/>
+                <p14:modId xmlns:p14="http://schemas.microsoft.com/office/powerpoint/2010/main" val="852543156"/>
               </p:ext>
             </p:extLst>
           </p:nvPr>
         </p:nvGraphicFramePr>
         <p:xfrm>
-          <a:off x="121146" y="7475985"/>
-          <a:ext cx="7498852" cy="2119744"/>
+          <a:off x="118872" y="7475985"/>
+          <a:ext cx="7498851" cy="2223598"/>
         </p:xfrm>
         <a:graphic>
           <a:graphicData uri="http://schemas.openxmlformats.org/drawingml/2006/table">
@@ -1929,7 +2279,7 @@
                 <a:tableStyleId>{2D5ABB26-0587-4C30-8999-92F81FD0307C}</a:tableStyleId>
               </a:tblPr>
               <a:tblGrid>
-                <a:gridCol w="4698745">
+                <a:gridCol w="4698744">
                   <a:extLst>
                     <a:ext uri="{9D8B030D-6E8A-4147-A177-3AD203B41FA5}">
                       <a16:colId xmlns:a16="http://schemas.microsoft.com/office/drawing/2014/main" val="20000"/>
@@ -1951,7 +2301,7 @@
                   </a:extLst>
                 </a:gridCol>
               </a:tblGrid>
-              <a:tr h="274318">
+              <a:tr h="291248">
                 <a:tc>
                   <a:txBody>
                     <a:bodyPr/>
@@ -1966,22 +2316,22 @@
                         </a:spcBef>
                       </a:pPr>
                       <a:r>
-                        <a:rPr lang="en-US" sz="900" spc="0" dirty="0">
+                        <a:rPr sz="900" spc="0">
                           <a:solidFill>
                             <a:srgbClr val="020302"/>
                           </a:solidFill>
                           <a:latin typeface="Adobe Clean"/>
                           <a:cs typeface="Adobe Clean"/>
                         </a:rPr>
-                        <a:t>优先级</a:t>
+                        <a:t>Priority</a:t>
                       </a:r>
-                      <a:endParaRPr sz="900" spc="0" dirty="0">
+                      <a:endParaRPr sz="900" spc="0">
                         <a:latin typeface="Adobe Clean"/>
                         <a:cs typeface="Adobe Clean"/>
                       </a:endParaRPr>
                     </a:p>
                   </a:txBody>
-                  <a:tcPr marL="0" marR="0" marT="7620" marB="0" anchor="ctr">
+                  <a:tcPr marL="0" marR="0" marT="7620" marB="0">
                     <a:lnL w="3175">
                       <a:solidFill>
                         <a:srgbClr val="B7B8B8"/>
@@ -2025,22 +2375,22 @@
                         </a:spcBef>
                       </a:pPr>
                       <a:r>
-                        <a:rPr lang="en-US" sz="900" spc="0" dirty="0">
+                        <a:rPr sz="900" spc="0">
                           <a:solidFill>
                             <a:srgbClr val="020302"/>
                           </a:solidFill>
                           <a:latin typeface="Adobe Clean"/>
                           <a:cs typeface="Adobe Clean"/>
                         </a:rPr>
-                        <a:t>在线支持</a:t>
+                        <a:t>Online Support</a:t>
                       </a:r>
-                      <a:endParaRPr sz="900" spc="0" dirty="0">
+                      <a:endParaRPr sz="900" spc="0">
                         <a:latin typeface="Adobe Clean"/>
                         <a:cs typeface="Adobe Clean"/>
                       </a:endParaRPr>
                     </a:p>
                   </a:txBody>
-                  <a:tcPr anchor="ctr">
+                  <a:tcPr marL="182880" marT="91440" anchor="ctr">
                     <a:lnL w="3175">
                       <a:solidFill>
                         <a:srgbClr val="B7B8B8"/>
@@ -2075,7 +2425,7 @@
                     <a:bodyPr/>
                     <a:lstStyle/>
                     <a:p>
-                      <a:pPr marL="92710" algn="ctr">
+                      <a:pPr marL="92710">
                         <a:lnSpc>
                           <a:spcPct val="100000"/>
                         </a:lnSpc>
@@ -2084,22 +2434,42 @@
                         </a:spcBef>
                       </a:pPr>
                       <a:r>
-                        <a:rPr lang="en-US" sz="900" spc="0" dirty="0">
+                        <a:rPr sz="900" spc="0">
                           <a:solidFill>
                             <a:srgbClr val="FFFFFF"/>
                           </a:solidFill>
                           <a:latin typeface="Adobe Clean"/>
                           <a:cs typeface="Adobe Clean"/>
                         </a:rPr>
-                        <a:t>商业支持</a:t>
+                        <a:t>Business</a:t>
                       </a:r>
-                      <a:endParaRPr sz="900" spc="0" dirty="0">
+                      <a:r>
+                        <a:rPr lang="en-US" sz="900" spc="0">
+                          <a:solidFill>
+                            <a:srgbClr val="FFFFFF"/>
+                          </a:solidFill>
+                          <a:latin typeface="Adobe Clean"/>
+                          <a:cs typeface="Adobe Clean"/>
+                        </a:rPr>
+                        <a:t> </a:t>
+                      </a:r>
+                      <a:r>
+                        <a:rPr sz="900" spc="0">
+                          <a:solidFill>
+                            <a:srgbClr val="FFFFFF"/>
+                          </a:solidFill>
+                          <a:latin typeface="Adobe Clean"/>
+                          <a:cs typeface="Adobe Clean"/>
+                        </a:rPr>
+                        <a:t>Support</a:t>
+                      </a:r>
+                      <a:endParaRPr sz="900" spc="0">
                         <a:latin typeface="Adobe Clean"/>
                         <a:cs typeface="Adobe Clean"/>
                       </a:endParaRPr>
                     </a:p>
                   </a:txBody>
-                  <a:tcPr anchor="ctr">
+                  <a:tcPr marL="182880" marT="91440" anchor="ctr">
                     <a:lnL w="3175">
                       <a:solidFill>
                         <a:srgbClr val="B7B8B8"/>
@@ -2135,7 +2505,7 @@
                   </a:ext>
                 </a:extLst>
               </a:tr>
-              <a:tr h="484755">
+              <a:tr h="514672">
                 <a:tc>
                   <a:txBody>
                     <a:bodyPr/>
@@ -2150,16 +2520,16 @@
                         </a:spcBef>
                       </a:pPr>
                       <a:r>
-                        <a:rPr lang="en-US" sz="900" b="1" spc="0" dirty="0">
+                        <a:rPr sz="900" b="1" spc="0">
                           <a:solidFill>
                             <a:srgbClr val="020302"/>
                           </a:solidFill>
                           <a:latin typeface="Adobe Clean"/>
                           <a:cs typeface="Adobe Clean"/>
                         </a:rPr>
-                        <a:t>优先级 1</a:t>
+                        <a:t>PRIORITY 1</a:t>
                       </a:r>
-                      <a:endParaRPr sz="900" spc="0" dirty="0">
+                      <a:endParaRPr sz="900" spc="0">
                         <a:latin typeface="Adobe Clean"/>
                         <a:cs typeface="Adobe Clean"/>
                       </a:endParaRPr>
@@ -2179,33 +2549,20 @@
                         <a:buSzTx/>
                         <a:buFontTx/>
                         <a:buNone/>
+                        <a:tabLst/>
                         <a:defRPr/>
                       </a:pPr>
                       <a:r>
-                        <a:rPr lang="en-US" sz="900" b="0" i="0" spc="0" dirty="0">
+                        <a:rPr lang="en-US" sz="900" b="0" i="0" spc="0">
                           <a:solidFill>
                             <a:srgbClr val="000000"/>
                           </a:solidFill>
                           <a:effectLst/>
                           <a:latin typeface="Adobe Clean Light" panose="020B0303020404020204" pitchFamily="34" charset="0"/>
                         </a:rPr>
-                        <a:t>客户的生产业务功能中断或发生重大数据丢失或服务降级，需要立即关注以恢复功能和可用性</a:t>
+                        <a:t>Customer's production business functions are down or have significant data loss or service degradation and immediate attention is required to restore functionality and usability</a:t>
                       </a:r>
-                      <a:r>
-                        <a:rPr lang="zh-CN" sz="900" b="0" i="0" spc="0" dirty="0">
-                          <a:solidFill>
-                            <a:srgbClr val="000000"/>
-                          </a:solidFill>
-                          <a:effectLst/>
-                          <a:latin typeface="Adobe Clean Light" panose="020B0303020404020204" pitchFamily="34" charset="0"/>
-                        </a:rPr>
-                        <a:t>。</a:t>
-                      </a:r>
-                      <a:endParaRPr lang="zh-CN" sz="900" b="0" i="0" spc="0" dirty="0">
-                        <a:solidFill>
-                          <a:srgbClr val="000000"/>
-                        </a:solidFill>
-                        <a:effectLst/>
+                      <a:endParaRPr lang="en-US" sz="900" b="0" i="0" spc="0">
                         <a:latin typeface="Adobe Clean Light" panose="020B0303020404020204" pitchFamily="34" charset="0"/>
                         <a:cs typeface="AdobeClean-Light"/>
                       </a:endParaRPr>
@@ -2252,22 +2609,62 @@
                         </a:spcBef>
                       </a:pPr>
                       <a:r>
-                        <a:rPr lang="en-US" sz="900" spc="0" dirty="0">
+                        <a:rPr sz="900" spc="0">
                           <a:solidFill>
                             <a:srgbClr val="020302"/>
                           </a:solidFill>
                           <a:latin typeface="AdobeClean-Light"/>
                           <a:cs typeface="AdobeClean-Light"/>
                         </a:rPr>
-                        <a:t>全天候/1 小时</a:t>
+                        <a:t>24x7</a:t>
                       </a:r>
-                      <a:endParaRPr sz="900" spc="0" dirty="0">
+                      <a:r>
+                        <a:rPr lang="en-US" sz="900" spc="0">
+                          <a:solidFill>
+                            <a:srgbClr val="020302"/>
+                          </a:solidFill>
+                          <a:latin typeface="AdobeClean-Light"/>
+                          <a:cs typeface="AdobeClean-Light"/>
+                        </a:rPr>
+                        <a:t> </a:t>
+                      </a:r>
+                      <a:r>
+                        <a:rPr sz="900" spc="0">
+                          <a:solidFill>
+                            <a:srgbClr val="020302"/>
+                          </a:solidFill>
+                          <a:latin typeface="AdobeClean-Light"/>
+                          <a:cs typeface="AdobeClean-Light"/>
+                        </a:rPr>
+                        <a:t>/</a:t>
+                      </a:r>
+                      <a:r>
+                        <a:rPr lang="en-US" sz="900" spc="0">
+                          <a:solidFill>
+                            <a:srgbClr val="020302"/>
+                          </a:solidFill>
+                          <a:latin typeface="AdobeClean-Light"/>
+                          <a:cs typeface="AdobeClean-Light"/>
+                        </a:rPr>
+                        <a:t> </a:t>
+                      </a:r>
+                      <a:r>
+                        <a:rPr sz="900" spc="0">
+                          <a:solidFill>
+                            <a:srgbClr val="020302"/>
+                          </a:solidFill>
+                          <a:latin typeface="AdobeClean-Light"/>
+                          <a:cs typeface="AdobeClean-Light"/>
+                        </a:rPr>
+                        <a:t>1 hour</a:t>
+                      </a:r>
+                      <a:endParaRPr sz="900" spc="0">
                         <a:latin typeface="AdobeClean-Light"/>
                         <a:cs typeface="AdobeClean-Light"/>
                       </a:endParaRPr>
                     </a:p>
                   </a:txBody>
-                  <a:tcPr anchor="ctr">
+                  <a:tcPr marL="0" marR="0" marT="91440" marB="91440" anchor="ctr" anchorCtr="1">
                     <a:lnL w="3175">
                       <a:solidFill>
                         <a:srgbClr val="B7B8B8"/>
@@ -2308,22 +2705,62 @@
                         </a:spcBef>
                       </a:pPr>
                       <a:r>
-                        <a:rPr lang="en-US" sz="900" spc="0" dirty="0">
+                        <a:rPr sz="900" spc="0">
                           <a:solidFill>
                             <a:srgbClr val="020302"/>
                           </a:solidFill>
                           <a:latin typeface="AdobeClean-Light"/>
                           <a:cs typeface="AdobeClean-Light"/>
                         </a:rPr>
-                        <a:t>全天候/1 小时</a:t>
+                        <a:t>24x7</a:t>
                       </a:r>
-                      <a:endParaRPr sz="900" spc="0" dirty="0">
+                      <a:r>
+                        <a:rPr lang="en-US" sz="900" spc="0">
+                          <a:solidFill>
+                            <a:srgbClr val="020302"/>
+                          </a:solidFill>
+                          <a:latin typeface="AdobeClean-Light"/>
+                          <a:cs typeface="AdobeClean-Light"/>
+                        </a:rPr>
+                        <a:t> </a:t>
+                      </a:r>
+                      <a:r>
+                        <a:rPr sz="900" spc="0">
+                          <a:solidFill>
+                            <a:srgbClr val="020302"/>
+                          </a:solidFill>
+                          <a:latin typeface="AdobeClean-Light"/>
+                          <a:cs typeface="AdobeClean-Light"/>
+                        </a:rPr>
+                        <a:t>/</a:t>
+                      </a:r>
+                      <a:r>
+                        <a:rPr lang="en-US" sz="900" spc="0">
+                          <a:solidFill>
+                            <a:srgbClr val="020302"/>
+                          </a:solidFill>
+                          <a:latin typeface="AdobeClean-Light"/>
+                          <a:cs typeface="AdobeClean-Light"/>
+                        </a:rPr>
+                        <a:t> </a:t>
+                      </a:r>
+                      <a:r>
+                        <a:rPr sz="900" spc="0">
+                          <a:solidFill>
+                            <a:srgbClr val="020302"/>
+                          </a:solidFill>
+                          <a:latin typeface="AdobeClean-Light"/>
+                          <a:cs typeface="AdobeClean-Light"/>
+                        </a:rPr>
+                        <a:t>1 hour</a:t>
+                      </a:r>
+                      <a:endParaRPr sz="900" spc="0">
                         <a:latin typeface="AdobeClean-Light"/>
                         <a:cs typeface="AdobeClean-Light"/>
                       </a:endParaRPr>
                     </a:p>
                   </a:txBody>
-                  <a:tcPr anchor="ctr">
+                  <a:tcPr marL="0" marR="0" marT="91440" marB="91440" anchor="ctr" anchorCtr="1">
                     <a:lnL w="3175">
                       <a:solidFill>
                         <a:srgbClr val="B7B8B8"/>
@@ -2361,7 +2798,7 @@
                   </a:ext>
                 </a:extLst>
               </a:tr>
-              <a:tr h="484755">
+              <a:tr h="514672">
                 <a:tc>
                   <a:txBody>
                     <a:bodyPr/>
@@ -2376,16 +2813,16 @@
                         </a:spcBef>
                       </a:pPr>
                       <a:r>
-                        <a:rPr lang="en-US" sz="900" b="1" spc="0" dirty="0">
+                        <a:rPr sz="900" b="1" spc="0">
                           <a:solidFill>
                             <a:srgbClr val="020302"/>
                           </a:solidFill>
                           <a:latin typeface="Adobe Clean"/>
                           <a:cs typeface="Adobe Clean"/>
                         </a:rPr>
-                        <a:t>优先级 2</a:t>
+                        <a:t>PRIORITY 2</a:t>
                       </a:r>
-                      <a:endParaRPr sz="900" spc="0" dirty="0">
+                      <a:endParaRPr sz="900" spc="0">
                         <a:latin typeface="Adobe Clean"/>
                         <a:cs typeface="Adobe Clean"/>
                       </a:endParaRPr>
@@ -2400,30 +2837,16 @@
                         </a:spcBef>
                       </a:pPr>
                       <a:r>
-                        <a:rPr lang="en-US" sz="900" b="0" i="0" spc="0" dirty="0">
+                        <a:rPr lang="en-US" sz="900" b="0" i="0" spc="0">
                           <a:solidFill>
                             <a:srgbClr val="000000"/>
                           </a:solidFill>
                           <a:effectLst/>
                           <a:latin typeface="Adobe Clean Light" panose="020B0303020404020204" pitchFamily="34" charset="0"/>
                         </a:rPr>
-                        <a:t>客户的业务功能发生重大服务降级或潜在数据丢失，或主要功能受到影响</a:t>
+                        <a:t>Customer's business functions have major service degradation or potential data loss, or a major feature is impacted </a:t>
                       </a:r>
-                      <a:r>
-                        <a:rPr lang="zh-CN" altLang="en-US" sz="900" b="0" i="0" spc="0" dirty="0">
-                          <a:solidFill>
-                            <a:srgbClr val="000000"/>
-                          </a:solidFill>
-                          <a:effectLst/>
-                          <a:latin typeface="Adobe Clean Light" panose="020B0303020404020204" pitchFamily="34" charset="0"/>
-                        </a:rPr>
-                        <a:t>。</a:t>
-                      </a:r>
-                      <a:endParaRPr lang="zh-CN" altLang="en-US" sz="900" b="0" i="0" spc="0" dirty="0">
-                        <a:solidFill>
-                          <a:srgbClr val="000000"/>
-                        </a:solidFill>
-                        <a:effectLst/>
+                      <a:endParaRPr lang="en-US" sz="900" b="0" i="0" spc="0">
                         <a:latin typeface="Adobe Clean Light" panose="020B0303020404020204" pitchFamily="34" charset="0"/>
                         <a:cs typeface="AdobeClean-Light"/>
                       </a:endParaRPr>
@@ -2470,22 +2893,82 @@
                         </a:spcBef>
                       </a:pPr>
                       <a:r>
-                        <a:rPr lang="en-US" sz="900" spc="0" dirty="0">
+                        <a:rPr sz="900" spc="0">
                           <a:solidFill>
                             <a:srgbClr val="020302"/>
                           </a:solidFill>
                           <a:latin typeface="AdobeClean-Light"/>
                           <a:cs typeface="AdobeClean-Light"/>
                         </a:rPr>
-                        <a:t>营业时间/4 小时</a:t>
+                        <a:t>Business</a:t>
                       </a:r>
-                      <a:endParaRPr sz="900" spc="0" dirty="0">
+                      <a:r>
+                        <a:rPr lang="en-US" sz="900" spc="0">
+                          <a:solidFill>
+                            <a:srgbClr val="020302"/>
+                          </a:solidFill>
+                          <a:latin typeface="AdobeClean-Light"/>
+                          <a:cs typeface="AdobeClean-Light"/>
+                        </a:rPr>
+                        <a:t> </a:t>
+                      </a:r>
+                      <a:r>
+                        <a:rPr sz="900" spc="0">
+                          <a:solidFill>
+                            <a:srgbClr val="020302"/>
+                          </a:solidFill>
+                          <a:latin typeface="AdobeClean-Light"/>
+                          <a:cs typeface="AdobeClean-Light"/>
+                        </a:rPr>
+                        <a:t>hours</a:t>
+                      </a:r>
+                      <a:r>
+                        <a:rPr lang="en-US" sz="900" spc="0">
+                          <a:solidFill>
+                            <a:srgbClr val="020302"/>
+                          </a:solidFill>
+                          <a:latin typeface="AdobeClean-Light"/>
+                          <a:cs typeface="AdobeClean-Light"/>
+                        </a:rPr>
+                        <a:t> </a:t>
+                      </a:r>
+                      <a:r>
+                        <a:rPr sz="900" spc="0">
+                          <a:solidFill>
+                            <a:srgbClr val="020302"/>
+                          </a:solidFill>
+                          <a:latin typeface="AdobeClean-Light"/>
+                          <a:cs typeface="AdobeClean-Light"/>
+                        </a:rPr>
+                        <a:t>/</a:t>
+                      </a:r>
+                      <a:r>
+                        <a:rPr lang="en-US" sz="900" spc="0">
+                          <a:solidFill>
+                            <a:srgbClr val="020302"/>
+                          </a:solidFill>
+                          <a:latin typeface="AdobeClean-Light"/>
+                          <a:cs typeface="AdobeClean-Light"/>
+                        </a:rPr>
+                        <a:t> </a:t>
+                      </a:r>
+                      <a:r>
+                        <a:rPr sz="900" spc="0">
+                          <a:solidFill>
+                            <a:srgbClr val="020302"/>
+                          </a:solidFill>
+                          <a:latin typeface="AdobeClean-Light"/>
+                          <a:cs typeface="AdobeClean-Light"/>
+                        </a:rPr>
+                        <a:t>4 hours</a:t>
+                      </a:r>
+                      <a:endParaRPr sz="900" spc="0">
                         <a:latin typeface="AdobeClean-Light"/>
                         <a:cs typeface="AdobeClean-Light"/>
                       </a:endParaRPr>
                     </a:p>
                   </a:txBody>
-                  <a:tcPr anchor="ctr">
+                  <a:tcPr marL="0" marR="0" marT="91440" marB="91440" anchor="ctr" anchorCtr="1">
                     <a:lnL w="3175">
                       <a:solidFill>
                         <a:srgbClr val="B7B8B8"/>
@@ -2526,22 +3009,92 @@
                         </a:spcBef>
                       </a:pPr>
                       <a:r>
-                        <a:rPr lang="en-US" sz="900" spc="0" dirty="0">
+                        <a:rPr lang="en-US" sz="900" spc="0">
                           <a:solidFill>
                             <a:srgbClr val="020302"/>
                           </a:solidFill>
                           <a:latin typeface="AdobeClean-Light"/>
                           <a:cs typeface="AdobeClean-Light"/>
                         </a:rPr>
-                        <a:t>营业时间/2 小时</a:t>
+                        <a:t>    </a:t>
                       </a:r>
-                      <a:endParaRPr sz="900" spc="0" dirty="0">
+                      <a:r>
+                        <a:rPr sz="900" spc="0">
+                          <a:solidFill>
+                            <a:srgbClr val="020302"/>
+                          </a:solidFill>
+                          <a:latin typeface="AdobeClean-Light"/>
+                          <a:cs typeface="AdobeClean-Light"/>
+                        </a:rPr>
+                        <a:t>Business</a:t>
+                      </a:r>
+                      <a:r>
+                        <a:rPr lang="en-US" sz="900" spc="0">
+                          <a:solidFill>
+                            <a:srgbClr val="020302"/>
+                          </a:solidFill>
+                          <a:latin typeface="AdobeClean-Light"/>
+                          <a:cs typeface="AdobeClean-Light"/>
+                        </a:rPr>
+                        <a:t> </a:t>
+                      </a:r>
+                      <a:r>
+                        <a:rPr sz="900" spc="0">
+                          <a:solidFill>
+                            <a:srgbClr val="020302"/>
+                          </a:solidFill>
+                          <a:latin typeface="AdobeClean-Light"/>
+                          <a:cs typeface="AdobeClean-Light"/>
+                        </a:rPr>
+                        <a:t>hours</a:t>
+                      </a:r>
+                      <a:r>
+                        <a:rPr lang="en-US" sz="900" spc="0">
+                          <a:solidFill>
+                            <a:srgbClr val="020302"/>
+                          </a:solidFill>
+                          <a:latin typeface="AdobeClean-Light"/>
+                          <a:cs typeface="AdobeClean-Light"/>
+                        </a:rPr>
+                        <a:t> / </a:t>
+                      </a:r>
+                      <a:r>
+                        <a:rPr sz="900" spc="0">
+                          <a:solidFill>
+                            <a:srgbClr val="020302"/>
+                          </a:solidFill>
+                          <a:latin typeface="AdobeClean-Light"/>
+                          <a:cs typeface="AdobeClean-Light"/>
+                        </a:rPr>
+                        <a:t>2</a:t>
+                      </a:r>
+                      <a:r>
+                        <a:rPr lang="en-US" sz="900" spc="0">
+                          <a:solidFill>
+                            <a:srgbClr val="020302"/>
+                          </a:solidFill>
+                          <a:latin typeface="AdobeClean-Light"/>
+                          <a:cs typeface="AdobeClean-Light"/>
+                        </a:rPr>
+                        <a:t> </a:t>
+                      </a:r>
+                      <a:r>
+                        <a:rPr sz="900" spc="0">
+                          <a:solidFill>
+                            <a:srgbClr val="020302"/>
+                          </a:solidFill>
+                          <a:latin typeface="AdobeClean-Light"/>
+                          <a:cs typeface="AdobeClean-Light"/>
+                        </a:rPr>
+                        <a:t>hours</a:t>
+                      </a:r>
+                      <a:endParaRPr sz="900" spc="0">
                         <a:latin typeface="AdobeClean-Light"/>
                         <a:cs typeface="AdobeClean-Light"/>
                       </a:endParaRPr>
                     </a:p>
                   </a:txBody>
-                  <a:tcPr anchor="ctr">
+                  <a:tcPr marL="0" marR="0" marT="91440" marB="91440" anchor="ctr" anchorCtr="1">
                     <a:lnL w="3175">
                       <a:solidFill>
                         <a:srgbClr val="B7B8B8"/>
@@ -2579,7 +3132,7 @@
                   </a:ext>
                 </a:extLst>
               </a:tr>
-              <a:tr h="484756">
+              <a:tr h="514673">
                 <a:tc>
                   <a:txBody>
                     <a:bodyPr/>
@@ -2594,16 +3147,16 @@
                         </a:spcBef>
                       </a:pPr>
                       <a:r>
-                        <a:rPr lang="en-US" sz="900" b="1" spc="0" dirty="0">
+                        <a:rPr sz="900" b="1" spc="0">
                           <a:solidFill>
                             <a:srgbClr val="020302"/>
                           </a:solidFill>
                           <a:latin typeface="Adobe Clean"/>
                           <a:cs typeface="Adobe Clean"/>
                         </a:rPr>
-                        <a:t>优先级 3</a:t>
+                        <a:t>PRIORITY 3</a:t>
                       </a:r>
-                      <a:endParaRPr sz="900" spc="0" dirty="0">
+                      <a:endParaRPr sz="900" spc="0">
                         <a:latin typeface="Adobe Clean"/>
                         <a:cs typeface="Adobe Clean"/>
                       </a:endParaRPr>
@@ -2618,7 +3171,7 @@
                         </a:spcBef>
                       </a:pPr>
                       <a:r>
-                        <a:rPr kumimoji="0" lang="en-US" sz="900" b="0" i="0" u="none" strike="noStrike" kern="1200" cap="none" spc="0" normalizeH="0" baseline="0" noProof="0" dirty="0">
+                        <a:rPr kumimoji="0" lang="en-US" sz="900" b="0" i="0" u="none" strike="noStrike" kern="1200" cap="none" spc="0" normalizeH="0" baseline="0" noProof="0">
                           <a:ln>
                             <a:noFill/>
                           </a:ln>
@@ -2632,25 +3185,12 @@
                           <a:ea typeface="+mn-ea"/>
                           <a:cs typeface="+mn-cs"/>
                         </a:rPr>
-                        <a:t>客户的业务功能发生轻微的服务降级，但有解决方案/解决方法可让业务功能继续正常工作</a:t>
+                        <a:t>Customer's business functions have minor service degradation but there exists a solution/workaround allowing business functions to continue </a:t>
                       </a:r>
-                      <a:r>
-                        <a:rPr kumimoji="0" lang="zh-CN" altLang="en-US" sz="900" b="0" i="0" u="none" strike="noStrike" kern="1200" cap="none" spc="0" normalizeH="0" baseline="0" noProof="0" dirty="0">
-                          <a:ln>
-                            <a:noFill/>
-                          </a:ln>
-                          <a:solidFill>
-                            <a:srgbClr val="000000"/>
-                          </a:solidFill>
-                          <a:effectLst/>
-                          <a:uLnTx/>
-                          <a:uFillTx/>
-                          <a:latin typeface="Adobe Clean Light" panose="020B0303020404020204" pitchFamily="34" charset="0"/>
-                          <a:ea typeface="+mn-ea"/>
-                          <a:cs typeface="+mn-cs"/>
-                        </a:rPr>
-                        <a:t>。</a:t>
-                      </a:r>
+                      <a:endParaRPr lang="en-US" sz="900" b="0" i="0" spc="0">
+                        <a:latin typeface="Adobe Clean Light" panose="020B0303020404020204" pitchFamily="34" charset="0"/>
+                        <a:cs typeface="AdobeClean-Light"/>
+                      </a:endParaRPr>
                     </a:p>
                   </a:txBody>
                   <a:tcPr marL="0" marR="0" marT="3810" marB="0">
@@ -2694,22 +3234,92 @@
                         </a:spcBef>
                       </a:pPr>
                       <a:r>
-                        <a:rPr lang="en-US" sz="900" spc="0" dirty="0">
+                        <a:rPr lang="en-US" sz="900" spc="0">
                           <a:solidFill>
                             <a:srgbClr val="020302"/>
                           </a:solidFill>
                           <a:latin typeface="AdobeClean-Light"/>
                           <a:cs typeface="AdobeClean-Light"/>
                         </a:rPr>
-                        <a:t>营业时间/6 小时</a:t>
+                        <a:t>   </a:t>
                       </a:r>
-                      <a:endParaRPr sz="900" spc="0" dirty="0">
+                      <a:r>
+                        <a:rPr sz="900" spc="0">
+                          <a:solidFill>
+                            <a:srgbClr val="020302"/>
+                          </a:solidFill>
+                          <a:latin typeface="AdobeClean-Light"/>
+                          <a:cs typeface="AdobeClean-Light"/>
+                        </a:rPr>
+                        <a:t>Business</a:t>
+                      </a:r>
+                      <a:r>
+                        <a:rPr lang="en-US" sz="900" spc="0">
+                          <a:solidFill>
+                            <a:srgbClr val="020302"/>
+                          </a:solidFill>
+                          <a:latin typeface="AdobeClean-Light"/>
+                          <a:cs typeface="AdobeClean-Light"/>
+                        </a:rPr>
+                        <a:t> </a:t>
+                      </a:r>
+                      <a:r>
+                        <a:rPr sz="900" spc="0">
+                          <a:solidFill>
+                            <a:srgbClr val="020302"/>
+                          </a:solidFill>
+                          <a:latin typeface="AdobeClean-Light"/>
+                          <a:cs typeface="AdobeClean-Light"/>
+                        </a:rPr>
+                        <a:t>hours</a:t>
+                      </a:r>
+                      <a:r>
+                        <a:rPr lang="en-US" sz="900" spc="0">
+                          <a:solidFill>
+                            <a:srgbClr val="020302"/>
+                          </a:solidFill>
+                          <a:latin typeface="AdobeClean-Light"/>
+                          <a:cs typeface="AdobeClean-Light"/>
+                        </a:rPr>
+                        <a:t> / </a:t>
+                      </a:r>
+                      <a:r>
+                        <a:rPr sz="900" spc="0">
+                          <a:solidFill>
+                            <a:srgbClr val="020302"/>
+                          </a:solidFill>
+                          <a:latin typeface="AdobeClean-Light"/>
+                          <a:cs typeface="AdobeClean-Light"/>
+                        </a:rPr>
+                        <a:t>6</a:t>
+                      </a:r>
+                      <a:r>
+                        <a:rPr lang="en-US" sz="900" spc="0">
+                          <a:solidFill>
+                            <a:srgbClr val="020302"/>
+                          </a:solidFill>
+                          <a:latin typeface="AdobeClean-Light"/>
+                          <a:cs typeface="AdobeClean-Light"/>
+                        </a:rPr>
+                        <a:t> </a:t>
+                      </a:r>
+                      <a:r>
+                        <a:rPr sz="900" spc="0">
+                          <a:solidFill>
+                            <a:srgbClr val="020302"/>
+                          </a:solidFill>
+                          <a:latin typeface="AdobeClean-Light"/>
+                          <a:cs typeface="AdobeClean-Light"/>
+                        </a:rPr>
+                        <a:t>hours</a:t>
+                      </a:r>
+                      <a:endParaRPr sz="900" spc="0">
                         <a:latin typeface="AdobeClean-Light"/>
                         <a:cs typeface="AdobeClean-Light"/>
                       </a:endParaRPr>
                     </a:p>
                   </a:txBody>
-                  <a:tcPr anchor="ctr">
+                  <a:tcPr marL="0" marR="0" marT="91440" marB="91440" anchor="ctr" anchorCtr="1">
                     <a:lnL w="3175">
                       <a:solidFill>
                         <a:srgbClr val="B7B8B8"/>
@@ -2750,22 +3360,82 @@
                         </a:spcBef>
                       </a:pPr>
                       <a:r>
-                        <a:rPr lang="en-US" sz="900" spc="0" dirty="0">
+                        <a:rPr sz="900" spc="0">
                           <a:solidFill>
                             <a:srgbClr val="020302"/>
                           </a:solidFill>
                           <a:latin typeface="AdobeClean-Light"/>
                           <a:cs typeface="AdobeClean-Light"/>
                         </a:rPr>
-                        <a:t>营业时间/4 小时</a:t>
+                        <a:t>Business</a:t>
                       </a:r>
-                      <a:endParaRPr sz="900" spc="0" dirty="0">
+                      <a:r>
+                        <a:rPr lang="en-US" sz="900" spc="0">
+                          <a:solidFill>
+                            <a:srgbClr val="020302"/>
+                          </a:solidFill>
+                          <a:latin typeface="AdobeClean-Light"/>
+                          <a:cs typeface="AdobeClean-Light"/>
+                        </a:rPr>
+                        <a:t> </a:t>
+                      </a:r>
+                      <a:r>
+                        <a:rPr sz="900" spc="0">
+                          <a:solidFill>
+                            <a:srgbClr val="020302"/>
+                          </a:solidFill>
+                          <a:latin typeface="AdobeClean-Light"/>
+                          <a:cs typeface="AdobeClean-Light"/>
+                        </a:rPr>
+                        <a:t>hours</a:t>
+                      </a:r>
+                      <a:r>
+                        <a:rPr lang="en-US" sz="900" spc="0">
+                          <a:solidFill>
+                            <a:srgbClr val="020302"/>
+                          </a:solidFill>
+                          <a:latin typeface="AdobeClean-Light"/>
+                          <a:cs typeface="AdobeClean-Light"/>
+                        </a:rPr>
+                        <a:t> </a:t>
+                      </a:r>
+                      <a:r>
+                        <a:rPr sz="900" spc="0">
+                          <a:solidFill>
+                            <a:srgbClr val="020302"/>
+                          </a:solidFill>
+                          <a:latin typeface="AdobeClean-Light"/>
+                          <a:cs typeface="AdobeClean-Light"/>
+                        </a:rPr>
+                        <a:t>/ 4</a:t>
+                      </a:r>
+                      <a:r>
+                        <a:rPr lang="en-US" sz="900" spc="0">
+                          <a:solidFill>
+                            <a:srgbClr val="020302"/>
+                          </a:solidFill>
+                          <a:latin typeface="AdobeClean-Light"/>
+                          <a:cs typeface="AdobeClean-Light"/>
+                        </a:rPr>
+                        <a:t> </a:t>
+                      </a:r>
+                      <a:r>
+                        <a:rPr sz="900" spc="0">
+                          <a:solidFill>
+                            <a:srgbClr val="020302"/>
+                          </a:solidFill>
+                          <a:latin typeface="AdobeClean-Light"/>
+                          <a:cs typeface="AdobeClean-Light"/>
+                        </a:rPr>
+                        <a:t>hours</a:t>
+                      </a:r>
+                      <a:endParaRPr sz="900" spc="0">
                         <a:latin typeface="AdobeClean-Light"/>
                         <a:cs typeface="AdobeClean-Light"/>
                       </a:endParaRPr>
                     </a:p>
                   </a:txBody>
-                  <a:tcPr anchor="ctr">
+                  <a:tcPr marL="0" marR="0" marT="91440" marB="91440" anchor="ctr" anchorCtr="1">
                     <a:lnL w="3175">
                       <a:solidFill>
                         <a:srgbClr val="B7B8B8"/>
@@ -2803,7 +3473,7 @@
                   </a:ext>
                 </a:extLst>
               </a:tr>
-              <a:tr h="359998">
+              <a:tr h="388333">
                 <a:tc>
                   <a:txBody>
                     <a:bodyPr/>
@@ -2818,16 +3488,16 @@
                         </a:spcBef>
                       </a:pPr>
                       <a:r>
-                        <a:rPr lang="en-US" sz="900" b="1" spc="0" dirty="0">
+                        <a:rPr sz="900" b="1" spc="0">
                           <a:solidFill>
                             <a:srgbClr val="020302"/>
                           </a:solidFill>
                           <a:latin typeface="Adobe Clean"/>
                           <a:cs typeface="Adobe Clean"/>
                         </a:rPr>
-                        <a:t>优先级 4</a:t>
+                        <a:t>PRIORITY 4</a:t>
                       </a:r>
-                      <a:endParaRPr sz="900" spc="0" dirty="0">
+                      <a:endParaRPr sz="900" spc="0">
                         <a:latin typeface="Adobe Clean"/>
                         <a:cs typeface="Adobe Clean"/>
                       </a:endParaRPr>
@@ -2847,33 +3517,20 @@
                         <a:buSzTx/>
                         <a:buFontTx/>
                         <a:buNone/>
+                        <a:tabLst/>
                         <a:defRPr/>
                       </a:pPr>
                       <a:r>
-                        <a:rPr lang="en-US" sz="900" b="0" i="0" spc="0" dirty="0">
+                        <a:rPr lang="en-US" sz="900" b="0" i="0" spc="0">
                           <a:solidFill>
                             <a:srgbClr val="000000"/>
                           </a:solidFill>
                           <a:effectLst/>
                           <a:latin typeface="Adobe Clean Light" panose="020B0303020404020204" pitchFamily="34" charset="0"/>
                         </a:rPr>
-                        <a:t>有关当前产品功能或增强功能请求的常见问题</a:t>
+                        <a:t>General question regarding current product functionality or an enhancement request</a:t>
                       </a:r>
-                      <a:r>
-                        <a:rPr lang="zh-CN" altLang="en-US" sz="900" b="0" i="0" spc="0" dirty="0">
-                          <a:solidFill>
-                            <a:srgbClr val="000000"/>
-                          </a:solidFill>
-                          <a:effectLst/>
-                          <a:latin typeface="Adobe Clean Light" panose="020B0303020404020204" pitchFamily="34" charset="0"/>
-                        </a:rPr>
-                        <a:t>。</a:t>
-                      </a:r>
-                      <a:endParaRPr lang="zh-CN" altLang="en-US" sz="900" b="0" i="0" spc="0" dirty="0">
-                        <a:solidFill>
-                          <a:srgbClr val="000000"/>
-                        </a:solidFill>
-                        <a:effectLst/>
+                      <a:endParaRPr lang="en-US" sz="900" b="0" i="0" spc="0">
                         <a:latin typeface="Adobe Clean Light" panose="020B0303020404020204" pitchFamily="34" charset="0"/>
                         <a:cs typeface="AdobeClean-Light"/>
                       </a:endParaRPr>
@@ -2920,22 +3577,72 @@
                         </a:spcBef>
                       </a:pPr>
                       <a:r>
-                        <a:rPr lang="en-US" sz="900" spc="0" dirty="0">
+                        <a:rPr lang="en-US" sz="900" spc="0">
                           <a:solidFill>
                             <a:srgbClr val="020302"/>
                           </a:solidFill>
                           <a:latin typeface="AdobeClean-Light"/>
                           <a:cs typeface="AdobeClean-Light"/>
                         </a:rPr>
-                        <a:t>工作日/3 天</a:t>
+                        <a:t>  </a:t>
                       </a:r>
-                      <a:endParaRPr sz="900" spc="0" dirty="0">
+                      <a:r>
+                        <a:rPr sz="900" spc="0">
+                          <a:solidFill>
+                            <a:srgbClr val="020302"/>
+                          </a:solidFill>
+                          <a:latin typeface="AdobeClean-Light"/>
+                          <a:cs typeface="AdobeClean-Light"/>
+                        </a:rPr>
+                        <a:t>Business</a:t>
+                      </a:r>
+                      <a:r>
+                        <a:rPr lang="en-US" sz="900" spc="0">
+                          <a:solidFill>
+                            <a:srgbClr val="020302"/>
+                          </a:solidFill>
+                          <a:latin typeface="AdobeClean-Light"/>
+                          <a:cs typeface="AdobeClean-Light"/>
+                        </a:rPr>
+                        <a:t> </a:t>
+                      </a:r>
+                      <a:r>
+                        <a:rPr sz="900" spc="0">
+                          <a:solidFill>
+                            <a:srgbClr val="020302"/>
+                          </a:solidFill>
+                          <a:latin typeface="AdobeClean-Light"/>
+                          <a:cs typeface="AdobeClean-Light"/>
+                        </a:rPr>
+                        <a:t>days</a:t>
+                      </a:r>
+                      <a:r>
+                        <a:rPr lang="en-US" sz="900" spc="0">
+                          <a:solidFill>
+                            <a:srgbClr val="020302"/>
+                          </a:solidFill>
+                          <a:latin typeface="AdobeClean-Light"/>
+                          <a:cs typeface="AdobeClean-Light"/>
+                        </a:rPr>
+                        <a:t> / </a:t>
+                      </a:r>
+                      <a:r>
+                        <a:rPr sz="900" spc="0">
+                          <a:solidFill>
+                            <a:srgbClr val="020302"/>
+                          </a:solidFill>
+                          <a:latin typeface="AdobeClean-Light"/>
+                          <a:cs typeface="AdobeClean-Light"/>
+                        </a:rPr>
+                        <a:t>3 days</a:t>
+                      </a:r>
+                      <a:endParaRPr sz="900" spc="0">
                         <a:latin typeface="AdobeClean-Light"/>
                         <a:cs typeface="AdobeClean-Light"/>
                       </a:endParaRPr>
                     </a:p>
                   </a:txBody>
-                  <a:tcPr anchor="ctr">
+                  <a:tcPr marL="0" marR="0" marT="91440" marB="91440" anchor="ctr" anchorCtr="1">
                     <a:lnL w="3175">
                       <a:solidFill>
                         <a:srgbClr val="B7B8B8"/>
@@ -2976,42 +3683,82 @@
                         </a:spcBef>
                       </a:pPr>
                       <a:r>
-                        <a:rPr lang="en-US" sz="900" spc="0" dirty="0">
+                        <a:rPr sz="900" spc="0">
                           <a:solidFill>
                             <a:srgbClr val="020302"/>
                           </a:solidFill>
                           <a:latin typeface="AdobeClean-Light"/>
                           <a:cs typeface="AdobeClean-Light"/>
                         </a:rPr>
-                        <a:t>工作日/</a:t>
+                        <a:t>Business</a:t>
                       </a:r>
-                    </a:p>
-                    <a:p>
-                      <a:pPr marL="370840" marR="223520" indent="-202565" algn="ctr">
-                        <a:lnSpc>
-                          <a:spcPct val="100000"/>
-                        </a:lnSpc>
-                        <a:spcBef>
-                          <a:spcPts val="155"/>
-                        </a:spcBef>
-                      </a:pPr>
                       <a:r>
-                        <a:rPr lang="en-US" sz="900" spc="0" dirty="0">
+                        <a:rPr lang="en-US" sz="900" spc="0">
                           <a:solidFill>
                             <a:srgbClr val="020302"/>
                           </a:solidFill>
                           <a:latin typeface="AdobeClean-Light"/>
                           <a:cs typeface="AdobeClean-Light"/>
                         </a:rPr>
-                        <a:t> 1 天</a:t>
+                        <a:t> </a:t>
                       </a:r>
-                      <a:endParaRPr sz="900" spc="0" dirty="0">
+                      <a:r>
+                        <a:rPr sz="900" spc="0">
+                          <a:solidFill>
+                            <a:srgbClr val="020302"/>
+                          </a:solidFill>
+                          <a:latin typeface="AdobeClean-Light"/>
+                          <a:cs typeface="AdobeClean-Light"/>
+                        </a:rPr>
+                        <a:t>day</a:t>
+                      </a:r>
+                      <a:r>
+                        <a:rPr lang="en-US" sz="900" spc="0">
+                          <a:solidFill>
+                            <a:srgbClr val="020302"/>
+                          </a:solidFill>
+                          <a:latin typeface="AdobeClean-Light"/>
+                          <a:cs typeface="AdobeClean-Light"/>
+                        </a:rPr>
+                        <a:t>s </a:t>
+                      </a:r>
+                      <a:r>
+                        <a:rPr sz="900" spc="0">
+                          <a:solidFill>
+                            <a:srgbClr val="020302"/>
+                          </a:solidFill>
+                          <a:latin typeface="AdobeClean-Light"/>
+                          <a:cs typeface="AdobeClean-Light"/>
+                        </a:rPr>
+                        <a:t>/</a:t>
+                      </a:r>
+                      <a:r>
+                        <a:rPr lang="en-US" sz="900" spc="0">
+                          <a:solidFill>
+                            <a:srgbClr val="020302"/>
+                          </a:solidFill>
+                          <a:latin typeface="AdobeClean-Light"/>
+                          <a:cs typeface="AdobeClean-Light"/>
+                        </a:rPr>
+                        <a:t> </a:t>
+                      </a:r>
+                      <a:r>
+                        <a:rPr sz="900" spc="0">
+                          <a:solidFill>
+                            <a:srgbClr val="020302"/>
+                          </a:solidFill>
+                          <a:latin typeface="AdobeClean-Light"/>
+                          <a:cs typeface="AdobeClean-Light"/>
+                        </a:rPr>
+                        <a:t>1 day</a:t>
+                      </a:r>
+                      <a:endParaRPr sz="900" spc="0">
                         <a:latin typeface="AdobeClean-Light"/>
                         <a:cs typeface="AdobeClean-Light"/>
                       </a:endParaRPr>
                     </a:p>
                   </a:txBody>
-                  <a:tcPr anchor="ctr">
+                  <a:tcPr marL="0" marR="0" marT="91440" marB="91440" anchor="ctr" anchorCtr="1">
                     <a:lnL w="3175">
                       <a:solidFill>
                         <a:srgbClr val="B7B8B8"/>
@@ -3055,14 +3802,22 @@
       </p:graphicFrame>
       <p:graphicFrame>
         <p:nvGraphicFramePr>
-          <p:cNvPr id="11" name="object 8"/>
+          <p:cNvPr id="11" name="object 8">
+            <a:extLst>
+              <a:ext uri="{FF2B5EF4-FFF2-40B4-BE49-F238E27FC236}">
+                <a16:creationId xmlns:a16="http://schemas.microsoft.com/office/drawing/2014/main" id="{3AC7AEA2-E7A4-BD48-80EA-856168E207F6}"/>
+              </a:ext>
+            </a:extLst>
+          </p:cNvPr>
           <p:cNvGraphicFramePr>
             <a:graphicFrameLocks noGrp="1"/>
           </p:cNvGraphicFramePr>
           <p:nvPr>
-            <p:custDataLst>
-              <p:tags r:id="rId2"/>
-            </p:custDataLst>
+            <p:extLst>
+              <p:ext uri="{D42A27DB-BD31-4B8C-83A1-F6EECF244321}">
+                <p14:modId xmlns:p14="http://schemas.microsoft.com/office/powerpoint/2010/main" val="116851390"/>
+              </p:ext>
+            </p:extLst>
           </p:nvPr>
         </p:nvGraphicFramePr>
         <p:xfrm>
@@ -3079,7 +3834,7 @@
                 <a:gridCol w="1513599">
                   <a:extLst>
                     <a:ext uri="{9D8B030D-6E8A-4147-A177-3AD203B41FA5}">
-                      <a16:colId xmlns:a16="http://schemas.microsoft.com/office/drawing/2014/main" val="20000"/>
+                      <a16:colId xmlns:a16="http://schemas.microsoft.com/office/drawing/2014/main" val="1674920574"/>
                     </a:ext>
                   </a:extLst>
                 </a:gridCol>
@@ -3093,7 +3848,7 @@
                 <a:gridCol w="1425889">
                   <a:extLst>
                     <a:ext uri="{9D8B030D-6E8A-4147-A177-3AD203B41FA5}">
-                      <a16:colId xmlns:a16="http://schemas.microsoft.com/office/drawing/2014/main" val="20002"/>
+                      <a16:colId xmlns:a16="http://schemas.microsoft.com/office/drawing/2014/main" val="2563521174"/>
                     </a:ext>
                   </a:extLst>
                 </a:gridCol>
@@ -3111,7 +3866,7 @@
                     <a:bodyPr/>
                     <a:lstStyle/>
                     <a:p>
-                      <a:endParaRPr lang="en-US" dirty="0"/>
+                      <a:endParaRPr lang="en-US"/>
                     </a:p>
                   </a:txBody>
                   <a:tcPr/>
@@ -3121,7 +3876,7 @@
                     <a:bodyPr/>
                     <a:lstStyle/>
                     <a:p>
-                      <a:endParaRPr lang="en-US"/>
+                      <a:endParaRPr/>
                     </a:p>
                   </a:txBody>
                   <a:tcPr marL="0" marR="0" marT="0" marB="0"/>
@@ -3145,19 +3900,40 @@
                         <a:buSzTx/>
                         <a:buFontTx/>
                         <a:buNone/>
+                        <a:tabLst/>
                         <a:defRPr/>
                       </a:pPr>
                       <a:r>
-                        <a:rPr lang="en-US" sz="900" spc="-20" dirty="0">
+                        <a:rPr lang="en-US" sz="900" spc="-20">
                           <a:solidFill>
                             <a:srgbClr val="404040"/>
                           </a:solidFill>
                           <a:latin typeface="Adobe Clean"/>
                           <a:cs typeface="Adobe Clean"/>
                         </a:rPr>
-                        <a:t>在线支持</a:t>
+                        <a:t>Online </a:t>
                       </a:r>
-                      <a:endParaRPr lang="en-US" sz="900" dirty="0">
+                      <a:r>
+                        <a:rPr lang="en-US" sz="900" spc="-135">
+                          <a:solidFill>
+                            <a:srgbClr val="404040"/>
+                          </a:solidFill>
+                          <a:latin typeface="Adobe Clean"/>
+                          <a:cs typeface="Adobe Clean"/>
+                        </a:rPr>
+                        <a:t> </a:t>
+                      </a:r>
+                      <a:r>
+                        <a:rPr lang="en-US" sz="900" spc="-20">
+                          <a:solidFill>
+                            <a:srgbClr val="404040"/>
+                          </a:solidFill>
+                          <a:latin typeface="Adobe Clean"/>
+                          <a:cs typeface="Adobe Clean"/>
+                        </a:rPr>
+                        <a:t>Support</a:t>
+                      </a:r>
+                      <a:endParaRPr lang="en-US" sz="900">
                         <a:latin typeface="Adobe Clean"/>
                         <a:cs typeface="Adobe Clean"/>
                       </a:endParaRPr>
@@ -3201,16 +3977,36 @@
                         </a:spcBef>
                       </a:pPr>
                       <a:r>
-                        <a:rPr lang="en-US" sz="900" spc="-20" dirty="0">
+                        <a:rPr sz="900" spc="-20">
                           <a:solidFill>
                             <a:srgbClr val="FFFFFF"/>
                           </a:solidFill>
                           <a:latin typeface="Adobe Clean"/>
                           <a:cs typeface="Adobe Clean"/>
                         </a:rPr>
-                        <a:t>商业支持</a:t>
+                        <a:t>Business</a:t>
                       </a:r>
-                      <a:endParaRPr sz="900" dirty="0">
+                      <a:r>
+                        <a:rPr lang="en-US" sz="900" spc="-20">
+                          <a:solidFill>
+                            <a:srgbClr val="FFFFFF"/>
+                          </a:solidFill>
+                          <a:latin typeface="Adobe Clean"/>
+                          <a:cs typeface="Adobe Clean"/>
+                        </a:rPr>
+                        <a:t> </a:t>
+                      </a:r>
+                      <a:r>
+                        <a:rPr sz="900" spc="-20">
+                          <a:solidFill>
+                            <a:srgbClr val="FFFFFF"/>
+                          </a:solidFill>
+                          <a:latin typeface="Adobe Clean"/>
+                          <a:cs typeface="Adobe Clean"/>
+                        </a:rPr>
+                        <a:t>Support</a:t>
+                      </a:r>
+                      <a:endParaRPr sz="900">
                         <a:latin typeface="Adobe Clean"/>
                         <a:cs typeface="Adobe Clean"/>
                       </a:endParaRPr>
@@ -3258,7 +4054,7 @@
                     <a:bodyPr/>
                     <a:lstStyle/>
                     <a:p>
-                      <a:endParaRPr lang="en-US" dirty="0"/>
+                      <a:endParaRPr lang="en-US"/>
                     </a:p>
                   </a:txBody>
                   <a:tcPr/>
@@ -3268,7 +4064,7 @@
                     <a:bodyPr/>
                     <a:lstStyle/>
                     <a:p>
-                      <a:endParaRPr lang="en-US"/>
+                      <a:endParaRPr/>
                     </a:p>
                   </a:txBody>
                   <a:tcPr marL="0" marR="0" marT="0" marB="0"/>
@@ -3292,9 +4088,10 @@
                         <a:buSzTx/>
                         <a:buFontTx/>
                         <a:buNone/>
+                        <a:tabLst/>
                         <a:defRPr/>
                       </a:pPr>
-                      <a:endParaRPr lang="en-US" sz="800" i="1" dirty="0">
+                      <a:endParaRPr lang="en-US" sz="800" i="1">
                         <a:solidFill>
                           <a:sysClr val="windowText" lastClr="000000"/>
                         </a:solidFill>
@@ -3354,16 +4151,17 @@
                         <a:buSzTx/>
                         <a:buFontTx/>
                         <a:buNone/>
+                        <a:tabLst/>
                         <a:defRPr/>
                       </a:pPr>
                       <a:r>
-                        <a:rPr lang="en-US" sz="800" i="1" dirty="0">
+                        <a:rPr lang="en-US" sz="800" i="1">
                           <a:solidFill>
                             <a:schemeClr val="bg1"/>
                           </a:solidFill>
                           <a:latin typeface="Adobe Clean Light" panose="020B0303020404020204" pitchFamily="34" charset="0"/>
                         </a:rPr>
-                        <a:t>Adobe 支持 ($)</a:t>
+                        <a:t>Paid Support ($)</a:t>
                       </a:r>
                     </a:p>
                   </a:txBody>
@@ -3427,16 +4225,16 @@
                         </a:spcBef>
                       </a:pPr>
                       <a:r>
-                        <a:rPr lang="en-US" sz="1000" b="1" i="0" spc="0" dirty="0">
+                        <a:rPr lang="en-US" sz="1000" b="1" i="0" spc="0">
                           <a:solidFill>
                             <a:schemeClr val="bg1"/>
                           </a:solidFill>
                           <a:latin typeface="Adobe Clean" panose="020B0503020404020204" pitchFamily="34" charset="0"/>
                           <a:cs typeface="AdobeClean-Light"/>
                         </a:rPr>
-                        <a:t>分配的专家</a:t>
+                        <a:t>Assigned Experts</a:t>
                       </a:r>
-                      <a:endParaRPr sz="1000" b="1" i="0" spc="0" dirty="0">
+                      <a:endParaRPr sz="1000" b="1" i="0" spc="0">
                         <a:solidFill>
                           <a:schemeClr val="bg1"/>
                         </a:solidFill>
@@ -3485,20 +4283,20 @@
                           <a:spcPct val="100000"/>
                         </a:lnSpc>
                         <a:spcBef>
-                          <a:spcPts val="460"/>
+                          <a:spcPts val="459"/>
                         </a:spcBef>
                       </a:pPr>
                       <a:r>
-                        <a:rPr lang="en-US" sz="900" spc="0" dirty="0">
+                        <a:rPr sz="900" spc="0">
                           <a:solidFill>
                             <a:srgbClr val="020302"/>
                           </a:solidFill>
                           <a:latin typeface="AdobeClean-Light"/>
                           <a:cs typeface="AdobeClean-Light"/>
                         </a:rPr>
-                        <a:t>帐户支持主管</a:t>
+                        <a:t>Account Support Lead</a:t>
                       </a:r>
-                      <a:endParaRPr sz="900" spc="0" dirty="0">
+                      <a:endParaRPr sz="900" spc="0">
                         <a:latin typeface="AdobeClean-Light"/>
                         <a:cs typeface="AdobeClean-Light"/>
                       </a:endParaRPr>
@@ -3544,9 +4342,9 @@
                           <a:spcPts val="470"/>
                         </a:spcBef>
                       </a:pPr>
-                      <a:endParaRPr sz="900" dirty="0">
-                        <a:latin typeface="Wingdings" panose="05000000000000000000"/>
-                        <a:cs typeface="Wingdings" panose="05000000000000000000"/>
+                      <a:endParaRPr sz="900">
+                        <a:latin typeface="Wingdings"/>
+                        <a:cs typeface="Wingdings"/>
                       </a:endParaRPr>
                     </a:p>
                   </a:txBody>
@@ -3586,18 +4384,18 @@
                         </a:spcBef>
                       </a:pPr>
                       <a:r>
-                        <a:rPr lang="en-US" sz="900" dirty="0">
+                        <a:rPr sz="900">
                           <a:solidFill>
                             <a:srgbClr val="020302"/>
                           </a:solidFill>
-                          <a:latin typeface="Wingdings" panose="05000000000000000000"/>
-                          <a:cs typeface="Wingdings" panose="05000000000000000000"/>
+                          <a:latin typeface="Wingdings"/>
+                          <a:cs typeface="Wingdings"/>
                         </a:rPr>
                         <a:t></a:t>
                       </a:r>
-                      <a:endParaRPr sz="900" dirty="0">
-                        <a:latin typeface="Wingdings" panose="05000000000000000000"/>
-                        <a:cs typeface="Wingdings" panose="05000000000000000000"/>
+                      <a:endParaRPr sz="900">
+                        <a:latin typeface="Wingdings"/>
+                        <a:cs typeface="Wingdings"/>
                       </a:endParaRPr>
                     </a:p>
                   </a:txBody>
@@ -3630,7 +4428,18 @@
                     <a:bodyPr/>
                     <a:lstStyle/>
                     <a:p>
-                      <a:endParaRPr lang="en-US"/>
+                      <a:pPr marL="50800">
+                        <a:lnSpc>
+                          <a:spcPct val="100000"/>
+                        </a:lnSpc>
+                        <a:spcBef>
+                          <a:spcPts val="459"/>
+                        </a:spcBef>
+                      </a:pPr>
+                      <a:endParaRPr sz="900">
+                        <a:latin typeface="AdobeClean-Light"/>
+                        <a:cs typeface="AdobeClean-Light"/>
+                      </a:endParaRPr>
                     </a:p>
                   </a:txBody>
                   <a:tcPr marL="0" marR="0" marT="58419" marB="0">
@@ -3661,20 +4470,20 @@
                           <a:spcPct val="100000"/>
                         </a:lnSpc>
                         <a:spcBef>
-                          <a:spcPts val="460"/>
+                          <a:spcPts val="459"/>
                         </a:spcBef>
                       </a:pPr>
                       <a:r>
-                        <a:rPr lang="en-US" sz="900" spc="0" dirty="0">
+                        <a:rPr sz="900" spc="0">
                           <a:solidFill>
                             <a:srgbClr val="020302"/>
                           </a:solidFill>
                           <a:latin typeface="AdobeClean-Light"/>
                           <a:cs typeface="AdobeClean-Light"/>
                         </a:rPr>
-                        <a:t>指定的支持工程师</a:t>
+                        <a:t>Named Support Engineer</a:t>
                       </a:r>
-                      <a:endParaRPr sz="900" spc="0" dirty="0">
+                      <a:endParaRPr sz="900" spc="0">
                         <a:latin typeface="AdobeClean-Light"/>
                         <a:cs typeface="AdobeClean-Light"/>
                       </a:endParaRPr>
@@ -3705,9 +4514,9 @@
                           <a:spcPct val="100000"/>
                         </a:lnSpc>
                       </a:pPr>
-                      <a:endParaRPr sz="900" dirty="0">
-                        <a:latin typeface="Times New Roman" panose="02020603050405020304"/>
-                        <a:cs typeface="Times New Roman" panose="02020603050405020304"/>
+                      <a:endParaRPr sz="900">
+                        <a:latin typeface="Times New Roman"/>
+                        <a:cs typeface="Times New Roman"/>
                       </a:endParaRPr>
                     </a:p>
                   </a:txBody>
@@ -3734,9 +4543,9 @@
                           <a:spcPct val="100000"/>
                         </a:lnSpc>
                       </a:pPr>
-                      <a:endParaRPr sz="900" dirty="0">
-                        <a:latin typeface="Times New Roman" panose="02020603050405020304"/>
-                        <a:cs typeface="Times New Roman" panose="02020603050405020304"/>
+                      <a:endParaRPr sz="900">
+                        <a:latin typeface="Times New Roman"/>
+                        <a:cs typeface="Times New Roman"/>
                       </a:endParaRPr>
                     </a:p>
                   </a:txBody>
@@ -3760,7 +4569,18 @@
                     <a:bodyPr/>
                     <a:lstStyle/>
                     <a:p>
-                      <a:endParaRPr lang="en-US"/>
+                      <a:pPr marL="50800">
+                        <a:lnSpc>
+                          <a:spcPct val="100000"/>
+                        </a:lnSpc>
+                        <a:spcBef>
+                          <a:spcPts val="500"/>
+                        </a:spcBef>
+                      </a:pPr>
+                      <a:endParaRPr sz="900">
+                        <a:latin typeface="AdobeClean-Light"/>
+                        <a:cs typeface="AdobeClean-Light"/>
+                      </a:endParaRPr>
                     </a:p>
                   </a:txBody>
                   <a:tcPr marL="0" marR="0" marT="63500" marB="0">
@@ -3807,16 +4627,16 @@
                         </a:spcBef>
                       </a:pPr>
                       <a:r>
-                        <a:rPr lang="en-US" sz="900" spc="0" dirty="0">
+                        <a:rPr sz="900" spc="0">
                           <a:solidFill>
                             <a:srgbClr val="020302"/>
                           </a:solidFill>
                           <a:latin typeface="AdobeClean-Light"/>
                           <a:cs typeface="AdobeClean-Light"/>
                         </a:rPr>
-                        <a:t>技术客户经理</a:t>
+                        <a:t>Technical Account Manager</a:t>
                       </a:r>
-                      <a:endParaRPr sz="900" spc="0" dirty="0">
+                      <a:endParaRPr sz="900" spc="0">
                         <a:latin typeface="AdobeClean-Light"/>
                         <a:cs typeface="AdobeClean-Light"/>
                       </a:endParaRPr>
@@ -3853,9 +4673,9 @@
                           <a:spcPct val="100000"/>
                         </a:lnSpc>
                       </a:pPr>
-                      <a:endParaRPr sz="900" dirty="0">
-                        <a:latin typeface="Times New Roman" panose="02020603050405020304"/>
-                        <a:cs typeface="Times New Roman" panose="02020603050405020304"/>
+                      <a:endParaRPr sz="900">
+                        <a:latin typeface="Times New Roman"/>
+                        <a:cs typeface="Times New Roman"/>
                       </a:endParaRPr>
                     </a:p>
                   </a:txBody>
@@ -3891,9 +4711,9 @@
                           <a:spcPct val="100000"/>
                         </a:lnSpc>
                       </a:pPr>
-                      <a:endParaRPr sz="900" dirty="0">
-                        <a:latin typeface="Times New Roman" panose="02020603050405020304"/>
-                        <a:cs typeface="Times New Roman" panose="02020603050405020304"/>
+                      <a:endParaRPr sz="900">
+                        <a:latin typeface="Times New Roman"/>
+                        <a:cs typeface="Times New Roman"/>
                       </a:endParaRPr>
                     </a:p>
                   </a:txBody>
@@ -3931,20 +4751,20 @@
                           <a:spcPct val="100000"/>
                         </a:lnSpc>
                         <a:spcBef>
-                          <a:spcPts val="460"/>
+                          <a:spcPts val="459"/>
                         </a:spcBef>
                       </a:pPr>
                       <a:r>
-                        <a:rPr lang="en-US" sz="1000" b="1" i="0" spc="0" dirty="0">
+                        <a:rPr lang="en-US" sz="1000" b="1" i="0" spc="0">
                           <a:solidFill>
                             <a:schemeClr val="bg1"/>
                           </a:solidFill>
                           <a:latin typeface="Adobe Clean" panose="020B0503020404020204" pitchFamily="34" charset="0"/>
                           <a:cs typeface="AdobeClean-Light"/>
                         </a:rPr>
-                        <a:t>支持服务</a:t>
+                        <a:t>Support Services</a:t>
                       </a:r>
-                      <a:endParaRPr sz="1000" b="1" i="0" spc="0" dirty="0">
+                      <a:endParaRPr sz="1000" b="1" i="0" spc="0">
                         <a:solidFill>
                           <a:schemeClr val="bg1"/>
                         </a:solidFill>
@@ -4006,16 +4826,26 @@
                         </a:spcBef>
                       </a:pPr>
                       <a:r>
-                        <a:rPr lang="en-US" sz="900" spc="0" dirty="0">
+                        <a:rPr lang="en-US" sz="900" spc="0">
                           <a:solidFill>
                             <a:srgbClr val="020302"/>
                           </a:solidFill>
                           <a:latin typeface="AdobeClean-Light"/>
                           <a:cs typeface="AdobeClean-Light"/>
                         </a:rPr>
-                        <a:t>在线支持</a:t>
+                        <a:t>Online</a:t>
                       </a:r>
-                      <a:endParaRPr sz="900" spc="0" dirty="0">
+                      <a:r>
+                        <a:rPr sz="900" spc="0">
+                          <a:solidFill>
+                            <a:srgbClr val="020302"/>
+                          </a:solidFill>
+                          <a:latin typeface="AdobeClean-Light"/>
+                          <a:cs typeface="AdobeClean-Light"/>
+                        </a:rPr>
+                        <a:t> Support</a:t>
+                      </a:r>
+                      <a:endParaRPr sz="900" spc="0">
                         <a:latin typeface="AdobeClean-Light"/>
                         <a:cs typeface="AdobeClean-Light"/>
                       </a:endParaRPr>
@@ -4056,26 +4886,36 @@
                         </a:spcBef>
                       </a:pPr>
                       <a:r>
-                        <a:rPr lang="en-US" sz="900" spc="-25" dirty="0">
+                        <a:rPr sz="900" spc="-25">
                           <a:solidFill>
                             <a:srgbClr val="020302"/>
                           </a:solidFill>
                           <a:latin typeface="AdobeClean-Light"/>
                           <a:cs typeface="AdobeClean-Light"/>
                         </a:rPr>
-                        <a:t>营业</a:t>
+                        <a:t>Business</a:t>
                       </a:r>
                       <a:r>
-                        <a:rPr lang="en-US" sz="900" spc="-30" dirty="0">
+                        <a:rPr sz="900" spc="-15">
                           <a:solidFill>
                             <a:srgbClr val="020302"/>
                           </a:solidFill>
                           <a:latin typeface="AdobeClean-Light"/>
                           <a:cs typeface="AdobeClean-Light"/>
                         </a:rPr>
-                        <a:t>时间</a:t>
+                        <a:t> </a:t>
                       </a:r>
-                      <a:endParaRPr sz="900" dirty="0">
+                      <a:r>
+                        <a:rPr sz="900" spc="-30">
+                          <a:solidFill>
+                            <a:srgbClr val="020302"/>
+                          </a:solidFill>
+                          <a:latin typeface="AdobeClean-Light"/>
+                          <a:cs typeface="AdobeClean-Light"/>
+                        </a:rPr>
+                        <a:t>hours</a:t>
+                      </a:r>
+                      <a:endParaRPr sz="900">
                         <a:latin typeface="AdobeClean-Light"/>
                         <a:cs typeface="AdobeClean-Light"/>
                       </a:endParaRPr>
@@ -4117,26 +4957,36 @@
                         </a:spcBef>
                       </a:pPr>
                       <a:r>
-                        <a:rPr lang="en-US" sz="900" spc="-25" dirty="0">
+                        <a:rPr sz="900" spc="-25">
                           <a:solidFill>
                             <a:srgbClr val="020302"/>
                           </a:solidFill>
                           <a:latin typeface="AdobeClean-Light"/>
                           <a:cs typeface="AdobeClean-Light"/>
                         </a:rPr>
-                        <a:t>营业</a:t>
+                        <a:t>Business</a:t>
                       </a:r>
                       <a:r>
-                        <a:rPr lang="en-US" sz="900" spc="-30" dirty="0">
+                        <a:rPr sz="900" spc="-15">
                           <a:solidFill>
                             <a:srgbClr val="020302"/>
                           </a:solidFill>
                           <a:latin typeface="AdobeClean-Light"/>
                           <a:cs typeface="AdobeClean-Light"/>
                         </a:rPr>
-                        <a:t>时间</a:t>
+                        <a:t> </a:t>
                       </a:r>
-                      <a:endParaRPr sz="900" dirty="0">
+                      <a:r>
+                        <a:rPr sz="900" spc="-30">
+                          <a:solidFill>
+                            <a:srgbClr val="020302"/>
+                          </a:solidFill>
+                          <a:latin typeface="AdobeClean-Light"/>
+                          <a:cs typeface="AdobeClean-Light"/>
+                        </a:rPr>
+                        <a:t>hours</a:t>
+                      </a:r>
+                      <a:endParaRPr sz="900">
                         <a:latin typeface="AdobeClean-Light"/>
                         <a:cs typeface="AdobeClean-Light"/>
                       </a:endParaRPr>
@@ -4171,7 +5021,18 @@
                     <a:bodyPr/>
                     <a:lstStyle/>
                     <a:p>
-                      <a:endParaRPr lang="en-US"/>
+                      <a:pPr marL="50800">
+                        <a:lnSpc>
+                          <a:spcPct val="100000"/>
+                        </a:lnSpc>
+                        <a:spcBef>
+                          <a:spcPts val="455"/>
+                        </a:spcBef>
+                      </a:pPr>
+                      <a:endParaRPr sz="900">
+                        <a:latin typeface="AdobeClean-Light"/>
+                        <a:cs typeface="AdobeClean-Light"/>
+                      </a:endParaRPr>
                     </a:p>
                   </a:txBody>
                   <a:tcPr marL="0" marR="0" marT="57785" marB="0">
@@ -4209,16 +5070,36 @@
                         </a:spcBef>
                       </a:pPr>
                       <a:r>
-                        <a:rPr lang="en-US" sz="900" spc="0" dirty="0">
+                        <a:rPr sz="900" spc="0">
                           <a:solidFill>
                             <a:srgbClr val="020302"/>
                           </a:solidFill>
                           <a:latin typeface="AdobeClean-Light"/>
                           <a:cs typeface="AdobeClean-Light"/>
                         </a:rPr>
-                        <a:t>全天候 P1 问题支持</a:t>
+                        <a:t>24x7</a:t>
                       </a:r>
-                      <a:endParaRPr sz="900" spc="0" dirty="0">
+                      <a:r>
+                        <a:rPr lang="en-US" sz="900" spc="0">
+                          <a:solidFill>
+                            <a:srgbClr val="020302"/>
+                          </a:solidFill>
+                          <a:latin typeface="AdobeClean-Light"/>
+                          <a:cs typeface="AdobeClean-Light"/>
+                        </a:rPr>
+                        <a:t>x365</a:t>
+                      </a:r>
+                      <a:r>
+                        <a:rPr sz="900" spc="0">
+                          <a:solidFill>
+                            <a:srgbClr val="020302"/>
+                          </a:solidFill>
+                          <a:latin typeface="AdobeClean-Light"/>
+                          <a:cs typeface="AdobeClean-Light"/>
+                        </a:rPr>
+                        <a:t> P1 Issue Support</a:t>
+                      </a:r>
+                      <a:endParaRPr sz="900" spc="0">
                         <a:latin typeface="AdobeClean-Light"/>
                         <a:cs typeface="AdobeClean-Light"/>
                       </a:endParaRPr>
@@ -4249,22 +5130,22 @@
                           <a:spcPct val="100000"/>
                         </a:lnSpc>
                         <a:spcBef>
-                          <a:spcPts val="460"/>
+                          <a:spcPts val="459"/>
                         </a:spcBef>
                       </a:pPr>
                       <a:r>
-                        <a:rPr lang="en-US" sz="900" dirty="0">
+                        <a:rPr sz="900">
                           <a:solidFill>
                             <a:srgbClr val="020302"/>
                           </a:solidFill>
-                          <a:latin typeface="Wingdings" panose="05000000000000000000"/>
-                          <a:cs typeface="Wingdings" panose="05000000000000000000"/>
+                          <a:latin typeface="Wingdings"/>
+                          <a:cs typeface="Wingdings"/>
                         </a:rPr>
                         <a:t></a:t>
                       </a:r>
-                      <a:endParaRPr sz="900" dirty="0">
-                        <a:latin typeface="Wingdings" panose="05000000000000000000"/>
-                        <a:cs typeface="Wingdings" panose="05000000000000000000"/>
+                      <a:endParaRPr sz="900">
+                        <a:latin typeface="Wingdings"/>
+                        <a:cs typeface="Wingdings"/>
                       </a:endParaRPr>
                     </a:p>
                   </a:txBody>
@@ -4291,22 +5172,22 @@
                           <a:spcPct val="100000"/>
                         </a:lnSpc>
                         <a:spcBef>
-                          <a:spcPts val="460"/>
+                          <a:spcPts val="459"/>
                         </a:spcBef>
                       </a:pPr>
                       <a:r>
-                        <a:rPr lang="en-US" sz="900" dirty="0">
+                        <a:rPr sz="900">
                           <a:solidFill>
                             <a:srgbClr val="020302"/>
                           </a:solidFill>
-                          <a:latin typeface="Wingdings" panose="05000000000000000000"/>
-                          <a:cs typeface="Wingdings" panose="05000000000000000000"/>
+                          <a:latin typeface="Wingdings"/>
+                          <a:cs typeface="Wingdings"/>
                         </a:rPr>
                         <a:t></a:t>
                       </a:r>
-                      <a:endParaRPr sz="900" dirty="0">
-                        <a:latin typeface="Wingdings" panose="05000000000000000000"/>
-                        <a:cs typeface="Wingdings" panose="05000000000000000000"/>
+                      <a:endParaRPr sz="900">
+                        <a:latin typeface="Wingdings"/>
+                        <a:cs typeface="Wingdings"/>
                       </a:endParaRPr>
                     </a:p>
                   </a:txBody>
@@ -4330,7 +5211,18 @@
                     <a:bodyPr/>
                     <a:lstStyle/>
                     <a:p>
-                      <a:endParaRPr lang="en-US"/>
+                      <a:pPr marL="50800">
+                        <a:lnSpc>
+                          <a:spcPct val="100000"/>
+                        </a:lnSpc>
+                        <a:spcBef>
+                          <a:spcPts val="455"/>
+                        </a:spcBef>
+                      </a:pPr>
+                      <a:endParaRPr sz="900">
+                        <a:latin typeface="AdobeClean-Light"/>
+                        <a:cs typeface="AdobeClean-Light"/>
+                      </a:endParaRPr>
                     </a:p>
                   </a:txBody>
                   <a:tcPr marL="0" marR="0" marT="57785" marB="0">
@@ -4377,16 +5269,16 @@
                         </a:spcBef>
                       </a:pPr>
                       <a:r>
-                        <a:rPr lang="en-US" sz="900" spc="0" dirty="0">
+                        <a:rPr lang="en-US" sz="900" spc="0">
                           <a:solidFill>
                             <a:srgbClr val="020302"/>
                           </a:solidFill>
                           <a:latin typeface="AdobeClean-Light"/>
                           <a:cs typeface="AdobeClean-Light"/>
                         </a:rPr>
-                        <a:t>指定的支持联系人（按产品）</a:t>
+                        <a:t>Named Support Contacts (per product)</a:t>
                       </a:r>
-                      <a:endParaRPr sz="900" spc="0" dirty="0">
+                      <a:endParaRPr sz="900" spc="0">
                         <a:latin typeface="AdobeClean-Light"/>
                         <a:cs typeface="AdobeClean-Light"/>
                       </a:endParaRPr>
@@ -4427,7 +5319,7 @@
                         </a:spcBef>
                       </a:pPr>
                       <a:r>
-                        <a:rPr lang="en-US" sz="900" dirty="0">
+                        <a:rPr sz="900">
                           <a:solidFill>
                             <a:srgbClr val="020302"/>
                           </a:solidFill>
@@ -4436,7 +5328,7 @@
                         </a:rPr>
                         <a:t>4</a:t>
                       </a:r>
-                      <a:endParaRPr sz="900" dirty="0">
+                      <a:endParaRPr sz="900">
                         <a:latin typeface="AdobeClean-Light"/>
                         <a:cs typeface="AdobeClean-Light"/>
                       </a:endParaRPr>
@@ -4469,7 +5361,7 @@
                         </a:spcBef>
                       </a:pPr>
                       <a:r>
-                        <a:rPr lang="en-US" sz="900" dirty="0">
+                        <a:rPr sz="900">
                           <a:solidFill>
                             <a:srgbClr val="020302"/>
                           </a:solidFill>
@@ -4478,7 +5370,7 @@
                         </a:rPr>
                         <a:t>6</a:t>
                       </a:r>
-                      <a:endParaRPr sz="900" dirty="0">
+                      <a:endParaRPr sz="900">
                         <a:latin typeface="AdobeClean-Light"/>
                         <a:cs typeface="AdobeClean-Light"/>
                       </a:endParaRPr>
@@ -4504,7 +5396,18 @@
                     <a:bodyPr/>
                     <a:lstStyle/>
                     <a:p>
-                      <a:endParaRPr lang="en-US"/>
+                      <a:pPr marL="50800">
+                        <a:lnSpc>
+                          <a:spcPct val="100000"/>
+                        </a:lnSpc>
+                        <a:spcBef>
+                          <a:spcPts val="455"/>
+                        </a:spcBef>
+                      </a:pPr>
+                      <a:endParaRPr sz="900">
+                        <a:latin typeface="AdobeClean-Light"/>
+                        <a:cs typeface="AdobeClean-Light"/>
+                      </a:endParaRPr>
                     </a:p>
                   </a:txBody>
                   <a:tcPr marL="0" marR="0" marT="57785" marB="0">
@@ -4542,16 +5445,16 @@
                         </a:spcBef>
                       </a:pPr>
                       <a:r>
-                        <a:rPr lang="en-US" sz="900" spc="0" dirty="0">
+                        <a:rPr lang="en-US" sz="900" spc="0">
                           <a:solidFill>
                             <a:srgbClr val="020302"/>
                           </a:solidFill>
                           <a:latin typeface="AdobeClean-Light"/>
                           <a:cs typeface="AdobeClean-Light"/>
                         </a:rPr>
-                        <a:t>实时电话支持</a:t>
+                        <a:t>Live Telephone Support</a:t>
                       </a:r>
-                      <a:endParaRPr sz="900" spc="0" dirty="0">
+                      <a:endParaRPr sz="900" spc="0">
                         <a:latin typeface="AdobeClean-Light"/>
                         <a:cs typeface="AdobeClean-Light"/>
                       </a:endParaRPr>
@@ -4582,12 +5485,12 @@
                           <a:spcPct val="100000"/>
                         </a:lnSpc>
                         <a:spcBef>
-                          <a:spcPts val="465"/>
+                          <a:spcPts val="464"/>
                         </a:spcBef>
                       </a:pPr>
-                      <a:endParaRPr sz="900" dirty="0">
-                        <a:latin typeface="Wingdings" panose="05000000000000000000"/>
-                        <a:cs typeface="Wingdings" panose="05000000000000000000"/>
+                      <a:endParaRPr sz="900">
+                        <a:latin typeface="Wingdings"/>
+                        <a:cs typeface="Wingdings"/>
                       </a:endParaRPr>
                     </a:p>
                   </a:txBody>
@@ -4614,22 +5517,22 @@
                           <a:spcPct val="100000"/>
                         </a:lnSpc>
                         <a:spcBef>
-                          <a:spcPts val="465"/>
+                          <a:spcPts val="464"/>
                         </a:spcBef>
                       </a:pPr>
                       <a:r>
-                        <a:rPr lang="en-US" sz="900" dirty="0">
+                        <a:rPr sz="900">
                           <a:solidFill>
                             <a:srgbClr val="020302"/>
                           </a:solidFill>
-                          <a:latin typeface="Wingdings" panose="05000000000000000000"/>
-                          <a:cs typeface="Wingdings" panose="05000000000000000000"/>
+                          <a:latin typeface="Wingdings"/>
+                          <a:cs typeface="Wingdings"/>
                         </a:rPr>
                         <a:t></a:t>
                       </a:r>
-                      <a:endParaRPr sz="900" dirty="0">
-                        <a:latin typeface="Wingdings" panose="05000000000000000000"/>
-                        <a:cs typeface="Wingdings" panose="05000000000000000000"/>
+                      <a:endParaRPr sz="900">
+                        <a:latin typeface="Wingdings"/>
+                        <a:cs typeface="Wingdings"/>
                       </a:endParaRPr>
                     </a:p>
                   </a:txBody>
@@ -4653,7 +5556,18 @@
                     <a:bodyPr/>
                     <a:lstStyle/>
                     <a:p>
-                      <a:endParaRPr lang="en-US"/>
+                      <a:pPr marL="50800">
+                        <a:lnSpc>
+                          <a:spcPct val="100000"/>
+                        </a:lnSpc>
+                        <a:spcBef>
+                          <a:spcPts val="459"/>
+                        </a:spcBef>
+                      </a:pPr>
+                      <a:endParaRPr sz="900">
+                        <a:latin typeface="AdobeClean-Light"/>
+                        <a:cs typeface="AdobeClean-Light"/>
+                      </a:endParaRPr>
                     </a:p>
                   </a:txBody>
                   <a:tcPr marL="0" marR="0" marT="58419" marB="0">
@@ -4687,20 +5601,20 @@
                           <a:spcPct val="100000"/>
                         </a:lnSpc>
                         <a:spcBef>
-                          <a:spcPts val="460"/>
+                          <a:spcPts val="459"/>
                         </a:spcBef>
                       </a:pPr>
                       <a:r>
-                        <a:rPr lang="en-US" sz="900" spc="0" dirty="0">
+                        <a:rPr sz="900" spc="0">
                           <a:solidFill>
                             <a:srgbClr val="020302"/>
                           </a:solidFill>
                           <a:latin typeface="AdobeClean-Light"/>
                           <a:cs typeface="AdobeClean-Light"/>
                         </a:rPr>
-                        <a:t>上报管理</a:t>
+                        <a:t>Escalation Management</a:t>
                       </a:r>
-                      <a:endParaRPr sz="900" spc="0" dirty="0">
+                      <a:endParaRPr sz="900" spc="0">
                         <a:latin typeface="AdobeClean-Light"/>
                         <a:cs typeface="AdobeClean-Light"/>
                       </a:endParaRPr>
@@ -4734,9 +5648,9 @@
                           <a:spcPts val="470"/>
                         </a:spcBef>
                       </a:pPr>
-                      <a:endParaRPr sz="900" dirty="0">
-                        <a:latin typeface="Wingdings" panose="05000000000000000000"/>
-                        <a:cs typeface="Wingdings" panose="05000000000000000000"/>
+                      <a:endParaRPr sz="900">
+                        <a:latin typeface="Wingdings"/>
+                        <a:cs typeface="Wingdings"/>
                       </a:endParaRPr>
                     </a:p>
                   </a:txBody>
@@ -4767,18 +5681,18 @@
                         </a:spcBef>
                       </a:pPr>
                       <a:r>
-                        <a:rPr lang="en-US" sz="900" dirty="0">
+                        <a:rPr sz="900">
                           <a:solidFill>
                             <a:srgbClr val="020302"/>
                           </a:solidFill>
-                          <a:latin typeface="Wingdings" panose="05000000000000000000"/>
-                          <a:cs typeface="Wingdings" panose="05000000000000000000"/>
+                          <a:latin typeface="Wingdings"/>
+                          <a:cs typeface="Wingdings"/>
                         </a:rPr>
                         <a:t></a:t>
                       </a:r>
-                      <a:endParaRPr sz="900" dirty="0">
-                        <a:latin typeface="Wingdings" panose="05000000000000000000"/>
-                        <a:cs typeface="Wingdings" panose="05000000000000000000"/>
+                      <a:endParaRPr sz="900">
+                        <a:latin typeface="Wingdings"/>
+                        <a:cs typeface="Wingdings"/>
                       </a:endParaRPr>
                     </a:p>
                   </a:txBody>
@@ -4802,7 +5716,18 @@
                     <a:bodyPr/>
                     <a:lstStyle/>
                     <a:p>
-                      <a:endParaRPr lang="en-US"/>
+                      <a:pPr marL="50800">
+                        <a:lnSpc>
+                          <a:spcPct val="100000"/>
+                        </a:lnSpc>
+                        <a:spcBef>
+                          <a:spcPts val="450"/>
+                        </a:spcBef>
+                      </a:pPr>
+                      <a:endParaRPr sz="900">
+                        <a:latin typeface="AdobeClean-Light"/>
+                        <a:cs typeface="AdobeClean-Light"/>
+                      </a:endParaRPr>
                     </a:p>
                   </a:txBody>
                   <a:tcPr marL="0" marR="0" marT="57150" marB="0">
@@ -4840,16 +5765,26 @@
                         </a:spcBef>
                       </a:pPr>
                       <a:r>
-                        <a:rPr lang="en-US" sz="900" spc="0" dirty="0">
+                        <a:rPr sz="900" spc="0">
                           <a:solidFill>
                             <a:srgbClr val="020302"/>
                           </a:solidFill>
                           <a:latin typeface="AdobeClean-Light"/>
                           <a:cs typeface="AdobeClean-Light"/>
                         </a:rPr>
-                        <a:t>每年服务审查次数</a:t>
+                        <a:t>Service Reviews </a:t>
                       </a:r>
-                      <a:endParaRPr sz="900" spc="0" dirty="0">
+                      <a:r>
+                        <a:rPr lang="en-US" sz="900" spc="0">
+                          <a:solidFill>
+                            <a:srgbClr val="020302"/>
+                          </a:solidFill>
+                          <a:latin typeface="AdobeClean-Light"/>
+                          <a:cs typeface="AdobeClean-Light"/>
+                        </a:rPr>
+                        <a:t>per Year</a:t>
+                      </a:r>
+                      <a:endParaRPr sz="900" spc="0">
                         <a:latin typeface="AdobeClean-Light"/>
                         <a:cs typeface="AdobeClean-Light"/>
                       </a:endParaRPr>
@@ -4880,9 +5815,9 @@
                           <a:spcPct val="100000"/>
                         </a:lnSpc>
                       </a:pPr>
-                      <a:endParaRPr sz="900" dirty="0">
-                        <a:latin typeface="Times New Roman" panose="02020603050405020304"/>
-                        <a:cs typeface="Times New Roman" panose="02020603050405020304"/>
+                      <a:endParaRPr sz="900">
+                        <a:latin typeface="Times New Roman"/>
+                        <a:cs typeface="Times New Roman"/>
                       </a:endParaRPr>
                     </a:p>
                   </a:txBody>
@@ -4909,9 +5844,9 @@
                           <a:spcPct val="100000"/>
                         </a:lnSpc>
                       </a:pPr>
-                      <a:endParaRPr sz="900" dirty="0">
-                        <a:latin typeface="Times New Roman" panose="02020603050405020304"/>
-                        <a:cs typeface="Times New Roman" panose="02020603050405020304"/>
+                      <a:endParaRPr sz="900">
+                        <a:latin typeface="Times New Roman"/>
+                        <a:cs typeface="Times New Roman"/>
                       </a:endParaRPr>
                     </a:p>
                   </a:txBody>
@@ -4954,13 +5889,13 @@
                         </a:spcBef>
                       </a:pPr>
                       <a:r>
-                        <a:rPr lang="en-US" sz="900" spc="0" dirty="0">
+                        <a:rPr lang="en-US" sz="900" spc="0">
                           <a:latin typeface="AdobeClean-Light"/>
                           <a:cs typeface="AdobeClean-Light"/>
                         </a:rPr>
-                        <a:t>每年专家讲座数</a:t>
+                        <a:t>Expert Sessions per Year</a:t>
                       </a:r>
-                      <a:endParaRPr sz="900" spc="0" dirty="0">
+                      <a:endParaRPr sz="900" spc="0">
                         <a:latin typeface="AdobeClean-Light"/>
                         <a:cs typeface="AdobeClean-Light"/>
                       </a:endParaRPr>
@@ -4997,9 +5932,9 @@
                           <a:spcPct val="100000"/>
                         </a:lnSpc>
                       </a:pPr>
-                      <a:endParaRPr sz="900" dirty="0">
-                        <a:latin typeface="Times New Roman" panose="02020603050405020304"/>
-                        <a:cs typeface="Times New Roman" panose="02020603050405020304"/>
+                      <a:endParaRPr sz="900">
+                        <a:latin typeface="Times New Roman"/>
+                        <a:cs typeface="Times New Roman"/>
                       </a:endParaRPr>
                     </a:p>
                   </a:txBody>
@@ -5026,9 +5961,9 @@
                           <a:spcPct val="100000"/>
                         </a:lnSpc>
                       </a:pPr>
-                      <a:endParaRPr sz="900" dirty="0">
-                        <a:latin typeface="Times New Roman" panose="02020603050405020304"/>
-                        <a:cs typeface="Times New Roman" panose="02020603050405020304"/>
+                      <a:endParaRPr sz="900">
+                        <a:latin typeface="Times New Roman"/>
+                        <a:cs typeface="Times New Roman"/>
                       </a:endParaRPr>
                     </a:p>
                   </a:txBody>
@@ -5042,7 +5977,7 @@
                 </a:tc>
                 <a:extLst>
                   <a:ext uri="{0D108BD9-81ED-4DB2-BD59-A6C34878D82A}">
-                    <a16:rowId xmlns:a16="http://schemas.microsoft.com/office/drawing/2014/main" val="10011"/>
+                    <a16:rowId xmlns:a16="http://schemas.microsoft.com/office/drawing/2014/main" val="225399098"/>
                   </a:ext>
                 </a:extLst>
               </a:tr>
@@ -5071,13 +6006,13 @@
                         </a:spcBef>
                       </a:pPr>
                       <a:r>
-                        <a:rPr lang="en-US" sz="900" spc="0" dirty="0">
+                        <a:rPr lang="en-US" sz="900" spc="0">
                           <a:latin typeface="AdobeClean-Light"/>
                           <a:cs typeface="AdobeClean-Light"/>
                         </a:rPr>
-                        <a:t>案例审查</a:t>
+                        <a:t>Case Reviews</a:t>
                       </a:r>
-                      <a:endParaRPr sz="900" spc="0" dirty="0">
+                      <a:endParaRPr sz="900" spc="0">
                         <a:latin typeface="AdobeClean-Light"/>
                         <a:cs typeface="AdobeClean-Light"/>
                       </a:endParaRPr>
@@ -5114,9 +6049,9 @@
                           <a:spcPct val="100000"/>
                         </a:lnSpc>
                       </a:pPr>
-                      <a:endParaRPr sz="900" dirty="0">
-                        <a:latin typeface="Times New Roman" panose="02020603050405020304"/>
-                        <a:cs typeface="Times New Roman" panose="02020603050405020304"/>
+                      <a:endParaRPr sz="900">
+                        <a:latin typeface="Times New Roman"/>
+                        <a:cs typeface="Times New Roman"/>
                       </a:endParaRPr>
                     </a:p>
                   </a:txBody>
@@ -5143,9 +6078,9 @@
                           <a:spcPct val="100000"/>
                         </a:lnSpc>
                       </a:pPr>
-                      <a:endParaRPr sz="900" dirty="0">
-                        <a:latin typeface="Times New Roman" panose="02020603050405020304"/>
-                        <a:cs typeface="Times New Roman" panose="02020603050405020304"/>
+                      <a:endParaRPr sz="900">
+                        <a:latin typeface="Times New Roman"/>
+                        <a:cs typeface="Times New Roman"/>
                       </a:endParaRPr>
                     </a:p>
                   </a:txBody>
@@ -5159,7 +6094,7 @@
                 </a:tc>
                 <a:extLst>
                   <a:ext uri="{0D108BD9-81ED-4DB2-BD59-A6C34878D82A}">
-                    <a16:rowId xmlns:a16="http://schemas.microsoft.com/office/drawing/2014/main" val="10012"/>
+                    <a16:rowId xmlns:a16="http://schemas.microsoft.com/office/drawing/2014/main" val="1164642039"/>
                   </a:ext>
                 </a:extLst>
               </a:tr>
@@ -5169,7 +6104,18 @@
                     <a:bodyPr/>
                     <a:lstStyle/>
                     <a:p>
-                      <a:endParaRPr lang="en-US"/>
+                      <a:pPr marL="48895">
+                        <a:lnSpc>
+                          <a:spcPct val="100000"/>
+                        </a:lnSpc>
+                        <a:spcBef>
+                          <a:spcPts val="459"/>
+                        </a:spcBef>
+                      </a:pPr>
+                      <a:endParaRPr sz="900">
+                        <a:latin typeface="AdobeClean-Light"/>
+                        <a:cs typeface="AdobeClean-Light"/>
+                      </a:endParaRPr>
                     </a:p>
                   </a:txBody>
                   <a:tcPr marL="0" marR="0" marT="58419" marB="0">
@@ -5212,20 +6158,30 @@
                           <a:spcPct val="100000"/>
                         </a:lnSpc>
                         <a:spcBef>
-                          <a:spcPts val="460"/>
+                          <a:spcPts val="459"/>
                         </a:spcBef>
                       </a:pPr>
                       <a:r>
-                        <a:rPr lang="en-US" sz="900" spc="0" dirty="0">
+                        <a:rPr sz="900" spc="0">
                           <a:solidFill>
                             <a:srgbClr val="020302"/>
                           </a:solidFill>
                           <a:latin typeface="AdobeClean-Light"/>
                           <a:cs typeface="AdobeClean-Light"/>
                         </a:rPr>
-                        <a:t>事件管理</a:t>
+                        <a:t>Event </a:t>
                       </a:r>
-                      <a:endParaRPr sz="900" spc="0" dirty="0">
+                      <a:r>
+                        <a:rPr lang="en-US" sz="900" spc="0">
+                          <a:solidFill>
+                            <a:srgbClr val="020302"/>
+                          </a:solidFill>
+                          <a:latin typeface="AdobeClean-Light"/>
+                          <a:cs typeface="AdobeClean-Light"/>
+                        </a:rPr>
+                        <a:t>Management</a:t>
+                      </a:r>
+                      <a:endParaRPr sz="900" spc="0">
                         <a:latin typeface="AdobeClean-Light"/>
                         <a:cs typeface="AdobeClean-Light"/>
                       </a:endParaRPr>
@@ -5262,9 +6218,9 @@
                           <a:spcPct val="100000"/>
                         </a:lnSpc>
                       </a:pPr>
-                      <a:endParaRPr sz="900" dirty="0">
-                        <a:latin typeface="Times New Roman" panose="02020603050405020304"/>
-                        <a:cs typeface="Times New Roman" panose="02020603050405020304"/>
+                      <a:endParaRPr sz="900">
+                        <a:latin typeface="Times New Roman"/>
+                        <a:cs typeface="Times New Roman"/>
                       </a:endParaRPr>
                     </a:p>
                   </a:txBody>
@@ -5291,9 +6247,9 @@
                           <a:spcPct val="100000"/>
                         </a:lnSpc>
                       </a:pPr>
-                      <a:endParaRPr sz="900" dirty="0">
-                        <a:latin typeface="Times New Roman" panose="02020603050405020304"/>
-                        <a:cs typeface="Times New Roman" panose="02020603050405020304"/>
+                      <a:endParaRPr sz="900">
+                        <a:latin typeface="Times New Roman"/>
+                        <a:cs typeface="Times New Roman"/>
                       </a:endParaRPr>
                     </a:p>
                   </a:txBody>
@@ -5307,7 +6263,7 @@
                 </a:tc>
                 <a:extLst>
                   <a:ext uri="{0D108BD9-81ED-4DB2-BD59-A6C34878D82A}">
-                    <a16:rowId xmlns:a16="http://schemas.microsoft.com/office/drawing/2014/main" val="10013"/>
+                    <a16:rowId xmlns:a16="http://schemas.microsoft.com/office/drawing/2014/main" val="10011"/>
                   </a:ext>
                 </a:extLst>
               </a:tr>
@@ -5317,7 +6273,18 @@
                     <a:bodyPr/>
                     <a:lstStyle/>
                     <a:p>
-                      <a:endParaRPr lang="en-US"/>
+                      <a:pPr marL="48895">
+                        <a:lnSpc>
+                          <a:spcPct val="100000"/>
+                        </a:lnSpc>
+                        <a:spcBef>
+                          <a:spcPts val="465"/>
+                        </a:spcBef>
+                      </a:pPr>
+                      <a:endParaRPr sz="900">
+                        <a:latin typeface="AdobeClean-Light"/>
+                        <a:cs typeface="AdobeClean-Light"/>
+                      </a:endParaRPr>
                     </a:p>
                   </a:txBody>
                   <a:tcPr marL="0" marR="0" marT="59055" marB="0">
@@ -5355,16 +6322,36 @@
                         </a:spcBef>
                       </a:pPr>
                       <a:r>
-                        <a:rPr lang="en-US" sz="900" spc="0" dirty="0">
+                        <a:rPr sz="900" spc="0">
                           <a:solidFill>
                             <a:srgbClr val="020302"/>
                           </a:solidFill>
                           <a:latin typeface="AdobeClean-Light"/>
                           <a:cs typeface="AdobeClean-Light"/>
                         </a:rPr>
-                        <a:t>环境审查、维护和监控</a:t>
+                        <a:t>Environment</a:t>
                       </a:r>
-                      <a:endParaRPr sz="900" spc="0" dirty="0">
+                      <a:r>
+                        <a:rPr lang="en-US" sz="900" spc="0">
+                          <a:solidFill>
+                            <a:srgbClr val="020302"/>
+                          </a:solidFill>
+                          <a:latin typeface="AdobeClean-Light"/>
+                          <a:cs typeface="AdobeClean-Light"/>
+                        </a:rPr>
+                        <a:t> </a:t>
+                      </a:r>
+                      <a:r>
+                        <a:rPr sz="900" spc="0">
+                          <a:solidFill>
+                            <a:srgbClr val="020302"/>
+                          </a:solidFill>
+                          <a:latin typeface="AdobeClean-Light"/>
+                          <a:cs typeface="AdobeClean-Light"/>
+                        </a:rPr>
+                        <a:t>Review, Maintenance &amp; Monitoring</a:t>
+                      </a:r>
+                      <a:endParaRPr sz="900" spc="0">
                         <a:latin typeface="AdobeClean-Light"/>
                         <a:cs typeface="AdobeClean-Light"/>
                       </a:endParaRPr>
@@ -5395,9 +6382,9 @@
                           <a:spcPct val="100000"/>
                         </a:lnSpc>
                       </a:pPr>
-                      <a:endParaRPr sz="900" dirty="0">
-                        <a:latin typeface="Times New Roman" panose="02020603050405020304"/>
-                        <a:cs typeface="Times New Roman" panose="02020603050405020304"/>
+                      <a:endParaRPr sz="900">
+                        <a:latin typeface="Times New Roman"/>
+                        <a:cs typeface="Times New Roman"/>
                       </a:endParaRPr>
                     </a:p>
                   </a:txBody>
@@ -5424,9 +6411,9 @@
                           <a:spcPct val="100000"/>
                         </a:lnSpc>
                       </a:pPr>
-                      <a:endParaRPr sz="900" dirty="0">
-                        <a:latin typeface="Times New Roman" panose="02020603050405020304"/>
-                        <a:cs typeface="Times New Roman" panose="02020603050405020304"/>
+                      <a:endParaRPr sz="900">
+                        <a:latin typeface="Times New Roman"/>
+                        <a:cs typeface="Times New Roman"/>
                       </a:endParaRPr>
                     </a:p>
                   </a:txBody>
@@ -5440,7 +6427,7 @@
                 </a:tc>
                 <a:extLst>
                   <a:ext uri="{0D108BD9-81ED-4DB2-BD59-A6C34878D82A}">
-                    <a16:rowId xmlns:a16="http://schemas.microsoft.com/office/drawing/2014/main" val="10014"/>
+                    <a16:rowId xmlns:a16="http://schemas.microsoft.com/office/drawing/2014/main" val="10012"/>
                   </a:ext>
                 </a:extLst>
               </a:tr>
@@ -5450,7 +6437,18 @@
                     <a:bodyPr/>
                     <a:lstStyle/>
                     <a:p>
-                      <a:endParaRPr lang="en-US"/>
+                      <a:pPr marL="49530">
+                        <a:lnSpc>
+                          <a:spcPct val="100000"/>
+                        </a:lnSpc>
+                        <a:spcBef>
+                          <a:spcPts val="500"/>
+                        </a:spcBef>
+                      </a:pPr>
+                      <a:endParaRPr sz="900">
+                        <a:latin typeface="AdobeClean-Light"/>
+                        <a:cs typeface="AdobeClean-Light"/>
+                      </a:endParaRPr>
                     </a:p>
                   </a:txBody>
                   <a:tcPr marL="0" marR="0" marT="63500" marB="0">
@@ -5488,16 +6486,16 @@
                         </a:spcBef>
                       </a:pPr>
                       <a:r>
-                        <a:rPr lang="en-US" sz="900" spc="0" dirty="0">
+                        <a:rPr sz="900" spc="0">
                           <a:solidFill>
                             <a:srgbClr val="020302"/>
                           </a:solidFill>
                           <a:latin typeface="AdobeClean-Light"/>
                           <a:cs typeface="AdobeClean-Light"/>
                         </a:rPr>
-                        <a:t>发布、迁移、升级和产品路线图审查</a:t>
+                        <a:t>Release, Migration, Upgrade &amp; Product Roadmap Review</a:t>
                       </a:r>
-                      <a:endParaRPr sz="900" spc="0" dirty="0">
+                      <a:endParaRPr sz="900" spc="0">
                         <a:latin typeface="AdobeClean-Light"/>
                         <a:cs typeface="AdobeClean-Light"/>
                       </a:endParaRPr>
@@ -5528,9 +6526,9 @@
                           <a:spcPct val="100000"/>
                         </a:lnSpc>
                       </a:pPr>
-                      <a:endParaRPr sz="900" dirty="0">
-                        <a:latin typeface="Times New Roman" panose="02020603050405020304"/>
-                        <a:cs typeface="Times New Roman" panose="02020603050405020304"/>
+                      <a:endParaRPr sz="900">
+                        <a:latin typeface="Times New Roman"/>
+                        <a:cs typeface="Times New Roman"/>
                       </a:endParaRPr>
                     </a:p>
                   </a:txBody>
@@ -5557,9 +6555,9 @@
                           <a:spcPct val="100000"/>
                         </a:lnSpc>
                       </a:pPr>
-                      <a:endParaRPr sz="900" dirty="0">
-                        <a:latin typeface="Times New Roman" panose="02020603050405020304"/>
-                        <a:cs typeface="Times New Roman" panose="02020603050405020304"/>
+                      <a:endParaRPr sz="900">
+                        <a:latin typeface="Times New Roman"/>
+                        <a:cs typeface="Times New Roman"/>
                       </a:endParaRPr>
                     </a:p>
                   </a:txBody>
@@ -5573,7 +6571,7 @@
                 </a:tc>
                 <a:extLst>
                   <a:ext uri="{0D108BD9-81ED-4DB2-BD59-A6C34878D82A}">
-                    <a16:rowId xmlns:a16="http://schemas.microsoft.com/office/drawing/2014/main" val="10015"/>
+                    <a16:rowId xmlns:a16="http://schemas.microsoft.com/office/drawing/2014/main" val="10013"/>
                   </a:ext>
                 </a:extLst>
               </a:tr>
@@ -5583,7 +6581,18 @@
                     <a:bodyPr/>
                     <a:lstStyle/>
                     <a:p>
-                      <a:endParaRPr lang="en-US"/>
+                      <a:pPr marL="49530">
+                        <a:lnSpc>
+                          <a:spcPct val="100000"/>
+                        </a:lnSpc>
+                        <a:spcBef>
+                          <a:spcPts val="530"/>
+                        </a:spcBef>
+                      </a:pPr>
+                      <a:endParaRPr sz="900">
+                        <a:latin typeface="AdobeClean-Light"/>
+                        <a:cs typeface="AdobeClean-Light"/>
+                      </a:endParaRPr>
                     </a:p>
                   </a:txBody>
                   <a:tcPr marL="0" marR="0" marT="67310" marB="0">
@@ -5630,11 +6639,11 @@
                         </a:spcBef>
                       </a:pPr>
                       <a:r>
-                        <a:rPr lang="en-US" sz="900" spc="0" dirty="0">
+                        <a:rPr sz="900" spc="0">
                           <a:latin typeface="AdobeClean-Light"/>
                           <a:cs typeface="AdobeClean-Light"/>
                         </a:rPr>
-                        <a:t>云支持活动 - Experience Manager as Cloud</a:t>
+                        <a:t>Cloud Support Activities – Experience Manager as Cloud</a:t>
                       </a:r>
                     </a:p>
                   </a:txBody>
@@ -5669,9 +6678,9 @@
                           <a:spcPct val="100000"/>
                         </a:lnSpc>
                       </a:pPr>
-                      <a:endParaRPr sz="900" dirty="0">
-                        <a:latin typeface="Times New Roman" panose="02020603050405020304"/>
-                        <a:cs typeface="Times New Roman" panose="02020603050405020304"/>
+                      <a:endParaRPr sz="900">
+                        <a:latin typeface="Times New Roman"/>
+                        <a:cs typeface="Times New Roman"/>
                       </a:endParaRPr>
                     </a:p>
                   </a:txBody>
@@ -5707,9 +6716,9 @@
                           <a:spcPct val="100000"/>
                         </a:lnSpc>
                       </a:pPr>
-                      <a:endParaRPr sz="900" dirty="0">
-                        <a:latin typeface="Times New Roman" panose="02020603050405020304"/>
-                        <a:cs typeface="Times New Roman" panose="02020603050405020304"/>
+                      <a:endParaRPr sz="900">
+                        <a:latin typeface="Times New Roman"/>
+                        <a:cs typeface="Times New Roman"/>
                       </a:endParaRPr>
                     </a:p>
                   </a:txBody>
@@ -5732,7 +6741,7 @@
                 </a:tc>
                 <a:extLst>
                   <a:ext uri="{0D108BD9-81ED-4DB2-BD59-A6C34878D82A}">
-                    <a16:rowId xmlns:a16="http://schemas.microsoft.com/office/drawing/2014/main" val="10016"/>
+                    <a16:rowId xmlns:a16="http://schemas.microsoft.com/office/drawing/2014/main" val="10014"/>
                   </a:ext>
                 </a:extLst>
               </a:tr>
@@ -5751,16 +6760,16 @@
                         </a:spcBef>
                       </a:pPr>
                       <a:r>
-                        <a:rPr lang="en-US" sz="1000" b="1" i="0" spc="0" dirty="0">
+                        <a:rPr lang="en-US" sz="1000" b="1" i="0" spc="0">
                           <a:solidFill>
                             <a:schemeClr val="bg1"/>
                           </a:solidFill>
                           <a:latin typeface="Adobe Clean" panose="020B0503020404020204" pitchFamily="34" charset="0"/>
                           <a:cs typeface="AdobeClean-Light"/>
                         </a:rPr>
-                        <a:t>现场服务</a:t>
+                        <a:t>Field Services</a:t>
                       </a:r>
-                      <a:endParaRPr sz="1000" b="1" i="0" spc="0" dirty="0">
+                      <a:endParaRPr sz="1000" b="1" i="0" spc="0">
                         <a:solidFill>
                           <a:schemeClr val="bg1"/>
                         </a:solidFill>
@@ -5819,16 +6828,16 @@
                         </a:spcBef>
                       </a:pPr>
                       <a:r>
-                        <a:rPr lang="en-US" sz="900" spc="0" dirty="0">
+                        <a:rPr sz="900" spc="0">
                           <a:solidFill>
                             <a:srgbClr val="020302"/>
                           </a:solidFill>
                           <a:latin typeface="AdobeClean-Light"/>
                           <a:cs typeface="AdobeClean-Light"/>
                         </a:rPr>
-                        <a:t>Launch Advisory Services - 新解决方案的第一年</a:t>
+                        <a:t>Launch Advisory Services – First Year of new solution</a:t>
                       </a:r>
-                      <a:endParaRPr sz="900" spc="0" dirty="0">
+                      <a:endParaRPr sz="900" spc="0">
                         <a:latin typeface="AdobeClean-Light"/>
                         <a:cs typeface="AdobeClean-Light"/>
                       </a:endParaRPr>
@@ -5843,11 +6852,11 @@
                         </a:spcBef>
                       </a:pPr>
                       <a:r>
-                        <a:rPr lang="en-US" sz="900" spc="0" dirty="0">
+                        <a:rPr sz="900" spc="0">
                           <a:latin typeface="AdobeClean-Light"/>
                           <a:cs typeface="AdobeClean-Light"/>
                         </a:rPr>
-                        <a:t>现场服务活动</a:t>
+                        <a:t>Field Service Activities </a:t>
                       </a:r>
                     </a:p>
                   </a:txBody>
@@ -5888,9 +6897,9 @@
                           <a:spcPct val="100000"/>
                         </a:lnSpc>
                       </a:pPr>
-                      <a:endParaRPr sz="900" dirty="0">
-                        <a:latin typeface="Times New Roman" panose="02020603050405020304"/>
-                        <a:cs typeface="Times New Roman" panose="02020603050405020304"/>
+                      <a:endParaRPr sz="900">
+                        <a:latin typeface="Times New Roman"/>
+                        <a:cs typeface="Times New Roman"/>
                       </a:endParaRPr>
                     </a:p>
                   </a:txBody>
@@ -5926,9 +6935,9 @@
                           <a:spcPct val="100000"/>
                         </a:lnSpc>
                       </a:pPr>
-                      <a:endParaRPr sz="900" dirty="0">
-                        <a:latin typeface="Times New Roman" panose="02020603050405020304"/>
-                        <a:cs typeface="Times New Roman" panose="02020603050405020304"/>
+                      <a:endParaRPr sz="900">
+                        <a:latin typeface="Times New Roman"/>
+                        <a:cs typeface="Times New Roman"/>
                       </a:endParaRPr>
                     </a:p>
                   </a:txBody>
@@ -5951,7 +6960,7 @@
                 </a:tc>
                 <a:extLst>
                   <a:ext uri="{0D108BD9-81ED-4DB2-BD59-A6C34878D82A}">
-                    <a16:rowId xmlns:a16="http://schemas.microsoft.com/office/drawing/2014/main" val="10017"/>
+                    <a16:rowId xmlns:a16="http://schemas.microsoft.com/office/drawing/2014/main" val="10015"/>
                   </a:ext>
                 </a:extLst>
               </a:tr>
@@ -5971,7 +6980,7 @@
                     <a:bodyPr/>
                     <a:lstStyle/>
                     <a:p>
-                      <a:endParaRPr lang="en-US"/>
+                      <a:endParaRPr/>
                     </a:p>
                   </a:txBody>
                   <a:tcPr marL="0" marR="0" marT="48260" marB="0">
@@ -6011,9 +7020,9 @@
                           <a:spcPct val="100000"/>
                         </a:lnSpc>
                       </a:pPr>
-                      <a:endParaRPr sz="900" dirty="0">
-                        <a:latin typeface="Times New Roman" panose="02020603050405020304"/>
-                        <a:cs typeface="Times New Roman" panose="02020603050405020304"/>
+                      <a:endParaRPr sz="900">
+                        <a:latin typeface="Times New Roman"/>
+                        <a:cs typeface="Times New Roman"/>
                       </a:endParaRPr>
                     </a:p>
                   </a:txBody>
@@ -6032,14 +7041,14 @@
                     <a:bodyPr/>
                     <a:lstStyle/>
                     <a:p>
-                      <a:pPr marL="0" algn="l" rtl="0">
+                      <a:pPr>
                         <a:lnSpc>
                           <a:spcPct val="100000"/>
                         </a:lnSpc>
                       </a:pPr>
-                      <a:endParaRPr sz="900" dirty="0">
-                        <a:latin typeface="Times New Roman" panose="02020603050405020304"/>
-                        <a:cs typeface="Times New Roman" panose="02020603050405020304"/>
+                      <a:endParaRPr sz="900">
+                        <a:latin typeface="Times New Roman"/>
+                        <a:cs typeface="Times New Roman"/>
                       </a:endParaRPr>
                     </a:p>
                   </a:txBody>
@@ -6059,7 +7068,7 @@
                 </a:tc>
                 <a:extLst>
                   <a:ext uri="{0D108BD9-81ED-4DB2-BD59-A6C34878D82A}">
-                    <a16:rowId xmlns:a16="http://schemas.microsoft.com/office/drawing/2014/main" val="10018"/>
+                    <a16:rowId xmlns:a16="http://schemas.microsoft.com/office/drawing/2014/main" val="10016"/>
                   </a:ext>
                 </a:extLst>
               </a:tr>
@@ -6069,7 +7078,13 @@
       </p:graphicFrame>
       <p:sp>
         <p:nvSpPr>
-          <p:cNvPr id="6" name="TextBox 5"/>
+          <p:cNvPr id="6" name="TextBox 5">
+            <a:extLst>
+              <a:ext uri="{FF2B5EF4-FFF2-40B4-BE49-F238E27FC236}">
+                <a16:creationId xmlns:a16="http://schemas.microsoft.com/office/drawing/2014/main" id="{669E35DE-6A5F-5549-904F-459C7D857BB2}"/>
+              </a:ext>
+            </a:extLst>
+          </p:cNvPr>
           <p:cNvSpPr txBox="1"/>
           <p:nvPr/>
         </p:nvSpPr>
@@ -6090,7 +7105,7 @@
           <a:lstStyle/>
           <a:p>
             <a:r>
-              <a:rPr lang="en-US" sz="700" i="1" dirty="0">
+              <a:rPr lang="en-US" sz="700" i="1">
                 <a:solidFill>
                   <a:schemeClr val="bg1"/>
                 </a:solidFill>
@@ -6293,15 +7308,15 @@
               </a:spcBef>
             </a:pPr>
             <a:r>
-              <a:rPr lang="en-US" sz="1000" dirty="0">
+              <a:rPr lang="en-US" sz="1000">
                 <a:solidFill>
                   <a:srgbClr val="000000"/>
                 </a:solidFill>
                 <a:latin typeface="Adobe Clean Light" panose="020B0303020404020204" pitchFamily="34" charset="0"/>
               </a:rPr>
-              <a:t>指定的帐户支持主管会主动监控案例、推动跨团队协作、举行新用户入门网络研讨会、运行服务报告、提供非技术支持帮助，并在 Adobe 支持部门中充当上报联系人和内部布道师。</a:t>
-            </a:r>
-            <a:endParaRPr lang="en-US" sz="1000" dirty="0">
+              <a:t>A designated Account Support Lead to proactively monitor cases, drive cross-team collaboration, deliver onboarding webinars, run service reports, provide non-technical support assistance, and function as your escalation point and internal advocate within Adobe Support.</a:t>
+            </a:r>
+            <a:endParaRPr lang="en-US" sz="1000">
               <a:latin typeface="Adobe Clean Light" panose="020B0303020404020204" pitchFamily="34" charset="0"/>
               <a:cs typeface="AdobeClean-Light"/>
             </a:endParaRPr>
@@ -6317,14 +7332,14 @@
         <p:spPr>
           <a:xfrm>
             <a:off x="2836967" y="8618616"/>
-            <a:ext cx="2286000" cy="487313"/>
+            <a:ext cx="2286000" cy="641201"/>
           </a:xfrm>
           <a:prstGeom prst="rect">
             <a:avLst/>
           </a:prstGeom>
         </p:spPr>
         <p:txBody>
-          <a:bodyPr vert="horz" wrap="square" lIns="0" tIns="12700" rIns="0" bIns="0" rtlCol="0">
+          <a:bodyPr vert="horz" wrap="square" lIns="0" tIns="12700" rIns="0" bIns="0" rtlCol="0" anchor="t">
             <a:spAutoFit/>
           </a:bodyPr>
           <a:lstStyle/>
@@ -6337,53 +7352,90 @@
                 <a:spcPts val="100"/>
               </a:spcBef>
               <a:tabLst>
-                <a:tab pos="1786255" algn="l"/>
+                <a:tab pos="1786889" algn="l"/>
               </a:tabLst>
             </a:pPr>
             <a:r>
-              <a:rPr lang="en-US" sz="1000" dirty="0">
+              <a:rPr sz="1000">
                 <a:solidFill>
                   <a:srgbClr val="020302"/>
                 </a:solidFill>
                 <a:latin typeface="AdobeClean-Light"/>
                 <a:cs typeface="AdobeClean-Light"/>
               </a:rPr>
-              <a:t>开始聊天会话以获取答案并帮助提交案例</a:t>
+              <a:t>Start a chat session to get answers</a:t>
+            </a:r>
+            <a:r>
+              <a:rPr lang="en-US" sz="1000">
+                <a:solidFill>
+                  <a:srgbClr val="020302"/>
+                </a:solidFill>
+                <a:latin typeface="AdobeClean-Light"/>
+                <a:cs typeface="AdobeClean-Light"/>
+              </a:rPr>
+              <a:t> &amp; </a:t>
+            </a:r>
+            <a:r>
+              <a:rPr sz="1000">
+                <a:solidFill>
+                  <a:srgbClr val="020302"/>
+                </a:solidFill>
+                <a:latin typeface="AdobeClean-Light"/>
+                <a:cs typeface="AdobeClean-Light"/>
+              </a:rPr>
+              <a:t>help with case submission</a:t>
+            </a:r>
+            <a:r>
+              <a:rPr lang="en-US" sz="1000">
+                <a:solidFill>
+                  <a:srgbClr val="020302"/>
+                </a:solidFill>
+                <a:latin typeface="AdobeClean-Light"/>
+                <a:cs typeface="AdobeClean-Light"/>
+              </a:rPr>
+              <a:t>.</a:t>
             </a:r>
           </a:p>
           <a:p>
             <a:pPr marL="33020" marR="159385">
-              <a:lnSpc>
-                <a:spcPct val="100000"/>
-              </a:lnSpc>
               <a:spcBef>
                 <a:spcPts val="100"/>
               </a:spcBef>
               <a:tabLst>
-                <a:tab pos="1786255" algn="l"/>
+                <a:tab pos="1786889" algn="l"/>
               </a:tabLst>
             </a:pPr>
             <a:r>
-              <a:rPr lang="en-US" sz="1000" i="1" dirty="0">
+              <a:rPr sz="1000" i="1">
                 <a:solidFill>
                   <a:srgbClr val="7A7A7A"/>
                 </a:solidFill>
                 <a:latin typeface="AdobeClean-LightIt"/>
                 <a:cs typeface="AdobeClean-LightIt"/>
               </a:rPr>
-              <a:t>*并非所有产品都提供实时聊天支持</a:t>
-            </a:r>
-            <a:r>
-              <a:rPr lang="en-US" sz="900" i="1" dirty="0">
+              <a:t>*Not all products have live chat support</a:t>
+            </a:r>
+            <a:r>
+              <a:rPr sz="900" i="1">
                 <a:solidFill>
                   <a:srgbClr val="7A7A7A"/>
                 </a:solidFill>
                 <a:latin typeface="AdobeClean-LightIt"/>
                 <a:cs typeface="AdobeClean-LightIt"/>
               </a:rPr>
-              <a:t>。</a:t>
-            </a:r>
-            <a:endParaRPr sz="900" dirty="0">
+              <a:t>.</a:t>
+            </a:r>
+            <a:r>
+              <a:rPr lang="en-US" sz="900" i="1">
+                <a:solidFill>
+                  <a:srgbClr val="7A7A7A"/>
+                </a:solidFill>
+                <a:latin typeface="AdobeClean-LightIt"/>
+                <a:cs typeface="AdobeClean-LightIt"/>
+              </a:rPr>
+              <a:t>  </a:t>
+            </a:r>
+            <a:endParaRPr sz="900">
               <a:latin typeface="AdobeClean-Light"/>
               <a:cs typeface="AdobeClean-Light"/>
             </a:endParaRPr>
@@ -6421,8 +7473,16 @@
       </p:sp>
       <p:sp>
         <p:nvSpPr>
-          <p:cNvPr id="60" name="TextBox 59"/>
-          <p:cNvSpPr txBox="1"/>
+          <p:cNvPr id="60" name="TextBox 59">
+            <a:extLst>
+              <a:ext uri="{FF2B5EF4-FFF2-40B4-BE49-F238E27FC236}">
+                <a16:creationId xmlns:a16="http://schemas.microsoft.com/office/drawing/2014/main" id="{294BFC9C-CB48-FE4C-887D-D38E0BAE6627}"/>
+              </a:ext>
+            </a:extLst>
+          </p:cNvPr>
+          <p:cNvSpPr txBox="1">
+            <a:spLocks/>
+          </p:cNvSpPr>
           <p:nvPr/>
         </p:nvSpPr>
         <p:spPr>
@@ -6454,20 +7514,28 @@
               <a:defRPr/>
             </a:pPr>
             <a:r>
-              <a:rPr lang="en-US" sz="1200" dirty="0">
+              <a:rPr lang="en-US" sz="1200">
                 <a:solidFill>
                   <a:srgbClr val="000000"/>
                 </a:solidFill>
               </a:rPr>
-              <a:t>社区论坛</a:t>
+              <a:t>Community Forums</a:t>
             </a:r>
           </a:p>
         </p:txBody>
       </p:sp>
       <p:sp>
         <p:nvSpPr>
-          <p:cNvPr id="61" name="Rectangle 60"/>
-          <p:cNvSpPr/>
+          <p:cNvPr id="61" name="Rectangle 60">
+            <a:extLst>
+              <a:ext uri="{FF2B5EF4-FFF2-40B4-BE49-F238E27FC236}">
+                <a16:creationId xmlns:a16="http://schemas.microsoft.com/office/drawing/2014/main" id="{8F4C73CC-314D-8744-A9C8-6CE3C69810AD}"/>
+              </a:ext>
+            </a:extLst>
+          </p:cNvPr>
+          <p:cNvSpPr>
+            <a:spLocks/>
+          </p:cNvSpPr>
           <p:nvPr/>
         </p:nvSpPr>
         <p:spPr>
@@ -6494,19 +7562,25 @@
               </a:spcAft>
             </a:pPr>
             <a:r>
-              <a:rPr lang="en-US" sz="1200" b="1" dirty="0">
+              <a:rPr lang="en-US" sz="1200" b="1">
                 <a:latin typeface="+mj-lt"/>
                 <a:ea typeface="Open Sans" pitchFamily="34" charset="0"/>
                 <a:cs typeface="Open Sans" pitchFamily="34" charset="0"/>
               </a:rPr>
-              <a:t>在线论坛</a:t>
+              <a:t>Online Forums</a:t>
             </a:r>
           </a:p>
         </p:txBody>
       </p:sp>
       <p:sp>
         <p:nvSpPr>
-          <p:cNvPr id="63" name="object 39"/>
+          <p:cNvPr id="63" name="object 39">
+            <a:extLst>
+              <a:ext uri="{FF2B5EF4-FFF2-40B4-BE49-F238E27FC236}">
+                <a16:creationId xmlns:a16="http://schemas.microsoft.com/office/drawing/2014/main" id="{5FDB276C-3505-C748-B612-64E8B08A71CB}"/>
+              </a:ext>
+            </a:extLst>
+          </p:cNvPr>
           <p:cNvSpPr txBox="1"/>
           <p:nvPr/>
         </p:nvSpPr>
@@ -6526,21 +7600,29 @@
           <a:lstStyle/>
           <a:p>
             <a:r>
-              <a:rPr lang="en-US" sz="1000" dirty="0">
+              <a:rPr lang="en-US" sz="1000">
                 <a:solidFill>
                   <a:srgbClr val="000000"/>
                 </a:solidFill>
                 <a:latin typeface="Adobe Clean Light" panose="020B0303020404020204" pitchFamily="34" charset="0"/>
               </a:rPr>
-              <a:t>持续在线访问包括技术解决方案、产品文档、常见问题解答等的不断增长的数据库。数千名客户可以相互交流，分享最佳实践和经验教训。</a:t>
+              <a:t>Continuous online access to a growing database of technical solutions, product documentation, FAQs and more. Thousands of customers can connect to share best practices and lessons learned.</a:t>
             </a:r>
           </a:p>
         </p:txBody>
       </p:sp>
       <p:sp>
         <p:nvSpPr>
-          <p:cNvPr id="65" name="Rectangle 64"/>
-          <p:cNvSpPr/>
+          <p:cNvPr id="65" name="Rectangle 64">
+            <a:extLst>
+              <a:ext uri="{FF2B5EF4-FFF2-40B4-BE49-F238E27FC236}">
+                <a16:creationId xmlns:a16="http://schemas.microsoft.com/office/drawing/2014/main" id="{6E1B1B00-5842-3A4E-A250-97EC5CF16C89}"/>
+              </a:ext>
+            </a:extLst>
+          </p:cNvPr>
+          <p:cNvSpPr>
+            <a:spLocks/>
+          </p:cNvSpPr>
           <p:nvPr/>
         </p:nvSpPr>
         <p:spPr>
@@ -6567,19 +7649,25 @@
               </a:spcAft>
             </a:pPr>
             <a:r>
-              <a:rPr lang="en-US" sz="1200" b="1" dirty="0">
+              <a:rPr lang="en-US" sz="1200" b="1">
                 <a:latin typeface="+mj-lt"/>
                 <a:ea typeface="Open Sans" pitchFamily="34" charset="0"/>
                 <a:cs typeface="Open Sans" pitchFamily="34" charset="0"/>
               </a:rPr>
-              <a:t>自助式历程</a:t>
+              <a:t>Self-guided Journeys</a:t>
             </a:r>
           </a:p>
         </p:txBody>
       </p:sp>
       <p:sp>
         <p:nvSpPr>
-          <p:cNvPr id="67" name="object 39"/>
+          <p:cNvPr id="67" name="object 39">
+            <a:extLst>
+              <a:ext uri="{FF2B5EF4-FFF2-40B4-BE49-F238E27FC236}">
+                <a16:creationId xmlns:a16="http://schemas.microsoft.com/office/drawing/2014/main" id="{22816550-445E-B945-8FBC-36EF6779CB5A}"/>
+              </a:ext>
+            </a:extLst>
+          </p:cNvPr>
           <p:cNvSpPr txBox="1"/>
           <p:nvPr/>
         </p:nvSpPr>
@@ -6599,21 +7687,29 @@
           <a:lstStyle/>
           <a:p>
             <a:r>
-              <a:rPr lang="en-US" sz="1000" dirty="0">
+              <a:rPr lang="en-US" sz="1000">
                 <a:solidFill>
                   <a:srgbClr val="000000"/>
                 </a:solidFill>
                 <a:latin typeface="Adobe Clean Light" panose="020B0303020404020204" pitchFamily="34" charset="0"/>
               </a:rPr>
-              <a:t>Experience Makers 是使用 Experience League 创建的。客户可以通过个性化学习来获得客户体验管理能力，从而培养技能、与全球同行社区互动并获得职业发展的认可。</a:t>
+              <a:t>Experience Makers are made with Experience League. Customers can kickstart their Customer Experience Management abilities with personalized learning to develop skills, engage with a global community of peers, and earn career advancing recognition.</a:t>
             </a:r>
           </a:p>
         </p:txBody>
       </p:sp>
       <p:sp>
         <p:nvSpPr>
-          <p:cNvPr id="77" name="TextBox 76"/>
-          <p:cNvSpPr txBox="1"/>
+          <p:cNvPr id="77" name="TextBox 76">
+            <a:extLst>
+              <a:ext uri="{FF2B5EF4-FFF2-40B4-BE49-F238E27FC236}">
+                <a16:creationId xmlns:a16="http://schemas.microsoft.com/office/drawing/2014/main" id="{3C8012AA-ACFC-F14A-9871-8C8BC94B3109}"/>
+              </a:ext>
+            </a:extLst>
+          </p:cNvPr>
+          <p:cNvSpPr txBox="1">
+            <a:spLocks/>
+          </p:cNvSpPr>
           <p:nvPr/>
         </p:nvSpPr>
         <p:spPr>
@@ -6645,20 +7741,28 @@
               <a:defRPr/>
             </a:pPr>
             <a:r>
-              <a:rPr lang="en-US" sz="1200" dirty="0">
+              <a:rPr lang="en-US" sz="1200">
                 <a:solidFill>
                   <a:srgbClr val="000000"/>
                 </a:solidFill>
               </a:rPr>
-              <a:t>实时聊天支持*</a:t>
+              <a:t>Live Chat  Support*</a:t>
             </a:r>
           </a:p>
         </p:txBody>
       </p:sp>
       <p:sp>
         <p:nvSpPr>
-          <p:cNvPr id="78" name="Rectangle 77"/>
-          <p:cNvSpPr/>
+          <p:cNvPr id="78" name="Rectangle 77">
+            <a:extLst>
+              <a:ext uri="{FF2B5EF4-FFF2-40B4-BE49-F238E27FC236}">
+                <a16:creationId xmlns:a16="http://schemas.microsoft.com/office/drawing/2014/main" id="{3FD5E5E8-A228-E646-A72D-9542B6773A8E}"/>
+              </a:ext>
+            </a:extLst>
+          </p:cNvPr>
+          <p:cNvSpPr>
+            <a:spLocks/>
+          </p:cNvSpPr>
           <p:nvPr/>
         </p:nvSpPr>
         <p:spPr>
@@ -6685,20 +7789,28 @@
               </a:spcAft>
             </a:pPr>
             <a:r>
-              <a:rPr lang="en-US" sz="1200" b="1" dirty="0">
+              <a:rPr lang="en-US" sz="1200" b="1">
                 <a:latin typeface="+mj-lt"/>
                 <a:ea typeface="Open Sans" pitchFamily="34" charset="0"/>
                 <a:cs typeface="Open Sans" pitchFamily="34" charset="0"/>
               </a:rPr>
-              <a:t>聊天支持</a:t>
+              <a:t>Chat Support</a:t>
             </a:r>
           </a:p>
         </p:txBody>
       </p:sp>
       <p:sp>
         <p:nvSpPr>
-          <p:cNvPr id="80" name="TextBox 79"/>
-          <p:cNvSpPr txBox="1"/>
+          <p:cNvPr id="80" name="TextBox 79">
+            <a:extLst>
+              <a:ext uri="{FF2B5EF4-FFF2-40B4-BE49-F238E27FC236}">
+                <a16:creationId xmlns:a16="http://schemas.microsoft.com/office/drawing/2014/main" id="{DAF3EBEF-0B3F-B542-A30E-3B7228432027}"/>
+              </a:ext>
+            </a:extLst>
+          </p:cNvPr>
+          <p:cNvSpPr txBox="1">
+            <a:spLocks/>
+          </p:cNvSpPr>
           <p:nvPr/>
         </p:nvSpPr>
         <p:spPr>
@@ -6730,20 +7842,28 @@
               <a:defRPr/>
             </a:pPr>
             <a:r>
-              <a:rPr lang="en-US" sz="1200" dirty="0">
+              <a:rPr lang="en-US" sz="1200">
                 <a:solidFill>
                   <a:srgbClr val="000000"/>
                 </a:solidFill>
               </a:rPr>
-              <a:t>全天候 P1 </a:t>
+              <a:t>24X7 P1 </a:t>
             </a:r>
           </a:p>
         </p:txBody>
       </p:sp>
       <p:sp>
         <p:nvSpPr>
-          <p:cNvPr id="81" name="Rectangle 80"/>
-          <p:cNvSpPr/>
+          <p:cNvPr id="81" name="Rectangle 80">
+            <a:extLst>
+              <a:ext uri="{FF2B5EF4-FFF2-40B4-BE49-F238E27FC236}">
+                <a16:creationId xmlns:a16="http://schemas.microsoft.com/office/drawing/2014/main" id="{075E4356-C31F-674D-B927-91CC2C099FA3}"/>
+              </a:ext>
+            </a:extLst>
+          </p:cNvPr>
+          <p:cNvSpPr>
+            <a:spLocks/>
+          </p:cNvSpPr>
           <p:nvPr/>
         </p:nvSpPr>
         <p:spPr>
@@ -6770,26 +7890,32 @@
               </a:spcAft>
             </a:pPr>
             <a:r>
-              <a:rPr lang="en-US" sz="1200" b="1" dirty="0">
+              <a:rPr lang="en-US" sz="1200" b="1">
                 <a:latin typeface="+mj-lt"/>
                 <a:ea typeface="Open Sans" pitchFamily="34" charset="0"/>
                 <a:cs typeface="Open Sans" pitchFamily="34" charset="0"/>
               </a:rPr>
-              <a:t>电话支持</a:t>
+              <a:t>Phone Support</a:t>
             </a:r>
           </a:p>
         </p:txBody>
       </p:sp>
       <p:sp>
         <p:nvSpPr>
-          <p:cNvPr id="82" name="object 39"/>
+          <p:cNvPr id="82" name="object 39">
+            <a:extLst>
+              <a:ext uri="{FF2B5EF4-FFF2-40B4-BE49-F238E27FC236}">
+                <a16:creationId xmlns:a16="http://schemas.microsoft.com/office/drawing/2014/main" id="{95A83EB9-E8E1-7547-BBE3-E1F42C56BF6A}"/>
+              </a:ext>
+            </a:extLst>
+          </p:cNvPr>
           <p:cNvSpPr txBox="1"/>
           <p:nvPr/>
         </p:nvSpPr>
         <p:spPr>
           <a:xfrm>
             <a:off x="2836967" y="6529249"/>
-            <a:ext cx="2286000" cy="650875"/>
+            <a:ext cx="2286000" cy="805349"/>
           </a:xfrm>
           <a:prstGeom prst="rect">
             <a:avLst/>
@@ -6802,32 +7928,21 @@
           <a:lstStyle/>
           <a:p>
             <a:r>
-              <a:rPr lang="en-US" sz="1000" dirty="0">
+              <a:rPr lang="en-US" sz="1000">
                 <a:solidFill>
                   <a:srgbClr val="020302"/>
                 </a:solidFill>
                 <a:latin typeface="AdobeClean-Light"/>
               </a:rPr>
-              <a:t>授权用户或指定的支持联系人</a:t>
-            </a:r>
-            <a:r>
-              <a:rPr lang="en-US" sz="1000" dirty="0">
+              <a:t>Authorized users or Named Support Contacts </a:t>
+            </a:r>
+            <a:r>
+              <a:rPr lang="en-US" sz="1000">
                 <a:latin typeface="Adobe Clean Light" panose="020B0303020404020204" pitchFamily="34" charset="0"/>
               </a:rPr>
-              <a:t>可以通过所有可用渠道（包括 P1 的电话）提交问题，并代表您的公司与我们的技术支持团队</a:t>
-            </a:r>
-            <a:br>
-              <a:rPr lang="en-US" sz="1000" dirty="0">
-                <a:latin typeface="Adobe Clean Light" panose="020B0303020404020204" pitchFamily="34" charset="0"/>
-              </a:rPr>
-            </a:br>
-            <a:r>
-              <a:rPr lang="en-US" sz="1000" dirty="0">
-                <a:latin typeface="Adobe Clean Light" panose="020B0303020404020204" pitchFamily="34" charset="0"/>
-              </a:rPr>
-              <a:t>互动。</a:t>
-            </a:r>
-            <a:endParaRPr lang="en-US" sz="1000" dirty="0">
+              <a:t>can submit issues through all available  channels (including phone for P1) and interact with our technical support team on behalf of your company. </a:t>
+            </a:r>
+            <a:endParaRPr lang="en-US" sz="1000">
               <a:solidFill>
                 <a:srgbClr val="000000"/>
               </a:solidFill>
@@ -6838,7 +7953,13 @@
       </p:sp>
       <p:sp>
         <p:nvSpPr>
-          <p:cNvPr id="84" name="object 10"/>
+          <p:cNvPr id="84" name="object 10">
+            <a:extLst>
+              <a:ext uri="{FF2B5EF4-FFF2-40B4-BE49-F238E27FC236}">
+                <a16:creationId xmlns:a16="http://schemas.microsoft.com/office/drawing/2014/main" id="{CBCF4964-CAC8-F146-B2E2-51ED8B3DC99A}"/>
+              </a:ext>
+            </a:extLst>
+          </p:cNvPr>
           <p:cNvSpPr txBox="1">
             <a:spLocks noGrp="1"/>
           </p:cNvSpPr>
@@ -6849,7 +7970,7 @@
         <p:spPr>
           <a:xfrm>
             <a:off x="5253416" y="9862966"/>
-            <a:ext cx="2518984" cy="132729"/>
+            <a:ext cx="2270125" cy="132729"/>
           </a:xfrm>
           <a:prstGeom prst="rect">
             <a:avLst/>
@@ -6870,15 +7991,23 @@
               </a:spcBef>
             </a:pPr>
             <a:r>
-              <a:rPr lang="en-US" spc="-5" dirty="0"/>
-              <a:t>©2021 Adobe.All Rights Reserved.Adobe</a:t>
-            </a:r>
-            <a:r>
-              <a:rPr lang="en-US" spc="60" dirty="0"/>
+              <a:rPr spc="-5"/>
+              <a:t>©202</a:t>
+            </a:r>
+            <a:r>
+              <a:rPr lang="en-US" spc="-5"/>
+              <a:t>1</a:t>
+            </a:r>
+            <a:r>
+              <a:rPr spc="-5"/>
+              <a:t> Adobe. All Rights Reserved. Adobe</a:t>
+            </a:r>
+            <a:r>
+              <a:rPr spc="60"/>
               <a:t> </a:t>
             </a:r>
             <a:r>
-              <a:rPr lang="en-US" spc="-5" dirty="0"/>
+              <a:rPr spc="-5"/>
               <a:t>Confidential.</a:t>
             </a:r>
           </a:p>
@@ -6886,8 +8015,16 @@
       </p:sp>
       <p:sp>
         <p:nvSpPr>
-          <p:cNvPr id="41" name="Rectangle 40"/>
-          <p:cNvSpPr/>
+          <p:cNvPr id="41" name="Rectangle 40">
+            <a:extLst>
+              <a:ext uri="{FF2B5EF4-FFF2-40B4-BE49-F238E27FC236}">
+                <a16:creationId xmlns:a16="http://schemas.microsoft.com/office/drawing/2014/main" id="{6BF87FDD-9EA3-6946-897D-7CB38BCFBCA5}"/>
+              </a:ext>
+            </a:extLst>
+          </p:cNvPr>
+          <p:cNvSpPr>
+            <a:spLocks/>
+          </p:cNvSpPr>
           <p:nvPr/>
         </p:nvSpPr>
         <p:spPr>
@@ -6914,20 +8051,26 @@
               </a:spcAft>
             </a:pPr>
             <a:r>
-              <a:rPr lang="en-US" sz="1200" b="1" spc="-10" dirty="0">
+              <a:rPr lang="en-US" sz="1200" b="1" spc="-10">
                 <a:solidFill>
                   <a:srgbClr val="020302"/>
                 </a:solidFill>
                 <a:latin typeface="+mj-lt"/>
               </a:rPr>
-              <a:t>帐户支持主管</a:t>
+              <a:t>Account Support Lead</a:t>
             </a:r>
           </a:p>
         </p:txBody>
       </p:sp>
       <p:sp>
         <p:nvSpPr>
-          <p:cNvPr id="42" name="object 26"/>
+          <p:cNvPr id="42" name="object 26">
+            <a:extLst>
+              <a:ext uri="{FF2B5EF4-FFF2-40B4-BE49-F238E27FC236}">
+                <a16:creationId xmlns:a16="http://schemas.microsoft.com/office/drawing/2014/main" id="{44EDA522-BD84-1947-A820-5069D704753E}"/>
+              </a:ext>
+            </a:extLst>
+          </p:cNvPr>
           <p:cNvSpPr/>
           <p:nvPr/>
         </p:nvSpPr>
@@ -6969,7 +8112,13 @@
       </p:sp>
       <p:sp>
         <p:nvSpPr>
-          <p:cNvPr id="44" name="Rectangle 43"/>
+          <p:cNvPr id="44" name="Rectangle 43">
+            <a:extLst>
+              <a:ext uri="{FF2B5EF4-FFF2-40B4-BE49-F238E27FC236}">
+                <a16:creationId xmlns:a16="http://schemas.microsoft.com/office/drawing/2014/main" id="{147009FB-1B8D-6D4F-87DF-41B5DE49EFE5}"/>
+              </a:ext>
+            </a:extLst>
+          </p:cNvPr>
           <p:cNvSpPr/>
           <p:nvPr/>
         </p:nvSpPr>
@@ -6997,16 +8146,16 @@
               </a:spcBef>
             </a:pPr>
             <a:r>
-              <a:rPr lang="en-US" sz="1400" b="1" spc="-10" dirty="0">
+              <a:rPr lang="en-US" sz="1400" b="1" spc="-10">
                 <a:solidFill>
                   <a:srgbClr val="020302"/>
                 </a:solidFill>
                 <a:latin typeface="Adobe Clean"/>
                 <a:cs typeface="Adobe Clean"/>
               </a:rPr>
-              <a:t>在线支持功能</a:t>
-            </a:r>
-            <a:endParaRPr lang="en-US" sz="1400" dirty="0">
+              <a:t>Online Support Features</a:t>
+            </a:r>
+            <a:endParaRPr lang="en-US" sz="1400">
               <a:latin typeface="Adobe Clean"/>
               <a:cs typeface="Adobe Clean"/>
             </a:endParaRPr>
@@ -7015,7 +8164,13 @@
       </p:sp>
       <p:sp>
         <p:nvSpPr>
-          <p:cNvPr id="87" name="object 26"/>
+          <p:cNvPr id="87" name="object 26">
+            <a:extLst>
+              <a:ext uri="{FF2B5EF4-FFF2-40B4-BE49-F238E27FC236}">
+                <a16:creationId xmlns:a16="http://schemas.microsoft.com/office/drawing/2014/main" id="{ED3EAB14-8A43-9244-93BB-BE321FE4250C}"/>
+              </a:ext>
+            </a:extLst>
+          </p:cNvPr>
           <p:cNvSpPr/>
           <p:nvPr/>
         </p:nvSpPr>
@@ -7057,7 +8212,13 @@
       </p:sp>
       <p:sp>
         <p:nvSpPr>
-          <p:cNvPr id="88" name="Rectangle 87"/>
+          <p:cNvPr id="88" name="Rectangle 87">
+            <a:extLst>
+              <a:ext uri="{FF2B5EF4-FFF2-40B4-BE49-F238E27FC236}">
+                <a16:creationId xmlns:a16="http://schemas.microsoft.com/office/drawing/2014/main" id="{BDC8935C-27E9-A94B-ABF1-EFA84FB3D2BE}"/>
+              </a:ext>
+            </a:extLst>
+          </p:cNvPr>
           <p:cNvSpPr/>
           <p:nvPr/>
         </p:nvSpPr>
@@ -7085,16 +8246,16 @@
               </a:spcBef>
             </a:pPr>
             <a:r>
-              <a:rPr lang="en-US" sz="1400" b="1" spc="-10" dirty="0">
+              <a:rPr lang="en-US" sz="1400" b="1" spc="-10">
                 <a:solidFill>
                   <a:srgbClr val="020302"/>
                 </a:solidFill>
                 <a:latin typeface="Adobe Clean"/>
                 <a:cs typeface="Adobe Clean"/>
               </a:rPr>
-              <a:t>商业支持功能</a:t>
-            </a:r>
-            <a:endParaRPr lang="en-US" sz="1400" dirty="0">
+              <a:t>Business  Support Features</a:t>
+            </a:r>
+            <a:endParaRPr lang="en-US" sz="1400">
               <a:latin typeface="Adobe Clean"/>
               <a:cs typeface="Adobe Clean"/>
             </a:endParaRPr>
@@ -7103,7 +8264,13 @@
       </p:sp>
       <p:sp>
         <p:nvSpPr>
-          <p:cNvPr id="94" name="object 39"/>
+          <p:cNvPr id="94" name="object 39">
+            <a:extLst>
+              <a:ext uri="{FF2B5EF4-FFF2-40B4-BE49-F238E27FC236}">
+                <a16:creationId xmlns:a16="http://schemas.microsoft.com/office/drawing/2014/main" id="{56FA5DB6-2107-7245-9FC4-96BFB9E344C1}"/>
+              </a:ext>
+            </a:extLst>
+          </p:cNvPr>
           <p:cNvSpPr txBox="1"/>
           <p:nvPr/>
         </p:nvSpPr>
@@ -7131,12 +8298,12 @@
               </a:spcBef>
             </a:pPr>
             <a:r>
-              <a:rPr lang="en-US" sz="1000" dirty="0">
+              <a:rPr lang="en-US" sz="1000">
                 <a:latin typeface="Adobe Clean Light" panose="020B0303020404020204" pitchFamily="34" charset="0"/>
               </a:rPr>
-              <a:t>客户可以在区域支持时间内通过电话提交所有 P2、P3、P4 问题的支持案例。您拨打电话来获取支持的次数没有上限。客户还可以请求支持部门回电，或要求召开会议以使用共享远程桌面会话演示或解决问题。</a:t>
-            </a:r>
-            <a:endParaRPr lang="en-US" sz="1000" dirty="0">
+              <a:t>Customers can submit support cases via Phone for all P2, P3, P4 issues during regional support hours. There are no upper limits on the number of times you can call into support. Customers can also request a call back from support or request a meeting to demonstrate or work through an issue using a shared remote desktop session.</a:t>
+            </a:r>
+            <a:endParaRPr lang="en-US" sz="1000">
               <a:latin typeface="Adobe Clean Light" panose="020B0303020404020204" pitchFamily="34" charset="0"/>
               <a:cs typeface="AdobeClean-Light"/>
             </a:endParaRPr>
@@ -7145,8 +8312,16 @@
       </p:sp>
       <p:sp>
         <p:nvSpPr>
-          <p:cNvPr id="95" name="Rectangle 94"/>
-          <p:cNvSpPr/>
+          <p:cNvPr id="95" name="Rectangle 94">
+            <a:extLst>
+              <a:ext uri="{FF2B5EF4-FFF2-40B4-BE49-F238E27FC236}">
+                <a16:creationId xmlns:a16="http://schemas.microsoft.com/office/drawing/2014/main" id="{06E9F521-1218-D44D-8A7A-CA9808D1171B}"/>
+              </a:ext>
+            </a:extLst>
+          </p:cNvPr>
+          <p:cNvSpPr>
+            <a:spLocks/>
+          </p:cNvSpPr>
           <p:nvPr/>
         </p:nvSpPr>
         <p:spPr>
@@ -7173,20 +8348,26 @@
               </a:spcAft>
             </a:pPr>
             <a:r>
-              <a:rPr lang="en-US" sz="1200" b="1" spc="-10" dirty="0">
+              <a:rPr lang="en-US" sz="1200" b="1" spc="-10">
                 <a:solidFill>
                   <a:srgbClr val="020302"/>
                 </a:solidFill>
                 <a:latin typeface="+mj-lt"/>
               </a:rPr>
-              <a:t>实时电话支持</a:t>
+              <a:t>Live Telephone Support</a:t>
             </a:r>
           </a:p>
         </p:txBody>
       </p:sp>
       <p:sp>
         <p:nvSpPr>
-          <p:cNvPr id="96" name="object 39"/>
+          <p:cNvPr id="96" name="object 39">
+            <a:extLst>
+              <a:ext uri="{FF2B5EF4-FFF2-40B4-BE49-F238E27FC236}">
+                <a16:creationId xmlns:a16="http://schemas.microsoft.com/office/drawing/2014/main" id="{61C3FC5E-C90C-3046-9504-57A1CE7913F9}"/>
+              </a:ext>
+            </a:extLst>
+          </p:cNvPr>
           <p:cNvSpPr txBox="1"/>
           <p:nvPr/>
         </p:nvSpPr>
@@ -7214,15 +8395,15 @@
               </a:spcBef>
             </a:pPr>
             <a:r>
-              <a:rPr lang="en-US" sz="1000" dirty="0">
+              <a:rPr lang="en-US" sz="1000">
                 <a:solidFill>
                   <a:srgbClr val="4B4B4B"/>
                 </a:solidFill>
                 <a:latin typeface="Adobe Clean Light" panose="020B0303020404020204" pitchFamily="34" charset="0"/>
               </a:rPr>
-              <a:t>Adobe 内部的指定联系人，可以提供上报协助和定期更新，确保优先处理最重要的未完成支持请求。</a:t>
-            </a:r>
-            <a:endParaRPr lang="en-US" sz="1000" dirty="0">
+              <a:t>A designated point of contact within Adobe who can provide escalation assistance, regular updates and ensure priority is given to your most critical open support requests.</a:t>
+            </a:r>
+            <a:endParaRPr lang="en-US" sz="1000">
               <a:latin typeface="Adobe Clean Light" panose="020B0303020404020204" pitchFamily="34" charset="0"/>
               <a:cs typeface="AdobeClean-Light"/>
             </a:endParaRPr>
@@ -7231,8 +8412,16 @@
       </p:sp>
       <p:sp>
         <p:nvSpPr>
-          <p:cNvPr id="97" name="Rectangle 96"/>
-          <p:cNvSpPr/>
+          <p:cNvPr id="97" name="Rectangle 96">
+            <a:extLst>
+              <a:ext uri="{FF2B5EF4-FFF2-40B4-BE49-F238E27FC236}">
+                <a16:creationId xmlns:a16="http://schemas.microsoft.com/office/drawing/2014/main" id="{1F390430-3ED2-1F47-8897-19279095D4E1}"/>
+              </a:ext>
+            </a:extLst>
+          </p:cNvPr>
+          <p:cNvSpPr>
+            <a:spLocks/>
+          </p:cNvSpPr>
           <p:nvPr/>
         </p:nvSpPr>
         <p:spPr>
@@ -7259,21 +8448,29 @@
               </a:spcAft>
             </a:pPr>
             <a:r>
-              <a:rPr lang="en-US" sz="1200" b="1" spc="-10" dirty="0">
+              <a:rPr lang="en-US" sz="1200" b="1" spc="-10">
                 <a:solidFill>
                   <a:srgbClr val="020302"/>
                 </a:solidFill>
                 <a:latin typeface="+mj-lt"/>
               </a:rPr>
-              <a:t>上报管理</a:t>
+              <a:t>Escalation Management</a:t>
             </a:r>
           </a:p>
         </p:txBody>
       </p:sp>
       <p:sp>
         <p:nvSpPr>
-          <p:cNvPr id="57" name="TextBox 56"/>
-          <p:cNvSpPr txBox="1"/>
+          <p:cNvPr id="57" name="TextBox 56">
+            <a:extLst>
+              <a:ext uri="{FF2B5EF4-FFF2-40B4-BE49-F238E27FC236}">
+                <a16:creationId xmlns:a16="http://schemas.microsoft.com/office/drawing/2014/main" id="{D014F946-0545-5C4A-A033-E0A3D7D3B994}"/>
+              </a:ext>
+            </a:extLst>
+          </p:cNvPr>
+          <p:cNvSpPr txBox="1">
+            <a:spLocks/>
+          </p:cNvSpPr>
           <p:nvPr/>
         </p:nvSpPr>
         <p:spPr>
@@ -7305,20 +8502,28 @@
               <a:defRPr/>
             </a:pPr>
             <a:r>
-              <a:rPr lang="en-US" sz="1200" dirty="0">
+              <a:rPr lang="en-US" sz="1200">
                 <a:solidFill>
                   <a:srgbClr val="000000"/>
                 </a:solidFill>
               </a:rPr>
-              <a:t>办公室会议</a:t>
+              <a:t>Office Hours</a:t>
             </a:r>
           </a:p>
         </p:txBody>
       </p:sp>
       <p:sp>
         <p:nvSpPr>
-          <p:cNvPr id="68" name="Rectangle 67"/>
-          <p:cNvSpPr/>
+          <p:cNvPr id="68" name="Rectangle 67">
+            <a:extLst>
+              <a:ext uri="{FF2B5EF4-FFF2-40B4-BE49-F238E27FC236}">
+                <a16:creationId xmlns:a16="http://schemas.microsoft.com/office/drawing/2014/main" id="{E00D47C7-6887-144B-AC6C-98B0C06A66C3}"/>
+              </a:ext>
+            </a:extLst>
+          </p:cNvPr>
+          <p:cNvSpPr>
+            <a:spLocks/>
+          </p:cNvSpPr>
           <p:nvPr/>
         </p:nvSpPr>
         <p:spPr>
@@ -7345,26 +8550,32 @@
               </a:spcAft>
             </a:pPr>
             <a:r>
-              <a:rPr lang="en-US" sz="1200" b="1" dirty="0">
+              <a:rPr lang="en-US" sz="1200" b="1">
                 <a:latin typeface="+mj-lt"/>
                 <a:ea typeface="Open Sans" pitchFamily="34" charset="0"/>
                 <a:cs typeface="Open Sans" pitchFamily="34" charset="0"/>
               </a:rPr>
-              <a:t>网络研讨会</a:t>
+              <a:t>Webinars</a:t>
             </a:r>
           </a:p>
         </p:txBody>
       </p:sp>
       <p:sp>
         <p:nvSpPr>
-          <p:cNvPr id="70" name="object 39"/>
+          <p:cNvPr id="70" name="object 39">
+            <a:extLst>
+              <a:ext uri="{FF2B5EF4-FFF2-40B4-BE49-F238E27FC236}">
+                <a16:creationId xmlns:a16="http://schemas.microsoft.com/office/drawing/2014/main" id="{A3968CBF-60CB-D743-9C93-31831CF4AC99}"/>
+              </a:ext>
+            </a:extLst>
+          </p:cNvPr>
           <p:cNvSpPr txBox="1"/>
           <p:nvPr/>
         </p:nvSpPr>
         <p:spPr>
           <a:xfrm>
             <a:off x="370040" y="8618616"/>
-            <a:ext cx="2373160" cy="651460"/>
+            <a:ext cx="2286000" cy="1113125"/>
           </a:xfrm>
           <a:prstGeom prst="rect">
             <a:avLst/>
@@ -7377,21 +8588,29 @@
           <a:lstStyle/>
           <a:p>
             <a:r>
-              <a:rPr lang="en-US" sz="1000" dirty="0">
+              <a:rPr lang="en-US" sz="1000">
                 <a:solidFill>
                   <a:srgbClr val="000000"/>
                 </a:solidFill>
                 <a:latin typeface="Adobe Clean Light" panose="020B0303020404020204" pitchFamily="34" charset="0"/>
               </a:rPr>
-              <a:t>“办公室会议”是 Adobe 客户支持团队发起的一项计划。这些讲座旨在指导并帮助参与者排除问题，并提供有助于 Adobe Experience Cloud 发挥成效的提示和技巧。</a:t>
+              <a:t>Office Hours is an initiative led by the Adobe Customer Support team. These sessions are designed to inform as well as help participants troubleshoot problems and provide tips and tricks to be successful with Adobe Experience Cloud.</a:t>
             </a:r>
           </a:p>
         </p:txBody>
       </p:sp>
       <p:sp>
         <p:nvSpPr>
-          <p:cNvPr id="73" name="Rectangle 72"/>
-          <p:cNvSpPr/>
+          <p:cNvPr id="73" name="Rectangle 72">
+            <a:extLst>
+              <a:ext uri="{FF2B5EF4-FFF2-40B4-BE49-F238E27FC236}">
+                <a16:creationId xmlns:a16="http://schemas.microsoft.com/office/drawing/2014/main" id="{07CC29C8-EC02-804B-805C-15E7100BFE98}"/>
+              </a:ext>
+            </a:extLst>
+          </p:cNvPr>
+          <p:cNvSpPr>
+            <a:spLocks/>
+          </p:cNvSpPr>
           <p:nvPr/>
         </p:nvSpPr>
         <p:spPr>
@@ -7418,26 +8637,32 @@
               </a:spcAft>
             </a:pPr>
             <a:r>
-              <a:rPr lang="en-US" sz="1200" b="1" dirty="0">
+              <a:rPr lang="en-US" sz="1200" b="1">
                 <a:latin typeface="+mj-lt"/>
                 <a:ea typeface="Open Sans" pitchFamily="34" charset="0"/>
                 <a:cs typeface="Open Sans" pitchFamily="34" charset="0"/>
               </a:rPr>
-              <a:t>全天候支持门户</a:t>
+              <a:t>24/7 Support Portal</a:t>
             </a:r>
           </a:p>
         </p:txBody>
       </p:sp>
       <p:sp>
         <p:nvSpPr>
-          <p:cNvPr id="74" name="object 39"/>
+          <p:cNvPr id="74" name="object 39">
+            <a:extLst>
+              <a:ext uri="{FF2B5EF4-FFF2-40B4-BE49-F238E27FC236}">
+                <a16:creationId xmlns:a16="http://schemas.microsoft.com/office/drawing/2014/main" id="{02FB7DE8-001A-7E4A-8191-AA46458FFED8}"/>
+              </a:ext>
+            </a:extLst>
+          </p:cNvPr>
           <p:cNvSpPr txBox="1"/>
           <p:nvPr/>
         </p:nvSpPr>
         <p:spPr>
           <a:xfrm>
             <a:off x="5376301" y="8618616"/>
-            <a:ext cx="2286000" cy="650875"/>
+            <a:ext cx="2286000" cy="805349"/>
           </a:xfrm>
           <a:prstGeom prst="rect">
             <a:avLst/>
@@ -7450,20 +8675,43 @@
           <a:lstStyle/>
           <a:p>
             <a:r>
-              <a:rPr lang="en-US" sz="1000" dirty="0">
+              <a:rPr lang="en-US" sz="1000">
                 <a:solidFill>
                   <a:srgbClr val="000000"/>
                 </a:solidFill>
                 <a:latin typeface="Adobe Clean Light" panose="020B0303020404020204" pitchFamily="34" charset="0"/>
               </a:rPr>
-              <a:t>按需访问在线自助支持门户以提交支持请求、查看案例状态并浏览其他资源，例如我们的知识库、新闻和通知、特色小贴士等。</a:t>
+              <a:t>On-demand access to the online </a:t>
+            </a:r>
+            <a:br>
+              <a:rPr lang="en-US" sz="1000">
+                <a:solidFill>
+                  <a:srgbClr val="000000"/>
+                </a:solidFill>
+                <a:latin typeface="Adobe Clean Light" panose="020B0303020404020204" pitchFamily="34" charset="0"/>
+              </a:rPr>
+            </a:br>
+            <a:r>
+              <a:rPr lang="en-US" sz="1000">
+                <a:solidFill>
+                  <a:srgbClr val="000000"/>
+                </a:solidFill>
+                <a:latin typeface="Adobe Clean Light" panose="020B0303020404020204" pitchFamily="34" charset="0"/>
+              </a:rPr>
+              <a:t>Self-help Support Portal to submit support requests, review case status, and browse other resources, like our knowledgebase, news and alerts, featured tips, and more.</a:t>
             </a:r>
           </a:p>
         </p:txBody>
       </p:sp>
       <p:pic>
         <p:nvPicPr>
-          <p:cNvPr id="13" name="Graphic 12" descr="操作说明轮廓图"/>
+          <p:cNvPr id="13" name="Graphic 12" descr="Playbook outline">
+            <a:extLst>
+              <a:ext uri="{FF2B5EF4-FFF2-40B4-BE49-F238E27FC236}">
+                <a16:creationId xmlns:a16="http://schemas.microsoft.com/office/drawing/2014/main" id="{EA91EF06-4BFE-9B42-9A4B-1146BB3FDFD3}"/>
+              </a:ext>
+            </a:extLst>
+          </p:cNvPr>
           <p:cNvPicPr>
             <a:picLocks noChangeAspect="1"/>
           </p:cNvPicPr>
@@ -7496,7 +8744,13 @@
       </p:pic>
       <p:pic>
         <p:nvPicPr>
-          <p:cNvPr id="15" name="Graphic 14" descr="用户轮廓图"/>
+          <p:cNvPr id="15" name="Graphic 14" descr="User outline">
+            <a:extLst>
+              <a:ext uri="{FF2B5EF4-FFF2-40B4-BE49-F238E27FC236}">
+                <a16:creationId xmlns:a16="http://schemas.microsoft.com/office/drawing/2014/main" id="{432C176A-FCAC-A645-A2E4-E6AD4A602868}"/>
+              </a:ext>
+            </a:extLst>
+          </p:cNvPr>
           <p:cNvPicPr>
             <a:picLocks noChangeAspect="1"/>
           </p:cNvPicPr>
@@ -7529,7 +8783,13 @@
       </p:pic>
       <p:sp>
         <p:nvSpPr>
-          <p:cNvPr id="6" name="TextBox 5"/>
+          <p:cNvPr id="6" name="TextBox 5">
+            <a:extLst>
+              <a:ext uri="{FF2B5EF4-FFF2-40B4-BE49-F238E27FC236}">
+                <a16:creationId xmlns:a16="http://schemas.microsoft.com/office/drawing/2014/main" id="{3A360C4F-3C10-B641-8B6D-C8AF4943F81E}"/>
+              </a:ext>
+            </a:extLst>
+          </p:cNvPr>
           <p:cNvSpPr txBox="1"/>
           <p:nvPr/>
         </p:nvSpPr>
@@ -7550,17 +8810,23 @@
           <a:lstStyle/>
           <a:p>
             <a:r>
-              <a:rPr lang="en-US" sz="1200" b="1" dirty="0">
+              <a:rPr lang="en-US" sz="1200" b="1">
                 <a:latin typeface="+mj-lt"/>
               </a:rPr>
-              <a:t>商业服务</a:t>
+              <a:t>Business Services</a:t>
             </a:r>
           </a:p>
         </p:txBody>
       </p:sp>
       <p:sp>
         <p:nvSpPr>
-          <p:cNvPr id="86" name="object 39"/>
+          <p:cNvPr id="86" name="object 39">
+            <a:extLst>
+              <a:ext uri="{FF2B5EF4-FFF2-40B4-BE49-F238E27FC236}">
+                <a16:creationId xmlns:a16="http://schemas.microsoft.com/office/drawing/2014/main" id="{3003AB67-9A7C-614D-8006-83CEA36B6A65}"/>
+              </a:ext>
+            </a:extLst>
+          </p:cNvPr>
           <p:cNvSpPr txBox="1"/>
           <p:nvPr/>
         </p:nvSpPr>
@@ -7588,12 +8854,12 @@
               </a:spcBef>
             </a:pPr>
             <a:r>
-              <a:rPr lang="en-US" sz="1000" dirty="0">
+              <a:rPr lang="en-US" sz="1000">
                 <a:latin typeface="Adobe Clean Light" panose="020B0303020404020204" pitchFamily="34" charset="0"/>
               </a:rPr>
-              <a:t>帐户支持主管将主持旨在从总体上介绍商业支持服务的网络研讨会。</a:t>
-            </a:r>
-            <a:endParaRPr lang="en-US" sz="1000" dirty="0">
+              <a:t>An Account Support Lead will host webinars covering an overview of business support services.  </a:t>
+            </a:r>
+            <a:endParaRPr lang="en-US" sz="1000">
               <a:latin typeface="Adobe Clean Light" panose="020B0303020404020204" pitchFamily="34" charset="0"/>
               <a:cs typeface="AdobeClean-Light"/>
             </a:endParaRPr>
@@ -7602,7 +8868,13 @@
       </p:sp>
       <p:sp>
         <p:nvSpPr>
-          <p:cNvPr id="90" name="object 38"/>
+          <p:cNvPr id="90" name="object 38">
+            <a:extLst>
+              <a:ext uri="{FF2B5EF4-FFF2-40B4-BE49-F238E27FC236}">
+                <a16:creationId xmlns:a16="http://schemas.microsoft.com/office/drawing/2014/main" id="{365702EE-FA18-9544-B462-9958849596A3}"/>
+              </a:ext>
+            </a:extLst>
+          </p:cNvPr>
           <p:cNvSpPr/>
           <p:nvPr/>
         </p:nvSpPr>
@@ -7651,7 +8923,13 @@
       </p:sp>
       <p:pic>
         <p:nvPicPr>
-          <p:cNvPr id="8" name="Graphic 7" descr="呼叫中心轮廓图"/>
+          <p:cNvPr id="8" name="Graphic 7" descr="Call center outline">
+            <a:extLst>
+              <a:ext uri="{FF2B5EF4-FFF2-40B4-BE49-F238E27FC236}">
+                <a16:creationId xmlns:a16="http://schemas.microsoft.com/office/drawing/2014/main" id="{76C5F4CC-9EB1-9A40-B7CD-9238D7CBD210}"/>
+              </a:ext>
+            </a:extLst>
+          </p:cNvPr>
           <p:cNvPicPr>
             <a:picLocks noChangeAspect="1"/>
           </p:cNvPicPr>
@@ -7684,7 +8962,13 @@
       </p:pic>
       <p:pic>
         <p:nvPicPr>
-          <p:cNvPr id="12" name="Graphic 11" descr="聊天气泡轮廓图"/>
+          <p:cNvPr id="12" name="Graphic 11" descr="Chat bubble outline">
+            <a:extLst>
+              <a:ext uri="{FF2B5EF4-FFF2-40B4-BE49-F238E27FC236}">
+                <a16:creationId xmlns:a16="http://schemas.microsoft.com/office/drawing/2014/main" id="{622BBF30-302E-BB48-9742-E046EB16E213}"/>
+              </a:ext>
+            </a:extLst>
+          </p:cNvPr>
           <p:cNvPicPr>
             <a:picLocks noChangeAspect="1"/>
           </p:cNvPicPr>
@@ -7717,7 +9001,13 @@
       </p:pic>
       <p:pic>
         <p:nvPicPr>
-          <p:cNvPr id="16" name="Graphic 15" descr="指南针轮廓图"/>
+          <p:cNvPr id="16" name="Graphic 15" descr="Compass outline">
+            <a:extLst>
+              <a:ext uri="{FF2B5EF4-FFF2-40B4-BE49-F238E27FC236}">
+                <a16:creationId xmlns:a16="http://schemas.microsoft.com/office/drawing/2014/main" id="{8D3635BD-68A2-174E-92F8-1EE608E3F409}"/>
+              </a:ext>
+            </a:extLst>
+          </p:cNvPr>
           <p:cNvPicPr>
             <a:picLocks noChangeAspect="1"/>
           </p:cNvPicPr>
@@ -7750,7 +9040,13 @@
       </p:pic>
       <p:pic>
         <p:nvPicPr>
-          <p:cNvPr id="18" name="Graphic 17" descr="免提电话轮廓图"/>
+          <p:cNvPr id="18" name="Graphic 17" descr="Speaker phone outline">
+            <a:extLst>
+              <a:ext uri="{FF2B5EF4-FFF2-40B4-BE49-F238E27FC236}">
+                <a16:creationId xmlns:a16="http://schemas.microsoft.com/office/drawing/2014/main" id="{CD7C3546-DF6C-1748-9DE2-3DE0B393FD70}"/>
+              </a:ext>
+            </a:extLst>
+          </p:cNvPr>
           <p:cNvPicPr>
             <a:picLocks noChangeAspect="1"/>
           </p:cNvPicPr>
@@ -7783,7 +9079,13 @@
       </p:pic>
       <p:pic>
         <p:nvPicPr>
-          <p:cNvPr id="20" name="Graphic 19" descr="客户审查轮廓图"/>
+          <p:cNvPr id="20" name="Graphic 19" descr="Customer review outline">
+            <a:extLst>
+              <a:ext uri="{FF2B5EF4-FFF2-40B4-BE49-F238E27FC236}">
+                <a16:creationId xmlns:a16="http://schemas.microsoft.com/office/drawing/2014/main" id="{88BA5AB9-C7BF-714C-B301-F3911BFCE82B}"/>
+              </a:ext>
+            </a:extLst>
+          </p:cNvPr>
           <p:cNvPicPr>
             <a:picLocks noChangeAspect="1"/>
           </p:cNvPicPr>
@@ -7816,7 +9118,13 @@
       </p:pic>
       <p:pic>
         <p:nvPicPr>
-          <p:cNvPr id="24" name="Graphic 23" descr="路标轮廓图"/>
+          <p:cNvPr id="24" name="Graphic 23" descr="Signpost outline">
+            <a:extLst>
+              <a:ext uri="{FF2B5EF4-FFF2-40B4-BE49-F238E27FC236}">
+                <a16:creationId xmlns:a16="http://schemas.microsoft.com/office/drawing/2014/main" id="{98A2CDD0-0973-5C41-9864-EAF96E20A224}"/>
+              </a:ext>
+            </a:extLst>
+          </p:cNvPr>
           <p:cNvPicPr>
             <a:picLocks noChangeAspect="1"/>
           </p:cNvPicPr>
@@ -7849,7 +9157,13 @@
       </p:pic>
       <p:pic>
         <p:nvPicPr>
-          <p:cNvPr id="26" name="Graphic 25" descr="Internet 轮廓图"/>
+          <p:cNvPr id="26" name="Graphic 25" descr="Internet outline">
+            <a:extLst>
+              <a:ext uri="{FF2B5EF4-FFF2-40B4-BE49-F238E27FC236}">
+                <a16:creationId xmlns:a16="http://schemas.microsoft.com/office/drawing/2014/main" id="{D97D0963-4E70-534E-A452-83995F1FACDE}"/>
+              </a:ext>
+            </a:extLst>
+          </p:cNvPr>
           <p:cNvPicPr>
             <a:picLocks noChangeAspect="1"/>
           </p:cNvPicPr>
@@ -7882,7 +9196,13 @@
       </p:pic>
       <p:pic>
         <p:nvPicPr>
-          <p:cNvPr id="28" name="Graphic 27" descr="远程学习语言轮廓图"/>
+          <p:cNvPr id="28" name="Graphic 27" descr="Remote learning language outline">
+            <a:extLst>
+              <a:ext uri="{FF2B5EF4-FFF2-40B4-BE49-F238E27FC236}">
+                <a16:creationId xmlns:a16="http://schemas.microsoft.com/office/drawing/2014/main" id="{5F425BA3-573C-1A4A-9418-FC3AB02B28C2}"/>
+              </a:ext>
+            </a:extLst>
+          </p:cNvPr>
           <p:cNvPicPr>
             <a:picLocks noChangeAspect="1"/>
           </p:cNvPicPr>
@@ -7915,7 +9235,13 @@
       </p:pic>
       <p:sp>
         <p:nvSpPr>
-          <p:cNvPr id="75" name="object 38"/>
+          <p:cNvPr id="75" name="object 38">
+            <a:extLst>
+              <a:ext uri="{FF2B5EF4-FFF2-40B4-BE49-F238E27FC236}">
+                <a16:creationId xmlns:a16="http://schemas.microsoft.com/office/drawing/2014/main" id="{7721F89F-362E-2149-8232-23A77C21A87D}"/>
+              </a:ext>
+            </a:extLst>
+          </p:cNvPr>
           <p:cNvSpPr/>
           <p:nvPr/>
         </p:nvSpPr>
@@ -7964,8 +9290,16 @@
       </p:sp>
       <p:sp>
         <p:nvSpPr>
-          <p:cNvPr id="79" name="TextBox 78"/>
-          <p:cNvSpPr txBox="1"/>
+          <p:cNvPr id="79" name="TextBox 78">
+            <a:extLst>
+              <a:ext uri="{FF2B5EF4-FFF2-40B4-BE49-F238E27FC236}">
+                <a16:creationId xmlns:a16="http://schemas.microsoft.com/office/drawing/2014/main" id="{BD8D3B50-8896-BD46-87FD-5A7F5FB02DD5}"/>
+              </a:ext>
+            </a:extLst>
+          </p:cNvPr>
+          <p:cNvSpPr txBox="1">
+            <a:spLocks/>
+          </p:cNvSpPr>
           <p:nvPr/>
         </p:nvSpPr>
         <p:spPr>
@@ -7997,20 +9331,28 @@
               <a:defRPr/>
             </a:pPr>
             <a:r>
-              <a:rPr lang="en-US" sz="1200" dirty="0">
+              <a:rPr lang="en-US" sz="1200">
                 <a:solidFill>
                   <a:srgbClr val="000000"/>
                 </a:solidFill>
               </a:rPr>
-              <a:t>自助门户</a:t>
+              <a:t>Self– Help Portal</a:t>
             </a:r>
           </a:p>
         </p:txBody>
       </p:sp>
       <p:sp>
         <p:nvSpPr>
-          <p:cNvPr id="83" name="TextBox 82"/>
-          <p:cNvSpPr txBox="1"/>
+          <p:cNvPr id="83" name="TextBox 82">
+            <a:extLst>
+              <a:ext uri="{FF2B5EF4-FFF2-40B4-BE49-F238E27FC236}">
+                <a16:creationId xmlns:a16="http://schemas.microsoft.com/office/drawing/2014/main" id="{AF154937-CC7F-194F-914A-583BEF4B46DE}"/>
+              </a:ext>
+            </a:extLst>
+          </p:cNvPr>
+          <p:cNvSpPr txBox="1">
+            <a:spLocks/>
+          </p:cNvSpPr>
           <p:nvPr/>
         </p:nvSpPr>
         <p:spPr>
@@ -8042,7 +9384,7 @@
               <a:defRPr/>
             </a:pPr>
             <a:r>
-              <a:rPr lang="en-US" sz="1200" dirty="0">
+              <a:rPr lang="en-US" sz="1200">
                 <a:solidFill>
                   <a:srgbClr val="000000"/>
                 </a:solidFill>
@@ -8104,17 +9446,17 @@
               </a:lnSpc>
             </a:pPr>
             <a:r>
-              <a:rPr lang="en-US" sz="500" spc="-5" dirty="0">
+              <a:rPr sz="500" spc="-5">
                 <a:solidFill>
                   <a:srgbClr val="6C6C6C"/>
                 </a:solidFill>
                 <a:latin typeface="Adobe Clean"/>
                 <a:cs typeface="Adobe Clean"/>
               </a:rPr>
-              <a:t>© 2020 Adobe. All Rights Reserved.</a:t>
-            </a:r>
-            <a:r>
-              <a:rPr lang="en-US" sz="500" dirty="0">
+              <a:t>©2020 Adobe. All Rights Reserved. </a:t>
+            </a:r>
+            <a:r>
+              <a:rPr sz="500">
                 <a:solidFill>
                   <a:srgbClr val="6C6C6C"/>
                 </a:solidFill>
@@ -8124,7 +9466,7 @@
               <a:t>Adobe</a:t>
             </a:r>
             <a:r>
-              <a:rPr lang="en-US" sz="500" spc="5" dirty="0">
+              <a:rPr sz="500" spc="5">
                 <a:solidFill>
                   <a:srgbClr val="6C6C6C"/>
                 </a:solidFill>
@@ -8134,7 +9476,7 @@
               <a:t> </a:t>
             </a:r>
             <a:r>
-              <a:rPr lang="en-US" sz="500" spc="-5" dirty="0">
+              <a:rPr sz="500" spc="-5">
                 <a:solidFill>
                   <a:srgbClr val="6C6C6C"/>
                 </a:solidFill>
@@ -8172,17 +9514,17 @@
               </a:spcBef>
             </a:pPr>
             <a:r>
-              <a:rPr lang="en-US" sz="800" spc="-5" dirty="0">
+              <a:rPr sz="800" spc="-5">
                 <a:solidFill>
                   <a:srgbClr val="6D6D6D"/>
                 </a:solidFill>
                 <a:latin typeface="Adobe Clean"/>
                 <a:cs typeface="Adobe Clean"/>
               </a:rPr>
-              <a:t>© 2020 Adobe. All Rights Reserved.Adobe</a:t>
-            </a:r>
-            <a:r>
-              <a:rPr lang="en-US" sz="800" spc="75" dirty="0">
+              <a:t>©2020 Adobe. All Rights Reserved. Adobe</a:t>
+            </a:r>
+            <a:r>
+              <a:rPr sz="800" spc="75">
                 <a:solidFill>
                   <a:srgbClr val="6D6D6D"/>
                 </a:solidFill>
@@ -8192,7 +9534,7 @@
               <a:t> </a:t>
             </a:r>
             <a:r>
-              <a:rPr lang="en-US" sz="800" spc="-5" dirty="0">
+              <a:rPr sz="800" spc="-5">
                 <a:solidFill>
                   <a:srgbClr val="6D6D6D"/>
                 </a:solidFill>
@@ -8288,16 +9630,16 @@
               </a:spcBef>
             </a:pPr>
             <a:r>
-              <a:rPr lang="en-US" sz="1400" b="1" spc="-15" dirty="0">
+              <a:rPr lang="en-US" sz="1400" b="1" spc="-15">
                 <a:solidFill>
                   <a:srgbClr val="020302"/>
                 </a:solidFill>
                 <a:latin typeface="Adobe Clean"/>
                 <a:cs typeface="Adobe Clean"/>
               </a:rPr>
-              <a:t>资源</a:t>
-            </a:r>
-            <a:endParaRPr sz="1400" dirty="0">
+              <a:t>Resources</a:t>
+            </a:r>
+            <a:endParaRPr sz="1400">
               <a:latin typeface="Adobe Clean"/>
               <a:cs typeface="Adobe Clean"/>
             </a:endParaRPr>
@@ -8334,7 +9676,7 @@
               </a:spcBef>
             </a:pPr>
             <a:r>
-              <a:rPr lang="en-US" sz="800" spc="-15" dirty="0">
+              <a:rPr sz="800" spc="-15">
                 <a:solidFill>
                   <a:srgbClr val="777879"/>
                 </a:solidFill>
@@ -8355,7 +9697,7 @@
               </a:lnSpc>
             </a:pPr>
             <a:r>
-              <a:rPr lang="en-US" sz="800" spc="-15" dirty="0">
+              <a:rPr sz="800" spc="-15">
                 <a:solidFill>
                   <a:srgbClr val="777879"/>
                 </a:solidFill>
@@ -8365,7 +9707,7 @@
               <a:t>345 Park</a:t>
             </a:r>
             <a:r>
-              <a:rPr lang="en-US" sz="800" spc="-100" dirty="0">
+              <a:rPr sz="800" spc="-100">
                 <a:solidFill>
                   <a:srgbClr val="777879"/>
                 </a:solidFill>
@@ -8375,7 +9717,7 @@
               <a:t> </a:t>
             </a:r>
             <a:r>
-              <a:rPr lang="en-US" sz="800" spc="-15" dirty="0">
+              <a:rPr sz="800" spc="-15">
                 <a:solidFill>
                   <a:srgbClr val="777879"/>
                 </a:solidFill>
@@ -8392,11 +9734,11 @@
           <a:p>
             <a:pPr marL="12700">
               <a:lnSpc>
-                <a:spcPts val="945"/>
+                <a:spcPts val="944"/>
               </a:lnSpc>
             </a:pPr>
             <a:r>
-              <a:rPr lang="en-US" sz="800" spc="-10" dirty="0">
+              <a:rPr sz="800" spc="-10">
                 <a:solidFill>
                   <a:srgbClr val="777879"/>
                 </a:solidFill>
@@ -8406,7 +9748,7 @@
               <a:t>San </a:t>
             </a:r>
             <a:r>
-              <a:rPr lang="en-US" sz="800" spc="-15" dirty="0">
+              <a:rPr sz="800" spc="-15">
                 <a:solidFill>
                   <a:srgbClr val="777879"/>
                 </a:solidFill>
@@ -8416,7 +9758,7 @@
               <a:t>Jose,</a:t>
             </a:r>
             <a:r>
-              <a:rPr lang="en-US" sz="800" spc="-140" dirty="0">
+              <a:rPr sz="800" spc="-140">
                 <a:solidFill>
                   <a:srgbClr val="777879"/>
                 </a:solidFill>
@@ -8426,7 +9768,7 @@
               <a:t> </a:t>
             </a:r>
             <a:r>
-              <a:rPr lang="en-US" sz="800" spc="-20" dirty="0">
+              <a:rPr sz="800" spc="-20">
                 <a:solidFill>
                   <a:srgbClr val="777879"/>
                 </a:solidFill>
@@ -8450,7 +9792,7 @@
               </a:spcBef>
             </a:pPr>
             <a:r>
-              <a:rPr lang="en-US" sz="800" spc="-10" dirty="0">
+              <a:rPr sz="800" spc="-10">
                 <a:solidFill>
                   <a:srgbClr val="777879"/>
                 </a:solidFill>
@@ -8474,7 +9816,7 @@
               </a:spcBef>
             </a:pPr>
             <a:r>
-              <a:rPr lang="en-US" sz="800" u="sng" spc="-25" dirty="0">
+              <a:rPr sz="800" u="sng" spc="-25">
                 <a:solidFill>
                   <a:srgbClr val="5F5F5F"/>
                 </a:solidFill>
@@ -8485,9 +9827,9 @@
                 </a:uFill>
                 <a:latin typeface="Adobe Clean"/>
                 <a:cs typeface="Adobe Clean"/>
-                <a:hlinkClick r:id="rId4"/>
-              </a:rPr>
-              <a:t>www.adobe.com/cn/</a:t>
+                <a:hlinkClick r:id="rId3"/>
+              </a:rPr>
+              <a:t>www.adobe.com</a:t>
             </a:r>
             <a:endParaRPr sz="800">
               <a:latin typeface="Adobe Clean"/>
@@ -8511,7 +9853,7 @@
             <a:avLst/>
           </a:prstGeom>
           <a:blipFill>
-            <a:blip r:embed="rId5" cstate="print"/>
+            <a:blip r:embed="rId4" cstate="print"/>
             <a:stretch>
               <a:fillRect/>
             </a:stretch>
@@ -8623,7 +9965,7 @@
             <a:avLst/>
           </a:prstGeom>
           <a:blipFill>
-            <a:blip r:embed="rId6" cstate="print"/>
+            <a:blip r:embed="rId5" cstate="print"/>
             <a:stretch>
               <a:fillRect/>
             </a:stretch>
@@ -8653,7 +9995,7 @@
           </a:prstGeom>
         </p:spPr>
         <p:txBody>
-          <a:bodyPr vert="horz" wrap="square" lIns="0" tIns="29845" rIns="0" bIns="0" rtlCol="0">
+          <a:bodyPr vert="horz" wrap="square" lIns="0" tIns="29845" rIns="0" bIns="0" rtlCol="0" anchor="t">
             <a:spAutoFit/>
           </a:bodyPr>
           <a:lstStyle/>
@@ -8667,136 +10009,436 @@
               </a:spcBef>
             </a:pPr>
             <a:r>
-              <a:rPr lang="en-US" sz="1100" i="1" spc="-10" dirty="0">
+              <a:rPr sz="1100" i="1" spc="-10">
                 <a:solidFill>
                   <a:srgbClr val="777879"/>
                 </a:solidFill>
                 <a:latin typeface="AdobeClean-LightIt"/>
                 <a:cs typeface="AdobeClean-LightIt"/>
               </a:rPr>
-              <a:t>要</a:t>
-            </a:r>
-            <a:r>
-              <a:rPr lang="en-US" sz="1100" i="1" spc="-15" dirty="0">
+              <a:t>To</a:t>
+            </a:r>
+            <a:r>
+              <a:rPr sz="1100" i="1" spc="-50">
                 <a:solidFill>
                   <a:srgbClr val="777879"/>
                 </a:solidFill>
                 <a:latin typeface="AdobeClean-LightIt"/>
                 <a:cs typeface="AdobeClean-LightIt"/>
               </a:rPr>
-              <a:t>详细了解</a:t>
-            </a:r>
-            <a:r>
-              <a:rPr lang="en-US" sz="1100" i="1" spc="-45" dirty="0">
+              <a:t> </a:t>
+            </a:r>
+            <a:r>
+              <a:rPr sz="1100" i="1" spc="-15">
                 <a:solidFill>
                   <a:srgbClr val="777879"/>
                 </a:solidFill>
                 <a:latin typeface="AdobeClean-LightIt"/>
                 <a:cs typeface="AdobeClean-LightIt"/>
               </a:rPr>
-              <a:t> </a:t>
-            </a:r>
-            <a:r>
-              <a:rPr lang="en-US" sz="1100" i="1" spc="-15" dirty="0">
+              <a:t>learn</a:t>
+            </a:r>
+            <a:r>
+              <a:rPr sz="1100" i="1" spc="-40">
                 <a:solidFill>
                   <a:srgbClr val="777879"/>
                 </a:solidFill>
                 <a:latin typeface="AdobeClean-LightIt"/>
                 <a:cs typeface="AdobeClean-LightIt"/>
               </a:rPr>
-              <a:t>Adobe</a:t>
-            </a:r>
-            <a:r>
-              <a:rPr lang="en-US" sz="1100" i="1" spc="-50" dirty="0">
+              <a:t> </a:t>
+            </a:r>
+            <a:r>
+              <a:rPr sz="1100" i="1" spc="-15">
                 <a:solidFill>
                   <a:srgbClr val="777879"/>
                 </a:solidFill>
                 <a:latin typeface="AdobeClean-LightIt"/>
                 <a:cs typeface="AdobeClean-LightIt"/>
               </a:rPr>
-              <a:t> </a:t>
-            </a:r>
-            <a:r>
-              <a:rPr lang="en-US" sz="1100" i="1" spc="-15" dirty="0">
+              <a:t>more</a:t>
+            </a:r>
+            <a:r>
+              <a:rPr sz="1100" i="1" spc="-45">
                 <a:solidFill>
                   <a:srgbClr val="777879"/>
                 </a:solidFill>
                 <a:latin typeface="AdobeClean-LightIt"/>
                 <a:cs typeface="AdobeClean-LightIt"/>
               </a:rPr>
-              <a:t>支持产品/服务和您的适当级别，请联系指定</a:t>
-            </a:r>
-            <a:r>
-              <a:rPr lang="en-US" sz="1100" i="1" spc="-25" dirty="0">
+              <a:t> </a:t>
+            </a:r>
+            <a:r>
+              <a:rPr sz="1100" i="1" spc="-15">
                 <a:solidFill>
                   <a:srgbClr val="777879"/>
                 </a:solidFill>
                 <a:latin typeface="AdobeClean-LightIt"/>
                 <a:cs typeface="AdobeClean-LightIt"/>
               </a:rPr>
-              <a:t>客户</a:t>
-            </a:r>
-            <a:r>
-              <a:rPr lang="en-US" sz="1100" i="1" spc="-20" dirty="0">
+              <a:t>about</a:t>
+            </a:r>
+            <a:r>
+              <a:rPr sz="1100" i="1" spc="-45">
                 <a:solidFill>
                   <a:srgbClr val="777879"/>
                 </a:solidFill>
                 <a:latin typeface="AdobeClean-LightIt"/>
                 <a:cs typeface="AdobeClean-LightIt"/>
               </a:rPr>
-              <a:t>经理 </a:t>
-            </a:r>
-            <a:r>
-              <a:rPr lang="en-US" sz="1100" i="1" spc="-15" dirty="0">
+              <a:t> </a:t>
+            </a:r>
+            <a:r>
+              <a:rPr sz="1100" i="1" spc="-15">
                 <a:solidFill>
                   <a:srgbClr val="777879"/>
                 </a:solidFill>
                 <a:latin typeface="AdobeClean-LightIt"/>
                 <a:cs typeface="AdobeClean-LightIt"/>
               </a:rPr>
-              <a:t>(NAM) </a:t>
-            </a:r>
-            <a:r>
-              <a:rPr lang="en-US" sz="1100" i="1" spc="-10" dirty="0">
+              <a:t>Adobe</a:t>
+            </a:r>
+            <a:r>
+              <a:rPr sz="1100" i="1" spc="-50">
                 <a:solidFill>
                   <a:srgbClr val="777879"/>
                 </a:solidFill>
                 <a:latin typeface="AdobeClean-LightIt"/>
                 <a:cs typeface="AdobeClean-LightIt"/>
               </a:rPr>
-              <a:t>或</a:t>
-            </a:r>
-            <a:r>
-              <a:rPr lang="en-US" sz="1100" i="1" spc="-15" dirty="0">
+              <a:t> </a:t>
+            </a:r>
+            <a:r>
+              <a:rPr sz="1100" i="1" spc="-15">
                 <a:solidFill>
                   <a:srgbClr val="777879"/>
                 </a:solidFill>
                 <a:latin typeface="AdobeClean-LightIt"/>
                 <a:cs typeface="AdobeClean-LightIt"/>
               </a:rPr>
-              <a:t>客户</a:t>
-            </a:r>
-            <a:r>
-              <a:rPr lang="en-US" sz="1100" i="1" spc="-20" dirty="0">
+              <a:t>Support</a:t>
+            </a:r>
+            <a:r>
+              <a:rPr lang="en-US" sz="1100" i="1" spc="-15">
                 <a:solidFill>
                   <a:srgbClr val="777879"/>
                 </a:solidFill>
                 <a:latin typeface="AdobeClean-LightIt"/>
                 <a:cs typeface="AdobeClean-LightIt"/>
               </a:rPr>
-              <a:t>成功</a:t>
-            </a:r>
-            <a:r>
-              <a:rPr lang="en-US" sz="1100" i="1" spc="-15" dirty="0">
+              <a:t> Offerings</a:t>
+            </a:r>
+            <a:r>
+              <a:rPr sz="1100" i="1" spc="-75">
                 <a:solidFill>
                   <a:srgbClr val="777879"/>
                 </a:solidFill>
                 <a:latin typeface="AdobeClean-LightIt"/>
                 <a:cs typeface="AdobeClean-LightIt"/>
               </a:rPr>
-              <a:t>经理 (CSM)</a:t>
-            </a:r>
-            <a:endParaRPr sz="1100" dirty="0">
+              <a:t> </a:t>
+            </a:r>
+            <a:r>
+              <a:rPr sz="1100" i="1" spc="-15">
+                <a:solidFill>
+                  <a:srgbClr val="777879"/>
+                </a:solidFill>
+                <a:latin typeface="AdobeClean-LightIt"/>
+                <a:cs typeface="AdobeClean-LightIt"/>
+              </a:rPr>
+              <a:t>and</a:t>
+            </a:r>
+            <a:r>
+              <a:rPr sz="1100" i="1" spc="-50">
+                <a:solidFill>
+                  <a:srgbClr val="777879"/>
+                </a:solidFill>
+                <a:latin typeface="AdobeClean-LightIt"/>
+                <a:cs typeface="AdobeClean-LightIt"/>
+              </a:rPr>
+              <a:t> </a:t>
+            </a:r>
+            <a:r>
+              <a:rPr sz="1100" i="1" spc="-15">
+                <a:solidFill>
+                  <a:srgbClr val="777879"/>
+                </a:solidFill>
+                <a:latin typeface="AdobeClean-LightIt"/>
+                <a:cs typeface="AdobeClean-LightIt"/>
+              </a:rPr>
+              <a:t>the</a:t>
+            </a:r>
+            <a:r>
+              <a:rPr sz="1100" i="1" spc="-55">
+                <a:solidFill>
+                  <a:srgbClr val="777879"/>
+                </a:solidFill>
+                <a:latin typeface="AdobeClean-LightIt"/>
+                <a:cs typeface="AdobeClean-LightIt"/>
+              </a:rPr>
+              <a:t> </a:t>
+            </a:r>
+            <a:r>
+              <a:rPr sz="1100" i="1" spc="-15">
+                <a:solidFill>
+                  <a:srgbClr val="777879"/>
+                </a:solidFill>
+                <a:latin typeface="AdobeClean-LightIt"/>
+                <a:cs typeface="AdobeClean-LightIt"/>
+              </a:rPr>
+              <a:t>right</a:t>
+            </a:r>
+            <a:r>
+              <a:rPr sz="1100" i="1" spc="-95">
+                <a:solidFill>
+                  <a:srgbClr val="777879"/>
+                </a:solidFill>
+                <a:latin typeface="AdobeClean-LightIt"/>
+                <a:cs typeface="AdobeClean-LightIt"/>
+              </a:rPr>
+              <a:t> </a:t>
+            </a:r>
+            <a:r>
+              <a:rPr sz="1100" i="1" spc="-15">
+                <a:solidFill>
+                  <a:srgbClr val="777879"/>
+                </a:solidFill>
+                <a:latin typeface="AdobeClean-LightIt"/>
+                <a:cs typeface="AdobeClean-LightIt"/>
+              </a:rPr>
+              <a:t>level</a:t>
+            </a:r>
+            <a:r>
+              <a:rPr sz="1100" i="1" spc="-55">
+                <a:solidFill>
+                  <a:srgbClr val="777879"/>
+                </a:solidFill>
+                <a:latin typeface="AdobeClean-LightIt"/>
+                <a:cs typeface="AdobeClean-LightIt"/>
+              </a:rPr>
+              <a:t> </a:t>
+            </a:r>
+            <a:r>
+              <a:rPr sz="1100" i="1" spc="-15">
+                <a:solidFill>
+                  <a:srgbClr val="777879"/>
+                </a:solidFill>
+                <a:latin typeface="AdobeClean-LightIt"/>
+                <a:cs typeface="AdobeClean-LightIt"/>
+              </a:rPr>
+              <a:t>for</a:t>
+            </a:r>
+            <a:r>
+              <a:rPr sz="1100" i="1" spc="-85">
+                <a:solidFill>
+                  <a:srgbClr val="777879"/>
+                </a:solidFill>
+                <a:latin typeface="AdobeClean-LightIt"/>
+                <a:cs typeface="AdobeClean-LightIt"/>
+              </a:rPr>
+              <a:t> </a:t>
+            </a:r>
+            <a:r>
+              <a:rPr sz="1100" i="1" spc="-15">
+                <a:solidFill>
+                  <a:srgbClr val="777879"/>
+                </a:solidFill>
+                <a:latin typeface="AdobeClean-LightIt"/>
+                <a:cs typeface="AdobeClean-LightIt"/>
+              </a:rPr>
+              <a:t>you,</a:t>
+            </a:r>
+            <a:r>
+              <a:rPr sz="1100" i="1" spc="-65">
+                <a:solidFill>
+                  <a:srgbClr val="777879"/>
+                </a:solidFill>
+                <a:latin typeface="AdobeClean-LightIt"/>
+                <a:cs typeface="AdobeClean-LightIt"/>
+              </a:rPr>
+              <a:t> </a:t>
+            </a:r>
+            <a:r>
+              <a:rPr sz="1100" i="1" spc="-15">
+                <a:solidFill>
+                  <a:srgbClr val="777879"/>
+                </a:solidFill>
+                <a:latin typeface="AdobeClean-LightIt"/>
+                <a:cs typeface="AdobeClean-LightIt"/>
+              </a:rPr>
+              <a:t>contact</a:t>
+            </a:r>
+            <a:r>
+              <a:rPr sz="1100" i="1" spc="-85">
+                <a:solidFill>
+                  <a:srgbClr val="777879"/>
+                </a:solidFill>
+                <a:latin typeface="AdobeClean-LightIt"/>
+                <a:cs typeface="AdobeClean-LightIt"/>
+              </a:rPr>
+              <a:t> </a:t>
+            </a:r>
+            <a:r>
+              <a:rPr sz="1100" i="1" spc="-15">
+                <a:solidFill>
+                  <a:srgbClr val="777879"/>
+                </a:solidFill>
+                <a:latin typeface="AdobeClean-LightIt"/>
+                <a:cs typeface="AdobeClean-LightIt"/>
+              </a:rPr>
+              <a:t>your</a:t>
+            </a:r>
+            <a:r>
+              <a:rPr sz="1100" i="1" spc="-70">
+                <a:solidFill>
+                  <a:srgbClr val="777879"/>
+                </a:solidFill>
+                <a:latin typeface="AdobeClean-LightIt"/>
+                <a:cs typeface="AdobeClean-LightIt"/>
+              </a:rPr>
+              <a:t> </a:t>
+            </a:r>
+            <a:r>
+              <a:rPr sz="1100" i="1" spc="-15">
+                <a:solidFill>
+                  <a:srgbClr val="777879"/>
+                </a:solidFill>
+                <a:latin typeface="AdobeClean-LightIt"/>
+                <a:cs typeface="AdobeClean-LightIt"/>
+              </a:rPr>
+              <a:t>Named</a:t>
+            </a:r>
+            <a:r>
+              <a:rPr sz="1100" i="1" spc="-55">
+                <a:solidFill>
+                  <a:srgbClr val="777879"/>
+                </a:solidFill>
+                <a:latin typeface="AdobeClean-LightIt"/>
+                <a:cs typeface="AdobeClean-LightIt"/>
+              </a:rPr>
+              <a:t> </a:t>
+            </a:r>
+            <a:r>
+              <a:rPr sz="1100" i="1" spc="-25">
+                <a:solidFill>
+                  <a:srgbClr val="777879"/>
+                </a:solidFill>
+                <a:latin typeface="AdobeClean-LightIt"/>
+                <a:cs typeface="AdobeClean-LightIt"/>
+              </a:rPr>
+              <a:t>Account</a:t>
+            </a:r>
+            <a:r>
+              <a:rPr sz="1100" i="1" spc="-120">
+                <a:solidFill>
+                  <a:srgbClr val="777879"/>
+                </a:solidFill>
+                <a:latin typeface="AdobeClean-LightIt"/>
+                <a:cs typeface="AdobeClean-LightIt"/>
+              </a:rPr>
+              <a:t> </a:t>
+            </a:r>
+            <a:r>
+              <a:rPr sz="1100" i="1" spc="-20">
+                <a:solidFill>
+                  <a:srgbClr val="777879"/>
+                </a:solidFill>
+                <a:latin typeface="AdobeClean-LightIt"/>
+                <a:cs typeface="AdobeClean-LightIt"/>
+              </a:rPr>
+              <a:t>Manager</a:t>
+            </a:r>
+            <a:r>
+              <a:rPr lang="en-US" sz="1100" i="1" spc="-20">
+                <a:solidFill>
+                  <a:srgbClr val="777879"/>
+                </a:solidFill>
+                <a:latin typeface="AdobeClean-LightIt"/>
+                <a:cs typeface="AdobeClean-LightIt"/>
+              </a:rPr>
+              <a:t> </a:t>
+            </a:r>
+            <a:r>
+              <a:rPr sz="1100" i="1" spc="-20">
+                <a:solidFill>
+                  <a:srgbClr val="777879"/>
+                </a:solidFill>
+                <a:latin typeface="AdobeClean-LightIt"/>
+                <a:cs typeface="AdobeClean-LightIt"/>
+              </a:rPr>
+              <a:t> </a:t>
+            </a:r>
+            <a:r>
+              <a:rPr sz="1100" i="1" spc="-15">
+                <a:solidFill>
+                  <a:srgbClr val="777879"/>
+                </a:solidFill>
+                <a:latin typeface="AdobeClean-LightIt"/>
+                <a:cs typeface="AdobeClean-LightIt"/>
+              </a:rPr>
+              <a:t>(NAM) </a:t>
+            </a:r>
+            <a:r>
+              <a:rPr sz="1100" i="1" spc="-10">
+                <a:solidFill>
+                  <a:srgbClr val="777879"/>
+                </a:solidFill>
+                <a:latin typeface="AdobeClean-LightIt"/>
+                <a:cs typeface="AdobeClean-LightIt"/>
+              </a:rPr>
+              <a:t>or </a:t>
+            </a:r>
+            <a:r>
+              <a:rPr sz="1100" i="1" spc="-15">
+                <a:solidFill>
+                  <a:srgbClr val="777879"/>
+                </a:solidFill>
+                <a:latin typeface="AdobeClean-LightIt"/>
+                <a:cs typeface="AdobeClean-LightIt"/>
+              </a:rPr>
+              <a:t>Customer</a:t>
+            </a:r>
+            <a:r>
+              <a:rPr lang="en-US" sz="1100" i="1" spc="-15">
+                <a:solidFill>
+                  <a:srgbClr val="777879"/>
+                </a:solidFill>
+                <a:latin typeface="AdobeClean-LightIt"/>
+                <a:cs typeface="AdobeClean-LightIt"/>
+              </a:rPr>
+              <a:t> </a:t>
+            </a:r>
+            <a:r>
+              <a:rPr lang="en-US" sz="1100" i="1" spc="-20">
+                <a:solidFill>
+                  <a:srgbClr val="777879"/>
+                </a:solidFill>
+                <a:latin typeface="AdobeClean-LightIt"/>
+                <a:cs typeface="AdobeClean-LightIt"/>
+              </a:rPr>
+              <a:t>Success </a:t>
+            </a:r>
+            <a:r>
+              <a:rPr lang="en-US" sz="1100" i="1" spc="-15">
+                <a:solidFill>
+                  <a:srgbClr val="777879"/>
+                </a:solidFill>
+                <a:latin typeface="AdobeClean-LightIt"/>
+                <a:cs typeface="AdobeClean-LightIt"/>
+              </a:rPr>
+              <a:t>Manager </a:t>
+            </a:r>
+            <a:r>
+              <a:rPr sz="1100" i="1" spc="-15">
+                <a:solidFill>
+                  <a:srgbClr val="777879"/>
+                </a:solidFill>
+                <a:latin typeface="AdobeClean-LightIt"/>
+                <a:cs typeface="AdobeClean-LightIt"/>
+              </a:rPr>
+              <a:t>(CSM)</a:t>
+            </a:r>
+            <a:endParaRPr sz="1100">
               <a:latin typeface="AdobeClean-LightIt"/>
               <a:cs typeface="AdobeClean-LightIt"/>
             </a:endParaRPr>
@@ -8811,36 +10453,56 @@
               </a:spcBef>
             </a:pPr>
             <a:r>
-              <a:rPr lang="en-US" sz="800" spc="-5" dirty="0">
+              <a:rPr sz="800" spc="-5">
                 <a:solidFill>
                   <a:srgbClr val="6D6D6D"/>
                 </a:solidFill>
                 <a:latin typeface="Adobe Clean"/>
                 <a:cs typeface="Adobe Clean"/>
               </a:rPr>
-              <a:t>©2021 Adobe.All Rights Reserved.Adobe</a:t>
-            </a:r>
-            <a:r>
-              <a:rPr lang="en-US" sz="800" spc="75" dirty="0">
+              <a:t>©202</a:t>
+            </a:r>
+            <a:r>
+              <a:rPr lang="en-US" sz="800" spc="-5">
                 <a:solidFill>
                   <a:srgbClr val="6D6D6D"/>
                 </a:solidFill>
                 <a:latin typeface="Adobe Clean"/>
                 <a:cs typeface="Adobe Clean"/>
               </a:rPr>
-              <a:t> </a:t>
-            </a:r>
-            <a:r>
-              <a:rPr lang="en-US" sz="800" spc="-5" dirty="0">
+              <a:t>1</a:t>
+            </a:r>
+            <a:r>
+              <a:rPr sz="800" spc="-5">
                 <a:solidFill>
                   <a:srgbClr val="6D6D6D"/>
                 </a:solidFill>
                 <a:latin typeface="Adobe Clean"/>
                 <a:cs typeface="Adobe Clean"/>
               </a:rPr>
+              <a:t> Adobe. All Rights Reserved. Adobe</a:t>
+            </a:r>
+            <a:r>
+              <a:rPr sz="800" spc="75">
+                <a:solidFill>
+                  <a:srgbClr val="6D6D6D"/>
+                </a:solidFill>
+                <a:latin typeface="Adobe Clean"/>
+                <a:cs typeface="Adobe Clean"/>
+              </a:rPr>
+              <a:t> </a:t>
+            </a:r>
+            <a:r>
+              <a:rPr sz="800" spc="-5">
+                <a:solidFill>
+                  <a:srgbClr val="6D6D6D"/>
+                </a:solidFill>
+                <a:latin typeface="Adobe Clean"/>
+                <a:cs typeface="Adobe Clean"/>
+              </a:rPr>
               <a:t>Confidential.</a:t>
             </a:r>
-            <a:endParaRPr sz="800" dirty="0">
+            <a:endParaRPr sz="800">
               <a:latin typeface="Adobe Clean"/>
               <a:cs typeface="Adobe Clean"/>
             </a:endParaRPr>
@@ -8849,13 +10511,19 @@
       </p:sp>
       <p:sp>
         <p:nvSpPr>
-          <p:cNvPr id="64" name="object 23"/>
+          <p:cNvPr id="64" name="object 23">
+            <a:extLst>
+              <a:ext uri="{FF2B5EF4-FFF2-40B4-BE49-F238E27FC236}">
+                <a16:creationId xmlns:a16="http://schemas.microsoft.com/office/drawing/2014/main" id="{41467BDC-3D83-D844-B922-CD07E94E5AAB}"/>
+              </a:ext>
+            </a:extLst>
+          </p:cNvPr>
           <p:cNvSpPr txBox="1"/>
           <p:nvPr/>
         </p:nvSpPr>
         <p:spPr>
           <a:xfrm>
-            <a:off x="171129" y="5057379"/>
+            <a:off x="197233" y="5031270"/>
             <a:ext cx="6476646" cy="755976"/>
           </a:xfrm>
           <a:prstGeom prst="rect">
@@ -8863,119 +10531,73 @@
           </a:prstGeom>
         </p:spPr>
         <p:txBody>
-          <a:bodyPr vert="horz" wrap="square" lIns="0" tIns="116205" rIns="0" bIns="0" rtlCol="0">
+          <a:bodyPr vert="horz" wrap="square" lIns="0" tIns="116205" rIns="0" bIns="0" rtlCol="0" anchor="t">
             <a:spAutoFit/>
           </a:bodyPr>
           <a:lstStyle/>
           <a:p>
-            <a:pPr lvl="0">
+            <a:pPr>
               <a:spcBef>
                 <a:spcPts val="915"/>
               </a:spcBef>
             </a:pPr>
             <a:r>
-              <a:rPr lang="en-US" altLang="zh-CN" sz="1400" b="1" spc="-15" dirty="0">
+              <a:rPr lang="en-US" sz="1400" b="1" spc="-15">
                 <a:solidFill>
                   <a:srgbClr val="020302"/>
                 </a:solidFill>
                 <a:latin typeface="Adobe Clean"/>
                 <a:cs typeface="Adobe Clean"/>
               </a:rPr>
-              <a:t>Adobe </a:t>
-            </a:r>
-            <a:r>
-              <a:rPr lang="zh-CN" altLang="en-US" sz="1400" b="1" spc="-15" dirty="0">
-                <a:solidFill>
-                  <a:srgbClr val="020302"/>
-                </a:solidFill>
-                <a:latin typeface="Adobe Clean"/>
-                <a:cs typeface="Adobe Clean"/>
-              </a:rPr>
-              <a:t>支持的区域范围、当地营业时间和语言支持</a:t>
-            </a:r>
-            <a:endParaRPr lang="pl-PL" altLang="zh-CN" sz="1400" b="1" spc="-15" dirty="0">
-              <a:solidFill>
-                <a:srgbClr val="020302"/>
-              </a:solidFill>
-              <a:latin typeface="Adobe Clean"/>
-              <a:cs typeface="Adobe Clean"/>
+              <a:t>Regional scope of Adobe Support, Local Hours Of Operation And Language Support</a:t>
+            </a:r>
+            <a:endParaRPr lang="en-US" sz="1400" spc="-15">
+              <a:ea typeface="+mn-lt"/>
+              <a:cs typeface="+mn-lt"/>
             </a:endParaRPr>
           </a:p>
           <a:p>
-            <a:pPr lvl="0">
+            <a:pPr>
               <a:spcBef>
                 <a:spcPts val="915"/>
               </a:spcBef>
             </a:pPr>
             <a:r>
-              <a:rPr lang="zh-CN" altLang="en-US" sz="1000" spc="-15" dirty="0">
+              <a:rPr lang="en-US" sz="1000" spc="-15">
                 <a:solidFill>
                   <a:srgbClr val="1F1F1F"/>
                 </a:solidFill>
                 <a:latin typeface="AdobeClean-Light"/>
               </a:rPr>
-              <a:t>要建立 </a:t>
-            </a:r>
-            <a:r>
-              <a:rPr lang="en-US" altLang="zh-CN" sz="1000" spc="-15" dirty="0">
-                <a:solidFill>
-                  <a:srgbClr val="1F1F1F"/>
-                </a:solidFill>
-                <a:latin typeface="AdobeClean-Light"/>
-              </a:rPr>
-              <a:t>Adobe </a:t>
-            </a:r>
-            <a:r>
-              <a:rPr lang="zh-CN" altLang="en-US" sz="1000" spc="-15" dirty="0">
-                <a:solidFill>
-                  <a:srgbClr val="1F1F1F"/>
-                </a:solidFill>
-                <a:latin typeface="AdobeClean-Light"/>
-              </a:rPr>
-              <a:t>支持的区域范围，需要将客户的账单地址（通过销售订单或其他 </a:t>
-            </a:r>
-            <a:r>
-              <a:rPr lang="en-US" altLang="zh-CN" sz="1000" spc="-15" dirty="0">
-                <a:solidFill>
-                  <a:srgbClr val="1F1F1F"/>
-                </a:solidFill>
-                <a:latin typeface="AdobeClean-Light"/>
-              </a:rPr>
-              <a:t>Adobe </a:t>
-            </a:r>
-            <a:r>
-              <a:rPr lang="zh-CN" altLang="en-US" sz="1000" spc="-15" dirty="0">
-                <a:solidFill>
-                  <a:srgbClr val="1F1F1F"/>
-                </a:solidFill>
-                <a:latin typeface="AdobeClean-Light"/>
-              </a:rPr>
-              <a:t>支持采购文档）与以下区域之一相对应：</a:t>
-            </a:r>
-            <a:endParaRPr lang="en-US" sz="1000" spc="-15" dirty="0">
-              <a:solidFill>
-                <a:srgbClr val="1F1F1F"/>
-              </a:solidFill>
-              <a:latin typeface="AdobeClean-Light"/>
-            </a:endParaRPr>
+              <a:t>The Regional scope of Adobe Support is established by aligning the customer's billing address (via the Sales Order or other Adobe Support purchasing document) to one of the following regions:</a:t>
+            </a:r>
+            <a:endParaRPr lang="en-US"/>
           </a:p>
         </p:txBody>
       </p:sp>
       <p:graphicFrame>
         <p:nvGraphicFramePr>
-          <p:cNvPr id="25" name="Table 6"/>
+          <p:cNvPr id="25" name="Table 6">
+            <a:extLst>
+              <a:ext uri="{FF2B5EF4-FFF2-40B4-BE49-F238E27FC236}">
+                <a16:creationId xmlns:a16="http://schemas.microsoft.com/office/drawing/2014/main" id="{3A91F5B0-3974-A14D-A146-FB590F2AAD18}"/>
+              </a:ext>
+            </a:extLst>
+          </p:cNvPr>
           <p:cNvGraphicFramePr>
             <a:graphicFrameLocks noGrp="1"/>
           </p:cNvGraphicFramePr>
           <p:nvPr>
-            <p:custDataLst>
-              <p:tags r:id="rId1"/>
-            </p:custDataLst>
+            <p:extLst>
+              <p:ext uri="{D42A27DB-BD31-4B8C-83A1-F6EECF244321}">
+                <p14:modId xmlns:p14="http://schemas.microsoft.com/office/powerpoint/2010/main" val="2969235217"/>
+              </p:ext>
+            </p:extLst>
           </p:nvPr>
         </p:nvGraphicFramePr>
         <p:xfrm>
           <a:off x="171128" y="5907213"/>
-          <a:ext cx="7391400" cy="1447800"/>
+          <a:ext cx="7391400" cy="1503680"/>
         </p:xfrm>
         <a:graphic>
           <a:graphicData uri="http://schemas.openxmlformats.org/drawingml/2006/table">
@@ -8987,28 +10609,28 @@
                 <a:gridCol w="1847850">
                   <a:extLst>
                     <a:ext uri="{9D8B030D-6E8A-4147-A177-3AD203B41FA5}">
-                      <a16:colId xmlns:a16="http://schemas.microsoft.com/office/drawing/2014/main" val="20000"/>
+                      <a16:colId xmlns:a16="http://schemas.microsoft.com/office/drawing/2014/main" val="2364693614"/>
                     </a:ext>
                   </a:extLst>
                 </a:gridCol>
                 <a:gridCol w="1847850">
                   <a:extLst>
                     <a:ext uri="{9D8B030D-6E8A-4147-A177-3AD203B41FA5}">
-                      <a16:colId xmlns:a16="http://schemas.microsoft.com/office/drawing/2014/main" val="20001"/>
+                      <a16:colId xmlns:a16="http://schemas.microsoft.com/office/drawing/2014/main" val="1545335406"/>
                     </a:ext>
                   </a:extLst>
                 </a:gridCol>
                 <a:gridCol w="1847850">
                   <a:extLst>
                     <a:ext uri="{9D8B030D-6E8A-4147-A177-3AD203B41FA5}">
-                      <a16:colId xmlns:a16="http://schemas.microsoft.com/office/drawing/2014/main" val="20002"/>
+                      <a16:colId xmlns:a16="http://schemas.microsoft.com/office/drawing/2014/main" val="4165218250"/>
                     </a:ext>
                   </a:extLst>
                 </a:gridCol>
                 <a:gridCol w="1847850">
                   <a:extLst>
                     <a:ext uri="{9D8B030D-6E8A-4147-A177-3AD203B41FA5}">
-                      <a16:colId xmlns:a16="http://schemas.microsoft.com/office/drawing/2014/main" val="20003"/>
+                      <a16:colId xmlns:a16="http://schemas.microsoft.com/office/drawing/2014/main" val="215044337"/>
                     </a:ext>
                   </a:extLst>
                 </a:gridCol>
@@ -9021,13 +10643,13 @@
                     <a:p>
                       <a:pPr algn="ctr"/>
                       <a:r>
-                        <a:rPr lang="en-US" sz="1100" dirty="0">
+                        <a:rPr lang="en-US" sz="1100">
                           <a:solidFill>
                             <a:schemeClr val="tx1"/>
                           </a:solidFill>
-                          <a:latin typeface="Adobe Clean" panose="020B0503020404020204" pitchFamily="34" charset="0"/>
+                          <a:latin typeface="Adobe Clean"/>
                         </a:rPr>
-                        <a:t>美洲</a:t>
+                        <a:t>Americas</a:t>
                       </a:r>
                     </a:p>
                   </a:txBody>
@@ -9086,13 +10708,13 @@
                     <a:p>
                       <a:pPr algn="ctr"/>
                       <a:r>
-                        <a:rPr lang="en-US" sz="1100" dirty="0">
+                        <a:rPr lang="en-US" sz="1100">
                           <a:solidFill>
                             <a:schemeClr val="tx1"/>
                           </a:solidFill>
-                          <a:latin typeface="Adobe Clean" panose="020B0503020404020204" pitchFamily="34" charset="0"/>
+                          <a:latin typeface="Adobe Clean"/>
                         </a:rPr>
-                        <a:t>欧洲、中东和非洲</a:t>
+                        <a:t>Europe, Middle East &amp; Africa</a:t>
                       </a:r>
                     </a:p>
                   </a:txBody>
@@ -9151,13 +10773,13 @@
                     <a:p>
                       <a:pPr algn="ctr"/>
                       <a:r>
-                        <a:rPr lang="en-US" sz="1100" dirty="0">
+                        <a:rPr lang="en-US" sz="1100">
                           <a:solidFill>
                             <a:schemeClr val="tx1"/>
                           </a:solidFill>
-                          <a:latin typeface="Adobe Clean" panose="020B0503020404020204" pitchFamily="34" charset="0"/>
+                          <a:latin typeface="Adobe Clean"/>
                         </a:rPr>
-                        <a:t>亚太地区</a:t>
+                        <a:t>Asia Pacific</a:t>
                       </a:r>
                     </a:p>
                   </a:txBody>
@@ -9216,24 +10838,24 @@
                     <a:p>
                       <a:pPr algn="ctr"/>
                       <a:r>
-                        <a:rPr lang="en-US" sz="1100" dirty="0">
+                        <a:rPr lang="en-US" sz="1100">
                           <a:solidFill>
                             <a:schemeClr val="tx1"/>
                           </a:solidFill>
-                          <a:latin typeface="Adobe Clean" panose="020B0503020404020204" pitchFamily="34" charset="0"/>
+                          <a:latin typeface="Adobe Clean"/>
                         </a:rPr>
-                        <a:t>日本 </a:t>
+                        <a:t>Japan </a:t>
                       </a:r>
                       <a:r>
-                        <a:rPr lang="en-US" sz="1100" baseline="30000" dirty="0">
+                        <a:rPr lang="en-US" sz="1100" baseline="30000">
                           <a:solidFill>
                             <a:schemeClr val="tx1"/>
                           </a:solidFill>
-                          <a:latin typeface="Adobe Clean" panose="020B0503020404020204" pitchFamily="34" charset="0"/>
+                          <a:latin typeface="Adobe Clean"/>
                         </a:rPr>
-                        <a:t>1 </a:t>
+                        <a:t>1 </a:t>
                       </a:r>
-                      <a:endParaRPr lang="en-US" sz="1100" dirty="0">
+                      <a:endParaRPr lang="en-US" sz="1100">
                         <a:solidFill>
                           <a:schemeClr val="tx1"/>
                         </a:solidFill>
@@ -9291,7 +10913,7 @@
                 </a:tc>
                 <a:extLst>
                   <a:ext uri="{0D108BD9-81ED-4DB2-BD59-A6C34878D82A}">
-                    <a16:rowId xmlns:a16="http://schemas.microsoft.com/office/drawing/2014/main" val="10000"/>
+                    <a16:rowId xmlns:a16="http://schemas.microsoft.com/office/drawing/2014/main" val="4251285128"/>
                   </a:ext>
                 </a:extLst>
               </a:tr>
@@ -9303,13 +10925,13 @@
                     <a:p>
                       <a:pPr algn="ctr"/>
                       <a:r>
-                        <a:rPr lang="en-US" sz="1100" dirty="0">
+                        <a:rPr lang="en-US" sz="1100">
                           <a:solidFill>
                             <a:schemeClr val="tx1"/>
                           </a:solidFill>
-                          <a:latin typeface="Adobe Clean" panose="020B0503020404020204" pitchFamily="34" charset="0"/>
+                          <a:latin typeface="Adobe Clean"/>
                         </a:rPr>
-                        <a:t>上午 6:00 – 下午 5:30</a:t>
+                        <a:t>6 am – 5:30 pm</a:t>
                       </a:r>
                     </a:p>
                   </a:txBody>
@@ -9368,13 +10990,13 @@
                     <a:p>
                       <a:pPr algn="ctr"/>
                       <a:r>
-                        <a:rPr lang="en-US" sz="1100" dirty="0">
+                        <a:rPr lang="en-US" sz="1100">
                           <a:solidFill>
                             <a:schemeClr val="tx1"/>
                           </a:solidFill>
-                          <a:latin typeface="Adobe Clean" panose="020B0503020404020204" pitchFamily="34" charset="0"/>
+                          <a:latin typeface="Adobe Clean"/>
                         </a:rPr>
-                        <a:t>上午 9:00 – 下午 5:00</a:t>
+                        <a:t>9 am – 5 pm</a:t>
                       </a:r>
                     </a:p>
                   </a:txBody>
@@ -9433,13 +11055,13 @@
                     <a:p>
                       <a:pPr algn="ctr"/>
                       <a:r>
-                        <a:rPr lang="en-US" sz="1100" dirty="0">
+                        <a:rPr lang="en-US" sz="1100">
                           <a:solidFill>
                             <a:schemeClr val="tx1"/>
                           </a:solidFill>
-                          <a:latin typeface="Adobe Clean" panose="020B0503020404020204" pitchFamily="34" charset="0"/>
+                          <a:latin typeface="Adobe Clean"/>
                         </a:rPr>
-                        <a:t>上午 9:00 – 下午 5:00</a:t>
+                        <a:t>9 am – 5 pm</a:t>
                       </a:r>
                     </a:p>
                   </a:txBody>
@@ -9498,13 +11120,13 @@
                     <a:p>
                       <a:pPr algn="ctr"/>
                       <a:r>
-                        <a:rPr lang="en-US" sz="1100" dirty="0">
+                        <a:rPr lang="en-US" sz="1100">
                           <a:solidFill>
                             <a:schemeClr val="tx1"/>
                           </a:solidFill>
-                          <a:latin typeface="Adobe Clean" panose="020B0503020404020204" pitchFamily="34" charset="0"/>
+                          <a:latin typeface="Adobe Clean"/>
                         </a:rPr>
-                        <a:t>上午 9:00 – 下午 5:30</a:t>
+                        <a:t>9 am – 5:30 pm</a:t>
                       </a:r>
                     </a:p>
                   </a:txBody>
@@ -9558,7 +11180,7 @@
                 </a:tc>
                 <a:extLst>
                   <a:ext uri="{0D108BD9-81ED-4DB2-BD59-A6C34878D82A}">
-                    <a16:rowId xmlns:a16="http://schemas.microsoft.com/office/drawing/2014/main" val="10001"/>
+                    <a16:rowId xmlns:a16="http://schemas.microsoft.com/office/drawing/2014/main" val="1574796478"/>
                   </a:ext>
                 </a:extLst>
               </a:tr>
@@ -9584,7 +11206,7 @@
                         <a:buNone/>
                       </a:pPr>
                       <a:r>
-                        <a:rPr lang="en-US" sz="1100" b="1" i="0" u="none" strike="noStrike" kern="0" cap="none" spc="0" normalizeH="0" baseline="30000" noProof="0" dirty="0">
+                        <a:rPr lang="en-US" sz="1100" b="1" i="0" u="none" strike="noStrike" kern="0" cap="none" spc="0" normalizeH="0" baseline="30000" noProof="0">
                           <a:ln>
                             <a:noFill/>
                           </a:ln>
@@ -9598,15 +11220,15 @@
                         <a:t> </a:t>
                       </a:r>
                       <a:r>
-                        <a:rPr lang="en-US" sz="1100" dirty="0">
+                        <a:rPr lang="en-US" sz="1100">
                           <a:solidFill>
                             <a:schemeClr val="tx1"/>
                           </a:solidFill>
                           <a:latin typeface="Adobe Clean"/>
                         </a:rPr>
-                        <a:t>语言支持只有英语和日语版本</a:t>
+                        <a:t>Language support is only available in English and Japanese.</a:t>
                       </a:r>
-                      <a:endParaRPr lang="en-US" dirty="0">
+                      <a:endParaRPr lang="en-US">
                         <a:latin typeface="Adobe Clean"/>
                       </a:endParaRPr>
                     </a:p>
@@ -9627,18 +11249,18 @@
                         <a:buNone/>
                       </a:pPr>
                       <a:r>
-                        <a:rPr lang="en-US" sz="1100" i="1" dirty="0">
+                        <a:rPr lang="en-US" sz="1100" i="1">
                           <a:solidFill>
                             <a:schemeClr val="tx1"/>
                           </a:solidFill>
                           <a:latin typeface="Adobe Clean"/>
                         </a:rPr>
-                        <a:t>*Adobe Commerce 不包括日语支持</a:t>
+                        <a:t>*Adobe Commerce excludes Japanese languages support.</a:t>
                       </a:r>
                     </a:p>
                     <a:p>
                       <a:pPr algn="ctr"/>
-                      <a:endParaRPr kumimoji="0" lang="en-US" sz="1100" b="1" i="0" u="none" strike="noStrike" kern="0" cap="none" spc="0" normalizeH="0" baseline="30000" noProof="0" dirty="0">
+                      <a:endParaRPr kumimoji="0" lang="en-US" sz="1100" b="1" i="0" u="none" strike="noStrike" kern="0" cap="none" spc="0" normalizeH="0" baseline="30000" noProof="0">
                         <a:ln>
                           <a:noFill/>
                         </a:ln>
@@ -9656,78 +11278,94 @@
                     <a:p>
                       <a:pPr algn="ctr"/>
                       <a:r>
-                        <a:rPr lang="en-US" sz="1100" i="0" dirty="0">
+                        <a:rPr lang="en-US" sz="1100" i="0">
                           <a:solidFill>
                             <a:schemeClr val="tx1"/>
                           </a:solidFill>
-                          <a:latin typeface="Adobe Clean" panose="020B0503020404020204" pitchFamily="34" charset="0"/>
+                          <a:latin typeface="Adobe Clean"/>
                         </a:rPr>
-                        <a:t> </a:t>
+                        <a:t> </a:t>
                       </a:r>
                       <a:r>
                         <a:rPr lang="en-US" sz="1100" i="0" baseline="30000">
                           <a:solidFill>
                             <a:schemeClr val="tx1"/>
                           </a:solidFill>
-                          <a:latin typeface="Adobe Clean" panose="020B0503020404020204" pitchFamily="34" charset="0"/>
+                          <a:latin typeface="Adobe Clean"/>
                         </a:rPr>
                         <a:t>1 </a:t>
                       </a:r>
                       <a:r>
-                        <a:rPr lang="en-US" altLang="zh-CN" sz="1100" i="0">
+                        <a:rPr lang="en-US" sz="1100" i="0">
                           <a:solidFill>
                             <a:schemeClr val="tx1"/>
                           </a:solidFill>
-                          <a:latin typeface="Adobe Clean" panose="020B0503020404020204" pitchFamily="34" charset="0"/>
+                          <a:latin typeface="Adobe Clean"/>
                         </a:rPr>
-                        <a:t>P2</a:t>
+                        <a:t>P2, P3, P4 cases are limited to business hours only in Japan.</a:t>
                       </a:r>
-                      <a:r>
-                        <a:rPr lang="zh-CN" altLang="en-US" sz="1100" i="0" dirty="0">
-                          <a:solidFill>
-                            <a:schemeClr val="tx1"/>
-                          </a:solidFill>
-                          <a:latin typeface="Adobe Clean" panose="020B0503020404020204" pitchFamily="34" charset="0"/>
-                        </a:rPr>
-                        <a:t>、</a:t>
-                      </a:r>
-                      <a:r>
-                        <a:rPr lang="en-US" altLang="zh-CN" sz="1100" i="0" dirty="0">
-                          <a:solidFill>
-                            <a:schemeClr val="tx1"/>
-                          </a:solidFill>
-                          <a:latin typeface="Adobe Clean" panose="020B0503020404020204" pitchFamily="34" charset="0"/>
-                        </a:rPr>
-                        <a:t>P3</a:t>
-                      </a:r>
-                      <a:r>
-                        <a:rPr lang="zh-CN" altLang="en-US" sz="1100" i="0" dirty="0">
-                          <a:solidFill>
-                            <a:schemeClr val="tx1"/>
-                          </a:solidFill>
-                          <a:latin typeface="Adobe Clean" panose="020B0503020404020204" pitchFamily="34" charset="0"/>
-                        </a:rPr>
-                        <a:t>、</a:t>
-                      </a:r>
-                      <a:r>
-                        <a:rPr lang="en-US" altLang="zh-CN" sz="1100" i="0" dirty="0">
-                          <a:solidFill>
-                            <a:schemeClr val="tx1"/>
-                          </a:solidFill>
-                          <a:latin typeface="Adobe Clean" panose="020B0503020404020204" pitchFamily="34" charset="0"/>
-                        </a:rPr>
-                        <a:t>P4 </a:t>
-                      </a:r>
-                      <a:r>
-                        <a:rPr lang="zh-CN" altLang="en-US" sz="1100" i="0" dirty="0">
-                          <a:solidFill>
-                            <a:schemeClr val="tx1"/>
-                          </a:solidFill>
-                          <a:latin typeface="Adobe Clean" panose="020B0503020404020204" pitchFamily="34" charset="0"/>
-                        </a:rPr>
-                        <a:t>案例仅限于日本的营业时间。</a:t>
-                      </a:r>
-                      <a:endParaRPr lang="en-US" sz="1100" b="1" i="0" dirty="0">
+                      <a:endParaRPr lang="en-US" sz="1100" b="1" i="0">
+                        <a:solidFill>
+                          <a:schemeClr val="tx1"/>
+                        </a:solidFill>
+                        <a:latin typeface="Adobe Clean"/>
+                      </a:endParaRPr>
+                    </a:p>
+                  </a:txBody>
+                  <a:tcPr anchor="ctr">
+                    <a:lnL w="12700" cap="flat" cmpd="sng" algn="ctr">
+                      <a:solidFill>
+                        <a:schemeClr val="bg1">
+                          <a:lumMod val="85000"/>
+                        </a:schemeClr>
+                      </a:solidFill>
+                      <a:prstDash val="solid"/>
+                      <a:round/>
+                      <a:headEnd type="none" w="med" len="med"/>
+                      <a:tailEnd type="none" w="med" len="med"/>
+                    </a:lnL>
+                    <a:lnR w="12700" cap="flat" cmpd="sng" algn="ctr">
+                      <a:solidFill>
+                        <a:schemeClr val="bg1">
+                          <a:lumMod val="85000"/>
+                        </a:schemeClr>
+                      </a:solidFill>
+                      <a:prstDash val="solid"/>
+                      <a:round/>
+                      <a:headEnd type="none" w="med" len="med"/>
+                      <a:tailEnd type="none" w="med" len="med"/>
+                    </a:lnR>
+                    <a:lnT w="12700" cap="flat" cmpd="sng" algn="ctr">
+                      <a:solidFill>
+                        <a:schemeClr val="bg1">
+                          <a:lumMod val="85000"/>
+                        </a:schemeClr>
+                      </a:solidFill>
+                      <a:prstDash val="solid"/>
+                      <a:round/>
+                      <a:headEnd type="none" w="med" len="med"/>
+                      <a:tailEnd type="none" w="med" len="med"/>
+                    </a:lnT>
+                    <a:lnB w="12700" cap="flat" cmpd="sng" algn="ctr">
+                      <a:solidFill>
+                        <a:schemeClr val="bg1">
+                          <a:lumMod val="85000"/>
+                        </a:schemeClr>
+                      </a:solidFill>
+                      <a:prstDash val="solid"/>
+                      <a:round/>
+                      <a:headEnd type="none" w="med" len="med"/>
+                      <a:tailEnd type="none" w="med" len="med"/>
+                    </a:lnB>
+                    <a:noFill/>
+                  </a:tcPr>
+                </a:tc>
+                <a:tc hMerge="1">
+                  <a:txBody>
+                    <a:bodyPr/>
+                    <a:lstStyle/>
+                    <a:p>
+                      <a:endParaRPr lang="en-US" sz="1100">
                         <a:solidFill>
                           <a:schemeClr val="tx1"/>
                         </a:solidFill>
@@ -9788,7 +11426,12 @@
                     <a:bodyPr/>
                     <a:lstStyle/>
                     <a:p>
-                      <a:endParaRPr lang="en-US"/>
+                      <a:endParaRPr lang="en-US" sz="1100">
+                        <a:solidFill>
+                          <a:schemeClr val="tx1"/>
+                        </a:solidFill>
+                        <a:latin typeface="Adobe Clean" panose="020B0503020404020204" pitchFamily="34" charset="0"/>
+                      </a:endParaRPr>
                     </a:p>
                   </a:txBody>
                   <a:tcPr anchor="ctr">
@@ -9844,63 +11487,12 @@
                     <a:bodyPr/>
                     <a:lstStyle/>
                     <a:p>
-                      <a:endParaRPr lang="en-US"/>
-                    </a:p>
-                  </a:txBody>
-                  <a:tcPr anchor="ctr">
-                    <a:lnL w="12700" cap="flat" cmpd="sng" algn="ctr">
-                      <a:solidFill>
-                        <a:schemeClr val="bg1">
-                          <a:lumMod val="85000"/>
-                        </a:schemeClr>
-                      </a:solidFill>
-                      <a:prstDash val="solid"/>
-                      <a:round/>
-                      <a:headEnd type="none" w="med" len="med"/>
-                      <a:tailEnd type="none" w="med" len="med"/>
-                    </a:lnL>
-                    <a:lnR w="12700" cap="flat" cmpd="sng" algn="ctr">
-                      <a:solidFill>
-                        <a:schemeClr val="bg1">
-                          <a:lumMod val="85000"/>
-                        </a:schemeClr>
-                      </a:solidFill>
-                      <a:prstDash val="solid"/>
-                      <a:round/>
-                      <a:headEnd type="none" w="med" len="med"/>
-                      <a:tailEnd type="none" w="med" len="med"/>
-                    </a:lnR>
-                    <a:lnT w="12700" cap="flat" cmpd="sng" algn="ctr">
-                      <a:solidFill>
-                        <a:schemeClr val="bg1">
-                          <a:lumMod val="85000"/>
-                        </a:schemeClr>
-                      </a:solidFill>
-                      <a:prstDash val="solid"/>
-                      <a:round/>
-                      <a:headEnd type="none" w="med" len="med"/>
-                      <a:tailEnd type="none" w="med" len="med"/>
-                    </a:lnT>
-                    <a:lnB w="12700" cap="flat" cmpd="sng" algn="ctr">
-                      <a:solidFill>
-                        <a:schemeClr val="bg1">
-                          <a:lumMod val="85000"/>
-                        </a:schemeClr>
-                      </a:solidFill>
-                      <a:prstDash val="solid"/>
-                      <a:round/>
-                      <a:headEnd type="none" w="med" len="med"/>
-                      <a:tailEnd type="none" w="med" len="med"/>
-                    </a:lnB>
-                    <a:noFill/>
-                  </a:tcPr>
-                </a:tc>
-                <a:tc hMerge="1">
-                  <a:txBody>
-                    <a:bodyPr/>
-                    <a:lstStyle/>
-                    <a:p>
-                      <a:endParaRPr lang="en-US"/>
+                      <a:endParaRPr lang="en-US" sz="1100">
+                        <a:solidFill>
+                          <a:schemeClr val="tx1"/>
+                        </a:solidFill>
+                        <a:latin typeface="Adobe Clean" panose="020B0503020404020204" pitchFamily="34" charset="0"/>
+                      </a:endParaRPr>
                     </a:p>
                   </a:txBody>
                   <a:tcPr anchor="ctr">
@@ -9953,7 +11545,7 @@
                 </a:tc>
                 <a:extLst>
                   <a:ext uri="{0D108BD9-81ED-4DB2-BD59-A6C34878D82A}">
-                    <a16:rowId xmlns:a16="http://schemas.microsoft.com/office/drawing/2014/main" val="10002"/>
+                    <a16:rowId xmlns:a16="http://schemas.microsoft.com/office/drawing/2014/main" val="2086762220"/>
                   </a:ext>
                 </a:extLst>
               </a:tr>
@@ -9963,7 +11555,13 @@
       </p:graphicFrame>
       <p:sp>
         <p:nvSpPr>
-          <p:cNvPr id="50" name="object 30"/>
+          <p:cNvPr id="50" name="object 30">
+            <a:extLst>
+              <a:ext uri="{FF2B5EF4-FFF2-40B4-BE49-F238E27FC236}">
+                <a16:creationId xmlns:a16="http://schemas.microsoft.com/office/drawing/2014/main" id="{043050D0-21FC-0C42-8484-7FE7C0DB771F}"/>
+              </a:ext>
+            </a:extLst>
+          </p:cNvPr>
           <p:cNvSpPr/>
           <p:nvPr/>
         </p:nvSpPr>
@@ -10013,12 +11611,18 @@
       </p:sp>
       <p:pic>
         <p:nvPicPr>
-          <p:cNvPr id="83" name="object 56"/>
+          <p:cNvPr id="83" name="object 56">
+            <a:extLst>
+              <a:ext uri="{FF2B5EF4-FFF2-40B4-BE49-F238E27FC236}">
+                <a16:creationId xmlns:a16="http://schemas.microsoft.com/office/drawing/2014/main" id="{488FF0A5-3931-B14A-A256-9BD5C4AB39DA}"/>
+              </a:ext>
+            </a:extLst>
+          </p:cNvPr>
           <p:cNvPicPr/>
           <p:nvPr/>
         </p:nvPicPr>
         <p:blipFill>
-          <a:blip r:embed="rId7" cstate="print"/>
+          <a:blip r:embed="rId6" cstate="print"/>
           <a:stretch>
             <a:fillRect/>
           </a:stretch>
@@ -10035,14 +11639,20 @@
       </p:pic>
       <p:sp>
         <p:nvSpPr>
-          <p:cNvPr id="84" name="object 64"/>
+          <p:cNvPr id="84" name="object 64">
+            <a:extLst>
+              <a:ext uri="{FF2B5EF4-FFF2-40B4-BE49-F238E27FC236}">
+                <a16:creationId xmlns:a16="http://schemas.microsoft.com/office/drawing/2014/main" id="{21E0A3A6-11B9-E44E-A4F0-18AED6E614AE}"/>
+              </a:ext>
+            </a:extLst>
+          </p:cNvPr>
           <p:cNvSpPr txBox="1"/>
           <p:nvPr/>
         </p:nvSpPr>
         <p:spPr>
           <a:xfrm>
-            <a:off x="2743200" y="8528519"/>
-            <a:ext cx="1045329" cy="385445"/>
+            <a:off x="2840871" y="8528519"/>
+            <a:ext cx="810895" cy="385445"/>
           </a:xfrm>
           <a:prstGeom prst="rect">
             <a:avLst/>
@@ -10054,7 +11664,7 @@
           </a:bodyPr>
           <a:lstStyle/>
           <a:p>
-            <a:pPr marL="14605" marR="5080" indent="-14605" algn="ctr">
+            <a:pPr marL="139065" marR="5080" indent="-139065">
               <a:lnSpc>
                 <a:spcPts val="1390"/>
               </a:lnSpc>
@@ -10063,56 +11673,126 @@
               </a:spcBef>
             </a:pPr>
             <a:r>
-              <a:rPr lang="en-US" sz="1200" b="1" spc="-15" dirty="0">
+              <a:rPr sz="1200" b="1" spc="-15">
                 <a:solidFill>
                   <a:srgbClr val="FFFFFF"/>
                 </a:solidFill>
                 <a:latin typeface="Adobe Clean"/>
                 <a:cs typeface="Adobe Clean"/>
               </a:rPr>
-              <a:t>无</a:t>
-            </a:r>
-            <a:r>
-              <a:rPr lang="en-US" sz="1200" b="1" spc="-20" dirty="0">
+              <a:t>U</a:t>
+            </a:r>
+            <a:r>
+              <a:rPr sz="1200" b="1" spc="-20">
                 <a:solidFill>
                   <a:srgbClr val="FFFFFF"/>
                 </a:solidFill>
                 <a:latin typeface="Adobe Clean"/>
                 <a:cs typeface="Adobe Clean"/>
               </a:rPr>
-              <a:t>与</a:t>
-            </a:r>
-            <a:r>
-              <a:rPr lang="en-US" sz="1200" b="1" spc="-25" dirty="0">
+              <a:t>n</a:t>
+            </a:r>
+            <a:r>
+              <a:rPr sz="1200" b="1" spc="-25">
                 <a:solidFill>
                   <a:srgbClr val="FFFFFF"/>
                 </a:solidFill>
                 <a:latin typeface="Adobe Clean"/>
                 <a:cs typeface="Adobe Clean"/>
               </a:rPr>
-              <a:t>伦</a:t>
-            </a:r>
-            <a:r>
-              <a:rPr lang="en-US" sz="1200" b="1" spc="-15" dirty="0">
+              <a:t>p</a:t>
+            </a:r>
+            <a:r>
+              <a:rPr sz="1200" b="1" spc="-15">
                 <a:solidFill>
                   <a:srgbClr val="FFFFFF"/>
                 </a:solidFill>
                 <a:latin typeface="Adobe Clean"/>
                 <a:cs typeface="Adobe Clean"/>
               </a:rPr>
-              <a:t>比</a:t>
-            </a:r>
-            <a:r>
-              <a:rPr lang="en-US" sz="1200" b="1" spc="-25" dirty="0">
+              <a:t>a</a:t>
+            </a:r>
+            <a:r>
+              <a:rPr sz="1200" b="1" spc="-25">
                 <a:solidFill>
                   <a:srgbClr val="FFFFFF"/>
                 </a:solidFill>
                 <a:latin typeface="Adobe Clean"/>
                 <a:cs typeface="Adobe Clean"/>
               </a:rPr>
-              <a:t>的专业知识</a:t>
-            </a:r>
-            <a:endParaRPr sz="1200" dirty="0">
+              <a:t>r</a:t>
+            </a:r>
+            <a:r>
+              <a:rPr sz="1200" b="1" spc="-15">
+                <a:solidFill>
+                  <a:srgbClr val="FFFFFF"/>
+                </a:solidFill>
+                <a:latin typeface="Adobe Clean"/>
+                <a:cs typeface="Adobe Clean"/>
+              </a:rPr>
+              <a:t>a</a:t>
+            </a:r>
+            <a:r>
+              <a:rPr sz="1200" b="1" spc="-30">
+                <a:solidFill>
+                  <a:srgbClr val="FFFFFF"/>
+                </a:solidFill>
+                <a:latin typeface="Adobe Clean"/>
+                <a:cs typeface="Adobe Clean"/>
+              </a:rPr>
+              <a:t>ll</a:t>
+            </a:r>
+            <a:r>
+              <a:rPr sz="1200" b="1" spc="-25">
+                <a:solidFill>
+                  <a:srgbClr val="FFFFFF"/>
+                </a:solidFill>
+                <a:latin typeface="Adobe Clean"/>
+                <a:cs typeface="Adobe Clean"/>
+              </a:rPr>
+              <a:t>e</a:t>
+            </a:r>
+            <a:r>
+              <a:rPr sz="1200" b="1" spc="-30">
+                <a:solidFill>
+                  <a:srgbClr val="FFFFFF"/>
+                </a:solidFill>
+                <a:latin typeface="Adobe Clean"/>
+                <a:cs typeface="Adobe Clean"/>
+              </a:rPr>
+              <a:t>l</a:t>
+            </a:r>
+            <a:r>
+              <a:rPr sz="1200" b="1" spc="-25">
+                <a:solidFill>
+                  <a:srgbClr val="FFFFFF"/>
+                </a:solidFill>
+                <a:latin typeface="Adobe Clean"/>
+                <a:cs typeface="Adobe Clean"/>
+              </a:rPr>
+              <a:t>e</a:t>
+            </a:r>
+            <a:r>
+              <a:rPr sz="1200" b="1">
+                <a:solidFill>
+                  <a:srgbClr val="FFFFFF"/>
+                </a:solidFill>
+                <a:latin typeface="Adobe Clean"/>
+                <a:cs typeface="Adobe Clean"/>
+              </a:rPr>
+              <a:t>d  </a:t>
+            </a:r>
+            <a:r>
+              <a:rPr sz="1200" b="1" spc="-25">
+                <a:solidFill>
+                  <a:srgbClr val="FFFFFF"/>
+                </a:solidFill>
+                <a:latin typeface="Adobe Clean"/>
+                <a:cs typeface="Adobe Clean"/>
+              </a:rPr>
+              <a:t>Expertise</a:t>
+            </a:r>
+            <a:endParaRPr sz="1200">
               <a:latin typeface="Adobe Clean"/>
               <a:cs typeface="Adobe Clean"/>
             </a:endParaRPr>
@@ -10121,7 +11801,13 @@
       </p:sp>
       <p:sp>
         <p:nvSpPr>
-          <p:cNvPr id="85" name="object 64"/>
+          <p:cNvPr id="85" name="object 64">
+            <a:extLst>
+              <a:ext uri="{FF2B5EF4-FFF2-40B4-BE49-F238E27FC236}">
+                <a16:creationId xmlns:a16="http://schemas.microsoft.com/office/drawing/2014/main" id="{3921F04C-B61B-A948-947F-C33BBFF39A32}"/>
+              </a:ext>
+            </a:extLst>
+          </p:cNvPr>
           <p:cNvSpPr txBox="1"/>
           <p:nvPr/>
         </p:nvSpPr>
@@ -10140,7 +11826,7 @@
           </a:bodyPr>
           <a:lstStyle/>
           <a:p>
-            <a:pPr marL="14605" marR="5080" indent="-14605" algn="ctr">
+            <a:pPr marL="139065" marR="5080" indent="-139065">
               <a:lnSpc>
                 <a:spcPts val="1390"/>
               </a:lnSpc>
@@ -10149,16 +11835,16 @@
               </a:spcBef>
             </a:pPr>
             <a:r>
-              <a:rPr lang="en-US" sz="1200" b="1" spc="-15" dirty="0">
+              <a:rPr lang="en-US" sz="1200" b="1" spc="-15">
                 <a:solidFill>
                   <a:srgbClr val="FFFFFF"/>
                 </a:solidFill>
                 <a:latin typeface="Adobe Clean"/>
                 <a:cs typeface="Adobe Clean"/>
               </a:rPr>
-              <a:t>加速支持</a:t>
-            </a:r>
-            <a:endParaRPr sz="1200" dirty="0">
+              <a:t>Accelerated Support</a:t>
+            </a:r>
+            <a:endParaRPr sz="1200">
               <a:latin typeface="Adobe Clean"/>
               <a:cs typeface="Adobe Clean"/>
             </a:endParaRPr>
@@ -10167,14 +11853,20 @@
       </p:sp>
       <p:sp>
         <p:nvSpPr>
-          <p:cNvPr id="86" name="object 32"/>
+          <p:cNvPr id="86" name="object 32">
+            <a:extLst>
+              <a:ext uri="{FF2B5EF4-FFF2-40B4-BE49-F238E27FC236}">
+                <a16:creationId xmlns:a16="http://schemas.microsoft.com/office/drawing/2014/main" id="{73055FA1-8180-F44A-A86E-2B1D4C7C6B5E}"/>
+              </a:ext>
+            </a:extLst>
+          </p:cNvPr>
           <p:cNvSpPr txBox="1"/>
           <p:nvPr/>
         </p:nvSpPr>
         <p:spPr>
           <a:xfrm>
-            <a:off x="6517939" y="8543943"/>
-            <a:ext cx="721061" cy="384080"/>
+            <a:off x="6624119" y="8543943"/>
+            <a:ext cx="510540" cy="385445"/>
           </a:xfrm>
           <a:prstGeom prst="rect">
             <a:avLst/>
@@ -10186,7 +11878,7 @@
           </a:bodyPr>
           <a:lstStyle/>
           <a:p>
-            <a:pPr marL="14605" marR="5080" indent="-14605" algn="ctr">
+            <a:pPr marL="50800" marR="5080" indent="-51435">
               <a:lnSpc>
                 <a:spcPts val="1390"/>
               </a:lnSpc>
@@ -10195,46 +11887,106 @@
               </a:spcBef>
             </a:pPr>
             <a:r>
-              <a:rPr lang="en-US" sz="1200" b="1" spc="-50" dirty="0">
+              <a:rPr sz="1200" b="1" spc="-50">
                 <a:solidFill>
                   <a:srgbClr val="FFFFFF"/>
                 </a:solidFill>
                 <a:latin typeface="Adobe Clean"/>
                 <a:cs typeface="Adobe Clean"/>
               </a:rPr>
-              <a:t>战</a:t>
-            </a:r>
-            <a:r>
-              <a:rPr lang="en-US" sz="1200" b="1" spc="-20" dirty="0">
+              <a:t>S</a:t>
+            </a:r>
+            <a:r>
+              <a:rPr sz="1200" b="1" spc="-20">
                 <a:solidFill>
                   <a:srgbClr val="FFFFFF"/>
                 </a:solidFill>
                 <a:latin typeface="Adobe Clean"/>
                 <a:cs typeface="Adobe Clean"/>
               </a:rPr>
-              <a:t>略</a:t>
-            </a:r>
-            <a:r>
-              <a:rPr lang="en-US" sz="1200" b="1" spc="-75" dirty="0">
+              <a:t>t</a:t>
+            </a:r>
+            <a:r>
+              <a:rPr sz="1200" b="1" spc="-75">
                 <a:solidFill>
                   <a:srgbClr val="FFFFFF"/>
                 </a:solidFill>
                 <a:latin typeface="Adobe Clean"/>
                 <a:cs typeface="Adobe Clean"/>
               </a:rPr>
-              <a:t>性</a:t>
-            </a:r>
-            <a:r>
-              <a:rPr lang="en-US" sz="1200" b="1" spc="-45" dirty="0">
+              <a:t>r</a:t>
+            </a:r>
+            <a:r>
+              <a:rPr sz="1200" b="1" spc="-90">
                 <a:solidFill>
                   <a:srgbClr val="FFFFFF"/>
                 </a:solidFill>
                 <a:latin typeface="Adobe Clean"/>
                 <a:cs typeface="Adobe Clean"/>
               </a:rPr>
-              <a:t>建议</a:t>
-            </a:r>
-            <a:endParaRPr sz="1200" dirty="0">
+              <a:t>a</a:t>
+            </a:r>
+            <a:r>
+              <a:rPr sz="1200" b="1" spc="-55">
+                <a:solidFill>
+                  <a:srgbClr val="FFFFFF"/>
+                </a:solidFill>
+                <a:latin typeface="Adobe Clean"/>
+                <a:cs typeface="Adobe Clean"/>
+              </a:rPr>
+              <a:t>t</a:t>
+            </a:r>
+            <a:r>
+              <a:rPr sz="1200" b="1" spc="-100">
+                <a:solidFill>
+                  <a:srgbClr val="FFFFFF"/>
+                </a:solidFill>
+                <a:latin typeface="Adobe Clean"/>
+                <a:cs typeface="Adobe Clean"/>
+              </a:rPr>
+              <a:t>e</a:t>
+            </a:r>
+            <a:r>
+              <a:rPr sz="1200" b="1" spc="-80">
+                <a:solidFill>
+                  <a:srgbClr val="FFFFFF"/>
+                </a:solidFill>
+                <a:latin typeface="Adobe Clean"/>
+                <a:cs typeface="Adobe Clean"/>
+              </a:rPr>
+              <a:t>g</a:t>
+            </a:r>
+            <a:r>
+              <a:rPr sz="1200" b="1" spc="-35">
+                <a:solidFill>
+                  <a:srgbClr val="FFFFFF"/>
+                </a:solidFill>
+                <a:latin typeface="Adobe Clean"/>
+                <a:cs typeface="Adobe Clean"/>
+              </a:rPr>
+              <a:t>i</a:t>
+            </a:r>
+            <a:r>
+              <a:rPr sz="1200" b="1">
+                <a:solidFill>
+                  <a:srgbClr val="FFFFFF"/>
+                </a:solidFill>
+                <a:latin typeface="Adobe Clean"/>
+                <a:cs typeface="Adobe Clean"/>
+              </a:rPr>
+              <a:t>c  </a:t>
+            </a:r>
+            <a:r>
+              <a:rPr sz="1200" b="1" spc="-45">
+                <a:solidFill>
+                  <a:srgbClr val="FFFFFF"/>
+                </a:solidFill>
+                <a:latin typeface="Adobe Clean"/>
+                <a:cs typeface="Adobe Clean"/>
+              </a:rPr>
+              <a:t>Advice</a:t>
+            </a:r>
+            <a:endParaRPr sz="1200">
               <a:latin typeface="Adobe Clean"/>
               <a:cs typeface="Adobe Clean"/>
             </a:endParaRPr>
@@ -10243,15 +11995,27 @@
       </p:sp>
       <p:graphicFrame>
         <p:nvGraphicFramePr>
-          <p:cNvPr id="111" name="Table 6"/>
+          <p:cNvPr id="111" name="Table 6">
+            <a:extLst>
+              <a:ext uri="{FF2B5EF4-FFF2-40B4-BE49-F238E27FC236}">
+                <a16:creationId xmlns:a16="http://schemas.microsoft.com/office/drawing/2014/main" id="{D8653CEC-4213-DE40-9BAF-D1E3318FF89C}"/>
+              </a:ext>
+            </a:extLst>
+          </p:cNvPr>
           <p:cNvGraphicFramePr>
             <a:graphicFrameLocks noGrp="1"/>
           </p:cNvGraphicFramePr>
-          <p:nvPr/>
+          <p:nvPr>
+            <p:extLst>
+              <p:ext uri="{D42A27DB-BD31-4B8C-83A1-F6EECF244321}">
+                <p14:modId xmlns:p14="http://schemas.microsoft.com/office/powerpoint/2010/main" val="3773282750"/>
+              </p:ext>
+            </p:extLst>
+          </p:nvPr>
         </p:nvGraphicFramePr>
         <p:xfrm>
           <a:off x="194236" y="1059345"/>
-          <a:ext cx="7368291" cy="2844800"/>
+          <a:ext cx="7368291" cy="3302000"/>
         </p:xfrm>
         <a:graphic>
           <a:graphicData uri="http://schemas.openxmlformats.org/drawingml/2006/table">
@@ -10263,14 +12027,14 @@
                 <a:gridCol w="3691964">
                   <a:extLst>
                     <a:ext uri="{9D8B030D-6E8A-4147-A177-3AD203B41FA5}">
-                      <a16:colId xmlns:a16="http://schemas.microsoft.com/office/drawing/2014/main" val="20000"/>
+                      <a16:colId xmlns:a16="http://schemas.microsoft.com/office/drawing/2014/main" val="2364693614"/>
                     </a:ext>
                   </a:extLst>
                 </a:gridCol>
                 <a:gridCol w="3676327">
                   <a:extLst>
                     <a:ext uri="{9D8B030D-6E8A-4147-A177-3AD203B41FA5}">
-                      <a16:colId xmlns:a16="http://schemas.microsoft.com/office/drawing/2014/main" val="20001"/>
+                      <a16:colId xmlns:a16="http://schemas.microsoft.com/office/drawing/2014/main" val="1545335406"/>
                     </a:ext>
                   </a:extLst>
                 </a:gridCol>
@@ -10282,28 +12046,230 @@
                     <a:lstStyle/>
                     <a:p>
                       <a:r>
-                        <a:rPr lang="en-US" sz="1100" b="0" dirty="0">
+                        <a:rPr lang="en-US" sz="1100" b="0">
                           <a:solidFill>
                             <a:schemeClr val="tx1"/>
                           </a:solidFill>
-                          <a:latin typeface="Adobe Clean" panose="020B0503020404020204" pitchFamily="34" charset="0"/>
+                          <a:latin typeface="Adobe Clean"/>
                           <a:ea typeface="+mn-ea"/>
                           <a:cs typeface="+mn-cs"/>
-                          <a:hlinkClick r:id="rId8"/>
+                          <a:hlinkClick r:id="rId7"/>
                         </a:rPr>
                         <a:t>Experience League</a:t>
                       </a:r>
-                      <a:endParaRPr lang="en-US" sz="1100" b="0" dirty="0">
+                      <a:endParaRPr lang="en-US" sz="1100" b="0">
                         <a:solidFill>
                           <a:schemeClr val="tx1"/>
                         </a:solidFill>
-                        <a:latin typeface="Adobe Clean" panose="020B0503020404020204" pitchFamily="34" charset="0"/>
+                        <a:latin typeface="Adobe Clean"/>
                         <a:ea typeface="+mn-ea"/>
                         <a:cs typeface="+mn-cs"/>
                       </a:endParaRPr>
                     </a:p>
                   </a:txBody>
                   <a:tcPr marL="47625" marR="47625" marT="0" marB="0" anchor="ctr">
+                    <a:lnL w="12700" cap="flat" cmpd="sng" algn="ctr">
+                      <a:solidFill>
+                        <a:schemeClr val="bg1">
+                          <a:lumMod val="85000"/>
+                        </a:schemeClr>
+                      </a:solidFill>
+                      <a:prstDash val="solid"/>
+                      <a:round/>
+                      <a:headEnd type="none" w="med" len="med"/>
+                      <a:tailEnd type="none" w="med" len="med"/>
+                    </a:lnL>
+                    <a:lnR w="12700" cap="flat" cmpd="sng" algn="ctr">
+                      <a:solidFill>
+                        <a:schemeClr val="bg1">
+                          <a:lumMod val="85000"/>
+                        </a:schemeClr>
+                      </a:solidFill>
+                      <a:prstDash val="solid"/>
+                      <a:round/>
+                      <a:headEnd type="none" w="med" len="med"/>
+                      <a:tailEnd type="none" w="med" len="med"/>
+                    </a:lnR>
+                    <a:lnT w="12700" cap="flat" cmpd="sng" algn="ctr">
+                      <a:solidFill>
+                        <a:schemeClr val="bg1">
+                          <a:lumMod val="85000"/>
+                        </a:schemeClr>
+                      </a:solidFill>
+                      <a:prstDash val="solid"/>
+                      <a:round/>
+                      <a:headEnd type="none" w="med" len="med"/>
+                      <a:tailEnd type="none" w="med" len="med"/>
+                    </a:lnT>
+                    <a:lnB w="12700" cap="flat" cmpd="sng" algn="ctr">
+                      <a:solidFill>
+                        <a:schemeClr val="bg1">
+                          <a:lumMod val="85000"/>
+                        </a:schemeClr>
+                      </a:solidFill>
+                      <a:prstDash val="solid"/>
+                      <a:round/>
+                      <a:headEnd type="none" w="med" len="med"/>
+                      <a:tailEnd type="none" w="med" len="med"/>
+                    </a:lnB>
+                    <a:noFill/>
+                  </a:tcPr>
+                </a:tc>
+                <a:tc>
+                  <a:txBody>
+                    <a:bodyPr/>
+                    <a:lstStyle/>
+                    <a:p>
+                      <a:pPr marL="0" marR="0" lvl="0" indent="0" eaLnBrk="1" fontAlgn="auto" latinLnBrk="0" hangingPunct="1">
+                        <a:lnSpc>
+                          <a:spcPct val="100000"/>
+                        </a:lnSpc>
+                        <a:spcBef>
+                          <a:spcPts val="0"/>
+                        </a:spcBef>
+                        <a:spcAft>
+                          <a:spcPts val="0"/>
+                        </a:spcAft>
+                        <a:buClrTx/>
+                        <a:buSzTx/>
+                        <a:buFontTx/>
+                        <a:buNone/>
+                      </a:pPr>
+                      <a:r>
+                        <a:rPr lang="en-US" sz="1000" b="0" kern="1200">
+                          <a:solidFill>
+                            <a:srgbClr val="000000"/>
+                          </a:solidFill>
+                          <a:latin typeface="Adobe Clean Light"/>
+                          <a:ea typeface="+mn-ea"/>
+                          <a:cs typeface="+mn-cs"/>
+                        </a:rPr>
+                        <a:t>Experience League is how Adobe helps businesses achieve the value they expect from their Adobe investment. It’s the unified place where customers can learn, connect, and grow along a personalized path to success that includes self-help tutorials, product documentation, instructor-led training, community and technical support. </a:t>
+                      </a:r>
+                      <a:endParaRPr lang="en-US" sz="1000" b="0" kern="1200">
+                        <a:solidFill>
+                          <a:srgbClr val="000000"/>
+                        </a:solidFill>
+                        <a:latin typeface="Adobe Clean Light" panose="020B0303020404020204" pitchFamily="34" charset="0"/>
+                        <a:ea typeface="+mn-ea"/>
+                        <a:cs typeface="+mn-cs"/>
+                      </a:endParaRPr>
+                    </a:p>
+                  </a:txBody>
+                  <a:tcPr anchor="ctr">
+                    <a:lnL w="12700" cap="flat" cmpd="sng" algn="ctr">
+                      <a:solidFill>
+                        <a:schemeClr val="bg1">
+                          <a:lumMod val="85000"/>
+                        </a:schemeClr>
+                      </a:solidFill>
+                      <a:prstDash val="solid"/>
+                      <a:round/>
+                      <a:headEnd type="none" w="med" len="med"/>
+                      <a:tailEnd type="none" w="med" len="med"/>
+                    </a:lnL>
+                    <a:lnR w="12700" cap="flat" cmpd="sng" algn="ctr">
+                      <a:solidFill>
+                        <a:schemeClr val="bg1">
+                          <a:lumMod val="85000"/>
+                        </a:schemeClr>
+                      </a:solidFill>
+                      <a:prstDash val="solid"/>
+                      <a:round/>
+                      <a:headEnd type="none" w="med" len="med"/>
+                      <a:tailEnd type="none" w="med" len="med"/>
+                    </a:lnR>
+                    <a:lnT w="12700" cap="flat" cmpd="sng" algn="ctr">
+                      <a:solidFill>
+                        <a:schemeClr val="bg1">
+                          <a:lumMod val="85000"/>
+                        </a:schemeClr>
+                      </a:solidFill>
+                      <a:prstDash val="solid"/>
+                      <a:round/>
+                      <a:headEnd type="none" w="med" len="med"/>
+                      <a:tailEnd type="none" w="med" len="med"/>
+                    </a:lnT>
+                    <a:lnB w="12700" cap="flat" cmpd="sng" algn="ctr">
+                      <a:solidFill>
+                        <a:schemeClr val="bg1">
+                          <a:lumMod val="85000"/>
+                        </a:schemeClr>
+                      </a:solidFill>
+                      <a:prstDash val="solid"/>
+                      <a:round/>
+                      <a:headEnd type="none" w="med" len="med"/>
+                      <a:tailEnd type="none" w="med" len="med"/>
+                    </a:lnB>
+                    <a:noFill/>
+                  </a:tcPr>
+                </a:tc>
+                <a:extLst>
+                  <a:ext uri="{0D108BD9-81ED-4DB2-BD59-A6C34878D82A}">
+                    <a16:rowId xmlns:a16="http://schemas.microsoft.com/office/drawing/2014/main" val="4251285128"/>
+                  </a:ext>
+                </a:extLst>
+              </a:tr>
+              <a:tr h="370840">
+                <a:tc>
+                  <a:txBody>
+                    <a:bodyPr/>
+                    <a:lstStyle/>
+                    <a:p>
+                      <a:pPr marL="0" marR="0" lvl="0" indent="0" defTabSz="914400" eaLnBrk="1" fontAlgn="auto" latinLnBrk="0" hangingPunct="1">
+                        <a:lnSpc>
+                          <a:spcPct val="100000"/>
+                        </a:lnSpc>
+                        <a:spcBef>
+                          <a:spcPts val="0"/>
+                        </a:spcBef>
+                        <a:spcAft>
+                          <a:spcPts val="0"/>
+                        </a:spcAft>
+                        <a:buClrTx/>
+                        <a:buSzTx/>
+                        <a:buFontTx/>
+                        <a:buNone/>
+                        <a:tabLst/>
+                        <a:defRPr/>
+                      </a:pPr>
+                      <a:r>
+                        <a:rPr lang="en-US" sz="1100">
+                          <a:solidFill>
+                            <a:schemeClr val="dk1"/>
+                          </a:solidFill>
+                          <a:effectLst/>
+                          <a:latin typeface="Adobe Clean"/>
+                          <a:ea typeface="+mn-ea"/>
+                          <a:cs typeface="+mn-cs"/>
+                          <a:hlinkClick r:id="rId8"/>
+                        </a:rPr>
+                        <a:t>Training</a:t>
+                      </a:r>
+                      <a:r>
+                        <a:rPr lang="en-US" sz="1100">
+                          <a:solidFill>
+                            <a:schemeClr val="dk1"/>
+                          </a:solidFill>
+                          <a:effectLst/>
+                          <a:latin typeface="Adobe Clean"/>
+                          <a:ea typeface="+mn-ea"/>
+                          <a:cs typeface="+mn-cs"/>
+                        </a:rPr>
+                        <a:t> </a:t>
+                      </a:r>
+                      <a:endParaRPr lang="en-US" sz="1100">
+                        <a:solidFill>
+                          <a:schemeClr val="tx1"/>
+                        </a:solidFill>
+                        <a:effectLst/>
+                        <a:latin typeface="Adobe Clean"/>
+                        <a:ea typeface="+mn-ea"/>
+                        <a:cs typeface="+mn-cs"/>
+                      </a:endParaRPr>
+                    </a:p>
+                  </a:txBody>
+                  <a:tcPr anchor="ctr">
                     <a:lnL w="12700" cap="flat" cmpd="sng" algn="ctr">
                       <a:solidFill>
                         <a:schemeClr val="bg1">
@@ -10370,18 +12336,19 @@
                         <a:buSzTx/>
                         <a:buFontTx/>
                         <a:buNone/>
+                        <a:tabLst/>
                         <a:defRPr/>
                       </a:pPr>
                       <a:r>
-                        <a:rPr lang="en-US" sz="1000" b="0" kern="1200" dirty="0">
+                        <a:rPr lang="en-US" sz="1000" kern="1200">
                           <a:solidFill>
                             <a:srgbClr val="000000"/>
                           </a:solidFill>
-                          <a:latin typeface="Adobe Clean Light" panose="020B0303020404020204" pitchFamily="34" charset="0"/>
+                          <a:latin typeface="Adobe Clean Light"/>
                           <a:ea typeface="+mn-ea"/>
                           <a:cs typeface="+mn-cs"/>
                         </a:rPr>
-                        <a:t>Experience League 是 Adobe 帮助企业实现预期的 Adobe 投资回报的方式。这是一个集中式位置，提供自助教程、产品文档、讲师指导的培训、社区和技术支持，客户可以在这里学习、建立联系和取得进步，并沿着个性化的路径迈向成功。</a:t>
+                        <a:t>Adobe Digital Learning Services courses are accessible from Experience League. Learning courses integrate both on-demand and instructor-led lessons.  Here you can accrue skills that have recognized market value and position them to drive success in your organizations.</a:t>
                       </a:r>
                     </a:p>
                   </a:txBody>
@@ -10435,7 +12402,7 @@
                 </a:tc>
                 <a:extLst>
                   <a:ext uri="{0D108BD9-81ED-4DB2-BD59-A6C34878D82A}">
-                    <a16:rowId xmlns:a16="http://schemas.microsoft.com/office/drawing/2014/main" val="10000"/>
+                    <a16:rowId xmlns:a16="http://schemas.microsoft.com/office/drawing/2014/main" val="3127522179"/>
                   </a:ext>
                 </a:extLst>
               </a:tr>
@@ -10459,39 +12426,28 @@
                         <a:buSzTx/>
                         <a:buFontTx/>
                         <a:buNone/>
+                        <a:tabLst/>
                         <a:defRPr/>
                       </a:pPr>
                       <a:r>
-                        <a:rPr lang="en-US" sz="1100" dirty="0">
+                        <a:rPr lang="en-US" sz="1100">
                           <a:solidFill>
-                            <a:schemeClr val="dk1"/>
+                            <a:schemeClr val="tx1"/>
                           </a:solidFill>
                           <a:effectLst/>
-                          <a:latin typeface="Adobe Clean" panose="020B0503020404020204" pitchFamily="34" charset="0"/>
+                          <a:latin typeface="Adobe Clean"/>
                           <a:ea typeface="+mn-ea"/>
                           <a:cs typeface="+mn-cs"/>
                           <a:hlinkClick r:id="rId9"/>
                         </a:rPr>
-                        <a:t>培训</a:t>
+                        <a:t>Production Issues &amp; System Outages</a:t>
                       </a:r>
-                      <a:r>
-                        <a:rPr lang="en-US" sz="1100" dirty="0">
-                          <a:solidFill>
-                            <a:schemeClr val="dk1"/>
-                          </a:solidFill>
-                          <a:effectLst/>
-                          <a:latin typeface="Adobe Clean" panose="020B0503020404020204" pitchFamily="34" charset="0"/>
-                          <a:ea typeface="+mn-ea"/>
-                          <a:cs typeface="+mn-cs"/>
-                        </a:rPr>
-                        <a:t> </a:t>
-                      </a:r>
-                      <a:endParaRPr lang="en-US" sz="1100" dirty="0">
+                      <a:endParaRPr lang="en-US" sz="1100">
                         <a:solidFill>
                           <a:schemeClr val="tx1"/>
                         </a:solidFill>
                         <a:effectLst/>
-                        <a:latin typeface="Adobe Clean" panose="020B0503020404020204" pitchFamily="34" charset="0"/>
+                        <a:latin typeface="Adobe Clean"/>
                         <a:ea typeface="+mn-ea"/>
                         <a:cs typeface="+mn-cs"/>
                       </a:endParaRPr>
@@ -10550,7 +12506,7 @@
                     <a:bodyPr/>
                     <a:lstStyle/>
                     <a:p>
-                      <a:pPr marL="0" marR="0" lvl="0" indent="0" defTabSz="914400" eaLnBrk="1" fontAlgn="auto" latinLnBrk="0" hangingPunct="1">
+                      <a:pPr marL="0" marR="0" lvl="0" indent="0" eaLnBrk="1" fontAlgn="auto" latinLnBrk="0" hangingPunct="1">
                         <a:lnSpc>
                           <a:spcPct val="100000"/>
                         </a:lnSpc>
@@ -10564,19 +12520,26 @@
                         <a:buSzTx/>
                         <a:buFontTx/>
                         <a:buNone/>
-                        <a:defRPr/>
                       </a:pPr>
                       <a:r>
-                        <a:rPr lang="en-US" sz="1000" kern="1200" dirty="0">
+                        <a:rPr lang="en-US" sz="1000" kern="1200">
                           <a:solidFill>
                             <a:srgbClr val="000000"/>
                           </a:solidFill>
-                          <a:latin typeface="Adobe Clean Light" panose="020B0303020404020204" pitchFamily="34" charset="0"/>
+                          <a:latin typeface="Adobe Clean Light"/>
                           <a:ea typeface="+mn-ea"/>
                           <a:cs typeface="+mn-cs"/>
                         </a:rPr>
-                        <a:t>可以从 Experience League 访问 Adobe Digital Learning Services 课程。学习课程整合了按需课程和讲师指导的课程。在这里，您可以掌握具有公认市场价值的技能，并在组织中利用这些技能获得成功。</a:t>
+                        <a:t>Status.adobe.com conveys the health information of all Adobe products and services that are deployed in multi-tenant environments. Customers can choose their subscription preferences to get email notifications whenever Adobe creates, updates or resolves a product event. This can include scheduled maintenance or service issues of varying levels of severity. </a:t>
                       </a:r>
+                      <a:endParaRPr lang="en-US" sz="1000" kern="1200">
+                        <a:solidFill>
+                          <a:srgbClr val="000000"/>
+                        </a:solidFill>
+                        <a:latin typeface="Adobe Clean Light" panose="020B0303020404020204" pitchFamily="34" charset="0"/>
+                        <a:ea typeface="+mn-ea"/>
+                        <a:cs typeface="+mn-cs"/>
+                      </a:endParaRPr>
                     </a:p>
                   </a:txBody>
                   <a:tcPr anchor="ctr">
@@ -10629,7 +12592,7 @@
                 </a:tc>
                 <a:extLst>
                   <a:ext uri="{0D108BD9-81ED-4DB2-BD59-A6C34878D82A}">
-                    <a16:rowId xmlns:a16="http://schemas.microsoft.com/office/drawing/2014/main" val="10001"/>
+                    <a16:rowId xmlns:a16="http://schemas.microsoft.com/office/drawing/2014/main" val="2696233489"/>
                   </a:ext>
                 </a:extLst>
               </a:tr>
@@ -10653,27 +12616,28 @@
                         <a:buSzTx/>
                         <a:buFontTx/>
                         <a:buNone/>
+                        <a:tabLst/>
                         <a:defRPr/>
                       </a:pPr>
                       <a:r>
-                        <a:rPr lang="en-US" sz="1100" dirty="0">
+                        <a:rPr lang="en-US" sz="1100" b="0" i="0">
                           <a:solidFill>
-                            <a:schemeClr val="tx1"/>
+                            <a:schemeClr val="dk1"/>
                           </a:solidFill>
                           <a:effectLst/>
-                          <a:latin typeface="Adobe Clean" panose="020B0503020404020204" pitchFamily="34" charset="0"/>
+                          <a:latin typeface="Adobe Clean"/>
                           <a:ea typeface="+mn-ea"/>
                           <a:cs typeface="+mn-cs"/>
-                          <a:hlinkClick r:id="rId10"/>
+                          <a:hlinkClick r:id="rId10" tooltip="https://helpx.adobe.com/support/programs/enterprise-support-programs/premier-support-business.html"/>
                         </a:rPr>
-                        <a:t>生产问题和系统中断</a:t>
+                        <a:t>Business Support Website</a:t>
                       </a:r>
-                      <a:endParaRPr lang="en-US" sz="1100" dirty="0">
+                      <a:endParaRPr lang="en-US" sz="1100" b="0" i="0">
                         <a:solidFill>
-                          <a:schemeClr val="tx1"/>
+                          <a:schemeClr val="dk1"/>
                         </a:solidFill>
                         <a:effectLst/>
-                        <a:latin typeface="Adobe Clean" panose="020B0503020404020204" pitchFamily="34" charset="0"/>
+                        <a:latin typeface="Adobe Clean"/>
                         <a:ea typeface="+mn-ea"/>
                         <a:cs typeface="+mn-cs"/>
                       </a:endParaRPr>
@@ -10732,33 +12696,25 @@
                     <a:bodyPr/>
                     <a:lstStyle/>
                     <a:p>
-                      <a:pPr marL="0" marR="0" lvl="0" indent="0" defTabSz="914400" eaLnBrk="1" fontAlgn="auto" latinLnBrk="0" hangingPunct="1">
-                        <a:lnSpc>
-                          <a:spcPct val="100000"/>
-                        </a:lnSpc>
-                        <a:spcBef>
-                          <a:spcPts val="0"/>
-                        </a:spcBef>
-                        <a:spcAft>
-                          <a:spcPts val="0"/>
-                        </a:spcAft>
-                        <a:buClrTx/>
-                        <a:buSzTx/>
-                        <a:buFontTx/>
-                        <a:buNone/>
-                        <a:defRPr/>
-                      </a:pPr>
                       <a:r>
-                        <a:rPr lang="en-US" sz="1000" kern="1200" dirty="0">
+                        <a:rPr lang="en-US" sz="1000" kern="1200">
                           <a:solidFill>
                             <a:srgbClr val="000000"/>
                           </a:solidFill>
-                          <a:latin typeface="Adobe Clean Light" panose="020B0303020404020204" pitchFamily="34" charset="0"/>
+                          <a:latin typeface="Adobe Clean Light"/>
                           <a:ea typeface="+mn-ea"/>
                           <a:cs typeface="+mn-cs"/>
                         </a:rPr>
-                        <a:t>Status.adobe.com 传达在多租户环境中部署的所有 Adobe 产品和服务的运行状况信息。客户可以选择他们的订阅偏好设置，以便在 Adobe 创建、更新或处理产品事件时收到电子邮件通知。这可能包括严重性不同的定期维护或服务问题。</a:t>
+                        <a:t>Adobe Business Support website.</a:t>
                       </a:r>
+                      <a:endParaRPr lang="en-US" sz="1000" kern="1200">
+                        <a:solidFill>
+                          <a:srgbClr val="000000"/>
+                        </a:solidFill>
+                        <a:latin typeface="Adobe Clean Light" panose="020B0303020404020204" pitchFamily="34" charset="0"/>
+                        <a:ea typeface="+mn-ea"/>
+                        <a:cs typeface="+mn-cs"/>
+                      </a:endParaRPr>
                     </a:p>
                   </a:txBody>
                   <a:tcPr anchor="ctr">
@@ -10811,7 +12767,7 @@
                 </a:tc>
                 <a:extLst>
                   <a:ext uri="{0D108BD9-81ED-4DB2-BD59-A6C34878D82A}">
-                    <a16:rowId xmlns:a16="http://schemas.microsoft.com/office/drawing/2014/main" val="10002"/>
+                    <a16:rowId xmlns:a16="http://schemas.microsoft.com/office/drawing/2014/main" val="3772135568"/>
                   </a:ext>
                 </a:extLst>
               </a:tr>
@@ -10835,27 +12791,28 @@
                         <a:buSzTx/>
                         <a:buFontTx/>
                         <a:buNone/>
+                        <a:tabLst/>
                         <a:defRPr/>
                       </a:pPr>
                       <a:r>
-                        <a:rPr lang="en-US" sz="1100" b="0" i="0" dirty="0">
+                        <a:rPr lang="en-US" sz="1100">
                           <a:solidFill>
-                            <a:schemeClr val="dk1"/>
+                            <a:schemeClr val="tx1"/>
                           </a:solidFill>
                           <a:effectLst/>
-                          <a:latin typeface="Adobe Clean" panose="020B0503020404020204" pitchFamily="34" charset="0"/>
+                          <a:latin typeface="Adobe Clean"/>
                           <a:ea typeface="+mn-ea"/>
                           <a:cs typeface="+mn-cs"/>
-                          <a:hlinkClick r:id="rId11" tooltip="https://helpx.adobe.com/cn/support/programs/enterprise-support-programs/premier-support-business.html"/>
+                          <a:hlinkClick r:id="rId11"/>
                         </a:rPr>
-                        <a:t>商业支持网站</a:t>
+                        <a:t>Terms and Conditions</a:t>
                       </a:r>
-                      <a:endParaRPr lang="en-US" sz="1100" b="0" i="0" dirty="0">
+                      <a:endParaRPr lang="en-US" sz="1100">
                         <a:solidFill>
-                          <a:schemeClr val="dk1"/>
+                          <a:schemeClr val="tx1"/>
                         </a:solidFill>
                         <a:effectLst/>
-                        <a:latin typeface="Adobe Clean" panose="020B0503020404020204" pitchFamily="34" charset="0"/>
+                        <a:latin typeface="Adobe Clean"/>
                         <a:ea typeface="+mn-ea"/>
                         <a:cs typeface="+mn-cs"/>
                       </a:endParaRPr>
@@ -10915,113 +12872,21 @@
                     <a:lstStyle/>
                     <a:p>
                       <a:r>
-                        <a:rPr lang="en-US" sz="1000" kern="1200" dirty="0">
+                        <a:rPr lang="en-US" sz="1000" kern="1200">
                           <a:solidFill>
                             <a:srgbClr val="000000"/>
                           </a:solidFill>
-                          <a:latin typeface="Adobe Clean Light" panose="020B0303020404020204" pitchFamily="34" charset="0"/>
+                          <a:latin typeface="Adobe Clean Light"/>
                           <a:ea typeface="+mn-ea"/>
                           <a:cs typeface="+mn-cs"/>
                         </a:rPr>
-                        <a:t>Adobe 商业支持网站</a:t>
+                        <a:t>Terms and conditions detailing Support Services offerings.</a:t>
                       </a:r>
-                    </a:p>
-                  </a:txBody>
-                  <a:tcPr anchor="ctr">
-                    <a:lnL w="12700" cap="flat" cmpd="sng" algn="ctr">
-                      <a:solidFill>
-                        <a:schemeClr val="bg1">
-                          <a:lumMod val="85000"/>
-                        </a:schemeClr>
-                      </a:solidFill>
-                      <a:prstDash val="solid"/>
-                      <a:round/>
-                      <a:headEnd type="none" w="med" len="med"/>
-                      <a:tailEnd type="none" w="med" len="med"/>
-                    </a:lnL>
-                    <a:lnR w="12700" cap="flat" cmpd="sng" algn="ctr">
-                      <a:solidFill>
-                        <a:schemeClr val="bg1">
-                          <a:lumMod val="85000"/>
-                        </a:schemeClr>
-                      </a:solidFill>
-                      <a:prstDash val="solid"/>
-                      <a:round/>
-                      <a:headEnd type="none" w="med" len="med"/>
-                      <a:tailEnd type="none" w="med" len="med"/>
-                    </a:lnR>
-                    <a:lnT w="12700" cap="flat" cmpd="sng" algn="ctr">
-                      <a:solidFill>
-                        <a:schemeClr val="bg1">
-                          <a:lumMod val="85000"/>
-                        </a:schemeClr>
-                      </a:solidFill>
-                      <a:prstDash val="solid"/>
-                      <a:round/>
-                      <a:headEnd type="none" w="med" len="med"/>
-                      <a:tailEnd type="none" w="med" len="med"/>
-                    </a:lnT>
-                    <a:lnB w="12700" cap="flat" cmpd="sng" algn="ctr">
-                      <a:solidFill>
-                        <a:schemeClr val="bg1">
-                          <a:lumMod val="85000"/>
-                        </a:schemeClr>
-                      </a:solidFill>
-                      <a:prstDash val="solid"/>
-                      <a:round/>
-                      <a:headEnd type="none" w="med" len="med"/>
-                      <a:tailEnd type="none" w="med" len="med"/>
-                    </a:lnB>
-                    <a:noFill/>
-                  </a:tcPr>
-                </a:tc>
-                <a:extLst>
-                  <a:ext uri="{0D108BD9-81ED-4DB2-BD59-A6C34878D82A}">
-                    <a16:rowId xmlns:a16="http://schemas.microsoft.com/office/drawing/2014/main" val="10003"/>
-                  </a:ext>
-                </a:extLst>
-              </a:tr>
-              <a:tr h="370840">
-                <a:tc>
-                  <a:txBody>
-                    <a:bodyPr/>
-                    <a:lstStyle/>
-                    <a:p>
-                      <a:pPr marL="0" marR="0" lvl="0" indent="0" defTabSz="914400" eaLnBrk="1" fontAlgn="auto" latinLnBrk="0" hangingPunct="1">
-                        <a:lnSpc>
-                          <a:spcPct val="100000"/>
-                        </a:lnSpc>
-                        <a:spcBef>
-                          <a:spcPts val="0"/>
-                        </a:spcBef>
-                        <a:spcAft>
-                          <a:spcPts val="0"/>
-                        </a:spcAft>
-                        <a:buClrTx/>
-                        <a:buSzTx/>
-                        <a:buFontTx/>
-                        <a:buNone/>
-                        <a:defRPr/>
-                      </a:pPr>
-                      <a:r>
-                        <a:rPr lang="en-US" sz="1100" dirty="0">
-                          <a:solidFill>
-                            <a:schemeClr val="tx1"/>
-                          </a:solidFill>
-                          <a:effectLst/>
-                          <a:latin typeface="Adobe Clean" panose="020B0503020404020204" pitchFamily="34" charset="0"/>
-                          <a:ea typeface="+mn-ea"/>
-                          <a:cs typeface="+mn-cs"/>
-                          <a:hlinkClick r:id="rId12"/>
-                        </a:rPr>
-                        <a:t>条款和条件</a:t>
-                      </a:r>
-                      <a:endParaRPr lang="en-US" sz="1100" dirty="0">
+                      <a:endParaRPr lang="en-US" sz="1000" kern="1200">
                         <a:solidFill>
-                          <a:schemeClr val="tx1"/>
+                          <a:srgbClr val="000000"/>
                         </a:solidFill>
-                        <a:effectLst/>
-                        <a:latin typeface="Adobe Clean" panose="020B0503020404020204" pitchFamily="34" charset="0"/>
+                        <a:latin typeface="Adobe Clean Light" panose="020B0303020404020204" pitchFamily="34" charset="0"/>
                         <a:ea typeface="+mn-ea"/>
                         <a:cs typeface="+mn-cs"/>
                       </a:endParaRPr>
@@ -11075,75 +12940,9 @@
                     <a:noFill/>
                   </a:tcPr>
                 </a:tc>
-                <a:tc>
-                  <a:txBody>
-                    <a:bodyPr/>
-                    <a:lstStyle/>
-                    <a:p>
-                      <a:r>
-                        <a:rPr lang="en-US" sz="1000" kern="1200" dirty="0">
-                          <a:solidFill>
-                            <a:srgbClr val="000000"/>
-                          </a:solidFill>
-                          <a:latin typeface="Adobe Clean Light" panose="020B0303020404020204" pitchFamily="34" charset="0"/>
-                          <a:ea typeface="+mn-ea"/>
-                          <a:cs typeface="+mn-cs"/>
-                        </a:rPr>
-                        <a:t>详细说明支持服务产品的条款和条件</a:t>
-                      </a:r>
-                    </a:p>
-                  </a:txBody>
-                  <a:tcPr anchor="ctr">
-                    <a:lnL w="12700" cap="flat" cmpd="sng" algn="ctr">
-                      <a:solidFill>
-                        <a:schemeClr val="bg1">
-                          <a:lumMod val="85000"/>
-                        </a:schemeClr>
-                      </a:solidFill>
-                      <a:prstDash val="solid"/>
-                      <a:round/>
-                      <a:headEnd type="none" w="med" len="med"/>
-                      <a:tailEnd type="none" w="med" len="med"/>
-                    </a:lnL>
-                    <a:lnR w="12700" cap="flat" cmpd="sng" algn="ctr">
-                      <a:solidFill>
-                        <a:schemeClr val="bg1">
-                          <a:lumMod val="85000"/>
-                        </a:schemeClr>
-                      </a:solidFill>
-                      <a:prstDash val="solid"/>
-                      <a:round/>
-                      <a:headEnd type="none" w="med" len="med"/>
-                      <a:tailEnd type="none" w="med" len="med"/>
-                    </a:lnR>
-                    <a:lnT w="12700" cap="flat" cmpd="sng" algn="ctr">
-                      <a:solidFill>
-                        <a:schemeClr val="bg1">
-                          <a:lumMod val="85000"/>
-                        </a:schemeClr>
-                      </a:solidFill>
-                      <a:prstDash val="solid"/>
-                      <a:round/>
-                      <a:headEnd type="none" w="med" len="med"/>
-                      <a:tailEnd type="none" w="med" len="med"/>
-                    </a:lnT>
-                    <a:lnB w="12700" cap="flat" cmpd="sng" algn="ctr">
-                      <a:solidFill>
-                        <a:schemeClr val="bg1">
-                          <a:lumMod val="85000"/>
-                        </a:schemeClr>
-                      </a:solidFill>
-                      <a:prstDash val="solid"/>
-                      <a:round/>
-                      <a:headEnd type="none" w="med" len="med"/>
-                      <a:tailEnd type="none" w="med" len="med"/>
-                    </a:lnB>
-                    <a:noFill/>
-                  </a:tcPr>
-                </a:tc>
                 <a:extLst>
                   <a:ext uri="{0D108BD9-81ED-4DB2-BD59-A6C34878D82A}">
-                    <a16:rowId xmlns:a16="http://schemas.microsoft.com/office/drawing/2014/main" val="10004"/>
+                    <a16:rowId xmlns:a16="http://schemas.microsoft.com/office/drawing/2014/main" val="2083862379"/>
                   </a:ext>
                 </a:extLst>
               </a:tr>
@@ -11153,20 +12952,26 @@
       </p:graphicFrame>
       <p:pic>
         <p:nvPicPr>
-          <p:cNvPr id="8" name="Graphic 7" descr="目标轮廓图"/>
+          <p:cNvPr id="8" name="Graphic 7" descr="Target outline">
+            <a:extLst>
+              <a:ext uri="{FF2B5EF4-FFF2-40B4-BE49-F238E27FC236}">
+                <a16:creationId xmlns:a16="http://schemas.microsoft.com/office/drawing/2014/main" id="{1EAA263E-04A7-0D46-952E-EA3033B45116}"/>
+              </a:ext>
+            </a:extLst>
+          </p:cNvPr>
           <p:cNvPicPr>
             <a:picLocks noChangeAspect="1"/>
           </p:cNvPicPr>
           <p:nvPr/>
         </p:nvPicPr>
         <p:blipFill>
-          <a:blip r:embed="rId13">
+          <a:blip r:embed="rId12">
             <a:extLst>
               <a:ext uri="{28A0092B-C50C-407E-A947-70E740481C1C}">
                 <a14:useLocalDpi xmlns:a14="http://schemas.microsoft.com/office/drawing/2010/main" val="0"/>
               </a:ext>
               <a:ext uri="{96DAC541-7B7A-43D3-8B79-37D633B846F1}">
-                <asvg:svgBlip xmlns:asvg="http://schemas.microsoft.com/office/drawing/2016/SVG/main" r:embed="rId14"/>
+                <asvg:svgBlip xmlns:asvg="http://schemas.microsoft.com/office/drawing/2016/SVG/main" r:embed="rId13"/>
               </a:ext>
             </a:extLst>
           </a:blip>
@@ -11186,20 +12991,26 @@
       </p:pic>
       <p:pic>
         <p:nvPicPr>
-          <p:cNvPr id="10" name="Graphic 9" descr="火箭轮廓图"/>
+          <p:cNvPr id="10" name="Graphic 9" descr="Rocket outline">
+            <a:extLst>
+              <a:ext uri="{FF2B5EF4-FFF2-40B4-BE49-F238E27FC236}">
+                <a16:creationId xmlns:a16="http://schemas.microsoft.com/office/drawing/2014/main" id="{A068EBC3-B418-4E4A-A520-101CA4B39F23}"/>
+              </a:ext>
+            </a:extLst>
+          </p:cNvPr>
           <p:cNvPicPr>
             <a:picLocks noChangeAspect="1"/>
           </p:cNvPicPr>
           <p:nvPr/>
         </p:nvPicPr>
         <p:blipFill>
-          <a:blip r:embed="rId15">
+          <a:blip r:embed="rId14">
             <a:extLst>
               <a:ext uri="{28A0092B-C50C-407E-A947-70E740481C1C}">
                 <a14:useLocalDpi xmlns:a14="http://schemas.microsoft.com/office/drawing/2010/main" val="0"/>
               </a:ext>
               <a:ext uri="{96DAC541-7B7A-43D3-8B79-37D633B846F1}">
-                <asvg:svgBlip xmlns:asvg="http://schemas.microsoft.com/office/drawing/2016/SVG/main" r:embed="rId16"/>
+                <asvg:svgBlip xmlns:asvg="http://schemas.microsoft.com/office/drawing/2016/SVG/main" r:embed="rId15"/>
               </a:ext>
             </a:extLst>
           </a:blip>
@@ -11219,20 +13030,26 @@
       </p:pic>
       <p:pic>
         <p:nvPicPr>
-          <p:cNvPr id="12" name="Graphic 11" descr="勋章轮廓图"/>
+          <p:cNvPr id="12" name="Graphic 11" descr="Medal outline">
+            <a:extLst>
+              <a:ext uri="{FF2B5EF4-FFF2-40B4-BE49-F238E27FC236}">
+                <a16:creationId xmlns:a16="http://schemas.microsoft.com/office/drawing/2014/main" id="{C7BEFC2D-0CA6-0448-B9FA-6E1581CA6D36}"/>
+              </a:ext>
+            </a:extLst>
+          </p:cNvPr>
           <p:cNvPicPr>
             <a:picLocks noChangeAspect="1"/>
           </p:cNvPicPr>
           <p:nvPr/>
         </p:nvPicPr>
         <p:blipFill>
-          <a:blip r:embed="rId17">
+          <a:blip r:embed="rId16">
             <a:extLst>
               <a:ext uri="{28A0092B-C50C-407E-A947-70E740481C1C}">
                 <a14:useLocalDpi xmlns:a14="http://schemas.microsoft.com/office/drawing/2010/main" val="0"/>
               </a:ext>
               <a:ext uri="{96DAC541-7B7A-43D3-8B79-37D633B846F1}">
-                <asvg:svgBlip xmlns:asvg="http://schemas.microsoft.com/office/drawing/2016/SVG/main" r:embed="rId18"/>
+                <asvg:svgBlip xmlns:asvg="http://schemas.microsoft.com/office/drawing/2016/SVG/main" r:embed="rId17"/>
               </a:ext>
             </a:extLst>
           </a:blip>
@@ -11251,29 +13068,16 @@
         </p:spPr>
       </p:pic>
     </p:spTree>
+    <p:extLst>
+      <p:ext uri="{BB962C8B-B14F-4D97-AF65-F5344CB8AC3E}">
+        <p14:creationId xmlns:p14="http://schemas.microsoft.com/office/powerpoint/2010/main" val="1050037809"/>
+      </p:ext>
+    </p:extLst>
   </p:cSld>
   <p:clrMapOvr>
     <a:masterClrMapping/>
   </p:clrMapOvr>
 </p:sld>
-</file>
-
-<file path=ppt/tags/tag1.xml><?xml version="1.0" encoding="utf-8"?>
-<p:tagLst xmlns:a="http://schemas.openxmlformats.org/drawingml/2006/main" xmlns:r="http://schemas.openxmlformats.org/officeDocument/2006/relationships" xmlns:p="http://schemas.openxmlformats.org/presentationml/2006/main">
-  <p:tag name="KSO_WM_UNIT_TABLE_BEAUTIFY" val="smartTable{90f03565-0d74-4b8b-9226-740e34f0c564}"/>
-</p:tagLst>
-</file>
-
-<file path=ppt/tags/tag2.xml><?xml version="1.0" encoding="utf-8"?>
-<p:tagLst xmlns:a="http://schemas.openxmlformats.org/drawingml/2006/main" xmlns:r="http://schemas.openxmlformats.org/officeDocument/2006/relationships" xmlns:p="http://schemas.openxmlformats.org/presentationml/2006/main">
-  <p:tag name="KSO_WM_UNIT_TABLE_BEAUTIFY" val="smartTable{85e89148-258b-42fe-a353-2caaf47f8212}"/>
-</p:tagLst>
-</file>
-
-<file path=ppt/tags/tag3.xml><?xml version="1.0" encoding="utf-8"?>
-<p:tagLst xmlns:a="http://schemas.openxmlformats.org/drawingml/2006/main" xmlns:r="http://schemas.openxmlformats.org/officeDocument/2006/relationships" xmlns:p="http://schemas.openxmlformats.org/presentationml/2006/main">
-  <p:tag name="KSO_WM_UNIT_TABLE_BEAUTIFY" val="smartTable{269922ac-f9a6-4919-96e2-a196576fed7c}"/>
-</p:tagLst>
 </file>
 
 <file path=ppt/theme/theme1.xml><?xml version="1.0" encoding="utf-8"?>
@@ -11556,11 +13360,6 @@
   </a:themeElements>
   <a:objectDefaults/>
   <a:extraClrSchemeLst/>
-  <a:extLst>
-    <a:ext uri="{05A4C25C-085E-4340-85A3-A5531E510DB2}">
-      <thm15:themeFamily xmlns:thm15="http://schemas.microsoft.com/office/thememl/2012/main" name="Office Theme" id="{62F939B6-93AF-4DB8-9C6B-D6C7DFDC589F}" vid="{4A3C46E8-61CC-4603-A589-7422A47A8E4A}"/>
-    </a:ext>
-  </a:extLst>
 </a:theme>
 </file>
 
@@ -11607,7 +13406,7 @@
     </a:clrScheme>
     <a:fontScheme name="Office">
       <a:majorFont>
-        <a:latin typeface="Calibri Light"/>
+        <a:latin typeface="Calibri Light" panose="020F0302020204030204"/>
         <a:ea typeface=""/>
         <a:cs typeface=""/>
         <a:font script="Jpan" typeface="游ゴシック Light"/>
@@ -11640,9 +13439,26 @@
         <a:font script="Viet" typeface="Times New Roman"/>
         <a:font script="Uigh" typeface="Microsoft Uighur"/>
         <a:font script="Geor" typeface="Sylfaen"/>
+        <a:font script="Armn" typeface="Arial"/>
+        <a:font script="Bugi" typeface="Leelawadee UI"/>
+        <a:font script="Bopo" typeface="Microsoft JhengHei"/>
+        <a:font script="Java" typeface="Javanese Text"/>
+        <a:font script="Lisu" typeface="Segoe UI"/>
+        <a:font script="Mymr" typeface="Myanmar Text"/>
+        <a:font script="Nkoo" typeface="Ebrima"/>
+        <a:font script="Olck" typeface="Nirmala UI"/>
+        <a:font script="Osma" typeface="Ebrima"/>
+        <a:font script="Phag" typeface="Phagspa"/>
+        <a:font script="Syrn" typeface="Estrangelo Edessa"/>
+        <a:font script="Syrj" typeface="Estrangelo Edessa"/>
+        <a:font script="Syre" typeface="Estrangelo Edessa"/>
+        <a:font script="Sora" typeface="Nirmala UI"/>
+        <a:font script="Tale" typeface="Microsoft Tai Le"/>
+        <a:font script="Talu" typeface="Microsoft New Tai Lue"/>
+        <a:font script="Tfng" typeface="Ebrima"/>
       </a:majorFont>
       <a:minorFont>
-        <a:latin typeface="Calibri"/>
+        <a:latin typeface="Calibri" panose="020F0502020204030204"/>
         <a:ea typeface=""/>
         <a:cs typeface=""/>
         <a:font script="Jpan" typeface="游ゴシック"/>
@@ -11675,6 +13491,23 @@
         <a:font script="Viet" typeface="Arial"/>
         <a:font script="Uigh" typeface="Microsoft Uighur"/>
         <a:font script="Geor" typeface="Sylfaen"/>
+        <a:font script="Armn" typeface="Arial"/>
+        <a:font script="Bugi" typeface="Leelawadee UI"/>
+        <a:font script="Bopo" typeface="Microsoft JhengHei"/>
+        <a:font script="Java" typeface="Javanese Text"/>
+        <a:font script="Lisu" typeface="Segoe UI"/>
+        <a:font script="Mymr" typeface="Myanmar Text"/>
+        <a:font script="Nkoo" typeface="Ebrima"/>
+        <a:font script="Olck" typeface="Nirmala UI"/>
+        <a:font script="Osma" typeface="Ebrima"/>
+        <a:font script="Phag" typeface="Phagspa"/>
+        <a:font script="Syrn" typeface="Estrangelo Edessa"/>
+        <a:font script="Syrj" typeface="Estrangelo Edessa"/>
+        <a:font script="Syre" typeface="Estrangelo Edessa"/>
+        <a:font script="Sora" typeface="Nirmala UI"/>
+        <a:font script="Tale" typeface="Microsoft Tai Le"/>
+        <a:font script="Talu" typeface="Microsoft New Tai Lue"/>
+        <a:font script="Tfng" typeface="Ebrima"/>
       </a:minorFont>
     </a:fontScheme>
     <a:fmtScheme name="Office">
@@ -11823,4 +13656,268 @@
     </a:ext>
   </a:extLst>
 </a:theme>
+</file>
+
+<file path=customXml/item1.xml><?xml version="1.0" encoding="utf-8"?>
+<ct:contentTypeSchema xmlns:ct="http://schemas.microsoft.com/office/2006/metadata/contentType" xmlns:ma="http://schemas.microsoft.com/office/2006/metadata/properties/metaAttributes" ct:_="" ma:_="" ma:contentTypeName="Document" ma:contentTypeID="0x010100E783BF6876BCC646A459363AF21A7736" ma:contentTypeVersion="10" ma:contentTypeDescription="Create a new document." ma:contentTypeScope="" ma:versionID="c4ffda7f4f415767600769e454c2ea87">
+  <xsd:schema xmlns:xsd="http://www.w3.org/2001/XMLSchema" xmlns:xs="http://www.w3.org/2001/XMLSchema" xmlns:p="http://schemas.microsoft.com/office/2006/metadata/properties" xmlns:ns2="8a053bff-88be-49e4-9a87-e748e18b8b62" xmlns:ns3="6c8368ec-3776-49b5-a5bb-90648cf9530f" targetNamespace="http://schemas.microsoft.com/office/2006/metadata/properties" ma:root="true" ma:fieldsID="df3ec33bccc23e23bce7bc897fad43d1" ns2:_="" ns3:_="">
+    <xsd:import namespace="8a053bff-88be-49e4-9a87-e748e18b8b62"/>
+    <xsd:import namespace="6c8368ec-3776-49b5-a5bb-90648cf9530f"/>
+    <xsd:element name="properties">
+      <xsd:complexType>
+        <xsd:sequence>
+          <xsd:element name="documentManagement">
+            <xsd:complexType>
+              <xsd:all>
+                <xsd:element ref="ns2:MediaServiceMetadata" minOccurs="0"/>
+                <xsd:element ref="ns2:MediaServiceFastMetadata" minOccurs="0"/>
+                <xsd:element ref="ns2:MediaServiceAutoKeyPoints" minOccurs="0"/>
+                <xsd:element ref="ns2:MediaServiceKeyPoints" minOccurs="0"/>
+                <xsd:element ref="ns3:SharedWithUsers" minOccurs="0"/>
+                <xsd:element ref="ns3:SharedWithDetails" minOccurs="0"/>
+                <xsd:element ref="ns2:MediaServiceAutoTags" minOccurs="0"/>
+                <xsd:element ref="ns2:MediaServiceOCR" minOccurs="0"/>
+                <xsd:element ref="ns2:MediaServiceGenerationTime" minOccurs="0"/>
+                <xsd:element ref="ns2:MediaServiceEventHashCode" minOccurs="0"/>
+              </xsd:all>
+            </xsd:complexType>
+          </xsd:element>
+        </xsd:sequence>
+      </xsd:complexType>
+    </xsd:element>
+  </xsd:schema>
+  <xsd:schema xmlns:xsd="http://www.w3.org/2001/XMLSchema" xmlns:xs="http://www.w3.org/2001/XMLSchema" xmlns:dms="http://schemas.microsoft.com/office/2006/documentManagement/types" xmlns:pc="http://schemas.microsoft.com/office/infopath/2007/PartnerControls" targetNamespace="8a053bff-88be-49e4-9a87-e748e18b8b62" elementFormDefault="qualified">
+    <xsd:import namespace="http://schemas.microsoft.com/office/2006/documentManagement/types"/>
+    <xsd:import namespace="http://schemas.microsoft.com/office/infopath/2007/PartnerControls"/>
+    <xsd:element name="MediaServiceMetadata" ma:index="8" nillable="true" ma:displayName="MediaServiceMetadata" ma:hidden="true" ma:internalName="MediaServiceMetadata" ma:readOnly="true">
+      <xsd:simpleType>
+        <xsd:restriction base="dms:Note"/>
+      </xsd:simpleType>
+    </xsd:element>
+    <xsd:element name="MediaServiceFastMetadata" ma:index="9" nillable="true" ma:displayName="MediaServiceFastMetadata" ma:hidden="true" ma:internalName="MediaServiceFastMetadata" ma:readOnly="true">
+      <xsd:simpleType>
+        <xsd:restriction base="dms:Note"/>
+      </xsd:simpleType>
+    </xsd:element>
+    <xsd:element name="MediaServiceAutoKeyPoints" ma:index="10" nillable="true" ma:displayName="MediaServiceAutoKeyPoints" ma:hidden="true" ma:internalName="MediaServiceAutoKeyPoints" ma:readOnly="true">
+      <xsd:simpleType>
+        <xsd:restriction base="dms:Note"/>
+      </xsd:simpleType>
+    </xsd:element>
+    <xsd:element name="MediaServiceKeyPoints" ma:index="11" nillable="true" ma:displayName="KeyPoints" ma:internalName="MediaServiceKeyPoints" ma:readOnly="true">
+      <xsd:simpleType>
+        <xsd:restriction base="dms:Note">
+          <xsd:maxLength value="255"/>
+        </xsd:restriction>
+      </xsd:simpleType>
+    </xsd:element>
+    <xsd:element name="MediaServiceAutoTags" ma:index="14" nillable="true" ma:displayName="Tags" ma:internalName="MediaServiceAutoTags" ma:readOnly="true">
+      <xsd:simpleType>
+        <xsd:restriction base="dms:Text"/>
+      </xsd:simpleType>
+    </xsd:element>
+    <xsd:element name="MediaServiceOCR" ma:index="15" nillable="true" ma:displayName="Extracted Text" ma:internalName="MediaServiceOCR" ma:readOnly="true">
+      <xsd:simpleType>
+        <xsd:restriction base="dms:Note">
+          <xsd:maxLength value="255"/>
+        </xsd:restriction>
+      </xsd:simpleType>
+    </xsd:element>
+    <xsd:element name="MediaServiceGenerationTime" ma:index="16" nillable="true" ma:displayName="MediaServiceGenerationTime" ma:hidden="true" ma:internalName="MediaServiceGenerationTime" ma:readOnly="true">
+      <xsd:simpleType>
+        <xsd:restriction base="dms:Text"/>
+      </xsd:simpleType>
+    </xsd:element>
+    <xsd:element name="MediaServiceEventHashCode" ma:index="17" nillable="true" ma:displayName="MediaServiceEventHashCode" ma:hidden="true" ma:internalName="MediaServiceEventHashCode" ma:readOnly="true">
+      <xsd:simpleType>
+        <xsd:restriction base="dms:Text"/>
+      </xsd:simpleType>
+    </xsd:element>
+  </xsd:schema>
+  <xsd:schema xmlns:xsd="http://www.w3.org/2001/XMLSchema" xmlns:xs="http://www.w3.org/2001/XMLSchema" xmlns:dms="http://schemas.microsoft.com/office/2006/documentManagement/types" xmlns:pc="http://schemas.microsoft.com/office/infopath/2007/PartnerControls" targetNamespace="6c8368ec-3776-49b5-a5bb-90648cf9530f" elementFormDefault="qualified">
+    <xsd:import namespace="http://schemas.microsoft.com/office/2006/documentManagement/types"/>
+    <xsd:import namespace="http://schemas.microsoft.com/office/infopath/2007/PartnerControls"/>
+    <xsd:element name="SharedWithUsers" ma:index="12" nillable="true" ma:displayName="Shared With" ma:internalName="SharedWithUsers" ma:readOnly="true">
+      <xsd:complexType>
+        <xsd:complexContent>
+          <xsd:extension base="dms:UserMulti">
+            <xsd:sequence>
+              <xsd:element name="UserInfo" minOccurs="0" maxOccurs="unbounded">
+                <xsd:complexType>
+                  <xsd:sequence>
+                    <xsd:element name="DisplayName" type="xsd:string" minOccurs="0"/>
+                    <xsd:element name="AccountId" type="dms:UserId" minOccurs="0" nillable="true"/>
+                    <xsd:element name="AccountType" type="xsd:string" minOccurs="0"/>
+                  </xsd:sequence>
+                </xsd:complexType>
+              </xsd:element>
+            </xsd:sequence>
+          </xsd:extension>
+        </xsd:complexContent>
+      </xsd:complexType>
+    </xsd:element>
+    <xsd:element name="SharedWithDetails" ma:index="13" nillable="true" ma:displayName="Shared With Details" ma:internalName="SharedWithDetails" ma:readOnly="true">
+      <xsd:simpleType>
+        <xsd:restriction base="dms:Note">
+          <xsd:maxLength value="255"/>
+        </xsd:restriction>
+      </xsd:simpleType>
+    </xsd:element>
+  </xsd:schema>
+  <xsd:schema xmlns="http://schemas.openxmlformats.org/package/2006/metadata/core-properties" xmlns:xsd="http://www.w3.org/2001/XMLSchema" xmlns:xsi="http://www.w3.org/2001/XMLSchema-instance" xmlns:dc="http://purl.org/dc/elements/1.1/" xmlns:dcterms="http://purl.org/dc/terms/" xmlns:odoc="http://schemas.microsoft.com/internal/obd" targetNamespace="http://schemas.openxmlformats.org/package/2006/metadata/core-properties" elementFormDefault="qualified" attributeFormDefault="unqualified" blockDefault="#all">
+    <xsd:import namespace="http://purl.org/dc/elements/1.1/" schemaLocation="http://dublincore.org/schemas/xmls/qdc/2003/04/02/dc.xsd"/>
+    <xsd:import namespace="http://purl.org/dc/terms/" schemaLocation="http://dublincore.org/schemas/xmls/qdc/2003/04/02/dcterms.xsd"/>
+    <xsd:element name="coreProperties" type="CT_coreProperties"/>
+    <xsd:complexType name="CT_coreProperties">
+      <xsd:all>
+        <xsd:element ref="dc:creator" minOccurs="0" maxOccurs="1"/>
+        <xsd:element ref="dcterms:created" minOccurs="0" maxOccurs="1"/>
+        <xsd:element ref="dc:identifier" minOccurs="0" maxOccurs="1"/>
+        <xsd:element name="contentType" minOccurs="0" maxOccurs="1" type="xsd:string" ma:index="0" ma:displayName="Content Type"/>
+        <xsd:element ref="dc:title" minOccurs="0" maxOccurs="1" ma:index="4" ma:displayName="Title"/>
+        <xsd:element ref="dc:subject" minOccurs="0" maxOccurs="1"/>
+        <xsd:element ref="dc:description" minOccurs="0" maxOccurs="1"/>
+        <xsd:element name="keywords" minOccurs="0" maxOccurs="1" type="xsd:string"/>
+        <xsd:element ref="dc:language" minOccurs="0" maxOccurs="1"/>
+        <xsd:element name="category" minOccurs="0" maxOccurs="1" type="xsd:string"/>
+        <xsd:element name="version" minOccurs="0" maxOccurs="1" type="xsd:string"/>
+        <xsd:element name="revision" minOccurs="0" maxOccurs="1" type="xsd:string">
+          <xsd:annotation>
+            <xsd:documentation>
+                        This value indicates the number of saves or revisions. The application is responsible for updating this value after each revision.
+                    </xsd:documentation>
+          </xsd:annotation>
+        </xsd:element>
+        <xsd:element name="lastModifiedBy" minOccurs="0" maxOccurs="1" type="xsd:string"/>
+        <xsd:element ref="dcterms:modified" minOccurs="0" maxOccurs="1"/>
+        <xsd:element name="contentStatus" minOccurs="0" maxOccurs="1" type="xsd:string"/>
+      </xsd:all>
+    </xsd:complexType>
+  </xsd:schema>
+  <xs:schema xmlns:pc="http://schemas.microsoft.com/office/infopath/2007/PartnerControls" xmlns:xs="http://www.w3.org/2001/XMLSchema" targetNamespace="http://schemas.microsoft.com/office/infopath/2007/PartnerControls" elementFormDefault="qualified" attributeFormDefault="unqualified">
+    <xs:element name="Person">
+      <xs:complexType>
+        <xs:sequence>
+          <xs:element ref="pc:DisplayName" minOccurs="0"/>
+          <xs:element ref="pc:AccountId" minOccurs="0"/>
+          <xs:element ref="pc:AccountType" minOccurs="0"/>
+        </xs:sequence>
+      </xs:complexType>
+    </xs:element>
+    <xs:element name="DisplayName" type="xs:string"/>
+    <xs:element name="AccountId" type="xs:string"/>
+    <xs:element name="AccountType" type="xs:string"/>
+    <xs:element name="BDCAssociatedEntity">
+      <xs:complexType>
+        <xs:sequence>
+          <xs:element ref="pc:BDCEntity" minOccurs="0" maxOccurs="unbounded"/>
+        </xs:sequence>
+        <xs:attribute ref="pc:EntityNamespace"/>
+        <xs:attribute ref="pc:EntityName"/>
+        <xs:attribute ref="pc:SystemInstanceName"/>
+        <xs:attribute ref="pc:AssociationName"/>
+      </xs:complexType>
+    </xs:element>
+    <xs:attribute name="EntityNamespace" type="xs:string"/>
+    <xs:attribute name="EntityName" type="xs:string"/>
+    <xs:attribute name="SystemInstanceName" type="xs:string"/>
+    <xs:attribute name="AssociationName" type="xs:string"/>
+    <xs:element name="BDCEntity">
+      <xs:complexType>
+        <xs:sequence>
+          <xs:element ref="pc:EntityDisplayName" minOccurs="0"/>
+          <xs:element ref="pc:EntityInstanceReference" minOccurs="0"/>
+          <xs:element ref="pc:EntityId1" minOccurs="0"/>
+          <xs:element ref="pc:EntityId2" minOccurs="0"/>
+          <xs:element ref="pc:EntityId3" minOccurs="0"/>
+          <xs:element ref="pc:EntityId4" minOccurs="0"/>
+          <xs:element ref="pc:EntityId5" minOccurs="0"/>
+        </xs:sequence>
+      </xs:complexType>
+    </xs:element>
+    <xs:element name="EntityDisplayName" type="xs:string"/>
+    <xs:element name="EntityInstanceReference" type="xs:string"/>
+    <xs:element name="EntityId1" type="xs:string"/>
+    <xs:element name="EntityId2" type="xs:string"/>
+    <xs:element name="EntityId3" type="xs:string"/>
+    <xs:element name="EntityId4" type="xs:string"/>
+    <xs:element name="EntityId5" type="xs:string"/>
+    <xs:element name="Terms">
+      <xs:complexType>
+        <xs:sequence>
+          <xs:element ref="pc:TermInfo" minOccurs="0" maxOccurs="unbounded"/>
+        </xs:sequence>
+      </xs:complexType>
+    </xs:element>
+    <xs:element name="TermInfo">
+      <xs:complexType>
+        <xs:sequence>
+          <xs:element ref="pc:TermName" minOccurs="0"/>
+          <xs:element ref="pc:TermId" minOccurs="0"/>
+        </xs:sequence>
+      </xs:complexType>
+    </xs:element>
+    <xs:element name="TermName" type="xs:string"/>
+    <xs:element name="TermId" type="xs:string"/>
+  </xs:schema>
+</ct:contentTypeSchema>
+</file>
+
+<file path=customXml/item2.xml><?xml version="1.0" encoding="utf-8"?>
+<?mso-contentType ?>
+<FormTemplates xmlns="http://schemas.microsoft.com/sharepoint/v3/contenttype/forms">
+  <Display>DocumentLibraryForm</Display>
+  <Edit>DocumentLibraryForm</Edit>
+  <New>DocumentLibraryForm</New>
+</FormTemplates>
+</file>
+
+<file path=customXml/item3.xml><?xml version="1.0" encoding="utf-8"?>
+<p:properties xmlns:p="http://schemas.microsoft.com/office/2006/metadata/properties" xmlns:xsi="http://www.w3.org/2001/XMLSchema-instance" xmlns:pc="http://schemas.microsoft.com/office/infopath/2007/PartnerControls">
+  <documentManagement/>
+</p:properties>
+</file>
+
+<file path=customXml/itemProps1.xml><?xml version="1.0" encoding="utf-8"?>
+<ds:datastoreItem xmlns:ds="http://schemas.openxmlformats.org/officeDocument/2006/customXml" ds:itemID="{E0DB8BDF-6DA8-4ABC-A3CA-043AFD674CFC}">
+  <ds:schemaRefs>
+    <ds:schemaRef ds:uri="6c8368ec-3776-49b5-a5bb-90648cf9530f"/>
+    <ds:schemaRef ds:uri="8a053bff-88be-49e4-9a87-e748e18b8b62"/>
+    <ds:schemaRef ds:uri="http://purl.org/dc/elements/1.1/"/>
+    <ds:schemaRef ds:uri="http://purl.org/dc/terms/"/>
+    <ds:schemaRef ds:uri="http://schemas.microsoft.com/internal/obd"/>
+    <ds:schemaRef ds:uri="http://schemas.microsoft.com/office/2006/documentManagement/types"/>
+    <ds:schemaRef ds:uri="http://schemas.microsoft.com/office/2006/metadata/contentType"/>
+    <ds:schemaRef ds:uri="http://schemas.microsoft.com/office/2006/metadata/properties"/>
+    <ds:schemaRef ds:uri="http://schemas.microsoft.com/office/2006/metadata/properties/metaAttributes"/>
+    <ds:schemaRef ds:uri="http://schemas.microsoft.com/office/infopath/2007/PartnerControls"/>
+    <ds:schemaRef ds:uri="http://schemas.openxmlformats.org/package/2006/metadata/core-properties"/>
+    <ds:schemaRef ds:uri="http://www.w3.org/2001/XMLSchema"/>
+  </ds:schemaRefs>
+</ds:datastoreItem>
+</file>
+
+<file path=customXml/itemProps2.xml><?xml version="1.0" encoding="utf-8"?>
+<ds:datastoreItem xmlns:ds="http://schemas.openxmlformats.org/officeDocument/2006/customXml" ds:itemID="{95AE3B0B-E909-400C-B0B3-909FB50E07DE}">
+  <ds:schemaRefs>
+    <ds:schemaRef ds:uri="http://schemas.microsoft.com/sharepoint/v3/contenttype/forms"/>
+  </ds:schemaRefs>
+</ds:datastoreItem>
+</file>
+
+<file path=customXml/itemProps3.xml><?xml version="1.0" encoding="utf-8"?>
+<ds:datastoreItem xmlns:ds="http://schemas.openxmlformats.org/officeDocument/2006/customXml" ds:itemID="{10FC3CAF-E6F1-40E3-87D4-6B781C97D6B4}">
+  <ds:schemaRefs>
+    <ds:schemaRef ds:uri="6c8368ec-3776-49b5-a5bb-90648cf9530f"/>
+    <ds:schemaRef ds:uri="8a053bff-88be-49e4-9a87-e748e18b8b62"/>
+    <ds:schemaRef ds:uri="http://purl.org/dc/dcmitype/"/>
+    <ds:schemaRef ds:uri="http://purl.org/dc/elements/1.1/"/>
+    <ds:schemaRef ds:uri="http://purl.org/dc/terms/"/>
+    <ds:schemaRef ds:uri="http://schemas.microsoft.com/office/2006/documentManagement/types"/>
+    <ds:schemaRef ds:uri="http://schemas.microsoft.com/office/2006/metadata/properties"/>
+    <ds:schemaRef ds:uri="http://schemas.microsoft.com/office/infopath/2007/PartnerControls"/>
+    <ds:schemaRef ds:uri="http://schemas.openxmlformats.org/package/2006/metadata/core-properties"/>
+    <ds:schemaRef ds:uri="http://www.w3.org/XML/1998/namespace"/>
+  </ds:schemaRefs>
+</ds:datastoreItem>
 </file>
--- a/help/data-sheets/assets/BusinessSupportDatasheet.pptx
+++ b/help/data-sheets/assets/BusinessSupportDatasheet.pptx
@@ -2,15 +2,15 @@
 <file path=ppt/presentation.xml><?xml version="1.0" encoding="utf-8"?>
 <p:presentation xmlns:a="http://schemas.openxmlformats.org/drawingml/2006/main" xmlns:r="http://schemas.openxmlformats.org/officeDocument/2006/relationships" xmlns:p="http://schemas.openxmlformats.org/presentationml/2006/main">
   <p:sldMasterIdLst>
-    <p:sldMasterId id="2147483648" r:id="rId4"/>
+    <p:sldMasterId id="2147483648" r:id="rId1"/>
   </p:sldMasterIdLst>
   <p:notesMasterIdLst>
-    <p:notesMasterId r:id="rId8"/>
+    <p:notesMasterId r:id="rId5"/>
   </p:notesMasterIdLst>
   <p:sldIdLst>
-    <p:sldId id="256" r:id="rId5"/>
-    <p:sldId id="257" r:id="rId6"/>
-    <p:sldId id="261" r:id="rId7"/>
+    <p:sldId id="256" r:id="rId2"/>
+    <p:sldId id="257" r:id="rId3"/>
+    <p:sldId id="261" r:id="rId4"/>
   </p:sldIdLst>
   <p:sldSz cx="7772400" cy="10058400"/>
   <p:notesSz cx="7772400" cy="10058400"/>
@@ -117,7 +117,7 @@
             <a:srgbClr val="A4A3A4"/>
           </p15:clr>
         </p15:guide>
-        <p15:guide id="2" pos="2160">
+        <p15:guide id="2" pos="2147">
           <p15:clr>
             <a:srgbClr val="A4A3A4"/>
           </p15:clr>
@@ -130,291 +130,8 @@
 
 <file path=ppt/commentAuthors.xml><?xml version="1.0" encoding="utf-8"?>
 <p:cmAuthorLst xmlns:a="http://schemas.openxmlformats.org/drawingml/2006/main" xmlns:r="http://schemas.openxmlformats.org/officeDocument/2006/relationships" xmlns:p="http://schemas.openxmlformats.org/presentationml/2006/main">
-  <p:cmAuthor id="1" name="Ankita Sood" initials="AS" lastIdx="2" clrIdx="0">
-    <p:extLst>
-      <p:ext uri="{19B8F6BF-5375-455C-9EA6-DF929625EA0E}">
-        <p15:presenceInfo xmlns:p15="http://schemas.microsoft.com/office/powerpoint/2012/main" userId="S::asood@adobe.com::c93a62e3-2a47-429d-82c6-c2a8fd110ae7" providerId="AD"/>
-      </p:ext>
-    </p:extLst>
-  </p:cmAuthor>
+  <p:cmAuthor id="1" name="Ankita Sood" initials="AS" lastIdx="2" clrIdx="0"/>
 </p:cmAuthorLst>
-</file>
-
-<file path=ppt/revisionInfo.xml><?xml version="1.0" encoding="utf-8"?>
-<p1510:revInfo xmlns:a="http://schemas.openxmlformats.org/drawingml/2006/main" xmlns:r="http://schemas.openxmlformats.org/officeDocument/2006/relationships" xmlns:p1510="http://schemas.microsoft.com/office/powerpoint/2015/10/main">
-  <p1510:revLst>
-    <p1510:client id="{61630BD6-9AE9-064C-B39F-AFA945B82B3E}" v="202" dt="2021-10-13T19:21:08.267"/>
-    <p1510:client id="{AC30C20D-1316-8ECC-DADD-39CCEC6A7FCF}" v="9" dt="2021-10-13T19:03:35.035"/>
-  </p1510:revLst>
-</p1510:revInfo>
-</file>
-
-<file path=ppt/changesInfos/changesInfo1.xml><?xml version="1.0" encoding="utf-8"?>
-<pc:chgInfo xmlns:a="http://schemas.openxmlformats.org/drawingml/2006/main" xmlns:r="http://schemas.openxmlformats.org/officeDocument/2006/relationships" xmlns:ac="http://schemas.microsoft.com/office/drawing/2013/main/command" xmlns:pc="http://schemas.microsoft.com/office/powerpoint/2013/main/command">
-  <pc:docChgLst>
-    <pc:chgData name="Akilah Johnson" userId="S::akjohnso@adobe.com::2fa3aa60-0c9c-4d06-bae2-795983241227" providerId="AD" clId="Web-{4D8E0410-E0CE-85E2-0F84-C1BF4F647622}"/>
-    <pc:docChg chg="modSld">
-      <pc:chgData name="Akilah Johnson" userId="S::akjohnso@adobe.com::2fa3aa60-0c9c-4d06-bae2-795983241227" providerId="AD" clId="Web-{4D8E0410-E0CE-85E2-0F84-C1BF4F647622}" dt="2021-09-22T22:57:04.802" v="5"/>
-      <pc:docMkLst>
-        <pc:docMk/>
-      </pc:docMkLst>
-      <pc:sldChg chg="modSp">
-        <pc:chgData name="Akilah Johnson" userId="S::akjohnso@adobe.com::2fa3aa60-0c9c-4d06-bae2-795983241227" providerId="AD" clId="Web-{4D8E0410-E0CE-85E2-0F84-C1BF4F647622}" dt="2021-09-22T22:57:04.802" v="5"/>
-        <pc:sldMkLst>
-          <pc:docMk/>
-          <pc:sldMk cId="1050037809" sldId="261"/>
-        </pc:sldMkLst>
-        <pc:graphicFrameChg chg="mod modGraphic">
-          <ac:chgData name="Akilah Johnson" userId="S::akjohnso@adobe.com::2fa3aa60-0c9c-4d06-bae2-795983241227" providerId="AD" clId="Web-{4D8E0410-E0CE-85E2-0F84-C1BF4F647622}" dt="2021-09-22T22:57:04.802" v="5"/>
-          <ac:graphicFrameMkLst>
-            <pc:docMk/>
-            <pc:sldMk cId="1050037809" sldId="261"/>
-            <ac:graphicFrameMk id="25" creationId="{3A91F5B0-3974-A14D-A146-FB590F2AAD18}"/>
-          </ac:graphicFrameMkLst>
-        </pc:graphicFrameChg>
-      </pc:sldChg>
-    </pc:docChg>
-  </pc:docChgLst>
-  <pc:docChgLst>
-    <pc:chgData name="Akilah Johnson" userId="S::akjohnso@adobe.com::2fa3aa60-0c9c-4d06-bae2-795983241227" providerId="AD" clId="Web-{019F6A09-DCDA-BB53-9E3C-5BA3B13E26BB}"/>
-    <pc:docChg chg="modSld">
-      <pc:chgData name="Akilah Johnson" userId="S::akjohnso@adobe.com::2fa3aa60-0c9c-4d06-bae2-795983241227" providerId="AD" clId="Web-{019F6A09-DCDA-BB53-9E3C-5BA3B13E26BB}" dt="2021-10-12T17:10:36.752" v="17" actId="20577"/>
-      <pc:docMkLst>
-        <pc:docMk/>
-      </pc:docMkLst>
-      <pc:sldChg chg="modSp">
-        <pc:chgData name="Akilah Johnson" userId="S::akjohnso@adobe.com::2fa3aa60-0c9c-4d06-bae2-795983241227" providerId="AD" clId="Web-{019F6A09-DCDA-BB53-9E3C-5BA3B13E26BB}" dt="2021-10-12T17:09:32.112" v="2" actId="20577"/>
-        <pc:sldMkLst>
-          <pc:docMk/>
-          <pc:sldMk cId="0" sldId="257"/>
-        </pc:sldMkLst>
-        <pc:spChg chg="mod">
-          <ac:chgData name="Akilah Johnson" userId="S::akjohnso@adobe.com::2fa3aa60-0c9c-4d06-bae2-795983241227" providerId="AD" clId="Web-{019F6A09-DCDA-BB53-9E3C-5BA3B13E26BB}" dt="2021-10-12T17:09:32.112" v="2" actId="20577"/>
-          <ac:spMkLst>
-            <pc:docMk/>
-            <pc:sldMk cId="0" sldId="257"/>
-            <ac:spMk id="46" creationId="{00000000-0000-0000-0000-000000000000}"/>
-          </ac:spMkLst>
-        </pc:spChg>
-      </pc:sldChg>
-      <pc:sldChg chg="modSp">
-        <pc:chgData name="Akilah Johnson" userId="S::akjohnso@adobe.com::2fa3aa60-0c9c-4d06-bae2-795983241227" providerId="AD" clId="Web-{019F6A09-DCDA-BB53-9E3C-5BA3B13E26BB}" dt="2021-10-12T17:10:36.752" v="17" actId="20577"/>
-        <pc:sldMkLst>
-          <pc:docMk/>
-          <pc:sldMk cId="1050037809" sldId="261"/>
-        </pc:sldMkLst>
-        <pc:spChg chg="mod">
-          <ac:chgData name="Akilah Johnson" userId="S::akjohnso@adobe.com::2fa3aa60-0c9c-4d06-bae2-795983241227" providerId="AD" clId="Web-{019F6A09-DCDA-BB53-9E3C-5BA3B13E26BB}" dt="2021-10-12T17:10:36.752" v="17" actId="20577"/>
-          <ac:spMkLst>
-            <pc:docMk/>
-            <pc:sldMk cId="1050037809" sldId="261"/>
-            <ac:spMk id="56" creationId="{00000000-0000-0000-0000-000000000000}"/>
-          </ac:spMkLst>
-        </pc:spChg>
-        <pc:graphicFrameChg chg="mod modGraphic">
-          <ac:chgData name="Akilah Johnson" userId="S::akjohnso@adobe.com::2fa3aa60-0c9c-4d06-bae2-795983241227" providerId="AD" clId="Web-{019F6A09-DCDA-BB53-9E3C-5BA3B13E26BB}" dt="2021-10-12T17:09:41.471" v="6"/>
-          <ac:graphicFrameMkLst>
-            <pc:docMk/>
-            <pc:sldMk cId="1050037809" sldId="261"/>
-            <ac:graphicFrameMk id="111" creationId="{D8653CEC-4213-DE40-9BAF-D1E3318FF89C}"/>
-          </ac:graphicFrameMkLst>
-        </pc:graphicFrameChg>
-      </pc:sldChg>
-    </pc:docChg>
-  </pc:docChgLst>
-  <pc:docChgLst>
-    <pc:chgData name="Andy Witt" userId="S::awitt@adobe.com::e9157bdf-53b2-40e4-9459-936793d75696" providerId="AD" clId="Web-{06B13378-B080-7F0F-51A5-F9203CEE57ED}"/>
-    <pc:docChg chg="modSld">
-      <pc:chgData name="Andy Witt" userId="S::awitt@adobe.com::e9157bdf-53b2-40e4-9459-936793d75696" providerId="AD" clId="Web-{06B13378-B080-7F0F-51A5-F9203CEE57ED}" dt="2021-08-25T22:25:13.647" v="363"/>
-      <pc:docMkLst>
-        <pc:docMk/>
-      </pc:docMkLst>
-      <pc:sldChg chg="modSp">
-        <pc:chgData name="Andy Witt" userId="S::awitt@adobe.com::e9157bdf-53b2-40e4-9459-936793d75696" providerId="AD" clId="Web-{06B13378-B080-7F0F-51A5-F9203CEE57ED}" dt="2021-08-25T22:25:13.647" v="363"/>
-        <pc:sldMkLst>
-          <pc:docMk/>
-          <pc:sldMk cId="1050037809" sldId="261"/>
-        </pc:sldMkLst>
-        <pc:graphicFrameChg chg="mod modGraphic">
-          <ac:chgData name="Andy Witt" userId="S::awitt@adobe.com::e9157bdf-53b2-40e4-9459-936793d75696" providerId="AD" clId="Web-{06B13378-B080-7F0F-51A5-F9203CEE57ED}" dt="2021-08-25T22:25:13.647" v="363"/>
-          <ac:graphicFrameMkLst>
-            <pc:docMk/>
-            <pc:sldMk cId="1050037809" sldId="261"/>
-            <ac:graphicFrameMk id="25" creationId="{3A91F5B0-3974-A14D-A146-FB590F2AAD18}"/>
-          </ac:graphicFrameMkLst>
-        </pc:graphicFrameChg>
-      </pc:sldChg>
-    </pc:docChg>
-  </pc:docChgLst>
-  <pc:docChgLst>
-    <pc:chgData name="Akilah Johnson" userId="S::akjohnso@adobe.com::2fa3aa60-0c9c-4d06-bae2-795983241227" providerId="AD" clId="Web-{71D6CFBF-0EA2-99B0-93F4-22F19EF0AE4E}"/>
-    <pc:docChg chg="modSld">
-      <pc:chgData name="Akilah Johnson" userId="S::akjohnso@adobe.com::2fa3aa60-0c9c-4d06-bae2-795983241227" providerId="AD" clId="Web-{71D6CFBF-0EA2-99B0-93F4-22F19EF0AE4E}" dt="2021-09-22T19:06:58.732" v="1" actId="1076"/>
-      <pc:docMkLst>
-        <pc:docMk/>
-      </pc:docMkLst>
-      <pc:sldChg chg="modSp">
-        <pc:chgData name="Akilah Johnson" userId="S::akjohnso@adobe.com::2fa3aa60-0c9c-4d06-bae2-795983241227" providerId="AD" clId="Web-{71D6CFBF-0EA2-99B0-93F4-22F19EF0AE4E}" dt="2021-09-22T19:06:58.732" v="1" actId="1076"/>
-        <pc:sldMkLst>
-          <pc:docMk/>
-          <pc:sldMk cId="1050037809" sldId="261"/>
-        </pc:sldMkLst>
-        <pc:spChg chg="mod">
-          <ac:chgData name="Akilah Johnson" userId="S::akjohnso@adobe.com::2fa3aa60-0c9c-4d06-bae2-795983241227" providerId="AD" clId="Web-{71D6CFBF-0EA2-99B0-93F4-22F19EF0AE4E}" dt="2021-09-22T19:06:58.732" v="1" actId="1076"/>
-          <ac:spMkLst>
-            <pc:docMk/>
-            <pc:sldMk cId="1050037809" sldId="261"/>
-            <ac:spMk id="64" creationId="{41467BDC-3D83-D844-B922-CD07E94E5AAB}"/>
-          </ac:spMkLst>
-        </pc:spChg>
-      </pc:sldChg>
-    </pc:docChg>
-  </pc:docChgLst>
-  <pc:docChgLst>
-    <pc:chgData name="Akilah Johnson" userId="S::akjohnso@adobe.com::2fa3aa60-0c9c-4d06-bae2-795983241227" providerId="AD" clId="Web-{D428A0AE-54E2-30D2-C574-7A0742876CCF}"/>
-    <pc:docChg chg="modSld">
-      <pc:chgData name="Akilah Johnson" userId="S::akjohnso@adobe.com::2fa3aa60-0c9c-4d06-bae2-795983241227" providerId="AD" clId="Web-{D428A0AE-54E2-30D2-C574-7A0742876CCF}" dt="2021-10-12T19:11:25.330" v="0" actId="20577"/>
-      <pc:docMkLst>
-        <pc:docMk/>
-      </pc:docMkLst>
-      <pc:sldChg chg="modSp">
-        <pc:chgData name="Akilah Johnson" userId="S::akjohnso@adobe.com::2fa3aa60-0c9c-4d06-bae2-795983241227" providerId="AD" clId="Web-{D428A0AE-54E2-30D2-C574-7A0742876CCF}" dt="2021-10-12T19:11:25.330" v="0" actId="20577"/>
-        <pc:sldMkLst>
-          <pc:docMk/>
-          <pc:sldMk cId="0" sldId="256"/>
-        </pc:sldMkLst>
-        <pc:spChg chg="mod">
-          <ac:chgData name="Akilah Johnson" userId="S::akjohnso@adobe.com::2fa3aa60-0c9c-4d06-bae2-795983241227" providerId="AD" clId="Web-{D428A0AE-54E2-30D2-C574-7A0742876CCF}" dt="2021-10-12T19:11:25.330" v="0" actId="20577"/>
-          <ac:spMkLst>
-            <pc:docMk/>
-            <pc:sldMk cId="0" sldId="256"/>
-            <ac:spMk id="4" creationId="{00000000-0000-0000-0000-000000000000}"/>
-          </ac:spMkLst>
-        </pc:spChg>
-      </pc:sldChg>
-    </pc:docChg>
-  </pc:docChgLst>
-  <pc:docChgLst>
-    <pc:chgData name="Lauren Schutte" userId="S::schutte@adobe.com::6e08b2d3-447a-4d66-86be-444d50df187f" providerId="AD" clId="Web-{AC30C20D-1316-8ECC-DADD-39CCEC6A7FCF}"/>
-    <pc:docChg chg="modSld">
-      <pc:chgData name="Lauren Schutte" userId="S::schutte@adobe.com::6e08b2d3-447a-4d66-86be-444d50df187f" providerId="AD" clId="Web-{AC30C20D-1316-8ECC-DADD-39CCEC6A7FCF}" dt="2021-10-13T19:03:35.035" v="8" actId="1076"/>
-      <pc:docMkLst>
-        <pc:docMk/>
-      </pc:docMkLst>
-      <pc:sldChg chg="modSp">
-        <pc:chgData name="Lauren Schutte" userId="S::schutte@adobe.com::6e08b2d3-447a-4d66-86be-444d50df187f" providerId="AD" clId="Web-{AC30C20D-1316-8ECC-DADD-39CCEC6A7FCF}" dt="2021-10-13T19:03:35.035" v="8" actId="1076"/>
-        <pc:sldMkLst>
-          <pc:docMk/>
-          <pc:sldMk cId="0" sldId="256"/>
-        </pc:sldMkLst>
-        <pc:spChg chg="mod">
-          <ac:chgData name="Lauren Schutte" userId="S::schutte@adobe.com::6e08b2d3-447a-4d66-86be-444d50df187f" providerId="AD" clId="Web-{AC30C20D-1316-8ECC-DADD-39CCEC6A7FCF}" dt="2021-10-13T19:03:27.878" v="7" actId="14100"/>
-          <ac:spMkLst>
-            <pc:docMk/>
-            <pc:sldMk cId="0" sldId="256"/>
-            <ac:spMk id="3" creationId="{00000000-0000-0000-0000-000000000000}"/>
-          </ac:spMkLst>
-        </pc:spChg>
-        <pc:spChg chg="mod">
-          <ac:chgData name="Lauren Schutte" userId="S::schutte@adobe.com::6e08b2d3-447a-4d66-86be-444d50df187f" providerId="AD" clId="Web-{AC30C20D-1316-8ECC-DADD-39CCEC6A7FCF}" dt="2021-10-13T19:03:35.035" v="8" actId="1076"/>
-          <ac:spMkLst>
-            <pc:docMk/>
-            <pc:sldMk cId="0" sldId="256"/>
-            <ac:spMk id="5" creationId="{00000000-0000-0000-0000-000000000000}"/>
-          </ac:spMkLst>
-        </pc:spChg>
-      </pc:sldChg>
-    </pc:docChg>
-  </pc:docChgLst>
-  <pc:docChgLst>
-    <pc:chgData name="Akilah Johnson" userId="S::akjohnso@adobe.com::2fa3aa60-0c9c-4d06-bae2-795983241227" providerId="AD" clId="Web-{AFB92C2B-405E-C597-0988-18F97C53104C}"/>
-    <pc:docChg chg="modSld">
-      <pc:chgData name="Akilah Johnson" userId="S::akjohnso@adobe.com::2fa3aa60-0c9c-4d06-bae2-795983241227" providerId="AD" clId="Web-{AFB92C2B-405E-C597-0988-18F97C53104C}" dt="2021-09-22T18:53:26.184" v="29"/>
-      <pc:docMkLst>
-        <pc:docMk/>
-      </pc:docMkLst>
-      <pc:sldChg chg="modSp">
-        <pc:chgData name="Akilah Johnson" userId="S::akjohnso@adobe.com::2fa3aa60-0c9c-4d06-bae2-795983241227" providerId="AD" clId="Web-{AFB92C2B-405E-C597-0988-18F97C53104C}" dt="2021-09-22T18:53:26.184" v="29"/>
-        <pc:sldMkLst>
-          <pc:docMk/>
-          <pc:sldMk cId="1050037809" sldId="261"/>
-        </pc:sldMkLst>
-        <pc:spChg chg="mod">
-          <ac:chgData name="Akilah Johnson" userId="S::akjohnso@adobe.com::2fa3aa60-0c9c-4d06-bae2-795983241227" providerId="AD" clId="Web-{AFB92C2B-405E-C597-0988-18F97C53104C}" dt="2021-09-22T18:53:05.841" v="5" actId="20577"/>
-          <ac:spMkLst>
-            <pc:docMk/>
-            <pc:sldMk cId="1050037809" sldId="261"/>
-            <ac:spMk id="64" creationId="{41467BDC-3D83-D844-B922-CD07E94E5AAB}"/>
-          </ac:spMkLst>
-        </pc:spChg>
-        <pc:graphicFrameChg chg="mod modGraphic">
-          <ac:chgData name="Akilah Johnson" userId="S::akjohnso@adobe.com::2fa3aa60-0c9c-4d06-bae2-795983241227" providerId="AD" clId="Web-{AFB92C2B-405E-C597-0988-18F97C53104C}" dt="2021-09-22T18:53:26.184" v="29"/>
-          <ac:graphicFrameMkLst>
-            <pc:docMk/>
-            <pc:sldMk cId="1050037809" sldId="261"/>
-            <ac:graphicFrameMk id="25" creationId="{3A91F5B0-3974-A14D-A146-FB590F2AAD18}"/>
-          </ac:graphicFrameMkLst>
-        </pc:graphicFrameChg>
-      </pc:sldChg>
-    </pc:docChg>
-  </pc:docChgLst>
-  <pc:docChgLst>
-    <pc:chgData name="Lauren Schutte" userId="6e08b2d3-447a-4d66-86be-444d50df187f" providerId="ADAL" clId="{61630BD6-9AE9-064C-B39F-AFA945B82B3E}"/>
-    <pc:docChg chg="undo custSel modSld">
-      <pc:chgData name="Lauren Schutte" userId="6e08b2d3-447a-4d66-86be-444d50df187f" providerId="ADAL" clId="{61630BD6-9AE9-064C-B39F-AFA945B82B3E}" dt="2021-10-13T19:21:08.267" v="201" actId="20577"/>
-      <pc:docMkLst>
-        <pc:docMk/>
-      </pc:docMkLst>
-      <pc:sldChg chg="modSp mod">
-        <pc:chgData name="Lauren Schutte" userId="6e08b2d3-447a-4d66-86be-444d50df187f" providerId="ADAL" clId="{61630BD6-9AE9-064C-B39F-AFA945B82B3E}" dt="2021-10-13T19:21:08.267" v="201" actId="20577"/>
-        <pc:sldMkLst>
-          <pc:docMk/>
-          <pc:sldMk cId="0" sldId="256"/>
-        </pc:sldMkLst>
-        <pc:spChg chg="mod">
-          <ac:chgData name="Lauren Schutte" userId="6e08b2d3-447a-4d66-86be-444d50df187f" providerId="ADAL" clId="{61630BD6-9AE9-064C-B39F-AFA945B82B3E}" dt="2021-10-13T19:03:44.344" v="3" actId="1076"/>
-          <ac:spMkLst>
-            <pc:docMk/>
-            <pc:sldMk cId="0" sldId="256"/>
-            <ac:spMk id="3" creationId="{00000000-0000-0000-0000-000000000000}"/>
-          </ac:spMkLst>
-        </pc:spChg>
-        <pc:graphicFrameChg chg="mod modGraphic">
-          <ac:chgData name="Lauren Schutte" userId="6e08b2d3-447a-4d66-86be-444d50df187f" providerId="ADAL" clId="{61630BD6-9AE9-064C-B39F-AFA945B82B3E}" dt="2021-10-13T19:21:08.267" v="201" actId="20577"/>
-          <ac:graphicFrameMkLst>
-            <pc:docMk/>
-            <pc:sldMk cId="0" sldId="256"/>
-            <ac:graphicFrameMk id="9" creationId="{00000000-0000-0000-0000-000000000000}"/>
-          </ac:graphicFrameMkLst>
-        </pc:graphicFrameChg>
-      </pc:sldChg>
-    </pc:docChg>
-  </pc:docChgLst>
-  <pc:docChgLst>
-    <pc:chgData name="Andy Witt" userId="S::awitt@adobe.com::e9157bdf-53b2-40e4-9459-936793d75696" providerId="AD" clId="Web-{CA5D33DF-AE75-BCA1-B9BC-A7CD44D2F3C7}"/>
-    <pc:docChg chg="modSld">
-      <pc:chgData name="Andy Witt" userId="S::awitt@adobe.com::e9157bdf-53b2-40e4-9459-936793d75696" providerId="AD" clId="Web-{CA5D33DF-AE75-BCA1-B9BC-A7CD44D2F3C7}" dt="2021-08-25T22:38:18.624" v="1" actId="1076"/>
-      <pc:docMkLst>
-        <pc:docMk/>
-      </pc:docMkLst>
-      <pc:sldChg chg="modSp">
-        <pc:chgData name="Andy Witt" userId="S::awitt@adobe.com::e9157bdf-53b2-40e4-9459-936793d75696" providerId="AD" clId="Web-{CA5D33DF-AE75-BCA1-B9BC-A7CD44D2F3C7}" dt="2021-08-25T22:38:18.624" v="1" actId="1076"/>
-        <pc:sldMkLst>
-          <pc:docMk/>
-          <pc:sldMk cId="1050037809" sldId="261"/>
-        </pc:sldMkLst>
-        <pc:spChg chg="mod">
-          <ac:chgData name="Andy Witt" userId="S::awitt@adobe.com::e9157bdf-53b2-40e4-9459-936793d75696" providerId="AD" clId="Web-{CA5D33DF-AE75-BCA1-B9BC-A7CD44D2F3C7}" dt="2021-08-25T22:38:18.624" v="1" actId="1076"/>
-          <ac:spMkLst>
-            <pc:docMk/>
-            <pc:sldMk cId="1050037809" sldId="261"/>
-            <ac:spMk id="50" creationId="{043050D0-21FC-0C42-8484-7FE7C0DB771F}"/>
-          </ac:spMkLst>
-        </pc:spChg>
-      </pc:sldChg>
-    </pc:docChg>
-  </pc:docChgLst>
-</pc:chgInfo>
 </file>
 
 <file path=ppt/notesMasters/notesMaster1.xml><?xml version="1.0" encoding="utf-8"?>
@@ -499,7 +216,7 @@
           <a:p>
             <a:fld id="{FB81873C-0B24-F04A-98A1-90E0A78F7E8A}" type="datetimeFigureOut">
               <a:rPr lang="en-US" smtClean="0"/>
-              <a:t>10/13/2021</a:t>
+              <a:t>10/11/21</a:t>
             </a:fld>
             <a:endParaRPr lang="en-US"/>
           </a:p>
@@ -664,11 +381,6 @@
         </p:txBody>
       </p:sp>
     </p:spTree>
-    <p:extLst>
-      <p:ext uri="{BB962C8B-B14F-4D97-AF65-F5344CB8AC3E}">
-        <p14:creationId xmlns:p14="http://schemas.microsoft.com/office/powerpoint/2010/main" val="4053790623"/>
-      </p:ext>
-    </p:extLst>
   </p:cSld>
   <p:clrMap bg1="lt1" tx1="dk1" bg2="lt2" tx2="dk2" accent1="accent1" accent2="accent2" accent3="accent3" accent4="accent4" accent5="accent5" accent6="accent6" hlink="hlink" folHlink="folHlink"/>
   <p:notesStyle>
@@ -810,7 +522,7 @@
           <a:bodyPr/>
           <a:lstStyle/>
           <a:p>
-            <a:endParaRPr lang="en-US"/>
+            <a:endParaRPr lang="en-US" dirty="0"/>
           </a:p>
         </p:txBody>
       </p:sp>
@@ -838,11 +550,6 @@
         </p:txBody>
       </p:sp>
     </p:spTree>
-    <p:extLst>
-      <p:ext uri="{BB962C8B-B14F-4D97-AF65-F5344CB8AC3E}">
-        <p14:creationId xmlns:p14="http://schemas.microsoft.com/office/powerpoint/2010/main" val="100507355"/>
-      </p:ext>
-    </p:extLst>
   </p:cSld>
   <p:clrMapOvr>
     <a:masterClrMapping/>
@@ -894,7 +601,7 @@
           <a:bodyPr/>
           <a:lstStyle/>
           <a:p>
-            <a:endParaRPr lang="en-US"/>
+            <a:endParaRPr lang="en-US" dirty="0"/>
           </a:p>
         </p:txBody>
       </p:sp>
@@ -922,11 +629,6 @@
         </p:txBody>
       </p:sp>
     </p:spTree>
-    <p:extLst>
-      <p:ext uri="{BB962C8B-B14F-4D97-AF65-F5344CB8AC3E}">
-        <p14:creationId xmlns:p14="http://schemas.microsoft.com/office/powerpoint/2010/main" val="4294358143"/>
-      </p:ext>
-    </p:extLst>
   </p:cSld>
   <p:clrMapOvr>
     <a:masterClrMapping/>
@@ -978,7 +680,7 @@
           <a:bodyPr/>
           <a:lstStyle/>
           <a:p>
-            <a:endParaRPr lang="en-US"/>
+            <a:endParaRPr lang="en-US" dirty="0"/>
           </a:p>
         </p:txBody>
       </p:sp>
@@ -1006,11 +708,6 @@
         </p:txBody>
       </p:sp>
     </p:spTree>
-    <p:extLst>
-      <p:ext uri="{BB962C8B-B14F-4D97-AF65-F5344CB8AC3E}">
-        <p14:creationId xmlns:p14="http://schemas.microsoft.com/office/powerpoint/2010/main" val="3435290369"/>
-      </p:ext>
-    </p:extLst>
   </p:cSld>
   <p:clrMapOvr>
     <a:masterClrMapping/>
@@ -1062,8 +759,8 @@
                 <a:solidFill>
                   <a:schemeClr val="bg1"/>
                 </a:solidFill>
-                <a:latin typeface="Arial"/>
-                <a:cs typeface="Arial"/>
+                <a:latin typeface="Arial" panose="020B0604020202020204"/>
+                <a:cs typeface="Arial" panose="020B0604020202020204"/>
               </a:defRPr>
             </a:lvl1pPr>
           </a:lstStyle>
@@ -1122,7 +819,7 @@
           <a:p>
             <a:fld id="{1D8BD707-D9CF-40AE-B4C6-C98DA3205C09}" type="datetimeFigureOut">
               <a:rPr lang="en-US"/>
-              <a:t>10/13/2021</a:t>
+              <a:t>10/11/21</a:t>
             </a:fld>
             <a:endParaRPr lang="en-US"/>
           </a:p>
@@ -1154,6 +851,7 @@
           </a:lstStyle>
           <a:p>
             <a:fld id="{B6F15528-21DE-4FAA-801E-634DDDAF4B2B}" type="slidenum">
+              <a:rPr/>
               <a:t>‹#›</a:t>
             </a:fld>
             <a:endParaRPr/>
@@ -1162,13 +860,7 @@
       </p:sp>
       <p:sp>
         <p:nvSpPr>
-          <p:cNvPr id="11" name="Holder 4">
-            <a:extLst>
-              <a:ext uri="{FF2B5EF4-FFF2-40B4-BE49-F238E27FC236}">
-                <a16:creationId xmlns:a16="http://schemas.microsoft.com/office/drawing/2014/main" id="{F336C0EC-C908-0A4C-AD0F-1418E778FC60}"/>
-              </a:ext>
-            </a:extLst>
-          </p:cNvPr>
+          <p:cNvPr id="11" name="Holder 4"/>
           <p:cNvSpPr>
             <a:spLocks noGrp="1"/>
           </p:cNvSpPr>
@@ -1210,23 +902,23 @@
               </a:spcBef>
             </a:pPr>
             <a:r>
-              <a:rPr spc="-5"/>
+              <a:rPr spc="-5" dirty="0"/>
               <a:t>©202</a:t>
             </a:r>
             <a:r>
-              <a:rPr lang="en-US" spc="-5"/>
+              <a:rPr lang="en-US" spc="-5" dirty="0"/>
               <a:t>1 </a:t>
             </a:r>
             <a:r>
-              <a:rPr spc="-5"/>
+              <a:rPr spc="-5" dirty="0"/>
               <a:t>Adobe. All Rights Reserved. Adobe</a:t>
             </a:r>
             <a:r>
-              <a:rPr spc="60"/>
+              <a:rPr spc="60" dirty="0"/>
               <a:t> </a:t>
             </a:r>
             <a:r>
-              <a:rPr spc="-5"/>
+              <a:rPr spc="-5" dirty="0"/>
               <a:t>Confidential.</a:t>
             </a:r>
           </a:p>
@@ -1234,13 +926,7 @@
       </p:sp>
       <p:pic>
         <p:nvPicPr>
-          <p:cNvPr id="12" name="Picture 11">
-            <a:extLst>
-              <a:ext uri="{FF2B5EF4-FFF2-40B4-BE49-F238E27FC236}">
-                <a16:creationId xmlns:a16="http://schemas.microsoft.com/office/drawing/2014/main" id="{4388883E-79D4-2047-8C5E-37999ED2475C}"/>
-              </a:ext>
-            </a:extLst>
-          </p:cNvPr>
+          <p:cNvPr id="12" name="Picture 11"/>
           <p:cNvPicPr>
             <a:picLocks noChangeAspect="1"/>
           </p:cNvPicPr>
@@ -1314,7 +1000,7 @@
           <a:p>
             <a:fld id="{1D8BD707-D9CF-40AE-B4C6-C98DA3205C09}" type="datetimeFigureOut">
               <a:rPr lang="en-US"/>
-              <a:t>10/13/2021</a:t>
+              <a:t>10/11/21</a:t>
             </a:fld>
             <a:endParaRPr lang="en-US"/>
           </a:p>
@@ -1346,6 +1032,7 @@
           </a:lstStyle>
           <a:p>
             <a:fld id="{B6F15528-21DE-4FAA-801E-634DDDAF4B2B}" type="slidenum">
+              <a:rPr/>
               <a:t>‹#›</a:t>
             </a:fld>
             <a:endParaRPr/>
@@ -1354,13 +1041,7 @@
       </p:sp>
       <p:sp>
         <p:nvSpPr>
-          <p:cNvPr id="7" name="Holder 4">
-            <a:extLst>
-              <a:ext uri="{FF2B5EF4-FFF2-40B4-BE49-F238E27FC236}">
-                <a16:creationId xmlns:a16="http://schemas.microsoft.com/office/drawing/2014/main" id="{004A8D36-CC65-B341-9E43-4A47F88C0D96}"/>
-              </a:ext>
-            </a:extLst>
-          </p:cNvPr>
+          <p:cNvPr id="7" name="Holder 4"/>
           <p:cNvSpPr>
             <a:spLocks noGrp="1"/>
           </p:cNvSpPr>
@@ -1402,23 +1083,23 @@
               </a:spcBef>
             </a:pPr>
             <a:r>
-              <a:rPr spc="-5"/>
+              <a:rPr spc="-5" dirty="0"/>
               <a:t>©202</a:t>
             </a:r>
             <a:r>
-              <a:rPr lang="en-US" spc="-5"/>
+              <a:rPr lang="en-US" spc="-5" dirty="0"/>
               <a:t>1</a:t>
             </a:r>
             <a:r>
-              <a:rPr spc="-5"/>
+              <a:rPr spc="-5" dirty="0"/>
               <a:t> Adobe. All Rights Reserved. Adobe</a:t>
             </a:r>
             <a:r>
-              <a:rPr spc="60"/>
+              <a:rPr spc="60" dirty="0"/>
               <a:t> </a:t>
             </a:r>
             <a:r>
-              <a:rPr spc="-5"/>
+              <a:rPr spc="-5" dirty="0"/>
               <a:t>Confidential.</a:t>
             </a:r>
           </a:p>
@@ -1486,8 +1167,8 @@
                 <a:solidFill>
                   <a:schemeClr val="bg1"/>
                 </a:solidFill>
-                <a:latin typeface="Arial"/>
-                <a:cs typeface="Arial"/>
+                <a:latin typeface="Arial" panose="020B0604020202020204"/>
+                <a:cs typeface="Arial" panose="020B0604020202020204"/>
               </a:defRPr>
             </a:lvl1pPr>
           </a:lstStyle>
@@ -1573,23 +1254,23 @@
               </a:spcBef>
             </a:pPr>
             <a:r>
-              <a:rPr spc="-5"/>
+              <a:rPr spc="-5" dirty="0"/>
               <a:t>©202</a:t>
             </a:r>
             <a:r>
-              <a:rPr lang="en-US" spc="-5"/>
+              <a:rPr lang="en-US" spc="-5" dirty="0"/>
               <a:t>1</a:t>
             </a:r>
             <a:r>
-              <a:rPr spc="-5"/>
+              <a:rPr spc="-5" dirty="0"/>
               <a:t> Adobe. All Rights Reserved. Adobe</a:t>
             </a:r>
             <a:r>
-              <a:rPr spc="60"/>
+              <a:rPr spc="60" dirty="0"/>
               <a:t> </a:t>
             </a:r>
             <a:r>
-              <a:rPr spc="-5"/>
+              <a:rPr spc="-5" dirty="0"/>
               <a:t>Confidential.</a:t>
             </a:r>
           </a:p>
@@ -1632,7 +1313,7 @@
           <a:p>
             <a:fld id="{1D8BD707-D9CF-40AE-B4C6-C98DA3205C09}" type="datetimeFigureOut">
               <a:rPr lang="en-US"/>
-              <a:t>10/13/2021</a:t>
+              <a:t>10/11/21</a:t>
             </a:fld>
             <a:endParaRPr lang="en-US"/>
           </a:p>
@@ -1674,6 +1355,7 @@
           </a:lstStyle>
           <a:p>
             <a:fld id="{B6F15528-21DE-4FAA-801E-634DDDAF4B2B}" type="slidenum">
+              <a:rPr/>
               <a:t>‹#›</a:t>
             </a:fld>
             <a:endParaRPr/>
@@ -1682,13 +1364,7 @@
       </p:sp>
       <p:pic>
         <p:nvPicPr>
-          <p:cNvPr id="9" name="Picture 8">
-            <a:extLst>
-              <a:ext uri="{FF2B5EF4-FFF2-40B4-BE49-F238E27FC236}">
-                <a16:creationId xmlns:a16="http://schemas.microsoft.com/office/drawing/2014/main" id="{40B595D3-F8FC-DA44-B170-015BD0590CFB}"/>
-              </a:ext>
-            </a:extLst>
-          </p:cNvPr>
+          <p:cNvPr id="9" name="Picture 8"/>
           <p:cNvPicPr>
             <a:picLocks noChangeAspect="1"/>
           </p:cNvPicPr>
@@ -1714,8 +1390,8 @@
   </p:cSld>
   <p:clrMap bg1="lt1" tx1="dk1" bg2="lt2" tx2="dk2" accent1="accent1" accent2="accent2" accent3="accent3" accent4="accent4" accent5="accent5" accent6="accent6" hlink="hlink" folHlink="folHlink"/>
   <p:sldLayoutIdLst>
-    <p:sldLayoutId id="2147483662" r:id="rId1"/>
-    <p:sldLayoutId id="2147483665" r:id="rId2"/>
+    <p:sldLayoutId id="2147483649" r:id="rId1"/>
+    <p:sldLayoutId id="2147483650" r:id="rId2"/>
   </p:sldLayoutIdLst>
   <p:txStyles>
     <p:titleStyle>
@@ -1886,8 +1562,8 @@
         </p:nvSpPr>
         <p:spPr>
           <a:xfrm>
-            <a:off x="168565" y="7162363"/>
-            <a:ext cx="2800350" cy="238760"/>
+            <a:off x="168564" y="7162363"/>
+            <a:ext cx="3870035" cy="229037"/>
           </a:xfrm>
           <a:prstGeom prst="rect">
             <a:avLst/>
@@ -1908,7 +1584,7 @@
               </a:spcBef>
             </a:pPr>
             <a:r>
-              <a:rPr sz="1400" b="1" u="heavy" spc="10">
+              <a:rPr lang="en-US" sz="1400" b="1" u="heavy" spc="10" dirty="0">
                 <a:solidFill>
                   <a:srgbClr val="020302"/>
                 </a:solidFill>
@@ -1920,10 +1596,10 @@
                 <a:latin typeface="Adobe Clean"/>
                 <a:cs typeface="Adobe Clean"/>
               </a:rPr>
-              <a:t>Service </a:t>
-            </a:r>
-            <a:r>
-              <a:rPr sz="1400" b="1" u="heavy" spc="-10">
+              <a:t>服务</a:t>
+            </a:r>
+            <a:r>
+              <a:rPr lang="en-US" sz="1400" b="1" u="heavy" spc="-10" dirty="0">
                 <a:solidFill>
                   <a:srgbClr val="020302"/>
                 </a:solidFill>
@@ -1935,10 +1611,10 @@
                 <a:latin typeface="Adobe Clean"/>
                 <a:cs typeface="Adobe Clean"/>
               </a:rPr>
-              <a:t>Level </a:t>
-            </a:r>
-            <a:r>
-              <a:rPr sz="1400" b="1" u="heavy" spc="-45">
+              <a:t>水平</a:t>
+            </a:r>
+            <a:r>
+              <a:rPr lang="en-US" sz="1400" b="1" u="heavy" spc="-45" dirty="0">
                 <a:solidFill>
                   <a:srgbClr val="020302"/>
                 </a:solidFill>
@@ -1950,10 +1626,10 @@
                 <a:latin typeface="Adobe Clean"/>
                 <a:cs typeface="Adobe Clean"/>
               </a:rPr>
-              <a:t>Targets: </a:t>
-            </a:r>
-            <a:r>
-              <a:rPr sz="1400" b="1" u="heavy" spc="-10">
+              <a:t>目标：</a:t>
+            </a:r>
+            <a:r>
+              <a:rPr lang="en-US" sz="1400" b="1" u="heavy" spc="-10" dirty="0">
                 <a:solidFill>
                   <a:srgbClr val="020302"/>
                 </a:solidFill>
@@ -1965,10 +1641,10 @@
                 <a:latin typeface="Adobe Clean"/>
                 <a:cs typeface="Adobe Clean"/>
               </a:rPr>
-              <a:t>Initial</a:t>
-            </a:r>
-            <a:r>
-              <a:rPr sz="1400" b="1" u="heavy" spc="-140">
+              <a:t>初始</a:t>
+            </a:r>
+            <a:r>
+              <a:rPr lang="en-US" sz="1400" b="1" u="heavy" spc="-15" dirty="0">
                 <a:solidFill>
                   <a:srgbClr val="020302"/>
                 </a:solidFill>
@@ -1980,24 +1656,9 @@
                 <a:latin typeface="Adobe Clean"/>
                 <a:cs typeface="Adobe Clean"/>
               </a:rPr>
-              <a:t> </a:t>
-            </a:r>
-            <a:r>
-              <a:rPr sz="1400" b="1" u="heavy" spc="-15">
-                <a:solidFill>
-                  <a:srgbClr val="020302"/>
-                </a:solidFill>
-                <a:uFill>
-                  <a:solidFill>
-                    <a:srgbClr val="020302"/>
-                  </a:solidFill>
-                </a:uFill>
-                <a:latin typeface="Adobe Clean"/>
-                <a:cs typeface="Adobe Clean"/>
-              </a:rPr>
-              <a:t>Response</a:t>
-            </a:r>
-            <a:endParaRPr sz="1400">
+              <a:t>响应</a:t>
+            </a:r>
+            <a:endParaRPr sz="1400" dirty="0">
               <a:latin typeface="Adobe Clean"/>
               <a:cs typeface="Adobe Clean"/>
             </a:endParaRPr>
@@ -2019,7 +1680,7 @@
             <a:avLst/>
           </a:prstGeom>
           <a:blipFill>
-            <a:blip r:embed="rId3" cstate="print"/>
+            <a:blip r:embed="rId5" cstate="print"/>
             <a:stretch>
               <a:fillRect/>
             </a:stretch>
@@ -2045,15 +1706,15 @@
         </p:nvSpPr>
         <p:spPr>
           <a:xfrm>
-            <a:off x="439022" y="54646"/>
-            <a:ext cx="5229466" cy="366767"/>
+            <a:off x="438785" y="52705"/>
+            <a:ext cx="5278120" cy="366395"/>
           </a:xfrm>
           <a:prstGeom prst="rect">
             <a:avLst/>
           </a:prstGeom>
         </p:spPr>
         <p:txBody>
-          <a:bodyPr vert="horz" wrap="square" lIns="0" tIns="12700" rIns="0" bIns="0" rtlCol="0" anchor="t">
+          <a:bodyPr vert="horz" wrap="square" lIns="0" tIns="12700" rIns="0" bIns="0" rtlCol="0">
             <a:spAutoFit/>
           </a:bodyPr>
           <a:lstStyle/>
@@ -2067,18 +1728,12 @@
               </a:spcBef>
             </a:pPr>
             <a:r>
-              <a:rPr sz="2300">
-                <a:latin typeface="Adobe Clean"/>
+              <a:rPr lang="en-US" sz="2300" dirty="0">
+                <a:latin typeface="Adobe Clean" panose="020B0503020404020204" pitchFamily="34" charset="0"/>
               </a:rPr>
-              <a:t>ADOBE </a:t>
-            </a:r>
-            <a:r>
-              <a:rPr lang="en-US" sz="2300">
-                <a:latin typeface="Adobe Clean"/>
-              </a:rPr>
-              <a:t>SUPPORT PLANS</a:t>
-            </a:r>
-            <a:endParaRPr sz="2300">
+              <a:t>Adobe 支持产品/服务</a:t>
+            </a:r>
+            <a:endParaRPr sz="2300" dirty="0">
               <a:latin typeface="Adobe Clean" panose="020B0503020404020204" pitchFamily="34" charset="0"/>
             </a:endParaRPr>
           </a:p>
@@ -2092,7 +1747,7 @@
         </p:nvSpPr>
         <p:spPr>
           <a:xfrm>
-            <a:off x="121147" y="531160"/>
+            <a:off x="121147" y="635935"/>
             <a:ext cx="5865216" cy="1269065"/>
           </a:xfrm>
           <a:prstGeom prst="rect">
@@ -2114,31 +1769,31 @@
               </a:spcBef>
             </a:pPr>
             <a:r>
-              <a:rPr lang="en-US" sz="900">
+              <a:rPr lang="en-US" sz="900" dirty="0">
                 <a:solidFill>
                   <a:schemeClr val="bg1"/>
                 </a:solidFill>
                 <a:latin typeface="Adobe Clean Light" panose="020B0303020404020204" pitchFamily="34" charset="0"/>
               </a:rPr>
-              <a:t>Online | </a:t>
-            </a:r>
-            <a:r>
-              <a:rPr lang="en-US" sz="900" b="1">
+              <a:t>在线 | </a:t>
+            </a:r>
+            <a:r>
+              <a:rPr lang="en-US" sz="900" b="1" dirty="0">
                 <a:solidFill>
                   <a:schemeClr val="bg1"/>
                 </a:solidFill>
                 <a:latin typeface="Adobe Clean" panose="020B0503020404020204" pitchFamily="34" charset="0"/>
               </a:rPr>
-              <a:t>Business</a:t>
-            </a:r>
-            <a:r>
-              <a:rPr lang="en-US" sz="900">
+              <a:t>商业</a:t>
+            </a:r>
+            <a:r>
+              <a:rPr lang="en-US" sz="900" dirty="0">
                 <a:solidFill>
                   <a:schemeClr val="bg1"/>
                 </a:solidFill>
                 <a:latin typeface="Adobe Clean Light" panose="020B0303020404020204" pitchFamily="34" charset="0"/>
               </a:rPr>
-              <a:t> | Enterprise | Elite</a:t>
+              <a:t> | 企业 | 高级</a:t>
             </a:r>
           </a:p>
           <a:p>
@@ -2151,15 +1806,15 @@
               </a:spcBef>
             </a:pPr>
             <a:r>
-              <a:rPr lang="en-US" sz="900">
+              <a:rPr lang="en-US" sz="900" dirty="0">
                 <a:solidFill>
                   <a:schemeClr val="bg1"/>
                 </a:solidFill>
                 <a:latin typeface="Adobe Clean SemiLight" panose="020B0403020404020204" pitchFamily="34" charset="0"/>
               </a:rPr>
-              <a:t>Adobe provides a comprehensive range of technical resources to help support your business, included as part of your Experience Cloud license subscription and enhanced in the BUSINESS support package. BUSINESS support includes access to personalized learning paths and monitored community forums via the Adobe Experience League. You can also take advantage of our detailed and in-depth technical product documentation and current release notes. BUSINESS customers also benefit from access to our technical support teams for any product query via either the telephone or the support web portal, to help protect your business at the most critical times. BUSINESS customers will receive regular communications and updates from their Account Support Lead in addition to support case escalation management for your most critical of support requests. </a:t>
-            </a:r>
-            <a:endParaRPr lang="en-US" sz="900">
+              <a:t>Adobe 提供了全面的技术资源来帮助支持您的业务，这些资源包含在您的 Experience Cloud 许可订阅中，并在商业支持包中得到了增强。商业支持包括通过 Adobe Experience League 访问个性化的学习路径和受监控的社区论坛。此外，您可以使用我们详细而深入的技术产品文档和最新发行说明。商业客户还可以通过电话或支持门户网站联系我们的技术支持团队以进行任何产品查询，以便在最关键的时刻帮助保护您的业务。除了针对支持请求的最关键部分的支持案例上报管理之外，商业客户还会收到来自其帐户支持主管的定期通信和更新。</a:t>
+            </a:r>
+            <a:endParaRPr lang="en-US" sz="900" dirty="0">
               <a:solidFill>
                 <a:schemeClr val="bg1"/>
               </a:solidFill>
@@ -2184,7 +1839,7 @@
             <a:avLst/>
           </a:prstGeom>
           <a:blipFill>
-            <a:blip r:embed="rId4" cstate="print"/>
+            <a:blip r:embed="rId6" cstate="print"/>
             <a:stretch>
               <a:fillRect/>
             </a:stretch>
@@ -2232,23 +1887,15 @@
               </a:spcBef>
             </a:pPr>
             <a:r>
-              <a:rPr spc="-5"/>
-              <a:t>©202</a:t>
-            </a:r>
-            <a:r>
-              <a:rPr lang="en-US" spc="-5"/>
-              <a:t>1</a:t>
-            </a:r>
-            <a:r>
-              <a:rPr spc="-5"/>
-              <a:t> Adobe. All Rights Reserved. Adobe</a:t>
-            </a:r>
-            <a:r>
-              <a:rPr spc="60"/>
+              <a:rPr lang="en-US" spc="-5" dirty="0"/>
+              <a:t>©2021 Adobe.All Rights Reserved.Adobe</a:t>
+            </a:r>
+            <a:r>
+              <a:rPr lang="en-US" spc="60" dirty="0"/>
               <a:t> </a:t>
             </a:r>
             <a:r>
-              <a:rPr spc="-5"/>
+              <a:rPr lang="en-US" spc="-5" dirty="0"/>
               <a:t>Confidential.</a:t>
             </a:r>
           </a:p>
@@ -2261,16 +1908,19 @@
             <a:graphicFrameLocks noGrp="1"/>
           </p:cNvGraphicFramePr>
           <p:nvPr>
+            <p:custDataLst>
+              <p:tags r:id="rId1"/>
+            </p:custDataLst>
             <p:extLst>
               <p:ext uri="{D42A27DB-BD31-4B8C-83A1-F6EECF244321}">
-                <p14:modId xmlns:p14="http://schemas.microsoft.com/office/powerpoint/2010/main" val="852543156"/>
+                <p14:modId xmlns:p14="http://schemas.microsoft.com/office/powerpoint/2010/main" val="127036200"/>
               </p:ext>
             </p:extLst>
           </p:nvPr>
         </p:nvGraphicFramePr>
         <p:xfrm>
-          <a:off x="118872" y="7475985"/>
-          <a:ext cx="7498851" cy="2223598"/>
+          <a:off x="121146" y="7475985"/>
+          <a:ext cx="7498852" cy="2119744"/>
         </p:xfrm>
         <a:graphic>
           <a:graphicData uri="http://schemas.openxmlformats.org/drawingml/2006/table">
@@ -2279,7 +1929,7 @@
                 <a:tableStyleId>{2D5ABB26-0587-4C30-8999-92F81FD0307C}</a:tableStyleId>
               </a:tblPr>
               <a:tblGrid>
-                <a:gridCol w="4698744">
+                <a:gridCol w="4698745">
                   <a:extLst>
                     <a:ext uri="{9D8B030D-6E8A-4147-A177-3AD203B41FA5}">
                       <a16:colId xmlns:a16="http://schemas.microsoft.com/office/drawing/2014/main" val="20000"/>
@@ -2301,7 +1951,7 @@
                   </a:extLst>
                 </a:gridCol>
               </a:tblGrid>
-              <a:tr h="291248">
+              <a:tr h="274318">
                 <a:tc>
                   <a:txBody>
                     <a:bodyPr/>
@@ -2316,22 +1966,22 @@
                         </a:spcBef>
                       </a:pPr>
                       <a:r>
-                        <a:rPr sz="900" spc="0">
+                        <a:rPr lang="en-US" sz="900" spc="0" dirty="0">
                           <a:solidFill>
                             <a:srgbClr val="020302"/>
                           </a:solidFill>
                           <a:latin typeface="Adobe Clean"/>
                           <a:cs typeface="Adobe Clean"/>
                         </a:rPr>
-                        <a:t>Priority</a:t>
+                        <a:t>优先级</a:t>
                       </a:r>
-                      <a:endParaRPr sz="900" spc="0">
+                      <a:endParaRPr sz="900" spc="0" dirty="0">
                         <a:latin typeface="Adobe Clean"/>
                         <a:cs typeface="Adobe Clean"/>
                       </a:endParaRPr>
                     </a:p>
                   </a:txBody>
-                  <a:tcPr marL="0" marR="0" marT="7620" marB="0">
+                  <a:tcPr marL="0" marR="0" marT="7620" marB="0" anchor="ctr">
                     <a:lnL w="3175">
                       <a:solidFill>
                         <a:srgbClr val="B7B8B8"/>
@@ -2375,22 +2025,22 @@
                         </a:spcBef>
                       </a:pPr>
                       <a:r>
-                        <a:rPr sz="900" spc="0">
+                        <a:rPr lang="en-US" sz="900" spc="0" dirty="0">
                           <a:solidFill>
                             <a:srgbClr val="020302"/>
                           </a:solidFill>
                           <a:latin typeface="Adobe Clean"/>
                           <a:cs typeface="Adobe Clean"/>
                         </a:rPr>
-                        <a:t>Online Support</a:t>
+                        <a:t>在线支持</a:t>
                       </a:r>
-                      <a:endParaRPr sz="900" spc="0">
+                      <a:endParaRPr sz="900" spc="0" dirty="0">
                         <a:latin typeface="Adobe Clean"/>
                         <a:cs typeface="Adobe Clean"/>
                       </a:endParaRPr>
                     </a:p>
                   </a:txBody>
-                  <a:tcPr marL="182880" marT="91440" anchor="ctr">
+                  <a:tcPr anchor="ctr">
                     <a:lnL w="3175">
                       <a:solidFill>
                         <a:srgbClr val="B7B8B8"/>
@@ -2425,7 +2075,7 @@
                     <a:bodyPr/>
                     <a:lstStyle/>
                     <a:p>
-                      <a:pPr marL="92710">
+                      <a:pPr marL="92710" algn="ctr">
                         <a:lnSpc>
                           <a:spcPct val="100000"/>
                         </a:lnSpc>
@@ -2434,42 +2084,22 @@
                         </a:spcBef>
                       </a:pPr>
                       <a:r>
-                        <a:rPr sz="900" spc="0">
+                        <a:rPr lang="en-US" sz="900" spc="0" dirty="0">
                           <a:solidFill>
                             <a:srgbClr val="FFFFFF"/>
                           </a:solidFill>
                           <a:latin typeface="Adobe Clean"/>
                           <a:cs typeface="Adobe Clean"/>
                         </a:rPr>
-                        <a:t>Business</a:t>
+                        <a:t>商业支持</a:t>
                       </a:r>
-                      <a:r>
-                        <a:rPr lang="en-US" sz="900" spc="0">
-                          <a:solidFill>
-                            <a:srgbClr val="FFFFFF"/>
-                          </a:solidFill>
-                          <a:latin typeface="Adobe Clean"/>
-                          <a:cs typeface="Adobe Clean"/>
-                        </a:rPr>
-                        <a:t> </a:t>
-                      </a:r>
-                      <a:r>
-                        <a:rPr sz="900" spc="0">
-                          <a:solidFill>
-                            <a:srgbClr val="FFFFFF"/>
-                          </a:solidFill>
-                          <a:latin typeface="Adobe Clean"/>
-                          <a:cs typeface="Adobe Clean"/>
-                        </a:rPr>
-                        <a:t>Support</a:t>
-                      </a:r>
-                      <a:endParaRPr sz="900" spc="0">
+                      <a:endParaRPr sz="900" spc="0" dirty="0">
                         <a:latin typeface="Adobe Clean"/>
                         <a:cs typeface="Adobe Clean"/>
                       </a:endParaRPr>
                     </a:p>
                   </a:txBody>
-                  <a:tcPr marL="182880" marT="91440" anchor="ctr">
+                  <a:tcPr anchor="ctr">
                     <a:lnL w="3175">
                       <a:solidFill>
                         <a:srgbClr val="B7B8B8"/>
@@ -2505,7 +2135,7 @@
                   </a:ext>
                 </a:extLst>
               </a:tr>
-              <a:tr h="514672">
+              <a:tr h="484755">
                 <a:tc>
                   <a:txBody>
                     <a:bodyPr/>
@@ -2520,16 +2150,16 @@
                         </a:spcBef>
                       </a:pPr>
                       <a:r>
-                        <a:rPr sz="900" b="1" spc="0">
+                        <a:rPr lang="en-US" sz="900" b="1" spc="0" dirty="0">
                           <a:solidFill>
                             <a:srgbClr val="020302"/>
                           </a:solidFill>
                           <a:latin typeface="Adobe Clean"/>
                           <a:cs typeface="Adobe Clean"/>
                         </a:rPr>
-                        <a:t>PRIORITY 1</a:t>
+                        <a:t>优先级 1</a:t>
                       </a:r>
-                      <a:endParaRPr sz="900" spc="0">
+                      <a:endParaRPr sz="900" spc="0" dirty="0">
                         <a:latin typeface="Adobe Clean"/>
                         <a:cs typeface="Adobe Clean"/>
                       </a:endParaRPr>
@@ -2549,20 +2179,33 @@
                         <a:buSzTx/>
                         <a:buFontTx/>
                         <a:buNone/>
-                        <a:tabLst/>
                         <a:defRPr/>
                       </a:pPr>
                       <a:r>
-                        <a:rPr lang="en-US" sz="900" b="0" i="0" spc="0">
+                        <a:rPr lang="en-US" sz="900" b="0" i="0" spc="0" dirty="0">
                           <a:solidFill>
                             <a:srgbClr val="000000"/>
                           </a:solidFill>
                           <a:effectLst/>
                           <a:latin typeface="Adobe Clean Light" panose="020B0303020404020204" pitchFamily="34" charset="0"/>
                         </a:rPr>
-                        <a:t>Customer's production business functions are down or have significant data loss or service degradation and immediate attention is required to restore functionality and usability</a:t>
+                        <a:t>客户的生产业务功能中断或发生重大数据丢失或服务降级，需要立即关注以恢复功能和可用性</a:t>
                       </a:r>
-                      <a:endParaRPr lang="en-US" sz="900" b="0" i="0" spc="0">
+                      <a:r>
+                        <a:rPr lang="zh-CN" sz="900" b="0" i="0" spc="0" dirty="0">
+                          <a:solidFill>
+                            <a:srgbClr val="000000"/>
+                          </a:solidFill>
+                          <a:effectLst/>
+                          <a:latin typeface="Adobe Clean Light" panose="020B0303020404020204" pitchFamily="34" charset="0"/>
+                        </a:rPr>
+                        <a:t>。</a:t>
+                      </a:r>
+                      <a:endParaRPr lang="zh-CN" sz="900" b="0" i="0" spc="0" dirty="0">
+                        <a:solidFill>
+                          <a:srgbClr val="000000"/>
+                        </a:solidFill>
+                        <a:effectLst/>
                         <a:latin typeface="Adobe Clean Light" panose="020B0303020404020204" pitchFamily="34" charset="0"/>
                         <a:cs typeface="AdobeClean-Light"/>
                       </a:endParaRPr>
@@ -2609,62 +2252,22 @@
                         </a:spcBef>
                       </a:pPr>
                       <a:r>
-                        <a:rPr sz="900" spc="0">
+                        <a:rPr lang="en-US" sz="900" spc="0" dirty="0">
                           <a:solidFill>
                             <a:srgbClr val="020302"/>
                           </a:solidFill>
                           <a:latin typeface="AdobeClean-Light"/>
                           <a:cs typeface="AdobeClean-Light"/>
                         </a:rPr>
-                        <a:t>24x7</a:t>
+                        <a:t>全天候/1 小时</a:t>
                       </a:r>
-                      <a:r>
-                        <a:rPr lang="en-US" sz="900" spc="0">
-                          <a:solidFill>
-                            <a:srgbClr val="020302"/>
-                          </a:solidFill>
-                          <a:latin typeface="AdobeClean-Light"/>
-                          <a:cs typeface="AdobeClean-Light"/>
-                        </a:rPr>
-                        <a:t> </a:t>
-                      </a:r>
-                      <a:r>
-                        <a:rPr sz="900" spc="0">
-                          <a:solidFill>
-                            <a:srgbClr val="020302"/>
-                          </a:solidFill>
-                          <a:latin typeface="AdobeClean-Light"/>
-                          <a:cs typeface="AdobeClean-Light"/>
-                        </a:rPr>
-                        <a:t>/</a:t>
-                      </a:r>
-                      <a:r>
-                        <a:rPr lang="en-US" sz="900" spc="0">
-                          <a:solidFill>
-                            <a:srgbClr val="020302"/>
-                          </a:solidFill>
-                          <a:latin typeface="AdobeClean-Light"/>
-                          <a:cs typeface="AdobeClean-Light"/>
-                        </a:rPr>
-                        <a:t> </a:t>
-                      </a:r>
-                      <a:r>
-                        <a:rPr sz="900" spc="0">
-                          <a:solidFill>
-                            <a:srgbClr val="020302"/>
-                          </a:solidFill>
-                          <a:latin typeface="AdobeClean-Light"/>
-                          <a:cs typeface="AdobeClean-Light"/>
-                        </a:rPr>
-                        <a:t>1 hour</a:t>
-                      </a:r>
-                      <a:endParaRPr sz="900" spc="0">
+                      <a:endParaRPr sz="900" spc="0" dirty="0">
                         <a:latin typeface="AdobeClean-Light"/>
                         <a:cs typeface="AdobeClean-Light"/>
                       </a:endParaRPr>
                     </a:p>
                   </a:txBody>
-                  <a:tcPr marL="0" marR="0" marT="91440" marB="91440" anchor="ctr" anchorCtr="1">
+                  <a:tcPr anchor="ctr">
                     <a:lnL w="3175">
                       <a:solidFill>
                         <a:srgbClr val="B7B8B8"/>
@@ -2705,62 +2308,22 @@
                         </a:spcBef>
                       </a:pPr>
                       <a:r>
-                        <a:rPr sz="900" spc="0">
+                        <a:rPr lang="en-US" sz="900" spc="0" dirty="0">
                           <a:solidFill>
                             <a:srgbClr val="020302"/>
                           </a:solidFill>
                           <a:latin typeface="AdobeClean-Light"/>
                           <a:cs typeface="AdobeClean-Light"/>
                         </a:rPr>
-                        <a:t>24x7</a:t>
+                        <a:t>全天候/1 小时</a:t>
                       </a:r>
-                      <a:r>
-                        <a:rPr lang="en-US" sz="900" spc="0">
-                          <a:solidFill>
-                            <a:srgbClr val="020302"/>
-                          </a:solidFill>
-                          <a:latin typeface="AdobeClean-Light"/>
-                          <a:cs typeface="AdobeClean-Light"/>
-                        </a:rPr>
-                        <a:t> </a:t>
-                      </a:r>
-                      <a:r>
-                        <a:rPr sz="900" spc="0">
-                          <a:solidFill>
-                            <a:srgbClr val="020302"/>
-                          </a:solidFill>
-                          <a:latin typeface="AdobeClean-Light"/>
-                          <a:cs typeface="AdobeClean-Light"/>
-                        </a:rPr>
-                        <a:t>/</a:t>
-                      </a:r>
-                      <a:r>
-                        <a:rPr lang="en-US" sz="900" spc="0">
-                          <a:solidFill>
-                            <a:srgbClr val="020302"/>
-                          </a:solidFill>
-                          <a:latin typeface="AdobeClean-Light"/>
-                          <a:cs typeface="AdobeClean-Light"/>
-                        </a:rPr>
-                        <a:t> </a:t>
-                      </a:r>
-                      <a:r>
-                        <a:rPr sz="900" spc="0">
-                          <a:solidFill>
-                            <a:srgbClr val="020302"/>
-                          </a:solidFill>
-                          <a:latin typeface="AdobeClean-Light"/>
-                          <a:cs typeface="AdobeClean-Light"/>
-                        </a:rPr>
-                        <a:t>1 hour</a:t>
-                      </a:r>
-                      <a:endParaRPr sz="900" spc="0">
+                      <a:endParaRPr sz="900" spc="0" dirty="0">
                         <a:latin typeface="AdobeClean-Light"/>
                         <a:cs typeface="AdobeClean-Light"/>
                       </a:endParaRPr>
                     </a:p>
                   </a:txBody>
-                  <a:tcPr marL="0" marR="0" marT="91440" marB="91440" anchor="ctr" anchorCtr="1">
+                  <a:tcPr anchor="ctr">
                     <a:lnL w="3175">
                       <a:solidFill>
                         <a:srgbClr val="B7B8B8"/>
@@ -2798,7 +2361,7 @@
                   </a:ext>
                 </a:extLst>
               </a:tr>
-              <a:tr h="514672">
+              <a:tr h="484755">
                 <a:tc>
                   <a:txBody>
                     <a:bodyPr/>
@@ -2813,16 +2376,16 @@
                         </a:spcBef>
                       </a:pPr>
                       <a:r>
-                        <a:rPr sz="900" b="1" spc="0">
+                        <a:rPr lang="en-US" sz="900" b="1" spc="0" dirty="0">
                           <a:solidFill>
                             <a:srgbClr val="020302"/>
                           </a:solidFill>
                           <a:latin typeface="Adobe Clean"/>
                           <a:cs typeface="Adobe Clean"/>
                         </a:rPr>
-                        <a:t>PRIORITY 2</a:t>
+                        <a:t>优先级 2</a:t>
                       </a:r>
-                      <a:endParaRPr sz="900" spc="0">
+                      <a:endParaRPr sz="900" spc="0" dirty="0">
                         <a:latin typeface="Adobe Clean"/>
                         <a:cs typeface="Adobe Clean"/>
                       </a:endParaRPr>
@@ -2837,16 +2400,30 @@
                         </a:spcBef>
                       </a:pPr>
                       <a:r>
-                        <a:rPr lang="en-US" sz="900" b="0" i="0" spc="0">
+                        <a:rPr lang="en-US" sz="900" b="0" i="0" spc="0" dirty="0">
                           <a:solidFill>
                             <a:srgbClr val="000000"/>
                           </a:solidFill>
                           <a:effectLst/>
                           <a:latin typeface="Adobe Clean Light" panose="020B0303020404020204" pitchFamily="34" charset="0"/>
                         </a:rPr>
-                        <a:t>Customer's business functions have major service degradation or potential data loss, or a major feature is impacted </a:t>
+                        <a:t>客户的业务功能发生重大服务降级或潜在数据丢失，或主要功能受到影响</a:t>
                       </a:r>
-                      <a:endParaRPr lang="en-US" sz="900" b="0" i="0" spc="0">
+                      <a:r>
+                        <a:rPr lang="zh-CN" altLang="en-US" sz="900" b="0" i="0" spc="0" dirty="0">
+                          <a:solidFill>
+                            <a:srgbClr val="000000"/>
+                          </a:solidFill>
+                          <a:effectLst/>
+                          <a:latin typeface="Adobe Clean Light" panose="020B0303020404020204" pitchFamily="34" charset="0"/>
+                        </a:rPr>
+                        <a:t>。</a:t>
+                      </a:r>
+                      <a:endParaRPr lang="zh-CN" altLang="en-US" sz="900" b="0" i="0" spc="0" dirty="0">
+                        <a:solidFill>
+                          <a:srgbClr val="000000"/>
+                        </a:solidFill>
+                        <a:effectLst/>
                         <a:latin typeface="Adobe Clean Light" panose="020B0303020404020204" pitchFamily="34" charset="0"/>
                         <a:cs typeface="AdobeClean-Light"/>
                       </a:endParaRPr>
@@ -2893,82 +2470,22 @@
                         </a:spcBef>
                       </a:pPr>
                       <a:r>
-                        <a:rPr sz="900" spc="0">
+                        <a:rPr lang="en-US" sz="900" spc="0" dirty="0">
                           <a:solidFill>
                             <a:srgbClr val="020302"/>
                           </a:solidFill>
                           <a:latin typeface="AdobeClean-Light"/>
                           <a:cs typeface="AdobeClean-Light"/>
                         </a:rPr>
-                        <a:t>Business</a:t>
+                        <a:t>营业时间/4 小时</a:t>
                       </a:r>
-                      <a:r>
-                        <a:rPr lang="en-US" sz="900" spc="0">
-                          <a:solidFill>
-                            <a:srgbClr val="020302"/>
-                          </a:solidFill>
-                          <a:latin typeface="AdobeClean-Light"/>
-                          <a:cs typeface="AdobeClean-Light"/>
-                        </a:rPr>
-                        <a:t> </a:t>
-                      </a:r>
-                      <a:r>
-                        <a:rPr sz="900" spc="0">
-                          <a:solidFill>
-                            <a:srgbClr val="020302"/>
-                          </a:solidFill>
-                          <a:latin typeface="AdobeClean-Light"/>
-                          <a:cs typeface="AdobeClean-Light"/>
-                        </a:rPr>
-                        <a:t>hours</a:t>
-                      </a:r>
-                      <a:r>
-                        <a:rPr lang="en-US" sz="900" spc="0">
-                          <a:solidFill>
-                            <a:srgbClr val="020302"/>
-                          </a:solidFill>
-                          <a:latin typeface="AdobeClean-Light"/>
-                          <a:cs typeface="AdobeClean-Light"/>
-                        </a:rPr>
-                        <a:t> </a:t>
-                      </a:r>
-                      <a:r>
-                        <a:rPr sz="900" spc="0">
-                          <a:solidFill>
-                            <a:srgbClr val="020302"/>
-                          </a:solidFill>
-                          <a:latin typeface="AdobeClean-Light"/>
-                          <a:cs typeface="AdobeClean-Light"/>
-                        </a:rPr>
-                        <a:t>/</a:t>
-                      </a:r>
-                      <a:r>
-                        <a:rPr lang="en-US" sz="900" spc="0">
-                          <a:solidFill>
-                            <a:srgbClr val="020302"/>
-                          </a:solidFill>
-                          <a:latin typeface="AdobeClean-Light"/>
-                          <a:cs typeface="AdobeClean-Light"/>
-                        </a:rPr>
-                        <a:t> </a:t>
-                      </a:r>
-                      <a:r>
-                        <a:rPr sz="900" spc="0">
-                          <a:solidFill>
-                            <a:srgbClr val="020302"/>
-                          </a:solidFill>
-                          <a:latin typeface="AdobeClean-Light"/>
-                          <a:cs typeface="AdobeClean-Light"/>
-                        </a:rPr>
-                        <a:t>4 hours</a:t>
-                      </a:r>
-                      <a:endParaRPr sz="900" spc="0">
+                      <a:endParaRPr sz="900" spc="0" dirty="0">
                         <a:latin typeface="AdobeClean-Light"/>
                         <a:cs typeface="AdobeClean-Light"/>
                       </a:endParaRPr>
                     </a:p>
                   </a:txBody>
-                  <a:tcPr marL="0" marR="0" marT="91440" marB="91440" anchor="ctr" anchorCtr="1">
+                  <a:tcPr anchor="ctr">
                     <a:lnL w="3175">
                       <a:solidFill>
                         <a:srgbClr val="B7B8B8"/>
@@ -3009,92 +2526,22 @@
                         </a:spcBef>
                       </a:pPr>
                       <a:r>
-                        <a:rPr lang="en-US" sz="900" spc="0">
+                        <a:rPr lang="en-US" sz="900" spc="0" dirty="0">
                           <a:solidFill>
                             <a:srgbClr val="020302"/>
                           </a:solidFill>
                           <a:latin typeface="AdobeClean-Light"/>
                           <a:cs typeface="AdobeClean-Light"/>
                         </a:rPr>
-                        <a:t>    </a:t>
+                        <a:t>营业时间/2 小时</a:t>
                       </a:r>
-                      <a:r>
-                        <a:rPr sz="900" spc="0">
-                          <a:solidFill>
-                            <a:srgbClr val="020302"/>
-                          </a:solidFill>
-                          <a:latin typeface="AdobeClean-Light"/>
-                          <a:cs typeface="AdobeClean-Light"/>
-                        </a:rPr>
-                        <a:t>Business</a:t>
-                      </a:r>
-                      <a:r>
-                        <a:rPr lang="en-US" sz="900" spc="0">
-                          <a:solidFill>
-                            <a:srgbClr val="020302"/>
-                          </a:solidFill>
-                          <a:latin typeface="AdobeClean-Light"/>
-                          <a:cs typeface="AdobeClean-Light"/>
-                        </a:rPr>
-                        <a:t> </a:t>
-                      </a:r>
-                      <a:r>
-                        <a:rPr sz="900" spc="0">
-                          <a:solidFill>
-                            <a:srgbClr val="020302"/>
-                          </a:solidFill>
-                          <a:latin typeface="AdobeClean-Light"/>
-                          <a:cs typeface="AdobeClean-Light"/>
-                        </a:rPr>
-                        <a:t>hours</a:t>
-                      </a:r>
-                      <a:r>
-                        <a:rPr lang="en-US" sz="900" spc="0">
-                          <a:solidFill>
-                            <a:srgbClr val="020302"/>
-                          </a:solidFill>
-                          <a:latin typeface="AdobeClean-Light"/>
-                          <a:cs typeface="AdobeClean-Light"/>
-                        </a:rPr>
-                        <a:t> / </a:t>
-                      </a:r>
-                      <a:r>
-                        <a:rPr sz="900" spc="0">
-                          <a:solidFill>
-                            <a:srgbClr val="020302"/>
-                          </a:solidFill>
-                          <a:latin typeface="AdobeClean-Light"/>
-                          <a:cs typeface="AdobeClean-Light"/>
-                        </a:rPr>
-                        <a:t>2</a:t>
-                      </a:r>
-                      <a:r>
-                        <a:rPr lang="en-US" sz="900" spc="0">
-                          <a:solidFill>
-                            <a:srgbClr val="020302"/>
-                          </a:solidFill>
-                          <a:latin typeface="AdobeClean-Light"/>
-                          <a:cs typeface="AdobeClean-Light"/>
-                        </a:rPr>
-                        <a:t> </a:t>
-                      </a:r>
-                      <a:r>
-                        <a:rPr sz="900" spc="0">
-                          <a:solidFill>
-                            <a:srgbClr val="020302"/>
-                          </a:solidFill>
-                          <a:latin typeface="AdobeClean-Light"/>
-                          <a:cs typeface="AdobeClean-Light"/>
-                        </a:rPr>
-                        <a:t>hours</a:t>
-                      </a:r>
-                      <a:endParaRPr sz="900" spc="0">
+                      <a:endParaRPr sz="900" spc="0" dirty="0">
                         <a:latin typeface="AdobeClean-Light"/>
                         <a:cs typeface="AdobeClean-Light"/>
                       </a:endParaRPr>
                     </a:p>
                   </a:txBody>
-                  <a:tcPr marL="0" marR="0" marT="91440" marB="91440" anchor="ctr" anchorCtr="1">
+                  <a:tcPr anchor="ctr">
                     <a:lnL w="3175">
                       <a:solidFill>
                         <a:srgbClr val="B7B8B8"/>
@@ -3132,7 +2579,7 @@
                   </a:ext>
                 </a:extLst>
               </a:tr>
-              <a:tr h="514673">
+              <a:tr h="484756">
                 <a:tc>
                   <a:txBody>
                     <a:bodyPr/>
@@ -3147,16 +2594,16 @@
                         </a:spcBef>
                       </a:pPr>
                       <a:r>
-                        <a:rPr sz="900" b="1" spc="0">
+                        <a:rPr lang="en-US" sz="900" b="1" spc="0" dirty="0">
                           <a:solidFill>
                             <a:srgbClr val="020302"/>
                           </a:solidFill>
                           <a:latin typeface="Adobe Clean"/>
                           <a:cs typeface="Adobe Clean"/>
                         </a:rPr>
-                        <a:t>PRIORITY 3</a:t>
+                        <a:t>优先级 3</a:t>
                       </a:r>
-                      <a:endParaRPr sz="900" spc="0">
+                      <a:endParaRPr sz="900" spc="0" dirty="0">
                         <a:latin typeface="Adobe Clean"/>
                         <a:cs typeface="Adobe Clean"/>
                       </a:endParaRPr>
@@ -3171,7 +2618,7 @@
                         </a:spcBef>
                       </a:pPr>
                       <a:r>
-                        <a:rPr kumimoji="0" lang="en-US" sz="900" b="0" i="0" u="none" strike="noStrike" kern="1200" cap="none" spc="0" normalizeH="0" baseline="0" noProof="0">
+                        <a:rPr kumimoji="0" lang="en-US" sz="900" b="0" i="0" u="none" strike="noStrike" kern="1200" cap="none" spc="0" normalizeH="0" baseline="0" noProof="0" dirty="0">
                           <a:ln>
                             <a:noFill/>
                           </a:ln>
@@ -3185,12 +2632,25 @@
                           <a:ea typeface="+mn-ea"/>
                           <a:cs typeface="+mn-cs"/>
                         </a:rPr>
-                        <a:t>Customer's business functions have minor service degradation but there exists a solution/workaround allowing business functions to continue </a:t>
+                        <a:t>客户的业务功能发生轻微的服务降级，但有解决方案/解决方法可让业务功能继续正常工作</a:t>
                       </a:r>
-                      <a:endParaRPr lang="en-US" sz="900" b="0" i="0" spc="0">
-                        <a:latin typeface="Adobe Clean Light" panose="020B0303020404020204" pitchFamily="34" charset="0"/>
-                        <a:cs typeface="AdobeClean-Light"/>
-                      </a:endParaRPr>
+                      <a:r>
+                        <a:rPr kumimoji="0" lang="zh-CN" altLang="en-US" sz="900" b="0" i="0" u="none" strike="noStrike" kern="1200" cap="none" spc="0" normalizeH="0" baseline="0" noProof="0" dirty="0">
+                          <a:ln>
+                            <a:noFill/>
+                          </a:ln>
+                          <a:solidFill>
+                            <a:srgbClr val="000000"/>
+                          </a:solidFill>
+                          <a:effectLst/>
+                          <a:uLnTx/>
+                          <a:uFillTx/>
+                          <a:latin typeface="Adobe Clean Light" panose="020B0303020404020204" pitchFamily="34" charset="0"/>
+                          <a:ea typeface="+mn-ea"/>
+                          <a:cs typeface="+mn-cs"/>
+                        </a:rPr>
+                        <a:t>。</a:t>
+                      </a:r>
                     </a:p>
                   </a:txBody>
                   <a:tcPr marL="0" marR="0" marT="3810" marB="0">
@@ -3234,92 +2694,22 @@
                         </a:spcBef>
                       </a:pPr>
                       <a:r>
-                        <a:rPr lang="en-US" sz="900" spc="0">
+                        <a:rPr lang="en-US" sz="900" spc="0" dirty="0">
                           <a:solidFill>
                             <a:srgbClr val="020302"/>
                           </a:solidFill>
                           <a:latin typeface="AdobeClean-Light"/>
                           <a:cs typeface="AdobeClean-Light"/>
                         </a:rPr>
-                        <a:t>   </a:t>
+                        <a:t>营业时间/6 小时</a:t>
                       </a:r>
-                      <a:r>
-                        <a:rPr sz="900" spc="0">
-                          <a:solidFill>
-                            <a:srgbClr val="020302"/>
-                          </a:solidFill>
-                          <a:latin typeface="AdobeClean-Light"/>
-                          <a:cs typeface="AdobeClean-Light"/>
-                        </a:rPr>
-                        <a:t>Business</a:t>
-                      </a:r>
-                      <a:r>
-                        <a:rPr lang="en-US" sz="900" spc="0">
-                          <a:solidFill>
-                            <a:srgbClr val="020302"/>
-                          </a:solidFill>
-                          <a:latin typeface="AdobeClean-Light"/>
-                          <a:cs typeface="AdobeClean-Light"/>
-                        </a:rPr>
-                        <a:t> </a:t>
-                      </a:r>
-                      <a:r>
-                        <a:rPr sz="900" spc="0">
-                          <a:solidFill>
-                            <a:srgbClr val="020302"/>
-                          </a:solidFill>
-                          <a:latin typeface="AdobeClean-Light"/>
-                          <a:cs typeface="AdobeClean-Light"/>
-                        </a:rPr>
-                        <a:t>hours</a:t>
-                      </a:r>
-                      <a:r>
-                        <a:rPr lang="en-US" sz="900" spc="0">
-                          <a:solidFill>
-                            <a:srgbClr val="020302"/>
-                          </a:solidFill>
-                          <a:latin typeface="AdobeClean-Light"/>
-                          <a:cs typeface="AdobeClean-Light"/>
-                        </a:rPr>
-                        <a:t> / </a:t>
-                      </a:r>
-                      <a:r>
-                        <a:rPr sz="900" spc="0">
-                          <a:solidFill>
-                            <a:srgbClr val="020302"/>
-                          </a:solidFill>
-                          <a:latin typeface="AdobeClean-Light"/>
-                          <a:cs typeface="AdobeClean-Light"/>
-                        </a:rPr>
-                        <a:t>6</a:t>
-                      </a:r>
-                      <a:r>
-                        <a:rPr lang="en-US" sz="900" spc="0">
-                          <a:solidFill>
-                            <a:srgbClr val="020302"/>
-                          </a:solidFill>
-                          <a:latin typeface="AdobeClean-Light"/>
-                          <a:cs typeface="AdobeClean-Light"/>
-                        </a:rPr>
-                        <a:t> </a:t>
-                      </a:r>
-                      <a:r>
-                        <a:rPr sz="900" spc="0">
-                          <a:solidFill>
-                            <a:srgbClr val="020302"/>
-                          </a:solidFill>
-                          <a:latin typeface="AdobeClean-Light"/>
-                          <a:cs typeface="AdobeClean-Light"/>
-                        </a:rPr>
-                        <a:t>hours</a:t>
-                      </a:r>
-                      <a:endParaRPr sz="900" spc="0">
+                      <a:endParaRPr sz="900" spc="0" dirty="0">
                         <a:latin typeface="AdobeClean-Light"/>
                         <a:cs typeface="AdobeClean-Light"/>
                       </a:endParaRPr>
                     </a:p>
                   </a:txBody>
-                  <a:tcPr marL="0" marR="0" marT="91440" marB="91440" anchor="ctr" anchorCtr="1">
+                  <a:tcPr anchor="ctr">
                     <a:lnL w="3175">
                       <a:solidFill>
                         <a:srgbClr val="B7B8B8"/>
@@ -3360,82 +2750,22 @@
                         </a:spcBef>
                       </a:pPr>
                       <a:r>
-                        <a:rPr sz="900" spc="0">
+                        <a:rPr lang="en-US" sz="900" spc="0" dirty="0">
                           <a:solidFill>
                             <a:srgbClr val="020302"/>
                           </a:solidFill>
                           <a:latin typeface="AdobeClean-Light"/>
                           <a:cs typeface="AdobeClean-Light"/>
                         </a:rPr>
-                        <a:t>Business</a:t>
+                        <a:t>营业时间/4 小时</a:t>
                       </a:r>
-                      <a:r>
-                        <a:rPr lang="en-US" sz="900" spc="0">
-                          <a:solidFill>
-                            <a:srgbClr val="020302"/>
-                          </a:solidFill>
-                          <a:latin typeface="AdobeClean-Light"/>
-                          <a:cs typeface="AdobeClean-Light"/>
-                        </a:rPr>
-                        <a:t> </a:t>
-                      </a:r>
-                      <a:r>
-                        <a:rPr sz="900" spc="0">
-                          <a:solidFill>
-                            <a:srgbClr val="020302"/>
-                          </a:solidFill>
-                          <a:latin typeface="AdobeClean-Light"/>
-                          <a:cs typeface="AdobeClean-Light"/>
-                        </a:rPr>
-                        <a:t>hours</a:t>
-                      </a:r>
-                      <a:r>
-                        <a:rPr lang="en-US" sz="900" spc="0">
-                          <a:solidFill>
-                            <a:srgbClr val="020302"/>
-                          </a:solidFill>
-                          <a:latin typeface="AdobeClean-Light"/>
-                          <a:cs typeface="AdobeClean-Light"/>
-                        </a:rPr>
-                        <a:t> </a:t>
-                      </a:r>
-                      <a:r>
-                        <a:rPr sz="900" spc="0">
-                          <a:solidFill>
-                            <a:srgbClr val="020302"/>
-                          </a:solidFill>
-                          <a:latin typeface="AdobeClean-Light"/>
-                          <a:cs typeface="AdobeClean-Light"/>
-                        </a:rPr>
-                        <a:t>/ 4</a:t>
-                      </a:r>
-                      <a:r>
-                        <a:rPr lang="en-US" sz="900" spc="0">
-                          <a:solidFill>
-                            <a:srgbClr val="020302"/>
-                          </a:solidFill>
-                          <a:latin typeface="AdobeClean-Light"/>
-                          <a:cs typeface="AdobeClean-Light"/>
-                        </a:rPr>
-                        <a:t> </a:t>
-                      </a:r>
-                      <a:r>
-                        <a:rPr sz="900" spc="0">
-                          <a:solidFill>
-                            <a:srgbClr val="020302"/>
-                          </a:solidFill>
-                          <a:latin typeface="AdobeClean-Light"/>
-                          <a:cs typeface="AdobeClean-Light"/>
-                        </a:rPr>
-                        <a:t>hours</a:t>
-                      </a:r>
-                      <a:endParaRPr sz="900" spc="0">
+                      <a:endParaRPr sz="900" spc="0" dirty="0">
                         <a:latin typeface="AdobeClean-Light"/>
                         <a:cs typeface="AdobeClean-Light"/>
                       </a:endParaRPr>
                     </a:p>
                   </a:txBody>
-                  <a:tcPr marL="0" marR="0" marT="91440" marB="91440" anchor="ctr" anchorCtr="1">
+                  <a:tcPr anchor="ctr">
                     <a:lnL w="3175">
                       <a:solidFill>
                         <a:srgbClr val="B7B8B8"/>
@@ -3473,7 +2803,7 @@
                   </a:ext>
                 </a:extLst>
               </a:tr>
-              <a:tr h="388333">
+              <a:tr h="359998">
                 <a:tc>
                   <a:txBody>
                     <a:bodyPr/>
@@ -3488,16 +2818,16 @@
                         </a:spcBef>
                       </a:pPr>
                       <a:r>
-                        <a:rPr sz="900" b="1" spc="0">
+                        <a:rPr lang="en-US" sz="900" b="1" spc="0" dirty="0">
                           <a:solidFill>
                             <a:srgbClr val="020302"/>
                           </a:solidFill>
                           <a:latin typeface="Adobe Clean"/>
                           <a:cs typeface="Adobe Clean"/>
                         </a:rPr>
-                        <a:t>PRIORITY 4</a:t>
+                        <a:t>优先级 4</a:t>
                       </a:r>
-                      <a:endParaRPr sz="900" spc="0">
+                      <a:endParaRPr sz="900" spc="0" dirty="0">
                         <a:latin typeface="Adobe Clean"/>
                         <a:cs typeface="Adobe Clean"/>
                       </a:endParaRPr>
@@ -3517,20 +2847,33 @@
                         <a:buSzTx/>
                         <a:buFontTx/>
                         <a:buNone/>
-                        <a:tabLst/>
                         <a:defRPr/>
                       </a:pPr>
                       <a:r>
-                        <a:rPr lang="en-US" sz="900" b="0" i="0" spc="0">
+                        <a:rPr lang="en-US" sz="900" b="0" i="0" spc="0" dirty="0">
                           <a:solidFill>
                             <a:srgbClr val="000000"/>
                           </a:solidFill>
                           <a:effectLst/>
                           <a:latin typeface="Adobe Clean Light" panose="020B0303020404020204" pitchFamily="34" charset="0"/>
                         </a:rPr>
-                        <a:t>General question regarding current product functionality or an enhancement request</a:t>
+                        <a:t>有关当前产品功能或增强功能请求的常见问题</a:t>
                       </a:r>
-                      <a:endParaRPr lang="en-US" sz="900" b="0" i="0" spc="0">
+                      <a:r>
+                        <a:rPr lang="zh-CN" altLang="en-US" sz="900" b="0" i="0" spc="0" dirty="0">
+                          <a:solidFill>
+                            <a:srgbClr val="000000"/>
+                          </a:solidFill>
+                          <a:effectLst/>
+                          <a:latin typeface="Adobe Clean Light" panose="020B0303020404020204" pitchFamily="34" charset="0"/>
+                        </a:rPr>
+                        <a:t>。</a:t>
+                      </a:r>
+                      <a:endParaRPr lang="zh-CN" altLang="en-US" sz="900" b="0" i="0" spc="0" dirty="0">
+                        <a:solidFill>
+                          <a:srgbClr val="000000"/>
+                        </a:solidFill>
+                        <a:effectLst/>
                         <a:latin typeface="Adobe Clean Light" panose="020B0303020404020204" pitchFamily="34" charset="0"/>
                         <a:cs typeface="AdobeClean-Light"/>
                       </a:endParaRPr>
@@ -3577,72 +2920,22 @@
                         </a:spcBef>
                       </a:pPr>
                       <a:r>
-                        <a:rPr lang="en-US" sz="900" spc="0">
+                        <a:rPr lang="en-US" sz="900" spc="0" dirty="0">
                           <a:solidFill>
                             <a:srgbClr val="020302"/>
                           </a:solidFill>
                           <a:latin typeface="AdobeClean-Light"/>
                           <a:cs typeface="AdobeClean-Light"/>
                         </a:rPr>
-                        <a:t>  </a:t>
+                        <a:t>工作日/3 天</a:t>
                       </a:r>
-                      <a:r>
-                        <a:rPr sz="900" spc="0">
-                          <a:solidFill>
-                            <a:srgbClr val="020302"/>
-                          </a:solidFill>
-                          <a:latin typeface="AdobeClean-Light"/>
-                          <a:cs typeface="AdobeClean-Light"/>
-                        </a:rPr>
-                        <a:t>Business</a:t>
-                      </a:r>
-                      <a:r>
-                        <a:rPr lang="en-US" sz="900" spc="0">
-                          <a:solidFill>
-                            <a:srgbClr val="020302"/>
-                          </a:solidFill>
-                          <a:latin typeface="AdobeClean-Light"/>
-                          <a:cs typeface="AdobeClean-Light"/>
-                        </a:rPr>
-                        <a:t> </a:t>
-                      </a:r>
-                      <a:r>
-                        <a:rPr sz="900" spc="0">
-                          <a:solidFill>
-                            <a:srgbClr val="020302"/>
-                          </a:solidFill>
-                          <a:latin typeface="AdobeClean-Light"/>
-                          <a:cs typeface="AdobeClean-Light"/>
-                        </a:rPr>
-                        <a:t>days</a:t>
-                      </a:r>
-                      <a:r>
-                        <a:rPr lang="en-US" sz="900" spc="0">
-                          <a:solidFill>
-                            <a:srgbClr val="020302"/>
-                          </a:solidFill>
-                          <a:latin typeface="AdobeClean-Light"/>
-                          <a:cs typeface="AdobeClean-Light"/>
-                        </a:rPr>
-                        <a:t> / </a:t>
-                      </a:r>
-                      <a:r>
-                        <a:rPr sz="900" spc="0">
-                          <a:solidFill>
-                            <a:srgbClr val="020302"/>
-                          </a:solidFill>
-                          <a:latin typeface="AdobeClean-Light"/>
-                          <a:cs typeface="AdobeClean-Light"/>
-                        </a:rPr>
-                        <a:t>3 days</a:t>
-                      </a:r>
-                      <a:endParaRPr sz="900" spc="0">
+                      <a:endParaRPr sz="900" spc="0" dirty="0">
                         <a:latin typeface="AdobeClean-Light"/>
                         <a:cs typeface="AdobeClean-Light"/>
                       </a:endParaRPr>
                     </a:p>
                   </a:txBody>
-                  <a:tcPr marL="0" marR="0" marT="91440" marB="91440" anchor="ctr" anchorCtr="1">
+                  <a:tcPr anchor="ctr">
                     <a:lnL w="3175">
                       <a:solidFill>
                         <a:srgbClr val="B7B8B8"/>
@@ -3683,82 +2976,42 @@
                         </a:spcBef>
                       </a:pPr>
                       <a:r>
-                        <a:rPr sz="900" spc="0">
+                        <a:rPr lang="en-US" sz="900" spc="0" dirty="0">
                           <a:solidFill>
                             <a:srgbClr val="020302"/>
                           </a:solidFill>
                           <a:latin typeface="AdobeClean-Light"/>
                           <a:cs typeface="AdobeClean-Light"/>
                         </a:rPr>
-                        <a:t>Business</a:t>
+                        <a:t>工作日/</a:t>
                       </a:r>
+                    </a:p>
+                    <a:p>
+                      <a:pPr marL="370840" marR="223520" indent="-202565" algn="ctr">
+                        <a:lnSpc>
+                          <a:spcPct val="100000"/>
+                        </a:lnSpc>
+                        <a:spcBef>
+                          <a:spcPts val="155"/>
+                        </a:spcBef>
+                      </a:pPr>
                       <a:r>
-                        <a:rPr lang="en-US" sz="900" spc="0">
+                        <a:rPr lang="en-US" sz="900" spc="0" dirty="0">
                           <a:solidFill>
                             <a:srgbClr val="020302"/>
                           </a:solidFill>
                           <a:latin typeface="AdobeClean-Light"/>
                           <a:cs typeface="AdobeClean-Light"/>
                         </a:rPr>
-                        <a:t> </a:t>
+                        <a:t> 1 天</a:t>
                       </a:r>
-                      <a:r>
-                        <a:rPr sz="900" spc="0">
-                          <a:solidFill>
-                            <a:srgbClr val="020302"/>
-                          </a:solidFill>
-                          <a:latin typeface="AdobeClean-Light"/>
-                          <a:cs typeface="AdobeClean-Light"/>
-                        </a:rPr>
-                        <a:t>day</a:t>
-                      </a:r>
-                      <a:r>
-                        <a:rPr lang="en-US" sz="900" spc="0">
-                          <a:solidFill>
-                            <a:srgbClr val="020302"/>
-                          </a:solidFill>
-                          <a:latin typeface="AdobeClean-Light"/>
-                          <a:cs typeface="AdobeClean-Light"/>
-                        </a:rPr>
-                        <a:t>s </a:t>
-                      </a:r>
-                      <a:r>
-                        <a:rPr sz="900" spc="0">
-                          <a:solidFill>
-                            <a:srgbClr val="020302"/>
-                          </a:solidFill>
-                          <a:latin typeface="AdobeClean-Light"/>
-                          <a:cs typeface="AdobeClean-Light"/>
-                        </a:rPr>
-                        <a:t>/</a:t>
-                      </a:r>
-                      <a:r>
-                        <a:rPr lang="en-US" sz="900" spc="0">
-                          <a:solidFill>
-                            <a:srgbClr val="020302"/>
-                          </a:solidFill>
-                          <a:latin typeface="AdobeClean-Light"/>
-                          <a:cs typeface="AdobeClean-Light"/>
-                        </a:rPr>
-                        <a:t> </a:t>
-                      </a:r>
-                      <a:r>
-                        <a:rPr sz="900" spc="0">
-                          <a:solidFill>
-                            <a:srgbClr val="020302"/>
-                          </a:solidFill>
-                          <a:latin typeface="AdobeClean-Light"/>
-                          <a:cs typeface="AdobeClean-Light"/>
-                        </a:rPr>
-                        <a:t>1 day</a:t>
-                      </a:r>
-                      <a:endParaRPr sz="900" spc="0">
+                      <a:endParaRPr sz="900" spc="0" dirty="0">
                         <a:latin typeface="AdobeClean-Light"/>
                         <a:cs typeface="AdobeClean-Light"/>
                       </a:endParaRPr>
                     </a:p>
                   </a:txBody>
-                  <a:tcPr marL="0" marR="0" marT="91440" marB="91440" anchor="ctr" anchorCtr="1">
+                  <a:tcPr anchor="ctr">
                     <a:lnL w="3175">
                       <a:solidFill>
                         <a:srgbClr val="B7B8B8"/>
@@ -3802,22 +3055,14 @@
       </p:graphicFrame>
       <p:graphicFrame>
         <p:nvGraphicFramePr>
-          <p:cNvPr id="11" name="object 8">
-            <a:extLst>
-              <a:ext uri="{FF2B5EF4-FFF2-40B4-BE49-F238E27FC236}">
-                <a16:creationId xmlns:a16="http://schemas.microsoft.com/office/drawing/2014/main" id="{3AC7AEA2-E7A4-BD48-80EA-856168E207F6}"/>
-              </a:ext>
-            </a:extLst>
-          </p:cNvPr>
+          <p:cNvPr id="11" name="object 8"/>
           <p:cNvGraphicFramePr>
             <a:graphicFrameLocks noGrp="1"/>
           </p:cNvGraphicFramePr>
           <p:nvPr>
-            <p:extLst>
-              <p:ext uri="{D42A27DB-BD31-4B8C-83A1-F6EECF244321}">
-                <p14:modId xmlns:p14="http://schemas.microsoft.com/office/powerpoint/2010/main" val="116851390"/>
-              </p:ext>
-            </p:extLst>
+            <p:custDataLst>
+              <p:tags r:id="rId2"/>
+            </p:custDataLst>
           </p:nvPr>
         </p:nvGraphicFramePr>
         <p:xfrm>
@@ -3834,7 +3079,7 @@
                 <a:gridCol w="1513599">
                   <a:extLst>
                     <a:ext uri="{9D8B030D-6E8A-4147-A177-3AD203B41FA5}">
-                      <a16:colId xmlns:a16="http://schemas.microsoft.com/office/drawing/2014/main" val="1674920574"/>
+                      <a16:colId xmlns:a16="http://schemas.microsoft.com/office/drawing/2014/main" val="20000"/>
                     </a:ext>
                   </a:extLst>
                 </a:gridCol>
@@ -3848,7 +3093,7 @@
                 <a:gridCol w="1425889">
                   <a:extLst>
                     <a:ext uri="{9D8B030D-6E8A-4147-A177-3AD203B41FA5}">
-                      <a16:colId xmlns:a16="http://schemas.microsoft.com/office/drawing/2014/main" val="2563521174"/>
+                      <a16:colId xmlns:a16="http://schemas.microsoft.com/office/drawing/2014/main" val="20002"/>
                     </a:ext>
                   </a:extLst>
                 </a:gridCol>
@@ -3866,7 +3111,7 @@
                     <a:bodyPr/>
                     <a:lstStyle/>
                     <a:p>
-                      <a:endParaRPr lang="en-US"/>
+                      <a:endParaRPr lang="en-US" dirty="0"/>
                     </a:p>
                   </a:txBody>
                   <a:tcPr/>
@@ -3876,7 +3121,7 @@
                     <a:bodyPr/>
                     <a:lstStyle/>
                     <a:p>
-                      <a:endParaRPr/>
+                      <a:endParaRPr lang="en-US"/>
                     </a:p>
                   </a:txBody>
                   <a:tcPr marL="0" marR="0" marT="0" marB="0"/>
@@ -3900,40 +3145,19 @@
                         <a:buSzTx/>
                         <a:buFontTx/>
                         <a:buNone/>
-                        <a:tabLst/>
                         <a:defRPr/>
                       </a:pPr>
                       <a:r>
-                        <a:rPr lang="en-US" sz="900" spc="-20">
+                        <a:rPr lang="en-US" sz="900" spc="-20" dirty="0">
                           <a:solidFill>
                             <a:srgbClr val="404040"/>
                           </a:solidFill>
                           <a:latin typeface="Adobe Clean"/>
                           <a:cs typeface="Adobe Clean"/>
                         </a:rPr>
-                        <a:t>Online </a:t>
+                        <a:t>在线支持</a:t>
                       </a:r>
-                      <a:r>
-                        <a:rPr lang="en-US" sz="900" spc="-135">
-                          <a:solidFill>
-                            <a:srgbClr val="404040"/>
-                          </a:solidFill>
-                          <a:latin typeface="Adobe Clean"/>
-                          <a:cs typeface="Adobe Clean"/>
-                        </a:rPr>
-                        <a:t> </a:t>
-                      </a:r>
-                      <a:r>
-                        <a:rPr lang="en-US" sz="900" spc="-20">
-                          <a:solidFill>
-                            <a:srgbClr val="404040"/>
-                          </a:solidFill>
-                          <a:latin typeface="Adobe Clean"/>
-                          <a:cs typeface="Adobe Clean"/>
-                        </a:rPr>
-                        <a:t>Support</a:t>
-                      </a:r>
-                      <a:endParaRPr lang="en-US" sz="900">
+                      <a:endParaRPr lang="en-US" sz="900" dirty="0">
                         <a:latin typeface="Adobe Clean"/>
                         <a:cs typeface="Adobe Clean"/>
                       </a:endParaRPr>
@@ -3977,36 +3201,16 @@
                         </a:spcBef>
                       </a:pPr>
                       <a:r>
-                        <a:rPr sz="900" spc="-20">
+                        <a:rPr lang="en-US" sz="900" spc="-20" dirty="0">
                           <a:solidFill>
                             <a:srgbClr val="FFFFFF"/>
                           </a:solidFill>
                           <a:latin typeface="Adobe Clean"/>
                           <a:cs typeface="Adobe Clean"/>
                         </a:rPr>
-                        <a:t>Business</a:t>
+                        <a:t>商业支持</a:t>
                       </a:r>
-                      <a:r>
-                        <a:rPr lang="en-US" sz="900" spc="-20">
-                          <a:solidFill>
-                            <a:srgbClr val="FFFFFF"/>
-                          </a:solidFill>
-                          <a:latin typeface="Adobe Clean"/>
-                          <a:cs typeface="Adobe Clean"/>
-                        </a:rPr>
-                        <a:t> </a:t>
-                      </a:r>
-                      <a:r>
-                        <a:rPr sz="900" spc="-20">
-                          <a:solidFill>
-                            <a:srgbClr val="FFFFFF"/>
-                          </a:solidFill>
-                          <a:latin typeface="Adobe Clean"/>
-                          <a:cs typeface="Adobe Clean"/>
-                        </a:rPr>
-                        <a:t>Support</a:t>
-                      </a:r>
-                      <a:endParaRPr sz="900">
+                      <a:endParaRPr sz="900" dirty="0">
                         <a:latin typeface="Adobe Clean"/>
                         <a:cs typeface="Adobe Clean"/>
                       </a:endParaRPr>
@@ -4054,7 +3258,7 @@
                     <a:bodyPr/>
                     <a:lstStyle/>
                     <a:p>
-                      <a:endParaRPr lang="en-US"/>
+                      <a:endParaRPr lang="en-US" dirty="0"/>
                     </a:p>
                   </a:txBody>
                   <a:tcPr/>
@@ -4064,7 +3268,7 @@
                     <a:bodyPr/>
                     <a:lstStyle/>
                     <a:p>
-                      <a:endParaRPr/>
+                      <a:endParaRPr lang="en-US"/>
                     </a:p>
                   </a:txBody>
                   <a:tcPr marL="0" marR="0" marT="0" marB="0"/>
@@ -4088,10 +3292,9 @@
                         <a:buSzTx/>
                         <a:buFontTx/>
                         <a:buNone/>
-                        <a:tabLst/>
                         <a:defRPr/>
                       </a:pPr>
-                      <a:endParaRPr lang="en-US" sz="800" i="1">
+                      <a:endParaRPr lang="en-US" sz="800" i="1" dirty="0">
                         <a:solidFill>
                           <a:sysClr val="windowText" lastClr="000000"/>
                         </a:solidFill>
@@ -4151,17 +3354,16 @@
                         <a:buSzTx/>
                         <a:buFontTx/>
                         <a:buNone/>
-                        <a:tabLst/>
                         <a:defRPr/>
                       </a:pPr>
                       <a:r>
-                        <a:rPr lang="en-US" sz="800" i="1">
+                        <a:rPr lang="en-US" sz="800" i="1" dirty="0">
                           <a:solidFill>
                             <a:schemeClr val="bg1"/>
                           </a:solidFill>
                           <a:latin typeface="Adobe Clean Light" panose="020B0303020404020204" pitchFamily="34" charset="0"/>
                         </a:rPr>
-                        <a:t>Paid Support ($)</a:t>
+                        <a:t>Adobe 支持 ($)</a:t>
                       </a:r>
                     </a:p>
                   </a:txBody>
@@ -4225,16 +3427,16 @@
                         </a:spcBef>
                       </a:pPr>
                       <a:r>
-                        <a:rPr lang="en-US" sz="1000" b="1" i="0" spc="0">
+                        <a:rPr lang="en-US" sz="1000" b="1" i="0" spc="0" dirty="0">
                           <a:solidFill>
                             <a:schemeClr val="bg1"/>
                           </a:solidFill>
                           <a:latin typeface="Adobe Clean" panose="020B0503020404020204" pitchFamily="34" charset="0"/>
                           <a:cs typeface="AdobeClean-Light"/>
                         </a:rPr>
-                        <a:t>Assigned Experts</a:t>
+                        <a:t>分配的专家</a:t>
                       </a:r>
-                      <a:endParaRPr sz="1000" b="1" i="0" spc="0">
+                      <a:endParaRPr sz="1000" b="1" i="0" spc="0" dirty="0">
                         <a:solidFill>
                           <a:schemeClr val="bg1"/>
                         </a:solidFill>
@@ -4283,20 +3485,20 @@
                           <a:spcPct val="100000"/>
                         </a:lnSpc>
                         <a:spcBef>
-                          <a:spcPts val="459"/>
+                          <a:spcPts val="460"/>
                         </a:spcBef>
                       </a:pPr>
                       <a:r>
-                        <a:rPr sz="900" spc="0">
+                        <a:rPr lang="en-US" sz="900" spc="0" dirty="0">
                           <a:solidFill>
                             <a:srgbClr val="020302"/>
                           </a:solidFill>
                           <a:latin typeface="AdobeClean-Light"/>
                           <a:cs typeface="AdobeClean-Light"/>
                         </a:rPr>
-                        <a:t>Account Support Lead</a:t>
+                        <a:t>帐户支持主管</a:t>
                       </a:r>
-                      <a:endParaRPr sz="900" spc="0">
+                      <a:endParaRPr sz="900" spc="0" dirty="0">
                         <a:latin typeface="AdobeClean-Light"/>
                         <a:cs typeface="AdobeClean-Light"/>
                       </a:endParaRPr>
@@ -4342,9 +3544,9 @@
                           <a:spcPts val="470"/>
                         </a:spcBef>
                       </a:pPr>
-                      <a:endParaRPr sz="900">
-                        <a:latin typeface="Wingdings"/>
-                        <a:cs typeface="Wingdings"/>
+                      <a:endParaRPr sz="900" dirty="0">
+                        <a:latin typeface="Wingdings" panose="05000000000000000000"/>
+                        <a:cs typeface="Wingdings" panose="05000000000000000000"/>
                       </a:endParaRPr>
                     </a:p>
                   </a:txBody>
@@ -4384,18 +3586,18 @@
                         </a:spcBef>
                       </a:pPr>
                       <a:r>
-                        <a:rPr sz="900">
+                        <a:rPr lang="en-US" sz="900" dirty="0">
                           <a:solidFill>
                             <a:srgbClr val="020302"/>
                           </a:solidFill>
-                          <a:latin typeface="Wingdings"/>
-                          <a:cs typeface="Wingdings"/>
+                          <a:latin typeface="Wingdings" panose="05000000000000000000"/>
+                          <a:cs typeface="Wingdings" panose="05000000000000000000"/>
                         </a:rPr>
                         <a:t></a:t>
                       </a:r>
-                      <a:endParaRPr sz="900">
-                        <a:latin typeface="Wingdings"/>
-                        <a:cs typeface="Wingdings"/>
+                      <a:endParaRPr sz="900" dirty="0">
+                        <a:latin typeface="Wingdings" panose="05000000000000000000"/>
+                        <a:cs typeface="Wingdings" panose="05000000000000000000"/>
                       </a:endParaRPr>
                     </a:p>
                   </a:txBody>
@@ -4428,18 +3630,7 @@
                     <a:bodyPr/>
                     <a:lstStyle/>
                     <a:p>
-                      <a:pPr marL="50800">
-                        <a:lnSpc>
-                          <a:spcPct val="100000"/>
-                        </a:lnSpc>
-                        <a:spcBef>
-                          <a:spcPts val="459"/>
-                        </a:spcBef>
-                      </a:pPr>
-                      <a:endParaRPr sz="900">
-                        <a:latin typeface="AdobeClean-Light"/>
-                        <a:cs typeface="AdobeClean-Light"/>
-                      </a:endParaRPr>
+                      <a:endParaRPr lang="en-US"/>
                     </a:p>
                   </a:txBody>
                   <a:tcPr marL="0" marR="0" marT="58419" marB="0">
@@ -4470,20 +3661,20 @@
                           <a:spcPct val="100000"/>
                         </a:lnSpc>
                         <a:spcBef>
-                          <a:spcPts val="459"/>
+                          <a:spcPts val="460"/>
                         </a:spcBef>
                       </a:pPr>
                       <a:r>
-                        <a:rPr sz="900" spc="0">
+                        <a:rPr lang="en-US" sz="900" spc="0" dirty="0">
                           <a:solidFill>
                             <a:srgbClr val="020302"/>
                           </a:solidFill>
                           <a:latin typeface="AdobeClean-Light"/>
                           <a:cs typeface="AdobeClean-Light"/>
                         </a:rPr>
-                        <a:t>Named Support Engineer</a:t>
+                        <a:t>指定的支持工程师</a:t>
                       </a:r>
-                      <a:endParaRPr sz="900" spc="0">
+                      <a:endParaRPr sz="900" spc="0" dirty="0">
                         <a:latin typeface="AdobeClean-Light"/>
                         <a:cs typeface="AdobeClean-Light"/>
                       </a:endParaRPr>
@@ -4514,9 +3705,9 @@
                           <a:spcPct val="100000"/>
                         </a:lnSpc>
                       </a:pPr>
-                      <a:endParaRPr sz="900">
-                        <a:latin typeface="Times New Roman"/>
-                        <a:cs typeface="Times New Roman"/>
+                      <a:endParaRPr sz="900" dirty="0">
+                        <a:latin typeface="Times New Roman" panose="02020603050405020304"/>
+                        <a:cs typeface="Times New Roman" panose="02020603050405020304"/>
                       </a:endParaRPr>
                     </a:p>
                   </a:txBody>
@@ -4543,9 +3734,9 @@
                           <a:spcPct val="100000"/>
                         </a:lnSpc>
                       </a:pPr>
-                      <a:endParaRPr sz="900">
-                        <a:latin typeface="Times New Roman"/>
-                        <a:cs typeface="Times New Roman"/>
+                      <a:endParaRPr sz="900" dirty="0">
+                        <a:latin typeface="Times New Roman" panose="02020603050405020304"/>
+                        <a:cs typeface="Times New Roman" panose="02020603050405020304"/>
                       </a:endParaRPr>
                     </a:p>
                   </a:txBody>
@@ -4569,18 +3760,7 @@
                     <a:bodyPr/>
                     <a:lstStyle/>
                     <a:p>
-                      <a:pPr marL="50800">
-                        <a:lnSpc>
-                          <a:spcPct val="100000"/>
-                        </a:lnSpc>
-                        <a:spcBef>
-                          <a:spcPts val="500"/>
-                        </a:spcBef>
-                      </a:pPr>
-                      <a:endParaRPr sz="900">
-                        <a:latin typeface="AdobeClean-Light"/>
-                        <a:cs typeface="AdobeClean-Light"/>
-                      </a:endParaRPr>
+                      <a:endParaRPr lang="en-US"/>
                     </a:p>
                   </a:txBody>
                   <a:tcPr marL="0" marR="0" marT="63500" marB="0">
@@ -4627,16 +3807,16 @@
                         </a:spcBef>
                       </a:pPr>
                       <a:r>
-                        <a:rPr sz="900" spc="0">
+                        <a:rPr lang="en-US" sz="900" spc="0" dirty="0">
                           <a:solidFill>
                             <a:srgbClr val="020302"/>
                           </a:solidFill>
                           <a:latin typeface="AdobeClean-Light"/>
                           <a:cs typeface="AdobeClean-Light"/>
                         </a:rPr>
-                        <a:t>Technical Account Manager</a:t>
+                        <a:t>技术客户经理</a:t>
                       </a:r>
-                      <a:endParaRPr sz="900" spc="0">
+                      <a:endParaRPr sz="900" spc="0" dirty="0">
                         <a:latin typeface="AdobeClean-Light"/>
                         <a:cs typeface="AdobeClean-Light"/>
                       </a:endParaRPr>
@@ -4673,9 +3853,9 @@
                           <a:spcPct val="100000"/>
                         </a:lnSpc>
                       </a:pPr>
-                      <a:endParaRPr sz="900">
-                        <a:latin typeface="Times New Roman"/>
-                        <a:cs typeface="Times New Roman"/>
+                      <a:endParaRPr sz="900" dirty="0">
+                        <a:latin typeface="Times New Roman" panose="02020603050405020304"/>
+                        <a:cs typeface="Times New Roman" panose="02020603050405020304"/>
                       </a:endParaRPr>
                     </a:p>
                   </a:txBody>
@@ -4711,9 +3891,9 @@
                           <a:spcPct val="100000"/>
                         </a:lnSpc>
                       </a:pPr>
-                      <a:endParaRPr sz="900">
-                        <a:latin typeface="Times New Roman"/>
-                        <a:cs typeface="Times New Roman"/>
+                      <a:endParaRPr sz="900" dirty="0">
+                        <a:latin typeface="Times New Roman" panose="02020603050405020304"/>
+                        <a:cs typeface="Times New Roman" panose="02020603050405020304"/>
                       </a:endParaRPr>
                     </a:p>
                   </a:txBody>
@@ -4751,20 +3931,20 @@
                           <a:spcPct val="100000"/>
                         </a:lnSpc>
                         <a:spcBef>
-                          <a:spcPts val="459"/>
+                          <a:spcPts val="460"/>
                         </a:spcBef>
                       </a:pPr>
                       <a:r>
-                        <a:rPr lang="en-US" sz="1000" b="1" i="0" spc="0">
+                        <a:rPr lang="en-US" sz="1000" b="1" i="0" spc="0" dirty="0">
                           <a:solidFill>
                             <a:schemeClr val="bg1"/>
                           </a:solidFill>
                           <a:latin typeface="Adobe Clean" panose="020B0503020404020204" pitchFamily="34" charset="0"/>
                           <a:cs typeface="AdobeClean-Light"/>
                         </a:rPr>
-                        <a:t>Support Services</a:t>
+                        <a:t>支持服务</a:t>
                       </a:r>
-                      <a:endParaRPr sz="1000" b="1" i="0" spc="0">
+                      <a:endParaRPr sz="1000" b="1" i="0" spc="0" dirty="0">
                         <a:solidFill>
                           <a:schemeClr val="bg1"/>
                         </a:solidFill>
@@ -4826,26 +4006,16 @@
                         </a:spcBef>
                       </a:pPr>
                       <a:r>
-                        <a:rPr lang="en-US" sz="900" spc="0">
+                        <a:rPr lang="en-US" sz="900" spc="0" dirty="0">
                           <a:solidFill>
                             <a:srgbClr val="020302"/>
                           </a:solidFill>
                           <a:latin typeface="AdobeClean-Light"/>
                           <a:cs typeface="AdobeClean-Light"/>
                         </a:rPr>
-                        <a:t>Online</a:t>
+                        <a:t>在线支持</a:t>
                       </a:r>
-                      <a:r>
-                        <a:rPr sz="900" spc="0">
-                          <a:solidFill>
-                            <a:srgbClr val="020302"/>
-                          </a:solidFill>
-                          <a:latin typeface="AdobeClean-Light"/>
-                          <a:cs typeface="AdobeClean-Light"/>
-                        </a:rPr>
-                        <a:t> Support</a:t>
-                      </a:r>
-                      <a:endParaRPr sz="900" spc="0">
+                      <a:endParaRPr sz="900" spc="0" dirty="0">
                         <a:latin typeface="AdobeClean-Light"/>
                         <a:cs typeface="AdobeClean-Light"/>
                       </a:endParaRPr>
@@ -4886,36 +4056,26 @@
                         </a:spcBef>
                       </a:pPr>
                       <a:r>
-                        <a:rPr sz="900" spc="-25">
+                        <a:rPr lang="en-US" sz="900" spc="-25" dirty="0">
                           <a:solidFill>
                             <a:srgbClr val="020302"/>
                           </a:solidFill>
                           <a:latin typeface="AdobeClean-Light"/>
                           <a:cs typeface="AdobeClean-Light"/>
                         </a:rPr>
-                        <a:t>Business</a:t>
+                        <a:t>营业</a:t>
                       </a:r>
                       <a:r>
-                        <a:rPr sz="900" spc="-15">
+                        <a:rPr lang="en-US" sz="900" spc="-30" dirty="0">
                           <a:solidFill>
                             <a:srgbClr val="020302"/>
                           </a:solidFill>
                           <a:latin typeface="AdobeClean-Light"/>
                           <a:cs typeface="AdobeClean-Light"/>
                         </a:rPr>
-                        <a:t> </a:t>
+                        <a:t>时间</a:t>
                       </a:r>
-                      <a:r>
-                        <a:rPr sz="900" spc="-30">
-                          <a:solidFill>
-                            <a:srgbClr val="020302"/>
-                          </a:solidFill>
-                          <a:latin typeface="AdobeClean-Light"/>
-                          <a:cs typeface="AdobeClean-Light"/>
-                        </a:rPr>
-                        <a:t>hours</a:t>
-                      </a:r>
-                      <a:endParaRPr sz="900">
+                      <a:endParaRPr sz="900" dirty="0">
                         <a:latin typeface="AdobeClean-Light"/>
                         <a:cs typeface="AdobeClean-Light"/>
                       </a:endParaRPr>
@@ -4957,36 +4117,26 @@
                         </a:spcBef>
                       </a:pPr>
                       <a:r>
-                        <a:rPr sz="900" spc="-25">
+                        <a:rPr lang="en-US" sz="900" spc="-25" dirty="0">
                           <a:solidFill>
                             <a:srgbClr val="020302"/>
                           </a:solidFill>
                           <a:latin typeface="AdobeClean-Light"/>
                           <a:cs typeface="AdobeClean-Light"/>
                         </a:rPr>
-                        <a:t>Business</a:t>
+                        <a:t>营业</a:t>
                       </a:r>
                       <a:r>
-                        <a:rPr sz="900" spc="-15">
+                        <a:rPr lang="en-US" sz="900" spc="-30" dirty="0">
                           <a:solidFill>
                             <a:srgbClr val="020302"/>
                           </a:solidFill>
                           <a:latin typeface="AdobeClean-Light"/>
                           <a:cs typeface="AdobeClean-Light"/>
                         </a:rPr>
-                        <a:t> </a:t>
+                        <a:t>时间</a:t>
                       </a:r>
-                      <a:r>
-                        <a:rPr sz="900" spc="-30">
-                          <a:solidFill>
-                            <a:srgbClr val="020302"/>
-                          </a:solidFill>
-                          <a:latin typeface="AdobeClean-Light"/>
-                          <a:cs typeface="AdobeClean-Light"/>
-                        </a:rPr>
-                        <a:t>hours</a:t>
-                      </a:r>
-                      <a:endParaRPr sz="900">
+                      <a:endParaRPr sz="900" dirty="0">
                         <a:latin typeface="AdobeClean-Light"/>
                         <a:cs typeface="AdobeClean-Light"/>
                       </a:endParaRPr>
@@ -5021,18 +4171,7 @@
                     <a:bodyPr/>
                     <a:lstStyle/>
                     <a:p>
-                      <a:pPr marL="50800">
-                        <a:lnSpc>
-                          <a:spcPct val="100000"/>
-                        </a:lnSpc>
-                        <a:spcBef>
-                          <a:spcPts val="455"/>
-                        </a:spcBef>
-                      </a:pPr>
-                      <a:endParaRPr sz="900">
-                        <a:latin typeface="AdobeClean-Light"/>
-                        <a:cs typeface="AdobeClean-Light"/>
-                      </a:endParaRPr>
+                      <a:endParaRPr lang="en-US"/>
                     </a:p>
                   </a:txBody>
                   <a:tcPr marL="0" marR="0" marT="57785" marB="0">
@@ -5070,36 +4209,16 @@
                         </a:spcBef>
                       </a:pPr>
                       <a:r>
-                        <a:rPr sz="900" spc="0">
+                        <a:rPr lang="en-US" sz="900" spc="0" dirty="0">
                           <a:solidFill>
                             <a:srgbClr val="020302"/>
                           </a:solidFill>
                           <a:latin typeface="AdobeClean-Light"/>
                           <a:cs typeface="AdobeClean-Light"/>
                         </a:rPr>
-                        <a:t>24x7</a:t>
+                        <a:t>全天候 P1 问题支持</a:t>
                       </a:r>
-                      <a:r>
-                        <a:rPr lang="en-US" sz="900" spc="0">
-                          <a:solidFill>
-                            <a:srgbClr val="020302"/>
-                          </a:solidFill>
-                          <a:latin typeface="AdobeClean-Light"/>
-                          <a:cs typeface="AdobeClean-Light"/>
-                        </a:rPr>
-                        <a:t>x365</a:t>
-                      </a:r>
-                      <a:r>
-                        <a:rPr sz="900" spc="0">
-                          <a:solidFill>
-                            <a:srgbClr val="020302"/>
-                          </a:solidFill>
-                          <a:latin typeface="AdobeClean-Light"/>
-                          <a:cs typeface="AdobeClean-Light"/>
-                        </a:rPr>
-                        <a:t> P1 Issue Support</a:t>
-                      </a:r>
-                      <a:endParaRPr sz="900" spc="0">
+                      <a:endParaRPr sz="900" spc="0" dirty="0">
                         <a:latin typeface="AdobeClean-Light"/>
                         <a:cs typeface="AdobeClean-Light"/>
                       </a:endParaRPr>
@@ -5130,22 +4249,22 @@
                           <a:spcPct val="100000"/>
                         </a:lnSpc>
                         <a:spcBef>
-                          <a:spcPts val="459"/>
+                          <a:spcPts val="460"/>
                         </a:spcBef>
                       </a:pPr>
                       <a:r>
-                        <a:rPr sz="900">
+                        <a:rPr lang="en-US" sz="900" dirty="0">
                           <a:solidFill>
                             <a:srgbClr val="020302"/>
                           </a:solidFill>
-                          <a:latin typeface="Wingdings"/>
-                          <a:cs typeface="Wingdings"/>
+                          <a:latin typeface="Wingdings" panose="05000000000000000000"/>
+                          <a:cs typeface="Wingdings" panose="05000000000000000000"/>
                         </a:rPr>
                         <a:t></a:t>
                       </a:r>
-                      <a:endParaRPr sz="900">
-                        <a:latin typeface="Wingdings"/>
-                        <a:cs typeface="Wingdings"/>
+                      <a:endParaRPr sz="900" dirty="0">
+                        <a:latin typeface="Wingdings" panose="05000000000000000000"/>
+                        <a:cs typeface="Wingdings" panose="05000000000000000000"/>
                       </a:endParaRPr>
                     </a:p>
                   </a:txBody>
@@ -5172,22 +4291,22 @@
                           <a:spcPct val="100000"/>
                         </a:lnSpc>
                         <a:spcBef>
-                          <a:spcPts val="459"/>
+                          <a:spcPts val="460"/>
                         </a:spcBef>
                       </a:pPr>
                       <a:r>
-                        <a:rPr sz="900">
+                        <a:rPr lang="en-US" sz="900" dirty="0">
                           <a:solidFill>
                             <a:srgbClr val="020302"/>
                           </a:solidFill>
-                          <a:latin typeface="Wingdings"/>
-                          <a:cs typeface="Wingdings"/>
+                          <a:latin typeface="Wingdings" panose="05000000000000000000"/>
+                          <a:cs typeface="Wingdings" panose="05000000000000000000"/>
                         </a:rPr>
                         <a:t></a:t>
                       </a:r>
-                      <a:endParaRPr sz="900">
-                        <a:latin typeface="Wingdings"/>
-                        <a:cs typeface="Wingdings"/>
+                      <a:endParaRPr sz="900" dirty="0">
+                        <a:latin typeface="Wingdings" panose="05000000000000000000"/>
+                        <a:cs typeface="Wingdings" panose="05000000000000000000"/>
                       </a:endParaRPr>
                     </a:p>
                   </a:txBody>
@@ -5211,18 +4330,7 @@
                     <a:bodyPr/>
                     <a:lstStyle/>
                     <a:p>
-                      <a:pPr marL="50800">
-                        <a:lnSpc>
-                          <a:spcPct val="100000"/>
-                        </a:lnSpc>
-                        <a:spcBef>
-                          <a:spcPts val="455"/>
-                        </a:spcBef>
-                      </a:pPr>
-                      <a:endParaRPr sz="900">
-                        <a:latin typeface="AdobeClean-Light"/>
-                        <a:cs typeface="AdobeClean-Light"/>
-                      </a:endParaRPr>
+                      <a:endParaRPr lang="en-US"/>
                     </a:p>
                   </a:txBody>
                   <a:tcPr marL="0" marR="0" marT="57785" marB="0">
@@ -5269,16 +4377,16 @@
                         </a:spcBef>
                       </a:pPr>
                       <a:r>
-                        <a:rPr lang="en-US" sz="900" spc="0">
+                        <a:rPr lang="en-US" sz="900" spc="0" dirty="0">
                           <a:solidFill>
                             <a:srgbClr val="020302"/>
                           </a:solidFill>
                           <a:latin typeface="AdobeClean-Light"/>
                           <a:cs typeface="AdobeClean-Light"/>
                         </a:rPr>
-                        <a:t>Named Support Contacts (per product)</a:t>
+                        <a:t>指定的支持联系人（按产品）</a:t>
                       </a:r>
-                      <a:endParaRPr sz="900" spc="0">
+                      <a:endParaRPr sz="900" spc="0" dirty="0">
                         <a:latin typeface="AdobeClean-Light"/>
                         <a:cs typeface="AdobeClean-Light"/>
                       </a:endParaRPr>
@@ -5319,7 +4427,7 @@
                         </a:spcBef>
                       </a:pPr>
                       <a:r>
-                        <a:rPr sz="900">
+                        <a:rPr lang="en-US" sz="900" dirty="0">
                           <a:solidFill>
                             <a:srgbClr val="020302"/>
                           </a:solidFill>
@@ -5328,7 +4436,7 @@
                         </a:rPr>
                         <a:t>4</a:t>
                       </a:r>
-                      <a:endParaRPr sz="900">
+                      <a:endParaRPr sz="900" dirty="0">
                         <a:latin typeface="AdobeClean-Light"/>
                         <a:cs typeface="AdobeClean-Light"/>
                       </a:endParaRPr>
@@ -5361,7 +4469,7 @@
                         </a:spcBef>
                       </a:pPr>
                       <a:r>
-                        <a:rPr sz="900">
+                        <a:rPr lang="en-US" sz="900" dirty="0">
                           <a:solidFill>
                             <a:srgbClr val="020302"/>
                           </a:solidFill>
@@ -5370,7 +4478,7 @@
                         </a:rPr>
                         <a:t>6</a:t>
                       </a:r>
-                      <a:endParaRPr sz="900">
+                      <a:endParaRPr sz="900" dirty="0">
                         <a:latin typeface="AdobeClean-Light"/>
                         <a:cs typeface="AdobeClean-Light"/>
                       </a:endParaRPr>
@@ -5396,18 +4504,7 @@
                     <a:bodyPr/>
                     <a:lstStyle/>
                     <a:p>
-                      <a:pPr marL="50800">
-                        <a:lnSpc>
-                          <a:spcPct val="100000"/>
-                        </a:lnSpc>
-                        <a:spcBef>
-                          <a:spcPts val="455"/>
-                        </a:spcBef>
-                      </a:pPr>
-                      <a:endParaRPr sz="900">
-                        <a:latin typeface="AdobeClean-Light"/>
-                        <a:cs typeface="AdobeClean-Light"/>
-                      </a:endParaRPr>
+                      <a:endParaRPr lang="en-US"/>
                     </a:p>
                   </a:txBody>
                   <a:tcPr marL="0" marR="0" marT="57785" marB="0">
@@ -5445,16 +4542,16 @@
                         </a:spcBef>
                       </a:pPr>
                       <a:r>
-                        <a:rPr lang="en-US" sz="900" spc="0">
+                        <a:rPr lang="en-US" sz="900" spc="0" dirty="0">
                           <a:solidFill>
                             <a:srgbClr val="020302"/>
                           </a:solidFill>
                           <a:latin typeface="AdobeClean-Light"/>
                           <a:cs typeface="AdobeClean-Light"/>
                         </a:rPr>
-                        <a:t>Live Telephone Support</a:t>
+                        <a:t>实时电话支持</a:t>
                       </a:r>
-                      <a:endParaRPr sz="900" spc="0">
+                      <a:endParaRPr sz="900" spc="0" dirty="0">
                         <a:latin typeface="AdobeClean-Light"/>
                         <a:cs typeface="AdobeClean-Light"/>
                       </a:endParaRPr>
@@ -5485,12 +4582,12 @@
                           <a:spcPct val="100000"/>
                         </a:lnSpc>
                         <a:spcBef>
-                          <a:spcPts val="464"/>
+                          <a:spcPts val="465"/>
                         </a:spcBef>
                       </a:pPr>
-                      <a:endParaRPr sz="900">
-                        <a:latin typeface="Wingdings"/>
-                        <a:cs typeface="Wingdings"/>
+                      <a:endParaRPr sz="900" dirty="0">
+                        <a:latin typeface="Wingdings" panose="05000000000000000000"/>
+                        <a:cs typeface="Wingdings" panose="05000000000000000000"/>
                       </a:endParaRPr>
                     </a:p>
                   </a:txBody>
@@ -5517,22 +4614,22 @@
                           <a:spcPct val="100000"/>
                         </a:lnSpc>
                         <a:spcBef>
-                          <a:spcPts val="464"/>
+                          <a:spcPts val="465"/>
                         </a:spcBef>
                       </a:pPr>
                       <a:r>
-                        <a:rPr sz="900">
+                        <a:rPr lang="en-US" sz="900" dirty="0">
                           <a:solidFill>
                             <a:srgbClr val="020302"/>
                           </a:solidFill>
-                          <a:latin typeface="Wingdings"/>
-                          <a:cs typeface="Wingdings"/>
+                          <a:latin typeface="Wingdings" panose="05000000000000000000"/>
+                          <a:cs typeface="Wingdings" panose="05000000000000000000"/>
                         </a:rPr>
                         <a:t></a:t>
                       </a:r>
-                      <a:endParaRPr sz="900">
-                        <a:latin typeface="Wingdings"/>
-                        <a:cs typeface="Wingdings"/>
+                      <a:endParaRPr sz="900" dirty="0">
+                        <a:latin typeface="Wingdings" panose="05000000000000000000"/>
+                        <a:cs typeface="Wingdings" panose="05000000000000000000"/>
                       </a:endParaRPr>
                     </a:p>
                   </a:txBody>
@@ -5556,18 +4653,7 @@
                     <a:bodyPr/>
                     <a:lstStyle/>
                     <a:p>
-                      <a:pPr marL="50800">
-                        <a:lnSpc>
-                          <a:spcPct val="100000"/>
-                        </a:lnSpc>
-                        <a:spcBef>
-                          <a:spcPts val="459"/>
-                        </a:spcBef>
-                      </a:pPr>
-                      <a:endParaRPr sz="900">
-                        <a:latin typeface="AdobeClean-Light"/>
-                        <a:cs typeface="AdobeClean-Light"/>
-                      </a:endParaRPr>
+                      <a:endParaRPr lang="en-US"/>
                     </a:p>
                   </a:txBody>
                   <a:tcPr marL="0" marR="0" marT="58419" marB="0">
@@ -5601,20 +4687,20 @@
                           <a:spcPct val="100000"/>
                         </a:lnSpc>
                         <a:spcBef>
-                          <a:spcPts val="459"/>
+                          <a:spcPts val="460"/>
                         </a:spcBef>
                       </a:pPr>
                       <a:r>
-                        <a:rPr sz="900" spc="0">
+                        <a:rPr lang="en-US" sz="900" spc="0" dirty="0">
                           <a:solidFill>
                             <a:srgbClr val="020302"/>
                           </a:solidFill>
                           <a:latin typeface="AdobeClean-Light"/>
                           <a:cs typeface="AdobeClean-Light"/>
                         </a:rPr>
-                        <a:t>Escalation Management</a:t>
+                        <a:t>上报管理</a:t>
                       </a:r>
-                      <a:endParaRPr sz="900" spc="0">
+                      <a:endParaRPr sz="900" spc="0" dirty="0">
                         <a:latin typeface="AdobeClean-Light"/>
                         <a:cs typeface="AdobeClean-Light"/>
                       </a:endParaRPr>
@@ -5648,9 +4734,9 @@
                           <a:spcPts val="470"/>
                         </a:spcBef>
                       </a:pPr>
-                      <a:endParaRPr sz="900">
-                        <a:latin typeface="Wingdings"/>
-                        <a:cs typeface="Wingdings"/>
+                      <a:endParaRPr sz="900" dirty="0">
+                        <a:latin typeface="Wingdings" panose="05000000000000000000"/>
+                        <a:cs typeface="Wingdings" panose="05000000000000000000"/>
                       </a:endParaRPr>
                     </a:p>
                   </a:txBody>
@@ -5681,18 +4767,18 @@
                         </a:spcBef>
                       </a:pPr>
                       <a:r>
-                        <a:rPr sz="900">
+                        <a:rPr lang="en-US" sz="900" dirty="0">
                           <a:solidFill>
                             <a:srgbClr val="020302"/>
                           </a:solidFill>
-                          <a:latin typeface="Wingdings"/>
-                          <a:cs typeface="Wingdings"/>
+                          <a:latin typeface="Wingdings" panose="05000000000000000000"/>
+                          <a:cs typeface="Wingdings" panose="05000000000000000000"/>
                         </a:rPr>
                         <a:t></a:t>
                       </a:r>
-                      <a:endParaRPr sz="900">
-                        <a:latin typeface="Wingdings"/>
-                        <a:cs typeface="Wingdings"/>
+                      <a:endParaRPr sz="900" dirty="0">
+                        <a:latin typeface="Wingdings" panose="05000000000000000000"/>
+                        <a:cs typeface="Wingdings" panose="05000000000000000000"/>
                       </a:endParaRPr>
                     </a:p>
                   </a:txBody>
@@ -5716,18 +4802,7 @@
                     <a:bodyPr/>
                     <a:lstStyle/>
                     <a:p>
-                      <a:pPr marL="50800">
-                        <a:lnSpc>
-                          <a:spcPct val="100000"/>
-                        </a:lnSpc>
-                        <a:spcBef>
-                          <a:spcPts val="450"/>
-                        </a:spcBef>
-                      </a:pPr>
-                      <a:endParaRPr sz="900">
-                        <a:latin typeface="AdobeClean-Light"/>
-                        <a:cs typeface="AdobeClean-Light"/>
-                      </a:endParaRPr>
+                      <a:endParaRPr lang="en-US"/>
                     </a:p>
                   </a:txBody>
                   <a:tcPr marL="0" marR="0" marT="57150" marB="0">
@@ -5765,26 +4840,16 @@
                         </a:spcBef>
                       </a:pPr>
                       <a:r>
-                        <a:rPr sz="900" spc="0">
+                        <a:rPr lang="en-US" sz="900" spc="0" dirty="0">
                           <a:solidFill>
                             <a:srgbClr val="020302"/>
                           </a:solidFill>
                           <a:latin typeface="AdobeClean-Light"/>
                           <a:cs typeface="AdobeClean-Light"/>
                         </a:rPr>
-                        <a:t>Service Reviews </a:t>
+                        <a:t>每年服务审查次数</a:t>
                       </a:r>
-                      <a:r>
-                        <a:rPr lang="en-US" sz="900" spc="0">
-                          <a:solidFill>
-                            <a:srgbClr val="020302"/>
-                          </a:solidFill>
-                          <a:latin typeface="AdobeClean-Light"/>
-                          <a:cs typeface="AdobeClean-Light"/>
-                        </a:rPr>
-                        <a:t>per Year</a:t>
-                      </a:r>
-                      <a:endParaRPr sz="900" spc="0">
+                      <a:endParaRPr sz="900" spc="0" dirty="0">
                         <a:latin typeface="AdobeClean-Light"/>
                         <a:cs typeface="AdobeClean-Light"/>
                       </a:endParaRPr>
@@ -5815,9 +4880,9 @@
                           <a:spcPct val="100000"/>
                         </a:lnSpc>
                       </a:pPr>
-                      <a:endParaRPr sz="900">
-                        <a:latin typeface="Times New Roman"/>
-                        <a:cs typeface="Times New Roman"/>
+                      <a:endParaRPr sz="900" dirty="0">
+                        <a:latin typeface="Times New Roman" panose="02020603050405020304"/>
+                        <a:cs typeface="Times New Roman" panose="02020603050405020304"/>
                       </a:endParaRPr>
                     </a:p>
                   </a:txBody>
@@ -5844,9 +4909,9 @@
                           <a:spcPct val="100000"/>
                         </a:lnSpc>
                       </a:pPr>
-                      <a:endParaRPr sz="900">
-                        <a:latin typeface="Times New Roman"/>
-                        <a:cs typeface="Times New Roman"/>
+                      <a:endParaRPr sz="900" dirty="0">
+                        <a:latin typeface="Times New Roman" panose="02020603050405020304"/>
+                        <a:cs typeface="Times New Roman" panose="02020603050405020304"/>
                       </a:endParaRPr>
                     </a:p>
                   </a:txBody>
@@ -5889,13 +4954,13 @@
                         </a:spcBef>
                       </a:pPr>
                       <a:r>
-                        <a:rPr lang="en-US" sz="900" spc="0">
+                        <a:rPr lang="en-US" sz="900" spc="0" dirty="0">
                           <a:latin typeface="AdobeClean-Light"/>
                           <a:cs typeface="AdobeClean-Light"/>
                         </a:rPr>
-                        <a:t>Expert Sessions per Year</a:t>
+                        <a:t>每年专家讲座数</a:t>
                       </a:r>
-                      <a:endParaRPr sz="900" spc="0">
+                      <a:endParaRPr sz="900" spc="0" dirty="0">
                         <a:latin typeface="AdobeClean-Light"/>
                         <a:cs typeface="AdobeClean-Light"/>
                       </a:endParaRPr>
@@ -5932,9 +4997,9 @@
                           <a:spcPct val="100000"/>
                         </a:lnSpc>
                       </a:pPr>
-                      <a:endParaRPr sz="900">
-                        <a:latin typeface="Times New Roman"/>
-                        <a:cs typeface="Times New Roman"/>
+                      <a:endParaRPr sz="900" dirty="0">
+                        <a:latin typeface="Times New Roman" panose="02020603050405020304"/>
+                        <a:cs typeface="Times New Roman" panose="02020603050405020304"/>
                       </a:endParaRPr>
                     </a:p>
                   </a:txBody>
@@ -5961,295 +5026,9 @@
                           <a:spcPct val="100000"/>
                         </a:lnSpc>
                       </a:pPr>
-                      <a:endParaRPr sz="900">
-                        <a:latin typeface="Times New Roman"/>
-                        <a:cs typeface="Times New Roman"/>
-                      </a:endParaRPr>
-                    </a:p>
-                  </a:txBody>
-                  <a:tcPr marL="0" marR="0" marT="0" marB="0">
-                    <a:solidFill>
-                      <a:schemeClr val="bg1">
-                        <a:lumMod val="95000"/>
-                      </a:schemeClr>
-                    </a:solidFill>
-                  </a:tcPr>
-                </a:tc>
-                <a:extLst>
-                  <a:ext uri="{0D108BD9-81ED-4DB2-BD59-A6C34878D82A}">
-                    <a16:rowId xmlns:a16="http://schemas.microsoft.com/office/drawing/2014/main" val="225399098"/>
-                  </a:ext>
-                </a:extLst>
-              </a:tr>
-              <a:tr h="229317">
-                <a:tc vMerge="1">
-                  <a:txBody>
-                    <a:bodyPr/>
-                    <a:lstStyle/>
-                    <a:p>
-                      <a:endParaRPr lang="en-US"/>
-                    </a:p>
-                  </a:txBody>
-                  <a:tcPr/>
-                </a:tc>
-                <a:tc>
-                  <a:txBody>
-                    <a:bodyPr/>
-                    <a:lstStyle/>
-                    <a:p>
-                      <a:pPr marL="50800" hangingPunct="0">
-                        <a:lnSpc>
-                          <a:spcPct val="100000"/>
-                        </a:lnSpc>
-                        <a:spcBef>
-                          <a:spcPts val="450"/>
-                        </a:spcBef>
-                      </a:pPr>
-                      <a:r>
-                        <a:rPr lang="en-US" sz="900" spc="0">
-                          <a:latin typeface="AdobeClean-Light"/>
-                          <a:cs typeface="AdobeClean-Light"/>
-                        </a:rPr>
-                        <a:t>Case Reviews</a:t>
-                      </a:r>
-                      <a:endParaRPr sz="900" spc="0">
-                        <a:latin typeface="AdobeClean-Light"/>
-                        <a:cs typeface="AdobeClean-Light"/>
-                      </a:endParaRPr>
-                    </a:p>
-                  </a:txBody>
-                  <a:tcPr marL="0" marR="0" marT="57150" marB="0">
-                    <a:lnL w="12700" cap="flat" cmpd="sng" algn="ctr">
-                      <a:solidFill>
-                        <a:srgbClr val="F0F0F0"/>
-                      </a:solidFill>
-                      <a:prstDash val="solid"/>
-                      <a:round/>
-                      <a:headEnd type="none" w="med" len="med"/>
-                      <a:tailEnd type="none" w="med" len="med"/>
-                    </a:lnL>
-                    <a:lnR w="12700" cap="flat" cmpd="sng" algn="ctr">
-                      <a:solidFill>
-                        <a:srgbClr val="F0F0F0"/>
-                      </a:solidFill>
-                      <a:prstDash val="solid"/>
-                      <a:round/>
-                      <a:headEnd type="none" w="med" len="med"/>
-                      <a:tailEnd type="none" w="med" len="med"/>
-                    </a:lnR>
-                  </a:tcPr>
-                </a:tc>
-                <a:tc>
-                  <a:txBody>
-                    <a:bodyPr/>
-                    <a:lstStyle/>
-                    <a:p>
-                      <a:pPr>
-                        <a:lnSpc>
-                          <a:spcPct val="100000"/>
-                        </a:lnSpc>
-                      </a:pPr>
-                      <a:endParaRPr sz="900">
-                        <a:latin typeface="Times New Roman"/>
-                        <a:cs typeface="Times New Roman"/>
-                      </a:endParaRPr>
-                    </a:p>
-                  </a:txBody>
-                  <a:tcPr marL="0" marR="0" marT="0" marB="0">
-                    <a:lnL w="12700" cap="flat" cmpd="sng" algn="ctr">
-                      <a:solidFill>
-                        <a:srgbClr val="F0F0F0"/>
-                      </a:solidFill>
-                      <a:prstDash val="solid"/>
-                      <a:round/>
-                      <a:headEnd type="none" w="med" len="med"/>
-                      <a:tailEnd type="none" w="med" len="med"/>
-                    </a:lnL>
-                    <a:noFill/>
-                  </a:tcPr>
-                </a:tc>
-                <a:tc>
-                  <a:txBody>
-                    <a:bodyPr/>
-                    <a:lstStyle/>
-                    <a:p>
-                      <a:pPr>
-                        <a:lnSpc>
-                          <a:spcPct val="100000"/>
-                        </a:lnSpc>
-                      </a:pPr>
-                      <a:endParaRPr sz="900">
-                        <a:latin typeface="Times New Roman"/>
-                        <a:cs typeface="Times New Roman"/>
-                      </a:endParaRPr>
-                    </a:p>
-                  </a:txBody>
-                  <a:tcPr marL="0" marR="0" marT="0" marB="0">
-                    <a:solidFill>
-                      <a:schemeClr val="bg1">
-                        <a:lumMod val="95000"/>
-                      </a:schemeClr>
-                    </a:solidFill>
-                  </a:tcPr>
-                </a:tc>
-                <a:extLst>
-                  <a:ext uri="{0D108BD9-81ED-4DB2-BD59-A6C34878D82A}">
-                    <a16:rowId xmlns:a16="http://schemas.microsoft.com/office/drawing/2014/main" val="1164642039"/>
-                  </a:ext>
-                </a:extLst>
-              </a:tr>
-              <a:tr h="230812">
-                <a:tc vMerge="1">
-                  <a:txBody>
-                    <a:bodyPr/>
-                    <a:lstStyle/>
-                    <a:p>
-                      <a:pPr marL="48895">
-                        <a:lnSpc>
-                          <a:spcPct val="100000"/>
-                        </a:lnSpc>
-                        <a:spcBef>
-                          <a:spcPts val="459"/>
-                        </a:spcBef>
-                      </a:pPr>
-                      <a:endParaRPr sz="900">
-                        <a:latin typeface="AdobeClean-Light"/>
-                        <a:cs typeface="AdobeClean-Light"/>
-                      </a:endParaRPr>
-                    </a:p>
-                  </a:txBody>
-                  <a:tcPr marL="0" marR="0" marT="58419" marB="0">
-                    <a:lnL w="12700">
-                      <a:solidFill>
-                        <a:srgbClr val="F0F0F0"/>
-                      </a:solidFill>
-                      <a:prstDash val="solid"/>
-                    </a:lnL>
-                    <a:lnR w="12700" cap="flat" cmpd="sng" algn="ctr">
-                      <a:solidFill>
-                        <a:srgbClr val="F0F0F0"/>
-                      </a:solidFill>
-                      <a:prstDash val="solid"/>
-                      <a:round/>
-                      <a:headEnd type="none" w="med" len="med"/>
-                      <a:tailEnd type="none" w="med" len="med"/>
-                    </a:lnR>
-                    <a:lnT w="12700" cap="flat" cmpd="sng" algn="ctr">
-                      <a:solidFill>
-                        <a:srgbClr val="F0F0F0"/>
-                      </a:solidFill>
-                      <a:prstDash val="solid"/>
-                      <a:round/>
-                      <a:headEnd type="none" w="med" len="med"/>
-                      <a:tailEnd type="none" w="med" len="med"/>
-                    </a:lnT>
-                    <a:solidFill>
-                      <a:srgbClr val="7D7D7D"/>
-                    </a:solidFill>
-                  </a:tcPr>
-                </a:tc>
-                <a:tc>
-                  <a:txBody>
-                    <a:bodyPr/>
-                    <a:lstStyle/>
-                    <a:p>
-                      <a:pPr marL="48895" hangingPunct="0">
-                        <a:lnSpc>
-                          <a:spcPct val="100000"/>
-                        </a:lnSpc>
-                        <a:spcBef>
-                          <a:spcPts val="459"/>
-                        </a:spcBef>
-                      </a:pPr>
-                      <a:r>
-                        <a:rPr sz="900" spc="0">
-                          <a:solidFill>
-                            <a:srgbClr val="020302"/>
-                          </a:solidFill>
-                          <a:latin typeface="AdobeClean-Light"/>
-                          <a:cs typeface="AdobeClean-Light"/>
-                        </a:rPr>
-                        <a:t>Event </a:t>
-                      </a:r>
-                      <a:r>
-                        <a:rPr lang="en-US" sz="900" spc="0">
-                          <a:solidFill>
-                            <a:srgbClr val="020302"/>
-                          </a:solidFill>
-                          <a:latin typeface="AdobeClean-Light"/>
-                          <a:cs typeface="AdobeClean-Light"/>
-                        </a:rPr>
-                        <a:t>Management</a:t>
-                      </a:r>
-                      <a:endParaRPr sz="900" spc="0">
-                        <a:latin typeface="AdobeClean-Light"/>
-                        <a:cs typeface="AdobeClean-Light"/>
-                      </a:endParaRPr>
-                    </a:p>
-                  </a:txBody>
-                  <a:tcPr marL="0" marR="0" marT="58419" marB="0">
-                    <a:lnL w="12700" cap="flat" cmpd="sng" algn="ctr">
-                      <a:solidFill>
-                        <a:srgbClr val="F0F0F0"/>
-                      </a:solidFill>
-                      <a:prstDash val="solid"/>
-                      <a:round/>
-                      <a:headEnd type="none" w="med" len="med"/>
-                      <a:tailEnd type="none" w="med" len="med"/>
-                    </a:lnL>
-                    <a:lnR w="12700" cap="flat" cmpd="sng" algn="ctr">
-                      <a:solidFill>
-                        <a:srgbClr val="F0F0F0"/>
-                      </a:solidFill>
-                      <a:prstDash val="solid"/>
-                      <a:round/>
-                      <a:headEnd type="none" w="med" len="med"/>
-                      <a:tailEnd type="none" w="med" len="med"/>
-                    </a:lnR>
-                  </a:tcPr>
-                </a:tc>
-                <a:tc>
-                  <a:txBody>
-                    <a:bodyPr/>
-                    <a:lstStyle/>
-                    <a:p>
-                      <a:pPr>
-                        <a:lnSpc>
-                          <a:spcPct val="100000"/>
-                        </a:lnSpc>
-                      </a:pPr>
-                      <a:endParaRPr sz="900">
-                        <a:latin typeface="Times New Roman"/>
-                        <a:cs typeface="Times New Roman"/>
-                      </a:endParaRPr>
-                    </a:p>
-                  </a:txBody>
-                  <a:tcPr marL="0" marR="0" marT="0" marB="0">
-                    <a:lnL w="12700" cap="flat" cmpd="sng" algn="ctr">
-                      <a:solidFill>
-                        <a:srgbClr val="F0F0F0"/>
-                      </a:solidFill>
-                      <a:prstDash val="solid"/>
-                      <a:round/>
-                      <a:headEnd type="none" w="med" len="med"/>
-                      <a:tailEnd type="none" w="med" len="med"/>
-                    </a:lnL>
-                    <a:noFill/>
-                  </a:tcPr>
-                </a:tc>
-                <a:tc>
-                  <a:txBody>
-                    <a:bodyPr/>
-                    <a:lstStyle/>
-                    <a:p>
-                      <a:pPr>
-                        <a:lnSpc>
-                          <a:spcPct val="100000"/>
-                        </a:lnSpc>
-                      </a:pPr>
-                      <a:endParaRPr sz="900">
-                        <a:latin typeface="Times New Roman"/>
-                        <a:cs typeface="Times New Roman"/>
+                      <a:endParaRPr sz="900" dirty="0">
+                        <a:latin typeface="Times New Roman" panose="02020603050405020304"/>
+                        <a:cs typeface="Times New Roman" panose="02020603050405020304"/>
                       </a:endParaRPr>
                     </a:p>
                   </a:txBody>
@@ -6267,108 +5046,61 @@
                   </a:ext>
                 </a:extLst>
               </a:tr>
-              <a:tr h="231562">
+              <a:tr h="229317">
                 <a:tc vMerge="1">
                   <a:txBody>
                     <a:bodyPr/>
                     <a:lstStyle/>
                     <a:p>
-                      <a:pPr marL="48895">
-                        <a:lnSpc>
-                          <a:spcPct val="100000"/>
-                        </a:lnSpc>
-                        <a:spcBef>
-                          <a:spcPts val="465"/>
-                        </a:spcBef>
-                      </a:pPr>
-                      <a:endParaRPr sz="900">
-                        <a:latin typeface="AdobeClean-Light"/>
-                        <a:cs typeface="AdobeClean-Light"/>
-                      </a:endParaRPr>
+                      <a:endParaRPr lang="en-US"/>
                     </a:p>
                   </a:txBody>
-                  <a:tcPr marL="0" marR="0" marT="59055" marB="0">
-                    <a:lnL w="12700">
-                      <a:solidFill>
-                        <a:srgbClr val="F0F0F0"/>
-                      </a:solidFill>
-                      <a:prstDash val="solid"/>
-                    </a:lnL>
-                    <a:lnR w="12700" cap="flat" cmpd="sng" algn="ctr">
-                      <a:solidFill>
-                        <a:srgbClr val="F0F0F0"/>
-                      </a:solidFill>
-                      <a:prstDash val="solid"/>
-                      <a:round/>
-                      <a:headEnd type="none" w="med" len="med"/>
-                      <a:tailEnd type="none" w="med" len="med"/>
-                    </a:lnR>
-                    <a:solidFill>
-                      <a:srgbClr val="7D7D7D"/>
-                    </a:solidFill>
-                  </a:tcPr>
+                  <a:tcPr/>
                 </a:tc>
                 <a:tc>
                   <a:txBody>
                     <a:bodyPr/>
                     <a:lstStyle/>
                     <a:p>
-                      <a:pPr marL="48895" hangingPunct="0">
+                      <a:pPr marL="50800" hangingPunct="0">
                         <a:lnSpc>
                           <a:spcPct val="100000"/>
                         </a:lnSpc>
                         <a:spcBef>
-                          <a:spcPts val="465"/>
+                          <a:spcPts val="450"/>
                         </a:spcBef>
                       </a:pPr>
                       <a:r>
-                        <a:rPr sz="900" spc="0">
-                          <a:solidFill>
-                            <a:srgbClr val="020302"/>
-                          </a:solidFill>
+                        <a:rPr lang="en-US" sz="900" spc="0" dirty="0">
                           <a:latin typeface="AdobeClean-Light"/>
                           <a:cs typeface="AdobeClean-Light"/>
                         </a:rPr>
-                        <a:t>Environment</a:t>
+                        <a:t>案例审查</a:t>
                       </a:r>
-                      <a:r>
-                        <a:rPr lang="en-US" sz="900" spc="0">
-                          <a:solidFill>
-                            <a:srgbClr val="020302"/>
-                          </a:solidFill>
-                          <a:latin typeface="AdobeClean-Light"/>
-                          <a:cs typeface="AdobeClean-Light"/>
-                        </a:rPr>
-                        <a:t> </a:t>
-                      </a:r>
-                      <a:r>
-                        <a:rPr sz="900" spc="0">
-                          <a:solidFill>
-                            <a:srgbClr val="020302"/>
-                          </a:solidFill>
-                          <a:latin typeface="AdobeClean-Light"/>
-                          <a:cs typeface="AdobeClean-Light"/>
-                        </a:rPr>
-                        <a:t>Review, Maintenance &amp; Monitoring</a:t>
-                      </a:r>
-                      <a:endParaRPr sz="900" spc="0">
+                      <a:endParaRPr sz="900" spc="0" dirty="0">
                         <a:latin typeface="AdobeClean-Light"/>
                         <a:cs typeface="AdobeClean-Light"/>
                       </a:endParaRPr>
                     </a:p>
                   </a:txBody>
-                  <a:tcPr marL="0" marR="0" marT="59055" marB="0">
-                    <a:lnL w="12700">
+                  <a:tcPr marL="0" marR="0" marT="57150" marB="0">
+                    <a:lnL w="12700" cap="flat" cmpd="sng" algn="ctr">
                       <a:solidFill>
                         <a:srgbClr val="F0F0F0"/>
                       </a:solidFill>
                       <a:prstDash val="solid"/>
+                      <a:round/>
+                      <a:headEnd type="none" w="med" len="med"/>
+                      <a:tailEnd type="none" w="med" len="med"/>
                     </a:lnL>
-                    <a:lnR w="12700">
+                    <a:lnR w="12700" cap="flat" cmpd="sng" algn="ctr">
                       <a:solidFill>
                         <a:srgbClr val="F0F0F0"/>
                       </a:solidFill>
                       <a:prstDash val="solid"/>
+                      <a:round/>
+                      <a:headEnd type="none" w="med" len="med"/>
+                      <a:tailEnd type="none" w="med" len="med"/>
                     </a:lnR>
                   </a:tcPr>
                 </a:tc>
@@ -6382,9 +5114,9 @@
                           <a:spcPct val="100000"/>
                         </a:lnSpc>
                       </a:pPr>
-                      <a:endParaRPr sz="900">
-                        <a:latin typeface="Times New Roman"/>
-                        <a:cs typeface="Times New Roman"/>
+                      <a:endParaRPr sz="900" dirty="0">
+                        <a:latin typeface="Times New Roman" panose="02020603050405020304"/>
+                        <a:cs typeface="Times New Roman" panose="02020603050405020304"/>
                       </a:endParaRPr>
                     </a:p>
                   </a:txBody>
@@ -6411,9 +5143,9 @@
                           <a:spcPct val="100000"/>
                         </a:lnSpc>
                       </a:pPr>
-                      <a:endParaRPr sz="900">
-                        <a:latin typeface="Times New Roman"/>
-                        <a:cs typeface="Times New Roman"/>
+                      <a:endParaRPr sz="900" dirty="0">
+                        <a:latin typeface="Times New Roman" panose="02020603050405020304"/>
+                        <a:cs typeface="Times New Roman" panose="02020603050405020304"/>
                       </a:endParaRPr>
                     </a:p>
                   </a:txBody>
@@ -6431,27 +5163,16 @@
                   </a:ext>
                 </a:extLst>
               </a:tr>
-              <a:tr h="236808">
+              <a:tr h="230812">
                 <a:tc vMerge="1">
                   <a:txBody>
                     <a:bodyPr/>
                     <a:lstStyle/>
                     <a:p>
-                      <a:pPr marL="49530">
-                        <a:lnSpc>
-                          <a:spcPct val="100000"/>
-                        </a:lnSpc>
-                        <a:spcBef>
-                          <a:spcPts val="500"/>
-                        </a:spcBef>
-                      </a:pPr>
-                      <a:endParaRPr sz="900">
-                        <a:latin typeface="AdobeClean-Light"/>
-                        <a:cs typeface="AdobeClean-Light"/>
-                      </a:endParaRPr>
+                      <a:endParaRPr lang="en-US"/>
                     </a:p>
                   </a:txBody>
-                  <a:tcPr marL="0" marR="0" marT="63500" marB="0">
+                  <a:tcPr marL="0" marR="0" marT="58419" marB="0">
                     <a:lnL w="12700">
                       <a:solidFill>
                         <a:srgbClr val="F0F0F0"/>
@@ -6467,6 +5188,15 @@
                       <a:headEnd type="none" w="med" len="med"/>
                       <a:tailEnd type="none" w="med" len="med"/>
                     </a:lnR>
+                    <a:lnT w="12700" cap="flat" cmpd="sng" algn="ctr">
+                      <a:solidFill>
+                        <a:srgbClr val="F0F0F0"/>
+                      </a:solidFill>
+                      <a:prstDash val="solid"/>
+                      <a:round/>
+                      <a:headEnd type="none" w="med" len="med"/>
+                      <a:tailEnd type="none" w="med" len="med"/>
+                    </a:lnT>
                     <a:solidFill>
                       <a:srgbClr val="7D7D7D"/>
                     </a:solidFill>
@@ -6477,42 +5207,48 @@
                     <a:bodyPr/>
                     <a:lstStyle/>
                     <a:p>
-                      <a:pPr marL="49530" hangingPunct="0">
+                      <a:pPr marL="48895" hangingPunct="0">
                         <a:lnSpc>
                           <a:spcPct val="100000"/>
                         </a:lnSpc>
                         <a:spcBef>
-                          <a:spcPts val="500"/>
+                          <a:spcPts val="460"/>
                         </a:spcBef>
                       </a:pPr>
                       <a:r>
-                        <a:rPr sz="900" spc="0">
+                        <a:rPr lang="en-US" sz="900" spc="0" dirty="0">
                           <a:solidFill>
                             <a:srgbClr val="020302"/>
                           </a:solidFill>
                           <a:latin typeface="AdobeClean-Light"/>
                           <a:cs typeface="AdobeClean-Light"/>
                         </a:rPr>
-                        <a:t>Release, Migration, Upgrade &amp; Product Roadmap Review</a:t>
+                        <a:t>事件管理</a:t>
                       </a:r>
-                      <a:endParaRPr sz="900" spc="0">
+                      <a:endParaRPr sz="900" spc="0" dirty="0">
                         <a:latin typeface="AdobeClean-Light"/>
                         <a:cs typeface="AdobeClean-Light"/>
                       </a:endParaRPr>
                     </a:p>
                   </a:txBody>
-                  <a:tcPr marL="0" marR="0" marT="63500" marB="0">
-                    <a:lnL w="12700">
+                  <a:tcPr marL="0" marR="0" marT="58419" marB="0">
+                    <a:lnL w="12700" cap="flat" cmpd="sng" algn="ctr">
                       <a:solidFill>
                         <a:srgbClr val="F0F0F0"/>
                       </a:solidFill>
                       <a:prstDash val="solid"/>
+                      <a:round/>
+                      <a:headEnd type="none" w="med" len="med"/>
+                      <a:tailEnd type="none" w="med" len="med"/>
                     </a:lnL>
-                    <a:lnR w="12700">
+                    <a:lnR w="12700" cap="flat" cmpd="sng" algn="ctr">
                       <a:solidFill>
                         <a:srgbClr val="F0F0F0"/>
                       </a:solidFill>
                       <a:prstDash val="solid"/>
+                      <a:round/>
+                      <a:headEnd type="none" w="med" len="med"/>
+                      <a:tailEnd type="none" w="med" len="med"/>
                     </a:lnR>
                   </a:tcPr>
                 </a:tc>
@@ -6526,9 +5262,9 @@
                           <a:spcPct val="100000"/>
                         </a:lnSpc>
                       </a:pPr>
-                      <a:endParaRPr sz="900">
-                        <a:latin typeface="Times New Roman"/>
-                        <a:cs typeface="Times New Roman"/>
+                      <a:endParaRPr sz="900" dirty="0">
+                        <a:latin typeface="Times New Roman" panose="02020603050405020304"/>
+                        <a:cs typeface="Times New Roman" panose="02020603050405020304"/>
                       </a:endParaRPr>
                     </a:p>
                   </a:txBody>
@@ -6555,9 +5291,9 @@
                           <a:spcPct val="100000"/>
                         </a:lnSpc>
                       </a:pPr>
-                      <a:endParaRPr sz="900">
-                        <a:latin typeface="Times New Roman"/>
-                        <a:cs typeface="Times New Roman"/>
+                      <a:endParaRPr sz="900" dirty="0">
+                        <a:latin typeface="Times New Roman" panose="02020603050405020304"/>
+                        <a:cs typeface="Times New Roman" panose="02020603050405020304"/>
                       </a:endParaRPr>
                     </a:p>
                   </a:txBody>
@@ -6575,27 +5311,16 @@
                   </a:ext>
                 </a:extLst>
               </a:tr>
-              <a:tr h="241305">
+              <a:tr h="231562">
                 <a:tc vMerge="1">
                   <a:txBody>
                     <a:bodyPr/>
                     <a:lstStyle/>
                     <a:p>
-                      <a:pPr marL="49530">
-                        <a:lnSpc>
-                          <a:spcPct val="100000"/>
-                        </a:lnSpc>
-                        <a:spcBef>
-                          <a:spcPts val="530"/>
-                        </a:spcBef>
-                      </a:pPr>
-                      <a:endParaRPr sz="900">
-                        <a:latin typeface="AdobeClean-Light"/>
-                        <a:cs typeface="AdobeClean-Light"/>
-                      </a:endParaRPr>
+                      <a:endParaRPr lang="en-US"/>
                     </a:p>
                   </a:txBody>
-                  <a:tcPr marL="0" marR="0" marT="67310" marB="0">
+                  <a:tcPr marL="0" marR="0" marT="59055" marB="0">
                     <a:lnL w="12700">
                       <a:solidFill>
                         <a:srgbClr val="F0F0F0"/>
@@ -6611,15 +5336,6 @@
                       <a:headEnd type="none" w="med" len="med"/>
                       <a:tailEnd type="none" w="med" len="med"/>
                     </a:lnR>
-                    <a:lnB w="12700" cap="flat" cmpd="sng" algn="ctr">
-                      <a:solidFill>
-                        <a:srgbClr val="F0F0F0"/>
-                      </a:solidFill>
-                      <a:prstDash val="solid"/>
-                      <a:round/>
-                      <a:headEnd type="none" w="med" len="med"/>
-                      <a:tailEnd type="none" w="med" len="med"/>
-                    </a:lnB>
                     <a:solidFill>
                       <a:srgbClr val="7D7D7D"/>
                     </a:solidFill>
@@ -6630,24 +5346,31 @@
                     <a:bodyPr/>
                     <a:lstStyle/>
                     <a:p>
-                      <a:pPr marL="49530" hangingPunct="0">
+                      <a:pPr marL="48895" hangingPunct="0">
                         <a:lnSpc>
                           <a:spcPct val="100000"/>
                         </a:lnSpc>
                         <a:spcBef>
-                          <a:spcPts val="530"/>
+                          <a:spcPts val="465"/>
                         </a:spcBef>
                       </a:pPr>
                       <a:r>
-                        <a:rPr sz="900" spc="0">
+                        <a:rPr lang="en-US" sz="900" spc="0" dirty="0">
+                          <a:solidFill>
+                            <a:srgbClr val="020302"/>
+                          </a:solidFill>
                           <a:latin typeface="AdobeClean-Light"/>
                           <a:cs typeface="AdobeClean-Light"/>
                         </a:rPr>
-                        <a:t>Cloud Support Activities – Experience Manager as Cloud</a:t>
+                        <a:t>环境审查、维护和监控</a:t>
                       </a:r>
+                      <a:endParaRPr sz="900" spc="0" dirty="0">
+                        <a:latin typeface="AdobeClean-Light"/>
+                        <a:cs typeface="AdobeClean-Light"/>
+                      </a:endParaRPr>
                     </a:p>
                   </a:txBody>
-                  <a:tcPr marL="0" marR="0" marT="67310" marB="0">
+                  <a:tcPr marL="0" marR="0" marT="59055" marB="0">
                     <a:lnL w="12700">
                       <a:solidFill>
                         <a:srgbClr val="F0F0F0"/>
@@ -6660,12 +5383,6 @@
                       </a:solidFill>
                       <a:prstDash val="solid"/>
                     </a:lnR>
-                    <a:lnB w="12700">
-                      <a:solidFill>
-                        <a:srgbClr val="F0F0F0"/>
-                      </a:solidFill>
-                      <a:prstDash val="solid"/>
-                    </a:lnB>
                   </a:tcPr>
                 </a:tc>
                 <a:tc>
@@ -6678,9 +5395,9 @@
                           <a:spcPct val="100000"/>
                         </a:lnSpc>
                       </a:pPr>
-                      <a:endParaRPr sz="900">
-                        <a:latin typeface="Times New Roman"/>
-                        <a:cs typeface="Times New Roman"/>
+                      <a:endParaRPr sz="900" dirty="0">
+                        <a:latin typeface="Times New Roman" panose="02020603050405020304"/>
+                        <a:cs typeface="Times New Roman" panose="02020603050405020304"/>
                       </a:endParaRPr>
                     </a:p>
                   </a:txBody>
@@ -6694,15 +5411,6 @@
                       <a:headEnd type="none" w="med" len="med"/>
                       <a:tailEnd type="none" w="med" len="med"/>
                     </a:lnL>
-                    <a:lnB w="12700" cap="flat" cmpd="sng" algn="ctr">
-                      <a:solidFill>
-                        <a:srgbClr val="F0F0F0"/>
-                      </a:solidFill>
-                      <a:prstDash val="solid"/>
-                      <a:round/>
-                      <a:headEnd type="none" w="med" len="med"/>
-                      <a:tailEnd type="none" w="med" len="med"/>
-                    </a:lnB>
                     <a:noFill/>
                   </a:tcPr>
                 </a:tc>
@@ -6716,22 +5424,13 @@
                           <a:spcPct val="100000"/>
                         </a:lnSpc>
                       </a:pPr>
-                      <a:endParaRPr sz="900">
-                        <a:latin typeface="Times New Roman"/>
-                        <a:cs typeface="Times New Roman"/>
+                      <a:endParaRPr sz="900" dirty="0">
+                        <a:latin typeface="Times New Roman" panose="02020603050405020304"/>
+                        <a:cs typeface="Times New Roman" panose="02020603050405020304"/>
                       </a:endParaRPr>
                     </a:p>
                   </a:txBody>
                   <a:tcPr marL="0" marR="0" marT="0" marB="0">
-                    <a:lnB w="12700" cap="flat" cmpd="sng" algn="ctr">
-                      <a:solidFill>
-                        <a:srgbClr val="F0F0F0"/>
-                      </a:solidFill>
-                      <a:prstDash val="solid"/>
-                      <a:round/>
-                      <a:headEnd type="none" w="med" len="med"/>
-                      <a:tailEnd type="none" w="med" len="med"/>
-                    </a:lnB>
                     <a:solidFill>
                       <a:schemeClr val="bg1">
                         <a:lumMod val="95000"/>
@@ -6745,40 +5444,16 @@
                   </a:ext>
                 </a:extLst>
               </a:tr>
-              <a:tr h="161868">
-                <a:tc rowSpan="2">
+              <a:tr h="236808">
+                <a:tc vMerge="1">
                   <a:txBody>
                     <a:bodyPr/>
                     <a:lstStyle/>
                     <a:p>
-                      <a:pPr marL="48260">
-                        <a:lnSpc>
-                          <a:spcPct val="100000"/>
-                        </a:lnSpc>
-                        <a:spcBef>
-                          <a:spcPts val="830"/>
-                        </a:spcBef>
-                      </a:pPr>
-                      <a:r>
-                        <a:rPr lang="en-US" sz="1000" b="1" i="0" spc="0">
-                          <a:solidFill>
-                            <a:schemeClr val="bg1"/>
-                          </a:solidFill>
-                          <a:latin typeface="Adobe Clean" panose="020B0503020404020204" pitchFamily="34" charset="0"/>
-                          <a:cs typeface="AdobeClean-Light"/>
-                        </a:rPr>
-                        <a:t>Field Services</a:t>
-                      </a:r>
-                      <a:endParaRPr sz="1000" b="1" i="0" spc="0">
-                        <a:solidFill>
-                          <a:schemeClr val="bg1"/>
-                        </a:solidFill>
-                        <a:latin typeface="Adobe Clean" panose="020B0503020404020204" pitchFamily="34" charset="0"/>
-                        <a:cs typeface="AdobeClean-Light"/>
-                      </a:endParaRPr>
+                      <a:endParaRPr lang="en-US"/>
                     </a:p>
                   </a:txBody>
-                  <a:tcPr marL="0" marR="0" marT="48260" marB="0" anchor="ctr">
+                  <a:tcPr marL="0" marR="0" marT="63500" marB="0">
                     <a:lnL w="12700">
                       <a:solidFill>
                         <a:srgbClr val="F0F0F0"/>
@@ -6794,73 +5469,41 @@
                       <a:headEnd type="none" w="med" len="med"/>
                       <a:tailEnd type="none" w="med" len="med"/>
                     </a:lnR>
-                    <a:lnT w="12700" cap="flat" cmpd="sng" algn="ctr">
-                      <a:solidFill>
-                        <a:srgbClr val="F0F0F0"/>
-                      </a:solidFill>
-                      <a:prstDash val="solid"/>
-                      <a:round/>
-                      <a:headEnd type="none" w="med" len="med"/>
-                      <a:tailEnd type="none" w="med" len="med"/>
-                    </a:lnT>
-                    <a:lnB w="12700">
-                      <a:solidFill>
-                        <a:srgbClr val="F1F1F1"/>
-                      </a:solidFill>
-                      <a:prstDash val="solid"/>
-                    </a:lnB>
                     <a:solidFill>
                       <a:srgbClr val="7D7D7D"/>
                     </a:solidFill>
                   </a:tcPr>
                 </a:tc>
-                <a:tc rowSpan="2">
+                <a:tc>
                   <a:txBody>
                     <a:bodyPr/>
                     <a:lstStyle/>
                     <a:p>
-                      <a:pPr marL="48260" hangingPunct="0">
+                      <a:pPr marL="49530" hangingPunct="0">
                         <a:lnSpc>
                           <a:spcPct val="100000"/>
                         </a:lnSpc>
                         <a:spcBef>
-                          <a:spcPts val="380"/>
+                          <a:spcPts val="500"/>
                         </a:spcBef>
                       </a:pPr>
                       <a:r>
-                        <a:rPr sz="900" spc="0">
+                        <a:rPr lang="en-US" sz="900" spc="0" dirty="0">
                           <a:solidFill>
                             <a:srgbClr val="020302"/>
                           </a:solidFill>
                           <a:latin typeface="AdobeClean-Light"/>
                           <a:cs typeface="AdobeClean-Light"/>
                         </a:rPr>
-                        <a:t>Launch Advisory Services – First Year of new solution</a:t>
+                        <a:t>发布、迁移、升级和产品路线图审查</a:t>
                       </a:r>
-                      <a:endParaRPr sz="900" spc="0">
+                      <a:endParaRPr sz="900" spc="0" dirty="0">
                         <a:latin typeface="AdobeClean-Light"/>
                         <a:cs typeface="AdobeClean-Light"/>
                       </a:endParaRPr>
                     </a:p>
-                    <a:p>
-                      <a:pPr marL="48260" hangingPunct="0">
-                        <a:lnSpc>
-                          <a:spcPct val="100000"/>
-                        </a:lnSpc>
-                        <a:spcBef>
-                          <a:spcPts val="830"/>
-                        </a:spcBef>
-                      </a:pPr>
-                      <a:r>
-                        <a:rPr sz="900" spc="0">
-                          <a:latin typeface="AdobeClean-Light"/>
-                          <a:cs typeface="AdobeClean-Light"/>
-                        </a:rPr>
-                        <a:t>Field Service Activities </a:t>
-                      </a:r>
-                    </a:p>
                   </a:txBody>
-                  <a:tcPr marL="0" marR="0" marT="48260" marB="0">
+                  <a:tcPr marL="0" marR="0" marT="63500" marB="0">
                     <a:lnL w="12700">
                       <a:solidFill>
                         <a:srgbClr val="F0F0F0"/>
@@ -6873,18 +5516,6 @@
                       </a:solidFill>
                       <a:prstDash val="solid"/>
                     </a:lnR>
-                    <a:lnT w="12700">
-                      <a:solidFill>
-                        <a:srgbClr val="F0F0F0"/>
-                      </a:solidFill>
-                      <a:prstDash val="solid"/>
-                    </a:lnT>
-                    <a:lnB w="12700">
-                      <a:solidFill>
-                        <a:srgbClr val="F1F1F1"/>
-                      </a:solidFill>
-                      <a:prstDash val="solid"/>
-                    </a:lnB>
                   </a:tcPr>
                 </a:tc>
                 <a:tc>
@@ -6897,9 +5528,9 @@
                           <a:spcPct val="100000"/>
                         </a:lnSpc>
                       </a:pPr>
-                      <a:endParaRPr sz="900">
-                        <a:latin typeface="Times New Roman"/>
-                        <a:cs typeface="Times New Roman"/>
+                      <a:endParaRPr sz="900" dirty="0">
+                        <a:latin typeface="Times New Roman" panose="02020603050405020304"/>
+                        <a:cs typeface="Times New Roman" panose="02020603050405020304"/>
                       </a:endParaRPr>
                     </a:p>
                   </a:txBody>
@@ -6913,15 +5544,6 @@
                       <a:headEnd type="none" w="med" len="med"/>
                       <a:tailEnd type="none" w="med" len="med"/>
                     </a:lnL>
-                    <a:lnT w="12700" cap="flat" cmpd="sng" algn="ctr">
-                      <a:solidFill>
-                        <a:srgbClr val="F0F0F0"/>
-                      </a:solidFill>
-                      <a:prstDash val="solid"/>
-                      <a:round/>
-                      <a:headEnd type="none" w="med" len="med"/>
-                      <a:tailEnd type="none" w="med" len="med"/>
-                    </a:lnT>
                     <a:noFill/>
                   </a:tcPr>
                 </a:tc>
@@ -6935,22 +5557,13 @@
                           <a:spcPct val="100000"/>
                         </a:lnSpc>
                       </a:pPr>
-                      <a:endParaRPr sz="900">
-                        <a:latin typeface="Times New Roman"/>
-                        <a:cs typeface="Times New Roman"/>
+                      <a:endParaRPr sz="900" dirty="0">
+                        <a:latin typeface="Times New Roman" panose="02020603050405020304"/>
+                        <a:cs typeface="Times New Roman" panose="02020603050405020304"/>
                       </a:endParaRPr>
                     </a:p>
                   </a:txBody>
                   <a:tcPr marL="0" marR="0" marT="0" marB="0">
-                    <a:lnT w="12700" cap="flat" cmpd="sng" algn="ctr">
-                      <a:solidFill>
-                        <a:srgbClr val="F0F0F0"/>
-                      </a:solidFill>
-                      <a:prstDash val="solid"/>
-                      <a:round/>
-                      <a:headEnd type="none" w="med" len="med"/>
-                      <a:tailEnd type="none" w="med" len="med"/>
-                    </a:lnT>
                     <a:solidFill>
                       <a:schemeClr val="bg1">
                         <a:lumMod val="95000"/>
@@ -6964,7 +5577,7 @@
                   </a:ext>
                 </a:extLst>
               </a:tr>
-              <a:tr h="338725">
+              <a:tr h="241305">
                 <a:tc vMerge="1">
                   <a:txBody>
                     <a:bodyPr/>
@@ -6973,17 +5586,59 @@
                       <a:endParaRPr lang="en-US"/>
                     </a:p>
                   </a:txBody>
-                  <a:tcPr/>
+                  <a:tcPr marL="0" marR="0" marT="67310" marB="0">
+                    <a:lnL w="12700">
+                      <a:solidFill>
+                        <a:srgbClr val="F0F0F0"/>
+                      </a:solidFill>
+                      <a:prstDash val="solid"/>
+                    </a:lnL>
+                    <a:lnR w="12700" cap="flat" cmpd="sng" algn="ctr">
+                      <a:solidFill>
+                        <a:srgbClr val="F0F0F0"/>
+                      </a:solidFill>
+                      <a:prstDash val="solid"/>
+                      <a:round/>
+                      <a:headEnd type="none" w="med" len="med"/>
+                      <a:tailEnd type="none" w="med" len="med"/>
+                    </a:lnR>
+                    <a:lnB w="12700" cap="flat" cmpd="sng" algn="ctr">
+                      <a:solidFill>
+                        <a:srgbClr val="F0F0F0"/>
+                      </a:solidFill>
+                      <a:prstDash val="solid"/>
+                      <a:round/>
+                      <a:headEnd type="none" w="med" len="med"/>
+                      <a:tailEnd type="none" w="med" len="med"/>
+                    </a:lnB>
+                    <a:solidFill>
+                      <a:srgbClr val="7D7D7D"/>
+                    </a:solidFill>
+                  </a:tcPr>
                 </a:tc>
-                <a:tc vMerge="1">
+                <a:tc>
                   <a:txBody>
                     <a:bodyPr/>
                     <a:lstStyle/>
                     <a:p>
-                      <a:endParaRPr/>
+                      <a:pPr marL="49530" hangingPunct="0">
+                        <a:lnSpc>
+                          <a:spcPct val="100000"/>
+                        </a:lnSpc>
+                        <a:spcBef>
+                          <a:spcPts val="530"/>
+                        </a:spcBef>
+                      </a:pPr>
+                      <a:r>
+                        <a:rPr lang="en-US" sz="900" spc="0" dirty="0">
+                          <a:latin typeface="AdobeClean-Light"/>
+                          <a:cs typeface="AdobeClean-Light"/>
+                        </a:rPr>
+                        <a:t>云支持活动 - Experience Manager as Cloud</a:t>
+                      </a:r>
                     </a:p>
                   </a:txBody>
-                  <a:tcPr marL="0" marR="0" marT="48260" marB="0">
+                  <a:tcPr marL="0" marR="0" marT="67310" marB="0">
                     <a:lnL w="12700">
                       <a:solidFill>
                         <a:srgbClr val="F0F0F0"/>
@@ -6996,15 +5651,9 @@
                       </a:solidFill>
                       <a:prstDash val="solid"/>
                     </a:lnR>
-                    <a:lnT w="12700">
+                    <a:lnB w="12700">
                       <a:solidFill>
                         <a:srgbClr val="F0F0F0"/>
-                      </a:solidFill>
-                      <a:prstDash val="solid"/>
-                    </a:lnT>
-                    <a:lnB w="12700">
-                      <a:solidFill>
-                        <a:srgbClr val="F1F1F1"/>
                       </a:solidFill>
                       <a:prstDash val="solid"/>
                     </a:lnB>
@@ -7020,18 +5669,30 @@
                           <a:spcPct val="100000"/>
                         </a:lnSpc>
                       </a:pPr>
-                      <a:endParaRPr sz="900">
-                        <a:latin typeface="Times New Roman"/>
-                        <a:cs typeface="Times New Roman"/>
+                      <a:endParaRPr sz="900" dirty="0">
+                        <a:latin typeface="Times New Roman" panose="02020603050405020304"/>
+                        <a:cs typeface="Times New Roman" panose="02020603050405020304"/>
                       </a:endParaRPr>
                     </a:p>
                   </a:txBody>
                   <a:tcPr marL="0" marR="0" marT="0" marB="0">
-                    <a:lnB w="12700">
-                      <a:solidFill>
-                        <a:srgbClr val="F1F1F1"/>
-                      </a:solidFill>
-                      <a:prstDash val="solid"/>
+                    <a:lnL w="12700" cap="flat" cmpd="sng" algn="ctr">
+                      <a:solidFill>
+                        <a:srgbClr val="F0F0F0"/>
+                      </a:solidFill>
+                      <a:prstDash val="solid"/>
+                      <a:round/>
+                      <a:headEnd type="none" w="med" len="med"/>
+                      <a:tailEnd type="none" w="med" len="med"/>
+                    </a:lnL>
+                    <a:lnB w="12700" cap="flat" cmpd="sng" algn="ctr">
+                      <a:solidFill>
+                        <a:srgbClr val="F0F0F0"/>
+                      </a:solidFill>
+                      <a:prstDash val="solid"/>
+                      <a:round/>
+                      <a:headEnd type="none" w="med" len="med"/>
+                      <a:tailEnd type="none" w="med" len="med"/>
                     </a:lnB>
                     <a:noFill/>
                   </a:tcPr>
@@ -7046,18 +5707,21 @@
                           <a:spcPct val="100000"/>
                         </a:lnSpc>
                       </a:pPr>
-                      <a:endParaRPr sz="900">
-                        <a:latin typeface="Times New Roman"/>
-                        <a:cs typeface="Times New Roman"/>
+                      <a:endParaRPr sz="900" dirty="0">
+                        <a:latin typeface="Times New Roman" panose="02020603050405020304"/>
+                        <a:cs typeface="Times New Roman" panose="02020603050405020304"/>
                       </a:endParaRPr>
                     </a:p>
                   </a:txBody>
                   <a:tcPr marL="0" marR="0" marT="0" marB="0">
-                    <a:lnB w="12700">
-                      <a:solidFill>
-                        <a:srgbClr val="F1F1F1"/>
-                      </a:solidFill>
-                      <a:prstDash val="solid"/>
+                    <a:lnB w="12700" cap="flat" cmpd="sng" algn="ctr">
+                      <a:solidFill>
+                        <a:srgbClr val="F0F0F0"/>
+                      </a:solidFill>
+                      <a:prstDash val="solid"/>
+                      <a:round/>
+                      <a:headEnd type="none" w="med" len="med"/>
+                      <a:tailEnd type="none" w="med" len="med"/>
                     </a:lnB>
                     <a:solidFill>
                       <a:schemeClr val="bg1">
@@ -7072,19 +5736,340 @@
                   </a:ext>
                 </a:extLst>
               </a:tr>
+              <a:tr h="161868">
+                <a:tc rowSpan="2">
+                  <a:txBody>
+                    <a:bodyPr/>
+                    <a:lstStyle/>
+                    <a:p>
+                      <a:pPr marL="48260">
+                        <a:lnSpc>
+                          <a:spcPct val="100000"/>
+                        </a:lnSpc>
+                        <a:spcBef>
+                          <a:spcPts val="830"/>
+                        </a:spcBef>
+                      </a:pPr>
+                      <a:r>
+                        <a:rPr lang="en-US" sz="1000" b="1" i="0" spc="0" dirty="0">
+                          <a:solidFill>
+                            <a:schemeClr val="bg1"/>
+                          </a:solidFill>
+                          <a:latin typeface="Adobe Clean" panose="020B0503020404020204" pitchFamily="34" charset="0"/>
+                          <a:cs typeface="AdobeClean-Light"/>
+                        </a:rPr>
+                        <a:t>现场服务</a:t>
+                      </a:r>
+                      <a:endParaRPr sz="1000" b="1" i="0" spc="0" dirty="0">
+                        <a:solidFill>
+                          <a:schemeClr val="bg1"/>
+                        </a:solidFill>
+                        <a:latin typeface="Adobe Clean" panose="020B0503020404020204" pitchFamily="34" charset="0"/>
+                        <a:cs typeface="AdobeClean-Light"/>
+                      </a:endParaRPr>
+                    </a:p>
+                  </a:txBody>
+                  <a:tcPr marL="0" marR="0" marT="48260" marB="0" anchor="ctr">
+                    <a:lnL w="12700">
+                      <a:solidFill>
+                        <a:srgbClr val="F0F0F0"/>
+                      </a:solidFill>
+                      <a:prstDash val="solid"/>
+                    </a:lnL>
+                    <a:lnR w="12700" cap="flat" cmpd="sng" algn="ctr">
+                      <a:solidFill>
+                        <a:srgbClr val="F0F0F0"/>
+                      </a:solidFill>
+                      <a:prstDash val="solid"/>
+                      <a:round/>
+                      <a:headEnd type="none" w="med" len="med"/>
+                      <a:tailEnd type="none" w="med" len="med"/>
+                    </a:lnR>
+                    <a:lnT w="12700" cap="flat" cmpd="sng" algn="ctr">
+                      <a:solidFill>
+                        <a:srgbClr val="F0F0F0"/>
+                      </a:solidFill>
+                      <a:prstDash val="solid"/>
+                      <a:round/>
+                      <a:headEnd type="none" w="med" len="med"/>
+                      <a:tailEnd type="none" w="med" len="med"/>
+                    </a:lnT>
+                    <a:lnB w="12700">
+                      <a:solidFill>
+                        <a:srgbClr val="F1F1F1"/>
+                      </a:solidFill>
+                      <a:prstDash val="solid"/>
+                    </a:lnB>
+                    <a:solidFill>
+                      <a:srgbClr val="7D7D7D"/>
+                    </a:solidFill>
+                  </a:tcPr>
+                </a:tc>
+                <a:tc rowSpan="2">
+                  <a:txBody>
+                    <a:bodyPr/>
+                    <a:lstStyle/>
+                    <a:p>
+                      <a:pPr marL="48260" hangingPunct="0">
+                        <a:lnSpc>
+                          <a:spcPct val="100000"/>
+                        </a:lnSpc>
+                        <a:spcBef>
+                          <a:spcPts val="380"/>
+                        </a:spcBef>
+                      </a:pPr>
+                      <a:r>
+                        <a:rPr lang="en-US" sz="900" spc="0" dirty="0">
+                          <a:solidFill>
+                            <a:srgbClr val="020302"/>
+                          </a:solidFill>
+                          <a:latin typeface="AdobeClean-Light"/>
+                          <a:cs typeface="AdobeClean-Light"/>
+                        </a:rPr>
+                        <a:t>Launch Advisory Services - 新解决方案的第一年</a:t>
+                      </a:r>
+                      <a:endParaRPr sz="900" spc="0" dirty="0">
+                        <a:latin typeface="AdobeClean-Light"/>
+                        <a:cs typeface="AdobeClean-Light"/>
+                      </a:endParaRPr>
+                    </a:p>
+                    <a:p>
+                      <a:pPr marL="48260" hangingPunct="0">
+                        <a:lnSpc>
+                          <a:spcPct val="100000"/>
+                        </a:lnSpc>
+                        <a:spcBef>
+                          <a:spcPts val="830"/>
+                        </a:spcBef>
+                      </a:pPr>
+                      <a:r>
+                        <a:rPr lang="en-US" sz="900" spc="0" dirty="0">
+                          <a:latin typeface="AdobeClean-Light"/>
+                          <a:cs typeface="AdobeClean-Light"/>
+                        </a:rPr>
+                        <a:t>现场服务活动</a:t>
+                      </a:r>
+                    </a:p>
+                  </a:txBody>
+                  <a:tcPr marL="0" marR="0" marT="48260" marB="0">
+                    <a:lnL w="12700">
+                      <a:solidFill>
+                        <a:srgbClr val="F0F0F0"/>
+                      </a:solidFill>
+                      <a:prstDash val="solid"/>
+                    </a:lnL>
+                    <a:lnR w="12700">
+                      <a:solidFill>
+                        <a:srgbClr val="F0F0F0"/>
+                      </a:solidFill>
+                      <a:prstDash val="solid"/>
+                    </a:lnR>
+                    <a:lnT w="12700">
+                      <a:solidFill>
+                        <a:srgbClr val="F0F0F0"/>
+                      </a:solidFill>
+                      <a:prstDash val="solid"/>
+                    </a:lnT>
+                    <a:lnB w="12700">
+                      <a:solidFill>
+                        <a:srgbClr val="F1F1F1"/>
+                      </a:solidFill>
+                      <a:prstDash val="solid"/>
+                    </a:lnB>
+                  </a:tcPr>
+                </a:tc>
+                <a:tc>
+                  <a:txBody>
+                    <a:bodyPr/>
+                    <a:lstStyle/>
+                    <a:p>
+                      <a:pPr>
+                        <a:lnSpc>
+                          <a:spcPct val="100000"/>
+                        </a:lnSpc>
+                      </a:pPr>
+                      <a:endParaRPr sz="900" dirty="0">
+                        <a:latin typeface="Times New Roman" panose="02020603050405020304"/>
+                        <a:cs typeface="Times New Roman" panose="02020603050405020304"/>
+                      </a:endParaRPr>
+                    </a:p>
+                  </a:txBody>
+                  <a:tcPr marL="0" marR="0" marT="0" marB="0">
+                    <a:lnL w="12700" cap="flat" cmpd="sng" algn="ctr">
+                      <a:solidFill>
+                        <a:srgbClr val="F0F0F0"/>
+                      </a:solidFill>
+                      <a:prstDash val="solid"/>
+                      <a:round/>
+                      <a:headEnd type="none" w="med" len="med"/>
+                      <a:tailEnd type="none" w="med" len="med"/>
+                    </a:lnL>
+                    <a:lnT w="12700" cap="flat" cmpd="sng" algn="ctr">
+                      <a:solidFill>
+                        <a:srgbClr val="F0F0F0"/>
+                      </a:solidFill>
+                      <a:prstDash val="solid"/>
+                      <a:round/>
+                      <a:headEnd type="none" w="med" len="med"/>
+                      <a:tailEnd type="none" w="med" len="med"/>
+                    </a:lnT>
+                    <a:noFill/>
+                  </a:tcPr>
+                </a:tc>
+                <a:tc>
+                  <a:txBody>
+                    <a:bodyPr/>
+                    <a:lstStyle/>
+                    <a:p>
+                      <a:pPr>
+                        <a:lnSpc>
+                          <a:spcPct val="100000"/>
+                        </a:lnSpc>
+                      </a:pPr>
+                      <a:endParaRPr sz="900" dirty="0">
+                        <a:latin typeface="Times New Roman" panose="02020603050405020304"/>
+                        <a:cs typeface="Times New Roman" panose="02020603050405020304"/>
+                      </a:endParaRPr>
+                    </a:p>
+                  </a:txBody>
+                  <a:tcPr marL="0" marR="0" marT="0" marB="0">
+                    <a:lnT w="12700" cap="flat" cmpd="sng" algn="ctr">
+                      <a:solidFill>
+                        <a:srgbClr val="F0F0F0"/>
+                      </a:solidFill>
+                      <a:prstDash val="solid"/>
+                      <a:round/>
+                      <a:headEnd type="none" w="med" len="med"/>
+                      <a:tailEnd type="none" w="med" len="med"/>
+                    </a:lnT>
+                    <a:solidFill>
+                      <a:schemeClr val="bg1">
+                        <a:lumMod val="95000"/>
+                      </a:schemeClr>
+                    </a:solidFill>
+                  </a:tcPr>
+                </a:tc>
+                <a:extLst>
+                  <a:ext uri="{0D108BD9-81ED-4DB2-BD59-A6C34878D82A}">
+                    <a16:rowId xmlns:a16="http://schemas.microsoft.com/office/drawing/2014/main" val="10017"/>
+                  </a:ext>
+                </a:extLst>
+              </a:tr>
+              <a:tr h="338725">
+                <a:tc vMerge="1">
+                  <a:txBody>
+                    <a:bodyPr/>
+                    <a:lstStyle/>
+                    <a:p>
+                      <a:endParaRPr lang="en-US"/>
+                    </a:p>
+                  </a:txBody>
+                  <a:tcPr/>
+                </a:tc>
+                <a:tc vMerge="1">
+                  <a:txBody>
+                    <a:bodyPr/>
+                    <a:lstStyle/>
+                    <a:p>
+                      <a:endParaRPr lang="en-US"/>
+                    </a:p>
+                  </a:txBody>
+                  <a:tcPr marL="0" marR="0" marT="48260" marB="0">
+                    <a:lnL w="12700">
+                      <a:solidFill>
+                        <a:srgbClr val="F0F0F0"/>
+                      </a:solidFill>
+                      <a:prstDash val="solid"/>
+                    </a:lnL>
+                    <a:lnR w="12700">
+                      <a:solidFill>
+                        <a:srgbClr val="F0F0F0"/>
+                      </a:solidFill>
+                      <a:prstDash val="solid"/>
+                    </a:lnR>
+                    <a:lnT w="12700">
+                      <a:solidFill>
+                        <a:srgbClr val="F0F0F0"/>
+                      </a:solidFill>
+                      <a:prstDash val="solid"/>
+                    </a:lnT>
+                    <a:lnB w="12700">
+                      <a:solidFill>
+                        <a:srgbClr val="F1F1F1"/>
+                      </a:solidFill>
+                      <a:prstDash val="solid"/>
+                    </a:lnB>
+                  </a:tcPr>
+                </a:tc>
+                <a:tc>
+                  <a:txBody>
+                    <a:bodyPr/>
+                    <a:lstStyle/>
+                    <a:p>
+                      <a:pPr>
+                        <a:lnSpc>
+                          <a:spcPct val="100000"/>
+                        </a:lnSpc>
+                      </a:pPr>
+                      <a:endParaRPr sz="900" dirty="0">
+                        <a:latin typeface="Times New Roman" panose="02020603050405020304"/>
+                        <a:cs typeface="Times New Roman" panose="02020603050405020304"/>
+                      </a:endParaRPr>
+                    </a:p>
+                  </a:txBody>
+                  <a:tcPr marL="0" marR="0" marT="0" marB="0">
+                    <a:lnB w="12700">
+                      <a:solidFill>
+                        <a:srgbClr val="F1F1F1"/>
+                      </a:solidFill>
+                      <a:prstDash val="solid"/>
+                    </a:lnB>
+                    <a:noFill/>
+                  </a:tcPr>
+                </a:tc>
+                <a:tc>
+                  <a:txBody>
+                    <a:bodyPr/>
+                    <a:lstStyle/>
+                    <a:p>
+                      <a:pPr marL="0" algn="l" rtl="0">
+                        <a:lnSpc>
+                          <a:spcPct val="100000"/>
+                        </a:lnSpc>
+                      </a:pPr>
+                      <a:endParaRPr sz="900" dirty="0">
+                        <a:latin typeface="Times New Roman" panose="02020603050405020304"/>
+                        <a:cs typeface="Times New Roman" panose="02020603050405020304"/>
+                      </a:endParaRPr>
+                    </a:p>
+                  </a:txBody>
+                  <a:tcPr marL="0" marR="0" marT="0" marB="0">
+                    <a:lnB w="12700">
+                      <a:solidFill>
+                        <a:srgbClr val="F1F1F1"/>
+                      </a:solidFill>
+                      <a:prstDash val="solid"/>
+                    </a:lnB>
+                    <a:solidFill>
+                      <a:schemeClr val="bg1">
+                        <a:lumMod val="95000"/>
+                      </a:schemeClr>
+                    </a:solidFill>
+                  </a:tcPr>
+                </a:tc>
+                <a:extLst>
+                  <a:ext uri="{0D108BD9-81ED-4DB2-BD59-A6C34878D82A}">
+                    <a16:rowId xmlns:a16="http://schemas.microsoft.com/office/drawing/2014/main" val="10018"/>
+                  </a:ext>
+                </a:extLst>
+              </a:tr>
             </a:tbl>
           </a:graphicData>
         </a:graphic>
       </p:graphicFrame>
       <p:sp>
         <p:nvSpPr>
-          <p:cNvPr id="6" name="TextBox 5">
-            <a:extLst>
-              <a:ext uri="{FF2B5EF4-FFF2-40B4-BE49-F238E27FC236}">
-                <a16:creationId xmlns:a16="http://schemas.microsoft.com/office/drawing/2014/main" id="{669E35DE-6A5F-5549-904F-459C7D857BB2}"/>
-              </a:ext>
-            </a:extLst>
-          </p:cNvPr>
+          <p:cNvPr id="6" name="TextBox 5"/>
           <p:cNvSpPr txBox="1"/>
           <p:nvPr/>
         </p:nvSpPr>
@@ -7105,7 +6090,7 @@
           <a:lstStyle/>
           <a:p>
             <a:r>
-              <a:rPr lang="en-US" sz="700" i="1">
+              <a:rPr lang="en-US" sz="700" i="1" dirty="0">
                 <a:solidFill>
                   <a:schemeClr val="bg1"/>
                 </a:solidFill>
@@ -7308,15 +6293,15 @@
               </a:spcBef>
             </a:pPr>
             <a:r>
-              <a:rPr lang="en-US" sz="1000">
+              <a:rPr lang="en-US" sz="1000" dirty="0">
                 <a:solidFill>
                   <a:srgbClr val="000000"/>
                 </a:solidFill>
                 <a:latin typeface="Adobe Clean Light" panose="020B0303020404020204" pitchFamily="34" charset="0"/>
               </a:rPr>
-              <a:t>A designated Account Support Lead to proactively monitor cases, drive cross-team collaboration, deliver onboarding webinars, run service reports, provide non-technical support assistance, and function as your escalation point and internal advocate within Adobe Support.</a:t>
-            </a:r>
-            <a:endParaRPr lang="en-US" sz="1000">
+              <a:t>指定的帐户支持主管会主动监控案例、推动跨团队协作、举行新用户入门网络研讨会、运行服务报告、提供非技术支持帮助，并在 Adobe 支持部门中充当上报联系人和内部布道师。</a:t>
+            </a:r>
+            <a:endParaRPr lang="en-US" sz="1000" dirty="0">
               <a:latin typeface="Adobe Clean Light" panose="020B0303020404020204" pitchFamily="34" charset="0"/>
               <a:cs typeface="AdobeClean-Light"/>
             </a:endParaRPr>
@@ -7332,14 +6317,14 @@
         <p:spPr>
           <a:xfrm>
             <a:off x="2836967" y="8618616"/>
-            <a:ext cx="2286000" cy="641201"/>
+            <a:ext cx="2286000" cy="487313"/>
           </a:xfrm>
           <a:prstGeom prst="rect">
             <a:avLst/>
           </a:prstGeom>
         </p:spPr>
         <p:txBody>
-          <a:bodyPr vert="horz" wrap="square" lIns="0" tIns="12700" rIns="0" bIns="0" rtlCol="0" anchor="t">
+          <a:bodyPr vert="horz" wrap="square" lIns="0" tIns="12700" rIns="0" bIns="0" rtlCol="0">
             <a:spAutoFit/>
           </a:bodyPr>
           <a:lstStyle/>
@@ -7352,90 +6337,53 @@
                 <a:spcPts val="100"/>
               </a:spcBef>
               <a:tabLst>
-                <a:tab pos="1786889" algn="l"/>
+                <a:tab pos="1786255" algn="l"/>
               </a:tabLst>
             </a:pPr>
             <a:r>
-              <a:rPr sz="1000">
+              <a:rPr lang="en-US" sz="1000" dirty="0">
                 <a:solidFill>
                   <a:srgbClr val="020302"/>
                 </a:solidFill>
                 <a:latin typeface="AdobeClean-Light"/>
                 <a:cs typeface="AdobeClean-Light"/>
               </a:rPr>
-              <a:t>Start a chat session to get answers</a:t>
-            </a:r>
-            <a:r>
-              <a:rPr lang="en-US" sz="1000">
-                <a:solidFill>
-                  <a:srgbClr val="020302"/>
-                </a:solidFill>
-                <a:latin typeface="AdobeClean-Light"/>
-                <a:cs typeface="AdobeClean-Light"/>
-              </a:rPr>
-              <a:t> &amp; </a:t>
-            </a:r>
-            <a:r>
-              <a:rPr sz="1000">
-                <a:solidFill>
-                  <a:srgbClr val="020302"/>
-                </a:solidFill>
-                <a:latin typeface="AdobeClean-Light"/>
-                <a:cs typeface="AdobeClean-Light"/>
-              </a:rPr>
-              <a:t>help with case submission</a:t>
-            </a:r>
-            <a:r>
-              <a:rPr lang="en-US" sz="1000">
-                <a:solidFill>
-                  <a:srgbClr val="020302"/>
-                </a:solidFill>
-                <a:latin typeface="AdobeClean-Light"/>
-                <a:cs typeface="AdobeClean-Light"/>
-              </a:rPr>
-              <a:t>.</a:t>
+              <a:t>开始聊天会话以获取答案并帮助提交案例</a:t>
             </a:r>
           </a:p>
           <a:p>
             <a:pPr marL="33020" marR="159385">
+              <a:lnSpc>
+                <a:spcPct val="100000"/>
+              </a:lnSpc>
               <a:spcBef>
                 <a:spcPts val="100"/>
               </a:spcBef>
               <a:tabLst>
-                <a:tab pos="1786889" algn="l"/>
+                <a:tab pos="1786255" algn="l"/>
               </a:tabLst>
             </a:pPr>
             <a:r>
-              <a:rPr sz="1000" i="1">
+              <a:rPr lang="en-US" sz="1000" i="1" dirty="0">
                 <a:solidFill>
                   <a:srgbClr val="7A7A7A"/>
                 </a:solidFill>
                 <a:latin typeface="AdobeClean-LightIt"/>
                 <a:cs typeface="AdobeClean-LightIt"/>
               </a:rPr>
-              <a:t>*Not all products have live chat support</a:t>
-            </a:r>
-            <a:r>
-              <a:rPr sz="900" i="1">
+              <a:t>*并非所有产品都提供实时聊天支持</a:t>
+            </a:r>
+            <a:r>
+              <a:rPr lang="en-US" sz="900" i="1" dirty="0">
                 <a:solidFill>
                   <a:srgbClr val="7A7A7A"/>
                 </a:solidFill>
                 <a:latin typeface="AdobeClean-LightIt"/>
                 <a:cs typeface="AdobeClean-LightIt"/>
               </a:rPr>
-              <a:t>.</a:t>
-            </a:r>
-            <a:r>
-              <a:rPr lang="en-US" sz="900" i="1">
-                <a:solidFill>
-                  <a:srgbClr val="7A7A7A"/>
-                </a:solidFill>
-                <a:latin typeface="AdobeClean-LightIt"/>
-                <a:cs typeface="AdobeClean-LightIt"/>
-              </a:rPr>
-              <a:t>  </a:t>
-            </a:r>
-            <a:endParaRPr sz="900">
+              <a:t>。</a:t>
+            </a:r>
+            <a:endParaRPr sz="900" dirty="0">
               <a:latin typeface="AdobeClean-Light"/>
               <a:cs typeface="AdobeClean-Light"/>
             </a:endParaRPr>
@@ -7473,16 +6421,8 @@
       </p:sp>
       <p:sp>
         <p:nvSpPr>
-          <p:cNvPr id="60" name="TextBox 59">
-            <a:extLst>
-              <a:ext uri="{FF2B5EF4-FFF2-40B4-BE49-F238E27FC236}">
-                <a16:creationId xmlns:a16="http://schemas.microsoft.com/office/drawing/2014/main" id="{294BFC9C-CB48-FE4C-887D-D38E0BAE6627}"/>
-              </a:ext>
-            </a:extLst>
-          </p:cNvPr>
-          <p:cNvSpPr txBox="1">
-            <a:spLocks/>
-          </p:cNvSpPr>
+          <p:cNvPr id="60" name="TextBox 59"/>
+          <p:cNvSpPr txBox="1"/>
           <p:nvPr/>
         </p:nvSpPr>
         <p:spPr>
@@ -7514,28 +6454,20 @@
               <a:defRPr/>
             </a:pPr>
             <a:r>
-              <a:rPr lang="en-US" sz="1200">
+              <a:rPr lang="en-US" sz="1200" dirty="0">
                 <a:solidFill>
                   <a:srgbClr val="000000"/>
                 </a:solidFill>
               </a:rPr>
-              <a:t>Community Forums</a:t>
+              <a:t>社区论坛</a:t>
             </a:r>
           </a:p>
         </p:txBody>
       </p:sp>
       <p:sp>
         <p:nvSpPr>
-          <p:cNvPr id="61" name="Rectangle 60">
-            <a:extLst>
-              <a:ext uri="{FF2B5EF4-FFF2-40B4-BE49-F238E27FC236}">
-                <a16:creationId xmlns:a16="http://schemas.microsoft.com/office/drawing/2014/main" id="{8F4C73CC-314D-8744-A9C8-6CE3C69810AD}"/>
-              </a:ext>
-            </a:extLst>
-          </p:cNvPr>
-          <p:cNvSpPr>
-            <a:spLocks/>
-          </p:cNvSpPr>
+          <p:cNvPr id="61" name="Rectangle 60"/>
+          <p:cNvSpPr/>
           <p:nvPr/>
         </p:nvSpPr>
         <p:spPr>
@@ -7562,25 +6494,19 @@
               </a:spcAft>
             </a:pPr>
             <a:r>
-              <a:rPr lang="en-US" sz="1200" b="1">
+              <a:rPr lang="en-US" sz="1200" b="1" dirty="0">
                 <a:latin typeface="+mj-lt"/>
                 <a:ea typeface="Open Sans" pitchFamily="34" charset="0"/>
                 <a:cs typeface="Open Sans" pitchFamily="34" charset="0"/>
               </a:rPr>
-              <a:t>Online Forums</a:t>
+              <a:t>在线论坛</a:t>
             </a:r>
           </a:p>
         </p:txBody>
       </p:sp>
       <p:sp>
         <p:nvSpPr>
-          <p:cNvPr id="63" name="object 39">
-            <a:extLst>
-              <a:ext uri="{FF2B5EF4-FFF2-40B4-BE49-F238E27FC236}">
-                <a16:creationId xmlns:a16="http://schemas.microsoft.com/office/drawing/2014/main" id="{5FDB276C-3505-C748-B612-64E8B08A71CB}"/>
-              </a:ext>
-            </a:extLst>
-          </p:cNvPr>
+          <p:cNvPr id="63" name="object 39"/>
           <p:cNvSpPr txBox="1"/>
           <p:nvPr/>
         </p:nvSpPr>
@@ -7600,29 +6526,21 @@
           <a:lstStyle/>
           <a:p>
             <a:r>
-              <a:rPr lang="en-US" sz="1000">
+              <a:rPr lang="en-US" sz="1000" dirty="0">
                 <a:solidFill>
                   <a:srgbClr val="000000"/>
                 </a:solidFill>
                 <a:latin typeface="Adobe Clean Light" panose="020B0303020404020204" pitchFamily="34" charset="0"/>
               </a:rPr>
-              <a:t>Continuous online access to a growing database of technical solutions, product documentation, FAQs and more. Thousands of customers can connect to share best practices and lessons learned.</a:t>
+              <a:t>持续在线访问包括技术解决方案、产品文档、常见问题解答等的不断增长的数据库。数千名客户可以相互交流，分享最佳实践和经验教训。</a:t>
             </a:r>
           </a:p>
         </p:txBody>
       </p:sp>
       <p:sp>
         <p:nvSpPr>
-          <p:cNvPr id="65" name="Rectangle 64">
-            <a:extLst>
-              <a:ext uri="{FF2B5EF4-FFF2-40B4-BE49-F238E27FC236}">
-                <a16:creationId xmlns:a16="http://schemas.microsoft.com/office/drawing/2014/main" id="{6E1B1B00-5842-3A4E-A250-97EC5CF16C89}"/>
-              </a:ext>
-            </a:extLst>
-          </p:cNvPr>
-          <p:cNvSpPr>
-            <a:spLocks/>
-          </p:cNvSpPr>
+          <p:cNvPr id="65" name="Rectangle 64"/>
+          <p:cNvSpPr/>
           <p:nvPr/>
         </p:nvSpPr>
         <p:spPr>
@@ -7649,25 +6567,19 @@
               </a:spcAft>
             </a:pPr>
             <a:r>
-              <a:rPr lang="en-US" sz="1200" b="1">
+              <a:rPr lang="en-US" sz="1200" b="1" dirty="0">
                 <a:latin typeface="+mj-lt"/>
                 <a:ea typeface="Open Sans" pitchFamily="34" charset="0"/>
                 <a:cs typeface="Open Sans" pitchFamily="34" charset="0"/>
               </a:rPr>
-              <a:t>Self-guided Journeys</a:t>
+              <a:t>自助式历程</a:t>
             </a:r>
           </a:p>
         </p:txBody>
       </p:sp>
       <p:sp>
         <p:nvSpPr>
-          <p:cNvPr id="67" name="object 39">
-            <a:extLst>
-              <a:ext uri="{FF2B5EF4-FFF2-40B4-BE49-F238E27FC236}">
-                <a16:creationId xmlns:a16="http://schemas.microsoft.com/office/drawing/2014/main" id="{22816550-445E-B945-8FBC-36EF6779CB5A}"/>
-              </a:ext>
-            </a:extLst>
-          </p:cNvPr>
+          <p:cNvPr id="67" name="object 39"/>
           <p:cNvSpPr txBox="1"/>
           <p:nvPr/>
         </p:nvSpPr>
@@ -7687,29 +6599,21 @@
           <a:lstStyle/>
           <a:p>
             <a:r>
-              <a:rPr lang="en-US" sz="1000">
+              <a:rPr lang="en-US" sz="1000" dirty="0">
                 <a:solidFill>
                   <a:srgbClr val="000000"/>
                 </a:solidFill>
                 <a:latin typeface="Adobe Clean Light" panose="020B0303020404020204" pitchFamily="34" charset="0"/>
               </a:rPr>
-              <a:t>Experience Makers are made with Experience League. Customers can kickstart their Customer Experience Management abilities with personalized learning to develop skills, engage with a global community of peers, and earn career advancing recognition.</a:t>
+              <a:t>Experience Makers 是使用 Experience League 创建的。客户可以通过个性化学习来获得客户体验管理能力，从而培养技能、与全球同行社区互动并获得职业发展的认可。</a:t>
             </a:r>
           </a:p>
         </p:txBody>
       </p:sp>
       <p:sp>
         <p:nvSpPr>
-          <p:cNvPr id="77" name="TextBox 76">
-            <a:extLst>
-              <a:ext uri="{FF2B5EF4-FFF2-40B4-BE49-F238E27FC236}">
-                <a16:creationId xmlns:a16="http://schemas.microsoft.com/office/drawing/2014/main" id="{3C8012AA-ACFC-F14A-9871-8C8BC94B3109}"/>
-              </a:ext>
-            </a:extLst>
-          </p:cNvPr>
-          <p:cNvSpPr txBox="1">
-            <a:spLocks/>
-          </p:cNvSpPr>
+          <p:cNvPr id="77" name="TextBox 76"/>
+          <p:cNvSpPr txBox="1"/>
           <p:nvPr/>
         </p:nvSpPr>
         <p:spPr>
@@ -7741,28 +6645,20 @@
               <a:defRPr/>
             </a:pPr>
             <a:r>
-              <a:rPr lang="en-US" sz="1200">
+              <a:rPr lang="en-US" sz="1200" dirty="0">
                 <a:solidFill>
                   <a:srgbClr val="000000"/>
                 </a:solidFill>
               </a:rPr>
-              <a:t>Live Chat  Support*</a:t>
+              <a:t>实时聊天支持*</a:t>
             </a:r>
           </a:p>
         </p:txBody>
       </p:sp>
       <p:sp>
         <p:nvSpPr>
-          <p:cNvPr id="78" name="Rectangle 77">
-            <a:extLst>
-              <a:ext uri="{FF2B5EF4-FFF2-40B4-BE49-F238E27FC236}">
-                <a16:creationId xmlns:a16="http://schemas.microsoft.com/office/drawing/2014/main" id="{3FD5E5E8-A228-E646-A72D-9542B6773A8E}"/>
-              </a:ext>
-            </a:extLst>
-          </p:cNvPr>
-          <p:cNvSpPr>
-            <a:spLocks/>
-          </p:cNvSpPr>
+          <p:cNvPr id="78" name="Rectangle 77"/>
+          <p:cNvSpPr/>
           <p:nvPr/>
         </p:nvSpPr>
         <p:spPr>
@@ -7789,28 +6685,20 @@
               </a:spcAft>
             </a:pPr>
             <a:r>
-              <a:rPr lang="en-US" sz="1200" b="1">
+              <a:rPr lang="en-US" sz="1200" b="1" dirty="0">
                 <a:latin typeface="+mj-lt"/>
                 <a:ea typeface="Open Sans" pitchFamily="34" charset="0"/>
                 <a:cs typeface="Open Sans" pitchFamily="34" charset="0"/>
               </a:rPr>
-              <a:t>Chat Support</a:t>
+              <a:t>聊天支持</a:t>
             </a:r>
           </a:p>
         </p:txBody>
       </p:sp>
       <p:sp>
         <p:nvSpPr>
-          <p:cNvPr id="80" name="TextBox 79">
-            <a:extLst>
-              <a:ext uri="{FF2B5EF4-FFF2-40B4-BE49-F238E27FC236}">
-                <a16:creationId xmlns:a16="http://schemas.microsoft.com/office/drawing/2014/main" id="{DAF3EBEF-0B3F-B542-A30E-3B7228432027}"/>
-              </a:ext>
-            </a:extLst>
-          </p:cNvPr>
-          <p:cNvSpPr txBox="1">
-            <a:spLocks/>
-          </p:cNvSpPr>
+          <p:cNvPr id="80" name="TextBox 79"/>
+          <p:cNvSpPr txBox="1"/>
           <p:nvPr/>
         </p:nvSpPr>
         <p:spPr>
@@ -7842,28 +6730,20 @@
               <a:defRPr/>
             </a:pPr>
             <a:r>
-              <a:rPr lang="en-US" sz="1200">
+              <a:rPr lang="en-US" sz="1200" dirty="0">
                 <a:solidFill>
                   <a:srgbClr val="000000"/>
                 </a:solidFill>
               </a:rPr>
-              <a:t>24X7 P1 </a:t>
+              <a:t>全天候 P1 </a:t>
             </a:r>
           </a:p>
         </p:txBody>
       </p:sp>
       <p:sp>
         <p:nvSpPr>
-          <p:cNvPr id="81" name="Rectangle 80">
-            <a:extLst>
-              <a:ext uri="{FF2B5EF4-FFF2-40B4-BE49-F238E27FC236}">
-                <a16:creationId xmlns:a16="http://schemas.microsoft.com/office/drawing/2014/main" id="{075E4356-C31F-674D-B927-91CC2C099FA3}"/>
-              </a:ext>
-            </a:extLst>
-          </p:cNvPr>
-          <p:cNvSpPr>
-            <a:spLocks/>
-          </p:cNvSpPr>
+          <p:cNvPr id="81" name="Rectangle 80"/>
+          <p:cNvSpPr/>
           <p:nvPr/>
         </p:nvSpPr>
         <p:spPr>
@@ -7890,32 +6770,26 @@
               </a:spcAft>
             </a:pPr>
             <a:r>
-              <a:rPr lang="en-US" sz="1200" b="1">
+              <a:rPr lang="en-US" sz="1200" b="1" dirty="0">
                 <a:latin typeface="+mj-lt"/>
                 <a:ea typeface="Open Sans" pitchFamily="34" charset="0"/>
                 <a:cs typeface="Open Sans" pitchFamily="34" charset="0"/>
               </a:rPr>
-              <a:t>Phone Support</a:t>
+              <a:t>电话支持</a:t>
             </a:r>
           </a:p>
         </p:txBody>
       </p:sp>
       <p:sp>
         <p:nvSpPr>
-          <p:cNvPr id="82" name="object 39">
-            <a:extLst>
-              <a:ext uri="{FF2B5EF4-FFF2-40B4-BE49-F238E27FC236}">
-                <a16:creationId xmlns:a16="http://schemas.microsoft.com/office/drawing/2014/main" id="{95A83EB9-E8E1-7547-BBE3-E1F42C56BF6A}"/>
-              </a:ext>
-            </a:extLst>
-          </p:cNvPr>
+          <p:cNvPr id="82" name="object 39"/>
           <p:cNvSpPr txBox="1"/>
           <p:nvPr/>
         </p:nvSpPr>
         <p:spPr>
           <a:xfrm>
             <a:off x="2836967" y="6529249"/>
-            <a:ext cx="2286000" cy="805349"/>
+            <a:ext cx="2286000" cy="650875"/>
           </a:xfrm>
           <a:prstGeom prst="rect">
             <a:avLst/>
@@ -7928,21 +6802,32 @@
           <a:lstStyle/>
           <a:p>
             <a:r>
-              <a:rPr lang="en-US" sz="1000">
+              <a:rPr lang="en-US" sz="1000" dirty="0">
                 <a:solidFill>
                   <a:srgbClr val="020302"/>
                 </a:solidFill>
                 <a:latin typeface="AdobeClean-Light"/>
               </a:rPr>
-              <a:t>Authorized users or Named Support Contacts </a:t>
-            </a:r>
-            <a:r>
-              <a:rPr lang="en-US" sz="1000">
+              <a:t>授权用户或指定的支持联系人</a:t>
+            </a:r>
+            <a:r>
+              <a:rPr lang="en-US" sz="1000" dirty="0">
                 <a:latin typeface="Adobe Clean Light" panose="020B0303020404020204" pitchFamily="34" charset="0"/>
               </a:rPr>
-              <a:t>can submit issues through all available  channels (including phone for P1) and interact with our technical support team on behalf of your company. </a:t>
-            </a:r>
-            <a:endParaRPr lang="en-US" sz="1000">
+              <a:t>可以通过所有可用渠道（包括 P1 的电话）提交问题，并代表您的公司与我们的技术支持团队</a:t>
+            </a:r>
+            <a:br>
+              <a:rPr lang="en-US" sz="1000" dirty="0">
+                <a:latin typeface="Adobe Clean Light" panose="020B0303020404020204" pitchFamily="34" charset="0"/>
+              </a:rPr>
+            </a:br>
+            <a:r>
+              <a:rPr lang="en-US" sz="1000" dirty="0">
+                <a:latin typeface="Adobe Clean Light" panose="020B0303020404020204" pitchFamily="34" charset="0"/>
+              </a:rPr>
+              <a:t>互动。</a:t>
+            </a:r>
+            <a:endParaRPr lang="en-US" sz="1000" dirty="0">
               <a:solidFill>
                 <a:srgbClr val="000000"/>
               </a:solidFill>
@@ -7953,13 +6838,7 @@
       </p:sp>
       <p:sp>
         <p:nvSpPr>
-          <p:cNvPr id="84" name="object 10">
-            <a:extLst>
-              <a:ext uri="{FF2B5EF4-FFF2-40B4-BE49-F238E27FC236}">
-                <a16:creationId xmlns:a16="http://schemas.microsoft.com/office/drawing/2014/main" id="{CBCF4964-CAC8-F146-B2E2-51ED8B3DC99A}"/>
-              </a:ext>
-            </a:extLst>
-          </p:cNvPr>
+          <p:cNvPr id="84" name="object 10"/>
           <p:cNvSpPr txBox="1">
             <a:spLocks noGrp="1"/>
           </p:cNvSpPr>
@@ -7970,7 +6849,7 @@
         <p:spPr>
           <a:xfrm>
             <a:off x="5253416" y="9862966"/>
-            <a:ext cx="2270125" cy="132729"/>
+            <a:ext cx="2518984" cy="132729"/>
           </a:xfrm>
           <a:prstGeom prst="rect">
             <a:avLst/>
@@ -7991,23 +6870,15 @@
               </a:spcBef>
             </a:pPr>
             <a:r>
-              <a:rPr spc="-5"/>
-              <a:t>©202</a:t>
-            </a:r>
-            <a:r>
-              <a:rPr lang="en-US" spc="-5"/>
-              <a:t>1</a:t>
-            </a:r>
-            <a:r>
-              <a:rPr spc="-5"/>
-              <a:t> Adobe. All Rights Reserved. Adobe</a:t>
-            </a:r>
-            <a:r>
-              <a:rPr spc="60"/>
+              <a:rPr lang="en-US" spc="-5" dirty="0"/>
+              <a:t>©2021 Adobe.All Rights Reserved.Adobe</a:t>
+            </a:r>
+            <a:r>
+              <a:rPr lang="en-US" spc="60" dirty="0"/>
               <a:t> </a:t>
             </a:r>
             <a:r>
-              <a:rPr spc="-5"/>
+              <a:rPr lang="en-US" spc="-5" dirty="0"/>
               <a:t>Confidential.</a:t>
             </a:r>
           </a:p>
@@ -8015,16 +6886,8 @@
       </p:sp>
       <p:sp>
         <p:nvSpPr>
-          <p:cNvPr id="41" name="Rectangle 40">
-            <a:extLst>
-              <a:ext uri="{FF2B5EF4-FFF2-40B4-BE49-F238E27FC236}">
-                <a16:creationId xmlns:a16="http://schemas.microsoft.com/office/drawing/2014/main" id="{6BF87FDD-9EA3-6946-897D-7CB38BCFBCA5}"/>
-              </a:ext>
-            </a:extLst>
-          </p:cNvPr>
-          <p:cNvSpPr>
-            <a:spLocks/>
-          </p:cNvSpPr>
+          <p:cNvPr id="41" name="Rectangle 40"/>
+          <p:cNvSpPr/>
           <p:nvPr/>
         </p:nvSpPr>
         <p:spPr>
@@ -8051,26 +6914,20 @@
               </a:spcAft>
             </a:pPr>
             <a:r>
-              <a:rPr lang="en-US" sz="1200" b="1" spc="-10">
+              <a:rPr lang="en-US" sz="1200" b="1" spc="-10" dirty="0">
                 <a:solidFill>
                   <a:srgbClr val="020302"/>
                 </a:solidFill>
                 <a:latin typeface="+mj-lt"/>
               </a:rPr>
-              <a:t>Account Support Lead</a:t>
+              <a:t>帐户支持主管</a:t>
             </a:r>
           </a:p>
         </p:txBody>
       </p:sp>
       <p:sp>
         <p:nvSpPr>
-          <p:cNvPr id="42" name="object 26">
-            <a:extLst>
-              <a:ext uri="{FF2B5EF4-FFF2-40B4-BE49-F238E27FC236}">
-                <a16:creationId xmlns:a16="http://schemas.microsoft.com/office/drawing/2014/main" id="{44EDA522-BD84-1947-A820-5069D704753E}"/>
-              </a:ext>
-            </a:extLst>
-          </p:cNvPr>
+          <p:cNvPr id="42" name="object 26"/>
           <p:cNvSpPr/>
           <p:nvPr/>
         </p:nvSpPr>
@@ -8112,13 +6969,7 @@
       </p:sp>
       <p:sp>
         <p:nvSpPr>
-          <p:cNvPr id="44" name="Rectangle 43">
-            <a:extLst>
-              <a:ext uri="{FF2B5EF4-FFF2-40B4-BE49-F238E27FC236}">
-                <a16:creationId xmlns:a16="http://schemas.microsoft.com/office/drawing/2014/main" id="{147009FB-1B8D-6D4F-87DF-41B5DE49EFE5}"/>
-              </a:ext>
-            </a:extLst>
-          </p:cNvPr>
+          <p:cNvPr id="44" name="Rectangle 43"/>
           <p:cNvSpPr/>
           <p:nvPr/>
         </p:nvSpPr>
@@ -8146,16 +6997,16 @@
               </a:spcBef>
             </a:pPr>
             <a:r>
-              <a:rPr lang="en-US" sz="1400" b="1" spc="-10">
+              <a:rPr lang="en-US" sz="1400" b="1" spc="-10" dirty="0">
                 <a:solidFill>
                   <a:srgbClr val="020302"/>
                 </a:solidFill>
                 <a:latin typeface="Adobe Clean"/>
                 <a:cs typeface="Adobe Clean"/>
               </a:rPr>
-              <a:t>Online Support Features</a:t>
-            </a:r>
-            <a:endParaRPr lang="en-US" sz="1400">
+              <a:t>在线支持功能</a:t>
+            </a:r>
+            <a:endParaRPr lang="en-US" sz="1400" dirty="0">
               <a:latin typeface="Adobe Clean"/>
               <a:cs typeface="Adobe Clean"/>
             </a:endParaRPr>
@@ -8164,13 +7015,7 @@
       </p:sp>
       <p:sp>
         <p:nvSpPr>
-          <p:cNvPr id="87" name="object 26">
-            <a:extLst>
-              <a:ext uri="{FF2B5EF4-FFF2-40B4-BE49-F238E27FC236}">
-                <a16:creationId xmlns:a16="http://schemas.microsoft.com/office/drawing/2014/main" id="{ED3EAB14-8A43-9244-93BB-BE321FE4250C}"/>
-              </a:ext>
-            </a:extLst>
-          </p:cNvPr>
+          <p:cNvPr id="87" name="object 26"/>
           <p:cNvSpPr/>
           <p:nvPr/>
         </p:nvSpPr>
@@ -8212,13 +7057,7 @@
       </p:sp>
       <p:sp>
         <p:nvSpPr>
-          <p:cNvPr id="88" name="Rectangle 87">
-            <a:extLst>
-              <a:ext uri="{FF2B5EF4-FFF2-40B4-BE49-F238E27FC236}">
-                <a16:creationId xmlns:a16="http://schemas.microsoft.com/office/drawing/2014/main" id="{BDC8935C-27E9-A94B-ABF1-EFA84FB3D2BE}"/>
-              </a:ext>
-            </a:extLst>
-          </p:cNvPr>
+          <p:cNvPr id="88" name="Rectangle 87"/>
           <p:cNvSpPr/>
           <p:nvPr/>
         </p:nvSpPr>
@@ -8246,16 +7085,16 @@
               </a:spcBef>
             </a:pPr>
             <a:r>
-              <a:rPr lang="en-US" sz="1400" b="1" spc="-10">
+              <a:rPr lang="en-US" sz="1400" b="1" spc="-10" dirty="0">
                 <a:solidFill>
                   <a:srgbClr val="020302"/>
                 </a:solidFill>
                 <a:latin typeface="Adobe Clean"/>
                 <a:cs typeface="Adobe Clean"/>
               </a:rPr>
-              <a:t>Business  Support Features</a:t>
-            </a:r>
-            <a:endParaRPr lang="en-US" sz="1400">
+              <a:t>商业支持功能</a:t>
+            </a:r>
+            <a:endParaRPr lang="en-US" sz="1400" dirty="0">
               <a:latin typeface="Adobe Clean"/>
               <a:cs typeface="Adobe Clean"/>
             </a:endParaRPr>
@@ -8264,13 +7103,7 @@
       </p:sp>
       <p:sp>
         <p:nvSpPr>
-          <p:cNvPr id="94" name="object 39">
-            <a:extLst>
-              <a:ext uri="{FF2B5EF4-FFF2-40B4-BE49-F238E27FC236}">
-                <a16:creationId xmlns:a16="http://schemas.microsoft.com/office/drawing/2014/main" id="{56FA5DB6-2107-7245-9FC4-96BFB9E344C1}"/>
-              </a:ext>
-            </a:extLst>
-          </p:cNvPr>
+          <p:cNvPr id="94" name="object 39"/>
           <p:cNvSpPr txBox="1"/>
           <p:nvPr/>
         </p:nvSpPr>
@@ -8298,12 +7131,12 @@
               </a:spcBef>
             </a:pPr>
             <a:r>
-              <a:rPr lang="en-US" sz="1000">
+              <a:rPr lang="en-US" sz="1000" dirty="0">
                 <a:latin typeface="Adobe Clean Light" panose="020B0303020404020204" pitchFamily="34" charset="0"/>
               </a:rPr>
-              <a:t>Customers can submit support cases via Phone for all P2, P3, P4 issues during regional support hours. There are no upper limits on the number of times you can call into support. Customers can also request a call back from support or request a meeting to demonstrate or work through an issue using a shared remote desktop session.</a:t>
-            </a:r>
-            <a:endParaRPr lang="en-US" sz="1000">
+              <a:t>客户可以在区域支持时间内通过电话提交所有 P2、P3、P4 问题的支持案例。您拨打电话来获取支持的次数没有上限。客户还可以请求支持部门回电，或要求召开会议以使用共享远程桌面会话演示或解决问题。</a:t>
+            </a:r>
+            <a:endParaRPr lang="en-US" sz="1000" dirty="0">
               <a:latin typeface="Adobe Clean Light" panose="020B0303020404020204" pitchFamily="34" charset="0"/>
               <a:cs typeface="AdobeClean-Light"/>
             </a:endParaRPr>
@@ -8312,16 +7145,8 @@
       </p:sp>
       <p:sp>
         <p:nvSpPr>
-          <p:cNvPr id="95" name="Rectangle 94">
-            <a:extLst>
-              <a:ext uri="{FF2B5EF4-FFF2-40B4-BE49-F238E27FC236}">
-                <a16:creationId xmlns:a16="http://schemas.microsoft.com/office/drawing/2014/main" id="{06E9F521-1218-D44D-8A7A-CA9808D1171B}"/>
-              </a:ext>
-            </a:extLst>
-          </p:cNvPr>
-          <p:cNvSpPr>
-            <a:spLocks/>
-          </p:cNvSpPr>
+          <p:cNvPr id="95" name="Rectangle 94"/>
+          <p:cNvSpPr/>
           <p:nvPr/>
         </p:nvSpPr>
         <p:spPr>
@@ -8348,26 +7173,20 @@
               </a:spcAft>
             </a:pPr>
             <a:r>
-              <a:rPr lang="en-US" sz="1200" b="1" spc="-10">
+              <a:rPr lang="en-US" sz="1200" b="1" spc="-10" dirty="0">
                 <a:solidFill>
                   <a:srgbClr val="020302"/>
                 </a:solidFill>
                 <a:latin typeface="+mj-lt"/>
               </a:rPr>
-              <a:t>Live Telephone Support</a:t>
+              <a:t>实时电话支持</a:t>
             </a:r>
           </a:p>
         </p:txBody>
       </p:sp>
       <p:sp>
         <p:nvSpPr>
-          <p:cNvPr id="96" name="object 39">
-            <a:extLst>
-              <a:ext uri="{FF2B5EF4-FFF2-40B4-BE49-F238E27FC236}">
-                <a16:creationId xmlns:a16="http://schemas.microsoft.com/office/drawing/2014/main" id="{61C3FC5E-C90C-3046-9504-57A1CE7913F9}"/>
-              </a:ext>
-            </a:extLst>
-          </p:cNvPr>
+          <p:cNvPr id="96" name="object 39"/>
           <p:cNvSpPr txBox="1"/>
           <p:nvPr/>
         </p:nvSpPr>
@@ -8395,15 +7214,15 @@
               </a:spcBef>
             </a:pPr>
             <a:r>
-              <a:rPr lang="en-US" sz="1000">
+              <a:rPr lang="en-US" sz="1000" dirty="0">
                 <a:solidFill>
                   <a:srgbClr val="4B4B4B"/>
                 </a:solidFill>
                 <a:latin typeface="Adobe Clean Light" panose="020B0303020404020204" pitchFamily="34" charset="0"/>
               </a:rPr>
-              <a:t>A designated point of contact within Adobe who can provide escalation assistance, regular updates and ensure priority is given to your most critical open support requests.</a:t>
-            </a:r>
-            <a:endParaRPr lang="en-US" sz="1000">
+              <a:t>Adobe 内部的指定联系人，可以提供上报协助和定期更新，确保优先处理最重要的未完成支持请求。</a:t>
+            </a:r>
+            <a:endParaRPr lang="en-US" sz="1000" dirty="0">
               <a:latin typeface="Adobe Clean Light" panose="020B0303020404020204" pitchFamily="34" charset="0"/>
               <a:cs typeface="AdobeClean-Light"/>
             </a:endParaRPr>
@@ -8412,16 +7231,8 @@
       </p:sp>
       <p:sp>
         <p:nvSpPr>
-          <p:cNvPr id="97" name="Rectangle 96">
-            <a:extLst>
-              <a:ext uri="{FF2B5EF4-FFF2-40B4-BE49-F238E27FC236}">
-                <a16:creationId xmlns:a16="http://schemas.microsoft.com/office/drawing/2014/main" id="{1F390430-3ED2-1F47-8897-19279095D4E1}"/>
-              </a:ext>
-            </a:extLst>
-          </p:cNvPr>
-          <p:cNvSpPr>
-            <a:spLocks/>
-          </p:cNvSpPr>
+          <p:cNvPr id="97" name="Rectangle 96"/>
+          <p:cNvSpPr/>
           <p:nvPr/>
         </p:nvSpPr>
         <p:spPr>
@@ -8448,29 +7259,21 @@
               </a:spcAft>
             </a:pPr>
             <a:r>
-              <a:rPr lang="en-US" sz="1200" b="1" spc="-10">
+              <a:rPr lang="en-US" sz="1200" b="1" spc="-10" dirty="0">
                 <a:solidFill>
                   <a:srgbClr val="020302"/>
                 </a:solidFill>
                 <a:latin typeface="+mj-lt"/>
               </a:rPr>
-              <a:t>Escalation Management</a:t>
+              <a:t>上报管理</a:t>
             </a:r>
           </a:p>
         </p:txBody>
       </p:sp>
       <p:sp>
         <p:nvSpPr>
-          <p:cNvPr id="57" name="TextBox 56">
-            <a:extLst>
-              <a:ext uri="{FF2B5EF4-FFF2-40B4-BE49-F238E27FC236}">
-                <a16:creationId xmlns:a16="http://schemas.microsoft.com/office/drawing/2014/main" id="{D014F946-0545-5C4A-A033-E0A3D7D3B994}"/>
-              </a:ext>
-            </a:extLst>
-          </p:cNvPr>
-          <p:cNvSpPr txBox="1">
-            <a:spLocks/>
-          </p:cNvSpPr>
+          <p:cNvPr id="57" name="TextBox 56"/>
+          <p:cNvSpPr txBox="1"/>
           <p:nvPr/>
         </p:nvSpPr>
         <p:spPr>
@@ -8502,28 +7305,20 @@
               <a:defRPr/>
             </a:pPr>
             <a:r>
-              <a:rPr lang="en-US" sz="1200">
+              <a:rPr lang="en-US" sz="1200" dirty="0">
                 <a:solidFill>
                   <a:srgbClr val="000000"/>
                 </a:solidFill>
               </a:rPr>
-              <a:t>Office Hours</a:t>
+              <a:t>办公室会议</a:t>
             </a:r>
           </a:p>
         </p:txBody>
       </p:sp>
       <p:sp>
         <p:nvSpPr>
-          <p:cNvPr id="68" name="Rectangle 67">
-            <a:extLst>
-              <a:ext uri="{FF2B5EF4-FFF2-40B4-BE49-F238E27FC236}">
-                <a16:creationId xmlns:a16="http://schemas.microsoft.com/office/drawing/2014/main" id="{E00D47C7-6887-144B-AC6C-98B0C06A66C3}"/>
-              </a:ext>
-            </a:extLst>
-          </p:cNvPr>
-          <p:cNvSpPr>
-            <a:spLocks/>
-          </p:cNvSpPr>
+          <p:cNvPr id="68" name="Rectangle 67"/>
+          <p:cNvSpPr/>
           <p:nvPr/>
         </p:nvSpPr>
         <p:spPr>
@@ -8550,32 +7345,26 @@
               </a:spcAft>
             </a:pPr>
             <a:r>
-              <a:rPr lang="en-US" sz="1200" b="1">
+              <a:rPr lang="en-US" sz="1200" b="1" dirty="0">
                 <a:latin typeface="+mj-lt"/>
                 <a:ea typeface="Open Sans" pitchFamily="34" charset="0"/>
                 <a:cs typeface="Open Sans" pitchFamily="34" charset="0"/>
               </a:rPr>
-              <a:t>Webinars</a:t>
+              <a:t>网络研讨会</a:t>
             </a:r>
           </a:p>
         </p:txBody>
       </p:sp>
       <p:sp>
         <p:nvSpPr>
-          <p:cNvPr id="70" name="object 39">
-            <a:extLst>
-              <a:ext uri="{FF2B5EF4-FFF2-40B4-BE49-F238E27FC236}">
-                <a16:creationId xmlns:a16="http://schemas.microsoft.com/office/drawing/2014/main" id="{A3968CBF-60CB-D743-9C93-31831CF4AC99}"/>
-              </a:ext>
-            </a:extLst>
-          </p:cNvPr>
+          <p:cNvPr id="70" name="object 39"/>
           <p:cNvSpPr txBox="1"/>
           <p:nvPr/>
         </p:nvSpPr>
         <p:spPr>
           <a:xfrm>
             <a:off x="370040" y="8618616"/>
-            <a:ext cx="2286000" cy="1113125"/>
+            <a:ext cx="2373160" cy="651460"/>
           </a:xfrm>
           <a:prstGeom prst="rect">
             <a:avLst/>
@@ -8588,29 +7377,21 @@
           <a:lstStyle/>
           <a:p>
             <a:r>
-              <a:rPr lang="en-US" sz="1000">
+              <a:rPr lang="en-US" sz="1000" dirty="0">
                 <a:solidFill>
                   <a:srgbClr val="000000"/>
                 </a:solidFill>
                 <a:latin typeface="Adobe Clean Light" panose="020B0303020404020204" pitchFamily="34" charset="0"/>
               </a:rPr>
-              <a:t>Office Hours is an initiative led by the Adobe Customer Support team. These sessions are designed to inform as well as help participants troubleshoot problems and provide tips and tricks to be successful with Adobe Experience Cloud.</a:t>
+              <a:t>“办公室会议”是 Adobe 客户支持团队发起的一项计划。这些讲座旨在指导并帮助参与者排除问题，并提供有助于 Adobe Experience Cloud 发挥成效的提示和技巧。</a:t>
             </a:r>
           </a:p>
         </p:txBody>
       </p:sp>
       <p:sp>
         <p:nvSpPr>
-          <p:cNvPr id="73" name="Rectangle 72">
-            <a:extLst>
-              <a:ext uri="{FF2B5EF4-FFF2-40B4-BE49-F238E27FC236}">
-                <a16:creationId xmlns:a16="http://schemas.microsoft.com/office/drawing/2014/main" id="{07CC29C8-EC02-804B-805C-15E7100BFE98}"/>
-              </a:ext>
-            </a:extLst>
-          </p:cNvPr>
-          <p:cNvSpPr>
-            <a:spLocks/>
-          </p:cNvSpPr>
+          <p:cNvPr id="73" name="Rectangle 72"/>
+          <p:cNvSpPr/>
           <p:nvPr/>
         </p:nvSpPr>
         <p:spPr>
@@ -8637,32 +7418,26 @@
               </a:spcAft>
             </a:pPr>
             <a:r>
-              <a:rPr lang="en-US" sz="1200" b="1">
+              <a:rPr lang="en-US" sz="1200" b="1" dirty="0">
                 <a:latin typeface="+mj-lt"/>
                 <a:ea typeface="Open Sans" pitchFamily="34" charset="0"/>
                 <a:cs typeface="Open Sans" pitchFamily="34" charset="0"/>
               </a:rPr>
-              <a:t>24/7 Support Portal</a:t>
+              <a:t>全天候支持门户</a:t>
             </a:r>
           </a:p>
         </p:txBody>
       </p:sp>
       <p:sp>
         <p:nvSpPr>
-          <p:cNvPr id="74" name="object 39">
-            <a:extLst>
-              <a:ext uri="{FF2B5EF4-FFF2-40B4-BE49-F238E27FC236}">
-                <a16:creationId xmlns:a16="http://schemas.microsoft.com/office/drawing/2014/main" id="{02FB7DE8-001A-7E4A-8191-AA46458FFED8}"/>
-              </a:ext>
-            </a:extLst>
-          </p:cNvPr>
+          <p:cNvPr id="74" name="object 39"/>
           <p:cNvSpPr txBox="1"/>
           <p:nvPr/>
         </p:nvSpPr>
         <p:spPr>
           <a:xfrm>
             <a:off x="5376301" y="8618616"/>
-            <a:ext cx="2286000" cy="805349"/>
+            <a:ext cx="2286000" cy="650875"/>
           </a:xfrm>
           <a:prstGeom prst="rect">
             <a:avLst/>
@@ -8675,43 +7450,20 @@
           <a:lstStyle/>
           <a:p>
             <a:r>
-              <a:rPr lang="en-US" sz="1000">
+              <a:rPr lang="en-US" sz="1000" dirty="0">
                 <a:solidFill>
                   <a:srgbClr val="000000"/>
                 </a:solidFill>
                 <a:latin typeface="Adobe Clean Light" panose="020B0303020404020204" pitchFamily="34" charset="0"/>
               </a:rPr>
-              <a:t>On-demand access to the online </a:t>
-            </a:r>
-            <a:br>
-              <a:rPr lang="en-US" sz="1000">
-                <a:solidFill>
-                  <a:srgbClr val="000000"/>
-                </a:solidFill>
-                <a:latin typeface="Adobe Clean Light" panose="020B0303020404020204" pitchFamily="34" charset="0"/>
-              </a:rPr>
-            </a:br>
-            <a:r>
-              <a:rPr lang="en-US" sz="1000">
-                <a:solidFill>
-                  <a:srgbClr val="000000"/>
-                </a:solidFill>
-                <a:latin typeface="Adobe Clean Light" panose="020B0303020404020204" pitchFamily="34" charset="0"/>
-              </a:rPr>
-              <a:t>Self-help Support Portal to submit support requests, review case status, and browse other resources, like our knowledgebase, news and alerts, featured tips, and more.</a:t>
+              <a:t>按需访问在线自助支持门户以提交支持请求、查看案例状态并浏览其他资源，例如我们的知识库、新闻和通知、特色小贴士等。</a:t>
             </a:r>
           </a:p>
         </p:txBody>
       </p:sp>
       <p:pic>
         <p:nvPicPr>
-          <p:cNvPr id="13" name="Graphic 12" descr="Playbook outline">
-            <a:extLst>
-              <a:ext uri="{FF2B5EF4-FFF2-40B4-BE49-F238E27FC236}">
-                <a16:creationId xmlns:a16="http://schemas.microsoft.com/office/drawing/2014/main" id="{EA91EF06-4BFE-9B42-9A4B-1146BB3FDFD3}"/>
-              </a:ext>
-            </a:extLst>
-          </p:cNvPr>
+          <p:cNvPr id="13" name="Graphic 12" descr="操作说明轮廓图"/>
           <p:cNvPicPr>
             <a:picLocks noChangeAspect="1"/>
           </p:cNvPicPr>
@@ -8744,13 +7496,7 @@
       </p:pic>
       <p:pic>
         <p:nvPicPr>
-          <p:cNvPr id="15" name="Graphic 14" descr="User outline">
-            <a:extLst>
-              <a:ext uri="{FF2B5EF4-FFF2-40B4-BE49-F238E27FC236}">
-                <a16:creationId xmlns:a16="http://schemas.microsoft.com/office/drawing/2014/main" id="{432C176A-FCAC-A645-A2E4-E6AD4A602868}"/>
-              </a:ext>
-            </a:extLst>
-          </p:cNvPr>
+          <p:cNvPr id="15" name="Graphic 14" descr="用户轮廓图"/>
           <p:cNvPicPr>
             <a:picLocks noChangeAspect="1"/>
           </p:cNvPicPr>
@@ -8783,13 +7529,7 @@
       </p:pic>
       <p:sp>
         <p:nvSpPr>
-          <p:cNvPr id="6" name="TextBox 5">
-            <a:extLst>
-              <a:ext uri="{FF2B5EF4-FFF2-40B4-BE49-F238E27FC236}">
-                <a16:creationId xmlns:a16="http://schemas.microsoft.com/office/drawing/2014/main" id="{3A360C4F-3C10-B641-8B6D-C8AF4943F81E}"/>
-              </a:ext>
-            </a:extLst>
-          </p:cNvPr>
+          <p:cNvPr id="6" name="TextBox 5"/>
           <p:cNvSpPr txBox="1"/>
           <p:nvPr/>
         </p:nvSpPr>
@@ -8810,23 +7550,17 @@
           <a:lstStyle/>
           <a:p>
             <a:r>
-              <a:rPr lang="en-US" sz="1200" b="1">
+              <a:rPr lang="en-US" sz="1200" b="1" dirty="0">
                 <a:latin typeface="+mj-lt"/>
               </a:rPr>
-              <a:t>Business Services</a:t>
+              <a:t>商业服务</a:t>
             </a:r>
           </a:p>
         </p:txBody>
       </p:sp>
       <p:sp>
         <p:nvSpPr>
-          <p:cNvPr id="86" name="object 39">
-            <a:extLst>
-              <a:ext uri="{FF2B5EF4-FFF2-40B4-BE49-F238E27FC236}">
-                <a16:creationId xmlns:a16="http://schemas.microsoft.com/office/drawing/2014/main" id="{3003AB67-9A7C-614D-8006-83CEA36B6A65}"/>
-              </a:ext>
-            </a:extLst>
-          </p:cNvPr>
+          <p:cNvPr id="86" name="object 39"/>
           <p:cNvSpPr txBox="1"/>
           <p:nvPr/>
         </p:nvSpPr>
@@ -8854,12 +7588,12 @@
               </a:spcBef>
             </a:pPr>
             <a:r>
-              <a:rPr lang="en-US" sz="1000">
+              <a:rPr lang="en-US" sz="1000" dirty="0">
                 <a:latin typeface="Adobe Clean Light" panose="020B0303020404020204" pitchFamily="34" charset="0"/>
               </a:rPr>
-              <a:t>An Account Support Lead will host webinars covering an overview of business support services.  </a:t>
-            </a:r>
-            <a:endParaRPr lang="en-US" sz="1000">
+              <a:t>帐户支持主管将主持旨在从总体上介绍商业支持服务的网络研讨会。</a:t>
+            </a:r>
+            <a:endParaRPr lang="en-US" sz="1000" dirty="0">
               <a:latin typeface="Adobe Clean Light" panose="020B0303020404020204" pitchFamily="34" charset="0"/>
               <a:cs typeface="AdobeClean-Light"/>
             </a:endParaRPr>
@@ -8868,13 +7602,7 @@
       </p:sp>
       <p:sp>
         <p:nvSpPr>
-          <p:cNvPr id="90" name="object 38">
-            <a:extLst>
-              <a:ext uri="{FF2B5EF4-FFF2-40B4-BE49-F238E27FC236}">
-                <a16:creationId xmlns:a16="http://schemas.microsoft.com/office/drawing/2014/main" id="{365702EE-FA18-9544-B462-9958849596A3}"/>
-              </a:ext>
-            </a:extLst>
-          </p:cNvPr>
+          <p:cNvPr id="90" name="object 38"/>
           <p:cNvSpPr/>
           <p:nvPr/>
         </p:nvSpPr>
@@ -8923,13 +7651,7 @@
       </p:sp>
       <p:pic>
         <p:nvPicPr>
-          <p:cNvPr id="8" name="Graphic 7" descr="Call center outline">
-            <a:extLst>
-              <a:ext uri="{FF2B5EF4-FFF2-40B4-BE49-F238E27FC236}">
-                <a16:creationId xmlns:a16="http://schemas.microsoft.com/office/drawing/2014/main" id="{76C5F4CC-9EB1-9A40-B7CD-9238D7CBD210}"/>
-              </a:ext>
-            </a:extLst>
-          </p:cNvPr>
+          <p:cNvPr id="8" name="Graphic 7" descr="呼叫中心轮廓图"/>
           <p:cNvPicPr>
             <a:picLocks noChangeAspect="1"/>
           </p:cNvPicPr>
@@ -8962,13 +7684,7 @@
       </p:pic>
       <p:pic>
         <p:nvPicPr>
-          <p:cNvPr id="12" name="Graphic 11" descr="Chat bubble outline">
-            <a:extLst>
-              <a:ext uri="{FF2B5EF4-FFF2-40B4-BE49-F238E27FC236}">
-                <a16:creationId xmlns:a16="http://schemas.microsoft.com/office/drawing/2014/main" id="{622BBF30-302E-BB48-9742-E046EB16E213}"/>
-              </a:ext>
-            </a:extLst>
-          </p:cNvPr>
+          <p:cNvPr id="12" name="Graphic 11" descr="聊天气泡轮廓图"/>
           <p:cNvPicPr>
             <a:picLocks noChangeAspect="1"/>
           </p:cNvPicPr>
@@ -9001,13 +7717,7 @@
       </p:pic>
       <p:pic>
         <p:nvPicPr>
-          <p:cNvPr id="16" name="Graphic 15" descr="Compass outline">
-            <a:extLst>
-              <a:ext uri="{FF2B5EF4-FFF2-40B4-BE49-F238E27FC236}">
-                <a16:creationId xmlns:a16="http://schemas.microsoft.com/office/drawing/2014/main" id="{8D3635BD-68A2-174E-92F8-1EE608E3F409}"/>
-              </a:ext>
-            </a:extLst>
-          </p:cNvPr>
+          <p:cNvPr id="16" name="Graphic 15" descr="指南针轮廓图"/>
           <p:cNvPicPr>
             <a:picLocks noChangeAspect="1"/>
           </p:cNvPicPr>
@@ -9040,13 +7750,7 @@
       </p:pic>
       <p:pic>
         <p:nvPicPr>
-          <p:cNvPr id="18" name="Graphic 17" descr="Speaker phone outline">
-            <a:extLst>
-              <a:ext uri="{FF2B5EF4-FFF2-40B4-BE49-F238E27FC236}">
-                <a16:creationId xmlns:a16="http://schemas.microsoft.com/office/drawing/2014/main" id="{CD7C3546-DF6C-1748-9DE2-3DE0B393FD70}"/>
-              </a:ext>
-            </a:extLst>
-          </p:cNvPr>
+          <p:cNvPr id="18" name="Graphic 17" descr="免提电话轮廓图"/>
           <p:cNvPicPr>
             <a:picLocks noChangeAspect="1"/>
           </p:cNvPicPr>
@@ -9079,13 +7783,7 @@
       </p:pic>
       <p:pic>
         <p:nvPicPr>
-          <p:cNvPr id="20" name="Graphic 19" descr="Customer review outline">
-            <a:extLst>
-              <a:ext uri="{FF2B5EF4-FFF2-40B4-BE49-F238E27FC236}">
-                <a16:creationId xmlns:a16="http://schemas.microsoft.com/office/drawing/2014/main" id="{88BA5AB9-C7BF-714C-B301-F3911BFCE82B}"/>
-              </a:ext>
-            </a:extLst>
-          </p:cNvPr>
+          <p:cNvPr id="20" name="Graphic 19" descr="客户审查轮廓图"/>
           <p:cNvPicPr>
             <a:picLocks noChangeAspect="1"/>
           </p:cNvPicPr>
@@ -9118,13 +7816,7 @@
       </p:pic>
       <p:pic>
         <p:nvPicPr>
-          <p:cNvPr id="24" name="Graphic 23" descr="Signpost outline">
-            <a:extLst>
-              <a:ext uri="{FF2B5EF4-FFF2-40B4-BE49-F238E27FC236}">
-                <a16:creationId xmlns:a16="http://schemas.microsoft.com/office/drawing/2014/main" id="{98A2CDD0-0973-5C41-9864-EAF96E20A224}"/>
-              </a:ext>
-            </a:extLst>
-          </p:cNvPr>
+          <p:cNvPr id="24" name="Graphic 23" descr="路标轮廓图"/>
           <p:cNvPicPr>
             <a:picLocks noChangeAspect="1"/>
           </p:cNvPicPr>
@@ -9157,13 +7849,7 @@
       </p:pic>
       <p:pic>
         <p:nvPicPr>
-          <p:cNvPr id="26" name="Graphic 25" descr="Internet outline">
-            <a:extLst>
-              <a:ext uri="{FF2B5EF4-FFF2-40B4-BE49-F238E27FC236}">
-                <a16:creationId xmlns:a16="http://schemas.microsoft.com/office/drawing/2014/main" id="{D97D0963-4E70-534E-A452-83995F1FACDE}"/>
-              </a:ext>
-            </a:extLst>
-          </p:cNvPr>
+          <p:cNvPr id="26" name="Graphic 25" descr="Internet 轮廓图"/>
           <p:cNvPicPr>
             <a:picLocks noChangeAspect="1"/>
           </p:cNvPicPr>
@@ -9196,13 +7882,7 @@
       </p:pic>
       <p:pic>
         <p:nvPicPr>
-          <p:cNvPr id="28" name="Graphic 27" descr="Remote learning language outline">
-            <a:extLst>
-              <a:ext uri="{FF2B5EF4-FFF2-40B4-BE49-F238E27FC236}">
-                <a16:creationId xmlns:a16="http://schemas.microsoft.com/office/drawing/2014/main" id="{5F425BA3-573C-1A4A-9418-FC3AB02B28C2}"/>
-              </a:ext>
-            </a:extLst>
-          </p:cNvPr>
+          <p:cNvPr id="28" name="Graphic 27" descr="远程学习语言轮廓图"/>
           <p:cNvPicPr>
             <a:picLocks noChangeAspect="1"/>
           </p:cNvPicPr>
@@ -9235,13 +7915,7 @@
       </p:pic>
       <p:sp>
         <p:nvSpPr>
-          <p:cNvPr id="75" name="object 38">
-            <a:extLst>
-              <a:ext uri="{FF2B5EF4-FFF2-40B4-BE49-F238E27FC236}">
-                <a16:creationId xmlns:a16="http://schemas.microsoft.com/office/drawing/2014/main" id="{7721F89F-362E-2149-8232-23A77C21A87D}"/>
-              </a:ext>
-            </a:extLst>
-          </p:cNvPr>
+          <p:cNvPr id="75" name="object 38"/>
           <p:cNvSpPr/>
           <p:nvPr/>
         </p:nvSpPr>
@@ -9290,16 +7964,8 @@
       </p:sp>
       <p:sp>
         <p:nvSpPr>
-          <p:cNvPr id="79" name="TextBox 78">
-            <a:extLst>
-              <a:ext uri="{FF2B5EF4-FFF2-40B4-BE49-F238E27FC236}">
-                <a16:creationId xmlns:a16="http://schemas.microsoft.com/office/drawing/2014/main" id="{BD8D3B50-8896-BD46-87FD-5A7F5FB02DD5}"/>
-              </a:ext>
-            </a:extLst>
-          </p:cNvPr>
-          <p:cNvSpPr txBox="1">
-            <a:spLocks/>
-          </p:cNvSpPr>
+          <p:cNvPr id="79" name="TextBox 78"/>
+          <p:cNvSpPr txBox="1"/>
           <p:nvPr/>
         </p:nvSpPr>
         <p:spPr>
@@ -9331,28 +7997,20 @@
               <a:defRPr/>
             </a:pPr>
             <a:r>
-              <a:rPr lang="en-US" sz="1200">
+              <a:rPr lang="en-US" sz="1200" dirty="0">
                 <a:solidFill>
                   <a:srgbClr val="000000"/>
                 </a:solidFill>
               </a:rPr>
-              <a:t>Self– Help Portal</a:t>
+              <a:t>自助门户</a:t>
             </a:r>
           </a:p>
         </p:txBody>
       </p:sp>
       <p:sp>
         <p:nvSpPr>
-          <p:cNvPr id="83" name="TextBox 82">
-            <a:extLst>
-              <a:ext uri="{FF2B5EF4-FFF2-40B4-BE49-F238E27FC236}">
-                <a16:creationId xmlns:a16="http://schemas.microsoft.com/office/drawing/2014/main" id="{AF154937-CC7F-194F-914A-583BEF4B46DE}"/>
-              </a:ext>
-            </a:extLst>
-          </p:cNvPr>
-          <p:cNvSpPr txBox="1">
-            <a:spLocks/>
-          </p:cNvSpPr>
+          <p:cNvPr id="83" name="TextBox 82"/>
+          <p:cNvSpPr txBox="1"/>
           <p:nvPr/>
         </p:nvSpPr>
         <p:spPr>
@@ -9384,7 +8042,7 @@
               <a:defRPr/>
             </a:pPr>
             <a:r>
-              <a:rPr lang="en-US" sz="1200">
+              <a:rPr lang="en-US" sz="1200" dirty="0">
                 <a:solidFill>
                   <a:srgbClr val="000000"/>
                 </a:solidFill>
@@ -9446,17 +8104,17 @@
               </a:lnSpc>
             </a:pPr>
             <a:r>
-              <a:rPr sz="500" spc="-5">
+              <a:rPr lang="en-US" sz="500" spc="-5" dirty="0">
                 <a:solidFill>
                   <a:srgbClr val="6C6C6C"/>
                 </a:solidFill>
                 <a:latin typeface="Adobe Clean"/>
                 <a:cs typeface="Adobe Clean"/>
               </a:rPr>
-              <a:t>©2020 Adobe. All Rights Reserved. </a:t>
-            </a:r>
-            <a:r>
-              <a:rPr sz="500">
+              <a:t>© 2020 Adobe. All Rights Reserved.</a:t>
+            </a:r>
+            <a:r>
+              <a:rPr lang="en-US" sz="500" dirty="0">
                 <a:solidFill>
                   <a:srgbClr val="6C6C6C"/>
                 </a:solidFill>
@@ -9466,7 +8124,7 @@
               <a:t>Adobe</a:t>
             </a:r>
             <a:r>
-              <a:rPr sz="500" spc="5">
+              <a:rPr lang="en-US" sz="500" spc="5" dirty="0">
                 <a:solidFill>
                   <a:srgbClr val="6C6C6C"/>
                 </a:solidFill>
@@ -9476,7 +8134,7 @@
               <a:t> </a:t>
             </a:r>
             <a:r>
-              <a:rPr sz="500" spc="-5">
+              <a:rPr lang="en-US" sz="500" spc="-5" dirty="0">
                 <a:solidFill>
                   <a:srgbClr val="6C6C6C"/>
                 </a:solidFill>
@@ -9514,17 +8172,17 @@
               </a:spcBef>
             </a:pPr>
             <a:r>
-              <a:rPr sz="800" spc="-5">
+              <a:rPr lang="en-US" sz="800" spc="-5" dirty="0">
                 <a:solidFill>
                   <a:srgbClr val="6D6D6D"/>
                 </a:solidFill>
                 <a:latin typeface="Adobe Clean"/>
                 <a:cs typeface="Adobe Clean"/>
               </a:rPr>
-              <a:t>©2020 Adobe. All Rights Reserved. Adobe</a:t>
-            </a:r>
-            <a:r>
-              <a:rPr sz="800" spc="75">
+              <a:t>© 2020 Adobe. All Rights Reserved.Adobe</a:t>
+            </a:r>
+            <a:r>
+              <a:rPr lang="en-US" sz="800" spc="75" dirty="0">
                 <a:solidFill>
                   <a:srgbClr val="6D6D6D"/>
                 </a:solidFill>
@@ -9534,7 +8192,7 @@
               <a:t> </a:t>
             </a:r>
             <a:r>
-              <a:rPr sz="800" spc="-5">
+              <a:rPr lang="en-US" sz="800" spc="-5" dirty="0">
                 <a:solidFill>
                   <a:srgbClr val="6D6D6D"/>
                 </a:solidFill>
@@ -9630,16 +8288,16 @@
               </a:spcBef>
             </a:pPr>
             <a:r>
-              <a:rPr lang="en-US" sz="1400" b="1" spc="-15">
+              <a:rPr lang="en-US" sz="1400" b="1" spc="-15" dirty="0">
                 <a:solidFill>
                   <a:srgbClr val="020302"/>
                 </a:solidFill>
                 <a:latin typeface="Adobe Clean"/>
                 <a:cs typeface="Adobe Clean"/>
               </a:rPr>
-              <a:t>Resources</a:t>
-            </a:r>
-            <a:endParaRPr sz="1400">
+              <a:t>资源</a:t>
+            </a:r>
+            <a:endParaRPr sz="1400" dirty="0">
               <a:latin typeface="Adobe Clean"/>
               <a:cs typeface="Adobe Clean"/>
             </a:endParaRPr>
@@ -9676,7 +8334,7 @@
               </a:spcBef>
             </a:pPr>
             <a:r>
-              <a:rPr sz="800" spc="-15">
+              <a:rPr lang="en-US" sz="800" spc="-15" dirty="0">
                 <a:solidFill>
                   <a:srgbClr val="777879"/>
                 </a:solidFill>
@@ -9697,7 +8355,7 @@
               </a:lnSpc>
             </a:pPr>
             <a:r>
-              <a:rPr sz="800" spc="-15">
+              <a:rPr lang="en-US" sz="800" spc="-15" dirty="0">
                 <a:solidFill>
                   <a:srgbClr val="777879"/>
                 </a:solidFill>
@@ -9707,7 +8365,7 @@
               <a:t>345 Park</a:t>
             </a:r>
             <a:r>
-              <a:rPr sz="800" spc="-100">
+              <a:rPr lang="en-US" sz="800" spc="-100" dirty="0">
                 <a:solidFill>
                   <a:srgbClr val="777879"/>
                 </a:solidFill>
@@ -9717,7 +8375,7 @@
               <a:t> </a:t>
             </a:r>
             <a:r>
-              <a:rPr sz="800" spc="-15">
+              <a:rPr lang="en-US" sz="800" spc="-15" dirty="0">
                 <a:solidFill>
                   <a:srgbClr val="777879"/>
                 </a:solidFill>
@@ -9734,11 +8392,11 @@
           <a:p>
             <a:pPr marL="12700">
               <a:lnSpc>
-                <a:spcPts val="944"/>
+                <a:spcPts val="945"/>
               </a:lnSpc>
             </a:pPr>
             <a:r>
-              <a:rPr sz="800" spc="-10">
+              <a:rPr lang="en-US" sz="800" spc="-10" dirty="0">
                 <a:solidFill>
                   <a:srgbClr val="777879"/>
                 </a:solidFill>
@@ -9748,7 +8406,7 @@
               <a:t>San </a:t>
             </a:r>
             <a:r>
-              <a:rPr sz="800" spc="-15">
+              <a:rPr lang="en-US" sz="800" spc="-15" dirty="0">
                 <a:solidFill>
                   <a:srgbClr val="777879"/>
                 </a:solidFill>
@@ -9758,7 +8416,7 @@
               <a:t>Jose,</a:t>
             </a:r>
             <a:r>
-              <a:rPr sz="800" spc="-140">
+              <a:rPr lang="en-US" sz="800" spc="-140" dirty="0">
                 <a:solidFill>
                   <a:srgbClr val="777879"/>
                 </a:solidFill>
@@ -9768,7 +8426,7 @@
               <a:t> </a:t>
             </a:r>
             <a:r>
-              <a:rPr sz="800" spc="-20">
+              <a:rPr lang="en-US" sz="800" spc="-20" dirty="0">
                 <a:solidFill>
                   <a:srgbClr val="777879"/>
                 </a:solidFill>
@@ -9792,7 +8450,7 @@
               </a:spcBef>
             </a:pPr>
             <a:r>
-              <a:rPr sz="800" spc="-10">
+              <a:rPr lang="en-US" sz="800" spc="-10" dirty="0">
                 <a:solidFill>
                   <a:srgbClr val="777879"/>
                 </a:solidFill>
@@ -9816,7 +8474,7 @@
               </a:spcBef>
             </a:pPr>
             <a:r>
-              <a:rPr sz="800" u="sng" spc="-25">
+              <a:rPr lang="en-US" sz="800" u="sng" spc="-25" dirty="0">
                 <a:solidFill>
                   <a:srgbClr val="5F5F5F"/>
                 </a:solidFill>
@@ -9827,9 +8485,9 @@
                 </a:uFill>
                 <a:latin typeface="Adobe Clean"/>
                 <a:cs typeface="Adobe Clean"/>
-                <a:hlinkClick r:id="rId3"/>
+                <a:hlinkClick r:id="rId4"/>
               </a:rPr>
-              <a:t>www.adobe.com</a:t>
+              <a:t>www.adobe.com/cn/</a:t>
             </a:r>
             <a:endParaRPr sz="800">
               <a:latin typeface="Adobe Clean"/>
@@ -9853,7 +8511,7 @@
             <a:avLst/>
           </a:prstGeom>
           <a:blipFill>
-            <a:blip r:embed="rId4" cstate="print"/>
+            <a:blip r:embed="rId5" cstate="print"/>
             <a:stretch>
               <a:fillRect/>
             </a:stretch>
@@ -9965,7 +8623,7 @@
             <a:avLst/>
           </a:prstGeom>
           <a:blipFill>
-            <a:blip r:embed="rId5" cstate="print"/>
+            <a:blip r:embed="rId6" cstate="print"/>
             <a:stretch>
               <a:fillRect/>
             </a:stretch>
@@ -9995,7 +8653,7 @@
           </a:prstGeom>
         </p:spPr>
         <p:txBody>
-          <a:bodyPr vert="horz" wrap="square" lIns="0" tIns="29845" rIns="0" bIns="0" rtlCol="0" anchor="t">
+          <a:bodyPr vert="horz" wrap="square" lIns="0" tIns="29845" rIns="0" bIns="0" rtlCol="0">
             <a:spAutoFit/>
           </a:bodyPr>
           <a:lstStyle/>
@@ -10009,17 +8667,27 @@
               </a:spcBef>
             </a:pPr>
             <a:r>
-              <a:rPr sz="1100" i="1" spc="-10">
+              <a:rPr lang="en-US" sz="1100" i="1" spc="-10" dirty="0">
                 <a:solidFill>
                   <a:srgbClr val="777879"/>
                 </a:solidFill>
                 <a:latin typeface="AdobeClean-LightIt"/>
                 <a:cs typeface="AdobeClean-LightIt"/>
               </a:rPr>
-              <a:t>To</a:t>
-            </a:r>
-            <a:r>
-              <a:rPr sz="1100" i="1" spc="-50">
+              <a:t>要</a:t>
+            </a:r>
+            <a:r>
+              <a:rPr lang="en-US" sz="1100" i="1" spc="-15" dirty="0">
+                <a:solidFill>
+                  <a:srgbClr val="777879"/>
+                </a:solidFill>
+                <a:latin typeface="AdobeClean-LightIt"/>
+                <a:cs typeface="AdobeClean-LightIt"/>
+              </a:rPr>
+              <a:t>详细了解</a:t>
+            </a:r>
+            <a:r>
+              <a:rPr lang="en-US" sz="1100" i="1" spc="-45" dirty="0">
                 <a:solidFill>
                   <a:srgbClr val="777879"/>
                 </a:solidFill>
@@ -10029,17 +8697,17 @@
               <a:t> </a:t>
             </a:r>
             <a:r>
-              <a:rPr sz="1100" i="1" spc="-15">
+              <a:rPr lang="en-US" sz="1100" i="1" spc="-15" dirty="0">
                 <a:solidFill>
                   <a:srgbClr val="777879"/>
                 </a:solidFill>
                 <a:latin typeface="AdobeClean-LightIt"/>
                 <a:cs typeface="AdobeClean-LightIt"/>
               </a:rPr>
-              <a:t>learn</a:t>
-            </a:r>
-            <a:r>
-              <a:rPr sz="1100" i="1" spc="-40">
+              <a:t>Adobe</a:t>
+            </a:r>
+            <a:r>
+              <a:rPr lang="en-US" sz="1100" i="1" spc="-50" dirty="0">
                 <a:solidFill>
                   <a:srgbClr val="777879"/>
                 </a:solidFill>
@@ -10049,327 +8717,37 @@
               <a:t> </a:t>
             </a:r>
             <a:r>
-              <a:rPr sz="1100" i="1" spc="-15">
+              <a:rPr lang="en-US" sz="1100" i="1" spc="-15" dirty="0">
                 <a:solidFill>
                   <a:srgbClr val="777879"/>
                 </a:solidFill>
                 <a:latin typeface="AdobeClean-LightIt"/>
                 <a:cs typeface="AdobeClean-LightIt"/>
               </a:rPr>
-              <a:t>more</a:t>
-            </a:r>
-            <a:r>
-              <a:rPr sz="1100" i="1" spc="-45">
+              <a:t>支持产品/服务和您的适当级别，请联系指定</a:t>
+            </a:r>
+            <a:r>
+              <a:rPr lang="en-US" sz="1100" i="1" spc="-25" dirty="0">
                 <a:solidFill>
                   <a:srgbClr val="777879"/>
                 </a:solidFill>
                 <a:latin typeface="AdobeClean-LightIt"/>
                 <a:cs typeface="AdobeClean-LightIt"/>
               </a:rPr>
-              <a:t> </a:t>
-            </a:r>
-            <a:r>
-              <a:rPr sz="1100" i="1" spc="-15">
+              <a:t>客户</a:t>
+            </a:r>
+            <a:r>
+              <a:rPr lang="en-US" sz="1100" i="1" spc="-20" dirty="0">
                 <a:solidFill>
                   <a:srgbClr val="777879"/>
                 </a:solidFill>
                 <a:latin typeface="AdobeClean-LightIt"/>
                 <a:cs typeface="AdobeClean-LightIt"/>
               </a:rPr>
-              <a:t>about</a:t>
-            </a:r>
-            <a:r>
-              <a:rPr sz="1100" i="1" spc="-45">
-                <a:solidFill>
-                  <a:srgbClr val="777879"/>
-                </a:solidFill>
-                <a:latin typeface="AdobeClean-LightIt"/>
-                <a:cs typeface="AdobeClean-LightIt"/>
-              </a:rPr>
-              <a:t> </a:t>
-            </a:r>
-            <a:r>
-              <a:rPr sz="1100" i="1" spc="-15">
-                <a:solidFill>
-                  <a:srgbClr val="777879"/>
-                </a:solidFill>
-                <a:latin typeface="AdobeClean-LightIt"/>
-                <a:cs typeface="AdobeClean-LightIt"/>
-              </a:rPr>
-              <a:t>Adobe</a:t>
-            </a:r>
-            <a:r>
-              <a:rPr sz="1100" i="1" spc="-50">
-                <a:solidFill>
-                  <a:srgbClr val="777879"/>
-                </a:solidFill>
-                <a:latin typeface="AdobeClean-LightIt"/>
-                <a:cs typeface="AdobeClean-LightIt"/>
-              </a:rPr>
-              <a:t> </a:t>
-            </a:r>
-            <a:r>
-              <a:rPr sz="1100" i="1" spc="-15">
-                <a:solidFill>
-                  <a:srgbClr val="777879"/>
-                </a:solidFill>
-                <a:latin typeface="AdobeClean-LightIt"/>
-                <a:cs typeface="AdobeClean-LightIt"/>
-              </a:rPr>
-              <a:t>Support</a:t>
-            </a:r>
-            <a:r>
-              <a:rPr lang="en-US" sz="1100" i="1" spc="-15">
-                <a:solidFill>
-                  <a:srgbClr val="777879"/>
-                </a:solidFill>
-                <a:latin typeface="AdobeClean-LightIt"/>
-                <a:cs typeface="AdobeClean-LightIt"/>
-              </a:rPr>
-              <a:t> Offerings</a:t>
-            </a:r>
-            <a:r>
-              <a:rPr sz="1100" i="1" spc="-75">
-                <a:solidFill>
-                  <a:srgbClr val="777879"/>
-                </a:solidFill>
-                <a:latin typeface="AdobeClean-LightIt"/>
-                <a:cs typeface="AdobeClean-LightIt"/>
-              </a:rPr>
-              <a:t> </a:t>
-            </a:r>
-            <a:r>
-              <a:rPr sz="1100" i="1" spc="-15">
-                <a:solidFill>
-                  <a:srgbClr val="777879"/>
-                </a:solidFill>
-                <a:latin typeface="AdobeClean-LightIt"/>
-                <a:cs typeface="AdobeClean-LightIt"/>
-              </a:rPr>
-              <a:t>and</a:t>
-            </a:r>
-            <a:r>
-              <a:rPr sz="1100" i="1" spc="-50">
-                <a:solidFill>
-                  <a:srgbClr val="777879"/>
-                </a:solidFill>
-                <a:latin typeface="AdobeClean-LightIt"/>
-                <a:cs typeface="AdobeClean-LightIt"/>
-              </a:rPr>
-              <a:t> </a:t>
-            </a:r>
-            <a:r>
-              <a:rPr sz="1100" i="1" spc="-15">
-                <a:solidFill>
-                  <a:srgbClr val="777879"/>
-                </a:solidFill>
-                <a:latin typeface="AdobeClean-LightIt"/>
-                <a:cs typeface="AdobeClean-LightIt"/>
-              </a:rPr>
-              <a:t>the</a:t>
-            </a:r>
-            <a:r>
-              <a:rPr sz="1100" i="1" spc="-55">
-                <a:solidFill>
-                  <a:srgbClr val="777879"/>
-                </a:solidFill>
-                <a:latin typeface="AdobeClean-LightIt"/>
-                <a:cs typeface="AdobeClean-LightIt"/>
-              </a:rPr>
-              <a:t> </a:t>
-            </a:r>
-            <a:r>
-              <a:rPr sz="1100" i="1" spc="-15">
-                <a:solidFill>
-                  <a:srgbClr val="777879"/>
-                </a:solidFill>
-                <a:latin typeface="AdobeClean-LightIt"/>
-                <a:cs typeface="AdobeClean-LightIt"/>
-              </a:rPr>
-              <a:t>right</a:t>
-            </a:r>
-            <a:r>
-              <a:rPr sz="1100" i="1" spc="-95">
-                <a:solidFill>
-                  <a:srgbClr val="777879"/>
-                </a:solidFill>
-                <a:latin typeface="AdobeClean-LightIt"/>
-                <a:cs typeface="AdobeClean-LightIt"/>
-              </a:rPr>
-              <a:t> </a:t>
-            </a:r>
-            <a:r>
-              <a:rPr sz="1100" i="1" spc="-15">
-                <a:solidFill>
-                  <a:srgbClr val="777879"/>
-                </a:solidFill>
-                <a:latin typeface="AdobeClean-LightIt"/>
-                <a:cs typeface="AdobeClean-LightIt"/>
-              </a:rPr>
-              <a:t>level</a:t>
-            </a:r>
-            <a:r>
-              <a:rPr sz="1100" i="1" spc="-55">
-                <a:solidFill>
-                  <a:srgbClr val="777879"/>
-                </a:solidFill>
-                <a:latin typeface="AdobeClean-LightIt"/>
-                <a:cs typeface="AdobeClean-LightIt"/>
-              </a:rPr>
-              <a:t> </a:t>
-            </a:r>
-            <a:r>
-              <a:rPr sz="1100" i="1" spc="-15">
-                <a:solidFill>
-                  <a:srgbClr val="777879"/>
-                </a:solidFill>
-                <a:latin typeface="AdobeClean-LightIt"/>
-                <a:cs typeface="AdobeClean-LightIt"/>
-              </a:rPr>
-              <a:t>for</a:t>
-            </a:r>
-            <a:r>
-              <a:rPr sz="1100" i="1" spc="-85">
-                <a:solidFill>
-                  <a:srgbClr val="777879"/>
-                </a:solidFill>
-                <a:latin typeface="AdobeClean-LightIt"/>
-                <a:cs typeface="AdobeClean-LightIt"/>
-              </a:rPr>
-              <a:t> </a:t>
-            </a:r>
-            <a:r>
-              <a:rPr sz="1100" i="1" spc="-15">
-                <a:solidFill>
-                  <a:srgbClr val="777879"/>
-                </a:solidFill>
-                <a:latin typeface="AdobeClean-LightIt"/>
-                <a:cs typeface="AdobeClean-LightIt"/>
-              </a:rPr>
-              <a:t>you,</a:t>
-            </a:r>
-            <a:r>
-              <a:rPr sz="1100" i="1" spc="-65">
-                <a:solidFill>
-                  <a:srgbClr val="777879"/>
-                </a:solidFill>
-                <a:latin typeface="AdobeClean-LightIt"/>
-                <a:cs typeface="AdobeClean-LightIt"/>
-              </a:rPr>
-              <a:t> </a:t>
-            </a:r>
-            <a:r>
-              <a:rPr sz="1100" i="1" spc="-15">
-                <a:solidFill>
-                  <a:srgbClr val="777879"/>
-                </a:solidFill>
-                <a:latin typeface="AdobeClean-LightIt"/>
-                <a:cs typeface="AdobeClean-LightIt"/>
-              </a:rPr>
-              <a:t>contact</a:t>
-            </a:r>
-            <a:r>
-              <a:rPr sz="1100" i="1" spc="-85">
-                <a:solidFill>
-                  <a:srgbClr val="777879"/>
-                </a:solidFill>
-                <a:latin typeface="AdobeClean-LightIt"/>
-                <a:cs typeface="AdobeClean-LightIt"/>
-              </a:rPr>
-              <a:t> </a:t>
-            </a:r>
-            <a:r>
-              <a:rPr sz="1100" i="1" spc="-15">
-                <a:solidFill>
-                  <a:srgbClr val="777879"/>
-                </a:solidFill>
-                <a:latin typeface="AdobeClean-LightIt"/>
-                <a:cs typeface="AdobeClean-LightIt"/>
-              </a:rPr>
-              <a:t>your</a:t>
-            </a:r>
-            <a:r>
-              <a:rPr sz="1100" i="1" spc="-70">
-                <a:solidFill>
-                  <a:srgbClr val="777879"/>
-                </a:solidFill>
-                <a:latin typeface="AdobeClean-LightIt"/>
-                <a:cs typeface="AdobeClean-LightIt"/>
-              </a:rPr>
-              <a:t> </a:t>
-            </a:r>
-            <a:r>
-              <a:rPr sz="1100" i="1" spc="-15">
-                <a:solidFill>
-                  <a:srgbClr val="777879"/>
-                </a:solidFill>
-                <a:latin typeface="AdobeClean-LightIt"/>
-                <a:cs typeface="AdobeClean-LightIt"/>
-              </a:rPr>
-              <a:t>Named</a:t>
-            </a:r>
-            <a:r>
-              <a:rPr sz="1100" i="1" spc="-55">
-                <a:solidFill>
-                  <a:srgbClr val="777879"/>
-                </a:solidFill>
-                <a:latin typeface="AdobeClean-LightIt"/>
-                <a:cs typeface="AdobeClean-LightIt"/>
-              </a:rPr>
-              <a:t> </a:t>
-            </a:r>
-            <a:r>
-              <a:rPr sz="1100" i="1" spc="-25">
-                <a:solidFill>
-                  <a:srgbClr val="777879"/>
-                </a:solidFill>
-                <a:latin typeface="AdobeClean-LightIt"/>
-                <a:cs typeface="AdobeClean-LightIt"/>
-              </a:rPr>
-              <a:t>Account</a:t>
-            </a:r>
-            <a:r>
-              <a:rPr sz="1100" i="1" spc="-120">
-                <a:solidFill>
-                  <a:srgbClr val="777879"/>
-                </a:solidFill>
-                <a:latin typeface="AdobeClean-LightIt"/>
-                <a:cs typeface="AdobeClean-LightIt"/>
-              </a:rPr>
-              <a:t> </a:t>
-            </a:r>
-            <a:r>
-              <a:rPr sz="1100" i="1" spc="-20">
-                <a:solidFill>
-                  <a:srgbClr val="777879"/>
-                </a:solidFill>
-                <a:latin typeface="AdobeClean-LightIt"/>
-                <a:cs typeface="AdobeClean-LightIt"/>
-              </a:rPr>
-              <a:t>Manager</a:t>
-            </a:r>
-            <a:r>
-              <a:rPr lang="en-US" sz="1100" i="1" spc="-20">
-                <a:solidFill>
-                  <a:srgbClr val="777879"/>
-                </a:solidFill>
-                <a:latin typeface="AdobeClean-LightIt"/>
-                <a:cs typeface="AdobeClean-LightIt"/>
-              </a:rPr>
-              <a:t> </a:t>
-            </a:r>
-            <a:r>
-              <a:rPr sz="1100" i="1" spc="-20">
-                <a:solidFill>
-                  <a:srgbClr val="777879"/>
-                </a:solidFill>
-                <a:latin typeface="AdobeClean-LightIt"/>
-                <a:cs typeface="AdobeClean-LightIt"/>
-              </a:rPr>
-              <a:t> </a:t>
-            </a:r>
-            <a:r>
-              <a:rPr sz="1100" i="1" spc="-15">
+              <a:t>经理 </a:t>
+            </a:r>
+            <a:r>
+              <a:rPr lang="en-US" sz="1100" i="1" spc="-15" dirty="0">
                 <a:solidFill>
                   <a:srgbClr val="777879"/>
                 </a:solidFill>
@@ -10379,66 +8757,46 @@
               <a:t>(NAM) </a:t>
             </a:r>
             <a:r>
-              <a:rPr sz="1100" i="1" spc="-10">
+              <a:rPr lang="en-US" sz="1100" i="1" spc="-10" dirty="0">
                 <a:solidFill>
                   <a:srgbClr val="777879"/>
                 </a:solidFill>
                 <a:latin typeface="AdobeClean-LightIt"/>
                 <a:cs typeface="AdobeClean-LightIt"/>
               </a:rPr>
-              <a:t>or </a:t>
-            </a:r>
-            <a:r>
-              <a:rPr sz="1100" i="1" spc="-15">
+              <a:t>或</a:t>
+            </a:r>
+            <a:r>
+              <a:rPr lang="en-US" sz="1100" i="1" spc="-15" dirty="0">
                 <a:solidFill>
                   <a:srgbClr val="777879"/>
                 </a:solidFill>
                 <a:latin typeface="AdobeClean-LightIt"/>
                 <a:cs typeface="AdobeClean-LightIt"/>
               </a:rPr>
-              <a:t>Customer</a:t>
-            </a:r>
-            <a:r>
-              <a:rPr lang="en-US" sz="1100" i="1" spc="-15">
+              <a:t>客户</a:t>
+            </a:r>
+            <a:r>
+              <a:rPr lang="en-US" sz="1100" i="1" spc="-20" dirty="0">
                 <a:solidFill>
                   <a:srgbClr val="777879"/>
                 </a:solidFill>
                 <a:latin typeface="AdobeClean-LightIt"/>
                 <a:cs typeface="AdobeClean-LightIt"/>
               </a:rPr>
-              <a:t> </a:t>
-            </a:r>
-            <a:r>
-              <a:rPr lang="en-US" sz="1100" i="1" spc="-20">
+              <a:t>成功</a:t>
+            </a:r>
+            <a:r>
+              <a:rPr lang="en-US" sz="1100" i="1" spc="-15" dirty="0">
                 <a:solidFill>
                   <a:srgbClr val="777879"/>
                 </a:solidFill>
                 <a:latin typeface="AdobeClean-LightIt"/>
                 <a:cs typeface="AdobeClean-LightIt"/>
               </a:rPr>
-              <a:t>Success </a:t>
-            </a:r>
-            <a:r>
-              <a:rPr lang="en-US" sz="1100" i="1" spc="-15">
-                <a:solidFill>
-                  <a:srgbClr val="777879"/>
-                </a:solidFill>
-                <a:latin typeface="AdobeClean-LightIt"/>
-                <a:cs typeface="AdobeClean-LightIt"/>
-              </a:rPr>
-              <a:t>Manager </a:t>
-            </a:r>
-            <a:r>
-              <a:rPr sz="1100" i="1" spc="-15">
-                <a:solidFill>
-                  <a:srgbClr val="777879"/>
-                </a:solidFill>
-                <a:latin typeface="AdobeClean-LightIt"/>
-                <a:cs typeface="AdobeClean-LightIt"/>
-              </a:rPr>
-              <a:t>(CSM)</a:t>
-            </a:r>
-            <a:endParaRPr sz="1100">
+              <a:t>经理 (CSM)</a:t>
+            </a:r>
+            <a:endParaRPr sz="1100" dirty="0">
               <a:latin typeface="AdobeClean-LightIt"/>
               <a:cs typeface="AdobeClean-LightIt"/>
             </a:endParaRPr>
@@ -10453,37 +8811,17 @@
               </a:spcBef>
             </a:pPr>
             <a:r>
-              <a:rPr sz="800" spc="-5">
+              <a:rPr lang="en-US" sz="800" spc="-5" dirty="0">
                 <a:solidFill>
                   <a:srgbClr val="6D6D6D"/>
                 </a:solidFill>
                 <a:latin typeface="Adobe Clean"/>
                 <a:cs typeface="Adobe Clean"/>
               </a:rPr>
-              <a:t>©202</a:t>
-            </a:r>
-            <a:r>
-              <a:rPr lang="en-US" sz="800" spc="-5">
-                <a:solidFill>
-                  <a:srgbClr val="6D6D6D"/>
-                </a:solidFill>
-                <a:latin typeface="Adobe Clean"/>
-                <a:cs typeface="Adobe Clean"/>
-              </a:rPr>
-              <a:t>1</a:t>
-            </a:r>
-            <a:r>
-              <a:rPr sz="800" spc="-5">
-                <a:solidFill>
-                  <a:srgbClr val="6D6D6D"/>
-                </a:solidFill>
-                <a:latin typeface="Adobe Clean"/>
-                <a:cs typeface="Adobe Clean"/>
-              </a:rPr>
-              <a:t> Adobe. All Rights Reserved. Adobe</a:t>
-            </a:r>
-            <a:r>
-              <a:rPr sz="800" spc="75">
+              <a:t>©2021 Adobe.All Rights Reserved.Adobe</a:t>
+            </a:r>
+            <a:r>
+              <a:rPr lang="en-US" sz="800" spc="75" dirty="0">
                 <a:solidFill>
                   <a:srgbClr val="6D6D6D"/>
                 </a:solidFill>
@@ -10493,7 +8831,7 @@
               <a:t> </a:t>
             </a:r>
             <a:r>
-              <a:rPr sz="800" spc="-5">
+              <a:rPr lang="en-US" sz="800" spc="-5" dirty="0">
                 <a:solidFill>
                   <a:srgbClr val="6D6D6D"/>
                 </a:solidFill>
@@ -10502,7 +8840,7 @@
               </a:rPr>
               <a:t>Confidential.</a:t>
             </a:r>
-            <a:endParaRPr sz="800">
+            <a:endParaRPr sz="800" dirty="0">
               <a:latin typeface="Adobe Clean"/>
               <a:cs typeface="Adobe Clean"/>
             </a:endParaRPr>
@@ -10511,19 +8849,13 @@
       </p:sp>
       <p:sp>
         <p:nvSpPr>
-          <p:cNvPr id="64" name="object 23">
-            <a:extLst>
-              <a:ext uri="{FF2B5EF4-FFF2-40B4-BE49-F238E27FC236}">
-                <a16:creationId xmlns:a16="http://schemas.microsoft.com/office/drawing/2014/main" id="{41467BDC-3D83-D844-B922-CD07E94E5AAB}"/>
-              </a:ext>
-            </a:extLst>
-          </p:cNvPr>
+          <p:cNvPr id="64" name="object 23"/>
           <p:cNvSpPr txBox="1"/>
           <p:nvPr/>
         </p:nvSpPr>
         <p:spPr>
           <a:xfrm>
-            <a:off x="197233" y="5031270"/>
+            <a:off x="171129" y="5057379"/>
             <a:ext cx="6476646" cy="755976"/>
           </a:xfrm>
           <a:prstGeom prst="rect">
@@ -10531,73 +8863,119 @@
           </a:prstGeom>
         </p:spPr>
         <p:txBody>
-          <a:bodyPr vert="horz" wrap="square" lIns="0" tIns="116205" rIns="0" bIns="0" rtlCol="0" anchor="t">
+          <a:bodyPr vert="horz" wrap="square" lIns="0" tIns="116205" rIns="0" bIns="0" rtlCol="0">
             <a:spAutoFit/>
           </a:bodyPr>
           <a:lstStyle/>
           <a:p>
-            <a:pPr>
+            <a:pPr lvl="0">
               <a:spcBef>
                 <a:spcPts val="915"/>
               </a:spcBef>
             </a:pPr>
             <a:r>
-              <a:rPr lang="en-US" sz="1400" b="1" spc="-15">
+              <a:rPr lang="en-US" altLang="zh-CN" sz="1400" b="1" spc="-15" dirty="0">
                 <a:solidFill>
                   <a:srgbClr val="020302"/>
                 </a:solidFill>
                 <a:latin typeface="Adobe Clean"/>
                 <a:cs typeface="Adobe Clean"/>
               </a:rPr>
-              <a:t>Regional scope of Adobe Support, Local Hours Of Operation And Language Support</a:t>
-            </a:r>
-            <a:endParaRPr lang="en-US" sz="1400" spc="-15">
-              <a:ea typeface="+mn-lt"/>
-              <a:cs typeface="+mn-lt"/>
+              <a:t>Adobe </a:t>
+            </a:r>
+            <a:r>
+              <a:rPr lang="zh-CN" altLang="en-US" sz="1400" b="1" spc="-15" dirty="0">
+                <a:solidFill>
+                  <a:srgbClr val="020302"/>
+                </a:solidFill>
+                <a:latin typeface="Adobe Clean"/>
+                <a:cs typeface="Adobe Clean"/>
+              </a:rPr>
+              <a:t>支持的区域范围、当地营业时间和语言支持</a:t>
+            </a:r>
+            <a:endParaRPr lang="pl-PL" altLang="zh-CN" sz="1400" b="1" spc="-15" dirty="0">
+              <a:solidFill>
+                <a:srgbClr val="020302"/>
+              </a:solidFill>
+              <a:latin typeface="Adobe Clean"/>
+              <a:cs typeface="Adobe Clean"/>
             </a:endParaRPr>
           </a:p>
           <a:p>
-            <a:pPr>
+            <a:pPr lvl="0">
               <a:spcBef>
                 <a:spcPts val="915"/>
               </a:spcBef>
             </a:pPr>
             <a:r>
-              <a:rPr lang="en-US" sz="1000" spc="-15">
+              <a:rPr lang="zh-CN" altLang="en-US" sz="1000" spc="-15" dirty="0">
                 <a:solidFill>
                   <a:srgbClr val="1F1F1F"/>
                 </a:solidFill>
                 <a:latin typeface="AdobeClean-Light"/>
               </a:rPr>
-              <a:t>The Regional scope of Adobe Support is established by aligning the customer's billing address (via the Sales Order or other Adobe Support purchasing document) to one of the following regions:</a:t>
-            </a:r>
-            <a:endParaRPr lang="en-US"/>
+              <a:t>要建立 </a:t>
+            </a:r>
+            <a:r>
+              <a:rPr lang="en-US" altLang="zh-CN" sz="1000" spc="-15" dirty="0">
+                <a:solidFill>
+                  <a:srgbClr val="1F1F1F"/>
+                </a:solidFill>
+                <a:latin typeface="AdobeClean-Light"/>
+              </a:rPr>
+              <a:t>Adobe </a:t>
+            </a:r>
+            <a:r>
+              <a:rPr lang="zh-CN" altLang="en-US" sz="1000" spc="-15" dirty="0">
+                <a:solidFill>
+                  <a:srgbClr val="1F1F1F"/>
+                </a:solidFill>
+                <a:latin typeface="AdobeClean-Light"/>
+              </a:rPr>
+              <a:t>支持的区域范围，需要将客户的账单地址（通过销售订单或其他 </a:t>
+            </a:r>
+            <a:r>
+              <a:rPr lang="en-US" altLang="zh-CN" sz="1000" spc="-15" dirty="0">
+                <a:solidFill>
+                  <a:srgbClr val="1F1F1F"/>
+                </a:solidFill>
+                <a:latin typeface="AdobeClean-Light"/>
+              </a:rPr>
+              <a:t>Adobe </a:t>
+            </a:r>
+            <a:r>
+              <a:rPr lang="zh-CN" altLang="en-US" sz="1000" spc="-15" dirty="0">
+                <a:solidFill>
+                  <a:srgbClr val="1F1F1F"/>
+                </a:solidFill>
+                <a:latin typeface="AdobeClean-Light"/>
+              </a:rPr>
+              <a:t>支持采购文档）与以下区域之一相对应：</a:t>
+            </a:r>
+            <a:endParaRPr lang="en-US" sz="1000" spc="-15" dirty="0">
+              <a:solidFill>
+                <a:srgbClr val="1F1F1F"/>
+              </a:solidFill>
+              <a:latin typeface="AdobeClean-Light"/>
+            </a:endParaRPr>
           </a:p>
         </p:txBody>
       </p:sp>
       <p:graphicFrame>
         <p:nvGraphicFramePr>
-          <p:cNvPr id="25" name="Table 6">
-            <a:extLst>
-              <a:ext uri="{FF2B5EF4-FFF2-40B4-BE49-F238E27FC236}">
-                <a16:creationId xmlns:a16="http://schemas.microsoft.com/office/drawing/2014/main" id="{3A91F5B0-3974-A14D-A146-FB590F2AAD18}"/>
-              </a:ext>
-            </a:extLst>
-          </p:cNvPr>
+          <p:cNvPr id="25" name="Table 6"/>
           <p:cNvGraphicFramePr>
             <a:graphicFrameLocks noGrp="1"/>
           </p:cNvGraphicFramePr>
           <p:nvPr>
-            <p:extLst>
-              <p:ext uri="{D42A27DB-BD31-4B8C-83A1-F6EECF244321}">
-                <p14:modId xmlns:p14="http://schemas.microsoft.com/office/powerpoint/2010/main" val="2969235217"/>
-              </p:ext>
-            </p:extLst>
+            <p:custDataLst>
+              <p:tags r:id="rId1"/>
+            </p:custDataLst>
           </p:nvPr>
         </p:nvGraphicFramePr>
         <p:xfrm>
           <a:off x="171128" y="5907213"/>
-          <a:ext cx="7391400" cy="1503680"/>
+          <a:ext cx="7391400" cy="1447800"/>
         </p:xfrm>
         <a:graphic>
           <a:graphicData uri="http://schemas.openxmlformats.org/drawingml/2006/table">
@@ -10609,28 +8987,28 @@
                 <a:gridCol w="1847850">
                   <a:extLst>
                     <a:ext uri="{9D8B030D-6E8A-4147-A177-3AD203B41FA5}">
-                      <a16:colId xmlns:a16="http://schemas.microsoft.com/office/drawing/2014/main" val="2364693614"/>
+                      <a16:colId xmlns:a16="http://schemas.microsoft.com/office/drawing/2014/main" val="20000"/>
                     </a:ext>
                   </a:extLst>
                 </a:gridCol>
                 <a:gridCol w="1847850">
                   <a:extLst>
                     <a:ext uri="{9D8B030D-6E8A-4147-A177-3AD203B41FA5}">
-                      <a16:colId xmlns:a16="http://schemas.microsoft.com/office/drawing/2014/main" val="1545335406"/>
+                      <a16:colId xmlns:a16="http://schemas.microsoft.com/office/drawing/2014/main" val="20001"/>
                     </a:ext>
                   </a:extLst>
                 </a:gridCol>
                 <a:gridCol w="1847850">
                   <a:extLst>
                     <a:ext uri="{9D8B030D-6E8A-4147-A177-3AD203B41FA5}">
-                      <a16:colId xmlns:a16="http://schemas.microsoft.com/office/drawing/2014/main" val="4165218250"/>
+                      <a16:colId xmlns:a16="http://schemas.microsoft.com/office/drawing/2014/main" val="20002"/>
                     </a:ext>
                   </a:extLst>
                 </a:gridCol>
                 <a:gridCol w="1847850">
                   <a:extLst>
                     <a:ext uri="{9D8B030D-6E8A-4147-A177-3AD203B41FA5}">
-                      <a16:colId xmlns:a16="http://schemas.microsoft.com/office/drawing/2014/main" val="215044337"/>
+                      <a16:colId xmlns:a16="http://schemas.microsoft.com/office/drawing/2014/main" val="20003"/>
                     </a:ext>
                   </a:extLst>
                 </a:gridCol>
@@ -10643,13 +9021,13 @@
                     <a:p>
                       <a:pPr algn="ctr"/>
                       <a:r>
-                        <a:rPr lang="en-US" sz="1100">
+                        <a:rPr lang="en-US" sz="1100" dirty="0">
                           <a:solidFill>
                             <a:schemeClr val="tx1"/>
                           </a:solidFill>
-                          <a:latin typeface="Adobe Clean"/>
+                          <a:latin typeface="Adobe Clean" panose="020B0503020404020204" pitchFamily="34" charset="0"/>
                         </a:rPr>
-                        <a:t>Americas</a:t>
+                        <a:t>美洲</a:t>
                       </a:r>
                     </a:p>
                   </a:txBody>
@@ -10708,13 +9086,13 @@
                     <a:p>
                       <a:pPr algn="ctr"/>
                       <a:r>
-                        <a:rPr lang="en-US" sz="1100">
+                        <a:rPr lang="en-US" sz="1100" dirty="0">
                           <a:solidFill>
                             <a:schemeClr val="tx1"/>
                           </a:solidFill>
-                          <a:latin typeface="Adobe Clean"/>
+                          <a:latin typeface="Adobe Clean" panose="020B0503020404020204" pitchFamily="34" charset="0"/>
                         </a:rPr>
-                        <a:t>Europe, Middle East &amp; Africa</a:t>
+                        <a:t>欧洲、中东和非洲</a:t>
                       </a:r>
                     </a:p>
                   </a:txBody>
@@ -10773,13 +9151,13 @@
                     <a:p>
                       <a:pPr algn="ctr"/>
                       <a:r>
-                        <a:rPr lang="en-US" sz="1100">
+                        <a:rPr lang="en-US" sz="1100" dirty="0">
                           <a:solidFill>
                             <a:schemeClr val="tx1"/>
                           </a:solidFill>
-                          <a:latin typeface="Adobe Clean"/>
+                          <a:latin typeface="Adobe Clean" panose="020B0503020404020204" pitchFamily="34" charset="0"/>
                         </a:rPr>
-                        <a:t>Asia Pacific</a:t>
+                        <a:t>亚太地区</a:t>
                       </a:r>
                     </a:p>
                   </a:txBody>
@@ -10838,24 +9216,24 @@
                     <a:p>
                       <a:pPr algn="ctr"/>
                       <a:r>
-                        <a:rPr lang="en-US" sz="1100">
+                        <a:rPr lang="en-US" sz="1100" dirty="0">
                           <a:solidFill>
                             <a:schemeClr val="tx1"/>
                           </a:solidFill>
-                          <a:latin typeface="Adobe Clean"/>
+                          <a:latin typeface="Adobe Clean" panose="020B0503020404020204" pitchFamily="34" charset="0"/>
                         </a:rPr>
-                        <a:t>Japan </a:t>
+                        <a:t>日本 </a:t>
                       </a:r>
                       <a:r>
-                        <a:rPr lang="en-US" sz="1100" baseline="30000">
+                        <a:rPr lang="en-US" sz="1100" baseline="30000" dirty="0">
                           <a:solidFill>
                             <a:schemeClr val="tx1"/>
                           </a:solidFill>
-                          <a:latin typeface="Adobe Clean"/>
+                          <a:latin typeface="Adobe Clean" panose="020B0503020404020204" pitchFamily="34" charset="0"/>
                         </a:rPr>
-                        <a:t>1 </a:t>
+                        <a:t>1 </a:t>
                       </a:r>
-                      <a:endParaRPr lang="en-US" sz="1100">
+                      <a:endParaRPr lang="en-US" sz="1100" dirty="0">
                         <a:solidFill>
                           <a:schemeClr val="tx1"/>
                         </a:solidFill>
@@ -10913,7 +9291,7 @@
                 </a:tc>
                 <a:extLst>
                   <a:ext uri="{0D108BD9-81ED-4DB2-BD59-A6C34878D82A}">
-                    <a16:rowId xmlns:a16="http://schemas.microsoft.com/office/drawing/2014/main" val="4251285128"/>
+                    <a16:rowId xmlns:a16="http://schemas.microsoft.com/office/drawing/2014/main" val="10000"/>
                   </a:ext>
                 </a:extLst>
               </a:tr>
@@ -10925,13 +9303,13 @@
                     <a:p>
                       <a:pPr algn="ctr"/>
                       <a:r>
-                        <a:rPr lang="en-US" sz="1100">
+                        <a:rPr lang="en-US" sz="1100" dirty="0">
                           <a:solidFill>
                             <a:schemeClr val="tx1"/>
                           </a:solidFill>
-                          <a:latin typeface="Adobe Clean"/>
+                          <a:latin typeface="Adobe Clean" panose="020B0503020404020204" pitchFamily="34" charset="0"/>
                         </a:rPr>
-                        <a:t>6 am – 5:30 pm</a:t>
+                        <a:t>上午 6:00 – 下午 5:30</a:t>
                       </a:r>
                     </a:p>
                   </a:txBody>
@@ -10990,13 +9368,13 @@
                     <a:p>
                       <a:pPr algn="ctr"/>
                       <a:r>
-                        <a:rPr lang="en-US" sz="1100">
+                        <a:rPr lang="en-US" sz="1100" dirty="0">
                           <a:solidFill>
                             <a:schemeClr val="tx1"/>
                           </a:solidFill>
-                          <a:latin typeface="Adobe Clean"/>
+                          <a:latin typeface="Adobe Clean" panose="020B0503020404020204" pitchFamily="34" charset="0"/>
                         </a:rPr>
-                        <a:t>9 am – 5 pm</a:t>
+                        <a:t>上午 9:00 – 下午 5:00</a:t>
                       </a:r>
                     </a:p>
                   </a:txBody>
@@ -11055,13 +9433,13 @@
                     <a:p>
                       <a:pPr algn="ctr"/>
                       <a:r>
-                        <a:rPr lang="en-US" sz="1100">
+                        <a:rPr lang="en-US" sz="1100" dirty="0">
                           <a:solidFill>
                             <a:schemeClr val="tx1"/>
                           </a:solidFill>
-                          <a:latin typeface="Adobe Clean"/>
+                          <a:latin typeface="Adobe Clean" panose="020B0503020404020204" pitchFamily="34" charset="0"/>
                         </a:rPr>
-                        <a:t>9 am – 5 pm</a:t>
+                        <a:t>上午 9:00 – 下午 5:00</a:t>
                       </a:r>
                     </a:p>
                   </a:txBody>
@@ -11120,13 +9498,13 @@
                     <a:p>
                       <a:pPr algn="ctr"/>
                       <a:r>
-                        <a:rPr lang="en-US" sz="1100">
+                        <a:rPr lang="en-US" sz="1100" dirty="0">
                           <a:solidFill>
                             <a:schemeClr val="tx1"/>
                           </a:solidFill>
-                          <a:latin typeface="Adobe Clean"/>
+                          <a:latin typeface="Adobe Clean" panose="020B0503020404020204" pitchFamily="34" charset="0"/>
                         </a:rPr>
-                        <a:t>9 am – 5:30 pm</a:t>
+                        <a:t>上午 9:00 – 下午 5:30</a:t>
                       </a:r>
                     </a:p>
                   </a:txBody>
@@ -11180,7 +9558,7 @@
                 </a:tc>
                 <a:extLst>
                   <a:ext uri="{0D108BD9-81ED-4DB2-BD59-A6C34878D82A}">
-                    <a16:rowId xmlns:a16="http://schemas.microsoft.com/office/drawing/2014/main" val="1574796478"/>
+                    <a16:rowId xmlns:a16="http://schemas.microsoft.com/office/drawing/2014/main" val="10001"/>
                   </a:ext>
                 </a:extLst>
               </a:tr>
@@ -11206,7 +9584,7 @@
                         <a:buNone/>
                       </a:pPr>
                       <a:r>
-                        <a:rPr lang="en-US" sz="1100" b="1" i="0" u="none" strike="noStrike" kern="0" cap="none" spc="0" normalizeH="0" baseline="30000" noProof="0">
+                        <a:rPr lang="en-US" sz="1100" b="1" i="0" u="none" strike="noStrike" kern="0" cap="none" spc="0" normalizeH="0" baseline="30000" noProof="0" dirty="0">
                           <a:ln>
                             <a:noFill/>
                           </a:ln>
@@ -11220,15 +9598,15 @@
                         <a:t> </a:t>
                       </a:r>
                       <a:r>
-                        <a:rPr lang="en-US" sz="1100">
+                        <a:rPr lang="en-US" sz="1100" dirty="0">
                           <a:solidFill>
                             <a:schemeClr val="tx1"/>
                           </a:solidFill>
                           <a:latin typeface="Adobe Clean"/>
                         </a:rPr>
-                        <a:t>Language support is only available in English and Japanese.</a:t>
+                        <a:t>语言支持只有英语和日语版本</a:t>
                       </a:r>
-                      <a:endParaRPr lang="en-US">
+                      <a:endParaRPr lang="en-US" dirty="0">
                         <a:latin typeface="Adobe Clean"/>
                       </a:endParaRPr>
                     </a:p>
@@ -11249,18 +9627,18 @@
                         <a:buNone/>
                       </a:pPr>
                       <a:r>
-                        <a:rPr lang="en-US" sz="1100" i="1">
+                        <a:rPr lang="en-US" sz="1100" i="1" dirty="0">
                           <a:solidFill>
                             <a:schemeClr val="tx1"/>
                           </a:solidFill>
                           <a:latin typeface="Adobe Clean"/>
                         </a:rPr>
-                        <a:t>*Adobe Commerce excludes Japanese languages support.</a:t>
+                        <a:t>*Adobe Commerce 不包括日语支持</a:t>
                       </a:r>
                     </a:p>
                     <a:p>
                       <a:pPr algn="ctr"/>
-                      <a:endParaRPr kumimoji="0" lang="en-US" sz="1100" b="1" i="0" u="none" strike="noStrike" kern="0" cap="none" spc="0" normalizeH="0" baseline="30000" noProof="0">
+                      <a:endParaRPr kumimoji="0" lang="en-US" sz="1100" b="1" i="0" u="none" strike="noStrike" kern="0" cap="none" spc="0" normalizeH="0" baseline="30000" noProof="0" dirty="0">
                         <a:ln>
                           <a:noFill/>
                         </a:ln>
@@ -11278,37 +9656,82 @@
                     <a:p>
                       <a:pPr algn="ctr"/>
                       <a:r>
-                        <a:rPr lang="en-US" sz="1100" i="0">
+                        <a:rPr lang="en-US" sz="1100" i="0" dirty="0">
                           <a:solidFill>
                             <a:schemeClr val="tx1"/>
                           </a:solidFill>
-                          <a:latin typeface="Adobe Clean"/>
+                          <a:latin typeface="Adobe Clean" panose="020B0503020404020204" pitchFamily="34" charset="0"/>
                         </a:rPr>
-                        <a:t> </a:t>
+                        <a:t> </a:t>
                       </a:r>
                       <a:r>
                         <a:rPr lang="en-US" sz="1100" i="0" baseline="30000">
                           <a:solidFill>
                             <a:schemeClr val="tx1"/>
                           </a:solidFill>
-                          <a:latin typeface="Adobe Clean"/>
+                          <a:latin typeface="Adobe Clean" panose="020B0503020404020204" pitchFamily="34" charset="0"/>
                         </a:rPr>
                         <a:t>1 </a:t>
                       </a:r>
                       <a:r>
-                        <a:rPr lang="en-US" sz="1100" i="0">
+                        <a:rPr lang="en-US" altLang="zh-CN" sz="1100" i="0">
                           <a:solidFill>
                             <a:schemeClr val="tx1"/>
                           </a:solidFill>
-                          <a:latin typeface="Adobe Clean"/>
+                          <a:latin typeface="Adobe Clean" panose="020B0503020404020204" pitchFamily="34" charset="0"/>
                         </a:rPr>
-                        <a:t>P2, P3, P4 cases are limited to business hours only in Japan.</a:t>
+                        <a:t>P2</a:t>
                       </a:r>
-                      <a:endParaRPr lang="en-US" sz="1100" b="1" i="0">
+                      <a:r>
+                        <a:rPr lang="zh-CN" altLang="en-US" sz="1100" i="0" dirty="0">
+                          <a:solidFill>
+                            <a:schemeClr val="tx1"/>
+                          </a:solidFill>
+                          <a:latin typeface="Adobe Clean" panose="020B0503020404020204" pitchFamily="34" charset="0"/>
+                        </a:rPr>
+                        <a:t>、</a:t>
+                      </a:r>
+                      <a:r>
+                        <a:rPr lang="en-US" altLang="zh-CN" sz="1100" i="0" dirty="0">
+                          <a:solidFill>
+                            <a:schemeClr val="tx1"/>
+                          </a:solidFill>
+                          <a:latin typeface="Adobe Clean" panose="020B0503020404020204" pitchFamily="34" charset="0"/>
+                        </a:rPr>
+                        <a:t>P3</a:t>
+                      </a:r>
+                      <a:r>
+                        <a:rPr lang="zh-CN" altLang="en-US" sz="1100" i="0" dirty="0">
+                          <a:solidFill>
+                            <a:schemeClr val="tx1"/>
+                          </a:solidFill>
+                          <a:latin typeface="Adobe Clean" panose="020B0503020404020204" pitchFamily="34" charset="0"/>
+                        </a:rPr>
+                        <a:t>、</a:t>
+                      </a:r>
+                      <a:r>
+                        <a:rPr lang="en-US" altLang="zh-CN" sz="1100" i="0" dirty="0">
+                          <a:solidFill>
+                            <a:schemeClr val="tx1"/>
+                          </a:solidFill>
+                          <a:latin typeface="Adobe Clean" panose="020B0503020404020204" pitchFamily="34" charset="0"/>
+                        </a:rPr>
+                        <a:t>P4 </a:t>
+                      </a:r>
+                      <a:r>
+                        <a:rPr lang="zh-CN" altLang="en-US" sz="1100" i="0" dirty="0">
+                          <a:solidFill>
+                            <a:schemeClr val="tx1"/>
+                          </a:solidFill>
+                          <a:latin typeface="Adobe Clean" panose="020B0503020404020204" pitchFamily="34" charset="0"/>
+                        </a:rPr>
+                        <a:t>案例仅限于日本的营业时间。</a:t>
+                      </a:r>
+                      <a:endParaRPr lang="en-US" sz="1100" b="1" i="0" dirty="0">
                         <a:solidFill>
                           <a:schemeClr val="tx1"/>
                         </a:solidFill>
-                        <a:latin typeface="Adobe Clean"/>
+                        <a:latin typeface="Adobe Clean" panose="020B0503020404020204" pitchFamily="34" charset="0"/>
                       </a:endParaRPr>
                     </a:p>
                   </a:txBody>
@@ -11365,12 +9788,7 @@
                     <a:bodyPr/>
                     <a:lstStyle/>
                     <a:p>
-                      <a:endParaRPr lang="en-US" sz="1100">
-                        <a:solidFill>
-                          <a:schemeClr val="tx1"/>
-                        </a:solidFill>
-                        <a:latin typeface="Adobe Clean" panose="020B0503020404020204" pitchFamily="34" charset="0"/>
-                      </a:endParaRPr>
+                      <a:endParaRPr lang="en-US"/>
                     </a:p>
                   </a:txBody>
                   <a:tcPr anchor="ctr">
@@ -11426,12 +9844,7 @@
                     <a:bodyPr/>
                     <a:lstStyle/>
                     <a:p>
-                      <a:endParaRPr lang="en-US" sz="1100">
-                        <a:solidFill>
-                          <a:schemeClr val="tx1"/>
-                        </a:solidFill>
-                        <a:latin typeface="Adobe Clean" panose="020B0503020404020204" pitchFamily="34" charset="0"/>
-                      </a:endParaRPr>
+                      <a:endParaRPr lang="en-US"/>
                     </a:p>
                   </a:txBody>
                   <a:tcPr anchor="ctr">
@@ -11487,12 +9900,7 @@
                     <a:bodyPr/>
                     <a:lstStyle/>
                     <a:p>
-                      <a:endParaRPr lang="en-US" sz="1100">
-                        <a:solidFill>
-                          <a:schemeClr val="tx1"/>
-                        </a:solidFill>
-                        <a:latin typeface="Adobe Clean" panose="020B0503020404020204" pitchFamily="34" charset="0"/>
-                      </a:endParaRPr>
+                      <a:endParaRPr lang="en-US"/>
                     </a:p>
                   </a:txBody>
                   <a:tcPr anchor="ctr">
@@ -11545,7 +9953,7 @@
                 </a:tc>
                 <a:extLst>
                   <a:ext uri="{0D108BD9-81ED-4DB2-BD59-A6C34878D82A}">
-                    <a16:rowId xmlns:a16="http://schemas.microsoft.com/office/drawing/2014/main" val="2086762220"/>
+                    <a16:rowId xmlns:a16="http://schemas.microsoft.com/office/drawing/2014/main" val="10002"/>
                   </a:ext>
                 </a:extLst>
               </a:tr>
@@ -11555,13 +9963,7 @@
       </p:graphicFrame>
       <p:sp>
         <p:nvSpPr>
-          <p:cNvPr id="50" name="object 30">
-            <a:extLst>
-              <a:ext uri="{FF2B5EF4-FFF2-40B4-BE49-F238E27FC236}">
-                <a16:creationId xmlns:a16="http://schemas.microsoft.com/office/drawing/2014/main" id="{043050D0-21FC-0C42-8484-7FE7C0DB771F}"/>
-              </a:ext>
-            </a:extLst>
-          </p:cNvPr>
+          <p:cNvPr id="50" name="object 30"/>
           <p:cNvSpPr/>
           <p:nvPr/>
         </p:nvSpPr>
@@ -11611,18 +10013,12 @@
       </p:sp>
       <p:pic>
         <p:nvPicPr>
-          <p:cNvPr id="83" name="object 56">
-            <a:extLst>
-              <a:ext uri="{FF2B5EF4-FFF2-40B4-BE49-F238E27FC236}">
-                <a16:creationId xmlns:a16="http://schemas.microsoft.com/office/drawing/2014/main" id="{488FF0A5-3931-B14A-A256-9BD5C4AB39DA}"/>
-              </a:ext>
-            </a:extLst>
-          </p:cNvPr>
+          <p:cNvPr id="83" name="object 56"/>
           <p:cNvPicPr/>
           <p:nvPr/>
         </p:nvPicPr>
         <p:blipFill>
-          <a:blip r:embed="rId6" cstate="print"/>
+          <a:blip r:embed="rId7" cstate="print"/>
           <a:stretch>
             <a:fillRect/>
           </a:stretch>
@@ -11639,20 +10035,14 @@
       </p:pic>
       <p:sp>
         <p:nvSpPr>
-          <p:cNvPr id="84" name="object 64">
-            <a:extLst>
-              <a:ext uri="{FF2B5EF4-FFF2-40B4-BE49-F238E27FC236}">
-                <a16:creationId xmlns:a16="http://schemas.microsoft.com/office/drawing/2014/main" id="{21E0A3A6-11B9-E44E-A4F0-18AED6E614AE}"/>
-              </a:ext>
-            </a:extLst>
-          </p:cNvPr>
+          <p:cNvPr id="84" name="object 64"/>
           <p:cNvSpPr txBox="1"/>
           <p:nvPr/>
         </p:nvSpPr>
         <p:spPr>
           <a:xfrm>
-            <a:off x="2840871" y="8528519"/>
-            <a:ext cx="810895" cy="385445"/>
+            <a:off x="2743200" y="8528519"/>
+            <a:ext cx="1045329" cy="385445"/>
           </a:xfrm>
           <a:prstGeom prst="rect">
             <a:avLst/>
@@ -11664,7 +10054,7 @@
           </a:bodyPr>
           <a:lstStyle/>
           <a:p>
-            <a:pPr marL="139065" marR="5080" indent="-139065">
+            <a:pPr marL="14605" marR="5080" indent="-14605" algn="ctr">
               <a:lnSpc>
                 <a:spcPts val="1390"/>
               </a:lnSpc>
@@ -11673,126 +10063,56 @@
               </a:spcBef>
             </a:pPr>
             <a:r>
-              <a:rPr sz="1200" b="1" spc="-15">
+              <a:rPr lang="en-US" sz="1200" b="1" spc="-15" dirty="0">
                 <a:solidFill>
                   <a:srgbClr val="FFFFFF"/>
                 </a:solidFill>
                 <a:latin typeface="Adobe Clean"/>
                 <a:cs typeface="Adobe Clean"/>
               </a:rPr>
-              <a:t>U</a:t>
-            </a:r>
-            <a:r>
-              <a:rPr sz="1200" b="1" spc="-20">
+              <a:t>无</a:t>
+            </a:r>
+            <a:r>
+              <a:rPr lang="en-US" sz="1200" b="1" spc="-20" dirty="0">
                 <a:solidFill>
                   <a:srgbClr val="FFFFFF"/>
                 </a:solidFill>
                 <a:latin typeface="Adobe Clean"/>
                 <a:cs typeface="Adobe Clean"/>
               </a:rPr>
-              <a:t>n</a:t>
-            </a:r>
-            <a:r>
-              <a:rPr sz="1200" b="1" spc="-25">
+              <a:t>与</a:t>
+            </a:r>
+            <a:r>
+              <a:rPr lang="en-US" sz="1200" b="1" spc="-25" dirty="0">
                 <a:solidFill>
                   <a:srgbClr val="FFFFFF"/>
                 </a:solidFill>
                 <a:latin typeface="Adobe Clean"/>
                 <a:cs typeface="Adobe Clean"/>
               </a:rPr>
-              <a:t>p</a:t>
-            </a:r>
-            <a:r>
-              <a:rPr sz="1200" b="1" spc="-15">
+              <a:t>伦</a:t>
+            </a:r>
+            <a:r>
+              <a:rPr lang="en-US" sz="1200" b="1" spc="-15" dirty="0">
                 <a:solidFill>
                   <a:srgbClr val="FFFFFF"/>
                 </a:solidFill>
                 <a:latin typeface="Adobe Clean"/>
                 <a:cs typeface="Adobe Clean"/>
               </a:rPr>
-              <a:t>a</a:t>
-            </a:r>
-            <a:r>
-              <a:rPr sz="1200" b="1" spc="-25">
+              <a:t>比</a:t>
+            </a:r>
+            <a:r>
+              <a:rPr lang="en-US" sz="1200" b="1" spc="-25" dirty="0">
                 <a:solidFill>
                   <a:srgbClr val="FFFFFF"/>
                 </a:solidFill>
                 <a:latin typeface="Adobe Clean"/>
                 <a:cs typeface="Adobe Clean"/>
               </a:rPr>
-              <a:t>r</a:t>
-            </a:r>
-            <a:r>
-              <a:rPr sz="1200" b="1" spc="-15">
-                <a:solidFill>
-                  <a:srgbClr val="FFFFFF"/>
-                </a:solidFill>
-                <a:latin typeface="Adobe Clean"/>
-                <a:cs typeface="Adobe Clean"/>
-              </a:rPr>
-              <a:t>a</a:t>
-            </a:r>
-            <a:r>
-              <a:rPr sz="1200" b="1" spc="-30">
-                <a:solidFill>
-                  <a:srgbClr val="FFFFFF"/>
-                </a:solidFill>
-                <a:latin typeface="Adobe Clean"/>
-                <a:cs typeface="Adobe Clean"/>
-              </a:rPr>
-              <a:t>ll</a:t>
-            </a:r>
-            <a:r>
-              <a:rPr sz="1200" b="1" spc="-25">
-                <a:solidFill>
-                  <a:srgbClr val="FFFFFF"/>
-                </a:solidFill>
-                <a:latin typeface="Adobe Clean"/>
-                <a:cs typeface="Adobe Clean"/>
-              </a:rPr>
-              <a:t>e</a:t>
-            </a:r>
-            <a:r>
-              <a:rPr sz="1200" b="1" spc="-30">
-                <a:solidFill>
-                  <a:srgbClr val="FFFFFF"/>
-                </a:solidFill>
-                <a:latin typeface="Adobe Clean"/>
-                <a:cs typeface="Adobe Clean"/>
-              </a:rPr>
-              <a:t>l</a:t>
-            </a:r>
-            <a:r>
-              <a:rPr sz="1200" b="1" spc="-25">
-                <a:solidFill>
-                  <a:srgbClr val="FFFFFF"/>
-                </a:solidFill>
-                <a:latin typeface="Adobe Clean"/>
-                <a:cs typeface="Adobe Clean"/>
-              </a:rPr>
-              <a:t>e</a:t>
-            </a:r>
-            <a:r>
-              <a:rPr sz="1200" b="1">
-                <a:solidFill>
-                  <a:srgbClr val="FFFFFF"/>
-                </a:solidFill>
-                <a:latin typeface="Adobe Clean"/>
-                <a:cs typeface="Adobe Clean"/>
-              </a:rPr>
-              <a:t>d  </a:t>
-            </a:r>
-            <a:r>
-              <a:rPr sz="1200" b="1" spc="-25">
-                <a:solidFill>
-                  <a:srgbClr val="FFFFFF"/>
-                </a:solidFill>
-                <a:latin typeface="Adobe Clean"/>
-                <a:cs typeface="Adobe Clean"/>
-              </a:rPr>
-              <a:t>Expertise</a:t>
-            </a:r>
-            <a:endParaRPr sz="1200">
+              <a:t>的专业知识</a:t>
+            </a:r>
+            <a:endParaRPr sz="1200" dirty="0">
               <a:latin typeface="Adobe Clean"/>
               <a:cs typeface="Adobe Clean"/>
             </a:endParaRPr>
@@ -11801,13 +10121,7 @@
       </p:sp>
       <p:sp>
         <p:nvSpPr>
-          <p:cNvPr id="85" name="object 64">
-            <a:extLst>
-              <a:ext uri="{FF2B5EF4-FFF2-40B4-BE49-F238E27FC236}">
-                <a16:creationId xmlns:a16="http://schemas.microsoft.com/office/drawing/2014/main" id="{3921F04C-B61B-A948-947F-C33BBFF39A32}"/>
-              </a:ext>
-            </a:extLst>
-          </p:cNvPr>
+          <p:cNvPr id="85" name="object 64"/>
           <p:cNvSpPr txBox="1"/>
           <p:nvPr/>
         </p:nvSpPr>
@@ -11826,7 +10140,7 @@
           </a:bodyPr>
           <a:lstStyle/>
           <a:p>
-            <a:pPr marL="139065" marR="5080" indent="-139065">
+            <a:pPr marL="14605" marR="5080" indent="-14605" algn="ctr">
               <a:lnSpc>
                 <a:spcPts val="1390"/>
               </a:lnSpc>
@@ -11835,16 +10149,16 @@
               </a:spcBef>
             </a:pPr>
             <a:r>
-              <a:rPr lang="en-US" sz="1200" b="1" spc="-15">
+              <a:rPr lang="en-US" sz="1200" b="1" spc="-15" dirty="0">
                 <a:solidFill>
                   <a:srgbClr val="FFFFFF"/>
                 </a:solidFill>
                 <a:latin typeface="Adobe Clean"/>
                 <a:cs typeface="Adobe Clean"/>
               </a:rPr>
-              <a:t>Accelerated Support</a:t>
-            </a:r>
-            <a:endParaRPr sz="1200">
+              <a:t>加速支持</a:t>
+            </a:r>
+            <a:endParaRPr sz="1200" dirty="0">
               <a:latin typeface="Adobe Clean"/>
               <a:cs typeface="Adobe Clean"/>
             </a:endParaRPr>
@@ -11853,20 +10167,14 @@
       </p:sp>
       <p:sp>
         <p:nvSpPr>
-          <p:cNvPr id="86" name="object 32">
-            <a:extLst>
-              <a:ext uri="{FF2B5EF4-FFF2-40B4-BE49-F238E27FC236}">
-                <a16:creationId xmlns:a16="http://schemas.microsoft.com/office/drawing/2014/main" id="{73055FA1-8180-F44A-A86E-2B1D4C7C6B5E}"/>
-              </a:ext>
-            </a:extLst>
-          </p:cNvPr>
+          <p:cNvPr id="86" name="object 32"/>
           <p:cNvSpPr txBox="1"/>
           <p:nvPr/>
         </p:nvSpPr>
         <p:spPr>
           <a:xfrm>
-            <a:off x="6624119" y="8543943"/>
-            <a:ext cx="510540" cy="385445"/>
+            <a:off x="6517939" y="8543943"/>
+            <a:ext cx="721061" cy="384080"/>
           </a:xfrm>
           <a:prstGeom prst="rect">
             <a:avLst/>
@@ -11878,7 +10186,7 @@
           </a:bodyPr>
           <a:lstStyle/>
           <a:p>
-            <a:pPr marL="50800" marR="5080" indent="-51435">
+            <a:pPr marL="14605" marR="5080" indent="-14605" algn="ctr">
               <a:lnSpc>
                 <a:spcPts val="1390"/>
               </a:lnSpc>
@@ -11887,106 +10195,46 @@
               </a:spcBef>
             </a:pPr>
             <a:r>
-              <a:rPr sz="1200" b="1" spc="-50">
+              <a:rPr lang="en-US" sz="1200" b="1" spc="-50" dirty="0">
                 <a:solidFill>
                   <a:srgbClr val="FFFFFF"/>
                 </a:solidFill>
                 <a:latin typeface="Adobe Clean"/>
                 <a:cs typeface="Adobe Clean"/>
               </a:rPr>
-              <a:t>S</a:t>
-            </a:r>
-            <a:r>
-              <a:rPr sz="1200" b="1" spc="-20">
+              <a:t>战</a:t>
+            </a:r>
+            <a:r>
+              <a:rPr lang="en-US" sz="1200" b="1" spc="-20" dirty="0">
                 <a:solidFill>
                   <a:srgbClr val="FFFFFF"/>
                 </a:solidFill>
                 <a:latin typeface="Adobe Clean"/>
                 <a:cs typeface="Adobe Clean"/>
               </a:rPr>
-              <a:t>t</a:t>
-            </a:r>
-            <a:r>
-              <a:rPr sz="1200" b="1" spc="-75">
+              <a:t>略</a:t>
+            </a:r>
+            <a:r>
+              <a:rPr lang="en-US" sz="1200" b="1" spc="-75" dirty="0">
                 <a:solidFill>
                   <a:srgbClr val="FFFFFF"/>
                 </a:solidFill>
                 <a:latin typeface="Adobe Clean"/>
                 <a:cs typeface="Adobe Clean"/>
               </a:rPr>
-              <a:t>r</a:t>
-            </a:r>
-            <a:r>
-              <a:rPr sz="1200" b="1" spc="-90">
+              <a:t>性</a:t>
+            </a:r>
+            <a:r>
+              <a:rPr lang="en-US" sz="1200" b="1" spc="-45" dirty="0">
                 <a:solidFill>
                   <a:srgbClr val="FFFFFF"/>
                 </a:solidFill>
                 <a:latin typeface="Adobe Clean"/>
                 <a:cs typeface="Adobe Clean"/>
               </a:rPr>
-              <a:t>a</a:t>
-            </a:r>
-            <a:r>
-              <a:rPr sz="1200" b="1" spc="-55">
-                <a:solidFill>
-                  <a:srgbClr val="FFFFFF"/>
-                </a:solidFill>
-                <a:latin typeface="Adobe Clean"/>
-                <a:cs typeface="Adobe Clean"/>
-              </a:rPr>
-              <a:t>t</a:t>
-            </a:r>
-            <a:r>
-              <a:rPr sz="1200" b="1" spc="-100">
-                <a:solidFill>
-                  <a:srgbClr val="FFFFFF"/>
-                </a:solidFill>
-                <a:latin typeface="Adobe Clean"/>
-                <a:cs typeface="Adobe Clean"/>
-              </a:rPr>
-              <a:t>e</a:t>
-            </a:r>
-            <a:r>
-              <a:rPr sz="1200" b="1" spc="-80">
-                <a:solidFill>
-                  <a:srgbClr val="FFFFFF"/>
-                </a:solidFill>
-                <a:latin typeface="Adobe Clean"/>
-                <a:cs typeface="Adobe Clean"/>
-              </a:rPr>
-              <a:t>g</a:t>
-            </a:r>
-            <a:r>
-              <a:rPr sz="1200" b="1" spc="-35">
-                <a:solidFill>
-                  <a:srgbClr val="FFFFFF"/>
-                </a:solidFill>
-                <a:latin typeface="Adobe Clean"/>
-                <a:cs typeface="Adobe Clean"/>
-              </a:rPr>
-              <a:t>i</a:t>
-            </a:r>
-            <a:r>
-              <a:rPr sz="1200" b="1">
-                <a:solidFill>
-                  <a:srgbClr val="FFFFFF"/>
-                </a:solidFill>
-                <a:latin typeface="Adobe Clean"/>
-                <a:cs typeface="Adobe Clean"/>
-              </a:rPr>
-              <a:t>c  </a:t>
-            </a:r>
-            <a:r>
-              <a:rPr sz="1200" b="1" spc="-45">
-                <a:solidFill>
-                  <a:srgbClr val="FFFFFF"/>
-                </a:solidFill>
-                <a:latin typeface="Adobe Clean"/>
-                <a:cs typeface="Adobe Clean"/>
-              </a:rPr>
-              <a:t>Advice</a:t>
-            </a:r>
-            <a:endParaRPr sz="1200">
+              <a:t>建议</a:t>
+            </a:r>
+            <a:endParaRPr sz="1200" dirty="0">
               <a:latin typeface="Adobe Clean"/>
               <a:cs typeface="Adobe Clean"/>
             </a:endParaRPr>
@@ -11995,27 +10243,15 @@
       </p:sp>
       <p:graphicFrame>
         <p:nvGraphicFramePr>
-          <p:cNvPr id="111" name="Table 6">
-            <a:extLst>
-              <a:ext uri="{FF2B5EF4-FFF2-40B4-BE49-F238E27FC236}">
-                <a16:creationId xmlns:a16="http://schemas.microsoft.com/office/drawing/2014/main" id="{D8653CEC-4213-DE40-9BAF-D1E3318FF89C}"/>
-              </a:ext>
-            </a:extLst>
-          </p:cNvPr>
+          <p:cNvPr id="111" name="Table 6"/>
           <p:cNvGraphicFramePr>
             <a:graphicFrameLocks noGrp="1"/>
           </p:cNvGraphicFramePr>
-          <p:nvPr>
-            <p:extLst>
-              <p:ext uri="{D42A27DB-BD31-4B8C-83A1-F6EECF244321}">
-                <p14:modId xmlns:p14="http://schemas.microsoft.com/office/powerpoint/2010/main" val="3773282750"/>
-              </p:ext>
-            </p:extLst>
-          </p:nvPr>
+          <p:nvPr/>
         </p:nvGraphicFramePr>
         <p:xfrm>
           <a:off x="194236" y="1059345"/>
-          <a:ext cx="7368291" cy="3302000"/>
+          <a:ext cx="7368291" cy="2844800"/>
         </p:xfrm>
         <a:graphic>
           <a:graphicData uri="http://schemas.openxmlformats.org/drawingml/2006/table">
@@ -12027,14 +10263,14 @@
                 <a:gridCol w="3691964">
                   <a:extLst>
                     <a:ext uri="{9D8B030D-6E8A-4147-A177-3AD203B41FA5}">
-                      <a16:colId xmlns:a16="http://schemas.microsoft.com/office/drawing/2014/main" val="2364693614"/>
+                      <a16:colId xmlns:a16="http://schemas.microsoft.com/office/drawing/2014/main" val="20000"/>
                     </a:ext>
                   </a:extLst>
                 </a:gridCol>
                 <a:gridCol w="3676327">
                   <a:extLst>
                     <a:ext uri="{9D8B030D-6E8A-4147-A177-3AD203B41FA5}">
-                      <a16:colId xmlns:a16="http://schemas.microsoft.com/office/drawing/2014/main" val="1545335406"/>
+                      <a16:colId xmlns:a16="http://schemas.microsoft.com/office/drawing/2014/main" val="20001"/>
                     </a:ext>
                   </a:extLst>
                 </a:gridCol>
@@ -12046,22 +10282,22 @@
                     <a:lstStyle/>
                     <a:p>
                       <a:r>
-                        <a:rPr lang="en-US" sz="1100" b="0">
+                        <a:rPr lang="en-US" sz="1100" b="0" dirty="0">
                           <a:solidFill>
                             <a:schemeClr val="tx1"/>
                           </a:solidFill>
-                          <a:latin typeface="Adobe Clean"/>
+                          <a:latin typeface="Adobe Clean" panose="020B0503020404020204" pitchFamily="34" charset="0"/>
                           <a:ea typeface="+mn-ea"/>
                           <a:cs typeface="+mn-cs"/>
-                          <a:hlinkClick r:id="rId7"/>
+                          <a:hlinkClick r:id="rId8"/>
                         </a:rPr>
                         <a:t>Experience League</a:t>
                       </a:r>
-                      <a:endParaRPr lang="en-US" sz="1100" b="0">
+                      <a:endParaRPr lang="en-US" sz="1100" b="0" dirty="0">
                         <a:solidFill>
                           <a:schemeClr val="tx1"/>
                         </a:solidFill>
-                        <a:latin typeface="Adobe Clean"/>
+                        <a:latin typeface="Adobe Clean" panose="020B0503020404020204" pitchFamily="34" charset="0"/>
                         <a:ea typeface="+mn-ea"/>
                         <a:cs typeface="+mn-cs"/>
                       </a:endParaRPr>
@@ -12115,102 +10351,6 @@
                     <a:noFill/>
                   </a:tcPr>
                 </a:tc>
-                <a:tc>
-                  <a:txBody>
-                    <a:bodyPr/>
-                    <a:lstStyle/>
-                    <a:p>
-                      <a:pPr marL="0" marR="0" lvl="0" indent="0" eaLnBrk="1" fontAlgn="auto" latinLnBrk="0" hangingPunct="1">
-                        <a:lnSpc>
-                          <a:spcPct val="100000"/>
-                        </a:lnSpc>
-                        <a:spcBef>
-                          <a:spcPts val="0"/>
-                        </a:spcBef>
-                        <a:spcAft>
-                          <a:spcPts val="0"/>
-                        </a:spcAft>
-                        <a:buClrTx/>
-                        <a:buSzTx/>
-                        <a:buFontTx/>
-                        <a:buNone/>
-                      </a:pPr>
-                      <a:r>
-                        <a:rPr lang="en-US" sz="1000" b="0" kern="1200">
-                          <a:solidFill>
-                            <a:srgbClr val="000000"/>
-                          </a:solidFill>
-                          <a:latin typeface="Adobe Clean Light"/>
-                          <a:ea typeface="+mn-ea"/>
-                          <a:cs typeface="+mn-cs"/>
-                        </a:rPr>
-                        <a:t>Experience League is how Adobe helps businesses achieve the value they expect from their Adobe investment. It’s the unified place where customers can learn, connect, and grow along a personalized path to success that includes self-help tutorials, product documentation, instructor-led training, community and technical support. </a:t>
-                      </a:r>
-                      <a:endParaRPr lang="en-US" sz="1000" b="0" kern="1200">
-                        <a:solidFill>
-                          <a:srgbClr val="000000"/>
-                        </a:solidFill>
-                        <a:latin typeface="Adobe Clean Light" panose="020B0303020404020204" pitchFamily="34" charset="0"/>
-                        <a:ea typeface="+mn-ea"/>
-                        <a:cs typeface="+mn-cs"/>
-                      </a:endParaRPr>
-                    </a:p>
-                  </a:txBody>
-                  <a:tcPr anchor="ctr">
-                    <a:lnL w="12700" cap="flat" cmpd="sng" algn="ctr">
-                      <a:solidFill>
-                        <a:schemeClr val="bg1">
-                          <a:lumMod val="85000"/>
-                        </a:schemeClr>
-                      </a:solidFill>
-                      <a:prstDash val="solid"/>
-                      <a:round/>
-                      <a:headEnd type="none" w="med" len="med"/>
-                      <a:tailEnd type="none" w="med" len="med"/>
-                    </a:lnL>
-                    <a:lnR w="12700" cap="flat" cmpd="sng" algn="ctr">
-                      <a:solidFill>
-                        <a:schemeClr val="bg1">
-                          <a:lumMod val="85000"/>
-                        </a:schemeClr>
-                      </a:solidFill>
-                      <a:prstDash val="solid"/>
-                      <a:round/>
-                      <a:headEnd type="none" w="med" len="med"/>
-                      <a:tailEnd type="none" w="med" len="med"/>
-                    </a:lnR>
-                    <a:lnT w="12700" cap="flat" cmpd="sng" algn="ctr">
-                      <a:solidFill>
-                        <a:schemeClr val="bg1">
-                          <a:lumMod val="85000"/>
-                        </a:schemeClr>
-                      </a:solidFill>
-                      <a:prstDash val="solid"/>
-                      <a:round/>
-                      <a:headEnd type="none" w="med" len="med"/>
-                      <a:tailEnd type="none" w="med" len="med"/>
-                    </a:lnT>
-                    <a:lnB w="12700" cap="flat" cmpd="sng" algn="ctr">
-                      <a:solidFill>
-                        <a:schemeClr val="bg1">
-                          <a:lumMod val="85000"/>
-                        </a:schemeClr>
-                      </a:solidFill>
-                      <a:prstDash val="solid"/>
-                      <a:round/>
-                      <a:headEnd type="none" w="med" len="med"/>
-                      <a:tailEnd type="none" w="med" len="med"/>
-                    </a:lnB>
-                    <a:noFill/>
-                  </a:tcPr>
-                </a:tc>
-                <a:extLst>
-                  <a:ext uri="{0D108BD9-81ED-4DB2-BD59-A6C34878D82A}">
-                    <a16:rowId xmlns:a16="http://schemas.microsoft.com/office/drawing/2014/main" val="4251285128"/>
-                  </a:ext>
-                </a:extLst>
-              </a:tr>
-              <a:tr h="370840">
                 <a:tc>
                   <a:txBody>
                     <a:bodyPr/>
@@ -12230,43 +10370,19 @@
                         <a:buSzTx/>
                         <a:buFontTx/>
                         <a:buNone/>
-                        <a:tabLst/>
                         <a:defRPr/>
                       </a:pPr>
                       <a:r>
-                        <a:rPr lang="en-US" sz="1100">
+                        <a:rPr lang="en-US" sz="1000" b="0" kern="1200" dirty="0">
                           <a:solidFill>
-                            <a:schemeClr val="dk1"/>
+                            <a:srgbClr val="000000"/>
                           </a:solidFill>
-                          <a:effectLst/>
-                          <a:latin typeface="Adobe Clean"/>
-                          <a:ea typeface="+mn-ea"/>
-                          <a:cs typeface="+mn-cs"/>
-                          <a:hlinkClick r:id="rId8"/>
-                        </a:rPr>
-                        <a:t>Training</a:t>
-                      </a:r>
-                      <a:r>
-                        <a:rPr lang="en-US" sz="1100">
-                          <a:solidFill>
-                            <a:schemeClr val="dk1"/>
-                          </a:solidFill>
-                          <a:effectLst/>
-                          <a:latin typeface="Adobe Clean"/>
+                          <a:latin typeface="Adobe Clean Light" panose="020B0303020404020204" pitchFamily="34" charset="0"/>
                           <a:ea typeface="+mn-ea"/>
                           <a:cs typeface="+mn-cs"/>
                         </a:rPr>
-                        <a:t> </a:t>
+                        <a:t>Experience League 是 Adobe 帮助企业实现预期的 Adobe 投资回报的方式。这是一个集中式位置，提供自助教程、产品文档、讲师指导的培训、社区和技术支持，客户可以在这里学习、建立联系和取得进步，并沿着个性化的路径迈向成功。</a:t>
                       </a:r>
-                      <a:endParaRPr lang="en-US" sz="1100">
-                        <a:solidFill>
-                          <a:schemeClr val="tx1"/>
-                        </a:solidFill>
-                        <a:effectLst/>
-                        <a:latin typeface="Adobe Clean"/>
-                        <a:ea typeface="+mn-ea"/>
-                        <a:cs typeface="+mn-cs"/>
-                      </a:endParaRPr>
                     </a:p>
                   </a:txBody>
                   <a:tcPr anchor="ctr">
@@ -12317,6 +10433,13 @@
                     <a:noFill/>
                   </a:tcPr>
                 </a:tc>
+                <a:extLst>
+                  <a:ext uri="{0D108BD9-81ED-4DB2-BD59-A6C34878D82A}">
+                    <a16:rowId xmlns:a16="http://schemas.microsoft.com/office/drawing/2014/main" val="10000"/>
+                  </a:ext>
+                </a:extLst>
+              </a:tr>
+              <a:tr h="370840">
                 <a:tc>
                   <a:txBody>
                     <a:bodyPr/>
@@ -12336,20 +10459,42 @@
                         <a:buSzTx/>
                         <a:buFontTx/>
                         <a:buNone/>
-                        <a:tabLst/>
                         <a:defRPr/>
                       </a:pPr>
                       <a:r>
-                        <a:rPr lang="en-US" sz="1000" kern="1200">
+                        <a:rPr lang="en-US" sz="1100" dirty="0">
                           <a:solidFill>
-                            <a:srgbClr val="000000"/>
+                            <a:schemeClr val="dk1"/>
                           </a:solidFill>
-                          <a:latin typeface="Adobe Clean Light"/>
+                          <a:effectLst/>
+                          <a:latin typeface="Adobe Clean" panose="020B0503020404020204" pitchFamily="34" charset="0"/>
+                          <a:ea typeface="+mn-ea"/>
+                          <a:cs typeface="+mn-cs"/>
+                          <a:hlinkClick r:id="rId9"/>
+                        </a:rPr>
+                        <a:t>培训</a:t>
+                      </a:r>
+                      <a:r>
+                        <a:rPr lang="en-US" sz="1100" dirty="0">
+                          <a:solidFill>
+                            <a:schemeClr val="dk1"/>
+                          </a:solidFill>
+                          <a:effectLst/>
+                          <a:latin typeface="Adobe Clean" panose="020B0503020404020204" pitchFamily="34" charset="0"/>
                           <a:ea typeface="+mn-ea"/>
                           <a:cs typeface="+mn-cs"/>
                         </a:rPr>
-                        <a:t>Adobe Digital Learning Services courses are accessible from Experience League. Learning courses integrate both on-demand and instructor-led lessons.  Here you can accrue skills that have recognized market value and position them to drive success in your organizations.</a:t>
+                        <a:t> </a:t>
                       </a:r>
+                      <a:endParaRPr lang="en-US" sz="1100" dirty="0">
+                        <a:solidFill>
+                          <a:schemeClr val="tx1"/>
+                        </a:solidFill>
+                        <a:effectLst/>
+                        <a:latin typeface="Adobe Clean" panose="020B0503020404020204" pitchFamily="34" charset="0"/>
+                        <a:ea typeface="+mn-ea"/>
+                        <a:cs typeface="+mn-cs"/>
+                      </a:endParaRPr>
                     </a:p>
                   </a:txBody>
                   <a:tcPr anchor="ctr">
@@ -12400,13 +10545,6 @@
                     <a:noFill/>
                   </a:tcPr>
                 </a:tc>
-                <a:extLst>
-                  <a:ext uri="{0D108BD9-81ED-4DB2-BD59-A6C34878D82A}">
-                    <a16:rowId xmlns:a16="http://schemas.microsoft.com/office/drawing/2014/main" val="3127522179"/>
-                  </a:ext>
-                </a:extLst>
-              </a:tr>
-              <a:tr h="370840">
                 <a:tc>
                   <a:txBody>
                     <a:bodyPr/>
@@ -12426,120 +10564,19 @@
                         <a:buSzTx/>
                         <a:buFontTx/>
                         <a:buNone/>
-                        <a:tabLst/>
                         <a:defRPr/>
                       </a:pPr>
                       <a:r>
-                        <a:rPr lang="en-US" sz="1100">
-                          <a:solidFill>
-                            <a:schemeClr val="tx1"/>
-                          </a:solidFill>
-                          <a:effectLst/>
-                          <a:latin typeface="Adobe Clean"/>
-                          <a:ea typeface="+mn-ea"/>
-                          <a:cs typeface="+mn-cs"/>
-                          <a:hlinkClick r:id="rId9"/>
-                        </a:rPr>
-                        <a:t>Production Issues &amp; System Outages</a:t>
-                      </a:r>
-                      <a:endParaRPr lang="en-US" sz="1100">
-                        <a:solidFill>
-                          <a:schemeClr val="tx1"/>
-                        </a:solidFill>
-                        <a:effectLst/>
-                        <a:latin typeface="Adobe Clean"/>
-                        <a:ea typeface="+mn-ea"/>
-                        <a:cs typeface="+mn-cs"/>
-                      </a:endParaRPr>
-                    </a:p>
-                  </a:txBody>
-                  <a:tcPr anchor="ctr">
-                    <a:lnL w="12700" cap="flat" cmpd="sng" algn="ctr">
-                      <a:solidFill>
-                        <a:schemeClr val="bg1">
-                          <a:lumMod val="85000"/>
-                        </a:schemeClr>
-                      </a:solidFill>
-                      <a:prstDash val="solid"/>
-                      <a:round/>
-                      <a:headEnd type="none" w="med" len="med"/>
-                      <a:tailEnd type="none" w="med" len="med"/>
-                    </a:lnL>
-                    <a:lnR w="12700" cap="flat" cmpd="sng" algn="ctr">
-                      <a:solidFill>
-                        <a:schemeClr val="bg1">
-                          <a:lumMod val="85000"/>
-                        </a:schemeClr>
-                      </a:solidFill>
-                      <a:prstDash val="solid"/>
-                      <a:round/>
-                      <a:headEnd type="none" w="med" len="med"/>
-                      <a:tailEnd type="none" w="med" len="med"/>
-                    </a:lnR>
-                    <a:lnT w="12700" cap="flat" cmpd="sng" algn="ctr">
-                      <a:solidFill>
-                        <a:schemeClr val="bg1">
-                          <a:lumMod val="85000"/>
-                        </a:schemeClr>
-                      </a:solidFill>
-                      <a:prstDash val="solid"/>
-                      <a:round/>
-                      <a:headEnd type="none" w="med" len="med"/>
-                      <a:tailEnd type="none" w="med" len="med"/>
-                    </a:lnT>
-                    <a:lnB w="12700" cap="flat" cmpd="sng" algn="ctr">
-                      <a:solidFill>
-                        <a:schemeClr val="bg1">
-                          <a:lumMod val="85000"/>
-                        </a:schemeClr>
-                      </a:solidFill>
-                      <a:prstDash val="solid"/>
-                      <a:round/>
-                      <a:headEnd type="none" w="med" len="med"/>
-                      <a:tailEnd type="none" w="med" len="med"/>
-                    </a:lnB>
-                    <a:noFill/>
-                  </a:tcPr>
-                </a:tc>
-                <a:tc>
-                  <a:txBody>
-                    <a:bodyPr/>
-                    <a:lstStyle/>
-                    <a:p>
-                      <a:pPr marL="0" marR="0" lvl="0" indent="0" eaLnBrk="1" fontAlgn="auto" latinLnBrk="0" hangingPunct="1">
-                        <a:lnSpc>
-                          <a:spcPct val="100000"/>
-                        </a:lnSpc>
-                        <a:spcBef>
-                          <a:spcPts val="0"/>
-                        </a:spcBef>
-                        <a:spcAft>
-                          <a:spcPts val="0"/>
-                        </a:spcAft>
-                        <a:buClrTx/>
-                        <a:buSzTx/>
-                        <a:buFontTx/>
-                        <a:buNone/>
-                      </a:pPr>
-                      <a:r>
-                        <a:rPr lang="en-US" sz="1000" kern="1200">
+                        <a:rPr lang="en-US" sz="1000" kern="1200" dirty="0">
                           <a:solidFill>
                             <a:srgbClr val="000000"/>
                           </a:solidFill>
-                          <a:latin typeface="Adobe Clean Light"/>
+                          <a:latin typeface="Adobe Clean Light" panose="020B0303020404020204" pitchFamily="34" charset="0"/>
                           <a:ea typeface="+mn-ea"/>
                           <a:cs typeface="+mn-cs"/>
                         </a:rPr>
-                        <a:t>Status.adobe.com conveys the health information of all Adobe products and services that are deployed in multi-tenant environments. Customers can choose their subscription preferences to get email notifications whenever Adobe creates, updates or resolves a product event. This can include scheduled maintenance or service issues of varying levels of severity. </a:t>
+                        <a:t>可以从 Experience League 访问 Adobe Digital Learning Services 课程。学习课程整合了按需课程和讲师指导的课程。在这里，您可以掌握具有公认市场价值的技能，并在组织中利用这些技能获得成功。</a:t>
                       </a:r>
-                      <a:endParaRPr lang="en-US" sz="1000" kern="1200">
-                        <a:solidFill>
-                          <a:srgbClr val="000000"/>
-                        </a:solidFill>
-                        <a:latin typeface="Adobe Clean Light" panose="020B0303020404020204" pitchFamily="34" charset="0"/>
-                        <a:ea typeface="+mn-ea"/>
-                        <a:cs typeface="+mn-cs"/>
-                      </a:endParaRPr>
                     </a:p>
                   </a:txBody>
                   <a:tcPr anchor="ctr">
@@ -12592,7 +10629,7 @@
                 </a:tc>
                 <a:extLst>
                   <a:ext uri="{0D108BD9-81ED-4DB2-BD59-A6C34878D82A}">
-                    <a16:rowId xmlns:a16="http://schemas.microsoft.com/office/drawing/2014/main" val="2696233489"/>
+                    <a16:rowId xmlns:a16="http://schemas.microsoft.com/office/drawing/2014/main" val="10001"/>
                   </a:ext>
                 </a:extLst>
               </a:tr>
@@ -12616,28 +10653,27 @@
                         <a:buSzTx/>
                         <a:buFontTx/>
                         <a:buNone/>
-                        <a:tabLst/>
                         <a:defRPr/>
                       </a:pPr>
                       <a:r>
-                        <a:rPr lang="en-US" sz="1100" b="0" i="0">
+                        <a:rPr lang="en-US" sz="1100" dirty="0">
                           <a:solidFill>
-                            <a:schemeClr val="dk1"/>
+                            <a:schemeClr val="tx1"/>
                           </a:solidFill>
                           <a:effectLst/>
-                          <a:latin typeface="Adobe Clean"/>
+                          <a:latin typeface="Adobe Clean" panose="020B0503020404020204" pitchFamily="34" charset="0"/>
                           <a:ea typeface="+mn-ea"/>
                           <a:cs typeface="+mn-cs"/>
-                          <a:hlinkClick r:id="rId10" tooltip="https://helpx.adobe.com/support/programs/enterprise-support-programs/premier-support-business.html"/>
+                          <a:hlinkClick r:id="rId10"/>
                         </a:rPr>
-                        <a:t>Business Support Website</a:t>
+                        <a:t>生产问题和系统中断</a:t>
                       </a:r>
-                      <a:endParaRPr lang="en-US" sz="1100" b="0" i="0">
+                      <a:endParaRPr lang="en-US" sz="1100" dirty="0">
                         <a:solidFill>
-                          <a:schemeClr val="dk1"/>
+                          <a:schemeClr val="tx1"/>
                         </a:solidFill>
                         <a:effectLst/>
-                        <a:latin typeface="Adobe Clean"/>
+                        <a:latin typeface="Adobe Clean" panose="020B0503020404020204" pitchFamily="34" charset="0"/>
                         <a:ea typeface="+mn-ea"/>
                         <a:cs typeface="+mn-cs"/>
                       </a:endParaRPr>
@@ -12691,87 +10727,6 @@
                     <a:noFill/>
                   </a:tcPr>
                 </a:tc>
-                <a:tc>
-                  <a:txBody>
-                    <a:bodyPr/>
-                    <a:lstStyle/>
-                    <a:p>
-                      <a:r>
-                        <a:rPr lang="en-US" sz="1000" kern="1200">
-                          <a:solidFill>
-                            <a:srgbClr val="000000"/>
-                          </a:solidFill>
-                          <a:latin typeface="Adobe Clean Light"/>
-                          <a:ea typeface="+mn-ea"/>
-                          <a:cs typeface="+mn-cs"/>
-                        </a:rPr>
-                        <a:t>Adobe Business Support website.</a:t>
-                      </a:r>
-                      <a:endParaRPr lang="en-US" sz="1000" kern="1200">
-                        <a:solidFill>
-                          <a:srgbClr val="000000"/>
-                        </a:solidFill>
-                        <a:latin typeface="Adobe Clean Light" panose="020B0303020404020204" pitchFamily="34" charset="0"/>
-                        <a:ea typeface="+mn-ea"/>
-                        <a:cs typeface="+mn-cs"/>
-                      </a:endParaRPr>
-                    </a:p>
-                  </a:txBody>
-                  <a:tcPr anchor="ctr">
-                    <a:lnL w="12700" cap="flat" cmpd="sng" algn="ctr">
-                      <a:solidFill>
-                        <a:schemeClr val="bg1">
-                          <a:lumMod val="85000"/>
-                        </a:schemeClr>
-                      </a:solidFill>
-                      <a:prstDash val="solid"/>
-                      <a:round/>
-                      <a:headEnd type="none" w="med" len="med"/>
-                      <a:tailEnd type="none" w="med" len="med"/>
-                    </a:lnL>
-                    <a:lnR w="12700" cap="flat" cmpd="sng" algn="ctr">
-                      <a:solidFill>
-                        <a:schemeClr val="bg1">
-                          <a:lumMod val="85000"/>
-                        </a:schemeClr>
-                      </a:solidFill>
-                      <a:prstDash val="solid"/>
-                      <a:round/>
-                      <a:headEnd type="none" w="med" len="med"/>
-                      <a:tailEnd type="none" w="med" len="med"/>
-                    </a:lnR>
-                    <a:lnT w="12700" cap="flat" cmpd="sng" algn="ctr">
-                      <a:solidFill>
-                        <a:schemeClr val="bg1">
-                          <a:lumMod val="85000"/>
-                        </a:schemeClr>
-                      </a:solidFill>
-                      <a:prstDash val="solid"/>
-                      <a:round/>
-                      <a:headEnd type="none" w="med" len="med"/>
-                      <a:tailEnd type="none" w="med" len="med"/>
-                    </a:lnT>
-                    <a:lnB w="12700" cap="flat" cmpd="sng" algn="ctr">
-                      <a:solidFill>
-                        <a:schemeClr val="bg1">
-                          <a:lumMod val="85000"/>
-                        </a:schemeClr>
-                      </a:solidFill>
-                      <a:prstDash val="solid"/>
-                      <a:round/>
-                      <a:headEnd type="none" w="med" len="med"/>
-                      <a:tailEnd type="none" w="med" len="med"/>
-                    </a:lnB>
-                    <a:noFill/>
-                  </a:tcPr>
-                </a:tc>
-                <a:extLst>
-                  <a:ext uri="{0D108BD9-81ED-4DB2-BD59-A6C34878D82A}">
-                    <a16:rowId xmlns:a16="http://schemas.microsoft.com/office/drawing/2014/main" val="3772135568"/>
-                  </a:ext>
-                </a:extLst>
-              </a:tr>
-              <a:tr h="370840">
                 <a:tc>
                   <a:txBody>
                     <a:bodyPr/>
@@ -12791,28 +10746,116 @@
                         <a:buSzTx/>
                         <a:buFontTx/>
                         <a:buNone/>
-                        <a:tabLst/>
                         <a:defRPr/>
                       </a:pPr>
                       <a:r>
-                        <a:rPr lang="en-US" sz="1100">
+                        <a:rPr lang="en-US" sz="1000" kern="1200" dirty="0">
                           <a:solidFill>
-                            <a:schemeClr val="tx1"/>
+                            <a:srgbClr val="000000"/>
+                          </a:solidFill>
+                          <a:latin typeface="Adobe Clean Light" panose="020B0303020404020204" pitchFamily="34" charset="0"/>
+                          <a:ea typeface="+mn-ea"/>
+                          <a:cs typeface="+mn-cs"/>
+                        </a:rPr>
+                        <a:t>Status.adobe.com 传达在多租户环境中部署的所有 Adobe 产品和服务的运行状况信息。客户可以选择他们的订阅偏好设置，以便在 Adobe 创建、更新或处理产品事件时收到电子邮件通知。这可能包括严重性不同的定期维护或服务问题。</a:t>
+                      </a:r>
+                    </a:p>
+                  </a:txBody>
+                  <a:tcPr anchor="ctr">
+                    <a:lnL w="12700" cap="flat" cmpd="sng" algn="ctr">
+                      <a:solidFill>
+                        <a:schemeClr val="bg1">
+                          <a:lumMod val="85000"/>
+                        </a:schemeClr>
+                      </a:solidFill>
+                      <a:prstDash val="solid"/>
+                      <a:round/>
+                      <a:headEnd type="none" w="med" len="med"/>
+                      <a:tailEnd type="none" w="med" len="med"/>
+                    </a:lnL>
+                    <a:lnR w="12700" cap="flat" cmpd="sng" algn="ctr">
+                      <a:solidFill>
+                        <a:schemeClr val="bg1">
+                          <a:lumMod val="85000"/>
+                        </a:schemeClr>
+                      </a:solidFill>
+                      <a:prstDash val="solid"/>
+                      <a:round/>
+                      <a:headEnd type="none" w="med" len="med"/>
+                      <a:tailEnd type="none" w="med" len="med"/>
+                    </a:lnR>
+                    <a:lnT w="12700" cap="flat" cmpd="sng" algn="ctr">
+                      <a:solidFill>
+                        <a:schemeClr val="bg1">
+                          <a:lumMod val="85000"/>
+                        </a:schemeClr>
+                      </a:solidFill>
+                      <a:prstDash val="solid"/>
+                      <a:round/>
+                      <a:headEnd type="none" w="med" len="med"/>
+                      <a:tailEnd type="none" w="med" len="med"/>
+                    </a:lnT>
+                    <a:lnB w="12700" cap="flat" cmpd="sng" algn="ctr">
+                      <a:solidFill>
+                        <a:schemeClr val="bg1">
+                          <a:lumMod val="85000"/>
+                        </a:schemeClr>
+                      </a:solidFill>
+                      <a:prstDash val="solid"/>
+                      <a:round/>
+                      <a:headEnd type="none" w="med" len="med"/>
+                      <a:tailEnd type="none" w="med" len="med"/>
+                    </a:lnB>
+                    <a:noFill/>
+                  </a:tcPr>
+                </a:tc>
+                <a:extLst>
+                  <a:ext uri="{0D108BD9-81ED-4DB2-BD59-A6C34878D82A}">
+                    <a16:rowId xmlns:a16="http://schemas.microsoft.com/office/drawing/2014/main" val="10002"/>
+                  </a:ext>
+                </a:extLst>
+              </a:tr>
+              <a:tr h="370840">
+                <a:tc>
+                  <a:txBody>
+                    <a:bodyPr/>
+                    <a:lstStyle/>
+                    <a:p>
+                      <a:pPr marL="0" marR="0" lvl="0" indent="0" defTabSz="914400" eaLnBrk="1" fontAlgn="auto" latinLnBrk="0" hangingPunct="1">
+                        <a:lnSpc>
+                          <a:spcPct val="100000"/>
+                        </a:lnSpc>
+                        <a:spcBef>
+                          <a:spcPts val="0"/>
+                        </a:spcBef>
+                        <a:spcAft>
+                          <a:spcPts val="0"/>
+                        </a:spcAft>
+                        <a:buClrTx/>
+                        <a:buSzTx/>
+                        <a:buFontTx/>
+                        <a:buNone/>
+                        <a:defRPr/>
+                      </a:pPr>
+                      <a:r>
+                        <a:rPr lang="en-US" sz="1100" b="0" i="0" dirty="0">
+                          <a:solidFill>
+                            <a:schemeClr val="dk1"/>
                           </a:solidFill>
                           <a:effectLst/>
-                          <a:latin typeface="Adobe Clean"/>
+                          <a:latin typeface="Adobe Clean" panose="020B0503020404020204" pitchFamily="34" charset="0"/>
                           <a:ea typeface="+mn-ea"/>
                           <a:cs typeface="+mn-cs"/>
-                          <a:hlinkClick r:id="rId11"/>
+                          <a:hlinkClick r:id="rId11" tooltip="https://helpx.adobe.com/cn/support/programs/enterprise-support-programs/premier-support-business.html"/>
                         </a:rPr>
-                        <a:t>Terms and Conditions</a:t>
+                        <a:t>商业支持网站</a:t>
                       </a:r>
-                      <a:endParaRPr lang="en-US" sz="1100">
+                      <a:endParaRPr lang="en-US" sz="1100" b="0" i="0" dirty="0">
                         <a:solidFill>
-                          <a:schemeClr val="tx1"/>
+                          <a:schemeClr val="dk1"/>
                         </a:solidFill>
                         <a:effectLst/>
-                        <a:latin typeface="Adobe Clean"/>
+                        <a:latin typeface="Adobe Clean" panose="020B0503020404020204" pitchFamily="34" charset="0"/>
                         <a:ea typeface="+mn-ea"/>
                         <a:cs typeface="+mn-cs"/>
                       </a:endParaRPr>
@@ -12872,24 +10915,16 @@
                     <a:lstStyle/>
                     <a:p>
                       <a:r>
-                        <a:rPr lang="en-US" sz="1000" kern="1200">
+                        <a:rPr lang="en-US" sz="1000" kern="1200" dirty="0">
                           <a:solidFill>
                             <a:srgbClr val="000000"/>
                           </a:solidFill>
-                          <a:latin typeface="Adobe Clean Light"/>
+                          <a:latin typeface="Adobe Clean Light" panose="020B0303020404020204" pitchFamily="34" charset="0"/>
                           <a:ea typeface="+mn-ea"/>
                           <a:cs typeface="+mn-cs"/>
                         </a:rPr>
-                        <a:t>Terms and conditions detailing Support Services offerings.</a:t>
+                        <a:t>Adobe 商业支持网站</a:t>
                       </a:r>
-                      <a:endParaRPr lang="en-US" sz="1000" kern="1200">
-                        <a:solidFill>
-                          <a:srgbClr val="000000"/>
-                        </a:solidFill>
-                        <a:latin typeface="Adobe Clean Light" panose="020B0303020404020204" pitchFamily="34" charset="0"/>
-                        <a:ea typeface="+mn-ea"/>
-                        <a:cs typeface="+mn-cs"/>
-                      </a:endParaRPr>
                     </a:p>
                   </a:txBody>
                   <a:tcPr anchor="ctr">
@@ -12942,7 +10977,173 @@
                 </a:tc>
                 <a:extLst>
                   <a:ext uri="{0D108BD9-81ED-4DB2-BD59-A6C34878D82A}">
-                    <a16:rowId xmlns:a16="http://schemas.microsoft.com/office/drawing/2014/main" val="2083862379"/>
+                    <a16:rowId xmlns:a16="http://schemas.microsoft.com/office/drawing/2014/main" val="10003"/>
+                  </a:ext>
+                </a:extLst>
+              </a:tr>
+              <a:tr h="370840">
+                <a:tc>
+                  <a:txBody>
+                    <a:bodyPr/>
+                    <a:lstStyle/>
+                    <a:p>
+                      <a:pPr marL="0" marR="0" lvl="0" indent="0" defTabSz="914400" eaLnBrk="1" fontAlgn="auto" latinLnBrk="0" hangingPunct="1">
+                        <a:lnSpc>
+                          <a:spcPct val="100000"/>
+                        </a:lnSpc>
+                        <a:spcBef>
+                          <a:spcPts val="0"/>
+                        </a:spcBef>
+                        <a:spcAft>
+                          <a:spcPts val="0"/>
+                        </a:spcAft>
+                        <a:buClrTx/>
+                        <a:buSzTx/>
+                        <a:buFontTx/>
+                        <a:buNone/>
+                        <a:defRPr/>
+                      </a:pPr>
+                      <a:r>
+                        <a:rPr lang="en-US" sz="1100" dirty="0">
+                          <a:solidFill>
+                            <a:schemeClr val="tx1"/>
+                          </a:solidFill>
+                          <a:effectLst/>
+                          <a:latin typeface="Adobe Clean" panose="020B0503020404020204" pitchFamily="34" charset="0"/>
+                          <a:ea typeface="+mn-ea"/>
+                          <a:cs typeface="+mn-cs"/>
+                          <a:hlinkClick r:id="rId12"/>
+                        </a:rPr>
+                        <a:t>条款和条件</a:t>
+                      </a:r>
+                      <a:endParaRPr lang="en-US" sz="1100" dirty="0">
+                        <a:solidFill>
+                          <a:schemeClr val="tx1"/>
+                        </a:solidFill>
+                        <a:effectLst/>
+                        <a:latin typeface="Adobe Clean" panose="020B0503020404020204" pitchFamily="34" charset="0"/>
+                        <a:ea typeface="+mn-ea"/>
+                        <a:cs typeface="+mn-cs"/>
+                      </a:endParaRPr>
+                    </a:p>
+                  </a:txBody>
+                  <a:tcPr anchor="ctr">
+                    <a:lnL w="12700" cap="flat" cmpd="sng" algn="ctr">
+                      <a:solidFill>
+                        <a:schemeClr val="bg1">
+                          <a:lumMod val="85000"/>
+                        </a:schemeClr>
+                      </a:solidFill>
+                      <a:prstDash val="solid"/>
+                      <a:round/>
+                      <a:headEnd type="none" w="med" len="med"/>
+                      <a:tailEnd type="none" w="med" len="med"/>
+                    </a:lnL>
+                    <a:lnR w="12700" cap="flat" cmpd="sng" algn="ctr">
+                      <a:solidFill>
+                        <a:schemeClr val="bg1">
+                          <a:lumMod val="85000"/>
+                        </a:schemeClr>
+                      </a:solidFill>
+                      <a:prstDash val="solid"/>
+                      <a:round/>
+                      <a:headEnd type="none" w="med" len="med"/>
+                      <a:tailEnd type="none" w="med" len="med"/>
+                    </a:lnR>
+                    <a:lnT w="12700" cap="flat" cmpd="sng" algn="ctr">
+                      <a:solidFill>
+                        <a:schemeClr val="bg1">
+                          <a:lumMod val="85000"/>
+                        </a:schemeClr>
+                      </a:solidFill>
+                      <a:prstDash val="solid"/>
+                      <a:round/>
+                      <a:headEnd type="none" w="med" len="med"/>
+                      <a:tailEnd type="none" w="med" len="med"/>
+                    </a:lnT>
+                    <a:lnB w="12700" cap="flat" cmpd="sng" algn="ctr">
+                      <a:solidFill>
+                        <a:schemeClr val="bg1">
+                          <a:lumMod val="85000"/>
+                        </a:schemeClr>
+                      </a:solidFill>
+                      <a:prstDash val="solid"/>
+                      <a:round/>
+                      <a:headEnd type="none" w="med" len="med"/>
+                      <a:tailEnd type="none" w="med" len="med"/>
+                    </a:lnB>
+                    <a:noFill/>
+                  </a:tcPr>
+                </a:tc>
+                <a:tc>
+                  <a:txBody>
+                    <a:bodyPr/>
+                    <a:lstStyle/>
+                    <a:p>
+                      <a:r>
+                        <a:rPr lang="en-US" sz="1000" kern="1200" dirty="0">
+                          <a:solidFill>
+                            <a:srgbClr val="000000"/>
+                          </a:solidFill>
+                          <a:latin typeface="Adobe Clean Light" panose="020B0303020404020204" pitchFamily="34" charset="0"/>
+                          <a:ea typeface="+mn-ea"/>
+                          <a:cs typeface="+mn-cs"/>
+                        </a:rPr>
+                        <a:t>详细说明支持服务产品的条款和条件</a:t>
+                      </a:r>
+                    </a:p>
+                  </a:txBody>
+                  <a:tcPr anchor="ctr">
+                    <a:lnL w="12700" cap="flat" cmpd="sng" algn="ctr">
+                      <a:solidFill>
+                        <a:schemeClr val="bg1">
+                          <a:lumMod val="85000"/>
+                        </a:schemeClr>
+                      </a:solidFill>
+                      <a:prstDash val="solid"/>
+                      <a:round/>
+                      <a:headEnd type="none" w="med" len="med"/>
+                      <a:tailEnd type="none" w="med" len="med"/>
+                    </a:lnL>
+                    <a:lnR w="12700" cap="flat" cmpd="sng" algn="ctr">
+                      <a:solidFill>
+                        <a:schemeClr val="bg1">
+                          <a:lumMod val="85000"/>
+                        </a:schemeClr>
+                      </a:solidFill>
+                      <a:prstDash val="solid"/>
+                      <a:round/>
+                      <a:headEnd type="none" w="med" len="med"/>
+                      <a:tailEnd type="none" w="med" len="med"/>
+                    </a:lnR>
+                    <a:lnT w="12700" cap="flat" cmpd="sng" algn="ctr">
+                      <a:solidFill>
+                        <a:schemeClr val="bg1">
+                          <a:lumMod val="85000"/>
+                        </a:schemeClr>
+                      </a:solidFill>
+                      <a:prstDash val="solid"/>
+                      <a:round/>
+                      <a:headEnd type="none" w="med" len="med"/>
+                      <a:tailEnd type="none" w="med" len="med"/>
+                    </a:lnT>
+                    <a:lnB w="12700" cap="flat" cmpd="sng" algn="ctr">
+                      <a:solidFill>
+                        <a:schemeClr val="bg1">
+                          <a:lumMod val="85000"/>
+                        </a:schemeClr>
+                      </a:solidFill>
+                      <a:prstDash val="solid"/>
+                      <a:round/>
+                      <a:headEnd type="none" w="med" len="med"/>
+                      <a:tailEnd type="none" w="med" len="med"/>
+                    </a:lnB>
+                    <a:noFill/>
+                  </a:tcPr>
+                </a:tc>
+                <a:extLst>
+                  <a:ext uri="{0D108BD9-81ED-4DB2-BD59-A6C34878D82A}">
+                    <a16:rowId xmlns:a16="http://schemas.microsoft.com/office/drawing/2014/main" val="10004"/>
                   </a:ext>
                 </a:extLst>
               </a:tr>
@@ -12952,26 +11153,20 @@
       </p:graphicFrame>
       <p:pic>
         <p:nvPicPr>
-          <p:cNvPr id="8" name="Graphic 7" descr="Target outline">
-            <a:extLst>
-              <a:ext uri="{FF2B5EF4-FFF2-40B4-BE49-F238E27FC236}">
-                <a16:creationId xmlns:a16="http://schemas.microsoft.com/office/drawing/2014/main" id="{1EAA263E-04A7-0D46-952E-EA3033B45116}"/>
-              </a:ext>
-            </a:extLst>
-          </p:cNvPr>
+          <p:cNvPr id="8" name="Graphic 7" descr="目标轮廓图"/>
           <p:cNvPicPr>
             <a:picLocks noChangeAspect="1"/>
           </p:cNvPicPr>
           <p:nvPr/>
         </p:nvPicPr>
         <p:blipFill>
-          <a:blip r:embed="rId12">
+          <a:blip r:embed="rId13">
             <a:extLst>
               <a:ext uri="{28A0092B-C50C-407E-A947-70E740481C1C}">
                 <a14:useLocalDpi xmlns:a14="http://schemas.microsoft.com/office/drawing/2010/main" val="0"/>
               </a:ext>
               <a:ext uri="{96DAC541-7B7A-43D3-8B79-37D633B846F1}">
-                <asvg:svgBlip xmlns:asvg="http://schemas.microsoft.com/office/drawing/2016/SVG/main" r:embed="rId13"/>
+                <asvg:svgBlip xmlns:asvg="http://schemas.microsoft.com/office/drawing/2016/SVG/main" r:embed="rId14"/>
               </a:ext>
             </a:extLst>
           </a:blip>
@@ -12991,26 +11186,20 @@
       </p:pic>
       <p:pic>
         <p:nvPicPr>
-          <p:cNvPr id="10" name="Graphic 9" descr="Rocket outline">
-            <a:extLst>
-              <a:ext uri="{FF2B5EF4-FFF2-40B4-BE49-F238E27FC236}">
-                <a16:creationId xmlns:a16="http://schemas.microsoft.com/office/drawing/2014/main" id="{A068EBC3-B418-4E4A-A520-101CA4B39F23}"/>
-              </a:ext>
-            </a:extLst>
-          </p:cNvPr>
+          <p:cNvPr id="10" name="Graphic 9" descr="火箭轮廓图"/>
           <p:cNvPicPr>
             <a:picLocks noChangeAspect="1"/>
           </p:cNvPicPr>
           <p:nvPr/>
         </p:nvPicPr>
         <p:blipFill>
-          <a:blip r:embed="rId14">
+          <a:blip r:embed="rId15">
             <a:extLst>
               <a:ext uri="{28A0092B-C50C-407E-A947-70E740481C1C}">
                 <a14:useLocalDpi xmlns:a14="http://schemas.microsoft.com/office/drawing/2010/main" val="0"/>
               </a:ext>
               <a:ext uri="{96DAC541-7B7A-43D3-8B79-37D633B846F1}">
-                <asvg:svgBlip xmlns:asvg="http://schemas.microsoft.com/office/drawing/2016/SVG/main" r:embed="rId15"/>
+                <asvg:svgBlip xmlns:asvg="http://schemas.microsoft.com/office/drawing/2016/SVG/main" r:embed="rId16"/>
               </a:ext>
             </a:extLst>
           </a:blip>
@@ -13030,26 +11219,20 @@
       </p:pic>
       <p:pic>
         <p:nvPicPr>
-          <p:cNvPr id="12" name="Graphic 11" descr="Medal outline">
-            <a:extLst>
-              <a:ext uri="{FF2B5EF4-FFF2-40B4-BE49-F238E27FC236}">
-                <a16:creationId xmlns:a16="http://schemas.microsoft.com/office/drawing/2014/main" id="{C7BEFC2D-0CA6-0448-B9FA-6E1581CA6D36}"/>
-              </a:ext>
-            </a:extLst>
-          </p:cNvPr>
+          <p:cNvPr id="12" name="Graphic 11" descr="勋章轮廓图"/>
           <p:cNvPicPr>
             <a:picLocks noChangeAspect="1"/>
           </p:cNvPicPr>
           <p:nvPr/>
         </p:nvPicPr>
         <p:blipFill>
-          <a:blip r:embed="rId16">
+          <a:blip r:embed="rId17">
             <a:extLst>
               <a:ext uri="{28A0092B-C50C-407E-A947-70E740481C1C}">
                 <a14:useLocalDpi xmlns:a14="http://schemas.microsoft.com/office/drawing/2010/main" val="0"/>
               </a:ext>
               <a:ext uri="{96DAC541-7B7A-43D3-8B79-37D633B846F1}">
-                <asvg:svgBlip xmlns:asvg="http://schemas.microsoft.com/office/drawing/2016/SVG/main" r:embed="rId17"/>
+                <asvg:svgBlip xmlns:asvg="http://schemas.microsoft.com/office/drawing/2016/SVG/main" r:embed="rId18"/>
               </a:ext>
             </a:extLst>
           </a:blip>
@@ -13068,16 +11251,29 @@
         </p:spPr>
       </p:pic>
     </p:spTree>
-    <p:extLst>
-      <p:ext uri="{BB962C8B-B14F-4D97-AF65-F5344CB8AC3E}">
-        <p14:creationId xmlns:p14="http://schemas.microsoft.com/office/powerpoint/2010/main" val="1050037809"/>
-      </p:ext>
-    </p:extLst>
   </p:cSld>
   <p:clrMapOvr>
     <a:masterClrMapping/>
   </p:clrMapOvr>
 </p:sld>
+</file>
+
+<file path=ppt/tags/tag1.xml><?xml version="1.0" encoding="utf-8"?>
+<p:tagLst xmlns:a="http://schemas.openxmlformats.org/drawingml/2006/main" xmlns:r="http://schemas.openxmlformats.org/officeDocument/2006/relationships" xmlns:p="http://schemas.openxmlformats.org/presentationml/2006/main">
+  <p:tag name="KSO_WM_UNIT_TABLE_BEAUTIFY" val="smartTable{90f03565-0d74-4b8b-9226-740e34f0c564}"/>
+</p:tagLst>
+</file>
+
+<file path=ppt/tags/tag2.xml><?xml version="1.0" encoding="utf-8"?>
+<p:tagLst xmlns:a="http://schemas.openxmlformats.org/drawingml/2006/main" xmlns:r="http://schemas.openxmlformats.org/officeDocument/2006/relationships" xmlns:p="http://schemas.openxmlformats.org/presentationml/2006/main">
+  <p:tag name="KSO_WM_UNIT_TABLE_BEAUTIFY" val="smartTable{85e89148-258b-42fe-a353-2caaf47f8212}"/>
+</p:tagLst>
+</file>
+
+<file path=ppt/tags/tag3.xml><?xml version="1.0" encoding="utf-8"?>
+<p:tagLst xmlns:a="http://schemas.openxmlformats.org/drawingml/2006/main" xmlns:r="http://schemas.openxmlformats.org/officeDocument/2006/relationships" xmlns:p="http://schemas.openxmlformats.org/presentationml/2006/main">
+  <p:tag name="KSO_WM_UNIT_TABLE_BEAUTIFY" val="smartTable{269922ac-f9a6-4919-96e2-a196576fed7c}"/>
+</p:tagLst>
 </file>
 
 <file path=ppt/theme/theme1.xml><?xml version="1.0" encoding="utf-8"?>
@@ -13360,6 +11556,11 @@
   </a:themeElements>
   <a:objectDefaults/>
   <a:extraClrSchemeLst/>
+  <a:extLst>
+    <a:ext uri="{05A4C25C-085E-4340-85A3-A5531E510DB2}">
+      <thm15:themeFamily xmlns:thm15="http://schemas.microsoft.com/office/thememl/2012/main" name="Office Theme" id="{62F939B6-93AF-4DB8-9C6B-D6C7DFDC589F}" vid="{4A3C46E8-61CC-4603-A589-7422A47A8E4A}"/>
+    </a:ext>
+  </a:extLst>
 </a:theme>
 </file>
 
@@ -13406,7 +11607,7 @@
     </a:clrScheme>
     <a:fontScheme name="Office">
       <a:majorFont>
-        <a:latin typeface="Calibri Light" panose="020F0302020204030204"/>
+        <a:latin typeface="Calibri Light"/>
         <a:ea typeface=""/>
         <a:cs typeface=""/>
         <a:font script="Jpan" typeface="游ゴシック Light"/>
@@ -13439,26 +11640,9 @@
         <a:font script="Viet" typeface="Times New Roman"/>
         <a:font script="Uigh" typeface="Microsoft Uighur"/>
         <a:font script="Geor" typeface="Sylfaen"/>
-        <a:font script="Armn" typeface="Arial"/>
-        <a:font script="Bugi" typeface="Leelawadee UI"/>
-        <a:font script="Bopo" typeface="Microsoft JhengHei"/>
-        <a:font script="Java" typeface="Javanese Text"/>
-        <a:font script="Lisu" typeface="Segoe UI"/>
-        <a:font script="Mymr" typeface="Myanmar Text"/>
-        <a:font script="Nkoo" typeface="Ebrima"/>
-        <a:font script="Olck" typeface="Nirmala UI"/>
-        <a:font script="Osma" typeface="Ebrima"/>
-        <a:font script="Phag" typeface="Phagspa"/>
-        <a:font script="Syrn" typeface="Estrangelo Edessa"/>
-        <a:font script="Syrj" typeface="Estrangelo Edessa"/>
-        <a:font script="Syre" typeface="Estrangelo Edessa"/>
-        <a:font script="Sora" typeface="Nirmala UI"/>
-        <a:font script="Tale" typeface="Microsoft Tai Le"/>
-        <a:font script="Talu" typeface="Microsoft New Tai Lue"/>
-        <a:font script="Tfng" typeface="Ebrima"/>
       </a:majorFont>
       <a:minorFont>
-        <a:latin typeface="Calibri" panose="020F0502020204030204"/>
+        <a:latin typeface="Calibri"/>
         <a:ea typeface=""/>
         <a:cs typeface=""/>
         <a:font script="Jpan" typeface="游ゴシック"/>
@@ -13491,23 +11675,6 @@
         <a:font script="Viet" typeface="Arial"/>
         <a:font script="Uigh" typeface="Microsoft Uighur"/>
         <a:font script="Geor" typeface="Sylfaen"/>
-        <a:font script="Armn" typeface="Arial"/>
-        <a:font script="Bugi" typeface="Leelawadee UI"/>
-        <a:font script="Bopo" typeface="Microsoft JhengHei"/>
-        <a:font script="Java" typeface="Javanese Text"/>
-        <a:font script="Lisu" typeface="Segoe UI"/>
-        <a:font script="Mymr" typeface="Myanmar Text"/>
-        <a:font script="Nkoo" typeface="Ebrima"/>
-        <a:font script="Olck" typeface="Nirmala UI"/>
-        <a:font script="Osma" typeface="Ebrima"/>
-        <a:font script="Phag" typeface="Phagspa"/>
-        <a:font script="Syrn" typeface="Estrangelo Edessa"/>
-        <a:font script="Syrj" typeface="Estrangelo Edessa"/>
-        <a:font script="Syre" typeface="Estrangelo Edessa"/>
-        <a:font script="Sora" typeface="Nirmala UI"/>
-        <a:font script="Tale" typeface="Microsoft Tai Le"/>
-        <a:font script="Talu" typeface="Microsoft New Tai Lue"/>
-        <a:font script="Tfng" typeface="Ebrima"/>
       </a:minorFont>
     </a:fontScheme>
     <a:fmtScheme name="Office">
@@ -13656,268 +11823,4 @@
     </a:ext>
   </a:extLst>
 </a:theme>
-</file>
-
-<file path=customXml/item1.xml><?xml version="1.0" encoding="utf-8"?>
-<ct:contentTypeSchema xmlns:ct="http://schemas.microsoft.com/office/2006/metadata/contentType" xmlns:ma="http://schemas.microsoft.com/office/2006/metadata/properties/metaAttributes" ct:_="" ma:_="" ma:contentTypeName="Document" ma:contentTypeID="0x010100E783BF6876BCC646A459363AF21A7736" ma:contentTypeVersion="10" ma:contentTypeDescription="Create a new document." ma:contentTypeScope="" ma:versionID="c4ffda7f4f415767600769e454c2ea87">
-  <xsd:schema xmlns:xsd="http://www.w3.org/2001/XMLSchema" xmlns:xs="http://www.w3.org/2001/XMLSchema" xmlns:p="http://schemas.microsoft.com/office/2006/metadata/properties" xmlns:ns2="8a053bff-88be-49e4-9a87-e748e18b8b62" xmlns:ns3="6c8368ec-3776-49b5-a5bb-90648cf9530f" targetNamespace="http://schemas.microsoft.com/office/2006/metadata/properties" ma:root="true" ma:fieldsID="df3ec33bccc23e23bce7bc897fad43d1" ns2:_="" ns3:_="">
-    <xsd:import namespace="8a053bff-88be-49e4-9a87-e748e18b8b62"/>
-    <xsd:import namespace="6c8368ec-3776-49b5-a5bb-90648cf9530f"/>
-    <xsd:element name="properties">
-      <xsd:complexType>
-        <xsd:sequence>
-          <xsd:element name="documentManagement">
-            <xsd:complexType>
-              <xsd:all>
-                <xsd:element ref="ns2:MediaServiceMetadata" minOccurs="0"/>
-                <xsd:element ref="ns2:MediaServiceFastMetadata" minOccurs="0"/>
-                <xsd:element ref="ns2:MediaServiceAutoKeyPoints" minOccurs="0"/>
-                <xsd:element ref="ns2:MediaServiceKeyPoints" minOccurs="0"/>
-                <xsd:element ref="ns3:SharedWithUsers" minOccurs="0"/>
-                <xsd:element ref="ns3:SharedWithDetails" minOccurs="0"/>
-                <xsd:element ref="ns2:MediaServiceAutoTags" minOccurs="0"/>
-                <xsd:element ref="ns2:MediaServiceOCR" minOccurs="0"/>
-                <xsd:element ref="ns2:MediaServiceGenerationTime" minOccurs="0"/>
-                <xsd:element ref="ns2:MediaServiceEventHashCode" minOccurs="0"/>
-              </xsd:all>
-            </xsd:complexType>
-          </xsd:element>
-        </xsd:sequence>
-      </xsd:complexType>
-    </xsd:element>
-  </xsd:schema>
-  <xsd:schema xmlns:xsd="http://www.w3.org/2001/XMLSchema" xmlns:xs="http://www.w3.org/2001/XMLSchema" xmlns:dms="http://schemas.microsoft.com/office/2006/documentManagement/types" xmlns:pc="http://schemas.microsoft.com/office/infopath/2007/PartnerControls" targetNamespace="8a053bff-88be-49e4-9a87-e748e18b8b62" elementFormDefault="qualified">
-    <xsd:import namespace="http://schemas.microsoft.com/office/2006/documentManagement/types"/>
-    <xsd:import namespace="http://schemas.microsoft.com/office/infopath/2007/PartnerControls"/>
-    <xsd:element name="MediaServiceMetadata" ma:index="8" nillable="true" ma:displayName="MediaServiceMetadata" ma:hidden="true" ma:internalName="MediaServiceMetadata" ma:readOnly="true">
-      <xsd:simpleType>
-        <xsd:restriction base="dms:Note"/>
-      </xsd:simpleType>
-    </xsd:element>
-    <xsd:element name="MediaServiceFastMetadata" ma:index="9" nillable="true" ma:displayName="MediaServiceFastMetadata" ma:hidden="true" ma:internalName="MediaServiceFastMetadata" ma:readOnly="true">
-      <xsd:simpleType>
-        <xsd:restriction base="dms:Note"/>
-      </xsd:simpleType>
-    </xsd:element>
-    <xsd:element name="MediaServiceAutoKeyPoints" ma:index="10" nillable="true" ma:displayName="MediaServiceAutoKeyPoints" ma:hidden="true" ma:internalName="MediaServiceAutoKeyPoints" ma:readOnly="true">
-      <xsd:simpleType>
-        <xsd:restriction base="dms:Note"/>
-      </xsd:simpleType>
-    </xsd:element>
-    <xsd:element name="MediaServiceKeyPoints" ma:index="11" nillable="true" ma:displayName="KeyPoints" ma:internalName="MediaServiceKeyPoints" ma:readOnly="true">
-      <xsd:simpleType>
-        <xsd:restriction base="dms:Note">
-          <xsd:maxLength value="255"/>
-        </xsd:restriction>
-      </xsd:simpleType>
-    </xsd:element>
-    <xsd:element name="MediaServiceAutoTags" ma:index="14" nillable="true" ma:displayName="Tags" ma:internalName="MediaServiceAutoTags" ma:readOnly="true">
-      <xsd:simpleType>
-        <xsd:restriction base="dms:Text"/>
-      </xsd:simpleType>
-    </xsd:element>
-    <xsd:element name="MediaServiceOCR" ma:index="15" nillable="true" ma:displayName="Extracted Text" ma:internalName="MediaServiceOCR" ma:readOnly="true">
-      <xsd:simpleType>
-        <xsd:restriction base="dms:Note">
-          <xsd:maxLength value="255"/>
-        </xsd:restriction>
-      </xsd:simpleType>
-    </xsd:element>
-    <xsd:element name="MediaServiceGenerationTime" ma:index="16" nillable="true" ma:displayName="MediaServiceGenerationTime" ma:hidden="true" ma:internalName="MediaServiceGenerationTime" ma:readOnly="true">
-      <xsd:simpleType>
-        <xsd:restriction base="dms:Text"/>
-      </xsd:simpleType>
-    </xsd:element>
-    <xsd:element name="MediaServiceEventHashCode" ma:index="17" nillable="true" ma:displayName="MediaServiceEventHashCode" ma:hidden="true" ma:internalName="MediaServiceEventHashCode" ma:readOnly="true">
-      <xsd:simpleType>
-        <xsd:restriction base="dms:Text"/>
-      </xsd:simpleType>
-    </xsd:element>
-  </xsd:schema>
-  <xsd:schema xmlns:xsd="http://www.w3.org/2001/XMLSchema" xmlns:xs="http://www.w3.org/2001/XMLSchema" xmlns:dms="http://schemas.microsoft.com/office/2006/documentManagement/types" xmlns:pc="http://schemas.microsoft.com/office/infopath/2007/PartnerControls" targetNamespace="6c8368ec-3776-49b5-a5bb-90648cf9530f" elementFormDefault="qualified">
-    <xsd:import namespace="http://schemas.microsoft.com/office/2006/documentManagement/types"/>
-    <xsd:import namespace="http://schemas.microsoft.com/office/infopath/2007/PartnerControls"/>
-    <xsd:element name="SharedWithUsers" ma:index="12" nillable="true" ma:displayName="Shared With" ma:internalName="SharedWithUsers" ma:readOnly="true">
-      <xsd:complexType>
-        <xsd:complexContent>
-          <xsd:extension base="dms:UserMulti">
-            <xsd:sequence>
-              <xsd:element name="UserInfo" minOccurs="0" maxOccurs="unbounded">
-                <xsd:complexType>
-                  <xsd:sequence>
-                    <xsd:element name="DisplayName" type="xsd:string" minOccurs="0"/>
-                    <xsd:element name="AccountId" type="dms:UserId" minOccurs="0" nillable="true"/>
-                    <xsd:element name="AccountType" type="xsd:string" minOccurs="0"/>
-                  </xsd:sequence>
-                </xsd:complexType>
-              </xsd:element>
-            </xsd:sequence>
-          </xsd:extension>
-        </xsd:complexContent>
-      </xsd:complexType>
-    </xsd:element>
-    <xsd:element name="SharedWithDetails" ma:index="13" nillable="true" ma:displayName="Shared With Details" ma:internalName="SharedWithDetails" ma:readOnly="true">
-      <xsd:simpleType>
-        <xsd:restriction base="dms:Note">
-          <xsd:maxLength value="255"/>
-        </xsd:restriction>
-      </xsd:simpleType>
-    </xsd:element>
-  </xsd:schema>
-  <xsd:schema xmlns="http://schemas.openxmlformats.org/package/2006/metadata/core-properties" xmlns:xsd="http://www.w3.org/2001/XMLSchema" xmlns:xsi="http://www.w3.org/2001/XMLSchema-instance" xmlns:dc="http://purl.org/dc/elements/1.1/" xmlns:dcterms="http://purl.org/dc/terms/" xmlns:odoc="http://schemas.microsoft.com/internal/obd" targetNamespace="http://schemas.openxmlformats.org/package/2006/metadata/core-properties" elementFormDefault="qualified" attributeFormDefault="unqualified" blockDefault="#all">
-    <xsd:import namespace="http://purl.org/dc/elements/1.1/" schemaLocation="http://dublincore.org/schemas/xmls/qdc/2003/04/02/dc.xsd"/>
-    <xsd:import namespace="http://purl.org/dc/terms/" schemaLocation="http://dublincore.org/schemas/xmls/qdc/2003/04/02/dcterms.xsd"/>
-    <xsd:element name="coreProperties" type="CT_coreProperties"/>
-    <xsd:complexType name="CT_coreProperties">
-      <xsd:all>
-        <xsd:element ref="dc:creator" minOccurs="0" maxOccurs="1"/>
-        <xsd:element ref="dcterms:created" minOccurs="0" maxOccurs="1"/>
-        <xsd:element ref="dc:identifier" minOccurs="0" maxOccurs="1"/>
-        <xsd:element name="contentType" minOccurs="0" maxOccurs="1" type="xsd:string" ma:index="0" ma:displayName="Content Type"/>
-        <xsd:element ref="dc:title" minOccurs="0" maxOccurs="1" ma:index="4" ma:displayName="Title"/>
-        <xsd:element ref="dc:subject" minOccurs="0" maxOccurs="1"/>
-        <xsd:element ref="dc:description" minOccurs="0" maxOccurs="1"/>
-        <xsd:element name="keywords" minOccurs="0" maxOccurs="1" type="xsd:string"/>
-        <xsd:element ref="dc:language" minOccurs="0" maxOccurs="1"/>
-        <xsd:element name="category" minOccurs="0" maxOccurs="1" type="xsd:string"/>
-        <xsd:element name="version" minOccurs="0" maxOccurs="1" type="xsd:string"/>
-        <xsd:element name="revision" minOccurs="0" maxOccurs="1" type="xsd:string">
-          <xsd:annotation>
-            <xsd:documentation>
-                        This value indicates the number of saves or revisions. The application is responsible for updating this value after each revision.
-                    </xsd:documentation>
-          </xsd:annotation>
-        </xsd:element>
-        <xsd:element name="lastModifiedBy" minOccurs="0" maxOccurs="1" type="xsd:string"/>
-        <xsd:element ref="dcterms:modified" minOccurs="0" maxOccurs="1"/>
-        <xsd:element name="contentStatus" minOccurs="0" maxOccurs="1" type="xsd:string"/>
-      </xsd:all>
-    </xsd:complexType>
-  </xsd:schema>
-  <xs:schema xmlns:pc="http://schemas.microsoft.com/office/infopath/2007/PartnerControls" xmlns:xs="http://www.w3.org/2001/XMLSchema" targetNamespace="http://schemas.microsoft.com/office/infopath/2007/PartnerControls" elementFormDefault="qualified" attributeFormDefault="unqualified">
-    <xs:element name="Person">
-      <xs:complexType>
-        <xs:sequence>
-          <xs:element ref="pc:DisplayName" minOccurs="0"/>
-          <xs:element ref="pc:AccountId" minOccurs="0"/>
-          <xs:element ref="pc:AccountType" minOccurs="0"/>
-        </xs:sequence>
-      </xs:complexType>
-    </xs:element>
-    <xs:element name="DisplayName" type="xs:string"/>
-    <xs:element name="AccountId" type="xs:string"/>
-    <xs:element name="AccountType" type="xs:string"/>
-    <xs:element name="BDCAssociatedEntity">
-      <xs:complexType>
-        <xs:sequence>
-          <xs:element ref="pc:BDCEntity" minOccurs="0" maxOccurs="unbounded"/>
-        </xs:sequence>
-        <xs:attribute ref="pc:EntityNamespace"/>
-        <xs:attribute ref="pc:EntityName"/>
-        <xs:attribute ref="pc:SystemInstanceName"/>
-        <xs:attribute ref="pc:AssociationName"/>
-      </xs:complexType>
-    </xs:element>
-    <xs:attribute name="EntityNamespace" type="xs:string"/>
-    <xs:attribute name="EntityName" type="xs:string"/>
-    <xs:attribute name="SystemInstanceName" type="xs:string"/>
-    <xs:attribute name="AssociationName" type="xs:string"/>
-    <xs:element name="BDCEntity">
-      <xs:complexType>
-        <xs:sequence>
-          <xs:element ref="pc:EntityDisplayName" minOccurs="0"/>
-          <xs:element ref="pc:EntityInstanceReference" minOccurs="0"/>
-          <xs:element ref="pc:EntityId1" minOccurs="0"/>
-          <xs:element ref="pc:EntityId2" minOccurs="0"/>
-          <xs:element ref="pc:EntityId3" minOccurs="0"/>
-          <xs:element ref="pc:EntityId4" minOccurs="0"/>
-          <xs:element ref="pc:EntityId5" minOccurs="0"/>
-        </xs:sequence>
-      </xs:complexType>
-    </xs:element>
-    <xs:element name="EntityDisplayName" type="xs:string"/>
-    <xs:element name="EntityInstanceReference" type="xs:string"/>
-    <xs:element name="EntityId1" type="xs:string"/>
-    <xs:element name="EntityId2" type="xs:string"/>
-    <xs:element name="EntityId3" type="xs:string"/>
-    <xs:element name="EntityId4" type="xs:string"/>
-    <xs:element name="EntityId5" type="xs:string"/>
-    <xs:element name="Terms">
-      <xs:complexType>
-        <xs:sequence>
-          <xs:element ref="pc:TermInfo" minOccurs="0" maxOccurs="unbounded"/>
-        </xs:sequence>
-      </xs:complexType>
-    </xs:element>
-    <xs:element name="TermInfo">
-      <xs:complexType>
-        <xs:sequence>
-          <xs:element ref="pc:TermName" minOccurs="0"/>
-          <xs:element ref="pc:TermId" minOccurs="0"/>
-        </xs:sequence>
-      </xs:complexType>
-    </xs:element>
-    <xs:element name="TermName" type="xs:string"/>
-    <xs:element name="TermId" type="xs:string"/>
-  </xs:schema>
-</ct:contentTypeSchema>
-</file>
-
-<file path=customXml/item2.xml><?xml version="1.0" encoding="utf-8"?>
-<?mso-contentType ?>
-<FormTemplates xmlns="http://schemas.microsoft.com/sharepoint/v3/contenttype/forms">
-  <Display>DocumentLibraryForm</Display>
-  <Edit>DocumentLibraryForm</Edit>
-  <New>DocumentLibraryForm</New>
-</FormTemplates>
-</file>
-
-<file path=customXml/item3.xml><?xml version="1.0" encoding="utf-8"?>
-<p:properties xmlns:p="http://schemas.microsoft.com/office/2006/metadata/properties" xmlns:xsi="http://www.w3.org/2001/XMLSchema-instance" xmlns:pc="http://schemas.microsoft.com/office/infopath/2007/PartnerControls">
-  <documentManagement/>
-</p:properties>
-</file>
-
-<file path=customXml/itemProps1.xml><?xml version="1.0" encoding="utf-8"?>
-<ds:datastoreItem xmlns:ds="http://schemas.openxmlformats.org/officeDocument/2006/customXml" ds:itemID="{E0DB8BDF-6DA8-4ABC-A3CA-043AFD674CFC}">
-  <ds:schemaRefs>
-    <ds:schemaRef ds:uri="6c8368ec-3776-49b5-a5bb-90648cf9530f"/>
-    <ds:schemaRef ds:uri="8a053bff-88be-49e4-9a87-e748e18b8b62"/>
-    <ds:schemaRef ds:uri="http://purl.org/dc/elements/1.1/"/>
-    <ds:schemaRef ds:uri="http://purl.org/dc/terms/"/>
-    <ds:schemaRef ds:uri="http://schemas.microsoft.com/internal/obd"/>
-    <ds:schemaRef ds:uri="http://schemas.microsoft.com/office/2006/documentManagement/types"/>
-    <ds:schemaRef ds:uri="http://schemas.microsoft.com/office/2006/metadata/contentType"/>
-    <ds:schemaRef ds:uri="http://schemas.microsoft.com/office/2006/metadata/properties"/>
-    <ds:schemaRef ds:uri="http://schemas.microsoft.com/office/2006/metadata/properties/metaAttributes"/>
-    <ds:schemaRef ds:uri="http://schemas.microsoft.com/office/infopath/2007/PartnerControls"/>
-    <ds:schemaRef ds:uri="http://schemas.openxmlformats.org/package/2006/metadata/core-properties"/>
-    <ds:schemaRef ds:uri="http://www.w3.org/2001/XMLSchema"/>
-  </ds:schemaRefs>
-</ds:datastoreItem>
-</file>
-
-<file path=customXml/itemProps2.xml><?xml version="1.0" encoding="utf-8"?>
-<ds:datastoreItem xmlns:ds="http://schemas.openxmlformats.org/officeDocument/2006/customXml" ds:itemID="{95AE3B0B-E909-400C-B0B3-909FB50E07DE}">
-  <ds:schemaRefs>
-    <ds:schemaRef ds:uri="http://schemas.microsoft.com/sharepoint/v3/contenttype/forms"/>
-  </ds:schemaRefs>
-</ds:datastoreItem>
-</file>
-
-<file path=customXml/itemProps3.xml><?xml version="1.0" encoding="utf-8"?>
-<ds:datastoreItem xmlns:ds="http://schemas.openxmlformats.org/officeDocument/2006/customXml" ds:itemID="{10FC3CAF-E6F1-40E3-87D4-6B781C97D6B4}">
-  <ds:schemaRefs>
-    <ds:schemaRef ds:uri="6c8368ec-3776-49b5-a5bb-90648cf9530f"/>
-    <ds:schemaRef ds:uri="8a053bff-88be-49e4-9a87-e748e18b8b62"/>
-    <ds:schemaRef ds:uri="http://purl.org/dc/dcmitype/"/>
-    <ds:schemaRef ds:uri="http://purl.org/dc/elements/1.1/"/>
-    <ds:schemaRef ds:uri="http://purl.org/dc/terms/"/>
-    <ds:schemaRef ds:uri="http://schemas.microsoft.com/office/2006/documentManagement/types"/>
-    <ds:schemaRef ds:uri="http://schemas.microsoft.com/office/2006/metadata/properties"/>
-    <ds:schemaRef ds:uri="http://schemas.microsoft.com/office/infopath/2007/PartnerControls"/>
-    <ds:schemaRef ds:uri="http://schemas.openxmlformats.org/package/2006/metadata/core-properties"/>
-    <ds:schemaRef ds:uri="http://www.w3.org/XML/1998/namespace"/>
-  </ds:schemaRefs>
-</ds:datastoreItem>
 </file>
--- a/help/data-sheets/assets/BusinessSupportDatasheet.pptx
+++ b/help/data-sheets/assets/BusinessSupportDatasheet.pptx
@@ -216,7 +216,7 @@
           <a:p>
             <a:fld id="{FB81873C-0B24-F04A-98A1-90E0A78F7E8A}" type="datetimeFigureOut">
               <a:rPr lang="en-US" smtClean="0"/>
-              <a:t>10/11/21</a:t>
+              <a:t>11/18/21</a:t>
             </a:fld>
             <a:endParaRPr lang="en-US"/>
           </a:p>
@@ -819,7 +819,7 @@
           <a:p>
             <a:fld id="{1D8BD707-D9CF-40AE-B4C6-C98DA3205C09}" type="datetimeFigureOut">
               <a:rPr lang="en-US"/>
-              <a:t>10/11/21</a:t>
+              <a:t>11/18/21</a:t>
             </a:fld>
             <a:endParaRPr lang="en-US"/>
           </a:p>
@@ -1000,7 +1000,7 @@
           <a:p>
             <a:fld id="{1D8BD707-D9CF-40AE-B4C6-C98DA3205C09}" type="datetimeFigureOut">
               <a:rPr lang="en-US"/>
-              <a:t>10/11/21</a:t>
+              <a:t>11/18/21</a:t>
             </a:fld>
             <a:endParaRPr lang="en-US"/>
           </a:p>
@@ -1313,7 +1313,7 @@
           <a:p>
             <a:fld id="{1D8BD707-D9CF-40AE-B4C6-C98DA3205C09}" type="datetimeFigureOut">
               <a:rPr lang="en-US"/>
-              <a:t>10/11/21</a:t>
+              <a:t>11/18/21</a:t>
             </a:fld>
             <a:endParaRPr lang="en-US"/>
           </a:p>
@@ -1731,7 +1731,13 @@
               <a:rPr lang="en-US" sz="2300" dirty="0">
                 <a:latin typeface="Adobe Clean" panose="020B0503020404020204" pitchFamily="34" charset="0"/>
               </a:rPr>
-              <a:t>Adobe 支持产品/服务</a:t>
+              <a:t>Adobe </a:t>
+            </a:r>
+            <a:r>
+              <a:rPr lang="ja-JP" altLang="en-US" sz="2300">
+                <a:latin typeface="Adobe Clean" panose="020B0503020404020204" pitchFamily="34" charset="0"/>
+              </a:rPr>
+              <a:t>支持计划</a:t>
             </a:r>
             <a:endParaRPr sz="2300" dirty="0">
               <a:latin typeface="Adobe Clean" panose="020B0503020404020204" pitchFamily="34" charset="0"/>

--- a/help/data-sheets/assets/BusinessSupportDatasheet.pptx
+++ b/help/data-sheets/assets/BusinessSupportDatasheet.pptx
@@ -2,15 +2,15 @@
 <file path=ppt/presentation.xml><?xml version="1.0" encoding="utf-8"?>
 <p:presentation xmlns:a="http://schemas.openxmlformats.org/drawingml/2006/main" xmlns:r="http://schemas.openxmlformats.org/officeDocument/2006/relationships" xmlns:p="http://schemas.openxmlformats.org/presentationml/2006/main">
   <p:sldMasterIdLst>
-    <p:sldMasterId id="2147483648" r:id="rId1"/>
+    <p:sldMasterId id="2147483648" r:id="rId4"/>
   </p:sldMasterIdLst>
   <p:notesMasterIdLst>
-    <p:notesMasterId r:id="rId5"/>
+    <p:notesMasterId r:id="rId8"/>
   </p:notesMasterIdLst>
   <p:sldIdLst>
-    <p:sldId id="256" r:id="rId2"/>
-    <p:sldId id="257" r:id="rId3"/>
-    <p:sldId id="261" r:id="rId4"/>
+    <p:sldId id="256" r:id="rId5"/>
+    <p:sldId id="257" r:id="rId6"/>
+    <p:sldId id="261" r:id="rId7"/>
   </p:sldIdLst>
   <p:sldSz cx="7772400" cy="10058400"/>
   <p:notesSz cx="7772400" cy="10058400"/>
@@ -117,7 +117,7 @@
             <a:srgbClr val="A4A3A4"/>
           </p15:clr>
         </p15:guide>
-        <p15:guide id="2" pos="2147">
+        <p15:guide id="2" pos="2160">
           <p15:clr>
             <a:srgbClr val="A4A3A4"/>
           </p15:clr>
@@ -130,8 +130,291 @@
 
 <file path=ppt/commentAuthors.xml><?xml version="1.0" encoding="utf-8"?>
 <p:cmAuthorLst xmlns:a="http://schemas.openxmlformats.org/drawingml/2006/main" xmlns:r="http://schemas.openxmlformats.org/officeDocument/2006/relationships" xmlns:p="http://schemas.openxmlformats.org/presentationml/2006/main">
-  <p:cmAuthor id="1" name="Ankita Sood" initials="AS" lastIdx="2" clrIdx="0"/>
+  <p:cmAuthor id="1" name="Ankita Sood" initials="AS" lastIdx="2" clrIdx="0">
+    <p:extLst>
+      <p:ext uri="{19B8F6BF-5375-455C-9EA6-DF929625EA0E}">
+        <p15:presenceInfo xmlns:p15="http://schemas.microsoft.com/office/powerpoint/2012/main" userId="S::asood@adobe.com::c93a62e3-2a47-429d-82c6-c2a8fd110ae7" providerId="AD"/>
+      </p:ext>
+    </p:extLst>
+  </p:cmAuthor>
 </p:cmAuthorLst>
+</file>
+
+<file path=ppt/revisionInfo.xml><?xml version="1.0" encoding="utf-8"?>
+<p1510:revInfo xmlns:a="http://schemas.openxmlformats.org/drawingml/2006/main" xmlns:r="http://schemas.openxmlformats.org/officeDocument/2006/relationships" xmlns:p1510="http://schemas.microsoft.com/office/powerpoint/2015/10/main">
+  <p1510:revLst>
+    <p1510:client id="{61630BD6-9AE9-064C-B39F-AFA945B82B3E}" v="202" dt="2021-10-13T19:21:08.267"/>
+    <p1510:client id="{AC30C20D-1316-8ECC-DADD-39CCEC6A7FCF}" v="9" dt="2021-10-13T19:03:35.035"/>
+  </p1510:revLst>
+</p1510:revInfo>
+</file>
+
+<file path=ppt/changesInfos/changesInfo1.xml><?xml version="1.0" encoding="utf-8"?>
+<pc:chgInfo xmlns:a="http://schemas.openxmlformats.org/drawingml/2006/main" xmlns:r="http://schemas.openxmlformats.org/officeDocument/2006/relationships" xmlns:ac="http://schemas.microsoft.com/office/drawing/2013/main/command" xmlns:pc="http://schemas.microsoft.com/office/powerpoint/2013/main/command">
+  <pc:docChgLst>
+    <pc:chgData name="Akilah Johnson" userId="S::akjohnso@adobe.com::2fa3aa60-0c9c-4d06-bae2-795983241227" providerId="AD" clId="Web-{4D8E0410-E0CE-85E2-0F84-C1BF4F647622}"/>
+    <pc:docChg chg="modSld">
+      <pc:chgData name="Akilah Johnson" userId="S::akjohnso@adobe.com::2fa3aa60-0c9c-4d06-bae2-795983241227" providerId="AD" clId="Web-{4D8E0410-E0CE-85E2-0F84-C1BF4F647622}" dt="2021-09-22T22:57:04.802" v="5"/>
+      <pc:docMkLst>
+        <pc:docMk/>
+      </pc:docMkLst>
+      <pc:sldChg chg="modSp">
+        <pc:chgData name="Akilah Johnson" userId="S::akjohnso@adobe.com::2fa3aa60-0c9c-4d06-bae2-795983241227" providerId="AD" clId="Web-{4D8E0410-E0CE-85E2-0F84-C1BF4F647622}" dt="2021-09-22T22:57:04.802" v="5"/>
+        <pc:sldMkLst>
+          <pc:docMk/>
+          <pc:sldMk cId="1050037809" sldId="261"/>
+        </pc:sldMkLst>
+        <pc:graphicFrameChg chg="mod modGraphic">
+          <ac:chgData name="Akilah Johnson" userId="S::akjohnso@adobe.com::2fa3aa60-0c9c-4d06-bae2-795983241227" providerId="AD" clId="Web-{4D8E0410-E0CE-85E2-0F84-C1BF4F647622}" dt="2021-09-22T22:57:04.802" v="5"/>
+          <ac:graphicFrameMkLst>
+            <pc:docMk/>
+            <pc:sldMk cId="1050037809" sldId="261"/>
+            <ac:graphicFrameMk id="25" creationId="{3A91F5B0-3974-A14D-A146-FB590F2AAD18}"/>
+          </ac:graphicFrameMkLst>
+        </pc:graphicFrameChg>
+      </pc:sldChg>
+    </pc:docChg>
+  </pc:docChgLst>
+  <pc:docChgLst>
+    <pc:chgData name="Akilah Johnson" userId="S::akjohnso@adobe.com::2fa3aa60-0c9c-4d06-bae2-795983241227" providerId="AD" clId="Web-{019F6A09-DCDA-BB53-9E3C-5BA3B13E26BB}"/>
+    <pc:docChg chg="modSld">
+      <pc:chgData name="Akilah Johnson" userId="S::akjohnso@adobe.com::2fa3aa60-0c9c-4d06-bae2-795983241227" providerId="AD" clId="Web-{019F6A09-DCDA-BB53-9E3C-5BA3B13E26BB}" dt="2021-10-12T17:10:36.752" v="17" actId="20577"/>
+      <pc:docMkLst>
+        <pc:docMk/>
+      </pc:docMkLst>
+      <pc:sldChg chg="modSp">
+        <pc:chgData name="Akilah Johnson" userId="S::akjohnso@adobe.com::2fa3aa60-0c9c-4d06-bae2-795983241227" providerId="AD" clId="Web-{019F6A09-DCDA-BB53-9E3C-5BA3B13E26BB}" dt="2021-10-12T17:09:32.112" v="2" actId="20577"/>
+        <pc:sldMkLst>
+          <pc:docMk/>
+          <pc:sldMk cId="0" sldId="257"/>
+        </pc:sldMkLst>
+        <pc:spChg chg="mod">
+          <ac:chgData name="Akilah Johnson" userId="S::akjohnso@adobe.com::2fa3aa60-0c9c-4d06-bae2-795983241227" providerId="AD" clId="Web-{019F6A09-DCDA-BB53-9E3C-5BA3B13E26BB}" dt="2021-10-12T17:09:32.112" v="2" actId="20577"/>
+          <ac:spMkLst>
+            <pc:docMk/>
+            <pc:sldMk cId="0" sldId="257"/>
+            <ac:spMk id="46" creationId="{00000000-0000-0000-0000-000000000000}"/>
+          </ac:spMkLst>
+        </pc:spChg>
+      </pc:sldChg>
+      <pc:sldChg chg="modSp">
+        <pc:chgData name="Akilah Johnson" userId="S::akjohnso@adobe.com::2fa3aa60-0c9c-4d06-bae2-795983241227" providerId="AD" clId="Web-{019F6A09-DCDA-BB53-9E3C-5BA3B13E26BB}" dt="2021-10-12T17:10:36.752" v="17" actId="20577"/>
+        <pc:sldMkLst>
+          <pc:docMk/>
+          <pc:sldMk cId="1050037809" sldId="261"/>
+        </pc:sldMkLst>
+        <pc:spChg chg="mod">
+          <ac:chgData name="Akilah Johnson" userId="S::akjohnso@adobe.com::2fa3aa60-0c9c-4d06-bae2-795983241227" providerId="AD" clId="Web-{019F6A09-DCDA-BB53-9E3C-5BA3B13E26BB}" dt="2021-10-12T17:10:36.752" v="17" actId="20577"/>
+          <ac:spMkLst>
+            <pc:docMk/>
+            <pc:sldMk cId="1050037809" sldId="261"/>
+            <ac:spMk id="56" creationId="{00000000-0000-0000-0000-000000000000}"/>
+          </ac:spMkLst>
+        </pc:spChg>
+        <pc:graphicFrameChg chg="mod modGraphic">
+          <ac:chgData name="Akilah Johnson" userId="S::akjohnso@adobe.com::2fa3aa60-0c9c-4d06-bae2-795983241227" providerId="AD" clId="Web-{019F6A09-DCDA-BB53-9E3C-5BA3B13E26BB}" dt="2021-10-12T17:09:41.471" v="6"/>
+          <ac:graphicFrameMkLst>
+            <pc:docMk/>
+            <pc:sldMk cId="1050037809" sldId="261"/>
+            <ac:graphicFrameMk id="111" creationId="{D8653CEC-4213-DE40-9BAF-D1E3318FF89C}"/>
+          </ac:graphicFrameMkLst>
+        </pc:graphicFrameChg>
+      </pc:sldChg>
+    </pc:docChg>
+  </pc:docChgLst>
+  <pc:docChgLst>
+    <pc:chgData name="Andy Witt" userId="S::awitt@adobe.com::e9157bdf-53b2-40e4-9459-936793d75696" providerId="AD" clId="Web-{06B13378-B080-7F0F-51A5-F9203CEE57ED}"/>
+    <pc:docChg chg="modSld">
+      <pc:chgData name="Andy Witt" userId="S::awitt@adobe.com::e9157bdf-53b2-40e4-9459-936793d75696" providerId="AD" clId="Web-{06B13378-B080-7F0F-51A5-F9203CEE57ED}" dt="2021-08-25T22:25:13.647" v="363"/>
+      <pc:docMkLst>
+        <pc:docMk/>
+      </pc:docMkLst>
+      <pc:sldChg chg="modSp">
+        <pc:chgData name="Andy Witt" userId="S::awitt@adobe.com::e9157bdf-53b2-40e4-9459-936793d75696" providerId="AD" clId="Web-{06B13378-B080-7F0F-51A5-F9203CEE57ED}" dt="2021-08-25T22:25:13.647" v="363"/>
+        <pc:sldMkLst>
+          <pc:docMk/>
+          <pc:sldMk cId="1050037809" sldId="261"/>
+        </pc:sldMkLst>
+        <pc:graphicFrameChg chg="mod modGraphic">
+          <ac:chgData name="Andy Witt" userId="S::awitt@adobe.com::e9157bdf-53b2-40e4-9459-936793d75696" providerId="AD" clId="Web-{06B13378-B080-7F0F-51A5-F9203CEE57ED}" dt="2021-08-25T22:25:13.647" v="363"/>
+          <ac:graphicFrameMkLst>
+            <pc:docMk/>
+            <pc:sldMk cId="1050037809" sldId="261"/>
+            <ac:graphicFrameMk id="25" creationId="{3A91F5B0-3974-A14D-A146-FB590F2AAD18}"/>
+          </ac:graphicFrameMkLst>
+        </pc:graphicFrameChg>
+      </pc:sldChg>
+    </pc:docChg>
+  </pc:docChgLst>
+  <pc:docChgLst>
+    <pc:chgData name="Akilah Johnson" userId="S::akjohnso@adobe.com::2fa3aa60-0c9c-4d06-bae2-795983241227" providerId="AD" clId="Web-{D428A0AE-54E2-30D2-C574-7A0742876CCF}"/>
+    <pc:docChg chg="modSld">
+      <pc:chgData name="Akilah Johnson" userId="S::akjohnso@adobe.com::2fa3aa60-0c9c-4d06-bae2-795983241227" providerId="AD" clId="Web-{D428A0AE-54E2-30D2-C574-7A0742876CCF}" dt="2021-10-12T19:11:25.330" v="0" actId="20577"/>
+      <pc:docMkLst>
+        <pc:docMk/>
+      </pc:docMkLst>
+      <pc:sldChg chg="modSp">
+        <pc:chgData name="Akilah Johnson" userId="S::akjohnso@adobe.com::2fa3aa60-0c9c-4d06-bae2-795983241227" providerId="AD" clId="Web-{D428A0AE-54E2-30D2-C574-7A0742876CCF}" dt="2021-10-12T19:11:25.330" v="0" actId="20577"/>
+        <pc:sldMkLst>
+          <pc:docMk/>
+          <pc:sldMk cId="0" sldId="256"/>
+        </pc:sldMkLst>
+        <pc:spChg chg="mod">
+          <ac:chgData name="Akilah Johnson" userId="S::akjohnso@adobe.com::2fa3aa60-0c9c-4d06-bae2-795983241227" providerId="AD" clId="Web-{D428A0AE-54E2-30D2-C574-7A0742876CCF}" dt="2021-10-12T19:11:25.330" v="0" actId="20577"/>
+          <ac:spMkLst>
+            <pc:docMk/>
+            <pc:sldMk cId="0" sldId="256"/>
+            <ac:spMk id="4" creationId="{00000000-0000-0000-0000-000000000000}"/>
+          </ac:spMkLst>
+        </pc:spChg>
+      </pc:sldChg>
+    </pc:docChg>
+  </pc:docChgLst>
+  <pc:docChgLst>
+    <pc:chgData name="Akilah Johnson" userId="S::akjohnso@adobe.com::2fa3aa60-0c9c-4d06-bae2-795983241227" providerId="AD" clId="Web-{71D6CFBF-0EA2-99B0-93F4-22F19EF0AE4E}"/>
+    <pc:docChg chg="modSld">
+      <pc:chgData name="Akilah Johnson" userId="S::akjohnso@adobe.com::2fa3aa60-0c9c-4d06-bae2-795983241227" providerId="AD" clId="Web-{71D6CFBF-0EA2-99B0-93F4-22F19EF0AE4E}" dt="2021-09-22T19:06:58.732" v="1" actId="1076"/>
+      <pc:docMkLst>
+        <pc:docMk/>
+      </pc:docMkLst>
+      <pc:sldChg chg="modSp">
+        <pc:chgData name="Akilah Johnson" userId="S::akjohnso@adobe.com::2fa3aa60-0c9c-4d06-bae2-795983241227" providerId="AD" clId="Web-{71D6CFBF-0EA2-99B0-93F4-22F19EF0AE4E}" dt="2021-09-22T19:06:58.732" v="1" actId="1076"/>
+        <pc:sldMkLst>
+          <pc:docMk/>
+          <pc:sldMk cId="1050037809" sldId="261"/>
+        </pc:sldMkLst>
+        <pc:spChg chg="mod">
+          <ac:chgData name="Akilah Johnson" userId="S::akjohnso@adobe.com::2fa3aa60-0c9c-4d06-bae2-795983241227" providerId="AD" clId="Web-{71D6CFBF-0EA2-99B0-93F4-22F19EF0AE4E}" dt="2021-09-22T19:06:58.732" v="1" actId="1076"/>
+          <ac:spMkLst>
+            <pc:docMk/>
+            <pc:sldMk cId="1050037809" sldId="261"/>
+            <ac:spMk id="64" creationId="{41467BDC-3D83-D844-B922-CD07E94E5AAB}"/>
+          </ac:spMkLst>
+        </pc:spChg>
+      </pc:sldChg>
+    </pc:docChg>
+  </pc:docChgLst>
+  <pc:docChgLst>
+    <pc:chgData name="Lauren Schutte" userId="S::schutte@adobe.com::6e08b2d3-447a-4d66-86be-444d50df187f" providerId="AD" clId="Web-{AC30C20D-1316-8ECC-DADD-39CCEC6A7FCF}"/>
+    <pc:docChg chg="modSld">
+      <pc:chgData name="Lauren Schutte" userId="S::schutte@adobe.com::6e08b2d3-447a-4d66-86be-444d50df187f" providerId="AD" clId="Web-{AC30C20D-1316-8ECC-DADD-39CCEC6A7FCF}" dt="2021-10-13T19:03:35.035" v="8" actId="1076"/>
+      <pc:docMkLst>
+        <pc:docMk/>
+      </pc:docMkLst>
+      <pc:sldChg chg="modSp">
+        <pc:chgData name="Lauren Schutte" userId="S::schutte@adobe.com::6e08b2d3-447a-4d66-86be-444d50df187f" providerId="AD" clId="Web-{AC30C20D-1316-8ECC-DADD-39CCEC6A7FCF}" dt="2021-10-13T19:03:35.035" v="8" actId="1076"/>
+        <pc:sldMkLst>
+          <pc:docMk/>
+          <pc:sldMk cId="0" sldId="256"/>
+        </pc:sldMkLst>
+        <pc:spChg chg="mod">
+          <ac:chgData name="Lauren Schutte" userId="S::schutte@adobe.com::6e08b2d3-447a-4d66-86be-444d50df187f" providerId="AD" clId="Web-{AC30C20D-1316-8ECC-DADD-39CCEC6A7FCF}" dt="2021-10-13T19:03:27.878" v="7" actId="14100"/>
+          <ac:spMkLst>
+            <pc:docMk/>
+            <pc:sldMk cId="0" sldId="256"/>
+            <ac:spMk id="3" creationId="{00000000-0000-0000-0000-000000000000}"/>
+          </ac:spMkLst>
+        </pc:spChg>
+        <pc:spChg chg="mod">
+          <ac:chgData name="Lauren Schutte" userId="S::schutte@adobe.com::6e08b2d3-447a-4d66-86be-444d50df187f" providerId="AD" clId="Web-{AC30C20D-1316-8ECC-DADD-39CCEC6A7FCF}" dt="2021-10-13T19:03:35.035" v="8" actId="1076"/>
+          <ac:spMkLst>
+            <pc:docMk/>
+            <pc:sldMk cId="0" sldId="256"/>
+            <ac:spMk id="5" creationId="{00000000-0000-0000-0000-000000000000}"/>
+          </ac:spMkLst>
+        </pc:spChg>
+      </pc:sldChg>
+    </pc:docChg>
+  </pc:docChgLst>
+  <pc:docChgLst>
+    <pc:chgData name="Akilah Johnson" userId="S::akjohnso@adobe.com::2fa3aa60-0c9c-4d06-bae2-795983241227" providerId="AD" clId="Web-{AFB92C2B-405E-C597-0988-18F97C53104C}"/>
+    <pc:docChg chg="modSld">
+      <pc:chgData name="Akilah Johnson" userId="S::akjohnso@adobe.com::2fa3aa60-0c9c-4d06-bae2-795983241227" providerId="AD" clId="Web-{AFB92C2B-405E-C597-0988-18F97C53104C}" dt="2021-09-22T18:53:26.184" v="29"/>
+      <pc:docMkLst>
+        <pc:docMk/>
+      </pc:docMkLst>
+      <pc:sldChg chg="modSp">
+        <pc:chgData name="Akilah Johnson" userId="S::akjohnso@adobe.com::2fa3aa60-0c9c-4d06-bae2-795983241227" providerId="AD" clId="Web-{AFB92C2B-405E-C597-0988-18F97C53104C}" dt="2021-09-22T18:53:26.184" v="29"/>
+        <pc:sldMkLst>
+          <pc:docMk/>
+          <pc:sldMk cId="1050037809" sldId="261"/>
+        </pc:sldMkLst>
+        <pc:spChg chg="mod">
+          <ac:chgData name="Akilah Johnson" userId="S::akjohnso@adobe.com::2fa3aa60-0c9c-4d06-bae2-795983241227" providerId="AD" clId="Web-{AFB92C2B-405E-C597-0988-18F97C53104C}" dt="2021-09-22T18:53:05.841" v="5" actId="20577"/>
+          <ac:spMkLst>
+            <pc:docMk/>
+            <pc:sldMk cId="1050037809" sldId="261"/>
+            <ac:spMk id="64" creationId="{41467BDC-3D83-D844-B922-CD07E94E5AAB}"/>
+          </ac:spMkLst>
+        </pc:spChg>
+        <pc:graphicFrameChg chg="mod modGraphic">
+          <ac:chgData name="Akilah Johnson" userId="S::akjohnso@adobe.com::2fa3aa60-0c9c-4d06-bae2-795983241227" providerId="AD" clId="Web-{AFB92C2B-405E-C597-0988-18F97C53104C}" dt="2021-09-22T18:53:26.184" v="29"/>
+          <ac:graphicFrameMkLst>
+            <pc:docMk/>
+            <pc:sldMk cId="1050037809" sldId="261"/>
+            <ac:graphicFrameMk id="25" creationId="{3A91F5B0-3974-A14D-A146-FB590F2AAD18}"/>
+          </ac:graphicFrameMkLst>
+        </pc:graphicFrameChg>
+      </pc:sldChg>
+    </pc:docChg>
+  </pc:docChgLst>
+  <pc:docChgLst>
+    <pc:chgData name="Lauren Schutte" userId="6e08b2d3-447a-4d66-86be-444d50df187f" providerId="ADAL" clId="{61630BD6-9AE9-064C-B39F-AFA945B82B3E}"/>
+    <pc:docChg chg="undo custSel modSld">
+      <pc:chgData name="Lauren Schutte" userId="6e08b2d3-447a-4d66-86be-444d50df187f" providerId="ADAL" clId="{61630BD6-9AE9-064C-B39F-AFA945B82B3E}" dt="2021-10-13T19:21:08.267" v="201" actId="20577"/>
+      <pc:docMkLst>
+        <pc:docMk/>
+      </pc:docMkLst>
+      <pc:sldChg chg="modSp mod">
+        <pc:chgData name="Lauren Schutte" userId="6e08b2d3-447a-4d66-86be-444d50df187f" providerId="ADAL" clId="{61630BD6-9AE9-064C-B39F-AFA945B82B3E}" dt="2021-10-13T19:21:08.267" v="201" actId="20577"/>
+        <pc:sldMkLst>
+          <pc:docMk/>
+          <pc:sldMk cId="0" sldId="256"/>
+        </pc:sldMkLst>
+        <pc:spChg chg="mod">
+          <ac:chgData name="Lauren Schutte" userId="6e08b2d3-447a-4d66-86be-444d50df187f" providerId="ADAL" clId="{61630BD6-9AE9-064C-B39F-AFA945B82B3E}" dt="2021-10-13T19:03:44.344" v="3" actId="1076"/>
+          <ac:spMkLst>
+            <pc:docMk/>
+            <pc:sldMk cId="0" sldId="256"/>
+            <ac:spMk id="3" creationId="{00000000-0000-0000-0000-000000000000}"/>
+          </ac:spMkLst>
+        </pc:spChg>
+        <pc:graphicFrameChg chg="mod modGraphic">
+          <ac:chgData name="Lauren Schutte" userId="6e08b2d3-447a-4d66-86be-444d50df187f" providerId="ADAL" clId="{61630BD6-9AE9-064C-B39F-AFA945B82B3E}" dt="2021-10-13T19:21:08.267" v="201" actId="20577"/>
+          <ac:graphicFrameMkLst>
+            <pc:docMk/>
+            <pc:sldMk cId="0" sldId="256"/>
+            <ac:graphicFrameMk id="9" creationId="{00000000-0000-0000-0000-000000000000}"/>
+          </ac:graphicFrameMkLst>
+        </pc:graphicFrameChg>
+      </pc:sldChg>
+    </pc:docChg>
+  </pc:docChgLst>
+  <pc:docChgLst>
+    <pc:chgData name="Andy Witt" userId="S::awitt@adobe.com::e9157bdf-53b2-40e4-9459-936793d75696" providerId="AD" clId="Web-{CA5D33DF-AE75-BCA1-B9BC-A7CD44D2F3C7}"/>
+    <pc:docChg chg="modSld">
+      <pc:chgData name="Andy Witt" userId="S::awitt@adobe.com::e9157bdf-53b2-40e4-9459-936793d75696" providerId="AD" clId="Web-{CA5D33DF-AE75-BCA1-B9BC-A7CD44D2F3C7}" dt="2021-08-25T22:38:18.624" v="1" actId="1076"/>
+      <pc:docMkLst>
+        <pc:docMk/>
+      </pc:docMkLst>
+      <pc:sldChg chg="modSp">
+        <pc:chgData name="Andy Witt" userId="S::awitt@adobe.com::e9157bdf-53b2-40e4-9459-936793d75696" providerId="AD" clId="Web-{CA5D33DF-AE75-BCA1-B9BC-A7CD44D2F3C7}" dt="2021-08-25T22:38:18.624" v="1" actId="1076"/>
+        <pc:sldMkLst>
+          <pc:docMk/>
+          <pc:sldMk cId="1050037809" sldId="261"/>
+        </pc:sldMkLst>
+        <pc:spChg chg="mod">
+          <ac:chgData name="Andy Witt" userId="S::awitt@adobe.com::e9157bdf-53b2-40e4-9459-936793d75696" providerId="AD" clId="Web-{CA5D33DF-AE75-BCA1-B9BC-A7CD44D2F3C7}" dt="2021-08-25T22:38:18.624" v="1" actId="1076"/>
+          <ac:spMkLst>
+            <pc:docMk/>
+            <pc:sldMk cId="1050037809" sldId="261"/>
+            <ac:spMk id="50" creationId="{043050D0-21FC-0C42-8484-7FE7C0DB771F}"/>
+          </ac:spMkLst>
+        </pc:spChg>
+      </pc:sldChg>
+    </pc:docChg>
+  </pc:docChgLst>
+</pc:chgInfo>
 </file>
 
 <file path=ppt/notesMasters/notesMaster1.xml><?xml version="1.0" encoding="utf-8"?>
@@ -216,7 +499,7 @@
           <a:p>
             <a:fld id="{FB81873C-0B24-F04A-98A1-90E0A78F7E8A}" type="datetimeFigureOut">
               <a:rPr lang="en-US" smtClean="0"/>
-              <a:t>11/18/21</a:t>
+              <a:t>12/7/21</a:t>
             </a:fld>
             <a:endParaRPr lang="en-US"/>
           </a:p>
@@ -381,6 +664,11 @@
         </p:txBody>
       </p:sp>
     </p:spTree>
+    <p:extLst>
+      <p:ext uri="{BB962C8B-B14F-4D97-AF65-F5344CB8AC3E}">
+        <p14:creationId xmlns:p14="http://schemas.microsoft.com/office/powerpoint/2010/main" val="4053790623"/>
+      </p:ext>
+    </p:extLst>
   </p:cSld>
   <p:clrMap bg1="lt1" tx1="dk1" bg2="lt2" tx2="dk2" accent1="accent1" accent2="accent2" accent3="accent3" accent4="accent4" accent5="accent5" accent6="accent6" hlink="hlink" folHlink="folHlink"/>
   <p:notesStyle>
@@ -522,7 +810,7 @@
           <a:bodyPr/>
           <a:lstStyle/>
           <a:p>
-            <a:endParaRPr lang="en-US" dirty="0"/>
+            <a:endParaRPr lang="en-US"/>
           </a:p>
         </p:txBody>
       </p:sp>
@@ -550,6 +838,11 @@
         </p:txBody>
       </p:sp>
     </p:spTree>
+    <p:extLst>
+      <p:ext uri="{BB962C8B-B14F-4D97-AF65-F5344CB8AC3E}">
+        <p14:creationId xmlns:p14="http://schemas.microsoft.com/office/powerpoint/2010/main" val="100507355"/>
+      </p:ext>
+    </p:extLst>
   </p:cSld>
   <p:clrMapOvr>
     <a:masterClrMapping/>
@@ -601,7 +894,7 @@
           <a:bodyPr/>
           <a:lstStyle/>
           <a:p>
-            <a:endParaRPr lang="en-US" dirty="0"/>
+            <a:endParaRPr lang="en-US"/>
           </a:p>
         </p:txBody>
       </p:sp>
@@ -629,6 +922,11 @@
         </p:txBody>
       </p:sp>
     </p:spTree>
+    <p:extLst>
+      <p:ext uri="{BB962C8B-B14F-4D97-AF65-F5344CB8AC3E}">
+        <p14:creationId xmlns:p14="http://schemas.microsoft.com/office/powerpoint/2010/main" val="4294358143"/>
+      </p:ext>
+    </p:extLst>
   </p:cSld>
   <p:clrMapOvr>
     <a:masterClrMapping/>
@@ -680,7 +978,7 @@
           <a:bodyPr/>
           <a:lstStyle/>
           <a:p>
-            <a:endParaRPr lang="en-US" dirty="0"/>
+            <a:endParaRPr lang="en-US"/>
           </a:p>
         </p:txBody>
       </p:sp>
@@ -708,6 +1006,11 @@
         </p:txBody>
       </p:sp>
     </p:spTree>
+    <p:extLst>
+      <p:ext uri="{BB962C8B-B14F-4D97-AF65-F5344CB8AC3E}">
+        <p14:creationId xmlns:p14="http://schemas.microsoft.com/office/powerpoint/2010/main" val="3435290369"/>
+      </p:ext>
+    </p:extLst>
   </p:cSld>
   <p:clrMapOvr>
     <a:masterClrMapping/>
@@ -759,8 +1062,8 @@
                 <a:solidFill>
                   <a:schemeClr val="bg1"/>
                 </a:solidFill>
-                <a:latin typeface="Arial" panose="020B0604020202020204"/>
-                <a:cs typeface="Arial" panose="020B0604020202020204"/>
+                <a:latin typeface="Arial"/>
+                <a:cs typeface="Arial"/>
               </a:defRPr>
             </a:lvl1pPr>
           </a:lstStyle>
@@ -819,7 +1122,7 @@
           <a:p>
             <a:fld id="{1D8BD707-D9CF-40AE-B4C6-C98DA3205C09}" type="datetimeFigureOut">
               <a:rPr lang="en-US"/>
-              <a:t>11/18/21</a:t>
+              <a:t>12/7/21</a:t>
             </a:fld>
             <a:endParaRPr lang="en-US"/>
           </a:p>
@@ -851,7 +1154,6 @@
           </a:lstStyle>
           <a:p>
             <a:fld id="{B6F15528-21DE-4FAA-801E-634DDDAF4B2B}" type="slidenum">
-              <a:rPr/>
               <a:t>‹#›</a:t>
             </a:fld>
             <a:endParaRPr/>
@@ -860,7 +1162,13 @@
       </p:sp>
       <p:sp>
         <p:nvSpPr>
-          <p:cNvPr id="11" name="Holder 4"/>
+          <p:cNvPr id="11" name="Holder 4">
+            <a:extLst>
+              <a:ext uri="{FF2B5EF4-FFF2-40B4-BE49-F238E27FC236}">
+                <a16:creationId xmlns:a16="http://schemas.microsoft.com/office/drawing/2014/main" id="{F336C0EC-C908-0A4C-AD0F-1418E778FC60}"/>
+              </a:ext>
+            </a:extLst>
+          </p:cNvPr>
           <p:cNvSpPr>
             <a:spLocks noGrp="1"/>
           </p:cNvSpPr>
@@ -902,23 +1210,23 @@
               </a:spcBef>
             </a:pPr>
             <a:r>
-              <a:rPr spc="-5" dirty="0"/>
+              <a:rPr spc="-5"/>
               <a:t>©202</a:t>
             </a:r>
             <a:r>
-              <a:rPr lang="en-US" spc="-5" dirty="0"/>
+              <a:rPr lang="en-US" spc="-5"/>
               <a:t>1 </a:t>
             </a:r>
             <a:r>
-              <a:rPr spc="-5" dirty="0"/>
+              <a:rPr spc="-5"/>
               <a:t>Adobe. All Rights Reserved. Adobe</a:t>
             </a:r>
             <a:r>
-              <a:rPr spc="60" dirty="0"/>
+              <a:rPr spc="60"/>
               <a:t> </a:t>
             </a:r>
             <a:r>
-              <a:rPr spc="-5" dirty="0"/>
+              <a:rPr spc="-5"/>
               <a:t>Confidential.</a:t>
             </a:r>
           </a:p>
@@ -926,7 +1234,13 @@
       </p:sp>
       <p:pic>
         <p:nvPicPr>
-          <p:cNvPr id="12" name="Picture 11"/>
+          <p:cNvPr id="12" name="Picture 11">
+            <a:extLst>
+              <a:ext uri="{FF2B5EF4-FFF2-40B4-BE49-F238E27FC236}">
+                <a16:creationId xmlns:a16="http://schemas.microsoft.com/office/drawing/2014/main" id="{4388883E-79D4-2047-8C5E-37999ED2475C}"/>
+              </a:ext>
+            </a:extLst>
+          </p:cNvPr>
           <p:cNvPicPr>
             <a:picLocks noChangeAspect="1"/>
           </p:cNvPicPr>
@@ -1000,7 +1314,7 @@
           <a:p>
             <a:fld id="{1D8BD707-D9CF-40AE-B4C6-C98DA3205C09}" type="datetimeFigureOut">
               <a:rPr lang="en-US"/>
-              <a:t>11/18/21</a:t>
+              <a:t>12/7/21</a:t>
             </a:fld>
             <a:endParaRPr lang="en-US"/>
           </a:p>
@@ -1032,7 +1346,6 @@
           </a:lstStyle>
           <a:p>
             <a:fld id="{B6F15528-21DE-4FAA-801E-634DDDAF4B2B}" type="slidenum">
-              <a:rPr/>
               <a:t>‹#›</a:t>
             </a:fld>
             <a:endParaRPr/>
@@ -1041,7 +1354,13 @@
       </p:sp>
       <p:sp>
         <p:nvSpPr>
-          <p:cNvPr id="7" name="Holder 4"/>
+          <p:cNvPr id="7" name="Holder 4">
+            <a:extLst>
+              <a:ext uri="{FF2B5EF4-FFF2-40B4-BE49-F238E27FC236}">
+                <a16:creationId xmlns:a16="http://schemas.microsoft.com/office/drawing/2014/main" id="{004A8D36-CC65-B341-9E43-4A47F88C0D96}"/>
+              </a:ext>
+            </a:extLst>
+          </p:cNvPr>
           <p:cNvSpPr>
             <a:spLocks noGrp="1"/>
           </p:cNvSpPr>
@@ -1083,23 +1402,23 @@
               </a:spcBef>
             </a:pPr>
             <a:r>
-              <a:rPr spc="-5" dirty="0"/>
+              <a:rPr spc="-5"/>
               <a:t>©202</a:t>
             </a:r>
             <a:r>
-              <a:rPr lang="en-US" spc="-5" dirty="0"/>
+              <a:rPr lang="en-US" spc="-5"/>
               <a:t>1</a:t>
             </a:r>
             <a:r>
-              <a:rPr spc="-5" dirty="0"/>
+              <a:rPr spc="-5"/>
               <a:t> Adobe. All Rights Reserved. Adobe</a:t>
             </a:r>
             <a:r>
-              <a:rPr spc="60" dirty="0"/>
+              <a:rPr spc="60"/>
               <a:t> </a:t>
             </a:r>
             <a:r>
-              <a:rPr spc="-5" dirty="0"/>
+              <a:rPr spc="-5"/>
               <a:t>Confidential.</a:t>
             </a:r>
           </a:p>
@@ -1167,8 +1486,8 @@
                 <a:solidFill>
                   <a:schemeClr val="bg1"/>
                 </a:solidFill>
-                <a:latin typeface="Arial" panose="020B0604020202020204"/>
-                <a:cs typeface="Arial" panose="020B0604020202020204"/>
+                <a:latin typeface="Arial"/>
+                <a:cs typeface="Arial"/>
               </a:defRPr>
             </a:lvl1pPr>
           </a:lstStyle>
@@ -1254,23 +1573,23 @@
               </a:spcBef>
             </a:pPr>
             <a:r>
-              <a:rPr spc="-5" dirty="0"/>
+              <a:rPr spc="-5"/>
               <a:t>©202</a:t>
             </a:r>
             <a:r>
-              <a:rPr lang="en-US" spc="-5" dirty="0"/>
+              <a:rPr lang="en-US" spc="-5"/>
               <a:t>1</a:t>
             </a:r>
             <a:r>
-              <a:rPr spc="-5" dirty="0"/>
+              <a:rPr spc="-5"/>
               <a:t> Adobe. All Rights Reserved. Adobe</a:t>
             </a:r>
             <a:r>
-              <a:rPr spc="60" dirty="0"/>
+              <a:rPr spc="60"/>
               <a:t> </a:t>
             </a:r>
             <a:r>
-              <a:rPr spc="-5" dirty="0"/>
+              <a:rPr spc="-5"/>
               <a:t>Confidential.</a:t>
             </a:r>
           </a:p>
@@ -1313,7 +1632,7 @@
           <a:p>
             <a:fld id="{1D8BD707-D9CF-40AE-B4C6-C98DA3205C09}" type="datetimeFigureOut">
               <a:rPr lang="en-US"/>
-              <a:t>11/18/21</a:t>
+              <a:t>12/7/21</a:t>
             </a:fld>
             <a:endParaRPr lang="en-US"/>
           </a:p>
@@ -1355,7 +1674,6 @@
           </a:lstStyle>
           <a:p>
             <a:fld id="{B6F15528-21DE-4FAA-801E-634DDDAF4B2B}" type="slidenum">
-              <a:rPr/>
               <a:t>‹#›</a:t>
             </a:fld>
             <a:endParaRPr/>
@@ -1364,7 +1682,13 @@
       </p:sp>
       <p:pic>
         <p:nvPicPr>
-          <p:cNvPr id="9" name="Picture 8"/>
+          <p:cNvPr id="9" name="Picture 8">
+            <a:extLst>
+              <a:ext uri="{FF2B5EF4-FFF2-40B4-BE49-F238E27FC236}">
+                <a16:creationId xmlns:a16="http://schemas.microsoft.com/office/drawing/2014/main" id="{40B595D3-F8FC-DA44-B170-015BD0590CFB}"/>
+              </a:ext>
+            </a:extLst>
+          </p:cNvPr>
           <p:cNvPicPr>
             <a:picLocks noChangeAspect="1"/>
           </p:cNvPicPr>
@@ -1390,8 +1714,8 @@
   </p:cSld>
   <p:clrMap bg1="lt1" tx1="dk1" bg2="lt2" tx2="dk2" accent1="accent1" accent2="accent2" accent3="accent3" accent4="accent4" accent5="accent5" accent6="accent6" hlink="hlink" folHlink="folHlink"/>
   <p:sldLayoutIdLst>
-    <p:sldLayoutId id="2147483649" r:id="rId1"/>
-    <p:sldLayoutId id="2147483650" r:id="rId2"/>
+    <p:sldLayoutId id="2147483662" r:id="rId1"/>
+    <p:sldLayoutId id="2147483665" r:id="rId2"/>
   </p:sldLayoutIdLst>
   <p:txStyles>
     <p:titleStyle>
@@ -1562,8 +1886,8 @@
         </p:nvSpPr>
         <p:spPr>
           <a:xfrm>
-            <a:off x="168564" y="7162363"/>
-            <a:ext cx="3870035" cy="229037"/>
+            <a:off x="168565" y="7162363"/>
+            <a:ext cx="2800350" cy="238760"/>
           </a:xfrm>
           <a:prstGeom prst="rect">
             <a:avLst/>
@@ -1584,7 +1908,7 @@
               </a:spcBef>
             </a:pPr>
             <a:r>
-              <a:rPr lang="en-US" sz="1400" b="1" u="heavy" spc="10" dirty="0">
+              <a:rPr sz="1400" b="1" u="heavy" spc="10">
                 <a:solidFill>
                   <a:srgbClr val="020302"/>
                 </a:solidFill>
@@ -1596,10 +1920,10 @@
                 <a:latin typeface="Adobe Clean"/>
                 <a:cs typeface="Adobe Clean"/>
               </a:rPr>
-              <a:t>服务</a:t>
-            </a:r>
-            <a:r>
-              <a:rPr lang="en-US" sz="1400" b="1" u="heavy" spc="-10" dirty="0">
+              <a:t>Service </a:t>
+            </a:r>
+            <a:r>
+              <a:rPr sz="1400" b="1" u="heavy" spc="-10">
                 <a:solidFill>
                   <a:srgbClr val="020302"/>
                 </a:solidFill>
@@ -1611,10 +1935,10 @@
                 <a:latin typeface="Adobe Clean"/>
                 <a:cs typeface="Adobe Clean"/>
               </a:rPr>
-              <a:t>水平</a:t>
-            </a:r>
-            <a:r>
-              <a:rPr lang="en-US" sz="1400" b="1" u="heavy" spc="-45" dirty="0">
+              <a:t>Level </a:t>
+            </a:r>
+            <a:r>
+              <a:rPr sz="1400" b="1" u="heavy" spc="-45">
                 <a:solidFill>
                   <a:srgbClr val="020302"/>
                 </a:solidFill>
@@ -1626,10 +1950,10 @@
                 <a:latin typeface="Adobe Clean"/>
                 <a:cs typeface="Adobe Clean"/>
               </a:rPr>
-              <a:t>目标：</a:t>
-            </a:r>
-            <a:r>
-              <a:rPr lang="en-US" sz="1400" b="1" u="heavy" spc="-10" dirty="0">
+              <a:t>Targets: </a:t>
+            </a:r>
+            <a:r>
+              <a:rPr sz="1400" b="1" u="heavy" spc="-10">
                 <a:solidFill>
                   <a:srgbClr val="020302"/>
                 </a:solidFill>
@@ -1641,10 +1965,10 @@
                 <a:latin typeface="Adobe Clean"/>
                 <a:cs typeface="Adobe Clean"/>
               </a:rPr>
-              <a:t>初始</a:t>
-            </a:r>
-            <a:r>
-              <a:rPr lang="en-US" sz="1400" b="1" u="heavy" spc="-15" dirty="0">
+              <a:t>Initial</a:t>
+            </a:r>
+            <a:r>
+              <a:rPr sz="1400" b="1" u="heavy" spc="-140">
                 <a:solidFill>
                   <a:srgbClr val="020302"/>
                 </a:solidFill>
@@ -1656,9 +1980,24 @@
                 <a:latin typeface="Adobe Clean"/>
                 <a:cs typeface="Adobe Clean"/>
               </a:rPr>
-              <a:t>响应</a:t>
-            </a:r>
-            <a:endParaRPr sz="1400" dirty="0">
+              <a:t> </a:t>
+            </a:r>
+            <a:r>
+              <a:rPr sz="1400" b="1" u="heavy" spc="-15">
+                <a:solidFill>
+                  <a:srgbClr val="020302"/>
+                </a:solidFill>
+                <a:uFill>
+                  <a:solidFill>
+                    <a:srgbClr val="020302"/>
+                  </a:solidFill>
+                </a:uFill>
+                <a:latin typeface="Adobe Clean"/>
+                <a:cs typeface="Adobe Clean"/>
+              </a:rPr>
+              <a:t>Response</a:t>
+            </a:r>
+            <a:endParaRPr sz="1400">
               <a:latin typeface="Adobe Clean"/>
               <a:cs typeface="Adobe Clean"/>
             </a:endParaRPr>
@@ -1680,7 +2019,7 @@
             <a:avLst/>
           </a:prstGeom>
           <a:blipFill>
-            <a:blip r:embed="rId5" cstate="print"/>
+            <a:blip r:embed="rId3" cstate="print"/>
             <a:stretch>
               <a:fillRect/>
             </a:stretch>
@@ -1706,15 +2045,15 @@
         </p:nvSpPr>
         <p:spPr>
           <a:xfrm>
-            <a:off x="438785" y="52705"/>
-            <a:ext cx="5278120" cy="366395"/>
+            <a:off x="439022" y="54646"/>
+            <a:ext cx="5229466" cy="366767"/>
           </a:xfrm>
           <a:prstGeom prst="rect">
             <a:avLst/>
           </a:prstGeom>
         </p:spPr>
         <p:txBody>
-          <a:bodyPr vert="horz" wrap="square" lIns="0" tIns="12700" rIns="0" bIns="0" rtlCol="0">
+          <a:bodyPr vert="horz" wrap="square" lIns="0" tIns="12700" rIns="0" bIns="0" rtlCol="0" anchor="t">
             <a:spAutoFit/>
           </a:bodyPr>
           <a:lstStyle/>
@@ -1728,18 +2067,18 @@
               </a:spcBef>
             </a:pPr>
             <a:r>
-              <a:rPr lang="en-US" sz="2300" dirty="0">
-                <a:latin typeface="Adobe Clean" panose="020B0503020404020204" pitchFamily="34" charset="0"/>
-              </a:rPr>
-              <a:t>Adobe </a:t>
-            </a:r>
-            <a:r>
-              <a:rPr lang="ja-JP" altLang="en-US" sz="2300">
-                <a:latin typeface="Adobe Clean" panose="020B0503020404020204" pitchFamily="34" charset="0"/>
-              </a:rPr>
-              <a:t>支持计划</a:t>
-            </a:r>
-            <a:endParaRPr sz="2300" dirty="0">
+              <a:rPr sz="2300">
+                <a:latin typeface="Adobe Clean"/>
+              </a:rPr>
+              <a:t>ADOBE </a:t>
+            </a:r>
+            <a:r>
+              <a:rPr lang="en-US" sz="2300">
+                <a:latin typeface="Adobe Clean"/>
+              </a:rPr>
+              <a:t>SUPPORT PLANS</a:t>
+            </a:r>
+            <a:endParaRPr sz="2300">
               <a:latin typeface="Adobe Clean" panose="020B0503020404020204" pitchFamily="34" charset="0"/>
             </a:endParaRPr>
           </a:p>
@@ -1753,7 +2092,7 @@
         </p:nvSpPr>
         <p:spPr>
           <a:xfrm>
-            <a:off x="121147" y="635935"/>
+            <a:off x="121147" y="531160"/>
             <a:ext cx="5865216" cy="1269065"/>
           </a:xfrm>
           <a:prstGeom prst="rect">
@@ -1775,31 +2114,31 @@
               </a:spcBef>
             </a:pPr>
             <a:r>
-              <a:rPr lang="en-US" sz="900" dirty="0">
+              <a:rPr lang="en-US" sz="900">
                 <a:solidFill>
                   <a:schemeClr val="bg1"/>
                 </a:solidFill>
                 <a:latin typeface="Adobe Clean Light" panose="020B0303020404020204" pitchFamily="34" charset="0"/>
               </a:rPr>
-              <a:t>在线 | </a:t>
-            </a:r>
-            <a:r>
-              <a:rPr lang="en-US" sz="900" b="1" dirty="0">
+              <a:t>Online | </a:t>
+            </a:r>
+            <a:r>
+              <a:rPr lang="en-US" sz="900" b="1">
                 <a:solidFill>
                   <a:schemeClr val="bg1"/>
                 </a:solidFill>
                 <a:latin typeface="Adobe Clean" panose="020B0503020404020204" pitchFamily="34" charset="0"/>
               </a:rPr>
-              <a:t>商业</a:t>
-            </a:r>
-            <a:r>
-              <a:rPr lang="en-US" sz="900" dirty="0">
+              <a:t>Business</a:t>
+            </a:r>
+            <a:r>
+              <a:rPr lang="en-US" sz="900">
                 <a:solidFill>
                   <a:schemeClr val="bg1"/>
                 </a:solidFill>
                 <a:latin typeface="Adobe Clean Light" panose="020B0303020404020204" pitchFamily="34" charset="0"/>
               </a:rPr>
-              <a:t> | 企业 | 高级</a:t>
+              <a:t> | Enterprise | Elite</a:t>
             </a:r>
           </a:p>
           <a:p>
@@ -1812,15 +2151,15 @@
               </a:spcBef>
             </a:pPr>
             <a:r>
-              <a:rPr lang="en-US" sz="900" dirty="0">
+              <a:rPr lang="en-US" sz="900">
                 <a:solidFill>
                   <a:schemeClr val="bg1"/>
                 </a:solidFill>
                 <a:latin typeface="Adobe Clean SemiLight" panose="020B0403020404020204" pitchFamily="34" charset="0"/>
               </a:rPr>
-              <a:t>Adobe 提供了全面的技术资源来帮助支持您的业务，这些资源包含在您的 Experience Cloud 许可订阅中，并在商业支持包中得到了增强。商业支持包括通过 Adobe Experience League 访问个性化的学习路径和受监控的社区论坛。此外，您可以使用我们详细而深入的技术产品文档和最新发行说明。商业客户还可以通过电话或支持门户网站联系我们的技术支持团队以进行任何产品查询，以便在最关键的时刻帮助保护您的业务。除了针对支持请求的最关键部分的支持案例上报管理之外，商业客户还会收到来自其帐户支持主管的定期通信和更新。</a:t>
-            </a:r>
-            <a:endParaRPr lang="en-US" sz="900" dirty="0">
+              <a:t>Adobe provides a comprehensive range of technical resources to help support your business, included as part of your Experience Cloud license subscription and enhanced in the BUSINESS support package. BUSINESS support includes access to personalized learning paths and monitored community forums via the Adobe Experience League. You can also take advantage of our detailed and in-depth technical product documentation and current release notes. BUSINESS customers also benefit from access to our technical support teams for any product query via either the telephone or the support web portal, to help protect your business at the most critical times. BUSINESS customers will receive regular communications and updates from their Account Support Lead in addition to support case escalation management for your most critical of support requests. </a:t>
+            </a:r>
+            <a:endParaRPr lang="en-US" sz="900">
               <a:solidFill>
                 <a:schemeClr val="bg1"/>
               </a:solidFill>
@@ -1845,7 +2184,7 @@
             <a:avLst/>
           </a:prstGeom>
           <a:blipFill>
-            <a:blip r:embed="rId6" cstate="print"/>
+            <a:blip r:embed="rId4" cstate="print"/>
             <a:stretch>
               <a:fillRect/>
             </a:stretch>
@@ -1893,15 +2232,23 @@
               </a:spcBef>
             </a:pPr>
             <a:r>
-              <a:rPr lang="en-US" spc="-5" dirty="0"/>
-              <a:t>©2021 Adobe.All Rights Reserved.Adobe</a:t>
-            </a:r>
-            <a:r>
-              <a:rPr lang="en-US" spc="60" dirty="0"/>
+              <a:rPr spc="-5"/>
+              <a:t>©202</a:t>
+            </a:r>
+            <a:r>
+              <a:rPr lang="en-US" spc="-5"/>
+              <a:t>1</a:t>
+            </a:r>
+            <a:r>
+              <a:rPr spc="-5"/>
+              <a:t> Adobe. All Rights Reserved. Adobe</a:t>
+            </a:r>
+            <a:r>
+              <a:rPr spc="60"/>
               <a:t> </a:t>
             </a:r>
             <a:r>
-              <a:rPr lang="en-US" spc="-5" dirty="0"/>
+              <a:rPr spc="-5"/>
               <a:t>Confidential.</a:t>
             </a:r>
           </a:p>
@@ -1914,19 +2261,16 @@
             <a:graphicFrameLocks noGrp="1"/>
           </p:cNvGraphicFramePr>
           <p:nvPr>
-            <p:custDataLst>
-              <p:tags r:id="rId1"/>
-            </p:custDataLst>
             <p:extLst>
               <p:ext uri="{D42A27DB-BD31-4B8C-83A1-F6EECF244321}">
-                <p14:modId xmlns:p14="http://schemas.microsoft.com/office/powerpoint/2010/main" val="127036200"/>
+                <p14:modId xmlns:p14="http://schemas.microsoft.com/office/powerpoint/2010/main" val="852543156"/>
               </p:ext>
             </p:extLst>
           </p:nvPr>
         </p:nvGraphicFramePr>
         <p:xfrm>
-          <a:off x="121146" y="7475985"/>
-          <a:ext cx="7498852" cy="2119744"/>
+          <a:off x="118872" y="7475985"/>
+          <a:ext cx="7498851" cy="2223598"/>
         </p:xfrm>
         <a:graphic>
           <a:graphicData uri="http://schemas.openxmlformats.org/drawingml/2006/table">
@@ -1935,7 +2279,7 @@
                 <a:tableStyleId>{2D5ABB26-0587-4C30-8999-92F81FD0307C}</a:tableStyleId>
               </a:tblPr>
               <a:tblGrid>
-                <a:gridCol w="4698745">
+                <a:gridCol w="4698744">
                   <a:extLst>
                     <a:ext uri="{9D8B030D-6E8A-4147-A177-3AD203B41FA5}">
                       <a16:colId xmlns:a16="http://schemas.microsoft.com/office/drawing/2014/main" val="20000"/>
@@ -1957,7 +2301,7 @@
                   </a:extLst>
                 </a:gridCol>
               </a:tblGrid>
-              <a:tr h="274318">
+              <a:tr h="291248">
                 <a:tc>
                   <a:txBody>
                     <a:bodyPr/>
@@ -1972,22 +2316,22 @@
                         </a:spcBef>
                       </a:pPr>
                       <a:r>
-                        <a:rPr lang="en-US" sz="900" spc="0" dirty="0">
+                        <a:rPr sz="900" spc="0">
                           <a:solidFill>
                             <a:srgbClr val="020302"/>
                           </a:solidFill>
                           <a:latin typeface="Adobe Clean"/>
                           <a:cs typeface="Adobe Clean"/>
                         </a:rPr>
-                        <a:t>优先级</a:t>
+                        <a:t>Priority</a:t>
                       </a:r>
-                      <a:endParaRPr sz="900" spc="0" dirty="0">
+                      <a:endParaRPr sz="900" spc="0">
                         <a:latin typeface="Adobe Clean"/>
                         <a:cs typeface="Adobe Clean"/>
                       </a:endParaRPr>
                     </a:p>
                   </a:txBody>
-                  <a:tcPr marL="0" marR="0" marT="7620" marB="0" anchor="ctr">
+                  <a:tcPr marL="0" marR="0" marT="7620" marB="0">
                     <a:lnL w="3175">
                       <a:solidFill>
                         <a:srgbClr val="B7B8B8"/>
@@ -2031,22 +2375,22 @@
                         </a:spcBef>
                       </a:pPr>
                       <a:r>
-                        <a:rPr lang="en-US" sz="900" spc="0" dirty="0">
+                        <a:rPr sz="900" spc="0">
                           <a:solidFill>
                             <a:srgbClr val="020302"/>
                           </a:solidFill>
                           <a:latin typeface="Adobe Clean"/>
                           <a:cs typeface="Adobe Clean"/>
                         </a:rPr>
-                        <a:t>在线支持</a:t>
+                        <a:t>Online Support</a:t>
                       </a:r>
-                      <a:endParaRPr sz="900" spc="0" dirty="0">
+                      <a:endParaRPr sz="900" spc="0">
                         <a:latin typeface="Adobe Clean"/>
                         <a:cs typeface="Adobe Clean"/>
                       </a:endParaRPr>
                     </a:p>
                   </a:txBody>
-                  <a:tcPr anchor="ctr">
+                  <a:tcPr marL="182880" marT="91440" anchor="ctr">
                     <a:lnL w="3175">
                       <a:solidFill>
                         <a:srgbClr val="B7B8B8"/>
@@ -2081,7 +2425,7 @@
                     <a:bodyPr/>
                     <a:lstStyle/>
                     <a:p>
-                      <a:pPr marL="92710" algn="ctr">
+                      <a:pPr marL="92710">
                         <a:lnSpc>
                           <a:spcPct val="100000"/>
                         </a:lnSpc>
@@ -2090,22 +2434,42 @@
                         </a:spcBef>
                       </a:pPr>
                       <a:r>
-                        <a:rPr lang="en-US" sz="900" spc="0" dirty="0">
+                        <a:rPr sz="900" spc="0">
                           <a:solidFill>
                             <a:srgbClr val="FFFFFF"/>
                           </a:solidFill>
                           <a:latin typeface="Adobe Clean"/>
                           <a:cs typeface="Adobe Clean"/>
                         </a:rPr>
-                        <a:t>商业支持</a:t>
+                        <a:t>Business</a:t>
                       </a:r>
-                      <a:endParaRPr sz="900" spc="0" dirty="0">
+                      <a:r>
+                        <a:rPr lang="en-US" sz="900" spc="0">
+                          <a:solidFill>
+                            <a:srgbClr val="FFFFFF"/>
+                          </a:solidFill>
+                          <a:latin typeface="Adobe Clean"/>
+                          <a:cs typeface="Adobe Clean"/>
+                        </a:rPr>
+                        <a:t> </a:t>
+                      </a:r>
+                      <a:r>
+                        <a:rPr sz="900" spc="0">
+                          <a:solidFill>
+                            <a:srgbClr val="FFFFFF"/>
+                          </a:solidFill>
+                          <a:latin typeface="Adobe Clean"/>
+                          <a:cs typeface="Adobe Clean"/>
+                        </a:rPr>
+                        <a:t>Support</a:t>
+                      </a:r>
+                      <a:endParaRPr sz="900" spc="0">
                         <a:latin typeface="Adobe Clean"/>
                         <a:cs typeface="Adobe Clean"/>
                       </a:endParaRPr>
                     </a:p>
                   </a:txBody>
-                  <a:tcPr anchor="ctr">
+                  <a:tcPr marL="182880" marT="91440" anchor="ctr">
                     <a:lnL w="3175">
                       <a:solidFill>
                         <a:srgbClr val="B7B8B8"/>
@@ -2141,7 +2505,7 @@
                   </a:ext>
                 </a:extLst>
               </a:tr>
-              <a:tr h="484755">
+              <a:tr h="514672">
                 <a:tc>
                   <a:txBody>
                     <a:bodyPr/>
@@ -2156,16 +2520,16 @@
                         </a:spcBef>
                       </a:pPr>
                       <a:r>
-                        <a:rPr lang="en-US" sz="900" b="1" spc="0" dirty="0">
+                        <a:rPr sz="900" b="1" spc="0">
                           <a:solidFill>
                             <a:srgbClr val="020302"/>
                           </a:solidFill>
                           <a:latin typeface="Adobe Clean"/>
                           <a:cs typeface="Adobe Clean"/>
                         </a:rPr>
-                        <a:t>优先级 1</a:t>
+                        <a:t>PRIORITY 1</a:t>
                       </a:r>
-                      <a:endParaRPr sz="900" spc="0" dirty="0">
+                      <a:endParaRPr sz="900" spc="0">
                         <a:latin typeface="Adobe Clean"/>
                         <a:cs typeface="Adobe Clean"/>
                       </a:endParaRPr>
@@ -2185,33 +2549,20 @@
                         <a:buSzTx/>
                         <a:buFontTx/>
                         <a:buNone/>
+                        <a:tabLst/>
                         <a:defRPr/>
                       </a:pPr>
                       <a:r>
-                        <a:rPr lang="en-US" sz="900" b="0" i="0" spc="0" dirty="0">
+                        <a:rPr lang="en-US" sz="900" b="0" i="0" spc="0">
                           <a:solidFill>
                             <a:srgbClr val="000000"/>
                           </a:solidFill>
                           <a:effectLst/>
                           <a:latin typeface="Adobe Clean Light" panose="020B0303020404020204" pitchFamily="34" charset="0"/>
                         </a:rPr>
-                        <a:t>客户的生产业务功能中断或发生重大数据丢失或服务降级，需要立即关注以恢复功能和可用性</a:t>
+                        <a:t>Customer's production business functions are down or have significant data loss or service degradation and immediate attention is required to restore functionality and usability</a:t>
                       </a:r>
-                      <a:r>
-                        <a:rPr lang="zh-CN" sz="900" b="0" i="0" spc="0" dirty="0">
-                          <a:solidFill>
-                            <a:srgbClr val="000000"/>
-                          </a:solidFill>
-                          <a:effectLst/>
-                          <a:latin typeface="Adobe Clean Light" panose="020B0303020404020204" pitchFamily="34" charset="0"/>
-                        </a:rPr>
-                        <a:t>。</a:t>
-                      </a:r>
-                      <a:endParaRPr lang="zh-CN" sz="900" b="0" i="0" spc="0" dirty="0">
-                        <a:solidFill>
-                          <a:srgbClr val="000000"/>
-                        </a:solidFill>
-                        <a:effectLst/>
+                      <a:endParaRPr lang="en-US" sz="900" b="0" i="0" spc="0">
                         <a:latin typeface="Adobe Clean Light" panose="020B0303020404020204" pitchFamily="34" charset="0"/>
                         <a:cs typeface="AdobeClean-Light"/>
                       </a:endParaRPr>
@@ -2258,22 +2609,62 @@
                         </a:spcBef>
                       </a:pPr>
                       <a:r>
-                        <a:rPr lang="en-US" sz="900" spc="0" dirty="0">
+                        <a:rPr sz="900" spc="0">
                           <a:solidFill>
                             <a:srgbClr val="020302"/>
                           </a:solidFill>
                           <a:latin typeface="AdobeClean-Light"/>
                           <a:cs typeface="AdobeClean-Light"/>
                         </a:rPr>
-                        <a:t>全天候/1 小时</a:t>
+                        <a:t>24x7</a:t>
                       </a:r>
-                      <a:endParaRPr sz="900" spc="0" dirty="0">
+                      <a:r>
+                        <a:rPr lang="en-US" sz="900" spc="0">
+                          <a:solidFill>
+                            <a:srgbClr val="020302"/>
+                          </a:solidFill>
+                          <a:latin typeface="AdobeClean-Light"/>
+                          <a:cs typeface="AdobeClean-Light"/>
+                        </a:rPr>
+                        <a:t> </a:t>
+                      </a:r>
+                      <a:r>
+                        <a:rPr sz="900" spc="0">
+                          <a:solidFill>
+                            <a:srgbClr val="020302"/>
+                          </a:solidFill>
+                          <a:latin typeface="AdobeClean-Light"/>
+                          <a:cs typeface="AdobeClean-Light"/>
+                        </a:rPr>
+                        <a:t>/</a:t>
+                      </a:r>
+                      <a:r>
+                        <a:rPr lang="en-US" sz="900" spc="0">
+                          <a:solidFill>
+                            <a:srgbClr val="020302"/>
+                          </a:solidFill>
+                          <a:latin typeface="AdobeClean-Light"/>
+                          <a:cs typeface="AdobeClean-Light"/>
+                        </a:rPr>
+                        <a:t> </a:t>
+                      </a:r>
+                      <a:r>
+                        <a:rPr sz="900" spc="0">
+                          <a:solidFill>
+                            <a:srgbClr val="020302"/>
+                          </a:solidFill>
+                          <a:latin typeface="AdobeClean-Light"/>
+                          <a:cs typeface="AdobeClean-Light"/>
+                        </a:rPr>
+                        <a:t>1 hour</a:t>
+                      </a:r>
+                      <a:endParaRPr sz="900" spc="0">
                         <a:latin typeface="AdobeClean-Light"/>
                         <a:cs typeface="AdobeClean-Light"/>
                       </a:endParaRPr>
                     </a:p>
                   </a:txBody>
-                  <a:tcPr anchor="ctr">
+                  <a:tcPr marL="0" marR="0" marT="91440" marB="91440" anchor="ctr" anchorCtr="1">
                     <a:lnL w="3175">
                       <a:solidFill>
                         <a:srgbClr val="B7B8B8"/>
@@ -2314,22 +2705,62 @@
                         </a:spcBef>
                       </a:pPr>
                       <a:r>
-                        <a:rPr lang="en-US" sz="900" spc="0" dirty="0">
+                        <a:rPr sz="900" spc="0">
                           <a:solidFill>
                             <a:srgbClr val="020302"/>
                           </a:solidFill>
                           <a:latin typeface="AdobeClean-Light"/>
                           <a:cs typeface="AdobeClean-Light"/>
                         </a:rPr>
-                        <a:t>全天候/1 小时</a:t>
+                        <a:t>24x7</a:t>
                       </a:r>
-                      <a:endParaRPr sz="900" spc="0" dirty="0">
+                      <a:r>
+                        <a:rPr lang="en-US" sz="900" spc="0">
+                          <a:solidFill>
+                            <a:srgbClr val="020302"/>
+                          </a:solidFill>
+                          <a:latin typeface="AdobeClean-Light"/>
+                          <a:cs typeface="AdobeClean-Light"/>
+                        </a:rPr>
+                        <a:t> </a:t>
+                      </a:r>
+                      <a:r>
+                        <a:rPr sz="900" spc="0">
+                          <a:solidFill>
+                            <a:srgbClr val="020302"/>
+                          </a:solidFill>
+                          <a:latin typeface="AdobeClean-Light"/>
+                          <a:cs typeface="AdobeClean-Light"/>
+                        </a:rPr>
+                        <a:t>/</a:t>
+                      </a:r>
+                      <a:r>
+                        <a:rPr lang="en-US" sz="900" spc="0">
+                          <a:solidFill>
+                            <a:srgbClr val="020302"/>
+                          </a:solidFill>
+                          <a:latin typeface="AdobeClean-Light"/>
+                          <a:cs typeface="AdobeClean-Light"/>
+                        </a:rPr>
+                        <a:t> </a:t>
+                      </a:r>
+                      <a:r>
+                        <a:rPr sz="900" spc="0">
+                          <a:solidFill>
+                            <a:srgbClr val="020302"/>
+                          </a:solidFill>
+                          <a:latin typeface="AdobeClean-Light"/>
+                          <a:cs typeface="AdobeClean-Light"/>
+                        </a:rPr>
+                        <a:t>1 hour</a:t>
+                      </a:r>
+                      <a:endParaRPr sz="900" spc="0">
                         <a:latin typeface="AdobeClean-Light"/>
                         <a:cs typeface="AdobeClean-Light"/>
                       </a:endParaRPr>
                     </a:p>
                   </a:txBody>
-                  <a:tcPr anchor="ctr">
+                  <a:tcPr marL="0" marR="0" marT="91440" marB="91440" anchor="ctr" anchorCtr="1">
                     <a:lnL w="3175">
                       <a:solidFill>
                         <a:srgbClr val="B7B8B8"/>
@@ -2367,7 +2798,7 @@
                   </a:ext>
                 </a:extLst>
               </a:tr>
-              <a:tr h="484755">
+              <a:tr h="514672">
                 <a:tc>
                   <a:txBody>
                     <a:bodyPr/>
@@ -2382,16 +2813,16 @@
                         </a:spcBef>
                       </a:pPr>
                       <a:r>
-                        <a:rPr lang="en-US" sz="900" b="1" spc="0" dirty="0">
+                        <a:rPr sz="900" b="1" spc="0">
                           <a:solidFill>
                             <a:srgbClr val="020302"/>
                           </a:solidFill>
                           <a:latin typeface="Adobe Clean"/>
                           <a:cs typeface="Adobe Clean"/>
                         </a:rPr>
-                        <a:t>优先级 2</a:t>
+                        <a:t>PRIORITY 2</a:t>
                       </a:r>
-                      <a:endParaRPr sz="900" spc="0" dirty="0">
+                      <a:endParaRPr sz="900" spc="0">
                         <a:latin typeface="Adobe Clean"/>
                         <a:cs typeface="Adobe Clean"/>
                       </a:endParaRPr>
@@ -2406,30 +2837,16 @@
                         </a:spcBef>
                       </a:pPr>
                       <a:r>
-                        <a:rPr lang="en-US" sz="900" b="0" i="0" spc="0" dirty="0">
+                        <a:rPr lang="en-US" sz="900" b="0" i="0" spc="0">
                           <a:solidFill>
                             <a:srgbClr val="000000"/>
                           </a:solidFill>
                           <a:effectLst/>
                           <a:latin typeface="Adobe Clean Light" panose="020B0303020404020204" pitchFamily="34" charset="0"/>
                         </a:rPr>
-                        <a:t>客户的业务功能发生重大服务降级或潜在数据丢失，或主要功能受到影响</a:t>
+                        <a:t>Customer's business functions have major service degradation or potential data loss, or a major feature is impacted </a:t>
                       </a:r>
-                      <a:r>
-                        <a:rPr lang="zh-CN" altLang="en-US" sz="900" b="0" i="0" spc="0" dirty="0">
-                          <a:solidFill>
-                            <a:srgbClr val="000000"/>
-                          </a:solidFill>
-                          <a:effectLst/>
-                          <a:latin typeface="Adobe Clean Light" panose="020B0303020404020204" pitchFamily="34" charset="0"/>
-                        </a:rPr>
-                        <a:t>。</a:t>
-                      </a:r>
-                      <a:endParaRPr lang="zh-CN" altLang="en-US" sz="900" b="0" i="0" spc="0" dirty="0">
-                        <a:solidFill>
-                          <a:srgbClr val="000000"/>
-                        </a:solidFill>
-                        <a:effectLst/>
+                      <a:endParaRPr lang="en-US" sz="900" b="0" i="0" spc="0">
                         <a:latin typeface="Adobe Clean Light" panose="020B0303020404020204" pitchFamily="34" charset="0"/>
                         <a:cs typeface="AdobeClean-Light"/>
                       </a:endParaRPr>
@@ -2476,22 +2893,82 @@
                         </a:spcBef>
                       </a:pPr>
                       <a:r>
-                        <a:rPr lang="en-US" sz="900" spc="0" dirty="0">
+                        <a:rPr sz="900" spc="0">
                           <a:solidFill>
                             <a:srgbClr val="020302"/>
                           </a:solidFill>
                           <a:latin typeface="AdobeClean-Light"/>
                           <a:cs typeface="AdobeClean-Light"/>
                         </a:rPr>
-                        <a:t>营业时间/4 小时</a:t>
+                        <a:t>Business</a:t>
                       </a:r>
-                      <a:endParaRPr sz="900" spc="0" dirty="0">
+                      <a:r>
+                        <a:rPr lang="en-US" sz="900" spc="0">
+                          <a:solidFill>
+                            <a:srgbClr val="020302"/>
+                          </a:solidFill>
+                          <a:latin typeface="AdobeClean-Light"/>
+                          <a:cs typeface="AdobeClean-Light"/>
+                        </a:rPr>
+                        <a:t> </a:t>
+                      </a:r>
+                      <a:r>
+                        <a:rPr sz="900" spc="0">
+                          <a:solidFill>
+                            <a:srgbClr val="020302"/>
+                          </a:solidFill>
+                          <a:latin typeface="AdobeClean-Light"/>
+                          <a:cs typeface="AdobeClean-Light"/>
+                        </a:rPr>
+                        <a:t>hours</a:t>
+                      </a:r>
+                      <a:r>
+                        <a:rPr lang="en-US" sz="900" spc="0">
+                          <a:solidFill>
+                            <a:srgbClr val="020302"/>
+                          </a:solidFill>
+                          <a:latin typeface="AdobeClean-Light"/>
+                          <a:cs typeface="AdobeClean-Light"/>
+                        </a:rPr>
+                        <a:t> </a:t>
+                      </a:r>
+                      <a:r>
+                        <a:rPr sz="900" spc="0">
+                          <a:solidFill>
+                            <a:srgbClr val="020302"/>
+                          </a:solidFill>
+                          <a:latin typeface="AdobeClean-Light"/>
+                          <a:cs typeface="AdobeClean-Light"/>
+                        </a:rPr>
+                        <a:t>/</a:t>
+                      </a:r>
+                      <a:r>
+                        <a:rPr lang="en-US" sz="900" spc="0">
+                          <a:solidFill>
+                            <a:srgbClr val="020302"/>
+                          </a:solidFill>
+                          <a:latin typeface="AdobeClean-Light"/>
+                          <a:cs typeface="AdobeClean-Light"/>
+                        </a:rPr>
+                        <a:t> </a:t>
+                      </a:r>
+                      <a:r>
+                        <a:rPr sz="900" spc="0">
+                          <a:solidFill>
+                            <a:srgbClr val="020302"/>
+                          </a:solidFill>
+                          <a:latin typeface="AdobeClean-Light"/>
+                          <a:cs typeface="AdobeClean-Light"/>
+                        </a:rPr>
+                        <a:t>4 hours</a:t>
+                      </a:r>
+                      <a:endParaRPr sz="900" spc="0">
                         <a:latin typeface="AdobeClean-Light"/>
                         <a:cs typeface="AdobeClean-Light"/>
                       </a:endParaRPr>
                     </a:p>
                   </a:txBody>
-                  <a:tcPr anchor="ctr">
+                  <a:tcPr marL="0" marR="0" marT="91440" marB="91440" anchor="ctr" anchorCtr="1">
                     <a:lnL w="3175">
                       <a:solidFill>
                         <a:srgbClr val="B7B8B8"/>
@@ -2532,22 +3009,92 @@
                         </a:spcBef>
                       </a:pPr>
                       <a:r>
-                        <a:rPr lang="en-US" sz="900" spc="0" dirty="0">
+                        <a:rPr lang="en-US" sz="900" spc="0">
                           <a:solidFill>
                             <a:srgbClr val="020302"/>
                           </a:solidFill>
                           <a:latin typeface="AdobeClean-Light"/>
                           <a:cs typeface="AdobeClean-Light"/>
                         </a:rPr>
-                        <a:t>营业时间/2 小时</a:t>
+                        <a:t>    </a:t>
                       </a:r>
-                      <a:endParaRPr sz="900" spc="0" dirty="0">
+                      <a:r>
+                        <a:rPr sz="900" spc="0">
+                          <a:solidFill>
+                            <a:srgbClr val="020302"/>
+                          </a:solidFill>
+                          <a:latin typeface="AdobeClean-Light"/>
+                          <a:cs typeface="AdobeClean-Light"/>
+                        </a:rPr>
+                        <a:t>Business</a:t>
+                      </a:r>
+                      <a:r>
+                        <a:rPr lang="en-US" sz="900" spc="0">
+                          <a:solidFill>
+                            <a:srgbClr val="020302"/>
+                          </a:solidFill>
+                          <a:latin typeface="AdobeClean-Light"/>
+                          <a:cs typeface="AdobeClean-Light"/>
+                        </a:rPr>
+                        <a:t> </a:t>
+                      </a:r>
+                      <a:r>
+                        <a:rPr sz="900" spc="0">
+                          <a:solidFill>
+                            <a:srgbClr val="020302"/>
+                          </a:solidFill>
+                          <a:latin typeface="AdobeClean-Light"/>
+                          <a:cs typeface="AdobeClean-Light"/>
+                        </a:rPr>
+                        <a:t>hours</a:t>
+                      </a:r>
+                      <a:r>
+                        <a:rPr lang="en-US" sz="900" spc="0">
+                          <a:solidFill>
+                            <a:srgbClr val="020302"/>
+                          </a:solidFill>
+                          <a:latin typeface="AdobeClean-Light"/>
+                          <a:cs typeface="AdobeClean-Light"/>
+                        </a:rPr>
+                        <a:t> / </a:t>
+                      </a:r>
+                      <a:r>
+                        <a:rPr sz="900" spc="0">
+                          <a:solidFill>
+                            <a:srgbClr val="020302"/>
+                          </a:solidFill>
+                          <a:latin typeface="AdobeClean-Light"/>
+                          <a:cs typeface="AdobeClean-Light"/>
+                        </a:rPr>
+                        <a:t>2</a:t>
+                      </a:r>
+                      <a:r>
+                        <a:rPr lang="en-US" sz="900" spc="0">
+                          <a:solidFill>
+                            <a:srgbClr val="020302"/>
+                          </a:solidFill>
+                          <a:latin typeface="AdobeClean-Light"/>
+                          <a:cs typeface="AdobeClean-Light"/>
+                        </a:rPr>
+                        <a:t> </a:t>
+                      </a:r>
+                      <a:r>
+                        <a:rPr sz="900" spc="0">
+                          <a:solidFill>
+                            <a:srgbClr val="020302"/>
+                          </a:solidFill>
+                          <a:latin typeface="AdobeClean-Light"/>
+                          <a:cs typeface="AdobeClean-Light"/>
+                        </a:rPr>
+                        <a:t>hours</a:t>
+                      </a:r>
+                      <a:endParaRPr sz="900" spc="0">
                         <a:latin typeface="AdobeClean-Light"/>
                         <a:cs typeface="AdobeClean-Light"/>
                       </a:endParaRPr>
                     </a:p>
                   </a:txBody>
-                  <a:tcPr anchor="ctr">
+                  <a:tcPr marL="0" marR="0" marT="91440" marB="91440" anchor="ctr" anchorCtr="1">
                     <a:lnL w="3175">
                       <a:solidFill>
                         <a:srgbClr val="B7B8B8"/>
@@ -2585,7 +3132,7 @@
                   </a:ext>
                 </a:extLst>
               </a:tr>
-              <a:tr h="484756">
+              <a:tr h="514673">
                 <a:tc>
                   <a:txBody>
                     <a:bodyPr/>
@@ -2600,16 +3147,16 @@
                         </a:spcBef>
                       </a:pPr>
                       <a:r>
-                        <a:rPr lang="en-US" sz="900" b="1" spc="0" dirty="0">
+                        <a:rPr sz="900" b="1" spc="0">
                           <a:solidFill>
                             <a:srgbClr val="020302"/>
                           </a:solidFill>
                           <a:latin typeface="Adobe Clean"/>
                           <a:cs typeface="Adobe Clean"/>
                         </a:rPr>
-                        <a:t>优先级 3</a:t>
+                        <a:t>PRIORITY 3</a:t>
                       </a:r>
-                      <a:endParaRPr sz="900" spc="0" dirty="0">
+                      <a:endParaRPr sz="900" spc="0">
                         <a:latin typeface="Adobe Clean"/>
                         <a:cs typeface="Adobe Clean"/>
                       </a:endParaRPr>
@@ -2624,7 +3171,7 @@
                         </a:spcBef>
                       </a:pPr>
                       <a:r>
-                        <a:rPr kumimoji="0" lang="en-US" sz="900" b="0" i="0" u="none" strike="noStrike" kern="1200" cap="none" spc="0" normalizeH="0" baseline="0" noProof="0" dirty="0">
+                        <a:rPr kumimoji="0" lang="en-US" sz="900" b="0" i="0" u="none" strike="noStrike" kern="1200" cap="none" spc="0" normalizeH="0" baseline="0" noProof="0">
                           <a:ln>
                             <a:noFill/>
                           </a:ln>
@@ -2638,25 +3185,12 @@
                           <a:ea typeface="+mn-ea"/>
                           <a:cs typeface="+mn-cs"/>
                         </a:rPr>
-                        <a:t>客户的业务功能发生轻微的服务降级，但有解决方案/解决方法可让业务功能继续正常工作</a:t>
+                        <a:t>Customer's business functions have minor service degradation but there exists a solution/workaround allowing business functions to continue </a:t>
                       </a:r>
-                      <a:r>
-                        <a:rPr kumimoji="0" lang="zh-CN" altLang="en-US" sz="900" b="0" i="0" u="none" strike="noStrike" kern="1200" cap="none" spc="0" normalizeH="0" baseline="0" noProof="0" dirty="0">
-                          <a:ln>
-                            <a:noFill/>
-                          </a:ln>
-                          <a:solidFill>
-                            <a:srgbClr val="000000"/>
-                          </a:solidFill>
-                          <a:effectLst/>
-                          <a:uLnTx/>
-                          <a:uFillTx/>
-                          <a:latin typeface="Adobe Clean Light" panose="020B0303020404020204" pitchFamily="34" charset="0"/>
-                          <a:ea typeface="+mn-ea"/>
-                          <a:cs typeface="+mn-cs"/>
-                        </a:rPr>
-                        <a:t>。</a:t>
-                      </a:r>
+                      <a:endParaRPr lang="en-US" sz="900" b="0" i="0" spc="0">
+                        <a:latin typeface="Adobe Clean Light" panose="020B0303020404020204" pitchFamily="34" charset="0"/>
+                        <a:cs typeface="AdobeClean-Light"/>
+                      </a:endParaRPr>
                     </a:p>
                   </a:txBody>
                   <a:tcPr marL="0" marR="0" marT="3810" marB="0">
@@ -2700,22 +3234,92 @@
                         </a:spcBef>
                       </a:pPr>
                       <a:r>
-                        <a:rPr lang="en-US" sz="900" spc="0" dirty="0">
+                        <a:rPr lang="en-US" sz="900" spc="0">
                           <a:solidFill>
                             <a:srgbClr val="020302"/>
                           </a:solidFill>
                           <a:latin typeface="AdobeClean-Light"/>
                           <a:cs typeface="AdobeClean-Light"/>
                         </a:rPr>
-                        <a:t>营业时间/6 小时</a:t>
+                        <a:t>   </a:t>
                       </a:r>
-                      <a:endParaRPr sz="900" spc="0" dirty="0">
+                      <a:r>
+                        <a:rPr sz="900" spc="0">
+                          <a:solidFill>
+                            <a:srgbClr val="020302"/>
+                          </a:solidFill>
+                          <a:latin typeface="AdobeClean-Light"/>
+                          <a:cs typeface="AdobeClean-Light"/>
+                        </a:rPr>
+                        <a:t>Business</a:t>
+                      </a:r>
+                      <a:r>
+                        <a:rPr lang="en-US" sz="900" spc="0">
+                          <a:solidFill>
+                            <a:srgbClr val="020302"/>
+                          </a:solidFill>
+                          <a:latin typeface="AdobeClean-Light"/>
+                          <a:cs typeface="AdobeClean-Light"/>
+                        </a:rPr>
+                        <a:t> </a:t>
+                      </a:r>
+                      <a:r>
+                        <a:rPr sz="900" spc="0">
+                          <a:solidFill>
+                            <a:srgbClr val="020302"/>
+                          </a:solidFill>
+                          <a:latin typeface="AdobeClean-Light"/>
+                          <a:cs typeface="AdobeClean-Light"/>
+                        </a:rPr>
+                        <a:t>hours</a:t>
+                      </a:r>
+                      <a:r>
+                        <a:rPr lang="en-US" sz="900" spc="0">
+                          <a:solidFill>
+                            <a:srgbClr val="020302"/>
+                          </a:solidFill>
+                          <a:latin typeface="AdobeClean-Light"/>
+                          <a:cs typeface="AdobeClean-Light"/>
+                        </a:rPr>
+                        <a:t> / </a:t>
+                      </a:r>
+                      <a:r>
+                        <a:rPr sz="900" spc="0">
+                          <a:solidFill>
+                            <a:srgbClr val="020302"/>
+                          </a:solidFill>
+                          <a:latin typeface="AdobeClean-Light"/>
+                          <a:cs typeface="AdobeClean-Light"/>
+                        </a:rPr>
+                        <a:t>6</a:t>
+                      </a:r>
+                      <a:r>
+                        <a:rPr lang="en-US" sz="900" spc="0">
+                          <a:solidFill>
+                            <a:srgbClr val="020302"/>
+                          </a:solidFill>
+                          <a:latin typeface="AdobeClean-Light"/>
+                          <a:cs typeface="AdobeClean-Light"/>
+                        </a:rPr>
+                        <a:t> </a:t>
+                      </a:r>
+                      <a:r>
+                        <a:rPr sz="900" spc="0">
+                          <a:solidFill>
+                            <a:srgbClr val="020302"/>
+                          </a:solidFill>
+                          <a:latin typeface="AdobeClean-Light"/>
+                          <a:cs typeface="AdobeClean-Light"/>
+                        </a:rPr>
+                        <a:t>hours</a:t>
+                      </a:r>
+                      <a:endParaRPr sz="900" spc="0">
                         <a:latin typeface="AdobeClean-Light"/>
                         <a:cs typeface="AdobeClean-Light"/>
                       </a:endParaRPr>
                     </a:p>
                   </a:txBody>
-                  <a:tcPr anchor="ctr">
+                  <a:tcPr marL="0" marR="0" marT="91440" marB="91440" anchor="ctr" anchorCtr="1">
                     <a:lnL w="3175">
                       <a:solidFill>
                         <a:srgbClr val="B7B8B8"/>
@@ -2756,22 +3360,82 @@
                         </a:spcBef>
                       </a:pPr>
                       <a:r>
-                        <a:rPr lang="en-US" sz="900" spc="0" dirty="0">
+                        <a:rPr sz="900" spc="0">
                           <a:solidFill>
                             <a:srgbClr val="020302"/>
                           </a:solidFill>
                           <a:latin typeface="AdobeClean-Light"/>
                           <a:cs typeface="AdobeClean-Light"/>
                         </a:rPr>
-                        <a:t>营业时间/4 小时</a:t>
+                        <a:t>Business</a:t>
                       </a:r>
-                      <a:endParaRPr sz="900" spc="0" dirty="0">
+                      <a:r>
+                        <a:rPr lang="en-US" sz="900" spc="0">
+                          <a:solidFill>
+                            <a:srgbClr val="020302"/>
+                          </a:solidFill>
+                          <a:latin typeface="AdobeClean-Light"/>
+                          <a:cs typeface="AdobeClean-Light"/>
+                        </a:rPr>
+                        <a:t> </a:t>
+                      </a:r>
+                      <a:r>
+                        <a:rPr sz="900" spc="0">
+                          <a:solidFill>
+                            <a:srgbClr val="020302"/>
+                          </a:solidFill>
+                          <a:latin typeface="AdobeClean-Light"/>
+                          <a:cs typeface="AdobeClean-Light"/>
+                        </a:rPr>
+                        <a:t>hours</a:t>
+                      </a:r>
+                      <a:r>
+                        <a:rPr lang="en-US" sz="900" spc="0">
+                          <a:solidFill>
+                            <a:srgbClr val="020302"/>
+                          </a:solidFill>
+                          <a:latin typeface="AdobeClean-Light"/>
+                          <a:cs typeface="AdobeClean-Light"/>
+                        </a:rPr>
+                        <a:t> </a:t>
+                      </a:r>
+                      <a:r>
+                        <a:rPr sz="900" spc="0">
+                          <a:solidFill>
+                            <a:srgbClr val="020302"/>
+                          </a:solidFill>
+                          <a:latin typeface="AdobeClean-Light"/>
+                          <a:cs typeface="AdobeClean-Light"/>
+                        </a:rPr>
+                        <a:t>/ 4</a:t>
+                      </a:r>
+                      <a:r>
+                        <a:rPr lang="en-US" sz="900" spc="0">
+                          <a:solidFill>
+                            <a:srgbClr val="020302"/>
+                          </a:solidFill>
+                          <a:latin typeface="AdobeClean-Light"/>
+                          <a:cs typeface="AdobeClean-Light"/>
+                        </a:rPr>
+                        <a:t> </a:t>
+                      </a:r>
+                      <a:r>
+                        <a:rPr sz="900" spc="0">
+                          <a:solidFill>
+                            <a:srgbClr val="020302"/>
+                          </a:solidFill>
+                          <a:latin typeface="AdobeClean-Light"/>
+                          <a:cs typeface="AdobeClean-Light"/>
+                        </a:rPr>
+                        <a:t>hours</a:t>
+                      </a:r>
+                      <a:endParaRPr sz="900" spc="0">
                         <a:latin typeface="AdobeClean-Light"/>
                         <a:cs typeface="AdobeClean-Light"/>
                       </a:endParaRPr>
                     </a:p>
                   </a:txBody>
-                  <a:tcPr anchor="ctr">
+                  <a:tcPr marL="0" marR="0" marT="91440" marB="91440" anchor="ctr" anchorCtr="1">
                     <a:lnL w="3175">
                       <a:solidFill>
                         <a:srgbClr val="B7B8B8"/>
@@ -2809,7 +3473,7 @@
                   </a:ext>
                 </a:extLst>
               </a:tr>
-              <a:tr h="359998">
+              <a:tr h="388333">
                 <a:tc>
                   <a:txBody>
                     <a:bodyPr/>
@@ -2824,16 +3488,16 @@
                         </a:spcBef>
                       </a:pPr>
                       <a:r>
-                        <a:rPr lang="en-US" sz="900" b="1" spc="0" dirty="0">
+                        <a:rPr sz="900" b="1" spc="0">
                           <a:solidFill>
                             <a:srgbClr val="020302"/>
                           </a:solidFill>
                           <a:latin typeface="Adobe Clean"/>
                           <a:cs typeface="Adobe Clean"/>
                         </a:rPr>
-                        <a:t>优先级 4</a:t>
+                        <a:t>PRIORITY 4</a:t>
                       </a:r>
-                      <a:endParaRPr sz="900" spc="0" dirty="0">
+                      <a:endParaRPr sz="900" spc="0">
                         <a:latin typeface="Adobe Clean"/>
                         <a:cs typeface="Adobe Clean"/>
                       </a:endParaRPr>
@@ -2853,33 +3517,20 @@
                         <a:buSzTx/>
                         <a:buFontTx/>
                         <a:buNone/>
+                        <a:tabLst/>
                         <a:defRPr/>
                       </a:pPr>
                       <a:r>
-                        <a:rPr lang="en-US" sz="900" b="0" i="0" spc="0" dirty="0">
+                        <a:rPr lang="en-US" sz="900" b="0" i="0" spc="0">
                           <a:solidFill>
                             <a:srgbClr val="000000"/>
                           </a:solidFill>
                           <a:effectLst/>
                           <a:latin typeface="Adobe Clean Light" panose="020B0303020404020204" pitchFamily="34" charset="0"/>
                         </a:rPr>
-                        <a:t>有关当前产品功能或增强功能请求的常见问题</a:t>
+                        <a:t>General question regarding current product functionality or an enhancement request</a:t>
                       </a:r>
-                      <a:r>
-                        <a:rPr lang="zh-CN" altLang="en-US" sz="900" b="0" i="0" spc="0" dirty="0">
-                          <a:solidFill>
-                            <a:srgbClr val="000000"/>
-                          </a:solidFill>
-                          <a:effectLst/>
-                          <a:latin typeface="Adobe Clean Light" panose="020B0303020404020204" pitchFamily="34" charset="0"/>
-                        </a:rPr>
-                        <a:t>。</a:t>
-                      </a:r>
-                      <a:endParaRPr lang="zh-CN" altLang="en-US" sz="900" b="0" i="0" spc="0" dirty="0">
-                        <a:solidFill>
-                          <a:srgbClr val="000000"/>
-                        </a:solidFill>
-                        <a:effectLst/>
+                      <a:endParaRPr lang="en-US" sz="900" b="0" i="0" spc="0">
                         <a:latin typeface="Adobe Clean Light" panose="020B0303020404020204" pitchFamily="34" charset="0"/>
                         <a:cs typeface="AdobeClean-Light"/>
                       </a:endParaRPr>
@@ -2926,22 +3577,72 @@
                         </a:spcBef>
                       </a:pPr>
                       <a:r>
-                        <a:rPr lang="en-US" sz="900" spc="0" dirty="0">
+                        <a:rPr lang="en-US" sz="900" spc="0">
                           <a:solidFill>
                             <a:srgbClr val="020302"/>
                           </a:solidFill>
                           <a:latin typeface="AdobeClean-Light"/>
                           <a:cs typeface="AdobeClean-Light"/>
                         </a:rPr>
-                        <a:t>工作日/3 天</a:t>
+                        <a:t>  </a:t>
                       </a:r>
-                      <a:endParaRPr sz="900" spc="0" dirty="0">
+                      <a:r>
+                        <a:rPr sz="900" spc="0">
+                          <a:solidFill>
+                            <a:srgbClr val="020302"/>
+                          </a:solidFill>
+                          <a:latin typeface="AdobeClean-Light"/>
+                          <a:cs typeface="AdobeClean-Light"/>
+                        </a:rPr>
+                        <a:t>Business</a:t>
+                      </a:r>
+                      <a:r>
+                        <a:rPr lang="en-US" sz="900" spc="0">
+                          <a:solidFill>
+                            <a:srgbClr val="020302"/>
+                          </a:solidFill>
+                          <a:latin typeface="AdobeClean-Light"/>
+                          <a:cs typeface="AdobeClean-Light"/>
+                        </a:rPr>
+                        <a:t> </a:t>
+                      </a:r>
+                      <a:r>
+                        <a:rPr sz="900" spc="0">
+                          <a:solidFill>
+                            <a:srgbClr val="020302"/>
+                          </a:solidFill>
+                          <a:latin typeface="AdobeClean-Light"/>
+                          <a:cs typeface="AdobeClean-Light"/>
+                        </a:rPr>
+                        <a:t>days</a:t>
+                      </a:r>
+                      <a:r>
+                        <a:rPr lang="en-US" sz="900" spc="0">
+                          <a:solidFill>
+                            <a:srgbClr val="020302"/>
+                          </a:solidFill>
+                          <a:latin typeface="AdobeClean-Light"/>
+                          <a:cs typeface="AdobeClean-Light"/>
+                        </a:rPr>
+                        <a:t> / </a:t>
+                      </a:r>
+                      <a:r>
+                        <a:rPr sz="900" spc="0">
+                          <a:solidFill>
+                            <a:srgbClr val="020302"/>
+                          </a:solidFill>
+                          <a:latin typeface="AdobeClean-Light"/>
+                          <a:cs typeface="AdobeClean-Light"/>
+                        </a:rPr>
+                        <a:t>3 days</a:t>
+                      </a:r>
+                      <a:endParaRPr sz="900" spc="0">
                         <a:latin typeface="AdobeClean-Light"/>
                         <a:cs typeface="AdobeClean-Light"/>
                       </a:endParaRPr>
                     </a:p>
                   </a:txBody>
-                  <a:tcPr anchor="ctr">
+                  <a:tcPr marL="0" marR="0" marT="91440" marB="91440" anchor="ctr" anchorCtr="1">
                     <a:lnL w="3175">
                       <a:solidFill>
                         <a:srgbClr val="B7B8B8"/>
@@ -2982,42 +3683,82 @@
                         </a:spcBef>
                       </a:pPr>
                       <a:r>
-                        <a:rPr lang="en-US" sz="900" spc="0" dirty="0">
+                        <a:rPr sz="900" spc="0">
                           <a:solidFill>
                             <a:srgbClr val="020302"/>
                           </a:solidFill>
                           <a:latin typeface="AdobeClean-Light"/>
                           <a:cs typeface="AdobeClean-Light"/>
                         </a:rPr>
-                        <a:t>工作日/</a:t>
+                        <a:t>Business</a:t>
                       </a:r>
-                    </a:p>
-                    <a:p>
-                      <a:pPr marL="370840" marR="223520" indent="-202565" algn="ctr">
-                        <a:lnSpc>
-                          <a:spcPct val="100000"/>
-                        </a:lnSpc>
-                        <a:spcBef>
-                          <a:spcPts val="155"/>
-                        </a:spcBef>
-                      </a:pPr>
                       <a:r>
-                        <a:rPr lang="en-US" sz="900" spc="0" dirty="0">
+                        <a:rPr lang="en-US" sz="900" spc="0">
                           <a:solidFill>
                             <a:srgbClr val="020302"/>
                           </a:solidFill>
                           <a:latin typeface="AdobeClean-Light"/>
                           <a:cs typeface="AdobeClean-Light"/>
                         </a:rPr>
-                        <a:t> 1 天</a:t>
+                        <a:t> </a:t>
                       </a:r>
-                      <a:endParaRPr sz="900" spc="0" dirty="0">
+                      <a:r>
+                        <a:rPr sz="900" spc="0">
+                          <a:solidFill>
+                            <a:srgbClr val="020302"/>
+                          </a:solidFill>
+                          <a:latin typeface="AdobeClean-Light"/>
+                          <a:cs typeface="AdobeClean-Light"/>
+                        </a:rPr>
+                        <a:t>day</a:t>
+                      </a:r>
+                      <a:r>
+                        <a:rPr lang="en-US" sz="900" spc="0">
+                          <a:solidFill>
+                            <a:srgbClr val="020302"/>
+                          </a:solidFill>
+                          <a:latin typeface="AdobeClean-Light"/>
+                          <a:cs typeface="AdobeClean-Light"/>
+                        </a:rPr>
+                        <a:t>s </a:t>
+                      </a:r>
+                      <a:r>
+                        <a:rPr sz="900" spc="0">
+                          <a:solidFill>
+                            <a:srgbClr val="020302"/>
+                          </a:solidFill>
+                          <a:latin typeface="AdobeClean-Light"/>
+                          <a:cs typeface="AdobeClean-Light"/>
+                        </a:rPr>
+                        <a:t>/</a:t>
+                      </a:r>
+                      <a:r>
+                        <a:rPr lang="en-US" sz="900" spc="0">
+                          <a:solidFill>
+                            <a:srgbClr val="020302"/>
+                          </a:solidFill>
+                          <a:latin typeface="AdobeClean-Light"/>
+                          <a:cs typeface="AdobeClean-Light"/>
+                        </a:rPr>
+                        <a:t> </a:t>
+                      </a:r>
+                      <a:r>
+                        <a:rPr sz="900" spc="0">
+                          <a:solidFill>
+                            <a:srgbClr val="020302"/>
+                          </a:solidFill>
+                          <a:latin typeface="AdobeClean-Light"/>
+                          <a:cs typeface="AdobeClean-Light"/>
+                        </a:rPr>
+                        <a:t>1 day</a:t>
+                      </a:r>
+                      <a:endParaRPr sz="900" spc="0">
                         <a:latin typeface="AdobeClean-Light"/>
                         <a:cs typeface="AdobeClean-Light"/>
                       </a:endParaRPr>
                     </a:p>
                   </a:txBody>
-                  <a:tcPr anchor="ctr">
+                  <a:tcPr marL="0" marR="0" marT="91440" marB="91440" anchor="ctr" anchorCtr="1">
                     <a:lnL w="3175">
                       <a:solidFill>
                         <a:srgbClr val="B7B8B8"/>
@@ -3061,14 +3802,22 @@
       </p:graphicFrame>
       <p:graphicFrame>
         <p:nvGraphicFramePr>
-          <p:cNvPr id="11" name="object 8"/>
+          <p:cNvPr id="11" name="object 8">
+            <a:extLst>
+              <a:ext uri="{FF2B5EF4-FFF2-40B4-BE49-F238E27FC236}">
+                <a16:creationId xmlns:a16="http://schemas.microsoft.com/office/drawing/2014/main" id="{3AC7AEA2-E7A4-BD48-80EA-856168E207F6}"/>
+              </a:ext>
+            </a:extLst>
+          </p:cNvPr>
           <p:cNvGraphicFramePr>
             <a:graphicFrameLocks noGrp="1"/>
           </p:cNvGraphicFramePr>
           <p:nvPr>
-            <p:custDataLst>
-              <p:tags r:id="rId2"/>
-            </p:custDataLst>
+            <p:extLst>
+              <p:ext uri="{D42A27DB-BD31-4B8C-83A1-F6EECF244321}">
+                <p14:modId xmlns:p14="http://schemas.microsoft.com/office/powerpoint/2010/main" val="116851390"/>
+              </p:ext>
+            </p:extLst>
           </p:nvPr>
         </p:nvGraphicFramePr>
         <p:xfrm>
@@ -3085,7 +3834,7 @@
                 <a:gridCol w="1513599">
                   <a:extLst>
                     <a:ext uri="{9D8B030D-6E8A-4147-A177-3AD203B41FA5}">
-                      <a16:colId xmlns:a16="http://schemas.microsoft.com/office/drawing/2014/main" val="20000"/>
+                      <a16:colId xmlns:a16="http://schemas.microsoft.com/office/drawing/2014/main" val="1674920574"/>
                     </a:ext>
                   </a:extLst>
                 </a:gridCol>
@@ -3099,7 +3848,7 @@
                 <a:gridCol w="1425889">
                   <a:extLst>
                     <a:ext uri="{9D8B030D-6E8A-4147-A177-3AD203B41FA5}">
-                      <a16:colId xmlns:a16="http://schemas.microsoft.com/office/drawing/2014/main" val="20002"/>
+                      <a16:colId xmlns:a16="http://schemas.microsoft.com/office/drawing/2014/main" val="2563521174"/>
                     </a:ext>
                   </a:extLst>
                 </a:gridCol>
@@ -3117,7 +3866,7 @@
                     <a:bodyPr/>
                     <a:lstStyle/>
                     <a:p>
-                      <a:endParaRPr lang="en-US" dirty="0"/>
+                      <a:endParaRPr lang="en-US"/>
                     </a:p>
                   </a:txBody>
                   <a:tcPr/>
@@ -3127,7 +3876,7 @@
                     <a:bodyPr/>
                     <a:lstStyle/>
                     <a:p>
-                      <a:endParaRPr lang="en-US"/>
+                      <a:endParaRPr/>
                     </a:p>
                   </a:txBody>
                   <a:tcPr marL="0" marR="0" marT="0" marB="0"/>
@@ -3151,19 +3900,40 @@
                         <a:buSzTx/>
                         <a:buFontTx/>
                         <a:buNone/>
+                        <a:tabLst/>
                         <a:defRPr/>
                       </a:pPr>
                       <a:r>
-                        <a:rPr lang="en-US" sz="900" spc="-20" dirty="0">
+                        <a:rPr lang="en-US" sz="900" spc="-20">
                           <a:solidFill>
                             <a:srgbClr val="404040"/>
                           </a:solidFill>
                           <a:latin typeface="Adobe Clean"/>
                           <a:cs typeface="Adobe Clean"/>
                         </a:rPr>
-                        <a:t>在线支持</a:t>
+                        <a:t>Online </a:t>
                       </a:r>
-                      <a:endParaRPr lang="en-US" sz="900" dirty="0">
+                      <a:r>
+                        <a:rPr lang="en-US" sz="900" spc="-135">
+                          <a:solidFill>
+                            <a:srgbClr val="404040"/>
+                          </a:solidFill>
+                          <a:latin typeface="Adobe Clean"/>
+                          <a:cs typeface="Adobe Clean"/>
+                        </a:rPr>
+                        <a:t> </a:t>
+                      </a:r>
+                      <a:r>
+                        <a:rPr lang="en-US" sz="900" spc="-20">
+                          <a:solidFill>
+                            <a:srgbClr val="404040"/>
+                          </a:solidFill>
+                          <a:latin typeface="Adobe Clean"/>
+                          <a:cs typeface="Adobe Clean"/>
+                        </a:rPr>
+                        <a:t>Support</a:t>
+                      </a:r>
+                      <a:endParaRPr lang="en-US" sz="900">
                         <a:latin typeface="Adobe Clean"/>
                         <a:cs typeface="Adobe Clean"/>
                       </a:endParaRPr>
@@ -3207,16 +3977,36 @@
                         </a:spcBef>
                       </a:pPr>
                       <a:r>
-                        <a:rPr lang="en-US" sz="900" spc="-20" dirty="0">
+                        <a:rPr sz="900" spc="-20">
                           <a:solidFill>
                             <a:srgbClr val="FFFFFF"/>
                           </a:solidFill>
                           <a:latin typeface="Adobe Clean"/>
                           <a:cs typeface="Adobe Clean"/>
                         </a:rPr>
-                        <a:t>商业支持</a:t>
+                        <a:t>Business</a:t>
                       </a:r>
-                      <a:endParaRPr sz="900" dirty="0">
+                      <a:r>
+                        <a:rPr lang="en-US" sz="900" spc="-20">
+                          <a:solidFill>
+                            <a:srgbClr val="FFFFFF"/>
+                          </a:solidFill>
+                          <a:latin typeface="Adobe Clean"/>
+                          <a:cs typeface="Adobe Clean"/>
+                        </a:rPr>
+                        <a:t> </a:t>
+                      </a:r>
+                      <a:r>
+                        <a:rPr sz="900" spc="-20">
+                          <a:solidFill>
+                            <a:srgbClr val="FFFFFF"/>
+                          </a:solidFill>
+                          <a:latin typeface="Adobe Clean"/>
+                          <a:cs typeface="Adobe Clean"/>
+                        </a:rPr>
+                        <a:t>Support</a:t>
+                      </a:r>
+                      <a:endParaRPr sz="900">
                         <a:latin typeface="Adobe Clean"/>
                         <a:cs typeface="Adobe Clean"/>
                       </a:endParaRPr>
@@ -3264,7 +4054,7 @@
                     <a:bodyPr/>
                     <a:lstStyle/>
                     <a:p>
-                      <a:endParaRPr lang="en-US" dirty="0"/>
+                      <a:endParaRPr lang="en-US"/>
                     </a:p>
                   </a:txBody>
                   <a:tcPr/>
@@ -3274,7 +4064,7 @@
                     <a:bodyPr/>
                     <a:lstStyle/>
                     <a:p>
-                      <a:endParaRPr lang="en-US"/>
+                      <a:endParaRPr/>
                     </a:p>
                   </a:txBody>
                   <a:tcPr marL="0" marR="0" marT="0" marB="0"/>
@@ -3298,9 +4088,10 @@
                         <a:buSzTx/>
                         <a:buFontTx/>
                         <a:buNone/>
+                        <a:tabLst/>
                         <a:defRPr/>
                       </a:pPr>
-                      <a:endParaRPr lang="en-US" sz="800" i="1" dirty="0">
+                      <a:endParaRPr lang="en-US" sz="800" i="1">
                         <a:solidFill>
                           <a:sysClr val="windowText" lastClr="000000"/>
                         </a:solidFill>
@@ -3360,16 +4151,17 @@
                         <a:buSzTx/>
                         <a:buFontTx/>
                         <a:buNone/>
+                        <a:tabLst/>
                         <a:defRPr/>
                       </a:pPr>
                       <a:r>
-                        <a:rPr lang="en-US" sz="800" i="1" dirty="0">
+                        <a:rPr lang="en-US" sz="800" i="1">
                           <a:solidFill>
                             <a:schemeClr val="bg1"/>
                           </a:solidFill>
                           <a:latin typeface="Adobe Clean Light" panose="020B0303020404020204" pitchFamily="34" charset="0"/>
                         </a:rPr>
-                        <a:t>Adobe 支持 ($)</a:t>
+                        <a:t>Paid Support ($)</a:t>
                       </a:r>
                     </a:p>
                   </a:txBody>
@@ -3433,16 +4225,16 @@
                         </a:spcBef>
                       </a:pPr>
                       <a:r>
-                        <a:rPr lang="en-US" sz="1000" b="1" i="0" spc="0" dirty="0">
+                        <a:rPr lang="en-US" sz="1000" b="1" i="0" spc="0">
                           <a:solidFill>
                             <a:schemeClr val="bg1"/>
                           </a:solidFill>
                           <a:latin typeface="Adobe Clean" panose="020B0503020404020204" pitchFamily="34" charset="0"/>
                           <a:cs typeface="AdobeClean-Light"/>
                         </a:rPr>
-                        <a:t>分配的专家</a:t>
+                        <a:t>Assigned Experts</a:t>
                       </a:r>
-                      <a:endParaRPr sz="1000" b="1" i="0" spc="0" dirty="0">
+                      <a:endParaRPr sz="1000" b="1" i="0" spc="0">
                         <a:solidFill>
                           <a:schemeClr val="bg1"/>
                         </a:solidFill>
@@ -3491,20 +4283,20 @@
                           <a:spcPct val="100000"/>
                         </a:lnSpc>
                         <a:spcBef>
-                          <a:spcPts val="460"/>
+                          <a:spcPts val="459"/>
                         </a:spcBef>
                       </a:pPr>
                       <a:r>
-                        <a:rPr lang="en-US" sz="900" spc="0" dirty="0">
+                        <a:rPr sz="900" spc="0">
                           <a:solidFill>
                             <a:srgbClr val="020302"/>
                           </a:solidFill>
                           <a:latin typeface="AdobeClean-Light"/>
                           <a:cs typeface="AdobeClean-Light"/>
                         </a:rPr>
-                        <a:t>帐户支持主管</a:t>
+                        <a:t>Account Support Lead</a:t>
                       </a:r>
-                      <a:endParaRPr sz="900" spc="0" dirty="0">
+                      <a:endParaRPr sz="900" spc="0">
                         <a:latin typeface="AdobeClean-Light"/>
                         <a:cs typeface="AdobeClean-Light"/>
                       </a:endParaRPr>
@@ -3550,9 +4342,9 @@
                           <a:spcPts val="470"/>
                         </a:spcBef>
                       </a:pPr>
-                      <a:endParaRPr sz="900" dirty="0">
-                        <a:latin typeface="Wingdings" panose="05000000000000000000"/>
-                        <a:cs typeface="Wingdings" panose="05000000000000000000"/>
+                      <a:endParaRPr sz="900">
+                        <a:latin typeface="Wingdings"/>
+                        <a:cs typeface="Wingdings"/>
                       </a:endParaRPr>
                     </a:p>
                   </a:txBody>
@@ -3592,18 +4384,18 @@
                         </a:spcBef>
                       </a:pPr>
                       <a:r>
-                        <a:rPr lang="en-US" sz="900" dirty="0">
+                        <a:rPr sz="900">
                           <a:solidFill>
                             <a:srgbClr val="020302"/>
                           </a:solidFill>
-                          <a:latin typeface="Wingdings" panose="05000000000000000000"/>
-                          <a:cs typeface="Wingdings" panose="05000000000000000000"/>
+                          <a:latin typeface="Wingdings"/>
+                          <a:cs typeface="Wingdings"/>
                         </a:rPr>
                         <a:t></a:t>
                       </a:r>
-                      <a:endParaRPr sz="900" dirty="0">
-                        <a:latin typeface="Wingdings" panose="05000000000000000000"/>
-                        <a:cs typeface="Wingdings" panose="05000000000000000000"/>
+                      <a:endParaRPr sz="900">
+                        <a:latin typeface="Wingdings"/>
+                        <a:cs typeface="Wingdings"/>
                       </a:endParaRPr>
                     </a:p>
                   </a:txBody>
@@ -3636,7 +4428,18 @@
                     <a:bodyPr/>
                     <a:lstStyle/>
                     <a:p>
-                      <a:endParaRPr lang="en-US"/>
+                      <a:pPr marL="50800">
+                        <a:lnSpc>
+                          <a:spcPct val="100000"/>
+                        </a:lnSpc>
+                        <a:spcBef>
+                          <a:spcPts val="459"/>
+                        </a:spcBef>
+                      </a:pPr>
+                      <a:endParaRPr sz="900">
+                        <a:latin typeface="AdobeClean-Light"/>
+                        <a:cs typeface="AdobeClean-Light"/>
+                      </a:endParaRPr>
                     </a:p>
                   </a:txBody>
                   <a:tcPr marL="0" marR="0" marT="58419" marB="0">
@@ -3667,20 +4470,20 @@
                           <a:spcPct val="100000"/>
                         </a:lnSpc>
                         <a:spcBef>
-                          <a:spcPts val="460"/>
+                          <a:spcPts val="459"/>
                         </a:spcBef>
                       </a:pPr>
                       <a:r>
-                        <a:rPr lang="en-US" sz="900" spc="0" dirty="0">
+                        <a:rPr sz="900" spc="0">
                           <a:solidFill>
                             <a:srgbClr val="020302"/>
                           </a:solidFill>
                           <a:latin typeface="AdobeClean-Light"/>
                           <a:cs typeface="AdobeClean-Light"/>
                         </a:rPr>
-                        <a:t>指定的支持工程师</a:t>
+                        <a:t>Named Support Engineer</a:t>
                       </a:r>
-                      <a:endParaRPr sz="900" spc="0" dirty="0">
+                      <a:endParaRPr sz="900" spc="0">
                         <a:latin typeface="AdobeClean-Light"/>
                         <a:cs typeface="AdobeClean-Light"/>
                       </a:endParaRPr>
@@ -3711,9 +4514,9 @@
                           <a:spcPct val="100000"/>
                         </a:lnSpc>
                       </a:pPr>
-                      <a:endParaRPr sz="900" dirty="0">
-                        <a:latin typeface="Times New Roman" panose="02020603050405020304"/>
-                        <a:cs typeface="Times New Roman" panose="02020603050405020304"/>
+                      <a:endParaRPr sz="900">
+                        <a:latin typeface="Times New Roman"/>
+                        <a:cs typeface="Times New Roman"/>
                       </a:endParaRPr>
                     </a:p>
                   </a:txBody>
@@ -3740,9 +4543,9 @@
                           <a:spcPct val="100000"/>
                         </a:lnSpc>
                       </a:pPr>
-                      <a:endParaRPr sz="900" dirty="0">
-                        <a:latin typeface="Times New Roman" panose="02020603050405020304"/>
-                        <a:cs typeface="Times New Roman" panose="02020603050405020304"/>
+                      <a:endParaRPr sz="900">
+                        <a:latin typeface="Times New Roman"/>
+                        <a:cs typeface="Times New Roman"/>
                       </a:endParaRPr>
                     </a:p>
                   </a:txBody>
@@ -3766,7 +4569,18 @@
                     <a:bodyPr/>
                     <a:lstStyle/>
                     <a:p>
-                      <a:endParaRPr lang="en-US"/>
+                      <a:pPr marL="50800">
+                        <a:lnSpc>
+                          <a:spcPct val="100000"/>
+                        </a:lnSpc>
+                        <a:spcBef>
+                          <a:spcPts val="500"/>
+                        </a:spcBef>
+                      </a:pPr>
+                      <a:endParaRPr sz="900">
+                        <a:latin typeface="AdobeClean-Light"/>
+                        <a:cs typeface="AdobeClean-Light"/>
+                      </a:endParaRPr>
                     </a:p>
                   </a:txBody>
                   <a:tcPr marL="0" marR="0" marT="63500" marB="0">
@@ -3813,16 +4627,16 @@
                         </a:spcBef>
                       </a:pPr>
                       <a:r>
-                        <a:rPr lang="en-US" sz="900" spc="0" dirty="0">
+                        <a:rPr sz="900" spc="0">
                           <a:solidFill>
                             <a:srgbClr val="020302"/>
                           </a:solidFill>
                           <a:latin typeface="AdobeClean-Light"/>
                           <a:cs typeface="AdobeClean-Light"/>
                         </a:rPr>
-                        <a:t>技术客户经理</a:t>
+                        <a:t>Technical Account Manager</a:t>
                       </a:r>
-                      <a:endParaRPr sz="900" spc="0" dirty="0">
+                      <a:endParaRPr sz="900" spc="0">
                         <a:latin typeface="AdobeClean-Light"/>
                         <a:cs typeface="AdobeClean-Light"/>
                       </a:endParaRPr>
@@ -3859,9 +4673,9 @@
                           <a:spcPct val="100000"/>
                         </a:lnSpc>
                       </a:pPr>
-                      <a:endParaRPr sz="900" dirty="0">
-                        <a:latin typeface="Times New Roman" panose="02020603050405020304"/>
-                        <a:cs typeface="Times New Roman" panose="02020603050405020304"/>
+                      <a:endParaRPr sz="900">
+                        <a:latin typeface="Times New Roman"/>
+                        <a:cs typeface="Times New Roman"/>
                       </a:endParaRPr>
                     </a:p>
                   </a:txBody>
@@ -3897,9 +4711,9 @@
                           <a:spcPct val="100000"/>
                         </a:lnSpc>
                       </a:pPr>
-                      <a:endParaRPr sz="900" dirty="0">
-                        <a:latin typeface="Times New Roman" panose="02020603050405020304"/>
-                        <a:cs typeface="Times New Roman" panose="02020603050405020304"/>
+                      <a:endParaRPr sz="900">
+                        <a:latin typeface="Times New Roman"/>
+                        <a:cs typeface="Times New Roman"/>
                       </a:endParaRPr>
                     </a:p>
                   </a:txBody>
@@ -3937,20 +4751,20 @@
                           <a:spcPct val="100000"/>
                         </a:lnSpc>
                         <a:spcBef>
-                          <a:spcPts val="460"/>
+                          <a:spcPts val="459"/>
                         </a:spcBef>
                       </a:pPr>
                       <a:r>
-                        <a:rPr lang="en-US" sz="1000" b="1" i="0" spc="0" dirty="0">
+                        <a:rPr lang="en-US" sz="1000" b="1" i="0" spc="0">
                           <a:solidFill>
                             <a:schemeClr val="bg1"/>
                           </a:solidFill>
                           <a:latin typeface="Adobe Clean" panose="020B0503020404020204" pitchFamily="34" charset="0"/>
                           <a:cs typeface="AdobeClean-Light"/>
                         </a:rPr>
-                        <a:t>支持服务</a:t>
+                        <a:t>Support Services</a:t>
                       </a:r>
-                      <a:endParaRPr sz="1000" b="1" i="0" spc="0" dirty="0">
+                      <a:endParaRPr sz="1000" b="1" i="0" spc="0">
                         <a:solidFill>
                           <a:schemeClr val="bg1"/>
                         </a:solidFill>
@@ -4012,16 +4826,26 @@
                         </a:spcBef>
                       </a:pPr>
                       <a:r>
-                        <a:rPr lang="en-US" sz="900" spc="0" dirty="0">
+                        <a:rPr lang="en-US" sz="900" spc="0">
                           <a:solidFill>
                             <a:srgbClr val="020302"/>
                           </a:solidFill>
                           <a:latin typeface="AdobeClean-Light"/>
                           <a:cs typeface="AdobeClean-Light"/>
                         </a:rPr>
-                        <a:t>在线支持</a:t>
+                        <a:t>Online</a:t>
                       </a:r>
-                      <a:endParaRPr sz="900" spc="0" dirty="0">
+                      <a:r>
+                        <a:rPr sz="900" spc="0">
+                          <a:solidFill>
+                            <a:srgbClr val="020302"/>
+                          </a:solidFill>
+                          <a:latin typeface="AdobeClean-Light"/>
+                          <a:cs typeface="AdobeClean-Light"/>
+                        </a:rPr>
+                        <a:t> Support</a:t>
+                      </a:r>
+                      <a:endParaRPr sz="900" spc="0">
                         <a:latin typeface="AdobeClean-Light"/>
                         <a:cs typeface="AdobeClean-Light"/>
                       </a:endParaRPr>
@@ -4062,26 +4886,36 @@
                         </a:spcBef>
                       </a:pPr>
                       <a:r>
-                        <a:rPr lang="en-US" sz="900" spc="-25" dirty="0">
+                        <a:rPr sz="900" spc="-25">
                           <a:solidFill>
                             <a:srgbClr val="020302"/>
                           </a:solidFill>
                           <a:latin typeface="AdobeClean-Light"/>
                           <a:cs typeface="AdobeClean-Light"/>
                         </a:rPr>
-                        <a:t>营业</a:t>
+                        <a:t>Business</a:t>
                       </a:r>
                       <a:r>
-                        <a:rPr lang="en-US" sz="900" spc="-30" dirty="0">
+                        <a:rPr sz="900" spc="-15">
                           <a:solidFill>
                             <a:srgbClr val="020302"/>
                           </a:solidFill>
                           <a:latin typeface="AdobeClean-Light"/>
                           <a:cs typeface="AdobeClean-Light"/>
                         </a:rPr>
-                        <a:t>时间</a:t>
+                        <a:t> </a:t>
                       </a:r>
-                      <a:endParaRPr sz="900" dirty="0">
+                      <a:r>
+                        <a:rPr sz="900" spc="-30">
+                          <a:solidFill>
+                            <a:srgbClr val="020302"/>
+                          </a:solidFill>
+                          <a:latin typeface="AdobeClean-Light"/>
+                          <a:cs typeface="AdobeClean-Light"/>
+                        </a:rPr>
+                        <a:t>hours</a:t>
+                      </a:r>
+                      <a:endParaRPr sz="900">
                         <a:latin typeface="AdobeClean-Light"/>
                         <a:cs typeface="AdobeClean-Light"/>
                       </a:endParaRPr>
@@ -4123,26 +4957,36 @@
                         </a:spcBef>
                       </a:pPr>
                       <a:r>
-                        <a:rPr lang="en-US" sz="900" spc="-25" dirty="0">
+                        <a:rPr sz="900" spc="-25">
                           <a:solidFill>
                             <a:srgbClr val="020302"/>
                           </a:solidFill>
                           <a:latin typeface="AdobeClean-Light"/>
                           <a:cs typeface="AdobeClean-Light"/>
                         </a:rPr>
-                        <a:t>营业</a:t>
+                        <a:t>Business</a:t>
                       </a:r>
                       <a:r>
-                        <a:rPr lang="en-US" sz="900" spc="-30" dirty="0">
+                        <a:rPr sz="900" spc="-15">
                           <a:solidFill>
                             <a:srgbClr val="020302"/>
                           </a:solidFill>
                           <a:latin typeface="AdobeClean-Light"/>
                           <a:cs typeface="AdobeClean-Light"/>
                         </a:rPr>
-                        <a:t>时间</a:t>
+                        <a:t> </a:t>
                       </a:r>
-                      <a:endParaRPr sz="900" dirty="0">
+                      <a:r>
+                        <a:rPr sz="900" spc="-30">
+                          <a:solidFill>
+                            <a:srgbClr val="020302"/>
+                          </a:solidFill>
+                          <a:latin typeface="AdobeClean-Light"/>
+                          <a:cs typeface="AdobeClean-Light"/>
+                        </a:rPr>
+                        <a:t>hours</a:t>
+                      </a:r>
+                      <a:endParaRPr sz="900">
                         <a:latin typeface="AdobeClean-Light"/>
                         <a:cs typeface="AdobeClean-Light"/>
                       </a:endParaRPr>
@@ -4177,7 +5021,18 @@
                     <a:bodyPr/>
                     <a:lstStyle/>
                     <a:p>
-                      <a:endParaRPr lang="en-US"/>
+                      <a:pPr marL="50800">
+                        <a:lnSpc>
+                          <a:spcPct val="100000"/>
+                        </a:lnSpc>
+                        <a:spcBef>
+                          <a:spcPts val="455"/>
+                        </a:spcBef>
+                      </a:pPr>
+                      <a:endParaRPr sz="900">
+                        <a:latin typeface="AdobeClean-Light"/>
+                        <a:cs typeface="AdobeClean-Light"/>
+                      </a:endParaRPr>
                     </a:p>
                   </a:txBody>
                   <a:tcPr marL="0" marR="0" marT="57785" marB="0">
@@ -4215,16 +5070,36 @@
                         </a:spcBef>
                       </a:pPr>
                       <a:r>
-                        <a:rPr lang="en-US" sz="900" spc="0" dirty="0">
+                        <a:rPr sz="900" spc="0">
                           <a:solidFill>
                             <a:srgbClr val="020302"/>
                           </a:solidFill>
                           <a:latin typeface="AdobeClean-Light"/>
                           <a:cs typeface="AdobeClean-Light"/>
                         </a:rPr>
-                        <a:t>全天候 P1 问题支持</a:t>
+                        <a:t>24x7</a:t>
                       </a:r>
-                      <a:endParaRPr sz="900" spc="0" dirty="0">
+                      <a:r>
+                        <a:rPr lang="en-US" sz="900" spc="0">
+                          <a:solidFill>
+                            <a:srgbClr val="020302"/>
+                          </a:solidFill>
+                          <a:latin typeface="AdobeClean-Light"/>
+                          <a:cs typeface="AdobeClean-Light"/>
+                        </a:rPr>
+                        <a:t>x365</a:t>
+                      </a:r>
+                      <a:r>
+                        <a:rPr sz="900" spc="0">
+                          <a:solidFill>
+                            <a:srgbClr val="020302"/>
+                          </a:solidFill>
+                          <a:latin typeface="AdobeClean-Light"/>
+                          <a:cs typeface="AdobeClean-Light"/>
+                        </a:rPr>
+                        <a:t> P1 Issue Support</a:t>
+                      </a:r>
+                      <a:endParaRPr sz="900" spc="0">
                         <a:latin typeface="AdobeClean-Light"/>
                         <a:cs typeface="AdobeClean-Light"/>
                       </a:endParaRPr>
@@ -4255,22 +5130,22 @@
                           <a:spcPct val="100000"/>
                         </a:lnSpc>
                         <a:spcBef>
-                          <a:spcPts val="460"/>
+                          <a:spcPts val="459"/>
                         </a:spcBef>
                       </a:pPr>
                       <a:r>
-                        <a:rPr lang="en-US" sz="900" dirty="0">
+                        <a:rPr sz="900">
                           <a:solidFill>
                             <a:srgbClr val="020302"/>
                           </a:solidFill>
-                          <a:latin typeface="Wingdings" panose="05000000000000000000"/>
-                          <a:cs typeface="Wingdings" panose="05000000000000000000"/>
+                          <a:latin typeface="Wingdings"/>
+                          <a:cs typeface="Wingdings"/>
                         </a:rPr>
                         <a:t></a:t>
                       </a:r>
-                      <a:endParaRPr sz="900" dirty="0">
-                        <a:latin typeface="Wingdings" panose="05000000000000000000"/>
-                        <a:cs typeface="Wingdings" panose="05000000000000000000"/>
+                      <a:endParaRPr sz="900">
+                        <a:latin typeface="Wingdings"/>
+                        <a:cs typeface="Wingdings"/>
                       </a:endParaRPr>
                     </a:p>
                   </a:txBody>
@@ -4297,22 +5172,22 @@
                           <a:spcPct val="100000"/>
                         </a:lnSpc>
                         <a:spcBef>
-                          <a:spcPts val="460"/>
+                          <a:spcPts val="459"/>
                         </a:spcBef>
                       </a:pPr>
                       <a:r>
-                        <a:rPr lang="en-US" sz="900" dirty="0">
+                        <a:rPr sz="900">
                           <a:solidFill>
                             <a:srgbClr val="020302"/>
                           </a:solidFill>
-                          <a:latin typeface="Wingdings" panose="05000000000000000000"/>
-                          <a:cs typeface="Wingdings" panose="05000000000000000000"/>
+                          <a:latin typeface="Wingdings"/>
+                          <a:cs typeface="Wingdings"/>
                         </a:rPr>
                         <a:t></a:t>
                       </a:r>
-                      <a:endParaRPr sz="900" dirty="0">
-                        <a:latin typeface="Wingdings" panose="05000000000000000000"/>
-                        <a:cs typeface="Wingdings" panose="05000000000000000000"/>
+                      <a:endParaRPr sz="900">
+                        <a:latin typeface="Wingdings"/>
+                        <a:cs typeface="Wingdings"/>
                       </a:endParaRPr>
                     </a:p>
                   </a:txBody>
@@ -4336,7 +5211,18 @@
                     <a:bodyPr/>
                     <a:lstStyle/>
                     <a:p>
-                      <a:endParaRPr lang="en-US"/>
+                      <a:pPr marL="50800">
+                        <a:lnSpc>
+                          <a:spcPct val="100000"/>
+                        </a:lnSpc>
+                        <a:spcBef>
+                          <a:spcPts val="455"/>
+                        </a:spcBef>
+                      </a:pPr>
+                      <a:endParaRPr sz="900">
+                        <a:latin typeface="AdobeClean-Light"/>
+                        <a:cs typeface="AdobeClean-Light"/>
+                      </a:endParaRPr>
                     </a:p>
                   </a:txBody>
                   <a:tcPr marL="0" marR="0" marT="57785" marB="0">
@@ -4383,16 +5269,16 @@
                         </a:spcBef>
                       </a:pPr>
                       <a:r>
-                        <a:rPr lang="en-US" sz="900" spc="0" dirty="0">
+                        <a:rPr lang="en-US" sz="900" spc="0">
                           <a:solidFill>
                             <a:srgbClr val="020302"/>
                           </a:solidFill>
                           <a:latin typeface="AdobeClean-Light"/>
                           <a:cs typeface="AdobeClean-Light"/>
                         </a:rPr>
-                        <a:t>指定的支持联系人（按产品）</a:t>
+                        <a:t>Named Support Contacts (per product)</a:t>
                       </a:r>
-                      <a:endParaRPr sz="900" spc="0" dirty="0">
+                      <a:endParaRPr sz="900" spc="0">
                         <a:latin typeface="AdobeClean-Light"/>
                         <a:cs typeface="AdobeClean-Light"/>
                       </a:endParaRPr>
@@ -4433,7 +5319,7 @@
                         </a:spcBef>
                       </a:pPr>
                       <a:r>
-                        <a:rPr lang="en-US" sz="900" dirty="0">
+                        <a:rPr sz="900">
                           <a:solidFill>
                             <a:srgbClr val="020302"/>
                           </a:solidFill>
@@ -4442,7 +5328,7 @@
                         </a:rPr>
                         <a:t>4</a:t>
                       </a:r>
-                      <a:endParaRPr sz="900" dirty="0">
+                      <a:endParaRPr sz="900">
                         <a:latin typeface="AdobeClean-Light"/>
                         <a:cs typeface="AdobeClean-Light"/>
                       </a:endParaRPr>
@@ -4475,7 +5361,7 @@
                         </a:spcBef>
                       </a:pPr>
                       <a:r>
-                        <a:rPr lang="en-US" sz="900" dirty="0">
+                        <a:rPr sz="900">
                           <a:solidFill>
                             <a:srgbClr val="020302"/>
                           </a:solidFill>
@@ -4484,7 +5370,7 @@
                         </a:rPr>
                         <a:t>6</a:t>
                       </a:r>
-                      <a:endParaRPr sz="900" dirty="0">
+                      <a:endParaRPr sz="900">
                         <a:latin typeface="AdobeClean-Light"/>
                         <a:cs typeface="AdobeClean-Light"/>
                       </a:endParaRPr>
@@ -4510,7 +5396,18 @@
                     <a:bodyPr/>
                     <a:lstStyle/>
                     <a:p>
-                      <a:endParaRPr lang="en-US"/>
+                      <a:pPr marL="50800">
+                        <a:lnSpc>
+                          <a:spcPct val="100000"/>
+                        </a:lnSpc>
+                        <a:spcBef>
+                          <a:spcPts val="455"/>
+                        </a:spcBef>
+                      </a:pPr>
+                      <a:endParaRPr sz="900">
+                        <a:latin typeface="AdobeClean-Light"/>
+                        <a:cs typeface="AdobeClean-Light"/>
+                      </a:endParaRPr>
                     </a:p>
                   </a:txBody>
                   <a:tcPr marL="0" marR="0" marT="57785" marB="0">
@@ -4548,16 +5445,16 @@
                         </a:spcBef>
                       </a:pPr>
                       <a:r>
-                        <a:rPr lang="en-US" sz="900" spc="0" dirty="0">
+                        <a:rPr lang="en-US" sz="900" spc="0">
                           <a:solidFill>
                             <a:srgbClr val="020302"/>
                           </a:solidFill>
                           <a:latin typeface="AdobeClean-Light"/>
                           <a:cs typeface="AdobeClean-Light"/>
                         </a:rPr>
-                        <a:t>实时电话支持</a:t>
+                        <a:t>Live Telephone Support</a:t>
                       </a:r>
-                      <a:endParaRPr sz="900" spc="0" dirty="0">
+                      <a:endParaRPr sz="900" spc="0">
                         <a:latin typeface="AdobeClean-Light"/>
                         <a:cs typeface="AdobeClean-Light"/>
                       </a:endParaRPr>
@@ -4588,12 +5485,12 @@
                           <a:spcPct val="100000"/>
                         </a:lnSpc>
                         <a:spcBef>
-                          <a:spcPts val="465"/>
+                          <a:spcPts val="464"/>
                         </a:spcBef>
                       </a:pPr>
-                      <a:endParaRPr sz="900" dirty="0">
-                        <a:latin typeface="Wingdings" panose="05000000000000000000"/>
-                        <a:cs typeface="Wingdings" panose="05000000000000000000"/>
+                      <a:endParaRPr sz="900">
+                        <a:latin typeface="Wingdings"/>
+                        <a:cs typeface="Wingdings"/>
                       </a:endParaRPr>
                     </a:p>
                   </a:txBody>
@@ -4620,22 +5517,22 @@
                           <a:spcPct val="100000"/>
                         </a:lnSpc>
                         <a:spcBef>
-                          <a:spcPts val="465"/>
+                          <a:spcPts val="464"/>
                         </a:spcBef>
                       </a:pPr>
                       <a:r>
-                        <a:rPr lang="en-US" sz="900" dirty="0">
+                        <a:rPr sz="900">
                           <a:solidFill>
                             <a:srgbClr val="020302"/>
                           </a:solidFill>
-                          <a:latin typeface="Wingdings" panose="05000000000000000000"/>
-                          <a:cs typeface="Wingdings" panose="05000000000000000000"/>
+                          <a:latin typeface="Wingdings"/>
+                          <a:cs typeface="Wingdings"/>
                         </a:rPr>
                         <a:t></a:t>
                       </a:r>
-                      <a:endParaRPr sz="900" dirty="0">
-                        <a:latin typeface="Wingdings" panose="05000000000000000000"/>
-                        <a:cs typeface="Wingdings" panose="05000000000000000000"/>
+                      <a:endParaRPr sz="900">
+                        <a:latin typeface="Wingdings"/>
+                        <a:cs typeface="Wingdings"/>
                       </a:endParaRPr>
                     </a:p>
                   </a:txBody>
@@ -4659,7 +5556,18 @@
                     <a:bodyPr/>
                     <a:lstStyle/>
                     <a:p>
-                      <a:endParaRPr lang="en-US"/>
+                      <a:pPr marL="50800">
+                        <a:lnSpc>
+                          <a:spcPct val="100000"/>
+                        </a:lnSpc>
+                        <a:spcBef>
+                          <a:spcPts val="459"/>
+                        </a:spcBef>
+                      </a:pPr>
+                      <a:endParaRPr sz="900">
+                        <a:latin typeface="AdobeClean-Light"/>
+                        <a:cs typeface="AdobeClean-Light"/>
+                      </a:endParaRPr>
                     </a:p>
                   </a:txBody>
                   <a:tcPr marL="0" marR="0" marT="58419" marB="0">
@@ -4693,20 +5601,20 @@
                           <a:spcPct val="100000"/>
                         </a:lnSpc>
                         <a:spcBef>
-                          <a:spcPts val="460"/>
+                          <a:spcPts val="459"/>
                         </a:spcBef>
                       </a:pPr>
                       <a:r>
-                        <a:rPr lang="en-US" sz="900" spc="0" dirty="0">
+                        <a:rPr sz="900" spc="0">
                           <a:solidFill>
                             <a:srgbClr val="020302"/>
                           </a:solidFill>
                           <a:latin typeface="AdobeClean-Light"/>
                           <a:cs typeface="AdobeClean-Light"/>
                         </a:rPr>
-                        <a:t>上报管理</a:t>
+                        <a:t>Escalation Management</a:t>
                       </a:r>
-                      <a:endParaRPr sz="900" spc="0" dirty="0">
+                      <a:endParaRPr sz="900" spc="0">
                         <a:latin typeface="AdobeClean-Light"/>
                         <a:cs typeface="AdobeClean-Light"/>
                       </a:endParaRPr>
@@ -4740,9 +5648,9 @@
                           <a:spcPts val="470"/>
                         </a:spcBef>
                       </a:pPr>
-                      <a:endParaRPr sz="900" dirty="0">
-                        <a:latin typeface="Wingdings" panose="05000000000000000000"/>
-                        <a:cs typeface="Wingdings" panose="05000000000000000000"/>
+                      <a:endParaRPr sz="900">
+                        <a:latin typeface="Wingdings"/>
+                        <a:cs typeface="Wingdings"/>
                       </a:endParaRPr>
                     </a:p>
                   </a:txBody>
@@ -4773,18 +5681,18 @@
                         </a:spcBef>
                       </a:pPr>
                       <a:r>
-                        <a:rPr lang="en-US" sz="900" dirty="0">
+                        <a:rPr sz="900">
                           <a:solidFill>
                             <a:srgbClr val="020302"/>
                           </a:solidFill>
-                          <a:latin typeface="Wingdings" panose="05000000000000000000"/>
-                          <a:cs typeface="Wingdings" panose="05000000000000000000"/>
+                          <a:latin typeface="Wingdings"/>
+                          <a:cs typeface="Wingdings"/>
                         </a:rPr>
                         <a:t></a:t>
                       </a:r>
-                      <a:endParaRPr sz="900" dirty="0">
-                        <a:latin typeface="Wingdings" panose="05000000000000000000"/>
-                        <a:cs typeface="Wingdings" panose="05000000000000000000"/>
+                      <a:endParaRPr sz="900">
+                        <a:latin typeface="Wingdings"/>
+                        <a:cs typeface="Wingdings"/>
                       </a:endParaRPr>
                     </a:p>
                   </a:txBody>
@@ -4808,7 +5716,18 @@
                     <a:bodyPr/>
                     <a:lstStyle/>
                     <a:p>
-                      <a:endParaRPr lang="en-US"/>
+                      <a:pPr marL="50800">
+                        <a:lnSpc>
+                          <a:spcPct val="100000"/>
+                        </a:lnSpc>
+                        <a:spcBef>
+                          <a:spcPts val="450"/>
+                        </a:spcBef>
+                      </a:pPr>
+                      <a:endParaRPr sz="900">
+                        <a:latin typeface="AdobeClean-Light"/>
+                        <a:cs typeface="AdobeClean-Light"/>
+                      </a:endParaRPr>
                     </a:p>
                   </a:txBody>
                   <a:tcPr marL="0" marR="0" marT="57150" marB="0">
@@ -4846,16 +5765,26 @@
                         </a:spcBef>
                       </a:pPr>
                       <a:r>
-                        <a:rPr lang="en-US" sz="900" spc="0" dirty="0">
+                        <a:rPr sz="900" spc="0">
                           <a:solidFill>
                             <a:srgbClr val="020302"/>
                           </a:solidFill>
                           <a:latin typeface="AdobeClean-Light"/>
                           <a:cs typeface="AdobeClean-Light"/>
                         </a:rPr>
-                        <a:t>每年服务审查次数</a:t>
+                        <a:t>Service Reviews </a:t>
                       </a:r>
-                      <a:endParaRPr sz="900" spc="0" dirty="0">
+                      <a:r>
+                        <a:rPr lang="en-US" sz="900" spc="0">
+                          <a:solidFill>
+                            <a:srgbClr val="020302"/>
+                          </a:solidFill>
+                          <a:latin typeface="AdobeClean-Light"/>
+                          <a:cs typeface="AdobeClean-Light"/>
+                        </a:rPr>
+                        <a:t>per Year</a:t>
+                      </a:r>
+                      <a:endParaRPr sz="900" spc="0">
                         <a:latin typeface="AdobeClean-Light"/>
                         <a:cs typeface="AdobeClean-Light"/>
                       </a:endParaRPr>
@@ -4886,9 +5815,9 @@
                           <a:spcPct val="100000"/>
                         </a:lnSpc>
                       </a:pPr>
-                      <a:endParaRPr sz="900" dirty="0">
-                        <a:latin typeface="Times New Roman" panose="02020603050405020304"/>
-                        <a:cs typeface="Times New Roman" panose="02020603050405020304"/>
+                      <a:endParaRPr sz="900">
+                        <a:latin typeface="Times New Roman"/>
+                        <a:cs typeface="Times New Roman"/>
                       </a:endParaRPr>
                     </a:p>
                   </a:txBody>
@@ -4915,9 +5844,9 @@
                           <a:spcPct val="100000"/>
                         </a:lnSpc>
                       </a:pPr>
-                      <a:endParaRPr sz="900" dirty="0">
-                        <a:latin typeface="Times New Roman" panose="02020603050405020304"/>
-                        <a:cs typeface="Times New Roman" panose="02020603050405020304"/>
+                      <a:endParaRPr sz="900">
+                        <a:latin typeface="Times New Roman"/>
+                        <a:cs typeface="Times New Roman"/>
                       </a:endParaRPr>
                     </a:p>
                   </a:txBody>
@@ -4960,13 +5889,13 @@
                         </a:spcBef>
                       </a:pPr>
                       <a:r>
-                        <a:rPr lang="en-US" sz="900" spc="0" dirty="0">
+                        <a:rPr lang="en-US" sz="900" spc="0">
                           <a:latin typeface="AdobeClean-Light"/>
                           <a:cs typeface="AdobeClean-Light"/>
                         </a:rPr>
-                        <a:t>每年专家讲座数</a:t>
+                        <a:t>Expert Sessions per Year</a:t>
                       </a:r>
-                      <a:endParaRPr sz="900" spc="0" dirty="0">
+                      <a:endParaRPr sz="900" spc="0">
                         <a:latin typeface="AdobeClean-Light"/>
                         <a:cs typeface="AdobeClean-Light"/>
                       </a:endParaRPr>
@@ -5003,9 +5932,9 @@
                           <a:spcPct val="100000"/>
                         </a:lnSpc>
                       </a:pPr>
-                      <a:endParaRPr sz="900" dirty="0">
-                        <a:latin typeface="Times New Roman" panose="02020603050405020304"/>
-                        <a:cs typeface="Times New Roman" panose="02020603050405020304"/>
+                      <a:endParaRPr sz="900">
+                        <a:latin typeface="Times New Roman"/>
+                        <a:cs typeface="Times New Roman"/>
                       </a:endParaRPr>
                     </a:p>
                   </a:txBody>
@@ -5032,9 +5961,9 @@
                           <a:spcPct val="100000"/>
                         </a:lnSpc>
                       </a:pPr>
-                      <a:endParaRPr sz="900" dirty="0">
-                        <a:latin typeface="Times New Roman" panose="02020603050405020304"/>
-                        <a:cs typeface="Times New Roman" panose="02020603050405020304"/>
+                      <a:endParaRPr sz="900">
+                        <a:latin typeface="Times New Roman"/>
+                        <a:cs typeface="Times New Roman"/>
                       </a:endParaRPr>
                     </a:p>
                   </a:txBody>
@@ -5048,7 +5977,7 @@
                 </a:tc>
                 <a:extLst>
                   <a:ext uri="{0D108BD9-81ED-4DB2-BD59-A6C34878D82A}">
-                    <a16:rowId xmlns:a16="http://schemas.microsoft.com/office/drawing/2014/main" val="10011"/>
+                    <a16:rowId xmlns:a16="http://schemas.microsoft.com/office/drawing/2014/main" val="225399098"/>
                   </a:ext>
                 </a:extLst>
               </a:tr>
@@ -5077,13 +6006,13 @@
                         </a:spcBef>
                       </a:pPr>
                       <a:r>
-                        <a:rPr lang="en-US" sz="900" spc="0" dirty="0">
+                        <a:rPr lang="en-US" sz="900" spc="0">
                           <a:latin typeface="AdobeClean-Light"/>
                           <a:cs typeface="AdobeClean-Light"/>
                         </a:rPr>
-                        <a:t>案例审查</a:t>
+                        <a:t>Case Reviews</a:t>
                       </a:r>
-                      <a:endParaRPr sz="900" spc="0" dirty="0">
+                      <a:endParaRPr sz="900" spc="0">
                         <a:latin typeface="AdobeClean-Light"/>
                         <a:cs typeface="AdobeClean-Light"/>
                       </a:endParaRPr>
@@ -5120,9 +6049,9 @@
                           <a:spcPct val="100000"/>
                         </a:lnSpc>
                       </a:pPr>
-                      <a:endParaRPr sz="900" dirty="0">
-                        <a:latin typeface="Times New Roman" panose="02020603050405020304"/>
-                        <a:cs typeface="Times New Roman" panose="02020603050405020304"/>
+                      <a:endParaRPr sz="900">
+                        <a:latin typeface="Times New Roman"/>
+                        <a:cs typeface="Times New Roman"/>
                       </a:endParaRPr>
                     </a:p>
                   </a:txBody>
@@ -5149,9 +6078,9 @@
                           <a:spcPct val="100000"/>
                         </a:lnSpc>
                       </a:pPr>
-                      <a:endParaRPr sz="900" dirty="0">
-                        <a:latin typeface="Times New Roman" panose="02020603050405020304"/>
-                        <a:cs typeface="Times New Roman" panose="02020603050405020304"/>
+                      <a:endParaRPr sz="900">
+                        <a:latin typeface="Times New Roman"/>
+                        <a:cs typeface="Times New Roman"/>
                       </a:endParaRPr>
                     </a:p>
                   </a:txBody>
@@ -5165,7 +6094,7 @@
                 </a:tc>
                 <a:extLst>
                   <a:ext uri="{0D108BD9-81ED-4DB2-BD59-A6C34878D82A}">
-                    <a16:rowId xmlns:a16="http://schemas.microsoft.com/office/drawing/2014/main" val="10012"/>
+                    <a16:rowId xmlns:a16="http://schemas.microsoft.com/office/drawing/2014/main" val="1164642039"/>
                   </a:ext>
                 </a:extLst>
               </a:tr>
@@ -5175,7 +6104,18 @@
                     <a:bodyPr/>
                     <a:lstStyle/>
                     <a:p>
-                      <a:endParaRPr lang="en-US"/>
+                      <a:pPr marL="48895">
+                        <a:lnSpc>
+                          <a:spcPct val="100000"/>
+                        </a:lnSpc>
+                        <a:spcBef>
+                          <a:spcPts val="459"/>
+                        </a:spcBef>
+                      </a:pPr>
+                      <a:endParaRPr sz="900">
+                        <a:latin typeface="AdobeClean-Light"/>
+                        <a:cs typeface="AdobeClean-Light"/>
+                      </a:endParaRPr>
                     </a:p>
                   </a:txBody>
                   <a:tcPr marL="0" marR="0" marT="58419" marB="0">
@@ -5218,20 +6158,30 @@
                           <a:spcPct val="100000"/>
                         </a:lnSpc>
                         <a:spcBef>
-                          <a:spcPts val="460"/>
+                          <a:spcPts val="459"/>
                         </a:spcBef>
                       </a:pPr>
                       <a:r>
-                        <a:rPr lang="en-US" sz="900" spc="0" dirty="0">
+                        <a:rPr sz="900" spc="0">
                           <a:solidFill>
                             <a:srgbClr val="020302"/>
                           </a:solidFill>
                           <a:latin typeface="AdobeClean-Light"/>
                           <a:cs typeface="AdobeClean-Light"/>
                         </a:rPr>
-                        <a:t>事件管理</a:t>
+                        <a:t>Event </a:t>
                       </a:r>
-                      <a:endParaRPr sz="900" spc="0" dirty="0">
+                      <a:r>
+                        <a:rPr lang="en-US" sz="900" spc="0">
+                          <a:solidFill>
+                            <a:srgbClr val="020302"/>
+                          </a:solidFill>
+                          <a:latin typeface="AdobeClean-Light"/>
+                          <a:cs typeface="AdobeClean-Light"/>
+                        </a:rPr>
+                        <a:t>Management</a:t>
+                      </a:r>
+                      <a:endParaRPr sz="900" spc="0">
                         <a:latin typeface="AdobeClean-Light"/>
                         <a:cs typeface="AdobeClean-Light"/>
                       </a:endParaRPr>
@@ -5268,9 +6218,9 @@
                           <a:spcPct val="100000"/>
                         </a:lnSpc>
                       </a:pPr>
-                      <a:endParaRPr sz="900" dirty="0">
-                        <a:latin typeface="Times New Roman" panose="02020603050405020304"/>
-                        <a:cs typeface="Times New Roman" panose="02020603050405020304"/>
+                      <a:endParaRPr sz="900">
+                        <a:latin typeface="Times New Roman"/>
+                        <a:cs typeface="Times New Roman"/>
                       </a:endParaRPr>
                     </a:p>
                   </a:txBody>
@@ -5297,9 +6247,9 @@
                           <a:spcPct val="100000"/>
                         </a:lnSpc>
                       </a:pPr>
-                      <a:endParaRPr sz="900" dirty="0">
-                        <a:latin typeface="Times New Roman" panose="02020603050405020304"/>
-                        <a:cs typeface="Times New Roman" panose="02020603050405020304"/>
+                      <a:endParaRPr sz="900">
+                        <a:latin typeface="Times New Roman"/>
+                        <a:cs typeface="Times New Roman"/>
                       </a:endParaRPr>
                     </a:p>
                   </a:txBody>
@@ -5313,7 +6263,7 @@
                 </a:tc>
                 <a:extLst>
                   <a:ext uri="{0D108BD9-81ED-4DB2-BD59-A6C34878D82A}">
-                    <a16:rowId xmlns:a16="http://schemas.microsoft.com/office/drawing/2014/main" val="10013"/>
+                    <a16:rowId xmlns:a16="http://schemas.microsoft.com/office/drawing/2014/main" val="10011"/>
                   </a:ext>
                 </a:extLst>
               </a:tr>
@@ -5323,7 +6273,18 @@
                     <a:bodyPr/>
                     <a:lstStyle/>
                     <a:p>
-                      <a:endParaRPr lang="en-US"/>
+                      <a:pPr marL="48895">
+                        <a:lnSpc>
+                          <a:spcPct val="100000"/>
+                        </a:lnSpc>
+                        <a:spcBef>
+                          <a:spcPts val="465"/>
+                        </a:spcBef>
+                      </a:pPr>
+                      <a:endParaRPr sz="900">
+                        <a:latin typeface="AdobeClean-Light"/>
+                        <a:cs typeface="AdobeClean-Light"/>
+                      </a:endParaRPr>
                     </a:p>
                   </a:txBody>
                   <a:tcPr marL="0" marR="0" marT="59055" marB="0">
@@ -5361,16 +6322,36 @@
                         </a:spcBef>
                       </a:pPr>
                       <a:r>
-                        <a:rPr lang="en-US" sz="900" spc="0" dirty="0">
+                        <a:rPr sz="900" spc="0">
                           <a:solidFill>
                             <a:srgbClr val="020302"/>
                           </a:solidFill>
                           <a:latin typeface="AdobeClean-Light"/>
                           <a:cs typeface="AdobeClean-Light"/>
                         </a:rPr>
-                        <a:t>环境审查、维护和监控</a:t>
+                        <a:t>Environment</a:t>
                       </a:r>
-                      <a:endParaRPr sz="900" spc="0" dirty="0">
+                      <a:r>
+                        <a:rPr lang="en-US" sz="900" spc="0">
+                          <a:solidFill>
+                            <a:srgbClr val="020302"/>
+                          </a:solidFill>
+                          <a:latin typeface="AdobeClean-Light"/>
+                          <a:cs typeface="AdobeClean-Light"/>
+                        </a:rPr>
+                        <a:t> </a:t>
+                      </a:r>
+                      <a:r>
+                        <a:rPr sz="900" spc="0">
+                          <a:solidFill>
+                            <a:srgbClr val="020302"/>
+                          </a:solidFill>
+                          <a:latin typeface="AdobeClean-Light"/>
+                          <a:cs typeface="AdobeClean-Light"/>
+                        </a:rPr>
+                        <a:t>Review, Maintenance &amp; Monitoring</a:t>
+                      </a:r>
+                      <a:endParaRPr sz="900" spc="0">
                         <a:latin typeface="AdobeClean-Light"/>
                         <a:cs typeface="AdobeClean-Light"/>
                       </a:endParaRPr>
@@ -5401,9 +6382,9 @@
                           <a:spcPct val="100000"/>
                         </a:lnSpc>
                       </a:pPr>
-                      <a:endParaRPr sz="900" dirty="0">
-                        <a:latin typeface="Times New Roman" panose="02020603050405020304"/>
-                        <a:cs typeface="Times New Roman" panose="02020603050405020304"/>
+                      <a:endParaRPr sz="900">
+                        <a:latin typeface="Times New Roman"/>
+                        <a:cs typeface="Times New Roman"/>
                       </a:endParaRPr>
                     </a:p>
                   </a:txBody>
@@ -5430,9 +6411,9 @@
                           <a:spcPct val="100000"/>
                         </a:lnSpc>
                       </a:pPr>
-                      <a:endParaRPr sz="900" dirty="0">
-                        <a:latin typeface="Times New Roman" panose="02020603050405020304"/>
-                        <a:cs typeface="Times New Roman" panose="02020603050405020304"/>
+                      <a:endParaRPr sz="900">
+                        <a:latin typeface="Times New Roman"/>
+                        <a:cs typeface="Times New Roman"/>
                       </a:endParaRPr>
                     </a:p>
                   </a:txBody>
@@ -5446,7 +6427,7 @@
                 </a:tc>
                 <a:extLst>
                   <a:ext uri="{0D108BD9-81ED-4DB2-BD59-A6C34878D82A}">
-                    <a16:rowId xmlns:a16="http://schemas.microsoft.com/office/drawing/2014/main" val="10014"/>
+                    <a16:rowId xmlns:a16="http://schemas.microsoft.com/office/drawing/2014/main" val="10012"/>
                   </a:ext>
                 </a:extLst>
               </a:tr>
@@ -5456,7 +6437,18 @@
                     <a:bodyPr/>
                     <a:lstStyle/>
                     <a:p>
-                      <a:endParaRPr lang="en-US"/>
+                      <a:pPr marL="49530">
+                        <a:lnSpc>
+                          <a:spcPct val="100000"/>
+                        </a:lnSpc>
+                        <a:spcBef>
+                          <a:spcPts val="500"/>
+                        </a:spcBef>
+                      </a:pPr>
+                      <a:endParaRPr sz="900">
+                        <a:latin typeface="AdobeClean-Light"/>
+                        <a:cs typeface="AdobeClean-Light"/>
+                      </a:endParaRPr>
                     </a:p>
                   </a:txBody>
                   <a:tcPr marL="0" marR="0" marT="63500" marB="0">
@@ -5494,16 +6486,16 @@
                         </a:spcBef>
                       </a:pPr>
                       <a:r>
-                        <a:rPr lang="en-US" sz="900" spc="0" dirty="0">
+                        <a:rPr sz="900" spc="0">
                           <a:solidFill>
                             <a:srgbClr val="020302"/>
                           </a:solidFill>
                           <a:latin typeface="AdobeClean-Light"/>
                           <a:cs typeface="AdobeClean-Light"/>
                         </a:rPr>
-                        <a:t>发布、迁移、升级和产品路线图审查</a:t>
+                        <a:t>Release, Migration, Upgrade &amp; Product Roadmap Review</a:t>
                       </a:r>
-                      <a:endParaRPr sz="900" spc="0" dirty="0">
+                      <a:endParaRPr sz="900" spc="0">
                         <a:latin typeface="AdobeClean-Light"/>
                         <a:cs typeface="AdobeClean-Light"/>
                       </a:endParaRPr>
@@ -5534,9 +6526,9 @@
                           <a:spcPct val="100000"/>
                         </a:lnSpc>
                       </a:pPr>
-                      <a:endParaRPr sz="900" dirty="0">
-                        <a:latin typeface="Times New Roman" panose="02020603050405020304"/>
-                        <a:cs typeface="Times New Roman" panose="02020603050405020304"/>
+                      <a:endParaRPr sz="900">
+                        <a:latin typeface="Times New Roman"/>
+                        <a:cs typeface="Times New Roman"/>
                       </a:endParaRPr>
                     </a:p>
                   </a:txBody>
@@ -5563,9 +6555,9 @@
                           <a:spcPct val="100000"/>
                         </a:lnSpc>
                       </a:pPr>
-                      <a:endParaRPr sz="900" dirty="0">
-                        <a:latin typeface="Times New Roman" panose="02020603050405020304"/>
-                        <a:cs typeface="Times New Roman" panose="02020603050405020304"/>
+                      <a:endParaRPr sz="900">
+                        <a:latin typeface="Times New Roman"/>
+                        <a:cs typeface="Times New Roman"/>
                       </a:endParaRPr>
                     </a:p>
                   </a:txBody>
@@ -5579,7 +6571,7 @@
                 </a:tc>
                 <a:extLst>
                   <a:ext uri="{0D108BD9-81ED-4DB2-BD59-A6C34878D82A}">
-                    <a16:rowId xmlns:a16="http://schemas.microsoft.com/office/drawing/2014/main" val="10015"/>
+                    <a16:rowId xmlns:a16="http://schemas.microsoft.com/office/drawing/2014/main" val="10013"/>
                   </a:ext>
                 </a:extLst>
               </a:tr>
@@ -5589,7 +6581,18 @@
                     <a:bodyPr/>
                     <a:lstStyle/>
                     <a:p>
-                      <a:endParaRPr lang="en-US"/>
+                      <a:pPr marL="49530">
+                        <a:lnSpc>
+                          <a:spcPct val="100000"/>
+                        </a:lnSpc>
+                        <a:spcBef>
+                          <a:spcPts val="530"/>
+                        </a:spcBef>
+                      </a:pPr>
+                      <a:endParaRPr sz="900">
+                        <a:latin typeface="AdobeClean-Light"/>
+                        <a:cs typeface="AdobeClean-Light"/>
+                      </a:endParaRPr>
                     </a:p>
                   </a:txBody>
                   <a:tcPr marL="0" marR="0" marT="67310" marB="0">
@@ -5636,11 +6639,11 @@
                         </a:spcBef>
                       </a:pPr>
                       <a:r>
-                        <a:rPr lang="en-US" sz="900" spc="0" dirty="0">
+                        <a:rPr sz="900" spc="0">
                           <a:latin typeface="AdobeClean-Light"/>
                           <a:cs typeface="AdobeClean-Light"/>
                         </a:rPr>
-                        <a:t>云支持活动 - Experience Manager as Cloud</a:t>
+                        <a:t>Cloud Support Activities – Experience Manager as Cloud</a:t>
                       </a:r>
                     </a:p>
                   </a:txBody>
@@ -5675,9 +6678,9 @@
                           <a:spcPct val="100000"/>
                         </a:lnSpc>
                       </a:pPr>
-                      <a:endParaRPr sz="900" dirty="0">
-                        <a:latin typeface="Times New Roman" panose="02020603050405020304"/>
-                        <a:cs typeface="Times New Roman" panose="02020603050405020304"/>
+                      <a:endParaRPr sz="900">
+                        <a:latin typeface="Times New Roman"/>
+                        <a:cs typeface="Times New Roman"/>
                       </a:endParaRPr>
                     </a:p>
                   </a:txBody>
@@ -5713,9 +6716,9 @@
                           <a:spcPct val="100000"/>
                         </a:lnSpc>
                       </a:pPr>
-                      <a:endParaRPr sz="900" dirty="0">
-                        <a:latin typeface="Times New Roman" panose="02020603050405020304"/>
-                        <a:cs typeface="Times New Roman" panose="02020603050405020304"/>
+                      <a:endParaRPr sz="900">
+                        <a:latin typeface="Times New Roman"/>
+                        <a:cs typeface="Times New Roman"/>
                       </a:endParaRPr>
                     </a:p>
                   </a:txBody>
@@ -5738,7 +6741,7 @@
                 </a:tc>
                 <a:extLst>
                   <a:ext uri="{0D108BD9-81ED-4DB2-BD59-A6C34878D82A}">
-                    <a16:rowId xmlns:a16="http://schemas.microsoft.com/office/drawing/2014/main" val="10016"/>
+                    <a16:rowId xmlns:a16="http://schemas.microsoft.com/office/drawing/2014/main" val="10014"/>
                   </a:ext>
                 </a:extLst>
               </a:tr>
@@ -5757,16 +6760,16 @@
                         </a:spcBef>
                       </a:pPr>
                       <a:r>
-                        <a:rPr lang="en-US" sz="1000" b="1" i="0" spc="0" dirty="0">
+                        <a:rPr lang="en-US" sz="1000" b="1" i="0" spc="0">
                           <a:solidFill>
                             <a:schemeClr val="bg1"/>
                           </a:solidFill>
                           <a:latin typeface="Adobe Clean" panose="020B0503020404020204" pitchFamily="34" charset="0"/>
                           <a:cs typeface="AdobeClean-Light"/>
                         </a:rPr>
-                        <a:t>现场服务</a:t>
+                        <a:t>Field Services</a:t>
                       </a:r>
-                      <a:endParaRPr sz="1000" b="1" i="0" spc="0" dirty="0">
+                      <a:endParaRPr sz="1000" b="1" i="0" spc="0">
                         <a:solidFill>
                           <a:schemeClr val="bg1"/>
                         </a:solidFill>
@@ -5825,16 +6828,16 @@
                         </a:spcBef>
                       </a:pPr>
                       <a:r>
-                        <a:rPr lang="en-US" sz="900" spc="0" dirty="0">
+                        <a:rPr sz="900" spc="0">
                           <a:solidFill>
                             <a:srgbClr val="020302"/>
                           </a:solidFill>
                           <a:latin typeface="AdobeClean-Light"/>
                           <a:cs typeface="AdobeClean-Light"/>
                         </a:rPr>
-                        <a:t>Launch Advisory Services - 新解决方案的第一年</a:t>
+                        <a:t>Launch Advisory Services – First Year of new solution</a:t>
                       </a:r>
-                      <a:endParaRPr sz="900" spc="0" dirty="0">
+                      <a:endParaRPr sz="900" spc="0">
                         <a:latin typeface="AdobeClean-Light"/>
                         <a:cs typeface="AdobeClean-Light"/>
                       </a:endParaRPr>
@@ -5849,11 +6852,11 @@
                         </a:spcBef>
                       </a:pPr>
                       <a:r>
-                        <a:rPr lang="en-US" sz="900" spc="0" dirty="0">
+                        <a:rPr sz="900" spc="0">
                           <a:latin typeface="AdobeClean-Light"/>
                           <a:cs typeface="AdobeClean-Light"/>
                         </a:rPr>
-                        <a:t>现场服务活动</a:t>
+                        <a:t>Field Service Activities </a:t>
                       </a:r>
                     </a:p>
                   </a:txBody>
@@ -5894,9 +6897,9 @@
                           <a:spcPct val="100000"/>
                         </a:lnSpc>
                       </a:pPr>
-                      <a:endParaRPr sz="900" dirty="0">
-                        <a:latin typeface="Times New Roman" panose="02020603050405020304"/>
-                        <a:cs typeface="Times New Roman" panose="02020603050405020304"/>
+                      <a:endParaRPr sz="900">
+                        <a:latin typeface="Times New Roman"/>
+                        <a:cs typeface="Times New Roman"/>
                       </a:endParaRPr>
                     </a:p>
                   </a:txBody>
@@ -5932,9 +6935,9 @@
                           <a:spcPct val="100000"/>
                         </a:lnSpc>
                       </a:pPr>
-                      <a:endParaRPr sz="900" dirty="0">
-                        <a:latin typeface="Times New Roman" panose="02020603050405020304"/>
-                        <a:cs typeface="Times New Roman" panose="02020603050405020304"/>
+                      <a:endParaRPr sz="900">
+                        <a:latin typeface="Times New Roman"/>
+                        <a:cs typeface="Times New Roman"/>
                       </a:endParaRPr>
                     </a:p>
                   </a:txBody>
@@ -5957,7 +6960,7 @@
                 </a:tc>
                 <a:extLst>
                   <a:ext uri="{0D108BD9-81ED-4DB2-BD59-A6C34878D82A}">
-                    <a16:rowId xmlns:a16="http://schemas.microsoft.com/office/drawing/2014/main" val="10017"/>
+                    <a16:rowId xmlns:a16="http://schemas.microsoft.com/office/drawing/2014/main" val="10015"/>
                   </a:ext>
                 </a:extLst>
               </a:tr>
@@ -5977,7 +6980,7 @@
                     <a:bodyPr/>
                     <a:lstStyle/>
                     <a:p>
-                      <a:endParaRPr lang="en-US"/>
+                      <a:endParaRPr/>
                     </a:p>
                   </a:txBody>
                   <a:tcPr marL="0" marR="0" marT="48260" marB="0">
@@ -6017,9 +7020,9 @@
                           <a:spcPct val="100000"/>
                         </a:lnSpc>
                       </a:pPr>
-                      <a:endParaRPr sz="900" dirty="0">
-                        <a:latin typeface="Times New Roman" panose="02020603050405020304"/>
-                        <a:cs typeface="Times New Roman" panose="02020603050405020304"/>
+                      <a:endParaRPr sz="900">
+                        <a:latin typeface="Times New Roman"/>
+                        <a:cs typeface="Times New Roman"/>
                       </a:endParaRPr>
                     </a:p>
                   </a:txBody>
@@ -6038,14 +7041,14 @@
                     <a:bodyPr/>
                     <a:lstStyle/>
                     <a:p>
-                      <a:pPr marL="0" algn="l" rtl="0">
+                      <a:pPr>
                         <a:lnSpc>
                           <a:spcPct val="100000"/>
                         </a:lnSpc>
                       </a:pPr>
-                      <a:endParaRPr sz="900" dirty="0">
-                        <a:latin typeface="Times New Roman" panose="02020603050405020304"/>
-                        <a:cs typeface="Times New Roman" panose="02020603050405020304"/>
+                      <a:endParaRPr sz="900">
+                        <a:latin typeface="Times New Roman"/>
+                        <a:cs typeface="Times New Roman"/>
                       </a:endParaRPr>
                     </a:p>
                   </a:txBody>
@@ -6065,7 +7068,7 @@
                 </a:tc>
                 <a:extLst>
                   <a:ext uri="{0D108BD9-81ED-4DB2-BD59-A6C34878D82A}">
-                    <a16:rowId xmlns:a16="http://schemas.microsoft.com/office/drawing/2014/main" val="10018"/>
+                    <a16:rowId xmlns:a16="http://schemas.microsoft.com/office/drawing/2014/main" val="10016"/>
                   </a:ext>
                 </a:extLst>
               </a:tr>
@@ -6075,7 +7078,13 @@
       </p:graphicFrame>
       <p:sp>
         <p:nvSpPr>
-          <p:cNvPr id="6" name="TextBox 5"/>
+          <p:cNvPr id="6" name="TextBox 5">
+            <a:extLst>
+              <a:ext uri="{FF2B5EF4-FFF2-40B4-BE49-F238E27FC236}">
+                <a16:creationId xmlns:a16="http://schemas.microsoft.com/office/drawing/2014/main" id="{669E35DE-6A5F-5549-904F-459C7D857BB2}"/>
+              </a:ext>
+            </a:extLst>
+          </p:cNvPr>
           <p:cNvSpPr txBox="1"/>
           <p:nvPr/>
         </p:nvSpPr>
@@ -6096,7 +7105,7 @@
           <a:lstStyle/>
           <a:p>
             <a:r>
-              <a:rPr lang="en-US" sz="700" i="1" dirty="0">
+              <a:rPr lang="en-US" sz="700" i="1">
                 <a:solidFill>
                   <a:schemeClr val="bg1"/>
                 </a:solidFill>
@@ -6299,15 +7308,15 @@
               </a:spcBef>
             </a:pPr>
             <a:r>
-              <a:rPr lang="en-US" sz="1000" dirty="0">
+              <a:rPr lang="en-US" sz="1000">
                 <a:solidFill>
                   <a:srgbClr val="000000"/>
                 </a:solidFill>
                 <a:latin typeface="Adobe Clean Light" panose="020B0303020404020204" pitchFamily="34" charset="0"/>
               </a:rPr>
-              <a:t>指定的帐户支持主管会主动监控案例、推动跨团队协作、举行新用户入门网络研讨会、运行服务报告、提供非技术支持帮助，并在 Adobe 支持部门中充当上报联系人和内部布道师。</a:t>
-            </a:r>
-            <a:endParaRPr lang="en-US" sz="1000" dirty="0">
+              <a:t>A designated Account Support Lead to proactively monitor cases, drive cross-team collaboration, deliver onboarding webinars, run service reports, provide non-technical support assistance, and function as your escalation point and internal advocate within Adobe Support.</a:t>
+            </a:r>
+            <a:endParaRPr lang="en-US" sz="1000">
               <a:latin typeface="Adobe Clean Light" panose="020B0303020404020204" pitchFamily="34" charset="0"/>
               <a:cs typeface="AdobeClean-Light"/>
             </a:endParaRPr>
@@ -6323,14 +7332,14 @@
         <p:spPr>
           <a:xfrm>
             <a:off x="2836967" y="8618616"/>
-            <a:ext cx="2286000" cy="487313"/>
+            <a:ext cx="2286000" cy="641201"/>
           </a:xfrm>
           <a:prstGeom prst="rect">
             <a:avLst/>
           </a:prstGeom>
         </p:spPr>
         <p:txBody>
-          <a:bodyPr vert="horz" wrap="square" lIns="0" tIns="12700" rIns="0" bIns="0" rtlCol="0">
+          <a:bodyPr vert="horz" wrap="square" lIns="0" tIns="12700" rIns="0" bIns="0" rtlCol="0" anchor="t">
             <a:spAutoFit/>
           </a:bodyPr>
           <a:lstStyle/>
@@ -6343,53 +7352,90 @@
                 <a:spcPts val="100"/>
               </a:spcBef>
               <a:tabLst>
-                <a:tab pos="1786255" algn="l"/>
+                <a:tab pos="1786889" algn="l"/>
               </a:tabLst>
             </a:pPr>
             <a:r>
-              <a:rPr lang="en-US" sz="1000" dirty="0">
+              <a:rPr sz="1000">
                 <a:solidFill>
                   <a:srgbClr val="020302"/>
                 </a:solidFill>
                 <a:latin typeface="AdobeClean-Light"/>
                 <a:cs typeface="AdobeClean-Light"/>
               </a:rPr>
-              <a:t>开始聊天会话以获取答案并帮助提交案例</a:t>
+              <a:t>Start a chat session to get answers</a:t>
+            </a:r>
+            <a:r>
+              <a:rPr lang="en-US" sz="1000">
+                <a:solidFill>
+                  <a:srgbClr val="020302"/>
+                </a:solidFill>
+                <a:latin typeface="AdobeClean-Light"/>
+                <a:cs typeface="AdobeClean-Light"/>
+              </a:rPr>
+              <a:t> &amp; </a:t>
+            </a:r>
+            <a:r>
+              <a:rPr sz="1000">
+                <a:solidFill>
+                  <a:srgbClr val="020302"/>
+                </a:solidFill>
+                <a:latin typeface="AdobeClean-Light"/>
+                <a:cs typeface="AdobeClean-Light"/>
+              </a:rPr>
+              <a:t>help with case submission</a:t>
+            </a:r>
+            <a:r>
+              <a:rPr lang="en-US" sz="1000">
+                <a:solidFill>
+                  <a:srgbClr val="020302"/>
+                </a:solidFill>
+                <a:latin typeface="AdobeClean-Light"/>
+                <a:cs typeface="AdobeClean-Light"/>
+              </a:rPr>
+              <a:t>.</a:t>
             </a:r>
           </a:p>
           <a:p>
             <a:pPr marL="33020" marR="159385">
-              <a:lnSpc>
-                <a:spcPct val="100000"/>
-              </a:lnSpc>
               <a:spcBef>
                 <a:spcPts val="100"/>
               </a:spcBef>
               <a:tabLst>
-                <a:tab pos="1786255" algn="l"/>
+                <a:tab pos="1786889" algn="l"/>
               </a:tabLst>
             </a:pPr>
             <a:r>
-              <a:rPr lang="en-US" sz="1000" i="1" dirty="0">
+              <a:rPr sz="1000" i="1">
                 <a:solidFill>
                   <a:srgbClr val="7A7A7A"/>
                 </a:solidFill>
                 <a:latin typeface="AdobeClean-LightIt"/>
                 <a:cs typeface="AdobeClean-LightIt"/>
               </a:rPr>
-              <a:t>*并非所有产品都提供实时聊天支持</a:t>
-            </a:r>
-            <a:r>
-              <a:rPr lang="en-US" sz="900" i="1" dirty="0">
+              <a:t>*Not all products have live chat support</a:t>
+            </a:r>
+            <a:r>
+              <a:rPr sz="900" i="1">
                 <a:solidFill>
                   <a:srgbClr val="7A7A7A"/>
                 </a:solidFill>
                 <a:latin typeface="AdobeClean-LightIt"/>
                 <a:cs typeface="AdobeClean-LightIt"/>
               </a:rPr>
-              <a:t>。</a:t>
-            </a:r>
-            <a:endParaRPr sz="900" dirty="0">
+              <a:t>.</a:t>
+            </a:r>
+            <a:r>
+              <a:rPr lang="en-US" sz="900" i="1">
+                <a:solidFill>
+                  <a:srgbClr val="7A7A7A"/>
+                </a:solidFill>
+                <a:latin typeface="AdobeClean-LightIt"/>
+                <a:cs typeface="AdobeClean-LightIt"/>
+              </a:rPr>
+              <a:t>  </a:t>
+            </a:r>
+            <a:endParaRPr sz="900">
               <a:latin typeface="AdobeClean-Light"/>
               <a:cs typeface="AdobeClean-Light"/>
             </a:endParaRPr>
@@ -6427,8 +7473,16 @@
       </p:sp>
       <p:sp>
         <p:nvSpPr>
-          <p:cNvPr id="60" name="TextBox 59"/>
-          <p:cNvSpPr txBox="1"/>
+          <p:cNvPr id="60" name="TextBox 59">
+            <a:extLst>
+              <a:ext uri="{FF2B5EF4-FFF2-40B4-BE49-F238E27FC236}">
+                <a16:creationId xmlns:a16="http://schemas.microsoft.com/office/drawing/2014/main" id="{294BFC9C-CB48-FE4C-887D-D38E0BAE6627}"/>
+              </a:ext>
+            </a:extLst>
+          </p:cNvPr>
+          <p:cNvSpPr txBox="1">
+            <a:spLocks/>
+          </p:cNvSpPr>
           <p:nvPr/>
         </p:nvSpPr>
         <p:spPr>
@@ -6460,20 +7514,28 @@
               <a:defRPr/>
             </a:pPr>
             <a:r>
-              <a:rPr lang="en-US" sz="1200" dirty="0">
+              <a:rPr lang="en-US" sz="1200">
                 <a:solidFill>
                   <a:srgbClr val="000000"/>
                 </a:solidFill>
               </a:rPr>
-              <a:t>社区论坛</a:t>
+              <a:t>Community Forums</a:t>
             </a:r>
           </a:p>
         </p:txBody>
       </p:sp>
       <p:sp>
         <p:nvSpPr>
-          <p:cNvPr id="61" name="Rectangle 60"/>
-          <p:cNvSpPr/>
+          <p:cNvPr id="61" name="Rectangle 60">
+            <a:extLst>
+              <a:ext uri="{FF2B5EF4-FFF2-40B4-BE49-F238E27FC236}">
+                <a16:creationId xmlns:a16="http://schemas.microsoft.com/office/drawing/2014/main" id="{8F4C73CC-314D-8744-A9C8-6CE3C69810AD}"/>
+              </a:ext>
+            </a:extLst>
+          </p:cNvPr>
+          <p:cNvSpPr>
+            <a:spLocks/>
+          </p:cNvSpPr>
           <p:nvPr/>
         </p:nvSpPr>
         <p:spPr>
@@ -6500,19 +7562,25 @@
               </a:spcAft>
             </a:pPr>
             <a:r>
-              <a:rPr lang="en-US" sz="1200" b="1" dirty="0">
+              <a:rPr lang="en-US" sz="1200" b="1">
                 <a:latin typeface="+mj-lt"/>
                 <a:ea typeface="Open Sans" pitchFamily="34" charset="0"/>
                 <a:cs typeface="Open Sans" pitchFamily="34" charset="0"/>
               </a:rPr>
-              <a:t>在线论坛</a:t>
+              <a:t>Online Forums</a:t>
             </a:r>
           </a:p>
         </p:txBody>
       </p:sp>
       <p:sp>
         <p:nvSpPr>
-          <p:cNvPr id="63" name="object 39"/>
+          <p:cNvPr id="63" name="object 39">
+            <a:extLst>
+              <a:ext uri="{FF2B5EF4-FFF2-40B4-BE49-F238E27FC236}">
+                <a16:creationId xmlns:a16="http://schemas.microsoft.com/office/drawing/2014/main" id="{5FDB276C-3505-C748-B612-64E8B08A71CB}"/>
+              </a:ext>
+            </a:extLst>
+          </p:cNvPr>
           <p:cNvSpPr txBox="1"/>
           <p:nvPr/>
         </p:nvSpPr>
@@ -6532,21 +7600,29 @@
           <a:lstStyle/>
           <a:p>
             <a:r>
-              <a:rPr lang="en-US" sz="1000" dirty="0">
+              <a:rPr lang="en-US" sz="1000">
                 <a:solidFill>
                   <a:srgbClr val="000000"/>
                 </a:solidFill>
                 <a:latin typeface="Adobe Clean Light" panose="020B0303020404020204" pitchFamily="34" charset="0"/>
               </a:rPr>
-              <a:t>持续在线访问包括技术解决方案、产品文档、常见问题解答等的不断增长的数据库。数千名客户可以相互交流，分享最佳实践和经验教训。</a:t>
+              <a:t>Continuous online access to a growing database of technical solutions, product documentation, FAQs and more. Thousands of customers can connect to share best practices and lessons learned.</a:t>
             </a:r>
           </a:p>
         </p:txBody>
       </p:sp>
       <p:sp>
         <p:nvSpPr>
-          <p:cNvPr id="65" name="Rectangle 64"/>
-          <p:cNvSpPr/>
+          <p:cNvPr id="65" name="Rectangle 64">
+            <a:extLst>
+              <a:ext uri="{FF2B5EF4-FFF2-40B4-BE49-F238E27FC236}">
+                <a16:creationId xmlns:a16="http://schemas.microsoft.com/office/drawing/2014/main" id="{6E1B1B00-5842-3A4E-A250-97EC5CF16C89}"/>
+              </a:ext>
+            </a:extLst>
+          </p:cNvPr>
+          <p:cNvSpPr>
+            <a:spLocks/>
+          </p:cNvSpPr>
           <p:nvPr/>
         </p:nvSpPr>
         <p:spPr>
@@ -6573,19 +7649,25 @@
               </a:spcAft>
             </a:pPr>
             <a:r>
-              <a:rPr lang="en-US" sz="1200" b="1" dirty="0">
+              <a:rPr lang="en-US" sz="1200" b="1">
                 <a:latin typeface="+mj-lt"/>
                 <a:ea typeface="Open Sans" pitchFamily="34" charset="0"/>
                 <a:cs typeface="Open Sans" pitchFamily="34" charset="0"/>
               </a:rPr>
-              <a:t>自助式历程</a:t>
+              <a:t>Self-guided Journeys</a:t>
             </a:r>
           </a:p>
         </p:txBody>
       </p:sp>
       <p:sp>
         <p:nvSpPr>
-          <p:cNvPr id="67" name="object 39"/>
+          <p:cNvPr id="67" name="object 39">
+            <a:extLst>
+              <a:ext uri="{FF2B5EF4-FFF2-40B4-BE49-F238E27FC236}">
+                <a16:creationId xmlns:a16="http://schemas.microsoft.com/office/drawing/2014/main" id="{22816550-445E-B945-8FBC-36EF6779CB5A}"/>
+              </a:ext>
+            </a:extLst>
+          </p:cNvPr>
           <p:cNvSpPr txBox="1"/>
           <p:nvPr/>
         </p:nvSpPr>
@@ -6605,21 +7687,29 @@
           <a:lstStyle/>
           <a:p>
             <a:r>
-              <a:rPr lang="en-US" sz="1000" dirty="0">
+              <a:rPr lang="en-US" sz="1000">
                 <a:solidFill>
                   <a:srgbClr val="000000"/>
                 </a:solidFill>
                 <a:latin typeface="Adobe Clean Light" panose="020B0303020404020204" pitchFamily="34" charset="0"/>
               </a:rPr>
-              <a:t>Experience Makers 是使用 Experience League 创建的。客户可以通过个性化学习来获得客户体验管理能力，从而培养技能、与全球同行社区互动并获得职业发展的认可。</a:t>
+              <a:t>Experience Makers are made with Experience League. Customers can kickstart their Customer Experience Management abilities with personalized learning to develop skills, engage with a global community of peers, and earn career advancing recognition.</a:t>
             </a:r>
           </a:p>
         </p:txBody>
       </p:sp>
       <p:sp>
         <p:nvSpPr>
-          <p:cNvPr id="77" name="TextBox 76"/>
-          <p:cNvSpPr txBox="1"/>
+          <p:cNvPr id="77" name="TextBox 76">
+            <a:extLst>
+              <a:ext uri="{FF2B5EF4-FFF2-40B4-BE49-F238E27FC236}">
+                <a16:creationId xmlns:a16="http://schemas.microsoft.com/office/drawing/2014/main" id="{3C8012AA-ACFC-F14A-9871-8C8BC94B3109}"/>
+              </a:ext>
+            </a:extLst>
+          </p:cNvPr>
+          <p:cNvSpPr txBox="1">
+            <a:spLocks/>
+          </p:cNvSpPr>
           <p:nvPr/>
         </p:nvSpPr>
         <p:spPr>
@@ -6651,20 +7741,28 @@
               <a:defRPr/>
             </a:pPr>
             <a:r>
-              <a:rPr lang="en-US" sz="1200" dirty="0">
+              <a:rPr lang="en-US" sz="1200">
                 <a:solidFill>
                   <a:srgbClr val="000000"/>
                 </a:solidFill>
               </a:rPr>
-              <a:t>实时聊天支持*</a:t>
+              <a:t>Live Chat  Support*</a:t>
             </a:r>
           </a:p>
         </p:txBody>
       </p:sp>
       <p:sp>
         <p:nvSpPr>
-          <p:cNvPr id="78" name="Rectangle 77"/>
-          <p:cNvSpPr/>
+          <p:cNvPr id="78" name="Rectangle 77">
+            <a:extLst>
+              <a:ext uri="{FF2B5EF4-FFF2-40B4-BE49-F238E27FC236}">
+                <a16:creationId xmlns:a16="http://schemas.microsoft.com/office/drawing/2014/main" id="{3FD5E5E8-A228-E646-A72D-9542B6773A8E}"/>
+              </a:ext>
+            </a:extLst>
+          </p:cNvPr>
+          <p:cNvSpPr>
+            <a:spLocks/>
+          </p:cNvSpPr>
           <p:nvPr/>
         </p:nvSpPr>
         <p:spPr>
@@ -6691,20 +7789,28 @@
               </a:spcAft>
             </a:pPr>
             <a:r>
-              <a:rPr lang="en-US" sz="1200" b="1" dirty="0">
+              <a:rPr lang="en-US" sz="1200" b="1">
                 <a:latin typeface="+mj-lt"/>
                 <a:ea typeface="Open Sans" pitchFamily="34" charset="0"/>
                 <a:cs typeface="Open Sans" pitchFamily="34" charset="0"/>
               </a:rPr>
-              <a:t>聊天支持</a:t>
+              <a:t>Chat Support</a:t>
             </a:r>
           </a:p>
         </p:txBody>
       </p:sp>
       <p:sp>
         <p:nvSpPr>
-          <p:cNvPr id="80" name="TextBox 79"/>
-          <p:cNvSpPr txBox="1"/>
+          <p:cNvPr id="80" name="TextBox 79">
+            <a:extLst>
+              <a:ext uri="{FF2B5EF4-FFF2-40B4-BE49-F238E27FC236}">
+                <a16:creationId xmlns:a16="http://schemas.microsoft.com/office/drawing/2014/main" id="{DAF3EBEF-0B3F-B542-A30E-3B7228432027}"/>
+              </a:ext>
+            </a:extLst>
+          </p:cNvPr>
+          <p:cNvSpPr txBox="1">
+            <a:spLocks/>
+          </p:cNvSpPr>
           <p:nvPr/>
         </p:nvSpPr>
         <p:spPr>
@@ -6736,20 +7842,28 @@
               <a:defRPr/>
             </a:pPr>
             <a:r>
-              <a:rPr lang="en-US" sz="1200" dirty="0">
+              <a:rPr lang="en-US" sz="1200">
                 <a:solidFill>
                   <a:srgbClr val="000000"/>
                 </a:solidFill>
               </a:rPr>
-              <a:t>全天候 P1 </a:t>
+              <a:t>24X7 P1 </a:t>
             </a:r>
           </a:p>
         </p:txBody>
       </p:sp>
       <p:sp>
         <p:nvSpPr>
-          <p:cNvPr id="81" name="Rectangle 80"/>
-          <p:cNvSpPr/>
+          <p:cNvPr id="81" name="Rectangle 80">
+            <a:extLst>
+              <a:ext uri="{FF2B5EF4-FFF2-40B4-BE49-F238E27FC236}">
+                <a16:creationId xmlns:a16="http://schemas.microsoft.com/office/drawing/2014/main" id="{075E4356-C31F-674D-B927-91CC2C099FA3}"/>
+              </a:ext>
+            </a:extLst>
+          </p:cNvPr>
+          <p:cNvSpPr>
+            <a:spLocks/>
+          </p:cNvSpPr>
           <p:nvPr/>
         </p:nvSpPr>
         <p:spPr>
@@ -6776,26 +7890,32 @@
               </a:spcAft>
             </a:pPr>
             <a:r>
-              <a:rPr lang="en-US" sz="1200" b="1" dirty="0">
+              <a:rPr lang="en-US" sz="1200" b="1">
                 <a:latin typeface="+mj-lt"/>
                 <a:ea typeface="Open Sans" pitchFamily="34" charset="0"/>
                 <a:cs typeface="Open Sans" pitchFamily="34" charset="0"/>
               </a:rPr>
-              <a:t>电话支持</a:t>
+              <a:t>Phone Support</a:t>
             </a:r>
           </a:p>
         </p:txBody>
       </p:sp>
       <p:sp>
         <p:nvSpPr>
-          <p:cNvPr id="82" name="object 39"/>
+          <p:cNvPr id="82" name="object 39">
+            <a:extLst>
+              <a:ext uri="{FF2B5EF4-FFF2-40B4-BE49-F238E27FC236}">
+                <a16:creationId xmlns:a16="http://schemas.microsoft.com/office/drawing/2014/main" id="{95A83EB9-E8E1-7547-BBE3-E1F42C56BF6A}"/>
+              </a:ext>
+            </a:extLst>
+          </p:cNvPr>
           <p:cNvSpPr txBox="1"/>
           <p:nvPr/>
         </p:nvSpPr>
         <p:spPr>
           <a:xfrm>
             <a:off x="2836967" y="6529249"/>
-            <a:ext cx="2286000" cy="650875"/>
+            <a:ext cx="2286000" cy="805349"/>
           </a:xfrm>
           <a:prstGeom prst="rect">
             <a:avLst/>
@@ -6808,32 +7928,21 @@
           <a:lstStyle/>
           <a:p>
             <a:r>
-              <a:rPr lang="en-US" sz="1000" dirty="0">
+              <a:rPr lang="en-US" sz="1000">
                 <a:solidFill>
                   <a:srgbClr val="020302"/>
                 </a:solidFill>
                 <a:latin typeface="AdobeClean-Light"/>
               </a:rPr>
-              <a:t>授权用户或指定的支持联系人</a:t>
-            </a:r>
-            <a:r>
-              <a:rPr lang="en-US" sz="1000" dirty="0">
+              <a:t>Authorized users or Named Support Contacts </a:t>
+            </a:r>
+            <a:r>
+              <a:rPr lang="en-US" sz="1000">
                 <a:latin typeface="Adobe Clean Light" panose="020B0303020404020204" pitchFamily="34" charset="0"/>
               </a:rPr>
-              <a:t>可以通过所有可用渠道（包括 P1 的电话）提交问题，并代表您的公司与我们的技术支持团队</a:t>
-            </a:r>
-            <a:br>
-              <a:rPr lang="en-US" sz="1000" dirty="0">
-                <a:latin typeface="Adobe Clean Light" panose="020B0303020404020204" pitchFamily="34" charset="0"/>
-              </a:rPr>
-            </a:br>
-            <a:r>
-              <a:rPr lang="en-US" sz="1000" dirty="0">
-                <a:latin typeface="Adobe Clean Light" panose="020B0303020404020204" pitchFamily="34" charset="0"/>
-              </a:rPr>
-              <a:t>互动。</a:t>
-            </a:r>
-            <a:endParaRPr lang="en-US" sz="1000" dirty="0">
+              <a:t>can submit issues through all available  channels (including phone for P1) and interact with our technical support team on behalf of your company. </a:t>
+            </a:r>
+            <a:endParaRPr lang="en-US" sz="1000">
               <a:solidFill>
                 <a:srgbClr val="000000"/>
               </a:solidFill>
@@ -6844,7 +7953,13 @@
       </p:sp>
       <p:sp>
         <p:nvSpPr>
-          <p:cNvPr id="84" name="object 10"/>
+          <p:cNvPr id="84" name="object 10">
+            <a:extLst>
+              <a:ext uri="{FF2B5EF4-FFF2-40B4-BE49-F238E27FC236}">
+                <a16:creationId xmlns:a16="http://schemas.microsoft.com/office/drawing/2014/main" id="{CBCF4964-CAC8-F146-B2E2-51ED8B3DC99A}"/>
+              </a:ext>
+            </a:extLst>
+          </p:cNvPr>
           <p:cNvSpPr txBox="1">
             <a:spLocks noGrp="1"/>
           </p:cNvSpPr>
@@ -6855,7 +7970,7 @@
         <p:spPr>
           <a:xfrm>
             <a:off x="5253416" y="9862966"/>
-            <a:ext cx="2518984" cy="132729"/>
+            <a:ext cx="2270125" cy="132729"/>
           </a:xfrm>
           <a:prstGeom prst="rect">
             <a:avLst/>
@@ -6876,15 +7991,23 @@
               </a:spcBef>
             </a:pPr>
             <a:r>
-              <a:rPr lang="en-US" spc="-5" dirty="0"/>
-              <a:t>©2021 Adobe.All Rights Reserved.Adobe</a:t>
-            </a:r>
-            <a:r>
-              <a:rPr lang="en-US" spc="60" dirty="0"/>
+              <a:rPr spc="-5"/>
+              <a:t>©202</a:t>
+            </a:r>
+            <a:r>
+              <a:rPr lang="en-US" spc="-5"/>
+              <a:t>1</a:t>
+            </a:r>
+            <a:r>
+              <a:rPr spc="-5"/>
+              <a:t> Adobe. All Rights Reserved. Adobe</a:t>
+            </a:r>
+            <a:r>
+              <a:rPr spc="60"/>
               <a:t> </a:t>
             </a:r>
             <a:r>
-              <a:rPr lang="en-US" spc="-5" dirty="0"/>
+              <a:rPr spc="-5"/>
               <a:t>Confidential.</a:t>
             </a:r>
           </a:p>
@@ -6892,8 +8015,16 @@
       </p:sp>
       <p:sp>
         <p:nvSpPr>
-          <p:cNvPr id="41" name="Rectangle 40"/>
-          <p:cNvSpPr/>
+          <p:cNvPr id="41" name="Rectangle 40">
+            <a:extLst>
+              <a:ext uri="{FF2B5EF4-FFF2-40B4-BE49-F238E27FC236}">
+                <a16:creationId xmlns:a16="http://schemas.microsoft.com/office/drawing/2014/main" id="{6BF87FDD-9EA3-6946-897D-7CB38BCFBCA5}"/>
+              </a:ext>
+            </a:extLst>
+          </p:cNvPr>
+          <p:cNvSpPr>
+            <a:spLocks/>
+          </p:cNvSpPr>
           <p:nvPr/>
         </p:nvSpPr>
         <p:spPr>
@@ -6920,20 +8051,26 @@
               </a:spcAft>
             </a:pPr>
             <a:r>
-              <a:rPr lang="en-US" sz="1200" b="1" spc="-10" dirty="0">
+              <a:rPr lang="en-US" sz="1200" b="1" spc="-10">
                 <a:solidFill>
                   <a:srgbClr val="020302"/>
                 </a:solidFill>
                 <a:latin typeface="+mj-lt"/>
               </a:rPr>
-              <a:t>帐户支持主管</a:t>
+              <a:t>Account Support Lead</a:t>
             </a:r>
           </a:p>
         </p:txBody>
       </p:sp>
       <p:sp>
         <p:nvSpPr>
-          <p:cNvPr id="42" name="object 26"/>
+          <p:cNvPr id="42" name="object 26">
+            <a:extLst>
+              <a:ext uri="{FF2B5EF4-FFF2-40B4-BE49-F238E27FC236}">
+                <a16:creationId xmlns:a16="http://schemas.microsoft.com/office/drawing/2014/main" id="{44EDA522-BD84-1947-A820-5069D704753E}"/>
+              </a:ext>
+            </a:extLst>
+          </p:cNvPr>
           <p:cNvSpPr/>
           <p:nvPr/>
         </p:nvSpPr>
@@ -6975,7 +8112,13 @@
       </p:sp>
       <p:sp>
         <p:nvSpPr>
-          <p:cNvPr id="44" name="Rectangle 43"/>
+          <p:cNvPr id="44" name="Rectangle 43">
+            <a:extLst>
+              <a:ext uri="{FF2B5EF4-FFF2-40B4-BE49-F238E27FC236}">
+                <a16:creationId xmlns:a16="http://schemas.microsoft.com/office/drawing/2014/main" id="{147009FB-1B8D-6D4F-87DF-41B5DE49EFE5}"/>
+              </a:ext>
+            </a:extLst>
+          </p:cNvPr>
           <p:cNvSpPr/>
           <p:nvPr/>
         </p:nvSpPr>
@@ -7003,16 +8146,16 @@
               </a:spcBef>
             </a:pPr>
             <a:r>
-              <a:rPr lang="en-US" sz="1400" b="1" spc="-10" dirty="0">
+              <a:rPr lang="en-US" sz="1400" b="1" spc="-10">
                 <a:solidFill>
                   <a:srgbClr val="020302"/>
                 </a:solidFill>
                 <a:latin typeface="Adobe Clean"/>
                 <a:cs typeface="Adobe Clean"/>
               </a:rPr>
-              <a:t>在线支持功能</a:t>
-            </a:r>
-            <a:endParaRPr lang="en-US" sz="1400" dirty="0">
+              <a:t>Online Support Features</a:t>
+            </a:r>
+            <a:endParaRPr lang="en-US" sz="1400">
               <a:latin typeface="Adobe Clean"/>
               <a:cs typeface="Adobe Clean"/>
             </a:endParaRPr>
@@ -7021,7 +8164,13 @@
       </p:sp>
       <p:sp>
         <p:nvSpPr>
-          <p:cNvPr id="87" name="object 26"/>
+          <p:cNvPr id="87" name="object 26">
+            <a:extLst>
+              <a:ext uri="{FF2B5EF4-FFF2-40B4-BE49-F238E27FC236}">
+                <a16:creationId xmlns:a16="http://schemas.microsoft.com/office/drawing/2014/main" id="{ED3EAB14-8A43-9244-93BB-BE321FE4250C}"/>
+              </a:ext>
+            </a:extLst>
+          </p:cNvPr>
           <p:cNvSpPr/>
           <p:nvPr/>
         </p:nvSpPr>
@@ -7063,7 +8212,13 @@
       </p:sp>
       <p:sp>
         <p:nvSpPr>
-          <p:cNvPr id="88" name="Rectangle 87"/>
+          <p:cNvPr id="88" name="Rectangle 87">
+            <a:extLst>
+              <a:ext uri="{FF2B5EF4-FFF2-40B4-BE49-F238E27FC236}">
+                <a16:creationId xmlns:a16="http://schemas.microsoft.com/office/drawing/2014/main" id="{BDC8935C-27E9-A94B-ABF1-EFA84FB3D2BE}"/>
+              </a:ext>
+            </a:extLst>
+          </p:cNvPr>
           <p:cNvSpPr/>
           <p:nvPr/>
         </p:nvSpPr>
@@ -7091,16 +8246,16 @@
               </a:spcBef>
             </a:pPr>
             <a:r>
-              <a:rPr lang="en-US" sz="1400" b="1" spc="-10" dirty="0">
+              <a:rPr lang="en-US" sz="1400" b="1" spc="-10">
                 <a:solidFill>
                   <a:srgbClr val="020302"/>
                 </a:solidFill>
                 <a:latin typeface="Adobe Clean"/>
                 <a:cs typeface="Adobe Clean"/>
               </a:rPr>
-              <a:t>商业支持功能</a:t>
-            </a:r>
-            <a:endParaRPr lang="en-US" sz="1400" dirty="0">
+              <a:t>Business  Support Features</a:t>
+            </a:r>
+            <a:endParaRPr lang="en-US" sz="1400">
               <a:latin typeface="Adobe Clean"/>
               <a:cs typeface="Adobe Clean"/>
             </a:endParaRPr>
@@ -7109,7 +8264,13 @@
       </p:sp>
       <p:sp>
         <p:nvSpPr>
-          <p:cNvPr id="94" name="object 39"/>
+          <p:cNvPr id="94" name="object 39">
+            <a:extLst>
+              <a:ext uri="{FF2B5EF4-FFF2-40B4-BE49-F238E27FC236}">
+                <a16:creationId xmlns:a16="http://schemas.microsoft.com/office/drawing/2014/main" id="{56FA5DB6-2107-7245-9FC4-96BFB9E344C1}"/>
+              </a:ext>
+            </a:extLst>
+          </p:cNvPr>
           <p:cNvSpPr txBox="1"/>
           <p:nvPr/>
         </p:nvSpPr>
@@ -7137,12 +8298,12 @@
               </a:spcBef>
             </a:pPr>
             <a:r>
-              <a:rPr lang="en-US" sz="1000" dirty="0">
+              <a:rPr lang="en-US" sz="1000">
                 <a:latin typeface="Adobe Clean Light" panose="020B0303020404020204" pitchFamily="34" charset="0"/>
               </a:rPr>
-              <a:t>客户可以在区域支持时间内通过电话提交所有 P2、P3、P4 问题的支持案例。您拨打电话来获取支持的次数没有上限。客户还可以请求支持部门回电，或要求召开会议以使用共享远程桌面会话演示或解决问题。</a:t>
-            </a:r>
-            <a:endParaRPr lang="en-US" sz="1000" dirty="0">
+              <a:t>Customers can submit support cases via Phone for all P2, P3, P4 issues during regional support hours. There are no upper limits on the number of times you can call into support. Customers can also request a call back from support or request a meeting to demonstrate or work through an issue using a shared remote desktop session.</a:t>
+            </a:r>
+            <a:endParaRPr lang="en-US" sz="1000">
               <a:latin typeface="Adobe Clean Light" panose="020B0303020404020204" pitchFamily="34" charset="0"/>
               <a:cs typeface="AdobeClean-Light"/>
             </a:endParaRPr>
@@ -7151,8 +8312,16 @@
       </p:sp>
       <p:sp>
         <p:nvSpPr>
-          <p:cNvPr id="95" name="Rectangle 94"/>
-          <p:cNvSpPr/>
+          <p:cNvPr id="95" name="Rectangle 94">
+            <a:extLst>
+              <a:ext uri="{FF2B5EF4-FFF2-40B4-BE49-F238E27FC236}">
+                <a16:creationId xmlns:a16="http://schemas.microsoft.com/office/drawing/2014/main" id="{06E9F521-1218-D44D-8A7A-CA9808D1171B}"/>
+              </a:ext>
+            </a:extLst>
+          </p:cNvPr>
+          <p:cNvSpPr>
+            <a:spLocks/>
+          </p:cNvSpPr>
           <p:nvPr/>
         </p:nvSpPr>
         <p:spPr>
@@ -7179,20 +8348,26 @@
               </a:spcAft>
             </a:pPr>
             <a:r>
-              <a:rPr lang="en-US" sz="1200" b="1" spc="-10" dirty="0">
+              <a:rPr lang="en-US" sz="1200" b="1" spc="-10">
                 <a:solidFill>
                   <a:srgbClr val="020302"/>
                 </a:solidFill>
                 <a:latin typeface="+mj-lt"/>
               </a:rPr>
-              <a:t>实时电话支持</a:t>
+              <a:t>Live Telephone Support</a:t>
             </a:r>
           </a:p>
         </p:txBody>
       </p:sp>
       <p:sp>
         <p:nvSpPr>
-          <p:cNvPr id="96" name="object 39"/>
+          <p:cNvPr id="96" name="object 39">
+            <a:extLst>
+              <a:ext uri="{FF2B5EF4-FFF2-40B4-BE49-F238E27FC236}">
+                <a16:creationId xmlns:a16="http://schemas.microsoft.com/office/drawing/2014/main" id="{61C3FC5E-C90C-3046-9504-57A1CE7913F9}"/>
+              </a:ext>
+            </a:extLst>
+          </p:cNvPr>
           <p:cNvSpPr txBox="1"/>
           <p:nvPr/>
         </p:nvSpPr>
@@ -7220,15 +8395,15 @@
               </a:spcBef>
             </a:pPr>
             <a:r>
-              <a:rPr lang="en-US" sz="1000" dirty="0">
+              <a:rPr lang="en-US" sz="1000">
                 <a:solidFill>
                   <a:srgbClr val="4B4B4B"/>
                 </a:solidFill>
                 <a:latin typeface="Adobe Clean Light" panose="020B0303020404020204" pitchFamily="34" charset="0"/>
               </a:rPr>
-              <a:t>Adobe 内部的指定联系人，可以提供上报协助和定期更新，确保优先处理最重要的未完成支持请求。</a:t>
-            </a:r>
-            <a:endParaRPr lang="en-US" sz="1000" dirty="0">
+              <a:t>A designated point of contact within Adobe who can provide escalation assistance, regular updates and ensure priority is given to your most critical open support requests.</a:t>
+            </a:r>
+            <a:endParaRPr lang="en-US" sz="1000">
               <a:latin typeface="Adobe Clean Light" panose="020B0303020404020204" pitchFamily="34" charset="0"/>
               <a:cs typeface="AdobeClean-Light"/>
             </a:endParaRPr>
@@ -7237,8 +8412,16 @@
       </p:sp>
       <p:sp>
         <p:nvSpPr>
-          <p:cNvPr id="97" name="Rectangle 96"/>
-          <p:cNvSpPr/>
+          <p:cNvPr id="97" name="Rectangle 96">
+            <a:extLst>
+              <a:ext uri="{FF2B5EF4-FFF2-40B4-BE49-F238E27FC236}">
+                <a16:creationId xmlns:a16="http://schemas.microsoft.com/office/drawing/2014/main" id="{1F390430-3ED2-1F47-8897-19279095D4E1}"/>
+              </a:ext>
+            </a:extLst>
+          </p:cNvPr>
+          <p:cNvSpPr>
+            <a:spLocks/>
+          </p:cNvSpPr>
           <p:nvPr/>
         </p:nvSpPr>
         <p:spPr>
@@ -7265,21 +8448,29 @@
               </a:spcAft>
             </a:pPr>
             <a:r>
-              <a:rPr lang="en-US" sz="1200" b="1" spc="-10" dirty="0">
+              <a:rPr lang="en-US" sz="1200" b="1" spc="-10">
                 <a:solidFill>
                   <a:srgbClr val="020302"/>
                 </a:solidFill>
                 <a:latin typeface="+mj-lt"/>
               </a:rPr>
-              <a:t>上报管理</a:t>
+              <a:t>Escalation Management</a:t>
             </a:r>
           </a:p>
         </p:txBody>
       </p:sp>
       <p:sp>
         <p:nvSpPr>
-          <p:cNvPr id="57" name="TextBox 56"/>
-          <p:cNvSpPr txBox="1"/>
+          <p:cNvPr id="57" name="TextBox 56">
+            <a:extLst>
+              <a:ext uri="{FF2B5EF4-FFF2-40B4-BE49-F238E27FC236}">
+                <a16:creationId xmlns:a16="http://schemas.microsoft.com/office/drawing/2014/main" id="{D014F946-0545-5C4A-A033-E0A3D7D3B994}"/>
+              </a:ext>
+            </a:extLst>
+          </p:cNvPr>
+          <p:cNvSpPr txBox="1">
+            <a:spLocks/>
+          </p:cNvSpPr>
           <p:nvPr/>
         </p:nvSpPr>
         <p:spPr>
@@ -7311,20 +8502,28 @@
               <a:defRPr/>
             </a:pPr>
             <a:r>
-              <a:rPr lang="en-US" sz="1200" dirty="0">
+              <a:rPr lang="en-US" sz="1200">
                 <a:solidFill>
                   <a:srgbClr val="000000"/>
                 </a:solidFill>
               </a:rPr>
-              <a:t>办公室会议</a:t>
+              <a:t>Office Hours</a:t>
             </a:r>
           </a:p>
         </p:txBody>
       </p:sp>
       <p:sp>
         <p:nvSpPr>
-          <p:cNvPr id="68" name="Rectangle 67"/>
-          <p:cNvSpPr/>
+          <p:cNvPr id="68" name="Rectangle 67">
+            <a:extLst>
+              <a:ext uri="{FF2B5EF4-FFF2-40B4-BE49-F238E27FC236}">
+                <a16:creationId xmlns:a16="http://schemas.microsoft.com/office/drawing/2014/main" id="{E00D47C7-6887-144B-AC6C-98B0C06A66C3}"/>
+              </a:ext>
+            </a:extLst>
+          </p:cNvPr>
+          <p:cNvSpPr>
+            <a:spLocks/>
+          </p:cNvSpPr>
           <p:nvPr/>
         </p:nvSpPr>
         <p:spPr>
@@ -7351,26 +8550,32 @@
               </a:spcAft>
             </a:pPr>
             <a:r>
-              <a:rPr lang="en-US" sz="1200" b="1" dirty="0">
+              <a:rPr lang="en-US" sz="1200" b="1">
                 <a:latin typeface="+mj-lt"/>
                 <a:ea typeface="Open Sans" pitchFamily="34" charset="0"/>
                 <a:cs typeface="Open Sans" pitchFamily="34" charset="0"/>
               </a:rPr>
-              <a:t>网络研讨会</a:t>
+              <a:t>Webinars</a:t>
             </a:r>
           </a:p>
         </p:txBody>
       </p:sp>
       <p:sp>
         <p:nvSpPr>
-          <p:cNvPr id="70" name="object 39"/>
+          <p:cNvPr id="70" name="object 39">
+            <a:extLst>
+              <a:ext uri="{FF2B5EF4-FFF2-40B4-BE49-F238E27FC236}">
+                <a16:creationId xmlns:a16="http://schemas.microsoft.com/office/drawing/2014/main" id="{A3968CBF-60CB-D743-9C93-31831CF4AC99}"/>
+              </a:ext>
+            </a:extLst>
+          </p:cNvPr>
           <p:cNvSpPr txBox="1"/>
           <p:nvPr/>
         </p:nvSpPr>
         <p:spPr>
           <a:xfrm>
             <a:off x="370040" y="8618616"/>
-            <a:ext cx="2373160" cy="651460"/>
+            <a:ext cx="2286000" cy="1113125"/>
           </a:xfrm>
           <a:prstGeom prst="rect">
             <a:avLst/>
@@ -7383,21 +8588,29 @@
           <a:lstStyle/>
           <a:p>
             <a:r>
-              <a:rPr lang="en-US" sz="1000" dirty="0">
+              <a:rPr lang="en-US" sz="1000">
                 <a:solidFill>
                   <a:srgbClr val="000000"/>
                 </a:solidFill>
                 <a:latin typeface="Adobe Clean Light" panose="020B0303020404020204" pitchFamily="34" charset="0"/>
               </a:rPr>
-              <a:t>“办公室会议”是 Adobe 客户支持团队发起的一项计划。这些讲座旨在指导并帮助参与者排除问题，并提供有助于 Adobe Experience Cloud 发挥成效的提示和技巧。</a:t>
+              <a:t>Office Hours is an initiative led by the Adobe Customer Support team. These sessions are designed to inform as well as help participants troubleshoot problems and provide tips and tricks to be successful with Adobe Experience Cloud.</a:t>
             </a:r>
           </a:p>
         </p:txBody>
       </p:sp>
       <p:sp>
         <p:nvSpPr>
-          <p:cNvPr id="73" name="Rectangle 72"/>
-          <p:cNvSpPr/>
+          <p:cNvPr id="73" name="Rectangle 72">
+            <a:extLst>
+              <a:ext uri="{FF2B5EF4-FFF2-40B4-BE49-F238E27FC236}">
+                <a16:creationId xmlns:a16="http://schemas.microsoft.com/office/drawing/2014/main" id="{07CC29C8-EC02-804B-805C-15E7100BFE98}"/>
+              </a:ext>
+            </a:extLst>
+          </p:cNvPr>
+          <p:cNvSpPr>
+            <a:spLocks/>
+          </p:cNvSpPr>
           <p:nvPr/>
         </p:nvSpPr>
         <p:spPr>
@@ -7424,26 +8637,32 @@
               </a:spcAft>
             </a:pPr>
             <a:r>
-              <a:rPr lang="en-US" sz="1200" b="1" dirty="0">
+              <a:rPr lang="en-US" sz="1200" b="1">
                 <a:latin typeface="+mj-lt"/>
                 <a:ea typeface="Open Sans" pitchFamily="34" charset="0"/>
                 <a:cs typeface="Open Sans" pitchFamily="34" charset="0"/>
               </a:rPr>
-              <a:t>全天候支持门户</a:t>
+              <a:t>24/7 Support Portal</a:t>
             </a:r>
           </a:p>
         </p:txBody>
       </p:sp>
       <p:sp>
         <p:nvSpPr>
-          <p:cNvPr id="74" name="object 39"/>
+          <p:cNvPr id="74" name="object 39">
+            <a:extLst>
+              <a:ext uri="{FF2B5EF4-FFF2-40B4-BE49-F238E27FC236}">
+                <a16:creationId xmlns:a16="http://schemas.microsoft.com/office/drawing/2014/main" id="{02FB7DE8-001A-7E4A-8191-AA46458FFED8}"/>
+              </a:ext>
+            </a:extLst>
+          </p:cNvPr>
           <p:cNvSpPr txBox="1"/>
           <p:nvPr/>
         </p:nvSpPr>
         <p:spPr>
           <a:xfrm>
             <a:off x="5376301" y="8618616"/>
-            <a:ext cx="2286000" cy="650875"/>
+            <a:ext cx="2286000" cy="805349"/>
           </a:xfrm>
           <a:prstGeom prst="rect">
             <a:avLst/>
@@ -7456,20 +8675,43 @@
           <a:lstStyle/>
           <a:p>
             <a:r>
-              <a:rPr lang="en-US" sz="1000" dirty="0">
+              <a:rPr lang="en-US" sz="1000">
                 <a:solidFill>
                   <a:srgbClr val="000000"/>
                 </a:solidFill>
                 <a:latin typeface="Adobe Clean Light" panose="020B0303020404020204" pitchFamily="34" charset="0"/>
               </a:rPr>
-              <a:t>按需访问在线自助支持门户以提交支持请求、查看案例状态并浏览其他资源，例如我们的知识库、新闻和通知、特色小贴士等。</a:t>
+              <a:t>On-demand access to the online </a:t>
+            </a:r>
+            <a:br>
+              <a:rPr lang="en-US" sz="1000">
+                <a:solidFill>
+                  <a:srgbClr val="000000"/>
+                </a:solidFill>
+                <a:latin typeface="Adobe Clean Light" panose="020B0303020404020204" pitchFamily="34" charset="0"/>
+              </a:rPr>
+            </a:br>
+            <a:r>
+              <a:rPr lang="en-US" sz="1000">
+                <a:solidFill>
+                  <a:srgbClr val="000000"/>
+                </a:solidFill>
+                <a:latin typeface="Adobe Clean Light" panose="020B0303020404020204" pitchFamily="34" charset="0"/>
+              </a:rPr>
+              <a:t>Self-help Support Portal to submit support requests, review case status, and browse other resources, like our knowledgebase, news and alerts, featured tips, and more.</a:t>
             </a:r>
           </a:p>
         </p:txBody>
       </p:sp>
       <p:pic>
         <p:nvPicPr>
-          <p:cNvPr id="13" name="Graphic 12" descr="操作说明轮廓图"/>
+          <p:cNvPr id="13" name="Graphic 12" descr="Playbook outline">
+            <a:extLst>
+              <a:ext uri="{FF2B5EF4-FFF2-40B4-BE49-F238E27FC236}">
+                <a16:creationId xmlns:a16="http://schemas.microsoft.com/office/drawing/2014/main" id="{EA91EF06-4BFE-9B42-9A4B-1146BB3FDFD3}"/>
+              </a:ext>
+            </a:extLst>
+          </p:cNvPr>
           <p:cNvPicPr>
             <a:picLocks noChangeAspect="1"/>
           </p:cNvPicPr>
@@ -7502,7 +8744,13 @@
       </p:pic>
       <p:pic>
         <p:nvPicPr>
-          <p:cNvPr id="15" name="Graphic 14" descr="用户轮廓图"/>
+          <p:cNvPr id="15" name="Graphic 14" descr="User outline">
+            <a:extLst>
+              <a:ext uri="{FF2B5EF4-FFF2-40B4-BE49-F238E27FC236}">
+                <a16:creationId xmlns:a16="http://schemas.microsoft.com/office/drawing/2014/main" id="{432C176A-FCAC-A645-A2E4-E6AD4A602868}"/>
+              </a:ext>
+            </a:extLst>
+          </p:cNvPr>
           <p:cNvPicPr>
             <a:picLocks noChangeAspect="1"/>
           </p:cNvPicPr>
@@ -7535,7 +8783,13 @@
       </p:pic>
       <p:sp>
         <p:nvSpPr>
-          <p:cNvPr id="6" name="TextBox 5"/>
+          <p:cNvPr id="6" name="TextBox 5">
+            <a:extLst>
+              <a:ext uri="{FF2B5EF4-FFF2-40B4-BE49-F238E27FC236}">
+                <a16:creationId xmlns:a16="http://schemas.microsoft.com/office/drawing/2014/main" id="{3A360C4F-3C10-B641-8B6D-C8AF4943F81E}"/>
+              </a:ext>
+            </a:extLst>
+          </p:cNvPr>
           <p:cNvSpPr txBox="1"/>
           <p:nvPr/>
         </p:nvSpPr>
@@ -7556,17 +8810,23 @@
           <a:lstStyle/>
           <a:p>
             <a:r>
-              <a:rPr lang="en-US" sz="1200" b="1" dirty="0">
+              <a:rPr lang="en-US" sz="1200" b="1">
                 <a:latin typeface="+mj-lt"/>
               </a:rPr>
-              <a:t>商业服务</a:t>
+              <a:t>Business Services</a:t>
             </a:r>
           </a:p>
         </p:txBody>
       </p:sp>
       <p:sp>
         <p:nvSpPr>
-          <p:cNvPr id="86" name="object 39"/>
+          <p:cNvPr id="86" name="object 39">
+            <a:extLst>
+              <a:ext uri="{FF2B5EF4-FFF2-40B4-BE49-F238E27FC236}">
+                <a16:creationId xmlns:a16="http://schemas.microsoft.com/office/drawing/2014/main" id="{3003AB67-9A7C-614D-8006-83CEA36B6A65}"/>
+              </a:ext>
+            </a:extLst>
+          </p:cNvPr>
           <p:cNvSpPr txBox="1"/>
           <p:nvPr/>
         </p:nvSpPr>
@@ -7594,12 +8854,12 @@
               </a:spcBef>
             </a:pPr>
             <a:r>
-              <a:rPr lang="en-US" sz="1000" dirty="0">
+              <a:rPr lang="en-US" sz="1000">
                 <a:latin typeface="Adobe Clean Light" panose="020B0303020404020204" pitchFamily="34" charset="0"/>
               </a:rPr>
-              <a:t>帐户支持主管将主持旨在从总体上介绍商业支持服务的网络研讨会。</a:t>
-            </a:r>
-            <a:endParaRPr lang="en-US" sz="1000" dirty="0">
+              <a:t>An Account Support Lead will host webinars covering an overview of business support services.  </a:t>
+            </a:r>
+            <a:endParaRPr lang="en-US" sz="1000">
               <a:latin typeface="Adobe Clean Light" panose="020B0303020404020204" pitchFamily="34" charset="0"/>
               <a:cs typeface="AdobeClean-Light"/>
             </a:endParaRPr>
@@ -7608,7 +8868,13 @@
       </p:sp>
       <p:sp>
         <p:nvSpPr>
-          <p:cNvPr id="90" name="object 38"/>
+          <p:cNvPr id="90" name="object 38">
+            <a:extLst>
+              <a:ext uri="{FF2B5EF4-FFF2-40B4-BE49-F238E27FC236}">
+                <a16:creationId xmlns:a16="http://schemas.microsoft.com/office/drawing/2014/main" id="{365702EE-FA18-9544-B462-9958849596A3}"/>
+              </a:ext>
+            </a:extLst>
+          </p:cNvPr>
           <p:cNvSpPr/>
           <p:nvPr/>
         </p:nvSpPr>
@@ -7657,7 +8923,13 @@
       </p:sp>
       <p:pic>
         <p:nvPicPr>
-          <p:cNvPr id="8" name="Graphic 7" descr="呼叫中心轮廓图"/>
+          <p:cNvPr id="8" name="Graphic 7" descr="Call center outline">
+            <a:extLst>
+              <a:ext uri="{FF2B5EF4-FFF2-40B4-BE49-F238E27FC236}">
+                <a16:creationId xmlns:a16="http://schemas.microsoft.com/office/drawing/2014/main" id="{76C5F4CC-9EB1-9A40-B7CD-9238D7CBD210}"/>
+              </a:ext>
+            </a:extLst>
+          </p:cNvPr>
           <p:cNvPicPr>
             <a:picLocks noChangeAspect="1"/>
           </p:cNvPicPr>
@@ -7690,7 +8962,13 @@
       </p:pic>
       <p:pic>
         <p:nvPicPr>
-          <p:cNvPr id="12" name="Graphic 11" descr="聊天气泡轮廓图"/>
+          <p:cNvPr id="12" name="Graphic 11" descr="Chat bubble outline">
+            <a:extLst>
+              <a:ext uri="{FF2B5EF4-FFF2-40B4-BE49-F238E27FC236}">
+                <a16:creationId xmlns:a16="http://schemas.microsoft.com/office/drawing/2014/main" id="{622BBF30-302E-BB48-9742-E046EB16E213}"/>
+              </a:ext>
+            </a:extLst>
+          </p:cNvPr>
           <p:cNvPicPr>
             <a:picLocks noChangeAspect="1"/>
           </p:cNvPicPr>
@@ -7723,7 +9001,13 @@
       </p:pic>
       <p:pic>
         <p:nvPicPr>
-          <p:cNvPr id="16" name="Graphic 15" descr="指南针轮廓图"/>
+          <p:cNvPr id="16" name="Graphic 15" descr="Compass outline">
+            <a:extLst>
+              <a:ext uri="{FF2B5EF4-FFF2-40B4-BE49-F238E27FC236}">
+                <a16:creationId xmlns:a16="http://schemas.microsoft.com/office/drawing/2014/main" id="{8D3635BD-68A2-174E-92F8-1EE608E3F409}"/>
+              </a:ext>
+            </a:extLst>
+          </p:cNvPr>
           <p:cNvPicPr>
             <a:picLocks noChangeAspect="1"/>
           </p:cNvPicPr>
@@ -7756,7 +9040,13 @@
       </p:pic>
       <p:pic>
         <p:nvPicPr>
-          <p:cNvPr id="18" name="Graphic 17" descr="免提电话轮廓图"/>
+          <p:cNvPr id="18" name="Graphic 17" descr="Speaker phone outline">
+            <a:extLst>
+              <a:ext uri="{FF2B5EF4-FFF2-40B4-BE49-F238E27FC236}">
+                <a16:creationId xmlns:a16="http://schemas.microsoft.com/office/drawing/2014/main" id="{CD7C3546-DF6C-1748-9DE2-3DE0B393FD70}"/>
+              </a:ext>
+            </a:extLst>
+          </p:cNvPr>
           <p:cNvPicPr>
             <a:picLocks noChangeAspect="1"/>
           </p:cNvPicPr>
@@ -7789,7 +9079,13 @@
       </p:pic>
       <p:pic>
         <p:nvPicPr>
-          <p:cNvPr id="20" name="Graphic 19" descr="客户审查轮廓图"/>
+          <p:cNvPr id="20" name="Graphic 19" descr="Customer review outline">
+            <a:extLst>
+              <a:ext uri="{FF2B5EF4-FFF2-40B4-BE49-F238E27FC236}">
+                <a16:creationId xmlns:a16="http://schemas.microsoft.com/office/drawing/2014/main" id="{88BA5AB9-C7BF-714C-B301-F3911BFCE82B}"/>
+              </a:ext>
+            </a:extLst>
+          </p:cNvPr>
           <p:cNvPicPr>
             <a:picLocks noChangeAspect="1"/>
           </p:cNvPicPr>
@@ -7822,7 +9118,13 @@
       </p:pic>
       <p:pic>
         <p:nvPicPr>
-          <p:cNvPr id="24" name="Graphic 23" descr="路标轮廓图"/>
+          <p:cNvPr id="24" name="Graphic 23" descr="Signpost outline">
+            <a:extLst>
+              <a:ext uri="{FF2B5EF4-FFF2-40B4-BE49-F238E27FC236}">
+                <a16:creationId xmlns:a16="http://schemas.microsoft.com/office/drawing/2014/main" id="{98A2CDD0-0973-5C41-9864-EAF96E20A224}"/>
+              </a:ext>
+            </a:extLst>
+          </p:cNvPr>
           <p:cNvPicPr>
             <a:picLocks noChangeAspect="1"/>
           </p:cNvPicPr>
@@ -7855,7 +9157,13 @@
       </p:pic>
       <p:pic>
         <p:nvPicPr>
-          <p:cNvPr id="26" name="Graphic 25" descr="Internet 轮廓图"/>
+          <p:cNvPr id="26" name="Graphic 25" descr="Internet outline">
+            <a:extLst>
+              <a:ext uri="{FF2B5EF4-FFF2-40B4-BE49-F238E27FC236}">
+                <a16:creationId xmlns:a16="http://schemas.microsoft.com/office/drawing/2014/main" id="{D97D0963-4E70-534E-A452-83995F1FACDE}"/>
+              </a:ext>
+            </a:extLst>
+          </p:cNvPr>
           <p:cNvPicPr>
             <a:picLocks noChangeAspect="1"/>
           </p:cNvPicPr>
@@ -7888,7 +9196,13 @@
       </p:pic>
       <p:pic>
         <p:nvPicPr>
-          <p:cNvPr id="28" name="Graphic 27" descr="远程学习语言轮廓图"/>
+          <p:cNvPr id="28" name="Graphic 27" descr="Remote learning language outline">
+            <a:extLst>
+              <a:ext uri="{FF2B5EF4-FFF2-40B4-BE49-F238E27FC236}">
+                <a16:creationId xmlns:a16="http://schemas.microsoft.com/office/drawing/2014/main" id="{5F425BA3-573C-1A4A-9418-FC3AB02B28C2}"/>
+              </a:ext>
+            </a:extLst>
+          </p:cNvPr>
           <p:cNvPicPr>
             <a:picLocks noChangeAspect="1"/>
           </p:cNvPicPr>
@@ -7921,7 +9235,13 @@
       </p:pic>
       <p:sp>
         <p:nvSpPr>
-          <p:cNvPr id="75" name="object 38"/>
+          <p:cNvPr id="75" name="object 38">
+            <a:extLst>
+              <a:ext uri="{FF2B5EF4-FFF2-40B4-BE49-F238E27FC236}">
+                <a16:creationId xmlns:a16="http://schemas.microsoft.com/office/drawing/2014/main" id="{7721F89F-362E-2149-8232-23A77C21A87D}"/>
+              </a:ext>
+            </a:extLst>
+          </p:cNvPr>
           <p:cNvSpPr/>
           <p:nvPr/>
         </p:nvSpPr>
@@ -7970,8 +9290,16 @@
       </p:sp>
       <p:sp>
         <p:nvSpPr>
-          <p:cNvPr id="79" name="TextBox 78"/>
-          <p:cNvSpPr txBox="1"/>
+          <p:cNvPr id="79" name="TextBox 78">
+            <a:extLst>
+              <a:ext uri="{FF2B5EF4-FFF2-40B4-BE49-F238E27FC236}">
+                <a16:creationId xmlns:a16="http://schemas.microsoft.com/office/drawing/2014/main" id="{BD8D3B50-8896-BD46-87FD-5A7F5FB02DD5}"/>
+              </a:ext>
+            </a:extLst>
+          </p:cNvPr>
+          <p:cNvSpPr txBox="1">
+            <a:spLocks/>
+          </p:cNvSpPr>
           <p:nvPr/>
         </p:nvSpPr>
         <p:spPr>
@@ -8003,20 +9331,28 @@
               <a:defRPr/>
             </a:pPr>
             <a:r>
-              <a:rPr lang="en-US" sz="1200" dirty="0">
+              <a:rPr lang="en-US" sz="1200">
                 <a:solidFill>
                   <a:srgbClr val="000000"/>
                 </a:solidFill>
               </a:rPr>
-              <a:t>自助门户</a:t>
+              <a:t>Self– Help Portal</a:t>
             </a:r>
           </a:p>
         </p:txBody>
       </p:sp>
       <p:sp>
         <p:nvSpPr>
-          <p:cNvPr id="83" name="TextBox 82"/>
-          <p:cNvSpPr txBox="1"/>
+          <p:cNvPr id="83" name="TextBox 82">
+            <a:extLst>
+              <a:ext uri="{FF2B5EF4-FFF2-40B4-BE49-F238E27FC236}">
+                <a16:creationId xmlns:a16="http://schemas.microsoft.com/office/drawing/2014/main" id="{AF154937-CC7F-194F-914A-583BEF4B46DE}"/>
+              </a:ext>
+            </a:extLst>
+          </p:cNvPr>
+          <p:cNvSpPr txBox="1">
+            <a:spLocks/>
+          </p:cNvSpPr>
           <p:nvPr/>
         </p:nvSpPr>
         <p:spPr>
@@ -8048,7 +9384,7 @@
               <a:defRPr/>
             </a:pPr>
             <a:r>
-              <a:rPr lang="en-US" sz="1200" dirty="0">
+              <a:rPr lang="en-US" sz="1200">
                 <a:solidFill>
                   <a:srgbClr val="000000"/>
                 </a:solidFill>
@@ -8110,17 +9446,17 @@
               </a:lnSpc>
             </a:pPr>
             <a:r>
-              <a:rPr lang="en-US" sz="500" spc="-5" dirty="0">
+              <a:rPr sz="500" spc="-5">
                 <a:solidFill>
                   <a:srgbClr val="6C6C6C"/>
                 </a:solidFill>
                 <a:latin typeface="Adobe Clean"/>
                 <a:cs typeface="Adobe Clean"/>
               </a:rPr>
-              <a:t>© 2020 Adobe. All Rights Reserved.</a:t>
-            </a:r>
-            <a:r>
-              <a:rPr lang="en-US" sz="500" dirty="0">
+              <a:t>©2020 Adobe. All Rights Reserved. </a:t>
+            </a:r>
+            <a:r>
+              <a:rPr sz="500">
                 <a:solidFill>
                   <a:srgbClr val="6C6C6C"/>
                 </a:solidFill>
@@ -8130,7 +9466,7 @@
               <a:t>Adobe</a:t>
             </a:r>
             <a:r>
-              <a:rPr lang="en-US" sz="500" spc="5" dirty="0">
+              <a:rPr sz="500" spc="5">
                 <a:solidFill>
                   <a:srgbClr val="6C6C6C"/>
                 </a:solidFill>
@@ -8140,7 +9476,7 @@
               <a:t> </a:t>
             </a:r>
             <a:r>
-              <a:rPr lang="en-US" sz="500" spc="-5" dirty="0">
+              <a:rPr sz="500" spc="-5">
                 <a:solidFill>
                   <a:srgbClr val="6C6C6C"/>
                 </a:solidFill>
@@ -8178,17 +9514,17 @@
               </a:spcBef>
             </a:pPr>
             <a:r>
-              <a:rPr lang="en-US" sz="800" spc="-5" dirty="0">
+              <a:rPr sz="800" spc="-5">
                 <a:solidFill>
                   <a:srgbClr val="6D6D6D"/>
                 </a:solidFill>
                 <a:latin typeface="Adobe Clean"/>
                 <a:cs typeface="Adobe Clean"/>
               </a:rPr>
-              <a:t>© 2020 Adobe. All Rights Reserved.Adobe</a:t>
-            </a:r>
-            <a:r>
-              <a:rPr lang="en-US" sz="800" spc="75" dirty="0">
+              <a:t>©2020 Adobe. All Rights Reserved. Adobe</a:t>
+            </a:r>
+            <a:r>
+              <a:rPr sz="800" spc="75">
                 <a:solidFill>
                   <a:srgbClr val="6D6D6D"/>
                 </a:solidFill>
@@ -8198,7 +9534,7 @@
               <a:t> </a:t>
             </a:r>
             <a:r>
-              <a:rPr lang="en-US" sz="800" spc="-5" dirty="0">
+              <a:rPr sz="800" spc="-5">
                 <a:solidFill>
                   <a:srgbClr val="6D6D6D"/>
                 </a:solidFill>
@@ -8294,16 +9630,16 @@
               </a:spcBef>
             </a:pPr>
             <a:r>
-              <a:rPr lang="en-US" sz="1400" b="1" spc="-15" dirty="0">
+              <a:rPr lang="en-US" sz="1400" b="1" spc="-15">
                 <a:solidFill>
                   <a:srgbClr val="020302"/>
                 </a:solidFill>
                 <a:latin typeface="Adobe Clean"/>
                 <a:cs typeface="Adobe Clean"/>
               </a:rPr>
-              <a:t>资源</a:t>
-            </a:r>
-            <a:endParaRPr sz="1400" dirty="0">
+              <a:t>Resources</a:t>
+            </a:r>
+            <a:endParaRPr sz="1400">
               <a:latin typeface="Adobe Clean"/>
               <a:cs typeface="Adobe Clean"/>
             </a:endParaRPr>
@@ -8340,7 +9676,7 @@
               </a:spcBef>
             </a:pPr>
             <a:r>
-              <a:rPr lang="en-US" sz="800" spc="-15" dirty="0">
+              <a:rPr sz="800" spc="-15">
                 <a:solidFill>
                   <a:srgbClr val="777879"/>
                 </a:solidFill>
@@ -8361,7 +9697,7 @@
               </a:lnSpc>
             </a:pPr>
             <a:r>
-              <a:rPr lang="en-US" sz="800" spc="-15" dirty="0">
+              <a:rPr sz="800" spc="-15">
                 <a:solidFill>
                   <a:srgbClr val="777879"/>
                 </a:solidFill>
@@ -8371,7 +9707,7 @@
               <a:t>345 Park</a:t>
             </a:r>
             <a:r>
-              <a:rPr lang="en-US" sz="800" spc="-100" dirty="0">
+              <a:rPr sz="800" spc="-100">
                 <a:solidFill>
                   <a:srgbClr val="777879"/>
                 </a:solidFill>
@@ -8381,7 +9717,7 @@
               <a:t> </a:t>
             </a:r>
             <a:r>
-              <a:rPr lang="en-US" sz="800" spc="-15" dirty="0">
+              <a:rPr sz="800" spc="-15">
                 <a:solidFill>
                   <a:srgbClr val="777879"/>
                 </a:solidFill>
@@ -8398,11 +9734,11 @@
           <a:p>
             <a:pPr marL="12700">
               <a:lnSpc>
-                <a:spcPts val="945"/>
+                <a:spcPts val="944"/>
               </a:lnSpc>
             </a:pPr>
             <a:r>
-              <a:rPr lang="en-US" sz="800" spc="-10" dirty="0">
+              <a:rPr sz="800" spc="-10">
                 <a:solidFill>
                   <a:srgbClr val="777879"/>
                 </a:solidFill>
@@ -8412,7 +9748,7 @@
               <a:t>San </a:t>
             </a:r>
             <a:r>
-              <a:rPr lang="en-US" sz="800" spc="-15" dirty="0">
+              <a:rPr sz="800" spc="-15">
                 <a:solidFill>
                   <a:srgbClr val="777879"/>
                 </a:solidFill>
@@ -8422,7 +9758,7 @@
               <a:t>Jose,</a:t>
             </a:r>
             <a:r>
-              <a:rPr lang="en-US" sz="800" spc="-140" dirty="0">
+              <a:rPr sz="800" spc="-140">
                 <a:solidFill>
                   <a:srgbClr val="777879"/>
                 </a:solidFill>
@@ -8432,7 +9768,7 @@
               <a:t> </a:t>
             </a:r>
             <a:r>
-              <a:rPr lang="en-US" sz="800" spc="-20" dirty="0">
+              <a:rPr sz="800" spc="-20">
                 <a:solidFill>
                   <a:srgbClr val="777879"/>
                 </a:solidFill>
@@ -8456,7 +9792,7 @@
               </a:spcBef>
             </a:pPr>
             <a:r>
-              <a:rPr lang="en-US" sz="800" spc="-10" dirty="0">
+              <a:rPr sz="800" spc="-10">
                 <a:solidFill>
                   <a:srgbClr val="777879"/>
                 </a:solidFill>
@@ -8480,7 +9816,7 @@
               </a:spcBef>
             </a:pPr>
             <a:r>
-              <a:rPr lang="en-US" sz="800" u="sng" spc="-25" dirty="0">
+              <a:rPr sz="800" u="sng" spc="-25">
                 <a:solidFill>
                   <a:srgbClr val="5F5F5F"/>
                 </a:solidFill>
@@ -8491,9 +9827,9 @@
                 </a:uFill>
                 <a:latin typeface="Adobe Clean"/>
                 <a:cs typeface="Adobe Clean"/>
-                <a:hlinkClick r:id="rId4"/>
-              </a:rPr>
-              <a:t>www.adobe.com/cn/</a:t>
+                <a:hlinkClick r:id="rId3"/>
+              </a:rPr>
+              <a:t>www.adobe.com</a:t>
             </a:r>
             <a:endParaRPr sz="800">
               <a:latin typeface="Adobe Clean"/>
@@ -8517,7 +9853,7 @@
             <a:avLst/>
           </a:prstGeom>
           <a:blipFill>
-            <a:blip r:embed="rId5" cstate="print"/>
+            <a:blip r:embed="rId4" cstate="print"/>
             <a:stretch>
               <a:fillRect/>
             </a:stretch>
@@ -8629,7 +9965,7 @@
             <a:avLst/>
           </a:prstGeom>
           <a:blipFill>
-            <a:blip r:embed="rId6" cstate="print"/>
+            <a:blip r:embed="rId5" cstate="print"/>
             <a:stretch>
               <a:fillRect/>
             </a:stretch>
@@ -8659,7 +9995,7 @@
           </a:prstGeom>
         </p:spPr>
         <p:txBody>
-          <a:bodyPr vert="horz" wrap="square" lIns="0" tIns="29845" rIns="0" bIns="0" rtlCol="0">
+          <a:bodyPr vert="horz" wrap="square" lIns="0" tIns="29845" rIns="0" bIns="0" rtlCol="0" anchor="t">
             <a:spAutoFit/>
           </a:bodyPr>
           <a:lstStyle/>
@@ -8673,136 +10009,436 @@
               </a:spcBef>
             </a:pPr>
             <a:r>
-              <a:rPr lang="en-US" sz="1100" i="1" spc="-10" dirty="0">
+              <a:rPr sz="1100" i="1" spc="-10">
                 <a:solidFill>
                   <a:srgbClr val="777879"/>
                 </a:solidFill>
                 <a:latin typeface="AdobeClean-LightIt"/>
                 <a:cs typeface="AdobeClean-LightIt"/>
               </a:rPr>
-              <a:t>要</a:t>
-            </a:r>
-            <a:r>
-              <a:rPr lang="en-US" sz="1100" i="1" spc="-15" dirty="0">
+              <a:t>To</a:t>
+            </a:r>
+            <a:r>
+              <a:rPr sz="1100" i="1" spc="-50">
                 <a:solidFill>
                   <a:srgbClr val="777879"/>
                 </a:solidFill>
                 <a:latin typeface="AdobeClean-LightIt"/>
                 <a:cs typeface="AdobeClean-LightIt"/>
               </a:rPr>
-              <a:t>详细了解</a:t>
-            </a:r>
-            <a:r>
-              <a:rPr lang="en-US" sz="1100" i="1" spc="-45" dirty="0">
+              <a:t> </a:t>
+            </a:r>
+            <a:r>
+              <a:rPr sz="1100" i="1" spc="-15">
                 <a:solidFill>
                   <a:srgbClr val="777879"/>
                 </a:solidFill>
                 <a:latin typeface="AdobeClean-LightIt"/>
                 <a:cs typeface="AdobeClean-LightIt"/>
               </a:rPr>
-              <a:t> </a:t>
-            </a:r>
-            <a:r>
-              <a:rPr lang="en-US" sz="1100" i="1" spc="-15" dirty="0">
+              <a:t>learn</a:t>
+            </a:r>
+            <a:r>
+              <a:rPr sz="1100" i="1" spc="-40">
                 <a:solidFill>
                   <a:srgbClr val="777879"/>
                 </a:solidFill>
                 <a:latin typeface="AdobeClean-LightIt"/>
                 <a:cs typeface="AdobeClean-LightIt"/>
               </a:rPr>
-              <a:t>Adobe</a:t>
-            </a:r>
-            <a:r>
-              <a:rPr lang="en-US" sz="1100" i="1" spc="-50" dirty="0">
+              <a:t> </a:t>
+            </a:r>
+            <a:r>
+              <a:rPr sz="1100" i="1" spc="-15">
                 <a:solidFill>
                   <a:srgbClr val="777879"/>
                 </a:solidFill>
                 <a:latin typeface="AdobeClean-LightIt"/>
                 <a:cs typeface="AdobeClean-LightIt"/>
               </a:rPr>
-              <a:t> </a:t>
-            </a:r>
-            <a:r>
-              <a:rPr lang="en-US" sz="1100" i="1" spc="-15" dirty="0">
+              <a:t>more</a:t>
+            </a:r>
+            <a:r>
+              <a:rPr sz="1100" i="1" spc="-45">
                 <a:solidFill>
                   <a:srgbClr val="777879"/>
                 </a:solidFill>
                 <a:latin typeface="AdobeClean-LightIt"/>
                 <a:cs typeface="AdobeClean-LightIt"/>
               </a:rPr>
-              <a:t>支持产品/服务和您的适当级别，请联系指定</a:t>
-            </a:r>
-            <a:r>
-              <a:rPr lang="en-US" sz="1100" i="1" spc="-25" dirty="0">
+              <a:t> </a:t>
+            </a:r>
+            <a:r>
+              <a:rPr sz="1100" i="1" spc="-15">
                 <a:solidFill>
                   <a:srgbClr val="777879"/>
                 </a:solidFill>
                 <a:latin typeface="AdobeClean-LightIt"/>
                 <a:cs typeface="AdobeClean-LightIt"/>
               </a:rPr>
-              <a:t>客户</a:t>
-            </a:r>
-            <a:r>
-              <a:rPr lang="en-US" sz="1100" i="1" spc="-20" dirty="0">
+              <a:t>about</a:t>
+            </a:r>
+            <a:r>
+              <a:rPr sz="1100" i="1" spc="-45">
                 <a:solidFill>
                   <a:srgbClr val="777879"/>
                 </a:solidFill>
                 <a:latin typeface="AdobeClean-LightIt"/>
                 <a:cs typeface="AdobeClean-LightIt"/>
               </a:rPr>
-              <a:t>经理 </a:t>
-            </a:r>
-            <a:r>
-              <a:rPr lang="en-US" sz="1100" i="1" spc="-15" dirty="0">
+              <a:t> </a:t>
+            </a:r>
+            <a:r>
+              <a:rPr sz="1100" i="1" spc="-15">
                 <a:solidFill>
                   <a:srgbClr val="777879"/>
                 </a:solidFill>
                 <a:latin typeface="AdobeClean-LightIt"/>
                 <a:cs typeface="AdobeClean-LightIt"/>
               </a:rPr>
-              <a:t>(NAM) </a:t>
-            </a:r>
-            <a:r>
-              <a:rPr lang="en-US" sz="1100" i="1" spc="-10" dirty="0">
+              <a:t>Adobe</a:t>
+            </a:r>
+            <a:r>
+              <a:rPr sz="1100" i="1" spc="-50">
                 <a:solidFill>
                   <a:srgbClr val="777879"/>
                 </a:solidFill>
                 <a:latin typeface="AdobeClean-LightIt"/>
                 <a:cs typeface="AdobeClean-LightIt"/>
               </a:rPr>
-              <a:t>或</a:t>
-            </a:r>
-            <a:r>
-              <a:rPr lang="en-US" sz="1100" i="1" spc="-15" dirty="0">
+              <a:t> </a:t>
+            </a:r>
+            <a:r>
+              <a:rPr sz="1100" i="1" spc="-15">
                 <a:solidFill>
                   <a:srgbClr val="777879"/>
                 </a:solidFill>
                 <a:latin typeface="AdobeClean-LightIt"/>
                 <a:cs typeface="AdobeClean-LightIt"/>
               </a:rPr>
-              <a:t>客户</a:t>
-            </a:r>
-            <a:r>
-              <a:rPr lang="en-US" sz="1100" i="1" spc="-20" dirty="0">
+              <a:t>Support</a:t>
+            </a:r>
+            <a:r>
+              <a:rPr lang="en-US" sz="1100" i="1" spc="-15">
                 <a:solidFill>
                   <a:srgbClr val="777879"/>
                 </a:solidFill>
                 <a:latin typeface="AdobeClean-LightIt"/>
                 <a:cs typeface="AdobeClean-LightIt"/>
               </a:rPr>
-              <a:t>成功</a:t>
-            </a:r>
-            <a:r>
-              <a:rPr lang="en-US" sz="1100" i="1" spc="-15" dirty="0">
+              <a:t> Offerings</a:t>
+            </a:r>
+            <a:r>
+              <a:rPr sz="1100" i="1" spc="-75">
                 <a:solidFill>
                   <a:srgbClr val="777879"/>
                 </a:solidFill>
                 <a:latin typeface="AdobeClean-LightIt"/>
                 <a:cs typeface="AdobeClean-LightIt"/>
               </a:rPr>
-              <a:t>经理 (CSM)</a:t>
-            </a:r>
-            <a:endParaRPr sz="1100" dirty="0">
+              <a:t> </a:t>
+            </a:r>
+            <a:r>
+              <a:rPr sz="1100" i="1" spc="-15">
+                <a:solidFill>
+                  <a:srgbClr val="777879"/>
+                </a:solidFill>
+                <a:latin typeface="AdobeClean-LightIt"/>
+                <a:cs typeface="AdobeClean-LightIt"/>
+              </a:rPr>
+              <a:t>and</a:t>
+            </a:r>
+            <a:r>
+              <a:rPr sz="1100" i="1" spc="-50">
+                <a:solidFill>
+                  <a:srgbClr val="777879"/>
+                </a:solidFill>
+                <a:latin typeface="AdobeClean-LightIt"/>
+                <a:cs typeface="AdobeClean-LightIt"/>
+              </a:rPr>
+              <a:t> </a:t>
+            </a:r>
+            <a:r>
+              <a:rPr sz="1100" i="1" spc="-15">
+                <a:solidFill>
+                  <a:srgbClr val="777879"/>
+                </a:solidFill>
+                <a:latin typeface="AdobeClean-LightIt"/>
+                <a:cs typeface="AdobeClean-LightIt"/>
+              </a:rPr>
+              <a:t>the</a:t>
+            </a:r>
+            <a:r>
+              <a:rPr sz="1100" i="1" spc="-55">
+                <a:solidFill>
+                  <a:srgbClr val="777879"/>
+                </a:solidFill>
+                <a:latin typeface="AdobeClean-LightIt"/>
+                <a:cs typeface="AdobeClean-LightIt"/>
+              </a:rPr>
+              <a:t> </a:t>
+            </a:r>
+            <a:r>
+              <a:rPr sz="1100" i="1" spc="-15">
+                <a:solidFill>
+                  <a:srgbClr val="777879"/>
+                </a:solidFill>
+                <a:latin typeface="AdobeClean-LightIt"/>
+                <a:cs typeface="AdobeClean-LightIt"/>
+              </a:rPr>
+              <a:t>right</a:t>
+            </a:r>
+            <a:r>
+              <a:rPr sz="1100" i="1" spc="-95">
+                <a:solidFill>
+                  <a:srgbClr val="777879"/>
+                </a:solidFill>
+                <a:latin typeface="AdobeClean-LightIt"/>
+                <a:cs typeface="AdobeClean-LightIt"/>
+              </a:rPr>
+              <a:t> </a:t>
+            </a:r>
+            <a:r>
+              <a:rPr sz="1100" i="1" spc="-15">
+                <a:solidFill>
+                  <a:srgbClr val="777879"/>
+                </a:solidFill>
+                <a:latin typeface="AdobeClean-LightIt"/>
+                <a:cs typeface="AdobeClean-LightIt"/>
+              </a:rPr>
+              <a:t>level</a:t>
+            </a:r>
+            <a:r>
+              <a:rPr sz="1100" i="1" spc="-55">
+                <a:solidFill>
+                  <a:srgbClr val="777879"/>
+                </a:solidFill>
+                <a:latin typeface="AdobeClean-LightIt"/>
+                <a:cs typeface="AdobeClean-LightIt"/>
+              </a:rPr>
+              <a:t> </a:t>
+            </a:r>
+            <a:r>
+              <a:rPr sz="1100" i="1" spc="-15">
+                <a:solidFill>
+                  <a:srgbClr val="777879"/>
+                </a:solidFill>
+                <a:latin typeface="AdobeClean-LightIt"/>
+                <a:cs typeface="AdobeClean-LightIt"/>
+              </a:rPr>
+              <a:t>for</a:t>
+            </a:r>
+            <a:r>
+              <a:rPr sz="1100" i="1" spc="-85">
+                <a:solidFill>
+                  <a:srgbClr val="777879"/>
+                </a:solidFill>
+                <a:latin typeface="AdobeClean-LightIt"/>
+                <a:cs typeface="AdobeClean-LightIt"/>
+              </a:rPr>
+              <a:t> </a:t>
+            </a:r>
+            <a:r>
+              <a:rPr sz="1100" i="1" spc="-15">
+                <a:solidFill>
+                  <a:srgbClr val="777879"/>
+                </a:solidFill>
+                <a:latin typeface="AdobeClean-LightIt"/>
+                <a:cs typeface="AdobeClean-LightIt"/>
+              </a:rPr>
+              <a:t>you,</a:t>
+            </a:r>
+            <a:r>
+              <a:rPr sz="1100" i="1" spc="-65">
+                <a:solidFill>
+                  <a:srgbClr val="777879"/>
+                </a:solidFill>
+                <a:latin typeface="AdobeClean-LightIt"/>
+                <a:cs typeface="AdobeClean-LightIt"/>
+              </a:rPr>
+              <a:t> </a:t>
+            </a:r>
+            <a:r>
+              <a:rPr sz="1100" i="1" spc="-15">
+                <a:solidFill>
+                  <a:srgbClr val="777879"/>
+                </a:solidFill>
+                <a:latin typeface="AdobeClean-LightIt"/>
+                <a:cs typeface="AdobeClean-LightIt"/>
+              </a:rPr>
+              <a:t>contact</a:t>
+            </a:r>
+            <a:r>
+              <a:rPr sz="1100" i="1" spc="-85">
+                <a:solidFill>
+                  <a:srgbClr val="777879"/>
+                </a:solidFill>
+                <a:latin typeface="AdobeClean-LightIt"/>
+                <a:cs typeface="AdobeClean-LightIt"/>
+              </a:rPr>
+              <a:t> </a:t>
+            </a:r>
+            <a:r>
+              <a:rPr sz="1100" i="1" spc="-15">
+                <a:solidFill>
+                  <a:srgbClr val="777879"/>
+                </a:solidFill>
+                <a:latin typeface="AdobeClean-LightIt"/>
+                <a:cs typeface="AdobeClean-LightIt"/>
+              </a:rPr>
+              <a:t>your</a:t>
+            </a:r>
+            <a:r>
+              <a:rPr sz="1100" i="1" spc="-70">
+                <a:solidFill>
+                  <a:srgbClr val="777879"/>
+                </a:solidFill>
+                <a:latin typeface="AdobeClean-LightIt"/>
+                <a:cs typeface="AdobeClean-LightIt"/>
+              </a:rPr>
+              <a:t> </a:t>
+            </a:r>
+            <a:r>
+              <a:rPr sz="1100" i="1" spc="-15">
+                <a:solidFill>
+                  <a:srgbClr val="777879"/>
+                </a:solidFill>
+                <a:latin typeface="AdobeClean-LightIt"/>
+                <a:cs typeface="AdobeClean-LightIt"/>
+              </a:rPr>
+              <a:t>Named</a:t>
+            </a:r>
+            <a:r>
+              <a:rPr sz="1100" i="1" spc="-55">
+                <a:solidFill>
+                  <a:srgbClr val="777879"/>
+                </a:solidFill>
+                <a:latin typeface="AdobeClean-LightIt"/>
+                <a:cs typeface="AdobeClean-LightIt"/>
+              </a:rPr>
+              <a:t> </a:t>
+            </a:r>
+            <a:r>
+              <a:rPr sz="1100" i="1" spc="-25">
+                <a:solidFill>
+                  <a:srgbClr val="777879"/>
+                </a:solidFill>
+                <a:latin typeface="AdobeClean-LightIt"/>
+                <a:cs typeface="AdobeClean-LightIt"/>
+              </a:rPr>
+              <a:t>Account</a:t>
+            </a:r>
+            <a:r>
+              <a:rPr sz="1100" i="1" spc="-120">
+                <a:solidFill>
+                  <a:srgbClr val="777879"/>
+                </a:solidFill>
+                <a:latin typeface="AdobeClean-LightIt"/>
+                <a:cs typeface="AdobeClean-LightIt"/>
+              </a:rPr>
+              <a:t> </a:t>
+            </a:r>
+            <a:r>
+              <a:rPr sz="1100" i="1" spc="-20">
+                <a:solidFill>
+                  <a:srgbClr val="777879"/>
+                </a:solidFill>
+                <a:latin typeface="AdobeClean-LightIt"/>
+                <a:cs typeface="AdobeClean-LightIt"/>
+              </a:rPr>
+              <a:t>Manager</a:t>
+            </a:r>
+            <a:r>
+              <a:rPr lang="en-US" sz="1100" i="1" spc="-20">
+                <a:solidFill>
+                  <a:srgbClr val="777879"/>
+                </a:solidFill>
+                <a:latin typeface="AdobeClean-LightIt"/>
+                <a:cs typeface="AdobeClean-LightIt"/>
+              </a:rPr>
+              <a:t> </a:t>
+            </a:r>
+            <a:r>
+              <a:rPr sz="1100" i="1" spc="-20">
+                <a:solidFill>
+                  <a:srgbClr val="777879"/>
+                </a:solidFill>
+                <a:latin typeface="AdobeClean-LightIt"/>
+                <a:cs typeface="AdobeClean-LightIt"/>
+              </a:rPr>
+              <a:t> </a:t>
+            </a:r>
+            <a:r>
+              <a:rPr sz="1100" i="1" spc="-15">
+                <a:solidFill>
+                  <a:srgbClr val="777879"/>
+                </a:solidFill>
+                <a:latin typeface="AdobeClean-LightIt"/>
+                <a:cs typeface="AdobeClean-LightIt"/>
+              </a:rPr>
+              <a:t>(NAM) </a:t>
+            </a:r>
+            <a:r>
+              <a:rPr sz="1100" i="1" spc="-10">
+                <a:solidFill>
+                  <a:srgbClr val="777879"/>
+                </a:solidFill>
+                <a:latin typeface="AdobeClean-LightIt"/>
+                <a:cs typeface="AdobeClean-LightIt"/>
+              </a:rPr>
+              <a:t>or </a:t>
+            </a:r>
+            <a:r>
+              <a:rPr sz="1100" i="1" spc="-15">
+                <a:solidFill>
+                  <a:srgbClr val="777879"/>
+                </a:solidFill>
+                <a:latin typeface="AdobeClean-LightIt"/>
+                <a:cs typeface="AdobeClean-LightIt"/>
+              </a:rPr>
+              <a:t>Customer</a:t>
+            </a:r>
+            <a:r>
+              <a:rPr lang="en-US" sz="1100" i="1" spc="-15">
+                <a:solidFill>
+                  <a:srgbClr val="777879"/>
+                </a:solidFill>
+                <a:latin typeface="AdobeClean-LightIt"/>
+                <a:cs typeface="AdobeClean-LightIt"/>
+              </a:rPr>
+              <a:t> </a:t>
+            </a:r>
+            <a:r>
+              <a:rPr lang="en-US" sz="1100" i="1" spc="-20">
+                <a:solidFill>
+                  <a:srgbClr val="777879"/>
+                </a:solidFill>
+                <a:latin typeface="AdobeClean-LightIt"/>
+                <a:cs typeface="AdobeClean-LightIt"/>
+              </a:rPr>
+              <a:t>Success </a:t>
+            </a:r>
+            <a:r>
+              <a:rPr lang="en-US" sz="1100" i="1" spc="-15">
+                <a:solidFill>
+                  <a:srgbClr val="777879"/>
+                </a:solidFill>
+                <a:latin typeface="AdobeClean-LightIt"/>
+                <a:cs typeface="AdobeClean-LightIt"/>
+              </a:rPr>
+              <a:t>Manager </a:t>
+            </a:r>
+            <a:r>
+              <a:rPr sz="1100" i="1" spc="-15">
+                <a:solidFill>
+                  <a:srgbClr val="777879"/>
+                </a:solidFill>
+                <a:latin typeface="AdobeClean-LightIt"/>
+                <a:cs typeface="AdobeClean-LightIt"/>
+              </a:rPr>
+              <a:t>(CSM)</a:t>
+            </a:r>
+            <a:endParaRPr sz="1100">
               <a:latin typeface="AdobeClean-LightIt"/>
               <a:cs typeface="AdobeClean-LightIt"/>
             </a:endParaRPr>
@@ -8817,36 +10453,56 @@
               </a:spcBef>
             </a:pPr>
             <a:r>
-              <a:rPr lang="en-US" sz="800" spc="-5" dirty="0">
+              <a:rPr sz="800" spc="-5">
                 <a:solidFill>
                   <a:srgbClr val="6D6D6D"/>
                 </a:solidFill>
                 <a:latin typeface="Adobe Clean"/>
                 <a:cs typeface="Adobe Clean"/>
               </a:rPr>
-              <a:t>©2021 Adobe.All Rights Reserved.Adobe</a:t>
-            </a:r>
-            <a:r>
-              <a:rPr lang="en-US" sz="800" spc="75" dirty="0">
+              <a:t>©202</a:t>
+            </a:r>
+            <a:r>
+              <a:rPr lang="en-US" sz="800" spc="-5">
                 <a:solidFill>
                   <a:srgbClr val="6D6D6D"/>
                 </a:solidFill>
                 <a:latin typeface="Adobe Clean"/>
                 <a:cs typeface="Adobe Clean"/>
               </a:rPr>
-              <a:t> </a:t>
-            </a:r>
-            <a:r>
-              <a:rPr lang="en-US" sz="800" spc="-5" dirty="0">
+              <a:t>1</a:t>
+            </a:r>
+            <a:r>
+              <a:rPr sz="800" spc="-5">
                 <a:solidFill>
                   <a:srgbClr val="6D6D6D"/>
                 </a:solidFill>
                 <a:latin typeface="Adobe Clean"/>
                 <a:cs typeface="Adobe Clean"/>
               </a:rPr>
+              <a:t> Adobe. All Rights Reserved. Adobe</a:t>
+            </a:r>
+            <a:r>
+              <a:rPr sz="800" spc="75">
+                <a:solidFill>
+                  <a:srgbClr val="6D6D6D"/>
+                </a:solidFill>
+                <a:latin typeface="Adobe Clean"/>
+                <a:cs typeface="Adobe Clean"/>
+              </a:rPr>
+              <a:t> </a:t>
+            </a:r>
+            <a:r>
+              <a:rPr sz="800" spc="-5">
+                <a:solidFill>
+                  <a:srgbClr val="6D6D6D"/>
+                </a:solidFill>
+                <a:latin typeface="Adobe Clean"/>
+                <a:cs typeface="Adobe Clean"/>
+              </a:rPr>
               <a:t>Confidential.</a:t>
             </a:r>
-            <a:endParaRPr sz="800" dirty="0">
+            <a:endParaRPr sz="800">
               <a:latin typeface="Adobe Clean"/>
               <a:cs typeface="Adobe Clean"/>
             </a:endParaRPr>
@@ -8855,13 +10511,19 @@
       </p:sp>
       <p:sp>
         <p:nvSpPr>
-          <p:cNvPr id="64" name="object 23"/>
+          <p:cNvPr id="64" name="object 23">
+            <a:extLst>
+              <a:ext uri="{FF2B5EF4-FFF2-40B4-BE49-F238E27FC236}">
+                <a16:creationId xmlns:a16="http://schemas.microsoft.com/office/drawing/2014/main" id="{41467BDC-3D83-D844-B922-CD07E94E5AAB}"/>
+              </a:ext>
+            </a:extLst>
+          </p:cNvPr>
           <p:cNvSpPr txBox="1"/>
           <p:nvPr/>
         </p:nvSpPr>
         <p:spPr>
           <a:xfrm>
-            <a:off x="171129" y="5057379"/>
+            <a:off x="197233" y="5031270"/>
             <a:ext cx="6476646" cy="755976"/>
           </a:xfrm>
           <a:prstGeom prst="rect">
@@ -8869,119 +10531,73 @@
           </a:prstGeom>
         </p:spPr>
         <p:txBody>
-          <a:bodyPr vert="horz" wrap="square" lIns="0" tIns="116205" rIns="0" bIns="0" rtlCol="0">
+          <a:bodyPr vert="horz" wrap="square" lIns="0" tIns="116205" rIns="0" bIns="0" rtlCol="0" anchor="t">
             <a:spAutoFit/>
           </a:bodyPr>
           <a:lstStyle/>
           <a:p>
-            <a:pPr lvl="0">
+            <a:pPr>
               <a:spcBef>
                 <a:spcPts val="915"/>
               </a:spcBef>
             </a:pPr>
             <a:r>
-              <a:rPr lang="en-US" altLang="zh-CN" sz="1400" b="1" spc="-15" dirty="0">
+              <a:rPr lang="en-US" sz="1400" b="1" spc="-15">
                 <a:solidFill>
                   <a:srgbClr val="020302"/>
                 </a:solidFill>
                 <a:latin typeface="Adobe Clean"/>
                 <a:cs typeface="Adobe Clean"/>
               </a:rPr>
-              <a:t>Adobe </a:t>
-            </a:r>
-            <a:r>
-              <a:rPr lang="zh-CN" altLang="en-US" sz="1400" b="1" spc="-15" dirty="0">
-                <a:solidFill>
-                  <a:srgbClr val="020302"/>
-                </a:solidFill>
-                <a:latin typeface="Adobe Clean"/>
-                <a:cs typeface="Adobe Clean"/>
-              </a:rPr>
-              <a:t>支持的区域范围、当地营业时间和语言支持</a:t>
-            </a:r>
-            <a:endParaRPr lang="pl-PL" altLang="zh-CN" sz="1400" b="1" spc="-15" dirty="0">
-              <a:solidFill>
-                <a:srgbClr val="020302"/>
-              </a:solidFill>
-              <a:latin typeface="Adobe Clean"/>
-              <a:cs typeface="Adobe Clean"/>
+              <a:t>Regional scope of Adobe Support, Local Hours Of Operation And Language Support</a:t>
+            </a:r>
+            <a:endParaRPr lang="en-US" sz="1400" spc="-15">
+              <a:ea typeface="+mn-lt"/>
+              <a:cs typeface="+mn-lt"/>
             </a:endParaRPr>
           </a:p>
           <a:p>
-            <a:pPr lvl="0">
+            <a:pPr>
               <a:spcBef>
                 <a:spcPts val="915"/>
               </a:spcBef>
             </a:pPr>
             <a:r>
-              <a:rPr lang="zh-CN" altLang="en-US" sz="1000" spc="-15" dirty="0">
+              <a:rPr lang="en-US" sz="1000" spc="-15">
                 <a:solidFill>
                   <a:srgbClr val="1F1F1F"/>
                 </a:solidFill>
                 <a:latin typeface="AdobeClean-Light"/>
               </a:rPr>
-              <a:t>要建立 </a:t>
-            </a:r>
-            <a:r>
-              <a:rPr lang="en-US" altLang="zh-CN" sz="1000" spc="-15" dirty="0">
-                <a:solidFill>
-                  <a:srgbClr val="1F1F1F"/>
-                </a:solidFill>
-                <a:latin typeface="AdobeClean-Light"/>
-              </a:rPr>
-              <a:t>Adobe </a:t>
-            </a:r>
-            <a:r>
-              <a:rPr lang="zh-CN" altLang="en-US" sz="1000" spc="-15" dirty="0">
-                <a:solidFill>
-                  <a:srgbClr val="1F1F1F"/>
-                </a:solidFill>
-                <a:latin typeface="AdobeClean-Light"/>
-              </a:rPr>
-              <a:t>支持的区域范围，需要将客户的账单地址（通过销售订单或其他 </a:t>
-            </a:r>
-            <a:r>
-              <a:rPr lang="en-US" altLang="zh-CN" sz="1000" spc="-15" dirty="0">
-                <a:solidFill>
-                  <a:srgbClr val="1F1F1F"/>
-                </a:solidFill>
-                <a:latin typeface="AdobeClean-Light"/>
-              </a:rPr>
-              <a:t>Adobe </a:t>
-            </a:r>
-            <a:r>
-              <a:rPr lang="zh-CN" altLang="en-US" sz="1000" spc="-15" dirty="0">
-                <a:solidFill>
-                  <a:srgbClr val="1F1F1F"/>
-                </a:solidFill>
-                <a:latin typeface="AdobeClean-Light"/>
-              </a:rPr>
-              <a:t>支持采购文档）与以下区域之一相对应：</a:t>
-            </a:r>
-            <a:endParaRPr lang="en-US" sz="1000" spc="-15" dirty="0">
-              <a:solidFill>
-                <a:srgbClr val="1F1F1F"/>
-              </a:solidFill>
-              <a:latin typeface="AdobeClean-Light"/>
-            </a:endParaRPr>
+              <a:t>The Regional scope of Adobe Support is established by aligning the customer's billing address (via the Sales Order or other Adobe Support purchasing document) to one of the following regions:</a:t>
+            </a:r>
+            <a:endParaRPr lang="en-US"/>
           </a:p>
         </p:txBody>
       </p:sp>
       <p:graphicFrame>
         <p:nvGraphicFramePr>
-          <p:cNvPr id="25" name="Table 6"/>
+          <p:cNvPr id="25" name="Table 6">
+            <a:extLst>
+              <a:ext uri="{FF2B5EF4-FFF2-40B4-BE49-F238E27FC236}">
+                <a16:creationId xmlns:a16="http://schemas.microsoft.com/office/drawing/2014/main" id="{3A91F5B0-3974-A14D-A146-FB590F2AAD18}"/>
+              </a:ext>
+            </a:extLst>
+          </p:cNvPr>
           <p:cNvGraphicFramePr>
             <a:graphicFrameLocks noGrp="1"/>
           </p:cNvGraphicFramePr>
           <p:nvPr>
-            <p:custDataLst>
-              <p:tags r:id="rId1"/>
-            </p:custDataLst>
+            <p:extLst>
+              <p:ext uri="{D42A27DB-BD31-4B8C-83A1-F6EECF244321}">
+                <p14:modId xmlns:p14="http://schemas.microsoft.com/office/powerpoint/2010/main" val="914484175"/>
+              </p:ext>
+            </p:extLst>
           </p:nvPr>
         </p:nvGraphicFramePr>
         <p:xfrm>
           <a:off x="171128" y="5907213"/>
-          <a:ext cx="7391400" cy="1447800"/>
+          <a:ext cx="7391400" cy="1503680"/>
         </p:xfrm>
         <a:graphic>
           <a:graphicData uri="http://schemas.openxmlformats.org/drawingml/2006/table">
@@ -8993,28 +10609,28 @@
                 <a:gridCol w="1847850">
                   <a:extLst>
                     <a:ext uri="{9D8B030D-6E8A-4147-A177-3AD203B41FA5}">
-                      <a16:colId xmlns:a16="http://schemas.microsoft.com/office/drawing/2014/main" val="20000"/>
+                      <a16:colId xmlns:a16="http://schemas.microsoft.com/office/drawing/2014/main" val="2364693614"/>
                     </a:ext>
                   </a:extLst>
                 </a:gridCol>
                 <a:gridCol w="1847850">
                   <a:extLst>
                     <a:ext uri="{9D8B030D-6E8A-4147-A177-3AD203B41FA5}">
-                      <a16:colId xmlns:a16="http://schemas.microsoft.com/office/drawing/2014/main" val="20001"/>
+                      <a16:colId xmlns:a16="http://schemas.microsoft.com/office/drawing/2014/main" val="1545335406"/>
                     </a:ext>
                   </a:extLst>
                 </a:gridCol>
                 <a:gridCol w="1847850">
                   <a:extLst>
                     <a:ext uri="{9D8B030D-6E8A-4147-A177-3AD203B41FA5}">
-                      <a16:colId xmlns:a16="http://schemas.microsoft.com/office/drawing/2014/main" val="20002"/>
+                      <a16:colId xmlns:a16="http://schemas.microsoft.com/office/drawing/2014/main" val="4165218250"/>
                     </a:ext>
                   </a:extLst>
                 </a:gridCol>
                 <a:gridCol w="1847850">
                   <a:extLst>
                     <a:ext uri="{9D8B030D-6E8A-4147-A177-3AD203B41FA5}">
-                      <a16:colId xmlns:a16="http://schemas.microsoft.com/office/drawing/2014/main" val="20003"/>
+                      <a16:colId xmlns:a16="http://schemas.microsoft.com/office/drawing/2014/main" val="215044337"/>
                     </a:ext>
                   </a:extLst>
                 </a:gridCol>
@@ -9027,13 +10643,13 @@
                     <a:p>
                       <a:pPr algn="ctr"/>
                       <a:r>
-                        <a:rPr lang="en-US" sz="1100" dirty="0">
+                        <a:rPr lang="en-US" sz="1100">
                           <a:solidFill>
                             <a:schemeClr val="tx1"/>
                           </a:solidFill>
-                          <a:latin typeface="Adobe Clean" panose="020B0503020404020204" pitchFamily="34" charset="0"/>
+                          <a:latin typeface="Adobe Clean"/>
                         </a:rPr>
-                        <a:t>美洲</a:t>
+                        <a:t>Americas</a:t>
                       </a:r>
                     </a:p>
                   </a:txBody>
@@ -9092,13 +10708,13 @@
                     <a:p>
                       <a:pPr algn="ctr"/>
                       <a:r>
-                        <a:rPr lang="en-US" sz="1100" dirty="0">
+                        <a:rPr lang="en-US" sz="1100">
                           <a:solidFill>
                             <a:schemeClr val="tx1"/>
                           </a:solidFill>
-                          <a:latin typeface="Adobe Clean" panose="020B0503020404020204" pitchFamily="34" charset="0"/>
+                          <a:latin typeface="Adobe Clean"/>
                         </a:rPr>
-                        <a:t>欧洲、中东和非洲</a:t>
+                        <a:t>Europe, Middle East &amp; Africa</a:t>
                       </a:r>
                     </a:p>
                   </a:txBody>
@@ -9157,13 +10773,13 @@
                     <a:p>
                       <a:pPr algn="ctr"/>
                       <a:r>
-                        <a:rPr lang="en-US" sz="1100" dirty="0">
+                        <a:rPr lang="en-US" sz="1100">
                           <a:solidFill>
                             <a:schemeClr val="tx1"/>
                           </a:solidFill>
-                          <a:latin typeface="Adobe Clean" panose="020B0503020404020204" pitchFamily="34" charset="0"/>
+                          <a:latin typeface="Adobe Clean"/>
                         </a:rPr>
-                        <a:t>亚太地区</a:t>
+                        <a:t>Asia Pacific</a:t>
                       </a:r>
                     </a:p>
                   </a:txBody>
@@ -9222,24 +10838,24 @@
                     <a:p>
                       <a:pPr algn="ctr"/>
                       <a:r>
-                        <a:rPr lang="en-US" sz="1100" dirty="0">
+                        <a:rPr lang="en-US" sz="1100">
                           <a:solidFill>
                             <a:schemeClr val="tx1"/>
                           </a:solidFill>
-                          <a:latin typeface="Adobe Clean" panose="020B0503020404020204" pitchFamily="34" charset="0"/>
+                          <a:latin typeface="Adobe Clean"/>
                         </a:rPr>
-                        <a:t>日本 </a:t>
+                        <a:t>Japan </a:t>
                       </a:r>
                       <a:r>
-                        <a:rPr lang="en-US" sz="1100" baseline="30000" dirty="0">
+                        <a:rPr lang="en-US" sz="1100" baseline="30000">
                           <a:solidFill>
                             <a:schemeClr val="tx1"/>
                           </a:solidFill>
-                          <a:latin typeface="Adobe Clean" panose="020B0503020404020204" pitchFamily="34" charset="0"/>
+                          <a:latin typeface="Adobe Clean"/>
                         </a:rPr>
-                        <a:t>1 </a:t>
+                        <a:t>1 </a:t>
                       </a:r>
-                      <a:endParaRPr lang="en-US" sz="1100" dirty="0">
+                      <a:endParaRPr lang="en-US" sz="1100">
                         <a:solidFill>
                           <a:schemeClr val="tx1"/>
                         </a:solidFill>
@@ -9297,7 +10913,7 @@
                 </a:tc>
                 <a:extLst>
                   <a:ext uri="{0D108BD9-81ED-4DB2-BD59-A6C34878D82A}">
-                    <a16:rowId xmlns:a16="http://schemas.microsoft.com/office/drawing/2014/main" val="10000"/>
+                    <a16:rowId xmlns:a16="http://schemas.microsoft.com/office/drawing/2014/main" val="4251285128"/>
                   </a:ext>
                 </a:extLst>
               </a:tr>
@@ -9309,13 +10925,13 @@
                     <a:p>
                       <a:pPr algn="ctr"/>
                       <a:r>
-                        <a:rPr lang="en-US" sz="1100" dirty="0">
+                        <a:rPr lang="en-US" sz="1100">
                           <a:solidFill>
                             <a:schemeClr val="tx1"/>
                           </a:solidFill>
-                          <a:latin typeface="Adobe Clean" panose="020B0503020404020204" pitchFamily="34" charset="0"/>
+                          <a:latin typeface="Adobe Clean"/>
                         </a:rPr>
-                        <a:t>上午 6:00 – 下午 5:30</a:t>
+                        <a:t>6 am – 5:30 pm</a:t>
                       </a:r>
                     </a:p>
                   </a:txBody>
@@ -9374,13 +10990,13 @@
                     <a:p>
                       <a:pPr algn="ctr"/>
                       <a:r>
-                        <a:rPr lang="en-US" sz="1100" dirty="0">
+                        <a:rPr lang="en-US" sz="1100">
                           <a:solidFill>
                             <a:schemeClr val="tx1"/>
                           </a:solidFill>
-                          <a:latin typeface="Adobe Clean" panose="020B0503020404020204" pitchFamily="34" charset="0"/>
+                          <a:latin typeface="Adobe Clean"/>
                         </a:rPr>
-                        <a:t>上午 9:00 – 下午 5:00</a:t>
+                        <a:t>9 am – 5 pm</a:t>
                       </a:r>
                     </a:p>
                   </a:txBody>
@@ -9439,13 +11055,13 @@
                     <a:p>
                       <a:pPr algn="ctr"/>
                       <a:r>
-                        <a:rPr lang="en-US" sz="1100" dirty="0">
+                        <a:rPr lang="en-US" sz="1100">
                           <a:solidFill>
                             <a:schemeClr val="tx1"/>
                           </a:solidFill>
-                          <a:latin typeface="Adobe Clean" panose="020B0503020404020204" pitchFamily="34" charset="0"/>
+                          <a:latin typeface="Adobe Clean"/>
                         </a:rPr>
-                        <a:t>上午 9:00 – 下午 5:00</a:t>
+                        <a:t>9 am – 5 pm</a:t>
                       </a:r>
                     </a:p>
                   </a:txBody>
@@ -9504,13 +11120,13 @@
                     <a:p>
                       <a:pPr algn="ctr"/>
                       <a:r>
-                        <a:rPr lang="en-US" sz="1100" dirty="0">
+                        <a:rPr lang="en-US" sz="1100">
                           <a:solidFill>
                             <a:schemeClr val="tx1"/>
                           </a:solidFill>
-                          <a:latin typeface="Adobe Clean" panose="020B0503020404020204" pitchFamily="34" charset="0"/>
+                          <a:latin typeface="Adobe Clean"/>
                         </a:rPr>
-                        <a:t>上午 9:00 – 下午 5:30</a:t>
+                        <a:t>9 am – 5:30 pm</a:t>
                       </a:r>
                     </a:p>
                   </a:txBody>
@@ -9564,7 +11180,7 @@
                 </a:tc>
                 <a:extLst>
                   <a:ext uri="{0D108BD9-81ED-4DB2-BD59-A6C34878D82A}">
-                    <a16:rowId xmlns:a16="http://schemas.microsoft.com/office/drawing/2014/main" val="10001"/>
+                    <a16:rowId xmlns:a16="http://schemas.microsoft.com/office/drawing/2014/main" val="1574796478"/>
                   </a:ext>
                 </a:extLst>
               </a:tr>
@@ -9610,7 +11226,7 @@
                           </a:solidFill>
                           <a:latin typeface="Adobe Clean"/>
                         </a:rPr>
-                        <a:t>语言支持只有英语和日语版本</a:t>
+                        <a:t>Language support is only available in English and Japanese.</a:t>
                       </a:r>
                       <a:endParaRPr lang="en-US" dirty="0">
                         <a:latin typeface="Adobe Clean"/>
@@ -9639,7 +11255,7 @@
                           </a:solidFill>
                           <a:latin typeface="Adobe Clean"/>
                         </a:rPr>
-                        <a:t>*Adobe Commerce 不包括日语支持</a:t>
+                        <a:t>*Adobe Commerce excludes Japanese languages support. </a:t>
                       </a:r>
                     </a:p>
                     <a:p>
@@ -9666,74 +11282,90 @@
                           <a:solidFill>
                             <a:schemeClr val="tx1"/>
                           </a:solidFill>
-                          <a:latin typeface="Adobe Clean" panose="020B0503020404020204" pitchFamily="34" charset="0"/>
+                          <a:latin typeface="Adobe Clean"/>
                         </a:rPr>
-                        <a:t> </a:t>
+                        <a:t> </a:t>
                       </a:r>
                       <a:r>
-                        <a:rPr lang="en-US" sz="1100" i="0" baseline="30000">
+                        <a:rPr lang="en-US" sz="1100" i="0" baseline="30000" dirty="0">
                           <a:solidFill>
                             <a:schemeClr val="tx1"/>
                           </a:solidFill>
-                          <a:latin typeface="Adobe Clean" panose="020B0503020404020204" pitchFamily="34" charset="0"/>
+                          <a:latin typeface="Adobe Clean"/>
                         </a:rPr>
                         <a:t>1 </a:t>
                       </a:r>
                       <a:r>
-                        <a:rPr lang="en-US" altLang="zh-CN" sz="1100" i="0">
+                        <a:rPr lang="en-US" sz="1100" i="0" dirty="0">
                           <a:solidFill>
                             <a:schemeClr val="tx1"/>
                           </a:solidFill>
-                          <a:latin typeface="Adobe Clean" panose="020B0503020404020204" pitchFamily="34" charset="0"/>
+                          <a:latin typeface="Adobe Clean"/>
                         </a:rPr>
-                        <a:t>P2</a:t>
-                      </a:r>
-                      <a:r>
-                        <a:rPr lang="zh-CN" altLang="en-US" sz="1100" i="0" dirty="0">
-                          <a:solidFill>
-                            <a:schemeClr val="tx1"/>
-                          </a:solidFill>
-                          <a:latin typeface="Adobe Clean" panose="020B0503020404020204" pitchFamily="34" charset="0"/>
-                        </a:rPr>
-                        <a:t>、</a:t>
-                      </a:r>
-                      <a:r>
-                        <a:rPr lang="en-US" altLang="zh-CN" sz="1100" i="0" dirty="0">
-                          <a:solidFill>
-                            <a:schemeClr val="tx1"/>
-                          </a:solidFill>
-                          <a:latin typeface="Adobe Clean" panose="020B0503020404020204" pitchFamily="34" charset="0"/>
-                        </a:rPr>
-                        <a:t>P3</a:t>
-                      </a:r>
-                      <a:r>
-                        <a:rPr lang="zh-CN" altLang="en-US" sz="1100" i="0" dirty="0">
-                          <a:solidFill>
-                            <a:schemeClr val="tx1"/>
-                          </a:solidFill>
-                          <a:latin typeface="Adobe Clean" panose="020B0503020404020204" pitchFamily="34" charset="0"/>
-                        </a:rPr>
-                        <a:t>、</a:t>
-                      </a:r>
-                      <a:r>
-                        <a:rPr lang="en-US" altLang="zh-CN" sz="1100" i="0" dirty="0">
-                          <a:solidFill>
-                            <a:schemeClr val="tx1"/>
-                          </a:solidFill>
-                          <a:latin typeface="Adobe Clean" panose="020B0503020404020204" pitchFamily="34" charset="0"/>
-                        </a:rPr>
-                        <a:t>P4 </a:t>
-                      </a:r>
-                      <a:r>
-                        <a:rPr lang="zh-CN" altLang="en-US" sz="1100" i="0" dirty="0">
-                          <a:solidFill>
-                            <a:schemeClr val="tx1"/>
-                          </a:solidFill>
-                          <a:latin typeface="Adobe Clean" panose="020B0503020404020204" pitchFamily="34" charset="0"/>
-                        </a:rPr>
-                        <a:t>案例仅限于日本的营业时间。</a:t>
+                        <a:t>P2, P3, P4 cases are limited to business hours only in Japan.</a:t>
                       </a:r>
                       <a:endParaRPr lang="en-US" sz="1100" b="1" i="0" dirty="0">
+                        <a:solidFill>
+                          <a:schemeClr val="tx1"/>
+                        </a:solidFill>
+                        <a:latin typeface="Adobe Clean"/>
+                      </a:endParaRPr>
+                    </a:p>
+                  </a:txBody>
+                  <a:tcPr anchor="ctr">
+                    <a:lnL w="12700" cap="flat" cmpd="sng" algn="ctr">
+                      <a:solidFill>
+                        <a:schemeClr val="bg1">
+                          <a:lumMod val="85000"/>
+                        </a:schemeClr>
+                      </a:solidFill>
+                      <a:prstDash val="solid"/>
+                      <a:round/>
+                      <a:headEnd type="none" w="med" len="med"/>
+                      <a:tailEnd type="none" w="med" len="med"/>
+                    </a:lnL>
+                    <a:lnR w="12700" cap="flat" cmpd="sng" algn="ctr">
+                      <a:solidFill>
+                        <a:schemeClr val="bg1">
+                          <a:lumMod val="85000"/>
+                        </a:schemeClr>
+                      </a:solidFill>
+                      <a:prstDash val="solid"/>
+                      <a:round/>
+                      <a:headEnd type="none" w="med" len="med"/>
+                      <a:tailEnd type="none" w="med" len="med"/>
+                    </a:lnR>
+                    <a:lnT w="12700" cap="flat" cmpd="sng" algn="ctr">
+                      <a:solidFill>
+                        <a:schemeClr val="bg1">
+                          <a:lumMod val="85000"/>
+                        </a:schemeClr>
+                      </a:solidFill>
+                      <a:prstDash val="solid"/>
+                      <a:round/>
+                      <a:headEnd type="none" w="med" len="med"/>
+                      <a:tailEnd type="none" w="med" len="med"/>
+                    </a:lnT>
+                    <a:lnB w="12700" cap="flat" cmpd="sng" algn="ctr">
+                      <a:solidFill>
+                        <a:schemeClr val="bg1">
+                          <a:lumMod val="85000"/>
+                        </a:schemeClr>
+                      </a:solidFill>
+                      <a:prstDash val="solid"/>
+                      <a:round/>
+                      <a:headEnd type="none" w="med" len="med"/>
+                      <a:tailEnd type="none" w="med" len="med"/>
+                    </a:lnB>
+                    <a:noFill/>
+                  </a:tcPr>
+                </a:tc>
+                <a:tc hMerge="1">
+                  <a:txBody>
+                    <a:bodyPr/>
+                    <a:lstStyle/>
+                    <a:p>
+                      <a:endParaRPr lang="en-US" sz="1100">
                         <a:solidFill>
                           <a:schemeClr val="tx1"/>
                         </a:solidFill>
@@ -9794,7 +11426,12 @@
                     <a:bodyPr/>
                     <a:lstStyle/>
                     <a:p>
-                      <a:endParaRPr lang="en-US"/>
+                      <a:endParaRPr lang="en-US" sz="1100">
+                        <a:solidFill>
+                          <a:schemeClr val="tx1"/>
+                        </a:solidFill>
+                        <a:latin typeface="Adobe Clean" panose="020B0503020404020204" pitchFamily="34" charset="0"/>
+                      </a:endParaRPr>
                     </a:p>
                   </a:txBody>
                   <a:tcPr anchor="ctr">
@@ -9850,63 +11487,12 @@
                     <a:bodyPr/>
                     <a:lstStyle/>
                     <a:p>
-                      <a:endParaRPr lang="en-US"/>
-                    </a:p>
-                  </a:txBody>
-                  <a:tcPr anchor="ctr">
-                    <a:lnL w="12700" cap="flat" cmpd="sng" algn="ctr">
-                      <a:solidFill>
-                        <a:schemeClr val="bg1">
-                          <a:lumMod val="85000"/>
-                        </a:schemeClr>
-                      </a:solidFill>
-                      <a:prstDash val="solid"/>
-                      <a:round/>
-                      <a:headEnd type="none" w="med" len="med"/>
-                      <a:tailEnd type="none" w="med" len="med"/>
-                    </a:lnL>
-                    <a:lnR w="12700" cap="flat" cmpd="sng" algn="ctr">
-                      <a:solidFill>
-                        <a:schemeClr val="bg1">
-                          <a:lumMod val="85000"/>
-                        </a:schemeClr>
-                      </a:solidFill>
-                      <a:prstDash val="solid"/>
-                      <a:round/>
-                      <a:headEnd type="none" w="med" len="med"/>
-                      <a:tailEnd type="none" w="med" len="med"/>
-                    </a:lnR>
-                    <a:lnT w="12700" cap="flat" cmpd="sng" algn="ctr">
-                      <a:solidFill>
-                        <a:schemeClr val="bg1">
-                          <a:lumMod val="85000"/>
-                        </a:schemeClr>
-                      </a:solidFill>
-                      <a:prstDash val="solid"/>
-                      <a:round/>
-                      <a:headEnd type="none" w="med" len="med"/>
-                      <a:tailEnd type="none" w="med" len="med"/>
-                    </a:lnT>
-                    <a:lnB w="12700" cap="flat" cmpd="sng" algn="ctr">
-                      <a:solidFill>
-                        <a:schemeClr val="bg1">
-                          <a:lumMod val="85000"/>
-                        </a:schemeClr>
-                      </a:solidFill>
-                      <a:prstDash val="solid"/>
-                      <a:round/>
-                      <a:headEnd type="none" w="med" len="med"/>
-                      <a:tailEnd type="none" w="med" len="med"/>
-                    </a:lnB>
-                    <a:noFill/>
-                  </a:tcPr>
-                </a:tc>
-                <a:tc hMerge="1">
-                  <a:txBody>
-                    <a:bodyPr/>
-                    <a:lstStyle/>
-                    <a:p>
-                      <a:endParaRPr lang="en-US"/>
+                      <a:endParaRPr lang="en-US" sz="1100">
+                        <a:solidFill>
+                          <a:schemeClr val="tx1"/>
+                        </a:solidFill>
+                        <a:latin typeface="Adobe Clean" panose="020B0503020404020204" pitchFamily="34" charset="0"/>
+                      </a:endParaRPr>
                     </a:p>
                   </a:txBody>
                   <a:tcPr anchor="ctr">
@@ -9959,7 +11545,7 @@
                 </a:tc>
                 <a:extLst>
                   <a:ext uri="{0D108BD9-81ED-4DB2-BD59-A6C34878D82A}">
-                    <a16:rowId xmlns:a16="http://schemas.microsoft.com/office/drawing/2014/main" val="10002"/>
+                    <a16:rowId xmlns:a16="http://schemas.microsoft.com/office/drawing/2014/main" val="2086762220"/>
                   </a:ext>
                 </a:extLst>
               </a:tr>
@@ -9969,7 +11555,13 @@
       </p:graphicFrame>
       <p:sp>
         <p:nvSpPr>
-          <p:cNvPr id="50" name="object 30"/>
+          <p:cNvPr id="50" name="object 30">
+            <a:extLst>
+              <a:ext uri="{FF2B5EF4-FFF2-40B4-BE49-F238E27FC236}">
+                <a16:creationId xmlns:a16="http://schemas.microsoft.com/office/drawing/2014/main" id="{043050D0-21FC-0C42-8484-7FE7C0DB771F}"/>
+              </a:ext>
+            </a:extLst>
+          </p:cNvPr>
           <p:cNvSpPr/>
           <p:nvPr/>
         </p:nvSpPr>
@@ -10019,12 +11611,18 @@
       </p:sp>
       <p:pic>
         <p:nvPicPr>
-          <p:cNvPr id="83" name="object 56"/>
+          <p:cNvPr id="83" name="object 56">
+            <a:extLst>
+              <a:ext uri="{FF2B5EF4-FFF2-40B4-BE49-F238E27FC236}">
+                <a16:creationId xmlns:a16="http://schemas.microsoft.com/office/drawing/2014/main" id="{488FF0A5-3931-B14A-A256-9BD5C4AB39DA}"/>
+              </a:ext>
+            </a:extLst>
+          </p:cNvPr>
           <p:cNvPicPr/>
           <p:nvPr/>
         </p:nvPicPr>
         <p:blipFill>
-          <a:blip r:embed="rId7" cstate="print"/>
+          <a:blip r:embed="rId6" cstate="print"/>
           <a:stretch>
             <a:fillRect/>
           </a:stretch>
@@ -10041,14 +11639,20 @@
       </p:pic>
       <p:sp>
         <p:nvSpPr>
-          <p:cNvPr id="84" name="object 64"/>
+          <p:cNvPr id="84" name="object 64">
+            <a:extLst>
+              <a:ext uri="{FF2B5EF4-FFF2-40B4-BE49-F238E27FC236}">
+                <a16:creationId xmlns:a16="http://schemas.microsoft.com/office/drawing/2014/main" id="{21E0A3A6-11B9-E44E-A4F0-18AED6E614AE}"/>
+              </a:ext>
+            </a:extLst>
+          </p:cNvPr>
           <p:cNvSpPr txBox="1"/>
           <p:nvPr/>
         </p:nvSpPr>
         <p:spPr>
           <a:xfrm>
-            <a:off x="2743200" y="8528519"/>
-            <a:ext cx="1045329" cy="385445"/>
+            <a:off x="2840871" y="8528519"/>
+            <a:ext cx="810895" cy="385445"/>
           </a:xfrm>
           <a:prstGeom prst="rect">
             <a:avLst/>
@@ -10060,7 +11664,7 @@
           </a:bodyPr>
           <a:lstStyle/>
           <a:p>
-            <a:pPr marL="14605" marR="5080" indent="-14605" algn="ctr">
+            <a:pPr marL="139065" marR="5080" indent="-139065">
               <a:lnSpc>
                 <a:spcPts val="1390"/>
               </a:lnSpc>
@@ -10069,56 +11673,126 @@
               </a:spcBef>
             </a:pPr>
             <a:r>
-              <a:rPr lang="en-US" sz="1200" b="1" spc="-15" dirty="0">
+              <a:rPr sz="1200" b="1" spc="-15">
                 <a:solidFill>
                   <a:srgbClr val="FFFFFF"/>
                 </a:solidFill>
                 <a:latin typeface="Adobe Clean"/>
                 <a:cs typeface="Adobe Clean"/>
               </a:rPr>
-              <a:t>无</a:t>
-            </a:r>
-            <a:r>
-              <a:rPr lang="en-US" sz="1200" b="1" spc="-20" dirty="0">
+              <a:t>U</a:t>
+            </a:r>
+            <a:r>
+              <a:rPr sz="1200" b="1" spc="-20">
                 <a:solidFill>
                   <a:srgbClr val="FFFFFF"/>
                 </a:solidFill>
                 <a:latin typeface="Adobe Clean"/>
                 <a:cs typeface="Adobe Clean"/>
               </a:rPr>
-              <a:t>与</a:t>
-            </a:r>
-            <a:r>
-              <a:rPr lang="en-US" sz="1200" b="1" spc="-25" dirty="0">
+              <a:t>n</a:t>
+            </a:r>
+            <a:r>
+              <a:rPr sz="1200" b="1" spc="-25">
                 <a:solidFill>
                   <a:srgbClr val="FFFFFF"/>
                 </a:solidFill>
                 <a:latin typeface="Adobe Clean"/>
                 <a:cs typeface="Adobe Clean"/>
               </a:rPr>
-              <a:t>伦</a:t>
-            </a:r>
-            <a:r>
-              <a:rPr lang="en-US" sz="1200" b="1" spc="-15" dirty="0">
+              <a:t>p</a:t>
+            </a:r>
+            <a:r>
+              <a:rPr sz="1200" b="1" spc="-15">
                 <a:solidFill>
                   <a:srgbClr val="FFFFFF"/>
                 </a:solidFill>
                 <a:latin typeface="Adobe Clean"/>
                 <a:cs typeface="Adobe Clean"/>
               </a:rPr>
-              <a:t>比</a:t>
-            </a:r>
-            <a:r>
-              <a:rPr lang="en-US" sz="1200" b="1" spc="-25" dirty="0">
+              <a:t>a</a:t>
+            </a:r>
+            <a:r>
+              <a:rPr sz="1200" b="1" spc="-25">
                 <a:solidFill>
                   <a:srgbClr val="FFFFFF"/>
                 </a:solidFill>
                 <a:latin typeface="Adobe Clean"/>
                 <a:cs typeface="Adobe Clean"/>
               </a:rPr>
-              <a:t>的专业知识</a:t>
-            </a:r>
-            <a:endParaRPr sz="1200" dirty="0">
+              <a:t>r</a:t>
+            </a:r>
+            <a:r>
+              <a:rPr sz="1200" b="1" spc="-15">
+                <a:solidFill>
+                  <a:srgbClr val="FFFFFF"/>
+                </a:solidFill>
+                <a:latin typeface="Adobe Clean"/>
+                <a:cs typeface="Adobe Clean"/>
+              </a:rPr>
+              <a:t>a</a:t>
+            </a:r>
+            <a:r>
+              <a:rPr sz="1200" b="1" spc="-30">
+                <a:solidFill>
+                  <a:srgbClr val="FFFFFF"/>
+                </a:solidFill>
+                <a:latin typeface="Adobe Clean"/>
+                <a:cs typeface="Adobe Clean"/>
+              </a:rPr>
+              <a:t>ll</a:t>
+            </a:r>
+            <a:r>
+              <a:rPr sz="1200" b="1" spc="-25">
+                <a:solidFill>
+                  <a:srgbClr val="FFFFFF"/>
+                </a:solidFill>
+                <a:latin typeface="Adobe Clean"/>
+                <a:cs typeface="Adobe Clean"/>
+              </a:rPr>
+              <a:t>e</a:t>
+            </a:r>
+            <a:r>
+              <a:rPr sz="1200" b="1" spc="-30">
+                <a:solidFill>
+                  <a:srgbClr val="FFFFFF"/>
+                </a:solidFill>
+                <a:latin typeface="Adobe Clean"/>
+                <a:cs typeface="Adobe Clean"/>
+              </a:rPr>
+              <a:t>l</a:t>
+            </a:r>
+            <a:r>
+              <a:rPr sz="1200" b="1" spc="-25">
+                <a:solidFill>
+                  <a:srgbClr val="FFFFFF"/>
+                </a:solidFill>
+                <a:latin typeface="Adobe Clean"/>
+                <a:cs typeface="Adobe Clean"/>
+              </a:rPr>
+              <a:t>e</a:t>
+            </a:r>
+            <a:r>
+              <a:rPr sz="1200" b="1">
+                <a:solidFill>
+                  <a:srgbClr val="FFFFFF"/>
+                </a:solidFill>
+                <a:latin typeface="Adobe Clean"/>
+                <a:cs typeface="Adobe Clean"/>
+              </a:rPr>
+              <a:t>d  </a:t>
+            </a:r>
+            <a:r>
+              <a:rPr sz="1200" b="1" spc="-25">
+                <a:solidFill>
+                  <a:srgbClr val="FFFFFF"/>
+                </a:solidFill>
+                <a:latin typeface="Adobe Clean"/>
+                <a:cs typeface="Adobe Clean"/>
+              </a:rPr>
+              <a:t>Expertise</a:t>
+            </a:r>
+            <a:endParaRPr sz="1200">
               <a:latin typeface="Adobe Clean"/>
               <a:cs typeface="Adobe Clean"/>
             </a:endParaRPr>
@@ -10127,7 +11801,13 @@
       </p:sp>
       <p:sp>
         <p:nvSpPr>
-          <p:cNvPr id="85" name="object 64"/>
+          <p:cNvPr id="85" name="object 64">
+            <a:extLst>
+              <a:ext uri="{FF2B5EF4-FFF2-40B4-BE49-F238E27FC236}">
+                <a16:creationId xmlns:a16="http://schemas.microsoft.com/office/drawing/2014/main" id="{3921F04C-B61B-A948-947F-C33BBFF39A32}"/>
+              </a:ext>
+            </a:extLst>
+          </p:cNvPr>
           <p:cNvSpPr txBox="1"/>
           <p:nvPr/>
         </p:nvSpPr>
@@ -10146,7 +11826,7 @@
           </a:bodyPr>
           <a:lstStyle/>
           <a:p>
-            <a:pPr marL="14605" marR="5080" indent="-14605" algn="ctr">
+            <a:pPr marL="139065" marR="5080" indent="-139065">
               <a:lnSpc>
                 <a:spcPts val="1390"/>
               </a:lnSpc>
@@ -10155,16 +11835,16 @@
               </a:spcBef>
             </a:pPr>
             <a:r>
-              <a:rPr lang="en-US" sz="1200" b="1" spc="-15" dirty="0">
+              <a:rPr lang="en-US" sz="1200" b="1" spc="-15">
                 <a:solidFill>
                   <a:srgbClr val="FFFFFF"/>
                 </a:solidFill>
                 <a:latin typeface="Adobe Clean"/>
                 <a:cs typeface="Adobe Clean"/>
               </a:rPr>
-              <a:t>加速支持</a:t>
-            </a:r>
-            <a:endParaRPr sz="1200" dirty="0">
+              <a:t>Accelerated Support</a:t>
+            </a:r>
+            <a:endParaRPr sz="1200">
               <a:latin typeface="Adobe Clean"/>
               <a:cs typeface="Adobe Clean"/>
             </a:endParaRPr>
@@ -10173,14 +11853,20 @@
       </p:sp>
       <p:sp>
         <p:nvSpPr>
-          <p:cNvPr id="86" name="object 32"/>
+          <p:cNvPr id="86" name="object 32">
+            <a:extLst>
+              <a:ext uri="{FF2B5EF4-FFF2-40B4-BE49-F238E27FC236}">
+                <a16:creationId xmlns:a16="http://schemas.microsoft.com/office/drawing/2014/main" id="{73055FA1-8180-F44A-A86E-2B1D4C7C6B5E}"/>
+              </a:ext>
+            </a:extLst>
+          </p:cNvPr>
           <p:cNvSpPr txBox="1"/>
           <p:nvPr/>
         </p:nvSpPr>
         <p:spPr>
           <a:xfrm>
-            <a:off x="6517939" y="8543943"/>
-            <a:ext cx="721061" cy="384080"/>
+            <a:off x="6624119" y="8543943"/>
+            <a:ext cx="510540" cy="385445"/>
           </a:xfrm>
           <a:prstGeom prst="rect">
             <a:avLst/>
@@ -10192,7 +11878,7 @@
           </a:bodyPr>
           <a:lstStyle/>
           <a:p>
-            <a:pPr marL="14605" marR="5080" indent="-14605" algn="ctr">
+            <a:pPr marL="50800" marR="5080" indent="-51435">
               <a:lnSpc>
                 <a:spcPts val="1390"/>
               </a:lnSpc>
@@ -10201,46 +11887,106 @@
               </a:spcBef>
             </a:pPr>
             <a:r>
-              <a:rPr lang="en-US" sz="1200" b="1" spc="-50" dirty="0">
+              <a:rPr sz="1200" b="1" spc="-50">
                 <a:solidFill>
                   <a:srgbClr val="FFFFFF"/>
                 </a:solidFill>
                 <a:latin typeface="Adobe Clean"/>
                 <a:cs typeface="Adobe Clean"/>
               </a:rPr>
-              <a:t>战</a:t>
-            </a:r>
-            <a:r>
-              <a:rPr lang="en-US" sz="1200" b="1" spc="-20" dirty="0">
+              <a:t>S</a:t>
+            </a:r>
+            <a:r>
+              <a:rPr sz="1200" b="1" spc="-20">
                 <a:solidFill>
                   <a:srgbClr val="FFFFFF"/>
                 </a:solidFill>
                 <a:latin typeface="Adobe Clean"/>
                 <a:cs typeface="Adobe Clean"/>
               </a:rPr>
-              <a:t>略</a:t>
-            </a:r>
-            <a:r>
-              <a:rPr lang="en-US" sz="1200" b="1" spc="-75" dirty="0">
+              <a:t>t</a:t>
+            </a:r>
+            <a:r>
+              <a:rPr sz="1200" b="1" spc="-75">
                 <a:solidFill>
                   <a:srgbClr val="FFFFFF"/>
                 </a:solidFill>
                 <a:latin typeface="Adobe Clean"/>
                 <a:cs typeface="Adobe Clean"/>
               </a:rPr>
-              <a:t>性</a:t>
-            </a:r>
-            <a:r>
-              <a:rPr lang="en-US" sz="1200" b="1" spc="-45" dirty="0">
+              <a:t>r</a:t>
+            </a:r>
+            <a:r>
+              <a:rPr sz="1200" b="1" spc="-90">
                 <a:solidFill>
                   <a:srgbClr val="FFFFFF"/>
                 </a:solidFill>
                 <a:latin typeface="Adobe Clean"/>
                 <a:cs typeface="Adobe Clean"/>
               </a:rPr>
-              <a:t>建议</a:t>
-            </a:r>
-            <a:endParaRPr sz="1200" dirty="0">
+              <a:t>a</a:t>
+            </a:r>
+            <a:r>
+              <a:rPr sz="1200" b="1" spc="-55">
+                <a:solidFill>
+                  <a:srgbClr val="FFFFFF"/>
+                </a:solidFill>
+                <a:latin typeface="Adobe Clean"/>
+                <a:cs typeface="Adobe Clean"/>
+              </a:rPr>
+              <a:t>t</a:t>
+            </a:r>
+            <a:r>
+              <a:rPr sz="1200" b="1" spc="-100">
+                <a:solidFill>
+                  <a:srgbClr val="FFFFFF"/>
+                </a:solidFill>
+                <a:latin typeface="Adobe Clean"/>
+                <a:cs typeface="Adobe Clean"/>
+              </a:rPr>
+              <a:t>e</a:t>
+            </a:r>
+            <a:r>
+              <a:rPr sz="1200" b="1" spc="-80">
+                <a:solidFill>
+                  <a:srgbClr val="FFFFFF"/>
+                </a:solidFill>
+                <a:latin typeface="Adobe Clean"/>
+                <a:cs typeface="Adobe Clean"/>
+              </a:rPr>
+              <a:t>g</a:t>
+            </a:r>
+            <a:r>
+              <a:rPr sz="1200" b="1" spc="-35">
+                <a:solidFill>
+                  <a:srgbClr val="FFFFFF"/>
+                </a:solidFill>
+                <a:latin typeface="Adobe Clean"/>
+                <a:cs typeface="Adobe Clean"/>
+              </a:rPr>
+              <a:t>i</a:t>
+            </a:r>
+            <a:r>
+              <a:rPr sz="1200" b="1">
+                <a:solidFill>
+                  <a:srgbClr val="FFFFFF"/>
+                </a:solidFill>
+                <a:latin typeface="Adobe Clean"/>
+                <a:cs typeface="Adobe Clean"/>
+              </a:rPr>
+              <a:t>c  </a:t>
+            </a:r>
+            <a:r>
+              <a:rPr sz="1200" b="1" spc="-45">
+                <a:solidFill>
+                  <a:srgbClr val="FFFFFF"/>
+                </a:solidFill>
+                <a:latin typeface="Adobe Clean"/>
+                <a:cs typeface="Adobe Clean"/>
+              </a:rPr>
+              <a:t>Advice</a:t>
+            </a:r>
+            <a:endParaRPr sz="1200">
               <a:latin typeface="Adobe Clean"/>
               <a:cs typeface="Adobe Clean"/>
             </a:endParaRPr>
@@ -10249,15 +11995,27 @@
       </p:sp>
       <p:graphicFrame>
         <p:nvGraphicFramePr>
-          <p:cNvPr id="111" name="Table 6"/>
+          <p:cNvPr id="111" name="Table 6">
+            <a:extLst>
+              <a:ext uri="{FF2B5EF4-FFF2-40B4-BE49-F238E27FC236}">
+                <a16:creationId xmlns:a16="http://schemas.microsoft.com/office/drawing/2014/main" id="{D8653CEC-4213-DE40-9BAF-D1E3318FF89C}"/>
+              </a:ext>
+            </a:extLst>
+          </p:cNvPr>
           <p:cNvGraphicFramePr>
             <a:graphicFrameLocks noGrp="1"/>
           </p:cNvGraphicFramePr>
-          <p:nvPr/>
+          <p:nvPr>
+            <p:extLst>
+              <p:ext uri="{D42A27DB-BD31-4B8C-83A1-F6EECF244321}">
+                <p14:modId xmlns:p14="http://schemas.microsoft.com/office/powerpoint/2010/main" val="3773282750"/>
+              </p:ext>
+            </p:extLst>
+          </p:nvPr>
         </p:nvGraphicFramePr>
         <p:xfrm>
           <a:off x="194236" y="1059345"/>
-          <a:ext cx="7368291" cy="2844800"/>
+          <a:ext cx="7368291" cy="3302000"/>
         </p:xfrm>
         <a:graphic>
           <a:graphicData uri="http://schemas.openxmlformats.org/drawingml/2006/table">
@@ -10269,14 +12027,14 @@
                 <a:gridCol w="3691964">
                   <a:extLst>
                     <a:ext uri="{9D8B030D-6E8A-4147-A177-3AD203B41FA5}">
-                      <a16:colId xmlns:a16="http://schemas.microsoft.com/office/drawing/2014/main" val="20000"/>
+                      <a16:colId xmlns:a16="http://schemas.microsoft.com/office/drawing/2014/main" val="2364693614"/>
                     </a:ext>
                   </a:extLst>
                 </a:gridCol>
                 <a:gridCol w="3676327">
                   <a:extLst>
                     <a:ext uri="{9D8B030D-6E8A-4147-A177-3AD203B41FA5}">
-                      <a16:colId xmlns:a16="http://schemas.microsoft.com/office/drawing/2014/main" val="20001"/>
+                      <a16:colId xmlns:a16="http://schemas.microsoft.com/office/drawing/2014/main" val="1545335406"/>
                     </a:ext>
                   </a:extLst>
                 </a:gridCol>
@@ -10288,28 +12046,230 @@
                     <a:lstStyle/>
                     <a:p>
                       <a:r>
-                        <a:rPr lang="en-US" sz="1100" b="0" dirty="0">
+                        <a:rPr lang="en-US" sz="1100" b="0">
                           <a:solidFill>
                             <a:schemeClr val="tx1"/>
                           </a:solidFill>
-                          <a:latin typeface="Adobe Clean" panose="020B0503020404020204" pitchFamily="34" charset="0"/>
+                          <a:latin typeface="Adobe Clean"/>
                           <a:ea typeface="+mn-ea"/>
                           <a:cs typeface="+mn-cs"/>
-                          <a:hlinkClick r:id="rId8"/>
+                          <a:hlinkClick r:id="rId7"/>
                         </a:rPr>
                         <a:t>Experience League</a:t>
                       </a:r>
-                      <a:endParaRPr lang="en-US" sz="1100" b="0" dirty="0">
+                      <a:endParaRPr lang="en-US" sz="1100" b="0">
                         <a:solidFill>
                           <a:schemeClr val="tx1"/>
                         </a:solidFill>
-                        <a:latin typeface="Adobe Clean" panose="020B0503020404020204" pitchFamily="34" charset="0"/>
+                        <a:latin typeface="Adobe Clean"/>
                         <a:ea typeface="+mn-ea"/>
                         <a:cs typeface="+mn-cs"/>
                       </a:endParaRPr>
                     </a:p>
                   </a:txBody>
                   <a:tcPr marL="47625" marR="47625" marT="0" marB="0" anchor="ctr">
+                    <a:lnL w="12700" cap="flat" cmpd="sng" algn="ctr">
+                      <a:solidFill>
+                        <a:schemeClr val="bg1">
+                          <a:lumMod val="85000"/>
+                        </a:schemeClr>
+                      </a:solidFill>
+                      <a:prstDash val="solid"/>
+                      <a:round/>
+                      <a:headEnd type="none" w="med" len="med"/>
+                      <a:tailEnd type="none" w="med" len="med"/>
+                    </a:lnL>
+                    <a:lnR w="12700" cap="flat" cmpd="sng" algn="ctr">
+                      <a:solidFill>
+                        <a:schemeClr val="bg1">
+                          <a:lumMod val="85000"/>
+                        </a:schemeClr>
+                      </a:solidFill>
+                      <a:prstDash val="solid"/>
+                      <a:round/>
+                      <a:headEnd type="none" w="med" len="med"/>
+                      <a:tailEnd type="none" w="med" len="med"/>
+                    </a:lnR>
+                    <a:lnT w="12700" cap="flat" cmpd="sng" algn="ctr">
+                      <a:solidFill>
+                        <a:schemeClr val="bg1">
+                          <a:lumMod val="85000"/>
+                        </a:schemeClr>
+                      </a:solidFill>
+                      <a:prstDash val="solid"/>
+                      <a:round/>
+                      <a:headEnd type="none" w="med" len="med"/>
+                      <a:tailEnd type="none" w="med" len="med"/>
+                    </a:lnT>
+                    <a:lnB w="12700" cap="flat" cmpd="sng" algn="ctr">
+                      <a:solidFill>
+                        <a:schemeClr val="bg1">
+                          <a:lumMod val="85000"/>
+                        </a:schemeClr>
+                      </a:solidFill>
+                      <a:prstDash val="solid"/>
+                      <a:round/>
+                      <a:headEnd type="none" w="med" len="med"/>
+                      <a:tailEnd type="none" w="med" len="med"/>
+                    </a:lnB>
+                    <a:noFill/>
+                  </a:tcPr>
+                </a:tc>
+                <a:tc>
+                  <a:txBody>
+                    <a:bodyPr/>
+                    <a:lstStyle/>
+                    <a:p>
+                      <a:pPr marL="0" marR="0" lvl="0" indent="0" eaLnBrk="1" fontAlgn="auto" latinLnBrk="0" hangingPunct="1">
+                        <a:lnSpc>
+                          <a:spcPct val="100000"/>
+                        </a:lnSpc>
+                        <a:spcBef>
+                          <a:spcPts val="0"/>
+                        </a:spcBef>
+                        <a:spcAft>
+                          <a:spcPts val="0"/>
+                        </a:spcAft>
+                        <a:buClrTx/>
+                        <a:buSzTx/>
+                        <a:buFontTx/>
+                        <a:buNone/>
+                      </a:pPr>
+                      <a:r>
+                        <a:rPr lang="en-US" sz="1000" b="0" kern="1200">
+                          <a:solidFill>
+                            <a:srgbClr val="000000"/>
+                          </a:solidFill>
+                          <a:latin typeface="Adobe Clean Light"/>
+                          <a:ea typeface="+mn-ea"/>
+                          <a:cs typeface="+mn-cs"/>
+                        </a:rPr>
+                        <a:t>Experience League is how Adobe helps businesses achieve the value they expect from their Adobe investment. It’s the unified place where customers can learn, connect, and grow along a personalized path to success that includes self-help tutorials, product documentation, instructor-led training, community and technical support. </a:t>
+                      </a:r>
+                      <a:endParaRPr lang="en-US" sz="1000" b="0" kern="1200">
+                        <a:solidFill>
+                          <a:srgbClr val="000000"/>
+                        </a:solidFill>
+                        <a:latin typeface="Adobe Clean Light" panose="020B0303020404020204" pitchFamily="34" charset="0"/>
+                        <a:ea typeface="+mn-ea"/>
+                        <a:cs typeface="+mn-cs"/>
+                      </a:endParaRPr>
+                    </a:p>
+                  </a:txBody>
+                  <a:tcPr anchor="ctr">
+                    <a:lnL w="12700" cap="flat" cmpd="sng" algn="ctr">
+                      <a:solidFill>
+                        <a:schemeClr val="bg1">
+                          <a:lumMod val="85000"/>
+                        </a:schemeClr>
+                      </a:solidFill>
+                      <a:prstDash val="solid"/>
+                      <a:round/>
+                      <a:headEnd type="none" w="med" len="med"/>
+                      <a:tailEnd type="none" w="med" len="med"/>
+                    </a:lnL>
+                    <a:lnR w="12700" cap="flat" cmpd="sng" algn="ctr">
+                      <a:solidFill>
+                        <a:schemeClr val="bg1">
+                          <a:lumMod val="85000"/>
+                        </a:schemeClr>
+                      </a:solidFill>
+                      <a:prstDash val="solid"/>
+                      <a:round/>
+                      <a:headEnd type="none" w="med" len="med"/>
+                      <a:tailEnd type="none" w="med" len="med"/>
+                    </a:lnR>
+                    <a:lnT w="12700" cap="flat" cmpd="sng" algn="ctr">
+                      <a:solidFill>
+                        <a:schemeClr val="bg1">
+                          <a:lumMod val="85000"/>
+                        </a:schemeClr>
+                      </a:solidFill>
+                      <a:prstDash val="solid"/>
+                      <a:round/>
+                      <a:headEnd type="none" w="med" len="med"/>
+                      <a:tailEnd type="none" w="med" len="med"/>
+                    </a:lnT>
+                    <a:lnB w="12700" cap="flat" cmpd="sng" algn="ctr">
+                      <a:solidFill>
+                        <a:schemeClr val="bg1">
+                          <a:lumMod val="85000"/>
+                        </a:schemeClr>
+                      </a:solidFill>
+                      <a:prstDash val="solid"/>
+                      <a:round/>
+                      <a:headEnd type="none" w="med" len="med"/>
+                      <a:tailEnd type="none" w="med" len="med"/>
+                    </a:lnB>
+                    <a:noFill/>
+                  </a:tcPr>
+                </a:tc>
+                <a:extLst>
+                  <a:ext uri="{0D108BD9-81ED-4DB2-BD59-A6C34878D82A}">
+                    <a16:rowId xmlns:a16="http://schemas.microsoft.com/office/drawing/2014/main" val="4251285128"/>
+                  </a:ext>
+                </a:extLst>
+              </a:tr>
+              <a:tr h="370840">
+                <a:tc>
+                  <a:txBody>
+                    <a:bodyPr/>
+                    <a:lstStyle/>
+                    <a:p>
+                      <a:pPr marL="0" marR="0" lvl="0" indent="0" defTabSz="914400" eaLnBrk="1" fontAlgn="auto" latinLnBrk="0" hangingPunct="1">
+                        <a:lnSpc>
+                          <a:spcPct val="100000"/>
+                        </a:lnSpc>
+                        <a:spcBef>
+                          <a:spcPts val="0"/>
+                        </a:spcBef>
+                        <a:spcAft>
+                          <a:spcPts val="0"/>
+                        </a:spcAft>
+                        <a:buClrTx/>
+                        <a:buSzTx/>
+                        <a:buFontTx/>
+                        <a:buNone/>
+                        <a:tabLst/>
+                        <a:defRPr/>
+                      </a:pPr>
+                      <a:r>
+                        <a:rPr lang="en-US" sz="1100">
+                          <a:solidFill>
+                            <a:schemeClr val="dk1"/>
+                          </a:solidFill>
+                          <a:effectLst/>
+                          <a:latin typeface="Adobe Clean"/>
+                          <a:ea typeface="+mn-ea"/>
+                          <a:cs typeface="+mn-cs"/>
+                          <a:hlinkClick r:id="rId8"/>
+                        </a:rPr>
+                        <a:t>Training</a:t>
+                      </a:r>
+                      <a:r>
+                        <a:rPr lang="en-US" sz="1100">
+                          <a:solidFill>
+                            <a:schemeClr val="dk1"/>
+                          </a:solidFill>
+                          <a:effectLst/>
+                          <a:latin typeface="Adobe Clean"/>
+                          <a:ea typeface="+mn-ea"/>
+                          <a:cs typeface="+mn-cs"/>
+                        </a:rPr>
+                        <a:t> </a:t>
+                      </a:r>
+                      <a:endParaRPr lang="en-US" sz="1100">
+                        <a:solidFill>
+                          <a:schemeClr val="tx1"/>
+                        </a:solidFill>
+                        <a:effectLst/>
+                        <a:latin typeface="Adobe Clean"/>
+                        <a:ea typeface="+mn-ea"/>
+                        <a:cs typeface="+mn-cs"/>
+                      </a:endParaRPr>
+                    </a:p>
+                  </a:txBody>
+                  <a:tcPr anchor="ctr">
                     <a:lnL w="12700" cap="flat" cmpd="sng" algn="ctr">
                       <a:solidFill>
                         <a:schemeClr val="bg1">
@@ -10376,18 +12336,19 @@
                         <a:buSzTx/>
                         <a:buFontTx/>
                         <a:buNone/>
+                        <a:tabLst/>
                         <a:defRPr/>
                       </a:pPr>
                       <a:r>
-                        <a:rPr lang="en-US" sz="1000" b="0" kern="1200" dirty="0">
+                        <a:rPr lang="en-US" sz="1000" kern="1200">
                           <a:solidFill>
                             <a:srgbClr val="000000"/>
                           </a:solidFill>
-                          <a:latin typeface="Adobe Clean Light" panose="020B0303020404020204" pitchFamily="34" charset="0"/>
+                          <a:latin typeface="Adobe Clean Light"/>
                           <a:ea typeface="+mn-ea"/>
                           <a:cs typeface="+mn-cs"/>
                         </a:rPr>
-                        <a:t>Experience League 是 Adobe 帮助企业实现预期的 Adobe 投资回报的方式。这是一个集中式位置，提供自助教程、产品文档、讲师指导的培训、社区和技术支持，客户可以在这里学习、建立联系和取得进步，并沿着个性化的路径迈向成功。</a:t>
+                        <a:t>Adobe Digital Learning Services courses are accessible from Experience League. Learning courses integrate both on-demand and instructor-led lessons.  Here you can accrue skills that have recognized market value and position them to drive success in your organizations.</a:t>
                       </a:r>
                     </a:p>
                   </a:txBody>
@@ -10441,7 +12402,7 @@
                 </a:tc>
                 <a:extLst>
                   <a:ext uri="{0D108BD9-81ED-4DB2-BD59-A6C34878D82A}">
-                    <a16:rowId xmlns:a16="http://schemas.microsoft.com/office/drawing/2014/main" val="10000"/>
+                    <a16:rowId xmlns:a16="http://schemas.microsoft.com/office/drawing/2014/main" val="3127522179"/>
                   </a:ext>
                 </a:extLst>
               </a:tr>
@@ -10465,39 +12426,28 @@
                         <a:buSzTx/>
                         <a:buFontTx/>
                         <a:buNone/>
+                        <a:tabLst/>
                         <a:defRPr/>
                       </a:pPr>
                       <a:r>
-                        <a:rPr lang="en-US" sz="1100" dirty="0">
+                        <a:rPr lang="en-US" sz="1100">
                           <a:solidFill>
-                            <a:schemeClr val="dk1"/>
+                            <a:schemeClr val="tx1"/>
                           </a:solidFill>
                           <a:effectLst/>
-                          <a:latin typeface="Adobe Clean" panose="020B0503020404020204" pitchFamily="34" charset="0"/>
+                          <a:latin typeface="Adobe Clean"/>
                           <a:ea typeface="+mn-ea"/>
                           <a:cs typeface="+mn-cs"/>
                           <a:hlinkClick r:id="rId9"/>
                         </a:rPr>
-                        <a:t>培训</a:t>
+                        <a:t>Production Issues &amp; System Outages</a:t>
                       </a:r>
-                      <a:r>
-                        <a:rPr lang="en-US" sz="1100" dirty="0">
-                          <a:solidFill>
-                            <a:schemeClr val="dk1"/>
-                          </a:solidFill>
-                          <a:effectLst/>
-                          <a:latin typeface="Adobe Clean" panose="020B0503020404020204" pitchFamily="34" charset="0"/>
-                          <a:ea typeface="+mn-ea"/>
-                          <a:cs typeface="+mn-cs"/>
-                        </a:rPr>
-                        <a:t> </a:t>
-                      </a:r>
-                      <a:endParaRPr lang="en-US" sz="1100" dirty="0">
+                      <a:endParaRPr lang="en-US" sz="1100">
                         <a:solidFill>
                           <a:schemeClr val="tx1"/>
                         </a:solidFill>
                         <a:effectLst/>
-                        <a:latin typeface="Adobe Clean" panose="020B0503020404020204" pitchFamily="34" charset="0"/>
+                        <a:latin typeface="Adobe Clean"/>
                         <a:ea typeface="+mn-ea"/>
                         <a:cs typeface="+mn-cs"/>
                       </a:endParaRPr>
@@ -10556,7 +12506,7 @@
                     <a:bodyPr/>
                     <a:lstStyle/>
                     <a:p>
-                      <a:pPr marL="0" marR="0" lvl="0" indent="0" defTabSz="914400" eaLnBrk="1" fontAlgn="auto" latinLnBrk="0" hangingPunct="1">
+                      <a:pPr marL="0" marR="0" lvl="0" indent="0" eaLnBrk="1" fontAlgn="auto" latinLnBrk="0" hangingPunct="1">
                         <a:lnSpc>
                           <a:spcPct val="100000"/>
                         </a:lnSpc>
@@ -10570,19 +12520,26 @@
                         <a:buSzTx/>
                         <a:buFontTx/>
                         <a:buNone/>
-                        <a:defRPr/>
                       </a:pPr>
                       <a:r>
-                        <a:rPr lang="en-US" sz="1000" kern="1200" dirty="0">
+                        <a:rPr lang="en-US" sz="1000" kern="1200">
                           <a:solidFill>
                             <a:srgbClr val="000000"/>
                           </a:solidFill>
-                          <a:latin typeface="Adobe Clean Light" panose="020B0303020404020204" pitchFamily="34" charset="0"/>
+                          <a:latin typeface="Adobe Clean Light"/>
                           <a:ea typeface="+mn-ea"/>
                           <a:cs typeface="+mn-cs"/>
                         </a:rPr>
-                        <a:t>可以从 Experience League 访问 Adobe Digital Learning Services 课程。学习课程整合了按需课程和讲师指导的课程。在这里，您可以掌握具有公认市场价值的技能，并在组织中利用这些技能获得成功。</a:t>
+                        <a:t>Status.adobe.com conveys the health information of all Adobe products and services that are deployed in multi-tenant environments. Customers can choose their subscription preferences to get email notifications whenever Adobe creates, updates or resolves a product event. This can include scheduled maintenance or service issues of varying levels of severity. </a:t>
                       </a:r>
+                      <a:endParaRPr lang="en-US" sz="1000" kern="1200">
+                        <a:solidFill>
+                          <a:srgbClr val="000000"/>
+                        </a:solidFill>
+                        <a:latin typeface="Adobe Clean Light" panose="020B0303020404020204" pitchFamily="34" charset="0"/>
+                        <a:ea typeface="+mn-ea"/>
+                        <a:cs typeface="+mn-cs"/>
+                      </a:endParaRPr>
                     </a:p>
                   </a:txBody>
                   <a:tcPr anchor="ctr">
@@ -10635,7 +12592,7 @@
                 </a:tc>
                 <a:extLst>
                   <a:ext uri="{0D108BD9-81ED-4DB2-BD59-A6C34878D82A}">
-                    <a16:rowId xmlns:a16="http://schemas.microsoft.com/office/drawing/2014/main" val="10001"/>
+                    <a16:rowId xmlns:a16="http://schemas.microsoft.com/office/drawing/2014/main" val="2696233489"/>
                   </a:ext>
                 </a:extLst>
               </a:tr>
@@ -10659,27 +12616,28 @@
                         <a:buSzTx/>
                         <a:buFontTx/>
                         <a:buNone/>
+                        <a:tabLst/>
                         <a:defRPr/>
                       </a:pPr>
                       <a:r>
-                        <a:rPr lang="en-US" sz="1100" dirty="0">
+                        <a:rPr lang="en-US" sz="1100" b="0" i="0">
                           <a:solidFill>
-                            <a:schemeClr val="tx1"/>
+                            <a:schemeClr val="dk1"/>
                           </a:solidFill>
                           <a:effectLst/>
-                          <a:latin typeface="Adobe Clean" panose="020B0503020404020204" pitchFamily="34" charset="0"/>
+                          <a:latin typeface="Adobe Clean"/>
                           <a:ea typeface="+mn-ea"/>
                           <a:cs typeface="+mn-cs"/>
-                          <a:hlinkClick r:id="rId10"/>
+                          <a:hlinkClick r:id="rId10" tooltip="https://helpx.adobe.com/support/programs/enterprise-support-programs/premier-support-business.html"/>
                         </a:rPr>
-                        <a:t>生产问题和系统中断</a:t>
+                        <a:t>Business Support Website</a:t>
                       </a:r>
-                      <a:endParaRPr lang="en-US" sz="1100" dirty="0">
+                      <a:endParaRPr lang="en-US" sz="1100" b="0" i="0">
                         <a:solidFill>
-                          <a:schemeClr val="tx1"/>
+                          <a:schemeClr val="dk1"/>
                         </a:solidFill>
                         <a:effectLst/>
-                        <a:latin typeface="Adobe Clean" panose="020B0503020404020204" pitchFamily="34" charset="0"/>
+                        <a:latin typeface="Adobe Clean"/>
                         <a:ea typeface="+mn-ea"/>
                         <a:cs typeface="+mn-cs"/>
                       </a:endParaRPr>
@@ -10738,33 +12696,25 @@
                     <a:bodyPr/>
                     <a:lstStyle/>
                     <a:p>
-                      <a:pPr marL="0" marR="0" lvl="0" indent="0" defTabSz="914400" eaLnBrk="1" fontAlgn="auto" latinLnBrk="0" hangingPunct="1">
-                        <a:lnSpc>
-                          <a:spcPct val="100000"/>
-                        </a:lnSpc>
-                        <a:spcBef>
-                          <a:spcPts val="0"/>
-                        </a:spcBef>
-                        <a:spcAft>
-                          <a:spcPts val="0"/>
-                        </a:spcAft>
-                        <a:buClrTx/>
-                        <a:buSzTx/>
-                        <a:buFontTx/>
-                        <a:buNone/>
-                        <a:defRPr/>
-                      </a:pPr>
                       <a:r>
-                        <a:rPr lang="en-US" sz="1000" kern="1200" dirty="0">
+                        <a:rPr lang="en-US" sz="1000" kern="1200">
                           <a:solidFill>
                             <a:srgbClr val="000000"/>
                           </a:solidFill>
-                          <a:latin typeface="Adobe Clean Light" panose="020B0303020404020204" pitchFamily="34" charset="0"/>
+                          <a:latin typeface="Adobe Clean Light"/>
                           <a:ea typeface="+mn-ea"/>
                           <a:cs typeface="+mn-cs"/>
                         </a:rPr>
-                        <a:t>Status.adobe.com 传达在多租户环境中部署的所有 Adobe 产品和服务的运行状况信息。客户可以选择他们的订阅偏好设置，以便在 Adobe 创建、更新或处理产品事件时收到电子邮件通知。这可能包括严重性不同的定期维护或服务问题。</a:t>
+                        <a:t>Adobe Business Support website.</a:t>
                       </a:r>
+                      <a:endParaRPr lang="en-US" sz="1000" kern="1200">
+                        <a:solidFill>
+                          <a:srgbClr val="000000"/>
+                        </a:solidFill>
+                        <a:latin typeface="Adobe Clean Light" panose="020B0303020404020204" pitchFamily="34" charset="0"/>
+                        <a:ea typeface="+mn-ea"/>
+                        <a:cs typeface="+mn-cs"/>
+                      </a:endParaRPr>
                     </a:p>
                   </a:txBody>
                   <a:tcPr anchor="ctr">
@@ -10817,7 +12767,7 @@
                 </a:tc>
                 <a:extLst>
                   <a:ext uri="{0D108BD9-81ED-4DB2-BD59-A6C34878D82A}">
-                    <a16:rowId xmlns:a16="http://schemas.microsoft.com/office/drawing/2014/main" val="10002"/>
+                    <a16:rowId xmlns:a16="http://schemas.microsoft.com/office/drawing/2014/main" val="3772135568"/>
                   </a:ext>
                 </a:extLst>
               </a:tr>
@@ -10841,27 +12791,28 @@
                         <a:buSzTx/>
                         <a:buFontTx/>
                         <a:buNone/>
+                        <a:tabLst/>
                         <a:defRPr/>
                       </a:pPr>
                       <a:r>
-                        <a:rPr lang="en-US" sz="1100" b="0" i="0" dirty="0">
+                        <a:rPr lang="en-US" sz="1100">
                           <a:solidFill>
-                            <a:schemeClr val="dk1"/>
+                            <a:schemeClr val="tx1"/>
                           </a:solidFill>
                           <a:effectLst/>
-                          <a:latin typeface="Adobe Clean" panose="020B0503020404020204" pitchFamily="34" charset="0"/>
+                          <a:latin typeface="Adobe Clean"/>
                           <a:ea typeface="+mn-ea"/>
                           <a:cs typeface="+mn-cs"/>
-                          <a:hlinkClick r:id="rId11" tooltip="https://helpx.adobe.com/cn/support/programs/enterprise-support-programs/premier-support-business.html"/>
+                          <a:hlinkClick r:id="rId11"/>
                         </a:rPr>
-                        <a:t>商业支持网站</a:t>
+                        <a:t>Terms and Conditions</a:t>
                       </a:r>
-                      <a:endParaRPr lang="en-US" sz="1100" b="0" i="0" dirty="0">
+                      <a:endParaRPr lang="en-US" sz="1100">
                         <a:solidFill>
-                          <a:schemeClr val="dk1"/>
+                          <a:schemeClr val="tx1"/>
                         </a:solidFill>
                         <a:effectLst/>
-                        <a:latin typeface="Adobe Clean" panose="020B0503020404020204" pitchFamily="34" charset="0"/>
+                        <a:latin typeface="Adobe Clean"/>
                         <a:ea typeface="+mn-ea"/>
                         <a:cs typeface="+mn-cs"/>
                       </a:endParaRPr>
@@ -10921,113 +12872,21 @@
                     <a:lstStyle/>
                     <a:p>
                       <a:r>
-                        <a:rPr lang="en-US" sz="1000" kern="1200" dirty="0">
+                        <a:rPr lang="en-US" sz="1000" kern="1200">
                           <a:solidFill>
                             <a:srgbClr val="000000"/>
                           </a:solidFill>
-                          <a:latin typeface="Adobe Clean Light" panose="020B0303020404020204" pitchFamily="34" charset="0"/>
+                          <a:latin typeface="Adobe Clean Light"/>
                           <a:ea typeface="+mn-ea"/>
                           <a:cs typeface="+mn-cs"/>
                         </a:rPr>
-                        <a:t>Adobe 商业支持网站</a:t>
+                        <a:t>Terms and conditions detailing Support Services offerings.</a:t>
                       </a:r>
-                    </a:p>
-                  </a:txBody>
-                  <a:tcPr anchor="ctr">
-                    <a:lnL w="12700" cap="flat" cmpd="sng" algn="ctr">
-                      <a:solidFill>
-                        <a:schemeClr val="bg1">
-                          <a:lumMod val="85000"/>
-                        </a:schemeClr>
-                      </a:solidFill>
-                      <a:prstDash val="solid"/>
-                      <a:round/>
-                      <a:headEnd type="none" w="med" len="med"/>
-                      <a:tailEnd type="none" w="med" len="med"/>
-                    </a:lnL>
-                    <a:lnR w="12700" cap="flat" cmpd="sng" algn="ctr">
-                      <a:solidFill>
-                        <a:schemeClr val="bg1">
-                          <a:lumMod val="85000"/>
-                        </a:schemeClr>
-                      </a:solidFill>
-                      <a:prstDash val="solid"/>
-                      <a:round/>
-                      <a:headEnd type="none" w="med" len="med"/>
-                      <a:tailEnd type="none" w="med" len="med"/>
-                    </a:lnR>
-                    <a:lnT w="12700" cap="flat" cmpd="sng" algn="ctr">
-                      <a:solidFill>
-                        <a:schemeClr val="bg1">
-                          <a:lumMod val="85000"/>
-                        </a:schemeClr>
-                      </a:solidFill>
-                      <a:prstDash val="solid"/>
-                      <a:round/>
-                      <a:headEnd type="none" w="med" len="med"/>
-                      <a:tailEnd type="none" w="med" len="med"/>
-                    </a:lnT>
-                    <a:lnB w="12700" cap="flat" cmpd="sng" algn="ctr">
-                      <a:solidFill>
-                        <a:schemeClr val="bg1">
-                          <a:lumMod val="85000"/>
-                        </a:schemeClr>
-                      </a:solidFill>
-                      <a:prstDash val="solid"/>
-                      <a:round/>
-                      <a:headEnd type="none" w="med" len="med"/>
-                      <a:tailEnd type="none" w="med" len="med"/>
-                    </a:lnB>
-                    <a:noFill/>
-                  </a:tcPr>
-                </a:tc>
-                <a:extLst>
-                  <a:ext uri="{0D108BD9-81ED-4DB2-BD59-A6C34878D82A}">
-                    <a16:rowId xmlns:a16="http://schemas.microsoft.com/office/drawing/2014/main" val="10003"/>
-                  </a:ext>
-                </a:extLst>
-              </a:tr>
-              <a:tr h="370840">
-                <a:tc>
-                  <a:txBody>
-                    <a:bodyPr/>
-                    <a:lstStyle/>
-                    <a:p>
-                      <a:pPr marL="0" marR="0" lvl="0" indent="0" defTabSz="914400" eaLnBrk="1" fontAlgn="auto" latinLnBrk="0" hangingPunct="1">
-                        <a:lnSpc>
-                          <a:spcPct val="100000"/>
-                        </a:lnSpc>
-                        <a:spcBef>
-                          <a:spcPts val="0"/>
-                        </a:spcBef>
-                        <a:spcAft>
-                          <a:spcPts val="0"/>
-                        </a:spcAft>
-                        <a:buClrTx/>
-                        <a:buSzTx/>
-                        <a:buFontTx/>
-                        <a:buNone/>
-                        <a:defRPr/>
-                      </a:pPr>
-                      <a:r>
-                        <a:rPr lang="en-US" sz="1100" dirty="0">
-                          <a:solidFill>
-                            <a:schemeClr val="tx1"/>
-                          </a:solidFill>
-                          <a:effectLst/>
-                          <a:latin typeface="Adobe Clean" panose="020B0503020404020204" pitchFamily="34" charset="0"/>
-                          <a:ea typeface="+mn-ea"/>
-                          <a:cs typeface="+mn-cs"/>
-                          <a:hlinkClick r:id="rId12"/>
-                        </a:rPr>
-                        <a:t>条款和条件</a:t>
-                      </a:r>
-                      <a:endParaRPr lang="en-US" sz="1100" dirty="0">
+                      <a:endParaRPr lang="en-US" sz="1000" kern="1200">
                         <a:solidFill>
-                          <a:schemeClr val="tx1"/>
+                          <a:srgbClr val="000000"/>
                         </a:solidFill>
-                        <a:effectLst/>
-                        <a:latin typeface="Adobe Clean" panose="020B0503020404020204" pitchFamily="34" charset="0"/>
+                        <a:latin typeface="Adobe Clean Light" panose="020B0303020404020204" pitchFamily="34" charset="0"/>
                         <a:ea typeface="+mn-ea"/>
                         <a:cs typeface="+mn-cs"/>
                       </a:endParaRPr>
@@ -11081,75 +12940,9 @@
                     <a:noFill/>
                   </a:tcPr>
                 </a:tc>
-                <a:tc>
-                  <a:txBody>
-                    <a:bodyPr/>
-                    <a:lstStyle/>
-                    <a:p>
-                      <a:r>
-                        <a:rPr lang="en-US" sz="1000" kern="1200" dirty="0">
-                          <a:solidFill>
-                            <a:srgbClr val="000000"/>
-                          </a:solidFill>
-                          <a:latin typeface="Adobe Clean Light" panose="020B0303020404020204" pitchFamily="34" charset="0"/>
-                          <a:ea typeface="+mn-ea"/>
-                          <a:cs typeface="+mn-cs"/>
-                        </a:rPr>
-                        <a:t>详细说明支持服务产品的条款和条件</a:t>
-                      </a:r>
-                    </a:p>
-                  </a:txBody>
-                  <a:tcPr anchor="ctr">
-                    <a:lnL w="12700" cap="flat" cmpd="sng" algn="ctr">
-                      <a:solidFill>
-                        <a:schemeClr val="bg1">
-                          <a:lumMod val="85000"/>
-                        </a:schemeClr>
-                      </a:solidFill>
-                      <a:prstDash val="solid"/>
-                      <a:round/>
-                      <a:headEnd type="none" w="med" len="med"/>
-                      <a:tailEnd type="none" w="med" len="med"/>
-                    </a:lnL>
-                    <a:lnR w="12700" cap="flat" cmpd="sng" algn="ctr">
-                      <a:solidFill>
-                        <a:schemeClr val="bg1">
-                          <a:lumMod val="85000"/>
-                        </a:schemeClr>
-                      </a:solidFill>
-                      <a:prstDash val="solid"/>
-                      <a:round/>
-                      <a:headEnd type="none" w="med" len="med"/>
-                      <a:tailEnd type="none" w="med" len="med"/>
-                    </a:lnR>
-                    <a:lnT w="12700" cap="flat" cmpd="sng" algn="ctr">
-                      <a:solidFill>
-                        <a:schemeClr val="bg1">
-                          <a:lumMod val="85000"/>
-                        </a:schemeClr>
-                      </a:solidFill>
-                      <a:prstDash val="solid"/>
-                      <a:round/>
-                      <a:headEnd type="none" w="med" len="med"/>
-                      <a:tailEnd type="none" w="med" len="med"/>
-                    </a:lnT>
-                    <a:lnB w="12700" cap="flat" cmpd="sng" algn="ctr">
-                      <a:solidFill>
-                        <a:schemeClr val="bg1">
-                          <a:lumMod val="85000"/>
-                        </a:schemeClr>
-                      </a:solidFill>
-                      <a:prstDash val="solid"/>
-                      <a:round/>
-                      <a:headEnd type="none" w="med" len="med"/>
-                      <a:tailEnd type="none" w="med" len="med"/>
-                    </a:lnB>
-                    <a:noFill/>
-                  </a:tcPr>
-                </a:tc>
                 <a:extLst>
                   <a:ext uri="{0D108BD9-81ED-4DB2-BD59-A6C34878D82A}">
-                    <a16:rowId xmlns:a16="http://schemas.microsoft.com/office/drawing/2014/main" val="10004"/>
+                    <a16:rowId xmlns:a16="http://schemas.microsoft.com/office/drawing/2014/main" val="2083862379"/>
                   </a:ext>
                 </a:extLst>
               </a:tr>
@@ -11159,20 +12952,26 @@
       </p:graphicFrame>
       <p:pic>
         <p:nvPicPr>
-          <p:cNvPr id="8" name="Graphic 7" descr="目标轮廓图"/>
+          <p:cNvPr id="8" name="Graphic 7" descr="Target outline">
+            <a:extLst>
+              <a:ext uri="{FF2B5EF4-FFF2-40B4-BE49-F238E27FC236}">
+                <a16:creationId xmlns:a16="http://schemas.microsoft.com/office/drawing/2014/main" id="{1EAA263E-04A7-0D46-952E-EA3033B45116}"/>
+              </a:ext>
+            </a:extLst>
+          </p:cNvPr>
           <p:cNvPicPr>
             <a:picLocks noChangeAspect="1"/>
           </p:cNvPicPr>
           <p:nvPr/>
         </p:nvPicPr>
         <p:blipFill>
-          <a:blip r:embed="rId13">
+          <a:blip r:embed="rId12">
             <a:extLst>
               <a:ext uri="{28A0092B-C50C-407E-A947-70E740481C1C}">
                 <a14:useLocalDpi xmlns:a14="http://schemas.microsoft.com/office/drawing/2010/main" val="0"/>
               </a:ext>
               <a:ext uri="{96DAC541-7B7A-43D3-8B79-37D633B846F1}">
-                <asvg:svgBlip xmlns:asvg="http://schemas.microsoft.com/office/drawing/2016/SVG/main" r:embed="rId14"/>
+                <asvg:svgBlip xmlns:asvg="http://schemas.microsoft.com/office/drawing/2016/SVG/main" r:embed="rId13"/>
               </a:ext>
             </a:extLst>
           </a:blip>
@@ -11192,20 +12991,26 @@
       </p:pic>
       <p:pic>
         <p:nvPicPr>
-          <p:cNvPr id="10" name="Graphic 9" descr="火箭轮廓图"/>
+          <p:cNvPr id="10" name="Graphic 9" descr="Rocket outline">
+            <a:extLst>
+              <a:ext uri="{FF2B5EF4-FFF2-40B4-BE49-F238E27FC236}">
+                <a16:creationId xmlns:a16="http://schemas.microsoft.com/office/drawing/2014/main" id="{A068EBC3-B418-4E4A-A520-101CA4B39F23}"/>
+              </a:ext>
+            </a:extLst>
+          </p:cNvPr>
           <p:cNvPicPr>
             <a:picLocks noChangeAspect="1"/>
           </p:cNvPicPr>
           <p:nvPr/>
         </p:nvPicPr>
         <p:blipFill>
-          <a:blip r:embed="rId15">
+          <a:blip r:embed="rId14">
             <a:extLst>
               <a:ext uri="{28A0092B-C50C-407E-A947-70E740481C1C}">
                 <a14:useLocalDpi xmlns:a14="http://schemas.microsoft.com/office/drawing/2010/main" val="0"/>
               </a:ext>
               <a:ext uri="{96DAC541-7B7A-43D3-8B79-37D633B846F1}">
-                <asvg:svgBlip xmlns:asvg="http://schemas.microsoft.com/office/drawing/2016/SVG/main" r:embed="rId16"/>
+                <asvg:svgBlip xmlns:asvg="http://schemas.microsoft.com/office/drawing/2016/SVG/main" r:embed="rId15"/>
               </a:ext>
             </a:extLst>
           </a:blip>
@@ -11225,20 +13030,26 @@
       </p:pic>
       <p:pic>
         <p:nvPicPr>
-          <p:cNvPr id="12" name="Graphic 11" descr="勋章轮廓图"/>
+          <p:cNvPr id="12" name="Graphic 11" descr="Medal outline">
+            <a:extLst>
+              <a:ext uri="{FF2B5EF4-FFF2-40B4-BE49-F238E27FC236}">
+                <a16:creationId xmlns:a16="http://schemas.microsoft.com/office/drawing/2014/main" id="{C7BEFC2D-0CA6-0448-B9FA-6E1581CA6D36}"/>
+              </a:ext>
+            </a:extLst>
+          </p:cNvPr>
           <p:cNvPicPr>
             <a:picLocks noChangeAspect="1"/>
           </p:cNvPicPr>
           <p:nvPr/>
         </p:nvPicPr>
         <p:blipFill>
-          <a:blip r:embed="rId17">
+          <a:blip r:embed="rId16">
             <a:extLst>
               <a:ext uri="{28A0092B-C50C-407E-A947-70E740481C1C}">
                 <a14:useLocalDpi xmlns:a14="http://schemas.microsoft.com/office/drawing/2010/main" val="0"/>
               </a:ext>
               <a:ext uri="{96DAC541-7B7A-43D3-8B79-37D633B846F1}">
-                <asvg:svgBlip xmlns:asvg="http://schemas.microsoft.com/office/drawing/2016/SVG/main" r:embed="rId18"/>
+                <asvg:svgBlip xmlns:asvg="http://schemas.microsoft.com/office/drawing/2016/SVG/main" r:embed="rId17"/>
               </a:ext>
             </a:extLst>
           </a:blip>
@@ -11257,29 +13068,16 @@
         </p:spPr>
       </p:pic>
     </p:spTree>
+    <p:extLst>
+      <p:ext uri="{BB962C8B-B14F-4D97-AF65-F5344CB8AC3E}">
+        <p14:creationId xmlns:p14="http://schemas.microsoft.com/office/powerpoint/2010/main" val="1050037809"/>
+      </p:ext>
+    </p:extLst>
   </p:cSld>
   <p:clrMapOvr>
     <a:masterClrMapping/>
   </p:clrMapOvr>
 </p:sld>
-</file>
-
-<file path=ppt/tags/tag1.xml><?xml version="1.0" encoding="utf-8"?>
-<p:tagLst xmlns:a="http://schemas.openxmlformats.org/drawingml/2006/main" xmlns:r="http://schemas.openxmlformats.org/officeDocument/2006/relationships" xmlns:p="http://schemas.openxmlformats.org/presentationml/2006/main">
-  <p:tag name="KSO_WM_UNIT_TABLE_BEAUTIFY" val="smartTable{90f03565-0d74-4b8b-9226-740e34f0c564}"/>
-</p:tagLst>
-</file>
-
-<file path=ppt/tags/tag2.xml><?xml version="1.0" encoding="utf-8"?>
-<p:tagLst xmlns:a="http://schemas.openxmlformats.org/drawingml/2006/main" xmlns:r="http://schemas.openxmlformats.org/officeDocument/2006/relationships" xmlns:p="http://schemas.openxmlformats.org/presentationml/2006/main">
-  <p:tag name="KSO_WM_UNIT_TABLE_BEAUTIFY" val="smartTable{85e89148-258b-42fe-a353-2caaf47f8212}"/>
-</p:tagLst>
-</file>
-
-<file path=ppt/tags/tag3.xml><?xml version="1.0" encoding="utf-8"?>
-<p:tagLst xmlns:a="http://schemas.openxmlformats.org/drawingml/2006/main" xmlns:r="http://schemas.openxmlformats.org/officeDocument/2006/relationships" xmlns:p="http://schemas.openxmlformats.org/presentationml/2006/main">
-  <p:tag name="KSO_WM_UNIT_TABLE_BEAUTIFY" val="smartTable{269922ac-f9a6-4919-96e2-a196576fed7c}"/>
-</p:tagLst>
 </file>
 
 <file path=ppt/theme/theme1.xml><?xml version="1.0" encoding="utf-8"?>
@@ -11562,11 +13360,6 @@
   </a:themeElements>
   <a:objectDefaults/>
   <a:extraClrSchemeLst/>
-  <a:extLst>
-    <a:ext uri="{05A4C25C-085E-4340-85A3-A5531E510DB2}">
-      <thm15:themeFamily xmlns:thm15="http://schemas.microsoft.com/office/thememl/2012/main" name="Office Theme" id="{62F939B6-93AF-4DB8-9C6B-D6C7DFDC589F}" vid="{4A3C46E8-61CC-4603-A589-7422A47A8E4A}"/>
-    </a:ext>
-  </a:extLst>
 </a:theme>
 </file>
 
@@ -11613,7 +13406,7 @@
     </a:clrScheme>
     <a:fontScheme name="Office">
       <a:majorFont>
-        <a:latin typeface="Calibri Light"/>
+        <a:latin typeface="Calibri Light" panose="020F0302020204030204"/>
         <a:ea typeface=""/>
         <a:cs typeface=""/>
         <a:font script="Jpan" typeface="游ゴシック Light"/>
@@ -11646,9 +13439,26 @@
         <a:font script="Viet" typeface="Times New Roman"/>
         <a:font script="Uigh" typeface="Microsoft Uighur"/>
         <a:font script="Geor" typeface="Sylfaen"/>
+        <a:font script="Armn" typeface="Arial"/>
+        <a:font script="Bugi" typeface="Leelawadee UI"/>
+        <a:font script="Bopo" typeface="Microsoft JhengHei"/>
+        <a:font script="Java" typeface="Javanese Text"/>
+        <a:font script="Lisu" typeface="Segoe UI"/>
+        <a:font script="Mymr" typeface="Myanmar Text"/>
+        <a:font script="Nkoo" typeface="Ebrima"/>
+        <a:font script="Olck" typeface="Nirmala UI"/>
+        <a:font script="Osma" typeface="Ebrima"/>
+        <a:font script="Phag" typeface="Phagspa"/>
+        <a:font script="Syrn" typeface="Estrangelo Edessa"/>
+        <a:font script="Syrj" typeface="Estrangelo Edessa"/>
+        <a:font script="Syre" typeface="Estrangelo Edessa"/>
+        <a:font script="Sora" typeface="Nirmala UI"/>
+        <a:font script="Tale" typeface="Microsoft Tai Le"/>
+        <a:font script="Talu" typeface="Microsoft New Tai Lue"/>
+        <a:font script="Tfng" typeface="Ebrima"/>
       </a:majorFont>
       <a:minorFont>
-        <a:latin typeface="Calibri"/>
+        <a:latin typeface="Calibri" panose="020F0502020204030204"/>
         <a:ea typeface=""/>
         <a:cs typeface=""/>
         <a:font script="Jpan" typeface="游ゴシック"/>
@@ -11681,6 +13491,23 @@
         <a:font script="Viet" typeface="Arial"/>
         <a:font script="Uigh" typeface="Microsoft Uighur"/>
         <a:font script="Geor" typeface="Sylfaen"/>
+        <a:font script="Armn" typeface="Arial"/>
+        <a:font script="Bugi" typeface="Leelawadee UI"/>
+        <a:font script="Bopo" typeface="Microsoft JhengHei"/>
+        <a:font script="Java" typeface="Javanese Text"/>
+        <a:font script="Lisu" typeface="Segoe UI"/>
+        <a:font script="Mymr" typeface="Myanmar Text"/>
+        <a:font script="Nkoo" typeface="Ebrima"/>
+        <a:font script="Olck" typeface="Nirmala UI"/>
+        <a:font script="Osma" typeface="Ebrima"/>
+        <a:font script="Phag" typeface="Phagspa"/>
+        <a:font script="Syrn" typeface="Estrangelo Edessa"/>
+        <a:font script="Syrj" typeface="Estrangelo Edessa"/>
+        <a:font script="Syre" typeface="Estrangelo Edessa"/>
+        <a:font script="Sora" typeface="Nirmala UI"/>
+        <a:font script="Tale" typeface="Microsoft Tai Le"/>
+        <a:font script="Talu" typeface="Microsoft New Tai Lue"/>
+        <a:font script="Tfng" typeface="Ebrima"/>
       </a:minorFont>
     </a:fontScheme>
     <a:fmtScheme name="Office">
@@ -11829,4 +13656,268 @@
     </a:ext>
   </a:extLst>
 </a:theme>
+</file>
+
+<file path=customXml/item1.xml><?xml version="1.0" encoding="utf-8"?>
+<p:properties xmlns:p="http://schemas.microsoft.com/office/2006/metadata/properties" xmlns:xsi="http://www.w3.org/2001/XMLSchema-instance" xmlns:pc="http://schemas.microsoft.com/office/infopath/2007/PartnerControls">
+  <documentManagement/>
+</p:properties>
+</file>
+
+<file path=customXml/item2.xml><?xml version="1.0" encoding="utf-8"?>
+<?mso-contentType ?>
+<FormTemplates xmlns="http://schemas.microsoft.com/sharepoint/v3/contenttype/forms">
+  <Display>DocumentLibraryForm</Display>
+  <Edit>DocumentLibraryForm</Edit>
+  <New>DocumentLibraryForm</New>
+</FormTemplates>
+</file>
+
+<file path=customXml/item3.xml><?xml version="1.0" encoding="utf-8"?>
+<ct:contentTypeSchema xmlns:ct="http://schemas.microsoft.com/office/2006/metadata/contentType" xmlns:ma="http://schemas.microsoft.com/office/2006/metadata/properties/metaAttributes" ct:_="" ma:_="" ma:contentTypeName="Document" ma:contentTypeID="0x010100E783BF6876BCC646A459363AF21A7736" ma:contentTypeVersion="10" ma:contentTypeDescription="Create a new document." ma:contentTypeScope="" ma:versionID="c4ffda7f4f415767600769e454c2ea87">
+  <xsd:schema xmlns:xsd="http://www.w3.org/2001/XMLSchema" xmlns:xs="http://www.w3.org/2001/XMLSchema" xmlns:p="http://schemas.microsoft.com/office/2006/metadata/properties" xmlns:ns2="8a053bff-88be-49e4-9a87-e748e18b8b62" xmlns:ns3="6c8368ec-3776-49b5-a5bb-90648cf9530f" targetNamespace="http://schemas.microsoft.com/office/2006/metadata/properties" ma:root="true" ma:fieldsID="df3ec33bccc23e23bce7bc897fad43d1" ns2:_="" ns3:_="">
+    <xsd:import namespace="8a053bff-88be-49e4-9a87-e748e18b8b62"/>
+    <xsd:import namespace="6c8368ec-3776-49b5-a5bb-90648cf9530f"/>
+    <xsd:element name="properties">
+      <xsd:complexType>
+        <xsd:sequence>
+          <xsd:element name="documentManagement">
+            <xsd:complexType>
+              <xsd:all>
+                <xsd:element ref="ns2:MediaServiceMetadata" minOccurs="0"/>
+                <xsd:element ref="ns2:MediaServiceFastMetadata" minOccurs="0"/>
+                <xsd:element ref="ns2:MediaServiceAutoKeyPoints" minOccurs="0"/>
+                <xsd:element ref="ns2:MediaServiceKeyPoints" minOccurs="0"/>
+                <xsd:element ref="ns3:SharedWithUsers" minOccurs="0"/>
+                <xsd:element ref="ns3:SharedWithDetails" minOccurs="0"/>
+                <xsd:element ref="ns2:MediaServiceAutoTags" minOccurs="0"/>
+                <xsd:element ref="ns2:MediaServiceOCR" minOccurs="0"/>
+                <xsd:element ref="ns2:MediaServiceGenerationTime" minOccurs="0"/>
+                <xsd:element ref="ns2:MediaServiceEventHashCode" minOccurs="0"/>
+              </xsd:all>
+            </xsd:complexType>
+          </xsd:element>
+        </xsd:sequence>
+      </xsd:complexType>
+    </xsd:element>
+  </xsd:schema>
+  <xsd:schema xmlns:xsd="http://www.w3.org/2001/XMLSchema" xmlns:xs="http://www.w3.org/2001/XMLSchema" xmlns:dms="http://schemas.microsoft.com/office/2006/documentManagement/types" xmlns:pc="http://schemas.microsoft.com/office/infopath/2007/PartnerControls" targetNamespace="8a053bff-88be-49e4-9a87-e748e18b8b62" elementFormDefault="qualified">
+    <xsd:import namespace="http://schemas.microsoft.com/office/2006/documentManagement/types"/>
+    <xsd:import namespace="http://schemas.microsoft.com/office/infopath/2007/PartnerControls"/>
+    <xsd:element name="MediaServiceMetadata" ma:index="8" nillable="true" ma:displayName="MediaServiceMetadata" ma:hidden="true" ma:internalName="MediaServiceMetadata" ma:readOnly="true">
+      <xsd:simpleType>
+        <xsd:restriction base="dms:Note"/>
+      </xsd:simpleType>
+    </xsd:element>
+    <xsd:element name="MediaServiceFastMetadata" ma:index="9" nillable="true" ma:displayName="MediaServiceFastMetadata" ma:hidden="true" ma:internalName="MediaServiceFastMetadata" ma:readOnly="true">
+      <xsd:simpleType>
+        <xsd:restriction base="dms:Note"/>
+      </xsd:simpleType>
+    </xsd:element>
+    <xsd:element name="MediaServiceAutoKeyPoints" ma:index="10" nillable="true" ma:displayName="MediaServiceAutoKeyPoints" ma:hidden="true" ma:internalName="MediaServiceAutoKeyPoints" ma:readOnly="true">
+      <xsd:simpleType>
+        <xsd:restriction base="dms:Note"/>
+      </xsd:simpleType>
+    </xsd:element>
+    <xsd:element name="MediaServiceKeyPoints" ma:index="11" nillable="true" ma:displayName="KeyPoints" ma:internalName="MediaServiceKeyPoints" ma:readOnly="true">
+      <xsd:simpleType>
+        <xsd:restriction base="dms:Note">
+          <xsd:maxLength value="255"/>
+        </xsd:restriction>
+      </xsd:simpleType>
+    </xsd:element>
+    <xsd:element name="MediaServiceAutoTags" ma:index="14" nillable="true" ma:displayName="Tags" ma:internalName="MediaServiceAutoTags" ma:readOnly="true">
+      <xsd:simpleType>
+        <xsd:restriction base="dms:Text"/>
+      </xsd:simpleType>
+    </xsd:element>
+    <xsd:element name="MediaServiceOCR" ma:index="15" nillable="true" ma:displayName="Extracted Text" ma:internalName="MediaServiceOCR" ma:readOnly="true">
+      <xsd:simpleType>
+        <xsd:restriction base="dms:Note">
+          <xsd:maxLength value="255"/>
+        </xsd:restriction>
+      </xsd:simpleType>
+    </xsd:element>
+    <xsd:element name="MediaServiceGenerationTime" ma:index="16" nillable="true" ma:displayName="MediaServiceGenerationTime" ma:hidden="true" ma:internalName="MediaServiceGenerationTime" ma:readOnly="true">
+      <xsd:simpleType>
+        <xsd:restriction base="dms:Text"/>
+      </xsd:simpleType>
+    </xsd:element>
+    <xsd:element name="MediaServiceEventHashCode" ma:index="17" nillable="true" ma:displayName="MediaServiceEventHashCode" ma:hidden="true" ma:internalName="MediaServiceEventHashCode" ma:readOnly="true">
+      <xsd:simpleType>
+        <xsd:restriction base="dms:Text"/>
+      </xsd:simpleType>
+    </xsd:element>
+  </xsd:schema>
+  <xsd:schema xmlns:xsd="http://www.w3.org/2001/XMLSchema" xmlns:xs="http://www.w3.org/2001/XMLSchema" xmlns:dms="http://schemas.microsoft.com/office/2006/documentManagement/types" xmlns:pc="http://schemas.microsoft.com/office/infopath/2007/PartnerControls" targetNamespace="6c8368ec-3776-49b5-a5bb-90648cf9530f" elementFormDefault="qualified">
+    <xsd:import namespace="http://schemas.microsoft.com/office/2006/documentManagement/types"/>
+    <xsd:import namespace="http://schemas.microsoft.com/office/infopath/2007/PartnerControls"/>
+    <xsd:element name="SharedWithUsers" ma:index="12" nillable="true" ma:displayName="Shared With" ma:internalName="SharedWithUsers" ma:readOnly="true">
+      <xsd:complexType>
+        <xsd:complexContent>
+          <xsd:extension base="dms:UserMulti">
+            <xsd:sequence>
+              <xsd:element name="UserInfo" minOccurs="0" maxOccurs="unbounded">
+                <xsd:complexType>
+                  <xsd:sequence>
+                    <xsd:element name="DisplayName" type="xsd:string" minOccurs="0"/>
+                    <xsd:element name="AccountId" type="dms:UserId" minOccurs="0" nillable="true"/>
+                    <xsd:element name="AccountType" type="xsd:string" minOccurs="0"/>
+                  </xsd:sequence>
+                </xsd:complexType>
+              </xsd:element>
+            </xsd:sequence>
+          </xsd:extension>
+        </xsd:complexContent>
+      </xsd:complexType>
+    </xsd:element>
+    <xsd:element name="SharedWithDetails" ma:index="13" nillable="true" ma:displayName="Shared With Details" ma:internalName="SharedWithDetails" ma:readOnly="true">
+      <xsd:simpleType>
+        <xsd:restriction base="dms:Note">
+          <xsd:maxLength value="255"/>
+        </xsd:restriction>
+      </xsd:simpleType>
+    </xsd:element>
+  </xsd:schema>
+  <xsd:schema xmlns="http://schemas.openxmlformats.org/package/2006/metadata/core-properties" xmlns:xsd="http://www.w3.org/2001/XMLSchema" xmlns:xsi="http://www.w3.org/2001/XMLSchema-instance" xmlns:dc="http://purl.org/dc/elements/1.1/" xmlns:dcterms="http://purl.org/dc/terms/" xmlns:odoc="http://schemas.microsoft.com/internal/obd" targetNamespace="http://schemas.openxmlformats.org/package/2006/metadata/core-properties" elementFormDefault="qualified" attributeFormDefault="unqualified" blockDefault="#all">
+    <xsd:import namespace="http://purl.org/dc/elements/1.1/" schemaLocation="http://dublincore.org/schemas/xmls/qdc/2003/04/02/dc.xsd"/>
+    <xsd:import namespace="http://purl.org/dc/terms/" schemaLocation="http://dublincore.org/schemas/xmls/qdc/2003/04/02/dcterms.xsd"/>
+    <xsd:element name="coreProperties" type="CT_coreProperties"/>
+    <xsd:complexType name="CT_coreProperties">
+      <xsd:all>
+        <xsd:element ref="dc:creator" minOccurs="0" maxOccurs="1"/>
+        <xsd:element ref="dcterms:created" minOccurs="0" maxOccurs="1"/>
+        <xsd:element ref="dc:identifier" minOccurs="0" maxOccurs="1"/>
+        <xsd:element name="contentType" minOccurs="0" maxOccurs="1" type="xsd:string" ma:index="0" ma:displayName="Content Type"/>
+        <xsd:element ref="dc:title" minOccurs="0" maxOccurs="1" ma:index="4" ma:displayName="Title"/>
+        <xsd:element ref="dc:subject" minOccurs="0" maxOccurs="1"/>
+        <xsd:element ref="dc:description" minOccurs="0" maxOccurs="1"/>
+        <xsd:element name="keywords" minOccurs="0" maxOccurs="1" type="xsd:string"/>
+        <xsd:element ref="dc:language" minOccurs="0" maxOccurs="1"/>
+        <xsd:element name="category" minOccurs="0" maxOccurs="1" type="xsd:string"/>
+        <xsd:element name="version" minOccurs="0" maxOccurs="1" type="xsd:string"/>
+        <xsd:element name="revision" minOccurs="0" maxOccurs="1" type="xsd:string">
+          <xsd:annotation>
+            <xsd:documentation>
+                        This value indicates the number of saves or revisions. The application is responsible for updating this value after each revision.
+                    </xsd:documentation>
+          </xsd:annotation>
+        </xsd:element>
+        <xsd:element name="lastModifiedBy" minOccurs="0" maxOccurs="1" type="xsd:string"/>
+        <xsd:element ref="dcterms:modified" minOccurs="0" maxOccurs="1"/>
+        <xsd:element name="contentStatus" minOccurs="0" maxOccurs="1" type="xsd:string"/>
+      </xsd:all>
+    </xsd:complexType>
+  </xsd:schema>
+  <xs:schema xmlns:pc="http://schemas.microsoft.com/office/infopath/2007/PartnerControls" xmlns:xs="http://www.w3.org/2001/XMLSchema" targetNamespace="http://schemas.microsoft.com/office/infopath/2007/PartnerControls" elementFormDefault="qualified" attributeFormDefault="unqualified">
+    <xs:element name="Person">
+      <xs:complexType>
+        <xs:sequence>
+          <xs:element ref="pc:DisplayName" minOccurs="0"/>
+          <xs:element ref="pc:AccountId" minOccurs="0"/>
+          <xs:element ref="pc:AccountType" minOccurs="0"/>
+        </xs:sequence>
+      </xs:complexType>
+    </xs:element>
+    <xs:element name="DisplayName" type="xs:string"/>
+    <xs:element name="AccountId" type="xs:string"/>
+    <xs:element name="AccountType" type="xs:string"/>
+    <xs:element name="BDCAssociatedEntity">
+      <xs:complexType>
+        <xs:sequence>
+          <xs:element ref="pc:BDCEntity" minOccurs="0" maxOccurs="unbounded"/>
+        </xs:sequence>
+        <xs:attribute ref="pc:EntityNamespace"/>
+        <xs:attribute ref="pc:EntityName"/>
+        <xs:attribute ref="pc:SystemInstanceName"/>
+        <xs:attribute ref="pc:AssociationName"/>
+      </xs:complexType>
+    </xs:element>
+    <xs:attribute name="EntityNamespace" type="xs:string"/>
+    <xs:attribute name="EntityName" type="xs:string"/>
+    <xs:attribute name="SystemInstanceName" type="xs:string"/>
+    <xs:attribute name="AssociationName" type="xs:string"/>
+    <xs:element name="BDCEntity">
+      <xs:complexType>
+        <xs:sequence>
+          <xs:element ref="pc:EntityDisplayName" minOccurs="0"/>
+          <xs:element ref="pc:EntityInstanceReference" minOccurs="0"/>
+          <xs:element ref="pc:EntityId1" minOccurs="0"/>
+          <xs:element ref="pc:EntityId2" minOccurs="0"/>
+          <xs:element ref="pc:EntityId3" minOccurs="0"/>
+          <xs:element ref="pc:EntityId4" minOccurs="0"/>
+          <xs:element ref="pc:EntityId5" minOccurs="0"/>
+        </xs:sequence>
+      </xs:complexType>
+    </xs:element>
+    <xs:element name="EntityDisplayName" type="xs:string"/>
+    <xs:element name="EntityInstanceReference" type="xs:string"/>
+    <xs:element name="EntityId1" type="xs:string"/>
+    <xs:element name="EntityId2" type="xs:string"/>
+    <xs:element name="EntityId3" type="xs:string"/>
+    <xs:element name="EntityId4" type="xs:string"/>
+    <xs:element name="EntityId5" type="xs:string"/>
+    <xs:element name="Terms">
+      <xs:complexType>
+        <xs:sequence>
+          <xs:element ref="pc:TermInfo" minOccurs="0" maxOccurs="unbounded"/>
+        </xs:sequence>
+      </xs:complexType>
+    </xs:element>
+    <xs:element name="TermInfo">
+      <xs:complexType>
+        <xs:sequence>
+          <xs:element ref="pc:TermName" minOccurs="0"/>
+          <xs:element ref="pc:TermId" minOccurs="0"/>
+        </xs:sequence>
+      </xs:complexType>
+    </xs:element>
+    <xs:element name="TermName" type="xs:string"/>
+    <xs:element name="TermId" type="xs:string"/>
+  </xs:schema>
+</ct:contentTypeSchema>
+</file>
+
+<file path=customXml/itemProps1.xml><?xml version="1.0" encoding="utf-8"?>
+<ds:datastoreItem xmlns:ds="http://schemas.openxmlformats.org/officeDocument/2006/customXml" ds:itemID="{10FC3CAF-E6F1-40E3-87D4-6B781C97D6B4}">
+  <ds:schemaRefs>
+    <ds:schemaRef ds:uri="6c8368ec-3776-49b5-a5bb-90648cf9530f"/>
+    <ds:schemaRef ds:uri="8a053bff-88be-49e4-9a87-e748e18b8b62"/>
+    <ds:schemaRef ds:uri="http://purl.org/dc/dcmitype/"/>
+    <ds:schemaRef ds:uri="http://purl.org/dc/elements/1.1/"/>
+    <ds:schemaRef ds:uri="http://purl.org/dc/terms/"/>
+    <ds:schemaRef ds:uri="http://schemas.microsoft.com/office/2006/documentManagement/types"/>
+    <ds:schemaRef ds:uri="http://schemas.microsoft.com/office/2006/metadata/properties"/>
+    <ds:schemaRef ds:uri="http://schemas.microsoft.com/office/infopath/2007/PartnerControls"/>
+    <ds:schemaRef ds:uri="http://schemas.openxmlformats.org/package/2006/metadata/core-properties"/>
+    <ds:schemaRef ds:uri="http://www.w3.org/XML/1998/namespace"/>
+  </ds:schemaRefs>
+</ds:datastoreItem>
+</file>
+
+<file path=customXml/itemProps2.xml><?xml version="1.0" encoding="utf-8"?>
+<ds:datastoreItem xmlns:ds="http://schemas.openxmlformats.org/officeDocument/2006/customXml" ds:itemID="{95AE3B0B-E909-400C-B0B3-909FB50E07DE}">
+  <ds:schemaRefs>
+    <ds:schemaRef ds:uri="http://schemas.microsoft.com/sharepoint/v3/contenttype/forms"/>
+  </ds:schemaRefs>
+</ds:datastoreItem>
+</file>
+
+<file path=customXml/itemProps3.xml><?xml version="1.0" encoding="utf-8"?>
+<ds:datastoreItem xmlns:ds="http://schemas.openxmlformats.org/officeDocument/2006/customXml" ds:itemID="{E0DB8BDF-6DA8-4ABC-A3CA-043AFD674CFC}">
+  <ds:schemaRefs>
+    <ds:schemaRef ds:uri="6c8368ec-3776-49b5-a5bb-90648cf9530f"/>
+    <ds:schemaRef ds:uri="8a053bff-88be-49e4-9a87-e748e18b8b62"/>
+    <ds:schemaRef ds:uri="http://purl.org/dc/elements/1.1/"/>
+    <ds:schemaRef ds:uri="http://purl.org/dc/terms/"/>
+    <ds:schemaRef ds:uri="http://schemas.microsoft.com/internal/obd"/>
+    <ds:schemaRef ds:uri="http://schemas.microsoft.com/office/2006/documentManagement/types"/>
+    <ds:schemaRef ds:uri="http://schemas.microsoft.com/office/2006/metadata/contentType"/>
+    <ds:schemaRef ds:uri="http://schemas.microsoft.com/office/2006/metadata/properties"/>
+    <ds:schemaRef ds:uri="http://schemas.microsoft.com/office/2006/metadata/properties/metaAttributes"/>
+    <ds:schemaRef ds:uri="http://schemas.microsoft.com/office/infopath/2007/PartnerControls"/>
+    <ds:schemaRef ds:uri="http://schemas.openxmlformats.org/package/2006/metadata/core-properties"/>
+    <ds:schemaRef ds:uri="http://www.w3.org/2001/XMLSchema"/>
+  </ds:schemaRefs>
+</ds:datastoreItem>
 </file>
--- a/help/data-sheets/assets/BusinessSupportDatasheet.pptx
+++ b/help/data-sheets/assets/BusinessSupportDatasheet.pptx
@@ -2,15 +2,15 @@
 <file path=ppt/presentation.xml><?xml version="1.0" encoding="utf-8"?>
 <p:presentation xmlns:a="http://schemas.openxmlformats.org/drawingml/2006/main" xmlns:r="http://schemas.openxmlformats.org/officeDocument/2006/relationships" xmlns:p="http://schemas.openxmlformats.org/presentationml/2006/main">
   <p:sldMasterIdLst>
-    <p:sldMasterId id="2147483648" r:id="rId4"/>
+    <p:sldMasterId id="2147483648" r:id="rId1"/>
   </p:sldMasterIdLst>
   <p:notesMasterIdLst>
-    <p:notesMasterId r:id="rId8"/>
+    <p:notesMasterId r:id="rId5"/>
   </p:notesMasterIdLst>
   <p:sldIdLst>
-    <p:sldId id="256" r:id="rId5"/>
-    <p:sldId id="257" r:id="rId6"/>
-    <p:sldId id="261" r:id="rId7"/>
+    <p:sldId id="256" r:id="rId2"/>
+    <p:sldId id="257" r:id="rId3"/>
+    <p:sldId id="261" r:id="rId4"/>
   </p:sldIdLst>
   <p:sldSz cx="7772400" cy="10058400"/>
   <p:notesSz cx="7772400" cy="10058400"/>
@@ -117,7 +117,7 @@
             <a:srgbClr val="A4A3A4"/>
           </p15:clr>
         </p15:guide>
-        <p15:guide id="2" pos="2160">
+        <p15:guide id="2" pos="2147">
           <p15:clr>
             <a:srgbClr val="A4A3A4"/>
           </p15:clr>
@@ -130,291 +130,8 @@
 
 <file path=ppt/commentAuthors.xml><?xml version="1.0" encoding="utf-8"?>
 <p:cmAuthorLst xmlns:a="http://schemas.openxmlformats.org/drawingml/2006/main" xmlns:r="http://schemas.openxmlformats.org/officeDocument/2006/relationships" xmlns:p="http://schemas.openxmlformats.org/presentationml/2006/main">
-  <p:cmAuthor id="1" name="Ankita Sood" initials="AS" lastIdx="2" clrIdx="0">
-    <p:extLst>
-      <p:ext uri="{19B8F6BF-5375-455C-9EA6-DF929625EA0E}">
-        <p15:presenceInfo xmlns:p15="http://schemas.microsoft.com/office/powerpoint/2012/main" userId="S::asood@adobe.com::c93a62e3-2a47-429d-82c6-c2a8fd110ae7" providerId="AD"/>
-      </p:ext>
-    </p:extLst>
-  </p:cmAuthor>
+  <p:cmAuthor id="1" name="Ankita Sood" initials="AS" lastIdx="2" clrIdx="0"/>
 </p:cmAuthorLst>
-</file>
-
-<file path=ppt/revisionInfo.xml><?xml version="1.0" encoding="utf-8"?>
-<p1510:revInfo xmlns:a="http://schemas.openxmlformats.org/drawingml/2006/main" xmlns:r="http://schemas.openxmlformats.org/officeDocument/2006/relationships" xmlns:p1510="http://schemas.microsoft.com/office/powerpoint/2015/10/main">
-  <p1510:revLst>
-    <p1510:client id="{61630BD6-9AE9-064C-B39F-AFA945B82B3E}" v="202" dt="2021-10-13T19:21:08.267"/>
-    <p1510:client id="{AC30C20D-1316-8ECC-DADD-39CCEC6A7FCF}" v="9" dt="2021-10-13T19:03:35.035"/>
-  </p1510:revLst>
-</p1510:revInfo>
-</file>
-
-<file path=ppt/changesInfos/changesInfo1.xml><?xml version="1.0" encoding="utf-8"?>
-<pc:chgInfo xmlns:a="http://schemas.openxmlformats.org/drawingml/2006/main" xmlns:r="http://schemas.openxmlformats.org/officeDocument/2006/relationships" xmlns:ac="http://schemas.microsoft.com/office/drawing/2013/main/command" xmlns:pc="http://schemas.microsoft.com/office/powerpoint/2013/main/command">
-  <pc:docChgLst>
-    <pc:chgData name="Akilah Johnson" userId="S::akjohnso@adobe.com::2fa3aa60-0c9c-4d06-bae2-795983241227" providerId="AD" clId="Web-{4D8E0410-E0CE-85E2-0F84-C1BF4F647622}"/>
-    <pc:docChg chg="modSld">
-      <pc:chgData name="Akilah Johnson" userId="S::akjohnso@adobe.com::2fa3aa60-0c9c-4d06-bae2-795983241227" providerId="AD" clId="Web-{4D8E0410-E0CE-85E2-0F84-C1BF4F647622}" dt="2021-09-22T22:57:04.802" v="5"/>
-      <pc:docMkLst>
-        <pc:docMk/>
-      </pc:docMkLst>
-      <pc:sldChg chg="modSp">
-        <pc:chgData name="Akilah Johnson" userId="S::akjohnso@adobe.com::2fa3aa60-0c9c-4d06-bae2-795983241227" providerId="AD" clId="Web-{4D8E0410-E0CE-85E2-0F84-C1BF4F647622}" dt="2021-09-22T22:57:04.802" v="5"/>
-        <pc:sldMkLst>
-          <pc:docMk/>
-          <pc:sldMk cId="1050037809" sldId="261"/>
-        </pc:sldMkLst>
-        <pc:graphicFrameChg chg="mod modGraphic">
-          <ac:chgData name="Akilah Johnson" userId="S::akjohnso@adobe.com::2fa3aa60-0c9c-4d06-bae2-795983241227" providerId="AD" clId="Web-{4D8E0410-E0CE-85E2-0F84-C1BF4F647622}" dt="2021-09-22T22:57:04.802" v="5"/>
-          <ac:graphicFrameMkLst>
-            <pc:docMk/>
-            <pc:sldMk cId="1050037809" sldId="261"/>
-            <ac:graphicFrameMk id="25" creationId="{3A91F5B0-3974-A14D-A146-FB590F2AAD18}"/>
-          </ac:graphicFrameMkLst>
-        </pc:graphicFrameChg>
-      </pc:sldChg>
-    </pc:docChg>
-  </pc:docChgLst>
-  <pc:docChgLst>
-    <pc:chgData name="Akilah Johnson" userId="S::akjohnso@adobe.com::2fa3aa60-0c9c-4d06-bae2-795983241227" providerId="AD" clId="Web-{019F6A09-DCDA-BB53-9E3C-5BA3B13E26BB}"/>
-    <pc:docChg chg="modSld">
-      <pc:chgData name="Akilah Johnson" userId="S::akjohnso@adobe.com::2fa3aa60-0c9c-4d06-bae2-795983241227" providerId="AD" clId="Web-{019F6A09-DCDA-BB53-9E3C-5BA3B13E26BB}" dt="2021-10-12T17:10:36.752" v="17" actId="20577"/>
-      <pc:docMkLst>
-        <pc:docMk/>
-      </pc:docMkLst>
-      <pc:sldChg chg="modSp">
-        <pc:chgData name="Akilah Johnson" userId="S::akjohnso@adobe.com::2fa3aa60-0c9c-4d06-bae2-795983241227" providerId="AD" clId="Web-{019F6A09-DCDA-BB53-9E3C-5BA3B13E26BB}" dt="2021-10-12T17:09:32.112" v="2" actId="20577"/>
-        <pc:sldMkLst>
-          <pc:docMk/>
-          <pc:sldMk cId="0" sldId="257"/>
-        </pc:sldMkLst>
-        <pc:spChg chg="mod">
-          <ac:chgData name="Akilah Johnson" userId="S::akjohnso@adobe.com::2fa3aa60-0c9c-4d06-bae2-795983241227" providerId="AD" clId="Web-{019F6A09-DCDA-BB53-9E3C-5BA3B13E26BB}" dt="2021-10-12T17:09:32.112" v="2" actId="20577"/>
-          <ac:spMkLst>
-            <pc:docMk/>
-            <pc:sldMk cId="0" sldId="257"/>
-            <ac:spMk id="46" creationId="{00000000-0000-0000-0000-000000000000}"/>
-          </ac:spMkLst>
-        </pc:spChg>
-      </pc:sldChg>
-      <pc:sldChg chg="modSp">
-        <pc:chgData name="Akilah Johnson" userId="S::akjohnso@adobe.com::2fa3aa60-0c9c-4d06-bae2-795983241227" providerId="AD" clId="Web-{019F6A09-DCDA-BB53-9E3C-5BA3B13E26BB}" dt="2021-10-12T17:10:36.752" v="17" actId="20577"/>
-        <pc:sldMkLst>
-          <pc:docMk/>
-          <pc:sldMk cId="1050037809" sldId="261"/>
-        </pc:sldMkLst>
-        <pc:spChg chg="mod">
-          <ac:chgData name="Akilah Johnson" userId="S::akjohnso@adobe.com::2fa3aa60-0c9c-4d06-bae2-795983241227" providerId="AD" clId="Web-{019F6A09-DCDA-BB53-9E3C-5BA3B13E26BB}" dt="2021-10-12T17:10:36.752" v="17" actId="20577"/>
-          <ac:spMkLst>
-            <pc:docMk/>
-            <pc:sldMk cId="1050037809" sldId="261"/>
-            <ac:spMk id="56" creationId="{00000000-0000-0000-0000-000000000000}"/>
-          </ac:spMkLst>
-        </pc:spChg>
-        <pc:graphicFrameChg chg="mod modGraphic">
-          <ac:chgData name="Akilah Johnson" userId="S::akjohnso@adobe.com::2fa3aa60-0c9c-4d06-bae2-795983241227" providerId="AD" clId="Web-{019F6A09-DCDA-BB53-9E3C-5BA3B13E26BB}" dt="2021-10-12T17:09:41.471" v="6"/>
-          <ac:graphicFrameMkLst>
-            <pc:docMk/>
-            <pc:sldMk cId="1050037809" sldId="261"/>
-            <ac:graphicFrameMk id="111" creationId="{D8653CEC-4213-DE40-9BAF-D1E3318FF89C}"/>
-          </ac:graphicFrameMkLst>
-        </pc:graphicFrameChg>
-      </pc:sldChg>
-    </pc:docChg>
-  </pc:docChgLst>
-  <pc:docChgLst>
-    <pc:chgData name="Andy Witt" userId="S::awitt@adobe.com::e9157bdf-53b2-40e4-9459-936793d75696" providerId="AD" clId="Web-{06B13378-B080-7F0F-51A5-F9203CEE57ED}"/>
-    <pc:docChg chg="modSld">
-      <pc:chgData name="Andy Witt" userId="S::awitt@adobe.com::e9157bdf-53b2-40e4-9459-936793d75696" providerId="AD" clId="Web-{06B13378-B080-7F0F-51A5-F9203CEE57ED}" dt="2021-08-25T22:25:13.647" v="363"/>
-      <pc:docMkLst>
-        <pc:docMk/>
-      </pc:docMkLst>
-      <pc:sldChg chg="modSp">
-        <pc:chgData name="Andy Witt" userId="S::awitt@adobe.com::e9157bdf-53b2-40e4-9459-936793d75696" providerId="AD" clId="Web-{06B13378-B080-7F0F-51A5-F9203CEE57ED}" dt="2021-08-25T22:25:13.647" v="363"/>
-        <pc:sldMkLst>
-          <pc:docMk/>
-          <pc:sldMk cId="1050037809" sldId="261"/>
-        </pc:sldMkLst>
-        <pc:graphicFrameChg chg="mod modGraphic">
-          <ac:chgData name="Andy Witt" userId="S::awitt@adobe.com::e9157bdf-53b2-40e4-9459-936793d75696" providerId="AD" clId="Web-{06B13378-B080-7F0F-51A5-F9203CEE57ED}" dt="2021-08-25T22:25:13.647" v="363"/>
-          <ac:graphicFrameMkLst>
-            <pc:docMk/>
-            <pc:sldMk cId="1050037809" sldId="261"/>
-            <ac:graphicFrameMk id="25" creationId="{3A91F5B0-3974-A14D-A146-FB590F2AAD18}"/>
-          </ac:graphicFrameMkLst>
-        </pc:graphicFrameChg>
-      </pc:sldChg>
-    </pc:docChg>
-  </pc:docChgLst>
-  <pc:docChgLst>
-    <pc:chgData name="Akilah Johnson" userId="S::akjohnso@adobe.com::2fa3aa60-0c9c-4d06-bae2-795983241227" providerId="AD" clId="Web-{D428A0AE-54E2-30D2-C574-7A0742876CCF}"/>
-    <pc:docChg chg="modSld">
-      <pc:chgData name="Akilah Johnson" userId="S::akjohnso@adobe.com::2fa3aa60-0c9c-4d06-bae2-795983241227" providerId="AD" clId="Web-{D428A0AE-54E2-30D2-C574-7A0742876CCF}" dt="2021-10-12T19:11:25.330" v="0" actId="20577"/>
-      <pc:docMkLst>
-        <pc:docMk/>
-      </pc:docMkLst>
-      <pc:sldChg chg="modSp">
-        <pc:chgData name="Akilah Johnson" userId="S::akjohnso@adobe.com::2fa3aa60-0c9c-4d06-bae2-795983241227" providerId="AD" clId="Web-{D428A0AE-54E2-30D2-C574-7A0742876CCF}" dt="2021-10-12T19:11:25.330" v="0" actId="20577"/>
-        <pc:sldMkLst>
-          <pc:docMk/>
-          <pc:sldMk cId="0" sldId="256"/>
-        </pc:sldMkLst>
-        <pc:spChg chg="mod">
-          <ac:chgData name="Akilah Johnson" userId="S::akjohnso@adobe.com::2fa3aa60-0c9c-4d06-bae2-795983241227" providerId="AD" clId="Web-{D428A0AE-54E2-30D2-C574-7A0742876CCF}" dt="2021-10-12T19:11:25.330" v="0" actId="20577"/>
-          <ac:spMkLst>
-            <pc:docMk/>
-            <pc:sldMk cId="0" sldId="256"/>
-            <ac:spMk id="4" creationId="{00000000-0000-0000-0000-000000000000}"/>
-          </ac:spMkLst>
-        </pc:spChg>
-      </pc:sldChg>
-    </pc:docChg>
-  </pc:docChgLst>
-  <pc:docChgLst>
-    <pc:chgData name="Akilah Johnson" userId="S::akjohnso@adobe.com::2fa3aa60-0c9c-4d06-bae2-795983241227" providerId="AD" clId="Web-{71D6CFBF-0EA2-99B0-93F4-22F19EF0AE4E}"/>
-    <pc:docChg chg="modSld">
-      <pc:chgData name="Akilah Johnson" userId="S::akjohnso@adobe.com::2fa3aa60-0c9c-4d06-bae2-795983241227" providerId="AD" clId="Web-{71D6CFBF-0EA2-99B0-93F4-22F19EF0AE4E}" dt="2021-09-22T19:06:58.732" v="1" actId="1076"/>
-      <pc:docMkLst>
-        <pc:docMk/>
-      </pc:docMkLst>
-      <pc:sldChg chg="modSp">
-        <pc:chgData name="Akilah Johnson" userId="S::akjohnso@adobe.com::2fa3aa60-0c9c-4d06-bae2-795983241227" providerId="AD" clId="Web-{71D6CFBF-0EA2-99B0-93F4-22F19EF0AE4E}" dt="2021-09-22T19:06:58.732" v="1" actId="1076"/>
-        <pc:sldMkLst>
-          <pc:docMk/>
-          <pc:sldMk cId="1050037809" sldId="261"/>
-        </pc:sldMkLst>
-        <pc:spChg chg="mod">
-          <ac:chgData name="Akilah Johnson" userId="S::akjohnso@adobe.com::2fa3aa60-0c9c-4d06-bae2-795983241227" providerId="AD" clId="Web-{71D6CFBF-0EA2-99B0-93F4-22F19EF0AE4E}" dt="2021-09-22T19:06:58.732" v="1" actId="1076"/>
-          <ac:spMkLst>
-            <pc:docMk/>
-            <pc:sldMk cId="1050037809" sldId="261"/>
-            <ac:spMk id="64" creationId="{41467BDC-3D83-D844-B922-CD07E94E5AAB}"/>
-          </ac:spMkLst>
-        </pc:spChg>
-      </pc:sldChg>
-    </pc:docChg>
-  </pc:docChgLst>
-  <pc:docChgLst>
-    <pc:chgData name="Lauren Schutte" userId="S::schutte@adobe.com::6e08b2d3-447a-4d66-86be-444d50df187f" providerId="AD" clId="Web-{AC30C20D-1316-8ECC-DADD-39CCEC6A7FCF}"/>
-    <pc:docChg chg="modSld">
-      <pc:chgData name="Lauren Schutte" userId="S::schutte@adobe.com::6e08b2d3-447a-4d66-86be-444d50df187f" providerId="AD" clId="Web-{AC30C20D-1316-8ECC-DADD-39CCEC6A7FCF}" dt="2021-10-13T19:03:35.035" v="8" actId="1076"/>
-      <pc:docMkLst>
-        <pc:docMk/>
-      </pc:docMkLst>
-      <pc:sldChg chg="modSp">
-        <pc:chgData name="Lauren Schutte" userId="S::schutte@adobe.com::6e08b2d3-447a-4d66-86be-444d50df187f" providerId="AD" clId="Web-{AC30C20D-1316-8ECC-DADD-39CCEC6A7FCF}" dt="2021-10-13T19:03:35.035" v="8" actId="1076"/>
-        <pc:sldMkLst>
-          <pc:docMk/>
-          <pc:sldMk cId="0" sldId="256"/>
-        </pc:sldMkLst>
-        <pc:spChg chg="mod">
-          <ac:chgData name="Lauren Schutte" userId="S::schutte@adobe.com::6e08b2d3-447a-4d66-86be-444d50df187f" providerId="AD" clId="Web-{AC30C20D-1316-8ECC-DADD-39CCEC6A7FCF}" dt="2021-10-13T19:03:27.878" v="7" actId="14100"/>
-          <ac:spMkLst>
-            <pc:docMk/>
-            <pc:sldMk cId="0" sldId="256"/>
-            <ac:spMk id="3" creationId="{00000000-0000-0000-0000-000000000000}"/>
-          </ac:spMkLst>
-        </pc:spChg>
-        <pc:spChg chg="mod">
-          <ac:chgData name="Lauren Schutte" userId="S::schutte@adobe.com::6e08b2d3-447a-4d66-86be-444d50df187f" providerId="AD" clId="Web-{AC30C20D-1316-8ECC-DADD-39CCEC6A7FCF}" dt="2021-10-13T19:03:35.035" v="8" actId="1076"/>
-          <ac:spMkLst>
-            <pc:docMk/>
-            <pc:sldMk cId="0" sldId="256"/>
-            <ac:spMk id="5" creationId="{00000000-0000-0000-0000-000000000000}"/>
-          </ac:spMkLst>
-        </pc:spChg>
-      </pc:sldChg>
-    </pc:docChg>
-  </pc:docChgLst>
-  <pc:docChgLst>
-    <pc:chgData name="Akilah Johnson" userId="S::akjohnso@adobe.com::2fa3aa60-0c9c-4d06-bae2-795983241227" providerId="AD" clId="Web-{AFB92C2B-405E-C597-0988-18F97C53104C}"/>
-    <pc:docChg chg="modSld">
-      <pc:chgData name="Akilah Johnson" userId="S::akjohnso@adobe.com::2fa3aa60-0c9c-4d06-bae2-795983241227" providerId="AD" clId="Web-{AFB92C2B-405E-C597-0988-18F97C53104C}" dt="2021-09-22T18:53:26.184" v="29"/>
-      <pc:docMkLst>
-        <pc:docMk/>
-      </pc:docMkLst>
-      <pc:sldChg chg="modSp">
-        <pc:chgData name="Akilah Johnson" userId="S::akjohnso@adobe.com::2fa3aa60-0c9c-4d06-bae2-795983241227" providerId="AD" clId="Web-{AFB92C2B-405E-C597-0988-18F97C53104C}" dt="2021-09-22T18:53:26.184" v="29"/>
-        <pc:sldMkLst>
-          <pc:docMk/>
-          <pc:sldMk cId="1050037809" sldId="261"/>
-        </pc:sldMkLst>
-        <pc:spChg chg="mod">
-          <ac:chgData name="Akilah Johnson" userId="S::akjohnso@adobe.com::2fa3aa60-0c9c-4d06-bae2-795983241227" providerId="AD" clId="Web-{AFB92C2B-405E-C597-0988-18F97C53104C}" dt="2021-09-22T18:53:05.841" v="5" actId="20577"/>
-          <ac:spMkLst>
-            <pc:docMk/>
-            <pc:sldMk cId="1050037809" sldId="261"/>
-            <ac:spMk id="64" creationId="{41467BDC-3D83-D844-B922-CD07E94E5AAB}"/>
-          </ac:spMkLst>
-        </pc:spChg>
-        <pc:graphicFrameChg chg="mod modGraphic">
-          <ac:chgData name="Akilah Johnson" userId="S::akjohnso@adobe.com::2fa3aa60-0c9c-4d06-bae2-795983241227" providerId="AD" clId="Web-{AFB92C2B-405E-C597-0988-18F97C53104C}" dt="2021-09-22T18:53:26.184" v="29"/>
-          <ac:graphicFrameMkLst>
-            <pc:docMk/>
-            <pc:sldMk cId="1050037809" sldId="261"/>
-            <ac:graphicFrameMk id="25" creationId="{3A91F5B0-3974-A14D-A146-FB590F2AAD18}"/>
-          </ac:graphicFrameMkLst>
-        </pc:graphicFrameChg>
-      </pc:sldChg>
-    </pc:docChg>
-  </pc:docChgLst>
-  <pc:docChgLst>
-    <pc:chgData name="Lauren Schutte" userId="6e08b2d3-447a-4d66-86be-444d50df187f" providerId="ADAL" clId="{61630BD6-9AE9-064C-B39F-AFA945B82B3E}"/>
-    <pc:docChg chg="undo custSel modSld">
-      <pc:chgData name="Lauren Schutte" userId="6e08b2d3-447a-4d66-86be-444d50df187f" providerId="ADAL" clId="{61630BD6-9AE9-064C-B39F-AFA945B82B3E}" dt="2021-10-13T19:21:08.267" v="201" actId="20577"/>
-      <pc:docMkLst>
-        <pc:docMk/>
-      </pc:docMkLst>
-      <pc:sldChg chg="modSp mod">
-        <pc:chgData name="Lauren Schutte" userId="6e08b2d3-447a-4d66-86be-444d50df187f" providerId="ADAL" clId="{61630BD6-9AE9-064C-B39F-AFA945B82B3E}" dt="2021-10-13T19:21:08.267" v="201" actId="20577"/>
-        <pc:sldMkLst>
-          <pc:docMk/>
-          <pc:sldMk cId="0" sldId="256"/>
-        </pc:sldMkLst>
-        <pc:spChg chg="mod">
-          <ac:chgData name="Lauren Schutte" userId="6e08b2d3-447a-4d66-86be-444d50df187f" providerId="ADAL" clId="{61630BD6-9AE9-064C-B39F-AFA945B82B3E}" dt="2021-10-13T19:03:44.344" v="3" actId="1076"/>
-          <ac:spMkLst>
-            <pc:docMk/>
-            <pc:sldMk cId="0" sldId="256"/>
-            <ac:spMk id="3" creationId="{00000000-0000-0000-0000-000000000000}"/>
-          </ac:spMkLst>
-        </pc:spChg>
-        <pc:graphicFrameChg chg="mod modGraphic">
-          <ac:chgData name="Lauren Schutte" userId="6e08b2d3-447a-4d66-86be-444d50df187f" providerId="ADAL" clId="{61630BD6-9AE9-064C-B39F-AFA945B82B3E}" dt="2021-10-13T19:21:08.267" v="201" actId="20577"/>
-          <ac:graphicFrameMkLst>
-            <pc:docMk/>
-            <pc:sldMk cId="0" sldId="256"/>
-            <ac:graphicFrameMk id="9" creationId="{00000000-0000-0000-0000-000000000000}"/>
-          </ac:graphicFrameMkLst>
-        </pc:graphicFrameChg>
-      </pc:sldChg>
-    </pc:docChg>
-  </pc:docChgLst>
-  <pc:docChgLst>
-    <pc:chgData name="Andy Witt" userId="S::awitt@adobe.com::e9157bdf-53b2-40e4-9459-936793d75696" providerId="AD" clId="Web-{CA5D33DF-AE75-BCA1-B9BC-A7CD44D2F3C7}"/>
-    <pc:docChg chg="modSld">
-      <pc:chgData name="Andy Witt" userId="S::awitt@adobe.com::e9157bdf-53b2-40e4-9459-936793d75696" providerId="AD" clId="Web-{CA5D33DF-AE75-BCA1-B9BC-A7CD44D2F3C7}" dt="2021-08-25T22:38:18.624" v="1" actId="1076"/>
-      <pc:docMkLst>
-        <pc:docMk/>
-      </pc:docMkLst>
-      <pc:sldChg chg="modSp">
-        <pc:chgData name="Andy Witt" userId="S::awitt@adobe.com::e9157bdf-53b2-40e4-9459-936793d75696" providerId="AD" clId="Web-{CA5D33DF-AE75-BCA1-B9BC-A7CD44D2F3C7}" dt="2021-08-25T22:38:18.624" v="1" actId="1076"/>
-        <pc:sldMkLst>
-          <pc:docMk/>
-          <pc:sldMk cId="1050037809" sldId="261"/>
-        </pc:sldMkLst>
-        <pc:spChg chg="mod">
-          <ac:chgData name="Andy Witt" userId="S::awitt@adobe.com::e9157bdf-53b2-40e4-9459-936793d75696" providerId="AD" clId="Web-{CA5D33DF-AE75-BCA1-B9BC-A7CD44D2F3C7}" dt="2021-08-25T22:38:18.624" v="1" actId="1076"/>
-          <ac:spMkLst>
-            <pc:docMk/>
-            <pc:sldMk cId="1050037809" sldId="261"/>
-            <ac:spMk id="50" creationId="{043050D0-21FC-0C42-8484-7FE7C0DB771F}"/>
-          </ac:spMkLst>
-        </pc:spChg>
-      </pc:sldChg>
-    </pc:docChg>
-  </pc:docChgLst>
-</pc:chgInfo>
 </file>
 
 <file path=ppt/notesMasters/notesMaster1.xml><?xml version="1.0" encoding="utf-8"?>
@@ -499,7 +216,7 @@
           <a:p>
             <a:fld id="{FB81873C-0B24-F04A-98A1-90E0A78F7E8A}" type="datetimeFigureOut">
               <a:rPr lang="en-US" smtClean="0"/>
-              <a:t>12/7/21</a:t>
+              <a:t>11/18/21</a:t>
             </a:fld>
             <a:endParaRPr lang="en-US"/>
           </a:p>
@@ -664,11 +381,6 @@
         </p:txBody>
       </p:sp>
     </p:spTree>
-    <p:extLst>
-      <p:ext uri="{BB962C8B-B14F-4D97-AF65-F5344CB8AC3E}">
-        <p14:creationId xmlns:p14="http://schemas.microsoft.com/office/powerpoint/2010/main" val="4053790623"/>
-      </p:ext>
-    </p:extLst>
   </p:cSld>
   <p:clrMap bg1="lt1" tx1="dk1" bg2="lt2" tx2="dk2" accent1="accent1" accent2="accent2" accent3="accent3" accent4="accent4" accent5="accent5" accent6="accent6" hlink="hlink" folHlink="folHlink"/>
   <p:notesStyle>
@@ -810,7 +522,7 @@
           <a:bodyPr/>
           <a:lstStyle/>
           <a:p>
-            <a:endParaRPr lang="en-US"/>
+            <a:endParaRPr lang="en-US" dirty="0"/>
           </a:p>
         </p:txBody>
       </p:sp>
@@ -838,11 +550,6 @@
         </p:txBody>
       </p:sp>
     </p:spTree>
-    <p:extLst>
-      <p:ext uri="{BB962C8B-B14F-4D97-AF65-F5344CB8AC3E}">
-        <p14:creationId xmlns:p14="http://schemas.microsoft.com/office/powerpoint/2010/main" val="100507355"/>
-      </p:ext>
-    </p:extLst>
   </p:cSld>
   <p:clrMapOvr>
     <a:masterClrMapping/>
@@ -894,7 +601,7 @@
           <a:bodyPr/>
           <a:lstStyle/>
           <a:p>
-            <a:endParaRPr lang="en-US"/>
+            <a:endParaRPr lang="en-US" dirty="0"/>
           </a:p>
         </p:txBody>
       </p:sp>
@@ -922,11 +629,6 @@
         </p:txBody>
       </p:sp>
     </p:spTree>
-    <p:extLst>
-      <p:ext uri="{BB962C8B-B14F-4D97-AF65-F5344CB8AC3E}">
-        <p14:creationId xmlns:p14="http://schemas.microsoft.com/office/powerpoint/2010/main" val="4294358143"/>
-      </p:ext>
-    </p:extLst>
   </p:cSld>
   <p:clrMapOvr>
     <a:masterClrMapping/>
@@ -978,7 +680,7 @@
           <a:bodyPr/>
           <a:lstStyle/>
           <a:p>
-            <a:endParaRPr lang="en-US"/>
+            <a:endParaRPr lang="en-US" dirty="0"/>
           </a:p>
         </p:txBody>
       </p:sp>
@@ -1006,11 +708,6 @@
         </p:txBody>
       </p:sp>
     </p:spTree>
-    <p:extLst>
-      <p:ext uri="{BB962C8B-B14F-4D97-AF65-F5344CB8AC3E}">
-        <p14:creationId xmlns:p14="http://schemas.microsoft.com/office/powerpoint/2010/main" val="3435290369"/>
-      </p:ext>
-    </p:extLst>
   </p:cSld>
   <p:clrMapOvr>
     <a:masterClrMapping/>
@@ -1062,8 +759,8 @@
                 <a:solidFill>
                   <a:schemeClr val="bg1"/>
                 </a:solidFill>
-                <a:latin typeface="Arial"/>
-                <a:cs typeface="Arial"/>
+                <a:latin typeface="Arial" panose="020B0604020202020204"/>
+                <a:cs typeface="Arial" panose="020B0604020202020204"/>
               </a:defRPr>
             </a:lvl1pPr>
           </a:lstStyle>
@@ -1122,7 +819,7 @@
           <a:p>
             <a:fld id="{1D8BD707-D9CF-40AE-B4C6-C98DA3205C09}" type="datetimeFigureOut">
               <a:rPr lang="en-US"/>
-              <a:t>12/7/21</a:t>
+              <a:t>11/18/21</a:t>
             </a:fld>
             <a:endParaRPr lang="en-US"/>
           </a:p>
@@ -1154,6 +851,7 @@
           </a:lstStyle>
           <a:p>
             <a:fld id="{B6F15528-21DE-4FAA-801E-634DDDAF4B2B}" type="slidenum">
+              <a:rPr/>
               <a:t>‹#›</a:t>
             </a:fld>
             <a:endParaRPr/>
@@ -1162,13 +860,7 @@
       </p:sp>
       <p:sp>
         <p:nvSpPr>
-          <p:cNvPr id="11" name="Holder 4">
-            <a:extLst>
-              <a:ext uri="{FF2B5EF4-FFF2-40B4-BE49-F238E27FC236}">
-                <a16:creationId xmlns:a16="http://schemas.microsoft.com/office/drawing/2014/main" id="{F336C0EC-C908-0A4C-AD0F-1418E778FC60}"/>
-              </a:ext>
-            </a:extLst>
-          </p:cNvPr>
+          <p:cNvPr id="11" name="Holder 4"/>
           <p:cNvSpPr>
             <a:spLocks noGrp="1"/>
           </p:cNvSpPr>
@@ -1210,23 +902,23 @@
               </a:spcBef>
             </a:pPr>
             <a:r>
-              <a:rPr spc="-5"/>
+              <a:rPr spc="-5" dirty="0"/>
               <a:t>©202</a:t>
             </a:r>
             <a:r>
-              <a:rPr lang="en-US" spc="-5"/>
+              <a:rPr lang="en-US" spc="-5" dirty="0"/>
               <a:t>1 </a:t>
             </a:r>
             <a:r>
-              <a:rPr spc="-5"/>
+              <a:rPr spc="-5" dirty="0"/>
               <a:t>Adobe. All Rights Reserved. Adobe</a:t>
             </a:r>
             <a:r>
-              <a:rPr spc="60"/>
+              <a:rPr spc="60" dirty="0"/>
               <a:t> </a:t>
             </a:r>
             <a:r>
-              <a:rPr spc="-5"/>
+              <a:rPr spc="-5" dirty="0"/>
               <a:t>Confidential.</a:t>
             </a:r>
           </a:p>
@@ -1234,13 +926,7 @@
       </p:sp>
       <p:pic>
         <p:nvPicPr>
-          <p:cNvPr id="12" name="Picture 11">
-            <a:extLst>
-              <a:ext uri="{FF2B5EF4-FFF2-40B4-BE49-F238E27FC236}">
-                <a16:creationId xmlns:a16="http://schemas.microsoft.com/office/drawing/2014/main" id="{4388883E-79D4-2047-8C5E-37999ED2475C}"/>
-              </a:ext>
-            </a:extLst>
-          </p:cNvPr>
+          <p:cNvPr id="12" name="Picture 11"/>
           <p:cNvPicPr>
             <a:picLocks noChangeAspect="1"/>
           </p:cNvPicPr>
@@ -1314,7 +1000,7 @@
           <a:p>
             <a:fld id="{1D8BD707-D9CF-40AE-B4C6-C98DA3205C09}" type="datetimeFigureOut">
               <a:rPr lang="en-US"/>
-              <a:t>12/7/21</a:t>
+              <a:t>11/18/21</a:t>
             </a:fld>
             <a:endParaRPr lang="en-US"/>
           </a:p>
@@ -1346,6 +1032,7 @@
           </a:lstStyle>
           <a:p>
             <a:fld id="{B6F15528-21DE-4FAA-801E-634DDDAF4B2B}" type="slidenum">
+              <a:rPr/>
               <a:t>‹#›</a:t>
             </a:fld>
             <a:endParaRPr/>
@@ -1354,13 +1041,7 @@
       </p:sp>
       <p:sp>
         <p:nvSpPr>
-          <p:cNvPr id="7" name="Holder 4">
-            <a:extLst>
-              <a:ext uri="{FF2B5EF4-FFF2-40B4-BE49-F238E27FC236}">
-                <a16:creationId xmlns:a16="http://schemas.microsoft.com/office/drawing/2014/main" id="{004A8D36-CC65-B341-9E43-4A47F88C0D96}"/>
-              </a:ext>
-            </a:extLst>
-          </p:cNvPr>
+          <p:cNvPr id="7" name="Holder 4"/>
           <p:cNvSpPr>
             <a:spLocks noGrp="1"/>
           </p:cNvSpPr>
@@ -1402,23 +1083,23 @@
               </a:spcBef>
             </a:pPr>
             <a:r>
-              <a:rPr spc="-5"/>
+              <a:rPr spc="-5" dirty="0"/>
               <a:t>©202</a:t>
             </a:r>
             <a:r>
-              <a:rPr lang="en-US" spc="-5"/>
+              <a:rPr lang="en-US" spc="-5" dirty="0"/>
               <a:t>1</a:t>
             </a:r>
             <a:r>
-              <a:rPr spc="-5"/>
+              <a:rPr spc="-5" dirty="0"/>
               <a:t> Adobe. All Rights Reserved. Adobe</a:t>
             </a:r>
             <a:r>
-              <a:rPr spc="60"/>
+              <a:rPr spc="60" dirty="0"/>
               <a:t> </a:t>
             </a:r>
             <a:r>
-              <a:rPr spc="-5"/>
+              <a:rPr spc="-5" dirty="0"/>
               <a:t>Confidential.</a:t>
             </a:r>
           </a:p>
@@ -1486,8 +1167,8 @@
                 <a:solidFill>
                   <a:schemeClr val="bg1"/>
                 </a:solidFill>
-                <a:latin typeface="Arial"/>
-                <a:cs typeface="Arial"/>
+                <a:latin typeface="Arial" panose="020B0604020202020204"/>
+                <a:cs typeface="Arial" panose="020B0604020202020204"/>
               </a:defRPr>
             </a:lvl1pPr>
           </a:lstStyle>
@@ -1573,23 +1254,23 @@
               </a:spcBef>
             </a:pPr>
             <a:r>
-              <a:rPr spc="-5"/>
+              <a:rPr spc="-5" dirty="0"/>
               <a:t>©202</a:t>
             </a:r>
             <a:r>
-              <a:rPr lang="en-US" spc="-5"/>
+              <a:rPr lang="en-US" spc="-5" dirty="0"/>
               <a:t>1</a:t>
             </a:r>
             <a:r>
-              <a:rPr spc="-5"/>
+              <a:rPr spc="-5" dirty="0"/>
               <a:t> Adobe. All Rights Reserved. Adobe</a:t>
             </a:r>
             <a:r>
-              <a:rPr spc="60"/>
+              <a:rPr spc="60" dirty="0"/>
               <a:t> </a:t>
             </a:r>
             <a:r>
-              <a:rPr spc="-5"/>
+              <a:rPr spc="-5" dirty="0"/>
               <a:t>Confidential.</a:t>
             </a:r>
           </a:p>
@@ -1632,7 +1313,7 @@
           <a:p>
             <a:fld id="{1D8BD707-D9CF-40AE-B4C6-C98DA3205C09}" type="datetimeFigureOut">
               <a:rPr lang="en-US"/>
-              <a:t>12/7/21</a:t>
+              <a:t>11/18/21</a:t>
             </a:fld>
             <a:endParaRPr lang="en-US"/>
           </a:p>
@@ -1674,6 +1355,7 @@
           </a:lstStyle>
           <a:p>
             <a:fld id="{B6F15528-21DE-4FAA-801E-634DDDAF4B2B}" type="slidenum">
+              <a:rPr/>
               <a:t>‹#›</a:t>
             </a:fld>
             <a:endParaRPr/>
@@ -1682,13 +1364,7 @@
       </p:sp>
       <p:pic>
         <p:nvPicPr>
-          <p:cNvPr id="9" name="Picture 8">
-            <a:extLst>
-              <a:ext uri="{FF2B5EF4-FFF2-40B4-BE49-F238E27FC236}">
-                <a16:creationId xmlns:a16="http://schemas.microsoft.com/office/drawing/2014/main" id="{40B595D3-F8FC-DA44-B170-015BD0590CFB}"/>
-              </a:ext>
-            </a:extLst>
-          </p:cNvPr>
+          <p:cNvPr id="9" name="Picture 8"/>
           <p:cNvPicPr>
             <a:picLocks noChangeAspect="1"/>
           </p:cNvPicPr>
@@ -1714,8 +1390,8 @@
   </p:cSld>
   <p:clrMap bg1="lt1" tx1="dk1" bg2="lt2" tx2="dk2" accent1="accent1" accent2="accent2" accent3="accent3" accent4="accent4" accent5="accent5" accent6="accent6" hlink="hlink" folHlink="folHlink"/>
   <p:sldLayoutIdLst>
-    <p:sldLayoutId id="2147483662" r:id="rId1"/>
-    <p:sldLayoutId id="2147483665" r:id="rId2"/>
+    <p:sldLayoutId id="2147483649" r:id="rId1"/>
+    <p:sldLayoutId id="2147483650" r:id="rId2"/>
   </p:sldLayoutIdLst>
   <p:txStyles>
     <p:titleStyle>
@@ -1886,8 +1562,8 @@
         </p:nvSpPr>
         <p:spPr>
           <a:xfrm>
-            <a:off x="168565" y="7162363"/>
-            <a:ext cx="2800350" cy="238760"/>
+            <a:off x="168564" y="7162363"/>
+            <a:ext cx="3870035" cy="229037"/>
           </a:xfrm>
           <a:prstGeom prst="rect">
             <a:avLst/>
@@ -1908,7 +1584,7 @@
               </a:spcBef>
             </a:pPr>
             <a:r>
-              <a:rPr sz="1400" b="1" u="heavy" spc="10">
+              <a:rPr lang="en-US" sz="1400" b="1" u="heavy" spc="10" dirty="0">
                 <a:solidFill>
                   <a:srgbClr val="020302"/>
                 </a:solidFill>
@@ -1920,10 +1596,10 @@
                 <a:latin typeface="Adobe Clean"/>
                 <a:cs typeface="Adobe Clean"/>
               </a:rPr>
-              <a:t>Service </a:t>
-            </a:r>
-            <a:r>
-              <a:rPr sz="1400" b="1" u="heavy" spc="-10">
+              <a:t>服务</a:t>
+            </a:r>
+            <a:r>
+              <a:rPr lang="en-US" sz="1400" b="1" u="heavy" spc="-10" dirty="0">
                 <a:solidFill>
                   <a:srgbClr val="020302"/>
                 </a:solidFill>
@@ -1935,10 +1611,10 @@
                 <a:latin typeface="Adobe Clean"/>
                 <a:cs typeface="Adobe Clean"/>
               </a:rPr>
-              <a:t>Level </a:t>
-            </a:r>
-            <a:r>
-              <a:rPr sz="1400" b="1" u="heavy" spc="-45">
+              <a:t>水平</a:t>
+            </a:r>
+            <a:r>
+              <a:rPr lang="en-US" sz="1400" b="1" u="heavy" spc="-45" dirty="0">
                 <a:solidFill>
                   <a:srgbClr val="020302"/>
                 </a:solidFill>
@@ -1950,10 +1626,10 @@
                 <a:latin typeface="Adobe Clean"/>
                 <a:cs typeface="Adobe Clean"/>
               </a:rPr>
-              <a:t>Targets: </a:t>
-            </a:r>
-            <a:r>
-              <a:rPr sz="1400" b="1" u="heavy" spc="-10">
+              <a:t>目标：</a:t>
+            </a:r>
+            <a:r>
+              <a:rPr lang="en-US" sz="1400" b="1" u="heavy" spc="-10" dirty="0">
                 <a:solidFill>
                   <a:srgbClr val="020302"/>
                 </a:solidFill>
@@ -1965,10 +1641,10 @@
                 <a:latin typeface="Adobe Clean"/>
                 <a:cs typeface="Adobe Clean"/>
               </a:rPr>
-              <a:t>Initial</a:t>
-            </a:r>
-            <a:r>
-              <a:rPr sz="1400" b="1" u="heavy" spc="-140">
+              <a:t>初始</a:t>
+            </a:r>
+            <a:r>
+              <a:rPr lang="en-US" sz="1400" b="1" u="heavy" spc="-15" dirty="0">
                 <a:solidFill>
                   <a:srgbClr val="020302"/>
                 </a:solidFill>
@@ -1980,24 +1656,9 @@
                 <a:latin typeface="Adobe Clean"/>
                 <a:cs typeface="Adobe Clean"/>
               </a:rPr>
-              <a:t> </a:t>
-            </a:r>
-            <a:r>
-              <a:rPr sz="1400" b="1" u="heavy" spc="-15">
-                <a:solidFill>
-                  <a:srgbClr val="020302"/>
-                </a:solidFill>
-                <a:uFill>
-                  <a:solidFill>
-                    <a:srgbClr val="020302"/>
-                  </a:solidFill>
-                </a:uFill>
-                <a:latin typeface="Adobe Clean"/>
-                <a:cs typeface="Adobe Clean"/>
-              </a:rPr>
-              <a:t>Response</a:t>
-            </a:r>
-            <a:endParaRPr sz="1400">
+              <a:t>响应</a:t>
+            </a:r>
+            <a:endParaRPr sz="1400" dirty="0">
               <a:latin typeface="Adobe Clean"/>
               <a:cs typeface="Adobe Clean"/>
             </a:endParaRPr>
@@ -2019,7 +1680,7 @@
             <a:avLst/>
           </a:prstGeom>
           <a:blipFill>
-            <a:blip r:embed="rId3" cstate="print"/>
+            <a:blip r:embed="rId5" cstate="print"/>
             <a:stretch>
               <a:fillRect/>
             </a:stretch>
@@ -2045,15 +1706,15 @@
         </p:nvSpPr>
         <p:spPr>
           <a:xfrm>
-            <a:off x="439022" y="54646"/>
-            <a:ext cx="5229466" cy="366767"/>
+            <a:off x="438785" y="52705"/>
+            <a:ext cx="5278120" cy="366395"/>
           </a:xfrm>
           <a:prstGeom prst="rect">
             <a:avLst/>
           </a:prstGeom>
         </p:spPr>
         <p:txBody>
-          <a:bodyPr vert="horz" wrap="square" lIns="0" tIns="12700" rIns="0" bIns="0" rtlCol="0" anchor="t">
+          <a:bodyPr vert="horz" wrap="square" lIns="0" tIns="12700" rIns="0" bIns="0" rtlCol="0">
             <a:spAutoFit/>
           </a:bodyPr>
           <a:lstStyle/>
@@ -2067,18 +1728,18 @@
               </a:spcBef>
             </a:pPr>
             <a:r>
-              <a:rPr sz="2300">
-                <a:latin typeface="Adobe Clean"/>
+              <a:rPr lang="en-US" sz="2300" dirty="0">
+                <a:latin typeface="Adobe Clean" panose="020B0503020404020204" pitchFamily="34" charset="0"/>
               </a:rPr>
-              <a:t>ADOBE </a:t>
-            </a:r>
-            <a:r>
-              <a:rPr lang="en-US" sz="2300">
-                <a:latin typeface="Adobe Clean"/>
+              <a:t>Adobe </a:t>
+            </a:r>
+            <a:r>
+              <a:rPr lang="ja-JP" altLang="en-US" sz="2300">
+                <a:latin typeface="Adobe Clean" panose="020B0503020404020204" pitchFamily="34" charset="0"/>
               </a:rPr>
-              <a:t>SUPPORT PLANS</a:t>
-            </a:r>
-            <a:endParaRPr sz="2300">
+              <a:t>支持计划</a:t>
+            </a:r>
+            <a:endParaRPr sz="2300" dirty="0">
               <a:latin typeface="Adobe Clean" panose="020B0503020404020204" pitchFamily="34" charset="0"/>
             </a:endParaRPr>
           </a:p>
@@ -2092,7 +1753,7 @@
         </p:nvSpPr>
         <p:spPr>
           <a:xfrm>
-            <a:off x="121147" y="531160"/>
+            <a:off x="121147" y="635935"/>
             <a:ext cx="5865216" cy="1269065"/>
           </a:xfrm>
           <a:prstGeom prst="rect">
@@ -2114,31 +1775,31 @@
               </a:spcBef>
             </a:pPr>
             <a:r>
-              <a:rPr lang="en-US" sz="900">
+              <a:rPr lang="en-US" sz="900" dirty="0">
                 <a:solidFill>
                   <a:schemeClr val="bg1"/>
                 </a:solidFill>
                 <a:latin typeface="Adobe Clean Light" panose="020B0303020404020204" pitchFamily="34" charset="0"/>
               </a:rPr>
-              <a:t>Online | </a:t>
-            </a:r>
-            <a:r>
-              <a:rPr lang="en-US" sz="900" b="1">
+              <a:t>在线 | </a:t>
+            </a:r>
+            <a:r>
+              <a:rPr lang="en-US" sz="900" b="1" dirty="0">
                 <a:solidFill>
                   <a:schemeClr val="bg1"/>
                 </a:solidFill>
                 <a:latin typeface="Adobe Clean" panose="020B0503020404020204" pitchFamily="34" charset="0"/>
               </a:rPr>
-              <a:t>Business</a:t>
-            </a:r>
-            <a:r>
-              <a:rPr lang="en-US" sz="900">
+              <a:t>商业</a:t>
+            </a:r>
+            <a:r>
+              <a:rPr lang="en-US" sz="900" dirty="0">
                 <a:solidFill>
                   <a:schemeClr val="bg1"/>
                 </a:solidFill>
                 <a:latin typeface="Adobe Clean Light" panose="020B0303020404020204" pitchFamily="34" charset="0"/>
               </a:rPr>
-              <a:t> | Enterprise | Elite</a:t>
+              <a:t> | 企业 | 高级</a:t>
             </a:r>
           </a:p>
           <a:p>
@@ -2151,15 +1812,15 @@
               </a:spcBef>
             </a:pPr>
             <a:r>
-              <a:rPr lang="en-US" sz="900">
+              <a:rPr lang="en-US" sz="900" dirty="0">
                 <a:solidFill>
                   <a:schemeClr val="bg1"/>
                 </a:solidFill>
                 <a:latin typeface="Adobe Clean SemiLight" panose="020B0403020404020204" pitchFamily="34" charset="0"/>
               </a:rPr>
-              <a:t>Adobe provides a comprehensive range of technical resources to help support your business, included as part of your Experience Cloud license subscription and enhanced in the BUSINESS support package. BUSINESS support includes access to personalized learning paths and monitored community forums via the Adobe Experience League. You can also take advantage of our detailed and in-depth technical product documentation and current release notes. BUSINESS customers also benefit from access to our technical support teams for any product query via either the telephone or the support web portal, to help protect your business at the most critical times. BUSINESS customers will receive regular communications and updates from their Account Support Lead in addition to support case escalation management for your most critical of support requests. </a:t>
-            </a:r>
-            <a:endParaRPr lang="en-US" sz="900">
+              <a:t>Adobe 提供了全面的技术资源来帮助支持您的业务，这些资源包含在您的 Experience Cloud 许可订阅中，并在商业支持包中得到了增强。商业支持包括通过 Adobe Experience League 访问个性化的学习路径和受监控的社区论坛。此外，您可以使用我们详细而深入的技术产品文档和最新发行说明。商业客户还可以通过电话或支持门户网站联系我们的技术支持团队以进行任何产品查询，以便在最关键的时刻帮助保护您的业务。除了针对支持请求的最关键部分的支持案例上报管理之外，商业客户还会收到来自其帐户支持主管的定期通信和更新。</a:t>
+            </a:r>
+            <a:endParaRPr lang="en-US" sz="900" dirty="0">
               <a:solidFill>
                 <a:schemeClr val="bg1"/>
               </a:solidFill>
@@ -2184,7 +1845,7 @@
             <a:avLst/>
           </a:prstGeom>
           <a:blipFill>
-            <a:blip r:embed="rId4" cstate="print"/>
+            <a:blip r:embed="rId6" cstate="print"/>
             <a:stretch>
               <a:fillRect/>
             </a:stretch>
@@ -2232,23 +1893,15 @@
               </a:spcBef>
             </a:pPr>
             <a:r>
-              <a:rPr spc="-5"/>
-              <a:t>©202</a:t>
-            </a:r>
-            <a:r>
-              <a:rPr lang="en-US" spc="-5"/>
-              <a:t>1</a:t>
-            </a:r>
-            <a:r>
-              <a:rPr spc="-5"/>
-              <a:t> Adobe. All Rights Reserved. Adobe</a:t>
-            </a:r>
-            <a:r>
-              <a:rPr spc="60"/>
+              <a:rPr lang="en-US" spc="-5" dirty="0"/>
+              <a:t>©2021 Adobe.All Rights Reserved.Adobe</a:t>
+            </a:r>
+            <a:r>
+              <a:rPr lang="en-US" spc="60" dirty="0"/>
               <a:t> </a:t>
             </a:r>
             <a:r>
-              <a:rPr spc="-5"/>
+              <a:rPr lang="en-US" spc="-5" dirty="0"/>
               <a:t>Confidential.</a:t>
             </a:r>
           </a:p>
@@ -2261,16 +1914,19 @@
             <a:graphicFrameLocks noGrp="1"/>
           </p:cNvGraphicFramePr>
           <p:nvPr>
+            <p:custDataLst>
+              <p:tags r:id="rId1"/>
+            </p:custDataLst>
             <p:extLst>
               <p:ext uri="{D42A27DB-BD31-4B8C-83A1-F6EECF244321}">
-                <p14:modId xmlns:p14="http://schemas.microsoft.com/office/powerpoint/2010/main" val="852543156"/>
+                <p14:modId xmlns:p14="http://schemas.microsoft.com/office/powerpoint/2010/main" val="127036200"/>
               </p:ext>
             </p:extLst>
           </p:nvPr>
         </p:nvGraphicFramePr>
         <p:xfrm>
-          <a:off x="118872" y="7475985"/>
-          <a:ext cx="7498851" cy="2223598"/>
+          <a:off x="121146" y="7475985"/>
+          <a:ext cx="7498852" cy="2119744"/>
         </p:xfrm>
         <a:graphic>
           <a:graphicData uri="http://schemas.openxmlformats.org/drawingml/2006/table">
@@ -2279,7 +1935,7 @@
                 <a:tableStyleId>{2D5ABB26-0587-4C30-8999-92F81FD0307C}</a:tableStyleId>
               </a:tblPr>
               <a:tblGrid>
-                <a:gridCol w="4698744">
+                <a:gridCol w="4698745">
                   <a:extLst>
                     <a:ext uri="{9D8B030D-6E8A-4147-A177-3AD203B41FA5}">
                       <a16:colId xmlns:a16="http://schemas.microsoft.com/office/drawing/2014/main" val="20000"/>
@@ -2301,7 +1957,7 @@
                   </a:extLst>
                 </a:gridCol>
               </a:tblGrid>
-              <a:tr h="291248">
+              <a:tr h="274318">
                 <a:tc>
                   <a:txBody>
                     <a:bodyPr/>
@@ -2316,22 +1972,22 @@
                         </a:spcBef>
                       </a:pPr>
                       <a:r>
-                        <a:rPr sz="900" spc="0">
+                        <a:rPr lang="en-US" sz="900" spc="0" dirty="0">
                           <a:solidFill>
                             <a:srgbClr val="020302"/>
                           </a:solidFill>
                           <a:latin typeface="Adobe Clean"/>
                           <a:cs typeface="Adobe Clean"/>
                         </a:rPr>
-                        <a:t>Priority</a:t>
+                        <a:t>优先级</a:t>
                       </a:r>
-                      <a:endParaRPr sz="900" spc="0">
+                      <a:endParaRPr sz="900" spc="0" dirty="0">
                         <a:latin typeface="Adobe Clean"/>
                         <a:cs typeface="Adobe Clean"/>
                       </a:endParaRPr>
                     </a:p>
                   </a:txBody>
-                  <a:tcPr marL="0" marR="0" marT="7620" marB="0">
+                  <a:tcPr marL="0" marR="0" marT="7620" marB="0" anchor="ctr">
                     <a:lnL w="3175">
                       <a:solidFill>
                         <a:srgbClr val="B7B8B8"/>
@@ -2375,22 +2031,22 @@
                         </a:spcBef>
                       </a:pPr>
                       <a:r>
-                        <a:rPr sz="900" spc="0">
+                        <a:rPr lang="en-US" sz="900" spc="0" dirty="0">
                           <a:solidFill>
                             <a:srgbClr val="020302"/>
                           </a:solidFill>
                           <a:latin typeface="Adobe Clean"/>
                           <a:cs typeface="Adobe Clean"/>
                         </a:rPr>
-                        <a:t>Online Support</a:t>
+                        <a:t>在线支持</a:t>
                       </a:r>
-                      <a:endParaRPr sz="900" spc="0">
+                      <a:endParaRPr sz="900" spc="0" dirty="0">
                         <a:latin typeface="Adobe Clean"/>
                         <a:cs typeface="Adobe Clean"/>
                       </a:endParaRPr>
                     </a:p>
                   </a:txBody>
-                  <a:tcPr marL="182880" marT="91440" anchor="ctr">
+                  <a:tcPr anchor="ctr">
                     <a:lnL w="3175">
                       <a:solidFill>
                         <a:srgbClr val="B7B8B8"/>
@@ -2425,7 +2081,7 @@
                     <a:bodyPr/>
                     <a:lstStyle/>
                     <a:p>
-                      <a:pPr marL="92710">
+                      <a:pPr marL="92710" algn="ctr">
                         <a:lnSpc>
                           <a:spcPct val="100000"/>
                         </a:lnSpc>
@@ -2434,42 +2090,22 @@
                         </a:spcBef>
                       </a:pPr>
                       <a:r>
-                        <a:rPr sz="900" spc="0">
+                        <a:rPr lang="en-US" sz="900" spc="0" dirty="0">
                           <a:solidFill>
                             <a:srgbClr val="FFFFFF"/>
                           </a:solidFill>
                           <a:latin typeface="Adobe Clean"/>
                           <a:cs typeface="Adobe Clean"/>
                         </a:rPr>
-                        <a:t>Business</a:t>
+                        <a:t>商业支持</a:t>
                       </a:r>
-                      <a:r>
-                        <a:rPr lang="en-US" sz="900" spc="0">
-                          <a:solidFill>
-                            <a:srgbClr val="FFFFFF"/>
-                          </a:solidFill>
-                          <a:latin typeface="Adobe Clean"/>
-                          <a:cs typeface="Adobe Clean"/>
-                        </a:rPr>
-                        <a:t> </a:t>
-                      </a:r>
-                      <a:r>
-                        <a:rPr sz="900" spc="0">
-                          <a:solidFill>
-                            <a:srgbClr val="FFFFFF"/>
-                          </a:solidFill>
-                          <a:latin typeface="Adobe Clean"/>
-                          <a:cs typeface="Adobe Clean"/>
-                        </a:rPr>
-                        <a:t>Support</a:t>
-                      </a:r>
-                      <a:endParaRPr sz="900" spc="0">
+                      <a:endParaRPr sz="900" spc="0" dirty="0">
                         <a:latin typeface="Adobe Clean"/>
                         <a:cs typeface="Adobe Clean"/>
                       </a:endParaRPr>
                     </a:p>
                   </a:txBody>
-                  <a:tcPr marL="182880" marT="91440" anchor="ctr">
+                  <a:tcPr anchor="ctr">
                     <a:lnL w="3175">
                       <a:solidFill>
                         <a:srgbClr val="B7B8B8"/>
@@ -2505,7 +2141,7 @@
                   </a:ext>
                 </a:extLst>
               </a:tr>
-              <a:tr h="514672">
+              <a:tr h="484755">
                 <a:tc>
                   <a:txBody>
                     <a:bodyPr/>
@@ -2520,16 +2156,16 @@
                         </a:spcBef>
                       </a:pPr>
                       <a:r>
-                        <a:rPr sz="900" b="1" spc="0">
+                        <a:rPr lang="en-US" sz="900" b="1" spc="0" dirty="0">
                           <a:solidFill>
                             <a:srgbClr val="020302"/>
                           </a:solidFill>
                           <a:latin typeface="Adobe Clean"/>
                           <a:cs typeface="Adobe Clean"/>
                         </a:rPr>
-                        <a:t>PRIORITY 1</a:t>
+                        <a:t>优先级 1</a:t>
                       </a:r>
-                      <a:endParaRPr sz="900" spc="0">
+                      <a:endParaRPr sz="900" spc="0" dirty="0">
                         <a:latin typeface="Adobe Clean"/>
                         <a:cs typeface="Adobe Clean"/>
                       </a:endParaRPr>
@@ -2549,20 +2185,33 @@
                         <a:buSzTx/>
                         <a:buFontTx/>
                         <a:buNone/>
-                        <a:tabLst/>
                         <a:defRPr/>
                       </a:pPr>
                       <a:r>
-                        <a:rPr lang="en-US" sz="900" b="0" i="0" spc="0">
+                        <a:rPr lang="en-US" sz="900" b="0" i="0" spc="0" dirty="0">
                           <a:solidFill>
                             <a:srgbClr val="000000"/>
                           </a:solidFill>
                           <a:effectLst/>
                           <a:latin typeface="Adobe Clean Light" panose="020B0303020404020204" pitchFamily="34" charset="0"/>
                         </a:rPr>
-                        <a:t>Customer's production business functions are down or have significant data loss or service degradation and immediate attention is required to restore functionality and usability</a:t>
+                        <a:t>客户的生产业务功能中断或发生重大数据丢失或服务降级，需要立即关注以恢复功能和可用性</a:t>
                       </a:r>
-                      <a:endParaRPr lang="en-US" sz="900" b="0" i="0" spc="0">
+                      <a:r>
+                        <a:rPr lang="zh-CN" sz="900" b="0" i="0" spc="0" dirty="0">
+                          <a:solidFill>
+                            <a:srgbClr val="000000"/>
+                          </a:solidFill>
+                          <a:effectLst/>
+                          <a:latin typeface="Adobe Clean Light" panose="020B0303020404020204" pitchFamily="34" charset="0"/>
+                        </a:rPr>
+                        <a:t>。</a:t>
+                      </a:r>
+                      <a:endParaRPr lang="zh-CN" sz="900" b="0" i="0" spc="0" dirty="0">
+                        <a:solidFill>
+                          <a:srgbClr val="000000"/>
+                        </a:solidFill>
+                        <a:effectLst/>
                         <a:latin typeface="Adobe Clean Light" panose="020B0303020404020204" pitchFamily="34" charset="0"/>
                         <a:cs typeface="AdobeClean-Light"/>
                       </a:endParaRPr>
@@ -2609,62 +2258,22 @@
                         </a:spcBef>
                       </a:pPr>
                       <a:r>
-                        <a:rPr sz="900" spc="0">
+                        <a:rPr lang="en-US" sz="900" spc="0" dirty="0">
                           <a:solidFill>
                             <a:srgbClr val="020302"/>
                           </a:solidFill>
                           <a:latin typeface="AdobeClean-Light"/>
                           <a:cs typeface="AdobeClean-Light"/>
                         </a:rPr>
-                        <a:t>24x7</a:t>
+                        <a:t>全天候/1 小时</a:t>
                       </a:r>
-                      <a:r>
-                        <a:rPr lang="en-US" sz="900" spc="0">
-                          <a:solidFill>
-                            <a:srgbClr val="020302"/>
-                          </a:solidFill>
-                          <a:latin typeface="AdobeClean-Light"/>
-                          <a:cs typeface="AdobeClean-Light"/>
-                        </a:rPr>
-                        <a:t> </a:t>
-                      </a:r>
-                      <a:r>
-                        <a:rPr sz="900" spc="0">
-                          <a:solidFill>
-                            <a:srgbClr val="020302"/>
-                          </a:solidFill>
-                          <a:latin typeface="AdobeClean-Light"/>
-                          <a:cs typeface="AdobeClean-Light"/>
-                        </a:rPr>
-                        <a:t>/</a:t>
-                      </a:r>
-                      <a:r>
-                        <a:rPr lang="en-US" sz="900" spc="0">
-                          <a:solidFill>
-                            <a:srgbClr val="020302"/>
-                          </a:solidFill>
-                          <a:latin typeface="AdobeClean-Light"/>
-                          <a:cs typeface="AdobeClean-Light"/>
-                        </a:rPr>
-                        <a:t> </a:t>
-                      </a:r>
-                      <a:r>
-                        <a:rPr sz="900" spc="0">
-                          <a:solidFill>
-                            <a:srgbClr val="020302"/>
-                          </a:solidFill>
-                          <a:latin typeface="AdobeClean-Light"/>
-                          <a:cs typeface="AdobeClean-Light"/>
-                        </a:rPr>
-                        <a:t>1 hour</a:t>
-                      </a:r>
-                      <a:endParaRPr sz="900" spc="0">
+                      <a:endParaRPr sz="900" spc="0" dirty="0">
                         <a:latin typeface="AdobeClean-Light"/>
                         <a:cs typeface="AdobeClean-Light"/>
                       </a:endParaRPr>
                     </a:p>
                   </a:txBody>
-                  <a:tcPr marL="0" marR="0" marT="91440" marB="91440" anchor="ctr" anchorCtr="1">
+                  <a:tcPr anchor="ctr">
                     <a:lnL w="3175">
                       <a:solidFill>
                         <a:srgbClr val="B7B8B8"/>
@@ -2705,62 +2314,22 @@
                         </a:spcBef>
                       </a:pPr>
                       <a:r>
-                        <a:rPr sz="900" spc="0">
+                        <a:rPr lang="en-US" sz="900" spc="0" dirty="0">
                           <a:solidFill>
                             <a:srgbClr val="020302"/>
                           </a:solidFill>
                           <a:latin typeface="AdobeClean-Light"/>
                           <a:cs typeface="AdobeClean-Light"/>
                         </a:rPr>
-                        <a:t>24x7</a:t>
+                        <a:t>全天候/1 小时</a:t>
                       </a:r>
-                      <a:r>
-                        <a:rPr lang="en-US" sz="900" spc="0">
-                          <a:solidFill>
-                            <a:srgbClr val="020302"/>
-                          </a:solidFill>
-                          <a:latin typeface="AdobeClean-Light"/>
-                          <a:cs typeface="AdobeClean-Light"/>
-                        </a:rPr>
-                        <a:t> </a:t>
-                      </a:r>
-                      <a:r>
-                        <a:rPr sz="900" spc="0">
-                          <a:solidFill>
-                            <a:srgbClr val="020302"/>
-                          </a:solidFill>
-                          <a:latin typeface="AdobeClean-Light"/>
-                          <a:cs typeface="AdobeClean-Light"/>
-                        </a:rPr>
-                        <a:t>/</a:t>
-                      </a:r>
-                      <a:r>
-                        <a:rPr lang="en-US" sz="900" spc="0">
-                          <a:solidFill>
-                            <a:srgbClr val="020302"/>
-                          </a:solidFill>
-                          <a:latin typeface="AdobeClean-Light"/>
-                          <a:cs typeface="AdobeClean-Light"/>
-                        </a:rPr>
-                        <a:t> </a:t>
-                      </a:r>
-                      <a:r>
-                        <a:rPr sz="900" spc="0">
-                          <a:solidFill>
-                            <a:srgbClr val="020302"/>
-                          </a:solidFill>
-                          <a:latin typeface="AdobeClean-Light"/>
-                          <a:cs typeface="AdobeClean-Light"/>
-                        </a:rPr>
-                        <a:t>1 hour</a:t>
-                      </a:r>
-                      <a:endParaRPr sz="900" spc="0">
+                      <a:endParaRPr sz="900" spc="0" dirty="0">
                         <a:latin typeface="AdobeClean-Light"/>
                         <a:cs typeface="AdobeClean-Light"/>
                       </a:endParaRPr>
                     </a:p>
                   </a:txBody>
-                  <a:tcPr marL="0" marR="0" marT="91440" marB="91440" anchor="ctr" anchorCtr="1">
+                  <a:tcPr anchor="ctr">
                     <a:lnL w="3175">
                       <a:solidFill>
                         <a:srgbClr val="B7B8B8"/>
@@ -2798,7 +2367,7 @@
                   </a:ext>
                 </a:extLst>
               </a:tr>
-              <a:tr h="514672">
+              <a:tr h="484755">
                 <a:tc>
                   <a:txBody>
                     <a:bodyPr/>
@@ -2813,16 +2382,16 @@
                         </a:spcBef>
                       </a:pPr>
                       <a:r>
-                        <a:rPr sz="900" b="1" spc="0">
+                        <a:rPr lang="en-US" sz="900" b="1" spc="0" dirty="0">
                           <a:solidFill>
                             <a:srgbClr val="020302"/>
                           </a:solidFill>
                           <a:latin typeface="Adobe Clean"/>
                           <a:cs typeface="Adobe Clean"/>
                         </a:rPr>
-                        <a:t>PRIORITY 2</a:t>
+                        <a:t>优先级 2</a:t>
                       </a:r>
-                      <a:endParaRPr sz="900" spc="0">
+                      <a:endParaRPr sz="900" spc="0" dirty="0">
                         <a:latin typeface="Adobe Clean"/>
                         <a:cs typeface="Adobe Clean"/>
                       </a:endParaRPr>
@@ -2837,16 +2406,30 @@
                         </a:spcBef>
                       </a:pPr>
                       <a:r>
-                        <a:rPr lang="en-US" sz="900" b="0" i="0" spc="0">
+                        <a:rPr lang="en-US" sz="900" b="0" i="0" spc="0" dirty="0">
                           <a:solidFill>
                             <a:srgbClr val="000000"/>
                           </a:solidFill>
                           <a:effectLst/>
                           <a:latin typeface="Adobe Clean Light" panose="020B0303020404020204" pitchFamily="34" charset="0"/>
                         </a:rPr>
-                        <a:t>Customer's business functions have major service degradation or potential data loss, or a major feature is impacted </a:t>
+                        <a:t>客户的业务功能发生重大服务降级或潜在数据丢失，或主要功能受到影响</a:t>
                       </a:r>
-                      <a:endParaRPr lang="en-US" sz="900" b="0" i="0" spc="0">
+                      <a:r>
+                        <a:rPr lang="zh-CN" altLang="en-US" sz="900" b="0" i="0" spc="0" dirty="0">
+                          <a:solidFill>
+                            <a:srgbClr val="000000"/>
+                          </a:solidFill>
+                          <a:effectLst/>
+                          <a:latin typeface="Adobe Clean Light" panose="020B0303020404020204" pitchFamily="34" charset="0"/>
+                        </a:rPr>
+                        <a:t>。</a:t>
+                      </a:r>
+                      <a:endParaRPr lang="zh-CN" altLang="en-US" sz="900" b="0" i="0" spc="0" dirty="0">
+                        <a:solidFill>
+                          <a:srgbClr val="000000"/>
+                        </a:solidFill>
+                        <a:effectLst/>
                         <a:latin typeface="Adobe Clean Light" panose="020B0303020404020204" pitchFamily="34" charset="0"/>
                         <a:cs typeface="AdobeClean-Light"/>
                       </a:endParaRPr>
@@ -2893,82 +2476,22 @@
                         </a:spcBef>
                       </a:pPr>
                       <a:r>
-                        <a:rPr sz="900" spc="0">
+                        <a:rPr lang="en-US" sz="900" spc="0" dirty="0">
                           <a:solidFill>
                             <a:srgbClr val="020302"/>
                           </a:solidFill>
                           <a:latin typeface="AdobeClean-Light"/>
                           <a:cs typeface="AdobeClean-Light"/>
                         </a:rPr>
-                        <a:t>Business</a:t>
+                        <a:t>营业时间/4 小时</a:t>
                       </a:r>
-                      <a:r>
-                        <a:rPr lang="en-US" sz="900" spc="0">
-                          <a:solidFill>
-                            <a:srgbClr val="020302"/>
-                          </a:solidFill>
-                          <a:latin typeface="AdobeClean-Light"/>
-                          <a:cs typeface="AdobeClean-Light"/>
-                        </a:rPr>
-                        <a:t> </a:t>
-                      </a:r>
-                      <a:r>
-                        <a:rPr sz="900" spc="0">
-                          <a:solidFill>
-                            <a:srgbClr val="020302"/>
-                          </a:solidFill>
-                          <a:latin typeface="AdobeClean-Light"/>
-                          <a:cs typeface="AdobeClean-Light"/>
-                        </a:rPr>
-                        <a:t>hours</a:t>
-                      </a:r>
-                      <a:r>
-                        <a:rPr lang="en-US" sz="900" spc="0">
-                          <a:solidFill>
-                            <a:srgbClr val="020302"/>
-                          </a:solidFill>
-                          <a:latin typeface="AdobeClean-Light"/>
-                          <a:cs typeface="AdobeClean-Light"/>
-                        </a:rPr>
-                        <a:t> </a:t>
-                      </a:r>
-                      <a:r>
-                        <a:rPr sz="900" spc="0">
-                          <a:solidFill>
-                            <a:srgbClr val="020302"/>
-                          </a:solidFill>
-                          <a:latin typeface="AdobeClean-Light"/>
-                          <a:cs typeface="AdobeClean-Light"/>
-                        </a:rPr>
-                        <a:t>/</a:t>
-                      </a:r>
-                      <a:r>
-                        <a:rPr lang="en-US" sz="900" spc="0">
-                          <a:solidFill>
-                            <a:srgbClr val="020302"/>
-                          </a:solidFill>
-                          <a:latin typeface="AdobeClean-Light"/>
-                          <a:cs typeface="AdobeClean-Light"/>
-                        </a:rPr>
-                        <a:t> </a:t>
-                      </a:r>
-                      <a:r>
-                        <a:rPr sz="900" spc="0">
-                          <a:solidFill>
-                            <a:srgbClr val="020302"/>
-                          </a:solidFill>
-                          <a:latin typeface="AdobeClean-Light"/>
-                          <a:cs typeface="AdobeClean-Light"/>
-                        </a:rPr>
-                        <a:t>4 hours</a:t>
-                      </a:r>
-                      <a:endParaRPr sz="900" spc="0">
+                      <a:endParaRPr sz="900" spc="0" dirty="0">
                         <a:latin typeface="AdobeClean-Light"/>
                         <a:cs typeface="AdobeClean-Light"/>
                       </a:endParaRPr>
                     </a:p>
                   </a:txBody>
-                  <a:tcPr marL="0" marR="0" marT="91440" marB="91440" anchor="ctr" anchorCtr="1">
+                  <a:tcPr anchor="ctr">
                     <a:lnL w="3175">
                       <a:solidFill>
                         <a:srgbClr val="B7B8B8"/>
@@ -3009,92 +2532,22 @@
                         </a:spcBef>
                       </a:pPr>
                       <a:r>
-                        <a:rPr lang="en-US" sz="900" spc="0">
+                        <a:rPr lang="en-US" sz="900" spc="0" dirty="0">
                           <a:solidFill>
                             <a:srgbClr val="020302"/>
                           </a:solidFill>
                           <a:latin typeface="AdobeClean-Light"/>
                           <a:cs typeface="AdobeClean-Light"/>
                         </a:rPr>
-                        <a:t>    </a:t>
+                        <a:t>营业时间/2 小时</a:t>
                       </a:r>
-                      <a:r>
-                        <a:rPr sz="900" spc="0">
-                          <a:solidFill>
-                            <a:srgbClr val="020302"/>
-                          </a:solidFill>
-                          <a:latin typeface="AdobeClean-Light"/>
-                          <a:cs typeface="AdobeClean-Light"/>
-                        </a:rPr>
-                        <a:t>Business</a:t>
-                      </a:r>
-                      <a:r>
-                        <a:rPr lang="en-US" sz="900" spc="0">
-                          <a:solidFill>
-                            <a:srgbClr val="020302"/>
-                          </a:solidFill>
-                          <a:latin typeface="AdobeClean-Light"/>
-                          <a:cs typeface="AdobeClean-Light"/>
-                        </a:rPr>
-                        <a:t> </a:t>
-                      </a:r>
-                      <a:r>
-                        <a:rPr sz="900" spc="0">
-                          <a:solidFill>
-                            <a:srgbClr val="020302"/>
-                          </a:solidFill>
-                          <a:latin typeface="AdobeClean-Light"/>
-                          <a:cs typeface="AdobeClean-Light"/>
-                        </a:rPr>
-                        <a:t>hours</a:t>
-                      </a:r>
-                      <a:r>
-                        <a:rPr lang="en-US" sz="900" spc="0">
-                          <a:solidFill>
-                            <a:srgbClr val="020302"/>
-                          </a:solidFill>
-                          <a:latin typeface="AdobeClean-Light"/>
-                          <a:cs typeface="AdobeClean-Light"/>
-                        </a:rPr>
-                        <a:t> / </a:t>
-                      </a:r>
-                      <a:r>
-                        <a:rPr sz="900" spc="0">
-                          <a:solidFill>
-                            <a:srgbClr val="020302"/>
-                          </a:solidFill>
-                          <a:latin typeface="AdobeClean-Light"/>
-                          <a:cs typeface="AdobeClean-Light"/>
-                        </a:rPr>
-                        <a:t>2</a:t>
-                      </a:r>
-                      <a:r>
-                        <a:rPr lang="en-US" sz="900" spc="0">
-                          <a:solidFill>
-                            <a:srgbClr val="020302"/>
-                          </a:solidFill>
-                          <a:latin typeface="AdobeClean-Light"/>
-                          <a:cs typeface="AdobeClean-Light"/>
-                        </a:rPr>
-                        <a:t> </a:t>
-                      </a:r>
-                      <a:r>
-                        <a:rPr sz="900" spc="0">
-                          <a:solidFill>
-                            <a:srgbClr val="020302"/>
-                          </a:solidFill>
-                          <a:latin typeface="AdobeClean-Light"/>
-                          <a:cs typeface="AdobeClean-Light"/>
-                        </a:rPr>
-                        <a:t>hours</a:t>
-                      </a:r>
-                      <a:endParaRPr sz="900" spc="0">
+                      <a:endParaRPr sz="900" spc="0" dirty="0">
                         <a:latin typeface="AdobeClean-Light"/>
                         <a:cs typeface="AdobeClean-Light"/>
                       </a:endParaRPr>
                     </a:p>
                   </a:txBody>
-                  <a:tcPr marL="0" marR="0" marT="91440" marB="91440" anchor="ctr" anchorCtr="1">
+                  <a:tcPr anchor="ctr">
                     <a:lnL w="3175">
                       <a:solidFill>
                         <a:srgbClr val="B7B8B8"/>
@@ -3132,7 +2585,7 @@
                   </a:ext>
                 </a:extLst>
               </a:tr>
-              <a:tr h="514673">
+              <a:tr h="484756">
                 <a:tc>
                   <a:txBody>
                     <a:bodyPr/>
@@ -3147,16 +2600,16 @@
                         </a:spcBef>
                       </a:pPr>
                       <a:r>
-                        <a:rPr sz="900" b="1" spc="0">
+                        <a:rPr lang="en-US" sz="900" b="1" spc="0" dirty="0">
                           <a:solidFill>
                             <a:srgbClr val="020302"/>
                           </a:solidFill>
                           <a:latin typeface="Adobe Clean"/>
                           <a:cs typeface="Adobe Clean"/>
                         </a:rPr>
-                        <a:t>PRIORITY 3</a:t>
+                        <a:t>优先级 3</a:t>
                       </a:r>
-                      <a:endParaRPr sz="900" spc="0">
+                      <a:endParaRPr sz="900" spc="0" dirty="0">
                         <a:latin typeface="Adobe Clean"/>
                         <a:cs typeface="Adobe Clean"/>
                       </a:endParaRPr>
@@ -3171,7 +2624,7 @@
                         </a:spcBef>
                       </a:pPr>
                       <a:r>
-                        <a:rPr kumimoji="0" lang="en-US" sz="900" b="0" i="0" u="none" strike="noStrike" kern="1200" cap="none" spc="0" normalizeH="0" baseline="0" noProof="0">
+                        <a:rPr kumimoji="0" lang="en-US" sz="900" b="0" i="0" u="none" strike="noStrike" kern="1200" cap="none" spc="0" normalizeH="0" baseline="0" noProof="0" dirty="0">
                           <a:ln>
                             <a:noFill/>
                           </a:ln>
@@ -3185,12 +2638,25 @@
                           <a:ea typeface="+mn-ea"/>
                           <a:cs typeface="+mn-cs"/>
                         </a:rPr>
-                        <a:t>Customer's business functions have minor service degradation but there exists a solution/workaround allowing business functions to continue </a:t>
+                        <a:t>客户的业务功能发生轻微的服务降级，但有解决方案/解决方法可让业务功能继续正常工作</a:t>
                       </a:r>
-                      <a:endParaRPr lang="en-US" sz="900" b="0" i="0" spc="0">
-                        <a:latin typeface="Adobe Clean Light" panose="020B0303020404020204" pitchFamily="34" charset="0"/>
-                        <a:cs typeface="AdobeClean-Light"/>
-                      </a:endParaRPr>
+                      <a:r>
+                        <a:rPr kumimoji="0" lang="zh-CN" altLang="en-US" sz="900" b="0" i="0" u="none" strike="noStrike" kern="1200" cap="none" spc="0" normalizeH="0" baseline="0" noProof="0" dirty="0">
+                          <a:ln>
+                            <a:noFill/>
+                          </a:ln>
+                          <a:solidFill>
+                            <a:srgbClr val="000000"/>
+                          </a:solidFill>
+                          <a:effectLst/>
+                          <a:uLnTx/>
+                          <a:uFillTx/>
+                          <a:latin typeface="Adobe Clean Light" panose="020B0303020404020204" pitchFamily="34" charset="0"/>
+                          <a:ea typeface="+mn-ea"/>
+                          <a:cs typeface="+mn-cs"/>
+                        </a:rPr>
+                        <a:t>。</a:t>
+                      </a:r>
                     </a:p>
                   </a:txBody>
                   <a:tcPr marL="0" marR="0" marT="3810" marB="0">
@@ -3234,92 +2700,22 @@
                         </a:spcBef>
                       </a:pPr>
                       <a:r>
-                        <a:rPr lang="en-US" sz="900" spc="0">
+                        <a:rPr lang="en-US" sz="900" spc="0" dirty="0">
                           <a:solidFill>
                             <a:srgbClr val="020302"/>
                           </a:solidFill>
                           <a:latin typeface="AdobeClean-Light"/>
                           <a:cs typeface="AdobeClean-Light"/>
                         </a:rPr>
-                        <a:t>   </a:t>
+                        <a:t>营业时间/6 小时</a:t>
                       </a:r>
-                      <a:r>
-                        <a:rPr sz="900" spc="0">
-                          <a:solidFill>
-                            <a:srgbClr val="020302"/>
-                          </a:solidFill>
-                          <a:latin typeface="AdobeClean-Light"/>
-                          <a:cs typeface="AdobeClean-Light"/>
-                        </a:rPr>
-                        <a:t>Business</a:t>
-                      </a:r>
-                      <a:r>
-                        <a:rPr lang="en-US" sz="900" spc="0">
-                          <a:solidFill>
-                            <a:srgbClr val="020302"/>
-                          </a:solidFill>
-                          <a:latin typeface="AdobeClean-Light"/>
-                          <a:cs typeface="AdobeClean-Light"/>
-                        </a:rPr>
-                        <a:t> </a:t>
-                      </a:r>
-                      <a:r>
-                        <a:rPr sz="900" spc="0">
-                          <a:solidFill>
-                            <a:srgbClr val="020302"/>
-                          </a:solidFill>
-                          <a:latin typeface="AdobeClean-Light"/>
-                          <a:cs typeface="AdobeClean-Light"/>
-                        </a:rPr>
-                        <a:t>hours</a:t>
-                      </a:r>
-                      <a:r>
-                        <a:rPr lang="en-US" sz="900" spc="0">
-                          <a:solidFill>
-                            <a:srgbClr val="020302"/>
-                          </a:solidFill>
-                          <a:latin typeface="AdobeClean-Light"/>
-                          <a:cs typeface="AdobeClean-Light"/>
-                        </a:rPr>
-                        <a:t> / </a:t>
-                      </a:r>
-                      <a:r>
-                        <a:rPr sz="900" spc="0">
-                          <a:solidFill>
-                            <a:srgbClr val="020302"/>
-                          </a:solidFill>
-                          <a:latin typeface="AdobeClean-Light"/>
-                          <a:cs typeface="AdobeClean-Light"/>
-                        </a:rPr>
-                        <a:t>6</a:t>
-                      </a:r>
-                      <a:r>
-                        <a:rPr lang="en-US" sz="900" spc="0">
-                          <a:solidFill>
-                            <a:srgbClr val="020302"/>
-                          </a:solidFill>
-                          <a:latin typeface="AdobeClean-Light"/>
-                          <a:cs typeface="AdobeClean-Light"/>
-                        </a:rPr>
-                        <a:t> </a:t>
-                      </a:r>
-                      <a:r>
-                        <a:rPr sz="900" spc="0">
-                          <a:solidFill>
-                            <a:srgbClr val="020302"/>
-                          </a:solidFill>
-                          <a:latin typeface="AdobeClean-Light"/>
-                          <a:cs typeface="AdobeClean-Light"/>
-                        </a:rPr>
-                        <a:t>hours</a:t>
-                      </a:r>
-                      <a:endParaRPr sz="900" spc="0">
+                      <a:endParaRPr sz="900" spc="0" dirty="0">
                         <a:latin typeface="AdobeClean-Light"/>
                         <a:cs typeface="AdobeClean-Light"/>
                       </a:endParaRPr>
                     </a:p>
                   </a:txBody>
-                  <a:tcPr marL="0" marR="0" marT="91440" marB="91440" anchor="ctr" anchorCtr="1">
+                  <a:tcPr anchor="ctr">
                     <a:lnL w="3175">
                       <a:solidFill>
                         <a:srgbClr val="B7B8B8"/>
@@ -3360,82 +2756,22 @@
                         </a:spcBef>
                       </a:pPr>
                       <a:r>
-                        <a:rPr sz="900" spc="0">
+                        <a:rPr lang="en-US" sz="900" spc="0" dirty="0">
                           <a:solidFill>
                             <a:srgbClr val="020302"/>
                           </a:solidFill>
                           <a:latin typeface="AdobeClean-Light"/>
                           <a:cs typeface="AdobeClean-Light"/>
                         </a:rPr>
-                        <a:t>Business</a:t>
+                        <a:t>营业时间/4 小时</a:t>
                       </a:r>
-                      <a:r>
-                        <a:rPr lang="en-US" sz="900" spc="0">
-                          <a:solidFill>
-                            <a:srgbClr val="020302"/>
-                          </a:solidFill>
-                          <a:latin typeface="AdobeClean-Light"/>
-                          <a:cs typeface="AdobeClean-Light"/>
-                        </a:rPr>
-                        <a:t> </a:t>
-                      </a:r>
-                      <a:r>
-                        <a:rPr sz="900" spc="0">
-                          <a:solidFill>
-                            <a:srgbClr val="020302"/>
-                          </a:solidFill>
-                          <a:latin typeface="AdobeClean-Light"/>
-                          <a:cs typeface="AdobeClean-Light"/>
-                        </a:rPr>
-                        <a:t>hours</a:t>
-                      </a:r>
-                      <a:r>
-                        <a:rPr lang="en-US" sz="900" spc="0">
-                          <a:solidFill>
-                            <a:srgbClr val="020302"/>
-                          </a:solidFill>
-                          <a:latin typeface="AdobeClean-Light"/>
-                          <a:cs typeface="AdobeClean-Light"/>
-                        </a:rPr>
-                        <a:t> </a:t>
-                      </a:r>
-                      <a:r>
-                        <a:rPr sz="900" spc="0">
-                          <a:solidFill>
-                            <a:srgbClr val="020302"/>
-                          </a:solidFill>
-                          <a:latin typeface="AdobeClean-Light"/>
-                          <a:cs typeface="AdobeClean-Light"/>
-                        </a:rPr>
-                        <a:t>/ 4</a:t>
-                      </a:r>
-                      <a:r>
-                        <a:rPr lang="en-US" sz="900" spc="0">
-                          <a:solidFill>
-                            <a:srgbClr val="020302"/>
-                          </a:solidFill>
-                          <a:latin typeface="AdobeClean-Light"/>
-                          <a:cs typeface="AdobeClean-Light"/>
-                        </a:rPr>
-                        <a:t> </a:t>
-                      </a:r>
-                      <a:r>
-                        <a:rPr sz="900" spc="0">
-                          <a:solidFill>
-                            <a:srgbClr val="020302"/>
-                          </a:solidFill>
-                          <a:latin typeface="AdobeClean-Light"/>
-                          <a:cs typeface="AdobeClean-Light"/>
-                        </a:rPr>
-                        <a:t>hours</a:t>
-                      </a:r>
-                      <a:endParaRPr sz="900" spc="0">
+                      <a:endParaRPr sz="900" spc="0" dirty="0">
                         <a:latin typeface="AdobeClean-Light"/>
                         <a:cs typeface="AdobeClean-Light"/>
                       </a:endParaRPr>
                     </a:p>
                   </a:txBody>
-                  <a:tcPr marL="0" marR="0" marT="91440" marB="91440" anchor="ctr" anchorCtr="1">
+                  <a:tcPr anchor="ctr">
                     <a:lnL w="3175">
                       <a:solidFill>
                         <a:srgbClr val="B7B8B8"/>
@@ -3473,7 +2809,7 @@
                   </a:ext>
                 </a:extLst>
               </a:tr>
-              <a:tr h="388333">
+              <a:tr h="359998">
                 <a:tc>
                   <a:txBody>
                     <a:bodyPr/>
@@ -3488,16 +2824,16 @@
                         </a:spcBef>
                       </a:pPr>
                       <a:r>
-                        <a:rPr sz="900" b="1" spc="0">
+                        <a:rPr lang="en-US" sz="900" b="1" spc="0" dirty="0">
                           <a:solidFill>
                             <a:srgbClr val="020302"/>
                           </a:solidFill>
                           <a:latin typeface="Adobe Clean"/>
                           <a:cs typeface="Adobe Clean"/>
                         </a:rPr>
-                        <a:t>PRIORITY 4</a:t>
+                        <a:t>优先级 4</a:t>
                       </a:r>
-                      <a:endParaRPr sz="900" spc="0">
+                      <a:endParaRPr sz="900" spc="0" dirty="0">
                         <a:latin typeface="Adobe Clean"/>
                         <a:cs typeface="Adobe Clean"/>
                       </a:endParaRPr>
@@ -3517,20 +2853,33 @@
                         <a:buSzTx/>
                         <a:buFontTx/>
                         <a:buNone/>
-                        <a:tabLst/>
                         <a:defRPr/>
                       </a:pPr>
                       <a:r>
-                        <a:rPr lang="en-US" sz="900" b="0" i="0" spc="0">
+                        <a:rPr lang="en-US" sz="900" b="0" i="0" spc="0" dirty="0">
                           <a:solidFill>
                             <a:srgbClr val="000000"/>
                           </a:solidFill>
                           <a:effectLst/>
                           <a:latin typeface="Adobe Clean Light" panose="020B0303020404020204" pitchFamily="34" charset="0"/>
                         </a:rPr>
-                        <a:t>General question regarding current product functionality or an enhancement request</a:t>
+                        <a:t>有关当前产品功能或增强功能请求的常见问题</a:t>
                       </a:r>
-                      <a:endParaRPr lang="en-US" sz="900" b="0" i="0" spc="0">
+                      <a:r>
+                        <a:rPr lang="zh-CN" altLang="en-US" sz="900" b="0" i="0" spc="0" dirty="0">
+                          <a:solidFill>
+                            <a:srgbClr val="000000"/>
+                          </a:solidFill>
+                          <a:effectLst/>
+                          <a:latin typeface="Adobe Clean Light" panose="020B0303020404020204" pitchFamily="34" charset="0"/>
+                        </a:rPr>
+                        <a:t>。</a:t>
+                      </a:r>
+                      <a:endParaRPr lang="zh-CN" altLang="en-US" sz="900" b="0" i="0" spc="0" dirty="0">
+                        <a:solidFill>
+                          <a:srgbClr val="000000"/>
+                        </a:solidFill>
+                        <a:effectLst/>
                         <a:latin typeface="Adobe Clean Light" panose="020B0303020404020204" pitchFamily="34" charset="0"/>
                         <a:cs typeface="AdobeClean-Light"/>
                       </a:endParaRPr>
@@ -3577,72 +2926,22 @@
                         </a:spcBef>
                       </a:pPr>
                       <a:r>
-                        <a:rPr lang="en-US" sz="900" spc="0">
+                        <a:rPr lang="en-US" sz="900" spc="0" dirty="0">
                           <a:solidFill>
                             <a:srgbClr val="020302"/>
                           </a:solidFill>
                           <a:latin typeface="AdobeClean-Light"/>
                           <a:cs typeface="AdobeClean-Light"/>
                         </a:rPr>
-                        <a:t>  </a:t>
+                        <a:t>工作日/3 天</a:t>
                       </a:r>
-                      <a:r>
-                        <a:rPr sz="900" spc="0">
-                          <a:solidFill>
-                            <a:srgbClr val="020302"/>
-                          </a:solidFill>
-                          <a:latin typeface="AdobeClean-Light"/>
-                          <a:cs typeface="AdobeClean-Light"/>
-                        </a:rPr>
-                        <a:t>Business</a:t>
-                      </a:r>
-                      <a:r>
-                        <a:rPr lang="en-US" sz="900" spc="0">
-                          <a:solidFill>
-                            <a:srgbClr val="020302"/>
-                          </a:solidFill>
-                          <a:latin typeface="AdobeClean-Light"/>
-                          <a:cs typeface="AdobeClean-Light"/>
-                        </a:rPr>
-                        <a:t> </a:t>
-                      </a:r>
-                      <a:r>
-                        <a:rPr sz="900" spc="0">
-                          <a:solidFill>
-                            <a:srgbClr val="020302"/>
-                          </a:solidFill>
-                          <a:latin typeface="AdobeClean-Light"/>
-                          <a:cs typeface="AdobeClean-Light"/>
-                        </a:rPr>
-                        <a:t>days</a:t>
-                      </a:r>
-                      <a:r>
-                        <a:rPr lang="en-US" sz="900" spc="0">
-                          <a:solidFill>
-                            <a:srgbClr val="020302"/>
-                          </a:solidFill>
-                          <a:latin typeface="AdobeClean-Light"/>
-                          <a:cs typeface="AdobeClean-Light"/>
-                        </a:rPr>
-                        <a:t> / </a:t>
-                      </a:r>
-                      <a:r>
-                        <a:rPr sz="900" spc="0">
-                          <a:solidFill>
-                            <a:srgbClr val="020302"/>
-                          </a:solidFill>
-                          <a:latin typeface="AdobeClean-Light"/>
-                          <a:cs typeface="AdobeClean-Light"/>
-                        </a:rPr>
-                        <a:t>3 days</a:t>
-                      </a:r>
-                      <a:endParaRPr sz="900" spc="0">
+                      <a:endParaRPr sz="900" spc="0" dirty="0">
                         <a:latin typeface="AdobeClean-Light"/>
                         <a:cs typeface="AdobeClean-Light"/>
                       </a:endParaRPr>
                     </a:p>
                   </a:txBody>
-                  <a:tcPr marL="0" marR="0" marT="91440" marB="91440" anchor="ctr" anchorCtr="1">
+                  <a:tcPr anchor="ctr">
                     <a:lnL w="3175">
                       <a:solidFill>
                         <a:srgbClr val="B7B8B8"/>
@@ -3683,82 +2982,42 @@
                         </a:spcBef>
                       </a:pPr>
                       <a:r>
-                        <a:rPr sz="900" spc="0">
+                        <a:rPr lang="en-US" sz="900" spc="0" dirty="0">
                           <a:solidFill>
                             <a:srgbClr val="020302"/>
                           </a:solidFill>
                           <a:latin typeface="AdobeClean-Light"/>
                           <a:cs typeface="AdobeClean-Light"/>
                         </a:rPr>
-                        <a:t>Business</a:t>
+                        <a:t>工作日/</a:t>
                       </a:r>
+                    </a:p>
+                    <a:p>
+                      <a:pPr marL="370840" marR="223520" indent="-202565" algn="ctr">
+                        <a:lnSpc>
+                          <a:spcPct val="100000"/>
+                        </a:lnSpc>
+                        <a:spcBef>
+                          <a:spcPts val="155"/>
+                        </a:spcBef>
+                      </a:pPr>
                       <a:r>
-                        <a:rPr lang="en-US" sz="900" spc="0">
+                        <a:rPr lang="en-US" sz="900" spc="0" dirty="0">
                           <a:solidFill>
                             <a:srgbClr val="020302"/>
                           </a:solidFill>
                           <a:latin typeface="AdobeClean-Light"/>
                           <a:cs typeface="AdobeClean-Light"/>
                         </a:rPr>
-                        <a:t> </a:t>
+                        <a:t> 1 天</a:t>
                       </a:r>
-                      <a:r>
-                        <a:rPr sz="900" spc="0">
-                          <a:solidFill>
-                            <a:srgbClr val="020302"/>
-                          </a:solidFill>
-                          <a:latin typeface="AdobeClean-Light"/>
-                          <a:cs typeface="AdobeClean-Light"/>
-                        </a:rPr>
-                        <a:t>day</a:t>
-                      </a:r>
-                      <a:r>
-                        <a:rPr lang="en-US" sz="900" spc="0">
-                          <a:solidFill>
-                            <a:srgbClr val="020302"/>
-                          </a:solidFill>
-                          <a:latin typeface="AdobeClean-Light"/>
-                          <a:cs typeface="AdobeClean-Light"/>
-                        </a:rPr>
-                        <a:t>s </a:t>
-                      </a:r>
-                      <a:r>
-                        <a:rPr sz="900" spc="0">
-                          <a:solidFill>
-                            <a:srgbClr val="020302"/>
-                          </a:solidFill>
-                          <a:latin typeface="AdobeClean-Light"/>
-                          <a:cs typeface="AdobeClean-Light"/>
-                        </a:rPr>
-                        <a:t>/</a:t>
-                      </a:r>
-                      <a:r>
-                        <a:rPr lang="en-US" sz="900" spc="0">
-                          <a:solidFill>
-                            <a:srgbClr val="020302"/>
-                          </a:solidFill>
-                          <a:latin typeface="AdobeClean-Light"/>
-                          <a:cs typeface="AdobeClean-Light"/>
-                        </a:rPr>
-                        <a:t> </a:t>
-                      </a:r>
-                      <a:r>
-                        <a:rPr sz="900" spc="0">
-                          <a:solidFill>
-                            <a:srgbClr val="020302"/>
-                          </a:solidFill>
-                          <a:latin typeface="AdobeClean-Light"/>
-                          <a:cs typeface="AdobeClean-Light"/>
-                        </a:rPr>
-                        <a:t>1 day</a:t>
-                      </a:r>
-                      <a:endParaRPr sz="900" spc="0">
+                      <a:endParaRPr sz="900" spc="0" dirty="0">
                         <a:latin typeface="AdobeClean-Light"/>
                         <a:cs typeface="AdobeClean-Light"/>
                       </a:endParaRPr>
                     </a:p>
                   </a:txBody>
-                  <a:tcPr marL="0" marR="0" marT="91440" marB="91440" anchor="ctr" anchorCtr="1">
+                  <a:tcPr anchor="ctr">
                     <a:lnL w="3175">
                       <a:solidFill>
                         <a:srgbClr val="B7B8B8"/>
@@ -3802,22 +3061,14 @@
       </p:graphicFrame>
       <p:graphicFrame>
         <p:nvGraphicFramePr>
-          <p:cNvPr id="11" name="object 8">
-            <a:extLst>
-              <a:ext uri="{FF2B5EF4-FFF2-40B4-BE49-F238E27FC236}">
-                <a16:creationId xmlns:a16="http://schemas.microsoft.com/office/drawing/2014/main" id="{3AC7AEA2-E7A4-BD48-80EA-856168E207F6}"/>
-              </a:ext>
-            </a:extLst>
-          </p:cNvPr>
+          <p:cNvPr id="11" name="object 8"/>
           <p:cNvGraphicFramePr>
             <a:graphicFrameLocks noGrp="1"/>
           </p:cNvGraphicFramePr>
           <p:nvPr>
-            <p:extLst>
-              <p:ext uri="{D42A27DB-BD31-4B8C-83A1-F6EECF244321}">
-                <p14:modId xmlns:p14="http://schemas.microsoft.com/office/powerpoint/2010/main" val="116851390"/>
-              </p:ext>
-            </p:extLst>
+            <p:custDataLst>
+              <p:tags r:id="rId2"/>
+            </p:custDataLst>
           </p:nvPr>
         </p:nvGraphicFramePr>
         <p:xfrm>
@@ -3834,7 +3085,7 @@
                 <a:gridCol w="1513599">
                   <a:extLst>
                     <a:ext uri="{9D8B030D-6E8A-4147-A177-3AD203B41FA5}">
-                      <a16:colId xmlns:a16="http://schemas.microsoft.com/office/drawing/2014/main" val="1674920574"/>
+                      <a16:colId xmlns:a16="http://schemas.microsoft.com/office/drawing/2014/main" val="20000"/>
                     </a:ext>
                   </a:extLst>
                 </a:gridCol>
@@ -3848,7 +3099,7 @@
                 <a:gridCol w="1425889">
                   <a:extLst>
                     <a:ext uri="{9D8B030D-6E8A-4147-A177-3AD203B41FA5}">
-                      <a16:colId xmlns:a16="http://schemas.microsoft.com/office/drawing/2014/main" val="2563521174"/>
+                      <a16:colId xmlns:a16="http://schemas.microsoft.com/office/drawing/2014/main" val="20002"/>
                     </a:ext>
                   </a:extLst>
                 </a:gridCol>
@@ -3866,7 +3117,7 @@
                     <a:bodyPr/>
                     <a:lstStyle/>
                     <a:p>
-                      <a:endParaRPr lang="en-US"/>
+                      <a:endParaRPr lang="en-US" dirty="0"/>
                     </a:p>
                   </a:txBody>
                   <a:tcPr/>
@@ -3876,7 +3127,7 @@
                     <a:bodyPr/>
                     <a:lstStyle/>
                     <a:p>
-                      <a:endParaRPr/>
+                      <a:endParaRPr lang="en-US"/>
                     </a:p>
                   </a:txBody>
                   <a:tcPr marL="0" marR="0" marT="0" marB="0"/>
@@ -3900,40 +3151,19 @@
                         <a:buSzTx/>
                         <a:buFontTx/>
                         <a:buNone/>
-                        <a:tabLst/>
                         <a:defRPr/>
                       </a:pPr>
                       <a:r>
-                        <a:rPr lang="en-US" sz="900" spc="-20">
+                        <a:rPr lang="en-US" sz="900" spc="-20" dirty="0">
                           <a:solidFill>
                             <a:srgbClr val="404040"/>
                           </a:solidFill>
                           <a:latin typeface="Adobe Clean"/>
                           <a:cs typeface="Adobe Clean"/>
                         </a:rPr>
-                        <a:t>Online </a:t>
+                        <a:t>在线支持</a:t>
                       </a:r>
-                      <a:r>
-                        <a:rPr lang="en-US" sz="900" spc="-135">
-                          <a:solidFill>
-                            <a:srgbClr val="404040"/>
-                          </a:solidFill>
-                          <a:latin typeface="Adobe Clean"/>
-                          <a:cs typeface="Adobe Clean"/>
-                        </a:rPr>
-                        <a:t> </a:t>
-                      </a:r>
-                      <a:r>
-                        <a:rPr lang="en-US" sz="900" spc="-20">
-                          <a:solidFill>
-                            <a:srgbClr val="404040"/>
-                          </a:solidFill>
-                          <a:latin typeface="Adobe Clean"/>
-                          <a:cs typeface="Adobe Clean"/>
-                        </a:rPr>
-                        <a:t>Support</a:t>
-                      </a:r>
-                      <a:endParaRPr lang="en-US" sz="900">
+                      <a:endParaRPr lang="en-US" sz="900" dirty="0">
                         <a:latin typeface="Adobe Clean"/>
                         <a:cs typeface="Adobe Clean"/>
                       </a:endParaRPr>
@@ -3977,36 +3207,16 @@
                         </a:spcBef>
                       </a:pPr>
                       <a:r>
-                        <a:rPr sz="900" spc="-20">
+                        <a:rPr lang="en-US" sz="900" spc="-20" dirty="0">
                           <a:solidFill>
                             <a:srgbClr val="FFFFFF"/>
                           </a:solidFill>
                           <a:latin typeface="Adobe Clean"/>
                           <a:cs typeface="Adobe Clean"/>
                         </a:rPr>
-                        <a:t>Business</a:t>
+                        <a:t>商业支持</a:t>
                       </a:r>
-                      <a:r>
-                        <a:rPr lang="en-US" sz="900" spc="-20">
-                          <a:solidFill>
-                            <a:srgbClr val="FFFFFF"/>
-                          </a:solidFill>
-                          <a:latin typeface="Adobe Clean"/>
-                          <a:cs typeface="Adobe Clean"/>
-                        </a:rPr>
-                        <a:t> </a:t>
-                      </a:r>
-                      <a:r>
-                        <a:rPr sz="900" spc="-20">
-                          <a:solidFill>
-                            <a:srgbClr val="FFFFFF"/>
-                          </a:solidFill>
-                          <a:latin typeface="Adobe Clean"/>
-                          <a:cs typeface="Adobe Clean"/>
-                        </a:rPr>
-                        <a:t>Support</a:t>
-                      </a:r>
-                      <a:endParaRPr sz="900">
+                      <a:endParaRPr sz="900" dirty="0">
                         <a:latin typeface="Adobe Clean"/>
                         <a:cs typeface="Adobe Clean"/>
                       </a:endParaRPr>
@@ -4054,7 +3264,7 @@
                     <a:bodyPr/>
                     <a:lstStyle/>
                     <a:p>
-                      <a:endParaRPr lang="en-US"/>
+                      <a:endParaRPr lang="en-US" dirty="0"/>
                     </a:p>
                   </a:txBody>
                   <a:tcPr/>
@@ -4064,7 +3274,7 @@
                     <a:bodyPr/>
                     <a:lstStyle/>
                     <a:p>
-                      <a:endParaRPr/>
+                      <a:endParaRPr lang="en-US"/>
                     </a:p>
                   </a:txBody>
                   <a:tcPr marL="0" marR="0" marT="0" marB="0"/>
@@ -4088,10 +3298,9 @@
                         <a:buSzTx/>
                         <a:buFontTx/>
                         <a:buNone/>
-                        <a:tabLst/>
                         <a:defRPr/>
                       </a:pPr>
-                      <a:endParaRPr lang="en-US" sz="800" i="1">
+                      <a:endParaRPr lang="en-US" sz="800" i="1" dirty="0">
                         <a:solidFill>
                           <a:sysClr val="windowText" lastClr="000000"/>
                         </a:solidFill>
@@ -4151,17 +3360,16 @@
                         <a:buSzTx/>
                         <a:buFontTx/>
                         <a:buNone/>
-                        <a:tabLst/>
                         <a:defRPr/>
                       </a:pPr>
                       <a:r>
-                        <a:rPr lang="en-US" sz="800" i="1">
+                        <a:rPr lang="en-US" sz="800" i="1" dirty="0">
                           <a:solidFill>
                             <a:schemeClr val="bg1"/>
                           </a:solidFill>
                           <a:latin typeface="Adobe Clean Light" panose="020B0303020404020204" pitchFamily="34" charset="0"/>
                         </a:rPr>
-                        <a:t>Paid Support ($)</a:t>
+                        <a:t>Adobe 支持 ($)</a:t>
                       </a:r>
                     </a:p>
                   </a:txBody>
@@ -4225,16 +3433,16 @@
                         </a:spcBef>
                       </a:pPr>
                       <a:r>
-                        <a:rPr lang="en-US" sz="1000" b="1" i="0" spc="0">
+                        <a:rPr lang="en-US" sz="1000" b="1" i="0" spc="0" dirty="0">
                           <a:solidFill>
                             <a:schemeClr val="bg1"/>
                           </a:solidFill>
                           <a:latin typeface="Adobe Clean" panose="020B0503020404020204" pitchFamily="34" charset="0"/>
                           <a:cs typeface="AdobeClean-Light"/>
                         </a:rPr>
-                        <a:t>Assigned Experts</a:t>
+                        <a:t>分配的专家</a:t>
                       </a:r>
-                      <a:endParaRPr sz="1000" b="1" i="0" spc="0">
+                      <a:endParaRPr sz="1000" b="1" i="0" spc="0" dirty="0">
                         <a:solidFill>
                           <a:schemeClr val="bg1"/>
                         </a:solidFill>
@@ -4283,20 +3491,20 @@
                           <a:spcPct val="100000"/>
                         </a:lnSpc>
                         <a:spcBef>
-                          <a:spcPts val="459"/>
+                          <a:spcPts val="460"/>
                         </a:spcBef>
                       </a:pPr>
                       <a:r>
-                        <a:rPr sz="900" spc="0">
+                        <a:rPr lang="en-US" sz="900" spc="0" dirty="0">
                           <a:solidFill>
                             <a:srgbClr val="020302"/>
                           </a:solidFill>
                           <a:latin typeface="AdobeClean-Light"/>
                           <a:cs typeface="AdobeClean-Light"/>
                         </a:rPr>
-                        <a:t>Account Support Lead</a:t>
+                        <a:t>帐户支持主管</a:t>
                       </a:r>
-                      <a:endParaRPr sz="900" spc="0">
+                      <a:endParaRPr sz="900" spc="0" dirty="0">
                         <a:latin typeface="AdobeClean-Light"/>
                         <a:cs typeface="AdobeClean-Light"/>
                       </a:endParaRPr>
@@ -4342,9 +3550,9 @@
                           <a:spcPts val="470"/>
                         </a:spcBef>
                       </a:pPr>
-                      <a:endParaRPr sz="900">
-                        <a:latin typeface="Wingdings"/>
-                        <a:cs typeface="Wingdings"/>
+                      <a:endParaRPr sz="900" dirty="0">
+                        <a:latin typeface="Wingdings" panose="05000000000000000000"/>
+                        <a:cs typeface="Wingdings" panose="05000000000000000000"/>
                       </a:endParaRPr>
                     </a:p>
                   </a:txBody>
@@ -4384,18 +3592,18 @@
                         </a:spcBef>
                       </a:pPr>
                       <a:r>
-                        <a:rPr sz="900">
+                        <a:rPr lang="en-US" sz="900" dirty="0">
                           <a:solidFill>
                             <a:srgbClr val="020302"/>
                           </a:solidFill>
-                          <a:latin typeface="Wingdings"/>
-                          <a:cs typeface="Wingdings"/>
+                          <a:latin typeface="Wingdings" panose="05000000000000000000"/>
+                          <a:cs typeface="Wingdings" panose="05000000000000000000"/>
                         </a:rPr>
                         <a:t></a:t>
                       </a:r>
-                      <a:endParaRPr sz="900">
-                        <a:latin typeface="Wingdings"/>
-                        <a:cs typeface="Wingdings"/>
+                      <a:endParaRPr sz="900" dirty="0">
+                        <a:latin typeface="Wingdings" panose="05000000000000000000"/>
+                        <a:cs typeface="Wingdings" panose="05000000000000000000"/>
                       </a:endParaRPr>
                     </a:p>
                   </a:txBody>
@@ -4428,18 +3636,7 @@
                     <a:bodyPr/>
                     <a:lstStyle/>
                     <a:p>
-                      <a:pPr marL="50800">
-                        <a:lnSpc>
-                          <a:spcPct val="100000"/>
-                        </a:lnSpc>
-                        <a:spcBef>
-                          <a:spcPts val="459"/>
-                        </a:spcBef>
-                      </a:pPr>
-                      <a:endParaRPr sz="900">
-                        <a:latin typeface="AdobeClean-Light"/>
-                        <a:cs typeface="AdobeClean-Light"/>
-                      </a:endParaRPr>
+                      <a:endParaRPr lang="en-US"/>
                     </a:p>
                   </a:txBody>
                   <a:tcPr marL="0" marR="0" marT="58419" marB="0">
@@ -4470,20 +3667,20 @@
                           <a:spcPct val="100000"/>
                         </a:lnSpc>
                         <a:spcBef>
-                          <a:spcPts val="459"/>
+                          <a:spcPts val="460"/>
                         </a:spcBef>
                       </a:pPr>
                       <a:r>
-                        <a:rPr sz="900" spc="0">
+                        <a:rPr lang="en-US" sz="900" spc="0" dirty="0">
                           <a:solidFill>
                             <a:srgbClr val="020302"/>
                           </a:solidFill>
                           <a:latin typeface="AdobeClean-Light"/>
                           <a:cs typeface="AdobeClean-Light"/>
                         </a:rPr>
-                        <a:t>Named Support Engineer</a:t>
+                        <a:t>指定的支持工程师</a:t>
                       </a:r>
-                      <a:endParaRPr sz="900" spc="0">
+                      <a:endParaRPr sz="900" spc="0" dirty="0">
                         <a:latin typeface="AdobeClean-Light"/>
                         <a:cs typeface="AdobeClean-Light"/>
                       </a:endParaRPr>
@@ -4514,9 +3711,9 @@
                           <a:spcPct val="100000"/>
                         </a:lnSpc>
                       </a:pPr>
-                      <a:endParaRPr sz="900">
-                        <a:latin typeface="Times New Roman"/>
-                        <a:cs typeface="Times New Roman"/>
+                      <a:endParaRPr sz="900" dirty="0">
+                        <a:latin typeface="Times New Roman" panose="02020603050405020304"/>
+                        <a:cs typeface="Times New Roman" panose="02020603050405020304"/>
                       </a:endParaRPr>
                     </a:p>
                   </a:txBody>
@@ -4543,9 +3740,9 @@
                           <a:spcPct val="100000"/>
                         </a:lnSpc>
                       </a:pPr>
-                      <a:endParaRPr sz="900">
-                        <a:latin typeface="Times New Roman"/>
-                        <a:cs typeface="Times New Roman"/>
+                      <a:endParaRPr sz="900" dirty="0">
+                        <a:latin typeface="Times New Roman" panose="02020603050405020304"/>
+                        <a:cs typeface="Times New Roman" panose="02020603050405020304"/>
                       </a:endParaRPr>
                     </a:p>
                   </a:txBody>
@@ -4569,18 +3766,7 @@
                     <a:bodyPr/>
                     <a:lstStyle/>
                     <a:p>
-                      <a:pPr marL="50800">
-                        <a:lnSpc>
-                          <a:spcPct val="100000"/>
-                        </a:lnSpc>
-                        <a:spcBef>
-                          <a:spcPts val="500"/>
-                        </a:spcBef>
-                      </a:pPr>
-                      <a:endParaRPr sz="900">
-                        <a:latin typeface="AdobeClean-Light"/>
-                        <a:cs typeface="AdobeClean-Light"/>
-                      </a:endParaRPr>
+                      <a:endParaRPr lang="en-US"/>
                     </a:p>
                   </a:txBody>
                   <a:tcPr marL="0" marR="0" marT="63500" marB="0">
@@ -4627,16 +3813,16 @@
                         </a:spcBef>
                       </a:pPr>
                       <a:r>
-                        <a:rPr sz="900" spc="0">
+                        <a:rPr lang="en-US" sz="900" spc="0" dirty="0">
                           <a:solidFill>
                             <a:srgbClr val="020302"/>
                           </a:solidFill>
                           <a:latin typeface="AdobeClean-Light"/>
                           <a:cs typeface="AdobeClean-Light"/>
                         </a:rPr>
-                        <a:t>Technical Account Manager</a:t>
+                        <a:t>技术客户经理</a:t>
                       </a:r>
-                      <a:endParaRPr sz="900" spc="0">
+                      <a:endParaRPr sz="900" spc="0" dirty="0">
                         <a:latin typeface="AdobeClean-Light"/>
                         <a:cs typeface="AdobeClean-Light"/>
                       </a:endParaRPr>
@@ -4673,9 +3859,9 @@
                           <a:spcPct val="100000"/>
                         </a:lnSpc>
                       </a:pPr>
-                      <a:endParaRPr sz="900">
-                        <a:latin typeface="Times New Roman"/>
-                        <a:cs typeface="Times New Roman"/>
+                      <a:endParaRPr sz="900" dirty="0">
+                        <a:latin typeface="Times New Roman" panose="02020603050405020304"/>
+                        <a:cs typeface="Times New Roman" panose="02020603050405020304"/>
                       </a:endParaRPr>
                     </a:p>
                   </a:txBody>
@@ -4711,9 +3897,9 @@
                           <a:spcPct val="100000"/>
                         </a:lnSpc>
                       </a:pPr>
-                      <a:endParaRPr sz="900">
-                        <a:latin typeface="Times New Roman"/>
-                        <a:cs typeface="Times New Roman"/>
+                      <a:endParaRPr sz="900" dirty="0">
+                        <a:latin typeface="Times New Roman" panose="02020603050405020304"/>
+                        <a:cs typeface="Times New Roman" panose="02020603050405020304"/>
                       </a:endParaRPr>
                     </a:p>
                   </a:txBody>
@@ -4751,20 +3937,20 @@
                           <a:spcPct val="100000"/>
                         </a:lnSpc>
                         <a:spcBef>
-                          <a:spcPts val="459"/>
+                          <a:spcPts val="460"/>
                         </a:spcBef>
                       </a:pPr>
                       <a:r>
-                        <a:rPr lang="en-US" sz="1000" b="1" i="0" spc="0">
+                        <a:rPr lang="en-US" sz="1000" b="1" i="0" spc="0" dirty="0">
                           <a:solidFill>
                             <a:schemeClr val="bg1"/>
                           </a:solidFill>
                           <a:latin typeface="Adobe Clean" panose="020B0503020404020204" pitchFamily="34" charset="0"/>
                           <a:cs typeface="AdobeClean-Light"/>
                         </a:rPr>
-                        <a:t>Support Services</a:t>
+                        <a:t>支持服务</a:t>
                       </a:r>
-                      <a:endParaRPr sz="1000" b="1" i="0" spc="0">
+                      <a:endParaRPr sz="1000" b="1" i="0" spc="0" dirty="0">
                         <a:solidFill>
                           <a:schemeClr val="bg1"/>
                         </a:solidFill>
@@ -4826,26 +4012,16 @@
                         </a:spcBef>
                       </a:pPr>
                       <a:r>
-                        <a:rPr lang="en-US" sz="900" spc="0">
+                        <a:rPr lang="en-US" sz="900" spc="0" dirty="0">
                           <a:solidFill>
                             <a:srgbClr val="020302"/>
                           </a:solidFill>
                           <a:latin typeface="AdobeClean-Light"/>
                           <a:cs typeface="AdobeClean-Light"/>
                         </a:rPr>
-                        <a:t>Online</a:t>
+                        <a:t>在线支持</a:t>
                       </a:r>
-                      <a:r>
-                        <a:rPr sz="900" spc="0">
-                          <a:solidFill>
-                            <a:srgbClr val="020302"/>
-                          </a:solidFill>
-                          <a:latin typeface="AdobeClean-Light"/>
-                          <a:cs typeface="AdobeClean-Light"/>
-                        </a:rPr>
-                        <a:t> Support</a:t>
-                      </a:r>
-                      <a:endParaRPr sz="900" spc="0">
+                      <a:endParaRPr sz="900" spc="0" dirty="0">
                         <a:latin typeface="AdobeClean-Light"/>
                         <a:cs typeface="AdobeClean-Light"/>
                       </a:endParaRPr>
@@ -4886,36 +4062,26 @@
                         </a:spcBef>
                       </a:pPr>
                       <a:r>
-                        <a:rPr sz="900" spc="-25">
+                        <a:rPr lang="en-US" sz="900" spc="-25" dirty="0">
                           <a:solidFill>
                             <a:srgbClr val="020302"/>
                           </a:solidFill>
                           <a:latin typeface="AdobeClean-Light"/>
                           <a:cs typeface="AdobeClean-Light"/>
                         </a:rPr>
-                        <a:t>Business</a:t>
+                        <a:t>营业</a:t>
                       </a:r>
                       <a:r>
-                        <a:rPr sz="900" spc="-15">
+                        <a:rPr lang="en-US" sz="900" spc="-30" dirty="0">
                           <a:solidFill>
                             <a:srgbClr val="020302"/>
                           </a:solidFill>
                           <a:latin typeface="AdobeClean-Light"/>
                           <a:cs typeface="AdobeClean-Light"/>
                         </a:rPr>
-                        <a:t> </a:t>
+                        <a:t>时间</a:t>
                       </a:r>
-                      <a:r>
-                        <a:rPr sz="900" spc="-30">
-                          <a:solidFill>
-                            <a:srgbClr val="020302"/>
-                          </a:solidFill>
-                          <a:latin typeface="AdobeClean-Light"/>
-                          <a:cs typeface="AdobeClean-Light"/>
-                        </a:rPr>
-                        <a:t>hours</a:t>
-                      </a:r>
-                      <a:endParaRPr sz="900">
+                      <a:endParaRPr sz="900" dirty="0">
                         <a:latin typeface="AdobeClean-Light"/>
                         <a:cs typeface="AdobeClean-Light"/>
                       </a:endParaRPr>
@@ -4957,36 +4123,26 @@
                         </a:spcBef>
                       </a:pPr>
                       <a:r>
-                        <a:rPr sz="900" spc="-25">
+                        <a:rPr lang="en-US" sz="900" spc="-25" dirty="0">
                           <a:solidFill>
                             <a:srgbClr val="020302"/>
                           </a:solidFill>
                           <a:latin typeface="AdobeClean-Light"/>
                           <a:cs typeface="AdobeClean-Light"/>
                         </a:rPr>
-                        <a:t>Business</a:t>
+                        <a:t>营业</a:t>
                       </a:r>
                       <a:r>
-                        <a:rPr sz="900" spc="-15">
+                        <a:rPr lang="en-US" sz="900" spc="-30" dirty="0">
                           <a:solidFill>
                             <a:srgbClr val="020302"/>
                           </a:solidFill>
                           <a:latin typeface="AdobeClean-Light"/>
                           <a:cs typeface="AdobeClean-Light"/>
                         </a:rPr>
-                        <a:t> </a:t>
+                        <a:t>时间</a:t>
                       </a:r>
-                      <a:r>
-                        <a:rPr sz="900" spc="-30">
-                          <a:solidFill>
-                            <a:srgbClr val="020302"/>
-                          </a:solidFill>
-                          <a:latin typeface="AdobeClean-Light"/>
-                          <a:cs typeface="AdobeClean-Light"/>
-                        </a:rPr>
-                        <a:t>hours</a:t>
-                      </a:r>
-                      <a:endParaRPr sz="900">
+                      <a:endParaRPr sz="900" dirty="0">
                         <a:latin typeface="AdobeClean-Light"/>
                         <a:cs typeface="AdobeClean-Light"/>
                       </a:endParaRPr>
@@ -5021,18 +4177,7 @@
                     <a:bodyPr/>
                     <a:lstStyle/>
                     <a:p>
-                      <a:pPr marL="50800">
-                        <a:lnSpc>
-                          <a:spcPct val="100000"/>
-                        </a:lnSpc>
-                        <a:spcBef>
-                          <a:spcPts val="455"/>
-                        </a:spcBef>
-                      </a:pPr>
-                      <a:endParaRPr sz="900">
-                        <a:latin typeface="AdobeClean-Light"/>
-                        <a:cs typeface="AdobeClean-Light"/>
-                      </a:endParaRPr>
+                      <a:endParaRPr lang="en-US"/>
                     </a:p>
                   </a:txBody>
                   <a:tcPr marL="0" marR="0" marT="57785" marB="0">
@@ -5070,36 +4215,16 @@
                         </a:spcBef>
                       </a:pPr>
                       <a:r>
-                        <a:rPr sz="900" spc="0">
+                        <a:rPr lang="en-US" sz="900" spc="0" dirty="0">
                           <a:solidFill>
                             <a:srgbClr val="020302"/>
                           </a:solidFill>
                           <a:latin typeface="AdobeClean-Light"/>
                           <a:cs typeface="AdobeClean-Light"/>
                         </a:rPr>
-                        <a:t>24x7</a:t>
+                        <a:t>全天候 P1 问题支持</a:t>
                       </a:r>
-                      <a:r>
-                        <a:rPr lang="en-US" sz="900" spc="0">
-                          <a:solidFill>
-                            <a:srgbClr val="020302"/>
-                          </a:solidFill>
-                          <a:latin typeface="AdobeClean-Light"/>
-                          <a:cs typeface="AdobeClean-Light"/>
-                        </a:rPr>
-                        <a:t>x365</a:t>
-                      </a:r>
-                      <a:r>
-                        <a:rPr sz="900" spc="0">
-                          <a:solidFill>
-                            <a:srgbClr val="020302"/>
-                          </a:solidFill>
-                          <a:latin typeface="AdobeClean-Light"/>
-                          <a:cs typeface="AdobeClean-Light"/>
-                        </a:rPr>
-                        <a:t> P1 Issue Support</a:t>
-                      </a:r>
-                      <a:endParaRPr sz="900" spc="0">
+                      <a:endParaRPr sz="900" spc="0" dirty="0">
                         <a:latin typeface="AdobeClean-Light"/>
                         <a:cs typeface="AdobeClean-Light"/>
                       </a:endParaRPr>
@@ -5130,22 +4255,22 @@
                           <a:spcPct val="100000"/>
                         </a:lnSpc>
                         <a:spcBef>
-                          <a:spcPts val="459"/>
+                          <a:spcPts val="460"/>
                         </a:spcBef>
                       </a:pPr>
                       <a:r>
-                        <a:rPr sz="900">
+                        <a:rPr lang="en-US" sz="900" dirty="0">
                           <a:solidFill>
                             <a:srgbClr val="020302"/>
                           </a:solidFill>
-                          <a:latin typeface="Wingdings"/>
-                          <a:cs typeface="Wingdings"/>
+                          <a:latin typeface="Wingdings" panose="05000000000000000000"/>
+                          <a:cs typeface="Wingdings" panose="05000000000000000000"/>
                         </a:rPr>
                         <a:t></a:t>
                       </a:r>
-                      <a:endParaRPr sz="900">
-                        <a:latin typeface="Wingdings"/>
-                        <a:cs typeface="Wingdings"/>
+                      <a:endParaRPr sz="900" dirty="0">
+                        <a:latin typeface="Wingdings" panose="05000000000000000000"/>
+                        <a:cs typeface="Wingdings" panose="05000000000000000000"/>
                       </a:endParaRPr>
                     </a:p>
                   </a:txBody>
@@ -5172,22 +4297,22 @@
                           <a:spcPct val="100000"/>
                         </a:lnSpc>
                         <a:spcBef>
-                          <a:spcPts val="459"/>
+                          <a:spcPts val="460"/>
                         </a:spcBef>
                       </a:pPr>
                       <a:r>
-                        <a:rPr sz="900">
+                        <a:rPr lang="en-US" sz="900" dirty="0">
                           <a:solidFill>
                             <a:srgbClr val="020302"/>
                           </a:solidFill>
-                          <a:latin typeface="Wingdings"/>
-                          <a:cs typeface="Wingdings"/>
+                          <a:latin typeface="Wingdings" panose="05000000000000000000"/>
+                          <a:cs typeface="Wingdings" panose="05000000000000000000"/>
                         </a:rPr>
                         <a:t></a:t>
                       </a:r>
-                      <a:endParaRPr sz="900">
-                        <a:latin typeface="Wingdings"/>
-                        <a:cs typeface="Wingdings"/>
+                      <a:endParaRPr sz="900" dirty="0">
+                        <a:latin typeface="Wingdings" panose="05000000000000000000"/>
+                        <a:cs typeface="Wingdings" panose="05000000000000000000"/>
                       </a:endParaRPr>
                     </a:p>
                   </a:txBody>
@@ -5211,18 +4336,7 @@
                     <a:bodyPr/>
                     <a:lstStyle/>
                     <a:p>
-                      <a:pPr marL="50800">
-                        <a:lnSpc>
-                          <a:spcPct val="100000"/>
-                        </a:lnSpc>
-                        <a:spcBef>
-                          <a:spcPts val="455"/>
-                        </a:spcBef>
-                      </a:pPr>
-                      <a:endParaRPr sz="900">
-                        <a:latin typeface="AdobeClean-Light"/>
-                        <a:cs typeface="AdobeClean-Light"/>
-                      </a:endParaRPr>
+                      <a:endParaRPr lang="en-US"/>
                     </a:p>
                   </a:txBody>
                   <a:tcPr marL="0" marR="0" marT="57785" marB="0">
@@ -5269,16 +4383,16 @@
                         </a:spcBef>
                       </a:pPr>
                       <a:r>
-                        <a:rPr lang="en-US" sz="900" spc="0">
+                        <a:rPr lang="en-US" sz="900" spc="0" dirty="0">
                           <a:solidFill>
                             <a:srgbClr val="020302"/>
                           </a:solidFill>
                           <a:latin typeface="AdobeClean-Light"/>
                           <a:cs typeface="AdobeClean-Light"/>
                         </a:rPr>
-                        <a:t>Named Support Contacts (per product)</a:t>
+                        <a:t>指定的支持联系人（按产品）</a:t>
                       </a:r>
-                      <a:endParaRPr sz="900" spc="0">
+                      <a:endParaRPr sz="900" spc="0" dirty="0">
                         <a:latin typeface="AdobeClean-Light"/>
                         <a:cs typeface="AdobeClean-Light"/>
                       </a:endParaRPr>
@@ -5319,7 +4433,7 @@
                         </a:spcBef>
                       </a:pPr>
                       <a:r>
-                        <a:rPr sz="900">
+                        <a:rPr lang="en-US" sz="900" dirty="0">
                           <a:solidFill>
                             <a:srgbClr val="020302"/>
                           </a:solidFill>
@@ -5328,7 +4442,7 @@
                         </a:rPr>
                         <a:t>4</a:t>
                       </a:r>
-                      <a:endParaRPr sz="900">
+                      <a:endParaRPr sz="900" dirty="0">
                         <a:latin typeface="AdobeClean-Light"/>
                         <a:cs typeface="AdobeClean-Light"/>
                       </a:endParaRPr>
@@ -5361,7 +4475,7 @@
                         </a:spcBef>
                       </a:pPr>
                       <a:r>
-                        <a:rPr sz="900">
+                        <a:rPr lang="en-US" sz="900" dirty="0">
                           <a:solidFill>
                             <a:srgbClr val="020302"/>
                           </a:solidFill>
@@ -5370,7 +4484,7 @@
                         </a:rPr>
                         <a:t>6</a:t>
                       </a:r>
-                      <a:endParaRPr sz="900">
+                      <a:endParaRPr sz="900" dirty="0">
                         <a:latin typeface="AdobeClean-Light"/>
                         <a:cs typeface="AdobeClean-Light"/>
                       </a:endParaRPr>
@@ -5396,18 +4510,7 @@
                     <a:bodyPr/>
                     <a:lstStyle/>
                     <a:p>
-                      <a:pPr marL="50800">
-                        <a:lnSpc>
-                          <a:spcPct val="100000"/>
-                        </a:lnSpc>
-                        <a:spcBef>
-                          <a:spcPts val="455"/>
-                        </a:spcBef>
-                      </a:pPr>
-                      <a:endParaRPr sz="900">
-                        <a:latin typeface="AdobeClean-Light"/>
-                        <a:cs typeface="AdobeClean-Light"/>
-                      </a:endParaRPr>
+                      <a:endParaRPr lang="en-US"/>
                     </a:p>
                   </a:txBody>
                   <a:tcPr marL="0" marR="0" marT="57785" marB="0">
@@ -5445,16 +4548,16 @@
                         </a:spcBef>
                       </a:pPr>
                       <a:r>
-                        <a:rPr lang="en-US" sz="900" spc="0">
+                        <a:rPr lang="en-US" sz="900" spc="0" dirty="0">
                           <a:solidFill>
                             <a:srgbClr val="020302"/>
                           </a:solidFill>
                           <a:latin typeface="AdobeClean-Light"/>
                           <a:cs typeface="AdobeClean-Light"/>
                         </a:rPr>
-                        <a:t>Live Telephone Support</a:t>
+                        <a:t>实时电话支持</a:t>
                       </a:r>
-                      <a:endParaRPr sz="900" spc="0">
+                      <a:endParaRPr sz="900" spc="0" dirty="0">
                         <a:latin typeface="AdobeClean-Light"/>
                         <a:cs typeface="AdobeClean-Light"/>
                       </a:endParaRPr>
@@ -5485,12 +4588,12 @@
                           <a:spcPct val="100000"/>
                         </a:lnSpc>
                         <a:spcBef>
-                          <a:spcPts val="464"/>
+                          <a:spcPts val="465"/>
                         </a:spcBef>
                       </a:pPr>
-                      <a:endParaRPr sz="900">
-                        <a:latin typeface="Wingdings"/>
-                        <a:cs typeface="Wingdings"/>
+                      <a:endParaRPr sz="900" dirty="0">
+                        <a:latin typeface="Wingdings" panose="05000000000000000000"/>
+                        <a:cs typeface="Wingdings" panose="05000000000000000000"/>
                       </a:endParaRPr>
                     </a:p>
                   </a:txBody>
@@ -5517,22 +4620,22 @@
                           <a:spcPct val="100000"/>
                         </a:lnSpc>
                         <a:spcBef>
-                          <a:spcPts val="464"/>
+                          <a:spcPts val="465"/>
                         </a:spcBef>
                       </a:pPr>
                       <a:r>
-                        <a:rPr sz="900">
+                        <a:rPr lang="en-US" sz="900" dirty="0">
                           <a:solidFill>
                             <a:srgbClr val="020302"/>
                           </a:solidFill>
-                          <a:latin typeface="Wingdings"/>
-                          <a:cs typeface="Wingdings"/>
+                          <a:latin typeface="Wingdings" panose="05000000000000000000"/>
+                          <a:cs typeface="Wingdings" panose="05000000000000000000"/>
                         </a:rPr>
                         <a:t></a:t>
                       </a:r>
-                      <a:endParaRPr sz="900">
-                        <a:latin typeface="Wingdings"/>
-                        <a:cs typeface="Wingdings"/>
+                      <a:endParaRPr sz="900" dirty="0">
+                        <a:latin typeface="Wingdings" panose="05000000000000000000"/>
+                        <a:cs typeface="Wingdings" panose="05000000000000000000"/>
                       </a:endParaRPr>
                     </a:p>
                   </a:txBody>
@@ -5556,18 +4659,7 @@
                     <a:bodyPr/>
                     <a:lstStyle/>
                     <a:p>
-                      <a:pPr marL="50800">
-                        <a:lnSpc>
-                          <a:spcPct val="100000"/>
-                        </a:lnSpc>
-                        <a:spcBef>
-                          <a:spcPts val="459"/>
-                        </a:spcBef>
-                      </a:pPr>
-                      <a:endParaRPr sz="900">
-                        <a:latin typeface="AdobeClean-Light"/>
-                        <a:cs typeface="AdobeClean-Light"/>
-                      </a:endParaRPr>
+                      <a:endParaRPr lang="en-US"/>
                     </a:p>
                   </a:txBody>
                   <a:tcPr marL="0" marR="0" marT="58419" marB="0">
@@ -5601,20 +4693,20 @@
                           <a:spcPct val="100000"/>
                         </a:lnSpc>
                         <a:spcBef>
-                          <a:spcPts val="459"/>
+                          <a:spcPts val="460"/>
                         </a:spcBef>
                       </a:pPr>
                       <a:r>
-                        <a:rPr sz="900" spc="0">
+                        <a:rPr lang="en-US" sz="900" spc="0" dirty="0">
                           <a:solidFill>
                             <a:srgbClr val="020302"/>
                           </a:solidFill>
                           <a:latin typeface="AdobeClean-Light"/>
                           <a:cs typeface="AdobeClean-Light"/>
                         </a:rPr>
-                        <a:t>Escalation Management</a:t>
+                        <a:t>上报管理</a:t>
                       </a:r>
-                      <a:endParaRPr sz="900" spc="0">
+                      <a:endParaRPr sz="900" spc="0" dirty="0">
                         <a:latin typeface="AdobeClean-Light"/>
                         <a:cs typeface="AdobeClean-Light"/>
                       </a:endParaRPr>
@@ -5648,9 +4740,9 @@
                           <a:spcPts val="470"/>
                         </a:spcBef>
                       </a:pPr>
-                      <a:endParaRPr sz="900">
-                        <a:latin typeface="Wingdings"/>
-                        <a:cs typeface="Wingdings"/>
+                      <a:endParaRPr sz="900" dirty="0">
+                        <a:latin typeface="Wingdings" panose="05000000000000000000"/>
+                        <a:cs typeface="Wingdings" panose="05000000000000000000"/>
                       </a:endParaRPr>
                     </a:p>
                   </a:txBody>
@@ -5681,18 +4773,18 @@
                         </a:spcBef>
                       </a:pPr>
                       <a:r>
-                        <a:rPr sz="900">
+                        <a:rPr lang="en-US" sz="900" dirty="0">
                           <a:solidFill>
                             <a:srgbClr val="020302"/>
                           </a:solidFill>
-                          <a:latin typeface="Wingdings"/>
-                          <a:cs typeface="Wingdings"/>
+                          <a:latin typeface="Wingdings" panose="05000000000000000000"/>
+                          <a:cs typeface="Wingdings" panose="05000000000000000000"/>
                         </a:rPr>
                         <a:t></a:t>
                       </a:r>
-                      <a:endParaRPr sz="900">
-                        <a:latin typeface="Wingdings"/>
-                        <a:cs typeface="Wingdings"/>
+                      <a:endParaRPr sz="900" dirty="0">
+                        <a:latin typeface="Wingdings" panose="05000000000000000000"/>
+                        <a:cs typeface="Wingdings" panose="05000000000000000000"/>
                       </a:endParaRPr>
                     </a:p>
                   </a:txBody>
@@ -5716,18 +4808,7 @@
                     <a:bodyPr/>
                     <a:lstStyle/>
                     <a:p>
-                      <a:pPr marL="50800">
-                        <a:lnSpc>
-                          <a:spcPct val="100000"/>
-                        </a:lnSpc>
-                        <a:spcBef>
-                          <a:spcPts val="450"/>
-                        </a:spcBef>
-                      </a:pPr>
-                      <a:endParaRPr sz="900">
-                        <a:latin typeface="AdobeClean-Light"/>
-                        <a:cs typeface="AdobeClean-Light"/>
-                      </a:endParaRPr>
+                      <a:endParaRPr lang="en-US"/>
                     </a:p>
                   </a:txBody>
                   <a:tcPr marL="0" marR="0" marT="57150" marB="0">
@@ -5765,26 +4846,16 @@
                         </a:spcBef>
                       </a:pPr>
                       <a:r>
-                        <a:rPr sz="900" spc="0">
+                        <a:rPr lang="en-US" sz="900" spc="0" dirty="0">
                           <a:solidFill>
                             <a:srgbClr val="020302"/>
                           </a:solidFill>
                           <a:latin typeface="AdobeClean-Light"/>
                           <a:cs typeface="AdobeClean-Light"/>
                         </a:rPr>
-                        <a:t>Service Reviews </a:t>
+                        <a:t>每年服务审查次数</a:t>
                       </a:r>
-                      <a:r>
-                        <a:rPr lang="en-US" sz="900" spc="0">
-                          <a:solidFill>
-                            <a:srgbClr val="020302"/>
-                          </a:solidFill>
-                          <a:latin typeface="AdobeClean-Light"/>
-                          <a:cs typeface="AdobeClean-Light"/>
-                        </a:rPr>
-                        <a:t>per Year</a:t>
-                      </a:r>
-                      <a:endParaRPr sz="900" spc="0">
+                      <a:endParaRPr sz="900" spc="0" dirty="0">
                         <a:latin typeface="AdobeClean-Light"/>
                         <a:cs typeface="AdobeClean-Light"/>
                       </a:endParaRPr>
@@ -5815,9 +4886,9 @@
                           <a:spcPct val="100000"/>
                         </a:lnSpc>
                       </a:pPr>
-                      <a:endParaRPr sz="900">
-                        <a:latin typeface="Times New Roman"/>
-                        <a:cs typeface="Times New Roman"/>
+                      <a:endParaRPr sz="900" dirty="0">
+                        <a:latin typeface="Times New Roman" panose="02020603050405020304"/>
+                        <a:cs typeface="Times New Roman" panose="02020603050405020304"/>
                       </a:endParaRPr>
                     </a:p>
                   </a:txBody>
@@ -5844,9 +4915,9 @@
                           <a:spcPct val="100000"/>
                         </a:lnSpc>
                       </a:pPr>
-                      <a:endParaRPr sz="900">
-                        <a:latin typeface="Times New Roman"/>
-                        <a:cs typeface="Times New Roman"/>
+                      <a:endParaRPr sz="900" dirty="0">
+                        <a:latin typeface="Times New Roman" panose="02020603050405020304"/>
+                        <a:cs typeface="Times New Roman" panose="02020603050405020304"/>
                       </a:endParaRPr>
                     </a:p>
                   </a:txBody>
@@ -5889,13 +4960,13 @@
                         </a:spcBef>
                       </a:pPr>
                       <a:r>
-                        <a:rPr lang="en-US" sz="900" spc="0">
+                        <a:rPr lang="en-US" sz="900" spc="0" dirty="0">
                           <a:latin typeface="AdobeClean-Light"/>
                           <a:cs typeface="AdobeClean-Light"/>
                         </a:rPr>
-                        <a:t>Expert Sessions per Year</a:t>
+                        <a:t>每年专家讲座数</a:t>
                       </a:r>
-                      <a:endParaRPr sz="900" spc="0">
+                      <a:endParaRPr sz="900" spc="0" dirty="0">
                         <a:latin typeface="AdobeClean-Light"/>
                         <a:cs typeface="AdobeClean-Light"/>
                       </a:endParaRPr>
@@ -5932,9 +5003,9 @@
                           <a:spcPct val="100000"/>
                         </a:lnSpc>
                       </a:pPr>
-                      <a:endParaRPr sz="900">
-                        <a:latin typeface="Times New Roman"/>
-                        <a:cs typeface="Times New Roman"/>
+                      <a:endParaRPr sz="900" dirty="0">
+                        <a:latin typeface="Times New Roman" panose="02020603050405020304"/>
+                        <a:cs typeface="Times New Roman" panose="02020603050405020304"/>
                       </a:endParaRPr>
                     </a:p>
                   </a:txBody>
@@ -5961,295 +5032,9 @@
                           <a:spcPct val="100000"/>
                         </a:lnSpc>
                       </a:pPr>
-                      <a:endParaRPr sz="900">
-                        <a:latin typeface="Times New Roman"/>
-                        <a:cs typeface="Times New Roman"/>
-                      </a:endParaRPr>
-                    </a:p>
-                  </a:txBody>
-                  <a:tcPr marL="0" marR="0" marT="0" marB="0">
-                    <a:solidFill>
-                      <a:schemeClr val="bg1">
-                        <a:lumMod val="95000"/>
-                      </a:schemeClr>
-                    </a:solidFill>
-                  </a:tcPr>
-                </a:tc>
-                <a:extLst>
-                  <a:ext uri="{0D108BD9-81ED-4DB2-BD59-A6C34878D82A}">
-                    <a16:rowId xmlns:a16="http://schemas.microsoft.com/office/drawing/2014/main" val="225399098"/>
-                  </a:ext>
-                </a:extLst>
-              </a:tr>
-              <a:tr h="229317">
-                <a:tc vMerge="1">
-                  <a:txBody>
-                    <a:bodyPr/>
-                    <a:lstStyle/>
-                    <a:p>
-                      <a:endParaRPr lang="en-US"/>
-                    </a:p>
-                  </a:txBody>
-                  <a:tcPr/>
-                </a:tc>
-                <a:tc>
-                  <a:txBody>
-                    <a:bodyPr/>
-                    <a:lstStyle/>
-                    <a:p>
-                      <a:pPr marL="50800" hangingPunct="0">
-                        <a:lnSpc>
-                          <a:spcPct val="100000"/>
-                        </a:lnSpc>
-                        <a:spcBef>
-                          <a:spcPts val="450"/>
-                        </a:spcBef>
-                      </a:pPr>
-                      <a:r>
-                        <a:rPr lang="en-US" sz="900" spc="0">
-                          <a:latin typeface="AdobeClean-Light"/>
-                          <a:cs typeface="AdobeClean-Light"/>
-                        </a:rPr>
-                        <a:t>Case Reviews</a:t>
-                      </a:r>
-                      <a:endParaRPr sz="900" spc="0">
-                        <a:latin typeface="AdobeClean-Light"/>
-                        <a:cs typeface="AdobeClean-Light"/>
-                      </a:endParaRPr>
-                    </a:p>
-                  </a:txBody>
-                  <a:tcPr marL="0" marR="0" marT="57150" marB="0">
-                    <a:lnL w="12700" cap="flat" cmpd="sng" algn="ctr">
-                      <a:solidFill>
-                        <a:srgbClr val="F0F0F0"/>
-                      </a:solidFill>
-                      <a:prstDash val="solid"/>
-                      <a:round/>
-                      <a:headEnd type="none" w="med" len="med"/>
-                      <a:tailEnd type="none" w="med" len="med"/>
-                    </a:lnL>
-                    <a:lnR w="12700" cap="flat" cmpd="sng" algn="ctr">
-                      <a:solidFill>
-                        <a:srgbClr val="F0F0F0"/>
-                      </a:solidFill>
-                      <a:prstDash val="solid"/>
-                      <a:round/>
-                      <a:headEnd type="none" w="med" len="med"/>
-                      <a:tailEnd type="none" w="med" len="med"/>
-                    </a:lnR>
-                  </a:tcPr>
-                </a:tc>
-                <a:tc>
-                  <a:txBody>
-                    <a:bodyPr/>
-                    <a:lstStyle/>
-                    <a:p>
-                      <a:pPr>
-                        <a:lnSpc>
-                          <a:spcPct val="100000"/>
-                        </a:lnSpc>
-                      </a:pPr>
-                      <a:endParaRPr sz="900">
-                        <a:latin typeface="Times New Roman"/>
-                        <a:cs typeface="Times New Roman"/>
-                      </a:endParaRPr>
-                    </a:p>
-                  </a:txBody>
-                  <a:tcPr marL="0" marR="0" marT="0" marB="0">
-                    <a:lnL w="12700" cap="flat" cmpd="sng" algn="ctr">
-                      <a:solidFill>
-                        <a:srgbClr val="F0F0F0"/>
-                      </a:solidFill>
-                      <a:prstDash val="solid"/>
-                      <a:round/>
-                      <a:headEnd type="none" w="med" len="med"/>
-                      <a:tailEnd type="none" w="med" len="med"/>
-                    </a:lnL>
-                    <a:noFill/>
-                  </a:tcPr>
-                </a:tc>
-                <a:tc>
-                  <a:txBody>
-                    <a:bodyPr/>
-                    <a:lstStyle/>
-                    <a:p>
-                      <a:pPr>
-                        <a:lnSpc>
-                          <a:spcPct val="100000"/>
-                        </a:lnSpc>
-                      </a:pPr>
-                      <a:endParaRPr sz="900">
-                        <a:latin typeface="Times New Roman"/>
-                        <a:cs typeface="Times New Roman"/>
-                      </a:endParaRPr>
-                    </a:p>
-                  </a:txBody>
-                  <a:tcPr marL="0" marR="0" marT="0" marB="0">
-                    <a:solidFill>
-                      <a:schemeClr val="bg1">
-                        <a:lumMod val="95000"/>
-                      </a:schemeClr>
-                    </a:solidFill>
-                  </a:tcPr>
-                </a:tc>
-                <a:extLst>
-                  <a:ext uri="{0D108BD9-81ED-4DB2-BD59-A6C34878D82A}">
-                    <a16:rowId xmlns:a16="http://schemas.microsoft.com/office/drawing/2014/main" val="1164642039"/>
-                  </a:ext>
-                </a:extLst>
-              </a:tr>
-              <a:tr h="230812">
-                <a:tc vMerge="1">
-                  <a:txBody>
-                    <a:bodyPr/>
-                    <a:lstStyle/>
-                    <a:p>
-                      <a:pPr marL="48895">
-                        <a:lnSpc>
-                          <a:spcPct val="100000"/>
-                        </a:lnSpc>
-                        <a:spcBef>
-                          <a:spcPts val="459"/>
-                        </a:spcBef>
-                      </a:pPr>
-                      <a:endParaRPr sz="900">
-                        <a:latin typeface="AdobeClean-Light"/>
-                        <a:cs typeface="AdobeClean-Light"/>
-                      </a:endParaRPr>
-                    </a:p>
-                  </a:txBody>
-                  <a:tcPr marL="0" marR="0" marT="58419" marB="0">
-                    <a:lnL w="12700">
-                      <a:solidFill>
-                        <a:srgbClr val="F0F0F0"/>
-                      </a:solidFill>
-                      <a:prstDash val="solid"/>
-                    </a:lnL>
-                    <a:lnR w="12700" cap="flat" cmpd="sng" algn="ctr">
-                      <a:solidFill>
-                        <a:srgbClr val="F0F0F0"/>
-                      </a:solidFill>
-                      <a:prstDash val="solid"/>
-                      <a:round/>
-                      <a:headEnd type="none" w="med" len="med"/>
-                      <a:tailEnd type="none" w="med" len="med"/>
-                    </a:lnR>
-                    <a:lnT w="12700" cap="flat" cmpd="sng" algn="ctr">
-                      <a:solidFill>
-                        <a:srgbClr val="F0F0F0"/>
-                      </a:solidFill>
-                      <a:prstDash val="solid"/>
-                      <a:round/>
-                      <a:headEnd type="none" w="med" len="med"/>
-                      <a:tailEnd type="none" w="med" len="med"/>
-                    </a:lnT>
-                    <a:solidFill>
-                      <a:srgbClr val="7D7D7D"/>
-                    </a:solidFill>
-                  </a:tcPr>
-                </a:tc>
-                <a:tc>
-                  <a:txBody>
-                    <a:bodyPr/>
-                    <a:lstStyle/>
-                    <a:p>
-                      <a:pPr marL="48895" hangingPunct="0">
-                        <a:lnSpc>
-                          <a:spcPct val="100000"/>
-                        </a:lnSpc>
-                        <a:spcBef>
-                          <a:spcPts val="459"/>
-                        </a:spcBef>
-                      </a:pPr>
-                      <a:r>
-                        <a:rPr sz="900" spc="0">
-                          <a:solidFill>
-                            <a:srgbClr val="020302"/>
-                          </a:solidFill>
-                          <a:latin typeface="AdobeClean-Light"/>
-                          <a:cs typeface="AdobeClean-Light"/>
-                        </a:rPr>
-                        <a:t>Event </a:t>
-                      </a:r>
-                      <a:r>
-                        <a:rPr lang="en-US" sz="900" spc="0">
-                          <a:solidFill>
-                            <a:srgbClr val="020302"/>
-                          </a:solidFill>
-                          <a:latin typeface="AdobeClean-Light"/>
-                          <a:cs typeface="AdobeClean-Light"/>
-                        </a:rPr>
-                        <a:t>Management</a:t>
-                      </a:r>
-                      <a:endParaRPr sz="900" spc="0">
-                        <a:latin typeface="AdobeClean-Light"/>
-                        <a:cs typeface="AdobeClean-Light"/>
-                      </a:endParaRPr>
-                    </a:p>
-                  </a:txBody>
-                  <a:tcPr marL="0" marR="0" marT="58419" marB="0">
-                    <a:lnL w="12700" cap="flat" cmpd="sng" algn="ctr">
-                      <a:solidFill>
-                        <a:srgbClr val="F0F0F0"/>
-                      </a:solidFill>
-                      <a:prstDash val="solid"/>
-                      <a:round/>
-                      <a:headEnd type="none" w="med" len="med"/>
-                      <a:tailEnd type="none" w="med" len="med"/>
-                    </a:lnL>
-                    <a:lnR w="12700" cap="flat" cmpd="sng" algn="ctr">
-                      <a:solidFill>
-                        <a:srgbClr val="F0F0F0"/>
-                      </a:solidFill>
-                      <a:prstDash val="solid"/>
-                      <a:round/>
-                      <a:headEnd type="none" w="med" len="med"/>
-                      <a:tailEnd type="none" w="med" len="med"/>
-                    </a:lnR>
-                  </a:tcPr>
-                </a:tc>
-                <a:tc>
-                  <a:txBody>
-                    <a:bodyPr/>
-                    <a:lstStyle/>
-                    <a:p>
-                      <a:pPr>
-                        <a:lnSpc>
-                          <a:spcPct val="100000"/>
-                        </a:lnSpc>
-                      </a:pPr>
-                      <a:endParaRPr sz="900">
-                        <a:latin typeface="Times New Roman"/>
-                        <a:cs typeface="Times New Roman"/>
-                      </a:endParaRPr>
-                    </a:p>
-                  </a:txBody>
-                  <a:tcPr marL="0" marR="0" marT="0" marB="0">
-                    <a:lnL w="12700" cap="flat" cmpd="sng" algn="ctr">
-                      <a:solidFill>
-                        <a:srgbClr val="F0F0F0"/>
-                      </a:solidFill>
-                      <a:prstDash val="solid"/>
-                      <a:round/>
-                      <a:headEnd type="none" w="med" len="med"/>
-                      <a:tailEnd type="none" w="med" len="med"/>
-                    </a:lnL>
-                    <a:noFill/>
-                  </a:tcPr>
-                </a:tc>
-                <a:tc>
-                  <a:txBody>
-                    <a:bodyPr/>
-                    <a:lstStyle/>
-                    <a:p>
-                      <a:pPr>
-                        <a:lnSpc>
-                          <a:spcPct val="100000"/>
-                        </a:lnSpc>
-                      </a:pPr>
-                      <a:endParaRPr sz="900">
-                        <a:latin typeface="Times New Roman"/>
-                        <a:cs typeface="Times New Roman"/>
+                      <a:endParaRPr sz="900" dirty="0">
+                        <a:latin typeface="Times New Roman" panose="02020603050405020304"/>
+                        <a:cs typeface="Times New Roman" panose="02020603050405020304"/>
                       </a:endParaRPr>
                     </a:p>
                   </a:txBody>
@@ -6267,108 +5052,61 @@
                   </a:ext>
                 </a:extLst>
               </a:tr>
-              <a:tr h="231562">
+              <a:tr h="229317">
                 <a:tc vMerge="1">
                   <a:txBody>
                     <a:bodyPr/>
                     <a:lstStyle/>
                     <a:p>
-                      <a:pPr marL="48895">
-                        <a:lnSpc>
-                          <a:spcPct val="100000"/>
-                        </a:lnSpc>
-                        <a:spcBef>
-                          <a:spcPts val="465"/>
-                        </a:spcBef>
-                      </a:pPr>
-                      <a:endParaRPr sz="900">
-                        <a:latin typeface="AdobeClean-Light"/>
-                        <a:cs typeface="AdobeClean-Light"/>
-                      </a:endParaRPr>
+                      <a:endParaRPr lang="en-US"/>
                     </a:p>
                   </a:txBody>
-                  <a:tcPr marL="0" marR="0" marT="59055" marB="0">
-                    <a:lnL w="12700">
-                      <a:solidFill>
-                        <a:srgbClr val="F0F0F0"/>
-                      </a:solidFill>
-                      <a:prstDash val="solid"/>
-                    </a:lnL>
-                    <a:lnR w="12700" cap="flat" cmpd="sng" algn="ctr">
-                      <a:solidFill>
-                        <a:srgbClr val="F0F0F0"/>
-                      </a:solidFill>
-                      <a:prstDash val="solid"/>
-                      <a:round/>
-                      <a:headEnd type="none" w="med" len="med"/>
-                      <a:tailEnd type="none" w="med" len="med"/>
-                    </a:lnR>
-                    <a:solidFill>
-                      <a:srgbClr val="7D7D7D"/>
-                    </a:solidFill>
-                  </a:tcPr>
+                  <a:tcPr/>
                 </a:tc>
                 <a:tc>
                   <a:txBody>
                     <a:bodyPr/>
                     <a:lstStyle/>
                     <a:p>
-                      <a:pPr marL="48895" hangingPunct="0">
+                      <a:pPr marL="50800" hangingPunct="0">
                         <a:lnSpc>
                           <a:spcPct val="100000"/>
                         </a:lnSpc>
                         <a:spcBef>
-                          <a:spcPts val="465"/>
+                          <a:spcPts val="450"/>
                         </a:spcBef>
                       </a:pPr>
                       <a:r>
-                        <a:rPr sz="900" spc="0">
-                          <a:solidFill>
-                            <a:srgbClr val="020302"/>
-                          </a:solidFill>
+                        <a:rPr lang="en-US" sz="900" spc="0" dirty="0">
                           <a:latin typeface="AdobeClean-Light"/>
                           <a:cs typeface="AdobeClean-Light"/>
                         </a:rPr>
-                        <a:t>Environment</a:t>
+                        <a:t>案例审查</a:t>
                       </a:r>
-                      <a:r>
-                        <a:rPr lang="en-US" sz="900" spc="0">
-                          <a:solidFill>
-                            <a:srgbClr val="020302"/>
-                          </a:solidFill>
-                          <a:latin typeface="AdobeClean-Light"/>
-                          <a:cs typeface="AdobeClean-Light"/>
-                        </a:rPr>
-                        <a:t> </a:t>
-                      </a:r>
-                      <a:r>
-                        <a:rPr sz="900" spc="0">
-                          <a:solidFill>
-                            <a:srgbClr val="020302"/>
-                          </a:solidFill>
-                          <a:latin typeface="AdobeClean-Light"/>
-                          <a:cs typeface="AdobeClean-Light"/>
-                        </a:rPr>
-                        <a:t>Review, Maintenance &amp; Monitoring</a:t>
-                      </a:r>
-                      <a:endParaRPr sz="900" spc="0">
+                      <a:endParaRPr sz="900" spc="0" dirty="0">
                         <a:latin typeface="AdobeClean-Light"/>
                         <a:cs typeface="AdobeClean-Light"/>
                       </a:endParaRPr>
                     </a:p>
                   </a:txBody>
-                  <a:tcPr marL="0" marR="0" marT="59055" marB="0">
-                    <a:lnL w="12700">
+                  <a:tcPr marL="0" marR="0" marT="57150" marB="0">
+                    <a:lnL w="12700" cap="flat" cmpd="sng" algn="ctr">
                       <a:solidFill>
                         <a:srgbClr val="F0F0F0"/>
                       </a:solidFill>
                       <a:prstDash val="solid"/>
+                      <a:round/>
+                      <a:headEnd type="none" w="med" len="med"/>
+                      <a:tailEnd type="none" w="med" len="med"/>
                     </a:lnL>
-                    <a:lnR w="12700">
+                    <a:lnR w="12700" cap="flat" cmpd="sng" algn="ctr">
                       <a:solidFill>
                         <a:srgbClr val="F0F0F0"/>
                       </a:solidFill>
                       <a:prstDash val="solid"/>
+                      <a:round/>
+                      <a:headEnd type="none" w="med" len="med"/>
+                      <a:tailEnd type="none" w="med" len="med"/>
                     </a:lnR>
                   </a:tcPr>
                 </a:tc>
@@ -6382,9 +5120,9 @@
                           <a:spcPct val="100000"/>
                         </a:lnSpc>
                       </a:pPr>
-                      <a:endParaRPr sz="900">
-                        <a:latin typeface="Times New Roman"/>
-                        <a:cs typeface="Times New Roman"/>
+                      <a:endParaRPr sz="900" dirty="0">
+                        <a:latin typeface="Times New Roman" panose="02020603050405020304"/>
+                        <a:cs typeface="Times New Roman" panose="02020603050405020304"/>
                       </a:endParaRPr>
                     </a:p>
                   </a:txBody>
@@ -6411,9 +5149,9 @@
                           <a:spcPct val="100000"/>
                         </a:lnSpc>
                       </a:pPr>
-                      <a:endParaRPr sz="900">
-                        <a:latin typeface="Times New Roman"/>
-                        <a:cs typeface="Times New Roman"/>
+                      <a:endParaRPr sz="900" dirty="0">
+                        <a:latin typeface="Times New Roman" panose="02020603050405020304"/>
+                        <a:cs typeface="Times New Roman" panose="02020603050405020304"/>
                       </a:endParaRPr>
                     </a:p>
                   </a:txBody>
@@ -6431,27 +5169,16 @@
                   </a:ext>
                 </a:extLst>
               </a:tr>
-              <a:tr h="236808">
+              <a:tr h="230812">
                 <a:tc vMerge="1">
                   <a:txBody>
                     <a:bodyPr/>
                     <a:lstStyle/>
                     <a:p>
-                      <a:pPr marL="49530">
-                        <a:lnSpc>
-                          <a:spcPct val="100000"/>
-                        </a:lnSpc>
-                        <a:spcBef>
-                          <a:spcPts val="500"/>
-                        </a:spcBef>
-                      </a:pPr>
-                      <a:endParaRPr sz="900">
-                        <a:latin typeface="AdobeClean-Light"/>
-                        <a:cs typeface="AdobeClean-Light"/>
-                      </a:endParaRPr>
+                      <a:endParaRPr lang="en-US"/>
                     </a:p>
                   </a:txBody>
-                  <a:tcPr marL="0" marR="0" marT="63500" marB="0">
+                  <a:tcPr marL="0" marR="0" marT="58419" marB="0">
                     <a:lnL w="12700">
                       <a:solidFill>
                         <a:srgbClr val="F0F0F0"/>
@@ -6467,6 +5194,15 @@
                       <a:headEnd type="none" w="med" len="med"/>
                       <a:tailEnd type="none" w="med" len="med"/>
                     </a:lnR>
+                    <a:lnT w="12700" cap="flat" cmpd="sng" algn="ctr">
+                      <a:solidFill>
+                        <a:srgbClr val="F0F0F0"/>
+                      </a:solidFill>
+                      <a:prstDash val="solid"/>
+                      <a:round/>
+                      <a:headEnd type="none" w="med" len="med"/>
+                      <a:tailEnd type="none" w="med" len="med"/>
+                    </a:lnT>
                     <a:solidFill>
                       <a:srgbClr val="7D7D7D"/>
                     </a:solidFill>
@@ -6477,42 +5213,48 @@
                     <a:bodyPr/>
                     <a:lstStyle/>
                     <a:p>
-                      <a:pPr marL="49530" hangingPunct="0">
+                      <a:pPr marL="48895" hangingPunct="0">
                         <a:lnSpc>
                           <a:spcPct val="100000"/>
                         </a:lnSpc>
                         <a:spcBef>
-                          <a:spcPts val="500"/>
+                          <a:spcPts val="460"/>
                         </a:spcBef>
                       </a:pPr>
                       <a:r>
-                        <a:rPr sz="900" spc="0">
+                        <a:rPr lang="en-US" sz="900" spc="0" dirty="0">
                           <a:solidFill>
                             <a:srgbClr val="020302"/>
                           </a:solidFill>
                           <a:latin typeface="AdobeClean-Light"/>
                           <a:cs typeface="AdobeClean-Light"/>
                         </a:rPr>
-                        <a:t>Release, Migration, Upgrade &amp; Product Roadmap Review</a:t>
+                        <a:t>事件管理</a:t>
                       </a:r>
-                      <a:endParaRPr sz="900" spc="0">
+                      <a:endParaRPr sz="900" spc="0" dirty="0">
                         <a:latin typeface="AdobeClean-Light"/>
                         <a:cs typeface="AdobeClean-Light"/>
                       </a:endParaRPr>
                     </a:p>
                   </a:txBody>
-                  <a:tcPr marL="0" marR="0" marT="63500" marB="0">
-                    <a:lnL w="12700">
+                  <a:tcPr marL="0" marR="0" marT="58419" marB="0">
+                    <a:lnL w="12700" cap="flat" cmpd="sng" algn="ctr">
                       <a:solidFill>
                         <a:srgbClr val="F0F0F0"/>
                       </a:solidFill>
                       <a:prstDash val="solid"/>
+                      <a:round/>
+                      <a:headEnd type="none" w="med" len="med"/>
+                      <a:tailEnd type="none" w="med" len="med"/>
                     </a:lnL>
-                    <a:lnR w="12700">
+                    <a:lnR w="12700" cap="flat" cmpd="sng" algn="ctr">
                       <a:solidFill>
                         <a:srgbClr val="F0F0F0"/>
                       </a:solidFill>
                       <a:prstDash val="solid"/>
+                      <a:round/>
+                      <a:headEnd type="none" w="med" len="med"/>
+                      <a:tailEnd type="none" w="med" len="med"/>
                     </a:lnR>
                   </a:tcPr>
                 </a:tc>
@@ -6526,9 +5268,9 @@
                           <a:spcPct val="100000"/>
                         </a:lnSpc>
                       </a:pPr>
-                      <a:endParaRPr sz="900">
-                        <a:latin typeface="Times New Roman"/>
-                        <a:cs typeface="Times New Roman"/>
+                      <a:endParaRPr sz="900" dirty="0">
+                        <a:latin typeface="Times New Roman" panose="02020603050405020304"/>
+                        <a:cs typeface="Times New Roman" panose="02020603050405020304"/>
                       </a:endParaRPr>
                     </a:p>
                   </a:txBody>
@@ -6555,9 +5297,9 @@
                           <a:spcPct val="100000"/>
                         </a:lnSpc>
                       </a:pPr>
-                      <a:endParaRPr sz="900">
-                        <a:latin typeface="Times New Roman"/>
-                        <a:cs typeface="Times New Roman"/>
+                      <a:endParaRPr sz="900" dirty="0">
+                        <a:latin typeface="Times New Roman" panose="02020603050405020304"/>
+                        <a:cs typeface="Times New Roman" panose="02020603050405020304"/>
                       </a:endParaRPr>
                     </a:p>
                   </a:txBody>
@@ -6575,27 +5317,16 @@
                   </a:ext>
                 </a:extLst>
               </a:tr>
-              <a:tr h="241305">
+              <a:tr h="231562">
                 <a:tc vMerge="1">
                   <a:txBody>
                     <a:bodyPr/>
                     <a:lstStyle/>
                     <a:p>
-                      <a:pPr marL="49530">
-                        <a:lnSpc>
-                          <a:spcPct val="100000"/>
-                        </a:lnSpc>
-                        <a:spcBef>
-                          <a:spcPts val="530"/>
-                        </a:spcBef>
-                      </a:pPr>
-                      <a:endParaRPr sz="900">
-                        <a:latin typeface="AdobeClean-Light"/>
-                        <a:cs typeface="AdobeClean-Light"/>
-                      </a:endParaRPr>
+                      <a:endParaRPr lang="en-US"/>
                     </a:p>
                   </a:txBody>
-                  <a:tcPr marL="0" marR="0" marT="67310" marB="0">
+                  <a:tcPr marL="0" marR="0" marT="59055" marB="0">
                     <a:lnL w="12700">
                       <a:solidFill>
                         <a:srgbClr val="F0F0F0"/>
@@ -6611,15 +5342,6 @@
                       <a:headEnd type="none" w="med" len="med"/>
                       <a:tailEnd type="none" w="med" len="med"/>
                     </a:lnR>
-                    <a:lnB w="12700" cap="flat" cmpd="sng" algn="ctr">
-                      <a:solidFill>
-                        <a:srgbClr val="F0F0F0"/>
-                      </a:solidFill>
-                      <a:prstDash val="solid"/>
-                      <a:round/>
-                      <a:headEnd type="none" w="med" len="med"/>
-                      <a:tailEnd type="none" w="med" len="med"/>
-                    </a:lnB>
                     <a:solidFill>
                       <a:srgbClr val="7D7D7D"/>
                     </a:solidFill>
@@ -6630,24 +5352,31 @@
                     <a:bodyPr/>
                     <a:lstStyle/>
                     <a:p>
-                      <a:pPr marL="49530" hangingPunct="0">
+                      <a:pPr marL="48895" hangingPunct="0">
                         <a:lnSpc>
                           <a:spcPct val="100000"/>
                         </a:lnSpc>
                         <a:spcBef>
-                          <a:spcPts val="530"/>
+                          <a:spcPts val="465"/>
                         </a:spcBef>
                       </a:pPr>
                       <a:r>
-                        <a:rPr sz="900" spc="0">
+                        <a:rPr lang="en-US" sz="900" spc="0" dirty="0">
+                          <a:solidFill>
+                            <a:srgbClr val="020302"/>
+                          </a:solidFill>
                           <a:latin typeface="AdobeClean-Light"/>
                           <a:cs typeface="AdobeClean-Light"/>
                         </a:rPr>
-                        <a:t>Cloud Support Activities – Experience Manager as Cloud</a:t>
+                        <a:t>环境审查、维护和监控</a:t>
                       </a:r>
+                      <a:endParaRPr sz="900" spc="0" dirty="0">
+                        <a:latin typeface="AdobeClean-Light"/>
+                        <a:cs typeface="AdobeClean-Light"/>
+                      </a:endParaRPr>
                     </a:p>
                   </a:txBody>
-                  <a:tcPr marL="0" marR="0" marT="67310" marB="0">
+                  <a:tcPr marL="0" marR="0" marT="59055" marB="0">
                     <a:lnL w="12700">
                       <a:solidFill>
                         <a:srgbClr val="F0F0F0"/>
@@ -6660,12 +5389,6 @@
                       </a:solidFill>
                       <a:prstDash val="solid"/>
                     </a:lnR>
-                    <a:lnB w="12700">
-                      <a:solidFill>
-                        <a:srgbClr val="F0F0F0"/>
-                      </a:solidFill>
-                      <a:prstDash val="solid"/>
-                    </a:lnB>
                   </a:tcPr>
                 </a:tc>
                 <a:tc>
@@ -6678,9 +5401,9 @@
                           <a:spcPct val="100000"/>
                         </a:lnSpc>
                       </a:pPr>
-                      <a:endParaRPr sz="900">
-                        <a:latin typeface="Times New Roman"/>
-                        <a:cs typeface="Times New Roman"/>
+                      <a:endParaRPr sz="900" dirty="0">
+                        <a:latin typeface="Times New Roman" panose="02020603050405020304"/>
+                        <a:cs typeface="Times New Roman" panose="02020603050405020304"/>
                       </a:endParaRPr>
                     </a:p>
                   </a:txBody>
@@ -6694,15 +5417,6 @@
                       <a:headEnd type="none" w="med" len="med"/>
                       <a:tailEnd type="none" w="med" len="med"/>
                     </a:lnL>
-                    <a:lnB w="12700" cap="flat" cmpd="sng" algn="ctr">
-                      <a:solidFill>
-                        <a:srgbClr val="F0F0F0"/>
-                      </a:solidFill>
-                      <a:prstDash val="solid"/>
-                      <a:round/>
-                      <a:headEnd type="none" w="med" len="med"/>
-                      <a:tailEnd type="none" w="med" len="med"/>
-                    </a:lnB>
                     <a:noFill/>
                   </a:tcPr>
                 </a:tc>
@@ -6716,22 +5430,13 @@
                           <a:spcPct val="100000"/>
                         </a:lnSpc>
                       </a:pPr>
-                      <a:endParaRPr sz="900">
-                        <a:latin typeface="Times New Roman"/>
-                        <a:cs typeface="Times New Roman"/>
+                      <a:endParaRPr sz="900" dirty="0">
+                        <a:latin typeface="Times New Roman" panose="02020603050405020304"/>
+                        <a:cs typeface="Times New Roman" panose="02020603050405020304"/>
                       </a:endParaRPr>
                     </a:p>
                   </a:txBody>
                   <a:tcPr marL="0" marR="0" marT="0" marB="0">
-                    <a:lnB w="12700" cap="flat" cmpd="sng" algn="ctr">
-                      <a:solidFill>
-                        <a:srgbClr val="F0F0F0"/>
-                      </a:solidFill>
-                      <a:prstDash val="solid"/>
-                      <a:round/>
-                      <a:headEnd type="none" w="med" len="med"/>
-                      <a:tailEnd type="none" w="med" len="med"/>
-                    </a:lnB>
                     <a:solidFill>
                       <a:schemeClr val="bg1">
                         <a:lumMod val="95000"/>
@@ -6745,40 +5450,16 @@
                   </a:ext>
                 </a:extLst>
               </a:tr>
-              <a:tr h="161868">
-                <a:tc rowSpan="2">
+              <a:tr h="236808">
+                <a:tc vMerge="1">
                   <a:txBody>
                     <a:bodyPr/>
                     <a:lstStyle/>
                     <a:p>
-                      <a:pPr marL="48260">
-                        <a:lnSpc>
-                          <a:spcPct val="100000"/>
-                        </a:lnSpc>
-                        <a:spcBef>
-                          <a:spcPts val="830"/>
-                        </a:spcBef>
-                      </a:pPr>
-                      <a:r>
-                        <a:rPr lang="en-US" sz="1000" b="1" i="0" spc="0">
-                          <a:solidFill>
-                            <a:schemeClr val="bg1"/>
-                          </a:solidFill>
-                          <a:latin typeface="Adobe Clean" panose="020B0503020404020204" pitchFamily="34" charset="0"/>
-                          <a:cs typeface="AdobeClean-Light"/>
-                        </a:rPr>
-                        <a:t>Field Services</a:t>
-                      </a:r>
-                      <a:endParaRPr sz="1000" b="1" i="0" spc="0">
-                        <a:solidFill>
-                          <a:schemeClr val="bg1"/>
-                        </a:solidFill>
-                        <a:latin typeface="Adobe Clean" panose="020B0503020404020204" pitchFamily="34" charset="0"/>
-                        <a:cs typeface="AdobeClean-Light"/>
-                      </a:endParaRPr>
+                      <a:endParaRPr lang="en-US"/>
                     </a:p>
                   </a:txBody>
-                  <a:tcPr marL="0" marR="0" marT="48260" marB="0" anchor="ctr">
+                  <a:tcPr marL="0" marR="0" marT="63500" marB="0">
                     <a:lnL w="12700">
                       <a:solidFill>
                         <a:srgbClr val="F0F0F0"/>
@@ -6794,73 +5475,41 @@
                       <a:headEnd type="none" w="med" len="med"/>
                       <a:tailEnd type="none" w="med" len="med"/>
                     </a:lnR>
-                    <a:lnT w="12700" cap="flat" cmpd="sng" algn="ctr">
-                      <a:solidFill>
-                        <a:srgbClr val="F0F0F0"/>
-                      </a:solidFill>
-                      <a:prstDash val="solid"/>
-                      <a:round/>
-                      <a:headEnd type="none" w="med" len="med"/>
-                      <a:tailEnd type="none" w="med" len="med"/>
-                    </a:lnT>
-                    <a:lnB w="12700">
-                      <a:solidFill>
-                        <a:srgbClr val="F1F1F1"/>
-                      </a:solidFill>
-                      <a:prstDash val="solid"/>
-                    </a:lnB>
                     <a:solidFill>
                       <a:srgbClr val="7D7D7D"/>
                     </a:solidFill>
                   </a:tcPr>
                 </a:tc>
-                <a:tc rowSpan="2">
+                <a:tc>
                   <a:txBody>
                     <a:bodyPr/>
                     <a:lstStyle/>
                     <a:p>
-                      <a:pPr marL="48260" hangingPunct="0">
+                      <a:pPr marL="49530" hangingPunct="0">
                         <a:lnSpc>
                           <a:spcPct val="100000"/>
                         </a:lnSpc>
                         <a:spcBef>
-                          <a:spcPts val="380"/>
+                          <a:spcPts val="500"/>
                         </a:spcBef>
                       </a:pPr>
                       <a:r>
-                        <a:rPr sz="900" spc="0">
+                        <a:rPr lang="en-US" sz="900" spc="0" dirty="0">
                           <a:solidFill>
                             <a:srgbClr val="020302"/>
                           </a:solidFill>
                           <a:latin typeface="AdobeClean-Light"/>
                           <a:cs typeface="AdobeClean-Light"/>
                         </a:rPr>
-                        <a:t>Launch Advisory Services – First Year of new solution</a:t>
+                        <a:t>发布、迁移、升级和产品路线图审查</a:t>
                       </a:r>
-                      <a:endParaRPr sz="900" spc="0">
+                      <a:endParaRPr sz="900" spc="0" dirty="0">
                         <a:latin typeface="AdobeClean-Light"/>
                         <a:cs typeface="AdobeClean-Light"/>
                       </a:endParaRPr>
                     </a:p>
-                    <a:p>
-                      <a:pPr marL="48260" hangingPunct="0">
-                        <a:lnSpc>
-                          <a:spcPct val="100000"/>
-                        </a:lnSpc>
-                        <a:spcBef>
-                          <a:spcPts val="830"/>
-                        </a:spcBef>
-                      </a:pPr>
-                      <a:r>
-                        <a:rPr sz="900" spc="0">
-                          <a:latin typeface="AdobeClean-Light"/>
-                          <a:cs typeface="AdobeClean-Light"/>
-                        </a:rPr>
-                        <a:t>Field Service Activities </a:t>
-                      </a:r>
-                    </a:p>
                   </a:txBody>
-                  <a:tcPr marL="0" marR="0" marT="48260" marB="0">
+                  <a:tcPr marL="0" marR="0" marT="63500" marB="0">
                     <a:lnL w="12700">
                       <a:solidFill>
                         <a:srgbClr val="F0F0F0"/>
@@ -6873,18 +5522,6 @@
                       </a:solidFill>
                       <a:prstDash val="solid"/>
                     </a:lnR>
-                    <a:lnT w="12700">
-                      <a:solidFill>
-                        <a:srgbClr val="F0F0F0"/>
-                      </a:solidFill>
-                      <a:prstDash val="solid"/>
-                    </a:lnT>
-                    <a:lnB w="12700">
-                      <a:solidFill>
-                        <a:srgbClr val="F1F1F1"/>
-                      </a:solidFill>
-                      <a:prstDash val="solid"/>
-                    </a:lnB>
                   </a:tcPr>
                 </a:tc>
                 <a:tc>
@@ -6897,9 +5534,9 @@
                           <a:spcPct val="100000"/>
                         </a:lnSpc>
                       </a:pPr>
-                      <a:endParaRPr sz="900">
-                        <a:latin typeface="Times New Roman"/>
-                        <a:cs typeface="Times New Roman"/>
+                      <a:endParaRPr sz="900" dirty="0">
+                        <a:latin typeface="Times New Roman" panose="02020603050405020304"/>
+                        <a:cs typeface="Times New Roman" panose="02020603050405020304"/>
                       </a:endParaRPr>
                     </a:p>
                   </a:txBody>
@@ -6913,15 +5550,6 @@
                       <a:headEnd type="none" w="med" len="med"/>
                       <a:tailEnd type="none" w="med" len="med"/>
                     </a:lnL>
-                    <a:lnT w="12700" cap="flat" cmpd="sng" algn="ctr">
-                      <a:solidFill>
-                        <a:srgbClr val="F0F0F0"/>
-                      </a:solidFill>
-                      <a:prstDash val="solid"/>
-                      <a:round/>
-                      <a:headEnd type="none" w="med" len="med"/>
-                      <a:tailEnd type="none" w="med" len="med"/>
-                    </a:lnT>
                     <a:noFill/>
                   </a:tcPr>
                 </a:tc>
@@ -6935,22 +5563,13 @@
                           <a:spcPct val="100000"/>
                         </a:lnSpc>
                       </a:pPr>
-                      <a:endParaRPr sz="900">
-                        <a:latin typeface="Times New Roman"/>
-                        <a:cs typeface="Times New Roman"/>
+                      <a:endParaRPr sz="900" dirty="0">
+                        <a:latin typeface="Times New Roman" panose="02020603050405020304"/>
+                        <a:cs typeface="Times New Roman" panose="02020603050405020304"/>
                       </a:endParaRPr>
                     </a:p>
                   </a:txBody>
                   <a:tcPr marL="0" marR="0" marT="0" marB="0">
-                    <a:lnT w="12700" cap="flat" cmpd="sng" algn="ctr">
-                      <a:solidFill>
-                        <a:srgbClr val="F0F0F0"/>
-                      </a:solidFill>
-                      <a:prstDash val="solid"/>
-                      <a:round/>
-                      <a:headEnd type="none" w="med" len="med"/>
-                      <a:tailEnd type="none" w="med" len="med"/>
-                    </a:lnT>
                     <a:solidFill>
                       <a:schemeClr val="bg1">
                         <a:lumMod val="95000"/>
@@ -6964,7 +5583,7 @@
                   </a:ext>
                 </a:extLst>
               </a:tr>
-              <a:tr h="338725">
+              <a:tr h="241305">
                 <a:tc vMerge="1">
                   <a:txBody>
                     <a:bodyPr/>
@@ -6973,17 +5592,59 @@
                       <a:endParaRPr lang="en-US"/>
                     </a:p>
                   </a:txBody>
-                  <a:tcPr/>
+                  <a:tcPr marL="0" marR="0" marT="67310" marB="0">
+                    <a:lnL w="12700">
+                      <a:solidFill>
+                        <a:srgbClr val="F0F0F0"/>
+                      </a:solidFill>
+                      <a:prstDash val="solid"/>
+                    </a:lnL>
+                    <a:lnR w="12700" cap="flat" cmpd="sng" algn="ctr">
+                      <a:solidFill>
+                        <a:srgbClr val="F0F0F0"/>
+                      </a:solidFill>
+                      <a:prstDash val="solid"/>
+                      <a:round/>
+                      <a:headEnd type="none" w="med" len="med"/>
+                      <a:tailEnd type="none" w="med" len="med"/>
+                    </a:lnR>
+                    <a:lnB w="12700" cap="flat" cmpd="sng" algn="ctr">
+                      <a:solidFill>
+                        <a:srgbClr val="F0F0F0"/>
+                      </a:solidFill>
+                      <a:prstDash val="solid"/>
+                      <a:round/>
+                      <a:headEnd type="none" w="med" len="med"/>
+                      <a:tailEnd type="none" w="med" len="med"/>
+                    </a:lnB>
+                    <a:solidFill>
+                      <a:srgbClr val="7D7D7D"/>
+                    </a:solidFill>
+                  </a:tcPr>
                 </a:tc>
-                <a:tc vMerge="1">
+                <a:tc>
                   <a:txBody>
                     <a:bodyPr/>
                     <a:lstStyle/>
                     <a:p>
-                      <a:endParaRPr/>
+                      <a:pPr marL="49530" hangingPunct="0">
+                        <a:lnSpc>
+                          <a:spcPct val="100000"/>
+                        </a:lnSpc>
+                        <a:spcBef>
+                          <a:spcPts val="530"/>
+                        </a:spcBef>
+                      </a:pPr>
+                      <a:r>
+                        <a:rPr lang="en-US" sz="900" spc="0" dirty="0">
+                          <a:latin typeface="AdobeClean-Light"/>
+                          <a:cs typeface="AdobeClean-Light"/>
+                        </a:rPr>
+                        <a:t>云支持活动 - Experience Manager as Cloud</a:t>
+                      </a:r>
                     </a:p>
                   </a:txBody>
-                  <a:tcPr marL="0" marR="0" marT="48260" marB="0">
+                  <a:tcPr marL="0" marR="0" marT="67310" marB="0">
                     <a:lnL w="12700">
                       <a:solidFill>
                         <a:srgbClr val="F0F0F0"/>
@@ -6996,15 +5657,9 @@
                       </a:solidFill>
                       <a:prstDash val="solid"/>
                     </a:lnR>
-                    <a:lnT w="12700">
+                    <a:lnB w="12700">
                       <a:solidFill>
                         <a:srgbClr val="F0F0F0"/>
-                      </a:solidFill>
-                      <a:prstDash val="solid"/>
-                    </a:lnT>
-                    <a:lnB w="12700">
-                      <a:solidFill>
-                        <a:srgbClr val="F1F1F1"/>
                       </a:solidFill>
                       <a:prstDash val="solid"/>
                     </a:lnB>
@@ -7020,18 +5675,30 @@
                           <a:spcPct val="100000"/>
                         </a:lnSpc>
                       </a:pPr>
-                      <a:endParaRPr sz="900">
-                        <a:latin typeface="Times New Roman"/>
-                        <a:cs typeface="Times New Roman"/>
+                      <a:endParaRPr sz="900" dirty="0">
+                        <a:latin typeface="Times New Roman" panose="02020603050405020304"/>
+                        <a:cs typeface="Times New Roman" panose="02020603050405020304"/>
                       </a:endParaRPr>
                     </a:p>
                   </a:txBody>
                   <a:tcPr marL="0" marR="0" marT="0" marB="0">
-                    <a:lnB w="12700">
-                      <a:solidFill>
-                        <a:srgbClr val="F1F1F1"/>
-                      </a:solidFill>
-                      <a:prstDash val="solid"/>
+                    <a:lnL w="12700" cap="flat" cmpd="sng" algn="ctr">
+                      <a:solidFill>
+                        <a:srgbClr val="F0F0F0"/>
+                      </a:solidFill>
+                      <a:prstDash val="solid"/>
+                      <a:round/>
+                      <a:headEnd type="none" w="med" len="med"/>
+                      <a:tailEnd type="none" w="med" len="med"/>
+                    </a:lnL>
+                    <a:lnB w="12700" cap="flat" cmpd="sng" algn="ctr">
+                      <a:solidFill>
+                        <a:srgbClr val="F0F0F0"/>
+                      </a:solidFill>
+                      <a:prstDash val="solid"/>
+                      <a:round/>
+                      <a:headEnd type="none" w="med" len="med"/>
+                      <a:tailEnd type="none" w="med" len="med"/>
                     </a:lnB>
                     <a:noFill/>
                   </a:tcPr>
@@ -7046,18 +5713,21 @@
                           <a:spcPct val="100000"/>
                         </a:lnSpc>
                       </a:pPr>
-                      <a:endParaRPr sz="900">
-                        <a:latin typeface="Times New Roman"/>
-                        <a:cs typeface="Times New Roman"/>
+                      <a:endParaRPr sz="900" dirty="0">
+                        <a:latin typeface="Times New Roman" panose="02020603050405020304"/>
+                        <a:cs typeface="Times New Roman" panose="02020603050405020304"/>
                       </a:endParaRPr>
                     </a:p>
                   </a:txBody>
                   <a:tcPr marL="0" marR="0" marT="0" marB="0">
-                    <a:lnB w="12700">
-                      <a:solidFill>
-                        <a:srgbClr val="F1F1F1"/>
-                      </a:solidFill>
-                      <a:prstDash val="solid"/>
+                    <a:lnB w="12700" cap="flat" cmpd="sng" algn="ctr">
+                      <a:solidFill>
+                        <a:srgbClr val="F0F0F0"/>
+                      </a:solidFill>
+                      <a:prstDash val="solid"/>
+                      <a:round/>
+                      <a:headEnd type="none" w="med" len="med"/>
+                      <a:tailEnd type="none" w="med" len="med"/>
                     </a:lnB>
                     <a:solidFill>
                       <a:schemeClr val="bg1">
@@ -7072,19 +5742,340 @@
                   </a:ext>
                 </a:extLst>
               </a:tr>
+              <a:tr h="161868">
+                <a:tc rowSpan="2">
+                  <a:txBody>
+                    <a:bodyPr/>
+                    <a:lstStyle/>
+                    <a:p>
+                      <a:pPr marL="48260">
+                        <a:lnSpc>
+                          <a:spcPct val="100000"/>
+                        </a:lnSpc>
+                        <a:spcBef>
+                          <a:spcPts val="830"/>
+                        </a:spcBef>
+                      </a:pPr>
+                      <a:r>
+                        <a:rPr lang="en-US" sz="1000" b="1" i="0" spc="0" dirty="0">
+                          <a:solidFill>
+                            <a:schemeClr val="bg1"/>
+                          </a:solidFill>
+                          <a:latin typeface="Adobe Clean" panose="020B0503020404020204" pitchFamily="34" charset="0"/>
+                          <a:cs typeface="AdobeClean-Light"/>
+                        </a:rPr>
+                        <a:t>现场服务</a:t>
+                      </a:r>
+                      <a:endParaRPr sz="1000" b="1" i="0" spc="0" dirty="0">
+                        <a:solidFill>
+                          <a:schemeClr val="bg1"/>
+                        </a:solidFill>
+                        <a:latin typeface="Adobe Clean" panose="020B0503020404020204" pitchFamily="34" charset="0"/>
+                        <a:cs typeface="AdobeClean-Light"/>
+                      </a:endParaRPr>
+                    </a:p>
+                  </a:txBody>
+                  <a:tcPr marL="0" marR="0" marT="48260" marB="0" anchor="ctr">
+                    <a:lnL w="12700">
+                      <a:solidFill>
+                        <a:srgbClr val="F0F0F0"/>
+                      </a:solidFill>
+                      <a:prstDash val="solid"/>
+                    </a:lnL>
+                    <a:lnR w="12700" cap="flat" cmpd="sng" algn="ctr">
+                      <a:solidFill>
+                        <a:srgbClr val="F0F0F0"/>
+                      </a:solidFill>
+                      <a:prstDash val="solid"/>
+                      <a:round/>
+                      <a:headEnd type="none" w="med" len="med"/>
+                      <a:tailEnd type="none" w="med" len="med"/>
+                    </a:lnR>
+                    <a:lnT w="12700" cap="flat" cmpd="sng" algn="ctr">
+                      <a:solidFill>
+                        <a:srgbClr val="F0F0F0"/>
+                      </a:solidFill>
+                      <a:prstDash val="solid"/>
+                      <a:round/>
+                      <a:headEnd type="none" w="med" len="med"/>
+                      <a:tailEnd type="none" w="med" len="med"/>
+                    </a:lnT>
+                    <a:lnB w="12700">
+                      <a:solidFill>
+                        <a:srgbClr val="F1F1F1"/>
+                      </a:solidFill>
+                      <a:prstDash val="solid"/>
+                    </a:lnB>
+                    <a:solidFill>
+                      <a:srgbClr val="7D7D7D"/>
+                    </a:solidFill>
+                  </a:tcPr>
+                </a:tc>
+                <a:tc rowSpan="2">
+                  <a:txBody>
+                    <a:bodyPr/>
+                    <a:lstStyle/>
+                    <a:p>
+                      <a:pPr marL="48260" hangingPunct="0">
+                        <a:lnSpc>
+                          <a:spcPct val="100000"/>
+                        </a:lnSpc>
+                        <a:spcBef>
+                          <a:spcPts val="380"/>
+                        </a:spcBef>
+                      </a:pPr>
+                      <a:r>
+                        <a:rPr lang="en-US" sz="900" spc="0" dirty="0">
+                          <a:solidFill>
+                            <a:srgbClr val="020302"/>
+                          </a:solidFill>
+                          <a:latin typeface="AdobeClean-Light"/>
+                          <a:cs typeface="AdobeClean-Light"/>
+                        </a:rPr>
+                        <a:t>Launch Advisory Services - 新解决方案的第一年</a:t>
+                      </a:r>
+                      <a:endParaRPr sz="900" spc="0" dirty="0">
+                        <a:latin typeface="AdobeClean-Light"/>
+                        <a:cs typeface="AdobeClean-Light"/>
+                      </a:endParaRPr>
+                    </a:p>
+                    <a:p>
+                      <a:pPr marL="48260" hangingPunct="0">
+                        <a:lnSpc>
+                          <a:spcPct val="100000"/>
+                        </a:lnSpc>
+                        <a:spcBef>
+                          <a:spcPts val="830"/>
+                        </a:spcBef>
+                      </a:pPr>
+                      <a:r>
+                        <a:rPr lang="en-US" sz="900" spc="0" dirty="0">
+                          <a:latin typeface="AdobeClean-Light"/>
+                          <a:cs typeface="AdobeClean-Light"/>
+                        </a:rPr>
+                        <a:t>现场服务活动</a:t>
+                      </a:r>
+                    </a:p>
+                  </a:txBody>
+                  <a:tcPr marL="0" marR="0" marT="48260" marB="0">
+                    <a:lnL w="12700">
+                      <a:solidFill>
+                        <a:srgbClr val="F0F0F0"/>
+                      </a:solidFill>
+                      <a:prstDash val="solid"/>
+                    </a:lnL>
+                    <a:lnR w="12700">
+                      <a:solidFill>
+                        <a:srgbClr val="F0F0F0"/>
+                      </a:solidFill>
+                      <a:prstDash val="solid"/>
+                    </a:lnR>
+                    <a:lnT w="12700">
+                      <a:solidFill>
+                        <a:srgbClr val="F0F0F0"/>
+                      </a:solidFill>
+                      <a:prstDash val="solid"/>
+                    </a:lnT>
+                    <a:lnB w="12700">
+                      <a:solidFill>
+                        <a:srgbClr val="F1F1F1"/>
+                      </a:solidFill>
+                      <a:prstDash val="solid"/>
+                    </a:lnB>
+                  </a:tcPr>
+                </a:tc>
+                <a:tc>
+                  <a:txBody>
+                    <a:bodyPr/>
+                    <a:lstStyle/>
+                    <a:p>
+                      <a:pPr>
+                        <a:lnSpc>
+                          <a:spcPct val="100000"/>
+                        </a:lnSpc>
+                      </a:pPr>
+                      <a:endParaRPr sz="900" dirty="0">
+                        <a:latin typeface="Times New Roman" panose="02020603050405020304"/>
+                        <a:cs typeface="Times New Roman" panose="02020603050405020304"/>
+                      </a:endParaRPr>
+                    </a:p>
+                  </a:txBody>
+                  <a:tcPr marL="0" marR="0" marT="0" marB="0">
+                    <a:lnL w="12700" cap="flat" cmpd="sng" algn="ctr">
+                      <a:solidFill>
+                        <a:srgbClr val="F0F0F0"/>
+                      </a:solidFill>
+                      <a:prstDash val="solid"/>
+                      <a:round/>
+                      <a:headEnd type="none" w="med" len="med"/>
+                      <a:tailEnd type="none" w="med" len="med"/>
+                    </a:lnL>
+                    <a:lnT w="12700" cap="flat" cmpd="sng" algn="ctr">
+                      <a:solidFill>
+                        <a:srgbClr val="F0F0F0"/>
+                      </a:solidFill>
+                      <a:prstDash val="solid"/>
+                      <a:round/>
+                      <a:headEnd type="none" w="med" len="med"/>
+                      <a:tailEnd type="none" w="med" len="med"/>
+                    </a:lnT>
+                    <a:noFill/>
+                  </a:tcPr>
+                </a:tc>
+                <a:tc>
+                  <a:txBody>
+                    <a:bodyPr/>
+                    <a:lstStyle/>
+                    <a:p>
+                      <a:pPr>
+                        <a:lnSpc>
+                          <a:spcPct val="100000"/>
+                        </a:lnSpc>
+                      </a:pPr>
+                      <a:endParaRPr sz="900" dirty="0">
+                        <a:latin typeface="Times New Roman" panose="02020603050405020304"/>
+                        <a:cs typeface="Times New Roman" panose="02020603050405020304"/>
+                      </a:endParaRPr>
+                    </a:p>
+                  </a:txBody>
+                  <a:tcPr marL="0" marR="0" marT="0" marB="0">
+                    <a:lnT w="12700" cap="flat" cmpd="sng" algn="ctr">
+                      <a:solidFill>
+                        <a:srgbClr val="F0F0F0"/>
+                      </a:solidFill>
+                      <a:prstDash val="solid"/>
+                      <a:round/>
+                      <a:headEnd type="none" w="med" len="med"/>
+                      <a:tailEnd type="none" w="med" len="med"/>
+                    </a:lnT>
+                    <a:solidFill>
+                      <a:schemeClr val="bg1">
+                        <a:lumMod val="95000"/>
+                      </a:schemeClr>
+                    </a:solidFill>
+                  </a:tcPr>
+                </a:tc>
+                <a:extLst>
+                  <a:ext uri="{0D108BD9-81ED-4DB2-BD59-A6C34878D82A}">
+                    <a16:rowId xmlns:a16="http://schemas.microsoft.com/office/drawing/2014/main" val="10017"/>
+                  </a:ext>
+                </a:extLst>
+              </a:tr>
+              <a:tr h="338725">
+                <a:tc vMerge="1">
+                  <a:txBody>
+                    <a:bodyPr/>
+                    <a:lstStyle/>
+                    <a:p>
+                      <a:endParaRPr lang="en-US"/>
+                    </a:p>
+                  </a:txBody>
+                  <a:tcPr/>
+                </a:tc>
+                <a:tc vMerge="1">
+                  <a:txBody>
+                    <a:bodyPr/>
+                    <a:lstStyle/>
+                    <a:p>
+                      <a:endParaRPr lang="en-US"/>
+                    </a:p>
+                  </a:txBody>
+                  <a:tcPr marL="0" marR="0" marT="48260" marB="0">
+                    <a:lnL w="12700">
+                      <a:solidFill>
+                        <a:srgbClr val="F0F0F0"/>
+                      </a:solidFill>
+                      <a:prstDash val="solid"/>
+                    </a:lnL>
+                    <a:lnR w="12700">
+                      <a:solidFill>
+                        <a:srgbClr val="F0F0F0"/>
+                      </a:solidFill>
+                      <a:prstDash val="solid"/>
+                    </a:lnR>
+                    <a:lnT w="12700">
+                      <a:solidFill>
+                        <a:srgbClr val="F0F0F0"/>
+                      </a:solidFill>
+                      <a:prstDash val="solid"/>
+                    </a:lnT>
+                    <a:lnB w="12700">
+                      <a:solidFill>
+                        <a:srgbClr val="F1F1F1"/>
+                      </a:solidFill>
+                      <a:prstDash val="solid"/>
+                    </a:lnB>
+                  </a:tcPr>
+                </a:tc>
+                <a:tc>
+                  <a:txBody>
+                    <a:bodyPr/>
+                    <a:lstStyle/>
+                    <a:p>
+                      <a:pPr>
+                        <a:lnSpc>
+                          <a:spcPct val="100000"/>
+                        </a:lnSpc>
+                      </a:pPr>
+                      <a:endParaRPr sz="900" dirty="0">
+                        <a:latin typeface="Times New Roman" panose="02020603050405020304"/>
+                        <a:cs typeface="Times New Roman" panose="02020603050405020304"/>
+                      </a:endParaRPr>
+                    </a:p>
+                  </a:txBody>
+                  <a:tcPr marL="0" marR="0" marT="0" marB="0">
+                    <a:lnB w="12700">
+                      <a:solidFill>
+                        <a:srgbClr val="F1F1F1"/>
+                      </a:solidFill>
+                      <a:prstDash val="solid"/>
+                    </a:lnB>
+                    <a:noFill/>
+                  </a:tcPr>
+                </a:tc>
+                <a:tc>
+                  <a:txBody>
+                    <a:bodyPr/>
+                    <a:lstStyle/>
+                    <a:p>
+                      <a:pPr marL="0" algn="l" rtl="0">
+                        <a:lnSpc>
+                          <a:spcPct val="100000"/>
+                        </a:lnSpc>
+                      </a:pPr>
+                      <a:endParaRPr sz="900" dirty="0">
+                        <a:latin typeface="Times New Roman" panose="02020603050405020304"/>
+                        <a:cs typeface="Times New Roman" panose="02020603050405020304"/>
+                      </a:endParaRPr>
+                    </a:p>
+                  </a:txBody>
+                  <a:tcPr marL="0" marR="0" marT="0" marB="0">
+                    <a:lnB w="12700">
+                      <a:solidFill>
+                        <a:srgbClr val="F1F1F1"/>
+                      </a:solidFill>
+                      <a:prstDash val="solid"/>
+                    </a:lnB>
+                    <a:solidFill>
+                      <a:schemeClr val="bg1">
+                        <a:lumMod val="95000"/>
+                      </a:schemeClr>
+                    </a:solidFill>
+                  </a:tcPr>
+                </a:tc>
+                <a:extLst>
+                  <a:ext uri="{0D108BD9-81ED-4DB2-BD59-A6C34878D82A}">
+                    <a16:rowId xmlns:a16="http://schemas.microsoft.com/office/drawing/2014/main" val="10018"/>
+                  </a:ext>
+                </a:extLst>
+              </a:tr>
             </a:tbl>
           </a:graphicData>
         </a:graphic>
       </p:graphicFrame>
       <p:sp>
         <p:nvSpPr>
-          <p:cNvPr id="6" name="TextBox 5">
-            <a:extLst>
-              <a:ext uri="{FF2B5EF4-FFF2-40B4-BE49-F238E27FC236}">
-                <a16:creationId xmlns:a16="http://schemas.microsoft.com/office/drawing/2014/main" id="{669E35DE-6A5F-5549-904F-459C7D857BB2}"/>
-              </a:ext>
-            </a:extLst>
-          </p:cNvPr>
+          <p:cNvPr id="6" name="TextBox 5"/>
           <p:cNvSpPr txBox="1"/>
           <p:nvPr/>
         </p:nvSpPr>
@@ -7105,7 +6096,7 @@
           <a:lstStyle/>
           <a:p>
             <a:r>
-              <a:rPr lang="en-US" sz="700" i="1">
+              <a:rPr lang="en-US" sz="700" i="1" dirty="0">
                 <a:solidFill>
                   <a:schemeClr val="bg1"/>
                 </a:solidFill>
@@ -7308,15 +6299,15 @@
               </a:spcBef>
             </a:pPr>
             <a:r>
-              <a:rPr lang="en-US" sz="1000">
+              <a:rPr lang="en-US" sz="1000" dirty="0">
                 <a:solidFill>
                   <a:srgbClr val="000000"/>
                 </a:solidFill>
                 <a:latin typeface="Adobe Clean Light" panose="020B0303020404020204" pitchFamily="34" charset="0"/>
               </a:rPr>
-              <a:t>A designated Account Support Lead to proactively monitor cases, drive cross-team collaboration, deliver onboarding webinars, run service reports, provide non-technical support assistance, and function as your escalation point and internal advocate within Adobe Support.</a:t>
-            </a:r>
-            <a:endParaRPr lang="en-US" sz="1000">
+              <a:t>指定的帐户支持主管会主动监控案例、推动跨团队协作、举行新用户入门网络研讨会、运行服务报告、提供非技术支持帮助，并在 Adobe 支持部门中充当上报联系人和内部布道师。</a:t>
+            </a:r>
+            <a:endParaRPr lang="en-US" sz="1000" dirty="0">
               <a:latin typeface="Adobe Clean Light" panose="020B0303020404020204" pitchFamily="34" charset="0"/>
               <a:cs typeface="AdobeClean-Light"/>
             </a:endParaRPr>
@@ -7332,14 +6323,14 @@
         <p:spPr>
           <a:xfrm>
             <a:off x="2836967" y="8618616"/>
-            <a:ext cx="2286000" cy="641201"/>
+            <a:ext cx="2286000" cy="487313"/>
           </a:xfrm>
           <a:prstGeom prst="rect">
             <a:avLst/>
           </a:prstGeom>
         </p:spPr>
         <p:txBody>
-          <a:bodyPr vert="horz" wrap="square" lIns="0" tIns="12700" rIns="0" bIns="0" rtlCol="0" anchor="t">
+          <a:bodyPr vert="horz" wrap="square" lIns="0" tIns="12700" rIns="0" bIns="0" rtlCol="0">
             <a:spAutoFit/>
           </a:bodyPr>
           <a:lstStyle/>
@@ -7352,90 +6343,53 @@
                 <a:spcPts val="100"/>
               </a:spcBef>
               <a:tabLst>
-                <a:tab pos="1786889" algn="l"/>
+                <a:tab pos="1786255" algn="l"/>
               </a:tabLst>
             </a:pPr>
             <a:r>
-              <a:rPr sz="1000">
+              <a:rPr lang="en-US" sz="1000" dirty="0">
                 <a:solidFill>
                   <a:srgbClr val="020302"/>
                 </a:solidFill>
                 <a:latin typeface="AdobeClean-Light"/>
                 <a:cs typeface="AdobeClean-Light"/>
               </a:rPr>
-              <a:t>Start a chat session to get answers</a:t>
-            </a:r>
-            <a:r>
-              <a:rPr lang="en-US" sz="1000">
-                <a:solidFill>
-                  <a:srgbClr val="020302"/>
-                </a:solidFill>
-                <a:latin typeface="AdobeClean-Light"/>
-                <a:cs typeface="AdobeClean-Light"/>
-              </a:rPr>
-              <a:t> &amp; </a:t>
-            </a:r>
-            <a:r>
-              <a:rPr sz="1000">
-                <a:solidFill>
-                  <a:srgbClr val="020302"/>
-                </a:solidFill>
-                <a:latin typeface="AdobeClean-Light"/>
-                <a:cs typeface="AdobeClean-Light"/>
-              </a:rPr>
-              <a:t>help with case submission</a:t>
-            </a:r>
-            <a:r>
-              <a:rPr lang="en-US" sz="1000">
-                <a:solidFill>
-                  <a:srgbClr val="020302"/>
-                </a:solidFill>
-                <a:latin typeface="AdobeClean-Light"/>
-                <a:cs typeface="AdobeClean-Light"/>
-              </a:rPr>
-              <a:t>.</a:t>
+              <a:t>开始聊天会话以获取答案并帮助提交案例</a:t>
             </a:r>
           </a:p>
           <a:p>
             <a:pPr marL="33020" marR="159385">
+              <a:lnSpc>
+                <a:spcPct val="100000"/>
+              </a:lnSpc>
               <a:spcBef>
                 <a:spcPts val="100"/>
               </a:spcBef>
               <a:tabLst>
-                <a:tab pos="1786889" algn="l"/>
+                <a:tab pos="1786255" algn="l"/>
               </a:tabLst>
             </a:pPr>
             <a:r>
-              <a:rPr sz="1000" i="1">
+              <a:rPr lang="en-US" sz="1000" i="1" dirty="0">
                 <a:solidFill>
                   <a:srgbClr val="7A7A7A"/>
                 </a:solidFill>
                 <a:latin typeface="AdobeClean-LightIt"/>
                 <a:cs typeface="AdobeClean-LightIt"/>
               </a:rPr>
-              <a:t>*Not all products have live chat support</a:t>
-            </a:r>
-            <a:r>
-              <a:rPr sz="900" i="1">
+              <a:t>*并非所有产品都提供实时聊天支持</a:t>
+            </a:r>
+            <a:r>
+              <a:rPr lang="en-US" sz="900" i="1" dirty="0">
                 <a:solidFill>
                   <a:srgbClr val="7A7A7A"/>
                 </a:solidFill>
                 <a:latin typeface="AdobeClean-LightIt"/>
                 <a:cs typeface="AdobeClean-LightIt"/>
               </a:rPr>
-              <a:t>.</a:t>
-            </a:r>
-            <a:r>
-              <a:rPr lang="en-US" sz="900" i="1">
-                <a:solidFill>
-                  <a:srgbClr val="7A7A7A"/>
-                </a:solidFill>
-                <a:latin typeface="AdobeClean-LightIt"/>
-                <a:cs typeface="AdobeClean-LightIt"/>
-              </a:rPr>
-              <a:t>  </a:t>
-            </a:r>
-            <a:endParaRPr sz="900">
+              <a:t>。</a:t>
+            </a:r>
+            <a:endParaRPr sz="900" dirty="0">
               <a:latin typeface="AdobeClean-Light"/>
               <a:cs typeface="AdobeClean-Light"/>
             </a:endParaRPr>
@@ -7473,16 +6427,8 @@
       </p:sp>
       <p:sp>
         <p:nvSpPr>
-          <p:cNvPr id="60" name="TextBox 59">
-            <a:extLst>
-              <a:ext uri="{FF2B5EF4-FFF2-40B4-BE49-F238E27FC236}">
-                <a16:creationId xmlns:a16="http://schemas.microsoft.com/office/drawing/2014/main" id="{294BFC9C-CB48-FE4C-887D-D38E0BAE6627}"/>
-              </a:ext>
-            </a:extLst>
-          </p:cNvPr>
-          <p:cNvSpPr txBox="1">
-            <a:spLocks/>
-          </p:cNvSpPr>
+          <p:cNvPr id="60" name="TextBox 59"/>
+          <p:cNvSpPr txBox="1"/>
           <p:nvPr/>
         </p:nvSpPr>
         <p:spPr>
@@ -7514,28 +6460,20 @@
               <a:defRPr/>
             </a:pPr>
             <a:r>
-              <a:rPr lang="en-US" sz="1200">
+              <a:rPr lang="en-US" sz="1200" dirty="0">
                 <a:solidFill>
                   <a:srgbClr val="000000"/>
                 </a:solidFill>
               </a:rPr>
-              <a:t>Community Forums</a:t>
+              <a:t>社区论坛</a:t>
             </a:r>
           </a:p>
         </p:txBody>
       </p:sp>
       <p:sp>
         <p:nvSpPr>
-          <p:cNvPr id="61" name="Rectangle 60">
-            <a:extLst>
-              <a:ext uri="{FF2B5EF4-FFF2-40B4-BE49-F238E27FC236}">
-                <a16:creationId xmlns:a16="http://schemas.microsoft.com/office/drawing/2014/main" id="{8F4C73CC-314D-8744-A9C8-6CE3C69810AD}"/>
-              </a:ext>
-            </a:extLst>
-          </p:cNvPr>
-          <p:cNvSpPr>
-            <a:spLocks/>
-          </p:cNvSpPr>
+          <p:cNvPr id="61" name="Rectangle 60"/>
+          <p:cNvSpPr/>
           <p:nvPr/>
         </p:nvSpPr>
         <p:spPr>
@@ -7562,25 +6500,19 @@
               </a:spcAft>
             </a:pPr>
             <a:r>
-              <a:rPr lang="en-US" sz="1200" b="1">
+              <a:rPr lang="en-US" sz="1200" b="1" dirty="0">
                 <a:latin typeface="+mj-lt"/>
                 <a:ea typeface="Open Sans" pitchFamily="34" charset="0"/>
                 <a:cs typeface="Open Sans" pitchFamily="34" charset="0"/>
               </a:rPr>
-              <a:t>Online Forums</a:t>
+              <a:t>在线论坛</a:t>
             </a:r>
           </a:p>
         </p:txBody>
       </p:sp>
       <p:sp>
         <p:nvSpPr>
-          <p:cNvPr id="63" name="object 39">
-            <a:extLst>
-              <a:ext uri="{FF2B5EF4-FFF2-40B4-BE49-F238E27FC236}">
-                <a16:creationId xmlns:a16="http://schemas.microsoft.com/office/drawing/2014/main" id="{5FDB276C-3505-C748-B612-64E8B08A71CB}"/>
-              </a:ext>
-            </a:extLst>
-          </p:cNvPr>
+          <p:cNvPr id="63" name="object 39"/>
           <p:cNvSpPr txBox="1"/>
           <p:nvPr/>
         </p:nvSpPr>
@@ -7600,29 +6532,21 @@
           <a:lstStyle/>
           <a:p>
             <a:r>
-              <a:rPr lang="en-US" sz="1000">
+              <a:rPr lang="en-US" sz="1000" dirty="0">
                 <a:solidFill>
                   <a:srgbClr val="000000"/>
                 </a:solidFill>
                 <a:latin typeface="Adobe Clean Light" panose="020B0303020404020204" pitchFamily="34" charset="0"/>
               </a:rPr>
-              <a:t>Continuous online access to a growing database of technical solutions, product documentation, FAQs and more. Thousands of customers can connect to share best practices and lessons learned.</a:t>
+              <a:t>持续在线访问包括技术解决方案、产品文档、常见问题解答等的不断增长的数据库。数千名客户可以相互交流，分享最佳实践和经验教训。</a:t>
             </a:r>
           </a:p>
         </p:txBody>
       </p:sp>
       <p:sp>
         <p:nvSpPr>
-          <p:cNvPr id="65" name="Rectangle 64">
-            <a:extLst>
-              <a:ext uri="{FF2B5EF4-FFF2-40B4-BE49-F238E27FC236}">
-                <a16:creationId xmlns:a16="http://schemas.microsoft.com/office/drawing/2014/main" id="{6E1B1B00-5842-3A4E-A250-97EC5CF16C89}"/>
-              </a:ext>
-            </a:extLst>
-          </p:cNvPr>
-          <p:cNvSpPr>
-            <a:spLocks/>
-          </p:cNvSpPr>
+          <p:cNvPr id="65" name="Rectangle 64"/>
+          <p:cNvSpPr/>
           <p:nvPr/>
         </p:nvSpPr>
         <p:spPr>
@@ -7649,25 +6573,19 @@
               </a:spcAft>
             </a:pPr>
             <a:r>
-              <a:rPr lang="en-US" sz="1200" b="1">
+              <a:rPr lang="en-US" sz="1200" b="1" dirty="0">
                 <a:latin typeface="+mj-lt"/>
                 <a:ea typeface="Open Sans" pitchFamily="34" charset="0"/>
                 <a:cs typeface="Open Sans" pitchFamily="34" charset="0"/>
               </a:rPr>
-              <a:t>Self-guided Journeys</a:t>
+              <a:t>自助式历程</a:t>
             </a:r>
           </a:p>
         </p:txBody>
       </p:sp>
       <p:sp>
         <p:nvSpPr>
-          <p:cNvPr id="67" name="object 39">
-            <a:extLst>
-              <a:ext uri="{FF2B5EF4-FFF2-40B4-BE49-F238E27FC236}">
-                <a16:creationId xmlns:a16="http://schemas.microsoft.com/office/drawing/2014/main" id="{22816550-445E-B945-8FBC-36EF6779CB5A}"/>
-              </a:ext>
-            </a:extLst>
-          </p:cNvPr>
+          <p:cNvPr id="67" name="object 39"/>
           <p:cNvSpPr txBox="1"/>
           <p:nvPr/>
         </p:nvSpPr>
@@ -7687,29 +6605,21 @@
           <a:lstStyle/>
           <a:p>
             <a:r>
-              <a:rPr lang="en-US" sz="1000">
+              <a:rPr lang="en-US" sz="1000" dirty="0">
                 <a:solidFill>
                   <a:srgbClr val="000000"/>
                 </a:solidFill>
                 <a:latin typeface="Adobe Clean Light" panose="020B0303020404020204" pitchFamily="34" charset="0"/>
               </a:rPr>
-              <a:t>Experience Makers are made with Experience League. Customers can kickstart their Customer Experience Management abilities with personalized learning to develop skills, engage with a global community of peers, and earn career advancing recognition.</a:t>
+              <a:t>Experience Makers 是使用 Experience League 创建的。客户可以通过个性化学习来获得客户体验管理能力，从而培养技能、与全球同行社区互动并获得职业发展的认可。</a:t>
             </a:r>
           </a:p>
         </p:txBody>
       </p:sp>
       <p:sp>
         <p:nvSpPr>
-          <p:cNvPr id="77" name="TextBox 76">
-            <a:extLst>
-              <a:ext uri="{FF2B5EF4-FFF2-40B4-BE49-F238E27FC236}">
-                <a16:creationId xmlns:a16="http://schemas.microsoft.com/office/drawing/2014/main" id="{3C8012AA-ACFC-F14A-9871-8C8BC94B3109}"/>
-              </a:ext>
-            </a:extLst>
-          </p:cNvPr>
-          <p:cNvSpPr txBox="1">
-            <a:spLocks/>
-          </p:cNvSpPr>
+          <p:cNvPr id="77" name="TextBox 76"/>
+          <p:cNvSpPr txBox="1"/>
           <p:nvPr/>
         </p:nvSpPr>
         <p:spPr>
@@ -7741,28 +6651,20 @@
               <a:defRPr/>
             </a:pPr>
             <a:r>
-              <a:rPr lang="en-US" sz="1200">
+              <a:rPr lang="en-US" sz="1200" dirty="0">
                 <a:solidFill>
                   <a:srgbClr val="000000"/>
                 </a:solidFill>
               </a:rPr>
-              <a:t>Live Chat  Support*</a:t>
+              <a:t>实时聊天支持*</a:t>
             </a:r>
           </a:p>
         </p:txBody>
       </p:sp>
       <p:sp>
         <p:nvSpPr>
-          <p:cNvPr id="78" name="Rectangle 77">
-            <a:extLst>
-              <a:ext uri="{FF2B5EF4-FFF2-40B4-BE49-F238E27FC236}">
-                <a16:creationId xmlns:a16="http://schemas.microsoft.com/office/drawing/2014/main" id="{3FD5E5E8-A228-E646-A72D-9542B6773A8E}"/>
-              </a:ext>
-            </a:extLst>
-          </p:cNvPr>
-          <p:cNvSpPr>
-            <a:spLocks/>
-          </p:cNvSpPr>
+          <p:cNvPr id="78" name="Rectangle 77"/>
+          <p:cNvSpPr/>
           <p:nvPr/>
         </p:nvSpPr>
         <p:spPr>
@@ -7789,28 +6691,20 @@
               </a:spcAft>
             </a:pPr>
             <a:r>
-              <a:rPr lang="en-US" sz="1200" b="1">
+              <a:rPr lang="en-US" sz="1200" b="1" dirty="0">
                 <a:latin typeface="+mj-lt"/>
                 <a:ea typeface="Open Sans" pitchFamily="34" charset="0"/>
                 <a:cs typeface="Open Sans" pitchFamily="34" charset="0"/>
               </a:rPr>
-              <a:t>Chat Support</a:t>
+              <a:t>聊天支持</a:t>
             </a:r>
           </a:p>
         </p:txBody>
       </p:sp>
       <p:sp>
         <p:nvSpPr>
-          <p:cNvPr id="80" name="TextBox 79">
-            <a:extLst>
-              <a:ext uri="{FF2B5EF4-FFF2-40B4-BE49-F238E27FC236}">
-                <a16:creationId xmlns:a16="http://schemas.microsoft.com/office/drawing/2014/main" id="{DAF3EBEF-0B3F-B542-A30E-3B7228432027}"/>
-              </a:ext>
-            </a:extLst>
-          </p:cNvPr>
-          <p:cNvSpPr txBox="1">
-            <a:spLocks/>
-          </p:cNvSpPr>
+          <p:cNvPr id="80" name="TextBox 79"/>
+          <p:cNvSpPr txBox="1"/>
           <p:nvPr/>
         </p:nvSpPr>
         <p:spPr>
@@ -7842,28 +6736,20 @@
               <a:defRPr/>
             </a:pPr>
             <a:r>
-              <a:rPr lang="en-US" sz="1200">
+              <a:rPr lang="en-US" sz="1200" dirty="0">
                 <a:solidFill>
                   <a:srgbClr val="000000"/>
                 </a:solidFill>
               </a:rPr>
-              <a:t>24X7 P1 </a:t>
+              <a:t>全天候 P1 </a:t>
             </a:r>
           </a:p>
         </p:txBody>
       </p:sp>
       <p:sp>
         <p:nvSpPr>
-          <p:cNvPr id="81" name="Rectangle 80">
-            <a:extLst>
-              <a:ext uri="{FF2B5EF4-FFF2-40B4-BE49-F238E27FC236}">
-                <a16:creationId xmlns:a16="http://schemas.microsoft.com/office/drawing/2014/main" id="{075E4356-C31F-674D-B927-91CC2C099FA3}"/>
-              </a:ext>
-            </a:extLst>
-          </p:cNvPr>
-          <p:cNvSpPr>
-            <a:spLocks/>
-          </p:cNvSpPr>
+          <p:cNvPr id="81" name="Rectangle 80"/>
+          <p:cNvSpPr/>
           <p:nvPr/>
         </p:nvSpPr>
         <p:spPr>
@@ -7890,32 +6776,26 @@
               </a:spcAft>
             </a:pPr>
             <a:r>
-              <a:rPr lang="en-US" sz="1200" b="1">
+              <a:rPr lang="en-US" sz="1200" b="1" dirty="0">
                 <a:latin typeface="+mj-lt"/>
                 <a:ea typeface="Open Sans" pitchFamily="34" charset="0"/>
                 <a:cs typeface="Open Sans" pitchFamily="34" charset="0"/>
               </a:rPr>
-              <a:t>Phone Support</a:t>
+              <a:t>电话支持</a:t>
             </a:r>
           </a:p>
         </p:txBody>
       </p:sp>
       <p:sp>
         <p:nvSpPr>
-          <p:cNvPr id="82" name="object 39">
-            <a:extLst>
-              <a:ext uri="{FF2B5EF4-FFF2-40B4-BE49-F238E27FC236}">
-                <a16:creationId xmlns:a16="http://schemas.microsoft.com/office/drawing/2014/main" id="{95A83EB9-E8E1-7547-BBE3-E1F42C56BF6A}"/>
-              </a:ext>
-            </a:extLst>
-          </p:cNvPr>
+          <p:cNvPr id="82" name="object 39"/>
           <p:cNvSpPr txBox="1"/>
           <p:nvPr/>
         </p:nvSpPr>
         <p:spPr>
           <a:xfrm>
             <a:off x="2836967" y="6529249"/>
-            <a:ext cx="2286000" cy="805349"/>
+            <a:ext cx="2286000" cy="650875"/>
           </a:xfrm>
           <a:prstGeom prst="rect">
             <a:avLst/>
@@ -7928,21 +6808,32 @@
           <a:lstStyle/>
           <a:p>
             <a:r>
-              <a:rPr lang="en-US" sz="1000">
+              <a:rPr lang="en-US" sz="1000" dirty="0">
                 <a:solidFill>
                   <a:srgbClr val="020302"/>
                 </a:solidFill>
                 <a:latin typeface="AdobeClean-Light"/>
               </a:rPr>
-              <a:t>Authorized users or Named Support Contacts </a:t>
-            </a:r>
-            <a:r>
-              <a:rPr lang="en-US" sz="1000">
+              <a:t>授权用户或指定的支持联系人</a:t>
+            </a:r>
+            <a:r>
+              <a:rPr lang="en-US" sz="1000" dirty="0">
                 <a:latin typeface="Adobe Clean Light" panose="020B0303020404020204" pitchFamily="34" charset="0"/>
               </a:rPr>
-              <a:t>can submit issues through all available  channels (including phone for P1) and interact with our technical support team on behalf of your company. </a:t>
-            </a:r>
-            <a:endParaRPr lang="en-US" sz="1000">
+              <a:t>可以通过所有可用渠道（包括 P1 的电话）提交问题，并代表您的公司与我们的技术支持团队</a:t>
+            </a:r>
+            <a:br>
+              <a:rPr lang="en-US" sz="1000" dirty="0">
+                <a:latin typeface="Adobe Clean Light" panose="020B0303020404020204" pitchFamily="34" charset="0"/>
+              </a:rPr>
+            </a:br>
+            <a:r>
+              <a:rPr lang="en-US" sz="1000" dirty="0">
+                <a:latin typeface="Adobe Clean Light" panose="020B0303020404020204" pitchFamily="34" charset="0"/>
+              </a:rPr>
+              <a:t>互动。</a:t>
+            </a:r>
+            <a:endParaRPr lang="en-US" sz="1000" dirty="0">
               <a:solidFill>
                 <a:srgbClr val="000000"/>
               </a:solidFill>
@@ -7953,13 +6844,7 @@
       </p:sp>
       <p:sp>
         <p:nvSpPr>
-          <p:cNvPr id="84" name="object 10">
-            <a:extLst>
-              <a:ext uri="{FF2B5EF4-FFF2-40B4-BE49-F238E27FC236}">
-                <a16:creationId xmlns:a16="http://schemas.microsoft.com/office/drawing/2014/main" id="{CBCF4964-CAC8-F146-B2E2-51ED8B3DC99A}"/>
-              </a:ext>
-            </a:extLst>
-          </p:cNvPr>
+          <p:cNvPr id="84" name="object 10"/>
           <p:cNvSpPr txBox="1">
             <a:spLocks noGrp="1"/>
           </p:cNvSpPr>
@@ -7970,7 +6855,7 @@
         <p:spPr>
           <a:xfrm>
             <a:off x="5253416" y="9862966"/>
-            <a:ext cx="2270125" cy="132729"/>
+            <a:ext cx="2518984" cy="132729"/>
           </a:xfrm>
           <a:prstGeom prst="rect">
             <a:avLst/>
@@ -7991,23 +6876,15 @@
               </a:spcBef>
             </a:pPr>
             <a:r>
-              <a:rPr spc="-5"/>
-              <a:t>©202</a:t>
-            </a:r>
-            <a:r>
-              <a:rPr lang="en-US" spc="-5"/>
-              <a:t>1</a:t>
-            </a:r>
-            <a:r>
-              <a:rPr spc="-5"/>
-              <a:t> Adobe. All Rights Reserved. Adobe</a:t>
-            </a:r>
-            <a:r>
-              <a:rPr spc="60"/>
+              <a:rPr lang="en-US" spc="-5" dirty="0"/>
+              <a:t>©2021 Adobe.All Rights Reserved.Adobe</a:t>
+            </a:r>
+            <a:r>
+              <a:rPr lang="en-US" spc="60" dirty="0"/>
               <a:t> </a:t>
             </a:r>
             <a:r>
-              <a:rPr spc="-5"/>
+              <a:rPr lang="en-US" spc="-5" dirty="0"/>
               <a:t>Confidential.</a:t>
             </a:r>
           </a:p>
@@ -8015,16 +6892,8 @@
       </p:sp>
       <p:sp>
         <p:nvSpPr>
-          <p:cNvPr id="41" name="Rectangle 40">
-            <a:extLst>
-              <a:ext uri="{FF2B5EF4-FFF2-40B4-BE49-F238E27FC236}">
-                <a16:creationId xmlns:a16="http://schemas.microsoft.com/office/drawing/2014/main" id="{6BF87FDD-9EA3-6946-897D-7CB38BCFBCA5}"/>
-              </a:ext>
-            </a:extLst>
-          </p:cNvPr>
-          <p:cNvSpPr>
-            <a:spLocks/>
-          </p:cNvSpPr>
+          <p:cNvPr id="41" name="Rectangle 40"/>
+          <p:cNvSpPr/>
           <p:nvPr/>
         </p:nvSpPr>
         <p:spPr>
@@ -8051,26 +6920,20 @@
               </a:spcAft>
             </a:pPr>
             <a:r>
-              <a:rPr lang="en-US" sz="1200" b="1" spc="-10">
+              <a:rPr lang="en-US" sz="1200" b="1" spc="-10" dirty="0">
                 <a:solidFill>
                   <a:srgbClr val="020302"/>
                 </a:solidFill>
                 <a:latin typeface="+mj-lt"/>
               </a:rPr>
-              <a:t>Account Support Lead</a:t>
+              <a:t>帐户支持主管</a:t>
             </a:r>
           </a:p>
         </p:txBody>
       </p:sp>
       <p:sp>
         <p:nvSpPr>
-          <p:cNvPr id="42" name="object 26">
-            <a:extLst>
-              <a:ext uri="{FF2B5EF4-FFF2-40B4-BE49-F238E27FC236}">
-                <a16:creationId xmlns:a16="http://schemas.microsoft.com/office/drawing/2014/main" id="{44EDA522-BD84-1947-A820-5069D704753E}"/>
-              </a:ext>
-            </a:extLst>
-          </p:cNvPr>
+          <p:cNvPr id="42" name="object 26"/>
           <p:cNvSpPr/>
           <p:nvPr/>
         </p:nvSpPr>
@@ -8112,13 +6975,7 @@
       </p:sp>
       <p:sp>
         <p:nvSpPr>
-          <p:cNvPr id="44" name="Rectangle 43">
-            <a:extLst>
-              <a:ext uri="{FF2B5EF4-FFF2-40B4-BE49-F238E27FC236}">
-                <a16:creationId xmlns:a16="http://schemas.microsoft.com/office/drawing/2014/main" id="{147009FB-1B8D-6D4F-87DF-41B5DE49EFE5}"/>
-              </a:ext>
-            </a:extLst>
-          </p:cNvPr>
+          <p:cNvPr id="44" name="Rectangle 43"/>
           <p:cNvSpPr/>
           <p:nvPr/>
         </p:nvSpPr>
@@ -8146,16 +7003,16 @@
               </a:spcBef>
             </a:pPr>
             <a:r>
-              <a:rPr lang="en-US" sz="1400" b="1" spc="-10">
+              <a:rPr lang="en-US" sz="1400" b="1" spc="-10" dirty="0">
                 <a:solidFill>
                   <a:srgbClr val="020302"/>
                 </a:solidFill>
                 <a:latin typeface="Adobe Clean"/>
                 <a:cs typeface="Adobe Clean"/>
               </a:rPr>
-              <a:t>Online Support Features</a:t>
-            </a:r>
-            <a:endParaRPr lang="en-US" sz="1400">
+              <a:t>在线支持功能</a:t>
+            </a:r>
+            <a:endParaRPr lang="en-US" sz="1400" dirty="0">
               <a:latin typeface="Adobe Clean"/>
               <a:cs typeface="Adobe Clean"/>
             </a:endParaRPr>
@@ -8164,13 +7021,7 @@
       </p:sp>
       <p:sp>
         <p:nvSpPr>
-          <p:cNvPr id="87" name="object 26">
-            <a:extLst>
-              <a:ext uri="{FF2B5EF4-FFF2-40B4-BE49-F238E27FC236}">
-                <a16:creationId xmlns:a16="http://schemas.microsoft.com/office/drawing/2014/main" id="{ED3EAB14-8A43-9244-93BB-BE321FE4250C}"/>
-              </a:ext>
-            </a:extLst>
-          </p:cNvPr>
+          <p:cNvPr id="87" name="object 26"/>
           <p:cNvSpPr/>
           <p:nvPr/>
         </p:nvSpPr>
@@ -8212,13 +7063,7 @@
       </p:sp>
       <p:sp>
         <p:nvSpPr>
-          <p:cNvPr id="88" name="Rectangle 87">
-            <a:extLst>
-              <a:ext uri="{FF2B5EF4-FFF2-40B4-BE49-F238E27FC236}">
-                <a16:creationId xmlns:a16="http://schemas.microsoft.com/office/drawing/2014/main" id="{BDC8935C-27E9-A94B-ABF1-EFA84FB3D2BE}"/>
-              </a:ext>
-            </a:extLst>
-          </p:cNvPr>
+          <p:cNvPr id="88" name="Rectangle 87"/>
           <p:cNvSpPr/>
           <p:nvPr/>
         </p:nvSpPr>
@@ -8246,16 +7091,16 @@
               </a:spcBef>
             </a:pPr>
             <a:r>
-              <a:rPr lang="en-US" sz="1400" b="1" spc="-10">
+              <a:rPr lang="en-US" sz="1400" b="1" spc="-10" dirty="0">
                 <a:solidFill>
                   <a:srgbClr val="020302"/>
                 </a:solidFill>
                 <a:latin typeface="Adobe Clean"/>
                 <a:cs typeface="Adobe Clean"/>
               </a:rPr>
-              <a:t>Business  Support Features</a:t>
-            </a:r>
-            <a:endParaRPr lang="en-US" sz="1400">
+              <a:t>商业支持功能</a:t>
+            </a:r>
+            <a:endParaRPr lang="en-US" sz="1400" dirty="0">
               <a:latin typeface="Adobe Clean"/>
               <a:cs typeface="Adobe Clean"/>
             </a:endParaRPr>
@@ -8264,13 +7109,7 @@
       </p:sp>
       <p:sp>
         <p:nvSpPr>
-          <p:cNvPr id="94" name="object 39">
-            <a:extLst>
-              <a:ext uri="{FF2B5EF4-FFF2-40B4-BE49-F238E27FC236}">
-                <a16:creationId xmlns:a16="http://schemas.microsoft.com/office/drawing/2014/main" id="{56FA5DB6-2107-7245-9FC4-96BFB9E344C1}"/>
-              </a:ext>
-            </a:extLst>
-          </p:cNvPr>
+          <p:cNvPr id="94" name="object 39"/>
           <p:cNvSpPr txBox="1"/>
           <p:nvPr/>
         </p:nvSpPr>
@@ -8298,12 +7137,12 @@
               </a:spcBef>
             </a:pPr>
             <a:r>
-              <a:rPr lang="en-US" sz="1000">
+              <a:rPr lang="en-US" sz="1000" dirty="0">
                 <a:latin typeface="Adobe Clean Light" panose="020B0303020404020204" pitchFamily="34" charset="0"/>
               </a:rPr>
-              <a:t>Customers can submit support cases via Phone for all P2, P3, P4 issues during regional support hours. There are no upper limits on the number of times you can call into support. Customers can also request a call back from support or request a meeting to demonstrate or work through an issue using a shared remote desktop session.</a:t>
-            </a:r>
-            <a:endParaRPr lang="en-US" sz="1000">
+              <a:t>客户可以在区域支持时间内通过电话提交所有 P2、P3、P4 问题的支持案例。您拨打电话来获取支持的次数没有上限。客户还可以请求支持部门回电，或要求召开会议以使用共享远程桌面会话演示或解决问题。</a:t>
+            </a:r>
+            <a:endParaRPr lang="en-US" sz="1000" dirty="0">
               <a:latin typeface="Adobe Clean Light" panose="020B0303020404020204" pitchFamily="34" charset="0"/>
               <a:cs typeface="AdobeClean-Light"/>
             </a:endParaRPr>
@@ -8312,16 +7151,8 @@
       </p:sp>
       <p:sp>
         <p:nvSpPr>
-          <p:cNvPr id="95" name="Rectangle 94">
-            <a:extLst>
-              <a:ext uri="{FF2B5EF4-FFF2-40B4-BE49-F238E27FC236}">
-                <a16:creationId xmlns:a16="http://schemas.microsoft.com/office/drawing/2014/main" id="{06E9F521-1218-D44D-8A7A-CA9808D1171B}"/>
-              </a:ext>
-            </a:extLst>
-          </p:cNvPr>
-          <p:cNvSpPr>
-            <a:spLocks/>
-          </p:cNvSpPr>
+          <p:cNvPr id="95" name="Rectangle 94"/>
+          <p:cNvSpPr/>
           <p:nvPr/>
         </p:nvSpPr>
         <p:spPr>
@@ -8348,26 +7179,20 @@
               </a:spcAft>
             </a:pPr>
             <a:r>
-              <a:rPr lang="en-US" sz="1200" b="1" spc="-10">
+              <a:rPr lang="en-US" sz="1200" b="1" spc="-10" dirty="0">
                 <a:solidFill>
                   <a:srgbClr val="020302"/>
                 </a:solidFill>
                 <a:latin typeface="+mj-lt"/>
               </a:rPr>
-              <a:t>Live Telephone Support</a:t>
+              <a:t>实时电话支持</a:t>
             </a:r>
           </a:p>
         </p:txBody>
       </p:sp>
       <p:sp>
         <p:nvSpPr>
-          <p:cNvPr id="96" name="object 39">
-            <a:extLst>
-              <a:ext uri="{FF2B5EF4-FFF2-40B4-BE49-F238E27FC236}">
-                <a16:creationId xmlns:a16="http://schemas.microsoft.com/office/drawing/2014/main" id="{61C3FC5E-C90C-3046-9504-57A1CE7913F9}"/>
-              </a:ext>
-            </a:extLst>
-          </p:cNvPr>
+          <p:cNvPr id="96" name="object 39"/>
           <p:cNvSpPr txBox="1"/>
           <p:nvPr/>
         </p:nvSpPr>
@@ -8395,15 +7220,15 @@
               </a:spcBef>
             </a:pPr>
             <a:r>
-              <a:rPr lang="en-US" sz="1000">
+              <a:rPr lang="en-US" sz="1000" dirty="0">
                 <a:solidFill>
                   <a:srgbClr val="4B4B4B"/>
                 </a:solidFill>
                 <a:latin typeface="Adobe Clean Light" panose="020B0303020404020204" pitchFamily="34" charset="0"/>
               </a:rPr>
-              <a:t>A designated point of contact within Adobe who can provide escalation assistance, regular updates and ensure priority is given to your most critical open support requests.</a:t>
-            </a:r>
-            <a:endParaRPr lang="en-US" sz="1000">
+              <a:t>Adobe 内部的指定联系人，可以提供上报协助和定期更新，确保优先处理最重要的未完成支持请求。</a:t>
+            </a:r>
+            <a:endParaRPr lang="en-US" sz="1000" dirty="0">
               <a:latin typeface="Adobe Clean Light" panose="020B0303020404020204" pitchFamily="34" charset="0"/>
               <a:cs typeface="AdobeClean-Light"/>
             </a:endParaRPr>
@@ -8412,16 +7237,8 @@
       </p:sp>
       <p:sp>
         <p:nvSpPr>
-          <p:cNvPr id="97" name="Rectangle 96">
-            <a:extLst>
-              <a:ext uri="{FF2B5EF4-FFF2-40B4-BE49-F238E27FC236}">
-                <a16:creationId xmlns:a16="http://schemas.microsoft.com/office/drawing/2014/main" id="{1F390430-3ED2-1F47-8897-19279095D4E1}"/>
-              </a:ext>
-            </a:extLst>
-          </p:cNvPr>
-          <p:cNvSpPr>
-            <a:spLocks/>
-          </p:cNvSpPr>
+          <p:cNvPr id="97" name="Rectangle 96"/>
+          <p:cNvSpPr/>
           <p:nvPr/>
         </p:nvSpPr>
         <p:spPr>
@@ -8448,29 +7265,21 @@
               </a:spcAft>
             </a:pPr>
             <a:r>
-              <a:rPr lang="en-US" sz="1200" b="1" spc="-10">
+              <a:rPr lang="en-US" sz="1200" b="1" spc="-10" dirty="0">
                 <a:solidFill>
                   <a:srgbClr val="020302"/>
                 </a:solidFill>
                 <a:latin typeface="+mj-lt"/>
               </a:rPr>
-              <a:t>Escalation Management</a:t>
+              <a:t>上报管理</a:t>
             </a:r>
           </a:p>
         </p:txBody>
       </p:sp>
       <p:sp>
         <p:nvSpPr>
-          <p:cNvPr id="57" name="TextBox 56">
-            <a:extLst>
-              <a:ext uri="{FF2B5EF4-FFF2-40B4-BE49-F238E27FC236}">
-                <a16:creationId xmlns:a16="http://schemas.microsoft.com/office/drawing/2014/main" id="{D014F946-0545-5C4A-A033-E0A3D7D3B994}"/>
-              </a:ext>
-            </a:extLst>
-          </p:cNvPr>
-          <p:cNvSpPr txBox="1">
-            <a:spLocks/>
-          </p:cNvSpPr>
+          <p:cNvPr id="57" name="TextBox 56"/>
+          <p:cNvSpPr txBox="1"/>
           <p:nvPr/>
         </p:nvSpPr>
         <p:spPr>
@@ -8502,28 +7311,20 @@
               <a:defRPr/>
             </a:pPr>
             <a:r>
-              <a:rPr lang="en-US" sz="1200">
+              <a:rPr lang="en-US" sz="1200" dirty="0">
                 <a:solidFill>
                   <a:srgbClr val="000000"/>
                 </a:solidFill>
               </a:rPr>
-              <a:t>Office Hours</a:t>
+              <a:t>办公室会议</a:t>
             </a:r>
           </a:p>
         </p:txBody>
       </p:sp>
       <p:sp>
         <p:nvSpPr>
-          <p:cNvPr id="68" name="Rectangle 67">
-            <a:extLst>
-              <a:ext uri="{FF2B5EF4-FFF2-40B4-BE49-F238E27FC236}">
-                <a16:creationId xmlns:a16="http://schemas.microsoft.com/office/drawing/2014/main" id="{E00D47C7-6887-144B-AC6C-98B0C06A66C3}"/>
-              </a:ext>
-            </a:extLst>
-          </p:cNvPr>
-          <p:cNvSpPr>
-            <a:spLocks/>
-          </p:cNvSpPr>
+          <p:cNvPr id="68" name="Rectangle 67"/>
+          <p:cNvSpPr/>
           <p:nvPr/>
         </p:nvSpPr>
         <p:spPr>
@@ -8550,32 +7351,26 @@
               </a:spcAft>
             </a:pPr>
             <a:r>
-              <a:rPr lang="en-US" sz="1200" b="1">
+              <a:rPr lang="en-US" sz="1200" b="1" dirty="0">
                 <a:latin typeface="+mj-lt"/>
                 <a:ea typeface="Open Sans" pitchFamily="34" charset="0"/>
                 <a:cs typeface="Open Sans" pitchFamily="34" charset="0"/>
               </a:rPr>
-              <a:t>Webinars</a:t>
+              <a:t>网络研讨会</a:t>
             </a:r>
           </a:p>
         </p:txBody>
       </p:sp>
       <p:sp>
         <p:nvSpPr>
-          <p:cNvPr id="70" name="object 39">
-            <a:extLst>
-              <a:ext uri="{FF2B5EF4-FFF2-40B4-BE49-F238E27FC236}">
-                <a16:creationId xmlns:a16="http://schemas.microsoft.com/office/drawing/2014/main" id="{A3968CBF-60CB-D743-9C93-31831CF4AC99}"/>
-              </a:ext>
-            </a:extLst>
-          </p:cNvPr>
+          <p:cNvPr id="70" name="object 39"/>
           <p:cNvSpPr txBox="1"/>
           <p:nvPr/>
         </p:nvSpPr>
         <p:spPr>
           <a:xfrm>
             <a:off x="370040" y="8618616"/>
-            <a:ext cx="2286000" cy="1113125"/>
+            <a:ext cx="2373160" cy="651460"/>
           </a:xfrm>
           <a:prstGeom prst="rect">
             <a:avLst/>
@@ -8588,29 +7383,21 @@
           <a:lstStyle/>
           <a:p>
             <a:r>
-              <a:rPr lang="en-US" sz="1000">
+              <a:rPr lang="en-US" sz="1000" dirty="0">
                 <a:solidFill>
                   <a:srgbClr val="000000"/>
                 </a:solidFill>
                 <a:latin typeface="Adobe Clean Light" panose="020B0303020404020204" pitchFamily="34" charset="0"/>
               </a:rPr>
-              <a:t>Office Hours is an initiative led by the Adobe Customer Support team. These sessions are designed to inform as well as help participants troubleshoot problems and provide tips and tricks to be successful with Adobe Experience Cloud.</a:t>
+              <a:t>“办公室会议”是 Adobe 客户支持团队发起的一项计划。这些讲座旨在指导并帮助参与者排除问题，并提供有助于 Adobe Experience Cloud 发挥成效的提示和技巧。</a:t>
             </a:r>
           </a:p>
         </p:txBody>
       </p:sp>
       <p:sp>
         <p:nvSpPr>
-          <p:cNvPr id="73" name="Rectangle 72">
-            <a:extLst>
-              <a:ext uri="{FF2B5EF4-FFF2-40B4-BE49-F238E27FC236}">
-                <a16:creationId xmlns:a16="http://schemas.microsoft.com/office/drawing/2014/main" id="{07CC29C8-EC02-804B-805C-15E7100BFE98}"/>
-              </a:ext>
-            </a:extLst>
-          </p:cNvPr>
-          <p:cNvSpPr>
-            <a:spLocks/>
-          </p:cNvSpPr>
+          <p:cNvPr id="73" name="Rectangle 72"/>
+          <p:cNvSpPr/>
           <p:nvPr/>
         </p:nvSpPr>
         <p:spPr>
@@ -8637,32 +7424,26 @@
               </a:spcAft>
             </a:pPr>
             <a:r>
-              <a:rPr lang="en-US" sz="1200" b="1">
+              <a:rPr lang="en-US" sz="1200" b="1" dirty="0">
                 <a:latin typeface="+mj-lt"/>
                 <a:ea typeface="Open Sans" pitchFamily="34" charset="0"/>
                 <a:cs typeface="Open Sans" pitchFamily="34" charset="0"/>
               </a:rPr>
-              <a:t>24/7 Support Portal</a:t>
+              <a:t>全天候支持门户</a:t>
             </a:r>
           </a:p>
         </p:txBody>
       </p:sp>
       <p:sp>
         <p:nvSpPr>
-          <p:cNvPr id="74" name="object 39">
-            <a:extLst>
-              <a:ext uri="{FF2B5EF4-FFF2-40B4-BE49-F238E27FC236}">
-                <a16:creationId xmlns:a16="http://schemas.microsoft.com/office/drawing/2014/main" id="{02FB7DE8-001A-7E4A-8191-AA46458FFED8}"/>
-              </a:ext>
-            </a:extLst>
-          </p:cNvPr>
+          <p:cNvPr id="74" name="object 39"/>
           <p:cNvSpPr txBox="1"/>
           <p:nvPr/>
         </p:nvSpPr>
         <p:spPr>
           <a:xfrm>
             <a:off x="5376301" y="8618616"/>
-            <a:ext cx="2286000" cy="805349"/>
+            <a:ext cx="2286000" cy="650875"/>
           </a:xfrm>
           <a:prstGeom prst="rect">
             <a:avLst/>
@@ -8675,43 +7456,20 @@
           <a:lstStyle/>
           <a:p>
             <a:r>
-              <a:rPr lang="en-US" sz="1000">
+              <a:rPr lang="en-US" sz="1000" dirty="0">
                 <a:solidFill>
                   <a:srgbClr val="000000"/>
                 </a:solidFill>
                 <a:latin typeface="Adobe Clean Light" panose="020B0303020404020204" pitchFamily="34" charset="0"/>
               </a:rPr>
-              <a:t>On-demand access to the online </a:t>
-            </a:r>
-            <a:br>
-              <a:rPr lang="en-US" sz="1000">
-                <a:solidFill>
-                  <a:srgbClr val="000000"/>
-                </a:solidFill>
-                <a:latin typeface="Adobe Clean Light" panose="020B0303020404020204" pitchFamily="34" charset="0"/>
-              </a:rPr>
-            </a:br>
-            <a:r>
-              <a:rPr lang="en-US" sz="1000">
-                <a:solidFill>
-                  <a:srgbClr val="000000"/>
-                </a:solidFill>
-                <a:latin typeface="Adobe Clean Light" panose="020B0303020404020204" pitchFamily="34" charset="0"/>
-              </a:rPr>
-              <a:t>Self-help Support Portal to submit support requests, review case status, and browse other resources, like our knowledgebase, news and alerts, featured tips, and more.</a:t>
+              <a:t>按需访问在线自助支持门户以提交支持请求、查看案例状态并浏览其他资源，例如我们的知识库、新闻和通知、特色小贴士等。</a:t>
             </a:r>
           </a:p>
         </p:txBody>
       </p:sp>
       <p:pic>
         <p:nvPicPr>
-          <p:cNvPr id="13" name="Graphic 12" descr="Playbook outline">
-            <a:extLst>
-              <a:ext uri="{FF2B5EF4-FFF2-40B4-BE49-F238E27FC236}">
-                <a16:creationId xmlns:a16="http://schemas.microsoft.com/office/drawing/2014/main" id="{EA91EF06-4BFE-9B42-9A4B-1146BB3FDFD3}"/>
-              </a:ext>
-            </a:extLst>
-          </p:cNvPr>
+          <p:cNvPr id="13" name="Graphic 12" descr="操作说明轮廓图"/>
           <p:cNvPicPr>
             <a:picLocks noChangeAspect="1"/>
           </p:cNvPicPr>
@@ -8744,13 +7502,7 @@
       </p:pic>
       <p:pic>
         <p:nvPicPr>
-          <p:cNvPr id="15" name="Graphic 14" descr="User outline">
-            <a:extLst>
-              <a:ext uri="{FF2B5EF4-FFF2-40B4-BE49-F238E27FC236}">
-                <a16:creationId xmlns:a16="http://schemas.microsoft.com/office/drawing/2014/main" id="{432C176A-FCAC-A645-A2E4-E6AD4A602868}"/>
-              </a:ext>
-            </a:extLst>
-          </p:cNvPr>
+          <p:cNvPr id="15" name="Graphic 14" descr="用户轮廓图"/>
           <p:cNvPicPr>
             <a:picLocks noChangeAspect="1"/>
           </p:cNvPicPr>
@@ -8783,13 +7535,7 @@
       </p:pic>
       <p:sp>
         <p:nvSpPr>
-          <p:cNvPr id="6" name="TextBox 5">
-            <a:extLst>
-              <a:ext uri="{FF2B5EF4-FFF2-40B4-BE49-F238E27FC236}">
-                <a16:creationId xmlns:a16="http://schemas.microsoft.com/office/drawing/2014/main" id="{3A360C4F-3C10-B641-8B6D-C8AF4943F81E}"/>
-              </a:ext>
-            </a:extLst>
-          </p:cNvPr>
+          <p:cNvPr id="6" name="TextBox 5"/>
           <p:cNvSpPr txBox="1"/>
           <p:nvPr/>
         </p:nvSpPr>
@@ -8810,23 +7556,17 @@
           <a:lstStyle/>
           <a:p>
             <a:r>
-              <a:rPr lang="en-US" sz="1200" b="1">
+              <a:rPr lang="en-US" sz="1200" b="1" dirty="0">
                 <a:latin typeface="+mj-lt"/>
               </a:rPr>
-              <a:t>Business Services</a:t>
+              <a:t>商业服务</a:t>
             </a:r>
           </a:p>
         </p:txBody>
       </p:sp>
       <p:sp>
         <p:nvSpPr>
-          <p:cNvPr id="86" name="object 39">
-            <a:extLst>
-              <a:ext uri="{FF2B5EF4-FFF2-40B4-BE49-F238E27FC236}">
-                <a16:creationId xmlns:a16="http://schemas.microsoft.com/office/drawing/2014/main" id="{3003AB67-9A7C-614D-8006-83CEA36B6A65}"/>
-              </a:ext>
-            </a:extLst>
-          </p:cNvPr>
+          <p:cNvPr id="86" name="object 39"/>
           <p:cNvSpPr txBox="1"/>
           <p:nvPr/>
         </p:nvSpPr>
@@ -8854,12 +7594,12 @@
               </a:spcBef>
             </a:pPr>
             <a:r>
-              <a:rPr lang="en-US" sz="1000">
+              <a:rPr lang="en-US" sz="1000" dirty="0">
                 <a:latin typeface="Adobe Clean Light" panose="020B0303020404020204" pitchFamily="34" charset="0"/>
               </a:rPr>
-              <a:t>An Account Support Lead will host webinars covering an overview of business support services.  </a:t>
-            </a:r>
-            <a:endParaRPr lang="en-US" sz="1000">
+              <a:t>帐户支持主管将主持旨在从总体上介绍商业支持服务的网络研讨会。</a:t>
+            </a:r>
+            <a:endParaRPr lang="en-US" sz="1000" dirty="0">
               <a:latin typeface="Adobe Clean Light" panose="020B0303020404020204" pitchFamily="34" charset="0"/>
               <a:cs typeface="AdobeClean-Light"/>
             </a:endParaRPr>
@@ -8868,13 +7608,7 @@
       </p:sp>
       <p:sp>
         <p:nvSpPr>
-          <p:cNvPr id="90" name="object 38">
-            <a:extLst>
-              <a:ext uri="{FF2B5EF4-FFF2-40B4-BE49-F238E27FC236}">
-                <a16:creationId xmlns:a16="http://schemas.microsoft.com/office/drawing/2014/main" id="{365702EE-FA18-9544-B462-9958849596A3}"/>
-              </a:ext>
-            </a:extLst>
-          </p:cNvPr>
+          <p:cNvPr id="90" name="object 38"/>
           <p:cNvSpPr/>
           <p:nvPr/>
         </p:nvSpPr>
@@ -8923,13 +7657,7 @@
       </p:sp>
       <p:pic>
         <p:nvPicPr>
-          <p:cNvPr id="8" name="Graphic 7" descr="Call center outline">
-            <a:extLst>
-              <a:ext uri="{FF2B5EF4-FFF2-40B4-BE49-F238E27FC236}">
-                <a16:creationId xmlns:a16="http://schemas.microsoft.com/office/drawing/2014/main" id="{76C5F4CC-9EB1-9A40-B7CD-9238D7CBD210}"/>
-              </a:ext>
-            </a:extLst>
-          </p:cNvPr>
+          <p:cNvPr id="8" name="Graphic 7" descr="呼叫中心轮廓图"/>
           <p:cNvPicPr>
             <a:picLocks noChangeAspect="1"/>
           </p:cNvPicPr>
@@ -8962,13 +7690,7 @@
       </p:pic>
       <p:pic>
         <p:nvPicPr>
-          <p:cNvPr id="12" name="Graphic 11" descr="Chat bubble outline">
-            <a:extLst>
-              <a:ext uri="{FF2B5EF4-FFF2-40B4-BE49-F238E27FC236}">
-                <a16:creationId xmlns:a16="http://schemas.microsoft.com/office/drawing/2014/main" id="{622BBF30-302E-BB48-9742-E046EB16E213}"/>
-              </a:ext>
-            </a:extLst>
-          </p:cNvPr>
+          <p:cNvPr id="12" name="Graphic 11" descr="聊天气泡轮廓图"/>
           <p:cNvPicPr>
             <a:picLocks noChangeAspect="1"/>
           </p:cNvPicPr>
@@ -9001,13 +7723,7 @@
       </p:pic>
       <p:pic>
         <p:nvPicPr>
-          <p:cNvPr id="16" name="Graphic 15" descr="Compass outline">
-            <a:extLst>
-              <a:ext uri="{FF2B5EF4-FFF2-40B4-BE49-F238E27FC236}">
-                <a16:creationId xmlns:a16="http://schemas.microsoft.com/office/drawing/2014/main" id="{8D3635BD-68A2-174E-92F8-1EE608E3F409}"/>
-              </a:ext>
-            </a:extLst>
-          </p:cNvPr>
+          <p:cNvPr id="16" name="Graphic 15" descr="指南针轮廓图"/>
           <p:cNvPicPr>
             <a:picLocks noChangeAspect="1"/>
           </p:cNvPicPr>
@@ -9040,13 +7756,7 @@
       </p:pic>
       <p:pic>
         <p:nvPicPr>
-          <p:cNvPr id="18" name="Graphic 17" descr="Speaker phone outline">
-            <a:extLst>
-              <a:ext uri="{FF2B5EF4-FFF2-40B4-BE49-F238E27FC236}">
-                <a16:creationId xmlns:a16="http://schemas.microsoft.com/office/drawing/2014/main" id="{CD7C3546-DF6C-1748-9DE2-3DE0B393FD70}"/>
-              </a:ext>
-            </a:extLst>
-          </p:cNvPr>
+          <p:cNvPr id="18" name="Graphic 17" descr="免提电话轮廓图"/>
           <p:cNvPicPr>
             <a:picLocks noChangeAspect="1"/>
           </p:cNvPicPr>
@@ -9079,13 +7789,7 @@
       </p:pic>
       <p:pic>
         <p:nvPicPr>
-          <p:cNvPr id="20" name="Graphic 19" descr="Customer review outline">
-            <a:extLst>
-              <a:ext uri="{FF2B5EF4-FFF2-40B4-BE49-F238E27FC236}">
-                <a16:creationId xmlns:a16="http://schemas.microsoft.com/office/drawing/2014/main" id="{88BA5AB9-C7BF-714C-B301-F3911BFCE82B}"/>
-              </a:ext>
-            </a:extLst>
-          </p:cNvPr>
+          <p:cNvPr id="20" name="Graphic 19" descr="客户审查轮廓图"/>
           <p:cNvPicPr>
             <a:picLocks noChangeAspect="1"/>
           </p:cNvPicPr>
@@ -9118,13 +7822,7 @@
       </p:pic>
       <p:pic>
         <p:nvPicPr>
-          <p:cNvPr id="24" name="Graphic 23" descr="Signpost outline">
-            <a:extLst>
-              <a:ext uri="{FF2B5EF4-FFF2-40B4-BE49-F238E27FC236}">
-                <a16:creationId xmlns:a16="http://schemas.microsoft.com/office/drawing/2014/main" id="{98A2CDD0-0973-5C41-9864-EAF96E20A224}"/>
-              </a:ext>
-            </a:extLst>
-          </p:cNvPr>
+          <p:cNvPr id="24" name="Graphic 23" descr="路标轮廓图"/>
           <p:cNvPicPr>
             <a:picLocks noChangeAspect="1"/>
           </p:cNvPicPr>
@@ -9157,13 +7855,7 @@
       </p:pic>
       <p:pic>
         <p:nvPicPr>
-          <p:cNvPr id="26" name="Graphic 25" descr="Internet outline">
-            <a:extLst>
-              <a:ext uri="{FF2B5EF4-FFF2-40B4-BE49-F238E27FC236}">
-                <a16:creationId xmlns:a16="http://schemas.microsoft.com/office/drawing/2014/main" id="{D97D0963-4E70-534E-A452-83995F1FACDE}"/>
-              </a:ext>
-            </a:extLst>
-          </p:cNvPr>
+          <p:cNvPr id="26" name="Graphic 25" descr="Internet 轮廓图"/>
           <p:cNvPicPr>
             <a:picLocks noChangeAspect="1"/>
           </p:cNvPicPr>
@@ -9196,13 +7888,7 @@
       </p:pic>
       <p:pic>
         <p:nvPicPr>
-          <p:cNvPr id="28" name="Graphic 27" descr="Remote learning language outline">
-            <a:extLst>
-              <a:ext uri="{FF2B5EF4-FFF2-40B4-BE49-F238E27FC236}">
-                <a16:creationId xmlns:a16="http://schemas.microsoft.com/office/drawing/2014/main" id="{5F425BA3-573C-1A4A-9418-FC3AB02B28C2}"/>
-              </a:ext>
-            </a:extLst>
-          </p:cNvPr>
+          <p:cNvPr id="28" name="Graphic 27" descr="远程学习语言轮廓图"/>
           <p:cNvPicPr>
             <a:picLocks noChangeAspect="1"/>
           </p:cNvPicPr>
@@ -9235,13 +7921,7 @@
       </p:pic>
       <p:sp>
         <p:nvSpPr>
-          <p:cNvPr id="75" name="object 38">
-            <a:extLst>
-              <a:ext uri="{FF2B5EF4-FFF2-40B4-BE49-F238E27FC236}">
-                <a16:creationId xmlns:a16="http://schemas.microsoft.com/office/drawing/2014/main" id="{7721F89F-362E-2149-8232-23A77C21A87D}"/>
-              </a:ext>
-            </a:extLst>
-          </p:cNvPr>
+          <p:cNvPr id="75" name="object 38"/>
           <p:cNvSpPr/>
           <p:nvPr/>
         </p:nvSpPr>
@@ -9290,16 +7970,8 @@
       </p:sp>
       <p:sp>
         <p:nvSpPr>
-          <p:cNvPr id="79" name="TextBox 78">
-            <a:extLst>
-              <a:ext uri="{FF2B5EF4-FFF2-40B4-BE49-F238E27FC236}">
-                <a16:creationId xmlns:a16="http://schemas.microsoft.com/office/drawing/2014/main" id="{BD8D3B50-8896-BD46-87FD-5A7F5FB02DD5}"/>
-              </a:ext>
-            </a:extLst>
-          </p:cNvPr>
-          <p:cNvSpPr txBox="1">
-            <a:spLocks/>
-          </p:cNvSpPr>
+          <p:cNvPr id="79" name="TextBox 78"/>
+          <p:cNvSpPr txBox="1"/>
           <p:nvPr/>
         </p:nvSpPr>
         <p:spPr>
@@ -9331,28 +8003,20 @@
               <a:defRPr/>
             </a:pPr>
             <a:r>
-              <a:rPr lang="en-US" sz="1200">
+              <a:rPr lang="en-US" sz="1200" dirty="0">
                 <a:solidFill>
                   <a:srgbClr val="000000"/>
                 </a:solidFill>
               </a:rPr>
-              <a:t>Self– Help Portal</a:t>
+              <a:t>自助门户</a:t>
             </a:r>
           </a:p>
         </p:txBody>
       </p:sp>
       <p:sp>
         <p:nvSpPr>
-          <p:cNvPr id="83" name="TextBox 82">
-            <a:extLst>
-              <a:ext uri="{FF2B5EF4-FFF2-40B4-BE49-F238E27FC236}">
-                <a16:creationId xmlns:a16="http://schemas.microsoft.com/office/drawing/2014/main" id="{AF154937-CC7F-194F-914A-583BEF4B46DE}"/>
-              </a:ext>
-            </a:extLst>
-          </p:cNvPr>
-          <p:cNvSpPr txBox="1">
-            <a:spLocks/>
-          </p:cNvSpPr>
+          <p:cNvPr id="83" name="TextBox 82"/>
+          <p:cNvSpPr txBox="1"/>
           <p:nvPr/>
         </p:nvSpPr>
         <p:spPr>
@@ -9384,7 +8048,7 @@
               <a:defRPr/>
             </a:pPr>
             <a:r>
-              <a:rPr lang="en-US" sz="1200">
+              <a:rPr lang="en-US" sz="1200" dirty="0">
                 <a:solidFill>
                   <a:srgbClr val="000000"/>
                 </a:solidFill>
@@ -9446,17 +8110,17 @@
               </a:lnSpc>
             </a:pPr>
             <a:r>
-              <a:rPr sz="500" spc="-5">
+              <a:rPr lang="en-US" sz="500" spc="-5" dirty="0">
                 <a:solidFill>
                   <a:srgbClr val="6C6C6C"/>
                 </a:solidFill>
                 <a:latin typeface="Adobe Clean"/>
                 <a:cs typeface="Adobe Clean"/>
               </a:rPr>
-              <a:t>©2020 Adobe. All Rights Reserved. </a:t>
-            </a:r>
-            <a:r>
-              <a:rPr sz="500">
+              <a:t>© 2020 Adobe. All Rights Reserved.</a:t>
+            </a:r>
+            <a:r>
+              <a:rPr lang="en-US" sz="500" dirty="0">
                 <a:solidFill>
                   <a:srgbClr val="6C6C6C"/>
                 </a:solidFill>
@@ -9466,7 +8130,7 @@
               <a:t>Adobe</a:t>
             </a:r>
             <a:r>
-              <a:rPr sz="500" spc="5">
+              <a:rPr lang="en-US" sz="500" spc="5" dirty="0">
                 <a:solidFill>
                   <a:srgbClr val="6C6C6C"/>
                 </a:solidFill>
@@ -9476,7 +8140,7 @@
               <a:t> </a:t>
             </a:r>
             <a:r>
-              <a:rPr sz="500" spc="-5">
+              <a:rPr lang="en-US" sz="500" spc="-5" dirty="0">
                 <a:solidFill>
                   <a:srgbClr val="6C6C6C"/>
                 </a:solidFill>
@@ -9514,17 +8178,17 @@
               </a:spcBef>
             </a:pPr>
             <a:r>
-              <a:rPr sz="800" spc="-5">
+              <a:rPr lang="en-US" sz="800" spc="-5" dirty="0">
                 <a:solidFill>
                   <a:srgbClr val="6D6D6D"/>
                 </a:solidFill>
                 <a:latin typeface="Adobe Clean"/>
                 <a:cs typeface="Adobe Clean"/>
               </a:rPr>
-              <a:t>©2020 Adobe. All Rights Reserved. Adobe</a:t>
-            </a:r>
-            <a:r>
-              <a:rPr sz="800" spc="75">
+              <a:t>© 2020 Adobe. All Rights Reserved.Adobe</a:t>
+            </a:r>
+            <a:r>
+              <a:rPr lang="en-US" sz="800" spc="75" dirty="0">
                 <a:solidFill>
                   <a:srgbClr val="6D6D6D"/>
                 </a:solidFill>
@@ -9534,7 +8198,7 @@
               <a:t> </a:t>
             </a:r>
             <a:r>
-              <a:rPr sz="800" spc="-5">
+              <a:rPr lang="en-US" sz="800" spc="-5" dirty="0">
                 <a:solidFill>
                   <a:srgbClr val="6D6D6D"/>
                 </a:solidFill>
@@ -9630,16 +8294,16 @@
               </a:spcBef>
             </a:pPr>
             <a:r>
-              <a:rPr lang="en-US" sz="1400" b="1" spc="-15">
+              <a:rPr lang="en-US" sz="1400" b="1" spc="-15" dirty="0">
                 <a:solidFill>
                   <a:srgbClr val="020302"/>
                 </a:solidFill>
                 <a:latin typeface="Adobe Clean"/>
                 <a:cs typeface="Adobe Clean"/>
               </a:rPr>
-              <a:t>Resources</a:t>
-            </a:r>
-            <a:endParaRPr sz="1400">
+              <a:t>资源</a:t>
+            </a:r>
+            <a:endParaRPr sz="1400" dirty="0">
               <a:latin typeface="Adobe Clean"/>
               <a:cs typeface="Adobe Clean"/>
             </a:endParaRPr>
@@ -9676,7 +8340,7 @@
               </a:spcBef>
             </a:pPr>
             <a:r>
-              <a:rPr sz="800" spc="-15">
+              <a:rPr lang="en-US" sz="800" spc="-15" dirty="0">
                 <a:solidFill>
                   <a:srgbClr val="777879"/>
                 </a:solidFill>
@@ -9697,7 +8361,7 @@
               </a:lnSpc>
             </a:pPr>
             <a:r>
-              <a:rPr sz="800" spc="-15">
+              <a:rPr lang="en-US" sz="800" spc="-15" dirty="0">
                 <a:solidFill>
                   <a:srgbClr val="777879"/>
                 </a:solidFill>
@@ -9707,7 +8371,7 @@
               <a:t>345 Park</a:t>
             </a:r>
             <a:r>
-              <a:rPr sz="800" spc="-100">
+              <a:rPr lang="en-US" sz="800" spc="-100" dirty="0">
                 <a:solidFill>
                   <a:srgbClr val="777879"/>
                 </a:solidFill>
@@ -9717,7 +8381,7 @@
               <a:t> </a:t>
             </a:r>
             <a:r>
-              <a:rPr sz="800" spc="-15">
+              <a:rPr lang="en-US" sz="800" spc="-15" dirty="0">
                 <a:solidFill>
                   <a:srgbClr val="777879"/>
                 </a:solidFill>
@@ -9734,11 +8398,11 @@
           <a:p>
             <a:pPr marL="12700">
               <a:lnSpc>
-                <a:spcPts val="944"/>
+                <a:spcPts val="945"/>
               </a:lnSpc>
             </a:pPr>
             <a:r>
-              <a:rPr sz="800" spc="-10">
+              <a:rPr lang="en-US" sz="800" spc="-10" dirty="0">
                 <a:solidFill>
                   <a:srgbClr val="777879"/>
                 </a:solidFill>
@@ -9748,7 +8412,7 @@
               <a:t>San </a:t>
             </a:r>
             <a:r>
-              <a:rPr sz="800" spc="-15">
+              <a:rPr lang="en-US" sz="800" spc="-15" dirty="0">
                 <a:solidFill>
                   <a:srgbClr val="777879"/>
                 </a:solidFill>
@@ -9758,7 +8422,7 @@
               <a:t>Jose,</a:t>
             </a:r>
             <a:r>
-              <a:rPr sz="800" spc="-140">
+              <a:rPr lang="en-US" sz="800" spc="-140" dirty="0">
                 <a:solidFill>
                   <a:srgbClr val="777879"/>
                 </a:solidFill>
@@ -9768,7 +8432,7 @@
               <a:t> </a:t>
             </a:r>
             <a:r>
-              <a:rPr sz="800" spc="-20">
+              <a:rPr lang="en-US" sz="800" spc="-20" dirty="0">
                 <a:solidFill>
                   <a:srgbClr val="777879"/>
                 </a:solidFill>
@@ -9792,7 +8456,7 @@
               </a:spcBef>
             </a:pPr>
             <a:r>
-              <a:rPr sz="800" spc="-10">
+              <a:rPr lang="en-US" sz="800" spc="-10" dirty="0">
                 <a:solidFill>
                   <a:srgbClr val="777879"/>
                 </a:solidFill>
@@ -9816,7 +8480,7 @@
               </a:spcBef>
             </a:pPr>
             <a:r>
-              <a:rPr sz="800" u="sng" spc="-25">
+              <a:rPr lang="en-US" sz="800" u="sng" spc="-25" dirty="0">
                 <a:solidFill>
                   <a:srgbClr val="5F5F5F"/>
                 </a:solidFill>
@@ -9827,9 +8491,9 @@
                 </a:uFill>
                 <a:latin typeface="Adobe Clean"/>
                 <a:cs typeface="Adobe Clean"/>
-                <a:hlinkClick r:id="rId3"/>
+                <a:hlinkClick r:id="rId4"/>
               </a:rPr>
-              <a:t>www.adobe.com</a:t>
+              <a:t>www.adobe.com/cn/</a:t>
             </a:r>
             <a:endParaRPr sz="800">
               <a:latin typeface="Adobe Clean"/>
@@ -9853,7 +8517,7 @@
             <a:avLst/>
           </a:prstGeom>
           <a:blipFill>
-            <a:blip r:embed="rId4" cstate="print"/>
+            <a:blip r:embed="rId5" cstate="print"/>
             <a:stretch>
               <a:fillRect/>
             </a:stretch>
@@ -9965,7 +8629,7 @@
             <a:avLst/>
           </a:prstGeom>
           <a:blipFill>
-            <a:blip r:embed="rId5" cstate="print"/>
+            <a:blip r:embed="rId6" cstate="print"/>
             <a:stretch>
               <a:fillRect/>
             </a:stretch>
@@ -9995,7 +8659,7 @@
           </a:prstGeom>
         </p:spPr>
         <p:txBody>
-          <a:bodyPr vert="horz" wrap="square" lIns="0" tIns="29845" rIns="0" bIns="0" rtlCol="0" anchor="t">
+          <a:bodyPr vert="horz" wrap="square" lIns="0" tIns="29845" rIns="0" bIns="0" rtlCol="0">
             <a:spAutoFit/>
           </a:bodyPr>
           <a:lstStyle/>
@@ -10009,17 +8673,27 @@
               </a:spcBef>
             </a:pPr>
             <a:r>
-              <a:rPr sz="1100" i="1" spc="-10">
+              <a:rPr lang="en-US" sz="1100" i="1" spc="-10" dirty="0">
                 <a:solidFill>
                   <a:srgbClr val="777879"/>
                 </a:solidFill>
                 <a:latin typeface="AdobeClean-LightIt"/>
                 <a:cs typeface="AdobeClean-LightIt"/>
               </a:rPr>
-              <a:t>To</a:t>
-            </a:r>
-            <a:r>
-              <a:rPr sz="1100" i="1" spc="-50">
+              <a:t>要</a:t>
+            </a:r>
+            <a:r>
+              <a:rPr lang="en-US" sz="1100" i="1" spc="-15" dirty="0">
+                <a:solidFill>
+                  <a:srgbClr val="777879"/>
+                </a:solidFill>
+                <a:latin typeface="AdobeClean-LightIt"/>
+                <a:cs typeface="AdobeClean-LightIt"/>
+              </a:rPr>
+              <a:t>详细了解</a:t>
+            </a:r>
+            <a:r>
+              <a:rPr lang="en-US" sz="1100" i="1" spc="-45" dirty="0">
                 <a:solidFill>
                   <a:srgbClr val="777879"/>
                 </a:solidFill>
@@ -10029,17 +8703,17 @@
               <a:t> </a:t>
             </a:r>
             <a:r>
-              <a:rPr sz="1100" i="1" spc="-15">
+              <a:rPr lang="en-US" sz="1100" i="1" spc="-15" dirty="0">
                 <a:solidFill>
                   <a:srgbClr val="777879"/>
                 </a:solidFill>
                 <a:latin typeface="AdobeClean-LightIt"/>
                 <a:cs typeface="AdobeClean-LightIt"/>
               </a:rPr>
-              <a:t>learn</a:t>
-            </a:r>
-            <a:r>
-              <a:rPr sz="1100" i="1" spc="-40">
+              <a:t>Adobe</a:t>
+            </a:r>
+            <a:r>
+              <a:rPr lang="en-US" sz="1100" i="1" spc="-50" dirty="0">
                 <a:solidFill>
                   <a:srgbClr val="777879"/>
                 </a:solidFill>
@@ -10049,327 +8723,37 @@
               <a:t> </a:t>
             </a:r>
             <a:r>
-              <a:rPr sz="1100" i="1" spc="-15">
+              <a:rPr lang="en-US" sz="1100" i="1" spc="-15" dirty="0">
                 <a:solidFill>
                   <a:srgbClr val="777879"/>
                 </a:solidFill>
                 <a:latin typeface="AdobeClean-LightIt"/>
                 <a:cs typeface="AdobeClean-LightIt"/>
               </a:rPr>
-              <a:t>more</a:t>
-            </a:r>
-            <a:r>
-              <a:rPr sz="1100" i="1" spc="-45">
+              <a:t>支持产品/服务和您的适当级别，请联系指定</a:t>
+            </a:r>
+            <a:r>
+              <a:rPr lang="en-US" sz="1100" i="1" spc="-25" dirty="0">
                 <a:solidFill>
                   <a:srgbClr val="777879"/>
                 </a:solidFill>
                 <a:latin typeface="AdobeClean-LightIt"/>
                 <a:cs typeface="AdobeClean-LightIt"/>
               </a:rPr>
-              <a:t> </a:t>
-            </a:r>
-            <a:r>
-              <a:rPr sz="1100" i="1" spc="-15">
+              <a:t>客户</a:t>
+            </a:r>
+            <a:r>
+              <a:rPr lang="en-US" sz="1100" i="1" spc="-20" dirty="0">
                 <a:solidFill>
                   <a:srgbClr val="777879"/>
                 </a:solidFill>
                 <a:latin typeface="AdobeClean-LightIt"/>
                 <a:cs typeface="AdobeClean-LightIt"/>
               </a:rPr>
-              <a:t>about</a:t>
-            </a:r>
-            <a:r>
-              <a:rPr sz="1100" i="1" spc="-45">
-                <a:solidFill>
-                  <a:srgbClr val="777879"/>
-                </a:solidFill>
-                <a:latin typeface="AdobeClean-LightIt"/>
-                <a:cs typeface="AdobeClean-LightIt"/>
-              </a:rPr>
-              <a:t> </a:t>
-            </a:r>
-            <a:r>
-              <a:rPr sz="1100" i="1" spc="-15">
-                <a:solidFill>
-                  <a:srgbClr val="777879"/>
-                </a:solidFill>
-                <a:latin typeface="AdobeClean-LightIt"/>
-                <a:cs typeface="AdobeClean-LightIt"/>
-              </a:rPr>
-              <a:t>Adobe</a:t>
-            </a:r>
-            <a:r>
-              <a:rPr sz="1100" i="1" spc="-50">
-                <a:solidFill>
-                  <a:srgbClr val="777879"/>
-                </a:solidFill>
-                <a:latin typeface="AdobeClean-LightIt"/>
-                <a:cs typeface="AdobeClean-LightIt"/>
-              </a:rPr>
-              <a:t> </a:t>
-            </a:r>
-            <a:r>
-              <a:rPr sz="1100" i="1" spc="-15">
-                <a:solidFill>
-                  <a:srgbClr val="777879"/>
-                </a:solidFill>
-                <a:latin typeface="AdobeClean-LightIt"/>
-                <a:cs typeface="AdobeClean-LightIt"/>
-              </a:rPr>
-              <a:t>Support</a:t>
-            </a:r>
-            <a:r>
-              <a:rPr lang="en-US" sz="1100" i="1" spc="-15">
-                <a:solidFill>
-                  <a:srgbClr val="777879"/>
-                </a:solidFill>
-                <a:latin typeface="AdobeClean-LightIt"/>
-                <a:cs typeface="AdobeClean-LightIt"/>
-              </a:rPr>
-              <a:t> Offerings</a:t>
-            </a:r>
-            <a:r>
-              <a:rPr sz="1100" i="1" spc="-75">
-                <a:solidFill>
-                  <a:srgbClr val="777879"/>
-                </a:solidFill>
-                <a:latin typeface="AdobeClean-LightIt"/>
-                <a:cs typeface="AdobeClean-LightIt"/>
-              </a:rPr>
-              <a:t> </a:t>
-            </a:r>
-            <a:r>
-              <a:rPr sz="1100" i="1" spc="-15">
-                <a:solidFill>
-                  <a:srgbClr val="777879"/>
-                </a:solidFill>
-                <a:latin typeface="AdobeClean-LightIt"/>
-                <a:cs typeface="AdobeClean-LightIt"/>
-              </a:rPr>
-              <a:t>and</a:t>
-            </a:r>
-            <a:r>
-              <a:rPr sz="1100" i="1" spc="-50">
-                <a:solidFill>
-                  <a:srgbClr val="777879"/>
-                </a:solidFill>
-                <a:latin typeface="AdobeClean-LightIt"/>
-                <a:cs typeface="AdobeClean-LightIt"/>
-              </a:rPr>
-              <a:t> </a:t>
-            </a:r>
-            <a:r>
-              <a:rPr sz="1100" i="1" spc="-15">
-                <a:solidFill>
-                  <a:srgbClr val="777879"/>
-                </a:solidFill>
-                <a:latin typeface="AdobeClean-LightIt"/>
-                <a:cs typeface="AdobeClean-LightIt"/>
-              </a:rPr>
-              <a:t>the</a:t>
-            </a:r>
-            <a:r>
-              <a:rPr sz="1100" i="1" spc="-55">
-                <a:solidFill>
-                  <a:srgbClr val="777879"/>
-                </a:solidFill>
-                <a:latin typeface="AdobeClean-LightIt"/>
-                <a:cs typeface="AdobeClean-LightIt"/>
-              </a:rPr>
-              <a:t> </a:t>
-            </a:r>
-            <a:r>
-              <a:rPr sz="1100" i="1" spc="-15">
-                <a:solidFill>
-                  <a:srgbClr val="777879"/>
-                </a:solidFill>
-                <a:latin typeface="AdobeClean-LightIt"/>
-                <a:cs typeface="AdobeClean-LightIt"/>
-              </a:rPr>
-              <a:t>right</a:t>
-            </a:r>
-            <a:r>
-              <a:rPr sz="1100" i="1" spc="-95">
-                <a:solidFill>
-                  <a:srgbClr val="777879"/>
-                </a:solidFill>
-                <a:latin typeface="AdobeClean-LightIt"/>
-                <a:cs typeface="AdobeClean-LightIt"/>
-              </a:rPr>
-              <a:t> </a:t>
-            </a:r>
-            <a:r>
-              <a:rPr sz="1100" i="1" spc="-15">
-                <a:solidFill>
-                  <a:srgbClr val="777879"/>
-                </a:solidFill>
-                <a:latin typeface="AdobeClean-LightIt"/>
-                <a:cs typeface="AdobeClean-LightIt"/>
-              </a:rPr>
-              <a:t>level</a:t>
-            </a:r>
-            <a:r>
-              <a:rPr sz="1100" i="1" spc="-55">
-                <a:solidFill>
-                  <a:srgbClr val="777879"/>
-                </a:solidFill>
-                <a:latin typeface="AdobeClean-LightIt"/>
-                <a:cs typeface="AdobeClean-LightIt"/>
-              </a:rPr>
-              <a:t> </a:t>
-            </a:r>
-            <a:r>
-              <a:rPr sz="1100" i="1" spc="-15">
-                <a:solidFill>
-                  <a:srgbClr val="777879"/>
-                </a:solidFill>
-                <a:latin typeface="AdobeClean-LightIt"/>
-                <a:cs typeface="AdobeClean-LightIt"/>
-              </a:rPr>
-              <a:t>for</a:t>
-            </a:r>
-            <a:r>
-              <a:rPr sz="1100" i="1" spc="-85">
-                <a:solidFill>
-                  <a:srgbClr val="777879"/>
-                </a:solidFill>
-                <a:latin typeface="AdobeClean-LightIt"/>
-                <a:cs typeface="AdobeClean-LightIt"/>
-              </a:rPr>
-              <a:t> </a:t>
-            </a:r>
-            <a:r>
-              <a:rPr sz="1100" i="1" spc="-15">
-                <a:solidFill>
-                  <a:srgbClr val="777879"/>
-                </a:solidFill>
-                <a:latin typeface="AdobeClean-LightIt"/>
-                <a:cs typeface="AdobeClean-LightIt"/>
-              </a:rPr>
-              <a:t>you,</a:t>
-            </a:r>
-            <a:r>
-              <a:rPr sz="1100" i="1" spc="-65">
-                <a:solidFill>
-                  <a:srgbClr val="777879"/>
-                </a:solidFill>
-                <a:latin typeface="AdobeClean-LightIt"/>
-                <a:cs typeface="AdobeClean-LightIt"/>
-              </a:rPr>
-              <a:t> </a:t>
-            </a:r>
-            <a:r>
-              <a:rPr sz="1100" i="1" spc="-15">
-                <a:solidFill>
-                  <a:srgbClr val="777879"/>
-                </a:solidFill>
-                <a:latin typeface="AdobeClean-LightIt"/>
-                <a:cs typeface="AdobeClean-LightIt"/>
-              </a:rPr>
-              <a:t>contact</a:t>
-            </a:r>
-            <a:r>
-              <a:rPr sz="1100" i="1" spc="-85">
-                <a:solidFill>
-                  <a:srgbClr val="777879"/>
-                </a:solidFill>
-                <a:latin typeface="AdobeClean-LightIt"/>
-                <a:cs typeface="AdobeClean-LightIt"/>
-              </a:rPr>
-              <a:t> </a:t>
-            </a:r>
-            <a:r>
-              <a:rPr sz="1100" i="1" spc="-15">
-                <a:solidFill>
-                  <a:srgbClr val="777879"/>
-                </a:solidFill>
-                <a:latin typeface="AdobeClean-LightIt"/>
-                <a:cs typeface="AdobeClean-LightIt"/>
-              </a:rPr>
-              <a:t>your</a:t>
-            </a:r>
-            <a:r>
-              <a:rPr sz="1100" i="1" spc="-70">
-                <a:solidFill>
-                  <a:srgbClr val="777879"/>
-                </a:solidFill>
-                <a:latin typeface="AdobeClean-LightIt"/>
-                <a:cs typeface="AdobeClean-LightIt"/>
-              </a:rPr>
-              <a:t> </a:t>
-            </a:r>
-            <a:r>
-              <a:rPr sz="1100" i="1" spc="-15">
-                <a:solidFill>
-                  <a:srgbClr val="777879"/>
-                </a:solidFill>
-                <a:latin typeface="AdobeClean-LightIt"/>
-                <a:cs typeface="AdobeClean-LightIt"/>
-              </a:rPr>
-              <a:t>Named</a:t>
-            </a:r>
-            <a:r>
-              <a:rPr sz="1100" i="1" spc="-55">
-                <a:solidFill>
-                  <a:srgbClr val="777879"/>
-                </a:solidFill>
-                <a:latin typeface="AdobeClean-LightIt"/>
-                <a:cs typeface="AdobeClean-LightIt"/>
-              </a:rPr>
-              <a:t> </a:t>
-            </a:r>
-            <a:r>
-              <a:rPr sz="1100" i="1" spc="-25">
-                <a:solidFill>
-                  <a:srgbClr val="777879"/>
-                </a:solidFill>
-                <a:latin typeface="AdobeClean-LightIt"/>
-                <a:cs typeface="AdobeClean-LightIt"/>
-              </a:rPr>
-              <a:t>Account</a:t>
-            </a:r>
-            <a:r>
-              <a:rPr sz="1100" i="1" spc="-120">
-                <a:solidFill>
-                  <a:srgbClr val="777879"/>
-                </a:solidFill>
-                <a:latin typeface="AdobeClean-LightIt"/>
-                <a:cs typeface="AdobeClean-LightIt"/>
-              </a:rPr>
-              <a:t> </a:t>
-            </a:r>
-            <a:r>
-              <a:rPr sz="1100" i="1" spc="-20">
-                <a:solidFill>
-                  <a:srgbClr val="777879"/>
-                </a:solidFill>
-                <a:latin typeface="AdobeClean-LightIt"/>
-                <a:cs typeface="AdobeClean-LightIt"/>
-              </a:rPr>
-              <a:t>Manager</a:t>
-            </a:r>
-            <a:r>
-              <a:rPr lang="en-US" sz="1100" i="1" spc="-20">
-                <a:solidFill>
-                  <a:srgbClr val="777879"/>
-                </a:solidFill>
-                <a:latin typeface="AdobeClean-LightIt"/>
-                <a:cs typeface="AdobeClean-LightIt"/>
-              </a:rPr>
-              <a:t> </a:t>
-            </a:r>
-            <a:r>
-              <a:rPr sz="1100" i="1" spc="-20">
-                <a:solidFill>
-                  <a:srgbClr val="777879"/>
-                </a:solidFill>
-                <a:latin typeface="AdobeClean-LightIt"/>
-                <a:cs typeface="AdobeClean-LightIt"/>
-              </a:rPr>
-              <a:t> </a:t>
-            </a:r>
-            <a:r>
-              <a:rPr sz="1100" i="1" spc="-15">
+              <a:t>经理 </a:t>
+            </a:r>
+            <a:r>
+              <a:rPr lang="en-US" sz="1100" i="1" spc="-15" dirty="0">
                 <a:solidFill>
                   <a:srgbClr val="777879"/>
                 </a:solidFill>
@@ -10379,66 +8763,46 @@
               <a:t>(NAM) </a:t>
             </a:r>
             <a:r>
-              <a:rPr sz="1100" i="1" spc="-10">
+              <a:rPr lang="en-US" sz="1100" i="1" spc="-10" dirty="0">
                 <a:solidFill>
                   <a:srgbClr val="777879"/>
                 </a:solidFill>
                 <a:latin typeface="AdobeClean-LightIt"/>
                 <a:cs typeface="AdobeClean-LightIt"/>
               </a:rPr>
-              <a:t>or </a:t>
-            </a:r>
-            <a:r>
-              <a:rPr sz="1100" i="1" spc="-15">
+              <a:t>或</a:t>
+            </a:r>
+            <a:r>
+              <a:rPr lang="en-US" sz="1100" i="1" spc="-15" dirty="0">
                 <a:solidFill>
                   <a:srgbClr val="777879"/>
                 </a:solidFill>
                 <a:latin typeface="AdobeClean-LightIt"/>
                 <a:cs typeface="AdobeClean-LightIt"/>
               </a:rPr>
-              <a:t>Customer</a:t>
-            </a:r>
-            <a:r>
-              <a:rPr lang="en-US" sz="1100" i="1" spc="-15">
+              <a:t>客户</a:t>
+            </a:r>
+            <a:r>
+              <a:rPr lang="en-US" sz="1100" i="1" spc="-20" dirty="0">
                 <a:solidFill>
                   <a:srgbClr val="777879"/>
                 </a:solidFill>
                 <a:latin typeface="AdobeClean-LightIt"/>
                 <a:cs typeface="AdobeClean-LightIt"/>
               </a:rPr>
-              <a:t> </a:t>
-            </a:r>
-            <a:r>
-              <a:rPr lang="en-US" sz="1100" i="1" spc="-20">
+              <a:t>成功</a:t>
+            </a:r>
+            <a:r>
+              <a:rPr lang="en-US" sz="1100" i="1" spc="-15" dirty="0">
                 <a:solidFill>
                   <a:srgbClr val="777879"/>
                 </a:solidFill>
                 <a:latin typeface="AdobeClean-LightIt"/>
                 <a:cs typeface="AdobeClean-LightIt"/>
               </a:rPr>
-              <a:t>Success </a:t>
-            </a:r>
-            <a:r>
-              <a:rPr lang="en-US" sz="1100" i="1" spc="-15">
-                <a:solidFill>
-                  <a:srgbClr val="777879"/>
-                </a:solidFill>
-                <a:latin typeface="AdobeClean-LightIt"/>
-                <a:cs typeface="AdobeClean-LightIt"/>
-              </a:rPr>
-              <a:t>Manager </a:t>
-            </a:r>
-            <a:r>
-              <a:rPr sz="1100" i="1" spc="-15">
-                <a:solidFill>
-                  <a:srgbClr val="777879"/>
-                </a:solidFill>
-                <a:latin typeface="AdobeClean-LightIt"/>
-                <a:cs typeface="AdobeClean-LightIt"/>
-              </a:rPr>
-              <a:t>(CSM)</a:t>
-            </a:r>
-            <a:endParaRPr sz="1100">
+              <a:t>经理 (CSM)</a:t>
+            </a:r>
+            <a:endParaRPr sz="1100" dirty="0">
               <a:latin typeface="AdobeClean-LightIt"/>
               <a:cs typeface="AdobeClean-LightIt"/>
             </a:endParaRPr>
@@ -10453,37 +8817,17 @@
               </a:spcBef>
             </a:pPr>
             <a:r>
-              <a:rPr sz="800" spc="-5">
+              <a:rPr lang="en-US" sz="800" spc="-5" dirty="0">
                 <a:solidFill>
                   <a:srgbClr val="6D6D6D"/>
                 </a:solidFill>
                 <a:latin typeface="Adobe Clean"/>
                 <a:cs typeface="Adobe Clean"/>
               </a:rPr>
-              <a:t>©202</a:t>
-            </a:r>
-            <a:r>
-              <a:rPr lang="en-US" sz="800" spc="-5">
-                <a:solidFill>
-                  <a:srgbClr val="6D6D6D"/>
-                </a:solidFill>
-                <a:latin typeface="Adobe Clean"/>
-                <a:cs typeface="Adobe Clean"/>
-              </a:rPr>
-              <a:t>1</a:t>
-            </a:r>
-            <a:r>
-              <a:rPr sz="800" spc="-5">
-                <a:solidFill>
-                  <a:srgbClr val="6D6D6D"/>
-                </a:solidFill>
-                <a:latin typeface="Adobe Clean"/>
-                <a:cs typeface="Adobe Clean"/>
-              </a:rPr>
-              <a:t> Adobe. All Rights Reserved. Adobe</a:t>
-            </a:r>
-            <a:r>
-              <a:rPr sz="800" spc="75">
+              <a:t>©2021 Adobe.All Rights Reserved.Adobe</a:t>
+            </a:r>
+            <a:r>
+              <a:rPr lang="en-US" sz="800" spc="75" dirty="0">
                 <a:solidFill>
                   <a:srgbClr val="6D6D6D"/>
                 </a:solidFill>
@@ -10493,7 +8837,7 @@
               <a:t> </a:t>
             </a:r>
             <a:r>
-              <a:rPr sz="800" spc="-5">
+              <a:rPr lang="en-US" sz="800" spc="-5" dirty="0">
                 <a:solidFill>
                   <a:srgbClr val="6D6D6D"/>
                 </a:solidFill>
@@ -10502,7 +8846,7 @@
               </a:rPr>
               <a:t>Confidential.</a:t>
             </a:r>
-            <a:endParaRPr sz="800">
+            <a:endParaRPr sz="800" dirty="0">
               <a:latin typeface="Adobe Clean"/>
               <a:cs typeface="Adobe Clean"/>
             </a:endParaRPr>
@@ -10511,19 +8855,13 @@
       </p:sp>
       <p:sp>
         <p:nvSpPr>
-          <p:cNvPr id="64" name="object 23">
-            <a:extLst>
-              <a:ext uri="{FF2B5EF4-FFF2-40B4-BE49-F238E27FC236}">
-                <a16:creationId xmlns:a16="http://schemas.microsoft.com/office/drawing/2014/main" id="{41467BDC-3D83-D844-B922-CD07E94E5AAB}"/>
-              </a:ext>
-            </a:extLst>
-          </p:cNvPr>
+          <p:cNvPr id="64" name="object 23"/>
           <p:cNvSpPr txBox="1"/>
           <p:nvPr/>
         </p:nvSpPr>
         <p:spPr>
           <a:xfrm>
-            <a:off x="197233" y="5031270"/>
+            <a:off x="171129" y="5057379"/>
             <a:ext cx="6476646" cy="755976"/>
           </a:xfrm>
           <a:prstGeom prst="rect">
@@ -10531,73 +8869,119 @@
           </a:prstGeom>
         </p:spPr>
         <p:txBody>
-          <a:bodyPr vert="horz" wrap="square" lIns="0" tIns="116205" rIns="0" bIns="0" rtlCol="0" anchor="t">
+          <a:bodyPr vert="horz" wrap="square" lIns="0" tIns="116205" rIns="0" bIns="0" rtlCol="0">
             <a:spAutoFit/>
           </a:bodyPr>
           <a:lstStyle/>
           <a:p>
-            <a:pPr>
+            <a:pPr lvl="0">
               <a:spcBef>
                 <a:spcPts val="915"/>
               </a:spcBef>
             </a:pPr>
             <a:r>
-              <a:rPr lang="en-US" sz="1400" b="1" spc="-15">
+              <a:rPr lang="en-US" altLang="zh-CN" sz="1400" b="1" spc="-15" dirty="0">
                 <a:solidFill>
                   <a:srgbClr val="020302"/>
                 </a:solidFill>
                 <a:latin typeface="Adobe Clean"/>
                 <a:cs typeface="Adobe Clean"/>
               </a:rPr>
-              <a:t>Regional scope of Adobe Support, Local Hours Of Operation And Language Support</a:t>
-            </a:r>
-            <a:endParaRPr lang="en-US" sz="1400" spc="-15">
-              <a:ea typeface="+mn-lt"/>
-              <a:cs typeface="+mn-lt"/>
+              <a:t>Adobe </a:t>
+            </a:r>
+            <a:r>
+              <a:rPr lang="zh-CN" altLang="en-US" sz="1400" b="1" spc="-15" dirty="0">
+                <a:solidFill>
+                  <a:srgbClr val="020302"/>
+                </a:solidFill>
+                <a:latin typeface="Adobe Clean"/>
+                <a:cs typeface="Adobe Clean"/>
+              </a:rPr>
+              <a:t>支持的区域范围、当地营业时间和语言支持</a:t>
+            </a:r>
+            <a:endParaRPr lang="pl-PL" altLang="zh-CN" sz="1400" b="1" spc="-15" dirty="0">
+              <a:solidFill>
+                <a:srgbClr val="020302"/>
+              </a:solidFill>
+              <a:latin typeface="Adobe Clean"/>
+              <a:cs typeface="Adobe Clean"/>
             </a:endParaRPr>
           </a:p>
           <a:p>
-            <a:pPr>
+            <a:pPr lvl="0">
               <a:spcBef>
                 <a:spcPts val="915"/>
               </a:spcBef>
             </a:pPr>
             <a:r>
-              <a:rPr lang="en-US" sz="1000" spc="-15">
+              <a:rPr lang="zh-CN" altLang="en-US" sz="1000" spc="-15" dirty="0">
                 <a:solidFill>
                   <a:srgbClr val="1F1F1F"/>
                 </a:solidFill>
                 <a:latin typeface="AdobeClean-Light"/>
               </a:rPr>
-              <a:t>The Regional scope of Adobe Support is established by aligning the customer's billing address (via the Sales Order or other Adobe Support purchasing document) to one of the following regions:</a:t>
-            </a:r>
-            <a:endParaRPr lang="en-US"/>
+              <a:t>要建立 </a:t>
+            </a:r>
+            <a:r>
+              <a:rPr lang="en-US" altLang="zh-CN" sz="1000" spc="-15" dirty="0">
+                <a:solidFill>
+                  <a:srgbClr val="1F1F1F"/>
+                </a:solidFill>
+                <a:latin typeface="AdobeClean-Light"/>
+              </a:rPr>
+              <a:t>Adobe </a:t>
+            </a:r>
+            <a:r>
+              <a:rPr lang="zh-CN" altLang="en-US" sz="1000" spc="-15" dirty="0">
+                <a:solidFill>
+                  <a:srgbClr val="1F1F1F"/>
+                </a:solidFill>
+                <a:latin typeface="AdobeClean-Light"/>
+              </a:rPr>
+              <a:t>支持的区域范围，需要将客户的账单地址（通过销售订单或其他 </a:t>
+            </a:r>
+            <a:r>
+              <a:rPr lang="en-US" altLang="zh-CN" sz="1000" spc="-15" dirty="0">
+                <a:solidFill>
+                  <a:srgbClr val="1F1F1F"/>
+                </a:solidFill>
+                <a:latin typeface="AdobeClean-Light"/>
+              </a:rPr>
+              <a:t>Adobe </a:t>
+            </a:r>
+            <a:r>
+              <a:rPr lang="zh-CN" altLang="en-US" sz="1000" spc="-15" dirty="0">
+                <a:solidFill>
+                  <a:srgbClr val="1F1F1F"/>
+                </a:solidFill>
+                <a:latin typeface="AdobeClean-Light"/>
+              </a:rPr>
+              <a:t>支持采购文档）与以下区域之一相对应：</a:t>
+            </a:r>
+            <a:endParaRPr lang="en-US" sz="1000" spc="-15" dirty="0">
+              <a:solidFill>
+                <a:srgbClr val="1F1F1F"/>
+              </a:solidFill>
+              <a:latin typeface="AdobeClean-Light"/>
+            </a:endParaRPr>
           </a:p>
         </p:txBody>
       </p:sp>
       <p:graphicFrame>
         <p:nvGraphicFramePr>
-          <p:cNvPr id="25" name="Table 6">
-            <a:extLst>
-              <a:ext uri="{FF2B5EF4-FFF2-40B4-BE49-F238E27FC236}">
-                <a16:creationId xmlns:a16="http://schemas.microsoft.com/office/drawing/2014/main" id="{3A91F5B0-3974-A14D-A146-FB590F2AAD18}"/>
-              </a:ext>
-            </a:extLst>
-          </p:cNvPr>
+          <p:cNvPr id="25" name="Table 6"/>
           <p:cNvGraphicFramePr>
             <a:graphicFrameLocks noGrp="1"/>
           </p:cNvGraphicFramePr>
           <p:nvPr>
-            <p:extLst>
-              <p:ext uri="{D42A27DB-BD31-4B8C-83A1-F6EECF244321}">
-                <p14:modId xmlns:p14="http://schemas.microsoft.com/office/powerpoint/2010/main" val="914484175"/>
-              </p:ext>
-            </p:extLst>
+            <p:custDataLst>
+              <p:tags r:id="rId1"/>
+            </p:custDataLst>
           </p:nvPr>
         </p:nvGraphicFramePr>
         <p:xfrm>
           <a:off x="171128" y="5907213"/>
-          <a:ext cx="7391400" cy="1503680"/>
+          <a:ext cx="7391400" cy="1447800"/>
         </p:xfrm>
         <a:graphic>
           <a:graphicData uri="http://schemas.openxmlformats.org/drawingml/2006/table">
@@ -10609,28 +8993,28 @@
                 <a:gridCol w="1847850">
                   <a:extLst>
                     <a:ext uri="{9D8B030D-6E8A-4147-A177-3AD203B41FA5}">
-                      <a16:colId xmlns:a16="http://schemas.microsoft.com/office/drawing/2014/main" val="2364693614"/>
+                      <a16:colId xmlns:a16="http://schemas.microsoft.com/office/drawing/2014/main" val="20000"/>
                     </a:ext>
                   </a:extLst>
                 </a:gridCol>
                 <a:gridCol w="1847850">
                   <a:extLst>
                     <a:ext uri="{9D8B030D-6E8A-4147-A177-3AD203B41FA5}">
-                      <a16:colId xmlns:a16="http://schemas.microsoft.com/office/drawing/2014/main" val="1545335406"/>
+                      <a16:colId xmlns:a16="http://schemas.microsoft.com/office/drawing/2014/main" val="20001"/>
                     </a:ext>
                   </a:extLst>
                 </a:gridCol>
                 <a:gridCol w="1847850">
                   <a:extLst>
                     <a:ext uri="{9D8B030D-6E8A-4147-A177-3AD203B41FA5}">
-                      <a16:colId xmlns:a16="http://schemas.microsoft.com/office/drawing/2014/main" val="4165218250"/>
+                      <a16:colId xmlns:a16="http://schemas.microsoft.com/office/drawing/2014/main" val="20002"/>
                     </a:ext>
                   </a:extLst>
                 </a:gridCol>
                 <a:gridCol w="1847850">
                   <a:extLst>
                     <a:ext uri="{9D8B030D-6E8A-4147-A177-3AD203B41FA5}">
-                      <a16:colId xmlns:a16="http://schemas.microsoft.com/office/drawing/2014/main" val="215044337"/>
+                      <a16:colId xmlns:a16="http://schemas.microsoft.com/office/drawing/2014/main" val="20003"/>
                     </a:ext>
                   </a:extLst>
                 </a:gridCol>
@@ -10643,13 +9027,13 @@
                     <a:p>
                       <a:pPr algn="ctr"/>
                       <a:r>
-                        <a:rPr lang="en-US" sz="1100">
+                        <a:rPr lang="en-US" sz="1100" dirty="0">
                           <a:solidFill>
                             <a:schemeClr val="tx1"/>
                           </a:solidFill>
-                          <a:latin typeface="Adobe Clean"/>
+                          <a:latin typeface="Adobe Clean" panose="020B0503020404020204" pitchFamily="34" charset="0"/>
                         </a:rPr>
-                        <a:t>Americas</a:t>
+                        <a:t>美洲</a:t>
                       </a:r>
                     </a:p>
                   </a:txBody>
@@ -10708,13 +9092,13 @@
                     <a:p>
                       <a:pPr algn="ctr"/>
                       <a:r>
-                        <a:rPr lang="en-US" sz="1100">
+                        <a:rPr lang="en-US" sz="1100" dirty="0">
                           <a:solidFill>
                             <a:schemeClr val="tx1"/>
                           </a:solidFill>
-                          <a:latin typeface="Adobe Clean"/>
+                          <a:latin typeface="Adobe Clean" panose="020B0503020404020204" pitchFamily="34" charset="0"/>
                         </a:rPr>
-                        <a:t>Europe, Middle East &amp; Africa</a:t>
+                        <a:t>欧洲、中东和非洲</a:t>
                       </a:r>
                     </a:p>
                   </a:txBody>
@@ -10773,13 +9157,13 @@
                     <a:p>
                       <a:pPr algn="ctr"/>
                       <a:r>
-                        <a:rPr lang="en-US" sz="1100">
+                        <a:rPr lang="en-US" sz="1100" dirty="0">
                           <a:solidFill>
                             <a:schemeClr val="tx1"/>
                           </a:solidFill>
-                          <a:latin typeface="Adobe Clean"/>
+                          <a:latin typeface="Adobe Clean" panose="020B0503020404020204" pitchFamily="34" charset="0"/>
                         </a:rPr>
-                        <a:t>Asia Pacific</a:t>
+                        <a:t>亚太地区</a:t>
                       </a:r>
                     </a:p>
                   </a:txBody>
@@ -10838,24 +9222,24 @@
                     <a:p>
                       <a:pPr algn="ctr"/>
                       <a:r>
-                        <a:rPr lang="en-US" sz="1100">
+                        <a:rPr lang="en-US" sz="1100" dirty="0">
                           <a:solidFill>
                             <a:schemeClr val="tx1"/>
                           </a:solidFill>
-                          <a:latin typeface="Adobe Clean"/>
+                          <a:latin typeface="Adobe Clean" panose="020B0503020404020204" pitchFamily="34" charset="0"/>
                         </a:rPr>
-                        <a:t>Japan </a:t>
+                        <a:t>日本 </a:t>
                       </a:r>
                       <a:r>
-                        <a:rPr lang="en-US" sz="1100" baseline="30000">
+                        <a:rPr lang="en-US" sz="1100" baseline="30000" dirty="0">
                           <a:solidFill>
                             <a:schemeClr val="tx1"/>
                           </a:solidFill>
-                          <a:latin typeface="Adobe Clean"/>
+                          <a:latin typeface="Adobe Clean" panose="020B0503020404020204" pitchFamily="34" charset="0"/>
                         </a:rPr>
-                        <a:t>1 </a:t>
+                        <a:t>1 </a:t>
                       </a:r>
-                      <a:endParaRPr lang="en-US" sz="1100">
+                      <a:endParaRPr lang="en-US" sz="1100" dirty="0">
                         <a:solidFill>
                           <a:schemeClr val="tx1"/>
                         </a:solidFill>
@@ -10913,7 +9297,7 @@
                 </a:tc>
                 <a:extLst>
                   <a:ext uri="{0D108BD9-81ED-4DB2-BD59-A6C34878D82A}">
-                    <a16:rowId xmlns:a16="http://schemas.microsoft.com/office/drawing/2014/main" val="4251285128"/>
+                    <a16:rowId xmlns:a16="http://schemas.microsoft.com/office/drawing/2014/main" val="10000"/>
                   </a:ext>
                 </a:extLst>
               </a:tr>
@@ -10925,13 +9309,13 @@
                     <a:p>
                       <a:pPr algn="ctr"/>
                       <a:r>
-                        <a:rPr lang="en-US" sz="1100">
+                        <a:rPr lang="en-US" sz="1100" dirty="0">
                           <a:solidFill>
                             <a:schemeClr val="tx1"/>
                           </a:solidFill>
-                          <a:latin typeface="Adobe Clean"/>
+                          <a:latin typeface="Adobe Clean" panose="020B0503020404020204" pitchFamily="34" charset="0"/>
                         </a:rPr>
-                        <a:t>6 am – 5:30 pm</a:t>
+                        <a:t>上午 6:00 – 下午 5:30</a:t>
                       </a:r>
                     </a:p>
                   </a:txBody>
@@ -10990,13 +9374,13 @@
                     <a:p>
                       <a:pPr algn="ctr"/>
                       <a:r>
-                        <a:rPr lang="en-US" sz="1100">
+                        <a:rPr lang="en-US" sz="1100" dirty="0">
                           <a:solidFill>
                             <a:schemeClr val="tx1"/>
                           </a:solidFill>
-                          <a:latin typeface="Adobe Clean"/>
+                          <a:latin typeface="Adobe Clean" panose="020B0503020404020204" pitchFamily="34" charset="0"/>
                         </a:rPr>
-                        <a:t>9 am – 5 pm</a:t>
+                        <a:t>上午 9:00 – 下午 5:00</a:t>
                       </a:r>
                     </a:p>
                   </a:txBody>
@@ -11055,13 +9439,13 @@
                     <a:p>
                       <a:pPr algn="ctr"/>
                       <a:r>
-                        <a:rPr lang="en-US" sz="1100">
+                        <a:rPr lang="en-US" sz="1100" dirty="0">
                           <a:solidFill>
                             <a:schemeClr val="tx1"/>
                           </a:solidFill>
-                          <a:latin typeface="Adobe Clean"/>
+                          <a:latin typeface="Adobe Clean" panose="020B0503020404020204" pitchFamily="34" charset="0"/>
                         </a:rPr>
-                        <a:t>9 am – 5 pm</a:t>
+                        <a:t>上午 9:00 – 下午 5:00</a:t>
                       </a:r>
                     </a:p>
                   </a:txBody>
@@ -11120,13 +9504,13 @@
                     <a:p>
                       <a:pPr algn="ctr"/>
                       <a:r>
-                        <a:rPr lang="en-US" sz="1100">
+                        <a:rPr lang="en-US" sz="1100" dirty="0">
                           <a:solidFill>
                             <a:schemeClr val="tx1"/>
                           </a:solidFill>
-                          <a:latin typeface="Adobe Clean"/>
+                          <a:latin typeface="Adobe Clean" panose="020B0503020404020204" pitchFamily="34" charset="0"/>
                         </a:rPr>
-                        <a:t>9 am – 5:30 pm</a:t>
+                        <a:t>上午 9:00 – 下午 5:30</a:t>
                       </a:r>
                     </a:p>
                   </a:txBody>
@@ -11180,7 +9564,7 @@
                 </a:tc>
                 <a:extLst>
                   <a:ext uri="{0D108BD9-81ED-4DB2-BD59-A6C34878D82A}">
-                    <a16:rowId xmlns:a16="http://schemas.microsoft.com/office/drawing/2014/main" val="1574796478"/>
+                    <a16:rowId xmlns:a16="http://schemas.microsoft.com/office/drawing/2014/main" val="10001"/>
                   </a:ext>
                 </a:extLst>
               </a:tr>
@@ -11226,7 +9610,7 @@
                           </a:solidFill>
                           <a:latin typeface="Adobe Clean"/>
                         </a:rPr>
-                        <a:t>Language support is only available in English and Japanese.</a:t>
+                        <a:t>语言支持只有英语和日语版本</a:t>
                       </a:r>
                       <a:endParaRPr lang="en-US" dirty="0">
                         <a:latin typeface="Adobe Clean"/>
@@ -11255,7 +9639,7 @@
                           </a:solidFill>
                           <a:latin typeface="Adobe Clean"/>
                         </a:rPr>
-                        <a:t>*Adobe Commerce excludes Japanese languages support. </a:t>
+                        <a:t>*Adobe Commerce 不包括日语支持</a:t>
                       </a:r>
                     </a:p>
                     <a:p>
@@ -11282,33 +9666,78 @@
                           <a:solidFill>
                             <a:schemeClr val="tx1"/>
                           </a:solidFill>
-                          <a:latin typeface="Adobe Clean"/>
+                          <a:latin typeface="Adobe Clean" panose="020B0503020404020204" pitchFamily="34" charset="0"/>
                         </a:rPr>
-                        <a:t> </a:t>
+                        <a:t> </a:t>
                       </a:r>
                       <a:r>
-                        <a:rPr lang="en-US" sz="1100" i="0" baseline="30000" dirty="0">
+                        <a:rPr lang="en-US" sz="1100" i="0" baseline="30000">
                           <a:solidFill>
                             <a:schemeClr val="tx1"/>
                           </a:solidFill>
-                          <a:latin typeface="Adobe Clean"/>
+                          <a:latin typeface="Adobe Clean" panose="020B0503020404020204" pitchFamily="34" charset="0"/>
                         </a:rPr>
                         <a:t>1 </a:t>
                       </a:r>
                       <a:r>
-                        <a:rPr lang="en-US" sz="1100" i="0" dirty="0">
+                        <a:rPr lang="en-US" altLang="zh-CN" sz="1100" i="0">
                           <a:solidFill>
                             <a:schemeClr val="tx1"/>
                           </a:solidFill>
-                          <a:latin typeface="Adobe Clean"/>
+                          <a:latin typeface="Adobe Clean" panose="020B0503020404020204" pitchFamily="34" charset="0"/>
                         </a:rPr>
-                        <a:t>P2, P3, P4 cases are limited to business hours only in Japan.</a:t>
+                        <a:t>P2</a:t>
+                      </a:r>
+                      <a:r>
+                        <a:rPr lang="zh-CN" altLang="en-US" sz="1100" i="0" dirty="0">
+                          <a:solidFill>
+                            <a:schemeClr val="tx1"/>
+                          </a:solidFill>
+                          <a:latin typeface="Adobe Clean" panose="020B0503020404020204" pitchFamily="34" charset="0"/>
+                        </a:rPr>
+                        <a:t>、</a:t>
+                      </a:r>
+                      <a:r>
+                        <a:rPr lang="en-US" altLang="zh-CN" sz="1100" i="0" dirty="0">
+                          <a:solidFill>
+                            <a:schemeClr val="tx1"/>
+                          </a:solidFill>
+                          <a:latin typeface="Adobe Clean" panose="020B0503020404020204" pitchFamily="34" charset="0"/>
+                        </a:rPr>
+                        <a:t>P3</a:t>
+                      </a:r>
+                      <a:r>
+                        <a:rPr lang="zh-CN" altLang="en-US" sz="1100" i="0" dirty="0">
+                          <a:solidFill>
+                            <a:schemeClr val="tx1"/>
+                          </a:solidFill>
+                          <a:latin typeface="Adobe Clean" panose="020B0503020404020204" pitchFamily="34" charset="0"/>
+                        </a:rPr>
+                        <a:t>、</a:t>
+                      </a:r>
+                      <a:r>
+                        <a:rPr lang="en-US" altLang="zh-CN" sz="1100" i="0" dirty="0">
+                          <a:solidFill>
+                            <a:schemeClr val="tx1"/>
+                          </a:solidFill>
+                          <a:latin typeface="Adobe Clean" panose="020B0503020404020204" pitchFamily="34" charset="0"/>
+                        </a:rPr>
+                        <a:t>P4 </a:t>
+                      </a:r>
+                      <a:r>
+                        <a:rPr lang="zh-CN" altLang="en-US" sz="1100" i="0" dirty="0">
+                          <a:solidFill>
+                            <a:schemeClr val="tx1"/>
+                          </a:solidFill>
+                          <a:latin typeface="Adobe Clean" panose="020B0503020404020204" pitchFamily="34" charset="0"/>
+                        </a:rPr>
+                        <a:t>案例仅限于日本的营业时间。</a:t>
                       </a:r>
                       <a:endParaRPr lang="en-US" sz="1100" b="1" i="0" dirty="0">
                         <a:solidFill>
                           <a:schemeClr val="tx1"/>
                         </a:solidFill>
-                        <a:latin typeface="Adobe Clean"/>
+                        <a:latin typeface="Adobe Clean" panose="020B0503020404020204" pitchFamily="34" charset="0"/>
                       </a:endParaRPr>
                     </a:p>
                   </a:txBody>
@@ -11365,12 +9794,7 @@
                     <a:bodyPr/>
                     <a:lstStyle/>
                     <a:p>
-                      <a:endParaRPr lang="en-US" sz="1100">
-                        <a:solidFill>
-                          <a:schemeClr val="tx1"/>
-                        </a:solidFill>
-                        <a:latin typeface="Adobe Clean" panose="020B0503020404020204" pitchFamily="34" charset="0"/>
-                      </a:endParaRPr>
+                      <a:endParaRPr lang="en-US"/>
                     </a:p>
                   </a:txBody>
                   <a:tcPr anchor="ctr">
@@ -11426,12 +9850,7 @@
                     <a:bodyPr/>
                     <a:lstStyle/>
                     <a:p>
-                      <a:endParaRPr lang="en-US" sz="1100">
-                        <a:solidFill>
-                          <a:schemeClr val="tx1"/>
-                        </a:solidFill>
-                        <a:latin typeface="Adobe Clean" panose="020B0503020404020204" pitchFamily="34" charset="0"/>
-                      </a:endParaRPr>
+                      <a:endParaRPr lang="en-US"/>
                     </a:p>
                   </a:txBody>
                   <a:tcPr anchor="ctr">
@@ -11487,12 +9906,7 @@
                     <a:bodyPr/>
                     <a:lstStyle/>
                     <a:p>
-                      <a:endParaRPr lang="en-US" sz="1100">
-                        <a:solidFill>
-                          <a:schemeClr val="tx1"/>
-                        </a:solidFill>
-                        <a:latin typeface="Adobe Clean" panose="020B0503020404020204" pitchFamily="34" charset="0"/>
-                      </a:endParaRPr>
+                      <a:endParaRPr lang="en-US"/>
                     </a:p>
                   </a:txBody>
                   <a:tcPr anchor="ctr">
@@ -11545,7 +9959,7 @@
                 </a:tc>
                 <a:extLst>
                   <a:ext uri="{0D108BD9-81ED-4DB2-BD59-A6C34878D82A}">
-                    <a16:rowId xmlns:a16="http://schemas.microsoft.com/office/drawing/2014/main" val="2086762220"/>
+                    <a16:rowId xmlns:a16="http://schemas.microsoft.com/office/drawing/2014/main" val="10002"/>
                   </a:ext>
                 </a:extLst>
               </a:tr>
@@ -11555,13 +9969,7 @@
       </p:graphicFrame>
       <p:sp>
         <p:nvSpPr>
-          <p:cNvPr id="50" name="object 30">
-            <a:extLst>
-              <a:ext uri="{FF2B5EF4-FFF2-40B4-BE49-F238E27FC236}">
-                <a16:creationId xmlns:a16="http://schemas.microsoft.com/office/drawing/2014/main" id="{043050D0-21FC-0C42-8484-7FE7C0DB771F}"/>
-              </a:ext>
-            </a:extLst>
-          </p:cNvPr>
+          <p:cNvPr id="50" name="object 30"/>
           <p:cNvSpPr/>
           <p:nvPr/>
         </p:nvSpPr>
@@ -11611,18 +10019,12 @@
       </p:sp>
       <p:pic>
         <p:nvPicPr>
-          <p:cNvPr id="83" name="object 56">
-            <a:extLst>
-              <a:ext uri="{FF2B5EF4-FFF2-40B4-BE49-F238E27FC236}">
-                <a16:creationId xmlns:a16="http://schemas.microsoft.com/office/drawing/2014/main" id="{488FF0A5-3931-B14A-A256-9BD5C4AB39DA}"/>
-              </a:ext>
-            </a:extLst>
-          </p:cNvPr>
+          <p:cNvPr id="83" name="object 56"/>
           <p:cNvPicPr/>
           <p:nvPr/>
         </p:nvPicPr>
         <p:blipFill>
-          <a:blip r:embed="rId6" cstate="print"/>
+          <a:blip r:embed="rId7" cstate="print"/>
           <a:stretch>
             <a:fillRect/>
           </a:stretch>
@@ -11639,20 +10041,14 @@
       </p:pic>
       <p:sp>
         <p:nvSpPr>
-          <p:cNvPr id="84" name="object 64">
-            <a:extLst>
-              <a:ext uri="{FF2B5EF4-FFF2-40B4-BE49-F238E27FC236}">
-                <a16:creationId xmlns:a16="http://schemas.microsoft.com/office/drawing/2014/main" id="{21E0A3A6-11B9-E44E-A4F0-18AED6E614AE}"/>
-              </a:ext>
-            </a:extLst>
-          </p:cNvPr>
+          <p:cNvPr id="84" name="object 64"/>
           <p:cNvSpPr txBox="1"/>
           <p:nvPr/>
         </p:nvSpPr>
         <p:spPr>
           <a:xfrm>
-            <a:off x="2840871" y="8528519"/>
-            <a:ext cx="810895" cy="385445"/>
+            <a:off x="2743200" y="8528519"/>
+            <a:ext cx="1045329" cy="385445"/>
           </a:xfrm>
           <a:prstGeom prst="rect">
             <a:avLst/>
@@ -11664,7 +10060,7 @@
           </a:bodyPr>
           <a:lstStyle/>
           <a:p>
-            <a:pPr marL="139065" marR="5080" indent="-139065">
+            <a:pPr marL="14605" marR="5080" indent="-14605" algn="ctr">
               <a:lnSpc>
                 <a:spcPts val="1390"/>
               </a:lnSpc>
@@ -11673,126 +10069,56 @@
               </a:spcBef>
             </a:pPr>
             <a:r>
-              <a:rPr sz="1200" b="1" spc="-15">
+              <a:rPr lang="en-US" sz="1200" b="1" spc="-15" dirty="0">
                 <a:solidFill>
                   <a:srgbClr val="FFFFFF"/>
                 </a:solidFill>
                 <a:latin typeface="Adobe Clean"/>
                 <a:cs typeface="Adobe Clean"/>
               </a:rPr>
-              <a:t>U</a:t>
-            </a:r>
-            <a:r>
-              <a:rPr sz="1200" b="1" spc="-20">
+              <a:t>无</a:t>
+            </a:r>
+            <a:r>
+              <a:rPr lang="en-US" sz="1200" b="1" spc="-20" dirty="0">
                 <a:solidFill>
                   <a:srgbClr val="FFFFFF"/>
                 </a:solidFill>
                 <a:latin typeface="Adobe Clean"/>
                 <a:cs typeface="Adobe Clean"/>
               </a:rPr>
-              <a:t>n</a:t>
-            </a:r>
-            <a:r>
-              <a:rPr sz="1200" b="1" spc="-25">
+              <a:t>与</a:t>
+            </a:r>
+            <a:r>
+              <a:rPr lang="en-US" sz="1200" b="1" spc="-25" dirty="0">
                 <a:solidFill>
                   <a:srgbClr val="FFFFFF"/>
                 </a:solidFill>
                 <a:latin typeface="Adobe Clean"/>
                 <a:cs typeface="Adobe Clean"/>
               </a:rPr>
-              <a:t>p</a:t>
-            </a:r>
-            <a:r>
-              <a:rPr sz="1200" b="1" spc="-15">
+              <a:t>伦</a:t>
+            </a:r>
+            <a:r>
+              <a:rPr lang="en-US" sz="1200" b="1" spc="-15" dirty="0">
                 <a:solidFill>
                   <a:srgbClr val="FFFFFF"/>
                 </a:solidFill>
                 <a:latin typeface="Adobe Clean"/>
                 <a:cs typeface="Adobe Clean"/>
               </a:rPr>
-              <a:t>a</a:t>
-            </a:r>
-            <a:r>
-              <a:rPr sz="1200" b="1" spc="-25">
+              <a:t>比</a:t>
+            </a:r>
+            <a:r>
+              <a:rPr lang="en-US" sz="1200" b="1" spc="-25" dirty="0">
                 <a:solidFill>
                   <a:srgbClr val="FFFFFF"/>
                 </a:solidFill>
                 <a:latin typeface="Adobe Clean"/>
                 <a:cs typeface="Adobe Clean"/>
               </a:rPr>
-              <a:t>r</a:t>
-            </a:r>
-            <a:r>
-              <a:rPr sz="1200" b="1" spc="-15">
-                <a:solidFill>
-                  <a:srgbClr val="FFFFFF"/>
-                </a:solidFill>
-                <a:latin typeface="Adobe Clean"/>
-                <a:cs typeface="Adobe Clean"/>
-              </a:rPr>
-              <a:t>a</a:t>
-            </a:r>
-            <a:r>
-              <a:rPr sz="1200" b="1" spc="-30">
-                <a:solidFill>
-                  <a:srgbClr val="FFFFFF"/>
-                </a:solidFill>
-                <a:latin typeface="Adobe Clean"/>
-                <a:cs typeface="Adobe Clean"/>
-              </a:rPr>
-              <a:t>ll</a:t>
-            </a:r>
-            <a:r>
-              <a:rPr sz="1200" b="1" spc="-25">
-                <a:solidFill>
-                  <a:srgbClr val="FFFFFF"/>
-                </a:solidFill>
-                <a:latin typeface="Adobe Clean"/>
-                <a:cs typeface="Adobe Clean"/>
-              </a:rPr>
-              <a:t>e</a:t>
-            </a:r>
-            <a:r>
-              <a:rPr sz="1200" b="1" spc="-30">
-                <a:solidFill>
-                  <a:srgbClr val="FFFFFF"/>
-                </a:solidFill>
-                <a:latin typeface="Adobe Clean"/>
-                <a:cs typeface="Adobe Clean"/>
-              </a:rPr>
-              <a:t>l</a:t>
-            </a:r>
-            <a:r>
-              <a:rPr sz="1200" b="1" spc="-25">
-                <a:solidFill>
-                  <a:srgbClr val="FFFFFF"/>
-                </a:solidFill>
-                <a:latin typeface="Adobe Clean"/>
-                <a:cs typeface="Adobe Clean"/>
-              </a:rPr>
-              <a:t>e</a:t>
-            </a:r>
-            <a:r>
-              <a:rPr sz="1200" b="1">
-                <a:solidFill>
-                  <a:srgbClr val="FFFFFF"/>
-                </a:solidFill>
-                <a:latin typeface="Adobe Clean"/>
-                <a:cs typeface="Adobe Clean"/>
-              </a:rPr>
-              <a:t>d  </a:t>
-            </a:r>
-            <a:r>
-              <a:rPr sz="1200" b="1" spc="-25">
-                <a:solidFill>
-                  <a:srgbClr val="FFFFFF"/>
-                </a:solidFill>
-                <a:latin typeface="Adobe Clean"/>
-                <a:cs typeface="Adobe Clean"/>
-              </a:rPr>
-              <a:t>Expertise</a:t>
-            </a:r>
-            <a:endParaRPr sz="1200">
+              <a:t>的专业知识</a:t>
+            </a:r>
+            <a:endParaRPr sz="1200" dirty="0">
               <a:latin typeface="Adobe Clean"/>
               <a:cs typeface="Adobe Clean"/>
             </a:endParaRPr>
@@ -11801,13 +10127,7 @@
       </p:sp>
       <p:sp>
         <p:nvSpPr>
-          <p:cNvPr id="85" name="object 64">
-            <a:extLst>
-              <a:ext uri="{FF2B5EF4-FFF2-40B4-BE49-F238E27FC236}">
-                <a16:creationId xmlns:a16="http://schemas.microsoft.com/office/drawing/2014/main" id="{3921F04C-B61B-A948-947F-C33BBFF39A32}"/>
-              </a:ext>
-            </a:extLst>
-          </p:cNvPr>
+          <p:cNvPr id="85" name="object 64"/>
           <p:cNvSpPr txBox="1"/>
           <p:nvPr/>
         </p:nvSpPr>
@@ -11826,7 +10146,7 @@
           </a:bodyPr>
           <a:lstStyle/>
           <a:p>
-            <a:pPr marL="139065" marR="5080" indent="-139065">
+            <a:pPr marL="14605" marR="5080" indent="-14605" algn="ctr">
               <a:lnSpc>
                 <a:spcPts val="1390"/>
               </a:lnSpc>
@@ -11835,16 +10155,16 @@
               </a:spcBef>
             </a:pPr>
             <a:r>
-              <a:rPr lang="en-US" sz="1200" b="1" spc="-15">
+              <a:rPr lang="en-US" sz="1200" b="1" spc="-15" dirty="0">
                 <a:solidFill>
                   <a:srgbClr val="FFFFFF"/>
                 </a:solidFill>
                 <a:latin typeface="Adobe Clean"/>
                 <a:cs typeface="Adobe Clean"/>
               </a:rPr>
-              <a:t>Accelerated Support</a:t>
-            </a:r>
-            <a:endParaRPr sz="1200">
+              <a:t>加速支持</a:t>
+            </a:r>
+            <a:endParaRPr sz="1200" dirty="0">
               <a:latin typeface="Adobe Clean"/>
               <a:cs typeface="Adobe Clean"/>
             </a:endParaRPr>
@@ -11853,20 +10173,14 @@
       </p:sp>
       <p:sp>
         <p:nvSpPr>
-          <p:cNvPr id="86" name="object 32">
-            <a:extLst>
-              <a:ext uri="{FF2B5EF4-FFF2-40B4-BE49-F238E27FC236}">
-                <a16:creationId xmlns:a16="http://schemas.microsoft.com/office/drawing/2014/main" id="{73055FA1-8180-F44A-A86E-2B1D4C7C6B5E}"/>
-              </a:ext>
-            </a:extLst>
-          </p:cNvPr>
+          <p:cNvPr id="86" name="object 32"/>
           <p:cNvSpPr txBox="1"/>
           <p:nvPr/>
         </p:nvSpPr>
         <p:spPr>
           <a:xfrm>
-            <a:off x="6624119" y="8543943"/>
-            <a:ext cx="510540" cy="385445"/>
+            <a:off x="6517939" y="8543943"/>
+            <a:ext cx="721061" cy="384080"/>
           </a:xfrm>
           <a:prstGeom prst="rect">
             <a:avLst/>
@@ -11878,7 +10192,7 @@
           </a:bodyPr>
           <a:lstStyle/>
           <a:p>
-            <a:pPr marL="50800" marR="5080" indent="-51435">
+            <a:pPr marL="14605" marR="5080" indent="-14605" algn="ctr">
               <a:lnSpc>
                 <a:spcPts val="1390"/>
               </a:lnSpc>
@@ -11887,106 +10201,46 @@
               </a:spcBef>
             </a:pPr>
             <a:r>
-              <a:rPr sz="1200" b="1" spc="-50">
+              <a:rPr lang="en-US" sz="1200" b="1" spc="-50" dirty="0">
                 <a:solidFill>
                   <a:srgbClr val="FFFFFF"/>
                 </a:solidFill>
                 <a:latin typeface="Adobe Clean"/>
                 <a:cs typeface="Adobe Clean"/>
               </a:rPr>
-              <a:t>S</a:t>
-            </a:r>
-            <a:r>
-              <a:rPr sz="1200" b="1" spc="-20">
+              <a:t>战</a:t>
+            </a:r>
+            <a:r>
+              <a:rPr lang="en-US" sz="1200" b="1" spc="-20" dirty="0">
                 <a:solidFill>
                   <a:srgbClr val="FFFFFF"/>
                 </a:solidFill>
                 <a:latin typeface="Adobe Clean"/>
                 <a:cs typeface="Adobe Clean"/>
               </a:rPr>
-              <a:t>t</a:t>
-            </a:r>
-            <a:r>
-              <a:rPr sz="1200" b="1" spc="-75">
+              <a:t>略</a:t>
+            </a:r>
+            <a:r>
+              <a:rPr lang="en-US" sz="1200" b="1" spc="-75" dirty="0">
                 <a:solidFill>
                   <a:srgbClr val="FFFFFF"/>
                 </a:solidFill>
                 <a:latin typeface="Adobe Clean"/>
                 <a:cs typeface="Adobe Clean"/>
               </a:rPr>
-              <a:t>r</a:t>
-            </a:r>
-            <a:r>
-              <a:rPr sz="1200" b="1" spc="-90">
+              <a:t>性</a:t>
+            </a:r>
+            <a:r>
+              <a:rPr lang="en-US" sz="1200" b="1" spc="-45" dirty="0">
                 <a:solidFill>
                   <a:srgbClr val="FFFFFF"/>
                 </a:solidFill>
                 <a:latin typeface="Adobe Clean"/>
                 <a:cs typeface="Adobe Clean"/>
               </a:rPr>
-              <a:t>a</a:t>
-            </a:r>
-            <a:r>
-              <a:rPr sz="1200" b="1" spc="-55">
-                <a:solidFill>
-                  <a:srgbClr val="FFFFFF"/>
-                </a:solidFill>
-                <a:latin typeface="Adobe Clean"/>
-                <a:cs typeface="Adobe Clean"/>
-              </a:rPr>
-              <a:t>t</a:t>
-            </a:r>
-            <a:r>
-              <a:rPr sz="1200" b="1" spc="-100">
-                <a:solidFill>
-                  <a:srgbClr val="FFFFFF"/>
-                </a:solidFill>
-                <a:latin typeface="Adobe Clean"/>
-                <a:cs typeface="Adobe Clean"/>
-              </a:rPr>
-              <a:t>e</a:t>
-            </a:r>
-            <a:r>
-              <a:rPr sz="1200" b="1" spc="-80">
-                <a:solidFill>
-                  <a:srgbClr val="FFFFFF"/>
-                </a:solidFill>
-                <a:latin typeface="Adobe Clean"/>
-                <a:cs typeface="Adobe Clean"/>
-              </a:rPr>
-              <a:t>g</a:t>
-            </a:r>
-            <a:r>
-              <a:rPr sz="1200" b="1" spc="-35">
-                <a:solidFill>
-                  <a:srgbClr val="FFFFFF"/>
-                </a:solidFill>
-                <a:latin typeface="Adobe Clean"/>
-                <a:cs typeface="Adobe Clean"/>
-              </a:rPr>
-              <a:t>i</a:t>
-            </a:r>
-            <a:r>
-              <a:rPr sz="1200" b="1">
-                <a:solidFill>
-                  <a:srgbClr val="FFFFFF"/>
-                </a:solidFill>
-                <a:latin typeface="Adobe Clean"/>
-                <a:cs typeface="Adobe Clean"/>
-              </a:rPr>
-              <a:t>c  </a:t>
-            </a:r>
-            <a:r>
-              <a:rPr sz="1200" b="1" spc="-45">
-                <a:solidFill>
-                  <a:srgbClr val="FFFFFF"/>
-                </a:solidFill>
-                <a:latin typeface="Adobe Clean"/>
-                <a:cs typeface="Adobe Clean"/>
-              </a:rPr>
-              <a:t>Advice</a:t>
-            </a:r>
-            <a:endParaRPr sz="1200">
+              <a:t>建议</a:t>
+            </a:r>
+            <a:endParaRPr sz="1200" dirty="0">
               <a:latin typeface="Adobe Clean"/>
               <a:cs typeface="Adobe Clean"/>
             </a:endParaRPr>
@@ -11995,27 +10249,15 @@
       </p:sp>
       <p:graphicFrame>
         <p:nvGraphicFramePr>
-          <p:cNvPr id="111" name="Table 6">
-            <a:extLst>
-              <a:ext uri="{FF2B5EF4-FFF2-40B4-BE49-F238E27FC236}">
-                <a16:creationId xmlns:a16="http://schemas.microsoft.com/office/drawing/2014/main" id="{D8653CEC-4213-DE40-9BAF-D1E3318FF89C}"/>
-              </a:ext>
-            </a:extLst>
-          </p:cNvPr>
+          <p:cNvPr id="111" name="Table 6"/>
           <p:cNvGraphicFramePr>
             <a:graphicFrameLocks noGrp="1"/>
           </p:cNvGraphicFramePr>
-          <p:nvPr>
-            <p:extLst>
-              <p:ext uri="{D42A27DB-BD31-4B8C-83A1-F6EECF244321}">
-                <p14:modId xmlns:p14="http://schemas.microsoft.com/office/powerpoint/2010/main" val="3773282750"/>
-              </p:ext>
-            </p:extLst>
-          </p:nvPr>
+          <p:nvPr/>
         </p:nvGraphicFramePr>
         <p:xfrm>
           <a:off x="194236" y="1059345"/>
-          <a:ext cx="7368291" cy="3302000"/>
+          <a:ext cx="7368291" cy="2844800"/>
         </p:xfrm>
         <a:graphic>
           <a:graphicData uri="http://schemas.openxmlformats.org/drawingml/2006/table">
@@ -12027,14 +10269,14 @@
                 <a:gridCol w="3691964">
                   <a:extLst>
                     <a:ext uri="{9D8B030D-6E8A-4147-A177-3AD203B41FA5}">
-                      <a16:colId xmlns:a16="http://schemas.microsoft.com/office/drawing/2014/main" val="2364693614"/>
+                      <a16:colId xmlns:a16="http://schemas.microsoft.com/office/drawing/2014/main" val="20000"/>
                     </a:ext>
                   </a:extLst>
                 </a:gridCol>
                 <a:gridCol w="3676327">
                   <a:extLst>
                     <a:ext uri="{9D8B030D-6E8A-4147-A177-3AD203B41FA5}">
-                      <a16:colId xmlns:a16="http://schemas.microsoft.com/office/drawing/2014/main" val="1545335406"/>
+                      <a16:colId xmlns:a16="http://schemas.microsoft.com/office/drawing/2014/main" val="20001"/>
                     </a:ext>
                   </a:extLst>
                 </a:gridCol>
@@ -12046,22 +10288,22 @@
                     <a:lstStyle/>
                     <a:p>
                       <a:r>
-                        <a:rPr lang="en-US" sz="1100" b="0">
+                        <a:rPr lang="en-US" sz="1100" b="0" dirty="0">
                           <a:solidFill>
                             <a:schemeClr val="tx1"/>
                           </a:solidFill>
-                          <a:latin typeface="Adobe Clean"/>
+                          <a:latin typeface="Adobe Clean" panose="020B0503020404020204" pitchFamily="34" charset="0"/>
                           <a:ea typeface="+mn-ea"/>
                           <a:cs typeface="+mn-cs"/>
-                          <a:hlinkClick r:id="rId7"/>
+                          <a:hlinkClick r:id="rId8"/>
                         </a:rPr>
                         <a:t>Experience League</a:t>
                       </a:r>
-                      <a:endParaRPr lang="en-US" sz="1100" b="0">
+                      <a:endParaRPr lang="en-US" sz="1100" b="0" dirty="0">
                         <a:solidFill>
                           <a:schemeClr val="tx1"/>
                         </a:solidFill>
-                        <a:latin typeface="Adobe Clean"/>
+                        <a:latin typeface="Adobe Clean" panose="020B0503020404020204" pitchFamily="34" charset="0"/>
                         <a:ea typeface="+mn-ea"/>
                         <a:cs typeface="+mn-cs"/>
                       </a:endParaRPr>
@@ -12115,102 +10357,6 @@
                     <a:noFill/>
                   </a:tcPr>
                 </a:tc>
-                <a:tc>
-                  <a:txBody>
-                    <a:bodyPr/>
-                    <a:lstStyle/>
-                    <a:p>
-                      <a:pPr marL="0" marR="0" lvl="0" indent="0" eaLnBrk="1" fontAlgn="auto" latinLnBrk="0" hangingPunct="1">
-                        <a:lnSpc>
-                          <a:spcPct val="100000"/>
-                        </a:lnSpc>
-                        <a:spcBef>
-                          <a:spcPts val="0"/>
-                        </a:spcBef>
-                        <a:spcAft>
-                          <a:spcPts val="0"/>
-                        </a:spcAft>
-                        <a:buClrTx/>
-                        <a:buSzTx/>
-                        <a:buFontTx/>
-                        <a:buNone/>
-                      </a:pPr>
-                      <a:r>
-                        <a:rPr lang="en-US" sz="1000" b="0" kern="1200">
-                          <a:solidFill>
-                            <a:srgbClr val="000000"/>
-                          </a:solidFill>
-                          <a:latin typeface="Adobe Clean Light"/>
-                          <a:ea typeface="+mn-ea"/>
-                          <a:cs typeface="+mn-cs"/>
-                        </a:rPr>
-                        <a:t>Experience League is how Adobe helps businesses achieve the value they expect from their Adobe investment. It’s the unified place where customers can learn, connect, and grow along a personalized path to success that includes self-help tutorials, product documentation, instructor-led training, community and technical support. </a:t>
-                      </a:r>
-                      <a:endParaRPr lang="en-US" sz="1000" b="0" kern="1200">
-                        <a:solidFill>
-                          <a:srgbClr val="000000"/>
-                        </a:solidFill>
-                        <a:latin typeface="Adobe Clean Light" panose="020B0303020404020204" pitchFamily="34" charset="0"/>
-                        <a:ea typeface="+mn-ea"/>
-                        <a:cs typeface="+mn-cs"/>
-                      </a:endParaRPr>
-                    </a:p>
-                  </a:txBody>
-                  <a:tcPr anchor="ctr">
-                    <a:lnL w="12700" cap="flat" cmpd="sng" algn="ctr">
-                      <a:solidFill>
-                        <a:schemeClr val="bg1">
-                          <a:lumMod val="85000"/>
-                        </a:schemeClr>
-                      </a:solidFill>
-                      <a:prstDash val="solid"/>
-                      <a:round/>
-                      <a:headEnd type="none" w="med" len="med"/>
-                      <a:tailEnd type="none" w="med" len="med"/>
-                    </a:lnL>
-                    <a:lnR w="12700" cap="flat" cmpd="sng" algn="ctr">
-                      <a:solidFill>
-                        <a:schemeClr val="bg1">
-                          <a:lumMod val="85000"/>
-                        </a:schemeClr>
-                      </a:solidFill>
-                      <a:prstDash val="solid"/>
-                      <a:round/>
-                      <a:headEnd type="none" w="med" len="med"/>
-                      <a:tailEnd type="none" w="med" len="med"/>
-                    </a:lnR>
-                    <a:lnT w="12700" cap="flat" cmpd="sng" algn="ctr">
-                      <a:solidFill>
-                        <a:schemeClr val="bg1">
-                          <a:lumMod val="85000"/>
-                        </a:schemeClr>
-                      </a:solidFill>
-                      <a:prstDash val="solid"/>
-                      <a:round/>
-                      <a:headEnd type="none" w="med" len="med"/>
-                      <a:tailEnd type="none" w="med" len="med"/>
-                    </a:lnT>
-                    <a:lnB w="12700" cap="flat" cmpd="sng" algn="ctr">
-                      <a:solidFill>
-                        <a:schemeClr val="bg1">
-                          <a:lumMod val="85000"/>
-                        </a:schemeClr>
-                      </a:solidFill>
-                      <a:prstDash val="solid"/>
-                      <a:round/>
-                      <a:headEnd type="none" w="med" len="med"/>
-                      <a:tailEnd type="none" w="med" len="med"/>
-                    </a:lnB>
-                    <a:noFill/>
-                  </a:tcPr>
-                </a:tc>
-                <a:extLst>
-                  <a:ext uri="{0D108BD9-81ED-4DB2-BD59-A6C34878D82A}">
-                    <a16:rowId xmlns:a16="http://schemas.microsoft.com/office/drawing/2014/main" val="4251285128"/>
-                  </a:ext>
-                </a:extLst>
-              </a:tr>
-              <a:tr h="370840">
                 <a:tc>
                   <a:txBody>
                     <a:bodyPr/>
@@ -12230,43 +10376,19 @@
                         <a:buSzTx/>
                         <a:buFontTx/>
                         <a:buNone/>
-                        <a:tabLst/>
                         <a:defRPr/>
                       </a:pPr>
                       <a:r>
-                        <a:rPr lang="en-US" sz="1100">
+                        <a:rPr lang="en-US" sz="1000" b="0" kern="1200" dirty="0">
                           <a:solidFill>
-                            <a:schemeClr val="dk1"/>
+                            <a:srgbClr val="000000"/>
                           </a:solidFill>
-                          <a:effectLst/>
-                          <a:latin typeface="Adobe Clean"/>
-                          <a:ea typeface="+mn-ea"/>
-                          <a:cs typeface="+mn-cs"/>
-                          <a:hlinkClick r:id="rId8"/>
-                        </a:rPr>
-                        <a:t>Training</a:t>
-                      </a:r>
-                      <a:r>
-                        <a:rPr lang="en-US" sz="1100">
-                          <a:solidFill>
-                            <a:schemeClr val="dk1"/>
-                          </a:solidFill>
-                          <a:effectLst/>
-                          <a:latin typeface="Adobe Clean"/>
+                          <a:latin typeface="Adobe Clean Light" panose="020B0303020404020204" pitchFamily="34" charset="0"/>
                           <a:ea typeface="+mn-ea"/>
                           <a:cs typeface="+mn-cs"/>
                         </a:rPr>
-                        <a:t> </a:t>
+                        <a:t>Experience League 是 Adobe 帮助企业实现预期的 Adobe 投资回报的方式。这是一个集中式位置，提供自助教程、产品文档、讲师指导的培训、社区和技术支持，客户可以在这里学习、建立联系和取得进步，并沿着个性化的路径迈向成功。</a:t>
                       </a:r>
-                      <a:endParaRPr lang="en-US" sz="1100">
-                        <a:solidFill>
-                          <a:schemeClr val="tx1"/>
-                        </a:solidFill>
-                        <a:effectLst/>
-                        <a:latin typeface="Adobe Clean"/>
-                        <a:ea typeface="+mn-ea"/>
-                        <a:cs typeface="+mn-cs"/>
-                      </a:endParaRPr>
                     </a:p>
                   </a:txBody>
                   <a:tcPr anchor="ctr">
@@ -12317,6 +10439,13 @@
                     <a:noFill/>
                   </a:tcPr>
                 </a:tc>
+                <a:extLst>
+                  <a:ext uri="{0D108BD9-81ED-4DB2-BD59-A6C34878D82A}">
+                    <a16:rowId xmlns:a16="http://schemas.microsoft.com/office/drawing/2014/main" val="10000"/>
+                  </a:ext>
+                </a:extLst>
+              </a:tr>
+              <a:tr h="370840">
                 <a:tc>
                   <a:txBody>
                     <a:bodyPr/>
@@ -12336,20 +10465,42 @@
                         <a:buSzTx/>
                         <a:buFontTx/>
                         <a:buNone/>
-                        <a:tabLst/>
                         <a:defRPr/>
                       </a:pPr>
                       <a:r>
-                        <a:rPr lang="en-US" sz="1000" kern="1200">
+                        <a:rPr lang="en-US" sz="1100" dirty="0">
                           <a:solidFill>
-                            <a:srgbClr val="000000"/>
+                            <a:schemeClr val="dk1"/>
                           </a:solidFill>
-                          <a:latin typeface="Adobe Clean Light"/>
+                          <a:effectLst/>
+                          <a:latin typeface="Adobe Clean" panose="020B0503020404020204" pitchFamily="34" charset="0"/>
+                          <a:ea typeface="+mn-ea"/>
+                          <a:cs typeface="+mn-cs"/>
+                          <a:hlinkClick r:id="rId9"/>
+                        </a:rPr>
+                        <a:t>培训</a:t>
+                      </a:r>
+                      <a:r>
+                        <a:rPr lang="en-US" sz="1100" dirty="0">
+                          <a:solidFill>
+                            <a:schemeClr val="dk1"/>
+                          </a:solidFill>
+                          <a:effectLst/>
+                          <a:latin typeface="Adobe Clean" panose="020B0503020404020204" pitchFamily="34" charset="0"/>
                           <a:ea typeface="+mn-ea"/>
                           <a:cs typeface="+mn-cs"/>
                         </a:rPr>
-                        <a:t>Adobe Digital Learning Services courses are accessible from Experience League. Learning courses integrate both on-demand and instructor-led lessons.  Here you can accrue skills that have recognized market value and position them to drive success in your organizations.</a:t>
+                        <a:t> </a:t>
                       </a:r>
+                      <a:endParaRPr lang="en-US" sz="1100" dirty="0">
+                        <a:solidFill>
+                          <a:schemeClr val="tx1"/>
+                        </a:solidFill>
+                        <a:effectLst/>
+                        <a:latin typeface="Adobe Clean" panose="020B0503020404020204" pitchFamily="34" charset="0"/>
+                        <a:ea typeface="+mn-ea"/>
+                        <a:cs typeface="+mn-cs"/>
+                      </a:endParaRPr>
                     </a:p>
                   </a:txBody>
                   <a:tcPr anchor="ctr">
@@ -12400,13 +10551,6 @@
                     <a:noFill/>
                   </a:tcPr>
                 </a:tc>
-                <a:extLst>
-                  <a:ext uri="{0D108BD9-81ED-4DB2-BD59-A6C34878D82A}">
-                    <a16:rowId xmlns:a16="http://schemas.microsoft.com/office/drawing/2014/main" val="3127522179"/>
-                  </a:ext>
-                </a:extLst>
-              </a:tr>
-              <a:tr h="370840">
                 <a:tc>
                   <a:txBody>
                     <a:bodyPr/>
@@ -12426,120 +10570,19 @@
                         <a:buSzTx/>
                         <a:buFontTx/>
                         <a:buNone/>
-                        <a:tabLst/>
                         <a:defRPr/>
                       </a:pPr>
                       <a:r>
-                        <a:rPr lang="en-US" sz="1100">
-                          <a:solidFill>
-                            <a:schemeClr val="tx1"/>
-                          </a:solidFill>
-                          <a:effectLst/>
-                          <a:latin typeface="Adobe Clean"/>
-                          <a:ea typeface="+mn-ea"/>
-                          <a:cs typeface="+mn-cs"/>
-                          <a:hlinkClick r:id="rId9"/>
-                        </a:rPr>
-                        <a:t>Production Issues &amp; System Outages</a:t>
-                      </a:r>
-                      <a:endParaRPr lang="en-US" sz="1100">
-                        <a:solidFill>
-                          <a:schemeClr val="tx1"/>
-                        </a:solidFill>
-                        <a:effectLst/>
-                        <a:latin typeface="Adobe Clean"/>
-                        <a:ea typeface="+mn-ea"/>
-                        <a:cs typeface="+mn-cs"/>
-                      </a:endParaRPr>
-                    </a:p>
-                  </a:txBody>
-                  <a:tcPr anchor="ctr">
-                    <a:lnL w="12700" cap="flat" cmpd="sng" algn="ctr">
-                      <a:solidFill>
-                        <a:schemeClr val="bg1">
-                          <a:lumMod val="85000"/>
-                        </a:schemeClr>
-                      </a:solidFill>
-                      <a:prstDash val="solid"/>
-                      <a:round/>
-                      <a:headEnd type="none" w="med" len="med"/>
-                      <a:tailEnd type="none" w="med" len="med"/>
-                    </a:lnL>
-                    <a:lnR w="12700" cap="flat" cmpd="sng" algn="ctr">
-                      <a:solidFill>
-                        <a:schemeClr val="bg1">
-                          <a:lumMod val="85000"/>
-                        </a:schemeClr>
-                      </a:solidFill>
-                      <a:prstDash val="solid"/>
-                      <a:round/>
-                      <a:headEnd type="none" w="med" len="med"/>
-                      <a:tailEnd type="none" w="med" len="med"/>
-                    </a:lnR>
-                    <a:lnT w="12700" cap="flat" cmpd="sng" algn="ctr">
-                      <a:solidFill>
-                        <a:schemeClr val="bg1">
-                          <a:lumMod val="85000"/>
-                        </a:schemeClr>
-                      </a:solidFill>
-                      <a:prstDash val="solid"/>
-                      <a:round/>
-                      <a:headEnd type="none" w="med" len="med"/>
-                      <a:tailEnd type="none" w="med" len="med"/>
-                    </a:lnT>
-                    <a:lnB w="12700" cap="flat" cmpd="sng" algn="ctr">
-                      <a:solidFill>
-                        <a:schemeClr val="bg1">
-                          <a:lumMod val="85000"/>
-                        </a:schemeClr>
-                      </a:solidFill>
-                      <a:prstDash val="solid"/>
-                      <a:round/>
-                      <a:headEnd type="none" w="med" len="med"/>
-                      <a:tailEnd type="none" w="med" len="med"/>
-                    </a:lnB>
-                    <a:noFill/>
-                  </a:tcPr>
-                </a:tc>
-                <a:tc>
-                  <a:txBody>
-                    <a:bodyPr/>
-                    <a:lstStyle/>
-                    <a:p>
-                      <a:pPr marL="0" marR="0" lvl="0" indent="0" eaLnBrk="1" fontAlgn="auto" latinLnBrk="0" hangingPunct="1">
-                        <a:lnSpc>
-                          <a:spcPct val="100000"/>
-                        </a:lnSpc>
-                        <a:spcBef>
-                          <a:spcPts val="0"/>
-                        </a:spcBef>
-                        <a:spcAft>
-                          <a:spcPts val="0"/>
-                        </a:spcAft>
-                        <a:buClrTx/>
-                        <a:buSzTx/>
-                        <a:buFontTx/>
-                        <a:buNone/>
-                      </a:pPr>
-                      <a:r>
-                        <a:rPr lang="en-US" sz="1000" kern="1200">
+                        <a:rPr lang="en-US" sz="1000" kern="1200" dirty="0">
                           <a:solidFill>
                             <a:srgbClr val="000000"/>
                           </a:solidFill>
-                          <a:latin typeface="Adobe Clean Light"/>
+                          <a:latin typeface="Adobe Clean Light" panose="020B0303020404020204" pitchFamily="34" charset="0"/>
                           <a:ea typeface="+mn-ea"/>
                           <a:cs typeface="+mn-cs"/>
                         </a:rPr>
-                        <a:t>Status.adobe.com conveys the health information of all Adobe products and services that are deployed in multi-tenant environments. Customers can choose their subscription preferences to get email notifications whenever Adobe creates, updates or resolves a product event. This can include scheduled maintenance or service issues of varying levels of severity. </a:t>
+                        <a:t>可以从 Experience League 访问 Adobe Digital Learning Services 课程。学习课程整合了按需课程和讲师指导的课程。在这里，您可以掌握具有公认市场价值的技能，并在组织中利用这些技能获得成功。</a:t>
                       </a:r>
-                      <a:endParaRPr lang="en-US" sz="1000" kern="1200">
-                        <a:solidFill>
-                          <a:srgbClr val="000000"/>
-                        </a:solidFill>
-                        <a:latin typeface="Adobe Clean Light" panose="020B0303020404020204" pitchFamily="34" charset="0"/>
-                        <a:ea typeface="+mn-ea"/>
-                        <a:cs typeface="+mn-cs"/>
-                      </a:endParaRPr>
                     </a:p>
                   </a:txBody>
                   <a:tcPr anchor="ctr">
@@ -12592,7 +10635,7 @@
                 </a:tc>
                 <a:extLst>
                   <a:ext uri="{0D108BD9-81ED-4DB2-BD59-A6C34878D82A}">
-                    <a16:rowId xmlns:a16="http://schemas.microsoft.com/office/drawing/2014/main" val="2696233489"/>
+                    <a16:rowId xmlns:a16="http://schemas.microsoft.com/office/drawing/2014/main" val="10001"/>
                   </a:ext>
                 </a:extLst>
               </a:tr>
@@ -12616,28 +10659,27 @@
                         <a:buSzTx/>
                         <a:buFontTx/>
                         <a:buNone/>
-                        <a:tabLst/>
                         <a:defRPr/>
                       </a:pPr>
                       <a:r>
-                        <a:rPr lang="en-US" sz="1100" b="0" i="0">
+                        <a:rPr lang="en-US" sz="1100" dirty="0">
                           <a:solidFill>
-                            <a:schemeClr val="dk1"/>
+                            <a:schemeClr val="tx1"/>
                           </a:solidFill>
                           <a:effectLst/>
-                          <a:latin typeface="Adobe Clean"/>
+                          <a:latin typeface="Adobe Clean" panose="020B0503020404020204" pitchFamily="34" charset="0"/>
                           <a:ea typeface="+mn-ea"/>
                           <a:cs typeface="+mn-cs"/>
-                          <a:hlinkClick r:id="rId10" tooltip="https://helpx.adobe.com/support/programs/enterprise-support-programs/premier-support-business.html"/>
+                          <a:hlinkClick r:id="rId10"/>
                         </a:rPr>
-                        <a:t>Business Support Website</a:t>
+                        <a:t>生产问题和系统中断</a:t>
                       </a:r>
-                      <a:endParaRPr lang="en-US" sz="1100" b="0" i="0">
+                      <a:endParaRPr lang="en-US" sz="1100" dirty="0">
                         <a:solidFill>
-                          <a:schemeClr val="dk1"/>
+                          <a:schemeClr val="tx1"/>
                         </a:solidFill>
                         <a:effectLst/>
-                        <a:latin typeface="Adobe Clean"/>
+                        <a:latin typeface="Adobe Clean" panose="020B0503020404020204" pitchFamily="34" charset="0"/>
                         <a:ea typeface="+mn-ea"/>
                         <a:cs typeface="+mn-cs"/>
                       </a:endParaRPr>
@@ -12691,87 +10733,6 @@
                     <a:noFill/>
                   </a:tcPr>
                 </a:tc>
-                <a:tc>
-                  <a:txBody>
-                    <a:bodyPr/>
-                    <a:lstStyle/>
-                    <a:p>
-                      <a:r>
-                        <a:rPr lang="en-US" sz="1000" kern="1200">
-                          <a:solidFill>
-                            <a:srgbClr val="000000"/>
-                          </a:solidFill>
-                          <a:latin typeface="Adobe Clean Light"/>
-                          <a:ea typeface="+mn-ea"/>
-                          <a:cs typeface="+mn-cs"/>
-                        </a:rPr>
-                        <a:t>Adobe Business Support website.</a:t>
-                      </a:r>
-                      <a:endParaRPr lang="en-US" sz="1000" kern="1200">
-                        <a:solidFill>
-                          <a:srgbClr val="000000"/>
-                        </a:solidFill>
-                        <a:latin typeface="Adobe Clean Light" panose="020B0303020404020204" pitchFamily="34" charset="0"/>
-                        <a:ea typeface="+mn-ea"/>
-                        <a:cs typeface="+mn-cs"/>
-                      </a:endParaRPr>
-                    </a:p>
-                  </a:txBody>
-                  <a:tcPr anchor="ctr">
-                    <a:lnL w="12700" cap="flat" cmpd="sng" algn="ctr">
-                      <a:solidFill>
-                        <a:schemeClr val="bg1">
-                          <a:lumMod val="85000"/>
-                        </a:schemeClr>
-                      </a:solidFill>
-                      <a:prstDash val="solid"/>
-                      <a:round/>
-                      <a:headEnd type="none" w="med" len="med"/>
-                      <a:tailEnd type="none" w="med" len="med"/>
-                    </a:lnL>
-                    <a:lnR w="12700" cap="flat" cmpd="sng" algn="ctr">
-                      <a:solidFill>
-                        <a:schemeClr val="bg1">
-                          <a:lumMod val="85000"/>
-                        </a:schemeClr>
-                      </a:solidFill>
-                      <a:prstDash val="solid"/>
-                      <a:round/>
-                      <a:headEnd type="none" w="med" len="med"/>
-                      <a:tailEnd type="none" w="med" len="med"/>
-                    </a:lnR>
-                    <a:lnT w="12700" cap="flat" cmpd="sng" algn="ctr">
-                      <a:solidFill>
-                        <a:schemeClr val="bg1">
-                          <a:lumMod val="85000"/>
-                        </a:schemeClr>
-                      </a:solidFill>
-                      <a:prstDash val="solid"/>
-                      <a:round/>
-                      <a:headEnd type="none" w="med" len="med"/>
-                      <a:tailEnd type="none" w="med" len="med"/>
-                    </a:lnT>
-                    <a:lnB w="12700" cap="flat" cmpd="sng" algn="ctr">
-                      <a:solidFill>
-                        <a:schemeClr val="bg1">
-                          <a:lumMod val="85000"/>
-                        </a:schemeClr>
-                      </a:solidFill>
-                      <a:prstDash val="solid"/>
-                      <a:round/>
-                      <a:headEnd type="none" w="med" len="med"/>
-                      <a:tailEnd type="none" w="med" len="med"/>
-                    </a:lnB>
-                    <a:noFill/>
-                  </a:tcPr>
-                </a:tc>
-                <a:extLst>
-                  <a:ext uri="{0D108BD9-81ED-4DB2-BD59-A6C34878D82A}">
-                    <a16:rowId xmlns:a16="http://schemas.microsoft.com/office/drawing/2014/main" val="3772135568"/>
-                  </a:ext>
-                </a:extLst>
-              </a:tr>
-              <a:tr h="370840">
                 <a:tc>
                   <a:txBody>
                     <a:bodyPr/>
@@ -12791,28 +10752,116 @@
                         <a:buSzTx/>
                         <a:buFontTx/>
                         <a:buNone/>
-                        <a:tabLst/>
                         <a:defRPr/>
                       </a:pPr>
                       <a:r>
-                        <a:rPr lang="en-US" sz="1100">
+                        <a:rPr lang="en-US" sz="1000" kern="1200" dirty="0">
                           <a:solidFill>
-                            <a:schemeClr val="tx1"/>
+                            <a:srgbClr val="000000"/>
+                          </a:solidFill>
+                          <a:latin typeface="Adobe Clean Light" panose="020B0303020404020204" pitchFamily="34" charset="0"/>
+                          <a:ea typeface="+mn-ea"/>
+                          <a:cs typeface="+mn-cs"/>
+                        </a:rPr>
+                        <a:t>Status.adobe.com 传达在多租户环境中部署的所有 Adobe 产品和服务的运行状况信息。客户可以选择他们的订阅偏好设置，以便在 Adobe 创建、更新或处理产品事件时收到电子邮件通知。这可能包括严重性不同的定期维护或服务问题。</a:t>
+                      </a:r>
+                    </a:p>
+                  </a:txBody>
+                  <a:tcPr anchor="ctr">
+                    <a:lnL w="12700" cap="flat" cmpd="sng" algn="ctr">
+                      <a:solidFill>
+                        <a:schemeClr val="bg1">
+                          <a:lumMod val="85000"/>
+                        </a:schemeClr>
+                      </a:solidFill>
+                      <a:prstDash val="solid"/>
+                      <a:round/>
+                      <a:headEnd type="none" w="med" len="med"/>
+                      <a:tailEnd type="none" w="med" len="med"/>
+                    </a:lnL>
+                    <a:lnR w="12700" cap="flat" cmpd="sng" algn="ctr">
+                      <a:solidFill>
+                        <a:schemeClr val="bg1">
+                          <a:lumMod val="85000"/>
+                        </a:schemeClr>
+                      </a:solidFill>
+                      <a:prstDash val="solid"/>
+                      <a:round/>
+                      <a:headEnd type="none" w="med" len="med"/>
+                      <a:tailEnd type="none" w="med" len="med"/>
+                    </a:lnR>
+                    <a:lnT w="12700" cap="flat" cmpd="sng" algn="ctr">
+                      <a:solidFill>
+                        <a:schemeClr val="bg1">
+                          <a:lumMod val="85000"/>
+                        </a:schemeClr>
+                      </a:solidFill>
+                      <a:prstDash val="solid"/>
+                      <a:round/>
+                      <a:headEnd type="none" w="med" len="med"/>
+                      <a:tailEnd type="none" w="med" len="med"/>
+                    </a:lnT>
+                    <a:lnB w="12700" cap="flat" cmpd="sng" algn="ctr">
+                      <a:solidFill>
+                        <a:schemeClr val="bg1">
+                          <a:lumMod val="85000"/>
+                        </a:schemeClr>
+                      </a:solidFill>
+                      <a:prstDash val="solid"/>
+                      <a:round/>
+                      <a:headEnd type="none" w="med" len="med"/>
+                      <a:tailEnd type="none" w="med" len="med"/>
+                    </a:lnB>
+                    <a:noFill/>
+                  </a:tcPr>
+                </a:tc>
+                <a:extLst>
+                  <a:ext uri="{0D108BD9-81ED-4DB2-BD59-A6C34878D82A}">
+                    <a16:rowId xmlns:a16="http://schemas.microsoft.com/office/drawing/2014/main" val="10002"/>
+                  </a:ext>
+                </a:extLst>
+              </a:tr>
+              <a:tr h="370840">
+                <a:tc>
+                  <a:txBody>
+                    <a:bodyPr/>
+                    <a:lstStyle/>
+                    <a:p>
+                      <a:pPr marL="0" marR="0" lvl="0" indent="0" defTabSz="914400" eaLnBrk="1" fontAlgn="auto" latinLnBrk="0" hangingPunct="1">
+                        <a:lnSpc>
+                          <a:spcPct val="100000"/>
+                        </a:lnSpc>
+                        <a:spcBef>
+                          <a:spcPts val="0"/>
+                        </a:spcBef>
+                        <a:spcAft>
+                          <a:spcPts val="0"/>
+                        </a:spcAft>
+                        <a:buClrTx/>
+                        <a:buSzTx/>
+                        <a:buFontTx/>
+                        <a:buNone/>
+                        <a:defRPr/>
+                      </a:pPr>
+                      <a:r>
+                        <a:rPr lang="en-US" sz="1100" b="0" i="0" dirty="0">
+                          <a:solidFill>
+                            <a:schemeClr val="dk1"/>
                           </a:solidFill>
                           <a:effectLst/>
-                          <a:latin typeface="Adobe Clean"/>
+                          <a:latin typeface="Adobe Clean" panose="020B0503020404020204" pitchFamily="34" charset="0"/>
                           <a:ea typeface="+mn-ea"/>
                           <a:cs typeface="+mn-cs"/>
-                          <a:hlinkClick r:id="rId11"/>
+                          <a:hlinkClick r:id="rId11" tooltip="https://helpx.adobe.com/cn/support/programs/enterprise-support-programs/premier-support-business.html"/>
                         </a:rPr>
-                        <a:t>Terms and Conditions</a:t>
+                        <a:t>商业支持网站</a:t>
                       </a:r>
-                      <a:endParaRPr lang="en-US" sz="1100">
+                      <a:endParaRPr lang="en-US" sz="1100" b="0" i="0" dirty="0">
                         <a:solidFill>
-                          <a:schemeClr val="tx1"/>
+                          <a:schemeClr val="dk1"/>
                         </a:solidFill>
                         <a:effectLst/>
-                        <a:latin typeface="Adobe Clean"/>
+                        <a:latin typeface="Adobe Clean" panose="020B0503020404020204" pitchFamily="34" charset="0"/>
                         <a:ea typeface="+mn-ea"/>
                         <a:cs typeface="+mn-cs"/>
                       </a:endParaRPr>
@@ -12872,24 +10921,16 @@
                     <a:lstStyle/>
                     <a:p>
                       <a:r>
-                        <a:rPr lang="en-US" sz="1000" kern="1200">
+                        <a:rPr lang="en-US" sz="1000" kern="1200" dirty="0">
                           <a:solidFill>
                             <a:srgbClr val="000000"/>
                           </a:solidFill>
-                          <a:latin typeface="Adobe Clean Light"/>
+                          <a:latin typeface="Adobe Clean Light" panose="020B0303020404020204" pitchFamily="34" charset="0"/>
                           <a:ea typeface="+mn-ea"/>
                           <a:cs typeface="+mn-cs"/>
                         </a:rPr>
-                        <a:t>Terms and conditions detailing Support Services offerings.</a:t>
+                        <a:t>Adobe 商业支持网站</a:t>
                       </a:r>
-                      <a:endParaRPr lang="en-US" sz="1000" kern="1200">
-                        <a:solidFill>
-                          <a:srgbClr val="000000"/>
-                        </a:solidFill>
-                        <a:latin typeface="Adobe Clean Light" panose="020B0303020404020204" pitchFamily="34" charset="0"/>
-                        <a:ea typeface="+mn-ea"/>
-                        <a:cs typeface="+mn-cs"/>
-                      </a:endParaRPr>
                     </a:p>
                   </a:txBody>
                   <a:tcPr anchor="ctr">
@@ -12942,7 +10983,173 @@
                 </a:tc>
                 <a:extLst>
                   <a:ext uri="{0D108BD9-81ED-4DB2-BD59-A6C34878D82A}">
-                    <a16:rowId xmlns:a16="http://schemas.microsoft.com/office/drawing/2014/main" val="2083862379"/>
+                    <a16:rowId xmlns:a16="http://schemas.microsoft.com/office/drawing/2014/main" val="10003"/>
+                  </a:ext>
+                </a:extLst>
+              </a:tr>
+              <a:tr h="370840">
+                <a:tc>
+                  <a:txBody>
+                    <a:bodyPr/>
+                    <a:lstStyle/>
+                    <a:p>
+                      <a:pPr marL="0" marR="0" lvl="0" indent="0" defTabSz="914400" eaLnBrk="1" fontAlgn="auto" latinLnBrk="0" hangingPunct="1">
+                        <a:lnSpc>
+                          <a:spcPct val="100000"/>
+                        </a:lnSpc>
+                        <a:spcBef>
+                          <a:spcPts val="0"/>
+                        </a:spcBef>
+                        <a:spcAft>
+                          <a:spcPts val="0"/>
+                        </a:spcAft>
+                        <a:buClrTx/>
+                        <a:buSzTx/>
+                        <a:buFontTx/>
+                        <a:buNone/>
+                        <a:defRPr/>
+                      </a:pPr>
+                      <a:r>
+                        <a:rPr lang="en-US" sz="1100" dirty="0">
+                          <a:solidFill>
+                            <a:schemeClr val="tx1"/>
+                          </a:solidFill>
+                          <a:effectLst/>
+                          <a:latin typeface="Adobe Clean" panose="020B0503020404020204" pitchFamily="34" charset="0"/>
+                          <a:ea typeface="+mn-ea"/>
+                          <a:cs typeface="+mn-cs"/>
+                          <a:hlinkClick r:id="rId12"/>
+                        </a:rPr>
+                        <a:t>条款和条件</a:t>
+                      </a:r>
+                      <a:endParaRPr lang="en-US" sz="1100" dirty="0">
+                        <a:solidFill>
+                          <a:schemeClr val="tx1"/>
+                        </a:solidFill>
+                        <a:effectLst/>
+                        <a:latin typeface="Adobe Clean" panose="020B0503020404020204" pitchFamily="34" charset="0"/>
+                        <a:ea typeface="+mn-ea"/>
+                        <a:cs typeface="+mn-cs"/>
+                      </a:endParaRPr>
+                    </a:p>
+                  </a:txBody>
+                  <a:tcPr anchor="ctr">
+                    <a:lnL w="12700" cap="flat" cmpd="sng" algn="ctr">
+                      <a:solidFill>
+                        <a:schemeClr val="bg1">
+                          <a:lumMod val="85000"/>
+                        </a:schemeClr>
+                      </a:solidFill>
+                      <a:prstDash val="solid"/>
+                      <a:round/>
+                      <a:headEnd type="none" w="med" len="med"/>
+                      <a:tailEnd type="none" w="med" len="med"/>
+                    </a:lnL>
+                    <a:lnR w="12700" cap="flat" cmpd="sng" algn="ctr">
+                      <a:solidFill>
+                        <a:schemeClr val="bg1">
+                          <a:lumMod val="85000"/>
+                        </a:schemeClr>
+                      </a:solidFill>
+                      <a:prstDash val="solid"/>
+                      <a:round/>
+                      <a:headEnd type="none" w="med" len="med"/>
+                      <a:tailEnd type="none" w="med" len="med"/>
+                    </a:lnR>
+                    <a:lnT w="12700" cap="flat" cmpd="sng" algn="ctr">
+                      <a:solidFill>
+                        <a:schemeClr val="bg1">
+                          <a:lumMod val="85000"/>
+                        </a:schemeClr>
+                      </a:solidFill>
+                      <a:prstDash val="solid"/>
+                      <a:round/>
+                      <a:headEnd type="none" w="med" len="med"/>
+                      <a:tailEnd type="none" w="med" len="med"/>
+                    </a:lnT>
+                    <a:lnB w="12700" cap="flat" cmpd="sng" algn="ctr">
+                      <a:solidFill>
+                        <a:schemeClr val="bg1">
+                          <a:lumMod val="85000"/>
+                        </a:schemeClr>
+                      </a:solidFill>
+                      <a:prstDash val="solid"/>
+                      <a:round/>
+                      <a:headEnd type="none" w="med" len="med"/>
+                      <a:tailEnd type="none" w="med" len="med"/>
+                    </a:lnB>
+                    <a:noFill/>
+                  </a:tcPr>
+                </a:tc>
+                <a:tc>
+                  <a:txBody>
+                    <a:bodyPr/>
+                    <a:lstStyle/>
+                    <a:p>
+                      <a:r>
+                        <a:rPr lang="en-US" sz="1000" kern="1200" dirty="0">
+                          <a:solidFill>
+                            <a:srgbClr val="000000"/>
+                          </a:solidFill>
+                          <a:latin typeface="Adobe Clean Light" panose="020B0303020404020204" pitchFamily="34" charset="0"/>
+                          <a:ea typeface="+mn-ea"/>
+                          <a:cs typeface="+mn-cs"/>
+                        </a:rPr>
+                        <a:t>详细说明支持服务产品的条款和条件</a:t>
+                      </a:r>
+                    </a:p>
+                  </a:txBody>
+                  <a:tcPr anchor="ctr">
+                    <a:lnL w="12700" cap="flat" cmpd="sng" algn="ctr">
+                      <a:solidFill>
+                        <a:schemeClr val="bg1">
+                          <a:lumMod val="85000"/>
+                        </a:schemeClr>
+                      </a:solidFill>
+                      <a:prstDash val="solid"/>
+                      <a:round/>
+                      <a:headEnd type="none" w="med" len="med"/>
+                      <a:tailEnd type="none" w="med" len="med"/>
+                    </a:lnL>
+                    <a:lnR w="12700" cap="flat" cmpd="sng" algn="ctr">
+                      <a:solidFill>
+                        <a:schemeClr val="bg1">
+                          <a:lumMod val="85000"/>
+                        </a:schemeClr>
+                      </a:solidFill>
+                      <a:prstDash val="solid"/>
+                      <a:round/>
+                      <a:headEnd type="none" w="med" len="med"/>
+                      <a:tailEnd type="none" w="med" len="med"/>
+                    </a:lnR>
+                    <a:lnT w="12700" cap="flat" cmpd="sng" algn="ctr">
+                      <a:solidFill>
+                        <a:schemeClr val="bg1">
+                          <a:lumMod val="85000"/>
+                        </a:schemeClr>
+                      </a:solidFill>
+                      <a:prstDash val="solid"/>
+                      <a:round/>
+                      <a:headEnd type="none" w="med" len="med"/>
+                      <a:tailEnd type="none" w="med" len="med"/>
+                    </a:lnT>
+                    <a:lnB w="12700" cap="flat" cmpd="sng" algn="ctr">
+                      <a:solidFill>
+                        <a:schemeClr val="bg1">
+                          <a:lumMod val="85000"/>
+                        </a:schemeClr>
+                      </a:solidFill>
+                      <a:prstDash val="solid"/>
+                      <a:round/>
+                      <a:headEnd type="none" w="med" len="med"/>
+                      <a:tailEnd type="none" w="med" len="med"/>
+                    </a:lnB>
+                    <a:noFill/>
+                  </a:tcPr>
+                </a:tc>
+                <a:extLst>
+                  <a:ext uri="{0D108BD9-81ED-4DB2-BD59-A6C34878D82A}">
+                    <a16:rowId xmlns:a16="http://schemas.microsoft.com/office/drawing/2014/main" val="10004"/>
                   </a:ext>
                 </a:extLst>
               </a:tr>
@@ -12952,26 +11159,20 @@
       </p:graphicFrame>
       <p:pic>
         <p:nvPicPr>
-          <p:cNvPr id="8" name="Graphic 7" descr="Target outline">
-            <a:extLst>
-              <a:ext uri="{FF2B5EF4-FFF2-40B4-BE49-F238E27FC236}">
-                <a16:creationId xmlns:a16="http://schemas.microsoft.com/office/drawing/2014/main" id="{1EAA263E-04A7-0D46-952E-EA3033B45116}"/>
-              </a:ext>
-            </a:extLst>
-          </p:cNvPr>
+          <p:cNvPr id="8" name="Graphic 7" descr="目标轮廓图"/>
           <p:cNvPicPr>
             <a:picLocks noChangeAspect="1"/>
           </p:cNvPicPr>
           <p:nvPr/>
         </p:nvPicPr>
         <p:blipFill>
-          <a:blip r:embed="rId12">
+          <a:blip r:embed="rId13">
             <a:extLst>
               <a:ext uri="{28A0092B-C50C-407E-A947-70E740481C1C}">
                 <a14:useLocalDpi xmlns:a14="http://schemas.microsoft.com/office/drawing/2010/main" val="0"/>
               </a:ext>
               <a:ext uri="{96DAC541-7B7A-43D3-8B79-37D633B846F1}">
-                <asvg:svgBlip xmlns:asvg="http://schemas.microsoft.com/office/drawing/2016/SVG/main" r:embed="rId13"/>
+                <asvg:svgBlip xmlns:asvg="http://schemas.microsoft.com/office/drawing/2016/SVG/main" r:embed="rId14"/>
               </a:ext>
             </a:extLst>
           </a:blip>
@@ -12991,26 +11192,20 @@
       </p:pic>
       <p:pic>
         <p:nvPicPr>
-          <p:cNvPr id="10" name="Graphic 9" descr="Rocket outline">
-            <a:extLst>
-              <a:ext uri="{FF2B5EF4-FFF2-40B4-BE49-F238E27FC236}">
-                <a16:creationId xmlns:a16="http://schemas.microsoft.com/office/drawing/2014/main" id="{A068EBC3-B418-4E4A-A520-101CA4B39F23}"/>
-              </a:ext>
-            </a:extLst>
-          </p:cNvPr>
+          <p:cNvPr id="10" name="Graphic 9" descr="火箭轮廓图"/>
           <p:cNvPicPr>
             <a:picLocks noChangeAspect="1"/>
           </p:cNvPicPr>
           <p:nvPr/>
         </p:nvPicPr>
         <p:blipFill>
-          <a:blip r:embed="rId14">
+          <a:blip r:embed="rId15">
             <a:extLst>
               <a:ext uri="{28A0092B-C50C-407E-A947-70E740481C1C}">
                 <a14:useLocalDpi xmlns:a14="http://schemas.microsoft.com/office/drawing/2010/main" val="0"/>
               </a:ext>
               <a:ext uri="{96DAC541-7B7A-43D3-8B79-37D633B846F1}">
-                <asvg:svgBlip xmlns:asvg="http://schemas.microsoft.com/office/drawing/2016/SVG/main" r:embed="rId15"/>
+                <asvg:svgBlip xmlns:asvg="http://schemas.microsoft.com/office/drawing/2016/SVG/main" r:embed="rId16"/>
               </a:ext>
             </a:extLst>
           </a:blip>
@@ -13030,26 +11225,20 @@
       </p:pic>
       <p:pic>
         <p:nvPicPr>
-          <p:cNvPr id="12" name="Graphic 11" descr="Medal outline">
-            <a:extLst>
-              <a:ext uri="{FF2B5EF4-FFF2-40B4-BE49-F238E27FC236}">
-                <a16:creationId xmlns:a16="http://schemas.microsoft.com/office/drawing/2014/main" id="{C7BEFC2D-0CA6-0448-B9FA-6E1581CA6D36}"/>
-              </a:ext>
-            </a:extLst>
-          </p:cNvPr>
+          <p:cNvPr id="12" name="Graphic 11" descr="勋章轮廓图"/>
           <p:cNvPicPr>
             <a:picLocks noChangeAspect="1"/>
           </p:cNvPicPr>
           <p:nvPr/>
         </p:nvPicPr>
         <p:blipFill>
-          <a:blip r:embed="rId16">
+          <a:blip r:embed="rId17">
             <a:extLst>
               <a:ext uri="{28A0092B-C50C-407E-A947-70E740481C1C}">
                 <a14:useLocalDpi xmlns:a14="http://schemas.microsoft.com/office/drawing/2010/main" val="0"/>
               </a:ext>
               <a:ext uri="{96DAC541-7B7A-43D3-8B79-37D633B846F1}">
-                <asvg:svgBlip xmlns:asvg="http://schemas.microsoft.com/office/drawing/2016/SVG/main" r:embed="rId17"/>
+                <asvg:svgBlip xmlns:asvg="http://schemas.microsoft.com/office/drawing/2016/SVG/main" r:embed="rId18"/>
               </a:ext>
             </a:extLst>
           </a:blip>
@@ -13068,16 +11257,29 @@
         </p:spPr>
       </p:pic>
     </p:spTree>
-    <p:extLst>
-      <p:ext uri="{BB962C8B-B14F-4D97-AF65-F5344CB8AC3E}">
-        <p14:creationId xmlns:p14="http://schemas.microsoft.com/office/powerpoint/2010/main" val="1050037809"/>
-      </p:ext>
-    </p:extLst>
   </p:cSld>
   <p:clrMapOvr>
     <a:masterClrMapping/>
   </p:clrMapOvr>
 </p:sld>
+</file>
+
+<file path=ppt/tags/tag1.xml><?xml version="1.0" encoding="utf-8"?>
+<p:tagLst xmlns:a="http://schemas.openxmlformats.org/drawingml/2006/main" xmlns:r="http://schemas.openxmlformats.org/officeDocument/2006/relationships" xmlns:p="http://schemas.openxmlformats.org/presentationml/2006/main">
+  <p:tag name="KSO_WM_UNIT_TABLE_BEAUTIFY" val="smartTable{90f03565-0d74-4b8b-9226-740e34f0c564}"/>
+</p:tagLst>
+</file>
+
+<file path=ppt/tags/tag2.xml><?xml version="1.0" encoding="utf-8"?>
+<p:tagLst xmlns:a="http://schemas.openxmlformats.org/drawingml/2006/main" xmlns:r="http://schemas.openxmlformats.org/officeDocument/2006/relationships" xmlns:p="http://schemas.openxmlformats.org/presentationml/2006/main">
+  <p:tag name="KSO_WM_UNIT_TABLE_BEAUTIFY" val="smartTable{85e89148-258b-42fe-a353-2caaf47f8212}"/>
+</p:tagLst>
+</file>
+
+<file path=ppt/tags/tag3.xml><?xml version="1.0" encoding="utf-8"?>
+<p:tagLst xmlns:a="http://schemas.openxmlformats.org/drawingml/2006/main" xmlns:r="http://schemas.openxmlformats.org/officeDocument/2006/relationships" xmlns:p="http://schemas.openxmlformats.org/presentationml/2006/main">
+  <p:tag name="KSO_WM_UNIT_TABLE_BEAUTIFY" val="smartTable{269922ac-f9a6-4919-96e2-a196576fed7c}"/>
+</p:tagLst>
 </file>
 
 <file path=ppt/theme/theme1.xml><?xml version="1.0" encoding="utf-8"?>
@@ -13360,6 +11562,11 @@
   </a:themeElements>
   <a:objectDefaults/>
   <a:extraClrSchemeLst/>
+  <a:extLst>
+    <a:ext uri="{05A4C25C-085E-4340-85A3-A5531E510DB2}">
+      <thm15:themeFamily xmlns:thm15="http://schemas.microsoft.com/office/thememl/2012/main" name="Office Theme" id="{62F939B6-93AF-4DB8-9C6B-D6C7DFDC589F}" vid="{4A3C46E8-61CC-4603-A589-7422A47A8E4A}"/>
+    </a:ext>
+  </a:extLst>
 </a:theme>
 </file>
 
@@ -13406,7 +11613,7 @@
     </a:clrScheme>
     <a:fontScheme name="Office">
       <a:majorFont>
-        <a:latin typeface="Calibri Light" panose="020F0302020204030204"/>
+        <a:latin typeface="Calibri Light"/>
         <a:ea typeface=""/>
         <a:cs typeface=""/>
         <a:font script="Jpan" typeface="游ゴシック Light"/>
@@ -13439,26 +11646,9 @@
         <a:font script="Viet" typeface="Times New Roman"/>
         <a:font script="Uigh" typeface="Microsoft Uighur"/>
         <a:font script="Geor" typeface="Sylfaen"/>
-        <a:font script="Armn" typeface="Arial"/>
-        <a:font script="Bugi" typeface="Leelawadee UI"/>
-        <a:font script="Bopo" typeface="Microsoft JhengHei"/>
-        <a:font script="Java" typeface="Javanese Text"/>
-        <a:font script="Lisu" typeface="Segoe UI"/>
-        <a:font script="Mymr" typeface="Myanmar Text"/>
-        <a:font script="Nkoo" typeface="Ebrima"/>
-        <a:font script="Olck" typeface="Nirmala UI"/>
-        <a:font script="Osma" typeface="Ebrima"/>
-        <a:font script="Phag" typeface="Phagspa"/>
-        <a:font script="Syrn" typeface="Estrangelo Edessa"/>
-        <a:font script="Syrj" typeface="Estrangelo Edessa"/>
-        <a:font script="Syre" typeface="Estrangelo Edessa"/>
-        <a:font script="Sora" typeface="Nirmala UI"/>
-        <a:font script="Tale" typeface="Microsoft Tai Le"/>
-        <a:font script="Talu" typeface="Microsoft New Tai Lue"/>
-        <a:font script="Tfng" typeface="Ebrima"/>
       </a:majorFont>
       <a:minorFont>
-        <a:latin typeface="Calibri" panose="020F0502020204030204"/>
+        <a:latin typeface="Calibri"/>
         <a:ea typeface=""/>
         <a:cs typeface=""/>
         <a:font script="Jpan" typeface="游ゴシック"/>
@@ -13491,23 +11681,6 @@
         <a:font script="Viet" typeface="Arial"/>
         <a:font script="Uigh" typeface="Microsoft Uighur"/>
         <a:font script="Geor" typeface="Sylfaen"/>
-        <a:font script="Armn" typeface="Arial"/>
-        <a:font script="Bugi" typeface="Leelawadee UI"/>
-        <a:font script="Bopo" typeface="Microsoft JhengHei"/>
-        <a:font script="Java" typeface="Javanese Text"/>
-        <a:font script="Lisu" typeface="Segoe UI"/>
-        <a:font script="Mymr" typeface="Myanmar Text"/>
-        <a:font script="Nkoo" typeface="Ebrima"/>
-        <a:font script="Olck" typeface="Nirmala UI"/>
-        <a:font script="Osma" typeface="Ebrima"/>
-        <a:font script="Phag" typeface="Phagspa"/>
-        <a:font script="Syrn" typeface="Estrangelo Edessa"/>
-        <a:font script="Syrj" typeface="Estrangelo Edessa"/>
-        <a:font script="Syre" typeface="Estrangelo Edessa"/>
-        <a:font script="Sora" typeface="Nirmala UI"/>
-        <a:font script="Tale" typeface="Microsoft Tai Le"/>
-        <a:font script="Talu" typeface="Microsoft New Tai Lue"/>
-        <a:font script="Tfng" typeface="Ebrima"/>
       </a:minorFont>
     </a:fontScheme>
     <a:fmtScheme name="Office">
@@ -13656,268 +11829,4 @@
     </a:ext>
   </a:extLst>
 </a:theme>
-</file>
-
-<file path=customXml/item1.xml><?xml version="1.0" encoding="utf-8"?>
-<p:properties xmlns:p="http://schemas.microsoft.com/office/2006/metadata/properties" xmlns:xsi="http://www.w3.org/2001/XMLSchema-instance" xmlns:pc="http://schemas.microsoft.com/office/infopath/2007/PartnerControls">
-  <documentManagement/>
-</p:properties>
-</file>
-
-<file path=customXml/item2.xml><?xml version="1.0" encoding="utf-8"?>
-<?mso-contentType ?>
-<FormTemplates xmlns="http://schemas.microsoft.com/sharepoint/v3/contenttype/forms">
-  <Display>DocumentLibraryForm</Display>
-  <Edit>DocumentLibraryForm</Edit>
-  <New>DocumentLibraryForm</New>
-</FormTemplates>
-</file>
-
-<file path=customXml/item3.xml><?xml version="1.0" encoding="utf-8"?>
-<ct:contentTypeSchema xmlns:ct="http://schemas.microsoft.com/office/2006/metadata/contentType" xmlns:ma="http://schemas.microsoft.com/office/2006/metadata/properties/metaAttributes" ct:_="" ma:_="" ma:contentTypeName="Document" ma:contentTypeID="0x010100E783BF6876BCC646A459363AF21A7736" ma:contentTypeVersion="10" ma:contentTypeDescription="Create a new document." ma:contentTypeScope="" ma:versionID="c4ffda7f4f415767600769e454c2ea87">
-  <xsd:schema xmlns:xsd="http://www.w3.org/2001/XMLSchema" xmlns:xs="http://www.w3.org/2001/XMLSchema" xmlns:p="http://schemas.microsoft.com/office/2006/metadata/properties" xmlns:ns2="8a053bff-88be-49e4-9a87-e748e18b8b62" xmlns:ns3="6c8368ec-3776-49b5-a5bb-90648cf9530f" targetNamespace="http://schemas.microsoft.com/office/2006/metadata/properties" ma:root="true" ma:fieldsID="df3ec33bccc23e23bce7bc897fad43d1" ns2:_="" ns3:_="">
-    <xsd:import namespace="8a053bff-88be-49e4-9a87-e748e18b8b62"/>
-    <xsd:import namespace="6c8368ec-3776-49b5-a5bb-90648cf9530f"/>
-    <xsd:element name="properties">
-      <xsd:complexType>
-        <xsd:sequence>
-          <xsd:element name="documentManagement">
-            <xsd:complexType>
-              <xsd:all>
-                <xsd:element ref="ns2:MediaServiceMetadata" minOccurs="0"/>
-                <xsd:element ref="ns2:MediaServiceFastMetadata" minOccurs="0"/>
-                <xsd:element ref="ns2:MediaServiceAutoKeyPoints" minOccurs="0"/>
-                <xsd:element ref="ns2:MediaServiceKeyPoints" minOccurs="0"/>
-                <xsd:element ref="ns3:SharedWithUsers" minOccurs="0"/>
-                <xsd:element ref="ns3:SharedWithDetails" minOccurs="0"/>
-                <xsd:element ref="ns2:MediaServiceAutoTags" minOccurs="0"/>
-                <xsd:element ref="ns2:MediaServiceOCR" minOccurs="0"/>
-                <xsd:element ref="ns2:MediaServiceGenerationTime" minOccurs="0"/>
-                <xsd:element ref="ns2:MediaServiceEventHashCode" minOccurs="0"/>
-              </xsd:all>
-            </xsd:complexType>
-          </xsd:element>
-        </xsd:sequence>
-      </xsd:complexType>
-    </xsd:element>
-  </xsd:schema>
-  <xsd:schema xmlns:xsd="http://www.w3.org/2001/XMLSchema" xmlns:xs="http://www.w3.org/2001/XMLSchema" xmlns:dms="http://schemas.microsoft.com/office/2006/documentManagement/types" xmlns:pc="http://schemas.microsoft.com/office/infopath/2007/PartnerControls" targetNamespace="8a053bff-88be-49e4-9a87-e748e18b8b62" elementFormDefault="qualified">
-    <xsd:import namespace="http://schemas.microsoft.com/office/2006/documentManagement/types"/>
-    <xsd:import namespace="http://schemas.microsoft.com/office/infopath/2007/PartnerControls"/>
-    <xsd:element name="MediaServiceMetadata" ma:index="8" nillable="true" ma:displayName="MediaServiceMetadata" ma:hidden="true" ma:internalName="MediaServiceMetadata" ma:readOnly="true">
-      <xsd:simpleType>
-        <xsd:restriction base="dms:Note"/>
-      </xsd:simpleType>
-    </xsd:element>
-    <xsd:element name="MediaServiceFastMetadata" ma:index="9" nillable="true" ma:displayName="MediaServiceFastMetadata" ma:hidden="true" ma:internalName="MediaServiceFastMetadata" ma:readOnly="true">
-      <xsd:simpleType>
-        <xsd:restriction base="dms:Note"/>
-      </xsd:simpleType>
-    </xsd:element>
-    <xsd:element name="MediaServiceAutoKeyPoints" ma:index="10" nillable="true" ma:displayName="MediaServiceAutoKeyPoints" ma:hidden="true" ma:internalName="MediaServiceAutoKeyPoints" ma:readOnly="true">
-      <xsd:simpleType>
-        <xsd:restriction base="dms:Note"/>
-      </xsd:simpleType>
-    </xsd:element>
-    <xsd:element name="MediaServiceKeyPoints" ma:index="11" nillable="true" ma:displayName="KeyPoints" ma:internalName="MediaServiceKeyPoints" ma:readOnly="true">
-      <xsd:simpleType>
-        <xsd:restriction base="dms:Note">
-          <xsd:maxLength value="255"/>
-        </xsd:restriction>
-      </xsd:simpleType>
-    </xsd:element>
-    <xsd:element name="MediaServiceAutoTags" ma:index="14" nillable="true" ma:displayName="Tags" ma:internalName="MediaServiceAutoTags" ma:readOnly="true">
-      <xsd:simpleType>
-        <xsd:restriction base="dms:Text"/>
-      </xsd:simpleType>
-    </xsd:element>
-    <xsd:element name="MediaServiceOCR" ma:index="15" nillable="true" ma:displayName="Extracted Text" ma:internalName="MediaServiceOCR" ma:readOnly="true">
-      <xsd:simpleType>
-        <xsd:restriction base="dms:Note">
-          <xsd:maxLength value="255"/>
-        </xsd:restriction>
-      </xsd:simpleType>
-    </xsd:element>
-    <xsd:element name="MediaServiceGenerationTime" ma:index="16" nillable="true" ma:displayName="MediaServiceGenerationTime" ma:hidden="true" ma:internalName="MediaServiceGenerationTime" ma:readOnly="true">
-      <xsd:simpleType>
-        <xsd:restriction base="dms:Text"/>
-      </xsd:simpleType>
-    </xsd:element>
-    <xsd:element name="MediaServiceEventHashCode" ma:index="17" nillable="true" ma:displayName="MediaServiceEventHashCode" ma:hidden="true" ma:internalName="MediaServiceEventHashCode" ma:readOnly="true">
-      <xsd:simpleType>
-        <xsd:restriction base="dms:Text"/>
-      </xsd:simpleType>
-    </xsd:element>
-  </xsd:schema>
-  <xsd:schema xmlns:xsd="http://www.w3.org/2001/XMLSchema" xmlns:xs="http://www.w3.org/2001/XMLSchema" xmlns:dms="http://schemas.microsoft.com/office/2006/documentManagement/types" xmlns:pc="http://schemas.microsoft.com/office/infopath/2007/PartnerControls" targetNamespace="6c8368ec-3776-49b5-a5bb-90648cf9530f" elementFormDefault="qualified">
-    <xsd:import namespace="http://schemas.microsoft.com/office/2006/documentManagement/types"/>
-    <xsd:import namespace="http://schemas.microsoft.com/office/infopath/2007/PartnerControls"/>
-    <xsd:element name="SharedWithUsers" ma:index="12" nillable="true" ma:displayName="Shared With" ma:internalName="SharedWithUsers" ma:readOnly="true">
-      <xsd:complexType>
-        <xsd:complexContent>
-          <xsd:extension base="dms:UserMulti">
-            <xsd:sequence>
-              <xsd:element name="UserInfo" minOccurs="0" maxOccurs="unbounded">
-                <xsd:complexType>
-                  <xsd:sequence>
-                    <xsd:element name="DisplayName" type="xsd:string" minOccurs="0"/>
-                    <xsd:element name="AccountId" type="dms:UserId" minOccurs="0" nillable="true"/>
-                    <xsd:element name="AccountType" type="xsd:string" minOccurs="0"/>
-                  </xsd:sequence>
-                </xsd:complexType>
-              </xsd:element>
-            </xsd:sequence>
-          </xsd:extension>
-        </xsd:complexContent>
-      </xsd:complexType>
-    </xsd:element>
-    <xsd:element name="SharedWithDetails" ma:index="13" nillable="true" ma:displayName="Shared With Details" ma:internalName="SharedWithDetails" ma:readOnly="true">
-      <xsd:simpleType>
-        <xsd:restriction base="dms:Note">
-          <xsd:maxLength value="255"/>
-        </xsd:restriction>
-      </xsd:simpleType>
-    </xsd:element>
-  </xsd:schema>
-  <xsd:schema xmlns="http://schemas.openxmlformats.org/package/2006/metadata/core-properties" xmlns:xsd="http://www.w3.org/2001/XMLSchema" xmlns:xsi="http://www.w3.org/2001/XMLSchema-instance" xmlns:dc="http://purl.org/dc/elements/1.1/" xmlns:dcterms="http://purl.org/dc/terms/" xmlns:odoc="http://schemas.microsoft.com/internal/obd" targetNamespace="http://schemas.openxmlformats.org/package/2006/metadata/core-properties" elementFormDefault="qualified" attributeFormDefault="unqualified" blockDefault="#all">
-    <xsd:import namespace="http://purl.org/dc/elements/1.1/" schemaLocation="http://dublincore.org/schemas/xmls/qdc/2003/04/02/dc.xsd"/>
-    <xsd:import namespace="http://purl.org/dc/terms/" schemaLocation="http://dublincore.org/schemas/xmls/qdc/2003/04/02/dcterms.xsd"/>
-    <xsd:element name="coreProperties" type="CT_coreProperties"/>
-    <xsd:complexType name="CT_coreProperties">
-      <xsd:all>
-        <xsd:element ref="dc:creator" minOccurs="0" maxOccurs="1"/>
-        <xsd:element ref="dcterms:created" minOccurs="0" maxOccurs="1"/>
-        <xsd:element ref="dc:identifier" minOccurs="0" maxOccurs="1"/>
-        <xsd:element name="contentType" minOccurs="0" maxOccurs="1" type="xsd:string" ma:index="0" ma:displayName="Content Type"/>
-        <xsd:element ref="dc:title" minOccurs="0" maxOccurs="1" ma:index="4" ma:displayName="Title"/>
-        <xsd:element ref="dc:subject" minOccurs="0" maxOccurs="1"/>
-        <xsd:element ref="dc:description" minOccurs="0" maxOccurs="1"/>
-        <xsd:element name="keywords" minOccurs="0" maxOccurs="1" type="xsd:string"/>
-        <xsd:element ref="dc:language" minOccurs="0" maxOccurs="1"/>
-        <xsd:element name="category" minOccurs="0" maxOccurs="1" type="xsd:string"/>
-        <xsd:element name="version" minOccurs="0" maxOccurs="1" type="xsd:string"/>
-        <xsd:element name="revision" minOccurs="0" maxOccurs="1" type="xsd:string">
-          <xsd:annotation>
-            <xsd:documentation>
-                        This value indicates the number of saves or revisions. The application is responsible for updating this value after each revision.
-                    </xsd:documentation>
-          </xsd:annotation>
-        </xsd:element>
-        <xsd:element name="lastModifiedBy" minOccurs="0" maxOccurs="1" type="xsd:string"/>
-        <xsd:element ref="dcterms:modified" minOccurs="0" maxOccurs="1"/>
-        <xsd:element name="contentStatus" minOccurs="0" maxOccurs="1" type="xsd:string"/>
-      </xsd:all>
-    </xsd:complexType>
-  </xsd:schema>
-  <xs:schema xmlns:pc="http://schemas.microsoft.com/office/infopath/2007/PartnerControls" xmlns:xs="http://www.w3.org/2001/XMLSchema" targetNamespace="http://schemas.microsoft.com/office/infopath/2007/PartnerControls" elementFormDefault="qualified" attributeFormDefault="unqualified">
-    <xs:element name="Person">
-      <xs:complexType>
-        <xs:sequence>
-          <xs:element ref="pc:DisplayName" minOccurs="0"/>
-          <xs:element ref="pc:AccountId" minOccurs="0"/>
-          <xs:element ref="pc:AccountType" minOccurs="0"/>
-        </xs:sequence>
-      </xs:complexType>
-    </xs:element>
-    <xs:element name="DisplayName" type="xs:string"/>
-    <xs:element name="AccountId" type="xs:string"/>
-    <xs:element name="AccountType" type="xs:string"/>
-    <xs:element name="BDCAssociatedEntity">
-      <xs:complexType>
-        <xs:sequence>
-          <xs:element ref="pc:BDCEntity" minOccurs="0" maxOccurs="unbounded"/>
-        </xs:sequence>
-        <xs:attribute ref="pc:EntityNamespace"/>
-        <xs:attribute ref="pc:EntityName"/>
-        <xs:attribute ref="pc:SystemInstanceName"/>
-        <xs:attribute ref="pc:AssociationName"/>
-      </xs:complexType>
-    </xs:element>
-    <xs:attribute name="EntityNamespace" type="xs:string"/>
-    <xs:attribute name="EntityName" type="xs:string"/>
-    <xs:attribute name="SystemInstanceName" type="xs:string"/>
-    <xs:attribute name="AssociationName" type="xs:string"/>
-    <xs:element name="BDCEntity">
-      <xs:complexType>
-        <xs:sequence>
-          <xs:element ref="pc:EntityDisplayName" minOccurs="0"/>
-          <xs:element ref="pc:EntityInstanceReference" minOccurs="0"/>
-          <xs:element ref="pc:EntityId1" minOccurs="0"/>
-          <xs:element ref="pc:EntityId2" minOccurs="0"/>
-          <xs:element ref="pc:EntityId3" minOccurs="0"/>
-          <xs:element ref="pc:EntityId4" minOccurs="0"/>
-          <xs:element ref="pc:EntityId5" minOccurs="0"/>
-        </xs:sequence>
-      </xs:complexType>
-    </xs:element>
-    <xs:element name="EntityDisplayName" type="xs:string"/>
-    <xs:element name="EntityInstanceReference" type="xs:string"/>
-    <xs:element name="EntityId1" type="xs:string"/>
-    <xs:element name="EntityId2" type="xs:string"/>
-    <xs:element name="EntityId3" type="xs:string"/>
-    <xs:element name="EntityId4" type="xs:string"/>
-    <xs:element name="EntityId5" type="xs:string"/>
-    <xs:element name="Terms">
-      <xs:complexType>
-        <xs:sequence>
-          <xs:element ref="pc:TermInfo" minOccurs="0" maxOccurs="unbounded"/>
-        </xs:sequence>
-      </xs:complexType>
-    </xs:element>
-    <xs:element name="TermInfo">
-      <xs:complexType>
-        <xs:sequence>
-          <xs:element ref="pc:TermName" minOccurs="0"/>
-          <xs:element ref="pc:TermId" minOccurs="0"/>
-        </xs:sequence>
-      </xs:complexType>
-    </xs:element>
-    <xs:element name="TermName" type="xs:string"/>
-    <xs:element name="TermId" type="xs:string"/>
-  </xs:schema>
-</ct:contentTypeSchema>
-</file>
-
-<file path=customXml/itemProps1.xml><?xml version="1.0" encoding="utf-8"?>
-<ds:datastoreItem xmlns:ds="http://schemas.openxmlformats.org/officeDocument/2006/customXml" ds:itemID="{10FC3CAF-E6F1-40E3-87D4-6B781C97D6B4}">
-  <ds:schemaRefs>
-    <ds:schemaRef ds:uri="6c8368ec-3776-49b5-a5bb-90648cf9530f"/>
-    <ds:schemaRef ds:uri="8a053bff-88be-49e4-9a87-e748e18b8b62"/>
-    <ds:schemaRef ds:uri="http://purl.org/dc/dcmitype/"/>
-    <ds:schemaRef ds:uri="http://purl.org/dc/elements/1.1/"/>
-    <ds:schemaRef ds:uri="http://purl.org/dc/terms/"/>
-    <ds:schemaRef ds:uri="http://schemas.microsoft.com/office/2006/documentManagement/types"/>
-    <ds:schemaRef ds:uri="http://schemas.microsoft.com/office/2006/metadata/properties"/>
-    <ds:schemaRef ds:uri="http://schemas.microsoft.com/office/infopath/2007/PartnerControls"/>
-    <ds:schemaRef ds:uri="http://schemas.openxmlformats.org/package/2006/metadata/core-properties"/>
-    <ds:schemaRef ds:uri="http://www.w3.org/XML/1998/namespace"/>
-  </ds:schemaRefs>
-</ds:datastoreItem>
-</file>
-
-<file path=customXml/itemProps2.xml><?xml version="1.0" encoding="utf-8"?>
-<ds:datastoreItem xmlns:ds="http://schemas.openxmlformats.org/officeDocument/2006/customXml" ds:itemID="{95AE3B0B-E909-400C-B0B3-909FB50E07DE}">
-  <ds:schemaRefs>
-    <ds:schemaRef ds:uri="http://schemas.microsoft.com/sharepoint/v3/contenttype/forms"/>
-  </ds:schemaRefs>
-</ds:datastoreItem>
-</file>
-
-<file path=customXml/itemProps3.xml><?xml version="1.0" encoding="utf-8"?>
-<ds:datastoreItem xmlns:ds="http://schemas.openxmlformats.org/officeDocument/2006/customXml" ds:itemID="{E0DB8BDF-6DA8-4ABC-A3CA-043AFD674CFC}">
-  <ds:schemaRefs>
-    <ds:schemaRef ds:uri="6c8368ec-3776-49b5-a5bb-90648cf9530f"/>
-    <ds:schemaRef ds:uri="8a053bff-88be-49e4-9a87-e748e18b8b62"/>
-    <ds:schemaRef ds:uri="http://purl.org/dc/elements/1.1/"/>
-    <ds:schemaRef ds:uri="http://purl.org/dc/terms/"/>
-    <ds:schemaRef ds:uri="http://schemas.microsoft.com/internal/obd"/>
-    <ds:schemaRef ds:uri="http://schemas.microsoft.com/office/2006/documentManagement/types"/>
-    <ds:schemaRef ds:uri="http://schemas.microsoft.com/office/2006/metadata/contentType"/>
-    <ds:schemaRef ds:uri="http://schemas.microsoft.com/office/2006/metadata/properties"/>
-    <ds:schemaRef ds:uri="http://schemas.microsoft.com/office/2006/metadata/properties/metaAttributes"/>
-    <ds:schemaRef ds:uri="http://schemas.microsoft.com/office/infopath/2007/PartnerControls"/>
-    <ds:schemaRef ds:uri="http://schemas.openxmlformats.org/package/2006/metadata/core-properties"/>
-    <ds:schemaRef ds:uri="http://www.w3.org/2001/XMLSchema"/>
-  </ds:schemaRefs>
-</ds:datastoreItem>
 </file>
--- a/help/data-sheets/assets/BusinessSupportDatasheet.pptx
+++ b/help/data-sheets/assets/BusinessSupportDatasheet.pptx
@@ -2,15 +2,15 @@
 <file path=ppt/presentation.xml><?xml version="1.0" encoding="utf-8"?>
 <p:presentation xmlns:a="http://schemas.openxmlformats.org/drawingml/2006/main" xmlns:r="http://schemas.openxmlformats.org/officeDocument/2006/relationships" xmlns:p="http://schemas.openxmlformats.org/presentationml/2006/main">
   <p:sldMasterIdLst>
-    <p:sldMasterId id="2147483648" r:id="rId1"/>
+    <p:sldMasterId id="2147483648" r:id="rId4"/>
   </p:sldMasterIdLst>
   <p:notesMasterIdLst>
-    <p:notesMasterId r:id="rId5"/>
+    <p:notesMasterId r:id="rId8"/>
   </p:notesMasterIdLst>
   <p:sldIdLst>
-    <p:sldId id="256" r:id="rId2"/>
-    <p:sldId id="257" r:id="rId3"/>
-    <p:sldId id="261" r:id="rId4"/>
+    <p:sldId id="256" r:id="rId5"/>
+    <p:sldId id="257" r:id="rId6"/>
+    <p:sldId id="261" r:id="rId7"/>
   </p:sldIdLst>
   <p:sldSz cx="7772400" cy="10058400"/>
   <p:notesSz cx="7772400" cy="10058400"/>
@@ -117,7 +117,7 @@
             <a:srgbClr val="A4A3A4"/>
           </p15:clr>
         </p15:guide>
-        <p15:guide id="2" pos="2147">
+        <p15:guide id="2" pos="2160">
           <p15:clr>
             <a:srgbClr val="A4A3A4"/>
           </p15:clr>
@@ -130,8 +130,337 @@
 
 <file path=ppt/commentAuthors.xml><?xml version="1.0" encoding="utf-8"?>
 <p:cmAuthorLst xmlns:a="http://schemas.openxmlformats.org/drawingml/2006/main" xmlns:r="http://schemas.openxmlformats.org/officeDocument/2006/relationships" xmlns:p="http://schemas.openxmlformats.org/presentationml/2006/main">
-  <p:cmAuthor id="1" name="Ankita Sood" initials="AS" lastIdx="2" clrIdx="0"/>
+  <p:cmAuthor id="1" name="Ankita Sood" initials="AS" lastIdx="2" clrIdx="0">
+    <p:extLst>
+      <p:ext uri="{19B8F6BF-5375-455C-9EA6-DF929625EA0E}">
+        <p15:presenceInfo xmlns:p15="http://schemas.microsoft.com/office/powerpoint/2012/main" userId="S::asood@adobe.com::c93a62e3-2a47-429d-82c6-c2a8fd110ae7" providerId="AD"/>
+      </p:ext>
+    </p:extLst>
+  </p:cmAuthor>
 </p:cmAuthorLst>
+</file>
+
+<file path=ppt/changesInfos/changesInfo1.xml><?xml version="1.0" encoding="utf-8"?>
+<pc:chgInfo xmlns:a="http://schemas.openxmlformats.org/drawingml/2006/main" xmlns:r="http://schemas.openxmlformats.org/officeDocument/2006/relationships" xmlns:ac="http://schemas.microsoft.com/office/drawing/2013/main/command" xmlns:pc="http://schemas.microsoft.com/office/powerpoint/2013/main/command">
+  <pc:docChgLst>
+    <pc:chgData name="Akilah Johnson" userId="S::akjohnso@adobe.com::2fa3aa60-0c9c-4d06-bae2-795983241227" providerId="AD" clId="Web-{71D6CFBF-0EA2-99B0-93F4-22F19EF0AE4E}"/>
+    <pc:docChg chg="modSld">
+      <pc:chgData name="Akilah Johnson" userId="S::akjohnso@adobe.com::2fa3aa60-0c9c-4d06-bae2-795983241227" providerId="AD" clId="Web-{71D6CFBF-0EA2-99B0-93F4-22F19EF0AE4E}" dt="2021-09-22T19:06:58.732" v="1" actId="1076"/>
+      <pc:docMkLst>
+        <pc:docMk/>
+      </pc:docMkLst>
+      <pc:sldChg chg="modSp">
+        <pc:chgData name="Akilah Johnson" userId="S::akjohnso@adobe.com::2fa3aa60-0c9c-4d06-bae2-795983241227" providerId="AD" clId="Web-{71D6CFBF-0EA2-99B0-93F4-22F19EF0AE4E}" dt="2021-09-22T19:06:58.732" v="1" actId="1076"/>
+        <pc:sldMkLst>
+          <pc:docMk/>
+          <pc:sldMk cId="1050037809" sldId="261"/>
+        </pc:sldMkLst>
+        <pc:spChg chg="mod">
+          <ac:chgData name="Akilah Johnson" userId="S::akjohnso@adobe.com::2fa3aa60-0c9c-4d06-bae2-795983241227" providerId="AD" clId="Web-{71D6CFBF-0EA2-99B0-93F4-22F19EF0AE4E}" dt="2021-09-22T19:06:58.732" v="1" actId="1076"/>
+          <ac:spMkLst>
+            <pc:docMk/>
+            <pc:sldMk cId="1050037809" sldId="261"/>
+            <ac:spMk id="64" creationId="{41467BDC-3D83-D844-B922-CD07E94E5AAB}"/>
+          </ac:spMkLst>
+        </pc:spChg>
+      </pc:sldChg>
+    </pc:docChg>
+  </pc:docChgLst>
+  <pc:docChgLst>
+    <pc:chgData name="Akilah Johnson" userId="S::akjohnso@adobe.com::2fa3aa60-0c9c-4d06-bae2-795983241227" providerId="AD" clId="Web-{AFB92C2B-405E-C597-0988-18F97C53104C}"/>
+    <pc:docChg chg="modSld">
+      <pc:chgData name="Akilah Johnson" userId="S::akjohnso@adobe.com::2fa3aa60-0c9c-4d06-bae2-795983241227" providerId="AD" clId="Web-{AFB92C2B-405E-C597-0988-18F97C53104C}" dt="2021-09-22T18:53:26.184" v="29"/>
+      <pc:docMkLst>
+        <pc:docMk/>
+      </pc:docMkLst>
+      <pc:sldChg chg="modSp">
+        <pc:chgData name="Akilah Johnson" userId="S::akjohnso@adobe.com::2fa3aa60-0c9c-4d06-bae2-795983241227" providerId="AD" clId="Web-{AFB92C2B-405E-C597-0988-18F97C53104C}" dt="2021-09-22T18:53:26.184" v="29"/>
+        <pc:sldMkLst>
+          <pc:docMk/>
+          <pc:sldMk cId="1050037809" sldId="261"/>
+        </pc:sldMkLst>
+        <pc:spChg chg="mod">
+          <ac:chgData name="Akilah Johnson" userId="S::akjohnso@adobe.com::2fa3aa60-0c9c-4d06-bae2-795983241227" providerId="AD" clId="Web-{AFB92C2B-405E-C597-0988-18F97C53104C}" dt="2021-09-22T18:53:05.841" v="5" actId="20577"/>
+          <ac:spMkLst>
+            <pc:docMk/>
+            <pc:sldMk cId="1050037809" sldId="261"/>
+            <ac:spMk id="64" creationId="{41467BDC-3D83-D844-B922-CD07E94E5AAB}"/>
+          </ac:spMkLst>
+        </pc:spChg>
+        <pc:graphicFrameChg chg="mod modGraphic">
+          <ac:chgData name="Akilah Johnson" userId="S::akjohnso@adobe.com::2fa3aa60-0c9c-4d06-bae2-795983241227" providerId="AD" clId="Web-{AFB92C2B-405E-C597-0988-18F97C53104C}" dt="2021-09-22T18:53:26.184" v="29"/>
+          <ac:graphicFrameMkLst>
+            <pc:docMk/>
+            <pc:sldMk cId="1050037809" sldId="261"/>
+            <ac:graphicFrameMk id="25" creationId="{3A91F5B0-3974-A14D-A146-FB590F2AAD18}"/>
+          </ac:graphicFrameMkLst>
+        </pc:graphicFrameChg>
+      </pc:sldChg>
+    </pc:docChg>
+  </pc:docChgLst>
+  <pc:docChgLst>
+    <pc:chgData name="Akilah Johnson" userId="S::akjohnso@adobe.com::2fa3aa60-0c9c-4d06-bae2-795983241227" providerId="AD" clId="Web-{019F6A09-DCDA-BB53-9E3C-5BA3B13E26BB}"/>
+    <pc:docChg chg="modSld">
+      <pc:chgData name="Akilah Johnson" userId="S::akjohnso@adobe.com::2fa3aa60-0c9c-4d06-bae2-795983241227" providerId="AD" clId="Web-{019F6A09-DCDA-BB53-9E3C-5BA3B13E26BB}" dt="2021-10-12T17:10:36.752" v="17" actId="20577"/>
+      <pc:docMkLst>
+        <pc:docMk/>
+      </pc:docMkLst>
+      <pc:sldChg chg="modSp">
+        <pc:chgData name="Akilah Johnson" userId="S::akjohnso@adobe.com::2fa3aa60-0c9c-4d06-bae2-795983241227" providerId="AD" clId="Web-{019F6A09-DCDA-BB53-9E3C-5BA3B13E26BB}" dt="2021-10-12T17:09:32.112" v="2" actId="20577"/>
+        <pc:sldMkLst>
+          <pc:docMk/>
+          <pc:sldMk cId="0" sldId="257"/>
+        </pc:sldMkLst>
+        <pc:spChg chg="mod">
+          <ac:chgData name="Akilah Johnson" userId="S::akjohnso@adobe.com::2fa3aa60-0c9c-4d06-bae2-795983241227" providerId="AD" clId="Web-{019F6A09-DCDA-BB53-9E3C-5BA3B13E26BB}" dt="2021-10-12T17:09:32.112" v="2" actId="20577"/>
+          <ac:spMkLst>
+            <pc:docMk/>
+            <pc:sldMk cId="0" sldId="257"/>
+            <ac:spMk id="46" creationId="{00000000-0000-0000-0000-000000000000}"/>
+          </ac:spMkLst>
+        </pc:spChg>
+      </pc:sldChg>
+      <pc:sldChg chg="modSp">
+        <pc:chgData name="Akilah Johnson" userId="S::akjohnso@adobe.com::2fa3aa60-0c9c-4d06-bae2-795983241227" providerId="AD" clId="Web-{019F6A09-DCDA-BB53-9E3C-5BA3B13E26BB}" dt="2021-10-12T17:10:36.752" v="17" actId="20577"/>
+        <pc:sldMkLst>
+          <pc:docMk/>
+          <pc:sldMk cId="1050037809" sldId="261"/>
+        </pc:sldMkLst>
+        <pc:spChg chg="mod">
+          <ac:chgData name="Akilah Johnson" userId="S::akjohnso@adobe.com::2fa3aa60-0c9c-4d06-bae2-795983241227" providerId="AD" clId="Web-{019F6A09-DCDA-BB53-9E3C-5BA3B13E26BB}" dt="2021-10-12T17:10:36.752" v="17" actId="20577"/>
+          <ac:spMkLst>
+            <pc:docMk/>
+            <pc:sldMk cId="1050037809" sldId="261"/>
+            <ac:spMk id="56" creationId="{00000000-0000-0000-0000-000000000000}"/>
+          </ac:spMkLst>
+        </pc:spChg>
+        <pc:graphicFrameChg chg="mod modGraphic">
+          <ac:chgData name="Akilah Johnson" userId="S::akjohnso@adobe.com::2fa3aa60-0c9c-4d06-bae2-795983241227" providerId="AD" clId="Web-{019F6A09-DCDA-BB53-9E3C-5BA3B13E26BB}" dt="2021-10-12T17:09:41.471" v="6"/>
+          <ac:graphicFrameMkLst>
+            <pc:docMk/>
+            <pc:sldMk cId="1050037809" sldId="261"/>
+            <ac:graphicFrameMk id="111" creationId="{D8653CEC-4213-DE40-9BAF-D1E3318FF89C}"/>
+          </ac:graphicFrameMkLst>
+        </pc:graphicFrameChg>
+      </pc:sldChg>
+    </pc:docChg>
+  </pc:docChgLst>
+  <pc:docChgLst>
+    <pc:chgData name="Ankita Sood" userId="c93a62e3-2a47-429d-82c6-c2a8fd110ae7" providerId="ADAL" clId="{EADEB940-4844-7941-8DD1-C0A7CBA2737C}"/>
+    <pc:docChg chg="modSld">
+      <pc:chgData name="Ankita Sood" userId="c93a62e3-2a47-429d-82c6-c2a8fd110ae7" providerId="ADAL" clId="{EADEB940-4844-7941-8DD1-C0A7CBA2737C}" dt="2022-01-20T19:38:27.531" v="31" actId="20577"/>
+      <pc:docMkLst>
+        <pc:docMk/>
+      </pc:docMkLst>
+      <pc:sldChg chg="modSp mod">
+        <pc:chgData name="Ankita Sood" userId="c93a62e3-2a47-429d-82c6-c2a8fd110ae7" providerId="ADAL" clId="{EADEB940-4844-7941-8DD1-C0A7CBA2737C}" dt="2022-01-20T19:38:22.046" v="23" actId="20577"/>
+        <pc:sldMkLst>
+          <pc:docMk/>
+          <pc:sldMk cId="0" sldId="256"/>
+        </pc:sldMkLst>
+        <pc:spChg chg="mod">
+          <ac:chgData name="Ankita Sood" userId="c93a62e3-2a47-429d-82c6-c2a8fd110ae7" providerId="ADAL" clId="{EADEB940-4844-7941-8DD1-C0A7CBA2737C}" dt="2022-01-20T19:38:07.964" v="7" actId="20577"/>
+          <ac:spMkLst>
+            <pc:docMk/>
+            <pc:sldMk cId="0" sldId="256"/>
+            <ac:spMk id="5" creationId="{00000000-0000-0000-0000-000000000000}"/>
+          </ac:spMkLst>
+        </pc:spChg>
+        <pc:graphicFrameChg chg="modGraphic">
+          <ac:chgData name="Ankita Sood" userId="c93a62e3-2a47-429d-82c6-c2a8fd110ae7" providerId="ADAL" clId="{EADEB940-4844-7941-8DD1-C0A7CBA2737C}" dt="2022-01-20T19:38:22.046" v="23" actId="20577"/>
+          <ac:graphicFrameMkLst>
+            <pc:docMk/>
+            <pc:sldMk cId="0" sldId="256"/>
+            <ac:graphicFrameMk id="9" creationId="{00000000-0000-0000-0000-000000000000}"/>
+          </ac:graphicFrameMkLst>
+        </pc:graphicFrameChg>
+        <pc:graphicFrameChg chg="modGraphic">
+          <ac:chgData name="Ankita Sood" userId="c93a62e3-2a47-429d-82c6-c2a8fd110ae7" providerId="ADAL" clId="{EADEB940-4844-7941-8DD1-C0A7CBA2737C}" dt="2022-01-20T19:38:16.769" v="15" actId="20577"/>
+          <ac:graphicFrameMkLst>
+            <pc:docMk/>
+            <pc:sldMk cId="0" sldId="256"/>
+            <ac:graphicFrameMk id="11" creationId="{3AC7AEA2-E7A4-BD48-80EA-856168E207F6}"/>
+          </ac:graphicFrameMkLst>
+        </pc:graphicFrameChg>
+      </pc:sldChg>
+      <pc:sldChg chg="modSp mod">
+        <pc:chgData name="Ankita Sood" userId="c93a62e3-2a47-429d-82c6-c2a8fd110ae7" providerId="ADAL" clId="{EADEB940-4844-7941-8DD1-C0A7CBA2737C}" dt="2022-01-20T19:38:27.531" v="31" actId="20577"/>
+        <pc:sldMkLst>
+          <pc:docMk/>
+          <pc:sldMk cId="0" sldId="257"/>
+        </pc:sldMkLst>
+        <pc:spChg chg="mod">
+          <ac:chgData name="Ankita Sood" userId="c93a62e3-2a47-429d-82c6-c2a8fd110ae7" providerId="ADAL" clId="{EADEB940-4844-7941-8DD1-C0A7CBA2737C}" dt="2022-01-20T19:38:27.531" v="31" actId="20577"/>
+          <ac:spMkLst>
+            <pc:docMk/>
+            <pc:sldMk cId="0" sldId="257"/>
+            <ac:spMk id="44" creationId="{147009FB-1B8D-6D4F-87DF-41B5DE49EFE5}"/>
+          </ac:spMkLst>
+        </pc:spChg>
+      </pc:sldChg>
+    </pc:docChg>
+  </pc:docChgLst>
+  <pc:docChgLst>
+    <pc:chgData name="Andy Witt" userId="S::awitt@adobe.com::e9157bdf-53b2-40e4-9459-936793d75696" providerId="AD" clId="Web-{CA5D33DF-AE75-BCA1-B9BC-A7CD44D2F3C7}"/>
+    <pc:docChg chg="modSld">
+      <pc:chgData name="Andy Witt" userId="S::awitt@adobe.com::e9157bdf-53b2-40e4-9459-936793d75696" providerId="AD" clId="Web-{CA5D33DF-AE75-BCA1-B9BC-A7CD44D2F3C7}" dt="2021-08-25T22:38:18.624" v="1" actId="1076"/>
+      <pc:docMkLst>
+        <pc:docMk/>
+      </pc:docMkLst>
+      <pc:sldChg chg="modSp">
+        <pc:chgData name="Andy Witt" userId="S::awitt@adobe.com::e9157bdf-53b2-40e4-9459-936793d75696" providerId="AD" clId="Web-{CA5D33DF-AE75-BCA1-B9BC-A7CD44D2F3C7}" dt="2021-08-25T22:38:18.624" v="1" actId="1076"/>
+        <pc:sldMkLst>
+          <pc:docMk/>
+          <pc:sldMk cId="1050037809" sldId="261"/>
+        </pc:sldMkLst>
+        <pc:spChg chg="mod">
+          <ac:chgData name="Andy Witt" userId="S::awitt@adobe.com::e9157bdf-53b2-40e4-9459-936793d75696" providerId="AD" clId="Web-{CA5D33DF-AE75-BCA1-B9BC-A7CD44D2F3C7}" dt="2021-08-25T22:38:18.624" v="1" actId="1076"/>
+          <ac:spMkLst>
+            <pc:docMk/>
+            <pc:sldMk cId="1050037809" sldId="261"/>
+            <ac:spMk id="50" creationId="{043050D0-21FC-0C42-8484-7FE7C0DB771F}"/>
+          </ac:spMkLst>
+        </pc:spChg>
+      </pc:sldChg>
+    </pc:docChg>
+  </pc:docChgLst>
+  <pc:docChgLst>
+    <pc:chgData name="Lauren Schutte" userId="6e08b2d3-447a-4d66-86be-444d50df187f" providerId="ADAL" clId="{61630BD6-9AE9-064C-B39F-AFA945B82B3E}"/>
+    <pc:docChg chg="undo custSel modSld">
+      <pc:chgData name="Lauren Schutte" userId="6e08b2d3-447a-4d66-86be-444d50df187f" providerId="ADAL" clId="{61630BD6-9AE9-064C-B39F-AFA945B82B3E}" dt="2021-10-13T19:21:08.267" v="201" actId="20577"/>
+      <pc:docMkLst>
+        <pc:docMk/>
+      </pc:docMkLst>
+      <pc:sldChg chg="modSp mod">
+        <pc:chgData name="Lauren Schutte" userId="6e08b2d3-447a-4d66-86be-444d50df187f" providerId="ADAL" clId="{61630BD6-9AE9-064C-B39F-AFA945B82B3E}" dt="2021-10-13T19:21:08.267" v="201" actId="20577"/>
+        <pc:sldMkLst>
+          <pc:docMk/>
+          <pc:sldMk cId="0" sldId="256"/>
+        </pc:sldMkLst>
+        <pc:spChg chg="mod">
+          <ac:chgData name="Lauren Schutte" userId="6e08b2d3-447a-4d66-86be-444d50df187f" providerId="ADAL" clId="{61630BD6-9AE9-064C-B39F-AFA945B82B3E}" dt="2021-10-13T19:03:44.344" v="3" actId="1076"/>
+          <ac:spMkLst>
+            <pc:docMk/>
+            <pc:sldMk cId="0" sldId="256"/>
+            <ac:spMk id="3" creationId="{00000000-0000-0000-0000-000000000000}"/>
+          </ac:spMkLst>
+        </pc:spChg>
+        <pc:graphicFrameChg chg="mod modGraphic">
+          <ac:chgData name="Lauren Schutte" userId="6e08b2d3-447a-4d66-86be-444d50df187f" providerId="ADAL" clId="{61630BD6-9AE9-064C-B39F-AFA945B82B3E}" dt="2021-10-13T19:21:08.267" v="201" actId="20577"/>
+          <ac:graphicFrameMkLst>
+            <pc:docMk/>
+            <pc:sldMk cId="0" sldId="256"/>
+            <ac:graphicFrameMk id="9" creationId="{00000000-0000-0000-0000-000000000000}"/>
+          </ac:graphicFrameMkLst>
+        </pc:graphicFrameChg>
+      </pc:sldChg>
+    </pc:docChg>
+  </pc:docChgLst>
+  <pc:docChgLst>
+    <pc:chgData name="Andy Witt" userId="S::awitt@adobe.com::e9157bdf-53b2-40e4-9459-936793d75696" providerId="AD" clId="Web-{06B13378-B080-7F0F-51A5-F9203CEE57ED}"/>
+    <pc:docChg chg="modSld">
+      <pc:chgData name="Andy Witt" userId="S::awitt@adobe.com::e9157bdf-53b2-40e4-9459-936793d75696" providerId="AD" clId="Web-{06B13378-B080-7F0F-51A5-F9203CEE57ED}" dt="2021-08-25T22:25:13.647" v="363"/>
+      <pc:docMkLst>
+        <pc:docMk/>
+      </pc:docMkLst>
+      <pc:sldChg chg="modSp">
+        <pc:chgData name="Andy Witt" userId="S::awitt@adobe.com::e9157bdf-53b2-40e4-9459-936793d75696" providerId="AD" clId="Web-{06B13378-B080-7F0F-51A5-F9203CEE57ED}" dt="2021-08-25T22:25:13.647" v="363"/>
+        <pc:sldMkLst>
+          <pc:docMk/>
+          <pc:sldMk cId="1050037809" sldId="261"/>
+        </pc:sldMkLst>
+        <pc:graphicFrameChg chg="mod modGraphic">
+          <ac:chgData name="Andy Witt" userId="S::awitt@adobe.com::e9157bdf-53b2-40e4-9459-936793d75696" providerId="AD" clId="Web-{06B13378-B080-7F0F-51A5-F9203CEE57ED}" dt="2021-08-25T22:25:13.647" v="363"/>
+          <ac:graphicFrameMkLst>
+            <pc:docMk/>
+            <pc:sldMk cId="1050037809" sldId="261"/>
+            <ac:graphicFrameMk id="25" creationId="{3A91F5B0-3974-A14D-A146-FB590F2AAD18}"/>
+          </ac:graphicFrameMkLst>
+        </pc:graphicFrameChg>
+      </pc:sldChg>
+    </pc:docChg>
+  </pc:docChgLst>
+  <pc:docChgLst>
+    <pc:chgData name="Akilah Johnson" userId="S::akjohnso@adobe.com::2fa3aa60-0c9c-4d06-bae2-795983241227" providerId="AD" clId="Web-{4D8E0410-E0CE-85E2-0F84-C1BF4F647622}"/>
+    <pc:docChg chg="modSld">
+      <pc:chgData name="Akilah Johnson" userId="S::akjohnso@adobe.com::2fa3aa60-0c9c-4d06-bae2-795983241227" providerId="AD" clId="Web-{4D8E0410-E0CE-85E2-0F84-C1BF4F647622}" dt="2021-09-22T22:57:04.802" v="5"/>
+      <pc:docMkLst>
+        <pc:docMk/>
+      </pc:docMkLst>
+      <pc:sldChg chg="modSp">
+        <pc:chgData name="Akilah Johnson" userId="S::akjohnso@adobe.com::2fa3aa60-0c9c-4d06-bae2-795983241227" providerId="AD" clId="Web-{4D8E0410-E0CE-85E2-0F84-C1BF4F647622}" dt="2021-09-22T22:57:04.802" v="5"/>
+        <pc:sldMkLst>
+          <pc:docMk/>
+          <pc:sldMk cId="1050037809" sldId="261"/>
+        </pc:sldMkLst>
+        <pc:graphicFrameChg chg="mod modGraphic">
+          <ac:chgData name="Akilah Johnson" userId="S::akjohnso@adobe.com::2fa3aa60-0c9c-4d06-bae2-795983241227" providerId="AD" clId="Web-{4D8E0410-E0CE-85E2-0F84-C1BF4F647622}" dt="2021-09-22T22:57:04.802" v="5"/>
+          <ac:graphicFrameMkLst>
+            <pc:docMk/>
+            <pc:sldMk cId="1050037809" sldId="261"/>
+            <ac:graphicFrameMk id="25" creationId="{3A91F5B0-3974-A14D-A146-FB590F2AAD18}"/>
+          </ac:graphicFrameMkLst>
+        </pc:graphicFrameChg>
+      </pc:sldChg>
+    </pc:docChg>
+  </pc:docChgLst>
+  <pc:docChgLst>
+    <pc:chgData name="Lauren Schutte" userId="S::schutte@adobe.com::6e08b2d3-447a-4d66-86be-444d50df187f" providerId="AD" clId="Web-{AC30C20D-1316-8ECC-DADD-39CCEC6A7FCF}"/>
+    <pc:docChg chg="modSld">
+      <pc:chgData name="Lauren Schutte" userId="S::schutte@adobe.com::6e08b2d3-447a-4d66-86be-444d50df187f" providerId="AD" clId="Web-{AC30C20D-1316-8ECC-DADD-39CCEC6A7FCF}" dt="2021-10-13T19:03:35.035" v="8" actId="1076"/>
+      <pc:docMkLst>
+        <pc:docMk/>
+      </pc:docMkLst>
+      <pc:sldChg chg="modSp">
+        <pc:chgData name="Lauren Schutte" userId="S::schutte@adobe.com::6e08b2d3-447a-4d66-86be-444d50df187f" providerId="AD" clId="Web-{AC30C20D-1316-8ECC-DADD-39CCEC6A7FCF}" dt="2021-10-13T19:03:35.035" v="8" actId="1076"/>
+        <pc:sldMkLst>
+          <pc:docMk/>
+          <pc:sldMk cId="0" sldId="256"/>
+        </pc:sldMkLst>
+        <pc:spChg chg="mod">
+          <ac:chgData name="Lauren Schutte" userId="S::schutte@adobe.com::6e08b2d3-447a-4d66-86be-444d50df187f" providerId="AD" clId="Web-{AC30C20D-1316-8ECC-DADD-39CCEC6A7FCF}" dt="2021-10-13T19:03:27.878" v="7" actId="14100"/>
+          <ac:spMkLst>
+            <pc:docMk/>
+            <pc:sldMk cId="0" sldId="256"/>
+            <ac:spMk id="3" creationId="{00000000-0000-0000-0000-000000000000}"/>
+          </ac:spMkLst>
+        </pc:spChg>
+        <pc:spChg chg="mod">
+          <ac:chgData name="Lauren Schutte" userId="S::schutte@adobe.com::6e08b2d3-447a-4d66-86be-444d50df187f" providerId="AD" clId="Web-{AC30C20D-1316-8ECC-DADD-39CCEC6A7FCF}" dt="2021-10-13T19:03:35.035" v="8" actId="1076"/>
+          <ac:spMkLst>
+            <pc:docMk/>
+            <pc:sldMk cId="0" sldId="256"/>
+            <ac:spMk id="5" creationId="{00000000-0000-0000-0000-000000000000}"/>
+          </ac:spMkLst>
+        </pc:spChg>
+      </pc:sldChg>
+    </pc:docChg>
+  </pc:docChgLst>
+  <pc:docChgLst>
+    <pc:chgData name="Akilah Johnson" userId="S::akjohnso@adobe.com::2fa3aa60-0c9c-4d06-bae2-795983241227" providerId="AD" clId="Web-{D428A0AE-54E2-30D2-C574-7A0742876CCF}"/>
+    <pc:docChg chg="modSld">
+      <pc:chgData name="Akilah Johnson" userId="S::akjohnso@adobe.com::2fa3aa60-0c9c-4d06-bae2-795983241227" providerId="AD" clId="Web-{D428A0AE-54E2-30D2-C574-7A0742876CCF}" dt="2021-10-12T19:11:25.330" v="0" actId="20577"/>
+      <pc:docMkLst>
+        <pc:docMk/>
+      </pc:docMkLst>
+      <pc:sldChg chg="modSp">
+        <pc:chgData name="Akilah Johnson" userId="S::akjohnso@adobe.com::2fa3aa60-0c9c-4d06-bae2-795983241227" providerId="AD" clId="Web-{D428A0AE-54E2-30D2-C574-7A0742876CCF}" dt="2021-10-12T19:11:25.330" v="0" actId="20577"/>
+        <pc:sldMkLst>
+          <pc:docMk/>
+          <pc:sldMk cId="0" sldId="256"/>
+        </pc:sldMkLst>
+        <pc:spChg chg="mod">
+          <ac:chgData name="Akilah Johnson" userId="S::akjohnso@adobe.com::2fa3aa60-0c9c-4d06-bae2-795983241227" providerId="AD" clId="Web-{D428A0AE-54E2-30D2-C574-7A0742876CCF}" dt="2021-10-12T19:11:25.330" v="0" actId="20577"/>
+          <ac:spMkLst>
+            <pc:docMk/>
+            <pc:sldMk cId="0" sldId="256"/>
+            <ac:spMk id="4" creationId="{00000000-0000-0000-0000-000000000000}"/>
+          </ac:spMkLst>
+        </pc:spChg>
+      </pc:sldChg>
+    </pc:docChg>
+  </pc:docChgLst>
+</pc:chgInfo>
 </file>
 
 <file path=ppt/notesMasters/notesMaster1.xml><?xml version="1.0" encoding="utf-8"?>
@@ -216,7 +545,7 @@
           <a:p>
             <a:fld id="{FB81873C-0B24-F04A-98A1-90E0A78F7E8A}" type="datetimeFigureOut">
               <a:rPr lang="en-US" smtClean="0"/>
-              <a:t>11/18/21</a:t>
+              <a:t>1/20/22</a:t>
             </a:fld>
             <a:endParaRPr lang="en-US"/>
           </a:p>
@@ -381,6 +710,11 @@
         </p:txBody>
       </p:sp>
     </p:spTree>
+    <p:extLst>
+      <p:ext uri="{BB962C8B-B14F-4D97-AF65-F5344CB8AC3E}">
+        <p14:creationId xmlns:p14="http://schemas.microsoft.com/office/powerpoint/2010/main" val="4053790623"/>
+      </p:ext>
+    </p:extLst>
   </p:cSld>
   <p:clrMap bg1="lt1" tx1="dk1" bg2="lt2" tx2="dk2" accent1="accent1" accent2="accent2" accent3="accent3" accent4="accent4" accent5="accent5" accent6="accent6" hlink="hlink" folHlink="folHlink"/>
   <p:notesStyle>
@@ -522,7 +856,7 @@
           <a:bodyPr/>
           <a:lstStyle/>
           <a:p>
-            <a:endParaRPr lang="en-US" dirty="0"/>
+            <a:endParaRPr lang="en-US"/>
           </a:p>
         </p:txBody>
       </p:sp>
@@ -550,6 +884,11 @@
         </p:txBody>
       </p:sp>
     </p:spTree>
+    <p:extLst>
+      <p:ext uri="{BB962C8B-B14F-4D97-AF65-F5344CB8AC3E}">
+        <p14:creationId xmlns:p14="http://schemas.microsoft.com/office/powerpoint/2010/main" val="100507355"/>
+      </p:ext>
+    </p:extLst>
   </p:cSld>
   <p:clrMapOvr>
     <a:masterClrMapping/>
@@ -601,7 +940,7 @@
           <a:bodyPr/>
           <a:lstStyle/>
           <a:p>
-            <a:endParaRPr lang="en-US" dirty="0"/>
+            <a:endParaRPr lang="en-US"/>
           </a:p>
         </p:txBody>
       </p:sp>
@@ -629,6 +968,11 @@
         </p:txBody>
       </p:sp>
     </p:spTree>
+    <p:extLst>
+      <p:ext uri="{BB962C8B-B14F-4D97-AF65-F5344CB8AC3E}">
+        <p14:creationId xmlns:p14="http://schemas.microsoft.com/office/powerpoint/2010/main" val="4294358143"/>
+      </p:ext>
+    </p:extLst>
   </p:cSld>
   <p:clrMapOvr>
     <a:masterClrMapping/>
@@ -680,7 +1024,7 @@
           <a:bodyPr/>
           <a:lstStyle/>
           <a:p>
-            <a:endParaRPr lang="en-US" dirty="0"/>
+            <a:endParaRPr lang="en-US"/>
           </a:p>
         </p:txBody>
       </p:sp>
@@ -708,6 +1052,11 @@
         </p:txBody>
       </p:sp>
     </p:spTree>
+    <p:extLst>
+      <p:ext uri="{BB962C8B-B14F-4D97-AF65-F5344CB8AC3E}">
+        <p14:creationId xmlns:p14="http://schemas.microsoft.com/office/powerpoint/2010/main" val="3435290369"/>
+      </p:ext>
+    </p:extLst>
   </p:cSld>
   <p:clrMapOvr>
     <a:masterClrMapping/>
@@ -759,8 +1108,8 @@
                 <a:solidFill>
                   <a:schemeClr val="bg1"/>
                 </a:solidFill>
-                <a:latin typeface="Arial" panose="020B0604020202020204"/>
-                <a:cs typeface="Arial" panose="020B0604020202020204"/>
+                <a:latin typeface="Arial"/>
+                <a:cs typeface="Arial"/>
               </a:defRPr>
             </a:lvl1pPr>
           </a:lstStyle>
@@ -819,7 +1168,7 @@
           <a:p>
             <a:fld id="{1D8BD707-D9CF-40AE-B4C6-C98DA3205C09}" type="datetimeFigureOut">
               <a:rPr lang="en-US"/>
-              <a:t>11/18/21</a:t>
+              <a:t>1/20/22</a:t>
             </a:fld>
             <a:endParaRPr lang="en-US"/>
           </a:p>
@@ -851,7 +1200,6 @@
           </a:lstStyle>
           <a:p>
             <a:fld id="{B6F15528-21DE-4FAA-801E-634DDDAF4B2B}" type="slidenum">
-              <a:rPr/>
               <a:t>‹#›</a:t>
             </a:fld>
             <a:endParaRPr/>
@@ -860,7 +1208,13 @@
       </p:sp>
       <p:sp>
         <p:nvSpPr>
-          <p:cNvPr id="11" name="Holder 4"/>
+          <p:cNvPr id="11" name="Holder 4">
+            <a:extLst>
+              <a:ext uri="{FF2B5EF4-FFF2-40B4-BE49-F238E27FC236}">
+                <a16:creationId xmlns:a16="http://schemas.microsoft.com/office/drawing/2014/main" id="{F336C0EC-C908-0A4C-AD0F-1418E778FC60}"/>
+              </a:ext>
+            </a:extLst>
+          </p:cNvPr>
           <p:cNvSpPr>
             <a:spLocks noGrp="1"/>
           </p:cNvSpPr>
@@ -902,23 +1256,23 @@
               </a:spcBef>
             </a:pPr>
             <a:r>
-              <a:rPr spc="-5" dirty="0"/>
+              <a:rPr spc="-5"/>
               <a:t>©202</a:t>
             </a:r>
             <a:r>
-              <a:rPr lang="en-US" spc="-5" dirty="0"/>
+              <a:rPr lang="en-US" spc="-5"/>
               <a:t>1 </a:t>
             </a:r>
             <a:r>
-              <a:rPr spc="-5" dirty="0"/>
+              <a:rPr spc="-5"/>
               <a:t>Adobe. All Rights Reserved. Adobe</a:t>
             </a:r>
             <a:r>
-              <a:rPr spc="60" dirty="0"/>
+              <a:rPr spc="60"/>
               <a:t> </a:t>
             </a:r>
             <a:r>
-              <a:rPr spc="-5" dirty="0"/>
+              <a:rPr spc="-5"/>
               <a:t>Confidential.</a:t>
             </a:r>
           </a:p>
@@ -926,7 +1280,13 @@
       </p:sp>
       <p:pic>
         <p:nvPicPr>
-          <p:cNvPr id="12" name="Picture 11"/>
+          <p:cNvPr id="12" name="Picture 11">
+            <a:extLst>
+              <a:ext uri="{FF2B5EF4-FFF2-40B4-BE49-F238E27FC236}">
+                <a16:creationId xmlns:a16="http://schemas.microsoft.com/office/drawing/2014/main" id="{4388883E-79D4-2047-8C5E-37999ED2475C}"/>
+              </a:ext>
+            </a:extLst>
+          </p:cNvPr>
           <p:cNvPicPr>
             <a:picLocks noChangeAspect="1"/>
           </p:cNvPicPr>
@@ -1000,7 +1360,7 @@
           <a:p>
             <a:fld id="{1D8BD707-D9CF-40AE-B4C6-C98DA3205C09}" type="datetimeFigureOut">
               <a:rPr lang="en-US"/>
-              <a:t>11/18/21</a:t>
+              <a:t>1/20/22</a:t>
             </a:fld>
             <a:endParaRPr lang="en-US"/>
           </a:p>
@@ -1032,7 +1392,6 @@
           </a:lstStyle>
           <a:p>
             <a:fld id="{B6F15528-21DE-4FAA-801E-634DDDAF4B2B}" type="slidenum">
-              <a:rPr/>
               <a:t>‹#›</a:t>
             </a:fld>
             <a:endParaRPr/>
@@ -1041,7 +1400,13 @@
       </p:sp>
       <p:sp>
         <p:nvSpPr>
-          <p:cNvPr id="7" name="Holder 4"/>
+          <p:cNvPr id="7" name="Holder 4">
+            <a:extLst>
+              <a:ext uri="{FF2B5EF4-FFF2-40B4-BE49-F238E27FC236}">
+                <a16:creationId xmlns:a16="http://schemas.microsoft.com/office/drawing/2014/main" id="{004A8D36-CC65-B341-9E43-4A47F88C0D96}"/>
+              </a:ext>
+            </a:extLst>
+          </p:cNvPr>
           <p:cNvSpPr>
             <a:spLocks noGrp="1"/>
           </p:cNvSpPr>
@@ -1083,23 +1448,23 @@
               </a:spcBef>
             </a:pPr>
             <a:r>
-              <a:rPr spc="-5" dirty="0"/>
+              <a:rPr spc="-5"/>
               <a:t>©202</a:t>
             </a:r>
             <a:r>
-              <a:rPr lang="en-US" spc="-5" dirty="0"/>
+              <a:rPr lang="en-US" spc="-5"/>
               <a:t>1</a:t>
             </a:r>
             <a:r>
-              <a:rPr spc="-5" dirty="0"/>
+              <a:rPr spc="-5"/>
               <a:t> Adobe. All Rights Reserved. Adobe</a:t>
             </a:r>
             <a:r>
-              <a:rPr spc="60" dirty="0"/>
+              <a:rPr spc="60"/>
               <a:t> </a:t>
             </a:r>
             <a:r>
-              <a:rPr spc="-5" dirty="0"/>
+              <a:rPr spc="-5"/>
               <a:t>Confidential.</a:t>
             </a:r>
           </a:p>
@@ -1167,8 +1532,8 @@
                 <a:solidFill>
                   <a:schemeClr val="bg1"/>
                 </a:solidFill>
-                <a:latin typeface="Arial" panose="020B0604020202020204"/>
-                <a:cs typeface="Arial" panose="020B0604020202020204"/>
+                <a:latin typeface="Arial"/>
+                <a:cs typeface="Arial"/>
               </a:defRPr>
             </a:lvl1pPr>
           </a:lstStyle>
@@ -1254,23 +1619,23 @@
               </a:spcBef>
             </a:pPr>
             <a:r>
-              <a:rPr spc="-5" dirty="0"/>
+              <a:rPr spc="-5"/>
               <a:t>©202</a:t>
             </a:r>
             <a:r>
-              <a:rPr lang="en-US" spc="-5" dirty="0"/>
+              <a:rPr lang="en-US" spc="-5"/>
               <a:t>1</a:t>
             </a:r>
             <a:r>
-              <a:rPr spc="-5" dirty="0"/>
+              <a:rPr spc="-5"/>
               <a:t> Adobe. All Rights Reserved. Adobe</a:t>
             </a:r>
             <a:r>
-              <a:rPr spc="60" dirty="0"/>
+              <a:rPr spc="60"/>
               <a:t> </a:t>
             </a:r>
             <a:r>
-              <a:rPr spc="-5" dirty="0"/>
+              <a:rPr spc="-5"/>
               <a:t>Confidential.</a:t>
             </a:r>
           </a:p>
@@ -1313,7 +1678,7 @@
           <a:p>
             <a:fld id="{1D8BD707-D9CF-40AE-B4C6-C98DA3205C09}" type="datetimeFigureOut">
               <a:rPr lang="en-US"/>
-              <a:t>11/18/21</a:t>
+              <a:t>1/20/22</a:t>
             </a:fld>
             <a:endParaRPr lang="en-US"/>
           </a:p>
@@ -1355,7 +1720,6 @@
           </a:lstStyle>
           <a:p>
             <a:fld id="{B6F15528-21DE-4FAA-801E-634DDDAF4B2B}" type="slidenum">
-              <a:rPr/>
               <a:t>‹#›</a:t>
             </a:fld>
             <a:endParaRPr/>
@@ -1364,7 +1728,13 @@
       </p:sp>
       <p:pic>
         <p:nvPicPr>
-          <p:cNvPr id="9" name="Picture 8"/>
+          <p:cNvPr id="9" name="Picture 8">
+            <a:extLst>
+              <a:ext uri="{FF2B5EF4-FFF2-40B4-BE49-F238E27FC236}">
+                <a16:creationId xmlns:a16="http://schemas.microsoft.com/office/drawing/2014/main" id="{40B595D3-F8FC-DA44-B170-015BD0590CFB}"/>
+              </a:ext>
+            </a:extLst>
+          </p:cNvPr>
           <p:cNvPicPr>
             <a:picLocks noChangeAspect="1"/>
           </p:cNvPicPr>
@@ -1390,8 +1760,8 @@
   </p:cSld>
   <p:clrMap bg1="lt1" tx1="dk1" bg2="lt2" tx2="dk2" accent1="accent1" accent2="accent2" accent3="accent3" accent4="accent4" accent5="accent5" accent6="accent6" hlink="hlink" folHlink="folHlink"/>
   <p:sldLayoutIdLst>
-    <p:sldLayoutId id="2147483649" r:id="rId1"/>
-    <p:sldLayoutId id="2147483650" r:id="rId2"/>
+    <p:sldLayoutId id="2147483662" r:id="rId1"/>
+    <p:sldLayoutId id="2147483665" r:id="rId2"/>
   </p:sldLayoutIdLst>
   <p:txStyles>
     <p:titleStyle>
@@ -1562,8 +1932,8 @@
         </p:nvSpPr>
         <p:spPr>
           <a:xfrm>
-            <a:off x="168564" y="7162363"/>
-            <a:ext cx="3870035" cy="229037"/>
+            <a:off x="168565" y="7162363"/>
+            <a:ext cx="2800350" cy="238760"/>
           </a:xfrm>
           <a:prstGeom prst="rect">
             <a:avLst/>
@@ -1584,7 +1954,7 @@
               </a:spcBef>
             </a:pPr>
             <a:r>
-              <a:rPr lang="en-US" sz="1400" b="1" u="heavy" spc="10" dirty="0">
+              <a:rPr sz="1400" b="1" u="heavy" spc="10">
                 <a:solidFill>
                   <a:srgbClr val="020302"/>
                 </a:solidFill>
@@ -1596,10 +1966,10 @@
                 <a:latin typeface="Adobe Clean"/>
                 <a:cs typeface="Adobe Clean"/>
               </a:rPr>
-              <a:t>服务</a:t>
-            </a:r>
-            <a:r>
-              <a:rPr lang="en-US" sz="1400" b="1" u="heavy" spc="-10" dirty="0">
+              <a:t>Service </a:t>
+            </a:r>
+            <a:r>
+              <a:rPr sz="1400" b="1" u="heavy" spc="-10">
                 <a:solidFill>
                   <a:srgbClr val="020302"/>
                 </a:solidFill>
@@ -1611,10 +1981,10 @@
                 <a:latin typeface="Adobe Clean"/>
                 <a:cs typeface="Adobe Clean"/>
               </a:rPr>
-              <a:t>水平</a:t>
-            </a:r>
-            <a:r>
-              <a:rPr lang="en-US" sz="1400" b="1" u="heavy" spc="-45" dirty="0">
+              <a:t>Level </a:t>
+            </a:r>
+            <a:r>
+              <a:rPr sz="1400" b="1" u="heavy" spc="-45">
                 <a:solidFill>
                   <a:srgbClr val="020302"/>
                 </a:solidFill>
@@ -1626,10 +1996,10 @@
                 <a:latin typeface="Adobe Clean"/>
                 <a:cs typeface="Adobe Clean"/>
               </a:rPr>
-              <a:t>目标：</a:t>
-            </a:r>
-            <a:r>
-              <a:rPr lang="en-US" sz="1400" b="1" u="heavy" spc="-10" dirty="0">
+              <a:t>Targets: </a:t>
+            </a:r>
+            <a:r>
+              <a:rPr sz="1400" b="1" u="heavy" spc="-10">
                 <a:solidFill>
                   <a:srgbClr val="020302"/>
                 </a:solidFill>
@@ -1641,10 +2011,10 @@
                 <a:latin typeface="Adobe Clean"/>
                 <a:cs typeface="Adobe Clean"/>
               </a:rPr>
-              <a:t>初始</a:t>
-            </a:r>
-            <a:r>
-              <a:rPr lang="en-US" sz="1400" b="1" u="heavy" spc="-15" dirty="0">
+              <a:t>Initial</a:t>
+            </a:r>
+            <a:r>
+              <a:rPr sz="1400" b="1" u="heavy" spc="-140">
                 <a:solidFill>
                   <a:srgbClr val="020302"/>
                 </a:solidFill>
@@ -1656,9 +2026,24 @@
                 <a:latin typeface="Adobe Clean"/>
                 <a:cs typeface="Adobe Clean"/>
               </a:rPr>
-              <a:t>响应</a:t>
-            </a:r>
-            <a:endParaRPr sz="1400" dirty="0">
+              <a:t> </a:t>
+            </a:r>
+            <a:r>
+              <a:rPr sz="1400" b="1" u="heavy" spc="-15">
+                <a:solidFill>
+                  <a:srgbClr val="020302"/>
+                </a:solidFill>
+                <a:uFill>
+                  <a:solidFill>
+                    <a:srgbClr val="020302"/>
+                  </a:solidFill>
+                </a:uFill>
+                <a:latin typeface="Adobe Clean"/>
+                <a:cs typeface="Adobe Clean"/>
+              </a:rPr>
+              <a:t>Response</a:t>
+            </a:r>
+            <a:endParaRPr sz="1400">
               <a:latin typeface="Adobe Clean"/>
               <a:cs typeface="Adobe Clean"/>
             </a:endParaRPr>
@@ -1680,7 +2065,7 @@
             <a:avLst/>
           </a:prstGeom>
           <a:blipFill>
-            <a:blip r:embed="rId5" cstate="print"/>
+            <a:blip r:embed="rId3" cstate="print"/>
             <a:stretch>
               <a:fillRect/>
             </a:stretch>
@@ -1706,15 +2091,15 @@
         </p:nvSpPr>
         <p:spPr>
           <a:xfrm>
-            <a:off x="438785" y="52705"/>
-            <a:ext cx="5278120" cy="366395"/>
+            <a:off x="439022" y="54646"/>
+            <a:ext cx="5229466" cy="366767"/>
           </a:xfrm>
           <a:prstGeom prst="rect">
             <a:avLst/>
           </a:prstGeom>
         </p:spPr>
         <p:txBody>
-          <a:bodyPr vert="horz" wrap="square" lIns="0" tIns="12700" rIns="0" bIns="0" rtlCol="0">
+          <a:bodyPr vert="horz" wrap="square" lIns="0" tIns="12700" rIns="0" bIns="0" rtlCol="0" anchor="t">
             <a:spAutoFit/>
           </a:bodyPr>
           <a:lstStyle/>
@@ -1728,18 +2113,18 @@
               </a:spcBef>
             </a:pPr>
             <a:r>
-              <a:rPr lang="en-US" sz="2300" dirty="0">
-                <a:latin typeface="Adobe Clean" panose="020B0503020404020204" pitchFamily="34" charset="0"/>
-              </a:rPr>
-              <a:t>Adobe </a:t>
-            </a:r>
-            <a:r>
-              <a:rPr lang="ja-JP" altLang="en-US" sz="2300">
-                <a:latin typeface="Adobe Clean" panose="020B0503020404020204" pitchFamily="34" charset="0"/>
-              </a:rPr>
-              <a:t>支持计划</a:t>
-            </a:r>
-            <a:endParaRPr sz="2300" dirty="0">
+              <a:rPr sz="2300">
+                <a:latin typeface="Adobe Clean"/>
+              </a:rPr>
+              <a:t>ADOBE </a:t>
+            </a:r>
+            <a:r>
+              <a:rPr lang="en-US" sz="2300">
+                <a:latin typeface="Adobe Clean"/>
+              </a:rPr>
+              <a:t>SUPPORT PLANS</a:t>
+            </a:r>
+            <a:endParaRPr sz="2300">
               <a:latin typeface="Adobe Clean" panose="020B0503020404020204" pitchFamily="34" charset="0"/>
             </a:endParaRPr>
           </a:p>
@@ -1753,7 +2138,7 @@
         </p:nvSpPr>
         <p:spPr>
           <a:xfrm>
-            <a:off x="121147" y="635935"/>
+            <a:off x="121147" y="531160"/>
             <a:ext cx="5865216" cy="1269065"/>
           </a:xfrm>
           <a:prstGeom prst="rect">
@@ -1781,7 +2166,7 @@
                 </a:solidFill>
                 <a:latin typeface="Adobe Clean Light" panose="020B0303020404020204" pitchFamily="34" charset="0"/>
               </a:rPr>
-              <a:t>在线 | </a:t>
+              <a:t>Standard | </a:t>
             </a:r>
             <a:r>
               <a:rPr lang="en-US" sz="900" b="1" dirty="0">
@@ -1790,7 +2175,7 @@
                 </a:solidFill>
                 <a:latin typeface="Adobe Clean" panose="020B0503020404020204" pitchFamily="34" charset="0"/>
               </a:rPr>
-              <a:t>商业</a:t>
+              <a:t>Business</a:t>
             </a:r>
             <a:r>
               <a:rPr lang="en-US" sz="900" dirty="0">
@@ -1799,7 +2184,7 @@
                 </a:solidFill>
                 <a:latin typeface="Adobe Clean Light" panose="020B0303020404020204" pitchFamily="34" charset="0"/>
               </a:rPr>
-              <a:t> | 企业 | 高级</a:t>
+              <a:t> | Enterprise | Elite</a:t>
             </a:r>
           </a:p>
           <a:p>
@@ -1818,7 +2203,7 @@
                 </a:solidFill>
                 <a:latin typeface="Adobe Clean SemiLight" panose="020B0403020404020204" pitchFamily="34" charset="0"/>
               </a:rPr>
-              <a:t>Adobe 提供了全面的技术资源来帮助支持您的业务，这些资源包含在您的 Experience Cloud 许可订阅中，并在商业支持包中得到了增强。商业支持包括通过 Adobe Experience League 访问个性化的学习路径和受监控的社区论坛。此外，您可以使用我们详细而深入的技术产品文档和最新发行说明。商业客户还可以通过电话或支持门户网站联系我们的技术支持团队以进行任何产品查询，以便在最关键的时刻帮助保护您的业务。除了针对支持请求的最关键部分的支持案例上报管理之外，商业客户还会收到来自其帐户支持主管的定期通信和更新。</a:t>
+              <a:t>Adobe provides a comprehensive range of technical resources to help support your business, included as part of your Experience Cloud license subscription and enhanced in the BUSINESS support package. BUSINESS support includes access to personalized learning paths and monitored community forums via the Adobe Experience League. You can also take advantage of our detailed and in-depth technical product documentation and current release notes. BUSINESS customers also benefit from access to our technical support teams for any product query via either the telephone or the support web portal, to help protect your business at the most critical times. BUSINESS customers will receive regular communications and updates from their Account Support Lead in addition to support case escalation management for your most critical of support requests. </a:t>
             </a:r>
             <a:endParaRPr lang="en-US" sz="900" dirty="0">
               <a:solidFill>
@@ -1845,7 +2230,7 @@
             <a:avLst/>
           </a:prstGeom>
           <a:blipFill>
-            <a:blip r:embed="rId6" cstate="print"/>
+            <a:blip r:embed="rId4" cstate="print"/>
             <a:stretch>
               <a:fillRect/>
             </a:stretch>
@@ -1893,15 +2278,23 @@
               </a:spcBef>
             </a:pPr>
             <a:r>
-              <a:rPr lang="en-US" spc="-5" dirty="0"/>
-              <a:t>©2021 Adobe.All Rights Reserved.Adobe</a:t>
-            </a:r>
-            <a:r>
-              <a:rPr lang="en-US" spc="60" dirty="0"/>
+              <a:rPr spc="-5"/>
+              <a:t>©202</a:t>
+            </a:r>
+            <a:r>
+              <a:rPr lang="en-US" spc="-5"/>
+              <a:t>1</a:t>
+            </a:r>
+            <a:r>
+              <a:rPr spc="-5"/>
+              <a:t> Adobe. All Rights Reserved. Adobe</a:t>
+            </a:r>
+            <a:r>
+              <a:rPr spc="60"/>
               <a:t> </a:t>
             </a:r>
             <a:r>
-              <a:rPr lang="en-US" spc="-5" dirty="0"/>
+              <a:rPr spc="-5"/>
               <a:t>Confidential.</a:t>
             </a:r>
           </a:p>
@@ -1914,19 +2307,16 @@
             <a:graphicFrameLocks noGrp="1"/>
           </p:cNvGraphicFramePr>
           <p:nvPr>
-            <p:custDataLst>
-              <p:tags r:id="rId1"/>
-            </p:custDataLst>
             <p:extLst>
               <p:ext uri="{D42A27DB-BD31-4B8C-83A1-F6EECF244321}">
-                <p14:modId xmlns:p14="http://schemas.microsoft.com/office/powerpoint/2010/main" val="127036200"/>
+                <p14:modId xmlns:p14="http://schemas.microsoft.com/office/powerpoint/2010/main" val="2485809364"/>
               </p:ext>
             </p:extLst>
           </p:nvPr>
         </p:nvGraphicFramePr>
         <p:xfrm>
-          <a:off x="121146" y="7475985"/>
-          <a:ext cx="7498852" cy="2119744"/>
+          <a:off x="118872" y="7475985"/>
+          <a:ext cx="7498851" cy="2223598"/>
         </p:xfrm>
         <a:graphic>
           <a:graphicData uri="http://schemas.openxmlformats.org/drawingml/2006/table">
@@ -1935,7 +2325,7 @@
                 <a:tableStyleId>{2D5ABB26-0587-4C30-8999-92F81FD0307C}</a:tableStyleId>
               </a:tblPr>
               <a:tblGrid>
-                <a:gridCol w="4698745">
+                <a:gridCol w="4698744">
                   <a:extLst>
                     <a:ext uri="{9D8B030D-6E8A-4147-A177-3AD203B41FA5}">
                       <a16:colId xmlns:a16="http://schemas.microsoft.com/office/drawing/2014/main" val="20000"/>
@@ -1957,7 +2347,7 @@
                   </a:extLst>
                 </a:gridCol>
               </a:tblGrid>
-              <a:tr h="274318">
+              <a:tr h="291248">
                 <a:tc>
                   <a:txBody>
                     <a:bodyPr/>
@@ -1972,22 +2362,22 @@
                         </a:spcBef>
                       </a:pPr>
                       <a:r>
-                        <a:rPr lang="en-US" sz="900" spc="0" dirty="0">
+                        <a:rPr sz="900" spc="0">
                           <a:solidFill>
                             <a:srgbClr val="020302"/>
                           </a:solidFill>
                           <a:latin typeface="Adobe Clean"/>
                           <a:cs typeface="Adobe Clean"/>
                         </a:rPr>
-                        <a:t>优先级</a:t>
+                        <a:t>Priority</a:t>
                       </a:r>
-                      <a:endParaRPr sz="900" spc="0" dirty="0">
+                      <a:endParaRPr sz="900" spc="0">
                         <a:latin typeface="Adobe Clean"/>
                         <a:cs typeface="Adobe Clean"/>
                       </a:endParaRPr>
                     </a:p>
                   </a:txBody>
-                  <a:tcPr marL="0" marR="0" marT="7620" marB="0" anchor="ctr">
+                  <a:tcPr marL="0" marR="0" marT="7620" marB="0">
                     <a:lnL w="3175">
                       <a:solidFill>
                         <a:srgbClr val="B7B8B8"/>
@@ -2038,7 +2428,17 @@
                           <a:latin typeface="Adobe Clean"/>
                           <a:cs typeface="Adobe Clean"/>
                         </a:rPr>
-                        <a:t>在线支持</a:t>
+                        <a:t>Standard</a:t>
+                      </a:r>
+                      <a:r>
+                        <a:rPr sz="900" spc="0" dirty="0">
+                          <a:solidFill>
+                            <a:srgbClr val="020302"/>
+                          </a:solidFill>
+                          <a:latin typeface="Adobe Clean"/>
+                          <a:cs typeface="Adobe Clean"/>
+                        </a:rPr>
+                        <a:t> Support</a:t>
                       </a:r>
                       <a:endParaRPr sz="900" spc="0" dirty="0">
                         <a:latin typeface="Adobe Clean"/>
@@ -2046,7 +2446,7 @@
                       </a:endParaRPr>
                     </a:p>
                   </a:txBody>
-                  <a:tcPr anchor="ctr">
+                  <a:tcPr marL="182880" marT="91440" anchor="ctr">
                     <a:lnL w="3175">
                       <a:solidFill>
                         <a:srgbClr val="B7B8B8"/>
@@ -2081,7 +2481,7 @@
                     <a:bodyPr/>
                     <a:lstStyle/>
                     <a:p>
-                      <a:pPr marL="92710" algn="ctr">
+                      <a:pPr marL="92710">
                         <a:lnSpc>
                           <a:spcPct val="100000"/>
                         </a:lnSpc>
@@ -2090,22 +2490,42 @@
                         </a:spcBef>
                       </a:pPr>
                       <a:r>
-                        <a:rPr lang="en-US" sz="900" spc="0" dirty="0">
+                        <a:rPr sz="900" spc="0">
                           <a:solidFill>
                             <a:srgbClr val="FFFFFF"/>
                           </a:solidFill>
                           <a:latin typeface="Adobe Clean"/>
                           <a:cs typeface="Adobe Clean"/>
                         </a:rPr>
-                        <a:t>商业支持</a:t>
+                        <a:t>Business</a:t>
                       </a:r>
-                      <a:endParaRPr sz="900" spc="0" dirty="0">
+                      <a:r>
+                        <a:rPr lang="en-US" sz="900" spc="0">
+                          <a:solidFill>
+                            <a:srgbClr val="FFFFFF"/>
+                          </a:solidFill>
+                          <a:latin typeface="Adobe Clean"/>
+                          <a:cs typeface="Adobe Clean"/>
+                        </a:rPr>
+                        <a:t> </a:t>
+                      </a:r>
+                      <a:r>
+                        <a:rPr sz="900" spc="0">
+                          <a:solidFill>
+                            <a:srgbClr val="FFFFFF"/>
+                          </a:solidFill>
+                          <a:latin typeface="Adobe Clean"/>
+                          <a:cs typeface="Adobe Clean"/>
+                        </a:rPr>
+                        <a:t>Support</a:t>
+                      </a:r>
+                      <a:endParaRPr sz="900" spc="0">
                         <a:latin typeface="Adobe Clean"/>
                         <a:cs typeface="Adobe Clean"/>
                       </a:endParaRPr>
                     </a:p>
                   </a:txBody>
-                  <a:tcPr anchor="ctr">
+                  <a:tcPr marL="182880" marT="91440" anchor="ctr">
                     <a:lnL w="3175">
                       <a:solidFill>
                         <a:srgbClr val="B7B8B8"/>
@@ -2141,7 +2561,7 @@
                   </a:ext>
                 </a:extLst>
               </a:tr>
-              <a:tr h="484755">
+              <a:tr h="514672">
                 <a:tc>
                   <a:txBody>
                     <a:bodyPr/>
@@ -2156,16 +2576,16 @@
                         </a:spcBef>
                       </a:pPr>
                       <a:r>
-                        <a:rPr lang="en-US" sz="900" b="1" spc="0" dirty="0">
+                        <a:rPr sz="900" b="1" spc="0">
                           <a:solidFill>
                             <a:srgbClr val="020302"/>
                           </a:solidFill>
                           <a:latin typeface="Adobe Clean"/>
                           <a:cs typeface="Adobe Clean"/>
                         </a:rPr>
-                        <a:t>优先级 1</a:t>
+                        <a:t>PRIORITY 1</a:t>
                       </a:r>
-                      <a:endParaRPr sz="900" spc="0" dirty="0">
+                      <a:endParaRPr sz="900" spc="0">
                         <a:latin typeface="Adobe Clean"/>
                         <a:cs typeface="Adobe Clean"/>
                       </a:endParaRPr>
@@ -2185,33 +2605,20 @@
                         <a:buSzTx/>
                         <a:buFontTx/>
                         <a:buNone/>
+                        <a:tabLst/>
                         <a:defRPr/>
                       </a:pPr>
                       <a:r>
-                        <a:rPr lang="en-US" sz="900" b="0" i="0" spc="0" dirty="0">
+                        <a:rPr lang="en-US" sz="900" b="0" i="0" spc="0">
                           <a:solidFill>
                             <a:srgbClr val="000000"/>
                           </a:solidFill>
                           <a:effectLst/>
                           <a:latin typeface="Adobe Clean Light" panose="020B0303020404020204" pitchFamily="34" charset="0"/>
                         </a:rPr>
-                        <a:t>客户的生产业务功能中断或发生重大数据丢失或服务降级，需要立即关注以恢复功能和可用性</a:t>
+                        <a:t>Customer's production business functions are down or have significant data loss or service degradation and immediate attention is required to restore functionality and usability</a:t>
                       </a:r>
-                      <a:r>
-                        <a:rPr lang="zh-CN" sz="900" b="0" i="0" spc="0" dirty="0">
-                          <a:solidFill>
-                            <a:srgbClr val="000000"/>
-                          </a:solidFill>
-                          <a:effectLst/>
-                          <a:latin typeface="Adobe Clean Light" panose="020B0303020404020204" pitchFamily="34" charset="0"/>
-                        </a:rPr>
-                        <a:t>。</a:t>
-                      </a:r>
-                      <a:endParaRPr lang="zh-CN" sz="900" b="0" i="0" spc="0" dirty="0">
-                        <a:solidFill>
-                          <a:srgbClr val="000000"/>
-                        </a:solidFill>
-                        <a:effectLst/>
+                      <a:endParaRPr lang="en-US" sz="900" b="0" i="0" spc="0">
                         <a:latin typeface="Adobe Clean Light" panose="020B0303020404020204" pitchFamily="34" charset="0"/>
                         <a:cs typeface="AdobeClean-Light"/>
                       </a:endParaRPr>
@@ -2258,22 +2665,62 @@
                         </a:spcBef>
                       </a:pPr>
                       <a:r>
-                        <a:rPr lang="en-US" sz="900" spc="0" dirty="0">
+                        <a:rPr sz="900" spc="0">
                           <a:solidFill>
                             <a:srgbClr val="020302"/>
                           </a:solidFill>
                           <a:latin typeface="AdobeClean-Light"/>
                           <a:cs typeface="AdobeClean-Light"/>
                         </a:rPr>
-                        <a:t>全天候/1 小时</a:t>
+                        <a:t>24x7</a:t>
                       </a:r>
-                      <a:endParaRPr sz="900" spc="0" dirty="0">
+                      <a:r>
+                        <a:rPr lang="en-US" sz="900" spc="0">
+                          <a:solidFill>
+                            <a:srgbClr val="020302"/>
+                          </a:solidFill>
+                          <a:latin typeface="AdobeClean-Light"/>
+                          <a:cs typeface="AdobeClean-Light"/>
+                        </a:rPr>
+                        <a:t> </a:t>
+                      </a:r>
+                      <a:r>
+                        <a:rPr sz="900" spc="0">
+                          <a:solidFill>
+                            <a:srgbClr val="020302"/>
+                          </a:solidFill>
+                          <a:latin typeface="AdobeClean-Light"/>
+                          <a:cs typeface="AdobeClean-Light"/>
+                        </a:rPr>
+                        <a:t>/</a:t>
+                      </a:r>
+                      <a:r>
+                        <a:rPr lang="en-US" sz="900" spc="0">
+                          <a:solidFill>
+                            <a:srgbClr val="020302"/>
+                          </a:solidFill>
+                          <a:latin typeface="AdobeClean-Light"/>
+                          <a:cs typeface="AdobeClean-Light"/>
+                        </a:rPr>
+                        <a:t> </a:t>
+                      </a:r>
+                      <a:r>
+                        <a:rPr sz="900" spc="0">
+                          <a:solidFill>
+                            <a:srgbClr val="020302"/>
+                          </a:solidFill>
+                          <a:latin typeface="AdobeClean-Light"/>
+                          <a:cs typeface="AdobeClean-Light"/>
+                        </a:rPr>
+                        <a:t>1 hour</a:t>
+                      </a:r>
+                      <a:endParaRPr sz="900" spc="0">
                         <a:latin typeface="AdobeClean-Light"/>
                         <a:cs typeface="AdobeClean-Light"/>
                       </a:endParaRPr>
                     </a:p>
                   </a:txBody>
-                  <a:tcPr anchor="ctr">
+                  <a:tcPr marL="0" marR="0" marT="91440" marB="91440" anchor="ctr" anchorCtr="1">
                     <a:lnL w="3175">
                       <a:solidFill>
                         <a:srgbClr val="B7B8B8"/>
@@ -2314,22 +2761,62 @@
                         </a:spcBef>
                       </a:pPr>
                       <a:r>
-                        <a:rPr lang="en-US" sz="900" spc="0" dirty="0">
+                        <a:rPr sz="900" spc="0">
                           <a:solidFill>
                             <a:srgbClr val="020302"/>
                           </a:solidFill>
                           <a:latin typeface="AdobeClean-Light"/>
                           <a:cs typeface="AdobeClean-Light"/>
                         </a:rPr>
-                        <a:t>全天候/1 小时</a:t>
+                        <a:t>24x7</a:t>
                       </a:r>
-                      <a:endParaRPr sz="900" spc="0" dirty="0">
+                      <a:r>
+                        <a:rPr lang="en-US" sz="900" spc="0">
+                          <a:solidFill>
+                            <a:srgbClr val="020302"/>
+                          </a:solidFill>
+                          <a:latin typeface="AdobeClean-Light"/>
+                          <a:cs typeface="AdobeClean-Light"/>
+                        </a:rPr>
+                        <a:t> </a:t>
+                      </a:r>
+                      <a:r>
+                        <a:rPr sz="900" spc="0">
+                          <a:solidFill>
+                            <a:srgbClr val="020302"/>
+                          </a:solidFill>
+                          <a:latin typeface="AdobeClean-Light"/>
+                          <a:cs typeface="AdobeClean-Light"/>
+                        </a:rPr>
+                        <a:t>/</a:t>
+                      </a:r>
+                      <a:r>
+                        <a:rPr lang="en-US" sz="900" spc="0">
+                          <a:solidFill>
+                            <a:srgbClr val="020302"/>
+                          </a:solidFill>
+                          <a:latin typeface="AdobeClean-Light"/>
+                          <a:cs typeface="AdobeClean-Light"/>
+                        </a:rPr>
+                        <a:t> </a:t>
+                      </a:r>
+                      <a:r>
+                        <a:rPr sz="900" spc="0">
+                          <a:solidFill>
+                            <a:srgbClr val="020302"/>
+                          </a:solidFill>
+                          <a:latin typeface="AdobeClean-Light"/>
+                          <a:cs typeface="AdobeClean-Light"/>
+                        </a:rPr>
+                        <a:t>1 hour</a:t>
+                      </a:r>
+                      <a:endParaRPr sz="900" spc="0">
                         <a:latin typeface="AdobeClean-Light"/>
                         <a:cs typeface="AdobeClean-Light"/>
                       </a:endParaRPr>
                     </a:p>
                   </a:txBody>
-                  <a:tcPr anchor="ctr">
+                  <a:tcPr marL="0" marR="0" marT="91440" marB="91440" anchor="ctr" anchorCtr="1">
                     <a:lnL w="3175">
                       <a:solidFill>
                         <a:srgbClr val="B7B8B8"/>
@@ -2367,7 +2854,7 @@
                   </a:ext>
                 </a:extLst>
               </a:tr>
-              <a:tr h="484755">
+              <a:tr h="514672">
                 <a:tc>
                   <a:txBody>
                     <a:bodyPr/>
@@ -2382,16 +2869,16 @@
                         </a:spcBef>
                       </a:pPr>
                       <a:r>
-                        <a:rPr lang="en-US" sz="900" b="1" spc="0" dirty="0">
+                        <a:rPr sz="900" b="1" spc="0">
                           <a:solidFill>
                             <a:srgbClr val="020302"/>
                           </a:solidFill>
                           <a:latin typeface="Adobe Clean"/>
                           <a:cs typeface="Adobe Clean"/>
                         </a:rPr>
-                        <a:t>优先级 2</a:t>
+                        <a:t>PRIORITY 2</a:t>
                       </a:r>
-                      <a:endParaRPr sz="900" spc="0" dirty="0">
+                      <a:endParaRPr sz="900" spc="0">
                         <a:latin typeface="Adobe Clean"/>
                         <a:cs typeface="Adobe Clean"/>
                       </a:endParaRPr>
@@ -2406,30 +2893,16 @@
                         </a:spcBef>
                       </a:pPr>
                       <a:r>
-                        <a:rPr lang="en-US" sz="900" b="0" i="0" spc="0" dirty="0">
+                        <a:rPr lang="en-US" sz="900" b="0" i="0" spc="0">
                           <a:solidFill>
                             <a:srgbClr val="000000"/>
                           </a:solidFill>
                           <a:effectLst/>
                           <a:latin typeface="Adobe Clean Light" panose="020B0303020404020204" pitchFamily="34" charset="0"/>
                         </a:rPr>
-                        <a:t>客户的业务功能发生重大服务降级或潜在数据丢失，或主要功能受到影响</a:t>
+                        <a:t>Customer's business functions have major service degradation or potential data loss, or a major feature is impacted </a:t>
                       </a:r>
-                      <a:r>
-                        <a:rPr lang="zh-CN" altLang="en-US" sz="900" b="0" i="0" spc="0" dirty="0">
-                          <a:solidFill>
-                            <a:srgbClr val="000000"/>
-                          </a:solidFill>
-                          <a:effectLst/>
-                          <a:latin typeface="Adobe Clean Light" panose="020B0303020404020204" pitchFamily="34" charset="0"/>
-                        </a:rPr>
-                        <a:t>。</a:t>
-                      </a:r>
-                      <a:endParaRPr lang="zh-CN" altLang="en-US" sz="900" b="0" i="0" spc="0" dirty="0">
-                        <a:solidFill>
-                          <a:srgbClr val="000000"/>
-                        </a:solidFill>
-                        <a:effectLst/>
+                      <a:endParaRPr lang="en-US" sz="900" b="0" i="0" spc="0">
                         <a:latin typeface="Adobe Clean Light" panose="020B0303020404020204" pitchFamily="34" charset="0"/>
                         <a:cs typeface="AdobeClean-Light"/>
                       </a:endParaRPr>
@@ -2476,22 +2949,82 @@
                         </a:spcBef>
                       </a:pPr>
                       <a:r>
-                        <a:rPr lang="en-US" sz="900" spc="0" dirty="0">
+                        <a:rPr sz="900" spc="0">
                           <a:solidFill>
                             <a:srgbClr val="020302"/>
                           </a:solidFill>
                           <a:latin typeface="AdobeClean-Light"/>
                           <a:cs typeface="AdobeClean-Light"/>
                         </a:rPr>
-                        <a:t>营业时间/4 小时</a:t>
+                        <a:t>Business</a:t>
                       </a:r>
-                      <a:endParaRPr sz="900" spc="0" dirty="0">
+                      <a:r>
+                        <a:rPr lang="en-US" sz="900" spc="0">
+                          <a:solidFill>
+                            <a:srgbClr val="020302"/>
+                          </a:solidFill>
+                          <a:latin typeface="AdobeClean-Light"/>
+                          <a:cs typeface="AdobeClean-Light"/>
+                        </a:rPr>
+                        <a:t> </a:t>
+                      </a:r>
+                      <a:r>
+                        <a:rPr sz="900" spc="0">
+                          <a:solidFill>
+                            <a:srgbClr val="020302"/>
+                          </a:solidFill>
+                          <a:latin typeface="AdobeClean-Light"/>
+                          <a:cs typeface="AdobeClean-Light"/>
+                        </a:rPr>
+                        <a:t>hours</a:t>
+                      </a:r>
+                      <a:r>
+                        <a:rPr lang="en-US" sz="900" spc="0">
+                          <a:solidFill>
+                            <a:srgbClr val="020302"/>
+                          </a:solidFill>
+                          <a:latin typeface="AdobeClean-Light"/>
+                          <a:cs typeface="AdobeClean-Light"/>
+                        </a:rPr>
+                        <a:t> </a:t>
+                      </a:r>
+                      <a:r>
+                        <a:rPr sz="900" spc="0">
+                          <a:solidFill>
+                            <a:srgbClr val="020302"/>
+                          </a:solidFill>
+                          <a:latin typeface="AdobeClean-Light"/>
+                          <a:cs typeface="AdobeClean-Light"/>
+                        </a:rPr>
+                        <a:t>/</a:t>
+                      </a:r>
+                      <a:r>
+                        <a:rPr lang="en-US" sz="900" spc="0">
+                          <a:solidFill>
+                            <a:srgbClr val="020302"/>
+                          </a:solidFill>
+                          <a:latin typeface="AdobeClean-Light"/>
+                          <a:cs typeface="AdobeClean-Light"/>
+                        </a:rPr>
+                        <a:t> </a:t>
+                      </a:r>
+                      <a:r>
+                        <a:rPr sz="900" spc="0">
+                          <a:solidFill>
+                            <a:srgbClr val="020302"/>
+                          </a:solidFill>
+                          <a:latin typeface="AdobeClean-Light"/>
+                          <a:cs typeface="AdobeClean-Light"/>
+                        </a:rPr>
+                        <a:t>4 hours</a:t>
+                      </a:r>
+                      <a:endParaRPr sz="900" spc="0">
                         <a:latin typeface="AdobeClean-Light"/>
                         <a:cs typeface="AdobeClean-Light"/>
                       </a:endParaRPr>
                     </a:p>
                   </a:txBody>
-                  <a:tcPr anchor="ctr">
+                  <a:tcPr marL="0" marR="0" marT="91440" marB="91440" anchor="ctr" anchorCtr="1">
                     <a:lnL w="3175">
                       <a:solidFill>
                         <a:srgbClr val="B7B8B8"/>
@@ -2532,22 +3065,92 @@
                         </a:spcBef>
                       </a:pPr>
                       <a:r>
-                        <a:rPr lang="en-US" sz="900" spc="0" dirty="0">
+                        <a:rPr lang="en-US" sz="900" spc="0">
                           <a:solidFill>
                             <a:srgbClr val="020302"/>
                           </a:solidFill>
                           <a:latin typeface="AdobeClean-Light"/>
                           <a:cs typeface="AdobeClean-Light"/>
                         </a:rPr>
-                        <a:t>营业时间/2 小时</a:t>
+                        <a:t>    </a:t>
                       </a:r>
-                      <a:endParaRPr sz="900" spc="0" dirty="0">
+                      <a:r>
+                        <a:rPr sz="900" spc="0">
+                          <a:solidFill>
+                            <a:srgbClr val="020302"/>
+                          </a:solidFill>
+                          <a:latin typeface="AdobeClean-Light"/>
+                          <a:cs typeface="AdobeClean-Light"/>
+                        </a:rPr>
+                        <a:t>Business</a:t>
+                      </a:r>
+                      <a:r>
+                        <a:rPr lang="en-US" sz="900" spc="0">
+                          <a:solidFill>
+                            <a:srgbClr val="020302"/>
+                          </a:solidFill>
+                          <a:latin typeface="AdobeClean-Light"/>
+                          <a:cs typeface="AdobeClean-Light"/>
+                        </a:rPr>
+                        <a:t> </a:t>
+                      </a:r>
+                      <a:r>
+                        <a:rPr sz="900" spc="0">
+                          <a:solidFill>
+                            <a:srgbClr val="020302"/>
+                          </a:solidFill>
+                          <a:latin typeface="AdobeClean-Light"/>
+                          <a:cs typeface="AdobeClean-Light"/>
+                        </a:rPr>
+                        <a:t>hours</a:t>
+                      </a:r>
+                      <a:r>
+                        <a:rPr lang="en-US" sz="900" spc="0">
+                          <a:solidFill>
+                            <a:srgbClr val="020302"/>
+                          </a:solidFill>
+                          <a:latin typeface="AdobeClean-Light"/>
+                          <a:cs typeface="AdobeClean-Light"/>
+                        </a:rPr>
+                        <a:t> / </a:t>
+                      </a:r>
+                      <a:r>
+                        <a:rPr sz="900" spc="0">
+                          <a:solidFill>
+                            <a:srgbClr val="020302"/>
+                          </a:solidFill>
+                          <a:latin typeface="AdobeClean-Light"/>
+                          <a:cs typeface="AdobeClean-Light"/>
+                        </a:rPr>
+                        <a:t>2</a:t>
+                      </a:r>
+                      <a:r>
+                        <a:rPr lang="en-US" sz="900" spc="0">
+                          <a:solidFill>
+                            <a:srgbClr val="020302"/>
+                          </a:solidFill>
+                          <a:latin typeface="AdobeClean-Light"/>
+                          <a:cs typeface="AdobeClean-Light"/>
+                        </a:rPr>
+                        <a:t> </a:t>
+                      </a:r>
+                      <a:r>
+                        <a:rPr sz="900" spc="0">
+                          <a:solidFill>
+                            <a:srgbClr val="020302"/>
+                          </a:solidFill>
+                          <a:latin typeface="AdobeClean-Light"/>
+                          <a:cs typeface="AdobeClean-Light"/>
+                        </a:rPr>
+                        <a:t>hours</a:t>
+                      </a:r>
+                      <a:endParaRPr sz="900" spc="0">
                         <a:latin typeface="AdobeClean-Light"/>
                         <a:cs typeface="AdobeClean-Light"/>
                       </a:endParaRPr>
                     </a:p>
                   </a:txBody>
-                  <a:tcPr anchor="ctr">
+                  <a:tcPr marL="0" marR="0" marT="91440" marB="91440" anchor="ctr" anchorCtr="1">
                     <a:lnL w="3175">
                       <a:solidFill>
                         <a:srgbClr val="B7B8B8"/>
@@ -2585,7 +3188,7 @@
                   </a:ext>
                 </a:extLst>
               </a:tr>
-              <a:tr h="484756">
+              <a:tr h="514673">
                 <a:tc>
                   <a:txBody>
                     <a:bodyPr/>
@@ -2600,16 +3203,16 @@
                         </a:spcBef>
                       </a:pPr>
                       <a:r>
-                        <a:rPr lang="en-US" sz="900" b="1" spc="0" dirty="0">
+                        <a:rPr sz="900" b="1" spc="0">
                           <a:solidFill>
                             <a:srgbClr val="020302"/>
                           </a:solidFill>
                           <a:latin typeface="Adobe Clean"/>
                           <a:cs typeface="Adobe Clean"/>
                         </a:rPr>
-                        <a:t>优先级 3</a:t>
+                        <a:t>PRIORITY 3</a:t>
                       </a:r>
-                      <a:endParaRPr sz="900" spc="0" dirty="0">
+                      <a:endParaRPr sz="900" spc="0">
                         <a:latin typeface="Adobe Clean"/>
                         <a:cs typeface="Adobe Clean"/>
                       </a:endParaRPr>
@@ -2624,7 +3227,7 @@
                         </a:spcBef>
                       </a:pPr>
                       <a:r>
-                        <a:rPr kumimoji="0" lang="en-US" sz="900" b="0" i="0" u="none" strike="noStrike" kern="1200" cap="none" spc="0" normalizeH="0" baseline="0" noProof="0" dirty="0">
+                        <a:rPr kumimoji="0" lang="en-US" sz="900" b="0" i="0" u="none" strike="noStrike" kern="1200" cap="none" spc="0" normalizeH="0" baseline="0" noProof="0">
                           <a:ln>
                             <a:noFill/>
                           </a:ln>
@@ -2638,25 +3241,12 @@
                           <a:ea typeface="+mn-ea"/>
                           <a:cs typeface="+mn-cs"/>
                         </a:rPr>
-                        <a:t>客户的业务功能发生轻微的服务降级，但有解决方案/解决方法可让业务功能继续正常工作</a:t>
+                        <a:t>Customer's business functions have minor service degradation but there exists a solution/workaround allowing business functions to continue </a:t>
                       </a:r>
-                      <a:r>
-                        <a:rPr kumimoji="0" lang="zh-CN" altLang="en-US" sz="900" b="0" i="0" u="none" strike="noStrike" kern="1200" cap="none" spc="0" normalizeH="0" baseline="0" noProof="0" dirty="0">
-                          <a:ln>
-                            <a:noFill/>
-                          </a:ln>
-                          <a:solidFill>
-                            <a:srgbClr val="000000"/>
-                          </a:solidFill>
-                          <a:effectLst/>
-                          <a:uLnTx/>
-                          <a:uFillTx/>
-                          <a:latin typeface="Adobe Clean Light" panose="020B0303020404020204" pitchFamily="34" charset="0"/>
-                          <a:ea typeface="+mn-ea"/>
-                          <a:cs typeface="+mn-cs"/>
-                        </a:rPr>
-                        <a:t>。</a:t>
-                      </a:r>
+                      <a:endParaRPr lang="en-US" sz="900" b="0" i="0" spc="0">
+                        <a:latin typeface="Adobe Clean Light" panose="020B0303020404020204" pitchFamily="34" charset="0"/>
+                        <a:cs typeface="AdobeClean-Light"/>
+                      </a:endParaRPr>
                     </a:p>
                   </a:txBody>
                   <a:tcPr marL="0" marR="0" marT="3810" marB="0">
@@ -2700,22 +3290,92 @@
                         </a:spcBef>
                       </a:pPr>
                       <a:r>
-                        <a:rPr lang="en-US" sz="900" spc="0" dirty="0">
+                        <a:rPr lang="en-US" sz="900" spc="0">
                           <a:solidFill>
                             <a:srgbClr val="020302"/>
                           </a:solidFill>
                           <a:latin typeface="AdobeClean-Light"/>
                           <a:cs typeface="AdobeClean-Light"/>
                         </a:rPr>
-                        <a:t>营业时间/6 小时</a:t>
+                        <a:t>   </a:t>
                       </a:r>
-                      <a:endParaRPr sz="900" spc="0" dirty="0">
+                      <a:r>
+                        <a:rPr sz="900" spc="0">
+                          <a:solidFill>
+                            <a:srgbClr val="020302"/>
+                          </a:solidFill>
+                          <a:latin typeface="AdobeClean-Light"/>
+                          <a:cs typeface="AdobeClean-Light"/>
+                        </a:rPr>
+                        <a:t>Business</a:t>
+                      </a:r>
+                      <a:r>
+                        <a:rPr lang="en-US" sz="900" spc="0">
+                          <a:solidFill>
+                            <a:srgbClr val="020302"/>
+                          </a:solidFill>
+                          <a:latin typeface="AdobeClean-Light"/>
+                          <a:cs typeface="AdobeClean-Light"/>
+                        </a:rPr>
+                        <a:t> </a:t>
+                      </a:r>
+                      <a:r>
+                        <a:rPr sz="900" spc="0">
+                          <a:solidFill>
+                            <a:srgbClr val="020302"/>
+                          </a:solidFill>
+                          <a:latin typeface="AdobeClean-Light"/>
+                          <a:cs typeface="AdobeClean-Light"/>
+                        </a:rPr>
+                        <a:t>hours</a:t>
+                      </a:r>
+                      <a:r>
+                        <a:rPr lang="en-US" sz="900" spc="0">
+                          <a:solidFill>
+                            <a:srgbClr val="020302"/>
+                          </a:solidFill>
+                          <a:latin typeface="AdobeClean-Light"/>
+                          <a:cs typeface="AdobeClean-Light"/>
+                        </a:rPr>
+                        <a:t> / </a:t>
+                      </a:r>
+                      <a:r>
+                        <a:rPr sz="900" spc="0">
+                          <a:solidFill>
+                            <a:srgbClr val="020302"/>
+                          </a:solidFill>
+                          <a:latin typeface="AdobeClean-Light"/>
+                          <a:cs typeface="AdobeClean-Light"/>
+                        </a:rPr>
+                        <a:t>6</a:t>
+                      </a:r>
+                      <a:r>
+                        <a:rPr lang="en-US" sz="900" spc="0">
+                          <a:solidFill>
+                            <a:srgbClr val="020302"/>
+                          </a:solidFill>
+                          <a:latin typeface="AdobeClean-Light"/>
+                          <a:cs typeface="AdobeClean-Light"/>
+                        </a:rPr>
+                        <a:t> </a:t>
+                      </a:r>
+                      <a:r>
+                        <a:rPr sz="900" spc="0">
+                          <a:solidFill>
+                            <a:srgbClr val="020302"/>
+                          </a:solidFill>
+                          <a:latin typeface="AdobeClean-Light"/>
+                          <a:cs typeface="AdobeClean-Light"/>
+                        </a:rPr>
+                        <a:t>hours</a:t>
+                      </a:r>
+                      <a:endParaRPr sz="900" spc="0">
                         <a:latin typeface="AdobeClean-Light"/>
                         <a:cs typeface="AdobeClean-Light"/>
                       </a:endParaRPr>
                     </a:p>
                   </a:txBody>
-                  <a:tcPr anchor="ctr">
+                  <a:tcPr marL="0" marR="0" marT="91440" marB="91440" anchor="ctr" anchorCtr="1">
                     <a:lnL w="3175">
                       <a:solidFill>
                         <a:srgbClr val="B7B8B8"/>
@@ -2756,22 +3416,82 @@
                         </a:spcBef>
                       </a:pPr>
                       <a:r>
-                        <a:rPr lang="en-US" sz="900" spc="0" dirty="0">
+                        <a:rPr sz="900" spc="0">
                           <a:solidFill>
                             <a:srgbClr val="020302"/>
                           </a:solidFill>
                           <a:latin typeface="AdobeClean-Light"/>
                           <a:cs typeface="AdobeClean-Light"/>
                         </a:rPr>
-                        <a:t>营业时间/4 小时</a:t>
+                        <a:t>Business</a:t>
                       </a:r>
-                      <a:endParaRPr sz="900" spc="0" dirty="0">
+                      <a:r>
+                        <a:rPr lang="en-US" sz="900" spc="0">
+                          <a:solidFill>
+                            <a:srgbClr val="020302"/>
+                          </a:solidFill>
+                          <a:latin typeface="AdobeClean-Light"/>
+                          <a:cs typeface="AdobeClean-Light"/>
+                        </a:rPr>
+                        <a:t> </a:t>
+                      </a:r>
+                      <a:r>
+                        <a:rPr sz="900" spc="0">
+                          <a:solidFill>
+                            <a:srgbClr val="020302"/>
+                          </a:solidFill>
+                          <a:latin typeface="AdobeClean-Light"/>
+                          <a:cs typeface="AdobeClean-Light"/>
+                        </a:rPr>
+                        <a:t>hours</a:t>
+                      </a:r>
+                      <a:r>
+                        <a:rPr lang="en-US" sz="900" spc="0">
+                          <a:solidFill>
+                            <a:srgbClr val="020302"/>
+                          </a:solidFill>
+                          <a:latin typeface="AdobeClean-Light"/>
+                          <a:cs typeface="AdobeClean-Light"/>
+                        </a:rPr>
+                        <a:t> </a:t>
+                      </a:r>
+                      <a:r>
+                        <a:rPr sz="900" spc="0">
+                          <a:solidFill>
+                            <a:srgbClr val="020302"/>
+                          </a:solidFill>
+                          <a:latin typeface="AdobeClean-Light"/>
+                          <a:cs typeface="AdobeClean-Light"/>
+                        </a:rPr>
+                        <a:t>/ 4</a:t>
+                      </a:r>
+                      <a:r>
+                        <a:rPr lang="en-US" sz="900" spc="0">
+                          <a:solidFill>
+                            <a:srgbClr val="020302"/>
+                          </a:solidFill>
+                          <a:latin typeface="AdobeClean-Light"/>
+                          <a:cs typeface="AdobeClean-Light"/>
+                        </a:rPr>
+                        <a:t> </a:t>
+                      </a:r>
+                      <a:r>
+                        <a:rPr sz="900" spc="0">
+                          <a:solidFill>
+                            <a:srgbClr val="020302"/>
+                          </a:solidFill>
+                          <a:latin typeface="AdobeClean-Light"/>
+                          <a:cs typeface="AdobeClean-Light"/>
+                        </a:rPr>
+                        <a:t>hours</a:t>
+                      </a:r>
+                      <a:endParaRPr sz="900" spc="0">
                         <a:latin typeface="AdobeClean-Light"/>
                         <a:cs typeface="AdobeClean-Light"/>
                       </a:endParaRPr>
                     </a:p>
                   </a:txBody>
-                  <a:tcPr anchor="ctr">
+                  <a:tcPr marL="0" marR="0" marT="91440" marB="91440" anchor="ctr" anchorCtr="1">
                     <a:lnL w="3175">
                       <a:solidFill>
                         <a:srgbClr val="B7B8B8"/>
@@ -2809,7 +3529,7 @@
                   </a:ext>
                 </a:extLst>
               </a:tr>
-              <a:tr h="359998">
+              <a:tr h="388333">
                 <a:tc>
                   <a:txBody>
                     <a:bodyPr/>
@@ -2824,16 +3544,16 @@
                         </a:spcBef>
                       </a:pPr>
                       <a:r>
-                        <a:rPr lang="en-US" sz="900" b="1" spc="0" dirty="0">
+                        <a:rPr sz="900" b="1" spc="0">
                           <a:solidFill>
                             <a:srgbClr val="020302"/>
                           </a:solidFill>
                           <a:latin typeface="Adobe Clean"/>
                           <a:cs typeface="Adobe Clean"/>
                         </a:rPr>
-                        <a:t>优先级 4</a:t>
+                        <a:t>PRIORITY 4</a:t>
                       </a:r>
-                      <a:endParaRPr sz="900" spc="0" dirty="0">
+                      <a:endParaRPr sz="900" spc="0">
                         <a:latin typeface="Adobe Clean"/>
                         <a:cs typeface="Adobe Clean"/>
                       </a:endParaRPr>
@@ -2853,33 +3573,20 @@
                         <a:buSzTx/>
                         <a:buFontTx/>
                         <a:buNone/>
+                        <a:tabLst/>
                         <a:defRPr/>
                       </a:pPr>
                       <a:r>
-                        <a:rPr lang="en-US" sz="900" b="0" i="0" spc="0" dirty="0">
+                        <a:rPr lang="en-US" sz="900" b="0" i="0" spc="0">
                           <a:solidFill>
                             <a:srgbClr val="000000"/>
                           </a:solidFill>
                           <a:effectLst/>
                           <a:latin typeface="Adobe Clean Light" panose="020B0303020404020204" pitchFamily="34" charset="0"/>
                         </a:rPr>
-                        <a:t>有关当前产品功能或增强功能请求的常见问题</a:t>
+                        <a:t>General question regarding current product functionality or an enhancement request</a:t>
                       </a:r>
-                      <a:r>
-                        <a:rPr lang="zh-CN" altLang="en-US" sz="900" b="0" i="0" spc="0" dirty="0">
-                          <a:solidFill>
-                            <a:srgbClr val="000000"/>
-                          </a:solidFill>
-                          <a:effectLst/>
-                          <a:latin typeface="Adobe Clean Light" panose="020B0303020404020204" pitchFamily="34" charset="0"/>
-                        </a:rPr>
-                        <a:t>。</a:t>
-                      </a:r>
-                      <a:endParaRPr lang="zh-CN" altLang="en-US" sz="900" b="0" i="0" spc="0" dirty="0">
-                        <a:solidFill>
-                          <a:srgbClr val="000000"/>
-                        </a:solidFill>
-                        <a:effectLst/>
+                      <a:endParaRPr lang="en-US" sz="900" b="0" i="0" spc="0">
                         <a:latin typeface="Adobe Clean Light" panose="020B0303020404020204" pitchFamily="34" charset="0"/>
                         <a:cs typeface="AdobeClean-Light"/>
                       </a:endParaRPr>
@@ -2926,22 +3633,72 @@
                         </a:spcBef>
                       </a:pPr>
                       <a:r>
-                        <a:rPr lang="en-US" sz="900" spc="0" dirty="0">
+                        <a:rPr lang="en-US" sz="900" spc="0">
                           <a:solidFill>
                             <a:srgbClr val="020302"/>
                           </a:solidFill>
                           <a:latin typeface="AdobeClean-Light"/>
                           <a:cs typeface="AdobeClean-Light"/>
                         </a:rPr>
-                        <a:t>工作日/3 天</a:t>
+                        <a:t>  </a:t>
                       </a:r>
-                      <a:endParaRPr sz="900" spc="0" dirty="0">
+                      <a:r>
+                        <a:rPr sz="900" spc="0">
+                          <a:solidFill>
+                            <a:srgbClr val="020302"/>
+                          </a:solidFill>
+                          <a:latin typeface="AdobeClean-Light"/>
+                          <a:cs typeface="AdobeClean-Light"/>
+                        </a:rPr>
+                        <a:t>Business</a:t>
+                      </a:r>
+                      <a:r>
+                        <a:rPr lang="en-US" sz="900" spc="0">
+                          <a:solidFill>
+                            <a:srgbClr val="020302"/>
+                          </a:solidFill>
+                          <a:latin typeface="AdobeClean-Light"/>
+                          <a:cs typeface="AdobeClean-Light"/>
+                        </a:rPr>
+                        <a:t> </a:t>
+                      </a:r>
+                      <a:r>
+                        <a:rPr sz="900" spc="0">
+                          <a:solidFill>
+                            <a:srgbClr val="020302"/>
+                          </a:solidFill>
+                          <a:latin typeface="AdobeClean-Light"/>
+                          <a:cs typeface="AdobeClean-Light"/>
+                        </a:rPr>
+                        <a:t>days</a:t>
+                      </a:r>
+                      <a:r>
+                        <a:rPr lang="en-US" sz="900" spc="0">
+                          <a:solidFill>
+                            <a:srgbClr val="020302"/>
+                          </a:solidFill>
+                          <a:latin typeface="AdobeClean-Light"/>
+                          <a:cs typeface="AdobeClean-Light"/>
+                        </a:rPr>
+                        <a:t> / </a:t>
+                      </a:r>
+                      <a:r>
+                        <a:rPr sz="900" spc="0">
+                          <a:solidFill>
+                            <a:srgbClr val="020302"/>
+                          </a:solidFill>
+                          <a:latin typeface="AdobeClean-Light"/>
+                          <a:cs typeface="AdobeClean-Light"/>
+                        </a:rPr>
+                        <a:t>3 days</a:t>
+                      </a:r>
+                      <a:endParaRPr sz="900" spc="0">
                         <a:latin typeface="AdobeClean-Light"/>
                         <a:cs typeface="AdobeClean-Light"/>
                       </a:endParaRPr>
                     </a:p>
                   </a:txBody>
-                  <a:tcPr anchor="ctr">
+                  <a:tcPr marL="0" marR="0" marT="91440" marB="91440" anchor="ctr" anchorCtr="1">
                     <a:lnL w="3175">
                       <a:solidFill>
                         <a:srgbClr val="B7B8B8"/>
@@ -2982,25 +3739,15 @@
                         </a:spcBef>
                       </a:pPr>
                       <a:r>
-                        <a:rPr lang="en-US" sz="900" spc="0" dirty="0">
+                        <a:rPr sz="900" spc="0" dirty="0">
                           <a:solidFill>
                             <a:srgbClr val="020302"/>
                           </a:solidFill>
                           <a:latin typeface="AdobeClean-Light"/>
                           <a:cs typeface="AdobeClean-Light"/>
                         </a:rPr>
-                        <a:t>工作日/</a:t>
+                        <a:t>Business</a:t>
                       </a:r>
-                    </a:p>
-                    <a:p>
-                      <a:pPr marL="370840" marR="223520" indent="-202565" algn="ctr">
-                        <a:lnSpc>
-                          <a:spcPct val="100000"/>
-                        </a:lnSpc>
-                        <a:spcBef>
-                          <a:spcPts val="155"/>
-                        </a:spcBef>
-                      </a:pPr>
                       <a:r>
                         <a:rPr lang="en-US" sz="900" spc="0" dirty="0">
                           <a:solidFill>
@@ -3009,7 +3756,57 @@
                           <a:latin typeface="AdobeClean-Light"/>
                           <a:cs typeface="AdobeClean-Light"/>
                         </a:rPr>
-                        <a:t> 1 天</a:t>
+                        <a:t> </a:t>
+                      </a:r>
+                      <a:r>
+                        <a:rPr sz="900" spc="0" dirty="0">
+                          <a:solidFill>
+                            <a:srgbClr val="020302"/>
+                          </a:solidFill>
+                          <a:latin typeface="AdobeClean-Light"/>
+                          <a:cs typeface="AdobeClean-Light"/>
+                        </a:rPr>
+                        <a:t>day</a:t>
+                      </a:r>
+                      <a:r>
+                        <a:rPr lang="en-US" sz="900" spc="0" dirty="0">
+                          <a:solidFill>
+                            <a:srgbClr val="020302"/>
+                          </a:solidFill>
+                          <a:latin typeface="AdobeClean-Light"/>
+                          <a:cs typeface="AdobeClean-Light"/>
+                        </a:rPr>
+                        <a:t>s </a:t>
+                      </a:r>
+                      <a:r>
+                        <a:rPr sz="900" spc="0" dirty="0">
+                          <a:solidFill>
+                            <a:srgbClr val="020302"/>
+                          </a:solidFill>
+                          <a:latin typeface="AdobeClean-Light"/>
+                          <a:cs typeface="AdobeClean-Light"/>
+                        </a:rPr>
+                        <a:t>/</a:t>
+                      </a:r>
+                      <a:r>
+                        <a:rPr lang="en-US" sz="900" spc="0" dirty="0">
+                          <a:solidFill>
+                            <a:srgbClr val="020302"/>
+                          </a:solidFill>
+                          <a:latin typeface="AdobeClean-Light"/>
+                          <a:cs typeface="AdobeClean-Light"/>
+                        </a:rPr>
+                        <a:t> </a:t>
+                      </a:r>
+                      <a:r>
+                        <a:rPr sz="900" spc="0" dirty="0">
+                          <a:solidFill>
+                            <a:srgbClr val="020302"/>
+                          </a:solidFill>
+                          <a:latin typeface="AdobeClean-Light"/>
+                          <a:cs typeface="AdobeClean-Light"/>
+                        </a:rPr>
+                        <a:t>1 day</a:t>
                       </a:r>
                       <a:endParaRPr sz="900" spc="0" dirty="0">
                         <a:latin typeface="AdobeClean-Light"/>
@@ -3017,7 +3814,7 @@
                       </a:endParaRPr>
                     </a:p>
                   </a:txBody>
-                  <a:tcPr anchor="ctr">
+                  <a:tcPr marL="0" marR="0" marT="91440" marB="91440" anchor="ctr" anchorCtr="1">
                     <a:lnL w="3175">
                       <a:solidFill>
                         <a:srgbClr val="B7B8B8"/>
@@ -3061,14 +3858,22 @@
       </p:graphicFrame>
       <p:graphicFrame>
         <p:nvGraphicFramePr>
-          <p:cNvPr id="11" name="object 8"/>
+          <p:cNvPr id="11" name="object 8">
+            <a:extLst>
+              <a:ext uri="{FF2B5EF4-FFF2-40B4-BE49-F238E27FC236}">
+                <a16:creationId xmlns:a16="http://schemas.microsoft.com/office/drawing/2014/main" id="{3AC7AEA2-E7A4-BD48-80EA-856168E207F6}"/>
+              </a:ext>
+            </a:extLst>
+          </p:cNvPr>
           <p:cNvGraphicFramePr>
             <a:graphicFrameLocks noGrp="1"/>
           </p:cNvGraphicFramePr>
           <p:nvPr>
-            <p:custDataLst>
-              <p:tags r:id="rId2"/>
-            </p:custDataLst>
+            <p:extLst>
+              <p:ext uri="{D42A27DB-BD31-4B8C-83A1-F6EECF244321}">
+                <p14:modId xmlns:p14="http://schemas.microsoft.com/office/powerpoint/2010/main" val="1162910209"/>
+              </p:ext>
+            </p:extLst>
           </p:nvPr>
         </p:nvGraphicFramePr>
         <p:xfrm>
@@ -3085,7 +3890,7 @@
                 <a:gridCol w="1513599">
                   <a:extLst>
                     <a:ext uri="{9D8B030D-6E8A-4147-A177-3AD203B41FA5}">
-                      <a16:colId xmlns:a16="http://schemas.microsoft.com/office/drawing/2014/main" val="20000"/>
+                      <a16:colId xmlns:a16="http://schemas.microsoft.com/office/drawing/2014/main" val="1674920574"/>
                     </a:ext>
                   </a:extLst>
                 </a:gridCol>
@@ -3099,7 +3904,7 @@
                 <a:gridCol w="1425889">
                   <a:extLst>
                     <a:ext uri="{9D8B030D-6E8A-4147-A177-3AD203B41FA5}">
-                      <a16:colId xmlns:a16="http://schemas.microsoft.com/office/drawing/2014/main" val="20002"/>
+                      <a16:colId xmlns:a16="http://schemas.microsoft.com/office/drawing/2014/main" val="2563521174"/>
                     </a:ext>
                   </a:extLst>
                 </a:gridCol>
@@ -3117,7 +3922,7 @@
                     <a:bodyPr/>
                     <a:lstStyle/>
                     <a:p>
-                      <a:endParaRPr lang="en-US" dirty="0"/>
+                      <a:endParaRPr lang="en-US"/>
                     </a:p>
                   </a:txBody>
                   <a:tcPr/>
@@ -3127,7 +3932,7 @@
                     <a:bodyPr/>
                     <a:lstStyle/>
                     <a:p>
-                      <a:endParaRPr lang="en-US"/>
+                      <a:endParaRPr/>
                     </a:p>
                   </a:txBody>
                   <a:tcPr marL="0" marR="0" marT="0" marB="0"/>
@@ -3151,6 +3956,7 @@
                         <a:buSzTx/>
                         <a:buFontTx/>
                         <a:buNone/>
+                        <a:tabLst/>
                         <a:defRPr/>
                       </a:pPr>
                       <a:r>
@@ -3161,7 +3967,27 @@
                           <a:latin typeface="Adobe Clean"/>
                           <a:cs typeface="Adobe Clean"/>
                         </a:rPr>
-                        <a:t>在线支持</a:t>
+                        <a:t>Standard </a:t>
+                      </a:r>
+                      <a:r>
+                        <a:rPr lang="en-US" sz="900" spc="-135" dirty="0">
+                          <a:solidFill>
+                            <a:srgbClr val="404040"/>
+                          </a:solidFill>
+                          <a:latin typeface="Adobe Clean"/>
+                          <a:cs typeface="Adobe Clean"/>
+                        </a:rPr>
+                        <a:t> </a:t>
+                      </a:r>
+                      <a:r>
+                        <a:rPr lang="en-US" sz="900" spc="-20" dirty="0">
+                          <a:solidFill>
+                            <a:srgbClr val="404040"/>
+                          </a:solidFill>
+                          <a:latin typeface="Adobe Clean"/>
+                          <a:cs typeface="Adobe Clean"/>
+                        </a:rPr>
+                        <a:t>Support</a:t>
                       </a:r>
                       <a:endParaRPr lang="en-US" sz="900" dirty="0">
                         <a:latin typeface="Adobe Clean"/>
@@ -3207,16 +4033,36 @@
                         </a:spcBef>
                       </a:pPr>
                       <a:r>
-                        <a:rPr lang="en-US" sz="900" spc="-20" dirty="0">
+                        <a:rPr sz="900" spc="-20">
                           <a:solidFill>
                             <a:srgbClr val="FFFFFF"/>
                           </a:solidFill>
                           <a:latin typeface="Adobe Clean"/>
                           <a:cs typeface="Adobe Clean"/>
                         </a:rPr>
-                        <a:t>商业支持</a:t>
+                        <a:t>Business</a:t>
                       </a:r>
-                      <a:endParaRPr sz="900" dirty="0">
+                      <a:r>
+                        <a:rPr lang="en-US" sz="900" spc="-20">
+                          <a:solidFill>
+                            <a:srgbClr val="FFFFFF"/>
+                          </a:solidFill>
+                          <a:latin typeface="Adobe Clean"/>
+                          <a:cs typeface="Adobe Clean"/>
+                        </a:rPr>
+                        <a:t> </a:t>
+                      </a:r>
+                      <a:r>
+                        <a:rPr sz="900" spc="-20">
+                          <a:solidFill>
+                            <a:srgbClr val="FFFFFF"/>
+                          </a:solidFill>
+                          <a:latin typeface="Adobe Clean"/>
+                          <a:cs typeface="Adobe Clean"/>
+                        </a:rPr>
+                        <a:t>Support</a:t>
+                      </a:r>
+                      <a:endParaRPr sz="900">
                         <a:latin typeface="Adobe Clean"/>
                         <a:cs typeface="Adobe Clean"/>
                       </a:endParaRPr>
@@ -3264,7 +4110,7 @@
                     <a:bodyPr/>
                     <a:lstStyle/>
                     <a:p>
-                      <a:endParaRPr lang="en-US" dirty="0"/>
+                      <a:endParaRPr lang="en-US"/>
                     </a:p>
                   </a:txBody>
                   <a:tcPr/>
@@ -3274,7 +4120,7 @@
                     <a:bodyPr/>
                     <a:lstStyle/>
                     <a:p>
-                      <a:endParaRPr lang="en-US"/>
+                      <a:endParaRPr/>
                     </a:p>
                   </a:txBody>
                   <a:tcPr marL="0" marR="0" marT="0" marB="0"/>
@@ -3298,9 +4144,10 @@
                         <a:buSzTx/>
                         <a:buFontTx/>
                         <a:buNone/>
+                        <a:tabLst/>
                         <a:defRPr/>
                       </a:pPr>
-                      <a:endParaRPr lang="en-US" sz="800" i="1" dirty="0">
+                      <a:endParaRPr lang="en-US" sz="800" i="1">
                         <a:solidFill>
                           <a:sysClr val="windowText" lastClr="000000"/>
                         </a:solidFill>
@@ -3360,16 +4207,17 @@
                         <a:buSzTx/>
                         <a:buFontTx/>
                         <a:buNone/>
+                        <a:tabLst/>
                         <a:defRPr/>
                       </a:pPr>
                       <a:r>
-                        <a:rPr lang="en-US" sz="800" i="1" dirty="0">
+                        <a:rPr lang="en-US" sz="800" i="1">
                           <a:solidFill>
                             <a:schemeClr val="bg1"/>
                           </a:solidFill>
                           <a:latin typeface="Adobe Clean Light" panose="020B0303020404020204" pitchFamily="34" charset="0"/>
                         </a:rPr>
-                        <a:t>Adobe 支持 ($)</a:t>
+                        <a:t>Paid Support ($)</a:t>
                       </a:r>
                     </a:p>
                   </a:txBody>
@@ -3433,16 +4281,16 @@
                         </a:spcBef>
                       </a:pPr>
                       <a:r>
-                        <a:rPr lang="en-US" sz="1000" b="1" i="0" spc="0" dirty="0">
+                        <a:rPr lang="en-US" sz="1000" b="1" i="0" spc="0">
                           <a:solidFill>
                             <a:schemeClr val="bg1"/>
                           </a:solidFill>
                           <a:latin typeface="Adobe Clean" panose="020B0503020404020204" pitchFamily="34" charset="0"/>
                           <a:cs typeface="AdobeClean-Light"/>
                         </a:rPr>
-                        <a:t>分配的专家</a:t>
+                        <a:t>Assigned Experts</a:t>
                       </a:r>
-                      <a:endParaRPr sz="1000" b="1" i="0" spc="0" dirty="0">
+                      <a:endParaRPr sz="1000" b="1" i="0" spc="0">
                         <a:solidFill>
                           <a:schemeClr val="bg1"/>
                         </a:solidFill>
@@ -3491,20 +4339,20 @@
                           <a:spcPct val="100000"/>
                         </a:lnSpc>
                         <a:spcBef>
-                          <a:spcPts val="460"/>
+                          <a:spcPts val="459"/>
                         </a:spcBef>
                       </a:pPr>
                       <a:r>
-                        <a:rPr lang="en-US" sz="900" spc="0" dirty="0">
+                        <a:rPr sz="900" spc="0">
                           <a:solidFill>
                             <a:srgbClr val="020302"/>
                           </a:solidFill>
                           <a:latin typeface="AdobeClean-Light"/>
                           <a:cs typeface="AdobeClean-Light"/>
                         </a:rPr>
-                        <a:t>帐户支持主管</a:t>
+                        <a:t>Account Support Lead</a:t>
                       </a:r>
-                      <a:endParaRPr sz="900" spc="0" dirty="0">
+                      <a:endParaRPr sz="900" spc="0">
                         <a:latin typeface="AdobeClean-Light"/>
                         <a:cs typeface="AdobeClean-Light"/>
                       </a:endParaRPr>
@@ -3550,9 +4398,9 @@
                           <a:spcPts val="470"/>
                         </a:spcBef>
                       </a:pPr>
-                      <a:endParaRPr sz="900" dirty="0">
-                        <a:latin typeface="Wingdings" panose="05000000000000000000"/>
-                        <a:cs typeface="Wingdings" panose="05000000000000000000"/>
+                      <a:endParaRPr sz="900">
+                        <a:latin typeface="Wingdings"/>
+                        <a:cs typeface="Wingdings"/>
                       </a:endParaRPr>
                     </a:p>
                   </a:txBody>
@@ -3592,18 +4440,18 @@
                         </a:spcBef>
                       </a:pPr>
                       <a:r>
-                        <a:rPr lang="en-US" sz="900" dirty="0">
+                        <a:rPr sz="900">
                           <a:solidFill>
                             <a:srgbClr val="020302"/>
                           </a:solidFill>
-                          <a:latin typeface="Wingdings" panose="05000000000000000000"/>
-                          <a:cs typeface="Wingdings" panose="05000000000000000000"/>
+                          <a:latin typeface="Wingdings"/>
+                          <a:cs typeface="Wingdings"/>
                         </a:rPr>
                         <a:t></a:t>
                       </a:r>
-                      <a:endParaRPr sz="900" dirty="0">
-                        <a:latin typeface="Wingdings" panose="05000000000000000000"/>
-                        <a:cs typeface="Wingdings" panose="05000000000000000000"/>
+                      <a:endParaRPr sz="900">
+                        <a:latin typeface="Wingdings"/>
+                        <a:cs typeface="Wingdings"/>
                       </a:endParaRPr>
                     </a:p>
                   </a:txBody>
@@ -3636,7 +4484,18 @@
                     <a:bodyPr/>
                     <a:lstStyle/>
                     <a:p>
-                      <a:endParaRPr lang="en-US"/>
+                      <a:pPr marL="50800">
+                        <a:lnSpc>
+                          <a:spcPct val="100000"/>
+                        </a:lnSpc>
+                        <a:spcBef>
+                          <a:spcPts val="459"/>
+                        </a:spcBef>
+                      </a:pPr>
+                      <a:endParaRPr sz="900">
+                        <a:latin typeface="AdobeClean-Light"/>
+                        <a:cs typeface="AdobeClean-Light"/>
+                      </a:endParaRPr>
                     </a:p>
                   </a:txBody>
                   <a:tcPr marL="0" marR="0" marT="58419" marB="0">
@@ -3667,20 +4526,20 @@
                           <a:spcPct val="100000"/>
                         </a:lnSpc>
                         <a:spcBef>
-                          <a:spcPts val="460"/>
+                          <a:spcPts val="459"/>
                         </a:spcBef>
                       </a:pPr>
                       <a:r>
-                        <a:rPr lang="en-US" sz="900" spc="0" dirty="0">
+                        <a:rPr sz="900" spc="0">
                           <a:solidFill>
                             <a:srgbClr val="020302"/>
                           </a:solidFill>
                           <a:latin typeface="AdobeClean-Light"/>
                           <a:cs typeface="AdobeClean-Light"/>
                         </a:rPr>
-                        <a:t>指定的支持工程师</a:t>
+                        <a:t>Named Support Engineer</a:t>
                       </a:r>
-                      <a:endParaRPr sz="900" spc="0" dirty="0">
+                      <a:endParaRPr sz="900" spc="0">
                         <a:latin typeface="AdobeClean-Light"/>
                         <a:cs typeface="AdobeClean-Light"/>
                       </a:endParaRPr>
@@ -3711,9 +4570,9 @@
                           <a:spcPct val="100000"/>
                         </a:lnSpc>
                       </a:pPr>
-                      <a:endParaRPr sz="900" dirty="0">
-                        <a:latin typeface="Times New Roman" panose="02020603050405020304"/>
-                        <a:cs typeface="Times New Roman" panose="02020603050405020304"/>
+                      <a:endParaRPr sz="900">
+                        <a:latin typeface="Times New Roman"/>
+                        <a:cs typeface="Times New Roman"/>
                       </a:endParaRPr>
                     </a:p>
                   </a:txBody>
@@ -3740,9 +4599,9 @@
                           <a:spcPct val="100000"/>
                         </a:lnSpc>
                       </a:pPr>
-                      <a:endParaRPr sz="900" dirty="0">
-                        <a:latin typeface="Times New Roman" panose="02020603050405020304"/>
-                        <a:cs typeface="Times New Roman" panose="02020603050405020304"/>
+                      <a:endParaRPr sz="900">
+                        <a:latin typeface="Times New Roman"/>
+                        <a:cs typeface="Times New Roman"/>
                       </a:endParaRPr>
                     </a:p>
                   </a:txBody>
@@ -3766,7 +4625,18 @@
                     <a:bodyPr/>
                     <a:lstStyle/>
                     <a:p>
-                      <a:endParaRPr lang="en-US"/>
+                      <a:pPr marL="50800">
+                        <a:lnSpc>
+                          <a:spcPct val="100000"/>
+                        </a:lnSpc>
+                        <a:spcBef>
+                          <a:spcPts val="500"/>
+                        </a:spcBef>
+                      </a:pPr>
+                      <a:endParaRPr sz="900">
+                        <a:latin typeface="AdobeClean-Light"/>
+                        <a:cs typeface="AdobeClean-Light"/>
+                      </a:endParaRPr>
                     </a:p>
                   </a:txBody>
                   <a:tcPr marL="0" marR="0" marT="63500" marB="0">
@@ -3813,16 +4683,16 @@
                         </a:spcBef>
                       </a:pPr>
                       <a:r>
-                        <a:rPr lang="en-US" sz="900" spc="0" dirty="0">
+                        <a:rPr sz="900" spc="0">
                           <a:solidFill>
                             <a:srgbClr val="020302"/>
                           </a:solidFill>
                           <a:latin typeface="AdobeClean-Light"/>
                           <a:cs typeface="AdobeClean-Light"/>
                         </a:rPr>
-                        <a:t>技术客户经理</a:t>
+                        <a:t>Technical Account Manager</a:t>
                       </a:r>
-                      <a:endParaRPr sz="900" spc="0" dirty="0">
+                      <a:endParaRPr sz="900" spc="0">
                         <a:latin typeface="AdobeClean-Light"/>
                         <a:cs typeface="AdobeClean-Light"/>
                       </a:endParaRPr>
@@ -3859,9 +4729,9 @@
                           <a:spcPct val="100000"/>
                         </a:lnSpc>
                       </a:pPr>
-                      <a:endParaRPr sz="900" dirty="0">
-                        <a:latin typeface="Times New Roman" panose="02020603050405020304"/>
-                        <a:cs typeface="Times New Roman" panose="02020603050405020304"/>
+                      <a:endParaRPr sz="900">
+                        <a:latin typeface="Times New Roman"/>
+                        <a:cs typeface="Times New Roman"/>
                       </a:endParaRPr>
                     </a:p>
                   </a:txBody>
@@ -3897,9 +4767,9 @@
                           <a:spcPct val="100000"/>
                         </a:lnSpc>
                       </a:pPr>
-                      <a:endParaRPr sz="900" dirty="0">
-                        <a:latin typeface="Times New Roman" panose="02020603050405020304"/>
-                        <a:cs typeface="Times New Roman" panose="02020603050405020304"/>
+                      <a:endParaRPr sz="900">
+                        <a:latin typeface="Times New Roman"/>
+                        <a:cs typeface="Times New Roman"/>
                       </a:endParaRPr>
                     </a:p>
                   </a:txBody>
@@ -3937,20 +4807,20 @@
                           <a:spcPct val="100000"/>
                         </a:lnSpc>
                         <a:spcBef>
-                          <a:spcPts val="460"/>
+                          <a:spcPts val="459"/>
                         </a:spcBef>
                       </a:pPr>
                       <a:r>
-                        <a:rPr lang="en-US" sz="1000" b="1" i="0" spc="0" dirty="0">
+                        <a:rPr lang="en-US" sz="1000" b="1" i="0" spc="0">
                           <a:solidFill>
                             <a:schemeClr val="bg1"/>
                           </a:solidFill>
                           <a:latin typeface="Adobe Clean" panose="020B0503020404020204" pitchFamily="34" charset="0"/>
                           <a:cs typeface="AdobeClean-Light"/>
                         </a:rPr>
-                        <a:t>支持服务</a:t>
+                        <a:t>Support Services</a:t>
                       </a:r>
-                      <a:endParaRPr sz="1000" b="1" i="0" spc="0" dirty="0">
+                      <a:endParaRPr sz="1000" b="1" i="0" spc="0">
                         <a:solidFill>
                           <a:schemeClr val="bg1"/>
                         </a:solidFill>
@@ -4012,16 +4882,26 @@
                         </a:spcBef>
                       </a:pPr>
                       <a:r>
-                        <a:rPr lang="en-US" sz="900" spc="0" dirty="0">
+                        <a:rPr lang="en-US" sz="900" spc="0">
                           <a:solidFill>
                             <a:srgbClr val="020302"/>
                           </a:solidFill>
                           <a:latin typeface="AdobeClean-Light"/>
                           <a:cs typeface="AdobeClean-Light"/>
                         </a:rPr>
-                        <a:t>在线支持</a:t>
+                        <a:t>Online</a:t>
                       </a:r>
-                      <a:endParaRPr sz="900" spc="0" dirty="0">
+                      <a:r>
+                        <a:rPr sz="900" spc="0">
+                          <a:solidFill>
+                            <a:srgbClr val="020302"/>
+                          </a:solidFill>
+                          <a:latin typeface="AdobeClean-Light"/>
+                          <a:cs typeface="AdobeClean-Light"/>
+                        </a:rPr>
+                        <a:t> Support</a:t>
+                      </a:r>
+                      <a:endParaRPr sz="900" spc="0">
                         <a:latin typeface="AdobeClean-Light"/>
                         <a:cs typeface="AdobeClean-Light"/>
                       </a:endParaRPr>
@@ -4062,26 +4942,36 @@
                         </a:spcBef>
                       </a:pPr>
                       <a:r>
-                        <a:rPr lang="en-US" sz="900" spc="-25" dirty="0">
+                        <a:rPr sz="900" spc="-25">
                           <a:solidFill>
                             <a:srgbClr val="020302"/>
                           </a:solidFill>
                           <a:latin typeface="AdobeClean-Light"/>
                           <a:cs typeface="AdobeClean-Light"/>
                         </a:rPr>
-                        <a:t>营业</a:t>
+                        <a:t>Business</a:t>
                       </a:r>
                       <a:r>
-                        <a:rPr lang="en-US" sz="900" spc="-30" dirty="0">
+                        <a:rPr sz="900" spc="-15">
                           <a:solidFill>
                             <a:srgbClr val="020302"/>
                           </a:solidFill>
                           <a:latin typeface="AdobeClean-Light"/>
                           <a:cs typeface="AdobeClean-Light"/>
                         </a:rPr>
-                        <a:t>时间</a:t>
+                        <a:t> </a:t>
                       </a:r>
-                      <a:endParaRPr sz="900" dirty="0">
+                      <a:r>
+                        <a:rPr sz="900" spc="-30">
+                          <a:solidFill>
+                            <a:srgbClr val="020302"/>
+                          </a:solidFill>
+                          <a:latin typeface="AdobeClean-Light"/>
+                          <a:cs typeface="AdobeClean-Light"/>
+                        </a:rPr>
+                        <a:t>hours</a:t>
+                      </a:r>
+                      <a:endParaRPr sz="900">
                         <a:latin typeface="AdobeClean-Light"/>
                         <a:cs typeface="AdobeClean-Light"/>
                       </a:endParaRPr>
@@ -4123,26 +5013,36 @@
                         </a:spcBef>
                       </a:pPr>
                       <a:r>
-                        <a:rPr lang="en-US" sz="900" spc="-25" dirty="0">
+                        <a:rPr sz="900" spc="-25">
                           <a:solidFill>
                             <a:srgbClr val="020302"/>
                           </a:solidFill>
                           <a:latin typeface="AdobeClean-Light"/>
                           <a:cs typeface="AdobeClean-Light"/>
                         </a:rPr>
-                        <a:t>营业</a:t>
+                        <a:t>Business</a:t>
                       </a:r>
                       <a:r>
-                        <a:rPr lang="en-US" sz="900" spc="-30" dirty="0">
+                        <a:rPr sz="900" spc="-15">
                           <a:solidFill>
                             <a:srgbClr val="020302"/>
                           </a:solidFill>
                           <a:latin typeface="AdobeClean-Light"/>
                           <a:cs typeface="AdobeClean-Light"/>
                         </a:rPr>
-                        <a:t>时间</a:t>
+                        <a:t> </a:t>
                       </a:r>
-                      <a:endParaRPr sz="900" dirty="0">
+                      <a:r>
+                        <a:rPr sz="900" spc="-30">
+                          <a:solidFill>
+                            <a:srgbClr val="020302"/>
+                          </a:solidFill>
+                          <a:latin typeface="AdobeClean-Light"/>
+                          <a:cs typeface="AdobeClean-Light"/>
+                        </a:rPr>
+                        <a:t>hours</a:t>
+                      </a:r>
+                      <a:endParaRPr sz="900">
                         <a:latin typeface="AdobeClean-Light"/>
                         <a:cs typeface="AdobeClean-Light"/>
                       </a:endParaRPr>
@@ -4177,7 +5077,18 @@
                     <a:bodyPr/>
                     <a:lstStyle/>
                     <a:p>
-                      <a:endParaRPr lang="en-US"/>
+                      <a:pPr marL="50800">
+                        <a:lnSpc>
+                          <a:spcPct val="100000"/>
+                        </a:lnSpc>
+                        <a:spcBef>
+                          <a:spcPts val="455"/>
+                        </a:spcBef>
+                      </a:pPr>
+                      <a:endParaRPr sz="900">
+                        <a:latin typeface="AdobeClean-Light"/>
+                        <a:cs typeface="AdobeClean-Light"/>
+                      </a:endParaRPr>
                     </a:p>
                   </a:txBody>
                   <a:tcPr marL="0" marR="0" marT="57785" marB="0">
@@ -4215,16 +5126,36 @@
                         </a:spcBef>
                       </a:pPr>
                       <a:r>
-                        <a:rPr lang="en-US" sz="900" spc="0" dirty="0">
+                        <a:rPr sz="900" spc="0">
                           <a:solidFill>
                             <a:srgbClr val="020302"/>
                           </a:solidFill>
                           <a:latin typeface="AdobeClean-Light"/>
                           <a:cs typeface="AdobeClean-Light"/>
                         </a:rPr>
-                        <a:t>全天候 P1 问题支持</a:t>
+                        <a:t>24x7</a:t>
                       </a:r>
-                      <a:endParaRPr sz="900" spc="0" dirty="0">
+                      <a:r>
+                        <a:rPr lang="en-US" sz="900" spc="0">
+                          <a:solidFill>
+                            <a:srgbClr val="020302"/>
+                          </a:solidFill>
+                          <a:latin typeface="AdobeClean-Light"/>
+                          <a:cs typeface="AdobeClean-Light"/>
+                        </a:rPr>
+                        <a:t>x365</a:t>
+                      </a:r>
+                      <a:r>
+                        <a:rPr sz="900" spc="0">
+                          <a:solidFill>
+                            <a:srgbClr val="020302"/>
+                          </a:solidFill>
+                          <a:latin typeface="AdobeClean-Light"/>
+                          <a:cs typeface="AdobeClean-Light"/>
+                        </a:rPr>
+                        <a:t> P1 Issue Support</a:t>
+                      </a:r>
+                      <a:endParaRPr sz="900" spc="0">
                         <a:latin typeface="AdobeClean-Light"/>
                         <a:cs typeface="AdobeClean-Light"/>
                       </a:endParaRPr>
@@ -4255,22 +5186,22 @@
                           <a:spcPct val="100000"/>
                         </a:lnSpc>
                         <a:spcBef>
-                          <a:spcPts val="460"/>
+                          <a:spcPts val="459"/>
                         </a:spcBef>
                       </a:pPr>
                       <a:r>
-                        <a:rPr lang="en-US" sz="900" dirty="0">
+                        <a:rPr sz="900">
                           <a:solidFill>
                             <a:srgbClr val="020302"/>
                           </a:solidFill>
-                          <a:latin typeface="Wingdings" panose="05000000000000000000"/>
-                          <a:cs typeface="Wingdings" panose="05000000000000000000"/>
+                          <a:latin typeface="Wingdings"/>
+                          <a:cs typeface="Wingdings"/>
                         </a:rPr>
                         <a:t></a:t>
                       </a:r>
-                      <a:endParaRPr sz="900" dirty="0">
-                        <a:latin typeface="Wingdings" panose="05000000000000000000"/>
-                        <a:cs typeface="Wingdings" panose="05000000000000000000"/>
+                      <a:endParaRPr sz="900">
+                        <a:latin typeface="Wingdings"/>
+                        <a:cs typeface="Wingdings"/>
                       </a:endParaRPr>
                     </a:p>
                   </a:txBody>
@@ -4297,22 +5228,22 @@
                           <a:spcPct val="100000"/>
                         </a:lnSpc>
                         <a:spcBef>
-                          <a:spcPts val="460"/>
+                          <a:spcPts val="459"/>
                         </a:spcBef>
                       </a:pPr>
                       <a:r>
-                        <a:rPr lang="en-US" sz="900" dirty="0">
+                        <a:rPr sz="900">
                           <a:solidFill>
                             <a:srgbClr val="020302"/>
                           </a:solidFill>
-                          <a:latin typeface="Wingdings" panose="05000000000000000000"/>
-                          <a:cs typeface="Wingdings" panose="05000000000000000000"/>
+                          <a:latin typeface="Wingdings"/>
+                          <a:cs typeface="Wingdings"/>
                         </a:rPr>
                         <a:t></a:t>
                       </a:r>
-                      <a:endParaRPr sz="900" dirty="0">
-                        <a:latin typeface="Wingdings" panose="05000000000000000000"/>
-                        <a:cs typeface="Wingdings" panose="05000000000000000000"/>
+                      <a:endParaRPr sz="900">
+                        <a:latin typeface="Wingdings"/>
+                        <a:cs typeface="Wingdings"/>
                       </a:endParaRPr>
                     </a:p>
                   </a:txBody>
@@ -4336,7 +5267,18 @@
                     <a:bodyPr/>
                     <a:lstStyle/>
                     <a:p>
-                      <a:endParaRPr lang="en-US"/>
+                      <a:pPr marL="50800">
+                        <a:lnSpc>
+                          <a:spcPct val="100000"/>
+                        </a:lnSpc>
+                        <a:spcBef>
+                          <a:spcPts val="455"/>
+                        </a:spcBef>
+                      </a:pPr>
+                      <a:endParaRPr sz="900">
+                        <a:latin typeface="AdobeClean-Light"/>
+                        <a:cs typeface="AdobeClean-Light"/>
+                      </a:endParaRPr>
                     </a:p>
                   </a:txBody>
                   <a:tcPr marL="0" marR="0" marT="57785" marB="0">
@@ -4383,16 +5325,16 @@
                         </a:spcBef>
                       </a:pPr>
                       <a:r>
-                        <a:rPr lang="en-US" sz="900" spc="0" dirty="0">
+                        <a:rPr lang="en-US" sz="900" spc="0">
                           <a:solidFill>
                             <a:srgbClr val="020302"/>
                           </a:solidFill>
                           <a:latin typeface="AdobeClean-Light"/>
                           <a:cs typeface="AdobeClean-Light"/>
                         </a:rPr>
-                        <a:t>指定的支持联系人（按产品）</a:t>
+                        <a:t>Named Support Contacts (per product)</a:t>
                       </a:r>
-                      <a:endParaRPr sz="900" spc="0" dirty="0">
+                      <a:endParaRPr sz="900" spc="0">
                         <a:latin typeface="AdobeClean-Light"/>
                         <a:cs typeface="AdobeClean-Light"/>
                       </a:endParaRPr>
@@ -4433,7 +5375,7 @@
                         </a:spcBef>
                       </a:pPr>
                       <a:r>
-                        <a:rPr lang="en-US" sz="900" dirty="0">
+                        <a:rPr sz="900">
                           <a:solidFill>
                             <a:srgbClr val="020302"/>
                           </a:solidFill>
@@ -4442,7 +5384,7 @@
                         </a:rPr>
                         <a:t>4</a:t>
                       </a:r>
-                      <a:endParaRPr sz="900" dirty="0">
+                      <a:endParaRPr sz="900">
                         <a:latin typeface="AdobeClean-Light"/>
                         <a:cs typeface="AdobeClean-Light"/>
                       </a:endParaRPr>
@@ -4475,7 +5417,7 @@
                         </a:spcBef>
                       </a:pPr>
                       <a:r>
-                        <a:rPr lang="en-US" sz="900" dirty="0">
+                        <a:rPr sz="900">
                           <a:solidFill>
                             <a:srgbClr val="020302"/>
                           </a:solidFill>
@@ -4484,7 +5426,7 @@
                         </a:rPr>
                         <a:t>6</a:t>
                       </a:r>
-                      <a:endParaRPr sz="900" dirty="0">
+                      <a:endParaRPr sz="900">
                         <a:latin typeface="AdobeClean-Light"/>
                         <a:cs typeface="AdobeClean-Light"/>
                       </a:endParaRPr>
@@ -4510,7 +5452,18 @@
                     <a:bodyPr/>
                     <a:lstStyle/>
                     <a:p>
-                      <a:endParaRPr lang="en-US"/>
+                      <a:pPr marL="50800">
+                        <a:lnSpc>
+                          <a:spcPct val="100000"/>
+                        </a:lnSpc>
+                        <a:spcBef>
+                          <a:spcPts val="455"/>
+                        </a:spcBef>
+                      </a:pPr>
+                      <a:endParaRPr sz="900">
+                        <a:latin typeface="AdobeClean-Light"/>
+                        <a:cs typeface="AdobeClean-Light"/>
+                      </a:endParaRPr>
                     </a:p>
                   </a:txBody>
                   <a:tcPr marL="0" marR="0" marT="57785" marB="0">
@@ -4548,16 +5501,16 @@
                         </a:spcBef>
                       </a:pPr>
                       <a:r>
-                        <a:rPr lang="en-US" sz="900" spc="0" dirty="0">
+                        <a:rPr lang="en-US" sz="900" spc="0">
                           <a:solidFill>
                             <a:srgbClr val="020302"/>
                           </a:solidFill>
                           <a:latin typeface="AdobeClean-Light"/>
                           <a:cs typeface="AdobeClean-Light"/>
                         </a:rPr>
-                        <a:t>实时电话支持</a:t>
+                        <a:t>Live Telephone Support</a:t>
                       </a:r>
-                      <a:endParaRPr sz="900" spc="0" dirty="0">
+                      <a:endParaRPr sz="900" spc="0">
                         <a:latin typeface="AdobeClean-Light"/>
                         <a:cs typeface="AdobeClean-Light"/>
                       </a:endParaRPr>
@@ -4588,12 +5541,12 @@
                           <a:spcPct val="100000"/>
                         </a:lnSpc>
                         <a:spcBef>
-                          <a:spcPts val="465"/>
+                          <a:spcPts val="464"/>
                         </a:spcBef>
                       </a:pPr>
-                      <a:endParaRPr sz="900" dirty="0">
-                        <a:latin typeface="Wingdings" panose="05000000000000000000"/>
-                        <a:cs typeface="Wingdings" panose="05000000000000000000"/>
+                      <a:endParaRPr sz="900">
+                        <a:latin typeface="Wingdings"/>
+                        <a:cs typeface="Wingdings"/>
                       </a:endParaRPr>
                     </a:p>
                   </a:txBody>
@@ -4620,22 +5573,22 @@
                           <a:spcPct val="100000"/>
                         </a:lnSpc>
                         <a:spcBef>
-                          <a:spcPts val="465"/>
+                          <a:spcPts val="464"/>
                         </a:spcBef>
                       </a:pPr>
                       <a:r>
-                        <a:rPr lang="en-US" sz="900" dirty="0">
+                        <a:rPr sz="900">
                           <a:solidFill>
                             <a:srgbClr val="020302"/>
                           </a:solidFill>
-                          <a:latin typeface="Wingdings" panose="05000000000000000000"/>
-                          <a:cs typeface="Wingdings" panose="05000000000000000000"/>
+                          <a:latin typeface="Wingdings"/>
+                          <a:cs typeface="Wingdings"/>
                         </a:rPr>
                         <a:t></a:t>
                       </a:r>
-                      <a:endParaRPr sz="900" dirty="0">
-                        <a:latin typeface="Wingdings" panose="05000000000000000000"/>
-                        <a:cs typeface="Wingdings" panose="05000000000000000000"/>
+                      <a:endParaRPr sz="900">
+                        <a:latin typeface="Wingdings"/>
+                        <a:cs typeface="Wingdings"/>
                       </a:endParaRPr>
                     </a:p>
                   </a:txBody>
@@ -4659,7 +5612,18 @@
                     <a:bodyPr/>
                     <a:lstStyle/>
                     <a:p>
-                      <a:endParaRPr lang="en-US"/>
+                      <a:pPr marL="50800">
+                        <a:lnSpc>
+                          <a:spcPct val="100000"/>
+                        </a:lnSpc>
+                        <a:spcBef>
+                          <a:spcPts val="459"/>
+                        </a:spcBef>
+                      </a:pPr>
+                      <a:endParaRPr sz="900">
+                        <a:latin typeface="AdobeClean-Light"/>
+                        <a:cs typeface="AdobeClean-Light"/>
+                      </a:endParaRPr>
                     </a:p>
                   </a:txBody>
                   <a:tcPr marL="0" marR="0" marT="58419" marB="0">
@@ -4693,20 +5657,20 @@
                           <a:spcPct val="100000"/>
                         </a:lnSpc>
                         <a:spcBef>
-                          <a:spcPts val="460"/>
+                          <a:spcPts val="459"/>
                         </a:spcBef>
                       </a:pPr>
                       <a:r>
-                        <a:rPr lang="en-US" sz="900" spc="0" dirty="0">
+                        <a:rPr sz="900" spc="0">
                           <a:solidFill>
                             <a:srgbClr val="020302"/>
                           </a:solidFill>
                           <a:latin typeface="AdobeClean-Light"/>
                           <a:cs typeface="AdobeClean-Light"/>
                         </a:rPr>
-                        <a:t>上报管理</a:t>
+                        <a:t>Escalation Management</a:t>
                       </a:r>
-                      <a:endParaRPr sz="900" spc="0" dirty="0">
+                      <a:endParaRPr sz="900" spc="0">
                         <a:latin typeface="AdobeClean-Light"/>
                         <a:cs typeface="AdobeClean-Light"/>
                       </a:endParaRPr>
@@ -4740,9 +5704,9 @@
                           <a:spcPts val="470"/>
                         </a:spcBef>
                       </a:pPr>
-                      <a:endParaRPr sz="900" dirty="0">
-                        <a:latin typeface="Wingdings" panose="05000000000000000000"/>
-                        <a:cs typeface="Wingdings" panose="05000000000000000000"/>
+                      <a:endParaRPr sz="900">
+                        <a:latin typeface="Wingdings"/>
+                        <a:cs typeface="Wingdings"/>
                       </a:endParaRPr>
                     </a:p>
                   </a:txBody>
@@ -4773,18 +5737,18 @@
                         </a:spcBef>
                       </a:pPr>
                       <a:r>
-                        <a:rPr lang="en-US" sz="900" dirty="0">
+                        <a:rPr sz="900">
                           <a:solidFill>
                             <a:srgbClr val="020302"/>
                           </a:solidFill>
-                          <a:latin typeface="Wingdings" panose="05000000000000000000"/>
-                          <a:cs typeface="Wingdings" panose="05000000000000000000"/>
+                          <a:latin typeface="Wingdings"/>
+                          <a:cs typeface="Wingdings"/>
                         </a:rPr>
                         <a:t></a:t>
                       </a:r>
-                      <a:endParaRPr sz="900" dirty="0">
-                        <a:latin typeface="Wingdings" panose="05000000000000000000"/>
-                        <a:cs typeface="Wingdings" panose="05000000000000000000"/>
+                      <a:endParaRPr sz="900">
+                        <a:latin typeface="Wingdings"/>
+                        <a:cs typeface="Wingdings"/>
                       </a:endParaRPr>
                     </a:p>
                   </a:txBody>
@@ -4808,7 +5772,18 @@
                     <a:bodyPr/>
                     <a:lstStyle/>
                     <a:p>
-                      <a:endParaRPr lang="en-US"/>
+                      <a:pPr marL="50800">
+                        <a:lnSpc>
+                          <a:spcPct val="100000"/>
+                        </a:lnSpc>
+                        <a:spcBef>
+                          <a:spcPts val="450"/>
+                        </a:spcBef>
+                      </a:pPr>
+                      <a:endParaRPr sz="900">
+                        <a:latin typeface="AdobeClean-Light"/>
+                        <a:cs typeface="AdobeClean-Light"/>
+                      </a:endParaRPr>
                     </a:p>
                   </a:txBody>
                   <a:tcPr marL="0" marR="0" marT="57150" marB="0">
@@ -4846,16 +5821,26 @@
                         </a:spcBef>
                       </a:pPr>
                       <a:r>
-                        <a:rPr lang="en-US" sz="900" spc="0" dirty="0">
+                        <a:rPr sz="900" spc="0">
                           <a:solidFill>
                             <a:srgbClr val="020302"/>
                           </a:solidFill>
                           <a:latin typeface="AdobeClean-Light"/>
                           <a:cs typeface="AdobeClean-Light"/>
                         </a:rPr>
-                        <a:t>每年服务审查次数</a:t>
+                        <a:t>Service Reviews </a:t>
                       </a:r>
-                      <a:endParaRPr sz="900" spc="0" dirty="0">
+                      <a:r>
+                        <a:rPr lang="en-US" sz="900" spc="0">
+                          <a:solidFill>
+                            <a:srgbClr val="020302"/>
+                          </a:solidFill>
+                          <a:latin typeface="AdobeClean-Light"/>
+                          <a:cs typeface="AdobeClean-Light"/>
+                        </a:rPr>
+                        <a:t>per Year</a:t>
+                      </a:r>
+                      <a:endParaRPr sz="900" spc="0">
                         <a:latin typeface="AdobeClean-Light"/>
                         <a:cs typeface="AdobeClean-Light"/>
                       </a:endParaRPr>
@@ -4886,9 +5871,9 @@
                           <a:spcPct val="100000"/>
                         </a:lnSpc>
                       </a:pPr>
-                      <a:endParaRPr sz="900" dirty="0">
-                        <a:latin typeface="Times New Roman" panose="02020603050405020304"/>
-                        <a:cs typeface="Times New Roman" panose="02020603050405020304"/>
+                      <a:endParaRPr sz="900">
+                        <a:latin typeface="Times New Roman"/>
+                        <a:cs typeface="Times New Roman"/>
                       </a:endParaRPr>
                     </a:p>
                   </a:txBody>
@@ -4915,9 +5900,9 @@
                           <a:spcPct val="100000"/>
                         </a:lnSpc>
                       </a:pPr>
-                      <a:endParaRPr sz="900" dirty="0">
-                        <a:latin typeface="Times New Roman" panose="02020603050405020304"/>
-                        <a:cs typeface="Times New Roman" panose="02020603050405020304"/>
+                      <a:endParaRPr sz="900">
+                        <a:latin typeface="Times New Roman"/>
+                        <a:cs typeface="Times New Roman"/>
                       </a:endParaRPr>
                     </a:p>
                   </a:txBody>
@@ -4960,13 +5945,13 @@
                         </a:spcBef>
                       </a:pPr>
                       <a:r>
-                        <a:rPr lang="en-US" sz="900" spc="0" dirty="0">
+                        <a:rPr lang="en-US" sz="900" spc="0">
                           <a:latin typeface="AdobeClean-Light"/>
                           <a:cs typeface="AdobeClean-Light"/>
                         </a:rPr>
-                        <a:t>每年专家讲座数</a:t>
+                        <a:t>Expert Sessions per Year</a:t>
                       </a:r>
-                      <a:endParaRPr sz="900" spc="0" dirty="0">
+                      <a:endParaRPr sz="900" spc="0">
                         <a:latin typeface="AdobeClean-Light"/>
                         <a:cs typeface="AdobeClean-Light"/>
                       </a:endParaRPr>
@@ -5003,9 +5988,9 @@
                           <a:spcPct val="100000"/>
                         </a:lnSpc>
                       </a:pPr>
-                      <a:endParaRPr sz="900" dirty="0">
-                        <a:latin typeface="Times New Roman" panose="02020603050405020304"/>
-                        <a:cs typeface="Times New Roman" panose="02020603050405020304"/>
+                      <a:endParaRPr sz="900">
+                        <a:latin typeface="Times New Roman"/>
+                        <a:cs typeface="Times New Roman"/>
                       </a:endParaRPr>
                     </a:p>
                   </a:txBody>
@@ -5032,9 +6017,9 @@
                           <a:spcPct val="100000"/>
                         </a:lnSpc>
                       </a:pPr>
-                      <a:endParaRPr sz="900" dirty="0">
-                        <a:latin typeface="Times New Roman" panose="02020603050405020304"/>
-                        <a:cs typeface="Times New Roman" panose="02020603050405020304"/>
+                      <a:endParaRPr sz="900">
+                        <a:latin typeface="Times New Roman"/>
+                        <a:cs typeface="Times New Roman"/>
                       </a:endParaRPr>
                     </a:p>
                   </a:txBody>
@@ -5048,7 +6033,7 @@
                 </a:tc>
                 <a:extLst>
                   <a:ext uri="{0D108BD9-81ED-4DB2-BD59-A6C34878D82A}">
-                    <a16:rowId xmlns:a16="http://schemas.microsoft.com/office/drawing/2014/main" val="10011"/>
+                    <a16:rowId xmlns:a16="http://schemas.microsoft.com/office/drawing/2014/main" val="225399098"/>
                   </a:ext>
                 </a:extLst>
               </a:tr>
@@ -5077,13 +6062,13 @@
                         </a:spcBef>
                       </a:pPr>
                       <a:r>
-                        <a:rPr lang="en-US" sz="900" spc="0" dirty="0">
+                        <a:rPr lang="en-US" sz="900" spc="0">
                           <a:latin typeface="AdobeClean-Light"/>
                           <a:cs typeface="AdobeClean-Light"/>
                         </a:rPr>
-                        <a:t>案例审查</a:t>
+                        <a:t>Case Reviews</a:t>
                       </a:r>
-                      <a:endParaRPr sz="900" spc="0" dirty="0">
+                      <a:endParaRPr sz="900" spc="0">
                         <a:latin typeface="AdobeClean-Light"/>
                         <a:cs typeface="AdobeClean-Light"/>
                       </a:endParaRPr>
@@ -5120,9 +6105,9 @@
                           <a:spcPct val="100000"/>
                         </a:lnSpc>
                       </a:pPr>
-                      <a:endParaRPr sz="900" dirty="0">
-                        <a:latin typeface="Times New Roman" panose="02020603050405020304"/>
-                        <a:cs typeface="Times New Roman" panose="02020603050405020304"/>
+                      <a:endParaRPr sz="900">
+                        <a:latin typeface="Times New Roman"/>
+                        <a:cs typeface="Times New Roman"/>
                       </a:endParaRPr>
                     </a:p>
                   </a:txBody>
@@ -5149,9 +6134,9 @@
                           <a:spcPct val="100000"/>
                         </a:lnSpc>
                       </a:pPr>
-                      <a:endParaRPr sz="900" dirty="0">
-                        <a:latin typeface="Times New Roman" panose="02020603050405020304"/>
-                        <a:cs typeface="Times New Roman" panose="02020603050405020304"/>
+                      <a:endParaRPr sz="900">
+                        <a:latin typeface="Times New Roman"/>
+                        <a:cs typeface="Times New Roman"/>
                       </a:endParaRPr>
                     </a:p>
                   </a:txBody>
@@ -5165,7 +6150,7 @@
                 </a:tc>
                 <a:extLst>
                   <a:ext uri="{0D108BD9-81ED-4DB2-BD59-A6C34878D82A}">
-                    <a16:rowId xmlns:a16="http://schemas.microsoft.com/office/drawing/2014/main" val="10012"/>
+                    <a16:rowId xmlns:a16="http://schemas.microsoft.com/office/drawing/2014/main" val="1164642039"/>
                   </a:ext>
                 </a:extLst>
               </a:tr>
@@ -5175,7 +6160,18 @@
                     <a:bodyPr/>
                     <a:lstStyle/>
                     <a:p>
-                      <a:endParaRPr lang="en-US"/>
+                      <a:pPr marL="48895">
+                        <a:lnSpc>
+                          <a:spcPct val="100000"/>
+                        </a:lnSpc>
+                        <a:spcBef>
+                          <a:spcPts val="459"/>
+                        </a:spcBef>
+                      </a:pPr>
+                      <a:endParaRPr sz="900">
+                        <a:latin typeface="AdobeClean-Light"/>
+                        <a:cs typeface="AdobeClean-Light"/>
+                      </a:endParaRPr>
                     </a:p>
                   </a:txBody>
                   <a:tcPr marL="0" marR="0" marT="58419" marB="0">
@@ -5218,20 +6214,30 @@
                           <a:spcPct val="100000"/>
                         </a:lnSpc>
                         <a:spcBef>
-                          <a:spcPts val="460"/>
+                          <a:spcPts val="459"/>
                         </a:spcBef>
                       </a:pPr>
                       <a:r>
-                        <a:rPr lang="en-US" sz="900" spc="0" dirty="0">
+                        <a:rPr sz="900" spc="0">
                           <a:solidFill>
                             <a:srgbClr val="020302"/>
                           </a:solidFill>
                           <a:latin typeface="AdobeClean-Light"/>
                           <a:cs typeface="AdobeClean-Light"/>
                         </a:rPr>
-                        <a:t>事件管理</a:t>
+                        <a:t>Event </a:t>
                       </a:r>
-                      <a:endParaRPr sz="900" spc="0" dirty="0">
+                      <a:r>
+                        <a:rPr lang="en-US" sz="900" spc="0">
+                          <a:solidFill>
+                            <a:srgbClr val="020302"/>
+                          </a:solidFill>
+                          <a:latin typeface="AdobeClean-Light"/>
+                          <a:cs typeface="AdobeClean-Light"/>
+                        </a:rPr>
+                        <a:t>Management</a:t>
+                      </a:r>
+                      <a:endParaRPr sz="900" spc="0">
                         <a:latin typeface="AdobeClean-Light"/>
                         <a:cs typeface="AdobeClean-Light"/>
                       </a:endParaRPr>
@@ -5268,9 +6274,9 @@
                           <a:spcPct val="100000"/>
                         </a:lnSpc>
                       </a:pPr>
-                      <a:endParaRPr sz="900" dirty="0">
-                        <a:latin typeface="Times New Roman" panose="02020603050405020304"/>
-                        <a:cs typeface="Times New Roman" panose="02020603050405020304"/>
+                      <a:endParaRPr sz="900">
+                        <a:latin typeface="Times New Roman"/>
+                        <a:cs typeface="Times New Roman"/>
                       </a:endParaRPr>
                     </a:p>
                   </a:txBody>
@@ -5297,9 +6303,9 @@
                           <a:spcPct val="100000"/>
                         </a:lnSpc>
                       </a:pPr>
-                      <a:endParaRPr sz="900" dirty="0">
-                        <a:latin typeface="Times New Roman" panose="02020603050405020304"/>
-                        <a:cs typeface="Times New Roman" panose="02020603050405020304"/>
+                      <a:endParaRPr sz="900">
+                        <a:latin typeface="Times New Roman"/>
+                        <a:cs typeface="Times New Roman"/>
                       </a:endParaRPr>
                     </a:p>
                   </a:txBody>
@@ -5313,7 +6319,7 @@
                 </a:tc>
                 <a:extLst>
                   <a:ext uri="{0D108BD9-81ED-4DB2-BD59-A6C34878D82A}">
-                    <a16:rowId xmlns:a16="http://schemas.microsoft.com/office/drawing/2014/main" val="10013"/>
+                    <a16:rowId xmlns:a16="http://schemas.microsoft.com/office/drawing/2014/main" val="10011"/>
                   </a:ext>
                 </a:extLst>
               </a:tr>
@@ -5323,7 +6329,18 @@
                     <a:bodyPr/>
                     <a:lstStyle/>
                     <a:p>
-                      <a:endParaRPr lang="en-US"/>
+                      <a:pPr marL="48895">
+                        <a:lnSpc>
+                          <a:spcPct val="100000"/>
+                        </a:lnSpc>
+                        <a:spcBef>
+                          <a:spcPts val="465"/>
+                        </a:spcBef>
+                      </a:pPr>
+                      <a:endParaRPr sz="900">
+                        <a:latin typeface="AdobeClean-Light"/>
+                        <a:cs typeface="AdobeClean-Light"/>
+                      </a:endParaRPr>
                     </a:p>
                   </a:txBody>
                   <a:tcPr marL="0" marR="0" marT="59055" marB="0">
@@ -5361,16 +6378,36 @@
                         </a:spcBef>
                       </a:pPr>
                       <a:r>
-                        <a:rPr lang="en-US" sz="900" spc="0" dirty="0">
+                        <a:rPr sz="900" spc="0">
                           <a:solidFill>
                             <a:srgbClr val="020302"/>
                           </a:solidFill>
                           <a:latin typeface="AdobeClean-Light"/>
                           <a:cs typeface="AdobeClean-Light"/>
                         </a:rPr>
-                        <a:t>环境审查、维护和监控</a:t>
+                        <a:t>Environment</a:t>
                       </a:r>
-                      <a:endParaRPr sz="900" spc="0" dirty="0">
+                      <a:r>
+                        <a:rPr lang="en-US" sz="900" spc="0">
+                          <a:solidFill>
+                            <a:srgbClr val="020302"/>
+                          </a:solidFill>
+                          <a:latin typeface="AdobeClean-Light"/>
+                          <a:cs typeface="AdobeClean-Light"/>
+                        </a:rPr>
+                        <a:t> </a:t>
+                      </a:r>
+                      <a:r>
+                        <a:rPr sz="900" spc="0">
+                          <a:solidFill>
+                            <a:srgbClr val="020302"/>
+                          </a:solidFill>
+                          <a:latin typeface="AdobeClean-Light"/>
+                          <a:cs typeface="AdobeClean-Light"/>
+                        </a:rPr>
+                        <a:t>Review, Maintenance &amp; Monitoring</a:t>
+                      </a:r>
+                      <a:endParaRPr sz="900" spc="0">
                         <a:latin typeface="AdobeClean-Light"/>
                         <a:cs typeface="AdobeClean-Light"/>
                       </a:endParaRPr>
@@ -5401,9 +6438,9 @@
                           <a:spcPct val="100000"/>
                         </a:lnSpc>
                       </a:pPr>
-                      <a:endParaRPr sz="900" dirty="0">
-                        <a:latin typeface="Times New Roman" panose="02020603050405020304"/>
-                        <a:cs typeface="Times New Roman" panose="02020603050405020304"/>
+                      <a:endParaRPr sz="900">
+                        <a:latin typeface="Times New Roman"/>
+                        <a:cs typeface="Times New Roman"/>
                       </a:endParaRPr>
                     </a:p>
                   </a:txBody>
@@ -5430,9 +6467,9 @@
                           <a:spcPct val="100000"/>
                         </a:lnSpc>
                       </a:pPr>
-                      <a:endParaRPr sz="900" dirty="0">
-                        <a:latin typeface="Times New Roman" panose="02020603050405020304"/>
-                        <a:cs typeface="Times New Roman" panose="02020603050405020304"/>
+                      <a:endParaRPr sz="900">
+                        <a:latin typeface="Times New Roman"/>
+                        <a:cs typeface="Times New Roman"/>
                       </a:endParaRPr>
                     </a:p>
                   </a:txBody>
@@ -5446,7 +6483,7 @@
                 </a:tc>
                 <a:extLst>
                   <a:ext uri="{0D108BD9-81ED-4DB2-BD59-A6C34878D82A}">
-                    <a16:rowId xmlns:a16="http://schemas.microsoft.com/office/drawing/2014/main" val="10014"/>
+                    <a16:rowId xmlns:a16="http://schemas.microsoft.com/office/drawing/2014/main" val="10012"/>
                   </a:ext>
                 </a:extLst>
               </a:tr>
@@ -5456,7 +6493,18 @@
                     <a:bodyPr/>
                     <a:lstStyle/>
                     <a:p>
-                      <a:endParaRPr lang="en-US"/>
+                      <a:pPr marL="49530">
+                        <a:lnSpc>
+                          <a:spcPct val="100000"/>
+                        </a:lnSpc>
+                        <a:spcBef>
+                          <a:spcPts val="500"/>
+                        </a:spcBef>
+                      </a:pPr>
+                      <a:endParaRPr sz="900">
+                        <a:latin typeface="AdobeClean-Light"/>
+                        <a:cs typeface="AdobeClean-Light"/>
+                      </a:endParaRPr>
                     </a:p>
                   </a:txBody>
                   <a:tcPr marL="0" marR="0" marT="63500" marB="0">
@@ -5494,16 +6542,16 @@
                         </a:spcBef>
                       </a:pPr>
                       <a:r>
-                        <a:rPr lang="en-US" sz="900" spc="0" dirty="0">
+                        <a:rPr sz="900" spc="0">
                           <a:solidFill>
                             <a:srgbClr val="020302"/>
                           </a:solidFill>
                           <a:latin typeface="AdobeClean-Light"/>
                           <a:cs typeface="AdobeClean-Light"/>
                         </a:rPr>
-                        <a:t>发布、迁移、升级和产品路线图审查</a:t>
+                        <a:t>Release, Migration, Upgrade &amp; Product Roadmap Review</a:t>
                       </a:r>
-                      <a:endParaRPr sz="900" spc="0" dirty="0">
+                      <a:endParaRPr sz="900" spc="0">
                         <a:latin typeface="AdobeClean-Light"/>
                         <a:cs typeface="AdobeClean-Light"/>
                       </a:endParaRPr>
@@ -5534,9 +6582,9 @@
                           <a:spcPct val="100000"/>
                         </a:lnSpc>
                       </a:pPr>
-                      <a:endParaRPr sz="900" dirty="0">
-                        <a:latin typeface="Times New Roman" panose="02020603050405020304"/>
-                        <a:cs typeface="Times New Roman" panose="02020603050405020304"/>
+                      <a:endParaRPr sz="900">
+                        <a:latin typeface="Times New Roman"/>
+                        <a:cs typeface="Times New Roman"/>
                       </a:endParaRPr>
                     </a:p>
                   </a:txBody>
@@ -5563,9 +6611,9 @@
                           <a:spcPct val="100000"/>
                         </a:lnSpc>
                       </a:pPr>
-                      <a:endParaRPr sz="900" dirty="0">
-                        <a:latin typeface="Times New Roman" panose="02020603050405020304"/>
-                        <a:cs typeface="Times New Roman" panose="02020603050405020304"/>
+                      <a:endParaRPr sz="900">
+                        <a:latin typeface="Times New Roman"/>
+                        <a:cs typeface="Times New Roman"/>
                       </a:endParaRPr>
                     </a:p>
                   </a:txBody>
@@ -5579,7 +6627,7 @@
                 </a:tc>
                 <a:extLst>
                   <a:ext uri="{0D108BD9-81ED-4DB2-BD59-A6C34878D82A}">
-                    <a16:rowId xmlns:a16="http://schemas.microsoft.com/office/drawing/2014/main" val="10015"/>
+                    <a16:rowId xmlns:a16="http://schemas.microsoft.com/office/drawing/2014/main" val="10013"/>
                   </a:ext>
                 </a:extLst>
               </a:tr>
@@ -5589,7 +6637,18 @@
                     <a:bodyPr/>
                     <a:lstStyle/>
                     <a:p>
-                      <a:endParaRPr lang="en-US"/>
+                      <a:pPr marL="49530">
+                        <a:lnSpc>
+                          <a:spcPct val="100000"/>
+                        </a:lnSpc>
+                        <a:spcBef>
+                          <a:spcPts val="530"/>
+                        </a:spcBef>
+                      </a:pPr>
+                      <a:endParaRPr sz="900">
+                        <a:latin typeface="AdobeClean-Light"/>
+                        <a:cs typeface="AdobeClean-Light"/>
+                      </a:endParaRPr>
                     </a:p>
                   </a:txBody>
                   <a:tcPr marL="0" marR="0" marT="67310" marB="0">
@@ -5636,11 +6695,11 @@
                         </a:spcBef>
                       </a:pPr>
                       <a:r>
-                        <a:rPr lang="en-US" sz="900" spc="0" dirty="0">
+                        <a:rPr sz="900" spc="0">
                           <a:latin typeface="AdobeClean-Light"/>
                           <a:cs typeface="AdobeClean-Light"/>
                         </a:rPr>
-                        <a:t>云支持活动 - Experience Manager as Cloud</a:t>
+                        <a:t>Cloud Support Activities – Experience Manager as Cloud</a:t>
                       </a:r>
                     </a:p>
                   </a:txBody>
@@ -5675,9 +6734,9 @@
                           <a:spcPct val="100000"/>
                         </a:lnSpc>
                       </a:pPr>
-                      <a:endParaRPr sz="900" dirty="0">
-                        <a:latin typeface="Times New Roman" panose="02020603050405020304"/>
-                        <a:cs typeface="Times New Roman" panose="02020603050405020304"/>
+                      <a:endParaRPr sz="900">
+                        <a:latin typeface="Times New Roman"/>
+                        <a:cs typeface="Times New Roman"/>
                       </a:endParaRPr>
                     </a:p>
                   </a:txBody>
@@ -5713,9 +6772,9 @@
                           <a:spcPct val="100000"/>
                         </a:lnSpc>
                       </a:pPr>
-                      <a:endParaRPr sz="900" dirty="0">
-                        <a:latin typeface="Times New Roman" panose="02020603050405020304"/>
-                        <a:cs typeface="Times New Roman" panose="02020603050405020304"/>
+                      <a:endParaRPr sz="900">
+                        <a:latin typeface="Times New Roman"/>
+                        <a:cs typeface="Times New Roman"/>
                       </a:endParaRPr>
                     </a:p>
                   </a:txBody>
@@ -5738,7 +6797,7 @@
                 </a:tc>
                 <a:extLst>
                   <a:ext uri="{0D108BD9-81ED-4DB2-BD59-A6C34878D82A}">
-                    <a16:rowId xmlns:a16="http://schemas.microsoft.com/office/drawing/2014/main" val="10016"/>
+                    <a16:rowId xmlns:a16="http://schemas.microsoft.com/office/drawing/2014/main" val="10014"/>
                   </a:ext>
                 </a:extLst>
               </a:tr>
@@ -5757,16 +6816,16 @@
                         </a:spcBef>
                       </a:pPr>
                       <a:r>
-                        <a:rPr lang="en-US" sz="1000" b="1" i="0" spc="0" dirty="0">
+                        <a:rPr lang="en-US" sz="1000" b="1" i="0" spc="0">
                           <a:solidFill>
                             <a:schemeClr val="bg1"/>
                           </a:solidFill>
                           <a:latin typeface="Adobe Clean" panose="020B0503020404020204" pitchFamily="34" charset="0"/>
                           <a:cs typeface="AdobeClean-Light"/>
                         </a:rPr>
-                        <a:t>现场服务</a:t>
+                        <a:t>Field Services</a:t>
                       </a:r>
-                      <a:endParaRPr sz="1000" b="1" i="0" spc="0" dirty="0">
+                      <a:endParaRPr sz="1000" b="1" i="0" spc="0">
                         <a:solidFill>
                           <a:schemeClr val="bg1"/>
                         </a:solidFill>
@@ -5825,16 +6884,16 @@
                         </a:spcBef>
                       </a:pPr>
                       <a:r>
-                        <a:rPr lang="en-US" sz="900" spc="0" dirty="0">
+                        <a:rPr sz="900" spc="0">
                           <a:solidFill>
                             <a:srgbClr val="020302"/>
                           </a:solidFill>
                           <a:latin typeface="AdobeClean-Light"/>
                           <a:cs typeface="AdobeClean-Light"/>
                         </a:rPr>
-                        <a:t>Launch Advisory Services - 新解决方案的第一年</a:t>
+                        <a:t>Launch Advisory Services – First Year of new solution</a:t>
                       </a:r>
-                      <a:endParaRPr sz="900" spc="0" dirty="0">
+                      <a:endParaRPr sz="900" spc="0">
                         <a:latin typeface="AdobeClean-Light"/>
                         <a:cs typeface="AdobeClean-Light"/>
                       </a:endParaRPr>
@@ -5849,11 +6908,11 @@
                         </a:spcBef>
                       </a:pPr>
                       <a:r>
-                        <a:rPr lang="en-US" sz="900" spc="0" dirty="0">
+                        <a:rPr sz="900" spc="0">
                           <a:latin typeface="AdobeClean-Light"/>
                           <a:cs typeface="AdobeClean-Light"/>
                         </a:rPr>
-                        <a:t>现场服务活动</a:t>
+                        <a:t>Field Service Activities </a:t>
                       </a:r>
                     </a:p>
                   </a:txBody>
@@ -5894,9 +6953,9 @@
                           <a:spcPct val="100000"/>
                         </a:lnSpc>
                       </a:pPr>
-                      <a:endParaRPr sz="900" dirty="0">
-                        <a:latin typeface="Times New Roman" panose="02020603050405020304"/>
-                        <a:cs typeface="Times New Roman" panose="02020603050405020304"/>
+                      <a:endParaRPr sz="900">
+                        <a:latin typeface="Times New Roman"/>
+                        <a:cs typeface="Times New Roman"/>
                       </a:endParaRPr>
                     </a:p>
                   </a:txBody>
@@ -5932,9 +6991,9 @@
                           <a:spcPct val="100000"/>
                         </a:lnSpc>
                       </a:pPr>
-                      <a:endParaRPr sz="900" dirty="0">
-                        <a:latin typeface="Times New Roman" panose="02020603050405020304"/>
-                        <a:cs typeface="Times New Roman" panose="02020603050405020304"/>
+                      <a:endParaRPr sz="900">
+                        <a:latin typeface="Times New Roman"/>
+                        <a:cs typeface="Times New Roman"/>
                       </a:endParaRPr>
                     </a:p>
                   </a:txBody>
@@ -5957,7 +7016,7 @@
                 </a:tc>
                 <a:extLst>
                   <a:ext uri="{0D108BD9-81ED-4DB2-BD59-A6C34878D82A}">
-                    <a16:rowId xmlns:a16="http://schemas.microsoft.com/office/drawing/2014/main" val="10017"/>
+                    <a16:rowId xmlns:a16="http://schemas.microsoft.com/office/drawing/2014/main" val="10015"/>
                   </a:ext>
                 </a:extLst>
               </a:tr>
@@ -5977,7 +7036,7 @@
                     <a:bodyPr/>
                     <a:lstStyle/>
                     <a:p>
-                      <a:endParaRPr lang="en-US"/>
+                      <a:endParaRPr/>
                     </a:p>
                   </a:txBody>
                   <a:tcPr marL="0" marR="0" marT="48260" marB="0">
@@ -6017,9 +7076,9 @@
                           <a:spcPct val="100000"/>
                         </a:lnSpc>
                       </a:pPr>
-                      <a:endParaRPr sz="900" dirty="0">
-                        <a:latin typeface="Times New Roman" panose="02020603050405020304"/>
-                        <a:cs typeface="Times New Roman" panose="02020603050405020304"/>
+                      <a:endParaRPr sz="900">
+                        <a:latin typeface="Times New Roman"/>
+                        <a:cs typeface="Times New Roman"/>
                       </a:endParaRPr>
                     </a:p>
                   </a:txBody>
@@ -6038,14 +7097,14 @@
                     <a:bodyPr/>
                     <a:lstStyle/>
                     <a:p>
-                      <a:pPr marL="0" algn="l" rtl="0">
+                      <a:pPr>
                         <a:lnSpc>
                           <a:spcPct val="100000"/>
                         </a:lnSpc>
                       </a:pPr>
                       <a:endParaRPr sz="900" dirty="0">
-                        <a:latin typeface="Times New Roman" panose="02020603050405020304"/>
-                        <a:cs typeface="Times New Roman" panose="02020603050405020304"/>
+                        <a:latin typeface="Times New Roman"/>
+                        <a:cs typeface="Times New Roman"/>
                       </a:endParaRPr>
                     </a:p>
                   </a:txBody>
@@ -6065,7 +7124,7 @@
                 </a:tc>
                 <a:extLst>
                   <a:ext uri="{0D108BD9-81ED-4DB2-BD59-A6C34878D82A}">
-                    <a16:rowId xmlns:a16="http://schemas.microsoft.com/office/drawing/2014/main" val="10018"/>
+                    <a16:rowId xmlns:a16="http://schemas.microsoft.com/office/drawing/2014/main" val="10016"/>
                   </a:ext>
                 </a:extLst>
               </a:tr>
@@ -6075,7 +7134,13 @@
       </p:graphicFrame>
       <p:sp>
         <p:nvSpPr>
-          <p:cNvPr id="6" name="TextBox 5"/>
+          <p:cNvPr id="6" name="TextBox 5">
+            <a:extLst>
+              <a:ext uri="{FF2B5EF4-FFF2-40B4-BE49-F238E27FC236}">
+                <a16:creationId xmlns:a16="http://schemas.microsoft.com/office/drawing/2014/main" id="{669E35DE-6A5F-5549-904F-459C7D857BB2}"/>
+              </a:ext>
+            </a:extLst>
+          </p:cNvPr>
           <p:cNvSpPr txBox="1"/>
           <p:nvPr/>
         </p:nvSpPr>
@@ -6096,7 +7161,7 @@
           <a:lstStyle/>
           <a:p>
             <a:r>
-              <a:rPr lang="en-US" sz="700" i="1" dirty="0">
+              <a:rPr lang="en-US" sz="700" i="1">
                 <a:solidFill>
                   <a:schemeClr val="bg1"/>
                 </a:solidFill>
@@ -6299,15 +7364,15 @@
               </a:spcBef>
             </a:pPr>
             <a:r>
-              <a:rPr lang="en-US" sz="1000" dirty="0">
+              <a:rPr lang="en-US" sz="1000">
                 <a:solidFill>
                   <a:srgbClr val="000000"/>
                 </a:solidFill>
                 <a:latin typeface="Adobe Clean Light" panose="020B0303020404020204" pitchFamily="34" charset="0"/>
               </a:rPr>
-              <a:t>指定的帐户支持主管会主动监控案例、推动跨团队协作、举行新用户入门网络研讨会、运行服务报告、提供非技术支持帮助，并在 Adobe 支持部门中充当上报联系人和内部布道师。</a:t>
-            </a:r>
-            <a:endParaRPr lang="en-US" sz="1000" dirty="0">
+              <a:t>A designated Account Support Lead to proactively monitor cases, drive cross-team collaboration, deliver onboarding webinars, run service reports, provide non-technical support assistance, and function as your escalation point and internal advocate within Adobe Support.</a:t>
+            </a:r>
+            <a:endParaRPr lang="en-US" sz="1000">
               <a:latin typeface="Adobe Clean Light" panose="020B0303020404020204" pitchFamily="34" charset="0"/>
               <a:cs typeface="AdobeClean-Light"/>
             </a:endParaRPr>
@@ -6323,14 +7388,14 @@
         <p:spPr>
           <a:xfrm>
             <a:off x="2836967" y="8618616"/>
-            <a:ext cx="2286000" cy="487313"/>
+ 